--- a/src/main/resources/oscon_2010_specs.pptx
+++ b/src/main/resources/oscon_2010_specs.pptx
@@ -6,7 +6,7 @@
     <p:sldMasterId id="2147483651" r:id="rId2"/>
   </p:sldMasterIdLst>
   <p:notesMasterIdLst>
-    <p:notesMasterId r:id="rId9"/>
+    <p:notesMasterId r:id="rId12"/>
   </p:notesMasterIdLst>
   <p:sldIdLst>
     <p:sldId id="258" r:id="rId3"/>
@@ -15,6 +15,9 @@
     <p:sldId id="261" r:id="rId6"/>
     <p:sldId id="262" r:id="rId7"/>
     <p:sldId id="263" r:id="rId8"/>
+    <p:sldId id="264" r:id="rId9"/>
+    <p:sldId id="265" r:id="rId10"/>
+    <p:sldId id="266" r:id="rId11"/>
   </p:sldIdLst>
   <p:sldSz cx="13004800" cy="9753600"/>
   <p:notesSz cx="6858000" cy="9144000"/>
@@ -1044,6 +1047,258 @@
               <a:rPr lang="en-US"/>
               <a:pPr/>
               <a:t>6</a:t>
+            </a:fld>
+            <a:endParaRPr lang="en-US"/>
+          </a:p>
+        </p:txBody>
+      </p:sp>
+      <p:sp>
+        <p:nvSpPr>
+          <p:cNvPr id="19458" name="Rectangle 2"/>
+          <p:cNvSpPr>
+            <a:spLocks noGrp="1" noRot="1" noChangeAspect="1" noChangeArrowheads="1" noTextEdit="1"/>
+          </p:cNvSpPr>
+          <p:nvPr>
+            <p:ph type="sldImg"/>
+          </p:nvPr>
+        </p:nvSpPr>
+        <p:spPr>
+          <a:ln/>
+        </p:spPr>
+      </p:sp>
+      <p:sp>
+        <p:nvSpPr>
+          <p:cNvPr id="19459" name="Rectangle 3"/>
+          <p:cNvSpPr>
+            <a:spLocks noGrp="1"/>
+          </p:cNvSpPr>
+          <p:nvPr>
+            <p:ph type="body" idx="1"/>
+          </p:nvPr>
+        </p:nvSpPr>
+        <p:spPr/>
+        <p:txBody>
+          <a:bodyPr/>
+          <a:lstStyle/>
+          <a:p>
+            <a:endParaRPr lang="en-US"/>
+          </a:p>
+        </p:txBody>
+      </p:sp>
+    </p:spTree>
+  </p:cSld>
+  <p:clrMapOvr>
+    <a:masterClrMapping/>
+  </p:clrMapOvr>
+</p:notes>
+</file>
+
+<file path=ppt/notesSlides/notesSlide7.xml><?xml version="1.0" encoding="utf-8"?>
+<p:notes xmlns:a="http://schemas.openxmlformats.org/drawingml/2006/main" xmlns:r="http://schemas.openxmlformats.org/officeDocument/2006/relationships" xmlns:p="http://schemas.openxmlformats.org/presentationml/2006/main">
+  <p:cSld>
+    <p:spTree>
+      <p:nvGrpSpPr>
+        <p:cNvPr id="1" name=""/>
+        <p:cNvGrpSpPr/>
+        <p:nvPr/>
+      </p:nvGrpSpPr>
+      <p:grpSpPr>
+        <a:xfrm>
+          <a:off x="0" y="0"/>
+          <a:ext cx="0" cy="0"/>
+          <a:chOff x="0" y="0"/>
+          <a:chExt cx="0" cy="0"/>
+        </a:xfrm>
+      </p:grpSpPr>
+      <p:sp>
+        <p:nvSpPr>
+          <p:cNvPr id="7" name="Rectangle 7"/>
+          <p:cNvSpPr>
+            <a:spLocks noGrp="1"/>
+          </p:cNvSpPr>
+          <p:nvPr>
+            <p:ph type="sldNum" sz="quarter" idx="5"/>
+          </p:nvPr>
+        </p:nvSpPr>
+        <p:spPr>
+          <a:ln/>
+        </p:spPr>
+        <p:txBody>
+          <a:bodyPr/>
+          <a:lstStyle/>
+          <a:p>
+            <a:fld id="{27AEA7DA-096A-4FB7-B4B3-D12717EF4BDD}" type="slidenum">
+              <a:rPr lang="en-US"/>
+              <a:pPr/>
+              <a:t>7</a:t>
+            </a:fld>
+            <a:endParaRPr lang="en-US"/>
+          </a:p>
+        </p:txBody>
+      </p:sp>
+      <p:sp>
+        <p:nvSpPr>
+          <p:cNvPr id="19458" name="Rectangle 2"/>
+          <p:cNvSpPr>
+            <a:spLocks noGrp="1" noRot="1" noChangeAspect="1" noChangeArrowheads="1" noTextEdit="1"/>
+          </p:cNvSpPr>
+          <p:nvPr>
+            <p:ph type="sldImg"/>
+          </p:nvPr>
+        </p:nvSpPr>
+        <p:spPr>
+          <a:ln/>
+        </p:spPr>
+      </p:sp>
+      <p:sp>
+        <p:nvSpPr>
+          <p:cNvPr id="19459" name="Rectangle 3"/>
+          <p:cNvSpPr>
+            <a:spLocks noGrp="1"/>
+          </p:cNvSpPr>
+          <p:nvPr>
+            <p:ph type="body" idx="1"/>
+          </p:nvPr>
+        </p:nvSpPr>
+        <p:spPr/>
+        <p:txBody>
+          <a:bodyPr/>
+          <a:lstStyle/>
+          <a:p>
+            <a:endParaRPr lang="en-US"/>
+          </a:p>
+        </p:txBody>
+      </p:sp>
+    </p:spTree>
+  </p:cSld>
+  <p:clrMapOvr>
+    <a:masterClrMapping/>
+  </p:clrMapOvr>
+</p:notes>
+</file>
+
+<file path=ppt/notesSlides/notesSlide8.xml><?xml version="1.0" encoding="utf-8"?>
+<p:notes xmlns:a="http://schemas.openxmlformats.org/drawingml/2006/main" xmlns:r="http://schemas.openxmlformats.org/officeDocument/2006/relationships" xmlns:p="http://schemas.openxmlformats.org/presentationml/2006/main">
+  <p:cSld>
+    <p:spTree>
+      <p:nvGrpSpPr>
+        <p:cNvPr id="1" name=""/>
+        <p:cNvGrpSpPr/>
+        <p:nvPr/>
+      </p:nvGrpSpPr>
+      <p:grpSpPr>
+        <a:xfrm>
+          <a:off x="0" y="0"/>
+          <a:ext cx="0" cy="0"/>
+          <a:chOff x="0" y="0"/>
+          <a:chExt cx="0" cy="0"/>
+        </a:xfrm>
+      </p:grpSpPr>
+      <p:sp>
+        <p:nvSpPr>
+          <p:cNvPr id="7" name="Rectangle 7"/>
+          <p:cNvSpPr>
+            <a:spLocks noGrp="1"/>
+          </p:cNvSpPr>
+          <p:nvPr>
+            <p:ph type="sldNum" sz="quarter" idx="5"/>
+          </p:nvPr>
+        </p:nvSpPr>
+        <p:spPr>
+          <a:ln/>
+        </p:spPr>
+        <p:txBody>
+          <a:bodyPr/>
+          <a:lstStyle/>
+          <a:p>
+            <a:fld id="{27AEA7DA-096A-4FB7-B4B3-D12717EF4BDD}" type="slidenum">
+              <a:rPr lang="en-US"/>
+              <a:pPr/>
+              <a:t>8</a:t>
+            </a:fld>
+            <a:endParaRPr lang="en-US"/>
+          </a:p>
+        </p:txBody>
+      </p:sp>
+      <p:sp>
+        <p:nvSpPr>
+          <p:cNvPr id="19458" name="Rectangle 2"/>
+          <p:cNvSpPr>
+            <a:spLocks noGrp="1" noRot="1" noChangeAspect="1" noChangeArrowheads="1" noTextEdit="1"/>
+          </p:cNvSpPr>
+          <p:nvPr>
+            <p:ph type="sldImg"/>
+          </p:nvPr>
+        </p:nvSpPr>
+        <p:spPr>
+          <a:ln/>
+        </p:spPr>
+      </p:sp>
+      <p:sp>
+        <p:nvSpPr>
+          <p:cNvPr id="19459" name="Rectangle 3"/>
+          <p:cNvSpPr>
+            <a:spLocks noGrp="1"/>
+          </p:cNvSpPr>
+          <p:nvPr>
+            <p:ph type="body" idx="1"/>
+          </p:nvPr>
+        </p:nvSpPr>
+        <p:spPr/>
+        <p:txBody>
+          <a:bodyPr/>
+          <a:lstStyle/>
+          <a:p>
+            <a:endParaRPr lang="en-US"/>
+          </a:p>
+        </p:txBody>
+      </p:sp>
+    </p:spTree>
+  </p:cSld>
+  <p:clrMapOvr>
+    <a:masterClrMapping/>
+  </p:clrMapOvr>
+</p:notes>
+</file>
+
+<file path=ppt/notesSlides/notesSlide9.xml><?xml version="1.0" encoding="utf-8"?>
+<p:notes xmlns:a="http://schemas.openxmlformats.org/drawingml/2006/main" xmlns:r="http://schemas.openxmlformats.org/officeDocument/2006/relationships" xmlns:p="http://schemas.openxmlformats.org/presentationml/2006/main">
+  <p:cSld>
+    <p:spTree>
+      <p:nvGrpSpPr>
+        <p:cNvPr id="1" name=""/>
+        <p:cNvGrpSpPr/>
+        <p:nvPr/>
+      </p:nvGrpSpPr>
+      <p:grpSpPr>
+        <a:xfrm>
+          <a:off x="0" y="0"/>
+          <a:ext cx="0" cy="0"/>
+          <a:chOff x="0" y="0"/>
+          <a:chExt cx="0" cy="0"/>
+        </a:xfrm>
+      </p:grpSpPr>
+      <p:sp>
+        <p:nvSpPr>
+          <p:cNvPr id="7" name="Rectangle 7"/>
+          <p:cNvSpPr>
+            <a:spLocks noGrp="1"/>
+          </p:cNvSpPr>
+          <p:nvPr>
+            <p:ph type="sldNum" sz="quarter" idx="5"/>
+          </p:nvPr>
+        </p:nvSpPr>
+        <p:spPr>
+          <a:ln/>
+        </p:spPr>
+        <p:txBody>
+          <a:bodyPr/>
+          <a:lstStyle/>
+          <a:p>
+            <a:fld id="{27AEA7DA-096A-4FB7-B4B3-D12717EF4BDD}" type="slidenum">
+              <a:rPr lang="en-US"/>
+              <a:pPr/>
+              <a:t>9</a:t>
             </a:fld>
             <a:endParaRPr lang="en-US"/>
           </a:p>
@@ -7143,6 +7398,1441 @@
           <a:noFill/>
         </p:spPr>
       </p:pic>
+    </p:spTree>
+  </p:cSld>
+  <p:clrMapOvr>
+    <a:masterClrMapping/>
+  </p:clrMapOvr>
+  <p:transition>
+    <p:fade/>
+  </p:transition>
+  <p:timing>
+    <p:tnLst>
+      <p:par>
+        <p:cTn id="1" dur="indefinite" restart="never" nodeType="tmRoot"/>
+      </p:par>
+    </p:tnLst>
+  </p:timing>
+</p:sld>
+</file>
+
+<file path=ppt/slides/slide7.xml><?xml version="1.0" encoding="utf-8"?>
+<p:sld xmlns:a="http://schemas.openxmlformats.org/drawingml/2006/main" xmlns:r="http://schemas.openxmlformats.org/officeDocument/2006/relationships" xmlns:p="http://schemas.openxmlformats.org/presentationml/2006/main">
+  <p:cSld>
+    <p:spTree>
+      <p:nvGrpSpPr>
+        <p:cNvPr id="1" name=""/>
+        <p:cNvGrpSpPr/>
+        <p:nvPr/>
+      </p:nvGrpSpPr>
+      <p:grpSpPr>
+        <a:xfrm>
+          <a:off x="0" y="0"/>
+          <a:ext cx="0" cy="0"/>
+          <a:chOff x="0" y="0"/>
+          <a:chExt cx="0" cy="0"/>
+        </a:xfrm>
+      </p:grpSpPr>
+      <p:sp>
+        <p:nvSpPr>
+          <p:cNvPr id="8193" name="Rectangle 1"/>
+          <p:cNvSpPr>
+            <a:spLocks noGrp="1" noChangeArrowheads="1"/>
+          </p:cNvSpPr>
+          <p:nvPr>
+            <p:ph type="title"/>
+          </p:nvPr>
+        </p:nvSpPr>
+        <p:spPr>
+          <a:ln/>
+        </p:spPr>
+        <p:txBody>
+          <a:bodyPr/>
+          <a:lstStyle/>
+          <a:p>
+            <a:pPr lvl="0"/>
+            <a:r>
+              <a:rPr lang="en-US" sz="5400" dirty="0" smtClean="0">
+                <a:latin typeface="Lucida Handwriting" pitchFamily="66" charset="0"/>
+              </a:rPr>
+              <a:t>     </a:t>
+            </a:r>
+            <a:r>
+              <a:rPr lang="en-US" sz="5400" dirty="0" smtClean="0">
+                <a:latin typeface="Lucida Handwriting" pitchFamily="66" charset="0"/>
+              </a:rPr>
+              <a:t>  tour</a:t>
+            </a:r>
+            <a:endParaRPr lang="en-US" dirty="0"/>
+          </a:p>
+        </p:txBody>
+      </p:sp>
+      <p:pic>
+        <p:nvPicPr>
+          <p:cNvPr id="39938" name="Picture 2" descr="Logo"/>
+          <p:cNvPicPr>
+            <a:picLocks noChangeAspect="1" noChangeArrowheads="1"/>
+          </p:cNvPicPr>
+          <p:nvPr/>
+        </p:nvPicPr>
+        <p:blipFill>
+          <a:blip r:embed="rId3"/>
+          <a:srcRect/>
+          <a:stretch>
+            <a:fillRect/>
+          </a:stretch>
+        </p:blipFill>
+        <p:spPr bwMode="auto">
+          <a:xfrm>
+            <a:off x="3833628" y="228600"/>
+            <a:ext cx="2287772" cy="642969"/>
+          </a:xfrm>
+          <a:prstGeom prst="rect">
+            <a:avLst/>
+          </a:prstGeom>
+          <a:noFill/>
+        </p:spPr>
+      </p:pic>
+      <p:sp>
+        <p:nvSpPr>
+          <p:cNvPr id="6" name="Rectangle 5"/>
+          <p:cNvSpPr/>
+          <p:nvPr/>
+        </p:nvSpPr>
+        <p:spPr>
+          <a:xfrm>
+            <a:off x="711200" y="1295400"/>
+            <a:ext cx="11734800" cy="6370975"/>
+          </a:xfrm>
+          <a:prstGeom prst="rect">
+            <a:avLst/>
+          </a:prstGeom>
+          <a:ln>
+            <a:solidFill>
+              <a:schemeClr val="tx1"/>
+            </a:solidFill>
+            <a:prstDash val="dash"/>
+          </a:ln>
+        </p:spPr>
+        <p:txBody>
+          <a:bodyPr wrap="square">
+            <a:spAutoFit/>
+          </a:bodyPr>
+          <a:lstStyle/>
+          <a:p>
+            <a:r>
+              <a:rPr lang="en-US" sz="2400" b="1" dirty="0" smtClean="0">
+                <a:solidFill>
+                  <a:srgbClr val="7F0055"/>
+                </a:solidFill>
+                <a:latin typeface="Courier New"/>
+              </a:rPr>
+              <a:t>import</a:t>
+            </a:r>
+            <a:r>
+              <a:rPr lang="en-US" sz="2400" b="1" dirty="0" smtClean="0">
+                <a:latin typeface="Courier New"/>
+              </a:rPr>
+              <a:t> </a:t>
+            </a:r>
+            <a:r>
+              <a:rPr lang="en-US" sz="2400" b="1" dirty="0" err="1" smtClean="0">
+                <a:latin typeface="Courier New"/>
+              </a:rPr>
+              <a:t>org.specs</a:t>
+            </a:r>
+            <a:r>
+              <a:rPr lang="en-US" sz="2400" b="1" dirty="0" smtClean="0">
+                <a:latin typeface="Courier New"/>
+              </a:rPr>
+              <a:t>._</a:t>
+            </a:r>
+          </a:p>
+          <a:p>
+            <a:r>
+              <a:rPr lang="en-US" sz="2400" b="1" dirty="0" smtClean="0">
+                <a:solidFill>
+                  <a:srgbClr val="7F0055"/>
+                </a:solidFill>
+                <a:latin typeface="Courier New"/>
+              </a:rPr>
+              <a:t>import</a:t>
+            </a:r>
+            <a:r>
+              <a:rPr lang="en-US" sz="2400" b="1" dirty="0" smtClean="0">
+                <a:latin typeface="Courier New"/>
+              </a:rPr>
+              <a:t> </a:t>
+            </a:r>
+            <a:r>
+              <a:rPr lang="en-US" sz="2400" b="1" dirty="0" err="1" smtClean="0">
+                <a:latin typeface="Courier New"/>
+              </a:rPr>
+              <a:t>IncredibleStringReverser</a:t>
+            </a:r>
+            <a:r>
+              <a:rPr lang="en-US" sz="2400" b="1" dirty="0" smtClean="0">
+                <a:latin typeface="Courier New"/>
+              </a:rPr>
+              <a:t>._</a:t>
+            </a:r>
+          </a:p>
+          <a:p>
+            <a:endParaRPr lang="en-US" sz="2400" b="1" dirty="0" smtClean="0">
+              <a:solidFill>
+                <a:srgbClr val="7F0055"/>
+              </a:solidFill>
+              <a:latin typeface="Courier New"/>
+            </a:endParaRPr>
+          </a:p>
+          <a:p>
+            <a:r>
+              <a:rPr lang="en-US" sz="2400" b="1" dirty="0" smtClean="0">
+                <a:solidFill>
+                  <a:srgbClr val="7F0055"/>
+                </a:solidFill>
+                <a:latin typeface="Courier New"/>
+              </a:rPr>
+              <a:t>class</a:t>
+            </a:r>
+            <a:r>
+              <a:rPr lang="en-US" sz="2400" b="1" dirty="0" smtClean="0">
+                <a:latin typeface="Courier New"/>
+              </a:rPr>
+              <a:t> </a:t>
+            </a:r>
+            <a:r>
+              <a:rPr lang="en-US" sz="2400" b="1" dirty="0" err="1" smtClean="0">
+                <a:latin typeface="Courier New"/>
+              </a:rPr>
+              <a:t>ReverserSpec</a:t>
+            </a:r>
+            <a:r>
+              <a:rPr lang="en-US" sz="2400" b="1" dirty="0" smtClean="0">
+                <a:latin typeface="Courier New"/>
+              </a:rPr>
+              <a:t> </a:t>
+            </a:r>
+            <a:r>
+              <a:rPr lang="en-US" sz="2400" b="1" dirty="0" smtClean="0">
+                <a:solidFill>
+                  <a:srgbClr val="7F0055"/>
+                </a:solidFill>
+                <a:latin typeface="Courier New"/>
+              </a:rPr>
+              <a:t>extends</a:t>
+            </a:r>
+            <a:r>
+              <a:rPr lang="en-US" sz="2400" b="1" dirty="0" smtClean="0">
+                <a:latin typeface="Courier New"/>
+              </a:rPr>
+              <a:t> Specification {</a:t>
+            </a:r>
+          </a:p>
+          <a:p>
+            <a:r>
+              <a:rPr lang="en-US" sz="2400" dirty="0" smtClean="0">
+                <a:latin typeface="Courier New"/>
+              </a:rPr>
+              <a:t>  </a:t>
+            </a:r>
+            <a:r>
+              <a:rPr lang="en-US" sz="2400" dirty="0" smtClean="0">
+                <a:solidFill>
+                  <a:srgbClr val="2A00FF"/>
+                </a:solidFill>
+                <a:latin typeface="Courier New"/>
+              </a:rPr>
+              <a:t>"a reversed empty string must be empty"</a:t>
+            </a:r>
+            <a:r>
+              <a:rPr lang="en-US" sz="2400" dirty="0" smtClean="0">
+                <a:latin typeface="Courier New"/>
+              </a:rPr>
+              <a:t> in {</a:t>
+            </a:r>
+          </a:p>
+          <a:p>
+            <a:r>
+              <a:rPr lang="en-US" sz="2400" dirty="0" smtClean="0">
+                <a:latin typeface="Courier New"/>
+              </a:rPr>
+              <a:t>    reverse(</a:t>
+            </a:r>
+            <a:r>
+              <a:rPr lang="en-US" sz="2400" dirty="0" smtClean="0">
+                <a:solidFill>
+                  <a:srgbClr val="2A00FF"/>
+                </a:solidFill>
+                <a:latin typeface="Courier New"/>
+              </a:rPr>
+              <a:t>""</a:t>
+            </a:r>
+            <a:r>
+              <a:rPr lang="en-US" sz="2400" dirty="0" smtClean="0">
+                <a:latin typeface="Courier New"/>
+              </a:rPr>
+              <a:t>) must_== </a:t>
+            </a:r>
+            <a:r>
+              <a:rPr lang="en-US" sz="2400" dirty="0" smtClean="0">
+                <a:solidFill>
+                  <a:srgbClr val="2A00FF"/>
+                </a:solidFill>
+                <a:latin typeface="Courier New"/>
+              </a:rPr>
+              <a:t>""</a:t>
+            </a:r>
+            <a:r>
+              <a:rPr lang="en-US" sz="2400" dirty="0" smtClean="0">
+                <a:latin typeface="Courier New"/>
+              </a:rPr>
+              <a:t>  </a:t>
+            </a:r>
+          </a:p>
+          <a:p>
+            <a:r>
+              <a:rPr lang="en-US" sz="2400" dirty="0" smtClean="0">
+                <a:latin typeface="Courier New"/>
+              </a:rPr>
+              <a:t>  }</a:t>
+            </a:r>
+          </a:p>
+          <a:p>
+            <a:r>
+              <a:rPr lang="en-US" sz="2400" dirty="0" smtClean="0">
+                <a:latin typeface="Courier New"/>
+              </a:rPr>
+              <a:t>  </a:t>
+            </a:r>
+            <a:r>
+              <a:rPr lang="en-US" sz="2400" dirty="0" smtClean="0">
+                <a:solidFill>
+                  <a:srgbClr val="2A00FF"/>
+                </a:solidFill>
+                <a:latin typeface="Courier New"/>
+              </a:rPr>
+              <a:t>"a reversed empty string must really *be empty*"</a:t>
+            </a:r>
+            <a:r>
+              <a:rPr lang="en-US" sz="2400" dirty="0" smtClean="0">
+                <a:latin typeface="Courier New"/>
+              </a:rPr>
+              <a:t> in {</a:t>
+            </a:r>
+          </a:p>
+          <a:p>
+            <a:r>
+              <a:rPr lang="en-US" sz="2400" dirty="0" smtClean="0">
+                <a:latin typeface="Courier New"/>
+              </a:rPr>
+              <a:t>    reverse(</a:t>
+            </a:r>
+            <a:r>
+              <a:rPr lang="en-US" sz="2400" dirty="0" smtClean="0">
+                <a:solidFill>
+                  <a:srgbClr val="2A00FF"/>
+                </a:solidFill>
+                <a:latin typeface="Courier New"/>
+              </a:rPr>
+              <a:t>""</a:t>
+            </a:r>
+            <a:r>
+              <a:rPr lang="en-US" sz="2400" dirty="0" smtClean="0">
+                <a:latin typeface="Courier New"/>
+              </a:rPr>
+              <a:t>) must be empty</a:t>
+            </a:r>
+          </a:p>
+          <a:p>
+            <a:r>
+              <a:rPr lang="en-US" sz="2400" dirty="0" smtClean="0">
+                <a:latin typeface="Courier New"/>
+              </a:rPr>
+              <a:t>  }</a:t>
+            </a:r>
+          </a:p>
+          <a:p>
+            <a:r>
+              <a:rPr lang="en-US" sz="2400" dirty="0" smtClean="0">
+                <a:latin typeface="Courier New"/>
+              </a:rPr>
+              <a:t>  </a:t>
+            </a:r>
+            <a:r>
+              <a:rPr lang="en-US" sz="2400" dirty="0" smtClean="0">
+                <a:solidFill>
+                  <a:srgbClr val="2A00FF"/>
+                </a:solidFill>
+                <a:latin typeface="Courier New"/>
+              </a:rPr>
+              <a:t>"a reversed string must be reversed </a:t>
+            </a:r>
+            <a:r>
+              <a:rPr lang="en-US" sz="2400" dirty="0" err="1" smtClean="0">
+                <a:solidFill>
+                  <a:srgbClr val="2A00FF"/>
+                </a:solidFill>
+                <a:latin typeface="Courier New"/>
+              </a:rPr>
+              <a:t>abc</a:t>
+            </a:r>
+            <a:r>
+              <a:rPr lang="en-US" sz="2400" dirty="0" smtClean="0">
+                <a:solidFill>
+                  <a:srgbClr val="2A00FF"/>
+                </a:solidFill>
+                <a:latin typeface="Courier New"/>
+              </a:rPr>
+              <a:t> -&gt; </a:t>
+            </a:r>
+            <a:r>
+              <a:rPr lang="en-US" sz="2400" dirty="0" err="1" smtClean="0">
+                <a:solidFill>
+                  <a:srgbClr val="2A00FF"/>
+                </a:solidFill>
+                <a:latin typeface="Courier New"/>
+              </a:rPr>
+              <a:t>cba</a:t>
+            </a:r>
+            <a:r>
+              <a:rPr lang="en-US" sz="2400" dirty="0" smtClean="0">
+                <a:solidFill>
+                  <a:srgbClr val="2A00FF"/>
+                </a:solidFill>
+                <a:latin typeface="Courier New"/>
+              </a:rPr>
+              <a:t>"</a:t>
+            </a:r>
+            <a:r>
+              <a:rPr lang="en-US" sz="2400" dirty="0" smtClean="0">
+                <a:latin typeface="Courier New"/>
+              </a:rPr>
+              <a:t> in {</a:t>
+            </a:r>
+          </a:p>
+          <a:p>
+            <a:r>
+              <a:rPr lang="en-US" sz="2400" dirty="0" smtClean="0">
+                <a:latin typeface="Courier New"/>
+              </a:rPr>
+              <a:t>    reverse(</a:t>
+            </a:r>
+            <a:r>
+              <a:rPr lang="en-US" sz="2400" dirty="0" smtClean="0">
+                <a:solidFill>
+                  <a:srgbClr val="2A00FF"/>
+                </a:solidFill>
+                <a:latin typeface="Courier New"/>
+              </a:rPr>
+              <a:t>"</a:t>
+            </a:r>
+            <a:r>
+              <a:rPr lang="en-US" sz="2400" dirty="0" err="1" smtClean="0">
+                <a:solidFill>
+                  <a:srgbClr val="2A00FF"/>
+                </a:solidFill>
+                <a:latin typeface="Courier New"/>
+              </a:rPr>
+              <a:t>abc</a:t>
+            </a:r>
+            <a:r>
+              <a:rPr lang="en-US" sz="2400" dirty="0" smtClean="0">
+                <a:solidFill>
+                  <a:srgbClr val="2A00FF"/>
+                </a:solidFill>
+                <a:latin typeface="Courier New"/>
+              </a:rPr>
+              <a:t>"</a:t>
+            </a:r>
+            <a:r>
+              <a:rPr lang="en-US" sz="2400" dirty="0" smtClean="0">
+                <a:latin typeface="Courier New"/>
+              </a:rPr>
+              <a:t>) must be_==(</a:t>
+            </a:r>
+            <a:r>
+              <a:rPr lang="en-US" sz="2400" dirty="0" smtClean="0">
+                <a:solidFill>
+                  <a:srgbClr val="2A00FF"/>
+                </a:solidFill>
+                <a:latin typeface="Courier New"/>
+              </a:rPr>
+              <a:t>"</a:t>
+            </a:r>
+            <a:r>
+              <a:rPr lang="en-US" sz="2400" dirty="0" err="1" smtClean="0">
+                <a:solidFill>
+                  <a:srgbClr val="2A00FF"/>
+                </a:solidFill>
+                <a:latin typeface="Courier New"/>
+              </a:rPr>
+              <a:t>cba</a:t>
+            </a:r>
+            <a:r>
+              <a:rPr lang="en-US" sz="2400" dirty="0" smtClean="0">
+                <a:solidFill>
+                  <a:srgbClr val="2A00FF"/>
+                </a:solidFill>
+                <a:latin typeface="Courier New"/>
+              </a:rPr>
+              <a:t>"</a:t>
+            </a:r>
+            <a:r>
+              <a:rPr lang="en-US" sz="2400" dirty="0" smtClean="0">
+                <a:latin typeface="Courier New"/>
+              </a:rPr>
+              <a:t>)</a:t>
+            </a:r>
+          </a:p>
+          <a:p>
+            <a:r>
+              <a:rPr lang="en-US" sz="2400" dirty="0" smtClean="0">
+                <a:latin typeface="Courier New"/>
+              </a:rPr>
+              <a:t>  }</a:t>
+            </a:r>
+          </a:p>
+          <a:p>
+            <a:r>
+              <a:rPr lang="en-US" sz="2400" dirty="0" smtClean="0">
+                <a:latin typeface="Courier New"/>
+              </a:rPr>
+              <a:t>  </a:t>
+            </a:r>
+            <a:r>
+              <a:rPr lang="en-US" sz="2400" dirty="0" smtClean="0">
+                <a:solidFill>
+                  <a:srgbClr val="2A00FF"/>
+                </a:solidFill>
+                <a:latin typeface="Courier New"/>
+              </a:rPr>
+              <a:t>"a longer reversed string must also be reversed. Woops!"</a:t>
+            </a:r>
+            <a:r>
+              <a:rPr lang="en-US" sz="2400" dirty="0" smtClean="0">
+                <a:latin typeface="Courier New"/>
+              </a:rPr>
+              <a:t> in {</a:t>
+            </a:r>
+          </a:p>
+          <a:p>
+            <a:r>
+              <a:rPr lang="en-US" sz="2400" dirty="0" smtClean="0">
+                <a:latin typeface="Courier New"/>
+              </a:rPr>
+              <a:t>    reverse(</a:t>
+            </a:r>
+            <a:r>
+              <a:rPr lang="en-US" sz="2400" dirty="0" smtClean="0">
+                <a:solidFill>
+                  <a:srgbClr val="2A00FF"/>
+                </a:solidFill>
+                <a:latin typeface="Courier New"/>
+              </a:rPr>
+              <a:t>"</a:t>
+            </a:r>
+            <a:r>
+              <a:rPr lang="en-US" sz="2400" dirty="0" err="1" smtClean="0">
+                <a:solidFill>
+                  <a:srgbClr val="2A00FF"/>
+                </a:solidFill>
+                <a:latin typeface="Courier New"/>
+              </a:rPr>
+              <a:t>abcdef</a:t>
+            </a:r>
+            <a:r>
+              <a:rPr lang="en-US" sz="2400" dirty="0" smtClean="0">
+                <a:solidFill>
+                  <a:srgbClr val="2A00FF"/>
+                </a:solidFill>
+                <a:latin typeface="Courier New"/>
+              </a:rPr>
+              <a:t>"</a:t>
+            </a:r>
+            <a:r>
+              <a:rPr lang="en-US" sz="2400" dirty="0" smtClean="0">
+                <a:latin typeface="Courier New"/>
+              </a:rPr>
+              <a:t>) must be_==(</a:t>
+            </a:r>
+            <a:r>
+              <a:rPr lang="en-US" sz="2400" dirty="0" smtClean="0">
+                <a:solidFill>
+                  <a:srgbClr val="2A00FF"/>
+                </a:solidFill>
+                <a:latin typeface="Courier New"/>
+              </a:rPr>
+              <a:t>"</a:t>
+            </a:r>
+            <a:r>
+              <a:rPr lang="en-US" sz="2400" dirty="0" err="1" smtClean="0">
+                <a:solidFill>
+                  <a:srgbClr val="2A00FF"/>
+                </a:solidFill>
+                <a:latin typeface="Courier New"/>
+              </a:rPr>
+              <a:t>xxxxx</a:t>
+            </a:r>
+            <a:r>
+              <a:rPr lang="en-US" sz="2400" dirty="0" smtClean="0">
+                <a:solidFill>
+                  <a:srgbClr val="2A00FF"/>
+                </a:solidFill>
+                <a:latin typeface="Courier New"/>
+              </a:rPr>
+              <a:t>"</a:t>
+            </a:r>
+            <a:r>
+              <a:rPr lang="en-US" sz="2400" dirty="0" smtClean="0">
+                <a:latin typeface="Courier New"/>
+              </a:rPr>
+              <a:t>)</a:t>
+            </a:r>
+          </a:p>
+          <a:p>
+            <a:r>
+              <a:rPr lang="en-US" sz="2400" dirty="0" smtClean="0">
+                <a:latin typeface="Courier New"/>
+              </a:rPr>
+              <a:t>  }</a:t>
+            </a:r>
+          </a:p>
+          <a:p>
+            <a:r>
+              <a:rPr lang="en-US" sz="2400" dirty="0" smtClean="0">
+                <a:latin typeface="Courier New"/>
+              </a:rPr>
+              <a:t>}</a:t>
+            </a:r>
+            <a:endParaRPr lang="en-US" sz="2400" dirty="0"/>
+          </a:p>
+        </p:txBody>
+      </p:sp>
+    </p:spTree>
+  </p:cSld>
+  <p:clrMapOvr>
+    <a:masterClrMapping/>
+  </p:clrMapOvr>
+  <p:transition>
+    <p:fade/>
+  </p:transition>
+  <p:timing>
+    <p:tnLst>
+      <p:par>
+        <p:cTn id="1" dur="indefinite" restart="never" nodeType="tmRoot"/>
+      </p:par>
+    </p:tnLst>
+  </p:timing>
+</p:sld>
+</file>
+
+<file path=ppt/slides/slide8.xml><?xml version="1.0" encoding="utf-8"?>
+<p:sld xmlns:a="http://schemas.openxmlformats.org/drawingml/2006/main" xmlns:r="http://schemas.openxmlformats.org/officeDocument/2006/relationships" xmlns:p="http://schemas.openxmlformats.org/presentationml/2006/main">
+  <p:cSld>
+    <p:spTree>
+      <p:nvGrpSpPr>
+        <p:cNvPr id="1" name=""/>
+        <p:cNvGrpSpPr/>
+        <p:nvPr/>
+      </p:nvGrpSpPr>
+      <p:grpSpPr>
+        <a:xfrm>
+          <a:off x="0" y="0"/>
+          <a:ext cx="0" cy="0"/>
+          <a:chOff x="0" y="0"/>
+          <a:chExt cx="0" cy="0"/>
+        </a:xfrm>
+      </p:grpSpPr>
+      <p:sp>
+        <p:nvSpPr>
+          <p:cNvPr id="8193" name="Rectangle 1"/>
+          <p:cNvSpPr>
+            <a:spLocks noGrp="1" noChangeArrowheads="1"/>
+          </p:cNvSpPr>
+          <p:nvPr>
+            <p:ph type="title"/>
+          </p:nvPr>
+        </p:nvSpPr>
+        <p:spPr>
+          <a:ln/>
+        </p:spPr>
+        <p:txBody>
+          <a:bodyPr/>
+          <a:lstStyle/>
+          <a:p>
+            <a:pPr lvl="0"/>
+            <a:r>
+              <a:rPr lang="en-US" sz="5400" dirty="0" smtClean="0">
+                <a:latin typeface="Lucida Handwriting" pitchFamily="66" charset="0"/>
+              </a:rPr>
+              <a:t>     </a:t>
+            </a:r>
+            <a:r>
+              <a:rPr lang="en-US" sz="5400" dirty="0" smtClean="0">
+                <a:latin typeface="Lucida Handwriting" pitchFamily="66" charset="0"/>
+              </a:rPr>
+              <a:t>  tour</a:t>
+            </a:r>
+            <a:endParaRPr lang="en-US" dirty="0"/>
+          </a:p>
+        </p:txBody>
+      </p:sp>
+      <p:pic>
+        <p:nvPicPr>
+          <p:cNvPr id="39938" name="Picture 2" descr="Logo"/>
+          <p:cNvPicPr>
+            <a:picLocks noChangeAspect="1" noChangeArrowheads="1"/>
+          </p:cNvPicPr>
+          <p:nvPr/>
+        </p:nvPicPr>
+        <p:blipFill>
+          <a:blip r:embed="rId3"/>
+          <a:srcRect/>
+          <a:stretch>
+            <a:fillRect/>
+          </a:stretch>
+        </p:blipFill>
+        <p:spPr bwMode="auto">
+          <a:xfrm>
+            <a:off x="3833628" y="228600"/>
+            <a:ext cx="2287772" cy="642969"/>
+          </a:xfrm>
+          <a:prstGeom prst="rect">
+            <a:avLst/>
+          </a:prstGeom>
+          <a:noFill/>
+        </p:spPr>
+      </p:pic>
+      <p:sp>
+        <p:nvSpPr>
+          <p:cNvPr id="6" name="Rectangle 5"/>
+          <p:cNvSpPr/>
+          <p:nvPr/>
+        </p:nvSpPr>
+        <p:spPr>
+          <a:xfrm>
+            <a:off x="711200" y="1295400"/>
+            <a:ext cx="11734800" cy="4154984"/>
+          </a:xfrm>
+          <a:prstGeom prst="rect">
+            <a:avLst/>
+          </a:prstGeom>
+          <a:ln>
+            <a:solidFill>
+              <a:schemeClr val="tx1"/>
+            </a:solidFill>
+            <a:prstDash val="dash"/>
+          </a:ln>
+        </p:spPr>
+        <p:txBody>
+          <a:bodyPr wrap="square">
+            <a:spAutoFit/>
+          </a:bodyPr>
+          <a:lstStyle/>
+          <a:p>
+            <a:r>
+              <a:rPr lang="en-US" sz="2400" dirty="0" smtClean="0"/>
+              <a:t>Specification "</a:t>
+            </a:r>
+            <a:r>
+              <a:rPr lang="en-US" sz="2400" dirty="0" err="1" smtClean="0"/>
+              <a:t>ReverserSpec</a:t>
+            </a:r>
+            <a:r>
+              <a:rPr lang="en-US" sz="2400" dirty="0" smtClean="0"/>
+              <a:t>"</a:t>
+            </a:r>
+          </a:p>
+          <a:p>
+            <a:r>
+              <a:rPr lang="en-US" sz="2400" dirty="0" smtClean="0"/>
+              <a:t>  </a:t>
+            </a:r>
+          </a:p>
+          <a:p>
+            <a:r>
+              <a:rPr lang="en-US" sz="2400" dirty="0" smtClean="0"/>
+              <a:t>  + a reversed empty string must be empty</a:t>
+            </a:r>
+          </a:p>
+          <a:p>
+            <a:r>
+              <a:rPr lang="en-US" sz="2400" dirty="0" smtClean="0"/>
+              <a:t>  + a reversed empty string must really *be empty*</a:t>
+            </a:r>
+          </a:p>
+          <a:p>
+            <a:r>
+              <a:rPr lang="en-US" sz="2400" dirty="0" smtClean="0"/>
+              <a:t>  + a reversed string must be reversed </a:t>
+            </a:r>
+            <a:r>
+              <a:rPr lang="en-US" sz="2400" dirty="0" err="1" smtClean="0"/>
+              <a:t>abc</a:t>
+            </a:r>
+            <a:r>
+              <a:rPr lang="en-US" sz="2400" dirty="0" smtClean="0"/>
+              <a:t> -&gt; </a:t>
+            </a:r>
+            <a:r>
+              <a:rPr lang="en-US" sz="2400" dirty="0" err="1" smtClean="0"/>
+              <a:t>cba</a:t>
+            </a:r>
+            <a:endParaRPr lang="en-US" sz="2400" dirty="0" smtClean="0"/>
+          </a:p>
+          <a:p>
+            <a:r>
+              <a:rPr lang="en-US" sz="2400" dirty="0" smtClean="0"/>
+              <a:t>  x a longer reversed string must also be reversed. Woops!</a:t>
+            </a:r>
+          </a:p>
+          <a:p>
+            <a:r>
+              <a:rPr lang="en-US" sz="2400" dirty="0" smtClean="0"/>
+              <a:t>    '</a:t>
+            </a:r>
+            <a:r>
+              <a:rPr lang="en-US" sz="2400" dirty="0" err="1" smtClean="0"/>
+              <a:t>fedcba</a:t>
+            </a:r>
+            <a:r>
+              <a:rPr lang="en-US" sz="2400" dirty="0" smtClean="0"/>
+              <a:t>' is not equal to '</a:t>
+            </a:r>
+            <a:r>
+              <a:rPr lang="en-US" sz="2400" dirty="0" err="1" smtClean="0"/>
+              <a:t>xxxxx</a:t>
+            </a:r>
+            <a:r>
+              <a:rPr lang="en-US" sz="2400" dirty="0" smtClean="0"/>
+              <a:t>' (</a:t>
+            </a:r>
+            <a:r>
+              <a:rPr lang="en-US" sz="2400" u="sng" dirty="0" smtClean="0"/>
+              <a:t>ReverserSpec.scala:17)</a:t>
+            </a:r>
+          </a:p>
+          <a:p>
+            <a:endParaRPr lang="en-US" sz="2400" dirty="0" smtClean="0"/>
+          </a:p>
+          <a:p>
+            <a:r>
+              <a:rPr lang="en-US" sz="2400" dirty="0" smtClean="0"/>
+              <a:t>Total for specification "</a:t>
+            </a:r>
+            <a:r>
+              <a:rPr lang="en-US" sz="2400" dirty="0" err="1" smtClean="0"/>
+              <a:t>ReverserSpec</a:t>
+            </a:r>
+            <a:r>
+              <a:rPr lang="en-US" sz="2400" dirty="0" smtClean="0"/>
+              <a:t>":</a:t>
+            </a:r>
+          </a:p>
+          <a:p>
+            <a:r>
+              <a:rPr lang="en-US" sz="2400" dirty="0" smtClean="0"/>
+              <a:t>Finished in 0 second, 140 ms</a:t>
+            </a:r>
+          </a:p>
+          <a:p>
+            <a:r>
+              <a:rPr lang="en-US" sz="2400" dirty="0" smtClean="0"/>
+              <a:t>4 examples, 4 expectations, 1 failure, 0 </a:t>
+            </a:r>
+            <a:r>
+              <a:rPr lang="en-US" sz="2400" dirty="0" smtClean="0"/>
+              <a:t>error</a:t>
+            </a:r>
+            <a:endParaRPr lang="en-US" sz="2400" dirty="0"/>
+          </a:p>
+        </p:txBody>
+      </p:sp>
+    </p:spTree>
+  </p:cSld>
+  <p:clrMapOvr>
+    <a:masterClrMapping/>
+  </p:clrMapOvr>
+  <p:transition>
+    <p:fade/>
+  </p:transition>
+  <p:timing>
+    <p:tnLst>
+      <p:par>
+        <p:cTn id="1" dur="indefinite" restart="never" nodeType="tmRoot"/>
+      </p:par>
+    </p:tnLst>
+  </p:timing>
+</p:sld>
+</file>
+
+<file path=ppt/slides/slide9.xml><?xml version="1.0" encoding="utf-8"?>
+<p:sld xmlns:a="http://schemas.openxmlformats.org/drawingml/2006/main" xmlns:r="http://schemas.openxmlformats.org/officeDocument/2006/relationships" xmlns:p="http://schemas.openxmlformats.org/presentationml/2006/main">
+  <p:cSld>
+    <p:spTree>
+      <p:nvGrpSpPr>
+        <p:cNvPr id="1" name=""/>
+        <p:cNvGrpSpPr/>
+        <p:nvPr/>
+      </p:nvGrpSpPr>
+      <p:grpSpPr>
+        <a:xfrm>
+          <a:off x="0" y="0"/>
+          <a:ext cx="0" cy="0"/>
+          <a:chOff x="0" y="0"/>
+          <a:chExt cx="0" cy="0"/>
+        </a:xfrm>
+      </p:grpSpPr>
+      <p:sp>
+        <p:nvSpPr>
+          <p:cNvPr id="8193" name="Rectangle 1"/>
+          <p:cNvSpPr>
+            <a:spLocks noGrp="1" noChangeArrowheads="1"/>
+          </p:cNvSpPr>
+          <p:nvPr>
+            <p:ph type="title"/>
+          </p:nvPr>
+        </p:nvSpPr>
+        <p:spPr>
+          <a:ln/>
+        </p:spPr>
+        <p:txBody>
+          <a:bodyPr/>
+          <a:lstStyle/>
+          <a:p>
+            <a:pPr lvl="0"/>
+            <a:r>
+              <a:rPr lang="en-US" sz="5400" dirty="0" smtClean="0">
+                <a:latin typeface="Lucida Handwriting" pitchFamily="66" charset="0"/>
+              </a:rPr>
+              <a:t>     </a:t>
+            </a:r>
+            <a:r>
+              <a:rPr lang="en-US" sz="5400" dirty="0" smtClean="0">
+                <a:latin typeface="Lucida Handwriting" pitchFamily="66" charset="0"/>
+              </a:rPr>
+              <a:t>  tour</a:t>
+            </a:r>
+            <a:endParaRPr lang="en-US" dirty="0"/>
+          </a:p>
+        </p:txBody>
+      </p:sp>
+      <p:pic>
+        <p:nvPicPr>
+          <p:cNvPr id="39938" name="Picture 2" descr="Logo"/>
+          <p:cNvPicPr>
+            <a:picLocks noChangeAspect="1" noChangeArrowheads="1"/>
+          </p:cNvPicPr>
+          <p:nvPr/>
+        </p:nvPicPr>
+        <p:blipFill>
+          <a:blip r:embed="rId3"/>
+          <a:srcRect/>
+          <a:stretch>
+            <a:fillRect/>
+          </a:stretch>
+        </p:blipFill>
+        <p:spPr bwMode="auto">
+          <a:xfrm>
+            <a:off x="3833628" y="228600"/>
+            <a:ext cx="2287772" cy="642969"/>
+          </a:xfrm>
+          <a:prstGeom prst="rect">
+            <a:avLst/>
+          </a:prstGeom>
+          <a:noFill/>
+        </p:spPr>
+      </p:pic>
+      <p:sp>
+        <p:nvSpPr>
+          <p:cNvPr id="6" name="Rectangle 5"/>
+          <p:cNvSpPr/>
+          <p:nvPr/>
+        </p:nvSpPr>
+        <p:spPr>
+          <a:xfrm>
+            <a:off x="711200" y="1143000"/>
+            <a:ext cx="11734800" cy="7478970"/>
+          </a:xfrm>
+          <a:prstGeom prst="rect">
+            <a:avLst/>
+          </a:prstGeom>
+          <a:ln>
+            <a:solidFill>
+              <a:schemeClr val="tx1"/>
+            </a:solidFill>
+            <a:prstDash val="dash"/>
+          </a:ln>
+        </p:spPr>
+        <p:txBody>
+          <a:bodyPr wrap="square">
+            <a:spAutoFit/>
+          </a:bodyPr>
+          <a:lstStyle/>
+          <a:p>
+            <a:r>
+              <a:rPr lang="en-US" sz="2400" b="1" dirty="0" smtClean="0">
+                <a:solidFill>
+                  <a:srgbClr val="7F0055"/>
+                </a:solidFill>
+                <a:latin typeface="Courier New"/>
+              </a:rPr>
+              <a:t>class</a:t>
+            </a:r>
+            <a:r>
+              <a:rPr lang="en-US" sz="2400" b="1" dirty="0" smtClean="0">
+                <a:latin typeface="Courier New"/>
+              </a:rPr>
+              <a:t> </a:t>
+            </a:r>
+            <a:r>
+              <a:rPr lang="en-US" sz="2400" b="1" dirty="0" smtClean="0">
+                <a:latin typeface="Courier New"/>
+              </a:rPr>
+              <a:t>Reverser2Spec </a:t>
+            </a:r>
+            <a:r>
+              <a:rPr lang="en-US" sz="2400" b="1" dirty="0" smtClean="0">
+                <a:solidFill>
+                  <a:srgbClr val="7F0055"/>
+                </a:solidFill>
+                <a:latin typeface="Courier New"/>
+              </a:rPr>
+              <a:t>extends</a:t>
+            </a:r>
+            <a:r>
+              <a:rPr lang="en-US" sz="2400" b="1" dirty="0" smtClean="0">
+                <a:latin typeface="Courier New"/>
+              </a:rPr>
+              <a:t> Specification {</a:t>
+            </a:r>
+          </a:p>
+          <a:p>
+            <a:r>
+              <a:rPr lang="en-US" sz="2400" dirty="0" smtClean="0">
+                <a:latin typeface="Courier New"/>
+              </a:rPr>
+              <a:t>  </a:t>
+            </a:r>
+            <a:r>
+              <a:rPr lang="en-US" sz="2400" dirty="0" smtClean="0">
+                <a:solidFill>
+                  <a:srgbClr val="2A00FF"/>
+                </a:solidFill>
+                <a:latin typeface="Courier New"/>
+              </a:rPr>
+              <a:t>"a reversed empty string"</a:t>
+            </a:r>
+            <a:r>
+              <a:rPr lang="en-US" sz="2400" dirty="0" smtClean="0">
+                <a:latin typeface="Courier New"/>
+              </a:rPr>
+              <a:t> should {</a:t>
+            </a:r>
+          </a:p>
+          <a:p>
+            <a:r>
+              <a:rPr lang="en-US" sz="2400" b="1" dirty="0" smtClean="0">
+                <a:solidFill>
+                  <a:srgbClr val="7F0055"/>
+                </a:solidFill>
+                <a:latin typeface="Courier New"/>
+              </a:rPr>
+              <a:t>    </a:t>
+            </a:r>
+            <a:r>
+              <a:rPr lang="en-US" sz="2400" b="1" dirty="0" err="1" smtClean="0">
+                <a:solidFill>
+                  <a:srgbClr val="7F0055"/>
+                </a:solidFill>
+                <a:latin typeface="Courier New"/>
+              </a:rPr>
+              <a:t>val</a:t>
+            </a:r>
+            <a:r>
+              <a:rPr lang="en-US" sz="2400" b="1" dirty="0" smtClean="0">
+                <a:latin typeface="Courier New"/>
+              </a:rPr>
+              <a:t> </a:t>
+            </a:r>
+            <a:r>
+              <a:rPr lang="en-US" sz="2400" b="1" dirty="0" smtClean="0">
+                <a:latin typeface="Courier New"/>
+              </a:rPr>
+              <a:t>reversed = reverse(</a:t>
+            </a:r>
+            <a:r>
+              <a:rPr lang="en-US" sz="2400" b="1" dirty="0" smtClean="0">
+                <a:solidFill>
+                  <a:srgbClr val="2A00FF"/>
+                </a:solidFill>
+                <a:latin typeface="Courier New"/>
+              </a:rPr>
+              <a:t>""</a:t>
+            </a:r>
+            <a:r>
+              <a:rPr lang="en-US" sz="2400" b="1" dirty="0" smtClean="0">
+                <a:latin typeface="Courier New"/>
+              </a:rPr>
+              <a:t>)  </a:t>
+            </a:r>
+          </a:p>
+          <a:p>
+            <a:r>
+              <a:rPr lang="en-US" sz="2400" dirty="0" smtClean="0">
+                <a:latin typeface="Courier New"/>
+              </a:rPr>
+              <a:t>    </a:t>
+            </a:r>
+            <a:r>
+              <a:rPr lang="en-US" sz="2400" dirty="0" smtClean="0">
+                <a:solidFill>
+                  <a:srgbClr val="2A00FF"/>
+                </a:solidFill>
+                <a:latin typeface="Courier New"/>
+              </a:rPr>
+              <a:t>"be empty"</a:t>
+            </a:r>
+            <a:r>
+              <a:rPr lang="en-US" sz="2400" dirty="0" smtClean="0">
+                <a:latin typeface="Courier New"/>
+              </a:rPr>
+              <a:t> in {</a:t>
+            </a:r>
+          </a:p>
+          <a:p>
+            <a:r>
+              <a:rPr lang="en-US" sz="2400" dirty="0" smtClean="0">
+                <a:latin typeface="Courier New"/>
+              </a:rPr>
+              <a:t>      reversed must_== </a:t>
+            </a:r>
+            <a:r>
+              <a:rPr lang="en-US" sz="2400" dirty="0" smtClean="0">
+                <a:solidFill>
+                  <a:srgbClr val="2A00FF"/>
+                </a:solidFill>
+                <a:latin typeface="Courier New"/>
+              </a:rPr>
+              <a:t>""</a:t>
+            </a:r>
+            <a:r>
+              <a:rPr lang="en-US" sz="2400" dirty="0" smtClean="0">
+                <a:latin typeface="Courier New"/>
+              </a:rPr>
+              <a:t>  </a:t>
+            </a:r>
+          </a:p>
+          <a:p>
+            <a:r>
+              <a:rPr lang="en-US" sz="2400" dirty="0" smtClean="0">
+                <a:latin typeface="Courier New"/>
+              </a:rPr>
+              <a:t>    }</a:t>
+            </a:r>
+          </a:p>
+          <a:p>
+            <a:r>
+              <a:rPr lang="en-US" sz="2400" dirty="0" smtClean="0">
+                <a:latin typeface="Courier New"/>
+              </a:rPr>
+              <a:t>    </a:t>
+            </a:r>
+            <a:r>
+              <a:rPr lang="en-US" sz="2400" dirty="0" smtClean="0">
+                <a:solidFill>
+                  <a:srgbClr val="2A00FF"/>
+                </a:solidFill>
+                <a:latin typeface="Courier New"/>
+              </a:rPr>
+              <a:t>"really *be empty*"</a:t>
+            </a:r>
+            <a:r>
+              <a:rPr lang="en-US" sz="2400" dirty="0" smtClean="0">
+                <a:latin typeface="Courier New"/>
+              </a:rPr>
+              <a:t> in {</a:t>
+            </a:r>
+          </a:p>
+          <a:p>
+            <a:r>
+              <a:rPr lang="en-US" sz="2400" dirty="0" smtClean="0">
+                <a:latin typeface="Courier New"/>
+              </a:rPr>
+              <a:t>      reversed must be empty</a:t>
+            </a:r>
+          </a:p>
+          <a:p>
+            <a:r>
+              <a:rPr lang="en-US" sz="2400" dirty="0" smtClean="0">
+                <a:latin typeface="Courier New"/>
+              </a:rPr>
+              <a:t>    }</a:t>
+            </a:r>
+          </a:p>
+          <a:p>
+            <a:r>
+              <a:rPr lang="en-US" sz="2400" dirty="0" smtClean="0">
+                <a:latin typeface="Courier New"/>
+              </a:rPr>
+              <a:t>  }</a:t>
+            </a:r>
+          </a:p>
+          <a:p>
+            <a:r>
+              <a:rPr lang="en-US" sz="2400" dirty="0" smtClean="0">
+                <a:latin typeface="Courier New"/>
+              </a:rPr>
+              <a:t>  </a:t>
+            </a:r>
+            <a:r>
+              <a:rPr lang="en-US" sz="2400" dirty="0" smtClean="0">
+                <a:solidFill>
+                  <a:srgbClr val="2A00FF"/>
+                </a:solidFill>
+                <a:latin typeface="Courier New"/>
+              </a:rPr>
+              <a:t>"a reversed non-empty string"</a:t>
+            </a:r>
+            <a:r>
+              <a:rPr lang="en-US" sz="2400" dirty="0" smtClean="0">
+                <a:latin typeface="Courier New"/>
+              </a:rPr>
+              <a:t> should {</a:t>
+            </a:r>
+          </a:p>
+          <a:p>
+            <a:r>
+              <a:rPr lang="en-US" sz="2400" b="1" dirty="0" smtClean="0">
+                <a:solidFill>
+                  <a:srgbClr val="7F0055"/>
+                </a:solidFill>
+                <a:latin typeface="Courier New"/>
+              </a:rPr>
+              <a:t>    </a:t>
+            </a:r>
+            <a:r>
+              <a:rPr lang="en-US" sz="2400" b="1" dirty="0" err="1" smtClean="0">
+                <a:solidFill>
+                  <a:srgbClr val="7F0055"/>
+                </a:solidFill>
+                <a:latin typeface="Courier New"/>
+              </a:rPr>
+              <a:t>val</a:t>
+            </a:r>
+            <a:r>
+              <a:rPr lang="en-US" sz="2400" b="1" dirty="0" smtClean="0">
+                <a:latin typeface="Courier New"/>
+              </a:rPr>
+              <a:t> </a:t>
+            </a:r>
+            <a:r>
+              <a:rPr lang="en-US" sz="2400" b="1" dirty="0" smtClean="0">
+                <a:latin typeface="Courier New"/>
+              </a:rPr>
+              <a:t>reversed = reverse(</a:t>
+            </a:r>
+            <a:r>
+              <a:rPr lang="en-US" sz="2400" b="1" dirty="0" smtClean="0">
+                <a:solidFill>
+                  <a:srgbClr val="2A00FF"/>
+                </a:solidFill>
+                <a:latin typeface="Courier New"/>
+              </a:rPr>
+              <a:t>"</a:t>
+            </a:r>
+            <a:r>
+              <a:rPr lang="en-US" sz="2400" b="1" dirty="0" err="1" smtClean="0">
+                <a:solidFill>
+                  <a:srgbClr val="2A00FF"/>
+                </a:solidFill>
+                <a:latin typeface="Courier New"/>
+              </a:rPr>
+              <a:t>abc</a:t>
+            </a:r>
+            <a:r>
+              <a:rPr lang="en-US" sz="2400" b="1" dirty="0" smtClean="0">
+                <a:solidFill>
+                  <a:srgbClr val="2A00FF"/>
+                </a:solidFill>
+                <a:latin typeface="Courier New"/>
+              </a:rPr>
+              <a:t>"</a:t>
+            </a:r>
+            <a:r>
+              <a:rPr lang="en-US" sz="2400" b="1" dirty="0" smtClean="0">
+                <a:latin typeface="Courier New"/>
+              </a:rPr>
+              <a:t>)  </a:t>
+            </a:r>
+          </a:p>
+          <a:p>
+            <a:r>
+              <a:rPr lang="en-US" sz="2400" dirty="0" smtClean="0">
+                <a:latin typeface="Courier New"/>
+              </a:rPr>
+              <a:t>    </a:t>
+            </a:r>
+            <a:r>
+              <a:rPr lang="en-US" sz="2400" dirty="0" smtClean="0">
+                <a:solidFill>
+                  <a:srgbClr val="2A00FF"/>
+                </a:solidFill>
+                <a:latin typeface="Courier New"/>
+              </a:rPr>
+              <a:t>"be reversed </a:t>
+            </a:r>
+            <a:r>
+              <a:rPr lang="en-US" sz="2400" dirty="0" err="1" smtClean="0">
+                <a:solidFill>
+                  <a:srgbClr val="2A00FF"/>
+                </a:solidFill>
+                <a:latin typeface="Courier New"/>
+              </a:rPr>
+              <a:t>abc</a:t>
+            </a:r>
+            <a:r>
+              <a:rPr lang="en-US" sz="2400" dirty="0" smtClean="0">
+                <a:solidFill>
+                  <a:srgbClr val="2A00FF"/>
+                </a:solidFill>
+                <a:latin typeface="Courier New"/>
+              </a:rPr>
+              <a:t> -&gt; </a:t>
+            </a:r>
+            <a:r>
+              <a:rPr lang="en-US" sz="2400" dirty="0" err="1" smtClean="0">
+                <a:solidFill>
+                  <a:srgbClr val="2A00FF"/>
+                </a:solidFill>
+                <a:latin typeface="Courier New"/>
+              </a:rPr>
+              <a:t>cba</a:t>
+            </a:r>
+            <a:r>
+              <a:rPr lang="en-US" sz="2400" dirty="0" smtClean="0">
+                <a:solidFill>
+                  <a:srgbClr val="2A00FF"/>
+                </a:solidFill>
+                <a:latin typeface="Courier New"/>
+              </a:rPr>
+              <a:t>"</a:t>
+            </a:r>
+            <a:r>
+              <a:rPr lang="en-US" sz="2400" dirty="0" smtClean="0">
+                <a:latin typeface="Courier New"/>
+              </a:rPr>
+              <a:t> in {</a:t>
+            </a:r>
+          </a:p>
+          <a:p>
+            <a:r>
+              <a:rPr lang="en-US" sz="2400" dirty="0" smtClean="0">
+                <a:latin typeface="Courier New"/>
+              </a:rPr>
+              <a:t>      reversed must be_==(</a:t>
+            </a:r>
+            <a:r>
+              <a:rPr lang="en-US" sz="2400" dirty="0" smtClean="0">
+                <a:solidFill>
+                  <a:srgbClr val="2A00FF"/>
+                </a:solidFill>
+                <a:latin typeface="Courier New"/>
+              </a:rPr>
+              <a:t>"</a:t>
+            </a:r>
+            <a:r>
+              <a:rPr lang="en-US" sz="2400" dirty="0" err="1" smtClean="0">
+                <a:solidFill>
+                  <a:srgbClr val="2A00FF"/>
+                </a:solidFill>
+                <a:latin typeface="Courier New"/>
+              </a:rPr>
+              <a:t>cba</a:t>
+            </a:r>
+            <a:r>
+              <a:rPr lang="en-US" sz="2400" dirty="0" smtClean="0">
+                <a:solidFill>
+                  <a:srgbClr val="2A00FF"/>
+                </a:solidFill>
+                <a:latin typeface="Courier New"/>
+              </a:rPr>
+              <a:t>"</a:t>
+            </a:r>
+            <a:r>
+              <a:rPr lang="en-US" sz="2400" dirty="0" smtClean="0">
+                <a:latin typeface="Courier New"/>
+              </a:rPr>
+              <a:t>)</a:t>
+            </a:r>
+          </a:p>
+          <a:p>
+            <a:r>
+              <a:rPr lang="en-US" sz="2400" dirty="0" smtClean="0">
+                <a:latin typeface="Courier New"/>
+              </a:rPr>
+              <a:t>    }</a:t>
+            </a:r>
+          </a:p>
+          <a:p>
+            <a:r>
+              <a:rPr lang="en-US" sz="2400" dirty="0" smtClean="0">
+                <a:latin typeface="Courier New"/>
+              </a:rPr>
+              <a:t>    </a:t>
+            </a:r>
+            <a:r>
+              <a:rPr lang="en-US" sz="2400" dirty="0" smtClean="0">
+                <a:solidFill>
+                  <a:srgbClr val="2A00FF"/>
+                </a:solidFill>
+                <a:latin typeface="Courier New"/>
+              </a:rPr>
+              <a:t>"have the same size as the original string"</a:t>
+            </a:r>
+            <a:r>
+              <a:rPr lang="en-US" sz="2400" dirty="0" smtClean="0">
+                <a:latin typeface="Courier New"/>
+              </a:rPr>
+              <a:t> in {</a:t>
+            </a:r>
+          </a:p>
+          <a:p>
+            <a:r>
+              <a:rPr lang="en-US" sz="2400" dirty="0" smtClean="0">
+                <a:latin typeface="Courier New"/>
+              </a:rPr>
+              <a:t>      reversed must have size(3)</a:t>
+            </a:r>
+          </a:p>
+          <a:p>
+            <a:r>
+              <a:rPr lang="en-US" sz="2400" dirty="0" smtClean="0">
+                <a:latin typeface="Courier New"/>
+              </a:rPr>
+              <a:t>    }</a:t>
+            </a:r>
+          </a:p>
+          <a:p>
+            <a:r>
+              <a:rPr lang="en-US" sz="2400" dirty="0" smtClean="0">
+                <a:latin typeface="Courier New"/>
+              </a:rPr>
+              <a:t>  }</a:t>
+            </a:r>
+          </a:p>
+          <a:p>
+            <a:r>
+              <a:rPr lang="en-US" sz="2400" dirty="0" smtClean="0">
+                <a:latin typeface="Courier New"/>
+              </a:rPr>
+              <a:t>}</a:t>
+            </a:r>
+            <a:endParaRPr lang="en-US" sz="2400" dirty="0"/>
+          </a:p>
+        </p:txBody>
+      </p:sp>
     </p:spTree>
   </p:cSld>
   <p:clrMapOvr>

--- a/src/main/resources/oscon_2010_specs.pptx
+++ b/src/main/resources/oscon_2010_specs.pptx
@@ -7455,13 +7455,7 @@
               <a:rPr lang="en-US" sz="5400" dirty="0" smtClean="0">
                 <a:latin typeface="Lucida Handwriting" pitchFamily="66" charset="0"/>
               </a:rPr>
-              <a:t>     </a:t>
-            </a:r>
-            <a:r>
-              <a:rPr lang="en-US" sz="5400" dirty="0" smtClean="0">
-                <a:latin typeface="Lucida Handwriting" pitchFamily="66" charset="0"/>
-              </a:rPr>
-              <a:t>  tour</a:t>
+              <a:t>       tour</a:t>
             </a:r>
             <a:endParaRPr lang="en-US" dirty="0"/>
           </a:p>
@@ -8066,13 +8060,7 @@
               <a:rPr lang="en-US" sz="5400" dirty="0" smtClean="0">
                 <a:latin typeface="Lucida Handwriting" pitchFamily="66" charset="0"/>
               </a:rPr>
-              <a:t>     </a:t>
-            </a:r>
-            <a:r>
-              <a:rPr lang="en-US" sz="5400" dirty="0" smtClean="0">
-                <a:latin typeface="Lucida Handwriting" pitchFamily="66" charset="0"/>
-              </a:rPr>
-              <a:t>  tour</a:t>
+              <a:t>       tour</a:t>
             </a:r>
             <a:endParaRPr lang="en-US" dirty="0"/>
           </a:p>
@@ -8239,11 +8227,7 @@
           <a:p>
             <a:r>
               <a:rPr lang="en-US" sz="2400" dirty="0" smtClean="0"/>
-              <a:t>4 examples, 4 expectations, 1 failure, 0 </a:t>
-            </a:r>
-            <a:r>
-              <a:rPr lang="en-US" sz="2400" dirty="0" smtClean="0"/>
-              <a:t>error</a:t>
+              <a:t>4 examples, 4 expectations, 1 failure, 0 error</a:t>
             </a:r>
             <a:endParaRPr lang="en-US" sz="2400" dirty="0"/>
           </a:p>
@@ -8306,13 +8290,7 @@
               <a:rPr lang="en-US" sz="5400" dirty="0" smtClean="0">
                 <a:latin typeface="Lucida Handwriting" pitchFamily="66" charset="0"/>
               </a:rPr>
-              <a:t>     </a:t>
-            </a:r>
-            <a:r>
-              <a:rPr lang="en-US" sz="5400" dirty="0" smtClean="0">
-                <a:latin typeface="Lucida Handwriting" pitchFamily="66" charset="0"/>
-              </a:rPr>
-              <a:t>  tour</a:t>
+              <a:t>       tour</a:t>
             </a:r>
             <a:endParaRPr lang="en-US" dirty="0"/>
           </a:p>
@@ -8384,13 +8362,7 @@
               <a:rPr lang="en-US" sz="2400" b="1" dirty="0" smtClean="0">
                 <a:latin typeface="Courier New"/>
               </a:rPr>
-              <a:t> </a:t>
-            </a:r>
-            <a:r>
-              <a:rPr lang="en-US" sz="2400" b="1" dirty="0" smtClean="0">
-                <a:latin typeface="Courier New"/>
-              </a:rPr>
-              <a:t>Reverser2Spec </a:t>
+              <a:t> Reverser2Spec </a:t>
             </a:r>
             <a:r>
               <a:rPr lang="en-US" sz="2400" b="1" dirty="0" smtClean="0">
@@ -8454,13 +8426,7 @@
               <a:rPr lang="en-US" sz="2400" b="1" dirty="0" smtClean="0">
                 <a:latin typeface="Courier New"/>
               </a:rPr>
-              <a:t> </a:t>
-            </a:r>
-            <a:r>
-              <a:rPr lang="en-US" sz="2400" b="1" dirty="0" smtClean="0">
-                <a:latin typeface="Courier New"/>
-              </a:rPr>
-              <a:t>reversed = reverse(</a:t>
+              <a:t> reversed = reverse(</a:t>
             </a:r>
             <a:r>
               <a:rPr lang="en-US" sz="2400" b="1" dirty="0" smtClean="0">
@@ -8625,13 +8591,7 @@
               <a:rPr lang="en-US" sz="2400" b="1" dirty="0" smtClean="0">
                 <a:latin typeface="Courier New"/>
               </a:rPr>
-              <a:t> </a:t>
-            </a:r>
-            <a:r>
-              <a:rPr lang="en-US" sz="2400" b="1" dirty="0" smtClean="0">
-                <a:latin typeface="Courier New"/>
-              </a:rPr>
-              <a:t>reversed = reverse(</a:t>
+              <a:t> reversed = reverse(</a:t>
             </a:r>
             <a:r>
               <a:rPr lang="en-US" sz="2400" b="1" dirty="0" smtClean="0">

--- a/src/main/resources/oscon_2010_specs.pptx
+++ b/src/main/resources/oscon_2010_specs.pptx
@@ -6,7 +6,7 @@
     <p:sldMasterId id="2147483651" r:id="rId2"/>
   </p:sldMasterIdLst>
   <p:notesMasterIdLst>
-    <p:notesMasterId r:id="rId12"/>
+    <p:notesMasterId r:id="rId14"/>
   </p:notesMasterIdLst>
   <p:sldIdLst>
     <p:sldId id="258" r:id="rId3"/>
@@ -18,6 +18,8 @@
     <p:sldId id="264" r:id="rId9"/>
     <p:sldId id="265" r:id="rId10"/>
     <p:sldId id="266" r:id="rId11"/>
+    <p:sldId id="267" r:id="rId12"/>
+    <p:sldId id="268" r:id="rId13"/>
   </p:sldIdLst>
   <p:sldSz cx="13004800" cy="9753600"/>
   <p:notesSz cx="6858000" cy="9144000"/>
@@ -649,6 +651,174 @@
       <p:sp>
         <p:nvSpPr>
           <p:cNvPr id="18435" name="Rectangle 3"/>
+          <p:cNvSpPr>
+            <a:spLocks noGrp="1"/>
+          </p:cNvSpPr>
+          <p:nvPr>
+            <p:ph type="body" idx="1"/>
+          </p:nvPr>
+        </p:nvSpPr>
+        <p:spPr/>
+        <p:txBody>
+          <a:bodyPr/>
+          <a:lstStyle/>
+          <a:p>
+            <a:endParaRPr lang="en-US"/>
+          </a:p>
+        </p:txBody>
+      </p:sp>
+    </p:spTree>
+  </p:cSld>
+  <p:clrMapOvr>
+    <a:masterClrMapping/>
+  </p:clrMapOvr>
+</p:notes>
+</file>
+
+<file path=ppt/notesSlides/notesSlide10.xml><?xml version="1.0" encoding="utf-8"?>
+<p:notes xmlns:a="http://schemas.openxmlformats.org/drawingml/2006/main" xmlns:r="http://schemas.openxmlformats.org/officeDocument/2006/relationships" xmlns:p="http://schemas.openxmlformats.org/presentationml/2006/main">
+  <p:cSld>
+    <p:spTree>
+      <p:nvGrpSpPr>
+        <p:cNvPr id="1" name=""/>
+        <p:cNvGrpSpPr/>
+        <p:nvPr/>
+      </p:nvGrpSpPr>
+      <p:grpSpPr>
+        <a:xfrm>
+          <a:off x="0" y="0"/>
+          <a:ext cx="0" cy="0"/>
+          <a:chOff x="0" y="0"/>
+          <a:chExt cx="0" cy="0"/>
+        </a:xfrm>
+      </p:grpSpPr>
+      <p:sp>
+        <p:nvSpPr>
+          <p:cNvPr id="7" name="Rectangle 7"/>
+          <p:cNvSpPr>
+            <a:spLocks noGrp="1"/>
+          </p:cNvSpPr>
+          <p:nvPr>
+            <p:ph type="sldNum" sz="quarter" idx="5"/>
+          </p:nvPr>
+        </p:nvSpPr>
+        <p:spPr>
+          <a:ln/>
+        </p:spPr>
+        <p:txBody>
+          <a:bodyPr/>
+          <a:lstStyle/>
+          <a:p>
+            <a:fld id="{27AEA7DA-096A-4FB7-B4B3-D12717EF4BDD}" type="slidenum">
+              <a:rPr lang="en-US"/>
+              <a:pPr/>
+              <a:t>10</a:t>
+            </a:fld>
+            <a:endParaRPr lang="en-US"/>
+          </a:p>
+        </p:txBody>
+      </p:sp>
+      <p:sp>
+        <p:nvSpPr>
+          <p:cNvPr id="19458" name="Rectangle 2"/>
+          <p:cNvSpPr>
+            <a:spLocks noGrp="1" noRot="1" noChangeAspect="1" noChangeArrowheads="1" noTextEdit="1"/>
+          </p:cNvSpPr>
+          <p:nvPr>
+            <p:ph type="sldImg"/>
+          </p:nvPr>
+        </p:nvSpPr>
+        <p:spPr>
+          <a:ln/>
+        </p:spPr>
+      </p:sp>
+      <p:sp>
+        <p:nvSpPr>
+          <p:cNvPr id="19459" name="Rectangle 3"/>
+          <p:cNvSpPr>
+            <a:spLocks noGrp="1"/>
+          </p:cNvSpPr>
+          <p:nvPr>
+            <p:ph type="body" idx="1"/>
+          </p:nvPr>
+        </p:nvSpPr>
+        <p:spPr/>
+        <p:txBody>
+          <a:bodyPr/>
+          <a:lstStyle/>
+          <a:p>
+            <a:endParaRPr lang="en-US"/>
+          </a:p>
+        </p:txBody>
+      </p:sp>
+    </p:spTree>
+  </p:cSld>
+  <p:clrMapOvr>
+    <a:masterClrMapping/>
+  </p:clrMapOvr>
+</p:notes>
+</file>
+
+<file path=ppt/notesSlides/notesSlide11.xml><?xml version="1.0" encoding="utf-8"?>
+<p:notes xmlns:a="http://schemas.openxmlformats.org/drawingml/2006/main" xmlns:r="http://schemas.openxmlformats.org/officeDocument/2006/relationships" xmlns:p="http://schemas.openxmlformats.org/presentationml/2006/main">
+  <p:cSld>
+    <p:spTree>
+      <p:nvGrpSpPr>
+        <p:cNvPr id="1" name=""/>
+        <p:cNvGrpSpPr/>
+        <p:nvPr/>
+      </p:nvGrpSpPr>
+      <p:grpSpPr>
+        <a:xfrm>
+          <a:off x="0" y="0"/>
+          <a:ext cx="0" cy="0"/>
+          <a:chOff x="0" y="0"/>
+          <a:chExt cx="0" cy="0"/>
+        </a:xfrm>
+      </p:grpSpPr>
+      <p:sp>
+        <p:nvSpPr>
+          <p:cNvPr id="7" name="Rectangle 7"/>
+          <p:cNvSpPr>
+            <a:spLocks noGrp="1"/>
+          </p:cNvSpPr>
+          <p:nvPr>
+            <p:ph type="sldNum" sz="quarter" idx="5"/>
+          </p:nvPr>
+        </p:nvSpPr>
+        <p:spPr>
+          <a:ln/>
+        </p:spPr>
+        <p:txBody>
+          <a:bodyPr/>
+          <a:lstStyle/>
+          <a:p>
+            <a:fld id="{27AEA7DA-096A-4FB7-B4B3-D12717EF4BDD}" type="slidenum">
+              <a:rPr lang="en-US"/>
+              <a:pPr/>
+              <a:t>11</a:t>
+            </a:fld>
+            <a:endParaRPr lang="en-US"/>
+          </a:p>
+        </p:txBody>
+      </p:sp>
+      <p:sp>
+        <p:nvSpPr>
+          <p:cNvPr id="19458" name="Rectangle 2"/>
+          <p:cNvSpPr>
+            <a:spLocks noGrp="1" noRot="1" noChangeAspect="1" noChangeArrowheads="1" noTextEdit="1"/>
+          </p:cNvSpPr>
+          <p:nvPr>
+            <p:ph type="sldImg"/>
+          </p:nvPr>
+        </p:nvSpPr>
+        <p:spPr>
+          <a:ln/>
+        </p:spPr>
+      </p:sp>
+      <p:sp>
+        <p:nvSpPr>
+          <p:cNvPr id="19459" name="Rectangle 3"/>
           <p:cNvSpPr>
             <a:spLocks noGrp="1"/>
           </p:cNvSpPr>
@@ -5870,6 +6040,635 @@
               <a:t>Tips and tricks for a successful DSL</a:t>
             </a:r>
             <a:endParaRPr lang="en-US" dirty="0"/>
+          </a:p>
+        </p:txBody>
+      </p:sp>
+    </p:spTree>
+  </p:cSld>
+  <p:clrMapOvr>
+    <a:masterClrMapping/>
+  </p:clrMapOvr>
+  <p:transition>
+    <p:fade/>
+  </p:transition>
+  <p:timing>
+    <p:tnLst>
+      <p:par>
+        <p:cTn id="1" dur="indefinite" restart="never" nodeType="tmRoot"/>
+      </p:par>
+    </p:tnLst>
+  </p:timing>
+</p:sld>
+</file>
+
+<file path=ppt/slides/slide10.xml><?xml version="1.0" encoding="utf-8"?>
+<p:sld xmlns:a="http://schemas.openxmlformats.org/drawingml/2006/main" xmlns:r="http://schemas.openxmlformats.org/officeDocument/2006/relationships" xmlns:p="http://schemas.openxmlformats.org/presentationml/2006/main">
+  <p:cSld>
+    <p:spTree>
+      <p:nvGrpSpPr>
+        <p:cNvPr id="1" name=""/>
+        <p:cNvGrpSpPr/>
+        <p:nvPr/>
+      </p:nvGrpSpPr>
+      <p:grpSpPr>
+        <a:xfrm>
+          <a:off x="0" y="0"/>
+          <a:ext cx="0" cy="0"/>
+          <a:chOff x="0" y="0"/>
+          <a:chExt cx="0" cy="0"/>
+        </a:xfrm>
+      </p:grpSpPr>
+      <p:sp>
+        <p:nvSpPr>
+          <p:cNvPr id="8193" name="Rectangle 1"/>
+          <p:cNvSpPr>
+            <a:spLocks noGrp="1" noChangeArrowheads="1"/>
+          </p:cNvSpPr>
+          <p:nvPr>
+            <p:ph type="title"/>
+          </p:nvPr>
+        </p:nvSpPr>
+        <p:spPr>
+          <a:ln/>
+        </p:spPr>
+        <p:txBody>
+          <a:bodyPr/>
+          <a:lstStyle/>
+          <a:p>
+            <a:pPr lvl="0"/>
+            <a:r>
+              <a:rPr lang="en-US" sz="5400" dirty="0" smtClean="0">
+                <a:latin typeface="Lucida Handwriting" pitchFamily="66" charset="0"/>
+              </a:rPr>
+              <a:t>       tour</a:t>
+            </a:r>
+            <a:endParaRPr lang="en-US" dirty="0"/>
+          </a:p>
+        </p:txBody>
+      </p:sp>
+      <p:pic>
+        <p:nvPicPr>
+          <p:cNvPr id="39938" name="Picture 2" descr="Logo"/>
+          <p:cNvPicPr>
+            <a:picLocks noChangeAspect="1" noChangeArrowheads="1"/>
+          </p:cNvPicPr>
+          <p:nvPr/>
+        </p:nvPicPr>
+        <p:blipFill>
+          <a:blip r:embed="rId3"/>
+          <a:srcRect/>
+          <a:stretch>
+            <a:fillRect/>
+          </a:stretch>
+        </p:blipFill>
+        <p:spPr bwMode="auto">
+          <a:xfrm>
+            <a:off x="3833628" y="228600"/>
+            <a:ext cx="2287772" cy="642969"/>
+          </a:xfrm>
+          <a:prstGeom prst="rect">
+            <a:avLst/>
+          </a:prstGeom>
+          <a:noFill/>
+        </p:spPr>
+      </p:pic>
+      <p:pic>
+        <p:nvPicPr>
+          <p:cNvPr id="1026" name="Picture 2"/>
+          <p:cNvPicPr>
+            <a:picLocks noChangeAspect="1" noChangeArrowheads="1"/>
+          </p:cNvPicPr>
+          <p:nvPr/>
+        </p:nvPicPr>
+        <p:blipFill>
+          <a:blip r:embed="rId4"/>
+          <a:srcRect l="2477" t="18307" r="71667" b="65217"/>
+          <a:stretch>
+            <a:fillRect/>
+          </a:stretch>
+        </p:blipFill>
+        <p:spPr bwMode="auto">
+          <a:xfrm>
+            <a:off x="1122947" y="2362200"/>
+            <a:ext cx="10836220" cy="4191000"/>
+          </a:xfrm>
+          <a:prstGeom prst="rect">
+            <a:avLst/>
+          </a:prstGeom>
+          <a:noFill/>
+          <a:ln w="9525">
+            <a:noFill/>
+            <a:miter lim="800000"/>
+            <a:headEnd/>
+            <a:tailEnd/>
+          </a:ln>
+          <a:effectLst/>
+        </p:spPr>
+      </p:pic>
+    </p:spTree>
+  </p:cSld>
+  <p:clrMapOvr>
+    <a:masterClrMapping/>
+  </p:clrMapOvr>
+  <p:transition>
+    <p:fade/>
+  </p:transition>
+  <p:timing>
+    <p:tnLst>
+      <p:par>
+        <p:cTn id="1" dur="indefinite" restart="never" nodeType="tmRoot"/>
+      </p:par>
+    </p:tnLst>
+  </p:timing>
+</p:sld>
+</file>
+
+<file path=ppt/slides/slide11.xml><?xml version="1.0" encoding="utf-8"?>
+<p:sld xmlns:a="http://schemas.openxmlformats.org/drawingml/2006/main" xmlns:r="http://schemas.openxmlformats.org/officeDocument/2006/relationships" xmlns:p="http://schemas.openxmlformats.org/presentationml/2006/main">
+  <p:cSld>
+    <p:spTree>
+      <p:nvGrpSpPr>
+        <p:cNvPr id="1" name=""/>
+        <p:cNvGrpSpPr/>
+        <p:nvPr/>
+      </p:nvGrpSpPr>
+      <p:grpSpPr>
+        <a:xfrm>
+          <a:off x="0" y="0"/>
+          <a:ext cx="0" cy="0"/>
+          <a:chOff x="0" y="0"/>
+          <a:chExt cx="0" cy="0"/>
+        </a:xfrm>
+      </p:grpSpPr>
+      <p:sp>
+        <p:nvSpPr>
+          <p:cNvPr id="8193" name="Rectangle 1"/>
+          <p:cNvSpPr>
+            <a:spLocks noGrp="1" noChangeArrowheads="1"/>
+          </p:cNvSpPr>
+          <p:nvPr>
+            <p:ph type="title"/>
+          </p:nvPr>
+        </p:nvSpPr>
+        <p:spPr>
+          <a:ln/>
+        </p:spPr>
+        <p:txBody>
+          <a:bodyPr/>
+          <a:lstStyle/>
+          <a:p>
+            <a:pPr lvl="0"/>
+            <a:r>
+              <a:rPr lang="en-US" sz="5400" dirty="0" smtClean="0">
+                <a:latin typeface="Lucida Handwriting" pitchFamily="66" charset="0"/>
+              </a:rPr>
+              <a:t>       tour</a:t>
+            </a:r>
+            <a:endParaRPr lang="en-US" dirty="0"/>
+          </a:p>
+        </p:txBody>
+      </p:sp>
+      <p:pic>
+        <p:nvPicPr>
+          <p:cNvPr id="39938" name="Picture 2" descr="Logo"/>
+          <p:cNvPicPr>
+            <a:picLocks noChangeAspect="1" noChangeArrowheads="1"/>
+          </p:cNvPicPr>
+          <p:nvPr/>
+        </p:nvPicPr>
+        <p:blipFill>
+          <a:blip r:embed="rId3"/>
+          <a:srcRect/>
+          <a:stretch>
+            <a:fillRect/>
+          </a:stretch>
+        </p:blipFill>
+        <p:spPr bwMode="auto">
+          <a:xfrm>
+            <a:off x="3833628" y="228600"/>
+            <a:ext cx="2287772" cy="642969"/>
+          </a:xfrm>
+          <a:prstGeom prst="rect">
+            <a:avLst/>
+          </a:prstGeom>
+          <a:noFill/>
+        </p:spPr>
+      </p:pic>
+      <p:sp>
+        <p:nvSpPr>
+          <p:cNvPr id="6" name="Rectangle 5"/>
+          <p:cNvSpPr/>
+          <p:nvPr/>
+        </p:nvSpPr>
+        <p:spPr>
+          <a:xfrm>
+            <a:off x="558800" y="1143000"/>
+            <a:ext cx="12115800" cy="4893647"/>
+          </a:xfrm>
+          <a:prstGeom prst="rect">
+            <a:avLst/>
+          </a:prstGeom>
+          <a:ln>
+            <a:solidFill>
+              <a:schemeClr val="tx1"/>
+            </a:solidFill>
+            <a:prstDash val="dash"/>
+          </a:ln>
+        </p:spPr>
+        <p:txBody>
+          <a:bodyPr wrap="square">
+            <a:spAutoFit/>
+          </a:bodyPr>
+          <a:lstStyle/>
+          <a:p>
+            <a:r>
+              <a:rPr lang="en-US" sz="2400" b="1" dirty="0" smtClean="0">
+                <a:solidFill>
+                  <a:srgbClr val="7F0055"/>
+                </a:solidFill>
+                <a:latin typeface="Courier New"/>
+              </a:rPr>
+              <a:t>class</a:t>
+            </a:r>
+            <a:r>
+              <a:rPr lang="en-US" sz="2400" b="1" dirty="0" smtClean="0">
+                <a:latin typeface="Courier New"/>
+              </a:rPr>
+              <a:t> </a:t>
+            </a:r>
+            <a:r>
+              <a:rPr lang="en-US" sz="2400" b="1" dirty="0" err="1" smtClean="0">
+                <a:latin typeface="Courier New"/>
+              </a:rPr>
+              <a:t>HelloWorldSnippetSpec</a:t>
+            </a:r>
+            <a:r>
+              <a:rPr lang="en-US" sz="2400" b="1" dirty="0" smtClean="0">
+                <a:latin typeface="Courier New"/>
+              </a:rPr>
+              <a:t> </a:t>
+            </a:r>
+            <a:r>
+              <a:rPr lang="en-US" sz="2400" b="1" dirty="0" smtClean="0">
+                <a:solidFill>
+                  <a:srgbClr val="7F0055"/>
+                </a:solidFill>
+                <a:latin typeface="Courier New"/>
+              </a:rPr>
+              <a:t>extends</a:t>
+            </a:r>
+            <a:r>
+              <a:rPr lang="en-US" sz="2400" b="1" dirty="0" smtClean="0">
+                <a:latin typeface="Courier New"/>
+              </a:rPr>
+              <a:t> </a:t>
+            </a:r>
+            <a:r>
+              <a:rPr lang="en-US" sz="2400" b="1" dirty="0" err="1" smtClean="0">
+                <a:latin typeface="Courier New"/>
+              </a:rPr>
+              <a:t>SpecificationWithJUnit</a:t>
+            </a:r>
+            <a:r>
+              <a:rPr lang="en-US" sz="2400" b="1" dirty="0" smtClean="0">
+                <a:latin typeface="Courier New"/>
+              </a:rPr>
+              <a:t> </a:t>
+            </a:r>
+            <a:r>
+              <a:rPr lang="en-US" sz="2400" b="1" dirty="0" smtClean="0">
+                <a:solidFill>
+                  <a:srgbClr val="7F0055"/>
+                </a:solidFill>
+                <a:latin typeface="Courier New"/>
+              </a:rPr>
+              <a:t>with</a:t>
+            </a:r>
+            <a:r>
+              <a:rPr lang="en-US" sz="2400" b="1" dirty="0" smtClean="0">
+                <a:latin typeface="Courier New"/>
+              </a:rPr>
+              <a:t> </a:t>
+            </a:r>
+            <a:r>
+              <a:rPr lang="en-US" sz="2400" b="1" dirty="0" smtClean="0">
+                <a:latin typeface="Courier New"/>
+              </a:rPr>
+              <a:t>   </a:t>
+            </a:r>
+          </a:p>
+          <a:p>
+            <a:r>
+              <a:rPr lang="en-US" sz="2400" b="1" dirty="0" smtClean="0">
+                <a:latin typeface="Courier New"/>
+              </a:rPr>
+              <a:t> </a:t>
+            </a:r>
+            <a:r>
+              <a:rPr lang="en-US" sz="2400" b="1" dirty="0" smtClean="0">
+                <a:latin typeface="Courier New"/>
+              </a:rPr>
+              <a:t>                                   </a:t>
+            </a:r>
+            <a:r>
+              <a:rPr lang="en-US" sz="2400" b="1" dirty="0" err="1" smtClean="0">
+                <a:latin typeface="Courier New"/>
+              </a:rPr>
+              <a:t>HelloWorldSnippet</a:t>
+            </a:r>
+            <a:r>
+              <a:rPr lang="en-US" sz="2400" b="1" dirty="0" smtClean="0">
+                <a:latin typeface="Courier New"/>
+              </a:rPr>
+              <a:t> {</a:t>
+            </a:r>
+          </a:p>
+          <a:p>
+            <a:endParaRPr lang="en-US" sz="2400" b="1" dirty="0" smtClean="0">
+              <a:latin typeface="Courier New"/>
+            </a:endParaRPr>
+          </a:p>
+          <a:p>
+            <a:r>
+              <a:rPr lang="en-US" sz="2400" dirty="0" smtClean="0">
+                <a:latin typeface="Courier New"/>
+              </a:rPr>
+              <a:t>  </a:t>
+            </a:r>
+            <a:r>
+              <a:rPr lang="en-US" sz="2400" dirty="0" smtClean="0">
+                <a:solidFill>
+                  <a:srgbClr val="2A00FF"/>
+                </a:solidFill>
+                <a:latin typeface="Courier New"/>
+              </a:rPr>
+              <a:t>"the snippet must output a div element"</a:t>
+            </a:r>
+            <a:r>
+              <a:rPr lang="en-US" sz="2400" dirty="0" smtClean="0">
+                <a:latin typeface="Courier New"/>
+              </a:rPr>
+              <a:t> &gt;&gt; {</a:t>
+            </a:r>
+          </a:p>
+          <a:p>
+            <a:r>
+              <a:rPr lang="en-US" sz="2400" dirty="0" smtClean="0">
+                <a:latin typeface="Courier New"/>
+              </a:rPr>
+              <a:t>    hello</a:t>
+            </a:r>
+            <a:r>
+              <a:rPr lang="en-US" sz="2400" dirty="0" smtClean="0">
+                <a:latin typeface="Courier New"/>
+              </a:rPr>
+              <a:t>(</a:t>
+            </a:r>
+            <a:r>
+              <a:rPr lang="en-US" sz="2400" dirty="0" smtClean="0">
+                <a:solidFill>
+                  <a:srgbClr val="2A00FF"/>
+                </a:solidFill>
+                <a:latin typeface="Courier New"/>
+              </a:rPr>
+              <a:t>"Eric"</a:t>
+            </a:r>
+            <a:r>
+              <a:rPr lang="en-US" sz="2400" dirty="0" smtClean="0">
+                <a:latin typeface="Courier New"/>
+              </a:rPr>
+              <a:t>) must \\(&lt;div/&gt;)</a:t>
+            </a:r>
+          </a:p>
+          <a:p>
+            <a:r>
+              <a:rPr lang="en-US" sz="2400" dirty="0" smtClean="0">
+                <a:latin typeface="Courier New"/>
+              </a:rPr>
+              <a:t>  }</a:t>
+            </a:r>
+          </a:p>
+          <a:p>
+            <a:r>
+              <a:rPr lang="en-US" sz="2400" dirty="0" smtClean="0">
+                <a:latin typeface="Courier New"/>
+              </a:rPr>
+              <a:t>  </a:t>
+            </a:r>
+            <a:r>
+              <a:rPr lang="en-US" sz="2400" dirty="0" smtClean="0">
+                <a:solidFill>
+                  <a:srgbClr val="2A00FF"/>
+                </a:solidFill>
+                <a:latin typeface="Courier New"/>
+              </a:rPr>
+              <a:t>"it </a:t>
+            </a:r>
+            <a:r>
+              <a:rPr lang="en-US" sz="2400" dirty="0" smtClean="0">
+                <a:solidFill>
+                  <a:srgbClr val="2A00FF"/>
+                </a:solidFill>
+                <a:latin typeface="Courier New"/>
+              </a:rPr>
+              <a:t>must have a 'class' attribute with a 'text' value"</a:t>
+            </a:r>
+            <a:r>
+              <a:rPr lang="en-US" sz="2400" dirty="0" smtClean="0">
+                <a:latin typeface="Courier New"/>
+              </a:rPr>
+              <a:t> &gt;&gt; {</a:t>
+            </a:r>
+          </a:p>
+          <a:p>
+            <a:r>
+              <a:rPr lang="en-US" sz="2400" dirty="0" smtClean="0">
+                <a:latin typeface="Courier New"/>
+              </a:rPr>
+              <a:t>    hello</a:t>
+            </a:r>
+            <a:r>
+              <a:rPr lang="en-US" sz="2400" dirty="0" smtClean="0">
+                <a:latin typeface="Courier New"/>
+              </a:rPr>
+              <a:t>(</a:t>
+            </a:r>
+            <a:r>
+              <a:rPr lang="en-US" sz="2400" dirty="0" smtClean="0">
+                <a:solidFill>
+                  <a:srgbClr val="2A00FF"/>
+                </a:solidFill>
+                <a:latin typeface="Courier New"/>
+              </a:rPr>
+              <a:t>"Eric"</a:t>
+            </a:r>
+            <a:r>
+              <a:rPr lang="en-US" sz="2400" dirty="0" smtClean="0">
+                <a:latin typeface="Courier New"/>
+              </a:rPr>
+              <a:t>) must \\(&lt;div/&gt;, </a:t>
+            </a:r>
+            <a:r>
+              <a:rPr lang="en-US" sz="2400" dirty="0" smtClean="0">
+                <a:solidFill>
+                  <a:srgbClr val="2A00FF"/>
+                </a:solidFill>
+                <a:latin typeface="Courier New"/>
+              </a:rPr>
+              <a:t>"class"</a:t>
+            </a:r>
+            <a:r>
+              <a:rPr lang="en-US" sz="2400" dirty="0" smtClean="0">
+                <a:latin typeface="Courier New"/>
+              </a:rPr>
+              <a:t> -&gt; </a:t>
+            </a:r>
+            <a:r>
+              <a:rPr lang="en-US" sz="2400" dirty="0" smtClean="0">
+                <a:solidFill>
+                  <a:srgbClr val="2A00FF"/>
+                </a:solidFill>
+                <a:latin typeface="Courier New"/>
+              </a:rPr>
+              <a:t>"text"</a:t>
+            </a:r>
+            <a:r>
+              <a:rPr lang="en-US" sz="2400" dirty="0" smtClean="0">
+                <a:latin typeface="Courier New"/>
+              </a:rPr>
+              <a:t>)</a:t>
+            </a:r>
+          </a:p>
+          <a:p>
+            <a:r>
+              <a:rPr lang="en-US" sz="2400" dirty="0" smtClean="0">
+                <a:latin typeface="Courier New"/>
+              </a:rPr>
+              <a:t>  }</a:t>
+            </a:r>
+          </a:p>
+          <a:p>
+            <a:r>
+              <a:rPr lang="en-US" sz="2400" dirty="0" smtClean="0">
+                <a:latin typeface="Courier New"/>
+              </a:rPr>
+              <a:t>  </a:t>
+            </a:r>
+            <a:r>
+              <a:rPr lang="en-US" sz="2400" dirty="0" smtClean="0">
+                <a:solidFill>
+                  <a:srgbClr val="2A00FF"/>
+                </a:solidFill>
+                <a:latin typeface="Courier New"/>
+              </a:rPr>
+              <a:t>"the snippet must output the user name"</a:t>
+            </a:r>
+            <a:r>
+              <a:rPr lang="en-US" sz="2400" dirty="0" smtClean="0">
+                <a:latin typeface="Courier New"/>
+              </a:rPr>
+              <a:t> &gt;&gt; {</a:t>
+            </a:r>
+          </a:p>
+          <a:p>
+            <a:r>
+              <a:rPr lang="en-US" sz="2400" dirty="0" smtClean="0">
+                <a:latin typeface="Courier New"/>
+              </a:rPr>
+              <a:t>    hello</a:t>
+            </a:r>
+            <a:r>
+              <a:rPr lang="en-US" sz="2400" dirty="0" smtClean="0">
+                <a:latin typeface="Courier New"/>
+              </a:rPr>
+              <a:t>(</a:t>
+            </a:r>
+            <a:r>
+              <a:rPr lang="en-US" sz="2400" dirty="0" smtClean="0">
+                <a:solidFill>
+                  <a:srgbClr val="2A00FF"/>
+                </a:solidFill>
+                <a:latin typeface="Courier New"/>
+              </a:rPr>
+              <a:t>"Eric"</a:t>
+            </a:r>
+            <a:r>
+              <a:rPr lang="en-US" sz="2400" dirty="0" smtClean="0">
+                <a:latin typeface="Courier New"/>
+              </a:rPr>
+              <a:t>).</a:t>
+            </a:r>
+            <a:r>
+              <a:rPr lang="en-US" sz="2400" dirty="0" err="1" smtClean="0">
+                <a:latin typeface="Courier New"/>
+              </a:rPr>
+              <a:t>flatMap</a:t>
+            </a:r>
+            <a:r>
+              <a:rPr lang="en-US" sz="2400" dirty="0" smtClean="0">
+                <a:latin typeface="Courier New"/>
+              </a:rPr>
+              <a:t>(_.child) </a:t>
+            </a:r>
+            <a:r>
+              <a:rPr lang="en-US" sz="2400" dirty="0" smtClean="0">
+                <a:latin typeface="Courier New"/>
+              </a:rPr>
+              <a:t>must contain(</a:t>
+            </a:r>
+            <a:r>
+              <a:rPr lang="en-US" sz="2400" b="1" dirty="0" smtClean="0">
+                <a:solidFill>
+                  <a:srgbClr val="7F0055"/>
+                </a:solidFill>
+                <a:latin typeface="Courier New"/>
+              </a:rPr>
+              <a:t>new</a:t>
+            </a:r>
+            <a:r>
+              <a:rPr lang="en-US" sz="2400" b="1" dirty="0" smtClean="0">
+                <a:latin typeface="Courier New"/>
+              </a:rPr>
+              <a:t> </a:t>
+            </a:r>
+            <a:r>
+              <a:rPr lang="en-US" sz="2400" b="1" dirty="0" smtClean="0">
+                <a:latin typeface="Courier New"/>
+              </a:rPr>
+              <a:t>Atom(</a:t>
+            </a:r>
+            <a:r>
+              <a:rPr lang="en-US" sz="2400" b="1" dirty="0" smtClean="0">
+                <a:solidFill>
+                  <a:srgbClr val="2A00FF"/>
+                </a:solidFill>
+                <a:latin typeface="Courier New"/>
+              </a:rPr>
+              <a:t>"Eric"</a:t>
+            </a:r>
+            <a:r>
+              <a:rPr lang="en-US" sz="2400" b="1" dirty="0" smtClean="0">
+                <a:latin typeface="Courier New"/>
+              </a:rPr>
+              <a:t>))</a:t>
+            </a:r>
+          </a:p>
+          <a:p>
+            <a:r>
+              <a:rPr lang="en-US" sz="2400" dirty="0" smtClean="0">
+                <a:latin typeface="Courier New"/>
+              </a:rPr>
+              <a:t>  }</a:t>
+            </a:r>
+          </a:p>
+          <a:p>
+            <a:r>
+              <a:rPr lang="en-US" sz="2400" dirty="0" smtClean="0">
+                <a:latin typeface="Courier New"/>
+              </a:rPr>
+              <a:t>}</a:t>
+            </a:r>
+            <a:endParaRPr lang="en-US" sz="2400" dirty="0"/>
           </a:p>
         </p:txBody>
       </p:sp>

--- a/src/main/resources/oscon_2010_specs.pptx
+++ b/src/main/resources/oscon_2010_specs.pptx
@@ -6,7 +6,7 @@
     <p:sldMasterId id="2147483651" r:id="rId2"/>
   </p:sldMasterIdLst>
   <p:notesMasterIdLst>
-    <p:notesMasterId r:id="rId14"/>
+    <p:notesMasterId r:id="rId16"/>
   </p:notesMasterIdLst>
   <p:sldIdLst>
     <p:sldId id="258" r:id="rId3"/>
@@ -20,6 +20,8 @@
     <p:sldId id="266" r:id="rId11"/>
     <p:sldId id="267" r:id="rId12"/>
     <p:sldId id="268" r:id="rId13"/>
+    <p:sldId id="269" r:id="rId14"/>
+    <p:sldId id="270" r:id="rId15"/>
   </p:sldIdLst>
   <p:sldSz cx="13004800" cy="9753600"/>
   <p:notesSz cx="6858000" cy="9144000"/>
@@ -797,6 +799,174 @@
               <a:rPr lang="en-US"/>
               <a:pPr/>
               <a:t>11</a:t>
+            </a:fld>
+            <a:endParaRPr lang="en-US"/>
+          </a:p>
+        </p:txBody>
+      </p:sp>
+      <p:sp>
+        <p:nvSpPr>
+          <p:cNvPr id="19458" name="Rectangle 2"/>
+          <p:cNvSpPr>
+            <a:spLocks noGrp="1" noRot="1" noChangeAspect="1" noChangeArrowheads="1" noTextEdit="1"/>
+          </p:cNvSpPr>
+          <p:nvPr>
+            <p:ph type="sldImg"/>
+          </p:nvPr>
+        </p:nvSpPr>
+        <p:spPr>
+          <a:ln/>
+        </p:spPr>
+      </p:sp>
+      <p:sp>
+        <p:nvSpPr>
+          <p:cNvPr id="19459" name="Rectangle 3"/>
+          <p:cNvSpPr>
+            <a:spLocks noGrp="1"/>
+          </p:cNvSpPr>
+          <p:nvPr>
+            <p:ph type="body" idx="1"/>
+          </p:nvPr>
+        </p:nvSpPr>
+        <p:spPr/>
+        <p:txBody>
+          <a:bodyPr/>
+          <a:lstStyle/>
+          <a:p>
+            <a:endParaRPr lang="en-US"/>
+          </a:p>
+        </p:txBody>
+      </p:sp>
+    </p:spTree>
+  </p:cSld>
+  <p:clrMapOvr>
+    <a:masterClrMapping/>
+  </p:clrMapOvr>
+</p:notes>
+</file>
+
+<file path=ppt/notesSlides/notesSlide12.xml><?xml version="1.0" encoding="utf-8"?>
+<p:notes xmlns:a="http://schemas.openxmlformats.org/drawingml/2006/main" xmlns:r="http://schemas.openxmlformats.org/officeDocument/2006/relationships" xmlns:p="http://schemas.openxmlformats.org/presentationml/2006/main">
+  <p:cSld>
+    <p:spTree>
+      <p:nvGrpSpPr>
+        <p:cNvPr id="1" name=""/>
+        <p:cNvGrpSpPr/>
+        <p:nvPr/>
+      </p:nvGrpSpPr>
+      <p:grpSpPr>
+        <a:xfrm>
+          <a:off x="0" y="0"/>
+          <a:ext cx="0" cy="0"/>
+          <a:chOff x="0" y="0"/>
+          <a:chExt cx="0" cy="0"/>
+        </a:xfrm>
+      </p:grpSpPr>
+      <p:sp>
+        <p:nvSpPr>
+          <p:cNvPr id="7" name="Rectangle 7"/>
+          <p:cNvSpPr>
+            <a:spLocks noGrp="1"/>
+          </p:cNvSpPr>
+          <p:nvPr>
+            <p:ph type="sldNum" sz="quarter" idx="5"/>
+          </p:nvPr>
+        </p:nvSpPr>
+        <p:spPr>
+          <a:ln/>
+        </p:spPr>
+        <p:txBody>
+          <a:bodyPr/>
+          <a:lstStyle/>
+          <a:p>
+            <a:fld id="{27AEA7DA-096A-4FB7-B4B3-D12717EF4BDD}" type="slidenum">
+              <a:rPr lang="en-US"/>
+              <a:pPr/>
+              <a:t>12</a:t>
+            </a:fld>
+            <a:endParaRPr lang="en-US"/>
+          </a:p>
+        </p:txBody>
+      </p:sp>
+      <p:sp>
+        <p:nvSpPr>
+          <p:cNvPr id="19458" name="Rectangle 2"/>
+          <p:cNvSpPr>
+            <a:spLocks noGrp="1" noRot="1" noChangeAspect="1" noChangeArrowheads="1" noTextEdit="1"/>
+          </p:cNvSpPr>
+          <p:nvPr>
+            <p:ph type="sldImg"/>
+          </p:nvPr>
+        </p:nvSpPr>
+        <p:spPr>
+          <a:ln/>
+        </p:spPr>
+      </p:sp>
+      <p:sp>
+        <p:nvSpPr>
+          <p:cNvPr id="19459" name="Rectangle 3"/>
+          <p:cNvSpPr>
+            <a:spLocks noGrp="1"/>
+          </p:cNvSpPr>
+          <p:nvPr>
+            <p:ph type="body" idx="1"/>
+          </p:nvPr>
+        </p:nvSpPr>
+        <p:spPr/>
+        <p:txBody>
+          <a:bodyPr/>
+          <a:lstStyle/>
+          <a:p>
+            <a:endParaRPr lang="en-US"/>
+          </a:p>
+        </p:txBody>
+      </p:sp>
+    </p:spTree>
+  </p:cSld>
+  <p:clrMapOvr>
+    <a:masterClrMapping/>
+  </p:clrMapOvr>
+</p:notes>
+</file>
+
+<file path=ppt/notesSlides/notesSlide13.xml><?xml version="1.0" encoding="utf-8"?>
+<p:notes xmlns:a="http://schemas.openxmlformats.org/drawingml/2006/main" xmlns:r="http://schemas.openxmlformats.org/officeDocument/2006/relationships" xmlns:p="http://schemas.openxmlformats.org/presentationml/2006/main">
+  <p:cSld>
+    <p:spTree>
+      <p:nvGrpSpPr>
+        <p:cNvPr id="1" name=""/>
+        <p:cNvGrpSpPr/>
+        <p:nvPr/>
+      </p:nvGrpSpPr>
+      <p:grpSpPr>
+        <a:xfrm>
+          <a:off x="0" y="0"/>
+          <a:ext cx="0" cy="0"/>
+          <a:chOff x="0" y="0"/>
+          <a:chExt cx="0" cy="0"/>
+        </a:xfrm>
+      </p:grpSpPr>
+      <p:sp>
+        <p:nvSpPr>
+          <p:cNvPr id="7" name="Rectangle 7"/>
+          <p:cNvSpPr>
+            <a:spLocks noGrp="1"/>
+          </p:cNvSpPr>
+          <p:nvPr>
+            <p:ph type="sldNum" sz="quarter" idx="5"/>
+          </p:nvPr>
+        </p:nvSpPr>
+        <p:spPr>
+          <a:ln/>
+        </p:spPr>
+        <p:txBody>
+          <a:bodyPr/>
+          <a:lstStyle/>
+          <a:p>
+            <a:fld id="{27AEA7DA-096A-4FB7-B4B3-D12717EF4BDD}" type="slidenum">
+              <a:rPr lang="en-US"/>
+              <a:pPr/>
+              <a:t>13</a:t>
             </a:fld>
             <a:endParaRPr lang="en-US"/>
           </a:p>
@@ -6263,7 +6433,7 @@
         <p:spPr>
           <a:xfrm>
             <a:off x="558800" y="1143000"/>
-            <a:ext cx="12115800" cy="4893647"/>
+            <a:ext cx="12115800" cy="6370975"/>
           </a:xfrm>
           <a:prstGeom prst="rect">
             <a:avLst/>
@@ -6288,7 +6458,7 @@
                 </a:solidFill>
                 <a:latin typeface="Courier New"/>
               </a:rPr>
-              <a:t>class</a:t>
+              <a:t>trait</a:t>
             </a:r>
             <a:r>
               <a:rPr lang="en-US" sz="2400" b="1" dirty="0" smtClean="0">
@@ -6300,13 +6470,21 @@
               <a:rPr lang="en-US" sz="2400" b="1" dirty="0" err="1" smtClean="0">
                 <a:latin typeface="Courier New"/>
               </a:rPr>
-              <a:t>HelloWorldSnippetSpec</a:t>
+              <a:t>HelloWorldSnippet</a:t>
             </a:r>
             <a:r>
               <a:rPr lang="en-US" sz="2400" b="1" dirty="0" smtClean="0">
                 <a:latin typeface="Courier New"/>
               </a:rPr>
-              <a:t> </a:t>
+              <a:t> {</a:t>
+            </a:r>
+          </a:p>
+          <a:p>
+            <a:r>
+              <a:rPr lang="en-US" sz="2400" dirty="0" smtClean="0">
+                <a:latin typeface="Courier New"/>
+              </a:rPr>
+              <a:t>  </a:t>
             </a:r>
             <a:r>
               <a:rPr lang="en-US" sz="2400" b="1" dirty="0" smtClean="0">
@@ -6315,25 +6493,13 @@
                 </a:solidFill>
                 <a:latin typeface="Courier New"/>
               </a:rPr>
-              <a:t>extends</a:t>
+              <a:t>def</a:t>
             </a:r>
             <a:r>
               <a:rPr lang="en-US" sz="2400" b="1" dirty="0" smtClean="0">
                 <a:latin typeface="Courier New"/>
               </a:rPr>
-              <a:t> </a:t>
-            </a:r>
-            <a:r>
-              <a:rPr lang="en-US" sz="2400" b="1" dirty="0" err="1" smtClean="0">
-                <a:latin typeface="Courier New"/>
-              </a:rPr>
-              <a:t>SpecificationWithJUnit</a:t>
-            </a:r>
-            <a:r>
-              <a:rPr lang="en-US" sz="2400" b="1" dirty="0" smtClean="0">
-                <a:latin typeface="Courier New"/>
-              </a:rPr>
-              <a:t> </a:t>
+              <a:t> hello(s: String): Elem = &lt;div </a:t>
             </a:r>
             <a:r>
               <a:rPr lang="en-US" sz="2400" b="1" dirty="0" smtClean="0">
@@ -6342,280 +6508,53 @@
                 </a:solidFill>
                 <a:latin typeface="Courier New"/>
               </a:rPr>
-              <a:t>with</a:t>
+              <a:t>class</a:t>
             </a:r>
             <a:r>
               <a:rPr lang="en-US" sz="2400" b="1" dirty="0" smtClean="0">
                 <a:latin typeface="Courier New"/>
               </a:rPr>
-              <a:t> </a:t>
+              <a:t>=</a:t>
             </a:r>
             <a:r>
               <a:rPr lang="en-US" sz="2400" b="1" dirty="0" smtClean="0">
-                <a:latin typeface="Courier New"/>
-              </a:rPr>
-              <a:t>   </a:t>
-            </a:r>
-          </a:p>
-          <a:p>
-            <a:r>
-              <a:rPr lang="en-US" sz="2400" b="1" dirty="0" smtClean="0">
-                <a:latin typeface="Courier New"/>
-              </a:rPr>
-              <a:t> </a:t>
-            </a:r>
-            <a:r>
-              <a:rPr lang="en-US" sz="2400" b="1" dirty="0" smtClean="0">
-                <a:latin typeface="Courier New"/>
-              </a:rPr>
-              <a:t>                                   </a:t>
-            </a:r>
-            <a:r>
-              <a:rPr lang="en-US" sz="2400" b="1" dirty="0" err="1" smtClean="0">
-                <a:latin typeface="Courier New"/>
-              </a:rPr>
-              <a:t>HelloWorldSnippet</a:t>
-            </a:r>
-            <a:r>
-              <a:rPr lang="en-US" sz="2400" b="1" dirty="0" smtClean="0">
-                <a:latin typeface="Courier New"/>
-              </a:rPr>
-              <a:t> {</a:t>
-            </a:r>
-          </a:p>
-          <a:p>
-            <a:endParaRPr lang="en-US" sz="2400" b="1" dirty="0" smtClean="0">
-              <a:latin typeface="Courier New"/>
-            </a:endParaRPr>
-          </a:p>
-          <a:p>
-            <a:r>
-              <a:rPr lang="en-US" sz="2400" dirty="0" smtClean="0">
-                <a:latin typeface="Courier New"/>
-              </a:rPr>
-              <a:t>  </a:t>
-            </a:r>
-            <a:r>
-              <a:rPr lang="en-US" sz="2400" dirty="0" smtClean="0">
                 <a:solidFill>
                   <a:srgbClr val="2A00FF"/>
                 </a:solidFill>
                 <a:latin typeface="Courier New"/>
               </a:rPr>
-              <a:t>"the snippet must output a div element"</a:t>
-            </a:r>
-            <a:r>
-              <a:rPr lang="en-US" sz="2400" dirty="0" smtClean="0">
-                <a:latin typeface="Courier New"/>
-              </a:rPr>
-              <a:t> &gt;&gt; {</a:t>
-            </a:r>
-          </a:p>
-          <a:p>
-            <a:r>
-              <a:rPr lang="en-US" sz="2400" dirty="0" smtClean="0">
-                <a:latin typeface="Courier New"/>
-              </a:rPr>
-              <a:t>    hello</a:t>
-            </a:r>
-            <a:r>
-              <a:rPr lang="en-US" sz="2400" dirty="0" smtClean="0">
-                <a:latin typeface="Courier New"/>
-              </a:rPr>
-              <a:t>(</a:t>
-            </a:r>
-            <a:r>
-              <a:rPr lang="en-US" sz="2400" dirty="0" smtClean="0">
-                <a:solidFill>
-                  <a:srgbClr val="2A00FF"/>
-                </a:solidFill>
-                <a:latin typeface="Courier New"/>
-              </a:rPr>
-              <a:t>"Eric"</a:t>
-            </a:r>
-            <a:r>
-              <a:rPr lang="en-US" sz="2400" dirty="0" smtClean="0">
-                <a:latin typeface="Courier New"/>
-              </a:rPr>
-              <a:t>) must \\(&lt;div/&gt;)</a:t>
-            </a:r>
-          </a:p>
-          <a:p>
-            <a:r>
-              <a:rPr lang="en-US" sz="2400" dirty="0" smtClean="0">
-                <a:latin typeface="Courier New"/>
-              </a:rPr>
-              <a:t>  }</a:t>
-            </a:r>
-          </a:p>
-          <a:p>
-            <a:r>
-              <a:rPr lang="en-US" sz="2400" dirty="0" smtClean="0">
-                <a:latin typeface="Courier New"/>
-              </a:rPr>
-              <a:t>  </a:t>
-            </a:r>
-            <a:r>
-              <a:rPr lang="en-US" sz="2400" dirty="0" smtClean="0">
-                <a:solidFill>
-                  <a:srgbClr val="2A00FF"/>
-                </a:solidFill>
-                <a:latin typeface="Courier New"/>
-              </a:rPr>
-              <a:t>"it </a:t>
-            </a:r>
-            <a:r>
-              <a:rPr lang="en-US" sz="2400" dirty="0" smtClean="0">
-                <a:solidFill>
-                  <a:srgbClr val="2A00FF"/>
-                </a:solidFill>
-                <a:latin typeface="Courier New"/>
-              </a:rPr>
-              <a:t>must have a 'class' attribute with a 'text' value"</a:t>
-            </a:r>
-            <a:r>
-              <a:rPr lang="en-US" sz="2400" dirty="0" smtClean="0">
-                <a:latin typeface="Courier New"/>
-              </a:rPr>
-              <a:t> &gt;&gt; {</a:t>
-            </a:r>
-          </a:p>
-          <a:p>
-            <a:r>
-              <a:rPr lang="en-US" sz="2400" dirty="0" smtClean="0">
-                <a:latin typeface="Courier New"/>
-              </a:rPr>
-              <a:t>    hello</a:t>
-            </a:r>
-            <a:r>
-              <a:rPr lang="en-US" sz="2400" dirty="0" smtClean="0">
-                <a:latin typeface="Courier New"/>
-              </a:rPr>
-              <a:t>(</a:t>
-            </a:r>
-            <a:r>
-              <a:rPr lang="en-US" sz="2400" dirty="0" smtClean="0">
-                <a:solidFill>
-                  <a:srgbClr val="2A00FF"/>
-                </a:solidFill>
-                <a:latin typeface="Courier New"/>
-              </a:rPr>
-              <a:t>"Eric"</a:t>
-            </a:r>
-            <a:r>
-              <a:rPr lang="en-US" sz="2400" dirty="0" smtClean="0">
-                <a:latin typeface="Courier New"/>
-              </a:rPr>
-              <a:t>) must \\(&lt;div/&gt;, </a:t>
-            </a:r>
-            <a:r>
-              <a:rPr lang="en-US" sz="2400" dirty="0" smtClean="0">
-                <a:solidFill>
-                  <a:srgbClr val="2A00FF"/>
-                </a:solidFill>
-                <a:latin typeface="Courier New"/>
-              </a:rPr>
-              <a:t>"class"</a:t>
-            </a:r>
-            <a:r>
-              <a:rPr lang="en-US" sz="2400" dirty="0" smtClean="0">
-                <a:latin typeface="Courier New"/>
-              </a:rPr>
-              <a:t> -&gt; </a:t>
-            </a:r>
-            <a:r>
-              <a:rPr lang="en-US" sz="2400" dirty="0" smtClean="0">
-                <a:solidFill>
-                  <a:srgbClr val="2A00FF"/>
-                </a:solidFill>
-                <a:latin typeface="Courier New"/>
-              </a:rPr>
               <a:t>"text"</a:t>
             </a:r>
             <a:r>
-              <a:rPr lang="en-US" sz="2400" dirty="0" smtClean="0">
-                <a:latin typeface="Courier New"/>
-              </a:rPr>
-              <a:t>)</a:t>
-            </a:r>
-          </a:p>
-          <a:p>
-            <a:r>
-              <a:rPr lang="en-US" sz="2400" dirty="0" smtClean="0">
-                <a:latin typeface="Courier New"/>
-              </a:rPr>
-              <a:t>  }</a:t>
-            </a:r>
-          </a:p>
-          <a:p>
-            <a:r>
-              <a:rPr lang="en-US" sz="2400" dirty="0" smtClean="0">
-                <a:latin typeface="Courier New"/>
-              </a:rPr>
-              <a:t>  </a:t>
-            </a:r>
-            <a:r>
-              <a:rPr lang="en-US" sz="2400" dirty="0" smtClean="0">
-                <a:solidFill>
-                  <a:srgbClr val="2A00FF"/>
-                </a:solidFill>
-                <a:latin typeface="Courier New"/>
-              </a:rPr>
-              <a:t>"the snippet must output the user name"</a:t>
-            </a:r>
-            <a:r>
-              <a:rPr lang="en-US" sz="2400" dirty="0" smtClean="0">
-                <a:latin typeface="Courier New"/>
-              </a:rPr>
-              <a:t> &gt;&gt; {</a:t>
-            </a:r>
-          </a:p>
-          <a:p>
-            <a:r>
-              <a:rPr lang="en-US" sz="2400" dirty="0" smtClean="0">
-                <a:latin typeface="Courier New"/>
-              </a:rPr>
-              <a:t>    hello</a:t>
-            </a:r>
-            <a:r>
-              <a:rPr lang="en-US" sz="2400" dirty="0" smtClean="0">
-                <a:latin typeface="Courier New"/>
-              </a:rPr>
-              <a:t>(</a:t>
-            </a:r>
-            <a:r>
-              <a:rPr lang="en-US" sz="2400" dirty="0" smtClean="0">
-                <a:solidFill>
-                  <a:srgbClr val="2A00FF"/>
-                </a:solidFill>
-                <a:latin typeface="Courier New"/>
-              </a:rPr>
-              <a:t>"Eric"</a:t>
-            </a:r>
-            <a:r>
-              <a:rPr lang="en-US" sz="2400" dirty="0" smtClean="0">
-                <a:latin typeface="Courier New"/>
-              </a:rPr>
-              <a:t>).</a:t>
-            </a:r>
-            <a:r>
-              <a:rPr lang="en-US" sz="2400" dirty="0" err="1" smtClean="0">
-                <a:latin typeface="Courier New"/>
-              </a:rPr>
-              <a:t>flatMap</a:t>
-            </a:r>
-            <a:r>
-              <a:rPr lang="en-US" sz="2400" dirty="0" smtClean="0">
-                <a:latin typeface="Courier New"/>
-              </a:rPr>
-              <a:t>(_.child) </a:t>
-            </a:r>
-            <a:r>
-              <a:rPr lang="en-US" sz="2400" dirty="0" smtClean="0">
-                <a:latin typeface="Courier New"/>
-              </a:rPr>
-              <a:t>must contain(</a:t>
-            </a:r>
+              <a:rPr lang="en-US" sz="2400" b="1" dirty="0" smtClean="0">
+                <a:latin typeface="Courier New"/>
+              </a:rPr>
+              <a:t>&gt;Hello {s}&lt;/div&gt;</a:t>
+            </a:r>
+          </a:p>
+          <a:p>
+            <a:r>
+              <a:rPr lang="en-US" sz="2400" dirty="0" smtClean="0">
+                <a:latin typeface="Courier New"/>
+              </a:rPr>
+              <a:t>}</a:t>
+            </a:r>
+            <a:endParaRPr lang="en-US" sz="2400" b="1" dirty="0" smtClean="0">
+              <a:solidFill>
+                <a:srgbClr val="7F0055"/>
+              </a:solidFill>
+              <a:latin typeface="Courier New"/>
+            </a:endParaRPr>
+          </a:p>
+          <a:p>
+            <a:endParaRPr lang="en-US" sz="2400" b="1" dirty="0" smtClean="0">
+              <a:solidFill>
+                <a:srgbClr val="7F0055"/>
+              </a:solidFill>
+              <a:latin typeface="Courier New"/>
+            </a:endParaRPr>
+          </a:p>
+          <a:p>
             <a:r>
               <a:rPr lang="en-US" sz="2400" b="1" dirty="0" smtClean="0">
                 <a:solidFill>
@@ -6623,19 +6562,303 @@
                 </a:solidFill>
                 <a:latin typeface="Courier New"/>
               </a:rPr>
+              <a:t>class</a:t>
+            </a:r>
+            <a:r>
+              <a:rPr lang="en-US" sz="2400" b="1" dirty="0" smtClean="0">
+                <a:latin typeface="Courier New"/>
+              </a:rPr>
+              <a:t> </a:t>
+            </a:r>
+            <a:r>
+              <a:rPr lang="en-US" sz="2400" b="1" dirty="0" err="1" smtClean="0">
+                <a:latin typeface="Courier New"/>
+              </a:rPr>
+              <a:t>HelloWorldSnippetSpec</a:t>
+            </a:r>
+            <a:r>
+              <a:rPr lang="en-US" sz="2400" b="1" dirty="0" smtClean="0">
+                <a:latin typeface="Courier New"/>
+              </a:rPr>
+              <a:t> </a:t>
+            </a:r>
+            <a:r>
+              <a:rPr lang="en-US" sz="2400" b="1" dirty="0" smtClean="0">
+                <a:solidFill>
+                  <a:srgbClr val="7F0055"/>
+                </a:solidFill>
+                <a:latin typeface="Courier New"/>
+              </a:rPr>
+              <a:t>extends</a:t>
+            </a:r>
+            <a:r>
+              <a:rPr lang="en-US" sz="2400" b="1" dirty="0" smtClean="0">
+                <a:latin typeface="Courier New"/>
+              </a:rPr>
+              <a:t> </a:t>
+            </a:r>
+            <a:r>
+              <a:rPr lang="en-US" sz="2400" b="1" dirty="0" err="1" smtClean="0">
+                <a:latin typeface="Courier New"/>
+              </a:rPr>
+              <a:t>SpecificationWithJUnit</a:t>
+            </a:r>
+            <a:r>
+              <a:rPr lang="en-US" sz="2400" b="1" dirty="0" smtClean="0">
+                <a:latin typeface="Courier New"/>
+              </a:rPr>
+              <a:t> </a:t>
+            </a:r>
+            <a:r>
+              <a:rPr lang="en-US" sz="2400" b="1" dirty="0" smtClean="0">
+                <a:solidFill>
+                  <a:srgbClr val="7F0055"/>
+                </a:solidFill>
+                <a:latin typeface="Courier New"/>
+              </a:rPr>
+              <a:t>with</a:t>
+            </a:r>
+            <a:r>
+              <a:rPr lang="en-US" sz="2400" b="1" dirty="0" smtClean="0">
+                <a:latin typeface="Courier New"/>
+              </a:rPr>
+              <a:t>    </a:t>
+            </a:r>
+          </a:p>
+          <a:p>
+            <a:r>
+              <a:rPr lang="en-US" sz="2400" b="1" dirty="0" smtClean="0">
+                <a:latin typeface="Courier New"/>
+              </a:rPr>
+              <a:t>                                    </a:t>
+            </a:r>
+            <a:r>
+              <a:rPr lang="en-US" sz="2400" b="1" dirty="0" err="1" smtClean="0">
+                <a:latin typeface="Courier New"/>
+              </a:rPr>
+              <a:t>HelloWorldSnippet</a:t>
+            </a:r>
+            <a:r>
+              <a:rPr lang="en-US" sz="2400" b="1" dirty="0" smtClean="0">
+                <a:latin typeface="Courier New"/>
+              </a:rPr>
+              <a:t> {</a:t>
+            </a:r>
+          </a:p>
+          <a:p>
+            <a:endParaRPr lang="en-US" sz="2400" b="1" dirty="0" smtClean="0">
+              <a:latin typeface="Courier New"/>
+            </a:endParaRPr>
+          </a:p>
+          <a:p>
+            <a:r>
+              <a:rPr lang="en-US" sz="2400" dirty="0" smtClean="0">
+                <a:latin typeface="Courier New"/>
+              </a:rPr>
+              <a:t>  </a:t>
+            </a:r>
+            <a:r>
+              <a:rPr lang="en-US" sz="2400" dirty="0" smtClean="0">
+                <a:solidFill>
+                  <a:srgbClr val="2A00FF"/>
+                </a:solidFill>
+                <a:latin typeface="Courier New"/>
+              </a:rPr>
+              <a:t>"the snippet must output a div element"</a:t>
+            </a:r>
+            <a:r>
+              <a:rPr lang="en-US" sz="2400" dirty="0" smtClean="0">
+                <a:latin typeface="Courier New"/>
+              </a:rPr>
+              <a:t> &gt;&gt; {</a:t>
+            </a:r>
+          </a:p>
+          <a:p>
+            <a:r>
+              <a:rPr lang="en-US" sz="2400" dirty="0" smtClean="0">
+                <a:latin typeface="Courier New"/>
+              </a:rPr>
+              <a:t>    hello(</a:t>
+            </a:r>
+            <a:r>
+              <a:rPr lang="en-US" sz="2400" dirty="0" smtClean="0">
+                <a:solidFill>
+                  <a:srgbClr val="2A00FF"/>
+                </a:solidFill>
+                <a:latin typeface="Courier New"/>
+              </a:rPr>
+              <a:t>"Eric"</a:t>
+            </a:r>
+            <a:r>
+              <a:rPr lang="en-US" sz="2400" dirty="0" smtClean="0">
+                <a:latin typeface="Courier New"/>
+              </a:rPr>
+              <a:t>) must \\(&lt;div/&gt;)</a:t>
+            </a:r>
+          </a:p>
+          <a:p>
+            <a:r>
+              <a:rPr lang="en-US" sz="2400" dirty="0" smtClean="0">
+                <a:latin typeface="Courier New"/>
+              </a:rPr>
+              <a:t>  }</a:t>
+            </a:r>
+          </a:p>
+          <a:p>
+            <a:r>
+              <a:rPr lang="en-US" sz="2400" dirty="0" smtClean="0">
+                <a:latin typeface="Courier New"/>
+              </a:rPr>
+              <a:t>  </a:t>
+            </a:r>
+            <a:r>
+              <a:rPr lang="en-US" sz="2400" dirty="0" smtClean="0">
+                <a:solidFill>
+                  <a:srgbClr val="2A00FF"/>
+                </a:solidFill>
+                <a:latin typeface="Courier New"/>
+              </a:rPr>
+              <a:t>"it must have a 'class' attribute with a 'text' value"</a:t>
+            </a:r>
+            <a:r>
+              <a:rPr lang="en-US" sz="2400" dirty="0" smtClean="0">
+                <a:latin typeface="Courier New"/>
+              </a:rPr>
+              <a:t> &gt;&gt; {</a:t>
+            </a:r>
+          </a:p>
+          <a:p>
+            <a:r>
+              <a:rPr lang="en-US" sz="2400" dirty="0" smtClean="0">
+                <a:latin typeface="Courier New"/>
+              </a:rPr>
+              <a:t>    hello(</a:t>
+            </a:r>
+            <a:r>
+              <a:rPr lang="en-US" sz="2400" dirty="0" smtClean="0">
+                <a:solidFill>
+                  <a:srgbClr val="2A00FF"/>
+                </a:solidFill>
+                <a:latin typeface="Courier New"/>
+              </a:rPr>
+              <a:t>"Eric"</a:t>
+            </a:r>
+            <a:r>
+              <a:rPr lang="en-US" sz="2400" dirty="0" smtClean="0">
+                <a:latin typeface="Courier New"/>
+              </a:rPr>
+              <a:t>) must \\(&lt;div/&gt;, </a:t>
+            </a:r>
+            <a:r>
+              <a:rPr lang="en-US" sz="2400" dirty="0" smtClean="0">
+                <a:solidFill>
+                  <a:srgbClr val="2A00FF"/>
+                </a:solidFill>
+                <a:latin typeface="Courier New"/>
+              </a:rPr>
+              <a:t>"class"</a:t>
+            </a:r>
+            <a:r>
+              <a:rPr lang="en-US" sz="2400" dirty="0" smtClean="0">
+                <a:latin typeface="Courier New"/>
+              </a:rPr>
+              <a:t> -&gt; </a:t>
+            </a:r>
+            <a:r>
+              <a:rPr lang="en-US" sz="2400" dirty="0" smtClean="0">
+                <a:solidFill>
+                  <a:srgbClr val="2A00FF"/>
+                </a:solidFill>
+                <a:latin typeface="Courier New"/>
+              </a:rPr>
+              <a:t>"text"</a:t>
+            </a:r>
+            <a:r>
+              <a:rPr lang="en-US" sz="2400" dirty="0" smtClean="0">
+                <a:latin typeface="Courier New"/>
+              </a:rPr>
+              <a:t>)</a:t>
+            </a:r>
+          </a:p>
+          <a:p>
+            <a:r>
+              <a:rPr lang="en-US" sz="2400" dirty="0" smtClean="0">
+                <a:latin typeface="Courier New"/>
+              </a:rPr>
+              <a:t>  }</a:t>
+            </a:r>
+          </a:p>
+          <a:p>
+            <a:r>
+              <a:rPr lang="en-US" sz="2400" dirty="0" smtClean="0">
+                <a:latin typeface="Courier New"/>
+              </a:rPr>
+              <a:t>  </a:t>
+            </a:r>
+            <a:r>
+              <a:rPr lang="en-US" sz="2400" dirty="0" smtClean="0">
+                <a:solidFill>
+                  <a:srgbClr val="2A00FF"/>
+                </a:solidFill>
+                <a:latin typeface="Courier New"/>
+              </a:rPr>
+              <a:t>"the snippet must output the user name"</a:t>
+            </a:r>
+            <a:r>
+              <a:rPr lang="en-US" sz="2400" dirty="0" smtClean="0">
+                <a:latin typeface="Courier New"/>
+              </a:rPr>
+              <a:t> &gt;&gt; {</a:t>
+            </a:r>
+          </a:p>
+          <a:p>
+            <a:r>
+              <a:rPr lang="en-US" sz="2400" dirty="0" smtClean="0">
+                <a:latin typeface="Courier New"/>
+              </a:rPr>
+              <a:t>    hello(</a:t>
+            </a:r>
+            <a:r>
+              <a:rPr lang="en-US" sz="2400" dirty="0" smtClean="0">
+                <a:solidFill>
+                  <a:srgbClr val="2A00FF"/>
+                </a:solidFill>
+                <a:latin typeface="Courier New"/>
+              </a:rPr>
+              <a:t>"Eric"</a:t>
+            </a:r>
+            <a:r>
+              <a:rPr lang="en-US" sz="2400" dirty="0" smtClean="0">
+                <a:latin typeface="Courier New"/>
+              </a:rPr>
+              <a:t>).</a:t>
+            </a:r>
+            <a:r>
+              <a:rPr lang="en-US" sz="2400" dirty="0" err="1" smtClean="0">
+                <a:latin typeface="Courier New"/>
+              </a:rPr>
+              <a:t>flatMap</a:t>
+            </a:r>
+            <a:r>
+              <a:rPr lang="en-US" sz="2400" dirty="0" smtClean="0">
+                <a:latin typeface="Courier New"/>
+              </a:rPr>
+              <a:t>(_.child) must contain(</a:t>
+            </a:r>
+            <a:r>
+              <a:rPr lang="en-US" sz="2400" b="1" dirty="0" smtClean="0">
+                <a:solidFill>
+                  <a:srgbClr val="7F0055"/>
+                </a:solidFill>
+                <a:latin typeface="Courier New"/>
+              </a:rPr>
               <a:t>new</a:t>
             </a:r>
             <a:r>
               <a:rPr lang="en-US" sz="2400" b="1" dirty="0" smtClean="0">
                 <a:latin typeface="Courier New"/>
               </a:rPr>
-              <a:t> </a:t>
-            </a:r>
-            <a:r>
-              <a:rPr lang="en-US" sz="2400" b="1" dirty="0" smtClean="0">
-                <a:latin typeface="Courier New"/>
-              </a:rPr>
-              <a:t>Atom(</a:t>
+              <a:t> Atom(</a:t>
             </a:r>
             <a:r>
               <a:rPr lang="en-US" sz="2400" b="1" dirty="0" smtClean="0">
@@ -6669,6 +6892,645 @@
               <a:t>}</a:t>
             </a:r>
             <a:endParaRPr lang="en-US" sz="2400" dirty="0"/>
+          </a:p>
+        </p:txBody>
+      </p:sp>
+    </p:spTree>
+  </p:cSld>
+  <p:clrMapOvr>
+    <a:masterClrMapping/>
+  </p:clrMapOvr>
+  <p:transition>
+    <p:fade/>
+  </p:transition>
+  <p:timing>
+    <p:tnLst>
+      <p:par>
+        <p:cTn id="1" dur="indefinite" restart="never" nodeType="tmRoot"/>
+      </p:par>
+    </p:tnLst>
+  </p:timing>
+</p:sld>
+</file>
+
+<file path=ppt/slides/slide12.xml><?xml version="1.0" encoding="utf-8"?>
+<p:sld xmlns:a="http://schemas.openxmlformats.org/drawingml/2006/main" xmlns:r="http://schemas.openxmlformats.org/officeDocument/2006/relationships" xmlns:p="http://schemas.openxmlformats.org/presentationml/2006/main">
+  <p:cSld>
+    <p:spTree>
+      <p:nvGrpSpPr>
+        <p:cNvPr id="1" name=""/>
+        <p:cNvGrpSpPr/>
+        <p:nvPr/>
+      </p:nvGrpSpPr>
+      <p:grpSpPr>
+        <a:xfrm>
+          <a:off x="0" y="0"/>
+          <a:ext cx="0" cy="0"/>
+          <a:chOff x="0" y="0"/>
+          <a:chExt cx="0" cy="0"/>
+        </a:xfrm>
+      </p:grpSpPr>
+      <p:sp>
+        <p:nvSpPr>
+          <p:cNvPr id="8193" name="Rectangle 1"/>
+          <p:cNvSpPr>
+            <a:spLocks noGrp="1" noChangeArrowheads="1"/>
+          </p:cNvSpPr>
+          <p:nvPr>
+            <p:ph type="title"/>
+          </p:nvPr>
+        </p:nvSpPr>
+        <p:spPr>
+          <a:ln/>
+        </p:spPr>
+        <p:txBody>
+          <a:bodyPr/>
+          <a:lstStyle/>
+          <a:p>
+            <a:pPr lvl="0"/>
+            <a:r>
+              <a:rPr lang="en-US" sz="5400" dirty="0" smtClean="0">
+                <a:latin typeface="Lucida Handwriting" pitchFamily="66" charset="0"/>
+              </a:rPr>
+              <a:t>       tour</a:t>
+            </a:r>
+            <a:endParaRPr lang="en-US" dirty="0"/>
+          </a:p>
+        </p:txBody>
+      </p:sp>
+      <p:pic>
+        <p:nvPicPr>
+          <p:cNvPr id="39938" name="Picture 2" descr="Logo"/>
+          <p:cNvPicPr>
+            <a:picLocks noChangeAspect="1" noChangeArrowheads="1"/>
+          </p:cNvPicPr>
+          <p:nvPr/>
+        </p:nvPicPr>
+        <p:blipFill>
+          <a:blip r:embed="rId3"/>
+          <a:srcRect/>
+          <a:stretch>
+            <a:fillRect/>
+          </a:stretch>
+        </p:blipFill>
+        <p:spPr bwMode="auto">
+          <a:xfrm>
+            <a:off x="3833628" y="228600"/>
+            <a:ext cx="2287772" cy="642969"/>
+          </a:xfrm>
+          <a:prstGeom prst="rect">
+            <a:avLst/>
+          </a:prstGeom>
+          <a:noFill/>
+        </p:spPr>
+      </p:pic>
+      <p:sp>
+        <p:nvSpPr>
+          <p:cNvPr id="6" name="Rectangle 5"/>
+          <p:cNvSpPr/>
+          <p:nvPr/>
+        </p:nvSpPr>
+        <p:spPr>
+          <a:xfrm>
+            <a:off x="330200" y="1143000"/>
+            <a:ext cx="12344400" cy="7109639"/>
+          </a:xfrm>
+          <a:prstGeom prst="rect">
+            <a:avLst/>
+          </a:prstGeom>
+          <a:ln>
+            <a:solidFill>
+              <a:schemeClr val="tx1"/>
+            </a:solidFill>
+            <a:prstDash val="dash"/>
+          </a:ln>
+        </p:spPr>
+        <p:txBody>
+          <a:bodyPr wrap="square">
+            <a:spAutoFit/>
+          </a:bodyPr>
+          <a:lstStyle/>
+          <a:p>
+            <a:r>
+              <a:rPr lang="en-US" sz="2400" b="1" dirty="0" smtClean="0">
+                <a:solidFill>
+                  <a:srgbClr val="7F0055"/>
+                </a:solidFill>
+                <a:latin typeface="Courier New"/>
+              </a:rPr>
+              <a:t>class</a:t>
+            </a:r>
+            <a:r>
+              <a:rPr lang="en-US" sz="2400" b="1" dirty="0" smtClean="0">
+                <a:latin typeface="Courier New"/>
+              </a:rPr>
+              <a:t> Reverser3Spec </a:t>
+            </a:r>
+            <a:r>
+              <a:rPr lang="en-US" sz="2400" b="1" dirty="0" smtClean="0">
+                <a:solidFill>
+                  <a:srgbClr val="7F0055"/>
+                </a:solidFill>
+                <a:latin typeface="Courier New"/>
+              </a:rPr>
+              <a:t>extends</a:t>
+            </a:r>
+            <a:r>
+              <a:rPr lang="en-US" sz="2400" b="1" dirty="0" smtClean="0">
+                <a:latin typeface="Courier New"/>
+              </a:rPr>
+              <a:t> </a:t>
+            </a:r>
+            <a:r>
+              <a:rPr lang="en-US" sz="2400" b="1" dirty="0" err="1" smtClean="0">
+                <a:latin typeface="Courier New"/>
+              </a:rPr>
+              <a:t>SpecificationWithJUnit</a:t>
+            </a:r>
+            <a:r>
+              <a:rPr lang="en-US" sz="2400" b="1" dirty="0" smtClean="0">
+                <a:latin typeface="Courier New"/>
+              </a:rPr>
+              <a:t> </a:t>
+            </a:r>
+          </a:p>
+          <a:p>
+            <a:r>
+              <a:rPr lang="en-US" sz="2400" b="1" dirty="0" smtClean="0">
+                <a:solidFill>
+                  <a:srgbClr val="7F0055"/>
+                </a:solidFill>
+                <a:latin typeface="Courier New"/>
+              </a:rPr>
+              <a:t>                            with</a:t>
+            </a:r>
+            <a:r>
+              <a:rPr lang="en-US" sz="2400" b="1" dirty="0" smtClean="0">
+                <a:latin typeface="Courier New"/>
+              </a:rPr>
+              <a:t> </a:t>
+            </a:r>
+            <a:r>
+              <a:rPr lang="en-US" sz="2400" b="1" dirty="0" err="1" smtClean="0">
+                <a:latin typeface="Courier New"/>
+              </a:rPr>
+              <a:t>ScalaCheck</a:t>
+            </a:r>
+            <a:r>
+              <a:rPr lang="en-US" sz="2400" b="1" dirty="0" smtClean="0">
+                <a:latin typeface="Courier New"/>
+              </a:rPr>
+              <a:t> {</a:t>
+            </a:r>
+          </a:p>
+          <a:p>
+            <a:endParaRPr lang="en-US" sz="2400" dirty="0" smtClean="0">
+              <a:solidFill>
+                <a:srgbClr val="2A00FF"/>
+              </a:solidFill>
+              <a:latin typeface="Courier New"/>
+            </a:endParaRPr>
+          </a:p>
+          <a:p>
+            <a:r>
+              <a:rPr lang="en-US" sz="2400" dirty="0" smtClean="0">
+                <a:solidFill>
+                  <a:srgbClr val="2A00FF"/>
+                </a:solidFill>
+                <a:latin typeface="Courier New"/>
+              </a:rPr>
+              <a:t>  "reverse must preserve the length of a string"</a:t>
+            </a:r>
+            <a:r>
+              <a:rPr lang="en-US" sz="2400" dirty="0" smtClean="0">
+                <a:latin typeface="Courier New"/>
+              </a:rPr>
+              <a:t> verifies { </a:t>
+            </a:r>
+          </a:p>
+          <a:p>
+            <a:r>
+              <a:rPr lang="en-US" sz="2400" dirty="0" smtClean="0">
+                <a:latin typeface="Courier New"/>
+              </a:rPr>
+              <a:t>    s: String =&gt; reverse(s).size == </a:t>
+            </a:r>
+            <a:r>
+              <a:rPr lang="en-US" sz="2400" dirty="0" err="1" smtClean="0">
+                <a:latin typeface="Courier New"/>
+              </a:rPr>
+              <a:t>s.size</a:t>
+            </a:r>
+            <a:r>
+              <a:rPr lang="en-US" sz="2400" dirty="0" smtClean="0">
+                <a:latin typeface="Courier New"/>
+              </a:rPr>
+              <a:t> </a:t>
+            </a:r>
+          </a:p>
+          <a:p>
+            <a:r>
+              <a:rPr lang="en-US" sz="2400" dirty="0" smtClean="0">
+                <a:latin typeface="Courier New"/>
+              </a:rPr>
+              <a:t>  }</a:t>
+            </a:r>
+          </a:p>
+          <a:p>
+            <a:r>
+              <a:rPr lang="en-US" sz="2400" dirty="0" smtClean="0">
+                <a:solidFill>
+                  <a:srgbClr val="2A00FF"/>
+                </a:solidFill>
+                <a:latin typeface="Courier New"/>
+              </a:rPr>
+              <a:t>  "reverse applied twice must return the same string"</a:t>
+            </a:r>
+            <a:r>
+              <a:rPr lang="en-US" sz="2400" dirty="0" smtClean="0">
+                <a:latin typeface="Courier New"/>
+              </a:rPr>
+              <a:t> verifies {   </a:t>
+            </a:r>
+          </a:p>
+          <a:p>
+            <a:r>
+              <a:rPr lang="en-US" sz="2400" dirty="0" smtClean="0">
+                <a:latin typeface="Courier New"/>
+              </a:rPr>
+              <a:t>    s: String =&gt; reverse(reverse(s)) == s </a:t>
+            </a:r>
+          </a:p>
+          <a:p>
+            <a:r>
+              <a:rPr lang="en-US" sz="2400" dirty="0" smtClean="0">
+                <a:latin typeface="Courier New"/>
+              </a:rPr>
+              <a:t>  }</a:t>
+            </a:r>
+          </a:p>
+          <a:p>
+            <a:r>
+              <a:rPr lang="en-US" sz="2400" dirty="0" smtClean="0">
+                <a:solidFill>
+                  <a:srgbClr val="2A00FF"/>
+                </a:solidFill>
+                <a:latin typeface="Courier New"/>
+              </a:rPr>
+              <a:t>  "reverse 2 concatenated strings must return the reversed second </a:t>
+            </a:r>
+          </a:p>
+          <a:p>
+            <a:r>
+              <a:rPr lang="en-US" sz="2400" dirty="0" smtClean="0">
+                <a:solidFill>
+                  <a:srgbClr val="2A00FF"/>
+                </a:solidFill>
+                <a:latin typeface="Courier New"/>
+              </a:rPr>
+              <a:t>   string concatenated with the reversed first one"</a:t>
+            </a:r>
+            <a:r>
+              <a:rPr lang="en-US" sz="2400" dirty="0" smtClean="0">
+                <a:latin typeface="Courier New"/>
+              </a:rPr>
+              <a:t> verifies {</a:t>
+            </a:r>
+          </a:p>
+          <a:p>
+            <a:r>
+              <a:rPr lang="en-US" sz="2400" dirty="0" smtClean="0">
+                <a:latin typeface="Courier New"/>
+              </a:rPr>
+              <a:t>    (s1: String, s2: String) =&gt; reverse(s1 + s2) == </a:t>
+            </a:r>
+          </a:p>
+          <a:p>
+            <a:r>
+              <a:rPr lang="en-US" sz="2400" dirty="0" smtClean="0">
+                <a:latin typeface="Courier New"/>
+              </a:rPr>
+              <a:t>                                reverse(s2) + reverse(s1) </a:t>
+            </a:r>
+          </a:p>
+          <a:p>
+            <a:r>
+              <a:rPr lang="en-US" sz="2400" dirty="0" smtClean="0">
+                <a:latin typeface="Courier New"/>
+              </a:rPr>
+              <a:t>  }</a:t>
+            </a:r>
+          </a:p>
+          <a:p>
+            <a:r>
+              <a:rPr lang="en-US" sz="2400" dirty="0" smtClean="0">
+                <a:latin typeface="Courier New"/>
+              </a:rPr>
+              <a:t>  </a:t>
+            </a:r>
+            <a:r>
+              <a:rPr lang="en-US" sz="2400" b="1" dirty="0" smtClean="0">
+                <a:solidFill>
+                  <a:srgbClr val="7F0055"/>
+                </a:solidFill>
+                <a:latin typeface="Courier New"/>
+              </a:rPr>
+              <a:t>def</a:t>
+            </a:r>
+            <a:r>
+              <a:rPr lang="en-US" sz="2400" b="1" dirty="0" smtClean="0">
+                <a:latin typeface="Courier New"/>
+              </a:rPr>
+              <a:t> </a:t>
+            </a:r>
+            <a:r>
+              <a:rPr lang="en-US" sz="2400" dirty="0" smtClean="0">
+                <a:latin typeface="Courier New"/>
+              </a:rPr>
+              <a:t>center(s: String) = s(</a:t>
+            </a:r>
+            <a:r>
+              <a:rPr lang="en-US" sz="2400" dirty="0" err="1" smtClean="0">
+                <a:latin typeface="Courier New"/>
+              </a:rPr>
+              <a:t>s.size</a:t>
+            </a:r>
+            <a:r>
+              <a:rPr lang="en-US" sz="2400" dirty="0" smtClean="0">
+                <a:latin typeface="Courier New"/>
+              </a:rPr>
+              <a:t> / 2)</a:t>
+            </a:r>
+          </a:p>
+          <a:p>
+            <a:r>
+              <a:rPr lang="en-US" sz="2400" dirty="0" smtClean="0">
+                <a:solidFill>
+                  <a:srgbClr val="2A00FF"/>
+                </a:solidFill>
+                <a:latin typeface="Courier New"/>
+              </a:rPr>
+              <a:t>  "keep the same 'center' character - Woops!"</a:t>
+            </a:r>
+            <a:r>
+              <a:rPr lang="en-US" sz="2400" dirty="0" smtClean="0">
+                <a:latin typeface="Courier New"/>
+              </a:rPr>
+              <a:t> verifies { </a:t>
+            </a:r>
+          </a:p>
+          <a:p>
+            <a:r>
+              <a:rPr lang="en-US" sz="2400" dirty="0" smtClean="0">
+                <a:latin typeface="Courier New"/>
+              </a:rPr>
+              <a:t>    s: String =&gt; </a:t>
+            </a:r>
+            <a:r>
+              <a:rPr lang="en-US" sz="2400" dirty="0" err="1" smtClean="0">
+                <a:latin typeface="Courier New"/>
+              </a:rPr>
+              <a:t>s.isEmpty</a:t>
+            </a:r>
+            <a:r>
+              <a:rPr lang="en-US" sz="2400" dirty="0" smtClean="0">
+                <a:latin typeface="Courier New"/>
+              </a:rPr>
+              <a:t> || center(reverse(s)) == center(s) </a:t>
+            </a:r>
+          </a:p>
+          <a:p>
+            <a:r>
+              <a:rPr lang="en-US" sz="2400" dirty="0" smtClean="0">
+                <a:latin typeface="Courier New"/>
+              </a:rPr>
+              <a:t>  }.display(</a:t>
+            </a:r>
+            <a:r>
+              <a:rPr lang="en-US" sz="2400" dirty="0" err="1" smtClean="0">
+                <a:latin typeface="Courier New"/>
+              </a:rPr>
+              <a:t>minTestsOk</a:t>
+            </a:r>
+            <a:r>
+              <a:rPr lang="en-US" sz="2400" dirty="0" smtClean="0">
+                <a:latin typeface="Courier New"/>
+              </a:rPr>
+              <a:t> -&gt; 5)</a:t>
+            </a:r>
+          </a:p>
+          <a:p>
+            <a:r>
+              <a:rPr lang="en-US" sz="2400" dirty="0" smtClean="0">
+                <a:latin typeface="Courier New"/>
+              </a:rPr>
+              <a:t>}</a:t>
+            </a:r>
+            <a:endParaRPr lang="en-US" sz="2400" dirty="0"/>
+          </a:p>
+        </p:txBody>
+      </p:sp>
+    </p:spTree>
+  </p:cSld>
+  <p:clrMapOvr>
+    <a:masterClrMapping/>
+  </p:clrMapOvr>
+  <p:transition>
+    <p:fade/>
+  </p:transition>
+  <p:timing>
+    <p:tnLst>
+      <p:par>
+        <p:cTn id="1" dur="indefinite" restart="never" nodeType="tmRoot"/>
+      </p:par>
+    </p:tnLst>
+  </p:timing>
+</p:sld>
+</file>
+
+<file path=ppt/slides/slide13.xml><?xml version="1.0" encoding="utf-8"?>
+<p:sld xmlns:a="http://schemas.openxmlformats.org/drawingml/2006/main" xmlns:r="http://schemas.openxmlformats.org/officeDocument/2006/relationships" xmlns:p="http://schemas.openxmlformats.org/presentationml/2006/main">
+  <p:cSld>
+    <p:spTree>
+      <p:nvGrpSpPr>
+        <p:cNvPr id="1" name=""/>
+        <p:cNvGrpSpPr/>
+        <p:nvPr/>
+      </p:nvGrpSpPr>
+      <p:grpSpPr>
+        <a:xfrm>
+          <a:off x="0" y="0"/>
+          <a:ext cx="0" cy="0"/>
+          <a:chOff x="0" y="0"/>
+          <a:chExt cx="0" cy="0"/>
+        </a:xfrm>
+      </p:grpSpPr>
+      <p:sp>
+        <p:nvSpPr>
+          <p:cNvPr id="8193" name="Rectangle 1"/>
+          <p:cNvSpPr>
+            <a:spLocks noGrp="1" noChangeArrowheads="1"/>
+          </p:cNvSpPr>
+          <p:nvPr>
+            <p:ph type="title"/>
+          </p:nvPr>
+        </p:nvSpPr>
+        <p:spPr>
+          <a:ln/>
+        </p:spPr>
+        <p:txBody>
+          <a:bodyPr/>
+          <a:lstStyle/>
+          <a:p>
+            <a:pPr lvl="0"/>
+            <a:r>
+              <a:rPr lang="en-US" sz="5400" dirty="0" smtClean="0">
+                <a:latin typeface="Lucida Handwriting" pitchFamily="66" charset="0"/>
+              </a:rPr>
+              <a:t>       tour</a:t>
+            </a:r>
+            <a:endParaRPr lang="en-US" dirty="0"/>
+          </a:p>
+        </p:txBody>
+      </p:sp>
+      <p:pic>
+        <p:nvPicPr>
+          <p:cNvPr id="39938" name="Picture 2" descr="Logo"/>
+          <p:cNvPicPr>
+            <a:picLocks noChangeAspect="1" noChangeArrowheads="1"/>
+          </p:cNvPicPr>
+          <p:nvPr/>
+        </p:nvPicPr>
+        <p:blipFill>
+          <a:blip r:embed="rId3"/>
+          <a:srcRect/>
+          <a:stretch>
+            <a:fillRect/>
+          </a:stretch>
+        </p:blipFill>
+        <p:spPr bwMode="auto">
+          <a:xfrm>
+            <a:off x="3833628" y="228600"/>
+            <a:ext cx="2287772" cy="642969"/>
+          </a:xfrm>
+          <a:prstGeom prst="rect">
+            <a:avLst/>
+          </a:prstGeom>
+          <a:noFill/>
+        </p:spPr>
+      </p:pic>
+      <p:sp>
+        <p:nvSpPr>
+          <p:cNvPr id="6" name="Rectangle 5"/>
+          <p:cNvSpPr/>
+          <p:nvPr/>
+        </p:nvSpPr>
+        <p:spPr>
+          <a:xfrm>
+            <a:off x="330200" y="1143000"/>
+            <a:ext cx="12344400" cy="2308324"/>
+          </a:xfrm>
+          <a:prstGeom prst="rect">
+            <a:avLst/>
+          </a:prstGeom>
+          <a:ln>
+            <a:solidFill>
+              <a:schemeClr val="tx1"/>
+            </a:solidFill>
+            <a:prstDash val="dash"/>
+          </a:ln>
+        </p:spPr>
+        <p:txBody>
+          <a:bodyPr wrap="square">
+            <a:spAutoFit/>
+          </a:bodyPr>
+          <a:lstStyle/>
+          <a:p>
+            <a:r>
+              <a:rPr lang="en-US" sz="2400" dirty="0" smtClean="0">
+                <a:latin typeface="Courier New"/>
+              </a:rPr>
+              <a:t>Passed 1 tests</a:t>
+            </a:r>
+          </a:p>
+          <a:p>
+            <a:r>
+              <a:rPr lang="en-US" sz="2400" dirty="0" smtClean="0">
+                <a:latin typeface="Courier New"/>
+              </a:rPr>
+              <a:t>! Falsified after 1 passed tests.</a:t>
+            </a:r>
+          </a:p>
+          <a:p>
+            <a:r>
+              <a:rPr lang="nn-NO" sz="2400" dirty="0" smtClean="0">
+                <a:latin typeface="Courier New"/>
+              </a:rPr>
+              <a:t>&gt; ARG_0: ac (orig arg: acbb)          </a:t>
+            </a:r>
+          </a:p>
+          <a:p>
+            <a:r>
+              <a:rPr lang="en-US" sz="2400" dirty="0" smtClean="0">
+                <a:latin typeface="Courier New"/>
+              </a:rPr>
+              <a:t>  x keep the same 'center' character - Woops!</a:t>
+            </a:r>
+          </a:p>
+          <a:p>
+            <a:r>
+              <a:rPr lang="en-US" sz="2400" dirty="0" smtClean="0">
+                <a:latin typeface="Courier New"/>
+              </a:rPr>
+              <a:t>    A counter-example is 'ac' (after 1 try </a:t>
+            </a:r>
+            <a:r>
+              <a:rPr lang="en-US" sz="2400" dirty="0" smtClean="0">
+                <a:latin typeface="Courier New"/>
+              </a:rPr>
+              <a:t>– </a:t>
+            </a:r>
+          </a:p>
+          <a:p>
+            <a:r>
+              <a:rPr lang="en-US" sz="2400" smtClean="0">
+                <a:latin typeface="Courier New"/>
+              </a:rPr>
+              <a:t> </a:t>
+            </a:r>
+            <a:r>
+              <a:rPr lang="en-US" sz="2400" smtClean="0">
+                <a:latin typeface="Courier New"/>
+              </a:rPr>
+              <a:t>                              shrinked</a:t>
+            </a:r>
+            <a:r>
+              <a:rPr lang="en-US" sz="2400" dirty="0" smtClean="0">
+                <a:latin typeface="Courier New"/>
+              </a:rPr>
+              <a:t> </a:t>
+            </a:r>
+            <a:r>
+              <a:rPr lang="en-US" sz="2400" dirty="0" smtClean="0">
+                <a:latin typeface="Courier New"/>
+              </a:rPr>
+              <a:t>('</a:t>
+            </a:r>
+            <a:r>
+              <a:rPr lang="en-US" sz="2400" dirty="0" err="1" smtClean="0">
+                <a:latin typeface="Courier New"/>
+              </a:rPr>
+              <a:t>acbb</a:t>
+            </a:r>
+            <a:r>
+              <a:rPr lang="en-US" sz="2400" dirty="0" smtClean="0">
+                <a:latin typeface="Courier New"/>
+              </a:rPr>
+              <a:t>' -&gt; 'ac'))</a:t>
+            </a:r>
+            <a:endParaRPr lang="en-US" sz="2400" u="sng" dirty="0" smtClean="0">
+              <a:latin typeface="Courier New"/>
+            </a:endParaRPr>
           </a:p>
         </p:txBody>
       </p:sp>

--- a/src/main/resources/oscon_2010_specs.pptx
+++ b/src/main/resources/oscon_2010_specs.pptx
@@ -6,7 +6,7 @@
     <p:sldMasterId id="2147483651" r:id="rId2"/>
   </p:sldMasterIdLst>
   <p:notesMasterIdLst>
-    <p:notesMasterId r:id="rId16"/>
+    <p:notesMasterId r:id="rId19"/>
   </p:notesMasterIdLst>
   <p:sldIdLst>
     <p:sldId id="258" r:id="rId3"/>
@@ -15,13 +15,16 @@
     <p:sldId id="261" r:id="rId6"/>
     <p:sldId id="262" r:id="rId7"/>
     <p:sldId id="263" r:id="rId8"/>
-    <p:sldId id="264" r:id="rId9"/>
-    <p:sldId id="265" r:id="rId10"/>
-    <p:sldId id="266" r:id="rId11"/>
-    <p:sldId id="267" r:id="rId12"/>
-    <p:sldId id="268" r:id="rId13"/>
-    <p:sldId id="269" r:id="rId14"/>
-    <p:sldId id="270" r:id="rId15"/>
+    <p:sldId id="271" r:id="rId9"/>
+    <p:sldId id="264" r:id="rId10"/>
+    <p:sldId id="265" r:id="rId11"/>
+    <p:sldId id="272" r:id="rId12"/>
+    <p:sldId id="266" r:id="rId13"/>
+    <p:sldId id="267" r:id="rId14"/>
+    <p:sldId id="273" r:id="rId15"/>
+    <p:sldId id="268" r:id="rId16"/>
+    <p:sldId id="269" r:id="rId17"/>
+    <p:sldId id="270" r:id="rId18"/>
   </p:sldIdLst>
   <p:sldSz cx="13004800" cy="9753600"/>
   <p:notesSz cx="6858000" cy="9144000"/>
@@ -967,6 +970,258 @@
               <a:rPr lang="en-US"/>
               <a:pPr/>
               <a:t>13</a:t>
+            </a:fld>
+            <a:endParaRPr lang="en-US"/>
+          </a:p>
+        </p:txBody>
+      </p:sp>
+      <p:sp>
+        <p:nvSpPr>
+          <p:cNvPr id="19458" name="Rectangle 2"/>
+          <p:cNvSpPr>
+            <a:spLocks noGrp="1" noRot="1" noChangeAspect="1" noChangeArrowheads="1" noTextEdit="1"/>
+          </p:cNvSpPr>
+          <p:nvPr>
+            <p:ph type="sldImg"/>
+          </p:nvPr>
+        </p:nvSpPr>
+        <p:spPr>
+          <a:ln/>
+        </p:spPr>
+      </p:sp>
+      <p:sp>
+        <p:nvSpPr>
+          <p:cNvPr id="19459" name="Rectangle 3"/>
+          <p:cNvSpPr>
+            <a:spLocks noGrp="1"/>
+          </p:cNvSpPr>
+          <p:nvPr>
+            <p:ph type="body" idx="1"/>
+          </p:nvPr>
+        </p:nvSpPr>
+        <p:spPr/>
+        <p:txBody>
+          <a:bodyPr/>
+          <a:lstStyle/>
+          <a:p>
+            <a:endParaRPr lang="en-US"/>
+          </a:p>
+        </p:txBody>
+      </p:sp>
+    </p:spTree>
+  </p:cSld>
+  <p:clrMapOvr>
+    <a:masterClrMapping/>
+  </p:clrMapOvr>
+</p:notes>
+</file>
+
+<file path=ppt/notesSlides/notesSlide14.xml><?xml version="1.0" encoding="utf-8"?>
+<p:notes xmlns:a="http://schemas.openxmlformats.org/drawingml/2006/main" xmlns:r="http://schemas.openxmlformats.org/officeDocument/2006/relationships" xmlns:p="http://schemas.openxmlformats.org/presentationml/2006/main">
+  <p:cSld>
+    <p:spTree>
+      <p:nvGrpSpPr>
+        <p:cNvPr id="1" name=""/>
+        <p:cNvGrpSpPr/>
+        <p:nvPr/>
+      </p:nvGrpSpPr>
+      <p:grpSpPr>
+        <a:xfrm>
+          <a:off x="0" y="0"/>
+          <a:ext cx="0" cy="0"/>
+          <a:chOff x="0" y="0"/>
+          <a:chExt cx="0" cy="0"/>
+        </a:xfrm>
+      </p:grpSpPr>
+      <p:sp>
+        <p:nvSpPr>
+          <p:cNvPr id="7" name="Rectangle 7"/>
+          <p:cNvSpPr>
+            <a:spLocks noGrp="1"/>
+          </p:cNvSpPr>
+          <p:nvPr>
+            <p:ph type="sldNum" sz="quarter" idx="5"/>
+          </p:nvPr>
+        </p:nvSpPr>
+        <p:spPr>
+          <a:ln/>
+        </p:spPr>
+        <p:txBody>
+          <a:bodyPr/>
+          <a:lstStyle/>
+          <a:p>
+            <a:fld id="{27AEA7DA-096A-4FB7-B4B3-D12717EF4BDD}" type="slidenum">
+              <a:rPr lang="en-US"/>
+              <a:pPr/>
+              <a:t>14</a:t>
+            </a:fld>
+            <a:endParaRPr lang="en-US"/>
+          </a:p>
+        </p:txBody>
+      </p:sp>
+      <p:sp>
+        <p:nvSpPr>
+          <p:cNvPr id="19458" name="Rectangle 2"/>
+          <p:cNvSpPr>
+            <a:spLocks noGrp="1" noRot="1" noChangeAspect="1" noChangeArrowheads="1" noTextEdit="1"/>
+          </p:cNvSpPr>
+          <p:nvPr>
+            <p:ph type="sldImg"/>
+          </p:nvPr>
+        </p:nvSpPr>
+        <p:spPr>
+          <a:ln/>
+        </p:spPr>
+      </p:sp>
+      <p:sp>
+        <p:nvSpPr>
+          <p:cNvPr id="19459" name="Rectangle 3"/>
+          <p:cNvSpPr>
+            <a:spLocks noGrp="1"/>
+          </p:cNvSpPr>
+          <p:nvPr>
+            <p:ph type="body" idx="1"/>
+          </p:nvPr>
+        </p:nvSpPr>
+        <p:spPr/>
+        <p:txBody>
+          <a:bodyPr/>
+          <a:lstStyle/>
+          <a:p>
+            <a:endParaRPr lang="en-US"/>
+          </a:p>
+        </p:txBody>
+      </p:sp>
+    </p:spTree>
+  </p:cSld>
+  <p:clrMapOvr>
+    <a:masterClrMapping/>
+  </p:clrMapOvr>
+</p:notes>
+</file>
+
+<file path=ppt/notesSlides/notesSlide15.xml><?xml version="1.0" encoding="utf-8"?>
+<p:notes xmlns:a="http://schemas.openxmlformats.org/drawingml/2006/main" xmlns:r="http://schemas.openxmlformats.org/officeDocument/2006/relationships" xmlns:p="http://schemas.openxmlformats.org/presentationml/2006/main">
+  <p:cSld>
+    <p:spTree>
+      <p:nvGrpSpPr>
+        <p:cNvPr id="1" name=""/>
+        <p:cNvGrpSpPr/>
+        <p:nvPr/>
+      </p:nvGrpSpPr>
+      <p:grpSpPr>
+        <a:xfrm>
+          <a:off x="0" y="0"/>
+          <a:ext cx="0" cy="0"/>
+          <a:chOff x="0" y="0"/>
+          <a:chExt cx="0" cy="0"/>
+        </a:xfrm>
+      </p:grpSpPr>
+      <p:sp>
+        <p:nvSpPr>
+          <p:cNvPr id="7" name="Rectangle 7"/>
+          <p:cNvSpPr>
+            <a:spLocks noGrp="1"/>
+          </p:cNvSpPr>
+          <p:nvPr>
+            <p:ph type="sldNum" sz="quarter" idx="5"/>
+          </p:nvPr>
+        </p:nvSpPr>
+        <p:spPr>
+          <a:ln/>
+        </p:spPr>
+        <p:txBody>
+          <a:bodyPr/>
+          <a:lstStyle/>
+          <a:p>
+            <a:fld id="{27AEA7DA-096A-4FB7-B4B3-D12717EF4BDD}" type="slidenum">
+              <a:rPr lang="en-US"/>
+              <a:pPr/>
+              <a:t>15</a:t>
+            </a:fld>
+            <a:endParaRPr lang="en-US"/>
+          </a:p>
+        </p:txBody>
+      </p:sp>
+      <p:sp>
+        <p:nvSpPr>
+          <p:cNvPr id="19458" name="Rectangle 2"/>
+          <p:cNvSpPr>
+            <a:spLocks noGrp="1" noRot="1" noChangeAspect="1" noChangeArrowheads="1" noTextEdit="1"/>
+          </p:cNvSpPr>
+          <p:nvPr>
+            <p:ph type="sldImg"/>
+          </p:nvPr>
+        </p:nvSpPr>
+        <p:spPr>
+          <a:ln/>
+        </p:spPr>
+      </p:sp>
+      <p:sp>
+        <p:nvSpPr>
+          <p:cNvPr id="19459" name="Rectangle 3"/>
+          <p:cNvSpPr>
+            <a:spLocks noGrp="1"/>
+          </p:cNvSpPr>
+          <p:nvPr>
+            <p:ph type="body" idx="1"/>
+          </p:nvPr>
+        </p:nvSpPr>
+        <p:spPr/>
+        <p:txBody>
+          <a:bodyPr/>
+          <a:lstStyle/>
+          <a:p>
+            <a:endParaRPr lang="en-US"/>
+          </a:p>
+        </p:txBody>
+      </p:sp>
+    </p:spTree>
+  </p:cSld>
+  <p:clrMapOvr>
+    <a:masterClrMapping/>
+  </p:clrMapOvr>
+</p:notes>
+</file>
+
+<file path=ppt/notesSlides/notesSlide16.xml><?xml version="1.0" encoding="utf-8"?>
+<p:notes xmlns:a="http://schemas.openxmlformats.org/drawingml/2006/main" xmlns:r="http://schemas.openxmlformats.org/officeDocument/2006/relationships" xmlns:p="http://schemas.openxmlformats.org/presentationml/2006/main">
+  <p:cSld>
+    <p:spTree>
+      <p:nvGrpSpPr>
+        <p:cNvPr id="1" name=""/>
+        <p:cNvGrpSpPr/>
+        <p:nvPr/>
+      </p:nvGrpSpPr>
+      <p:grpSpPr>
+        <a:xfrm>
+          <a:off x="0" y="0"/>
+          <a:ext cx="0" cy="0"/>
+          <a:chOff x="0" y="0"/>
+          <a:chExt cx="0" cy="0"/>
+        </a:xfrm>
+      </p:grpSpPr>
+      <p:sp>
+        <p:nvSpPr>
+          <p:cNvPr id="7" name="Rectangle 7"/>
+          <p:cNvSpPr>
+            <a:spLocks noGrp="1"/>
+          </p:cNvSpPr>
+          <p:nvPr>
+            <p:ph type="sldNum" sz="quarter" idx="5"/>
+          </p:nvPr>
+        </p:nvSpPr>
+        <p:spPr>
+          <a:ln/>
+        </p:spPr>
+        <p:txBody>
+          <a:bodyPr/>
+          <a:lstStyle/>
+          <a:p>
+            <a:fld id="{27AEA7DA-096A-4FB7-B4B3-D12717EF4BDD}" type="slidenum">
+              <a:rPr lang="en-US"/>
+              <a:pPr/>
+              <a:t>16</a:t>
             </a:fld>
             <a:endParaRPr lang="en-US"/>
           </a:p>
@@ -6302,9 +6557,239 @@
           <a:noFill/>
         </p:spPr>
       </p:pic>
+      <p:sp>
+        <p:nvSpPr>
+          <p:cNvPr id="8" name="Rectangle 1"/>
+          <p:cNvSpPr txBox="1">
+            <a:spLocks noChangeArrowheads="1"/>
+          </p:cNvSpPr>
+          <p:nvPr/>
+        </p:nvSpPr>
+        <p:spPr bwMode="auto">
+          <a:xfrm>
+            <a:off x="7416800" y="6477000"/>
+            <a:ext cx="5410200" cy="914400"/>
+          </a:xfrm>
+          <a:prstGeom prst="rect">
+            <a:avLst/>
+          </a:prstGeom>
+          <a:noFill/>
+          <a:ln w="12700">
+            <a:noFill/>
+            <a:miter lim="800000"/>
+            <a:headEnd/>
+            <a:tailEnd/>
+          </a:ln>
+          <a:effectLst/>
+        </p:spPr>
+        <p:txBody>
+          <a:bodyPr vert="horz" wrap="square" lIns="50800" tIns="50800" rIns="50800" bIns="50800" numCol="1" anchor="ctr" anchorCtr="0" compatLnSpc="1">
+            <a:prstTxWarp prst="textNoShape">
+              <a:avLst/>
+            </a:prstTxWarp>
+          </a:bodyPr>
+          <a:lstStyle/>
+          <a:p>
+            <a:pPr marL="0" marR="0" lvl="0" indent="0" defTabSz="914400" rtl="0" eaLnBrk="1" fontAlgn="base" latinLnBrk="0" hangingPunct="1">
+              <a:lnSpc>
+                <a:spcPct val="100000"/>
+              </a:lnSpc>
+              <a:spcBef>
+                <a:spcPct val="0"/>
+              </a:spcBef>
+              <a:spcAft>
+                <a:spcPct val="0"/>
+              </a:spcAft>
+              <a:buClrTx/>
+              <a:buSzTx/>
+              <a:buFontTx/>
+              <a:buNone/>
+              <a:tabLst/>
+              <a:defRPr/>
+            </a:pPr>
+            <a:r>
+              <a:rPr lang="en-US" sz="5400" b="1" kern="0" dirty="0" smtClean="0">
+                <a:solidFill>
+                  <a:srgbClr val="00CC66"/>
+                </a:solidFill>
+                <a:latin typeface="Lucida Handwriting" pitchFamily="66" charset="0"/>
+                <a:ea typeface="+mj-ea"/>
+                <a:cs typeface="+mj-cs"/>
+                <a:sym typeface="Arial" charset="0"/>
+              </a:rPr>
+              <a:t>Systems</a:t>
+            </a:r>
+          </a:p>
+          <a:p>
+            <a:pPr marL="0" marR="0" lvl="0" indent="0" defTabSz="914400" rtl="0" eaLnBrk="1" fontAlgn="base" latinLnBrk="0" hangingPunct="1">
+              <a:lnSpc>
+                <a:spcPct val="100000"/>
+              </a:lnSpc>
+              <a:spcBef>
+                <a:spcPct val="0"/>
+              </a:spcBef>
+              <a:spcAft>
+                <a:spcPct val="0"/>
+              </a:spcAft>
+              <a:buClrTx/>
+              <a:buSzTx/>
+              <a:buFontTx/>
+              <a:buNone/>
+              <a:tabLst/>
+              <a:defRPr/>
+            </a:pPr>
+            <a:r>
+              <a:rPr kumimoji="0" lang="en-US" sz="5400" b="1" i="0" u="none" strike="noStrike" kern="0" cap="none" spc="0" normalizeH="0" baseline="0" noProof="0" dirty="0" smtClean="0">
+                <a:ln>
+                  <a:noFill/>
+                </a:ln>
+                <a:solidFill>
+                  <a:srgbClr val="00CC66"/>
+                </a:solidFill>
+                <a:effectLst/>
+                <a:uLnTx/>
+                <a:uFillTx/>
+                <a:latin typeface="Lucida Handwriting" pitchFamily="66" charset="0"/>
+                <a:ea typeface="+mj-ea"/>
+                <a:cs typeface="+mj-cs"/>
+                <a:sym typeface="Arial" charset="0"/>
+              </a:rPr>
+              <a:t>Under</a:t>
+            </a:r>
+          </a:p>
+          <a:p>
+            <a:pPr marL="0" marR="0" lvl="0" indent="0" defTabSz="914400" rtl="0" eaLnBrk="1" fontAlgn="base" latinLnBrk="0" hangingPunct="1">
+              <a:lnSpc>
+                <a:spcPct val="100000"/>
+              </a:lnSpc>
+              <a:spcBef>
+                <a:spcPct val="0"/>
+              </a:spcBef>
+              <a:spcAft>
+                <a:spcPct val="0"/>
+              </a:spcAft>
+              <a:buClrTx/>
+              <a:buSzTx/>
+              <a:buFontTx/>
+              <a:buNone/>
+              <a:tabLst/>
+              <a:defRPr/>
+            </a:pPr>
+            <a:r>
+              <a:rPr lang="en-US" sz="5400" b="1" kern="0" dirty="0" smtClean="0">
+                <a:solidFill>
+                  <a:srgbClr val="00CC66"/>
+                </a:solidFill>
+                <a:latin typeface="Lucida Handwriting" pitchFamily="66" charset="0"/>
+                <a:ea typeface="+mj-ea"/>
+                <a:cs typeface="+mj-cs"/>
+                <a:sym typeface="Arial" charset="0"/>
+              </a:rPr>
+              <a:t>S</a:t>
+            </a:r>
+            <a:r>
+              <a:rPr lang="en-US" sz="5400" b="1" kern="0" dirty="0" smtClean="0">
+                <a:solidFill>
+                  <a:srgbClr val="00CC66"/>
+                </a:solidFill>
+                <a:latin typeface="Lucida Handwriting" pitchFamily="66" charset="0"/>
+                <a:ea typeface="+mj-ea"/>
+                <a:cs typeface="+mj-cs"/>
+                <a:sym typeface="Arial" charset="0"/>
+              </a:rPr>
+              <a:t>pecification</a:t>
+            </a:r>
+            <a:endParaRPr kumimoji="0" lang="en-US" sz="5000" b="1" i="0" u="none" strike="noStrike" kern="0" cap="none" spc="0" normalizeH="0" baseline="0" noProof="0" dirty="0">
+              <a:ln>
+                <a:noFill/>
+              </a:ln>
+              <a:solidFill>
+                <a:srgbClr val="00CC66"/>
+              </a:solidFill>
+              <a:effectLst/>
+              <a:uLnTx/>
+              <a:uFillTx/>
+              <a:latin typeface="+mj-lt"/>
+              <a:ea typeface="+mj-ea"/>
+              <a:cs typeface="+mj-cs"/>
+              <a:sym typeface="Arial" charset="0"/>
+            </a:endParaRPr>
+          </a:p>
+        </p:txBody>
+      </p:sp>
+      <p:sp>
+        <p:nvSpPr>
+          <p:cNvPr id="17" name="Rectangle 1"/>
+          <p:cNvSpPr txBox="1">
+            <a:spLocks noChangeArrowheads="1"/>
+          </p:cNvSpPr>
+          <p:nvPr/>
+        </p:nvSpPr>
+        <p:spPr bwMode="auto">
+          <a:xfrm>
+            <a:off x="939800" y="1752600"/>
+            <a:ext cx="1676400" cy="685800"/>
+          </a:xfrm>
+          <a:prstGeom prst="rect">
+            <a:avLst/>
+          </a:prstGeom>
+          <a:noFill/>
+          <a:ln w="12700">
+            <a:noFill/>
+            <a:miter lim="800000"/>
+            <a:headEnd/>
+            <a:tailEnd/>
+          </a:ln>
+          <a:effectLst/>
+        </p:spPr>
+        <p:txBody>
+          <a:bodyPr vert="horz" wrap="square" lIns="50800" tIns="50800" rIns="50800" bIns="50800" numCol="1" anchor="ctr" anchorCtr="0" compatLnSpc="1">
+            <a:prstTxWarp prst="textNoShape">
+              <a:avLst/>
+            </a:prstTxWarp>
+          </a:bodyPr>
+          <a:lstStyle/>
+          <a:p>
+            <a:pPr lvl="0"/>
+            <a:r>
+              <a:rPr kumimoji="0" lang="en-US" sz="2800" b="1" i="0" u="none" strike="noStrike" kern="0" cap="none" spc="0" normalizeH="0" baseline="0" noProof="0" dirty="0" smtClean="0">
+                <a:ln>
+                  <a:noFill/>
+                </a:ln>
+                <a:solidFill>
+                  <a:srgbClr val="FF0000"/>
+                </a:solidFill>
+                <a:effectLst/>
+                <a:uLnTx/>
+                <a:uFillTx/>
+                <a:latin typeface="Candara" pitchFamily="34" charset="0"/>
+                <a:ea typeface="+mj-ea"/>
+                <a:cs typeface="+mj-cs"/>
+                <a:sym typeface="Arial" charset="0"/>
+              </a:rPr>
+              <a:t>repetition</a:t>
+            </a:r>
+            <a:endParaRPr kumimoji="0" lang="en-US" sz="2800" b="1" i="0" u="none" strike="noStrike" kern="0" cap="none" spc="0" normalizeH="0" baseline="0" noProof="0" dirty="0">
+              <a:ln>
+                <a:noFill/>
+              </a:ln>
+              <a:solidFill>
+                <a:srgbClr val="E75145"/>
+              </a:solidFill>
+              <a:effectLst/>
+              <a:uLnTx/>
+              <a:uFillTx/>
+              <a:latin typeface="Candara" pitchFamily="34" charset="0"/>
+              <a:ea typeface="+mj-ea"/>
+              <a:cs typeface="+mj-cs"/>
+              <a:sym typeface="Arial" charset="0"/>
+            </a:endParaRPr>
+          </a:p>
+        </p:txBody>
+      </p:sp>
       <p:pic>
         <p:nvPicPr>
-          <p:cNvPr id="1026" name="Picture 2"/>
+          <p:cNvPr id="56322" name="Picture 2" descr="box, package icon"/>
           <p:cNvPicPr>
             <a:picLocks noChangeAspect="1" noChangeArrowheads="1"/>
           </p:cNvPicPr>
@@ -6312,21 +6797,40 @@
         </p:nvPicPr>
         <p:blipFill>
           <a:blip r:embed="rId4"/>
-          <a:srcRect l="2477" t="18307" r="71667" b="65217"/>
+          <a:srcRect/>
           <a:stretch>
             <a:fillRect/>
           </a:stretch>
         </p:blipFill>
         <p:spPr bwMode="auto">
           <a:xfrm>
-            <a:off x="1122947" y="2362200"/>
-            <a:ext cx="10836220" cy="4191000"/>
+            <a:off x="4597400" y="3200400"/>
+            <a:ext cx="2362200" cy="2362202"/>
           </a:xfrm>
           <a:prstGeom prst="rect">
             <a:avLst/>
           </a:prstGeom>
           <a:noFill/>
-          <a:ln w="9525">
+        </p:spPr>
+      </p:pic>
+      <p:sp>
+        <p:nvSpPr>
+          <p:cNvPr id="22" name="Rectangle 1"/>
+          <p:cNvSpPr txBox="1">
+            <a:spLocks noChangeArrowheads="1"/>
+          </p:cNvSpPr>
+          <p:nvPr/>
+        </p:nvSpPr>
+        <p:spPr bwMode="auto">
+          <a:xfrm>
+            <a:off x="1092200" y="2057400"/>
+            <a:ext cx="1676400" cy="685800"/>
+          </a:xfrm>
+          <a:prstGeom prst="rect">
+            <a:avLst/>
+          </a:prstGeom>
+          <a:noFill/>
+          <a:ln w="12700">
             <a:noFill/>
             <a:miter lim="800000"/>
             <a:headEnd/>
@@ -6334,7 +6838,331 @@
           </a:ln>
           <a:effectLst/>
         </p:spPr>
-      </p:pic>
+        <p:txBody>
+          <a:bodyPr vert="horz" wrap="square" lIns="50800" tIns="50800" rIns="50800" bIns="50800" numCol="1" anchor="ctr" anchorCtr="0" compatLnSpc="1">
+            <a:prstTxWarp prst="textNoShape">
+              <a:avLst/>
+            </a:prstTxWarp>
+          </a:bodyPr>
+          <a:lstStyle/>
+          <a:p>
+            <a:pPr lvl="0"/>
+            <a:r>
+              <a:rPr kumimoji="0" lang="en-US" sz="2800" b="1" i="0" u="none" strike="noStrike" kern="0" cap="none" spc="0" normalizeH="0" baseline="0" noProof="0" dirty="0" smtClean="0">
+                <a:ln>
+                  <a:noFill/>
+                </a:ln>
+                <a:solidFill>
+                  <a:srgbClr val="FF0000"/>
+                </a:solidFill>
+                <a:effectLst/>
+                <a:uLnTx/>
+                <a:uFillTx/>
+                <a:latin typeface="Candara" pitchFamily="34" charset="0"/>
+                <a:ea typeface="+mj-ea"/>
+                <a:cs typeface="+mj-cs"/>
+                <a:sym typeface="Arial" charset="0"/>
+              </a:rPr>
+              <a:t>repetition</a:t>
+            </a:r>
+            <a:endParaRPr kumimoji="0" lang="en-US" sz="2800" b="1" i="0" u="none" strike="noStrike" kern="0" cap="none" spc="0" normalizeH="0" baseline="0" noProof="0" dirty="0">
+              <a:ln>
+                <a:noFill/>
+              </a:ln>
+              <a:solidFill>
+                <a:srgbClr val="E75145"/>
+              </a:solidFill>
+              <a:effectLst/>
+              <a:uLnTx/>
+              <a:uFillTx/>
+              <a:latin typeface="Candara" pitchFamily="34" charset="0"/>
+              <a:ea typeface="+mj-ea"/>
+              <a:cs typeface="+mj-cs"/>
+              <a:sym typeface="Arial" charset="0"/>
+            </a:endParaRPr>
+          </a:p>
+        </p:txBody>
+      </p:sp>
+      <p:sp>
+        <p:nvSpPr>
+          <p:cNvPr id="23" name="Rectangle 1"/>
+          <p:cNvSpPr txBox="1">
+            <a:spLocks noChangeArrowheads="1"/>
+          </p:cNvSpPr>
+          <p:nvPr/>
+        </p:nvSpPr>
+        <p:spPr bwMode="auto">
+          <a:xfrm>
+            <a:off x="1244600" y="1447800"/>
+            <a:ext cx="1676400" cy="685800"/>
+          </a:xfrm>
+          <a:prstGeom prst="rect">
+            <a:avLst/>
+          </a:prstGeom>
+          <a:noFill/>
+          <a:ln w="12700">
+            <a:noFill/>
+            <a:miter lim="800000"/>
+            <a:headEnd/>
+            <a:tailEnd/>
+          </a:ln>
+          <a:effectLst/>
+        </p:spPr>
+        <p:txBody>
+          <a:bodyPr vert="horz" wrap="square" lIns="50800" tIns="50800" rIns="50800" bIns="50800" numCol="1" anchor="ctr" anchorCtr="0" compatLnSpc="1">
+            <a:prstTxWarp prst="textNoShape">
+              <a:avLst/>
+            </a:prstTxWarp>
+          </a:bodyPr>
+          <a:lstStyle/>
+          <a:p>
+            <a:pPr lvl="0"/>
+            <a:r>
+              <a:rPr kumimoji="0" lang="en-US" sz="2800" b="1" i="0" u="none" strike="noStrike" kern="0" cap="none" spc="0" normalizeH="0" baseline="0" noProof="0" dirty="0" smtClean="0">
+                <a:ln>
+                  <a:noFill/>
+                </a:ln>
+                <a:solidFill>
+                  <a:srgbClr val="FF0000"/>
+                </a:solidFill>
+                <a:effectLst/>
+                <a:uLnTx/>
+                <a:uFillTx/>
+                <a:latin typeface="Candara" pitchFamily="34" charset="0"/>
+                <a:ea typeface="+mj-ea"/>
+                <a:cs typeface="+mj-cs"/>
+                <a:sym typeface="Arial" charset="0"/>
+              </a:rPr>
+              <a:t>repetition</a:t>
+            </a:r>
+            <a:endParaRPr kumimoji="0" lang="en-US" sz="2800" b="1" i="0" u="none" strike="noStrike" kern="0" cap="none" spc="0" normalizeH="0" baseline="0" noProof="0" dirty="0">
+              <a:ln>
+                <a:noFill/>
+              </a:ln>
+              <a:solidFill>
+                <a:srgbClr val="E75145"/>
+              </a:solidFill>
+              <a:effectLst/>
+              <a:uLnTx/>
+              <a:uFillTx/>
+              <a:latin typeface="Candara" pitchFamily="34" charset="0"/>
+              <a:ea typeface="+mj-ea"/>
+              <a:cs typeface="+mj-cs"/>
+              <a:sym typeface="Arial" charset="0"/>
+            </a:endParaRPr>
+          </a:p>
+        </p:txBody>
+      </p:sp>
+      <p:sp>
+        <p:nvSpPr>
+          <p:cNvPr id="24" name="Rectangle 1"/>
+          <p:cNvSpPr txBox="1">
+            <a:spLocks noChangeArrowheads="1"/>
+          </p:cNvSpPr>
+          <p:nvPr/>
+        </p:nvSpPr>
+        <p:spPr bwMode="auto">
+          <a:xfrm>
+            <a:off x="1397000" y="2286000"/>
+            <a:ext cx="1676400" cy="685800"/>
+          </a:xfrm>
+          <a:prstGeom prst="rect">
+            <a:avLst/>
+          </a:prstGeom>
+          <a:noFill/>
+          <a:ln w="12700">
+            <a:noFill/>
+            <a:miter lim="800000"/>
+            <a:headEnd/>
+            <a:tailEnd/>
+          </a:ln>
+          <a:effectLst/>
+        </p:spPr>
+        <p:txBody>
+          <a:bodyPr vert="horz" wrap="square" lIns="50800" tIns="50800" rIns="50800" bIns="50800" numCol="1" anchor="ctr" anchorCtr="0" compatLnSpc="1">
+            <a:prstTxWarp prst="textNoShape">
+              <a:avLst/>
+            </a:prstTxWarp>
+          </a:bodyPr>
+          <a:lstStyle/>
+          <a:p>
+            <a:pPr lvl="0"/>
+            <a:r>
+              <a:rPr kumimoji="0" lang="en-US" sz="2800" b="1" i="0" u="none" strike="noStrike" kern="0" cap="none" spc="0" normalizeH="0" baseline="0" noProof="0" dirty="0" smtClean="0">
+                <a:ln>
+                  <a:noFill/>
+                </a:ln>
+                <a:solidFill>
+                  <a:srgbClr val="FF0000"/>
+                </a:solidFill>
+                <a:effectLst/>
+                <a:uLnTx/>
+                <a:uFillTx/>
+                <a:latin typeface="Candara" pitchFamily="34" charset="0"/>
+                <a:ea typeface="+mj-ea"/>
+                <a:cs typeface="+mj-cs"/>
+                <a:sym typeface="Arial" charset="0"/>
+              </a:rPr>
+              <a:t>repetition</a:t>
+            </a:r>
+            <a:endParaRPr kumimoji="0" lang="en-US" sz="2800" b="1" i="0" u="none" strike="noStrike" kern="0" cap="none" spc="0" normalizeH="0" baseline="0" noProof="0" dirty="0">
+              <a:ln>
+                <a:noFill/>
+              </a:ln>
+              <a:solidFill>
+                <a:srgbClr val="E75145"/>
+              </a:solidFill>
+              <a:effectLst/>
+              <a:uLnTx/>
+              <a:uFillTx/>
+              <a:latin typeface="Candara" pitchFamily="34" charset="0"/>
+              <a:ea typeface="+mj-ea"/>
+              <a:cs typeface="+mj-cs"/>
+              <a:sym typeface="Arial" charset="0"/>
+            </a:endParaRPr>
+          </a:p>
+        </p:txBody>
+      </p:sp>
+      <p:sp>
+        <p:nvSpPr>
+          <p:cNvPr id="25" name="Rectangle 1"/>
+          <p:cNvSpPr txBox="1">
+            <a:spLocks noChangeArrowheads="1"/>
+          </p:cNvSpPr>
+          <p:nvPr/>
+        </p:nvSpPr>
+        <p:spPr bwMode="auto">
+          <a:xfrm>
+            <a:off x="787400" y="2590800"/>
+            <a:ext cx="1676400" cy="685800"/>
+          </a:xfrm>
+          <a:prstGeom prst="rect">
+            <a:avLst/>
+          </a:prstGeom>
+          <a:noFill/>
+          <a:ln w="12700">
+            <a:noFill/>
+            <a:miter lim="800000"/>
+            <a:headEnd/>
+            <a:tailEnd/>
+          </a:ln>
+          <a:effectLst/>
+        </p:spPr>
+        <p:txBody>
+          <a:bodyPr vert="horz" wrap="square" lIns="50800" tIns="50800" rIns="50800" bIns="50800" numCol="1" anchor="ctr" anchorCtr="0" compatLnSpc="1">
+            <a:prstTxWarp prst="textNoShape">
+              <a:avLst/>
+            </a:prstTxWarp>
+          </a:bodyPr>
+          <a:lstStyle/>
+          <a:p>
+            <a:pPr lvl="0"/>
+            <a:r>
+              <a:rPr kumimoji="0" lang="en-US" sz="2800" b="1" i="0" u="none" strike="noStrike" kern="0" cap="none" spc="0" normalizeH="0" baseline="0" noProof="0" dirty="0" smtClean="0">
+                <a:ln>
+                  <a:noFill/>
+                </a:ln>
+                <a:solidFill>
+                  <a:srgbClr val="FF0000"/>
+                </a:solidFill>
+                <a:effectLst/>
+                <a:uLnTx/>
+                <a:uFillTx/>
+                <a:latin typeface="Candara" pitchFamily="34" charset="0"/>
+                <a:ea typeface="+mj-ea"/>
+                <a:cs typeface="+mj-cs"/>
+                <a:sym typeface="Arial" charset="0"/>
+              </a:rPr>
+              <a:t>repetition</a:t>
+            </a:r>
+            <a:endParaRPr kumimoji="0" lang="en-US" sz="2800" b="1" i="0" u="none" strike="noStrike" kern="0" cap="none" spc="0" normalizeH="0" baseline="0" noProof="0" dirty="0">
+              <a:ln>
+                <a:noFill/>
+              </a:ln>
+              <a:solidFill>
+                <a:srgbClr val="E75145"/>
+              </a:solidFill>
+              <a:effectLst/>
+              <a:uLnTx/>
+              <a:uFillTx/>
+              <a:latin typeface="Candara" pitchFamily="34" charset="0"/>
+              <a:ea typeface="+mj-ea"/>
+              <a:cs typeface="+mj-cs"/>
+              <a:sym typeface="Arial" charset="0"/>
+            </a:endParaRPr>
+          </a:p>
+        </p:txBody>
+      </p:sp>
+      <p:sp>
+        <p:nvSpPr>
+          <p:cNvPr id="26" name="Rectangle 1"/>
+          <p:cNvSpPr txBox="1">
+            <a:spLocks noChangeArrowheads="1"/>
+          </p:cNvSpPr>
+          <p:nvPr/>
+        </p:nvSpPr>
+        <p:spPr bwMode="auto">
+          <a:xfrm>
+            <a:off x="635000" y="1219200"/>
+            <a:ext cx="1676400" cy="685800"/>
+          </a:xfrm>
+          <a:prstGeom prst="rect">
+            <a:avLst/>
+          </a:prstGeom>
+          <a:noFill/>
+          <a:ln w="12700">
+            <a:noFill/>
+            <a:miter lim="800000"/>
+            <a:headEnd/>
+            <a:tailEnd/>
+          </a:ln>
+          <a:effectLst/>
+        </p:spPr>
+        <p:txBody>
+          <a:bodyPr vert="horz" wrap="square" lIns="50800" tIns="50800" rIns="50800" bIns="50800" numCol="1" anchor="ctr" anchorCtr="0" compatLnSpc="1">
+            <a:prstTxWarp prst="textNoShape">
+              <a:avLst/>
+            </a:prstTxWarp>
+          </a:bodyPr>
+          <a:lstStyle/>
+          <a:p>
+            <a:pPr lvl="0"/>
+            <a:r>
+              <a:rPr kumimoji="0" lang="en-US" sz="2800" b="1" i="0" u="none" strike="noStrike" kern="0" cap="none" spc="0" normalizeH="0" baseline="0" noProof="0" dirty="0" smtClean="0">
+                <a:ln>
+                  <a:noFill/>
+                </a:ln>
+                <a:solidFill>
+                  <a:srgbClr val="FF0000"/>
+                </a:solidFill>
+                <a:effectLst/>
+                <a:uLnTx/>
+                <a:uFillTx/>
+                <a:latin typeface="Candara" pitchFamily="34" charset="0"/>
+                <a:ea typeface="+mj-ea"/>
+                <a:cs typeface="+mj-cs"/>
+                <a:sym typeface="Arial" charset="0"/>
+              </a:rPr>
+              <a:t>repetition</a:t>
+            </a:r>
+            <a:endParaRPr kumimoji="0" lang="en-US" sz="2800" b="1" i="0" u="none" strike="noStrike" kern="0" cap="none" spc="0" normalizeH="0" baseline="0" noProof="0" dirty="0">
+              <a:ln>
+                <a:noFill/>
+              </a:ln>
+              <a:solidFill>
+                <a:srgbClr val="E75145"/>
+              </a:solidFill>
+              <a:effectLst/>
+              <a:uLnTx/>
+              <a:uFillTx/>
+              <a:latin typeface="Candara" pitchFamily="34" charset="0"/>
+              <a:ea typeface="+mj-ea"/>
+              <a:cs typeface="+mj-cs"/>
+              <a:sym typeface="Arial" charset="0"/>
+            </a:endParaRPr>
+          </a:p>
+        </p:txBody>
+      </p:sp>
     </p:spTree>
   </p:cSld>
   <p:clrMapOvr>
@@ -6432,8 +7260,8 @@
         </p:nvSpPr>
         <p:spPr>
           <a:xfrm>
-            <a:off x="558800" y="1143000"/>
-            <a:ext cx="12115800" cy="6370975"/>
+            <a:off x="711200" y="1143000"/>
+            <a:ext cx="11734800" cy="7478970"/>
           </a:xfrm>
           <a:prstGeom prst="rect">
             <a:avLst/>
@@ -6458,33 +7286,13 @@
                 </a:solidFill>
                 <a:latin typeface="Courier New"/>
               </a:rPr>
-              <a:t>trait</a:t>
+              <a:t>class</a:t>
             </a:r>
             <a:r>
               <a:rPr lang="en-US" sz="2400" b="1" dirty="0" smtClean="0">
                 <a:latin typeface="Courier New"/>
               </a:rPr>
-              <a:t> </a:t>
-            </a:r>
-            <a:r>
-              <a:rPr lang="en-US" sz="2400" b="1" dirty="0" err="1" smtClean="0">
-                <a:latin typeface="Courier New"/>
-              </a:rPr>
-              <a:t>HelloWorldSnippet</a:t>
-            </a:r>
-            <a:r>
-              <a:rPr lang="en-US" sz="2400" b="1" dirty="0" smtClean="0">
-                <a:latin typeface="Courier New"/>
-              </a:rPr>
-              <a:t> {</a:t>
-            </a:r>
-          </a:p>
-          <a:p>
-            <a:r>
-              <a:rPr lang="en-US" sz="2400" dirty="0" smtClean="0">
-                <a:latin typeface="Courier New"/>
-              </a:rPr>
-              <a:t>  </a:t>
+              <a:t> Reverser2Spec </a:t>
             </a:r>
             <a:r>
               <a:rPr lang="en-US" sz="2400" b="1" dirty="0" smtClean="0">
@@ -6493,14 +7301,39 @@
                 </a:solidFill>
                 <a:latin typeface="Courier New"/>
               </a:rPr>
-              <a:t>def</a:t>
+              <a:t>extends</a:t>
             </a:r>
             <a:r>
               <a:rPr lang="en-US" sz="2400" b="1" dirty="0" smtClean="0">
                 <a:latin typeface="Courier New"/>
               </a:rPr>
-              <a:t> hello(s: String): Elem = &lt;div </a:t>
-            </a:r>
+              <a:t> Specification {</a:t>
+            </a:r>
+          </a:p>
+          <a:p>
+            <a:r>
+              <a:rPr lang="en-US" sz="2400" dirty="0" smtClean="0">
+                <a:latin typeface="Courier New"/>
+              </a:rPr>
+              <a:t>  </a:t>
+            </a:r>
+            <a:r>
+              <a:rPr lang="en-US" sz="2400" dirty="0" smtClean="0">
+                <a:solidFill>
+                  <a:srgbClr val="2A00FF"/>
+                </a:solidFill>
+                <a:latin typeface="Courier New"/>
+              </a:rPr>
+              <a:t>"a reversed empty string"</a:t>
+            </a:r>
+            <a:r>
+              <a:rPr lang="en-US" sz="2400" dirty="0" smtClean="0">
+                <a:latin typeface="Courier New"/>
+              </a:rPr>
+              <a:t> should {</a:t>
+            </a:r>
+          </a:p>
+          <a:p>
             <a:r>
               <a:rPr lang="en-US" sz="2400" b="1" dirty="0" smtClean="0">
                 <a:solidFill>
@@ -6508,13 +7341,22 @@
                 </a:solidFill>
                 <a:latin typeface="Courier New"/>
               </a:rPr>
-              <a:t>class</a:t>
+              <a:t>    </a:t>
+            </a:r>
+            <a:r>
+              <a:rPr lang="en-US" sz="2400" b="1" dirty="0" err="1" smtClean="0">
+                <a:solidFill>
+                  <a:srgbClr val="7F0055"/>
+                </a:solidFill>
+                <a:latin typeface="Courier New"/>
+              </a:rPr>
+              <a:t>val</a:t>
             </a:r>
             <a:r>
               <a:rPr lang="en-US" sz="2400" b="1" dirty="0" smtClean="0">
                 <a:latin typeface="Courier New"/>
               </a:rPr>
-              <a:t>=</a:t>
+              <a:t> reversed = reverse(</a:t>
             </a:r>
             <a:r>
               <a:rPr lang="en-US" sz="2400" b="1" dirty="0" smtClean="0">
@@ -6523,13 +7365,13 @@
                 </a:solidFill>
                 <a:latin typeface="Courier New"/>
               </a:rPr>
-              <a:t>"text"</a:t>
+              <a:t>""</a:t>
             </a:r>
             <a:r>
               <a:rPr lang="en-US" sz="2400" b="1" dirty="0" smtClean="0">
                 <a:latin typeface="Courier New"/>
               </a:rPr>
-              <a:t>&gt;Hello {s}&lt;/div&gt;</a:t>
+              <a:t>)  </a:t>
             </a:r>
           </a:p>
           <a:p>
@@ -6537,22 +7379,124 @@
               <a:rPr lang="en-US" sz="2400" dirty="0" smtClean="0">
                 <a:latin typeface="Courier New"/>
               </a:rPr>
-              <a:t>}</a:t>
-            </a:r>
-            <a:endParaRPr lang="en-US" sz="2400" b="1" dirty="0" smtClean="0">
-              <a:solidFill>
-                <a:srgbClr val="7F0055"/>
-              </a:solidFill>
-              <a:latin typeface="Courier New"/>
-            </a:endParaRPr>
-          </a:p>
-          <a:p>
-            <a:endParaRPr lang="en-US" sz="2400" b="1" dirty="0" smtClean="0">
-              <a:solidFill>
-                <a:srgbClr val="7F0055"/>
-              </a:solidFill>
-              <a:latin typeface="Courier New"/>
-            </a:endParaRPr>
+              <a:t>    </a:t>
+            </a:r>
+            <a:r>
+              <a:rPr lang="en-US" sz="2400" dirty="0" smtClean="0">
+                <a:solidFill>
+                  <a:srgbClr val="2A00FF"/>
+                </a:solidFill>
+                <a:latin typeface="Courier New"/>
+              </a:rPr>
+              <a:t>"be empty"</a:t>
+            </a:r>
+            <a:r>
+              <a:rPr lang="en-US" sz="2400" dirty="0" smtClean="0">
+                <a:latin typeface="Courier New"/>
+              </a:rPr>
+              <a:t> in {</a:t>
+            </a:r>
+          </a:p>
+          <a:p>
+            <a:r>
+              <a:rPr lang="en-US" sz="2400" dirty="0" smtClean="0">
+                <a:latin typeface="Courier New"/>
+              </a:rPr>
+              <a:t>      reversed must_== </a:t>
+            </a:r>
+            <a:r>
+              <a:rPr lang="en-US" sz="2400" dirty="0" smtClean="0">
+                <a:solidFill>
+                  <a:srgbClr val="2A00FF"/>
+                </a:solidFill>
+                <a:latin typeface="Courier New"/>
+              </a:rPr>
+              <a:t>""</a:t>
+            </a:r>
+            <a:r>
+              <a:rPr lang="en-US" sz="2400" dirty="0" smtClean="0">
+                <a:latin typeface="Courier New"/>
+              </a:rPr>
+              <a:t>  </a:t>
+            </a:r>
+          </a:p>
+          <a:p>
+            <a:r>
+              <a:rPr lang="en-US" sz="2400" dirty="0" smtClean="0">
+                <a:latin typeface="Courier New"/>
+              </a:rPr>
+              <a:t>    }</a:t>
+            </a:r>
+          </a:p>
+          <a:p>
+            <a:r>
+              <a:rPr lang="en-US" sz="2400" dirty="0" smtClean="0">
+                <a:latin typeface="Courier New"/>
+              </a:rPr>
+              <a:t>    </a:t>
+            </a:r>
+            <a:r>
+              <a:rPr lang="en-US" sz="2400" dirty="0" smtClean="0">
+                <a:solidFill>
+                  <a:srgbClr val="2A00FF"/>
+                </a:solidFill>
+                <a:latin typeface="Courier New"/>
+              </a:rPr>
+              <a:t>"really *be empty*"</a:t>
+            </a:r>
+            <a:r>
+              <a:rPr lang="en-US" sz="2400" dirty="0" smtClean="0">
+                <a:latin typeface="Courier New"/>
+              </a:rPr>
+              <a:t> in {</a:t>
+            </a:r>
+          </a:p>
+          <a:p>
+            <a:r>
+              <a:rPr lang="en-US" sz="2400" dirty="0" smtClean="0">
+                <a:latin typeface="Courier New"/>
+              </a:rPr>
+              <a:t>      reversed must be empty</a:t>
+            </a:r>
+          </a:p>
+          <a:p>
+            <a:r>
+              <a:rPr lang="en-US" sz="2400" dirty="0" smtClean="0">
+                <a:latin typeface="Courier New"/>
+              </a:rPr>
+              <a:t>    }</a:t>
+            </a:r>
+          </a:p>
+          <a:p>
+            <a:r>
+              <a:rPr lang="en-US" sz="2400" dirty="0" smtClean="0">
+                <a:latin typeface="Courier New"/>
+              </a:rPr>
+              <a:t>  }</a:t>
+            </a:r>
+          </a:p>
+          <a:p>
+            <a:r>
+              <a:rPr lang="en-US" sz="2400" dirty="0" smtClean="0">
+                <a:latin typeface="Courier New"/>
+              </a:rPr>
+              <a:t>  </a:t>
+            </a:r>
+            <a:r>
+              <a:rPr lang="en-US" sz="2400" dirty="0" smtClean="0">
+                <a:solidFill>
+                  <a:srgbClr val="2A00FF"/>
+                </a:solidFill>
+                <a:latin typeface="Courier New"/>
+              </a:rPr>
+              <a:t>"a reversed non-empty string"</a:t>
+            </a:r>
+            <a:r>
+              <a:rPr lang="en-US" sz="2400" dirty="0" smtClean="0">
+                <a:latin typeface="Courier New"/>
+              </a:rPr>
+              <a:t> should {</a:t>
+            </a:r>
           </a:p>
           <a:p>
             <a:r>
@@ -6562,100 +7506,63 @@
                 </a:solidFill>
                 <a:latin typeface="Courier New"/>
               </a:rPr>
-              <a:t>class</a:t>
-            </a:r>
-            <a:r>
-              <a:rPr lang="en-US" sz="2400" b="1" dirty="0" smtClean="0">
-                <a:latin typeface="Courier New"/>
-              </a:rPr>
-              <a:t> </a:t>
+              <a:t>    </a:t>
             </a:r>
             <a:r>
               <a:rPr lang="en-US" sz="2400" b="1" dirty="0" err="1" smtClean="0">
-                <a:latin typeface="Courier New"/>
-              </a:rPr>
-              <a:t>HelloWorldSnippetSpec</a:t>
-            </a:r>
-            <a:r>
-              <a:rPr lang="en-US" sz="2400" b="1" dirty="0" smtClean="0">
-                <a:latin typeface="Courier New"/>
-              </a:rPr>
-              <a:t> </a:t>
-            </a:r>
-            <a:r>
-              <a:rPr lang="en-US" sz="2400" b="1" dirty="0" smtClean="0">
                 <a:solidFill>
                   <a:srgbClr val="7F0055"/>
                 </a:solidFill>
                 <a:latin typeface="Courier New"/>
               </a:rPr>
-              <a:t>extends</a:t>
+              <a:t>val</a:t>
             </a:r>
             <a:r>
               <a:rPr lang="en-US" sz="2400" b="1" dirty="0" smtClean="0">
                 <a:latin typeface="Courier New"/>
               </a:rPr>
-              <a:t> </a:t>
-            </a:r>
-            <a:r>
-              <a:rPr lang="en-US" sz="2400" b="1" dirty="0" err="1" smtClean="0">
-                <a:latin typeface="Courier New"/>
-              </a:rPr>
-              <a:t>SpecificationWithJUnit</a:t>
-            </a:r>
-            <a:r>
-              <a:rPr lang="en-US" sz="2400" b="1" dirty="0" smtClean="0">
-                <a:latin typeface="Courier New"/>
-              </a:rPr>
-              <a:t> </a:t>
+              <a:t> reversed = reverse(</a:t>
             </a:r>
             <a:r>
               <a:rPr lang="en-US" sz="2400" b="1" dirty="0" smtClean="0">
                 <a:solidFill>
-                  <a:srgbClr val="7F0055"/>
+                  <a:srgbClr val="2A00FF"/>
                 </a:solidFill>
                 <a:latin typeface="Courier New"/>
               </a:rPr>
-              <a:t>with</a:t>
+              <a:t>"</a:t>
+            </a:r>
+            <a:r>
+              <a:rPr lang="en-US" sz="2400" b="1" dirty="0" err="1" smtClean="0">
+                <a:solidFill>
+                  <a:srgbClr val="2A00FF"/>
+                </a:solidFill>
+                <a:latin typeface="Courier New"/>
+              </a:rPr>
+              <a:t>abc</a:t>
             </a:r>
             <a:r>
               <a:rPr lang="en-US" sz="2400" b="1" dirty="0" smtClean="0">
+                <a:solidFill>
+                  <a:srgbClr val="2A00FF"/>
+                </a:solidFill>
+                <a:latin typeface="Courier New"/>
+              </a:rPr>
+              <a:t>"</a:t>
+            </a:r>
+            <a:r>
+              <a:rPr lang="en-US" sz="2400" b="1" dirty="0" smtClean="0">
+                <a:latin typeface="Courier New"/>
+              </a:rPr>
+              <a:t>)  </a:t>
+            </a:r>
+          </a:p>
+          <a:p>
+            <a:r>
+              <a:rPr lang="en-US" sz="2400" dirty="0" smtClean="0">
                 <a:latin typeface="Courier New"/>
               </a:rPr>
               <a:t>    </a:t>
-            </a:r>
-          </a:p>
-          <a:p>
-            <a:r>
-              <a:rPr lang="en-US" sz="2400" b="1" dirty="0" smtClean="0">
-                <a:latin typeface="Courier New"/>
-              </a:rPr>
-              <a:t>                                    </a:t>
-            </a:r>
-            <a:r>
-              <a:rPr lang="en-US" sz="2400" b="1" dirty="0" err="1" smtClean="0">
-                <a:latin typeface="Courier New"/>
-              </a:rPr>
-              <a:t>HelloWorldSnippet</a:t>
-            </a:r>
-            <a:r>
-              <a:rPr lang="en-US" sz="2400" b="1" dirty="0" smtClean="0">
-                <a:latin typeface="Courier New"/>
-              </a:rPr>
-              <a:t> {</a:t>
-            </a:r>
-          </a:p>
-          <a:p>
-            <a:endParaRPr lang="en-US" sz="2400" b="1" dirty="0" smtClean="0">
-              <a:latin typeface="Courier New"/>
-            </a:endParaRPr>
-          </a:p>
-          <a:p>
-            <a:r>
-              <a:rPr lang="en-US" sz="2400" dirty="0" smtClean="0">
-                <a:latin typeface="Courier New"/>
-              </a:rPr>
-              <a:t>  </a:t>
             </a:r>
             <a:r>
               <a:rPr lang="en-US" sz="2400" dirty="0" smtClean="0">
@@ -6664,21 +7571,16 @@
                 </a:solidFill>
                 <a:latin typeface="Courier New"/>
               </a:rPr>
-              <a:t>"the snippet must output a div element"</a:t>
-            </a:r>
-            <a:r>
-              <a:rPr lang="en-US" sz="2400" dirty="0" smtClean="0">
-                <a:latin typeface="Courier New"/>
-              </a:rPr>
-              <a:t> &gt;&gt; {</a:t>
-            </a:r>
-          </a:p>
-          <a:p>
-            <a:r>
-              <a:rPr lang="en-US" sz="2400" dirty="0" smtClean="0">
-                <a:latin typeface="Courier New"/>
-              </a:rPr>
-              <a:t>    hello(</a:t>
+              <a:t>"be reversed </a:t>
+            </a:r>
+            <a:r>
+              <a:rPr lang="en-US" sz="2400" dirty="0" err="1" smtClean="0">
+                <a:solidFill>
+                  <a:srgbClr val="2A00FF"/>
+                </a:solidFill>
+                <a:latin typeface="Courier New"/>
+              </a:rPr>
+              <a:t>abc</a:t>
             </a:r>
             <a:r>
               <a:rPr lang="en-US" sz="2400" dirty="0" smtClean="0">
@@ -6687,29 +7589,16 @@
                 </a:solidFill>
                 <a:latin typeface="Courier New"/>
               </a:rPr>
-              <a:t>"Eric"</a:t>
-            </a:r>
-            <a:r>
-              <a:rPr lang="en-US" sz="2400" dirty="0" smtClean="0">
-                <a:latin typeface="Courier New"/>
-              </a:rPr>
-              <a:t>) must \\(&lt;div/&gt;)</a:t>
-            </a:r>
-          </a:p>
-          <a:p>
-            <a:r>
-              <a:rPr lang="en-US" sz="2400" dirty="0" smtClean="0">
-                <a:latin typeface="Courier New"/>
-              </a:rPr>
-              <a:t>  }</a:t>
-            </a:r>
-          </a:p>
-          <a:p>
-            <a:r>
-              <a:rPr lang="en-US" sz="2400" dirty="0" smtClean="0">
-                <a:latin typeface="Courier New"/>
-              </a:rPr>
-              <a:t>  </a:t>
+              <a:t> -&gt; </a:t>
+            </a:r>
+            <a:r>
+              <a:rPr lang="en-US" sz="2400" dirty="0" err="1" smtClean="0">
+                <a:solidFill>
+                  <a:srgbClr val="2A00FF"/>
+                </a:solidFill>
+                <a:latin typeface="Courier New"/>
+              </a:rPr>
+              <a:t>cba</a:t>
             </a:r>
             <a:r>
               <a:rPr lang="en-US" sz="2400" dirty="0" smtClean="0">
@@ -6718,13 +7607,13 @@
                 </a:solidFill>
                 <a:latin typeface="Courier New"/>
               </a:rPr>
-              <a:t>"it must have a 'class' attribute with a 'text' value"</a:t>
+              <a:t>"</a:t>
             </a:r>
             <a:r>
               <a:rPr lang="en-US" sz="2400" dirty="0" smtClean="0">
                 <a:latin typeface="Courier New"/>
               </a:rPr>
-              <a:t> &gt;&gt; {</a:t>
+              <a:t> in {</a:t>
             </a:r>
           </a:p>
           <a:p>
@@ -6732,7 +7621,7 @@
               <a:rPr lang="en-US" sz="2400" dirty="0" smtClean="0">
                 <a:latin typeface="Courier New"/>
               </a:rPr>
-              <a:t>    hello(</a:t>
+              <a:t>      reversed must be_==(</a:t>
             </a:r>
             <a:r>
               <a:rPr lang="en-US" sz="2400" dirty="0" smtClean="0">
@@ -6741,13 +7630,16 @@
                 </a:solidFill>
                 <a:latin typeface="Courier New"/>
               </a:rPr>
-              <a:t>"Eric"</a:t>
-            </a:r>
-            <a:r>
-              <a:rPr lang="en-US" sz="2400" dirty="0" smtClean="0">
-                <a:latin typeface="Courier New"/>
-              </a:rPr>
-              <a:t>) must \\(&lt;div/&gt;, </a:t>
+              <a:t>"</a:t>
+            </a:r>
+            <a:r>
+              <a:rPr lang="en-US" sz="2400" dirty="0" err="1" smtClean="0">
+                <a:solidFill>
+                  <a:srgbClr val="2A00FF"/>
+                </a:solidFill>
+                <a:latin typeface="Courier New"/>
+              </a:rPr>
+              <a:t>cba</a:t>
             </a:r>
             <a:r>
               <a:rPr lang="en-US" sz="2400" dirty="0" smtClean="0">
@@ -6756,13 +7648,29 @@
                 </a:solidFill>
                 <a:latin typeface="Courier New"/>
               </a:rPr>
-              <a:t>"class"</a:t>
+              <a:t>"</a:t>
             </a:r>
             <a:r>
               <a:rPr lang="en-US" sz="2400" dirty="0" smtClean="0">
                 <a:latin typeface="Courier New"/>
               </a:rPr>
-              <a:t> -&gt; </a:t>
+              <a:t>)</a:t>
+            </a:r>
+          </a:p>
+          <a:p>
+            <a:r>
+              <a:rPr lang="en-US" sz="2400" dirty="0" smtClean="0">
+                <a:latin typeface="Courier New"/>
+              </a:rPr>
+              <a:t>    }</a:t>
+            </a:r>
+          </a:p>
+          <a:p>
+            <a:r>
+              <a:rPr lang="en-US" sz="2400" dirty="0" smtClean="0">
+                <a:latin typeface="Courier New"/>
+              </a:rPr>
+              <a:t>    </a:t>
             </a:r>
             <a:r>
               <a:rPr lang="en-US" sz="2400" dirty="0" smtClean="0">
@@ -6771,13 +7679,13 @@
                 </a:solidFill>
                 <a:latin typeface="Courier New"/>
               </a:rPr>
-              <a:t>"text"</a:t>
+              <a:t>"have the same size as the original string"</a:t>
             </a:r>
             <a:r>
               <a:rPr lang="en-US" sz="2400" dirty="0" smtClean="0">
                 <a:latin typeface="Courier New"/>
               </a:rPr>
-              <a:t>)</a:t>
+              <a:t> in {</a:t>
             </a:r>
           </a:p>
           <a:p>
@@ -6785,7 +7693,7 @@
               <a:rPr lang="en-US" sz="2400" dirty="0" smtClean="0">
                 <a:latin typeface="Courier New"/>
               </a:rPr>
-              <a:t>  }</a:t>
+              <a:t>      reversed must have size(3)</a:t>
             </a:r>
           </a:p>
           <a:p>
@@ -6793,87 +7701,7 @@
               <a:rPr lang="en-US" sz="2400" dirty="0" smtClean="0">
                 <a:latin typeface="Courier New"/>
               </a:rPr>
-              <a:t>  </a:t>
-            </a:r>
-            <a:r>
-              <a:rPr lang="en-US" sz="2400" dirty="0" smtClean="0">
-                <a:solidFill>
-                  <a:srgbClr val="2A00FF"/>
-                </a:solidFill>
-                <a:latin typeface="Courier New"/>
-              </a:rPr>
-              <a:t>"the snippet must output the user name"</a:t>
-            </a:r>
-            <a:r>
-              <a:rPr lang="en-US" sz="2400" dirty="0" smtClean="0">
-                <a:latin typeface="Courier New"/>
-              </a:rPr>
-              <a:t> &gt;&gt; {</a:t>
-            </a:r>
-          </a:p>
-          <a:p>
-            <a:r>
-              <a:rPr lang="en-US" sz="2400" dirty="0" smtClean="0">
-                <a:latin typeface="Courier New"/>
-              </a:rPr>
-              <a:t>    hello(</a:t>
-            </a:r>
-            <a:r>
-              <a:rPr lang="en-US" sz="2400" dirty="0" smtClean="0">
-                <a:solidFill>
-                  <a:srgbClr val="2A00FF"/>
-                </a:solidFill>
-                <a:latin typeface="Courier New"/>
-              </a:rPr>
-              <a:t>"Eric"</a:t>
-            </a:r>
-            <a:r>
-              <a:rPr lang="en-US" sz="2400" dirty="0" smtClean="0">
-                <a:latin typeface="Courier New"/>
-              </a:rPr>
-              <a:t>).</a:t>
-            </a:r>
-            <a:r>
-              <a:rPr lang="en-US" sz="2400" dirty="0" err="1" smtClean="0">
-                <a:latin typeface="Courier New"/>
-              </a:rPr>
-              <a:t>flatMap</a:t>
-            </a:r>
-            <a:r>
-              <a:rPr lang="en-US" sz="2400" dirty="0" smtClean="0">
-                <a:latin typeface="Courier New"/>
-              </a:rPr>
-              <a:t>(_.child) must contain(</a:t>
-            </a:r>
-            <a:r>
-              <a:rPr lang="en-US" sz="2400" b="1" dirty="0" smtClean="0">
-                <a:solidFill>
-                  <a:srgbClr val="7F0055"/>
-                </a:solidFill>
-                <a:latin typeface="Courier New"/>
-              </a:rPr>
-              <a:t>new</a:t>
-            </a:r>
-            <a:r>
-              <a:rPr lang="en-US" sz="2400" b="1" dirty="0" smtClean="0">
-                <a:latin typeface="Courier New"/>
-              </a:rPr>
-              <a:t> Atom(</a:t>
-            </a:r>
-            <a:r>
-              <a:rPr lang="en-US" sz="2400" b="1" dirty="0" smtClean="0">
-                <a:solidFill>
-                  <a:srgbClr val="2A00FF"/>
-                </a:solidFill>
-                <a:latin typeface="Courier New"/>
-              </a:rPr>
-              <a:t>"Eric"</a:t>
-            </a:r>
-            <a:r>
-              <a:rPr lang="en-US" sz="2400" b="1" dirty="0" smtClean="0">
-                <a:latin typeface="Courier New"/>
-              </a:rPr>
-              <a:t>))</a:t>
+              <a:t>    }</a:t>
             </a:r>
           </a:p>
           <a:p>
@@ -6984,352 +7812,39 @@
           <a:noFill/>
         </p:spPr>
       </p:pic>
-      <p:sp>
-        <p:nvSpPr>
-          <p:cNvPr id="6" name="Rectangle 5"/>
-          <p:cNvSpPr/>
+      <p:pic>
+        <p:nvPicPr>
+          <p:cNvPr id="1026" name="Picture 2"/>
+          <p:cNvPicPr>
+            <a:picLocks noChangeAspect="1" noChangeArrowheads="1"/>
+          </p:cNvPicPr>
           <p:nvPr/>
-        </p:nvSpPr>
-        <p:spPr>
+        </p:nvPicPr>
+        <p:blipFill>
+          <a:blip r:embed="rId4"/>
+          <a:srcRect l="2477" t="18307" r="71667" b="65217"/>
+          <a:stretch>
+            <a:fillRect/>
+          </a:stretch>
+        </p:blipFill>
+        <p:spPr bwMode="auto">
           <a:xfrm>
-            <a:off x="330200" y="1143000"/>
-            <a:ext cx="12344400" cy="7109639"/>
+            <a:off x="1122947" y="2362200"/>
+            <a:ext cx="10836220" cy="4191000"/>
           </a:xfrm>
           <a:prstGeom prst="rect">
             <a:avLst/>
           </a:prstGeom>
-          <a:ln>
-            <a:solidFill>
-              <a:schemeClr val="tx1"/>
-            </a:solidFill>
-            <a:prstDash val="dash"/>
+          <a:noFill/>
+          <a:ln w="9525">
+            <a:noFill/>
+            <a:miter lim="800000"/>
+            <a:headEnd/>
+            <a:tailEnd/>
           </a:ln>
-        </p:spPr>
-        <p:txBody>
-          <a:bodyPr wrap="square">
-            <a:spAutoFit/>
-          </a:bodyPr>
-          <a:lstStyle/>
-          <a:p>
-            <a:r>
-              <a:rPr lang="en-US" sz="2400" b="1" dirty="0" smtClean="0">
-                <a:solidFill>
-                  <a:srgbClr val="7F0055"/>
-                </a:solidFill>
-                <a:latin typeface="Courier New"/>
-              </a:rPr>
-              <a:t>class</a:t>
-            </a:r>
-            <a:r>
-              <a:rPr lang="en-US" sz="2400" b="1" dirty="0" smtClean="0">
-                <a:latin typeface="Courier New"/>
-              </a:rPr>
-              <a:t> Reverser3Spec </a:t>
-            </a:r>
-            <a:r>
-              <a:rPr lang="en-US" sz="2400" b="1" dirty="0" smtClean="0">
-                <a:solidFill>
-                  <a:srgbClr val="7F0055"/>
-                </a:solidFill>
-                <a:latin typeface="Courier New"/>
-              </a:rPr>
-              <a:t>extends</a:t>
-            </a:r>
-            <a:r>
-              <a:rPr lang="en-US" sz="2400" b="1" dirty="0" smtClean="0">
-                <a:latin typeface="Courier New"/>
-              </a:rPr>
-              <a:t> </a:t>
-            </a:r>
-            <a:r>
-              <a:rPr lang="en-US" sz="2400" b="1" dirty="0" err="1" smtClean="0">
-                <a:latin typeface="Courier New"/>
-              </a:rPr>
-              <a:t>SpecificationWithJUnit</a:t>
-            </a:r>
-            <a:r>
-              <a:rPr lang="en-US" sz="2400" b="1" dirty="0" smtClean="0">
-                <a:latin typeface="Courier New"/>
-              </a:rPr>
-              <a:t> </a:t>
-            </a:r>
-          </a:p>
-          <a:p>
-            <a:r>
-              <a:rPr lang="en-US" sz="2400" b="1" dirty="0" smtClean="0">
-                <a:solidFill>
-                  <a:srgbClr val="7F0055"/>
-                </a:solidFill>
-                <a:latin typeface="Courier New"/>
-              </a:rPr>
-              <a:t>                            with</a:t>
-            </a:r>
-            <a:r>
-              <a:rPr lang="en-US" sz="2400" b="1" dirty="0" smtClean="0">
-                <a:latin typeface="Courier New"/>
-              </a:rPr>
-              <a:t> </a:t>
-            </a:r>
-            <a:r>
-              <a:rPr lang="en-US" sz="2400" b="1" dirty="0" err="1" smtClean="0">
-                <a:latin typeface="Courier New"/>
-              </a:rPr>
-              <a:t>ScalaCheck</a:t>
-            </a:r>
-            <a:r>
-              <a:rPr lang="en-US" sz="2400" b="1" dirty="0" smtClean="0">
-                <a:latin typeface="Courier New"/>
-              </a:rPr>
-              <a:t> {</a:t>
-            </a:r>
-          </a:p>
-          <a:p>
-            <a:endParaRPr lang="en-US" sz="2400" dirty="0" smtClean="0">
-              <a:solidFill>
-                <a:srgbClr val="2A00FF"/>
-              </a:solidFill>
-              <a:latin typeface="Courier New"/>
-            </a:endParaRPr>
-          </a:p>
-          <a:p>
-            <a:r>
-              <a:rPr lang="en-US" sz="2400" dirty="0" smtClean="0">
-                <a:solidFill>
-                  <a:srgbClr val="2A00FF"/>
-                </a:solidFill>
-                <a:latin typeface="Courier New"/>
-              </a:rPr>
-              <a:t>  "reverse must preserve the length of a string"</a:t>
-            </a:r>
-            <a:r>
-              <a:rPr lang="en-US" sz="2400" dirty="0" smtClean="0">
-                <a:latin typeface="Courier New"/>
-              </a:rPr>
-              <a:t> verifies { </a:t>
-            </a:r>
-          </a:p>
-          <a:p>
-            <a:r>
-              <a:rPr lang="en-US" sz="2400" dirty="0" smtClean="0">
-                <a:latin typeface="Courier New"/>
-              </a:rPr>
-              <a:t>    s: String =&gt; reverse(s).size == </a:t>
-            </a:r>
-            <a:r>
-              <a:rPr lang="en-US" sz="2400" dirty="0" err="1" smtClean="0">
-                <a:latin typeface="Courier New"/>
-              </a:rPr>
-              <a:t>s.size</a:t>
-            </a:r>
-            <a:r>
-              <a:rPr lang="en-US" sz="2400" dirty="0" smtClean="0">
-                <a:latin typeface="Courier New"/>
-              </a:rPr>
-              <a:t> </a:t>
-            </a:r>
-          </a:p>
-          <a:p>
-            <a:r>
-              <a:rPr lang="en-US" sz="2400" dirty="0" smtClean="0">
-                <a:latin typeface="Courier New"/>
-              </a:rPr>
-              <a:t>  }</a:t>
-            </a:r>
-          </a:p>
-          <a:p>
-            <a:r>
-              <a:rPr lang="en-US" sz="2400" dirty="0" smtClean="0">
-                <a:solidFill>
-                  <a:srgbClr val="2A00FF"/>
-                </a:solidFill>
-                <a:latin typeface="Courier New"/>
-              </a:rPr>
-              <a:t>  "reverse applied twice must return the same string"</a:t>
-            </a:r>
-            <a:r>
-              <a:rPr lang="en-US" sz="2400" dirty="0" smtClean="0">
-                <a:latin typeface="Courier New"/>
-              </a:rPr>
-              <a:t> verifies {   </a:t>
-            </a:r>
-          </a:p>
-          <a:p>
-            <a:r>
-              <a:rPr lang="en-US" sz="2400" dirty="0" smtClean="0">
-                <a:latin typeface="Courier New"/>
-              </a:rPr>
-              <a:t>    s: String =&gt; reverse(reverse(s)) == s </a:t>
-            </a:r>
-          </a:p>
-          <a:p>
-            <a:r>
-              <a:rPr lang="en-US" sz="2400" dirty="0" smtClean="0">
-                <a:latin typeface="Courier New"/>
-              </a:rPr>
-              <a:t>  }</a:t>
-            </a:r>
-          </a:p>
-          <a:p>
-            <a:r>
-              <a:rPr lang="en-US" sz="2400" dirty="0" smtClean="0">
-                <a:solidFill>
-                  <a:srgbClr val="2A00FF"/>
-                </a:solidFill>
-                <a:latin typeface="Courier New"/>
-              </a:rPr>
-              <a:t>  "reverse 2 concatenated strings must return the reversed second </a:t>
-            </a:r>
-          </a:p>
-          <a:p>
-            <a:r>
-              <a:rPr lang="en-US" sz="2400" dirty="0" smtClean="0">
-                <a:solidFill>
-                  <a:srgbClr val="2A00FF"/>
-                </a:solidFill>
-                <a:latin typeface="Courier New"/>
-              </a:rPr>
-              <a:t>   string concatenated with the reversed first one"</a:t>
-            </a:r>
-            <a:r>
-              <a:rPr lang="en-US" sz="2400" dirty="0" smtClean="0">
-                <a:latin typeface="Courier New"/>
-              </a:rPr>
-              <a:t> verifies {</a:t>
-            </a:r>
-          </a:p>
-          <a:p>
-            <a:r>
-              <a:rPr lang="en-US" sz="2400" dirty="0" smtClean="0">
-                <a:latin typeface="Courier New"/>
-              </a:rPr>
-              <a:t>    (s1: String, s2: String) =&gt; reverse(s1 + s2) == </a:t>
-            </a:r>
-          </a:p>
-          <a:p>
-            <a:r>
-              <a:rPr lang="en-US" sz="2400" dirty="0" smtClean="0">
-                <a:latin typeface="Courier New"/>
-              </a:rPr>
-              <a:t>                                reverse(s2) + reverse(s1) </a:t>
-            </a:r>
-          </a:p>
-          <a:p>
-            <a:r>
-              <a:rPr lang="en-US" sz="2400" dirty="0" smtClean="0">
-                <a:latin typeface="Courier New"/>
-              </a:rPr>
-              <a:t>  }</a:t>
-            </a:r>
-          </a:p>
-          <a:p>
-            <a:r>
-              <a:rPr lang="en-US" sz="2400" dirty="0" smtClean="0">
-                <a:latin typeface="Courier New"/>
-              </a:rPr>
-              <a:t>  </a:t>
-            </a:r>
-            <a:r>
-              <a:rPr lang="en-US" sz="2400" b="1" dirty="0" smtClean="0">
-                <a:solidFill>
-                  <a:srgbClr val="7F0055"/>
-                </a:solidFill>
-                <a:latin typeface="Courier New"/>
-              </a:rPr>
-              <a:t>def</a:t>
-            </a:r>
-            <a:r>
-              <a:rPr lang="en-US" sz="2400" b="1" dirty="0" smtClean="0">
-                <a:latin typeface="Courier New"/>
-              </a:rPr>
-              <a:t> </a:t>
-            </a:r>
-            <a:r>
-              <a:rPr lang="en-US" sz="2400" dirty="0" smtClean="0">
-                <a:latin typeface="Courier New"/>
-              </a:rPr>
-              <a:t>center(s: String) = s(</a:t>
-            </a:r>
-            <a:r>
-              <a:rPr lang="en-US" sz="2400" dirty="0" err="1" smtClean="0">
-                <a:latin typeface="Courier New"/>
-              </a:rPr>
-              <a:t>s.size</a:t>
-            </a:r>
-            <a:r>
-              <a:rPr lang="en-US" sz="2400" dirty="0" smtClean="0">
-                <a:latin typeface="Courier New"/>
-              </a:rPr>
-              <a:t> / 2)</a:t>
-            </a:r>
-          </a:p>
-          <a:p>
-            <a:r>
-              <a:rPr lang="en-US" sz="2400" dirty="0" smtClean="0">
-                <a:solidFill>
-                  <a:srgbClr val="2A00FF"/>
-                </a:solidFill>
-                <a:latin typeface="Courier New"/>
-              </a:rPr>
-              <a:t>  "keep the same 'center' character - Woops!"</a:t>
-            </a:r>
-            <a:r>
-              <a:rPr lang="en-US" sz="2400" dirty="0" smtClean="0">
-                <a:latin typeface="Courier New"/>
-              </a:rPr>
-              <a:t> verifies { </a:t>
-            </a:r>
-          </a:p>
-          <a:p>
-            <a:r>
-              <a:rPr lang="en-US" sz="2400" dirty="0" smtClean="0">
-                <a:latin typeface="Courier New"/>
-              </a:rPr>
-              <a:t>    s: String =&gt; </a:t>
-            </a:r>
-            <a:r>
-              <a:rPr lang="en-US" sz="2400" dirty="0" err="1" smtClean="0">
-                <a:latin typeface="Courier New"/>
-              </a:rPr>
-              <a:t>s.isEmpty</a:t>
-            </a:r>
-            <a:r>
-              <a:rPr lang="en-US" sz="2400" dirty="0" smtClean="0">
-                <a:latin typeface="Courier New"/>
-              </a:rPr>
-              <a:t> || center(reverse(s)) == center(s) </a:t>
-            </a:r>
-          </a:p>
-          <a:p>
-            <a:r>
-              <a:rPr lang="en-US" sz="2400" dirty="0" smtClean="0">
-                <a:latin typeface="Courier New"/>
-              </a:rPr>
-              <a:t>  }.display(</a:t>
-            </a:r>
-            <a:r>
-              <a:rPr lang="en-US" sz="2400" dirty="0" err="1" smtClean="0">
-                <a:latin typeface="Courier New"/>
-              </a:rPr>
-              <a:t>minTestsOk</a:t>
-            </a:r>
-            <a:r>
-              <a:rPr lang="en-US" sz="2400" dirty="0" smtClean="0">
-                <a:latin typeface="Courier New"/>
-              </a:rPr>
-              <a:t> -&gt; 5)</a:t>
-            </a:r>
-          </a:p>
-          <a:p>
-            <a:r>
-              <a:rPr lang="en-US" sz="2400" dirty="0" smtClean="0">
-                <a:latin typeface="Courier New"/>
-              </a:rPr>
-              <a:t>}</a:t>
-            </a:r>
-            <a:endParaRPr lang="en-US" sz="2400" dirty="0"/>
-          </a:p>
-        </p:txBody>
-      </p:sp>
+          <a:effectLst/>
+        </p:spPr>
+      </p:pic>
     </p:spTree>
   </p:cSld>
   <p:clrMapOvr>
@@ -7421,14 +7936,629 @@
       </p:pic>
       <p:sp>
         <p:nvSpPr>
+          <p:cNvPr id="8" name="Rectangle 1"/>
+          <p:cNvSpPr txBox="1">
+            <a:spLocks noChangeArrowheads="1"/>
+          </p:cNvSpPr>
+          <p:nvPr/>
+        </p:nvSpPr>
+        <p:spPr bwMode="auto">
+          <a:xfrm>
+            <a:off x="7416800" y="6477000"/>
+            <a:ext cx="5410200" cy="914400"/>
+          </a:xfrm>
+          <a:prstGeom prst="rect">
+            <a:avLst/>
+          </a:prstGeom>
+          <a:noFill/>
+          <a:ln w="12700">
+            <a:noFill/>
+            <a:miter lim="800000"/>
+            <a:headEnd/>
+            <a:tailEnd/>
+          </a:ln>
+          <a:effectLst/>
+        </p:spPr>
+        <p:txBody>
+          <a:bodyPr vert="horz" wrap="square" lIns="50800" tIns="50800" rIns="50800" bIns="50800" numCol="1" anchor="ctr" anchorCtr="0" compatLnSpc="1">
+            <a:prstTxWarp prst="textNoShape">
+              <a:avLst/>
+            </a:prstTxWarp>
+          </a:bodyPr>
+          <a:lstStyle/>
+          <a:p>
+            <a:pPr marL="0" marR="0" lvl="0" indent="0" defTabSz="914400" rtl="0" eaLnBrk="1" fontAlgn="base" latinLnBrk="0" hangingPunct="1">
+              <a:lnSpc>
+                <a:spcPct val="100000"/>
+              </a:lnSpc>
+              <a:spcBef>
+                <a:spcPct val="0"/>
+              </a:spcBef>
+              <a:spcAft>
+                <a:spcPct val="0"/>
+              </a:spcAft>
+              <a:buClrTx/>
+              <a:buSzTx/>
+              <a:buFontTx/>
+              <a:buNone/>
+              <a:tabLst/>
+              <a:defRPr/>
+            </a:pPr>
+            <a:r>
+              <a:rPr lang="en-US" sz="5400" b="1" kern="0" dirty="0" smtClean="0">
+                <a:solidFill>
+                  <a:srgbClr val="00CC66"/>
+                </a:solidFill>
+                <a:latin typeface="Lucida Handwriting" pitchFamily="66" charset="0"/>
+                <a:ea typeface="+mj-ea"/>
+                <a:cs typeface="+mj-cs"/>
+                <a:sym typeface="Arial" charset="0"/>
+              </a:rPr>
+              <a:t>Matchers</a:t>
+            </a:r>
+            <a:endParaRPr kumimoji="0" lang="en-US" sz="5000" b="1" i="0" u="none" strike="noStrike" kern="0" cap="none" spc="0" normalizeH="0" baseline="0" noProof="0" dirty="0">
+              <a:ln>
+                <a:noFill/>
+              </a:ln>
+              <a:solidFill>
+                <a:srgbClr val="00CC66"/>
+              </a:solidFill>
+              <a:effectLst/>
+              <a:uLnTx/>
+              <a:uFillTx/>
+              <a:latin typeface="+mj-lt"/>
+              <a:ea typeface="+mj-ea"/>
+              <a:cs typeface="+mj-cs"/>
+              <a:sym typeface="Arial" charset="0"/>
+            </a:endParaRPr>
+          </a:p>
+        </p:txBody>
+      </p:sp>
+      <p:sp>
+        <p:nvSpPr>
+          <p:cNvPr id="17" name="Rectangle 1"/>
+          <p:cNvSpPr txBox="1">
+            <a:spLocks noChangeArrowheads="1"/>
+          </p:cNvSpPr>
+          <p:nvPr/>
+        </p:nvSpPr>
+        <p:spPr bwMode="auto">
+          <a:xfrm>
+            <a:off x="939800" y="1752600"/>
+            <a:ext cx="1676400" cy="685800"/>
+          </a:xfrm>
+          <a:prstGeom prst="rect">
+            <a:avLst/>
+          </a:prstGeom>
+          <a:noFill/>
+          <a:ln w="12700">
+            <a:noFill/>
+            <a:miter lim="800000"/>
+            <a:headEnd/>
+            <a:tailEnd/>
+          </a:ln>
+          <a:effectLst/>
+        </p:spPr>
+        <p:txBody>
+          <a:bodyPr vert="horz" wrap="square" lIns="50800" tIns="50800" rIns="50800" bIns="50800" numCol="1" anchor="ctr" anchorCtr="0" compatLnSpc="1">
+            <a:prstTxWarp prst="textNoShape">
+              <a:avLst/>
+            </a:prstTxWarp>
+          </a:bodyPr>
+          <a:lstStyle/>
+          <a:p>
+            <a:pPr lvl="0"/>
+            <a:r>
+              <a:rPr kumimoji="0" lang="en-US" sz="2800" b="1" i="0" u="none" strike="noStrike" kern="0" cap="none" spc="0" normalizeH="0" baseline="0" noProof="0" dirty="0" smtClean="0">
+                <a:ln>
+                  <a:noFill/>
+                </a:ln>
+                <a:solidFill>
+                  <a:srgbClr val="FF0000"/>
+                </a:solidFill>
+                <a:effectLst/>
+                <a:uLnTx/>
+                <a:uFillTx/>
+                <a:latin typeface="Candara" pitchFamily="34" charset="0"/>
+                <a:ea typeface="+mj-ea"/>
+                <a:cs typeface="+mj-cs"/>
+                <a:sym typeface="Arial" charset="0"/>
+              </a:rPr>
+              <a:t>repetition</a:t>
+            </a:r>
+            <a:endParaRPr kumimoji="0" lang="en-US" sz="2800" b="1" i="0" u="none" strike="noStrike" kern="0" cap="none" spc="0" normalizeH="0" baseline="0" noProof="0" dirty="0">
+              <a:ln>
+                <a:noFill/>
+              </a:ln>
+              <a:solidFill>
+                <a:srgbClr val="E75145"/>
+              </a:solidFill>
+              <a:effectLst/>
+              <a:uLnTx/>
+              <a:uFillTx/>
+              <a:latin typeface="Candara" pitchFamily="34" charset="0"/>
+              <a:ea typeface="+mj-ea"/>
+              <a:cs typeface="+mj-cs"/>
+              <a:sym typeface="Arial" charset="0"/>
+            </a:endParaRPr>
+          </a:p>
+        </p:txBody>
+      </p:sp>
+      <p:sp>
+        <p:nvSpPr>
+          <p:cNvPr id="22" name="Rectangle 1"/>
+          <p:cNvSpPr txBox="1">
+            <a:spLocks noChangeArrowheads="1"/>
+          </p:cNvSpPr>
+          <p:nvPr/>
+        </p:nvSpPr>
+        <p:spPr bwMode="auto">
+          <a:xfrm>
+            <a:off x="1092200" y="2057400"/>
+            <a:ext cx="1676400" cy="685800"/>
+          </a:xfrm>
+          <a:prstGeom prst="rect">
+            <a:avLst/>
+          </a:prstGeom>
+          <a:noFill/>
+          <a:ln w="12700">
+            <a:noFill/>
+            <a:miter lim="800000"/>
+            <a:headEnd/>
+            <a:tailEnd/>
+          </a:ln>
+          <a:effectLst/>
+        </p:spPr>
+        <p:txBody>
+          <a:bodyPr vert="horz" wrap="square" lIns="50800" tIns="50800" rIns="50800" bIns="50800" numCol="1" anchor="ctr" anchorCtr="0" compatLnSpc="1">
+            <a:prstTxWarp prst="textNoShape">
+              <a:avLst/>
+            </a:prstTxWarp>
+          </a:bodyPr>
+          <a:lstStyle/>
+          <a:p>
+            <a:pPr lvl="0"/>
+            <a:r>
+              <a:rPr kumimoji="0" lang="en-US" sz="2800" b="1" i="0" u="none" strike="noStrike" kern="0" cap="none" spc="0" normalizeH="0" baseline="0" noProof="0" dirty="0" smtClean="0">
+                <a:ln>
+                  <a:noFill/>
+                </a:ln>
+                <a:solidFill>
+                  <a:srgbClr val="FF0000"/>
+                </a:solidFill>
+                <a:effectLst/>
+                <a:uLnTx/>
+                <a:uFillTx/>
+                <a:latin typeface="Candara" pitchFamily="34" charset="0"/>
+                <a:ea typeface="+mj-ea"/>
+                <a:cs typeface="+mj-cs"/>
+                <a:sym typeface="Arial" charset="0"/>
+              </a:rPr>
+              <a:t>repetition</a:t>
+            </a:r>
+            <a:endParaRPr kumimoji="0" lang="en-US" sz="2800" b="1" i="0" u="none" strike="noStrike" kern="0" cap="none" spc="0" normalizeH="0" baseline="0" noProof="0" dirty="0">
+              <a:ln>
+                <a:noFill/>
+              </a:ln>
+              <a:solidFill>
+                <a:srgbClr val="E75145"/>
+              </a:solidFill>
+              <a:effectLst/>
+              <a:uLnTx/>
+              <a:uFillTx/>
+              <a:latin typeface="Candara" pitchFamily="34" charset="0"/>
+              <a:ea typeface="+mj-ea"/>
+              <a:cs typeface="+mj-cs"/>
+              <a:sym typeface="Arial" charset="0"/>
+            </a:endParaRPr>
+          </a:p>
+        </p:txBody>
+      </p:sp>
+      <p:sp>
+        <p:nvSpPr>
+          <p:cNvPr id="23" name="Rectangle 1"/>
+          <p:cNvSpPr txBox="1">
+            <a:spLocks noChangeArrowheads="1"/>
+          </p:cNvSpPr>
+          <p:nvPr/>
+        </p:nvSpPr>
+        <p:spPr bwMode="auto">
+          <a:xfrm>
+            <a:off x="1244600" y="1447800"/>
+            <a:ext cx="1676400" cy="685800"/>
+          </a:xfrm>
+          <a:prstGeom prst="rect">
+            <a:avLst/>
+          </a:prstGeom>
+          <a:noFill/>
+          <a:ln w="12700">
+            <a:noFill/>
+            <a:miter lim="800000"/>
+            <a:headEnd/>
+            <a:tailEnd/>
+          </a:ln>
+          <a:effectLst/>
+        </p:spPr>
+        <p:txBody>
+          <a:bodyPr vert="horz" wrap="square" lIns="50800" tIns="50800" rIns="50800" bIns="50800" numCol="1" anchor="ctr" anchorCtr="0" compatLnSpc="1">
+            <a:prstTxWarp prst="textNoShape">
+              <a:avLst/>
+            </a:prstTxWarp>
+          </a:bodyPr>
+          <a:lstStyle/>
+          <a:p>
+            <a:pPr lvl="0"/>
+            <a:r>
+              <a:rPr kumimoji="0" lang="en-US" sz="2800" b="1" i="0" u="none" strike="noStrike" kern="0" cap="none" spc="0" normalizeH="0" baseline="0" noProof="0" dirty="0" smtClean="0">
+                <a:ln>
+                  <a:noFill/>
+                </a:ln>
+                <a:solidFill>
+                  <a:srgbClr val="FF0000"/>
+                </a:solidFill>
+                <a:effectLst/>
+                <a:uLnTx/>
+                <a:uFillTx/>
+                <a:latin typeface="Candara" pitchFamily="34" charset="0"/>
+                <a:ea typeface="+mj-ea"/>
+                <a:cs typeface="+mj-cs"/>
+                <a:sym typeface="Arial" charset="0"/>
+              </a:rPr>
+              <a:t>repetition</a:t>
+            </a:r>
+            <a:endParaRPr kumimoji="0" lang="en-US" sz="2800" b="1" i="0" u="none" strike="noStrike" kern="0" cap="none" spc="0" normalizeH="0" baseline="0" noProof="0" dirty="0">
+              <a:ln>
+                <a:noFill/>
+              </a:ln>
+              <a:solidFill>
+                <a:srgbClr val="E75145"/>
+              </a:solidFill>
+              <a:effectLst/>
+              <a:uLnTx/>
+              <a:uFillTx/>
+              <a:latin typeface="Candara" pitchFamily="34" charset="0"/>
+              <a:ea typeface="+mj-ea"/>
+              <a:cs typeface="+mj-cs"/>
+              <a:sym typeface="Arial" charset="0"/>
+            </a:endParaRPr>
+          </a:p>
+        </p:txBody>
+      </p:sp>
+      <p:sp>
+        <p:nvSpPr>
+          <p:cNvPr id="24" name="Rectangle 1"/>
+          <p:cNvSpPr txBox="1">
+            <a:spLocks noChangeArrowheads="1"/>
+          </p:cNvSpPr>
+          <p:nvPr/>
+        </p:nvSpPr>
+        <p:spPr bwMode="auto">
+          <a:xfrm>
+            <a:off x="1397000" y="2286000"/>
+            <a:ext cx="1676400" cy="685800"/>
+          </a:xfrm>
+          <a:prstGeom prst="rect">
+            <a:avLst/>
+          </a:prstGeom>
+          <a:noFill/>
+          <a:ln w="12700">
+            <a:noFill/>
+            <a:miter lim="800000"/>
+            <a:headEnd/>
+            <a:tailEnd/>
+          </a:ln>
+          <a:effectLst/>
+        </p:spPr>
+        <p:txBody>
+          <a:bodyPr vert="horz" wrap="square" lIns="50800" tIns="50800" rIns="50800" bIns="50800" numCol="1" anchor="ctr" anchorCtr="0" compatLnSpc="1">
+            <a:prstTxWarp prst="textNoShape">
+              <a:avLst/>
+            </a:prstTxWarp>
+          </a:bodyPr>
+          <a:lstStyle/>
+          <a:p>
+            <a:pPr lvl="0"/>
+            <a:r>
+              <a:rPr kumimoji="0" lang="en-US" sz="2800" b="1" i="0" u="none" strike="noStrike" kern="0" cap="none" spc="0" normalizeH="0" baseline="0" noProof="0" dirty="0" smtClean="0">
+                <a:ln>
+                  <a:noFill/>
+                </a:ln>
+                <a:solidFill>
+                  <a:srgbClr val="FF0000"/>
+                </a:solidFill>
+                <a:effectLst/>
+                <a:uLnTx/>
+                <a:uFillTx/>
+                <a:latin typeface="Candara" pitchFamily="34" charset="0"/>
+                <a:ea typeface="+mj-ea"/>
+                <a:cs typeface="+mj-cs"/>
+                <a:sym typeface="Arial" charset="0"/>
+              </a:rPr>
+              <a:t>repetition</a:t>
+            </a:r>
+            <a:endParaRPr kumimoji="0" lang="en-US" sz="2800" b="1" i="0" u="none" strike="noStrike" kern="0" cap="none" spc="0" normalizeH="0" baseline="0" noProof="0" dirty="0">
+              <a:ln>
+                <a:noFill/>
+              </a:ln>
+              <a:solidFill>
+                <a:srgbClr val="E75145"/>
+              </a:solidFill>
+              <a:effectLst/>
+              <a:uLnTx/>
+              <a:uFillTx/>
+              <a:latin typeface="Candara" pitchFamily="34" charset="0"/>
+              <a:ea typeface="+mj-ea"/>
+              <a:cs typeface="+mj-cs"/>
+              <a:sym typeface="Arial" charset="0"/>
+            </a:endParaRPr>
+          </a:p>
+        </p:txBody>
+      </p:sp>
+      <p:sp>
+        <p:nvSpPr>
+          <p:cNvPr id="25" name="Rectangle 1"/>
+          <p:cNvSpPr txBox="1">
+            <a:spLocks noChangeArrowheads="1"/>
+          </p:cNvSpPr>
+          <p:nvPr/>
+        </p:nvSpPr>
+        <p:spPr bwMode="auto">
+          <a:xfrm>
+            <a:off x="787400" y="2590800"/>
+            <a:ext cx="1676400" cy="685800"/>
+          </a:xfrm>
+          <a:prstGeom prst="rect">
+            <a:avLst/>
+          </a:prstGeom>
+          <a:noFill/>
+          <a:ln w="12700">
+            <a:noFill/>
+            <a:miter lim="800000"/>
+            <a:headEnd/>
+            <a:tailEnd/>
+          </a:ln>
+          <a:effectLst/>
+        </p:spPr>
+        <p:txBody>
+          <a:bodyPr vert="horz" wrap="square" lIns="50800" tIns="50800" rIns="50800" bIns="50800" numCol="1" anchor="ctr" anchorCtr="0" compatLnSpc="1">
+            <a:prstTxWarp prst="textNoShape">
+              <a:avLst/>
+            </a:prstTxWarp>
+          </a:bodyPr>
+          <a:lstStyle/>
+          <a:p>
+            <a:pPr lvl="0"/>
+            <a:r>
+              <a:rPr kumimoji="0" lang="en-US" sz="2800" b="1" i="0" u="none" strike="noStrike" kern="0" cap="none" spc="0" normalizeH="0" baseline="0" noProof="0" dirty="0" smtClean="0">
+                <a:ln>
+                  <a:noFill/>
+                </a:ln>
+                <a:solidFill>
+                  <a:srgbClr val="FF0000"/>
+                </a:solidFill>
+                <a:effectLst/>
+                <a:uLnTx/>
+                <a:uFillTx/>
+                <a:latin typeface="Candara" pitchFamily="34" charset="0"/>
+                <a:ea typeface="+mj-ea"/>
+                <a:cs typeface="+mj-cs"/>
+                <a:sym typeface="Arial" charset="0"/>
+              </a:rPr>
+              <a:t>repetition</a:t>
+            </a:r>
+            <a:endParaRPr kumimoji="0" lang="en-US" sz="2800" b="1" i="0" u="none" strike="noStrike" kern="0" cap="none" spc="0" normalizeH="0" baseline="0" noProof="0" dirty="0">
+              <a:ln>
+                <a:noFill/>
+              </a:ln>
+              <a:solidFill>
+                <a:srgbClr val="E75145"/>
+              </a:solidFill>
+              <a:effectLst/>
+              <a:uLnTx/>
+              <a:uFillTx/>
+              <a:latin typeface="Candara" pitchFamily="34" charset="0"/>
+              <a:ea typeface="+mj-ea"/>
+              <a:cs typeface="+mj-cs"/>
+              <a:sym typeface="Arial" charset="0"/>
+            </a:endParaRPr>
+          </a:p>
+        </p:txBody>
+      </p:sp>
+      <p:sp>
+        <p:nvSpPr>
+          <p:cNvPr id="26" name="Rectangle 1"/>
+          <p:cNvSpPr txBox="1">
+            <a:spLocks noChangeArrowheads="1"/>
+          </p:cNvSpPr>
+          <p:nvPr/>
+        </p:nvSpPr>
+        <p:spPr bwMode="auto">
+          <a:xfrm>
+            <a:off x="635000" y="1219200"/>
+            <a:ext cx="1676400" cy="685800"/>
+          </a:xfrm>
+          <a:prstGeom prst="rect">
+            <a:avLst/>
+          </a:prstGeom>
+          <a:noFill/>
+          <a:ln w="12700">
+            <a:noFill/>
+            <a:miter lim="800000"/>
+            <a:headEnd/>
+            <a:tailEnd/>
+          </a:ln>
+          <a:effectLst/>
+        </p:spPr>
+        <p:txBody>
+          <a:bodyPr vert="horz" wrap="square" lIns="50800" tIns="50800" rIns="50800" bIns="50800" numCol="1" anchor="ctr" anchorCtr="0" compatLnSpc="1">
+            <a:prstTxWarp prst="textNoShape">
+              <a:avLst/>
+            </a:prstTxWarp>
+          </a:bodyPr>
+          <a:lstStyle/>
+          <a:p>
+            <a:pPr lvl="0"/>
+            <a:r>
+              <a:rPr kumimoji="0" lang="en-US" sz="2800" b="1" i="0" u="none" strike="noStrike" kern="0" cap="none" spc="0" normalizeH="0" baseline="0" noProof="0" dirty="0" smtClean="0">
+                <a:ln>
+                  <a:noFill/>
+                </a:ln>
+                <a:solidFill>
+                  <a:srgbClr val="FF0000"/>
+                </a:solidFill>
+                <a:effectLst/>
+                <a:uLnTx/>
+                <a:uFillTx/>
+                <a:latin typeface="Candara" pitchFamily="34" charset="0"/>
+                <a:ea typeface="+mj-ea"/>
+                <a:cs typeface="+mj-cs"/>
+                <a:sym typeface="Arial" charset="0"/>
+              </a:rPr>
+              <a:t>repetition</a:t>
+            </a:r>
+            <a:endParaRPr kumimoji="0" lang="en-US" sz="2800" b="1" i="0" u="none" strike="noStrike" kern="0" cap="none" spc="0" normalizeH="0" baseline="0" noProof="0" dirty="0">
+              <a:ln>
+                <a:noFill/>
+              </a:ln>
+              <a:solidFill>
+                <a:srgbClr val="E75145"/>
+              </a:solidFill>
+              <a:effectLst/>
+              <a:uLnTx/>
+              <a:uFillTx/>
+              <a:latin typeface="Candara" pitchFamily="34" charset="0"/>
+              <a:ea typeface="+mj-ea"/>
+              <a:cs typeface="+mj-cs"/>
+              <a:sym typeface="Arial" charset="0"/>
+            </a:endParaRPr>
+          </a:p>
+        </p:txBody>
+      </p:sp>
+      <p:pic>
+        <p:nvPicPr>
+          <p:cNvPr id="58370" name="Picture 2" descr="application, code, html, xml icon"/>
+          <p:cNvPicPr>
+            <a:picLocks noChangeAspect="1" noChangeArrowheads="1"/>
+          </p:cNvPicPr>
+          <p:nvPr/>
+        </p:nvPicPr>
+        <p:blipFill>
+          <a:blip r:embed="rId4"/>
+          <a:srcRect/>
+          <a:stretch>
+            <a:fillRect/>
+          </a:stretch>
+        </p:blipFill>
+        <p:spPr bwMode="auto">
+          <a:xfrm>
+            <a:off x="4902200" y="3124200"/>
+            <a:ext cx="2590800" cy="2590802"/>
+          </a:xfrm>
+          <a:prstGeom prst="rect">
+            <a:avLst/>
+          </a:prstGeom>
+          <a:noFill/>
+        </p:spPr>
+      </p:pic>
+    </p:spTree>
+  </p:cSld>
+  <p:clrMapOvr>
+    <a:masterClrMapping/>
+  </p:clrMapOvr>
+  <p:transition>
+    <p:fade/>
+  </p:transition>
+  <p:timing>
+    <p:tnLst>
+      <p:par>
+        <p:cTn id="1" dur="indefinite" restart="never" nodeType="tmRoot"/>
+      </p:par>
+    </p:tnLst>
+  </p:timing>
+</p:sld>
+</file>
+
+<file path=ppt/slides/slide14.xml><?xml version="1.0" encoding="utf-8"?>
+<p:sld xmlns:a="http://schemas.openxmlformats.org/drawingml/2006/main" xmlns:r="http://schemas.openxmlformats.org/officeDocument/2006/relationships" xmlns:p="http://schemas.openxmlformats.org/presentationml/2006/main">
+  <p:cSld>
+    <p:spTree>
+      <p:nvGrpSpPr>
+        <p:cNvPr id="1" name=""/>
+        <p:cNvGrpSpPr/>
+        <p:nvPr/>
+      </p:nvGrpSpPr>
+      <p:grpSpPr>
+        <a:xfrm>
+          <a:off x="0" y="0"/>
+          <a:ext cx="0" cy="0"/>
+          <a:chOff x="0" y="0"/>
+          <a:chExt cx="0" cy="0"/>
+        </a:xfrm>
+      </p:grpSpPr>
+      <p:sp>
+        <p:nvSpPr>
+          <p:cNvPr id="8193" name="Rectangle 1"/>
+          <p:cNvSpPr>
+            <a:spLocks noGrp="1" noChangeArrowheads="1"/>
+          </p:cNvSpPr>
+          <p:nvPr>
+            <p:ph type="title"/>
+          </p:nvPr>
+        </p:nvSpPr>
+        <p:spPr>
+          <a:ln/>
+        </p:spPr>
+        <p:txBody>
+          <a:bodyPr/>
+          <a:lstStyle/>
+          <a:p>
+            <a:pPr lvl="0"/>
+            <a:r>
+              <a:rPr lang="en-US" sz="5400" dirty="0" smtClean="0">
+                <a:latin typeface="Lucida Handwriting" pitchFamily="66" charset="0"/>
+              </a:rPr>
+              <a:t>       tour</a:t>
+            </a:r>
+            <a:endParaRPr lang="en-US" dirty="0"/>
+          </a:p>
+        </p:txBody>
+      </p:sp>
+      <p:pic>
+        <p:nvPicPr>
+          <p:cNvPr id="39938" name="Picture 2" descr="Logo"/>
+          <p:cNvPicPr>
+            <a:picLocks noChangeAspect="1" noChangeArrowheads="1"/>
+          </p:cNvPicPr>
+          <p:nvPr/>
+        </p:nvPicPr>
+        <p:blipFill>
+          <a:blip r:embed="rId3"/>
+          <a:srcRect/>
+          <a:stretch>
+            <a:fillRect/>
+          </a:stretch>
+        </p:blipFill>
+        <p:spPr bwMode="auto">
+          <a:xfrm>
+            <a:off x="3833628" y="228600"/>
+            <a:ext cx="2287772" cy="642969"/>
+          </a:xfrm>
+          <a:prstGeom prst="rect">
+            <a:avLst/>
+          </a:prstGeom>
+          <a:noFill/>
+        </p:spPr>
+      </p:pic>
+      <p:sp>
+        <p:nvSpPr>
           <p:cNvPr id="6" name="Rectangle 5"/>
           <p:cNvSpPr/>
           <p:nvPr/>
         </p:nvSpPr>
         <p:spPr>
           <a:xfrm>
-            <a:off x="330200" y="1143000"/>
-            <a:ext cx="12344400" cy="2308324"/>
+            <a:off x="558800" y="1143000"/>
+            <a:ext cx="12115800" cy="6370975"/>
           </a:xfrm>
           <a:prstGeom prst="rect">
             <a:avLst/>
@@ -7447,10 +8577,84 @@
           <a:lstStyle/>
           <a:p>
             <a:r>
+              <a:rPr lang="en-US" sz="2400" b="1" dirty="0" smtClean="0">
+                <a:solidFill>
+                  <a:srgbClr val="7F0055"/>
+                </a:solidFill>
+                <a:latin typeface="Courier New"/>
+              </a:rPr>
+              <a:t>trait</a:t>
+            </a:r>
+            <a:r>
+              <a:rPr lang="en-US" sz="2400" b="1" dirty="0" smtClean="0">
+                <a:latin typeface="Courier New"/>
+              </a:rPr>
+              <a:t> </a:t>
+            </a:r>
+            <a:r>
+              <a:rPr lang="en-US" sz="2400" b="1" dirty="0" err="1" smtClean="0">
+                <a:latin typeface="Courier New"/>
+              </a:rPr>
+              <a:t>HelloWorldSnippet</a:t>
+            </a:r>
+            <a:r>
+              <a:rPr lang="en-US" sz="2400" b="1" dirty="0" smtClean="0">
+                <a:latin typeface="Courier New"/>
+              </a:rPr>
+              <a:t> {</a:t>
+            </a:r>
+          </a:p>
+          <a:p>
+            <a:r>
               <a:rPr lang="en-US" sz="2400" dirty="0" smtClean="0">
                 <a:latin typeface="Courier New"/>
               </a:rPr>
-              <a:t>Passed 1 tests</a:t>
+              <a:t>  </a:t>
+            </a:r>
+            <a:r>
+              <a:rPr lang="en-US" sz="2400" b="1" dirty="0" smtClean="0">
+                <a:solidFill>
+                  <a:srgbClr val="7F0055"/>
+                </a:solidFill>
+                <a:latin typeface="Courier New"/>
+              </a:rPr>
+              <a:t>def</a:t>
+            </a:r>
+            <a:r>
+              <a:rPr lang="en-US" sz="2400" b="1" dirty="0" smtClean="0">
+                <a:latin typeface="Courier New"/>
+              </a:rPr>
+              <a:t> hello(s: String): Elem = &lt;div </a:t>
+            </a:r>
+            <a:r>
+              <a:rPr lang="en-US" sz="2400" b="1" dirty="0" smtClean="0">
+                <a:solidFill>
+                  <a:srgbClr val="7F0055"/>
+                </a:solidFill>
+                <a:latin typeface="Courier New"/>
+              </a:rPr>
+              <a:t>class</a:t>
+            </a:r>
+            <a:r>
+              <a:rPr lang="en-US" sz="2400" b="1" dirty="0" smtClean="0">
+                <a:latin typeface="Courier New"/>
+              </a:rPr>
+              <a:t>=</a:t>
+            </a:r>
+            <a:r>
+              <a:rPr lang="en-US" sz="2400" b="1" dirty="0" smtClean="0">
+                <a:solidFill>
+                  <a:srgbClr val="2A00FF"/>
+                </a:solidFill>
+                <a:latin typeface="Courier New"/>
+              </a:rPr>
+              <a:t>"text"</a:t>
+            </a:r>
+            <a:r>
+              <a:rPr lang="en-US" sz="2400" b="1" dirty="0" smtClean="0">
+                <a:latin typeface="Courier New"/>
+              </a:rPr>
+              <a:t>&gt;Hello {s}&lt;/div&gt;</a:t>
             </a:r>
           </a:p>
           <a:p>
@@ -7458,56 +8662,977 @@
               <a:rPr lang="en-US" sz="2400" dirty="0" smtClean="0">
                 <a:latin typeface="Courier New"/>
               </a:rPr>
-              <a:t>! Falsified after 1 passed tests.</a:t>
-            </a:r>
-          </a:p>
-          <a:p>
-            <a:r>
-              <a:rPr lang="nn-NO" sz="2400" dirty="0" smtClean="0">
-                <a:latin typeface="Courier New"/>
-              </a:rPr>
-              <a:t>&gt; ARG_0: ac (orig arg: acbb)          </a:t>
-            </a:r>
+              <a:t>}</a:t>
+            </a:r>
+            <a:endParaRPr lang="en-US" sz="2400" b="1" dirty="0" smtClean="0">
+              <a:solidFill>
+                <a:srgbClr val="7F0055"/>
+              </a:solidFill>
+              <a:latin typeface="Courier New"/>
+            </a:endParaRPr>
+          </a:p>
+          <a:p>
+            <a:endParaRPr lang="en-US" sz="2400" b="1" dirty="0" smtClean="0">
+              <a:solidFill>
+                <a:srgbClr val="7F0055"/>
+              </a:solidFill>
+              <a:latin typeface="Courier New"/>
+            </a:endParaRPr>
+          </a:p>
+          <a:p>
+            <a:r>
+              <a:rPr lang="en-US" sz="2400" b="1" dirty="0" smtClean="0">
+                <a:solidFill>
+                  <a:srgbClr val="7F0055"/>
+                </a:solidFill>
+                <a:latin typeface="Courier New"/>
+              </a:rPr>
+              <a:t>class</a:t>
+            </a:r>
+            <a:r>
+              <a:rPr lang="en-US" sz="2400" b="1" dirty="0" smtClean="0">
+                <a:latin typeface="Courier New"/>
+              </a:rPr>
+              <a:t> </a:t>
+            </a:r>
+            <a:r>
+              <a:rPr lang="en-US" sz="2400" b="1" dirty="0" err="1" smtClean="0">
+                <a:latin typeface="Courier New"/>
+              </a:rPr>
+              <a:t>HelloWorldSnippetSpec</a:t>
+            </a:r>
+            <a:r>
+              <a:rPr lang="en-US" sz="2400" b="1" dirty="0" smtClean="0">
+                <a:latin typeface="Courier New"/>
+              </a:rPr>
+              <a:t> </a:t>
+            </a:r>
+            <a:r>
+              <a:rPr lang="en-US" sz="2400" b="1" dirty="0" smtClean="0">
+                <a:solidFill>
+                  <a:srgbClr val="7F0055"/>
+                </a:solidFill>
+                <a:latin typeface="Courier New"/>
+              </a:rPr>
+              <a:t>extends</a:t>
+            </a:r>
+            <a:r>
+              <a:rPr lang="en-US" sz="2400" b="1" dirty="0" smtClean="0">
+                <a:latin typeface="Courier New"/>
+              </a:rPr>
+              <a:t> </a:t>
+            </a:r>
+            <a:r>
+              <a:rPr lang="en-US" sz="2400" b="1" dirty="0" err="1" smtClean="0">
+                <a:latin typeface="Courier New"/>
+              </a:rPr>
+              <a:t>SpecificationWithJUnit</a:t>
+            </a:r>
+            <a:r>
+              <a:rPr lang="en-US" sz="2400" b="1" dirty="0" smtClean="0">
+                <a:latin typeface="Courier New"/>
+              </a:rPr>
+              <a:t> </a:t>
+            </a:r>
+            <a:r>
+              <a:rPr lang="en-US" sz="2400" b="1" dirty="0" smtClean="0">
+                <a:solidFill>
+                  <a:srgbClr val="7F0055"/>
+                </a:solidFill>
+                <a:latin typeface="Courier New"/>
+              </a:rPr>
+              <a:t>with</a:t>
+            </a:r>
+            <a:r>
+              <a:rPr lang="en-US" sz="2400" b="1" dirty="0" smtClean="0">
+                <a:latin typeface="Courier New"/>
+              </a:rPr>
+              <a:t>    </a:t>
+            </a:r>
+          </a:p>
+          <a:p>
+            <a:r>
+              <a:rPr lang="en-US" sz="2400" b="1" dirty="0" smtClean="0">
+                <a:latin typeface="Courier New"/>
+              </a:rPr>
+              <a:t>                                    </a:t>
+            </a:r>
+            <a:r>
+              <a:rPr lang="en-US" sz="2400" b="1" dirty="0" err="1" smtClean="0">
+                <a:latin typeface="Courier New"/>
+              </a:rPr>
+              <a:t>HelloWorldSnippet</a:t>
+            </a:r>
+            <a:r>
+              <a:rPr lang="en-US" sz="2400" b="1" dirty="0" smtClean="0">
+                <a:latin typeface="Courier New"/>
+              </a:rPr>
+              <a:t> {</a:t>
+            </a:r>
+          </a:p>
+          <a:p>
+            <a:endParaRPr lang="en-US" sz="2400" b="1" dirty="0" smtClean="0">
+              <a:latin typeface="Courier New"/>
+            </a:endParaRPr>
           </a:p>
           <a:p>
             <a:r>
               <a:rPr lang="en-US" sz="2400" dirty="0" smtClean="0">
                 <a:latin typeface="Courier New"/>
               </a:rPr>
-              <a:t>  x keep the same 'center' character - Woops!</a:t>
-            </a:r>
-          </a:p>
-          <a:p>
+              <a:t>  </a:t>
+            </a:r>
             <a:r>
               <a:rPr lang="en-US" sz="2400" dirty="0" smtClean="0">
-                <a:latin typeface="Courier New"/>
-              </a:rPr>
-              <a:t>    A counter-example is 'ac' (after 1 try </a:t>
+                <a:solidFill>
+                  <a:srgbClr val="2A00FF"/>
+                </a:solidFill>
+                <a:latin typeface="Courier New"/>
+              </a:rPr>
+              <a:t>"the snippet must output a div element"</a:t>
             </a:r>
             <a:r>
               <a:rPr lang="en-US" sz="2400" dirty="0" smtClean="0">
                 <a:latin typeface="Courier New"/>
               </a:rPr>
+              <a:t> &gt;&gt; {</a:t>
+            </a:r>
+          </a:p>
+          <a:p>
+            <a:r>
+              <a:rPr lang="en-US" sz="2400" dirty="0" smtClean="0">
+                <a:latin typeface="Courier New"/>
+              </a:rPr>
+              <a:t>    hello(</a:t>
+            </a:r>
+            <a:r>
+              <a:rPr lang="en-US" sz="2400" dirty="0" smtClean="0">
+                <a:solidFill>
+                  <a:srgbClr val="2A00FF"/>
+                </a:solidFill>
+                <a:latin typeface="Courier New"/>
+              </a:rPr>
+              <a:t>"Eric"</a:t>
+            </a:r>
+            <a:r>
+              <a:rPr lang="en-US" sz="2400" dirty="0" smtClean="0">
+                <a:latin typeface="Courier New"/>
+              </a:rPr>
+              <a:t>) must \\(&lt;div/&gt;)</a:t>
+            </a:r>
+          </a:p>
+          <a:p>
+            <a:r>
+              <a:rPr lang="en-US" sz="2400" dirty="0" smtClean="0">
+                <a:latin typeface="Courier New"/>
+              </a:rPr>
+              <a:t>  }</a:t>
+            </a:r>
+          </a:p>
+          <a:p>
+            <a:r>
+              <a:rPr lang="en-US" sz="2400" dirty="0" smtClean="0">
+                <a:latin typeface="Courier New"/>
+              </a:rPr>
+              <a:t>  </a:t>
+            </a:r>
+            <a:r>
+              <a:rPr lang="en-US" sz="2400" dirty="0" smtClean="0">
+                <a:solidFill>
+                  <a:srgbClr val="2A00FF"/>
+                </a:solidFill>
+                <a:latin typeface="Courier New"/>
+              </a:rPr>
+              <a:t>"it must have a 'class' attribute with a 'text' value"</a:t>
+            </a:r>
+            <a:r>
+              <a:rPr lang="en-US" sz="2400" dirty="0" smtClean="0">
+                <a:latin typeface="Courier New"/>
+              </a:rPr>
+              <a:t> &gt;&gt; {</a:t>
+            </a:r>
+          </a:p>
+          <a:p>
+            <a:r>
+              <a:rPr lang="en-US" sz="2400" dirty="0" smtClean="0">
+                <a:latin typeface="Courier New"/>
+              </a:rPr>
+              <a:t>    hello(</a:t>
+            </a:r>
+            <a:r>
+              <a:rPr lang="en-US" sz="2400" dirty="0" smtClean="0">
+                <a:solidFill>
+                  <a:srgbClr val="2A00FF"/>
+                </a:solidFill>
+                <a:latin typeface="Courier New"/>
+              </a:rPr>
+              <a:t>"Eric"</a:t>
+            </a:r>
+            <a:r>
+              <a:rPr lang="en-US" sz="2400" dirty="0" smtClean="0">
+                <a:latin typeface="Courier New"/>
+              </a:rPr>
+              <a:t>) must \\(&lt;div/&gt;, </a:t>
+            </a:r>
+            <a:r>
+              <a:rPr lang="en-US" sz="2400" dirty="0" smtClean="0">
+                <a:solidFill>
+                  <a:srgbClr val="2A00FF"/>
+                </a:solidFill>
+                <a:latin typeface="Courier New"/>
+              </a:rPr>
+              <a:t>"class"</a:t>
+            </a:r>
+            <a:r>
+              <a:rPr lang="en-US" sz="2400" dirty="0" smtClean="0">
+                <a:latin typeface="Courier New"/>
+              </a:rPr>
+              <a:t> -&gt; </a:t>
+            </a:r>
+            <a:r>
+              <a:rPr lang="en-US" sz="2400" dirty="0" smtClean="0">
+                <a:solidFill>
+                  <a:srgbClr val="2A00FF"/>
+                </a:solidFill>
+                <a:latin typeface="Courier New"/>
+              </a:rPr>
+              <a:t>"text"</a:t>
+            </a:r>
+            <a:r>
+              <a:rPr lang="en-US" sz="2400" dirty="0" smtClean="0">
+                <a:latin typeface="Courier New"/>
+              </a:rPr>
+              <a:t>)</a:t>
+            </a:r>
+          </a:p>
+          <a:p>
+            <a:r>
+              <a:rPr lang="en-US" sz="2400" dirty="0" smtClean="0">
+                <a:latin typeface="Courier New"/>
+              </a:rPr>
+              <a:t>  }</a:t>
+            </a:r>
+          </a:p>
+          <a:p>
+            <a:r>
+              <a:rPr lang="en-US" sz="2400" dirty="0" smtClean="0">
+                <a:latin typeface="Courier New"/>
+              </a:rPr>
+              <a:t>  </a:t>
+            </a:r>
+            <a:r>
+              <a:rPr lang="en-US" sz="2400" dirty="0" smtClean="0">
+                <a:solidFill>
+                  <a:srgbClr val="2A00FF"/>
+                </a:solidFill>
+                <a:latin typeface="Courier New"/>
+              </a:rPr>
+              <a:t>"the snippet must output the user name"</a:t>
+            </a:r>
+            <a:r>
+              <a:rPr lang="en-US" sz="2400" dirty="0" smtClean="0">
+                <a:latin typeface="Courier New"/>
+              </a:rPr>
+              <a:t> &gt;&gt; {</a:t>
+            </a:r>
+          </a:p>
+          <a:p>
+            <a:r>
+              <a:rPr lang="en-US" sz="2400" dirty="0" smtClean="0">
+                <a:latin typeface="Courier New"/>
+              </a:rPr>
+              <a:t>    hello(</a:t>
+            </a:r>
+            <a:r>
+              <a:rPr lang="en-US" sz="2400" dirty="0" smtClean="0">
+                <a:solidFill>
+                  <a:srgbClr val="2A00FF"/>
+                </a:solidFill>
+                <a:latin typeface="Courier New"/>
+              </a:rPr>
+              <a:t>"Eric"</a:t>
+            </a:r>
+            <a:r>
+              <a:rPr lang="en-US" sz="2400" dirty="0" smtClean="0">
+                <a:latin typeface="Courier New"/>
+              </a:rPr>
+              <a:t>).</a:t>
+            </a:r>
+            <a:r>
+              <a:rPr lang="en-US" sz="2400" dirty="0" err="1" smtClean="0">
+                <a:latin typeface="Courier New"/>
+              </a:rPr>
+              <a:t>flatMap</a:t>
+            </a:r>
+            <a:r>
+              <a:rPr lang="en-US" sz="2400" dirty="0" smtClean="0">
+                <a:latin typeface="Courier New"/>
+              </a:rPr>
+              <a:t>(_.child) must contain(</a:t>
+            </a:r>
+            <a:r>
+              <a:rPr lang="en-US" sz="2400" b="1" dirty="0" smtClean="0">
+                <a:solidFill>
+                  <a:srgbClr val="7F0055"/>
+                </a:solidFill>
+                <a:latin typeface="Courier New"/>
+              </a:rPr>
+              <a:t>new</a:t>
+            </a:r>
+            <a:r>
+              <a:rPr lang="en-US" sz="2400" b="1" dirty="0" smtClean="0">
+                <a:latin typeface="Courier New"/>
+              </a:rPr>
+              <a:t> Atom(</a:t>
+            </a:r>
+            <a:r>
+              <a:rPr lang="en-US" sz="2400" b="1" dirty="0" smtClean="0">
+                <a:solidFill>
+                  <a:srgbClr val="2A00FF"/>
+                </a:solidFill>
+                <a:latin typeface="Courier New"/>
+              </a:rPr>
+              <a:t>"Eric"</a:t>
+            </a:r>
+            <a:r>
+              <a:rPr lang="en-US" sz="2400" b="1" dirty="0" smtClean="0">
+                <a:latin typeface="Courier New"/>
+              </a:rPr>
+              <a:t>))</a:t>
+            </a:r>
+          </a:p>
+          <a:p>
+            <a:r>
+              <a:rPr lang="en-US" sz="2400" dirty="0" smtClean="0">
+                <a:latin typeface="Courier New"/>
+              </a:rPr>
+              <a:t>  }</a:t>
+            </a:r>
+          </a:p>
+          <a:p>
+            <a:r>
+              <a:rPr lang="en-US" sz="2400" dirty="0" smtClean="0">
+                <a:latin typeface="Courier New"/>
+              </a:rPr>
+              <a:t>}</a:t>
+            </a:r>
+            <a:endParaRPr lang="en-US" sz="2400" dirty="0"/>
+          </a:p>
+        </p:txBody>
+      </p:sp>
+    </p:spTree>
+  </p:cSld>
+  <p:clrMapOvr>
+    <a:masterClrMapping/>
+  </p:clrMapOvr>
+  <p:transition>
+    <p:fade/>
+  </p:transition>
+  <p:timing>
+    <p:tnLst>
+      <p:par>
+        <p:cTn id="1" dur="indefinite" restart="never" nodeType="tmRoot"/>
+      </p:par>
+    </p:tnLst>
+  </p:timing>
+</p:sld>
+</file>
+
+<file path=ppt/slides/slide15.xml><?xml version="1.0" encoding="utf-8"?>
+<p:sld xmlns:a="http://schemas.openxmlformats.org/drawingml/2006/main" xmlns:r="http://schemas.openxmlformats.org/officeDocument/2006/relationships" xmlns:p="http://schemas.openxmlformats.org/presentationml/2006/main">
+  <p:cSld>
+    <p:spTree>
+      <p:nvGrpSpPr>
+        <p:cNvPr id="1" name=""/>
+        <p:cNvGrpSpPr/>
+        <p:nvPr/>
+      </p:nvGrpSpPr>
+      <p:grpSpPr>
+        <a:xfrm>
+          <a:off x="0" y="0"/>
+          <a:ext cx="0" cy="0"/>
+          <a:chOff x="0" y="0"/>
+          <a:chExt cx="0" cy="0"/>
+        </a:xfrm>
+      </p:grpSpPr>
+      <p:sp>
+        <p:nvSpPr>
+          <p:cNvPr id="8193" name="Rectangle 1"/>
+          <p:cNvSpPr>
+            <a:spLocks noGrp="1" noChangeArrowheads="1"/>
+          </p:cNvSpPr>
+          <p:nvPr>
+            <p:ph type="title"/>
+          </p:nvPr>
+        </p:nvSpPr>
+        <p:spPr>
+          <a:ln/>
+        </p:spPr>
+        <p:txBody>
+          <a:bodyPr/>
+          <a:lstStyle/>
+          <a:p>
+            <a:pPr lvl="0"/>
+            <a:r>
+              <a:rPr lang="en-US" sz="5400" dirty="0" smtClean="0">
+                <a:latin typeface="Lucida Handwriting" pitchFamily="66" charset="0"/>
+              </a:rPr>
+              <a:t>       tour</a:t>
+            </a:r>
+            <a:endParaRPr lang="en-US" dirty="0"/>
+          </a:p>
+        </p:txBody>
+      </p:sp>
+      <p:pic>
+        <p:nvPicPr>
+          <p:cNvPr id="39938" name="Picture 2" descr="Logo"/>
+          <p:cNvPicPr>
+            <a:picLocks noChangeAspect="1" noChangeArrowheads="1"/>
+          </p:cNvPicPr>
+          <p:nvPr/>
+        </p:nvPicPr>
+        <p:blipFill>
+          <a:blip r:embed="rId3"/>
+          <a:srcRect/>
+          <a:stretch>
+            <a:fillRect/>
+          </a:stretch>
+        </p:blipFill>
+        <p:spPr bwMode="auto">
+          <a:xfrm>
+            <a:off x="3833628" y="228600"/>
+            <a:ext cx="2287772" cy="642969"/>
+          </a:xfrm>
+          <a:prstGeom prst="rect">
+            <a:avLst/>
+          </a:prstGeom>
+          <a:noFill/>
+        </p:spPr>
+      </p:pic>
+      <p:sp>
+        <p:nvSpPr>
+          <p:cNvPr id="6" name="Rectangle 5"/>
+          <p:cNvSpPr/>
+          <p:nvPr/>
+        </p:nvSpPr>
+        <p:spPr>
+          <a:xfrm>
+            <a:off x="330200" y="1143000"/>
+            <a:ext cx="12344400" cy="7109639"/>
+          </a:xfrm>
+          <a:prstGeom prst="rect">
+            <a:avLst/>
+          </a:prstGeom>
+          <a:ln>
+            <a:solidFill>
+              <a:schemeClr val="tx1"/>
+            </a:solidFill>
+            <a:prstDash val="dash"/>
+          </a:ln>
+        </p:spPr>
+        <p:txBody>
+          <a:bodyPr wrap="square">
+            <a:spAutoFit/>
+          </a:bodyPr>
+          <a:lstStyle/>
+          <a:p>
+            <a:r>
+              <a:rPr lang="en-US" sz="2400" b="1" dirty="0" smtClean="0">
+                <a:solidFill>
+                  <a:srgbClr val="7F0055"/>
+                </a:solidFill>
+                <a:latin typeface="Courier New"/>
+              </a:rPr>
+              <a:t>class</a:t>
+            </a:r>
+            <a:r>
+              <a:rPr lang="en-US" sz="2400" b="1" dirty="0" smtClean="0">
+                <a:latin typeface="Courier New"/>
+              </a:rPr>
+              <a:t> Reverser3Spec </a:t>
+            </a:r>
+            <a:r>
+              <a:rPr lang="en-US" sz="2400" b="1" dirty="0" smtClean="0">
+                <a:solidFill>
+                  <a:srgbClr val="7F0055"/>
+                </a:solidFill>
+                <a:latin typeface="Courier New"/>
+              </a:rPr>
+              <a:t>extends</a:t>
+            </a:r>
+            <a:r>
+              <a:rPr lang="en-US" sz="2400" b="1" dirty="0" smtClean="0">
+                <a:latin typeface="Courier New"/>
+              </a:rPr>
+              <a:t> </a:t>
+            </a:r>
+            <a:r>
+              <a:rPr lang="en-US" sz="2400" b="1" dirty="0" err="1" smtClean="0">
+                <a:latin typeface="Courier New"/>
+              </a:rPr>
+              <a:t>SpecificationWithJUnit</a:t>
+            </a:r>
+            <a:r>
+              <a:rPr lang="en-US" sz="2400" b="1" dirty="0" smtClean="0">
+                <a:latin typeface="Courier New"/>
+              </a:rPr>
+              <a:t> </a:t>
+            </a:r>
+          </a:p>
+          <a:p>
+            <a:r>
+              <a:rPr lang="en-US" sz="2400" b="1" dirty="0" smtClean="0">
+                <a:solidFill>
+                  <a:srgbClr val="7F0055"/>
+                </a:solidFill>
+                <a:latin typeface="Courier New"/>
+              </a:rPr>
+              <a:t>                            with</a:t>
+            </a:r>
+            <a:r>
+              <a:rPr lang="en-US" sz="2400" b="1" dirty="0" smtClean="0">
+                <a:latin typeface="Courier New"/>
+              </a:rPr>
+              <a:t> </a:t>
+            </a:r>
+            <a:r>
+              <a:rPr lang="en-US" sz="2400" b="1" dirty="0" err="1" smtClean="0">
+                <a:latin typeface="Courier New"/>
+              </a:rPr>
+              <a:t>ScalaCheck</a:t>
+            </a:r>
+            <a:r>
+              <a:rPr lang="en-US" sz="2400" b="1" dirty="0" smtClean="0">
+                <a:latin typeface="Courier New"/>
+              </a:rPr>
+              <a:t> {</a:t>
+            </a:r>
+          </a:p>
+          <a:p>
+            <a:endParaRPr lang="en-US" sz="2400" dirty="0" smtClean="0">
+              <a:solidFill>
+                <a:srgbClr val="2A00FF"/>
+              </a:solidFill>
+              <a:latin typeface="Courier New"/>
+            </a:endParaRPr>
+          </a:p>
+          <a:p>
+            <a:r>
+              <a:rPr lang="en-US" sz="2400" dirty="0" smtClean="0">
+                <a:solidFill>
+                  <a:srgbClr val="2A00FF"/>
+                </a:solidFill>
+                <a:latin typeface="Courier New"/>
+              </a:rPr>
+              <a:t>  "reverse must preserve the length of a string"</a:t>
+            </a:r>
+            <a:r>
+              <a:rPr lang="en-US" sz="2400" dirty="0" smtClean="0">
+                <a:latin typeface="Courier New"/>
+              </a:rPr>
+              <a:t> verifies { </a:t>
+            </a:r>
+          </a:p>
+          <a:p>
+            <a:r>
+              <a:rPr lang="en-US" sz="2400" dirty="0" smtClean="0">
+                <a:latin typeface="Courier New"/>
+              </a:rPr>
+              <a:t>    s: String =&gt; reverse(s).size == </a:t>
+            </a:r>
+            <a:r>
+              <a:rPr lang="en-US" sz="2400" dirty="0" err="1" smtClean="0">
+                <a:latin typeface="Courier New"/>
+              </a:rPr>
+              <a:t>s.size</a:t>
+            </a:r>
+            <a:r>
+              <a:rPr lang="en-US" sz="2400" dirty="0" smtClean="0">
+                <a:latin typeface="Courier New"/>
+              </a:rPr>
+              <a:t> </a:t>
+            </a:r>
+          </a:p>
+          <a:p>
+            <a:r>
+              <a:rPr lang="en-US" sz="2400" dirty="0" smtClean="0">
+                <a:latin typeface="Courier New"/>
+              </a:rPr>
+              <a:t>  }</a:t>
+            </a:r>
+          </a:p>
+          <a:p>
+            <a:r>
+              <a:rPr lang="en-US" sz="2400" dirty="0" smtClean="0">
+                <a:solidFill>
+                  <a:srgbClr val="2A00FF"/>
+                </a:solidFill>
+                <a:latin typeface="Courier New"/>
+              </a:rPr>
+              <a:t>  "reverse applied twice must return the same string"</a:t>
+            </a:r>
+            <a:r>
+              <a:rPr lang="en-US" sz="2400" dirty="0" smtClean="0">
+                <a:latin typeface="Courier New"/>
+              </a:rPr>
+              <a:t> verifies {   </a:t>
+            </a:r>
+          </a:p>
+          <a:p>
+            <a:r>
+              <a:rPr lang="en-US" sz="2400" dirty="0" smtClean="0">
+                <a:latin typeface="Courier New"/>
+              </a:rPr>
+              <a:t>    s: String =&gt; reverse(reverse(s)) == s </a:t>
+            </a:r>
+          </a:p>
+          <a:p>
+            <a:r>
+              <a:rPr lang="en-US" sz="2400" dirty="0" smtClean="0">
+                <a:latin typeface="Courier New"/>
+              </a:rPr>
+              <a:t>  }</a:t>
+            </a:r>
+          </a:p>
+          <a:p>
+            <a:r>
+              <a:rPr lang="en-US" sz="2400" dirty="0" smtClean="0">
+                <a:solidFill>
+                  <a:srgbClr val="2A00FF"/>
+                </a:solidFill>
+                <a:latin typeface="Courier New"/>
+              </a:rPr>
+              <a:t>  "reverse 2 concatenated strings must return the reversed second </a:t>
+            </a:r>
+          </a:p>
+          <a:p>
+            <a:r>
+              <a:rPr lang="en-US" sz="2400" dirty="0" smtClean="0">
+                <a:solidFill>
+                  <a:srgbClr val="2A00FF"/>
+                </a:solidFill>
+                <a:latin typeface="Courier New"/>
+              </a:rPr>
+              <a:t>   string concatenated with the reversed first one"</a:t>
+            </a:r>
+            <a:r>
+              <a:rPr lang="en-US" sz="2400" dirty="0" smtClean="0">
+                <a:latin typeface="Courier New"/>
+              </a:rPr>
+              <a:t> verifies {</a:t>
+            </a:r>
+          </a:p>
+          <a:p>
+            <a:r>
+              <a:rPr lang="en-US" sz="2400" dirty="0" smtClean="0">
+                <a:latin typeface="Courier New"/>
+              </a:rPr>
+              <a:t>    (s1: String, s2: String) =&gt; reverse(s1 + s2) == </a:t>
+            </a:r>
+          </a:p>
+          <a:p>
+            <a:r>
+              <a:rPr lang="en-US" sz="2400" dirty="0" smtClean="0">
+                <a:latin typeface="Courier New"/>
+              </a:rPr>
+              <a:t>                                reverse(s2) + reverse(s1) </a:t>
+            </a:r>
+          </a:p>
+          <a:p>
+            <a:r>
+              <a:rPr lang="en-US" sz="2400" dirty="0" smtClean="0">
+                <a:latin typeface="Courier New"/>
+              </a:rPr>
+              <a:t>  }</a:t>
+            </a:r>
+          </a:p>
+          <a:p>
+            <a:r>
+              <a:rPr lang="en-US" sz="2400" dirty="0" smtClean="0">
+                <a:latin typeface="Courier New"/>
+              </a:rPr>
+              <a:t>  </a:t>
+            </a:r>
+            <a:r>
+              <a:rPr lang="en-US" sz="2400" b="1" dirty="0" smtClean="0">
+                <a:solidFill>
+                  <a:srgbClr val="7F0055"/>
+                </a:solidFill>
+                <a:latin typeface="Courier New"/>
+              </a:rPr>
+              <a:t>def</a:t>
+            </a:r>
+            <a:r>
+              <a:rPr lang="en-US" sz="2400" b="1" dirty="0" smtClean="0">
+                <a:latin typeface="Courier New"/>
+              </a:rPr>
+              <a:t> </a:t>
+            </a:r>
+            <a:r>
+              <a:rPr lang="en-US" sz="2400" dirty="0" smtClean="0">
+                <a:latin typeface="Courier New"/>
+              </a:rPr>
+              <a:t>center(s: String) = s(</a:t>
+            </a:r>
+            <a:r>
+              <a:rPr lang="en-US" sz="2400" dirty="0" err="1" smtClean="0">
+                <a:latin typeface="Courier New"/>
+              </a:rPr>
+              <a:t>s.size</a:t>
+            </a:r>
+            <a:r>
+              <a:rPr lang="en-US" sz="2400" dirty="0" smtClean="0">
+                <a:latin typeface="Courier New"/>
+              </a:rPr>
+              <a:t> / 2)</a:t>
+            </a:r>
+          </a:p>
+          <a:p>
+            <a:r>
+              <a:rPr lang="en-US" sz="2400" dirty="0" smtClean="0">
+                <a:solidFill>
+                  <a:srgbClr val="2A00FF"/>
+                </a:solidFill>
+                <a:latin typeface="Courier New"/>
+              </a:rPr>
+              <a:t>  "keep the same 'center' character - Woops!"</a:t>
+            </a:r>
+            <a:r>
+              <a:rPr lang="en-US" sz="2400" dirty="0" smtClean="0">
+                <a:latin typeface="Courier New"/>
+              </a:rPr>
+              <a:t> verifies { </a:t>
+            </a:r>
+          </a:p>
+          <a:p>
+            <a:r>
+              <a:rPr lang="en-US" sz="2400" dirty="0" smtClean="0">
+                <a:latin typeface="Courier New"/>
+              </a:rPr>
+              <a:t>    s: String =&gt; </a:t>
+            </a:r>
+            <a:r>
+              <a:rPr lang="en-US" sz="2400" dirty="0" err="1" smtClean="0">
+                <a:latin typeface="Courier New"/>
+              </a:rPr>
+              <a:t>s.isEmpty</a:t>
+            </a:r>
+            <a:r>
+              <a:rPr lang="en-US" sz="2400" dirty="0" smtClean="0">
+                <a:latin typeface="Courier New"/>
+              </a:rPr>
+              <a:t> || center(reverse(s)) == center(s) </a:t>
+            </a:r>
+          </a:p>
+          <a:p>
+            <a:r>
+              <a:rPr lang="en-US" sz="2400" dirty="0" smtClean="0">
+                <a:latin typeface="Courier New"/>
+              </a:rPr>
+              <a:t>  </a:t>
+            </a:r>
+            <a:r>
+              <a:rPr lang="en-US" sz="2400" dirty="0" smtClean="0">
+                <a:latin typeface="Courier New"/>
+              </a:rPr>
+              <a:t>}</a:t>
+            </a:r>
+          </a:p>
+          <a:p>
+            <a:r>
+              <a:rPr lang="en-US" sz="2400" dirty="0" smtClean="0">
+                <a:latin typeface="Courier New"/>
+              </a:rPr>
+              <a:t>}</a:t>
+            </a:r>
+            <a:endParaRPr lang="en-US" sz="2400" dirty="0"/>
+          </a:p>
+        </p:txBody>
+      </p:sp>
+    </p:spTree>
+  </p:cSld>
+  <p:clrMapOvr>
+    <a:masterClrMapping/>
+  </p:clrMapOvr>
+  <p:transition>
+    <p:fade/>
+  </p:transition>
+  <p:timing>
+    <p:tnLst>
+      <p:par>
+        <p:cTn id="1" dur="indefinite" restart="never" nodeType="tmRoot"/>
+      </p:par>
+    </p:tnLst>
+  </p:timing>
+</p:sld>
+</file>
+
+<file path=ppt/slides/slide16.xml><?xml version="1.0" encoding="utf-8"?>
+<p:sld xmlns:a="http://schemas.openxmlformats.org/drawingml/2006/main" xmlns:r="http://schemas.openxmlformats.org/officeDocument/2006/relationships" xmlns:p="http://schemas.openxmlformats.org/presentationml/2006/main">
+  <p:cSld>
+    <p:spTree>
+      <p:nvGrpSpPr>
+        <p:cNvPr id="1" name=""/>
+        <p:cNvGrpSpPr/>
+        <p:nvPr/>
+      </p:nvGrpSpPr>
+      <p:grpSpPr>
+        <a:xfrm>
+          <a:off x="0" y="0"/>
+          <a:ext cx="0" cy="0"/>
+          <a:chOff x="0" y="0"/>
+          <a:chExt cx="0" cy="0"/>
+        </a:xfrm>
+      </p:grpSpPr>
+      <p:sp>
+        <p:nvSpPr>
+          <p:cNvPr id="8193" name="Rectangle 1"/>
+          <p:cNvSpPr>
+            <a:spLocks noGrp="1" noChangeArrowheads="1"/>
+          </p:cNvSpPr>
+          <p:nvPr>
+            <p:ph type="title"/>
+          </p:nvPr>
+        </p:nvSpPr>
+        <p:spPr>
+          <a:ln/>
+        </p:spPr>
+        <p:txBody>
+          <a:bodyPr/>
+          <a:lstStyle/>
+          <a:p>
+            <a:pPr lvl="0"/>
+            <a:r>
+              <a:rPr lang="en-US" sz="5400" dirty="0" smtClean="0">
+                <a:latin typeface="Lucida Handwriting" pitchFamily="66" charset="0"/>
+              </a:rPr>
+              <a:t>       tour</a:t>
+            </a:r>
+            <a:endParaRPr lang="en-US" dirty="0"/>
+          </a:p>
+        </p:txBody>
+      </p:sp>
+      <p:pic>
+        <p:nvPicPr>
+          <p:cNvPr id="39938" name="Picture 2" descr="Logo"/>
+          <p:cNvPicPr>
+            <a:picLocks noChangeAspect="1" noChangeArrowheads="1"/>
+          </p:cNvPicPr>
+          <p:nvPr/>
+        </p:nvPicPr>
+        <p:blipFill>
+          <a:blip r:embed="rId3"/>
+          <a:srcRect/>
+          <a:stretch>
+            <a:fillRect/>
+          </a:stretch>
+        </p:blipFill>
+        <p:spPr bwMode="auto">
+          <a:xfrm>
+            <a:off x="3833628" y="228600"/>
+            <a:ext cx="2287772" cy="642969"/>
+          </a:xfrm>
+          <a:prstGeom prst="rect">
+            <a:avLst/>
+          </a:prstGeom>
+          <a:noFill/>
+        </p:spPr>
+      </p:pic>
+      <p:sp>
+        <p:nvSpPr>
+          <p:cNvPr id="6" name="Rectangle 5"/>
+          <p:cNvSpPr/>
+          <p:nvPr/>
+        </p:nvSpPr>
+        <p:spPr>
+          <a:xfrm>
+            <a:off x="330200" y="1143000"/>
+            <a:ext cx="12344400" cy="1200329"/>
+          </a:xfrm>
+          <a:prstGeom prst="rect">
+            <a:avLst/>
+          </a:prstGeom>
+          <a:ln>
+            <a:solidFill>
+              <a:schemeClr val="tx1"/>
+            </a:solidFill>
+            <a:prstDash val="dash"/>
+          </a:ln>
+        </p:spPr>
+        <p:txBody>
+          <a:bodyPr wrap="square">
+            <a:spAutoFit/>
+          </a:bodyPr>
+          <a:lstStyle/>
+          <a:p>
+            <a:r>
+              <a:rPr lang="en-US" sz="2400" dirty="0" smtClean="0">
+                <a:latin typeface="Courier New"/>
+              </a:rPr>
+              <a:t>x </a:t>
+            </a:r>
+            <a:r>
+              <a:rPr lang="en-US" sz="2400" dirty="0" smtClean="0">
+                <a:latin typeface="Courier New"/>
+              </a:rPr>
+              <a:t>keep the same 'center' character - Woops!</a:t>
+            </a:r>
+          </a:p>
+          <a:p>
+            <a:r>
+              <a:rPr lang="en-US" sz="2400" dirty="0" smtClean="0">
+                <a:latin typeface="Courier New"/>
+              </a:rPr>
+              <a:t>  A </a:t>
+            </a:r>
+            <a:r>
+              <a:rPr lang="en-US" sz="2400" dirty="0" smtClean="0">
+                <a:latin typeface="Courier New"/>
+              </a:rPr>
+              <a:t>counter-example is '</a:t>
+            </a:r>
+            <a:r>
+              <a:rPr lang="en-US" sz="2400" dirty="0" err="1" smtClean="0">
+                <a:latin typeface="Courier New"/>
+              </a:rPr>
+              <a:t>bc</a:t>
+            </a:r>
+            <a:r>
+              <a:rPr lang="en-US" sz="2400" dirty="0" smtClean="0">
+                <a:latin typeface="Courier New"/>
+              </a:rPr>
+              <a:t>' (after 1 try </a:t>
+            </a:r>
+            <a:r>
+              <a:rPr lang="en-US" sz="2400" dirty="0" smtClean="0">
+                <a:latin typeface="Courier New"/>
+              </a:rPr>
               <a:t>– </a:t>
             </a:r>
           </a:p>
           <a:p>
             <a:r>
-              <a:rPr lang="en-US" sz="2400" smtClean="0">
+              <a:rPr lang="en-US" sz="2400" dirty="0" smtClean="0">
                 <a:latin typeface="Courier New"/>
               </a:rPr>
               <a:t> </a:t>
             </a:r>
             <a:r>
-              <a:rPr lang="en-US" sz="2400" smtClean="0">
-                <a:latin typeface="Courier New"/>
-              </a:rPr>
-              <a:t>                              shrinked</a:t>
-            </a:r>
-            <a:r>
               <a:rPr lang="en-US" sz="2400" dirty="0" smtClean="0">
                 <a:latin typeface="Courier New"/>
               </a:rPr>
+              <a:t>                            </a:t>
+            </a:r>
+            <a:r>
+              <a:rPr lang="en-US" sz="2400" dirty="0" err="1" smtClean="0">
+                <a:latin typeface="Courier New"/>
+              </a:rPr>
+              <a:t>shrinked</a:t>
+            </a:r>
+            <a:r>
+              <a:rPr lang="en-US" sz="2400" dirty="0" smtClean="0">
+                <a:latin typeface="Courier New"/>
+              </a:rPr>
               <a:t> </a:t>
             </a:r>
             <a:r>
@@ -7520,13 +9645,25 @@
               <a:rPr lang="en-US" sz="2400" dirty="0" err="1" smtClean="0">
                 <a:latin typeface="Courier New"/>
               </a:rPr>
-              <a:t>acbb</a:t>
+              <a:t>bcab</a:t>
             </a:r>
             <a:r>
               <a:rPr lang="en-US" sz="2400" dirty="0" smtClean="0">
                 <a:latin typeface="Courier New"/>
               </a:rPr>
-              <a:t>' -&gt; 'ac'))</a:t>
+              <a:t>' -&gt; '</a:t>
+            </a:r>
+            <a:r>
+              <a:rPr lang="en-US" sz="2400" dirty="0" err="1" smtClean="0">
+                <a:latin typeface="Courier New"/>
+              </a:rPr>
+              <a:t>bc</a:t>
+            </a:r>
+            <a:r>
+              <a:rPr lang="en-US" sz="2400" dirty="0" smtClean="0">
+                <a:latin typeface="Courier New"/>
+              </a:rPr>
+              <a:t>'))</a:t>
             </a:r>
             <a:endParaRPr lang="en-US" sz="2400" u="sng" dirty="0" smtClean="0">
               <a:latin typeface="Courier New"/>
@@ -9148,519 +11285,1097 @@
           <a:noFill/>
         </p:spPr>
       </p:pic>
-      <p:sp>
-        <p:nvSpPr>
-          <p:cNvPr id="6" name="Rectangle 5"/>
-          <p:cNvSpPr/>
+      <p:pic>
+        <p:nvPicPr>
+          <p:cNvPr id="2052" name="Picture 4" descr="exploration, sailing, map, navigation, world, atlas icon"/>
+          <p:cNvPicPr>
+            <a:picLocks noChangeAspect="1" noChangeArrowheads="1"/>
+          </p:cNvPicPr>
           <p:nvPr/>
-        </p:nvSpPr>
-        <p:spPr>
+        </p:nvPicPr>
+        <p:blipFill>
+          <a:blip r:embed="rId4"/>
+          <a:srcRect/>
+          <a:stretch>
+            <a:fillRect/>
+          </a:stretch>
+        </p:blipFill>
+        <p:spPr bwMode="auto">
           <a:xfrm>
-            <a:off x="711200" y="1295400"/>
-            <a:ext cx="11734800" cy="6370975"/>
+            <a:off x="4749800" y="3429000"/>
+            <a:ext cx="2514600" cy="2514602"/>
           </a:xfrm>
           <a:prstGeom prst="rect">
             <a:avLst/>
           </a:prstGeom>
-          <a:ln>
+          <a:noFill/>
+        </p:spPr>
+      </p:pic>
+      <p:sp>
+        <p:nvSpPr>
+          <p:cNvPr id="8" name="Rectangle 1"/>
+          <p:cNvSpPr txBox="1">
+            <a:spLocks noChangeArrowheads="1"/>
+          </p:cNvSpPr>
+          <p:nvPr/>
+        </p:nvSpPr>
+        <p:spPr bwMode="auto">
+          <a:xfrm>
+            <a:off x="6654800" y="2057400"/>
+            <a:ext cx="5410200" cy="914400"/>
+          </a:xfrm>
+          <a:prstGeom prst="rect">
+            <a:avLst/>
+          </a:prstGeom>
+          <a:noFill/>
+          <a:ln w="12700">
+            <a:noFill/>
+            <a:miter lim="800000"/>
+            <a:headEnd/>
+            <a:tailEnd/>
+          </a:ln>
+          <a:effectLst/>
+        </p:spPr>
+        <p:txBody>
+          <a:bodyPr vert="horz" wrap="square" lIns="50800" tIns="50800" rIns="50800" bIns="50800" numCol="1" anchor="ctr" anchorCtr="0" compatLnSpc="1">
+            <a:prstTxWarp prst="textNoShape">
+              <a:avLst/>
+            </a:prstTxWarp>
+          </a:bodyPr>
+          <a:lstStyle/>
+          <a:p>
+            <a:pPr marL="0" marR="0" lvl="0" indent="0" defTabSz="914400" rtl="0" eaLnBrk="1" fontAlgn="base" latinLnBrk="0" hangingPunct="1">
+              <a:lnSpc>
+                <a:spcPct val="100000"/>
+              </a:lnSpc>
+              <a:spcBef>
+                <a:spcPct val="0"/>
+              </a:spcBef>
+              <a:spcAft>
+                <a:spcPct val="0"/>
+              </a:spcAft>
+              <a:buClrTx/>
+              <a:buSzTx/>
+              <a:buFontTx/>
+              <a:buNone/>
+              <a:tabLst/>
+              <a:defRPr/>
+            </a:pPr>
+            <a:r>
+              <a:rPr lang="en-US" sz="5400" b="1" kern="0" dirty="0" smtClean="0">
+                <a:solidFill>
+                  <a:srgbClr val="00CC66"/>
+                </a:solidFill>
+                <a:latin typeface="Lucida Handwriting" pitchFamily="66" charset="0"/>
+                <a:ea typeface="+mj-ea"/>
+                <a:cs typeface="+mj-cs"/>
+                <a:sym typeface="Arial" charset="0"/>
+              </a:rPr>
+              <a:t>Specification</a:t>
+            </a:r>
+            <a:endParaRPr kumimoji="0" lang="en-US" sz="5000" b="1" i="0" u="none" strike="noStrike" kern="0" cap="none" spc="0" normalizeH="0" baseline="0" noProof="0" dirty="0">
+              <a:ln>
+                <a:noFill/>
+              </a:ln>
+              <a:solidFill>
+                <a:srgbClr val="00CC66"/>
+              </a:solidFill>
+              <a:effectLst/>
+              <a:uLnTx/>
+              <a:uFillTx/>
+              <a:latin typeface="+mj-lt"/>
+              <a:ea typeface="+mj-ea"/>
+              <a:cs typeface="+mj-cs"/>
+              <a:sym typeface="Arial" charset="0"/>
+            </a:endParaRPr>
+          </a:p>
+        </p:txBody>
+      </p:sp>
+      <p:sp>
+        <p:nvSpPr>
+          <p:cNvPr id="9" name="Rectangle 1"/>
+          <p:cNvSpPr txBox="1">
+            <a:spLocks noChangeArrowheads="1"/>
+          </p:cNvSpPr>
+          <p:nvPr/>
+        </p:nvSpPr>
+        <p:spPr bwMode="auto">
+          <a:xfrm rot="507303">
+            <a:off x="9332829" y="7094225"/>
+            <a:ext cx="1981200" cy="685800"/>
+          </a:xfrm>
+          <a:prstGeom prst="rect">
+            <a:avLst/>
+          </a:prstGeom>
+          <a:noFill/>
+          <a:ln w="12700">
+            <a:noFill/>
+            <a:miter lim="800000"/>
+            <a:headEnd/>
+            <a:tailEnd/>
+          </a:ln>
+          <a:effectLst/>
+        </p:spPr>
+        <p:txBody>
+          <a:bodyPr vert="horz" wrap="square" lIns="50800" tIns="50800" rIns="50800" bIns="50800" numCol="1" anchor="ctr" anchorCtr="0" compatLnSpc="1">
+            <a:prstTxWarp prst="textNoShape">
+              <a:avLst/>
+            </a:prstTxWarp>
+          </a:bodyPr>
+          <a:lstStyle/>
+          <a:p>
+            <a:pPr marL="0" marR="0" lvl="0" indent="0" defTabSz="914400" rtl="0" eaLnBrk="1" fontAlgn="base" latinLnBrk="0" hangingPunct="1">
+              <a:lnSpc>
+                <a:spcPct val="100000"/>
+              </a:lnSpc>
+              <a:spcBef>
+                <a:spcPct val="0"/>
+              </a:spcBef>
+              <a:spcAft>
+                <a:spcPct val="0"/>
+              </a:spcAft>
+              <a:buClrTx/>
+              <a:buSzTx/>
+              <a:buFontTx/>
+              <a:buNone/>
+              <a:tabLst/>
+              <a:defRPr/>
+            </a:pPr>
+            <a:r>
+              <a:rPr kumimoji="0" lang="en-US" sz="2800" b="1" i="0" u="none" strike="noStrike" kern="0" cap="none" spc="0" normalizeH="0" baseline="0" noProof="0" dirty="0" smtClean="0">
+                <a:ln>
+                  <a:noFill/>
+                </a:ln>
+                <a:solidFill>
+                  <a:srgbClr val="E75145"/>
+                </a:solidFill>
+                <a:effectLst/>
+                <a:uLnTx/>
+                <a:uFillTx/>
+                <a:latin typeface="Lucida Handwriting" pitchFamily="66" charset="0"/>
+                <a:ea typeface="+mj-ea"/>
+                <a:cs typeface="+mj-cs"/>
+                <a:sym typeface="Arial" charset="0"/>
+              </a:rPr>
+              <a:t>example</a:t>
+            </a:r>
+            <a:endParaRPr kumimoji="0" lang="en-US" sz="2800" b="1" i="0" u="none" strike="noStrike" kern="0" cap="none" spc="0" normalizeH="0" baseline="0" noProof="0" dirty="0">
+              <a:ln>
+                <a:noFill/>
+              </a:ln>
+              <a:solidFill>
+                <a:srgbClr val="E75145"/>
+              </a:solidFill>
+              <a:effectLst/>
+              <a:uLnTx/>
+              <a:uFillTx/>
+              <a:latin typeface="+mj-lt"/>
+              <a:ea typeface="+mj-ea"/>
+              <a:cs typeface="+mj-cs"/>
+              <a:sym typeface="Arial" charset="0"/>
+            </a:endParaRPr>
+          </a:p>
+        </p:txBody>
+      </p:sp>
+      <p:sp>
+        <p:nvSpPr>
+          <p:cNvPr id="10" name="Rectangle 1"/>
+          <p:cNvSpPr txBox="1">
+            <a:spLocks noChangeArrowheads="1"/>
+          </p:cNvSpPr>
+          <p:nvPr/>
+        </p:nvSpPr>
+        <p:spPr bwMode="auto">
+          <a:xfrm rot="20939468">
+            <a:off x="8302251" y="6037670"/>
+            <a:ext cx="1981200" cy="685800"/>
+          </a:xfrm>
+          <a:prstGeom prst="rect">
+            <a:avLst/>
+          </a:prstGeom>
+          <a:noFill/>
+          <a:ln w="12700">
+            <a:noFill/>
+            <a:miter lim="800000"/>
+            <a:headEnd/>
+            <a:tailEnd/>
+          </a:ln>
+          <a:effectLst/>
+        </p:spPr>
+        <p:txBody>
+          <a:bodyPr vert="horz" wrap="square" lIns="50800" tIns="50800" rIns="50800" bIns="50800" numCol="1" anchor="ctr" anchorCtr="0" compatLnSpc="1">
+            <a:prstTxWarp prst="textNoShape">
+              <a:avLst/>
+            </a:prstTxWarp>
+          </a:bodyPr>
+          <a:lstStyle/>
+          <a:p>
+            <a:pPr marL="0" marR="0" lvl="0" indent="0" defTabSz="914400" rtl="0" eaLnBrk="1" fontAlgn="base" latinLnBrk="0" hangingPunct="1">
+              <a:lnSpc>
+                <a:spcPct val="100000"/>
+              </a:lnSpc>
+              <a:spcBef>
+                <a:spcPct val="0"/>
+              </a:spcBef>
+              <a:spcAft>
+                <a:spcPct val="0"/>
+              </a:spcAft>
+              <a:buClrTx/>
+              <a:buSzTx/>
+              <a:buFontTx/>
+              <a:buNone/>
+              <a:tabLst/>
+              <a:defRPr/>
+            </a:pPr>
+            <a:r>
+              <a:rPr kumimoji="0" lang="en-US" sz="2800" b="1" i="0" u="none" strike="noStrike" kern="0" cap="none" spc="0" normalizeH="0" baseline="0" noProof="0" dirty="0" smtClean="0">
+                <a:ln>
+                  <a:noFill/>
+                </a:ln>
+                <a:solidFill>
+                  <a:srgbClr val="E75145"/>
+                </a:solidFill>
+                <a:effectLst/>
+                <a:uLnTx/>
+                <a:uFillTx/>
+                <a:latin typeface="Lucida Handwriting" pitchFamily="66" charset="0"/>
+                <a:ea typeface="+mj-ea"/>
+                <a:cs typeface="+mj-cs"/>
+                <a:sym typeface="Arial" charset="0"/>
+              </a:rPr>
+              <a:t>example</a:t>
+            </a:r>
+            <a:endParaRPr kumimoji="0" lang="en-US" sz="2800" b="1" i="0" u="none" strike="noStrike" kern="0" cap="none" spc="0" normalizeH="0" baseline="0" noProof="0" dirty="0">
+              <a:ln>
+                <a:noFill/>
+              </a:ln>
+              <a:solidFill>
+                <a:srgbClr val="E75145"/>
+              </a:solidFill>
+              <a:effectLst/>
+              <a:uLnTx/>
+              <a:uFillTx/>
+              <a:latin typeface="+mj-lt"/>
+              <a:ea typeface="+mj-ea"/>
+              <a:cs typeface="+mj-cs"/>
+              <a:sym typeface="Arial" charset="0"/>
+            </a:endParaRPr>
+          </a:p>
+        </p:txBody>
+      </p:sp>
+      <p:sp>
+        <p:nvSpPr>
+          <p:cNvPr id="11" name="Rectangle 1"/>
+          <p:cNvSpPr txBox="1">
+            <a:spLocks noChangeArrowheads="1"/>
+          </p:cNvSpPr>
+          <p:nvPr/>
+        </p:nvSpPr>
+        <p:spPr bwMode="auto">
+          <a:xfrm rot="530378">
+            <a:off x="9134128" y="6453373"/>
+            <a:ext cx="1981200" cy="685800"/>
+          </a:xfrm>
+          <a:prstGeom prst="rect">
+            <a:avLst/>
+          </a:prstGeom>
+          <a:noFill/>
+          <a:ln w="12700">
+            <a:noFill/>
+            <a:miter lim="800000"/>
+            <a:headEnd/>
+            <a:tailEnd/>
+          </a:ln>
+          <a:effectLst/>
+        </p:spPr>
+        <p:txBody>
+          <a:bodyPr vert="horz" wrap="square" lIns="50800" tIns="50800" rIns="50800" bIns="50800" numCol="1" anchor="ctr" anchorCtr="0" compatLnSpc="1">
+            <a:prstTxWarp prst="textNoShape">
+              <a:avLst/>
+            </a:prstTxWarp>
+          </a:bodyPr>
+          <a:lstStyle/>
+          <a:p>
+            <a:pPr marL="0" marR="0" lvl="0" indent="0" defTabSz="914400" rtl="0" eaLnBrk="1" fontAlgn="base" latinLnBrk="0" hangingPunct="1">
+              <a:lnSpc>
+                <a:spcPct val="100000"/>
+              </a:lnSpc>
+              <a:spcBef>
+                <a:spcPct val="0"/>
+              </a:spcBef>
+              <a:spcAft>
+                <a:spcPct val="0"/>
+              </a:spcAft>
+              <a:buClrTx/>
+              <a:buSzTx/>
+              <a:buFontTx/>
+              <a:buNone/>
+              <a:tabLst/>
+              <a:defRPr/>
+            </a:pPr>
+            <a:r>
+              <a:rPr kumimoji="0" lang="en-US" sz="2800" b="1" i="0" u="none" strike="noStrike" kern="0" cap="none" spc="0" normalizeH="0" baseline="0" noProof="0" dirty="0" smtClean="0">
+                <a:ln>
+                  <a:noFill/>
+                </a:ln>
+                <a:solidFill>
+                  <a:srgbClr val="E75145"/>
+                </a:solidFill>
+                <a:effectLst/>
+                <a:uLnTx/>
+                <a:uFillTx/>
+                <a:latin typeface="Lucida Handwriting" pitchFamily="66" charset="0"/>
+                <a:ea typeface="+mj-ea"/>
+                <a:cs typeface="+mj-cs"/>
+                <a:sym typeface="Arial" charset="0"/>
+              </a:rPr>
+              <a:t>example</a:t>
+            </a:r>
+            <a:endParaRPr kumimoji="0" lang="en-US" sz="2800" b="1" i="0" u="none" strike="noStrike" kern="0" cap="none" spc="0" normalizeH="0" baseline="0" noProof="0" dirty="0">
+              <a:ln>
+                <a:noFill/>
+              </a:ln>
+              <a:solidFill>
+                <a:srgbClr val="E75145"/>
+              </a:solidFill>
+              <a:effectLst/>
+              <a:uLnTx/>
+              <a:uFillTx/>
+              <a:latin typeface="+mj-lt"/>
+              <a:ea typeface="+mj-ea"/>
+              <a:cs typeface="+mj-cs"/>
+              <a:sym typeface="Arial" charset="0"/>
+            </a:endParaRPr>
+          </a:p>
+        </p:txBody>
+      </p:sp>
+      <p:sp>
+        <p:nvSpPr>
+          <p:cNvPr id="12" name="Rectangle 1"/>
+          <p:cNvSpPr txBox="1">
+            <a:spLocks noChangeArrowheads="1"/>
+          </p:cNvSpPr>
+          <p:nvPr/>
+        </p:nvSpPr>
+        <p:spPr bwMode="auto">
+          <a:xfrm rot="19204211">
+            <a:off x="7396460" y="6780993"/>
+            <a:ext cx="1981200" cy="685800"/>
+          </a:xfrm>
+          <a:prstGeom prst="rect">
+            <a:avLst/>
+          </a:prstGeom>
+          <a:noFill/>
+          <a:ln w="12700">
+            <a:noFill/>
+            <a:miter lim="800000"/>
+            <a:headEnd/>
+            <a:tailEnd/>
+          </a:ln>
+          <a:effectLst/>
+        </p:spPr>
+        <p:txBody>
+          <a:bodyPr vert="horz" wrap="square" lIns="50800" tIns="50800" rIns="50800" bIns="50800" numCol="1" anchor="ctr" anchorCtr="0" compatLnSpc="1">
+            <a:prstTxWarp prst="textNoShape">
+              <a:avLst/>
+            </a:prstTxWarp>
+          </a:bodyPr>
+          <a:lstStyle/>
+          <a:p>
+            <a:pPr marL="0" marR="0" lvl="0" indent="0" defTabSz="914400" rtl="0" eaLnBrk="1" fontAlgn="base" latinLnBrk="0" hangingPunct="1">
+              <a:lnSpc>
+                <a:spcPct val="100000"/>
+              </a:lnSpc>
+              <a:spcBef>
+                <a:spcPct val="0"/>
+              </a:spcBef>
+              <a:spcAft>
+                <a:spcPct val="0"/>
+              </a:spcAft>
+              <a:buClrTx/>
+              <a:buSzTx/>
+              <a:buFontTx/>
+              <a:buNone/>
+              <a:tabLst/>
+              <a:defRPr/>
+            </a:pPr>
+            <a:r>
+              <a:rPr kumimoji="0" lang="en-US" sz="2800" b="1" i="0" u="none" strike="noStrike" kern="0" cap="none" spc="0" normalizeH="0" baseline="0" noProof="0" dirty="0" smtClean="0">
+                <a:ln>
+                  <a:noFill/>
+                </a:ln>
+                <a:solidFill>
+                  <a:srgbClr val="E75145"/>
+                </a:solidFill>
+                <a:effectLst/>
+                <a:uLnTx/>
+                <a:uFillTx/>
+                <a:latin typeface="Lucida Handwriting" pitchFamily="66" charset="0"/>
+                <a:ea typeface="+mj-ea"/>
+                <a:cs typeface="+mj-cs"/>
+                <a:sym typeface="Arial" charset="0"/>
+              </a:rPr>
+              <a:t>example</a:t>
+            </a:r>
+            <a:endParaRPr kumimoji="0" lang="en-US" sz="2800" b="1" i="0" u="none" strike="noStrike" kern="0" cap="none" spc="0" normalizeH="0" baseline="0" noProof="0" dirty="0">
+              <a:ln>
+                <a:noFill/>
+              </a:ln>
+              <a:solidFill>
+                <a:srgbClr val="E75145"/>
+              </a:solidFill>
+              <a:effectLst/>
+              <a:uLnTx/>
+              <a:uFillTx/>
+              <a:latin typeface="+mj-lt"/>
+              <a:ea typeface="+mj-ea"/>
+              <a:cs typeface="+mj-cs"/>
+              <a:sym typeface="Arial" charset="0"/>
+            </a:endParaRPr>
+          </a:p>
+        </p:txBody>
+      </p:sp>
+      <p:sp>
+        <p:nvSpPr>
+          <p:cNvPr id="13" name="Rectangle 1"/>
+          <p:cNvSpPr txBox="1">
+            <a:spLocks noChangeArrowheads="1"/>
+          </p:cNvSpPr>
+          <p:nvPr/>
+        </p:nvSpPr>
+        <p:spPr bwMode="auto">
+          <a:xfrm>
+            <a:off x="8255000" y="7287326"/>
+            <a:ext cx="1981200" cy="685800"/>
+          </a:xfrm>
+          <a:prstGeom prst="rect">
+            <a:avLst/>
+          </a:prstGeom>
+          <a:noFill/>
+          <a:ln w="12700">
+            <a:noFill/>
+            <a:miter lim="800000"/>
+            <a:headEnd/>
+            <a:tailEnd/>
+          </a:ln>
+          <a:effectLst/>
+        </p:spPr>
+        <p:txBody>
+          <a:bodyPr vert="horz" wrap="square" lIns="50800" tIns="50800" rIns="50800" bIns="50800" numCol="1" anchor="ctr" anchorCtr="0" compatLnSpc="1">
+            <a:prstTxWarp prst="textNoShape">
+              <a:avLst/>
+            </a:prstTxWarp>
+          </a:bodyPr>
+          <a:lstStyle/>
+          <a:p>
+            <a:pPr marL="0" marR="0" lvl="0" indent="0" defTabSz="914400" rtl="0" eaLnBrk="1" fontAlgn="base" latinLnBrk="0" hangingPunct="1">
+              <a:lnSpc>
+                <a:spcPct val="100000"/>
+              </a:lnSpc>
+              <a:spcBef>
+                <a:spcPct val="0"/>
+              </a:spcBef>
+              <a:spcAft>
+                <a:spcPct val="0"/>
+              </a:spcAft>
+              <a:buClrTx/>
+              <a:buSzTx/>
+              <a:buFontTx/>
+              <a:buNone/>
+              <a:tabLst/>
+              <a:defRPr/>
+            </a:pPr>
+            <a:r>
+              <a:rPr kumimoji="0" lang="en-US" sz="2800" b="1" i="0" u="none" strike="noStrike" kern="0" cap="none" spc="0" normalizeH="0" baseline="0" noProof="0" dirty="0" smtClean="0">
+                <a:ln>
+                  <a:noFill/>
+                </a:ln>
+                <a:solidFill>
+                  <a:srgbClr val="E75145"/>
+                </a:solidFill>
+                <a:effectLst/>
+                <a:uLnTx/>
+                <a:uFillTx/>
+                <a:latin typeface="Lucida Handwriting" pitchFamily="66" charset="0"/>
+                <a:ea typeface="+mj-ea"/>
+                <a:cs typeface="+mj-cs"/>
+                <a:sym typeface="Arial" charset="0"/>
+              </a:rPr>
+              <a:t>example</a:t>
+            </a:r>
+            <a:endParaRPr kumimoji="0" lang="en-US" sz="2800" b="1" i="0" u="none" strike="noStrike" kern="0" cap="none" spc="0" normalizeH="0" baseline="0" noProof="0" dirty="0">
+              <a:ln>
+                <a:noFill/>
+              </a:ln>
+              <a:solidFill>
+                <a:srgbClr val="E75145"/>
+              </a:solidFill>
+              <a:effectLst/>
+              <a:uLnTx/>
+              <a:uFillTx/>
+              <a:latin typeface="+mj-lt"/>
+              <a:ea typeface="+mj-ea"/>
+              <a:cs typeface="+mj-cs"/>
+              <a:sym typeface="Arial" charset="0"/>
+            </a:endParaRPr>
+          </a:p>
+        </p:txBody>
+      </p:sp>
+      <p:sp>
+        <p:nvSpPr>
+          <p:cNvPr id="14" name="Rectangle 1"/>
+          <p:cNvSpPr txBox="1">
+            <a:spLocks noChangeArrowheads="1"/>
+          </p:cNvSpPr>
+          <p:nvPr/>
+        </p:nvSpPr>
+        <p:spPr bwMode="auto">
+          <a:xfrm rot="611805">
+            <a:off x="9595458" y="6771475"/>
+            <a:ext cx="1981200" cy="685800"/>
+          </a:xfrm>
+          <a:prstGeom prst="rect">
+            <a:avLst/>
+          </a:prstGeom>
+          <a:noFill/>
+          <a:ln w="12700">
+            <a:noFill/>
+            <a:miter lim="800000"/>
+            <a:headEnd/>
+            <a:tailEnd/>
+          </a:ln>
+          <a:effectLst/>
+        </p:spPr>
+        <p:txBody>
+          <a:bodyPr vert="horz" wrap="square" lIns="50800" tIns="50800" rIns="50800" bIns="50800" numCol="1" anchor="ctr" anchorCtr="0" compatLnSpc="1">
+            <a:prstTxWarp prst="textNoShape">
+              <a:avLst/>
+            </a:prstTxWarp>
+          </a:bodyPr>
+          <a:lstStyle/>
+          <a:p>
+            <a:pPr marL="0" marR="0" lvl="0" indent="0" defTabSz="914400" rtl="0" eaLnBrk="1" fontAlgn="base" latinLnBrk="0" hangingPunct="1">
+              <a:lnSpc>
+                <a:spcPct val="100000"/>
+              </a:lnSpc>
+              <a:spcBef>
+                <a:spcPct val="0"/>
+              </a:spcBef>
+              <a:spcAft>
+                <a:spcPct val="0"/>
+              </a:spcAft>
+              <a:buClrTx/>
+              <a:buSzTx/>
+              <a:buFontTx/>
+              <a:buNone/>
+              <a:tabLst/>
+              <a:defRPr/>
+            </a:pPr>
+            <a:r>
+              <a:rPr kumimoji="0" lang="en-US" sz="2800" b="1" i="0" u="none" strike="noStrike" kern="0" cap="none" spc="0" normalizeH="0" baseline="0" noProof="0" dirty="0" smtClean="0">
+                <a:ln>
+                  <a:noFill/>
+                </a:ln>
+                <a:solidFill>
+                  <a:srgbClr val="E75145"/>
+                </a:solidFill>
+                <a:effectLst/>
+                <a:uLnTx/>
+                <a:uFillTx/>
+                <a:latin typeface="Lucida Handwriting" pitchFamily="66" charset="0"/>
+                <a:ea typeface="+mj-ea"/>
+                <a:cs typeface="+mj-cs"/>
+                <a:sym typeface="Arial" charset="0"/>
+              </a:rPr>
+              <a:t>example</a:t>
+            </a:r>
+            <a:endParaRPr kumimoji="0" lang="en-US" sz="2800" b="1" i="0" u="none" strike="noStrike" kern="0" cap="none" spc="0" normalizeH="0" baseline="0" noProof="0" dirty="0">
+              <a:ln>
+                <a:noFill/>
+              </a:ln>
+              <a:solidFill>
+                <a:srgbClr val="E75145"/>
+              </a:solidFill>
+              <a:effectLst/>
+              <a:uLnTx/>
+              <a:uFillTx/>
+              <a:latin typeface="+mj-lt"/>
+              <a:ea typeface="+mj-ea"/>
+              <a:cs typeface="+mj-cs"/>
+              <a:sym typeface="Arial" charset="0"/>
+            </a:endParaRPr>
+          </a:p>
+        </p:txBody>
+      </p:sp>
+      <p:sp>
+        <p:nvSpPr>
+          <p:cNvPr id="15" name="Rectangle 1"/>
+          <p:cNvSpPr txBox="1">
+            <a:spLocks noChangeArrowheads="1"/>
+          </p:cNvSpPr>
+          <p:nvPr/>
+        </p:nvSpPr>
+        <p:spPr bwMode="auto">
+          <a:xfrm rot="20772122">
+            <a:off x="8308196" y="6827888"/>
+            <a:ext cx="1981200" cy="685800"/>
+          </a:xfrm>
+          <a:prstGeom prst="rect">
+            <a:avLst/>
+          </a:prstGeom>
+          <a:noFill/>
+          <a:ln w="12700">
+            <a:noFill/>
+            <a:miter lim="800000"/>
+            <a:headEnd/>
+            <a:tailEnd/>
+          </a:ln>
+          <a:effectLst/>
+        </p:spPr>
+        <p:txBody>
+          <a:bodyPr vert="horz" wrap="square" lIns="50800" tIns="50800" rIns="50800" bIns="50800" numCol="1" anchor="ctr" anchorCtr="0" compatLnSpc="1">
+            <a:prstTxWarp prst="textNoShape">
+              <a:avLst/>
+            </a:prstTxWarp>
+          </a:bodyPr>
+          <a:lstStyle/>
+          <a:p>
+            <a:pPr marL="0" marR="0" lvl="0" indent="0" defTabSz="914400" rtl="0" eaLnBrk="1" fontAlgn="base" latinLnBrk="0" hangingPunct="1">
+              <a:lnSpc>
+                <a:spcPct val="100000"/>
+              </a:lnSpc>
+              <a:spcBef>
+                <a:spcPct val="0"/>
+              </a:spcBef>
+              <a:spcAft>
+                <a:spcPct val="0"/>
+              </a:spcAft>
+              <a:buClrTx/>
+              <a:buSzTx/>
+              <a:buFontTx/>
+              <a:buNone/>
+              <a:tabLst/>
+              <a:defRPr/>
+            </a:pPr>
+            <a:r>
+              <a:rPr kumimoji="0" lang="en-US" sz="2800" b="1" i="0" u="none" strike="noStrike" kern="0" cap="none" spc="0" normalizeH="0" baseline="0" noProof="0" dirty="0" smtClean="0">
+                <a:ln>
+                  <a:noFill/>
+                </a:ln>
+                <a:solidFill>
+                  <a:srgbClr val="E75145"/>
+                </a:solidFill>
+                <a:effectLst/>
+                <a:uLnTx/>
+                <a:uFillTx/>
+                <a:latin typeface="Lucida Handwriting" pitchFamily="66" charset="0"/>
+                <a:ea typeface="+mj-ea"/>
+                <a:cs typeface="+mj-cs"/>
+                <a:sym typeface="Arial" charset="0"/>
+              </a:rPr>
+              <a:t>example</a:t>
+            </a:r>
+            <a:endParaRPr kumimoji="0" lang="en-US" sz="2800" b="1" i="0" u="none" strike="noStrike" kern="0" cap="none" spc="0" normalizeH="0" baseline="0" noProof="0" dirty="0">
+              <a:ln>
+                <a:noFill/>
+              </a:ln>
+              <a:solidFill>
+                <a:srgbClr val="E75145"/>
+              </a:solidFill>
+              <a:effectLst/>
+              <a:uLnTx/>
+              <a:uFillTx/>
+              <a:latin typeface="+mj-lt"/>
+              <a:ea typeface="+mj-ea"/>
+              <a:cs typeface="+mj-cs"/>
+              <a:sym typeface="Arial" charset="0"/>
+            </a:endParaRPr>
+          </a:p>
+        </p:txBody>
+      </p:sp>
+      <p:sp>
+        <p:nvSpPr>
+          <p:cNvPr id="16" name="Rectangle 1"/>
+          <p:cNvSpPr txBox="1">
+            <a:spLocks noChangeArrowheads="1"/>
+          </p:cNvSpPr>
+          <p:nvPr/>
+        </p:nvSpPr>
+        <p:spPr bwMode="auto">
+          <a:xfrm rot="2238096">
+            <a:off x="9417236" y="5995149"/>
+            <a:ext cx="1981200" cy="685800"/>
+          </a:xfrm>
+          <a:prstGeom prst="rect">
+            <a:avLst/>
+          </a:prstGeom>
+          <a:noFill/>
+          <a:ln w="12700">
+            <a:noFill/>
+            <a:miter lim="800000"/>
+            <a:headEnd/>
+            <a:tailEnd/>
+          </a:ln>
+          <a:effectLst/>
+        </p:spPr>
+        <p:txBody>
+          <a:bodyPr vert="horz" wrap="square" lIns="50800" tIns="50800" rIns="50800" bIns="50800" numCol="1" anchor="ctr" anchorCtr="0" compatLnSpc="1">
+            <a:prstTxWarp prst="textNoShape">
+              <a:avLst/>
+            </a:prstTxWarp>
+          </a:bodyPr>
+          <a:lstStyle/>
+          <a:p>
+            <a:pPr marL="0" marR="0" lvl="0" indent="0" defTabSz="914400" rtl="0" eaLnBrk="1" fontAlgn="base" latinLnBrk="0" hangingPunct="1">
+              <a:lnSpc>
+                <a:spcPct val="100000"/>
+              </a:lnSpc>
+              <a:spcBef>
+                <a:spcPct val="0"/>
+              </a:spcBef>
+              <a:spcAft>
+                <a:spcPct val="0"/>
+              </a:spcAft>
+              <a:buClrTx/>
+              <a:buSzTx/>
+              <a:buFontTx/>
+              <a:buNone/>
+              <a:tabLst/>
+              <a:defRPr/>
+            </a:pPr>
+            <a:r>
+              <a:rPr kumimoji="0" lang="en-US" sz="2800" b="1" i="0" u="none" strike="noStrike" kern="0" cap="none" spc="0" normalizeH="0" baseline="0" noProof="0" dirty="0" smtClean="0">
+                <a:ln>
+                  <a:noFill/>
+                </a:ln>
+                <a:solidFill>
+                  <a:srgbClr val="E75145"/>
+                </a:solidFill>
+                <a:effectLst/>
+                <a:uLnTx/>
+                <a:uFillTx/>
+                <a:latin typeface="Lucida Handwriting" pitchFamily="66" charset="0"/>
+                <a:ea typeface="+mj-ea"/>
+                <a:cs typeface="+mj-cs"/>
+                <a:sym typeface="Arial" charset="0"/>
+              </a:rPr>
+              <a:t>example</a:t>
+            </a:r>
+            <a:endParaRPr kumimoji="0" lang="en-US" sz="2800" b="1" i="0" u="none" strike="noStrike" kern="0" cap="none" spc="0" normalizeH="0" baseline="0" noProof="0" dirty="0">
+              <a:ln>
+                <a:noFill/>
+              </a:ln>
+              <a:solidFill>
+                <a:srgbClr val="E75145"/>
+              </a:solidFill>
+              <a:effectLst/>
+              <a:uLnTx/>
+              <a:uFillTx/>
+              <a:latin typeface="+mj-lt"/>
+              <a:ea typeface="+mj-ea"/>
+              <a:cs typeface="+mj-cs"/>
+              <a:sym typeface="Arial" charset="0"/>
+            </a:endParaRPr>
+          </a:p>
+        </p:txBody>
+      </p:sp>
+      <p:sp>
+        <p:nvSpPr>
+          <p:cNvPr id="17" name="Rectangle 1"/>
+          <p:cNvSpPr txBox="1">
+            <a:spLocks noChangeArrowheads="1"/>
+          </p:cNvSpPr>
+          <p:nvPr/>
+        </p:nvSpPr>
+        <p:spPr bwMode="auto">
+          <a:xfrm rot="19635102">
+            <a:off x="8531759" y="5434363"/>
+            <a:ext cx="1981200" cy="685800"/>
+          </a:xfrm>
+          <a:prstGeom prst="rect">
+            <a:avLst/>
+          </a:prstGeom>
+          <a:noFill/>
+          <a:ln w="12700">
+            <a:noFill/>
+            <a:miter lim="800000"/>
+            <a:headEnd/>
+            <a:tailEnd/>
+          </a:ln>
+          <a:effectLst/>
+        </p:spPr>
+        <p:txBody>
+          <a:bodyPr vert="horz" wrap="square" lIns="50800" tIns="50800" rIns="50800" bIns="50800" numCol="1" anchor="ctr" anchorCtr="0" compatLnSpc="1">
+            <a:prstTxWarp prst="textNoShape">
+              <a:avLst/>
+            </a:prstTxWarp>
+          </a:bodyPr>
+          <a:lstStyle/>
+          <a:p>
+            <a:pPr marL="0" marR="0" lvl="0" indent="0" defTabSz="914400" rtl="0" eaLnBrk="1" fontAlgn="base" latinLnBrk="0" hangingPunct="1">
+              <a:lnSpc>
+                <a:spcPct val="100000"/>
+              </a:lnSpc>
+              <a:spcBef>
+                <a:spcPct val="0"/>
+              </a:spcBef>
+              <a:spcAft>
+                <a:spcPct val="0"/>
+              </a:spcAft>
+              <a:buClrTx/>
+              <a:buSzTx/>
+              <a:buFontTx/>
+              <a:buNone/>
+              <a:tabLst/>
+              <a:defRPr/>
+            </a:pPr>
+            <a:r>
+              <a:rPr kumimoji="0" lang="en-US" sz="2800" b="1" i="0" u="none" strike="noStrike" kern="0" cap="none" spc="0" normalizeH="0" baseline="0" noProof="0" dirty="0" smtClean="0">
+                <a:ln>
+                  <a:noFill/>
+                </a:ln>
+                <a:solidFill>
+                  <a:srgbClr val="E75145"/>
+                </a:solidFill>
+                <a:effectLst/>
+                <a:uLnTx/>
+                <a:uFillTx/>
+                <a:latin typeface="Lucida Handwriting" pitchFamily="66" charset="0"/>
+                <a:ea typeface="+mj-ea"/>
+                <a:cs typeface="+mj-cs"/>
+                <a:sym typeface="Arial" charset="0"/>
+              </a:rPr>
+              <a:t>example</a:t>
+            </a:r>
+            <a:endParaRPr kumimoji="0" lang="en-US" sz="2800" b="1" i="0" u="none" strike="noStrike" kern="0" cap="none" spc="0" normalizeH="0" baseline="0" noProof="0" dirty="0">
+              <a:ln>
+                <a:noFill/>
+              </a:ln>
+              <a:solidFill>
+                <a:srgbClr val="E75145"/>
+              </a:solidFill>
+              <a:effectLst/>
+              <a:uLnTx/>
+              <a:uFillTx/>
+              <a:latin typeface="+mj-lt"/>
+              <a:ea typeface="+mj-ea"/>
+              <a:cs typeface="+mj-cs"/>
+              <a:sym typeface="Arial" charset="0"/>
+            </a:endParaRPr>
+          </a:p>
+        </p:txBody>
+      </p:sp>
+      <p:sp>
+        <p:nvSpPr>
+          <p:cNvPr id="19" name="Rectangle 1"/>
+          <p:cNvSpPr txBox="1">
+            <a:spLocks noChangeArrowheads="1"/>
+          </p:cNvSpPr>
+          <p:nvPr/>
+        </p:nvSpPr>
+        <p:spPr bwMode="auto">
+          <a:xfrm>
+            <a:off x="1244600" y="1981200"/>
+            <a:ext cx="2032000" cy="914400"/>
+          </a:xfrm>
+          <a:prstGeom prst="rect">
+            <a:avLst/>
+          </a:prstGeom>
+          <a:noFill/>
+          <a:ln w="12700">
+            <a:noFill/>
+            <a:miter lim="800000"/>
+            <a:headEnd/>
+            <a:tailEnd/>
+          </a:ln>
+          <a:effectLst/>
+        </p:spPr>
+        <p:txBody>
+          <a:bodyPr vert="horz" wrap="square" lIns="50800" tIns="50800" rIns="50800" bIns="50800" numCol="1" anchor="ctr" anchorCtr="0" compatLnSpc="1">
+            <a:prstTxWarp prst="textNoShape">
+              <a:avLst/>
+            </a:prstTxWarp>
+          </a:bodyPr>
+          <a:lstStyle/>
+          <a:p>
+            <a:pPr marL="0" marR="0" lvl="0" indent="0" defTabSz="914400" rtl="0" eaLnBrk="1" fontAlgn="base" latinLnBrk="0" hangingPunct="1">
+              <a:lnSpc>
+                <a:spcPct val="100000"/>
+              </a:lnSpc>
+              <a:spcBef>
+                <a:spcPct val="0"/>
+              </a:spcBef>
+              <a:spcAft>
+                <a:spcPct val="0"/>
+              </a:spcAft>
+              <a:buClrTx/>
+              <a:buSzTx/>
+              <a:buFontTx/>
+              <a:buNone/>
+              <a:tabLst/>
+              <a:defRPr/>
+            </a:pPr>
+            <a:r>
+              <a:rPr lang="en-US" sz="5400" b="1" kern="0" dirty="0" smtClean="0">
+                <a:solidFill>
+                  <a:srgbClr val="FF0000"/>
+                </a:solidFill>
+                <a:latin typeface="Copperplate Gothic Light" pitchFamily="34" charset="0"/>
+                <a:ea typeface="+mj-ea"/>
+                <a:cs typeface="+mj-cs"/>
+                <a:sym typeface="Arial" charset="0"/>
+              </a:rPr>
+              <a:t>Test</a:t>
+            </a:r>
+            <a:endParaRPr kumimoji="0" lang="en-US" sz="5000" b="1" i="0" u="none" strike="noStrike" kern="0" cap="none" spc="0" normalizeH="0" baseline="0" noProof="0" dirty="0">
+              <a:ln>
+                <a:noFill/>
+              </a:ln>
+              <a:solidFill>
+                <a:srgbClr val="FF0000"/>
+              </a:solidFill>
+              <a:effectLst/>
+              <a:uLnTx/>
+              <a:uFillTx/>
+              <a:latin typeface="Copperplate Gothic Light" pitchFamily="34" charset="0"/>
+              <a:ea typeface="+mj-ea"/>
+              <a:cs typeface="+mj-cs"/>
+              <a:sym typeface="Arial" charset="0"/>
+            </a:endParaRPr>
+          </a:p>
+        </p:txBody>
+      </p:sp>
+      <p:sp>
+        <p:nvSpPr>
+          <p:cNvPr id="20" name="Rectangle 19"/>
+          <p:cNvSpPr/>
+          <p:nvPr/>
+        </p:nvSpPr>
+        <p:spPr bwMode="auto">
+          <a:xfrm rot="1855551">
+            <a:off x="1486578" y="2466618"/>
+            <a:ext cx="1524000" cy="76200"/>
+          </a:xfrm>
+          <a:prstGeom prst="rect">
+            <a:avLst/>
+          </a:prstGeom>
+          <a:solidFill>
+            <a:srgbClr val="84DCA8"/>
+          </a:solidFill>
+          <a:ln w="9525" cap="flat" cmpd="sng" algn="ctr">
             <a:solidFill>
               <a:schemeClr val="tx1"/>
             </a:solidFill>
-            <a:prstDash val="dash"/>
+            <a:prstDash val="sysDash"/>
+            <a:round/>
+            <a:headEnd type="none" w="med" len="med"/>
+            <a:tailEnd type="none" w="med" len="med"/>
           </a:ln>
+          <a:effectLst/>
         </p:spPr>
         <p:txBody>
-          <a:bodyPr wrap="square">
-            <a:spAutoFit/>
+          <a:bodyPr vert="horz" wrap="square" lIns="91440" tIns="45720" rIns="91440" bIns="45720" numCol="1" rtlCol="0" anchor="t" anchorCtr="0" compatLnSpc="1">
+            <a:prstTxWarp prst="textNoShape">
+              <a:avLst/>
+            </a:prstTxWarp>
           </a:bodyPr>
           <a:lstStyle/>
           <a:p>
-            <a:r>
-              <a:rPr lang="en-US" sz="2400" b="1" dirty="0" smtClean="0">
-                <a:solidFill>
-                  <a:srgbClr val="7F0055"/>
-                </a:solidFill>
-                <a:latin typeface="Courier New"/>
-              </a:rPr>
-              <a:t>import</a:t>
-            </a:r>
-            <a:r>
-              <a:rPr lang="en-US" sz="2400" b="1" dirty="0" smtClean="0">
-                <a:latin typeface="Courier New"/>
-              </a:rPr>
-              <a:t> </a:t>
-            </a:r>
-            <a:r>
-              <a:rPr lang="en-US" sz="2400" b="1" dirty="0" err="1" smtClean="0">
-                <a:latin typeface="Courier New"/>
-              </a:rPr>
-              <a:t>org.specs</a:t>
-            </a:r>
-            <a:r>
-              <a:rPr lang="en-US" sz="2400" b="1" dirty="0" smtClean="0">
-                <a:latin typeface="Courier New"/>
-              </a:rPr>
-              <a:t>._</a:t>
-            </a:r>
-          </a:p>
-          <a:p>
-            <a:r>
-              <a:rPr lang="en-US" sz="2400" b="1" dirty="0" smtClean="0">
-                <a:solidFill>
-                  <a:srgbClr val="7F0055"/>
-                </a:solidFill>
-                <a:latin typeface="Courier New"/>
-              </a:rPr>
-              <a:t>import</a:t>
-            </a:r>
-            <a:r>
-              <a:rPr lang="en-US" sz="2400" b="1" dirty="0" smtClean="0">
-                <a:latin typeface="Courier New"/>
-              </a:rPr>
-              <a:t> </a:t>
-            </a:r>
-            <a:r>
-              <a:rPr lang="en-US" sz="2400" b="1" dirty="0" err="1" smtClean="0">
-                <a:latin typeface="Courier New"/>
-              </a:rPr>
-              <a:t>IncredibleStringReverser</a:t>
-            </a:r>
-            <a:r>
-              <a:rPr lang="en-US" sz="2400" b="1" dirty="0" smtClean="0">
-                <a:latin typeface="Courier New"/>
-              </a:rPr>
-              <a:t>._</a:t>
-            </a:r>
-          </a:p>
-          <a:p>
-            <a:endParaRPr lang="en-US" sz="2400" b="1" dirty="0" smtClean="0">
+            <a:pPr marL="0" marR="0" indent="0" algn="l" defTabSz="914400" rtl="0" eaLnBrk="1" fontAlgn="base" latinLnBrk="0" hangingPunct="1">
+              <a:lnSpc>
+                <a:spcPct val="100000"/>
+              </a:lnSpc>
+              <a:spcBef>
+                <a:spcPct val="0"/>
+              </a:spcBef>
+              <a:spcAft>
+                <a:spcPct val="0"/>
+              </a:spcAft>
+              <a:buClrTx/>
+              <a:buSzTx/>
+              <a:buFontTx/>
+              <a:buNone/>
+              <a:tabLst/>
+            </a:pPr>
+            <a:endParaRPr kumimoji="0" lang="en-US" sz="1200" b="0" i="0" u="none" strike="noStrike" cap="none" normalizeH="0" baseline="0" smtClean="0">
+              <a:ln>
+                <a:noFill/>
+              </a:ln>
               <a:solidFill>
-                <a:srgbClr val="7F0055"/>
+                <a:srgbClr val="000000"/>
               </a:solidFill>
-              <a:latin typeface="Courier New"/>
+              <a:effectLst/>
+              <a:latin typeface="Gill Sans" pitchFamily="1" charset="0"/>
+              <a:ea typeface="ヒラギノ角ゴ ProN W3" pitchFamily="1" charset="-128"/>
+              <a:sym typeface="Gill Sans" pitchFamily="1" charset="0"/>
             </a:endParaRPr>
           </a:p>
-          <a:p>
-            <a:r>
-              <a:rPr lang="en-US" sz="2400" b="1" dirty="0" smtClean="0">
-                <a:solidFill>
-                  <a:srgbClr val="7F0055"/>
-                </a:solidFill>
-                <a:latin typeface="Courier New"/>
-              </a:rPr>
-              <a:t>class</a:t>
-            </a:r>
-            <a:r>
-              <a:rPr lang="en-US" sz="2400" b="1" dirty="0" smtClean="0">
-                <a:latin typeface="Courier New"/>
-              </a:rPr>
-              <a:t> </a:t>
-            </a:r>
-            <a:r>
-              <a:rPr lang="en-US" sz="2400" b="1" dirty="0" err="1" smtClean="0">
-                <a:latin typeface="Courier New"/>
-              </a:rPr>
-              <a:t>ReverserSpec</a:t>
-            </a:r>
-            <a:r>
-              <a:rPr lang="en-US" sz="2400" b="1" dirty="0" smtClean="0">
-                <a:latin typeface="Courier New"/>
-              </a:rPr>
-              <a:t> </a:t>
-            </a:r>
-            <a:r>
-              <a:rPr lang="en-US" sz="2400" b="1" dirty="0" smtClean="0">
-                <a:solidFill>
-                  <a:srgbClr val="7F0055"/>
-                </a:solidFill>
-                <a:latin typeface="Courier New"/>
-              </a:rPr>
-              <a:t>extends</a:t>
-            </a:r>
-            <a:r>
-              <a:rPr lang="en-US" sz="2400" b="1" dirty="0" smtClean="0">
-                <a:latin typeface="Courier New"/>
-              </a:rPr>
-              <a:t> Specification {</a:t>
-            </a:r>
-          </a:p>
-          <a:p>
-            <a:r>
-              <a:rPr lang="en-US" sz="2400" dirty="0" smtClean="0">
-                <a:latin typeface="Courier New"/>
-              </a:rPr>
-              <a:t>  </a:t>
-            </a:r>
-            <a:r>
-              <a:rPr lang="en-US" sz="2400" dirty="0" smtClean="0">
-                <a:solidFill>
-                  <a:srgbClr val="2A00FF"/>
-                </a:solidFill>
-                <a:latin typeface="Courier New"/>
-              </a:rPr>
-              <a:t>"a reversed empty string must be empty"</a:t>
-            </a:r>
-            <a:r>
-              <a:rPr lang="en-US" sz="2400" dirty="0" smtClean="0">
-                <a:latin typeface="Courier New"/>
-              </a:rPr>
-              <a:t> in {</a:t>
-            </a:r>
-          </a:p>
-          <a:p>
-            <a:r>
-              <a:rPr lang="en-US" sz="2400" dirty="0" smtClean="0">
-                <a:latin typeface="Courier New"/>
-              </a:rPr>
-              <a:t>    reverse(</a:t>
-            </a:r>
-            <a:r>
-              <a:rPr lang="en-US" sz="2400" dirty="0" smtClean="0">
-                <a:solidFill>
-                  <a:srgbClr val="2A00FF"/>
-                </a:solidFill>
-                <a:latin typeface="Courier New"/>
-              </a:rPr>
-              <a:t>""</a:t>
-            </a:r>
-            <a:r>
-              <a:rPr lang="en-US" sz="2400" dirty="0" smtClean="0">
-                <a:latin typeface="Courier New"/>
-              </a:rPr>
-              <a:t>) must_== </a:t>
-            </a:r>
-            <a:r>
-              <a:rPr lang="en-US" sz="2400" dirty="0" smtClean="0">
-                <a:solidFill>
-                  <a:srgbClr val="2A00FF"/>
-                </a:solidFill>
-                <a:latin typeface="Courier New"/>
-              </a:rPr>
-              <a:t>""</a:t>
-            </a:r>
-            <a:r>
-              <a:rPr lang="en-US" sz="2400" dirty="0" smtClean="0">
-                <a:latin typeface="Courier New"/>
-              </a:rPr>
-              <a:t>  </a:t>
-            </a:r>
-          </a:p>
-          <a:p>
-            <a:r>
-              <a:rPr lang="en-US" sz="2400" dirty="0" smtClean="0">
-                <a:latin typeface="Courier New"/>
-              </a:rPr>
-              <a:t>  }</a:t>
-            </a:r>
-          </a:p>
-          <a:p>
-            <a:r>
-              <a:rPr lang="en-US" sz="2400" dirty="0" smtClean="0">
-                <a:latin typeface="Courier New"/>
-              </a:rPr>
-              <a:t>  </a:t>
-            </a:r>
-            <a:r>
-              <a:rPr lang="en-US" sz="2400" dirty="0" smtClean="0">
-                <a:solidFill>
-                  <a:srgbClr val="2A00FF"/>
-                </a:solidFill>
-                <a:latin typeface="Courier New"/>
-              </a:rPr>
-              <a:t>"a reversed empty string must really *be empty*"</a:t>
-            </a:r>
-            <a:r>
-              <a:rPr lang="en-US" sz="2400" dirty="0" smtClean="0">
-                <a:latin typeface="Courier New"/>
-              </a:rPr>
-              <a:t> in {</a:t>
-            </a:r>
-          </a:p>
-          <a:p>
-            <a:r>
-              <a:rPr lang="en-US" sz="2400" dirty="0" smtClean="0">
-                <a:latin typeface="Courier New"/>
-              </a:rPr>
-              <a:t>    reverse(</a:t>
-            </a:r>
-            <a:r>
-              <a:rPr lang="en-US" sz="2400" dirty="0" smtClean="0">
-                <a:solidFill>
-                  <a:srgbClr val="2A00FF"/>
-                </a:solidFill>
-                <a:latin typeface="Courier New"/>
-              </a:rPr>
-              <a:t>""</a:t>
-            </a:r>
-            <a:r>
-              <a:rPr lang="en-US" sz="2400" dirty="0" smtClean="0">
-                <a:latin typeface="Courier New"/>
-              </a:rPr>
-              <a:t>) must be empty</a:t>
-            </a:r>
-          </a:p>
-          <a:p>
-            <a:r>
-              <a:rPr lang="en-US" sz="2400" dirty="0" smtClean="0">
-                <a:latin typeface="Courier New"/>
-              </a:rPr>
-              <a:t>  }</a:t>
-            </a:r>
-          </a:p>
-          <a:p>
-            <a:r>
-              <a:rPr lang="en-US" sz="2400" dirty="0" smtClean="0">
-                <a:latin typeface="Courier New"/>
-              </a:rPr>
-              <a:t>  </a:t>
-            </a:r>
-            <a:r>
-              <a:rPr lang="en-US" sz="2400" dirty="0" smtClean="0">
-                <a:solidFill>
-                  <a:srgbClr val="2A00FF"/>
-                </a:solidFill>
-                <a:latin typeface="Courier New"/>
-              </a:rPr>
-              <a:t>"a reversed string must be reversed </a:t>
-            </a:r>
-            <a:r>
-              <a:rPr lang="en-US" sz="2400" dirty="0" err="1" smtClean="0">
-                <a:solidFill>
-                  <a:srgbClr val="2A00FF"/>
-                </a:solidFill>
-                <a:latin typeface="Courier New"/>
-              </a:rPr>
-              <a:t>abc</a:t>
-            </a:r>
-            <a:r>
-              <a:rPr lang="en-US" sz="2400" dirty="0" smtClean="0">
-                <a:solidFill>
-                  <a:srgbClr val="2A00FF"/>
-                </a:solidFill>
-                <a:latin typeface="Courier New"/>
-              </a:rPr>
-              <a:t> -&gt; </a:t>
-            </a:r>
-            <a:r>
-              <a:rPr lang="en-US" sz="2400" dirty="0" err="1" smtClean="0">
-                <a:solidFill>
-                  <a:srgbClr val="2A00FF"/>
-                </a:solidFill>
-                <a:latin typeface="Courier New"/>
-              </a:rPr>
-              <a:t>cba</a:t>
-            </a:r>
-            <a:r>
-              <a:rPr lang="en-US" sz="2400" dirty="0" smtClean="0">
-                <a:solidFill>
-                  <a:srgbClr val="2A00FF"/>
-                </a:solidFill>
-                <a:latin typeface="Courier New"/>
-              </a:rPr>
-              <a:t>"</a:t>
-            </a:r>
-            <a:r>
-              <a:rPr lang="en-US" sz="2400" dirty="0" smtClean="0">
-                <a:latin typeface="Courier New"/>
-              </a:rPr>
-              <a:t> in {</a:t>
-            </a:r>
-          </a:p>
-          <a:p>
-            <a:r>
-              <a:rPr lang="en-US" sz="2400" dirty="0" smtClean="0">
-                <a:latin typeface="Courier New"/>
-              </a:rPr>
-              <a:t>    reverse(</a:t>
-            </a:r>
-            <a:r>
-              <a:rPr lang="en-US" sz="2400" dirty="0" smtClean="0">
-                <a:solidFill>
-                  <a:srgbClr val="2A00FF"/>
-                </a:solidFill>
-                <a:latin typeface="Courier New"/>
-              </a:rPr>
-              <a:t>"</a:t>
-            </a:r>
-            <a:r>
-              <a:rPr lang="en-US" sz="2400" dirty="0" err="1" smtClean="0">
-                <a:solidFill>
-                  <a:srgbClr val="2A00FF"/>
-                </a:solidFill>
-                <a:latin typeface="Courier New"/>
-              </a:rPr>
-              <a:t>abc</a:t>
-            </a:r>
-            <a:r>
-              <a:rPr lang="en-US" sz="2400" dirty="0" smtClean="0">
-                <a:solidFill>
-                  <a:srgbClr val="2A00FF"/>
-                </a:solidFill>
-                <a:latin typeface="Courier New"/>
-              </a:rPr>
-              <a:t>"</a:t>
-            </a:r>
-            <a:r>
-              <a:rPr lang="en-US" sz="2400" dirty="0" smtClean="0">
-                <a:latin typeface="Courier New"/>
-              </a:rPr>
-              <a:t>) must be_==(</a:t>
-            </a:r>
-            <a:r>
-              <a:rPr lang="en-US" sz="2400" dirty="0" smtClean="0">
-                <a:solidFill>
-                  <a:srgbClr val="2A00FF"/>
-                </a:solidFill>
-                <a:latin typeface="Courier New"/>
-              </a:rPr>
-              <a:t>"</a:t>
-            </a:r>
-            <a:r>
-              <a:rPr lang="en-US" sz="2400" dirty="0" err="1" smtClean="0">
-                <a:solidFill>
-                  <a:srgbClr val="2A00FF"/>
-                </a:solidFill>
-                <a:latin typeface="Courier New"/>
-              </a:rPr>
-              <a:t>cba</a:t>
-            </a:r>
-            <a:r>
-              <a:rPr lang="en-US" sz="2400" dirty="0" smtClean="0">
-                <a:solidFill>
-                  <a:srgbClr val="2A00FF"/>
-                </a:solidFill>
-                <a:latin typeface="Courier New"/>
-              </a:rPr>
-              <a:t>"</a:t>
-            </a:r>
-            <a:r>
-              <a:rPr lang="en-US" sz="2400" dirty="0" smtClean="0">
-                <a:latin typeface="Courier New"/>
-              </a:rPr>
-              <a:t>)</a:t>
-            </a:r>
-          </a:p>
-          <a:p>
-            <a:r>
-              <a:rPr lang="en-US" sz="2400" dirty="0" smtClean="0">
-                <a:latin typeface="Courier New"/>
-              </a:rPr>
-              <a:t>  }</a:t>
-            </a:r>
-          </a:p>
-          <a:p>
-            <a:r>
-              <a:rPr lang="en-US" sz="2400" dirty="0" smtClean="0">
-                <a:latin typeface="Courier New"/>
-              </a:rPr>
-              <a:t>  </a:t>
-            </a:r>
-            <a:r>
-              <a:rPr lang="en-US" sz="2400" dirty="0" smtClean="0">
-                <a:solidFill>
-                  <a:srgbClr val="2A00FF"/>
-                </a:solidFill>
-                <a:latin typeface="Courier New"/>
-              </a:rPr>
-              <a:t>"a longer reversed string must also be reversed. Woops!"</a:t>
-            </a:r>
-            <a:r>
-              <a:rPr lang="en-US" sz="2400" dirty="0" smtClean="0">
-                <a:latin typeface="Courier New"/>
-              </a:rPr>
-              <a:t> in {</a:t>
-            </a:r>
-          </a:p>
-          <a:p>
-            <a:r>
-              <a:rPr lang="en-US" sz="2400" dirty="0" smtClean="0">
-                <a:latin typeface="Courier New"/>
-              </a:rPr>
-              <a:t>    reverse(</a:t>
-            </a:r>
-            <a:r>
-              <a:rPr lang="en-US" sz="2400" dirty="0" smtClean="0">
-                <a:solidFill>
-                  <a:srgbClr val="2A00FF"/>
-                </a:solidFill>
-                <a:latin typeface="Courier New"/>
-              </a:rPr>
-              <a:t>"</a:t>
-            </a:r>
-            <a:r>
-              <a:rPr lang="en-US" sz="2400" dirty="0" err="1" smtClean="0">
-                <a:solidFill>
-                  <a:srgbClr val="2A00FF"/>
-                </a:solidFill>
-                <a:latin typeface="Courier New"/>
-              </a:rPr>
-              <a:t>abcdef</a:t>
-            </a:r>
-            <a:r>
-              <a:rPr lang="en-US" sz="2400" dirty="0" smtClean="0">
-                <a:solidFill>
-                  <a:srgbClr val="2A00FF"/>
-                </a:solidFill>
-                <a:latin typeface="Courier New"/>
-              </a:rPr>
-              <a:t>"</a:t>
-            </a:r>
-            <a:r>
-              <a:rPr lang="en-US" sz="2400" dirty="0" smtClean="0">
-                <a:latin typeface="Courier New"/>
-              </a:rPr>
-              <a:t>) must be_==(</a:t>
-            </a:r>
-            <a:r>
-              <a:rPr lang="en-US" sz="2400" dirty="0" smtClean="0">
-                <a:solidFill>
-                  <a:srgbClr val="2A00FF"/>
-                </a:solidFill>
-                <a:latin typeface="Courier New"/>
-              </a:rPr>
-              <a:t>"</a:t>
-            </a:r>
-            <a:r>
-              <a:rPr lang="en-US" sz="2400" dirty="0" err="1" smtClean="0">
-                <a:solidFill>
-                  <a:srgbClr val="2A00FF"/>
-                </a:solidFill>
-                <a:latin typeface="Courier New"/>
-              </a:rPr>
-              <a:t>xxxxx</a:t>
-            </a:r>
-            <a:r>
-              <a:rPr lang="en-US" sz="2400" dirty="0" smtClean="0">
-                <a:solidFill>
-                  <a:srgbClr val="2A00FF"/>
-                </a:solidFill>
-                <a:latin typeface="Courier New"/>
-              </a:rPr>
-              <a:t>"</a:t>
-            </a:r>
-            <a:r>
-              <a:rPr lang="en-US" sz="2400" dirty="0" smtClean="0">
-                <a:latin typeface="Courier New"/>
-              </a:rPr>
-              <a:t>)</a:t>
-            </a:r>
-          </a:p>
-          <a:p>
-            <a:r>
-              <a:rPr lang="en-US" sz="2400" dirty="0" smtClean="0">
-                <a:latin typeface="Courier New"/>
-              </a:rPr>
-              <a:t>  }</a:t>
-            </a:r>
-          </a:p>
-          <a:p>
-            <a:r>
-              <a:rPr lang="en-US" sz="2400" dirty="0" smtClean="0">
-                <a:latin typeface="Courier New"/>
-              </a:rPr>
-              <a:t>}</a:t>
-            </a:r>
-            <a:endParaRPr lang="en-US" sz="2400" dirty="0"/>
+        </p:txBody>
+      </p:sp>
+      <p:sp>
+        <p:nvSpPr>
+          <p:cNvPr id="21" name="Rectangle 20"/>
+          <p:cNvSpPr/>
+          <p:nvPr/>
+        </p:nvSpPr>
+        <p:spPr bwMode="auto">
+          <a:xfrm rot="19739239">
+            <a:off x="1486578" y="2466618"/>
+            <a:ext cx="1524000" cy="76200"/>
+          </a:xfrm>
+          <a:prstGeom prst="rect">
+            <a:avLst/>
+          </a:prstGeom>
+          <a:solidFill>
+            <a:srgbClr val="84DCA8"/>
+          </a:solidFill>
+          <a:ln w="9525" cap="flat" cmpd="sng" algn="ctr">
+            <a:solidFill>
+              <a:schemeClr val="tx1"/>
+            </a:solidFill>
+            <a:prstDash val="sysDash"/>
+            <a:round/>
+            <a:headEnd type="none" w="med" len="med"/>
+            <a:tailEnd type="none" w="med" len="med"/>
+          </a:ln>
+          <a:effectLst/>
+        </p:spPr>
+        <p:txBody>
+          <a:bodyPr vert="horz" wrap="square" lIns="91440" tIns="45720" rIns="91440" bIns="45720" numCol="1" rtlCol="0" anchor="t" anchorCtr="0" compatLnSpc="1">
+            <a:prstTxWarp prst="textNoShape">
+              <a:avLst/>
+            </a:prstTxWarp>
+          </a:bodyPr>
+          <a:lstStyle/>
+          <a:p>
+            <a:pPr marL="0" marR="0" indent="0" algn="l" defTabSz="914400" rtl="0" eaLnBrk="1" fontAlgn="base" latinLnBrk="0" hangingPunct="1">
+              <a:lnSpc>
+                <a:spcPct val="100000"/>
+              </a:lnSpc>
+              <a:spcBef>
+                <a:spcPct val="0"/>
+              </a:spcBef>
+              <a:spcAft>
+                <a:spcPct val="0"/>
+              </a:spcAft>
+              <a:buClrTx/>
+              <a:buSzTx/>
+              <a:buFontTx/>
+              <a:buNone/>
+              <a:tabLst/>
+            </a:pPr>
+            <a:endParaRPr kumimoji="0" lang="en-US" sz="1200" b="0" i="0" u="none" strike="noStrike" cap="none" normalizeH="0" baseline="0" smtClean="0">
+              <a:ln>
+                <a:noFill/>
+              </a:ln>
+              <a:solidFill>
+                <a:srgbClr val="000000"/>
+              </a:solidFill>
+              <a:effectLst/>
+              <a:latin typeface="Gill Sans" pitchFamily="1" charset="0"/>
+              <a:ea typeface="ヒラギノ角ゴ ProN W3" pitchFamily="1" charset="-128"/>
+              <a:sym typeface="Gill Sans" pitchFamily="1" charset="0"/>
+            </a:endParaRPr>
           </a:p>
         </p:txBody>
       </p:sp>
@@ -9762,7 +12477,7 @@
         <p:spPr>
           <a:xfrm>
             <a:off x="711200" y="1295400"/>
-            <a:ext cx="11734800" cy="4154984"/>
+            <a:ext cx="11734800" cy="6370975"/>
           </a:xfrm>
           <a:prstGeom prst="rect">
             <a:avLst/>
@@ -9781,114 +12496,489 @@
           <a:lstStyle/>
           <a:p>
             <a:r>
-              <a:rPr lang="en-US" sz="2400" dirty="0" smtClean="0"/>
-              <a:t>Specification "</a:t>
-            </a:r>
-            <a:r>
-              <a:rPr lang="en-US" sz="2400" dirty="0" err="1" smtClean="0"/>
+              <a:rPr lang="en-US" sz="2400" b="1" dirty="0" smtClean="0">
+                <a:solidFill>
+                  <a:srgbClr val="7F0055"/>
+                </a:solidFill>
+                <a:latin typeface="Courier New"/>
+              </a:rPr>
+              <a:t>import</a:t>
+            </a:r>
+            <a:r>
+              <a:rPr lang="en-US" sz="2400" b="1" dirty="0" smtClean="0">
+                <a:latin typeface="Courier New"/>
+              </a:rPr>
+              <a:t> </a:t>
+            </a:r>
+            <a:r>
+              <a:rPr lang="en-US" sz="2400" b="1" dirty="0" err="1" smtClean="0">
+                <a:latin typeface="Courier New"/>
+              </a:rPr>
+              <a:t>org.specs</a:t>
+            </a:r>
+            <a:r>
+              <a:rPr lang="en-US" sz="2400" b="1" dirty="0" smtClean="0">
+                <a:latin typeface="Courier New"/>
+              </a:rPr>
+              <a:t>._</a:t>
+            </a:r>
+          </a:p>
+          <a:p>
+            <a:r>
+              <a:rPr lang="en-US" sz="2400" b="1" dirty="0" smtClean="0">
+                <a:solidFill>
+                  <a:srgbClr val="7F0055"/>
+                </a:solidFill>
+                <a:latin typeface="Courier New"/>
+              </a:rPr>
+              <a:t>import</a:t>
+            </a:r>
+            <a:r>
+              <a:rPr lang="en-US" sz="2400" b="1" dirty="0" smtClean="0">
+                <a:latin typeface="Courier New"/>
+              </a:rPr>
+              <a:t> </a:t>
+            </a:r>
+            <a:r>
+              <a:rPr lang="en-US" sz="2400" b="1" dirty="0" err="1" smtClean="0">
+                <a:latin typeface="Courier New"/>
+              </a:rPr>
+              <a:t>IncredibleStringReverser</a:t>
+            </a:r>
+            <a:r>
+              <a:rPr lang="en-US" sz="2400" b="1" dirty="0" smtClean="0">
+                <a:latin typeface="Courier New"/>
+              </a:rPr>
+              <a:t>._</a:t>
+            </a:r>
+          </a:p>
+          <a:p>
+            <a:endParaRPr lang="en-US" sz="2400" b="1" dirty="0" smtClean="0">
+              <a:solidFill>
+                <a:srgbClr val="7F0055"/>
+              </a:solidFill>
+              <a:latin typeface="Courier New"/>
+            </a:endParaRPr>
+          </a:p>
+          <a:p>
+            <a:r>
+              <a:rPr lang="en-US" sz="2400" b="1" dirty="0" smtClean="0">
+                <a:solidFill>
+                  <a:srgbClr val="7F0055"/>
+                </a:solidFill>
+                <a:latin typeface="Courier New"/>
+              </a:rPr>
+              <a:t>class</a:t>
+            </a:r>
+            <a:r>
+              <a:rPr lang="en-US" sz="2400" b="1" dirty="0" smtClean="0">
+                <a:latin typeface="Courier New"/>
+              </a:rPr>
+              <a:t> </a:t>
+            </a:r>
+            <a:r>
+              <a:rPr lang="en-US" sz="2400" b="1" dirty="0" err="1" smtClean="0">
+                <a:latin typeface="Courier New"/>
+              </a:rPr>
               <a:t>ReverserSpec</a:t>
             </a:r>
             <a:r>
-              <a:rPr lang="en-US" sz="2400" dirty="0" smtClean="0"/>
+              <a:rPr lang="en-US" sz="2400" b="1" dirty="0" smtClean="0">
+                <a:latin typeface="Courier New"/>
+              </a:rPr>
+              <a:t> </a:t>
+            </a:r>
+            <a:r>
+              <a:rPr lang="en-US" sz="2400" b="1" dirty="0" smtClean="0">
+                <a:solidFill>
+                  <a:srgbClr val="7F0055"/>
+                </a:solidFill>
+                <a:latin typeface="Courier New"/>
+              </a:rPr>
+              <a:t>extends</a:t>
+            </a:r>
+            <a:r>
+              <a:rPr lang="en-US" sz="2400" b="1" dirty="0" smtClean="0">
+                <a:latin typeface="Courier New"/>
+              </a:rPr>
+              <a:t> Specification {</a:t>
+            </a:r>
+          </a:p>
+          <a:p>
+            <a:r>
+              <a:rPr lang="en-US" sz="2400" dirty="0" smtClean="0">
+                <a:latin typeface="Courier New"/>
+              </a:rPr>
+              <a:t>  </a:t>
+            </a:r>
+            <a:r>
+              <a:rPr lang="en-US" sz="2400" dirty="0" smtClean="0">
+                <a:solidFill>
+                  <a:srgbClr val="2A00FF"/>
+                </a:solidFill>
+                <a:latin typeface="Courier New"/>
+              </a:rPr>
+              <a:t>"a reversed empty string must be empty"</a:t>
+            </a:r>
+            <a:r>
+              <a:rPr lang="en-US" sz="2400" dirty="0" smtClean="0">
+                <a:latin typeface="Courier New"/>
+              </a:rPr>
+              <a:t> in {</a:t>
+            </a:r>
+          </a:p>
+          <a:p>
+            <a:r>
+              <a:rPr lang="en-US" sz="2400" dirty="0" smtClean="0">
+                <a:latin typeface="Courier New"/>
+              </a:rPr>
+              <a:t>    reverse(</a:t>
+            </a:r>
+            <a:r>
+              <a:rPr lang="en-US" sz="2400" dirty="0" smtClean="0">
+                <a:solidFill>
+                  <a:srgbClr val="2A00FF"/>
+                </a:solidFill>
+                <a:latin typeface="Courier New"/>
+              </a:rPr>
+              <a:t>""</a:t>
+            </a:r>
+            <a:r>
+              <a:rPr lang="en-US" sz="2400" dirty="0" smtClean="0">
+                <a:latin typeface="Courier New"/>
+              </a:rPr>
+              <a:t>) must_== </a:t>
+            </a:r>
+            <a:r>
+              <a:rPr lang="en-US" sz="2400" dirty="0" smtClean="0">
+                <a:solidFill>
+                  <a:srgbClr val="2A00FF"/>
+                </a:solidFill>
+                <a:latin typeface="Courier New"/>
+              </a:rPr>
+              <a:t>""</a:t>
+            </a:r>
+            <a:r>
+              <a:rPr lang="en-US" sz="2400" dirty="0" smtClean="0">
+                <a:latin typeface="Courier New"/>
+              </a:rPr>
+              <a:t>  </a:t>
+            </a:r>
+          </a:p>
+          <a:p>
+            <a:r>
+              <a:rPr lang="en-US" sz="2400" dirty="0" smtClean="0">
+                <a:latin typeface="Courier New"/>
+              </a:rPr>
+              <a:t>  }</a:t>
+            </a:r>
+          </a:p>
+          <a:p>
+            <a:r>
+              <a:rPr lang="en-US" sz="2400" dirty="0" smtClean="0">
+                <a:latin typeface="Courier New"/>
+              </a:rPr>
+              <a:t>  </a:t>
+            </a:r>
+            <a:r>
+              <a:rPr lang="en-US" sz="2400" dirty="0" smtClean="0">
+                <a:solidFill>
+                  <a:srgbClr val="2A00FF"/>
+                </a:solidFill>
+                <a:latin typeface="Courier New"/>
+              </a:rPr>
+              <a:t>"a reversed empty string must really *be empty*"</a:t>
+            </a:r>
+            <a:r>
+              <a:rPr lang="en-US" sz="2400" dirty="0" smtClean="0">
+                <a:latin typeface="Courier New"/>
+              </a:rPr>
+              <a:t> in {</a:t>
+            </a:r>
+          </a:p>
+          <a:p>
+            <a:r>
+              <a:rPr lang="en-US" sz="2400" dirty="0" smtClean="0">
+                <a:latin typeface="Courier New"/>
+              </a:rPr>
+              <a:t>    reverse(</a:t>
+            </a:r>
+            <a:r>
+              <a:rPr lang="en-US" sz="2400" dirty="0" smtClean="0">
+                <a:solidFill>
+                  <a:srgbClr val="2A00FF"/>
+                </a:solidFill>
+                <a:latin typeface="Courier New"/>
+              </a:rPr>
+              <a:t>""</a:t>
+            </a:r>
+            <a:r>
+              <a:rPr lang="en-US" sz="2400" dirty="0" smtClean="0">
+                <a:latin typeface="Courier New"/>
+              </a:rPr>
+              <a:t>) must be empty</a:t>
+            </a:r>
+          </a:p>
+          <a:p>
+            <a:r>
+              <a:rPr lang="en-US" sz="2400" dirty="0" smtClean="0">
+                <a:latin typeface="Courier New"/>
+              </a:rPr>
+              <a:t>  }</a:t>
+            </a:r>
+          </a:p>
+          <a:p>
+            <a:r>
+              <a:rPr lang="en-US" sz="2400" dirty="0" smtClean="0">
+                <a:latin typeface="Courier New"/>
+              </a:rPr>
+              <a:t>  </a:t>
+            </a:r>
+            <a:r>
+              <a:rPr lang="en-US" sz="2400" dirty="0" smtClean="0">
+                <a:solidFill>
+                  <a:srgbClr val="2A00FF"/>
+                </a:solidFill>
+                <a:latin typeface="Courier New"/>
+              </a:rPr>
+              <a:t>"a reversed string must be reversed </a:t>
+            </a:r>
+            <a:r>
+              <a:rPr lang="en-US" sz="2400" dirty="0" err="1" smtClean="0">
+                <a:solidFill>
+                  <a:srgbClr val="2A00FF"/>
+                </a:solidFill>
+                <a:latin typeface="Courier New"/>
+              </a:rPr>
+              <a:t>abc</a:t>
+            </a:r>
+            <a:r>
+              <a:rPr lang="en-US" sz="2400" dirty="0" smtClean="0">
+                <a:solidFill>
+                  <a:srgbClr val="2A00FF"/>
+                </a:solidFill>
+                <a:latin typeface="Courier New"/>
+              </a:rPr>
+              <a:t> -&gt; </a:t>
+            </a:r>
+            <a:r>
+              <a:rPr lang="en-US" sz="2400" dirty="0" err="1" smtClean="0">
+                <a:solidFill>
+                  <a:srgbClr val="2A00FF"/>
+                </a:solidFill>
+                <a:latin typeface="Courier New"/>
+              </a:rPr>
+              <a:t>cba</a:t>
+            </a:r>
+            <a:r>
+              <a:rPr lang="en-US" sz="2400" dirty="0" smtClean="0">
+                <a:solidFill>
+                  <a:srgbClr val="2A00FF"/>
+                </a:solidFill>
+                <a:latin typeface="Courier New"/>
+              </a:rPr>
               <a:t>"</a:t>
             </a:r>
-          </a:p>
-          <a:p>
-            <a:r>
-              <a:rPr lang="en-US" sz="2400" dirty="0" smtClean="0"/>
+            <a:r>
+              <a:rPr lang="en-US" sz="2400" dirty="0" smtClean="0">
+                <a:latin typeface="Courier New"/>
+              </a:rPr>
+              <a:t> in {</a:t>
+            </a:r>
+          </a:p>
+          <a:p>
+            <a:r>
+              <a:rPr lang="en-US" sz="2400" dirty="0" smtClean="0">
+                <a:latin typeface="Courier New"/>
+              </a:rPr>
+              <a:t>    reverse(</a:t>
+            </a:r>
+            <a:r>
+              <a:rPr lang="en-US" sz="2400" dirty="0" smtClean="0">
+                <a:solidFill>
+                  <a:srgbClr val="2A00FF"/>
+                </a:solidFill>
+                <a:latin typeface="Courier New"/>
+              </a:rPr>
+              <a:t>"</a:t>
+            </a:r>
+            <a:r>
+              <a:rPr lang="en-US" sz="2400" dirty="0" err="1" smtClean="0">
+                <a:solidFill>
+                  <a:srgbClr val="2A00FF"/>
+                </a:solidFill>
+                <a:latin typeface="Courier New"/>
+              </a:rPr>
+              <a:t>abc</a:t>
+            </a:r>
+            <a:r>
+              <a:rPr lang="en-US" sz="2400" dirty="0" smtClean="0">
+                <a:solidFill>
+                  <a:srgbClr val="2A00FF"/>
+                </a:solidFill>
+                <a:latin typeface="Courier New"/>
+              </a:rPr>
+              <a:t>"</a:t>
+            </a:r>
+            <a:r>
+              <a:rPr lang="en-US" sz="2400" dirty="0" smtClean="0">
+                <a:latin typeface="Courier New"/>
+              </a:rPr>
+              <a:t>) must be_==(</a:t>
+            </a:r>
+            <a:r>
+              <a:rPr lang="en-US" sz="2400" dirty="0" smtClean="0">
+                <a:solidFill>
+                  <a:srgbClr val="2A00FF"/>
+                </a:solidFill>
+                <a:latin typeface="Courier New"/>
+              </a:rPr>
+              <a:t>"</a:t>
+            </a:r>
+            <a:r>
+              <a:rPr lang="en-US" sz="2400" dirty="0" err="1" smtClean="0">
+                <a:solidFill>
+                  <a:srgbClr val="2A00FF"/>
+                </a:solidFill>
+                <a:latin typeface="Courier New"/>
+              </a:rPr>
+              <a:t>cba</a:t>
+            </a:r>
+            <a:r>
+              <a:rPr lang="en-US" sz="2400" dirty="0" smtClean="0">
+                <a:solidFill>
+                  <a:srgbClr val="2A00FF"/>
+                </a:solidFill>
+                <a:latin typeface="Courier New"/>
+              </a:rPr>
+              <a:t>"</a:t>
+            </a:r>
+            <a:r>
+              <a:rPr lang="en-US" sz="2400" dirty="0" smtClean="0">
+                <a:latin typeface="Courier New"/>
+              </a:rPr>
+              <a:t>)</a:t>
+            </a:r>
+          </a:p>
+          <a:p>
+            <a:r>
+              <a:rPr lang="en-US" sz="2400" dirty="0" smtClean="0">
+                <a:latin typeface="Courier New"/>
+              </a:rPr>
+              <a:t>  }</a:t>
+            </a:r>
+          </a:p>
+          <a:p>
+            <a:r>
+              <a:rPr lang="en-US" sz="2400" dirty="0" smtClean="0">
+                <a:latin typeface="Courier New"/>
+              </a:rPr>
               <a:t>  </a:t>
             </a:r>
-          </a:p>
-          <a:p>
-            <a:r>
-              <a:rPr lang="en-US" sz="2400" dirty="0" smtClean="0"/>
-              <a:t>  + a reversed empty string must be empty</a:t>
-            </a:r>
-          </a:p>
-          <a:p>
-            <a:r>
-              <a:rPr lang="en-US" sz="2400" dirty="0" smtClean="0"/>
-              <a:t>  + a reversed empty string must really *be empty*</a:t>
-            </a:r>
-          </a:p>
-          <a:p>
-            <a:r>
-              <a:rPr lang="en-US" sz="2400" dirty="0" smtClean="0"/>
-              <a:t>  + a reversed string must be reversed </a:t>
-            </a:r>
-            <a:r>
-              <a:rPr lang="en-US" sz="2400" dirty="0" err="1" smtClean="0"/>
-              <a:t>abc</a:t>
-            </a:r>
-            <a:r>
-              <a:rPr lang="en-US" sz="2400" dirty="0" smtClean="0"/>
-              <a:t> -&gt; </a:t>
-            </a:r>
-            <a:r>
-              <a:rPr lang="en-US" sz="2400" dirty="0" err="1" smtClean="0"/>
-              <a:t>cba</a:t>
-            </a:r>
-            <a:endParaRPr lang="en-US" sz="2400" dirty="0" smtClean="0"/>
-          </a:p>
-          <a:p>
-            <a:r>
-              <a:rPr lang="en-US" sz="2400" dirty="0" smtClean="0"/>
-              <a:t>  x a longer reversed string must also be reversed. Woops!</a:t>
-            </a:r>
-          </a:p>
-          <a:p>
-            <a:r>
-              <a:rPr lang="en-US" sz="2400" dirty="0" smtClean="0"/>
-              <a:t>    '</a:t>
-            </a:r>
-            <a:r>
-              <a:rPr lang="en-US" sz="2400" dirty="0" err="1" smtClean="0"/>
-              <a:t>fedcba</a:t>
-            </a:r>
-            <a:r>
-              <a:rPr lang="en-US" sz="2400" dirty="0" smtClean="0"/>
-              <a:t>' is not equal to '</a:t>
-            </a:r>
-            <a:r>
-              <a:rPr lang="en-US" sz="2400" dirty="0" err="1" smtClean="0"/>
+            <a:r>
+              <a:rPr lang="en-US" sz="2400" dirty="0" smtClean="0">
+                <a:solidFill>
+                  <a:srgbClr val="2A00FF"/>
+                </a:solidFill>
+                <a:latin typeface="Courier New"/>
+              </a:rPr>
+              <a:t>"a longer reversed string must also be reversed. Woops!"</a:t>
+            </a:r>
+            <a:r>
+              <a:rPr lang="en-US" sz="2400" dirty="0" smtClean="0">
+                <a:latin typeface="Courier New"/>
+              </a:rPr>
+              <a:t> in {</a:t>
+            </a:r>
+          </a:p>
+          <a:p>
+            <a:r>
+              <a:rPr lang="en-US" sz="2400" dirty="0" smtClean="0">
+                <a:latin typeface="Courier New"/>
+              </a:rPr>
+              <a:t>    reverse(</a:t>
+            </a:r>
+            <a:r>
+              <a:rPr lang="en-US" sz="2400" dirty="0" smtClean="0">
+                <a:solidFill>
+                  <a:srgbClr val="2A00FF"/>
+                </a:solidFill>
+                <a:latin typeface="Courier New"/>
+              </a:rPr>
+              <a:t>"</a:t>
+            </a:r>
+            <a:r>
+              <a:rPr lang="en-US" sz="2400" dirty="0" err="1" smtClean="0">
+                <a:solidFill>
+                  <a:srgbClr val="2A00FF"/>
+                </a:solidFill>
+                <a:latin typeface="Courier New"/>
+              </a:rPr>
+              <a:t>abcdef</a:t>
+            </a:r>
+            <a:r>
+              <a:rPr lang="en-US" sz="2400" dirty="0" smtClean="0">
+                <a:solidFill>
+                  <a:srgbClr val="2A00FF"/>
+                </a:solidFill>
+                <a:latin typeface="Courier New"/>
+              </a:rPr>
+              <a:t>"</a:t>
+            </a:r>
+            <a:r>
+              <a:rPr lang="en-US" sz="2400" dirty="0" smtClean="0">
+                <a:latin typeface="Courier New"/>
+              </a:rPr>
+              <a:t>) must be_==(</a:t>
+            </a:r>
+            <a:r>
+              <a:rPr lang="en-US" sz="2400" dirty="0" smtClean="0">
+                <a:solidFill>
+                  <a:srgbClr val="2A00FF"/>
+                </a:solidFill>
+                <a:latin typeface="Courier New"/>
+              </a:rPr>
+              <a:t>"</a:t>
+            </a:r>
+            <a:r>
+              <a:rPr lang="en-US" sz="2400" dirty="0" err="1" smtClean="0">
+                <a:solidFill>
+                  <a:srgbClr val="2A00FF"/>
+                </a:solidFill>
+                <a:latin typeface="Courier New"/>
+              </a:rPr>
               <a:t>xxxxx</a:t>
             </a:r>
             <a:r>
-              <a:rPr lang="en-US" sz="2400" dirty="0" smtClean="0"/>
-              <a:t>' (</a:t>
-            </a:r>
-            <a:r>
-              <a:rPr lang="en-US" sz="2400" u="sng" dirty="0" smtClean="0"/>
-              <a:t>ReverserSpec.scala:17)</a:t>
-            </a:r>
-          </a:p>
-          <a:p>
-            <a:endParaRPr lang="en-US" sz="2400" dirty="0" smtClean="0"/>
-          </a:p>
-          <a:p>
-            <a:r>
-              <a:rPr lang="en-US" sz="2400" dirty="0" smtClean="0"/>
-              <a:t>Total for specification "</a:t>
-            </a:r>
-            <a:r>
-              <a:rPr lang="en-US" sz="2400" dirty="0" err="1" smtClean="0"/>
-              <a:t>ReverserSpec</a:t>
-            </a:r>
-            <a:r>
-              <a:rPr lang="en-US" sz="2400" dirty="0" smtClean="0"/>
-              <a:t>":</a:t>
-            </a:r>
-          </a:p>
-          <a:p>
-            <a:r>
-              <a:rPr lang="en-US" sz="2400" dirty="0" smtClean="0"/>
-              <a:t>Finished in 0 second, 140 ms</a:t>
-            </a:r>
-          </a:p>
-          <a:p>
-            <a:r>
-              <a:rPr lang="en-US" sz="2400" dirty="0" smtClean="0"/>
-              <a:t>4 examples, 4 expectations, 1 failure, 0 error</a:t>
+              <a:rPr lang="en-US" sz="2400" dirty="0" smtClean="0">
+                <a:solidFill>
+                  <a:srgbClr val="2A00FF"/>
+                </a:solidFill>
+                <a:latin typeface="Courier New"/>
+              </a:rPr>
+              <a:t>"</a:t>
+            </a:r>
+            <a:r>
+              <a:rPr lang="en-US" sz="2400" dirty="0" smtClean="0">
+                <a:latin typeface="Courier New"/>
+              </a:rPr>
+              <a:t>)</a:t>
+            </a:r>
+          </a:p>
+          <a:p>
+            <a:r>
+              <a:rPr lang="en-US" sz="2400" dirty="0" smtClean="0">
+                <a:latin typeface="Courier New"/>
+              </a:rPr>
+              <a:t>  }</a:t>
+            </a:r>
+          </a:p>
+          <a:p>
+            <a:r>
+              <a:rPr lang="en-US" sz="2400" dirty="0" smtClean="0">
+                <a:latin typeface="Courier New"/>
+              </a:rPr>
+              <a:t>}</a:t>
             </a:r>
             <a:endParaRPr lang="en-US" sz="2400" dirty="0"/>
           </a:p>
@@ -9991,8 +13081,8 @@
         </p:nvSpPr>
         <p:spPr>
           <a:xfrm>
-            <a:off x="711200" y="1143000"/>
-            <a:ext cx="11734800" cy="7478970"/>
+            <a:off x="711200" y="1295400"/>
+            <a:ext cx="11734800" cy="4154984"/>
           </a:xfrm>
           <a:prstGeom prst="rect">
             <a:avLst/>
@@ -10011,444 +13101,114 @@
           <a:lstStyle/>
           <a:p>
             <a:r>
-              <a:rPr lang="en-US" sz="2400" b="1" dirty="0" smtClean="0">
-                <a:solidFill>
-                  <a:srgbClr val="7F0055"/>
-                </a:solidFill>
-                <a:latin typeface="Courier New"/>
-              </a:rPr>
-              <a:t>class</a:t>
-            </a:r>
-            <a:r>
-              <a:rPr lang="en-US" sz="2400" b="1" dirty="0" smtClean="0">
-                <a:latin typeface="Courier New"/>
-              </a:rPr>
-              <a:t> Reverser2Spec </a:t>
-            </a:r>
-            <a:r>
-              <a:rPr lang="en-US" sz="2400" b="1" dirty="0" smtClean="0">
-                <a:solidFill>
-                  <a:srgbClr val="7F0055"/>
-                </a:solidFill>
-                <a:latin typeface="Courier New"/>
-              </a:rPr>
-              <a:t>extends</a:t>
-            </a:r>
-            <a:r>
-              <a:rPr lang="en-US" sz="2400" b="1" dirty="0" smtClean="0">
-                <a:latin typeface="Courier New"/>
-              </a:rPr>
-              <a:t> Specification {</a:t>
-            </a:r>
-          </a:p>
-          <a:p>
-            <a:r>
-              <a:rPr lang="en-US" sz="2400" dirty="0" smtClean="0">
-                <a:latin typeface="Courier New"/>
-              </a:rPr>
+              <a:rPr lang="en-US" sz="2400" dirty="0" smtClean="0"/>
+              <a:t>Specification "</a:t>
+            </a:r>
+            <a:r>
+              <a:rPr lang="en-US" sz="2400" dirty="0" err="1" smtClean="0"/>
+              <a:t>ReverserSpec</a:t>
+            </a:r>
+            <a:r>
+              <a:rPr lang="en-US" sz="2400" dirty="0" smtClean="0"/>
+              <a:t>"</a:t>
+            </a:r>
+          </a:p>
+          <a:p>
+            <a:r>
+              <a:rPr lang="en-US" sz="2400" dirty="0" smtClean="0"/>
               <a:t>  </a:t>
             </a:r>
-            <a:r>
-              <a:rPr lang="en-US" sz="2400" dirty="0" smtClean="0">
-                <a:solidFill>
-                  <a:srgbClr val="2A00FF"/>
-                </a:solidFill>
-                <a:latin typeface="Courier New"/>
-              </a:rPr>
-              <a:t>"a reversed empty string"</a:t>
-            </a:r>
-            <a:r>
-              <a:rPr lang="en-US" sz="2400" dirty="0" smtClean="0">
-                <a:latin typeface="Courier New"/>
-              </a:rPr>
-              <a:t> should {</a:t>
-            </a:r>
-          </a:p>
-          <a:p>
-            <a:r>
-              <a:rPr lang="en-US" sz="2400" b="1" dirty="0" smtClean="0">
-                <a:solidFill>
-                  <a:srgbClr val="7F0055"/>
-                </a:solidFill>
-                <a:latin typeface="Courier New"/>
-              </a:rPr>
-              <a:t>    </a:t>
-            </a:r>
-            <a:r>
-              <a:rPr lang="en-US" sz="2400" b="1" dirty="0" err="1" smtClean="0">
-                <a:solidFill>
-                  <a:srgbClr val="7F0055"/>
-                </a:solidFill>
-                <a:latin typeface="Courier New"/>
-              </a:rPr>
-              <a:t>val</a:t>
-            </a:r>
-            <a:r>
-              <a:rPr lang="en-US" sz="2400" b="1" dirty="0" smtClean="0">
-                <a:latin typeface="Courier New"/>
-              </a:rPr>
-              <a:t> reversed = reverse(</a:t>
-            </a:r>
-            <a:r>
-              <a:rPr lang="en-US" sz="2400" b="1" dirty="0" smtClean="0">
-                <a:solidFill>
-                  <a:srgbClr val="2A00FF"/>
-                </a:solidFill>
-                <a:latin typeface="Courier New"/>
-              </a:rPr>
-              <a:t>""</a:t>
-            </a:r>
-            <a:r>
-              <a:rPr lang="en-US" sz="2400" b="1" dirty="0" smtClean="0">
-                <a:latin typeface="Courier New"/>
-              </a:rPr>
-              <a:t>)  </a:t>
-            </a:r>
-          </a:p>
-          <a:p>
-            <a:r>
-              <a:rPr lang="en-US" sz="2400" dirty="0" smtClean="0">
-                <a:latin typeface="Courier New"/>
-              </a:rPr>
-              <a:t>    </a:t>
-            </a:r>
-            <a:r>
-              <a:rPr lang="en-US" sz="2400" dirty="0" smtClean="0">
-                <a:solidFill>
-                  <a:srgbClr val="2A00FF"/>
-                </a:solidFill>
-                <a:latin typeface="Courier New"/>
-              </a:rPr>
-              <a:t>"be empty"</a:t>
-            </a:r>
-            <a:r>
-              <a:rPr lang="en-US" sz="2400" dirty="0" smtClean="0">
-                <a:latin typeface="Courier New"/>
-              </a:rPr>
-              <a:t> in {</a:t>
-            </a:r>
-          </a:p>
-          <a:p>
-            <a:r>
-              <a:rPr lang="en-US" sz="2400" dirty="0" smtClean="0">
-                <a:latin typeface="Courier New"/>
-              </a:rPr>
-              <a:t>      reversed must_== </a:t>
-            </a:r>
-            <a:r>
-              <a:rPr lang="en-US" sz="2400" dirty="0" smtClean="0">
-                <a:solidFill>
-                  <a:srgbClr val="2A00FF"/>
-                </a:solidFill>
-                <a:latin typeface="Courier New"/>
-              </a:rPr>
-              <a:t>""</a:t>
-            </a:r>
-            <a:r>
-              <a:rPr lang="en-US" sz="2400" dirty="0" smtClean="0">
-                <a:latin typeface="Courier New"/>
-              </a:rPr>
-              <a:t>  </a:t>
-            </a:r>
-          </a:p>
-          <a:p>
-            <a:r>
-              <a:rPr lang="en-US" sz="2400" dirty="0" smtClean="0">
-                <a:latin typeface="Courier New"/>
-              </a:rPr>
-              <a:t>    }</a:t>
-            </a:r>
-          </a:p>
-          <a:p>
-            <a:r>
-              <a:rPr lang="en-US" sz="2400" dirty="0" smtClean="0">
-                <a:latin typeface="Courier New"/>
-              </a:rPr>
-              <a:t>    </a:t>
-            </a:r>
-            <a:r>
-              <a:rPr lang="en-US" sz="2400" dirty="0" smtClean="0">
-                <a:solidFill>
-                  <a:srgbClr val="2A00FF"/>
-                </a:solidFill>
-                <a:latin typeface="Courier New"/>
-              </a:rPr>
-              <a:t>"really *be empty*"</a:t>
-            </a:r>
-            <a:r>
-              <a:rPr lang="en-US" sz="2400" dirty="0" smtClean="0">
-                <a:latin typeface="Courier New"/>
-              </a:rPr>
-              <a:t> in {</a:t>
-            </a:r>
-          </a:p>
-          <a:p>
-            <a:r>
-              <a:rPr lang="en-US" sz="2400" dirty="0" smtClean="0">
-                <a:latin typeface="Courier New"/>
-              </a:rPr>
-              <a:t>      reversed must be empty</a:t>
-            </a:r>
-          </a:p>
-          <a:p>
-            <a:r>
-              <a:rPr lang="en-US" sz="2400" dirty="0" smtClean="0">
-                <a:latin typeface="Courier New"/>
-              </a:rPr>
-              <a:t>    }</a:t>
-            </a:r>
-          </a:p>
-          <a:p>
-            <a:r>
-              <a:rPr lang="en-US" sz="2400" dirty="0" smtClean="0">
-                <a:latin typeface="Courier New"/>
-              </a:rPr>
-              <a:t>  }</a:t>
-            </a:r>
-          </a:p>
-          <a:p>
-            <a:r>
-              <a:rPr lang="en-US" sz="2400" dirty="0" smtClean="0">
-                <a:latin typeface="Courier New"/>
-              </a:rPr>
-              <a:t>  </a:t>
-            </a:r>
-            <a:r>
-              <a:rPr lang="en-US" sz="2400" dirty="0" smtClean="0">
-                <a:solidFill>
-                  <a:srgbClr val="2A00FF"/>
-                </a:solidFill>
-                <a:latin typeface="Courier New"/>
-              </a:rPr>
-              <a:t>"a reversed non-empty string"</a:t>
-            </a:r>
-            <a:r>
-              <a:rPr lang="en-US" sz="2400" dirty="0" smtClean="0">
-                <a:latin typeface="Courier New"/>
-              </a:rPr>
-              <a:t> should {</a:t>
-            </a:r>
-          </a:p>
-          <a:p>
-            <a:r>
-              <a:rPr lang="en-US" sz="2400" b="1" dirty="0" smtClean="0">
-                <a:solidFill>
-                  <a:srgbClr val="7F0055"/>
-                </a:solidFill>
-                <a:latin typeface="Courier New"/>
-              </a:rPr>
-              <a:t>    </a:t>
-            </a:r>
-            <a:r>
-              <a:rPr lang="en-US" sz="2400" b="1" dirty="0" err="1" smtClean="0">
-                <a:solidFill>
-                  <a:srgbClr val="7F0055"/>
-                </a:solidFill>
-                <a:latin typeface="Courier New"/>
-              </a:rPr>
-              <a:t>val</a:t>
-            </a:r>
-            <a:r>
-              <a:rPr lang="en-US" sz="2400" b="1" dirty="0" smtClean="0">
-                <a:latin typeface="Courier New"/>
-              </a:rPr>
-              <a:t> reversed = reverse(</a:t>
-            </a:r>
-            <a:r>
-              <a:rPr lang="en-US" sz="2400" b="1" dirty="0" smtClean="0">
-                <a:solidFill>
-                  <a:srgbClr val="2A00FF"/>
-                </a:solidFill>
-                <a:latin typeface="Courier New"/>
-              </a:rPr>
-              <a:t>"</a:t>
-            </a:r>
-            <a:r>
-              <a:rPr lang="en-US" sz="2400" b="1" dirty="0" err="1" smtClean="0">
-                <a:solidFill>
-                  <a:srgbClr val="2A00FF"/>
-                </a:solidFill>
-                <a:latin typeface="Courier New"/>
-              </a:rPr>
+          </a:p>
+          <a:p>
+            <a:r>
+              <a:rPr lang="en-US" sz="2400" dirty="0" smtClean="0"/>
+              <a:t>  + a reversed empty string must be empty</a:t>
+            </a:r>
+          </a:p>
+          <a:p>
+            <a:r>
+              <a:rPr lang="en-US" sz="2400" dirty="0" smtClean="0"/>
+              <a:t>  + a reversed empty string must really *be empty*</a:t>
+            </a:r>
+          </a:p>
+          <a:p>
+            <a:r>
+              <a:rPr lang="en-US" sz="2400" dirty="0" smtClean="0"/>
+              <a:t>  + a reversed string must be reversed </a:t>
+            </a:r>
+            <a:r>
+              <a:rPr lang="en-US" sz="2400" dirty="0" err="1" smtClean="0"/>
               <a:t>abc</a:t>
             </a:r>
             <a:r>
-              <a:rPr lang="en-US" sz="2400" b="1" dirty="0" smtClean="0">
-                <a:solidFill>
-                  <a:srgbClr val="2A00FF"/>
-                </a:solidFill>
-                <a:latin typeface="Courier New"/>
-              </a:rPr>
-              <a:t>"</a:t>
-            </a:r>
-            <a:r>
-              <a:rPr lang="en-US" sz="2400" b="1" dirty="0" smtClean="0">
-                <a:latin typeface="Courier New"/>
-              </a:rPr>
-              <a:t>)  </a:t>
-            </a:r>
-          </a:p>
-          <a:p>
-            <a:r>
-              <a:rPr lang="en-US" sz="2400" dirty="0" smtClean="0">
-                <a:latin typeface="Courier New"/>
-              </a:rPr>
-              <a:t>    </a:t>
-            </a:r>
-            <a:r>
-              <a:rPr lang="en-US" sz="2400" dirty="0" smtClean="0">
-                <a:solidFill>
-                  <a:srgbClr val="2A00FF"/>
-                </a:solidFill>
-                <a:latin typeface="Courier New"/>
-              </a:rPr>
-              <a:t>"be reversed </a:t>
-            </a:r>
-            <a:r>
-              <a:rPr lang="en-US" sz="2400" dirty="0" err="1" smtClean="0">
-                <a:solidFill>
-                  <a:srgbClr val="2A00FF"/>
-                </a:solidFill>
-                <a:latin typeface="Courier New"/>
-              </a:rPr>
-              <a:t>abc</a:t>
-            </a:r>
-            <a:r>
-              <a:rPr lang="en-US" sz="2400" dirty="0" smtClean="0">
-                <a:solidFill>
-                  <a:srgbClr val="2A00FF"/>
-                </a:solidFill>
-                <a:latin typeface="Courier New"/>
-              </a:rPr>
+              <a:rPr lang="en-US" sz="2400" dirty="0" smtClean="0"/>
               <a:t> -&gt; </a:t>
             </a:r>
             <a:r>
-              <a:rPr lang="en-US" sz="2400" dirty="0" err="1" smtClean="0">
-                <a:solidFill>
-                  <a:srgbClr val="2A00FF"/>
-                </a:solidFill>
-                <a:latin typeface="Courier New"/>
-              </a:rPr>
+              <a:rPr lang="en-US" sz="2400" dirty="0" err="1" smtClean="0"/>
               <a:t>cba</a:t>
             </a:r>
-            <a:r>
-              <a:rPr lang="en-US" sz="2400" dirty="0" smtClean="0">
-                <a:solidFill>
-                  <a:srgbClr val="2A00FF"/>
-                </a:solidFill>
-                <a:latin typeface="Courier New"/>
-              </a:rPr>
-              <a:t>"</a:t>
-            </a:r>
-            <a:r>
-              <a:rPr lang="en-US" sz="2400" dirty="0" smtClean="0">
-                <a:latin typeface="Courier New"/>
-              </a:rPr>
-              <a:t> in {</a:t>
-            </a:r>
-          </a:p>
-          <a:p>
-            <a:r>
-              <a:rPr lang="en-US" sz="2400" dirty="0" smtClean="0">
-                <a:latin typeface="Courier New"/>
-              </a:rPr>
-              <a:t>      reversed must be_==(</a:t>
-            </a:r>
-            <a:r>
-              <a:rPr lang="en-US" sz="2400" dirty="0" smtClean="0">
-                <a:solidFill>
-                  <a:srgbClr val="2A00FF"/>
-                </a:solidFill>
-                <a:latin typeface="Courier New"/>
-              </a:rPr>
-              <a:t>"</a:t>
-            </a:r>
-            <a:r>
-              <a:rPr lang="en-US" sz="2400" dirty="0" err="1" smtClean="0">
-                <a:solidFill>
-                  <a:srgbClr val="2A00FF"/>
-                </a:solidFill>
-                <a:latin typeface="Courier New"/>
-              </a:rPr>
-              <a:t>cba</a:t>
-            </a:r>
-            <a:r>
-              <a:rPr lang="en-US" sz="2400" dirty="0" smtClean="0">
-                <a:solidFill>
-                  <a:srgbClr val="2A00FF"/>
-                </a:solidFill>
-                <a:latin typeface="Courier New"/>
-              </a:rPr>
-              <a:t>"</a:t>
-            </a:r>
-            <a:r>
-              <a:rPr lang="en-US" sz="2400" dirty="0" smtClean="0">
-                <a:latin typeface="Courier New"/>
-              </a:rPr>
-              <a:t>)</a:t>
-            </a:r>
-          </a:p>
-          <a:p>
-            <a:r>
-              <a:rPr lang="en-US" sz="2400" dirty="0" smtClean="0">
-                <a:latin typeface="Courier New"/>
-              </a:rPr>
-              <a:t>    }</a:t>
-            </a:r>
-          </a:p>
-          <a:p>
-            <a:r>
-              <a:rPr lang="en-US" sz="2400" dirty="0" smtClean="0">
-                <a:latin typeface="Courier New"/>
-              </a:rPr>
-              <a:t>    </a:t>
-            </a:r>
-            <a:r>
-              <a:rPr lang="en-US" sz="2400" dirty="0" smtClean="0">
-                <a:solidFill>
-                  <a:srgbClr val="2A00FF"/>
-                </a:solidFill>
-                <a:latin typeface="Courier New"/>
-              </a:rPr>
-              <a:t>"have the same size as the original string"</a:t>
-            </a:r>
-            <a:r>
-              <a:rPr lang="en-US" sz="2400" dirty="0" smtClean="0">
-                <a:latin typeface="Courier New"/>
-              </a:rPr>
-              <a:t> in {</a:t>
-            </a:r>
-          </a:p>
-          <a:p>
-            <a:r>
-              <a:rPr lang="en-US" sz="2400" dirty="0" smtClean="0">
-                <a:latin typeface="Courier New"/>
-              </a:rPr>
-              <a:t>      reversed must have size(3)</a:t>
-            </a:r>
-          </a:p>
-          <a:p>
-            <a:r>
-              <a:rPr lang="en-US" sz="2400" dirty="0" smtClean="0">
-                <a:latin typeface="Courier New"/>
-              </a:rPr>
-              <a:t>    }</a:t>
-            </a:r>
-          </a:p>
-          <a:p>
-            <a:r>
-              <a:rPr lang="en-US" sz="2400" dirty="0" smtClean="0">
-                <a:latin typeface="Courier New"/>
-              </a:rPr>
-              <a:t>  }</a:t>
-            </a:r>
-          </a:p>
-          <a:p>
-            <a:r>
-              <a:rPr lang="en-US" sz="2400" dirty="0" smtClean="0">
-                <a:latin typeface="Courier New"/>
-              </a:rPr>
-              <a:t>}</a:t>
+            <a:endParaRPr lang="en-US" sz="2400" dirty="0" smtClean="0"/>
+          </a:p>
+          <a:p>
+            <a:r>
+              <a:rPr lang="en-US" sz="2400" dirty="0" smtClean="0"/>
+              <a:t>  x a longer reversed string must also be reversed. Woops!</a:t>
+            </a:r>
+          </a:p>
+          <a:p>
+            <a:r>
+              <a:rPr lang="en-US" sz="2400" dirty="0" smtClean="0"/>
+              <a:t>    '</a:t>
+            </a:r>
+            <a:r>
+              <a:rPr lang="en-US" sz="2400" dirty="0" err="1" smtClean="0"/>
+              <a:t>fedcba</a:t>
+            </a:r>
+            <a:r>
+              <a:rPr lang="en-US" sz="2400" dirty="0" smtClean="0"/>
+              <a:t>' is not equal to '</a:t>
+            </a:r>
+            <a:r>
+              <a:rPr lang="en-US" sz="2400" dirty="0" err="1" smtClean="0"/>
+              <a:t>xxxxx</a:t>
+            </a:r>
+            <a:r>
+              <a:rPr lang="en-US" sz="2400" dirty="0" smtClean="0"/>
+              <a:t>' (</a:t>
+            </a:r>
+            <a:r>
+              <a:rPr lang="en-US" sz="2400" u="sng" dirty="0" smtClean="0"/>
+              <a:t>ReverserSpec.scala:17)</a:t>
+            </a:r>
+          </a:p>
+          <a:p>
+            <a:endParaRPr lang="en-US" sz="2400" dirty="0" smtClean="0"/>
+          </a:p>
+          <a:p>
+            <a:r>
+              <a:rPr lang="en-US" sz="2400" dirty="0" smtClean="0"/>
+              <a:t>Total for specification "</a:t>
+            </a:r>
+            <a:r>
+              <a:rPr lang="en-US" sz="2400" dirty="0" err="1" smtClean="0"/>
+              <a:t>ReverserSpec</a:t>
+            </a:r>
+            <a:r>
+              <a:rPr lang="en-US" sz="2400" dirty="0" smtClean="0"/>
+              <a:t>":</a:t>
+            </a:r>
+          </a:p>
+          <a:p>
+            <a:r>
+              <a:rPr lang="en-US" sz="2400" dirty="0" smtClean="0"/>
+              <a:t>Finished in 0 second, 140 ms</a:t>
+            </a:r>
+          </a:p>
+          <a:p>
+            <a:r>
+              <a:rPr lang="en-US" sz="2400" dirty="0" smtClean="0"/>
+              <a:t>4 examples, 4 expectations, 1 failure, 0 error</a:t>
             </a:r>
             <a:endParaRPr lang="en-US" sz="2400" dirty="0"/>
           </a:p>

--- a/src/main/resources/oscon_2010_specs.pptx
+++ b/src/main/resources/oscon_2010_specs.pptx
@@ -6,7 +6,7 @@
     <p:sldMasterId id="2147483651" r:id="rId2"/>
   </p:sldMasterIdLst>
   <p:notesMasterIdLst>
-    <p:notesMasterId r:id="rId19"/>
+    <p:notesMasterId r:id="rId23"/>
   </p:notesMasterIdLst>
   <p:sldIdLst>
     <p:sldId id="258" r:id="rId3"/>
@@ -23,8 +23,12 @@
     <p:sldId id="267" r:id="rId14"/>
     <p:sldId id="273" r:id="rId15"/>
     <p:sldId id="268" r:id="rId16"/>
-    <p:sldId id="269" r:id="rId17"/>
-    <p:sldId id="270" r:id="rId18"/>
+    <p:sldId id="274" r:id="rId17"/>
+    <p:sldId id="269" r:id="rId18"/>
+    <p:sldId id="270" r:id="rId19"/>
+    <p:sldId id="275" r:id="rId20"/>
+    <p:sldId id="277" r:id="rId21"/>
+    <p:sldId id="276" r:id="rId22"/>
   </p:sldIdLst>
   <p:sldSz cx="13004800" cy="9753600"/>
   <p:notesSz cx="6858000" cy="9144000"/>
@@ -1268,6 +1272,258 @@
 </p:notes>
 </file>
 
+<file path=ppt/notesSlides/notesSlide17.xml><?xml version="1.0" encoding="utf-8"?>
+<p:notes xmlns:a="http://schemas.openxmlformats.org/drawingml/2006/main" xmlns:r="http://schemas.openxmlformats.org/officeDocument/2006/relationships" xmlns:p="http://schemas.openxmlformats.org/presentationml/2006/main">
+  <p:cSld>
+    <p:spTree>
+      <p:nvGrpSpPr>
+        <p:cNvPr id="1" name=""/>
+        <p:cNvGrpSpPr/>
+        <p:nvPr/>
+      </p:nvGrpSpPr>
+      <p:grpSpPr>
+        <a:xfrm>
+          <a:off x="0" y="0"/>
+          <a:ext cx="0" cy="0"/>
+          <a:chOff x="0" y="0"/>
+          <a:chExt cx="0" cy="0"/>
+        </a:xfrm>
+      </p:grpSpPr>
+      <p:sp>
+        <p:nvSpPr>
+          <p:cNvPr id="7" name="Rectangle 7"/>
+          <p:cNvSpPr>
+            <a:spLocks noGrp="1"/>
+          </p:cNvSpPr>
+          <p:nvPr>
+            <p:ph type="sldNum" sz="quarter" idx="5"/>
+          </p:nvPr>
+        </p:nvSpPr>
+        <p:spPr>
+          <a:ln/>
+        </p:spPr>
+        <p:txBody>
+          <a:bodyPr/>
+          <a:lstStyle/>
+          <a:p>
+            <a:fld id="{27AEA7DA-096A-4FB7-B4B3-D12717EF4BDD}" type="slidenum">
+              <a:rPr lang="en-US"/>
+              <a:pPr/>
+              <a:t>17</a:t>
+            </a:fld>
+            <a:endParaRPr lang="en-US"/>
+          </a:p>
+        </p:txBody>
+      </p:sp>
+      <p:sp>
+        <p:nvSpPr>
+          <p:cNvPr id="19458" name="Rectangle 2"/>
+          <p:cNvSpPr>
+            <a:spLocks noGrp="1" noRot="1" noChangeAspect="1" noChangeArrowheads="1" noTextEdit="1"/>
+          </p:cNvSpPr>
+          <p:nvPr>
+            <p:ph type="sldImg"/>
+          </p:nvPr>
+        </p:nvSpPr>
+        <p:spPr>
+          <a:ln/>
+        </p:spPr>
+      </p:sp>
+      <p:sp>
+        <p:nvSpPr>
+          <p:cNvPr id="19459" name="Rectangle 3"/>
+          <p:cNvSpPr>
+            <a:spLocks noGrp="1"/>
+          </p:cNvSpPr>
+          <p:nvPr>
+            <p:ph type="body" idx="1"/>
+          </p:nvPr>
+        </p:nvSpPr>
+        <p:spPr/>
+        <p:txBody>
+          <a:bodyPr/>
+          <a:lstStyle/>
+          <a:p>
+            <a:endParaRPr lang="en-US"/>
+          </a:p>
+        </p:txBody>
+      </p:sp>
+    </p:spTree>
+  </p:cSld>
+  <p:clrMapOvr>
+    <a:masterClrMapping/>
+  </p:clrMapOvr>
+</p:notes>
+</file>
+
+<file path=ppt/notesSlides/notesSlide18.xml><?xml version="1.0" encoding="utf-8"?>
+<p:notes xmlns:a="http://schemas.openxmlformats.org/drawingml/2006/main" xmlns:r="http://schemas.openxmlformats.org/officeDocument/2006/relationships" xmlns:p="http://schemas.openxmlformats.org/presentationml/2006/main">
+  <p:cSld>
+    <p:spTree>
+      <p:nvGrpSpPr>
+        <p:cNvPr id="1" name=""/>
+        <p:cNvGrpSpPr/>
+        <p:nvPr/>
+      </p:nvGrpSpPr>
+      <p:grpSpPr>
+        <a:xfrm>
+          <a:off x="0" y="0"/>
+          <a:ext cx="0" cy="0"/>
+          <a:chOff x="0" y="0"/>
+          <a:chExt cx="0" cy="0"/>
+        </a:xfrm>
+      </p:grpSpPr>
+      <p:sp>
+        <p:nvSpPr>
+          <p:cNvPr id="7" name="Rectangle 7"/>
+          <p:cNvSpPr>
+            <a:spLocks noGrp="1"/>
+          </p:cNvSpPr>
+          <p:nvPr>
+            <p:ph type="sldNum" sz="quarter" idx="5"/>
+          </p:nvPr>
+        </p:nvSpPr>
+        <p:spPr>
+          <a:ln/>
+        </p:spPr>
+        <p:txBody>
+          <a:bodyPr/>
+          <a:lstStyle/>
+          <a:p>
+            <a:fld id="{27AEA7DA-096A-4FB7-B4B3-D12717EF4BDD}" type="slidenum">
+              <a:rPr lang="en-US"/>
+              <a:pPr/>
+              <a:t>18</a:t>
+            </a:fld>
+            <a:endParaRPr lang="en-US"/>
+          </a:p>
+        </p:txBody>
+      </p:sp>
+      <p:sp>
+        <p:nvSpPr>
+          <p:cNvPr id="19458" name="Rectangle 2"/>
+          <p:cNvSpPr>
+            <a:spLocks noGrp="1" noRot="1" noChangeAspect="1" noChangeArrowheads="1" noTextEdit="1"/>
+          </p:cNvSpPr>
+          <p:nvPr>
+            <p:ph type="sldImg"/>
+          </p:nvPr>
+        </p:nvSpPr>
+        <p:spPr>
+          <a:ln/>
+        </p:spPr>
+      </p:sp>
+      <p:sp>
+        <p:nvSpPr>
+          <p:cNvPr id="19459" name="Rectangle 3"/>
+          <p:cNvSpPr>
+            <a:spLocks noGrp="1"/>
+          </p:cNvSpPr>
+          <p:nvPr>
+            <p:ph type="body" idx="1"/>
+          </p:nvPr>
+        </p:nvSpPr>
+        <p:spPr/>
+        <p:txBody>
+          <a:bodyPr/>
+          <a:lstStyle/>
+          <a:p>
+            <a:endParaRPr lang="en-US"/>
+          </a:p>
+        </p:txBody>
+      </p:sp>
+    </p:spTree>
+  </p:cSld>
+  <p:clrMapOvr>
+    <a:masterClrMapping/>
+  </p:clrMapOvr>
+</p:notes>
+</file>
+
+<file path=ppt/notesSlides/notesSlide19.xml><?xml version="1.0" encoding="utf-8"?>
+<p:notes xmlns:a="http://schemas.openxmlformats.org/drawingml/2006/main" xmlns:r="http://schemas.openxmlformats.org/officeDocument/2006/relationships" xmlns:p="http://schemas.openxmlformats.org/presentationml/2006/main">
+  <p:cSld>
+    <p:spTree>
+      <p:nvGrpSpPr>
+        <p:cNvPr id="1" name=""/>
+        <p:cNvGrpSpPr/>
+        <p:nvPr/>
+      </p:nvGrpSpPr>
+      <p:grpSpPr>
+        <a:xfrm>
+          <a:off x="0" y="0"/>
+          <a:ext cx="0" cy="0"/>
+          <a:chOff x="0" y="0"/>
+          <a:chExt cx="0" cy="0"/>
+        </a:xfrm>
+      </p:grpSpPr>
+      <p:sp>
+        <p:nvSpPr>
+          <p:cNvPr id="7" name="Rectangle 7"/>
+          <p:cNvSpPr>
+            <a:spLocks noGrp="1"/>
+          </p:cNvSpPr>
+          <p:nvPr>
+            <p:ph type="sldNum" sz="quarter" idx="5"/>
+          </p:nvPr>
+        </p:nvSpPr>
+        <p:spPr>
+          <a:ln/>
+        </p:spPr>
+        <p:txBody>
+          <a:bodyPr/>
+          <a:lstStyle/>
+          <a:p>
+            <a:fld id="{27AEA7DA-096A-4FB7-B4B3-D12717EF4BDD}" type="slidenum">
+              <a:rPr lang="en-US"/>
+              <a:pPr/>
+              <a:t>19</a:t>
+            </a:fld>
+            <a:endParaRPr lang="en-US"/>
+          </a:p>
+        </p:txBody>
+      </p:sp>
+      <p:sp>
+        <p:nvSpPr>
+          <p:cNvPr id="19458" name="Rectangle 2"/>
+          <p:cNvSpPr>
+            <a:spLocks noGrp="1" noRot="1" noChangeAspect="1" noChangeArrowheads="1" noTextEdit="1"/>
+          </p:cNvSpPr>
+          <p:nvPr>
+            <p:ph type="sldImg"/>
+          </p:nvPr>
+        </p:nvSpPr>
+        <p:spPr>
+          <a:ln/>
+        </p:spPr>
+      </p:sp>
+      <p:sp>
+        <p:nvSpPr>
+          <p:cNvPr id="19459" name="Rectangle 3"/>
+          <p:cNvSpPr>
+            <a:spLocks noGrp="1"/>
+          </p:cNvSpPr>
+          <p:nvPr>
+            <p:ph type="body" idx="1"/>
+          </p:nvPr>
+        </p:nvSpPr>
+        <p:spPr/>
+        <p:txBody>
+          <a:bodyPr/>
+          <a:lstStyle/>
+          <a:p>
+            <a:endParaRPr lang="en-US"/>
+          </a:p>
+        </p:txBody>
+      </p:sp>
+    </p:spTree>
+  </p:cSld>
+  <p:clrMapOvr>
+    <a:masterClrMapping/>
+  </p:clrMapOvr>
+</p:notes>
+</file>
+
 <file path=ppt/notesSlides/notesSlide2.xml><?xml version="1.0" encoding="utf-8"?>
 <p:notes xmlns:a="http://schemas.openxmlformats.org/drawingml/2006/main" xmlns:r="http://schemas.openxmlformats.org/officeDocument/2006/relationships" xmlns:p="http://schemas.openxmlformats.org/presentationml/2006/main">
   <p:cSld>
@@ -1306,6 +1562,90 @@
               <a:rPr lang="en-US"/>
               <a:pPr/>
               <a:t>2</a:t>
+            </a:fld>
+            <a:endParaRPr lang="en-US"/>
+          </a:p>
+        </p:txBody>
+      </p:sp>
+      <p:sp>
+        <p:nvSpPr>
+          <p:cNvPr id="19458" name="Rectangle 2"/>
+          <p:cNvSpPr>
+            <a:spLocks noGrp="1" noRot="1" noChangeAspect="1" noChangeArrowheads="1" noTextEdit="1"/>
+          </p:cNvSpPr>
+          <p:nvPr>
+            <p:ph type="sldImg"/>
+          </p:nvPr>
+        </p:nvSpPr>
+        <p:spPr>
+          <a:ln/>
+        </p:spPr>
+      </p:sp>
+      <p:sp>
+        <p:nvSpPr>
+          <p:cNvPr id="19459" name="Rectangle 3"/>
+          <p:cNvSpPr>
+            <a:spLocks noGrp="1"/>
+          </p:cNvSpPr>
+          <p:nvPr>
+            <p:ph type="body" idx="1"/>
+          </p:nvPr>
+        </p:nvSpPr>
+        <p:spPr/>
+        <p:txBody>
+          <a:bodyPr/>
+          <a:lstStyle/>
+          <a:p>
+            <a:endParaRPr lang="en-US"/>
+          </a:p>
+        </p:txBody>
+      </p:sp>
+    </p:spTree>
+  </p:cSld>
+  <p:clrMapOvr>
+    <a:masterClrMapping/>
+  </p:clrMapOvr>
+</p:notes>
+</file>
+
+<file path=ppt/notesSlides/notesSlide20.xml><?xml version="1.0" encoding="utf-8"?>
+<p:notes xmlns:a="http://schemas.openxmlformats.org/drawingml/2006/main" xmlns:r="http://schemas.openxmlformats.org/officeDocument/2006/relationships" xmlns:p="http://schemas.openxmlformats.org/presentationml/2006/main">
+  <p:cSld>
+    <p:spTree>
+      <p:nvGrpSpPr>
+        <p:cNvPr id="1" name=""/>
+        <p:cNvGrpSpPr/>
+        <p:nvPr/>
+      </p:nvGrpSpPr>
+      <p:grpSpPr>
+        <a:xfrm>
+          <a:off x="0" y="0"/>
+          <a:ext cx="0" cy="0"/>
+          <a:chOff x="0" y="0"/>
+          <a:chExt cx="0" cy="0"/>
+        </a:xfrm>
+      </p:grpSpPr>
+      <p:sp>
+        <p:nvSpPr>
+          <p:cNvPr id="7" name="Rectangle 7"/>
+          <p:cNvSpPr>
+            <a:spLocks noGrp="1"/>
+          </p:cNvSpPr>
+          <p:nvPr>
+            <p:ph type="sldNum" sz="quarter" idx="5"/>
+          </p:nvPr>
+        </p:nvSpPr>
+        <p:spPr>
+          <a:ln/>
+        </p:spPr>
+        <p:txBody>
+          <a:bodyPr/>
+          <a:lstStyle/>
+          <a:p>
+            <a:fld id="{27AEA7DA-096A-4FB7-B4B3-D12717EF4BDD}" type="slidenum">
+              <a:rPr lang="en-US"/>
+              <a:pPr/>
+              <a:t>20</a:t>
             </a:fld>
             <a:endParaRPr lang="en-US"/>
           </a:p>
@@ -1760,7 +2100,42 @@
           <a:bodyPr/>
           <a:lstStyle/>
           <a:p>
-            <a:endParaRPr lang="en-US"/>
+            <a:r>
+              <a:rPr lang="en-US" dirty="0" smtClean="0"/>
+              <a:t>BDD </a:t>
+            </a:r>
+            <a:r>
+              <a:rPr lang="en-US" dirty="0" err="1" smtClean="0"/>
+              <a:t>linguo</a:t>
+            </a:r>
+            <a:r>
+              <a:rPr lang="en-US" dirty="0" smtClean="0"/>
+              <a:t>:</a:t>
+            </a:r>
+          </a:p>
+          <a:p>
+            <a:endParaRPr lang="en-US" dirty="0" smtClean="0"/>
+          </a:p>
+          <a:p>
+            <a:pPr>
+              <a:buFontTx/>
+              <a:buChar char="-"/>
+            </a:pPr>
+            <a:r>
+              <a:rPr lang="en-US" baseline="0" dirty="0" smtClean="0"/>
+              <a:t> Tests come after the fact so TDD is more like specifying the behavior to implement</a:t>
+            </a:r>
+          </a:p>
+          <a:p>
+            <a:pPr>
+              <a:buFontTx/>
+              <a:buNone/>
+            </a:pPr>
+            <a:r>
+              <a:rPr lang="en-US" baseline="0" dirty="0" smtClean="0"/>
+              <a:t>-  Then what is a specification? At the most basic level it is a bunch of examples</a:t>
+            </a:r>
+            <a:endParaRPr lang="en-US" dirty="0"/>
           </a:p>
         </p:txBody>
       </p:sp>
@@ -6567,8 +6942,8 @@
         </p:nvSpPr>
         <p:spPr bwMode="auto">
           <a:xfrm>
-            <a:off x="7416800" y="6477000"/>
-            <a:ext cx="5410200" cy="914400"/>
+            <a:off x="7874000" y="6629400"/>
+            <a:ext cx="4876800" cy="914400"/>
           </a:xfrm>
           <a:prstGeom prst="rect">
             <a:avLst/>
@@ -6608,7 +6983,7 @@
               <a:defRPr/>
             </a:pPr>
             <a:r>
-              <a:rPr lang="en-US" sz="5400" b="1" kern="0" dirty="0" smtClean="0">
+              <a:rPr lang="en-US" sz="4800" b="1" kern="0" dirty="0" smtClean="0">
                 <a:solidFill>
                   <a:srgbClr val="00CC66"/>
                 </a:solidFill>
@@ -6639,7 +7014,7 @@
               <a:defRPr/>
             </a:pPr>
             <a:r>
-              <a:rPr kumimoji="0" lang="en-US" sz="5400" b="1" i="0" u="none" strike="noStrike" kern="0" cap="none" spc="0" normalizeH="0" baseline="0" noProof="0" dirty="0" smtClean="0">
+              <a:rPr kumimoji="0" lang="en-US" sz="4800" b="1" i="0" u="none" strike="noStrike" kern="0" cap="none" spc="0" normalizeH="0" baseline="0" noProof="0" dirty="0" smtClean="0">
                 <a:ln>
                   <a:noFill/>
                 </a:ln>
@@ -6676,7 +7051,7 @@
               <a:defRPr/>
             </a:pPr>
             <a:r>
-              <a:rPr lang="en-US" sz="5400" b="1" kern="0" dirty="0" smtClean="0">
+              <a:rPr lang="en-US" sz="4800" b="1" kern="0" dirty="0" smtClean="0">
                 <a:solidFill>
                   <a:srgbClr val="00CC66"/>
                 </a:solidFill>
@@ -6685,21 +7060,9 @@
                 <a:cs typeface="+mj-cs"/>
                 <a:sym typeface="Arial" charset="0"/>
               </a:rPr>
-              <a:t>S</a:t>
-            </a:r>
-            <a:r>
-              <a:rPr lang="en-US" sz="5400" b="1" kern="0" dirty="0" smtClean="0">
-                <a:solidFill>
-                  <a:srgbClr val="00CC66"/>
-                </a:solidFill>
-                <a:latin typeface="Lucida Handwriting" pitchFamily="66" charset="0"/>
-                <a:ea typeface="+mj-ea"/>
-                <a:cs typeface="+mj-cs"/>
-                <a:sym typeface="Arial" charset="0"/>
-              </a:rPr>
-              <a:t>pecification</a:t>
-            </a:r>
-            <a:endParaRPr kumimoji="0" lang="en-US" sz="5000" b="1" i="0" u="none" strike="noStrike" kern="0" cap="none" spc="0" normalizeH="0" baseline="0" noProof="0" dirty="0">
+              <a:t>Specification</a:t>
+            </a:r>
+            <a:endParaRPr kumimoji="0" lang="en-US" sz="4800" b="1" i="0" u="none" strike="noStrike" kern="0" cap="none" spc="0" normalizeH="0" baseline="0" noProof="0" dirty="0">
               <a:ln>
                 <a:noFill/>
               </a:ln>
@@ -6804,7 +7167,7 @@
         </p:blipFill>
         <p:spPr bwMode="auto">
           <a:xfrm>
-            <a:off x="4597400" y="3200400"/>
+            <a:off x="4597400" y="2667000"/>
             <a:ext cx="2362200" cy="2362202"/>
           </a:xfrm>
           <a:prstGeom prst="rect">
@@ -7160,6 +7523,43 @@
               <a:cs typeface="+mj-cs"/>
               <a:sym typeface="Arial" charset="0"/>
             </a:endParaRPr>
+          </a:p>
+        </p:txBody>
+      </p:sp>
+      <p:sp>
+        <p:nvSpPr>
+          <p:cNvPr id="27" name="Rectangle 26"/>
+          <p:cNvSpPr/>
+          <p:nvPr/>
+        </p:nvSpPr>
+        <p:spPr>
+          <a:xfrm>
+            <a:off x="3911600" y="4724400"/>
+            <a:ext cx="3639138" cy="923330"/>
+          </a:xfrm>
+          <a:prstGeom prst="rect">
+            <a:avLst/>
+          </a:prstGeom>
+        </p:spPr>
+        <p:txBody>
+          <a:bodyPr wrap="none">
+            <a:spAutoFit/>
+          </a:bodyPr>
+          <a:lstStyle/>
+          <a:p>
+            <a:pPr algn="ctr"/>
+            <a:r>
+              <a:rPr lang="en-US" sz="5400" b="1" kern="0" dirty="0" err="1" smtClean="0">
+                <a:solidFill>
+                  <a:srgbClr val="0C0F20"/>
+                </a:solidFill>
+                <a:latin typeface="Lucida Handwriting" pitchFamily="66" charset="0"/>
+                <a:cs typeface="+mj-cs"/>
+                <a:sym typeface="Arial" charset="0"/>
+              </a:rPr>
+              <a:t>organise</a:t>
+            </a:r>
+            <a:endParaRPr lang="en-US" dirty="0"/>
           </a:p>
         </p:txBody>
       </p:sp>
@@ -7944,8 +8344,8 @@
         </p:nvSpPr>
         <p:spPr bwMode="auto">
           <a:xfrm>
-            <a:off x="7416800" y="6477000"/>
-            <a:ext cx="5410200" cy="914400"/>
+            <a:off x="8178800" y="6858000"/>
+            <a:ext cx="4038600" cy="914400"/>
           </a:xfrm>
           <a:prstGeom prst="rect">
             <a:avLst/>
@@ -8014,426 +8414,6 @@
           </a:p>
         </p:txBody>
       </p:sp>
-      <p:sp>
-        <p:nvSpPr>
-          <p:cNvPr id="17" name="Rectangle 1"/>
-          <p:cNvSpPr txBox="1">
-            <a:spLocks noChangeArrowheads="1"/>
-          </p:cNvSpPr>
-          <p:nvPr/>
-        </p:nvSpPr>
-        <p:spPr bwMode="auto">
-          <a:xfrm>
-            <a:off x="939800" y="1752600"/>
-            <a:ext cx="1676400" cy="685800"/>
-          </a:xfrm>
-          <a:prstGeom prst="rect">
-            <a:avLst/>
-          </a:prstGeom>
-          <a:noFill/>
-          <a:ln w="12700">
-            <a:noFill/>
-            <a:miter lim="800000"/>
-            <a:headEnd/>
-            <a:tailEnd/>
-          </a:ln>
-          <a:effectLst/>
-        </p:spPr>
-        <p:txBody>
-          <a:bodyPr vert="horz" wrap="square" lIns="50800" tIns="50800" rIns="50800" bIns="50800" numCol="1" anchor="ctr" anchorCtr="0" compatLnSpc="1">
-            <a:prstTxWarp prst="textNoShape">
-              <a:avLst/>
-            </a:prstTxWarp>
-          </a:bodyPr>
-          <a:lstStyle/>
-          <a:p>
-            <a:pPr lvl="0"/>
-            <a:r>
-              <a:rPr kumimoji="0" lang="en-US" sz="2800" b="1" i="0" u="none" strike="noStrike" kern="0" cap="none" spc="0" normalizeH="0" baseline="0" noProof="0" dirty="0" smtClean="0">
-                <a:ln>
-                  <a:noFill/>
-                </a:ln>
-                <a:solidFill>
-                  <a:srgbClr val="FF0000"/>
-                </a:solidFill>
-                <a:effectLst/>
-                <a:uLnTx/>
-                <a:uFillTx/>
-                <a:latin typeface="Candara" pitchFamily="34" charset="0"/>
-                <a:ea typeface="+mj-ea"/>
-                <a:cs typeface="+mj-cs"/>
-                <a:sym typeface="Arial" charset="0"/>
-              </a:rPr>
-              <a:t>repetition</a:t>
-            </a:r>
-            <a:endParaRPr kumimoji="0" lang="en-US" sz="2800" b="1" i="0" u="none" strike="noStrike" kern="0" cap="none" spc="0" normalizeH="0" baseline="0" noProof="0" dirty="0">
-              <a:ln>
-                <a:noFill/>
-              </a:ln>
-              <a:solidFill>
-                <a:srgbClr val="E75145"/>
-              </a:solidFill>
-              <a:effectLst/>
-              <a:uLnTx/>
-              <a:uFillTx/>
-              <a:latin typeface="Candara" pitchFamily="34" charset="0"/>
-              <a:ea typeface="+mj-ea"/>
-              <a:cs typeface="+mj-cs"/>
-              <a:sym typeface="Arial" charset="0"/>
-            </a:endParaRPr>
-          </a:p>
-        </p:txBody>
-      </p:sp>
-      <p:sp>
-        <p:nvSpPr>
-          <p:cNvPr id="22" name="Rectangle 1"/>
-          <p:cNvSpPr txBox="1">
-            <a:spLocks noChangeArrowheads="1"/>
-          </p:cNvSpPr>
-          <p:nvPr/>
-        </p:nvSpPr>
-        <p:spPr bwMode="auto">
-          <a:xfrm>
-            <a:off x="1092200" y="2057400"/>
-            <a:ext cx="1676400" cy="685800"/>
-          </a:xfrm>
-          <a:prstGeom prst="rect">
-            <a:avLst/>
-          </a:prstGeom>
-          <a:noFill/>
-          <a:ln w="12700">
-            <a:noFill/>
-            <a:miter lim="800000"/>
-            <a:headEnd/>
-            <a:tailEnd/>
-          </a:ln>
-          <a:effectLst/>
-        </p:spPr>
-        <p:txBody>
-          <a:bodyPr vert="horz" wrap="square" lIns="50800" tIns="50800" rIns="50800" bIns="50800" numCol="1" anchor="ctr" anchorCtr="0" compatLnSpc="1">
-            <a:prstTxWarp prst="textNoShape">
-              <a:avLst/>
-            </a:prstTxWarp>
-          </a:bodyPr>
-          <a:lstStyle/>
-          <a:p>
-            <a:pPr lvl="0"/>
-            <a:r>
-              <a:rPr kumimoji="0" lang="en-US" sz="2800" b="1" i="0" u="none" strike="noStrike" kern="0" cap="none" spc="0" normalizeH="0" baseline="0" noProof="0" dirty="0" smtClean="0">
-                <a:ln>
-                  <a:noFill/>
-                </a:ln>
-                <a:solidFill>
-                  <a:srgbClr val="FF0000"/>
-                </a:solidFill>
-                <a:effectLst/>
-                <a:uLnTx/>
-                <a:uFillTx/>
-                <a:latin typeface="Candara" pitchFamily="34" charset="0"/>
-                <a:ea typeface="+mj-ea"/>
-                <a:cs typeface="+mj-cs"/>
-                <a:sym typeface="Arial" charset="0"/>
-              </a:rPr>
-              <a:t>repetition</a:t>
-            </a:r>
-            <a:endParaRPr kumimoji="0" lang="en-US" sz="2800" b="1" i="0" u="none" strike="noStrike" kern="0" cap="none" spc="0" normalizeH="0" baseline="0" noProof="0" dirty="0">
-              <a:ln>
-                <a:noFill/>
-              </a:ln>
-              <a:solidFill>
-                <a:srgbClr val="E75145"/>
-              </a:solidFill>
-              <a:effectLst/>
-              <a:uLnTx/>
-              <a:uFillTx/>
-              <a:latin typeface="Candara" pitchFamily="34" charset="0"/>
-              <a:ea typeface="+mj-ea"/>
-              <a:cs typeface="+mj-cs"/>
-              <a:sym typeface="Arial" charset="0"/>
-            </a:endParaRPr>
-          </a:p>
-        </p:txBody>
-      </p:sp>
-      <p:sp>
-        <p:nvSpPr>
-          <p:cNvPr id="23" name="Rectangle 1"/>
-          <p:cNvSpPr txBox="1">
-            <a:spLocks noChangeArrowheads="1"/>
-          </p:cNvSpPr>
-          <p:nvPr/>
-        </p:nvSpPr>
-        <p:spPr bwMode="auto">
-          <a:xfrm>
-            <a:off x="1244600" y="1447800"/>
-            <a:ext cx="1676400" cy="685800"/>
-          </a:xfrm>
-          <a:prstGeom prst="rect">
-            <a:avLst/>
-          </a:prstGeom>
-          <a:noFill/>
-          <a:ln w="12700">
-            <a:noFill/>
-            <a:miter lim="800000"/>
-            <a:headEnd/>
-            <a:tailEnd/>
-          </a:ln>
-          <a:effectLst/>
-        </p:spPr>
-        <p:txBody>
-          <a:bodyPr vert="horz" wrap="square" lIns="50800" tIns="50800" rIns="50800" bIns="50800" numCol="1" anchor="ctr" anchorCtr="0" compatLnSpc="1">
-            <a:prstTxWarp prst="textNoShape">
-              <a:avLst/>
-            </a:prstTxWarp>
-          </a:bodyPr>
-          <a:lstStyle/>
-          <a:p>
-            <a:pPr lvl="0"/>
-            <a:r>
-              <a:rPr kumimoji="0" lang="en-US" sz="2800" b="1" i="0" u="none" strike="noStrike" kern="0" cap="none" spc="0" normalizeH="0" baseline="0" noProof="0" dirty="0" smtClean="0">
-                <a:ln>
-                  <a:noFill/>
-                </a:ln>
-                <a:solidFill>
-                  <a:srgbClr val="FF0000"/>
-                </a:solidFill>
-                <a:effectLst/>
-                <a:uLnTx/>
-                <a:uFillTx/>
-                <a:latin typeface="Candara" pitchFamily="34" charset="0"/>
-                <a:ea typeface="+mj-ea"/>
-                <a:cs typeface="+mj-cs"/>
-                <a:sym typeface="Arial" charset="0"/>
-              </a:rPr>
-              <a:t>repetition</a:t>
-            </a:r>
-            <a:endParaRPr kumimoji="0" lang="en-US" sz="2800" b="1" i="0" u="none" strike="noStrike" kern="0" cap="none" spc="0" normalizeH="0" baseline="0" noProof="0" dirty="0">
-              <a:ln>
-                <a:noFill/>
-              </a:ln>
-              <a:solidFill>
-                <a:srgbClr val="E75145"/>
-              </a:solidFill>
-              <a:effectLst/>
-              <a:uLnTx/>
-              <a:uFillTx/>
-              <a:latin typeface="Candara" pitchFamily="34" charset="0"/>
-              <a:ea typeface="+mj-ea"/>
-              <a:cs typeface="+mj-cs"/>
-              <a:sym typeface="Arial" charset="0"/>
-            </a:endParaRPr>
-          </a:p>
-        </p:txBody>
-      </p:sp>
-      <p:sp>
-        <p:nvSpPr>
-          <p:cNvPr id="24" name="Rectangle 1"/>
-          <p:cNvSpPr txBox="1">
-            <a:spLocks noChangeArrowheads="1"/>
-          </p:cNvSpPr>
-          <p:nvPr/>
-        </p:nvSpPr>
-        <p:spPr bwMode="auto">
-          <a:xfrm>
-            <a:off x="1397000" y="2286000"/>
-            <a:ext cx="1676400" cy="685800"/>
-          </a:xfrm>
-          <a:prstGeom prst="rect">
-            <a:avLst/>
-          </a:prstGeom>
-          <a:noFill/>
-          <a:ln w="12700">
-            <a:noFill/>
-            <a:miter lim="800000"/>
-            <a:headEnd/>
-            <a:tailEnd/>
-          </a:ln>
-          <a:effectLst/>
-        </p:spPr>
-        <p:txBody>
-          <a:bodyPr vert="horz" wrap="square" lIns="50800" tIns="50800" rIns="50800" bIns="50800" numCol="1" anchor="ctr" anchorCtr="0" compatLnSpc="1">
-            <a:prstTxWarp prst="textNoShape">
-              <a:avLst/>
-            </a:prstTxWarp>
-          </a:bodyPr>
-          <a:lstStyle/>
-          <a:p>
-            <a:pPr lvl="0"/>
-            <a:r>
-              <a:rPr kumimoji="0" lang="en-US" sz="2800" b="1" i="0" u="none" strike="noStrike" kern="0" cap="none" spc="0" normalizeH="0" baseline="0" noProof="0" dirty="0" smtClean="0">
-                <a:ln>
-                  <a:noFill/>
-                </a:ln>
-                <a:solidFill>
-                  <a:srgbClr val="FF0000"/>
-                </a:solidFill>
-                <a:effectLst/>
-                <a:uLnTx/>
-                <a:uFillTx/>
-                <a:latin typeface="Candara" pitchFamily="34" charset="0"/>
-                <a:ea typeface="+mj-ea"/>
-                <a:cs typeface="+mj-cs"/>
-                <a:sym typeface="Arial" charset="0"/>
-              </a:rPr>
-              <a:t>repetition</a:t>
-            </a:r>
-            <a:endParaRPr kumimoji="0" lang="en-US" sz="2800" b="1" i="0" u="none" strike="noStrike" kern="0" cap="none" spc="0" normalizeH="0" baseline="0" noProof="0" dirty="0">
-              <a:ln>
-                <a:noFill/>
-              </a:ln>
-              <a:solidFill>
-                <a:srgbClr val="E75145"/>
-              </a:solidFill>
-              <a:effectLst/>
-              <a:uLnTx/>
-              <a:uFillTx/>
-              <a:latin typeface="Candara" pitchFamily="34" charset="0"/>
-              <a:ea typeface="+mj-ea"/>
-              <a:cs typeface="+mj-cs"/>
-              <a:sym typeface="Arial" charset="0"/>
-            </a:endParaRPr>
-          </a:p>
-        </p:txBody>
-      </p:sp>
-      <p:sp>
-        <p:nvSpPr>
-          <p:cNvPr id="25" name="Rectangle 1"/>
-          <p:cNvSpPr txBox="1">
-            <a:spLocks noChangeArrowheads="1"/>
-          </p:cNvSpPr>
-          <p:nvPr/>
-        </p:nvSpPr>
-        <p:spPr bwMode="auto">
-          <a:xfrm>
-            <a:off x="787400" y="2590800"/>
-            <a:ext cx="1676400" cy="685800"/>
-          </a:xfrm>
-          <a:prstGeom prst="rect">
-            <a:avLst/>
-          </a:prstGeom>
-          <a:noFill/>
-          <a:ln w="12700">
-            <a:noFill/>
-            <a:miter lim="800000"/>
-            <a:headEnd/>
-            <a:tailEnd/>
-          </a:ln>
-          <a:effectLst/>
-        </p:spPr>
-        <p:txBody>
-          <a:bodyPr vert="horz" wrap="square" lIns="50800" tIns="50800" rIns="50800" bIns="50800" numCol="1" anchor="ctr" anchorCtr="0" compatLnSpc="1">
-            <a:prstTxWarp prst="textNoShape">
-              <a:avLst/>
-            </a:prstTxWarp>
-          </a:bodyPr>
-          <a:lstStyle/>
-          <a:p>
-            <a:pPr lvl="0"/>
-            <a:r>
-              <a:rPr kumimoji="0" lang="en-US" sz="2800" b="1" i="0" u="none" strike="noStrike" kern="0" cap="none" spc="0" normalizeH="0" baseline="0" noProof="0" dirty="0" smtClean="0">
-                <a:ln>
-                  <a:noFill/>
-                </a:ln>
-                <a:solidFill>
-                  <a:srgbClr val="FF0000"/>
-                </a:solidFill>
-                <a:effectLst/>
-                <a:uLnTx/>
-                <a:uFillTx/>
-                <a:latin typeface="Candara" pitchFamily="34" charset="0"/>
-                <a:ea typeface="+mj-ea"/>
-                <a:cs typeface="+mj-cs"/>
-                <a:sym typeface="Arial" charset="0"/>
-              </a:rPr>
-              <a:t>repetition</a:t>
-            </a:r>
-            <a:endParaRPr kumimoji="0" lang="en-US" sz="2800" b="1" i="0" u="none" strike="noStrike" kern="0" cap="none" spc="0" normalizeH="0" baseline="0" noProof="0" dirty="0">
-              <a:ln>
-                <a:noFill/>
-              </a:ln>
-              <a:solidFill>
-                <a:srgbClr val="E75145"/>
-              </a:solidFill>
-              <a:effectLst/>
-              <a:uLnTx/>
-              <a:uFillTx/>
-              <a:latin typeface="Candara" pitchFamily="34" charset="0"/>
-              <a:ea typeface="+mj-ea"/>
-              <a:cs typeface="+mj-cs"/>
-              <a:sym typeface="Arial" charset="0"/>
-            </a:endParaRPr>
-          </a:p>
-        </p:txBody>
-      </p:sp>
-      <p:sp>
-        <p:nvSpPr>
-          <p:cNvPr id="26" name="Rectangle 1"/>
-          <p:cNvSpPr txBox="1">
-            <a:spLocks noChangeArrowheads="1"/>
-          </p:cNvSpPr>
-          <p:nvPr/>
-        </p:nvSpPr>
-        <p:spPr bwMode="auto">
-          <a:xfrm>
-            <a:off x="635000" y="1219200"/>
-            <a:ext cx="1676400" cy="685800"/>
-          </a:xfrm>
-          <a:prstGeom prst="rect">
-            <a:avLst/>
-          </a:prstGeom>
-          <a:noFill/>
-          <a:ln w="12700">
-            <a:noFill/>
-            <a:miter lim="800000"/>
-            <a:headEnd/>
-            <a:tailEnd/>
-          </a:ln>
-          <a:effectLst/>
-        </p:spPr>
-        <p:txBody>
-          <a:bodyPr vert="horz" wrap="square" lIns="50800" tIns="50800" rIns="50800" bIns="50800" numCol="1" anchor="ctr" anchorCtr="0" compatLnSpc="1">
-            <a:prstTxWarp prst="textNoShape">
-              <a:avLst/>
-            </a:prstTxWarp>
-          </a:bodyPr>
-          <a:lstStyle/>
-          <a:p>
-            <a:pPr lvl="0"/>
-            <a:r>
-              <a:rPr kumimoji="0" lang="en-US" sz="2800" b="1" i="0" u="none" strike="noStrike" kern="0" cap="none" spc="0" normalizeH="0" baseline="0" noProof="0" dirty="0" smtClean="0">
-                <a:ln>
-                  <a:noFill/>
-                </a:ln>
-                <a:solidFill>
-                  <a:srgbClr val="FF0000"/>
-                </a:solidFill>
-                <a:effectLst/>
-                <a:uLnTx/>
-                <a:uFillTx/>
-                <a:latin typeface="Candara" pitchFamily="34" charset="0"/>
-                <a:ea typeface="+mj-ea"/>
-                <a:cs typeface="+mj-cs"/>
-                <a:sym typeface="Arial" charset="0"/>
-              </a:rPr>
-              <a:t>repetition</a:t>
-            </a:r>
-            <a:endParaRPr kumimoji="0" lang="en-US" sz="2800" b="1" i="0" u="none" strike="noStrike" kern="0" cap="none" spc="0" normalizeH="0" baseline="0" noProof="0" dirty="0">
-              <a:ln>
-                <a:noFill/>
-              </a:ln>
-              <a:solidFill>
-                <a:srgbClr val="E75145"/>
-              </a:solidFill>
-              <a:effectLst/>
-              <a:uLnTx/>
-              <a:uFillTx/>
-              <a:latin typeface="Candara" pitchFamily="34" charset="0"/>
-              <a:ea typeface="+mj-ea"/>
-              <a:cs typeface="+mj-cs"/>
-              <a:sym typeface="Arial" charset="0"/>
-            </a:endParaRPr>
-          </a:p>
-        </p:txBody>
-      </p:sp>
       <p:pic>
         <p:nvPicPr>
           <p:cNvPr id="58370" name="Picture 2" descr="application, code, html, xml icon"/>
@@ -8444,6 +8424,32 @@
         </p:nvPicPr>
         <p:blipFill>
           <a:blip r:embed="rId4"/>
+          <a:srcRect l="17647" t="35294" r="17647" b="35294"/>
+          <a:stretch>
+            <a:fillRect/>
+          </a:stretch>
+        </p:blipFill>
+        <p:spPr bwMode="auto">
+          <a:xfrm>
+            <a:off x="558800" y="1447800"/>
+            <a:ext cx="1676400" cy="762000"/>
+          </a:xfrm>
+          <a:prstGeom prst="rect">
+            <a:avLst/>
+          </a:prstGeom>
+          <a:noFill/>
+        </p:spPr>
+      </p:pic>
+      <p:pic>
+        <p:nvPicPr>
+          <p:cNvPr id="58373" name="Picture 5" descr="microscope icon"/>
+          <p:cNvPicPr>
+            <a:picLocks noChangeAspect="1" noChangeArrowheads="1"/>
+          </p:cNvPicPr>
+          <p:nvPr/>
+        </p:nvPicPr>
+        <p:blipFill>
+          <a:blip r:embed="rId5"/>
           <a:srcRect/>
           <a:stretch>
             <a:fillRect/>
@@ -8451,8 +8457,8 @@
         </p:blipFill>
         <p:spPr bwMode="auto">
           <a:xfrm>
-            <a:off x="4902200" y="3124200"/>
-            <a:ext cx="2590800" cy="2590802"/>
+            <a:off x="4902200" y="2743200"/>
+            <a:ext cx="2743200" cy="2743202"/>
           </a:xfrm>
           <a:prstGeom prst="rect">
             <a:avLst/>
@@ -8460,6 +8466,95 @@
           <a:noFill/>
         </p:spPr>
       </p:pic>
+      <p:pic>
+        <p:nvPicPr>
+          <p:cNvPr id="15" name="Picture 2" descr="application, code, html, xml icon"/>
+          <p:cNvPicPr>
+            <a:picLocks noChangeAspect="1" noChangeArrowheads="1"/>
+          </p:cNvPicPr>
+          <p:nvPr/>
+        </p:nvPicPr>
+        <p:blipFill>
+          <a:blip r:embed="rId4"/>
+          <a:srcRect l="17647" t="35294" r="17647" b="35294"/>
+          <a:stretch>
+            <a:fillRect/>
+          </a:stretch>
+        </p:blipFill>
+        <p:spPr bwMode="auto">
+          <a:xfrm>
+            <a:off x="863600" y="2362200"/>
+            <a:ext cx="1676400" cy="762000"/>
+          </a:xfrm>
+          <a:prstGeom prst="rect">
+            <a:avLst/>
+          </a:prstGeom>
+          <a:noFill/>
+        </p:spPr>
+      </p:pic>
+      <p:pic>
+        <p:nvPicPr>
+          <p:cNvPr id="16" name="Picture 2" descr="application, code, html, xml icon"/>
+          <p:cNvPicPr>
+            <a:picLocks noChangeAspect="1" noChangeArrowheads="1"/>
+          </p:cNvPicPr>
+          <p:nvPr/>
+        </p:nvPicPr>
+        <p:blipFill>
+          <a:blip r:embed="rId4"/>
+          <a:srcRect l="17647" t="35294" r="17647" b="35294"/>
+          <a:stretch>
+            <a:fillRect/>
+          </a:stretch>
+        </p:blipFill>
+        <p:spPr bwMode="auto">
+          <a:xfrm>
+            <a:off x="2235200" y="1828800"/>
+            <a:ext cx="1676400" cy="762000"/>
+          </a:xfrm>
+          <a:prstGeom prst="rect">
+            <a:avLst/>
+          </a:prstGeom>
+          <a:noFill/>
+        </p:spPr>
+      </p:pic>
+      <p:sp>
+        <p:nvSpPr>
+          <p:cNvPr id="18" name="Rectangle 17"/>
+          <p:cNvSpPr/>
+          <p:nvPr/>
+        </p:nvSpPr>
+        <p:spPr>
+          <a:xfrm>
+            <a:off x="4276141" y="5257800"/>
+            <a:ext cx="4131259" cy="923330"/>
+          </a:xfrm>
+          <a:prstGeom prst="rect">
+            <a:avLst/>
+          </a:prstGeom>
+        </p:spPr>
+        <p:txBody>
+          <a:bodyPr wrap="none">
+            <a:spAutoFit/>
+          </a:bodyPr>
+          <a:lstStyle/>
+          <a:p>
+            <a:pPr algn="ctr"/>
+            <a:r>
+              <a:rPr lang="en-US" sz="5400" b="1" kern="0" dirty="0" smtClean="0">
+                <a:solidFill>
+                  <a:srgbClr val="0C0F20"/>
+                </a:solidFill>
+                <a:latin typeface="Lucida Handwriting" pitchFamily="66" charset="0"/>
+                <a:cs typeface="+mj-cs"/>
+                <a:sym typeface="Arial" charset="0"/>
+              </a:rPr>
+              <a:t>Be specific</a:t>
+            </a:r>
+            <a:endParaRPr lang="en-US" dirty="0"/>
+          </a:p>
+        </p:txBody>
+      </p:sp>
     </p:spTree>
   </p:cSld>
   <p:clrMapOvr>
@@ -9111,344 +9206,173 @@
       </p:pic>
       <p:sp>
         <p:nvSpPr>
-          <p:cNvPr id="6" name="Rectangle 5"/>
-          <p:cNvSpPr/>
+          <p:cNvPr id="8" name="Rectangle 1"/>
+          <p:cNvSpPr txBox="1">
+            <a:spLocks noChangeArrowheads="1"/>
+          </p:cNvSpPr>
           <p:nvPr/>
         </p:nvSpPr>
-        <p:spPr>
+        <p:spPr bwMode="auto">
           <a:xfrm>
-            <a:off x="330200" y="1143000"/>
-            <a:ext cx="12344400" cy="7109639"/>
+            <a:off x="8178800" y="6858000"/>
+            <a:ext cx="4038600" cy="914400"/>
           </a:xfrm>
           <a:prstGeom prst="rect">
             <a:avLst/>
           </a:prstGeom>
-          <a:ln>
-            <a:solidFill>
-              <a:schemeClr val="tx1"/>
-            </a:solidFill>
-            <a:prstDash val="dash"/>
+          <a:noFill/>
+          <a:ln w="12700">
+            <a:noFill/>
+            <a:miter lim="800000"/>
+            <a:headEnd/>
+            <a:tailEnd/>
           </a:ln>
+          <a:effectLst/>
         </p:spPr>
         <p:txBody>
-          <a:bodyPr wrap="square">
+          <a:bodyPr vert="horz" wrap="square" lIns="50800" tIns="50800" rIns="50800" bIns="50800" numCol="1" anchor="ctr" anchorCtr="0" compatLnSpc="1">
+            <a:prstTxWarp prst="textNoShape">
+              <a:avLst/>
+            </a:prstTxWarp>
+          </a:bodyPr>
+          <a:lstStyle/>
+          <a:p>
+            <a:pPr marL="0" marR="0" lvl="0" indent="0" defTabSz="914400" rtl="0" eaLnBrk="1" fontAlgn="base" latinLnBrk="0" hangingPunct="1">
+              <a:lnSpc>
+                <a:spcPct val="100000"/>
+              </a:lnSpc>
+              <a:spcBef>
+                <a:spcPct val="0"/>
+              </a:spcBef>
+              <a:spcAft>
+                <a:spcPct val="0"/>
+              </a:spcAft>
+              <a:buClrTx/>
+              <a:buSzTx/>
+              <a:buFontTx/>
+              <a:buNone/>
+              <a:tabLst/>
+              <a:defRPr/>
+            </a:pPr>
+            <a:r>
+              <a:rPr lang="en-US" sz="5400" b="1" kern="0" dirty="0" smtClean="0">
+                <a:solidFill>
+                  <a:srgbClr val="00CC66"/>
+                </a:solidFill>
+                <a:latin typeface="Lucida Handwriting" pitchFamily="66" charset="0"/>
+                <a:ea typeface="+mj-ea"/>
+                <a:cs typeface="+mj-cs"/>
+                <a:sym typeface="Arial" charset="0"/>
+              </a:rPr>
+              <a:t>Properties</a:t>
+            </a:r>
+            <a:endParaRPr kumimoji="0" lang="en-US" sz="5000" b="1" i="0" u="none" strike="noStrike" kern="0" cap="none" spc="0" normalizeH="0" baseline="0" noProof="0" dirty="0">
+              <a:ln>
+                <a:noFill/>
+              </a:ln>
+              <a:solidFill>
+                <a:srgbClr val="00CC66"/>
+              </a:solidFill>
+              <a:effectLst/>
+              <a:uLnTx/>
+              <a:uFillTx/>
+              <a:latin typeface="+mj-lt"/>
+              <a:ea typeface="+mj-ea"/>
+              <a:cs typeface="+mj-cs"/>
+              <a:sym typeface="Arial" charset="0"/>
+            </a:endParaRPr>
+          </a:p>
+        </p:txBody>
+      </p:sp>
+      <p:sp>
+        <p:nvSpPr>
+          <p:cNvPr id="18" name="Rectangle 17"/>
+          <p:cNvSpPr/>
+          <p:nvPr/>
+        </p:nvSpPr>
+        <p:spPr>
+          <a:xfrm>
+            <a:off x="3606800" y="5257800"/>
+            <a:ext cx="5514650" cy="923330"/>
+          </a:xfrm>
+          <a:prstGeom prst="rect">
+            <a:avLst/>
+          </a:prstGeom>
+        </p:spPr>
+        <p:txBody>
+          <a:bodyPr wrap="none">
             <a:spAutoFit/>
           </a:bodyPr>
           <a:lstStyle/>
           <a:p>
-            <a:r>
-              <a:rPr lang="en-US" sz="2400" b="1" dirty="0" smtClean="0">
+            <a:pPr algn="ctr"/>
+            <a:r>
+              <a:rPr lang="en-US" sz="5400" b="1" kern="0" dirty="0" smtClean="0">
                 <a:solidFill>
-                  <a:srgbClr val="7F0055"/>
+                  <a:srgbClr val="0C0F20"/>
                 </a:solidFill>
-                <a:latin typeface="Courier New"/>
-              </a:rPr>
-              <a:t>class</a:t>
-            </a:r>
-            <a:r>
-              <a:rPr lang="en-US" sz="2400" b="1" dirty="0" smtClean="0">
-                <a:latin typeface="Courier New"/>
-              </a:rPr>
-              <a:t> Reverser3Spec </a:t>
-            </a:r>
-            <a:r>
-              <a:rPr lang="en-US" sz="2400" b="1" dirty="0" smtClean="0">
-                <a:solidFill>
-                  <a:srgbClr val="7F0055"/>
-                </a:solidFill>
-                <a:latin typeface="Courier New"/>
-              </a:rPr>
-              <a:t>extends</a:t>
-            </a:r>
-            <a:r>
-              <a:rPr lang="en-US" sz="2400" b="1" dirty="0" smtClean="0">
-                <a:latin typeface="Courier New"/>
-              </a:rPr>
-              <a:t> </a:t>
-            </a:r>
-            <a:r>
-              <a:rPr lang="en-US" sz="2400" b="1" dirty="0" err="1" smtClean="0">
-                <a:latin typeface="Courier New"/>
-              </a:rPr>
-              <a:t>SpecificationWithJUnit</a:t>
-            </a:r>
-            <a:r>
-              <a:rPr lang="en-US" sz="2400" b="1" dirty="0" smtClean="0">
-                <a:latin typeface="Courier New"/>
-              </a:rPr>
-              <a:t> </a:t>
-            </a:r>
-          </a:p>
-          <a:p>
-            <a:r>
-              <a:rPr lang="en-US" sz="2400" b="1" dirty="0" smtClean="0">
-                <a:solidFill>
-                  <a:srgbClr val="7F0055"/>
-                </a:solidFill>
-                <a:latin typeface="Courier New"/>
-              </a:rPr>
-              <a:t>                            with</a:t>
-            </a:r>
-            <a:r>
-              <a:rPr lang="en-US" sz="2400" b="1" dirty="0" smtClean="0">
-                <a:latin typeface="Courier New"/>
-              </a:rPr>
-              <a:t> </a:t>
-            </a:r>
-            <a:r>
-              <a:rPr lang="en-US" sz="2400" b="1" dirty="0" err="1" smtClean="0">
-                <a:latin typeface="Courier New"/>
-              </a:rPr>
-              <a:t>ScalaCheck</a:t>
-            </a:r>
-            <a:r>
-              <a:rPr lang="en-US" sz="2400" b="1" dirty="0" smtClean="0">
-                <a:latin typeface="Courier New"/>
-              </a:rPr>
-              <a:t> {</a:t>
-            </a:r>
-          </a:p>
-          <a:p>
-            <a:endParaRPr lang="en-US" sz="2400" dirty="0" smtClean="0">
-              <a:solidFill>
-                <a:srgbClr val="2A00FF"/>
-              </a:solidFill>
-              <a:latin typeface="Courier New"/>
-            </a:endParaRPr>
-          </a:p>
-          <a:p>
-            <a:r>
-              <a:rPr lang="en-US" sz="2400" dirty="0" smtClean="0">
-                <a:solidFill>
-                  <a:srgbClr val="2A00FF"/>
-                </a:solidFill>
-                <a:latin typeface="Courier New"/>
-              </a:rPr>
-              <a:t>  "reverse must preserve the length of a string"</a:t>
-            </a:r>
-            <a:r>
-              <a:rPr lang="en-US" sz="2400" dirty="0" smtClean="0">
-                <a:latin typeface="Courier New"/>
-              </a:rPr>
-              <a:t> verifies { </a:t>
-            </a:r>
-          </a:p>
-          <a:p>
-            <a:r>
-              <a:rPr lang="en-US" sz="2400" dirty="0" smtClean="0">
-                <a:latin typeface="Courier New"/>
-              </a:rPr>
-              <a:t>    s: String =&gt; reverse(s).size == </a:t>
-            </a:r>
-            <a:r>
-              <a:rPr lang="en-US" sz="2400" dirty="0" err="1" smtClean="0">
-                <a:latin typeface="Courier New"/>
-              </a:rPr>
-              <a:t>s.size</a:t>
-            </a:r>
-            <a:r>
-              <a:rPr lang="en-US" sz="2400" dirty="0" smtClean="0">
-                <a:latin typeface="Courier New"/>
-              </a:rPr>
-              <a:t> </a:t>
-            </a:r>
-          </a:p>
-          <a:p>
-            <a:r>
-              <a:rPr lang="en-US" sz="2400" dirty="0" smtClean="0">
-                <a:latin typeface="Courier New"/>
-              </a:rPr>
-              <a:t>  }</a:t>
-            </a:r>
-          </a:p>
-          <a:p>
-            <a:r>
-              <a:rPr lang="en-US" sz="2400" dirty="0" smtClean="0">
-                <a:solidFill>
-                  <a:srgbClr val="2A00FF"/>
-                </a:solidFill>
-                <a:latin typeface="Courier New"/>
-              </a:rPr>
-              <a:t>  "reverse applied twice must return the same string"</a:t>
-            </a:r>
-            <a:r>
-              <a:rPr lang="en-US" sz="2400" dirty="0" smtClean="0">
-                <a:latin typeface="Courier New"/>
-              </a:rPr>
-              <a:t> verifies {   </a:t>
-            </a:r>
-          </a:p>
-          <a:p>
-            <a:r>
-              <a:rPr lang="en-US" sz="2400" dirty="0" smtClean="0">
-                <a:latin typeface="Courier New"/>
-              </a:rPr>
-              <a:t>    s: String =&gt; reverse(reverse(s)) == s </a:t>
-            </a:r>
-          </a:p>
-          <a:p>
-            <a:r>
-              <a:rPr lang="en-US" sz="2400" dirty="0" smtClean="0">
-                <a:latin typeface="Courier New"/>
-              </a:rPr>
-              <a:t>  }</a:t>
-            </a:r>
-          </a:p>
-          <a:p>
-            <a:r>
-              <a:rPr lang="en-US" sz="2400" dirty="0" smtClean="0">
-                <a:solidFill>
-                  <a:srgbClr val="2A00FF"/>
-                </a:solidFill>
-                <a:latin typeface="Courier New"/>
-              </a:rPr>
-              <a:t>  "reverse 2 concatenated strings must return the reversed second </a:t>
-            </a:r>
-          </a:p>
-          <a:p>
-            <a:r>
-              <a:rPr lang="en-US" sz="2400" dirty="0" smtClean="0">
-                <a:solidFill>
-                  <a:srgbClr val="2A00FF"/>
-                </a:solidFill>
-                <a:latin typeface="Courier New"/>
-              </a:rPr>
-              <a:t>   string concatenated with the reversed first one"</a:t>
-            </a:r>
-            <a:r>
-              <a:rPr lang="en-US" sz="2400" dirty="0" smtClean="0">
-                <a:latin typeface="Courier New"/>
-              </a:rPr>
-              <a:t> verifies {</a:t>
-            </a:r>
-          </a:p>
-          <a:p>
-            <a:r>
-              <a:rPr lang="en-US" sz="2400" dirty="0" smtClean="0">
-                <a:latin typeface="Courier New"/>
-              </a:rPr>
-              <a:t>    (s1: String, s2: String) =&gt; reverse(s1 + s2) == </a:t>
-            </a:r>
-          </a:p>
-          <a:p>
-            <a:r>
-              <a:rPr lang="en-US" sz="2400" dirty="0" smtClean="0">
-                <a:latin typeface="Courier New"/>
-              </a:rPr>
-              <a:t>                                reverse(s2) + reverse(s1) </a:t>
-            </a:r>
-          </a:p>
-          <a:p>
-            <a:r>
-              <a:rPr lang="en-US" sz="2400" dirty="0" smtClean="0">
-                <a:latin typeface="Courier New"/>
-              </a:rPr>
-              <a:t>  }</a:t>
-            </a:r>
-          </a:p>
-          <a:p>
-            <a:r>
-              <a:rPr lang="en-US" sz="2400" dirty="0" smtClean="0">
-                <a:latin typeface="Courier New"/>
-              </a:rPr>
-              <a:t>  </a:t>
-            </a:r>
-            <a:r>
-              <a:rPr lang="en-US" sz="2400" b="1" dirty="0" smtClean="0">
-                <a:solidFill>
-                  <a:srgbClr val="7F0055"/>
-                </a:solidFill>
-                <a:latin typeface="Courier New"/>
-              </a:rPr>
-              <a:t>def</a:t>
-            </a:r>
-            <a:r>
-              <a:rPr lang="en-US" sz="2400" b="1" dirty="0" smtClean="0">
-                <a:latin typeface="Courier New"/>
-              </a:rPr>
-              <a:t> </a:t>
-            </a:r>
-            <a:r>
-              <a:rPr lang="en-US" sz="2400" dirty="0" smtClean="0">
-                <a:latin typeface="Courier New"/>
-              </a:rPr>
-              <a:t>center(s: String) = s(</a:t>
-            </a:r>
-            <a:r>
-              <a:rPr lang="en-US" sz="2400" dirty="0" err="1" smtClean="0">
-                <a:latin typeface="Courier New"/>
-              </a:rPr>
-              <a:t>s.size</a:t>
-            </a:r>
-            <a:r>
-              <a:rPr lang="en-US" sz="2400" dirty="0" smtClean="0">
-                <a:latin typeface="Courier New"/>
-              </a:rPr>
-              <a:t> / 2)</a:t>
-            </a:r>
-          </a:p>
-          <a:p>
-            <a:r>
-              <a:rPr lang="en-US" sz="2400" dirty="0" smtClean="0">
-                <a:solidFill>
-                  <a:srgbClr val="2A00FF"/>
-                </a:solidFill>
-                <a:latin typeface="Courier New"/>
-              </a:rPr>
-              <a:t>  "keep the same 'center' character - Woops!"</a:t>
-            </a:r>
-            <a:r>
-              <a:rPr lang="en-US" sz="2400" dirty="0" smtClean="0">
-                <a:latin typeface="Courier New"/>
-              </a:rPr>
-              <a:t> verifies { </a:t>
-            </a:r>
-          </a:p>
-          <a:p>
-            <a:r>
-              <a:rPr lang="en-US" sz="2400" dirty="0" smtClean="0">
-                <a:latin typeface="Courier New"/>
-              </a:rPr>
-              <a:t>    s: String =&gt; </a:t>
-            </a:r>
-            <a:r>
-              <a:rPr lang="en-US" sz="2400" dirty="0" err="1" smtClean="0">
-                <a:latin typeface="Courier New"/>
-              </a:rPr>
-              <a:t>s.isEmpty</a:t>
-            </a:r>
-            <a:r>
-              <a:rPr lang="en-US" sz="2400" dirty="0" smtClean="0">
-                <a:latin typeface="Courier New"/>
-              </a:rPr>
-              <a:t> || center(reverse(s)) == center(s) </a:t>
-            </a:r>
-          </a:p>
-          <a:p>
-            <a:r>
-              <a:rPr lang="en-US" sz="2400" dirty="0" smtClean="0">
-                <a:latin typeface="Courier New"/>
-              </a:rPr>
-              <a:t>  </a:t>
-            </a:r>
-            <a:r>
-              <a:rPr lang="en-US" sz="2400" dirty="0" smtClean="0">
-                <a:latin typeface="Courier New"/>
-              </a:rPr>
-              <a:t>}</a:t>
-            </a:r>
-          </a:p>
-          <a:p>
-            <a:r>
-              <a:rPr lang="en-US" sz="2400" dirty="0" smtClean="0">
-                <a:latin typeface="Courier New"/>
-              </a:rPr>
-              <a:t>}</a:t>
-            </a:r>
-            <a:endParaRPr lang="en-US" sz="2400" dirty="0"/>
+                <a:latin typeface="Lucida Handwriting" pitchFamily="66" charset="0"/>
+                <a:cs typeface="+mj-cs"/>
+                <a:sym typeface="Arial" charset="0"/>
+              </a:rPr>
+              <a:t>Be exhaustive</a:t>
+            </a:r>
+            <a:endParaRPr lang="en-US" dirty="0"/>
           </a:p>
         </p:txBody>
       </p:sp>
+      <p:pic>
+        <p:nvPicPr>
+          <p:cNvPr id="60418" name="Picture 2" descr="binary, tree icon"/>
+          <p:cNvPicPr>
+            <a:picLocks noChangeAspect="1" noChangeArrowheads="1"/>
+          </p:cNvPicPr>
+          <p:nvPr/>
+        </p:nvPicPr>
+        <p:blipFill>
+          <a:blip r:embed="rId4"/>
+          <a:srcRect/>
+          <a:stretch>
+            <a:fillRect/>
+          </a:stretch>
+        </p:blipFill>
+        <p:spPr bwMode="auto">
+          <a:xfrm>
+            <a:off x="558800" y="1219200"/>
+            <a:ext cx="2438400" cy="2438402"/>
+          </a:xfrm>
+          <a:prstGeom prst="rect">
+            <a:avLst/>
+          </a:prstGeom>
+          <a:noFill/>
+        </p:spPr>
+      </p:pic>
+      <p:pic>
+        <p:nvPicPr>
+          <p:cNvPr id="60428" name="Picture 12" descr="http://cdn.iconfinder.net/data/icons/humano2/128x128/apps/stock_task.png"/>
+          <p:cNvPicPr>
+            <a:picLocks noChangeAspect="1" noChangeArrowheads="1"/>
+          </p:cNvPicPr>
+          <p:nvPr/>
+        </p:nvPicPr>
+        <p:blipFill>
+          <a:blip r:embed="rId5"/>
+          <a:srcRect/>
+          <a:stretch>
+            <a:fillRect/>
+          </a:stretch>
+        </p:blipFill>
+        <p:spPr bwMode="auto">
+          <a:xfrm>
+            <a:off x="5054600" y="2895600"/>
+            <a:ext cx="2286000" cy="2286002"/>
+          </a:xfrm>
+          <a:prstGeom prst="rect">
+            <a:avLst/>
+          </a:prstGeom>
+          <a:noFill/>
+        </p:spPr>
+      </p:pic>
     </p:spTree>
   </p:cSld>
   <p:clrMapOvr>
@@ -9547,6 +9471,435 @@
         <p:spPr>
           <a:xfrm>
             <a:off x="330200" y="1143000"/>
+            <a:ext cx="12344400" cy="7109639"/>
+          </a:xfrm>
+          <a:prstGeom prst="rect">
+            <a:avLst/>
+          </a:prstGeom>
+          <a:ln>
+            <a:solidFill>
+              <a:schemeClr val="tx1"/>
+            </a:solidFill>
+            <a:prstDash val="dash"/>
+          </a:ln>
+        </p:spPr>
+        <p:txBody>
+          <a:bodyPr wrap="square">
+            <a:spAutoFit/>
+          </a:bodyPr>
+          <a:lstStyle/>
+          <a:p>
+            <a:r>
+              <a:rPr lang="en-US" sz="2400" b="1" dirty="0" smtClean="0">
+                <a:solidFill>
+                  <a:srgbClr val="7F0055"/>
+                </a:solidFill>
+                <a:latin typeface="Courier New"/>
+              </a:rPr>
+              <a:t>class</a:t>
+            </a:r>
+            <a:r>
+              <a:rPr lang="en-US" sz="2400" b="1" dirty="0" smtClean="0">
+                <a:latin typeface="Courier New"/>
+              </a:rPr>
+              <a:t> Reverser3Spec </a:t>
+            </a:r>
+            <a:r>
+              <a:rPr lang="en-US" sz="2400" b="1" dirty="0" smtClean="0">
+                <a:solidFill>
+                  <a:srgbClr val="7F0055"/>
+                </a:solidFill>
+                <a:latin typeface="Courier New"/>
+              </a:rPr>
+              <a:t>extends</a:t>
+            </a:r>
+            <a:r>
+              <a:rPr lang="en-US" sz="2400" b="1" dirty="0" smtClean="0">
+                <a:latin typeface="Courier New"/>
+              </a:rPr>
+              <a:t> </a:t>
+            </a:r>
+            <a:r>
+              <a:rPr lang="en-US" sz="2400" b="1" dirty="0" err="1" smtClean="0">
+                <a:latin typeface="Courier New"/>
+              </a:rPr>
+              <a:t>SpecificationWithJUnit</a:t>
+            </a:r>
+            <a:r>
+              <a:rPr lang="en-US" sz="2400" b="1" dirty="0" smtClean="0">
+                <a:latin typeface="Courier New"/>
+              </a:rPr>
+              <a:t> </a:t>
+            </a:r>
+          </a:p>
+          <a:p>
+            <a:r>
+              <a:rPr lang="en-US" sz="2400" b="1" dirty="0" smtClean="0">
+                <a:solidFill>
+                  <a:srgbClr val="7F0055"/>
+                </a:solidFill>
+                <a:latin typeface="Courier New"/>
+              </a:rPr>
+              <a:t>                            with</a:t>
+            </a:r>
+            <a:r>
+              <a:rPr lang="en-US" sz="2400" b="1" dirty="0" smtClean="0">
+                <a:latin typeface="Courier New"/>
+              </a:rPr>
+              <a:t> </a:t>
+            </a:r>
+            <a:r>
+              <a:rPr lang="en-US" sz="2400" b="1" dirty="0" err="1" smtClean="0">
+                <a:latin typeface="Courier New"/>
+              </a:rPr>
+              <a:t>ScalaCheck</a:t>
+            </a:r>
+            <a:r>
+              <a:rPr lang="en-US" sz="2400" b="1" dirty="0" smtClean="0">
+                <a:latin typeface="Courier New"/>
+              </a:rPr>
+              <a:t> {</a:t>
+            </a:r>
+          </a:p>
+          <a:p>
+            <a:endParaRPr lang="en-US" sz="2400" dirty="0" smtClean="0">
+              <a:solidFill>
+                <a:srgbClr val="2A00FF"/>
+              </a:solidFill>
+              <a:latin typeface="Courier New"/>
+            </a:endParaRPr>
+          </a:p>
+          <a:p>
+            <a:r>
+              <a:rPr lang="en-US" sz="2400" dirty="0" smtClean="0">
+                <a:solidFill>
+                  <a:srgbClr val="2A00FF"/>
+                </a:solidFill>
+                <a:latin typeface="Courier New"/>
+              </a:rPr>
+              <a:t>  "reverse must preserve the length of a string"</a:t>
+            </a:r>
+            <a:r>
+              <a:rPr lang="en-US" sz="2400" dirty="0" smtClean="0">
+                <a:latin typeface="Courier New"/>
+              </a:rPr>
+              <a:t> verifies { </a:t>
+            </a:r>
+          </a:p>
+          <a:p>
+            <a:r>
+              <a:rPr lang="en-US" sz="2400" dirty="0" smtClean="0">
+                <a:latin typeface="Courier New"/>
+              </a:rPr>
+              <a:t>    s: String =&gt; reverse(s).size == </a:t>
+            </a:r>
+            <a:r>
+              <a:rPr lang="en-US" sz="2400" dirty="0" err="1" smtClean="0">
+                <a:latin typeface="Courier New"/>
+              </a:rPr>
+              <a:t>s.size</a:t>
+            </a:r>
+            <a:r>
+              <a:rPr lang="en-US" sz="2400" dirty="0" smtClean="0">
+                <a:latin typeface="Courier New"/>
+              </a:rPr>
+              <a:t> </a:t>
+            </a:r>
+          </a:p>
+          <a:p>
+            <a:r>
+              <a:rPr lang="en-US" sz="2400" dirty="0" smtClean="0">
+                <a:latin typeface="Courier New"/>
+              </a:rPr>
+              <a:t>  }</a:t>
+            </a:r>
+          </a:p>
+          <a:p>
+            <a:r>
+              <a:rPr lang="en-US" sz="2400" dirty="0" smtClean="0">
+                <a:solidFill>
+                  <a:srgbClr val="2A00FF"/>
+                </a:solidFill>
+                <a:latin typeface="Courier New"/>
+              </a:rPr>
+              <a:t>  "reverse applied twice must return the same string"</a:t>
+            </a:r>
+            <a:r>
+              <a:rPr lang="en-US" sz="2400" dirty="0" smtClean="0">
+                <a:latin typeface="Courier New"/>
+              </a:rPr>
+              <a:t> verifies {   </a:t>
+            </a:r>
+          </a:p>
+          <a:p>
+            <a:r>
+              <a:rPr lang="en-US" sz="2400" dirty="0" smtClean="0">
+                <a:latin typeface="Courier New"/>
+              </a:rPr>
+              <a:t>    s: String =&gt; reverse(reverse(s)) == s </a:t>
+            </a:r>
+          </a:p>
+          <a:p>
+            <a:r>
+              <a:rPr lang="en-US" sz="2400" dirty="0" smtClean="0">
+                <a:latin typeface="Courier New"/>
+              </a:rPr>
+              <a:t>  }</a:t>
+            </a:r>
+          </a:p>
+          <a:p>
+            <a:r>
+              <a:rPr lang="en-US" sz="2400" dirty="0" smtClean="0">
+                <a:solidFill>
+                  <a:srgbClr val="2A00FF"/>
+                </a:solidFill>
+                <a:latin typeface="Courier New"/>
+              </a:rPr>
+              <a:t>  "reverse 2 concatenated strings must return the reversed second </a:t>
+            </a:r>
+          </a:p>
+          <a:p>
+            <a:r>
+              <a:rPr lang="en-US" sz="2400" dirty="0" smtClean="0">
+                <a:solidFill>
+                  <a:srgbClr val="2A00FF"/>
+                </a:solidFill>
+                <a:latin typeface="Courier New"/>
+              </a:rPr>
+              <a:t>   string concatenated with the reversed first one"</a:t>
+            </a:r>
+            <a:r>
+              <a:rPr lang="en-US" sz="2400" dirty="0" smtClean="0">
+                <a:latin typeface="Courier New"/>
+              </a:rPr>
+              <a:t> verifies {</a:t>
+            </a:r>
+          </a:p>
+          <a:p>
+            <a:r>
+              <a:rPr lang="en-US" sz="2400" dirty="0" smtClean="0">
+                <a:latin typeface="Courier New"/>
+              </a:rPr>
+              <a:t>    (s1: String, s2: String) =&gt; reverse(s1 + s2) == </a:t>
+            </a:r>
+          </a:p>
+          <a:p>
+            <a:r>
+              <a:rPr lang="en-US" sz="2400" dirty="0" smtClean="0">
+                <a:latin typeface="Courier New"/>
+              </a:rPr>
+              <a:t>                                reverse(s2) + reverse(s1) </a:t>
+            </a:r>
+          </a:p>
+          <a:p>
+            <a:r>
+              <a:rPr lang="en-US" sz="2400" dirty="0" smtClean="0">
+                <a:latin typeface="Courier New"/>
+              </a:rPr>
+              <a:t>  }</a:t>
+            </a:r>
+          </a:p>
+          <a:p>
+            <a:r>
+              <a:rPr lang="en-US" sz="2400" dirty="0" smtClean="0">
+                <a:latin typeface="Courier New"/>
+              </a:rPr>
+              <a:t>  </a:t>
+            </a:r>
+            <a:r>
+              <a:rPr lang="en-US" sz="2400" b="1" dirty="0" smtClean="0">
+                <a:solidFill>
+                  <a:srgbClr val="7F0055"/>
+                </a:solidFill>
+                <a:latin typeface="Courier New"/>
+              </a:rPr>
+              <a:t>def</a:t>
+            </a:r>
+            <a:r>
+              <a:rPr lang="en-US" sz="2400" b="1" dirty="0" smtClean="0">
+                <a:latin typeface="Courier New"/>
+              </a:rPr>
+              <a:t> </a:t>
+            </a:r>
+            <a:r>
+              <a:rPr lang="en-US" sz="2400" dirty="0" smtClean="0">
+                <a:latin typeface="Courier New"/>
+              </a:rPr>
+              <a:t>center(s: String) = s(</a:t>
+            </a:r>
+            <a:r>
+              <a:rPr lang="en-US" sz="2400" dirty="0" err="1" smtClean="0">
+                <a:latin typeface="Courier New"/>
+              </a:rPr>
+              <a:t>s.size</a:t>
+            </a:r>
+            <a:r>
+              <a:rPr lang="en-US" sz="2400" dirty="0" smtClean="0">
+                <a:latin typeface="Courier New"/>
+              </a:rPr>
+              <a:t> / 2)</a:t>
+            </a:r>
+          </a:p>
+          <a:p>
+            <a:r>
+              <a:rPr lang="en-US" sz="2400" dirty="0" smtClean="0">
+                <a:solidFill>
+                  <a:srgbClr val="2A00FF"/>
+                </a:solidFill>
+                <a:latin typeface="Courier New"/>
+              </a:rPr>
+              <a:t>  "keep the same 'center' character - Woops!"</a:t>
+            </a:r>
+            <a:r>
+              <a:rPr lang="en-US" sz="2400" dirty="0" smtClean="0">
+                <a:latin typeface="Courier New"/>
+              </a:rPr>
+              <a:t> verifies { </a:t>
+            </a:r>
+          </a:p>
+          <a:p>
+            <a:r>
+              <a:rPr lang="en-US" sz="2400" dirty="0" smtClean="0">
+                <a:latin typeface="Courier New"/>
+              </a:rPr>
+              <a:t>    s: String =&gt; </a:t>
+            </a:r>
+            <a:r>
+              <a:rPr lang="en-US" sz="2400" dirty="0" err="1" smtClean="0">
+                <a:latin typeface="Courier New"/>
+              </a:rPr>
+              <a:t>s.isEmpty</a:t>
+            </a:r>
+            <a:r>
+              <a:rPr lang="en-US" sz="2400" dirty="0" smtClean="0">
+                <a:latin typeface="Courier New"/>
+              </a:rPr>
+              <a:t> || center(reverse(s)) == center(s) </a:t>
+            </a:r>
+          </a:p>
+          <a:p>
+            <a:r>
+              <a:rPr lang="en-US" sz="2400" dirty="0" smtClean="0">
+                <a:latin typeface="Courier New"/>
+              </a:rPr>
+              <a:t>  </a:t>
+            </a:r>
+            <a:r>
+              <a:rPr lang="en-US" sz="2400" dirty="0" smtClean="0">
+                <a:latin typeface="Courier New"/>
+              </a:rPr>
+              <a:t>}</a:t>
+            </a:r>
+          </a:p>
+          <a:p>
+            <a:r>
+              <a:rPr lang="en-US" sz="2400" dirty="0" smtClean="0">
+                <a:latin typeface="Courier New"/>
+              </a:rPr>
+              <a:t>}</a:t>
+            </a:r>
+            <a:endParaRPr lang="en-US" sz="2400" dirty="0"/>
+          </a:p>
+        </p:txBody>
+      </p:sp>
+    </p:spTree>
+  </p:cSld>
+  <p:clrMapOvr>
+    <a:masterClrMapping/>
+  </p:clrMapOvr>
+  <p:transition>
+    <p:fade/>
+  </p:transition>
+  <p:timing>
+    <p:tnLst>
+      <p:par>
+        <p:cTn id="1" dur="indefinite" restart="never" nodeType="tmRoot"/>
+      </p:par>
+    </p:tnLst>
+  </p:timing>
+</p:sld>
+</file>
+
+<file path=ppt/slides/slide17.xml><?xml version="1.0" encoding="utf-8"?>
+<p:sld xmlns:a="http://schemas.openxmlformats.org/drawingml/2006/main" xmlns:r="http://schemas.openxmlformats.org/officeDocument/2006/relationships" xmlns:p="http://schemas.openxmlformats.org/presentationml/2006/main">
+  <p:cSld>
+    <p:spTree>
+      <p:nvGrpSpPr>
+        <p:cNvPr id="1" name=""/>
+        <p:cNvGrpSpPr/>
+        <p:nvPr/>
+      </p:nvGrpSpPr>
+      <p:grpSpPr>
+        <a:xfrm>
+          <a:off x="0" y="0"/>
+          <a:ext cx="0" cy="0"/>
+          <a:chOff x="0" y="0"/>
+          <a:chExt cx="0" cy="0"/>
+        </a:xfrm>
+      </p:grpSpPr>
+      <p:sp>
+        <p:nvSpPr>
+          <p:cNvPr id="8193" name="Rectangle 1"/>
+          <p:cNvSpPr>
+            <a:spLocks noGrp="1" noChangeArrowheads="1"/>
+          </p:cNvSpPr>
+          <p:nvPr>
+            <p:ph type="title"/>
+          </p:nvPr>
+        </p:nvSpPr>
+        <p:spPr>
+          <a:ln/>
+        </p:spPr>
+        <p:txBody>
+          <a:bodyPr/>
+          <a:lstStyle/>
+          <a:p>
+            <a:pPr lvl="0"/>
+            <a:r>
+              <a:rPr lang="en-US" sz="5400" dirty="0" smtClean="0">
+                <a:latin typeface="Lucida Handwriting" pitchFamily="66" charset="0"/>
+              </a:rPr>
+              <a:t>       tour</a:t>
+            </a:r>
+            <a:endParaRPr lang="en-US" dirty="0"/>
+          </a:p>
+        </p:txBody>
+      </p:sp>
+      <p:pic>
+        <p:nvPicPr>
+          <p:cNvPr id="39938" name="Picture 2" descr="Logo"/>
+          <p:cNvPicPr>
+            <a:picLocks noChangeAspect="1" noChangeArrowheads="1"/>
+          </p:cNvPicPr>
+          <p:nvPr/>
+        </p:nvPicPr>
+        <p:blipFill>
+          <a:blip r:embed="rId3"/>
+          <a:srcRect/>
+          <a:stretch>
+            <a:fillRect/>
+          </a:stretch>
+        </p:blipFill>
+        <p:spPr bwMode="auto">
+          <a:xfrm>
+            <a:off x="3833628" y="228600"/>
+            <a:ext cx="2287772" cy="642969"/>
+          </a:xfrm>
+          <a:prstGeom prst="rect">
+            <a:avLst/>
+          </a:prstGeom>
+          <a:noFill/>
+        </p:spPr>
+      </p:pic>
+      <p:sp>
+        <p:nvSpPr>
+          <p:cNvPr id="6" name="Rectangle 5"/>
+          <p:cNvSpPr/>
+          <p:nvPr/>
+        </p:nvSpPr>
+        <p:spPr>
+          <a:xfrm>
+            <a:off x="330200" y="1143000"/>
             <a:ext cx="12344400" cy="1200329"/>
           </a:xfrm>
           <a:prstGeom prst="rect">
@@ -9668,6 +10021,644 @@
             <a:endParaRPr lang="en-US" sz="2400" u="sng" dirty="0" smtClean="0">
               <a:latin typeface="Courier New"/>
             </a:endParaRPr>
+          </a:p>
+        </p:txBody>
+      </p:sp>
+    </p:spTree>
+  </p:cSld>
+  <p:clrMapOvr>
+    <a:masterClrMapping/>
+  </p:clrMapOvr>
+  <p:transition>
+    <p:fade/>
+  </p:transition>
+  <p:timing>
+    <p:tnLst>
+      <p:par>
+        <p:cTn id="1" dur="indefinite" restart="never" nodeType="tmRoot"/>
+      </p:par>
+    </p:tnLst>
+  </p:timing>
+</p:sld>
+</file>
+
+<file path=ppt/slides/slide18.xml><?xml version="1.0" encoding="utf-8"?>
+<p:sld xmlns:a="http://schemas.openxmlformats.org/drawingml/2006/main" xmlns:r="http://schemas.openxmlformats.org/officeDocument/2006/relationships" xmlns:p="http://schemas.openxmlformats.org/presentationml/2006/main">
+  <p:cSld>
+    <p:spTree>
+      <p:nvGrpSpPr>
+        <p:cNvPr id="1" name=""/>
+        <p:cNvGrpSpPr/>
+        <p:nvPr/>
+      </p:nvGrpSpPr>
+      <p:grpSpPr>
+        <a:xfrm>
+          <a:off x="0" y="0"/>
+          <a:ext cx="0" cy="0"/>
+          <a:chOff x="0" y="0"/>
+          <a:chExt cx="0" cy="0"/>
+        </a:xfrm>
+      </p:grpSpPr>
+      <p:sp>
+        <p:nvSpPr>
+          <p:cNvPr id="8193" name="Rectangle 1"/>
+          <p:cNvSpPr>
+            <a:spLocks noGrp="1" noChangeArrowheads="1"/>
+          </p:cNvSpPr>
+          <p:nvPr>
+            <p:ph type="title"/>
+          </p:nvPr>
+        </p:nvSpPr>
+        <p:spPr>
+          <a:ln/>
+        </p:spPr>
+        <p:txBody>
+          <a:bodyPr/>
+          <a:lstStyle/>
+          <a:p>
+            <a:pPr lvl="0"/>
+            <a:r>
+              <a:rPr lang="en-US" sz="5400" dirty="0" smtClean="0">
+                <a:latin typeface="Lucida Handwriting" pitchFamily="66" charset="0"/>
+              </a:rPr>
+              <a:t>       tour</a:t>
+            </a:r>
+            <a:endParaRPr lang="en-US" dirty="0"/>
+          </a:p>
+        </p:txBody>
+      </p:sp>
+      <p:pic>
+        <p:nvPicPr>
+          <p:cNvPr id="39938" name="Picture 2" descr="Logo"/>
+          <p:cNvPicPr>
+            <a:picLocks noChangeAspect="1" noChangeArrowheads="1"/>
+          </p:cNvPicPr>
+          <p:nvPr/>
+        </p:nvPicPr>
+        <p:blipFill>
+          <a:blip r:embed="rId3"/>
+          <a:srcRect/>
+          <a:stretch>
+            <a:fillRect/>
+          </a:stretch>
+        </p:blipFill>
+        <p:spPr bwMode="auto">
+          <a:xfrm>
+            <a:off x="3833628" y="228600"/>
+            <a:ext cx="2287772" cy="642969"/>
+          </a:xfrm>
+          <a:prstGeom prst="rect">
+            <a:avLst/>
+          </a:prstGeom>
+          <a:noFill/>
+        </p:spPr>
+      </p:pic>
+      <p:sp>
+        <p:nvSpPr>
+          <p:cNvPr id="8" name="Rectangle 1"/>
+          <p:cNvSpPr txBox="1">
+            <a:spLocks noChangeArrowheads="1"/>
+          </p:cNvSpPr>
+          <p:nvPr/>
+        </p:nvSpPr>
+        <p:spPr bwMode="auto">
+          <a:xfrm>
+            <a:off x="8178800" y="6858000"/>
+            <a:ext cx="4038600" cy="914400"/>
+          </a:xfrm>
+          <a:prstGeom prst="rect">
+            <a:avLst/>
+          </a:prstGeom>
+          <a:noFill/>
+          <a:ln w="12700">
+            <a:noFill/>
+            <a:miter lim="800000"/>
+            <a:headEnd/>
+            <a:tailEnd/>
+          </a:ln>
+          <a:effectLst/>
+        </p:spPr>
+        <p:txBody>
+          <a:bodyPr vert="horz" wrap="square" lIns="50800" tIns="50800" rIns="50800" bIns="50800" numCol="1" anchor="ctr" anchorCtr="0" compatLnSpc="1">
+            <a:prstTxWarp prst="textNoShape">
+              <a:avLst/>
+            </a:prstTxWarp>
+          </a:bodyPr>
+          <a:lstStyle/>
+          <a:p>
+            <a:pPr marL="0" marR="0" lvl="0" indent="0" algn="ctr" defTabSz="914400" rtl="0" eaLnBrk="1" fontAlgn="base" latinLnBrk="0" hangingPunct="1">
+              <a:lnSpc>
+                <a:spcPct val="100000"/>
+              </a:lnSpc>
+              <a:spcBef>
+                <a:spcPct val="0"/>
+              </a:spcBef>
+              <a:spcAft>
+                <a:spcPct val="0"/>
+              </a:spcAft>
+              <a:buClrTx/>
+              <a:buSzTx/>
+              <a:buFontTx/>
+              <a:buNone/>
+              <a:tabLst/>
+              <a:defRPr/>
+            </a:pPr>
+            <a:r>
+              <a:rPr lang="en-US" sz="5400" b="1" kern="0" dirty="0" smtClean="0">
+                <a:solidFill>
+                  <a:srgbClr val="00CC66"/>
+                </a:solidFill>
+                <a:latin typeface="Lucida Handwriting" pitchFamily="66" charset="0"/>
+                <a:ea typeface="+mj-ea"/>
+                <a:cs typeface="+mj-cs"/>
+                <a:sym typeface="Arial" charset="0"/>
+              </a:rPr>
+              <a:t>Mocks</a:t>
+            </a:r>
+            <a:endParaRPr kumimoji="0" lang="en-US" sz="5000" b="1" i="0" u="none" strike="noStrike" kern="0" cap="none" spc="0" normalizeH="0" baseline="0" noProof="0" dirty="0">
+              <a:ln>
+                <a:noFill/>
+              </a:ln>
+              <a:solidFill>
+                <a:srgbClr val="00CC66"/>
+              </a:solidFill>
+              <a:effectLst/>
+              <a:uLnTx/>
+              <a:uFillTx/>
+              <a:latin typeface="+mj-lt"/>
+              <a:ea typeface="+mj-ea"/>
+              <a:cs typeface="+mj-cs"/>
+              <a:sym typeface="Arial" charset="0"/>
+            </a:endParaRPr>
+          </a:p>
+        </p:txBody>
+      </p:sp>
+      <p:sp>
+        <p:nvSpPr>
+          <p:cNvPr id="18" name="Rectangle 17"/>
+          <p:cNvSpPr/>
+          <p:nvPr/>
+        </p:nvSpPr>
+        <p:spPr>
+          <a:xfrm>
+            <a:off x="4931310" y="5257800"/>
+            <a:ext cx="2866490" cy="923330"/>
+          </a:xfrm>
+          <a:prstGeom prst="rect">
+            <a:avLst/>
+          </a:prstGeom>
+        </p:spPr>
+        <p:txBody>
+          <a:bodyPr wrap="none">
+            <a:spAutoFit/>
+          </a:bodyPr>
+          <a:lstStyle/>
+          <a:p>
+            <a:pPr algn="ctr"/>
+            <a:r>
+              <a:rPr lang="en-US" sz="5400" b="1" kern="0" dirty="0" smtClean="0">
+                <a:solidFill>
+                  <a:srgbClr val="0C0F20"/>
+                </a:solidFill>
+                <a:latin typeface="Lucida Handwriting" pitchFamily="66" charset="0"/>
+                <a:cs typeface="+mj-cs"/>
+                <a:sym typeface="Arial" charset="0"/>
+              </a:rPr>
+              <a:t>Isolate</a:t>
+            </a:r>
+            <a:endParaRPr lang="en-US" dirty="0"/>
+          </a:p>
+        </p:txBody>
+      </p:sp>
+      <p:pic>
+        <p:nvPicPr>
+          <p:cNvPr id="60428" name="Picture 12" descr="http://cdn.iconfinder.net/data/icons/humano2/128x128/apps/stock_task.png"/>
+          <p:cNvPicPr>
+            <a:picLocks noChangeAspect="1" noChangeArrowheads="1"/>
+          </p:cNvPicPr>
+          <p:nvPr/>
+        </p:nvPicPr>
+        <p:blipFill>
+          <a:blip r:embed="rId4"/>
+          <a:srcRect/>
+          <a:stretch>
+            <a:fillRect/>
+          </a:stretch>
+        </p:blipFill>
+        <p:spPr bwMode="auto">
+          <a:xfrm>
+            <a:off x="5054600" y="2895600"/>
+            <a:ext cx="2286000" cy="2286002"/>
+          </a:xfrm>
+          <a:prstGeom prst="rect">
+            <a:avLst/>
+          </a:prstGeom>
+          <a:noFill/>
+        </p:spPr>
+      </p:pic>
+      <p:pic>
+        <p:nvPicPr>
+          <p:cNvPr id="62468" name="Picture 4" descr="box, brick, file, format, lego, module icon"/>
+          <p:cNvPicPr>
+            <a:picLocks noChangeAspect="1" noChangeArrowheads="1"/>
+          </p:cNvPicPr>
+          <p:nvPr/>
+        </p:nvPicPr>
+        <p:blipFill>
+          <a:blip r:embed="rId5"/>
+          <a:srcRect/>
+          <a:stretch>
+            <a:fillRect/>
+          </a:stretch>
+        </p:blipFill>
+        <p:spPr bwMode="auto">
+          <a:xfrm>
+            <a:off x="1168400" y="1447800"/>
+            <a:ext cx="2133600" cy="2133602"/>
+          </a:xfrm>
+          <a:prstGeom prst="rect">
+            <a:avLst/>
+          </a:prstGeom>
+          <a:noFill/>
+        </p:spPr>
+      </p:pic>
+    </p:spTree>
+  </p:cSld>
+  <p:clrMapOvr>
+    <a:masterClrMapping/>
+  </p:clrMapOvr>
+  <p:transition>
+    <p:fade/>
+  </p:transition>
+  <p:timing>
+    <p:tnLst>
+      <p:par>
+        <p:cTn id="1" dur="indefinite" restart="never" nodeType="tmRoot"/>
+      </p:par>
+    </p:tnLst>
+  </p:timing>
+</p:sld>
+</file>
+
+<file path=ppt/slides/slide19.xml><?xml version="1.0" encoding="utf-8"?>
+<p:sld xmlns:a="http://schemas.openxmlformats.org/drawingml/2006/main" xmlns:r="http://schemas.openxmlformats.org/officeDocument/2006/relationships" xmlns:p="http://schemas.openxmlformats.org/presentationml/2006/main">
+  <p:cSld>
+    <p:spTree>
+      <p:nvGrpSpPr>
+        <p:cNvPr id="1" name=""/>
+        <p:cNvGrpSpPr/>
+        <p:nvPr/>
+      </p:nvGrpSpPr>
+      <p:grpSpPr>
+        <a:xfrm>
+          <a:off x="0" y="0"/>
+          <a:ext cx="0" cy="0"/>
+          <a:chOff x="0" y="0"/>
+          <a:chExt cx="0" cy="0"/>
+        </a:xfrm>
+      </p:grpSpPr>
+      <p:sp>
+        <p:nvSpPr>
+          <p:cNvPr id="8193" name="Rectangle 1"/>
+          <p:cNvSpPr>
+            <a:spLocks noGrp="1" noChangeArrowheads="1"/>
+          </p:cNvSpPr>
+          <p:nvPr>
+            <p:ph type="title"/>
+          </p:nvPr>
+        </p:nvSpPr>
+        <p:spPr>
+          <a:ln/>
+        </p:spPr>
+        <p:txBody>
+          <a:bodyPr/>
+          <a:lstStyle/>
+          <a:p>
+            <a:pPr lvl="0"/>
+            <a:r>
+              <a:rPr lang="en-US" sz="5400" dirty="0" smtClean="0">
+                <a:latin typeface="Lucida Handwriting" pitchFamily="66" charset="0"/>
+              </a:rPr>
+              <a:t>       tour</a:t>
+            </a:r>
+            <a:endParaRPr lang="en-US" dirty="0"/>
+          </a:p>
+        </p:txBody>
+      </p:sp>
+      <p:pic>
+        <p:nvPicPr>
+          <p:cNvPr id="39938" name="Picture 2" descr="Logo"/>
+          <p:cNvPicPr>
+            <a:picLocks noChangeAspect="1" noChangeArrowheads="1"/>
+          </p:cNvPicPr>
+          <p:nvPr/>
+        </p:nvPicPr>
+        <p:blipFill>
+          <a:blip r:embed="rId3"/>
+          <a:srcRect/>
+          <a:stretch>
+            <a:fillRect/>
+          </a:stretch>
+        </p:blipFill>
+        <p:spPr bwMode="auto">
+          <a:xfrm>
+            <a:off x="3833628" y="228600"/>
+            <a:ext cx="2287772" cy="642969"/>
+          </a:xfrm>
+          <a:prstGeom prst="rect">
+            <a:avLst/>
+          </a:prstGeom>
+          <a:noFill/>
+        </p:spPr>
+      </p:pic>
+      <p:sp>
+        <p:nvSpPr>
+          <p:cNvPr id="6" name="Rectangle 5"/>
+          <p:cNvSpPr/>
+          <p:nvPr/>
+        </p:nvSpPr>
+        <p:spPr>
+          <a:xfrm>
+            <a:off x="330200" y="1143000"/>
+            <a:ext cx="12344400" cy="5262979"/>
+          </a:xfrm>
+          <a:prstGeom prst="rect">
+            <a:avLst/>
+          </a:prstGeom>
+          <a:ln>
+            <a:solidFill>
+              <a:schemeClr val="tx1"/>
+            </a:solidFill>
+            <a:prstDash val="dash"/>
+          </a:ln>
+        </p:spPr>
+        <p:txBody>
+          <a:bodyPr wrap="square">
+            <a:spAutoFit/>
+          </a:bodyPr>
+          <a:lstStyle/>
+          <a:p>
+            <a:r>
+              <a:rPr lang="en-US" sz="2400" dirty="0" smtClean="0">
+                <a:solidFill>
+                  <a:srgbClr val="3F5FBF"/>
+                </a:solidFill>
+                <a:latin typeface="Courier New"/>
+              </a:rPr>
+              <a:t>/**</a:t>
+            </a:r>
+          </a:p>
+          <a:p>
+            <a:r>
+              <a:rPr lang="en-US" sz="2400" dirty="0" smtClean="0">
+                <a:solidFill>
+                  <a:srgbClr val="3F5FBF"/>
+                </a:solidFill>
+                <a:latin typeface="Courier New"/>
+              </a:rPr>
+              <a:t> * A simple Observable</a:t>
+            </a:r>
+            <a:r>
+              <a:rPr lang="en-US" sz="2400" dirty="0" smtClean="0">
+                <a:solidFill>
+                  <a:srgbClr val="7F7F9F"/>
+                </a:solidFill>
+                <a:latin typeface="Courier New"/>
+              </a:rPr>
+              <a:t>-</a:t>
+            </a:r>
+            <a:r>
+              <a:rPr lang="en-US" sz="2400" dirty="0" smtClean="0">
+                <a:solidFill>
+                  <a:srgbClr val="3F5FBF"/>
+                </a:solidFill>
+                <a:latin typeface="Courier New"/>
+              </a:rPr>
+              <a:t>Observer pattern implementation</a:t>
+            </a:r>
+          </a:p>
+          <a:p>
+            <a:r>
+              <a:rPr lang="en-US" sz="2400" dirty="0" smtClean="0">
+                <a:solidFill>
+                  <a:srgbClr val="3F5FBF"/>
+                </a:solidFill>
+                <a:latin typeface="Courier New"/>
+              </a:rPr>
+              <a:t> */</a:t>
+            </a:r>
+          </a:p>
+          <a:p>
+            <a:r>
+              <a:rPr lang="en-US" sz="2400" b="1" dirty="0" smtClean="0">
+                <a:solidFill>
+                  <a:srgbClr val="7F0055"/>
+                </a:solidFill>
+                <a:latin typeface="Courier New"/>
+              </a:rPr>
+              <a:t>trait</a:t>
+            </a:r>
+            <a:r>
+              <a:rPr lang="en-US" sz="2400" b="1" dirty="0" smtClean="0">
+                <a:latin typeface="Courier New"/>
+              </a:rPr>
+              <a:t> </a:t>
+            </a:r>
+            <a:r>
+              <a:rPr lang="en-US" sz="2400" b="1" dirty="0" smtClean="0">
+                <a:latin typeface="Courier New"/>
+              </a:rPr>
+              <a:t>Observable {</a:t>
+            </a:r>
+          </a:p>
+          <a:p>
+            <a:r>
+              <a:rPr lang="nb-NO" sz="2400" dirty="0" smtClean="0">
+                <a:latin typeface="Courier New"/>
+              </a:rPr>
+              <a:t>  </a:t>
+            </a:r>
+            <a:r>
+              <a:rPr lang="nb-NO" sz="2400" b="1" dirty="0" smtClean="0">
+                <a:solidFill>
+                  <a:srgbClr val="7F0055"/>
+                </a:solidFill>
+                <a:latin typeface="Courier New"/>
+              </a:rPr>
+              <a:t>private</a:t>
+            </a:r>
+            <a:r>
+              <a:rPr lang="nb-NO" sz="2400" b="1" dirty="0" smtClean="0">
+                <a:latin typeface="Courier New"/>
+              </a:rPr>
+              <a:t> </a:t>
+            </a:r>
+            <a:r>
+              <a:rPr lang="nb-NO" sz="2400" b="1" dirty="0" smtClean="0">
+                <a:solidFill>
+                  <a:srgbClr val="7F0055"/>
+                </a:solidFill>
+                <a:latin typeface="Courier New"/>
+              </a:rPr>
+              <a:t>var</a:t>
+            </a:r>
+            <a:r>
+              <a:rPr lang="nb-NO" sz="2400" b="1" dirty="0" smtClean="0">
+                <a:latin typeface="Courier New"/>
+              </a:rPr>
+              <a:t> observers: List[Observer] = </a:t>
+            </a:r>
+            <a:r>
+              <a:rPr lang="nb-NO" sz="2400" b="1" dirty="0" smtClean="0">
+                <a:latin typeface="Courier New"/>
+              </a:rPr>
+              <a:t>Nil</a:t>
+            </a:r>
+          </a:p>
+          <a:p>
+            <a:endParaRPr lang="nb-NO" sz="2400" b="1" dirty="0" smtClean="0">
+              <a:latin typeface="Courier New"/>
+            </a:endParaRPr>
+          </a:p>
+          <a:p>
+            <a:r>
+              <a:rPr lang="pt-BR" sz="2400" dirty="0" smtClean="0">
+                <a:latin typeface="Courier New"/>
+              </a:rPr>
+              <a:t>  </a:t>
+            </a:r>
+            <a:r>
+              <a:rPr lang="pt-BR" sz="2400" b="1" dirty="0" smtClean="0">
+                <a:solidFill>
+                  <a:srgbClr val="7F0055"/>
+                </a:solidFill>
+                <a:latin typeface="Courier New"/>
+              </a:rPr>
+              <a:t>def</a:t>
+            </a:r>
+            <a:r>
+              <a:rPr lang="pt-BR" sz="2400" b="1" dirty="0" smtClean="0">
+                <a:latin typeface="Courier New"/>
+              </a:rPr>
+              <a:t> add(o: Observer) = observers = o :: </a:t>
+            </a:r>
+            <a:r>
+              <a:rPr lang="pt-BR" sz="2400" b="1" dirty="0" smtClean="0">
+                <a:latin typeface="Courier New"/>
+              </a:rPr>
+              <a:t>observers</a:t>
+            </a:r>
+          </a:p>
+          <a:p>
+            <a:endParaRPr lang="pt-BR" sz="2400" b="1" dirty="0" smtClean="0">
+              <a:latin typeface="Courier New"/>
+            </a:endParaRPr>
+          </a:p>
+          <a:p>
+            <a:r>
+              <a:rPr lang="en-US" sz="2400" dirty="0" smtClean="0">
+                <a:latin typeface="Courier New"/>
+              </a:rPr>
+              <a:t>  </a:t>
+            </a:r>
+            <a:r>
+              <a:rPr lang="en-US" sz="2400" b="1" dirty="0" smtClean="0">
+                <a:solidFill>
+                  <a:srgbClr val="7F0055"/>
+                </a:solidFill>
+                <a:latin typeface="Courier New"/>
+              </a:rPr>
+              <a:t>def</a:t>
+            </a:r>
+            <a:r>
+              <a:rPr lang="en-US" sz="2400" b="1" dirty="0" smtClean="0">
+                <a:latin typeface="Courier New"/>
+              </a:rPr>
+              <a:t> changed(event: String) = observers </a:t>
+            </a:r>
+            <a:r>
+              <a:rPr lang="en-US" sz="2400" b="1" dirty="0" err="1" smtClean="0">
+                <a:latin typeface="Courier New"/>
+              </a:rPr>
+              <a:t>foreach</a:t>
+            </a:r>
+            <a:r>
+              <a:rPr lang="en-US" sz="2400" b="1" dirty="0" smtClean="0">
+                <a:latin typeface="Courier New"/>
+              </a:rPr>
+              <a:t> (_.notify(event))</a:t>
+            </a:r>
+          </a:p>
+          <a:p>
+            <a:r>
+              <a:rPr lang="en-US" sz="2400" dirty="0" smtClean="0">
+                <a:latin typeface="Courier New"/>
+              </a:rPr>
+              <a:t>}</a:t>
+            </a:r>
+          </a:p>
+          <a:p>
+            <a:endParaRPr lang="en-US" sz="2400" b="1" dirty="0" smtClean="0">
+              <a:solidFill>
+                <a:srgbClr val="7F0055"/>
+              </a:solidFill>
+              <a:latin typeface="Courier New"/>
+            </a:endParaRPr>
+          </a:p>
+          <a:p>
+            <a:r>
+              <a:rPr lang="en-US" sz="2400" b="1" dirty="0" smtClean="0">
+                <a:solidFill>
+                  <a:srgbClr val="7F0055"/>
+                </a:solidFill>
+                <a:latin typeface="Courier New"/>
+              </a:rPr>
+              <a:t>trait</a:t>
+            </a:r>
+            <a:r>
+              <a:rPr lang="en-US" sz="2400" b="1" dirty="0" smtClean="0">
+                <a:latin typeface="Courier New"/>
+              </a:rPr>
+              <a:t> </a:t>
+            </a:r>
+            <a:r>
+              <a:rPr lang="en-US" sz="2400" b="1" dirty="0" smtClean="0">
+                <a:latin typeface="Courier New"/>
+              </a:rPr>
+              <a:t>Observer {</a:t>
+            </a:r>
+          </a:p>
+          <a:p>
+            <a:r>
+              <a:rPr lang="en-US" sz="2400" dirty="0" smtClean="0">
+                <a:latin typeface="Courier New"/>
+              </a:rPr>
+              <a:t>  </a:t>
+            </a:r>
+            <a:r>
+              <a:rPr lang="en-US" sz="2400" b="1" dirty="0" smtClean="0">
+                <a:solidFill>
+                  <a:srgbClr val="7F0055"/>
+                </a:solidFill>
+                <a:latin typeface="Courier New"/>
+              </a:rPr>
+              <a:t>def</a:t>
+            </a:r>
+            <a:r>
+              <a:rPr lang="en-US" sz="2400" b="1" dirty="0" smtClean="0">
+                <a:latin typeface="Courier New"/>
+              </a:rPr>
+              <a:t> notify(event: String)</a:t>
+            </a:r>
+          </a:p>
+          <a:p>
+            <a:r>
+              <a:rPr lang="en-US" sz="2400" dirty="0" smtClean="0">
+                <a:latin typeface="Courier New"/>
+              </a:rPr>
+              <a:t>}</a:t>
+            </a:r>
+            <a:endParaRPr lang="en-US" sz="2400" dirty="0"/>
           </a:p>
         </p:txBody>
       </p:sp>
@@ -10149,6 +11140,578 @@
               <a:ea typeface="ヒラギノ角ゴ ProN W3" pitchFamily="1" charset="-128"/>
               <a:sym typeface="Gill Sans" pitchFamily="1" charset="0"/>
             </a:endParaRPr>
+          </a:p>
+        </p:txBody>
+      </p:sp>
+    </p:spTree>
+  </p:cSld>
+  <p:clrMapOvr>
+    <a:masterClrMapping/>
+  </p:clrMapOvr>
+  <p:transition>
+    <p:fade/>
+  </p:transition>
+  <p:timing>
+    <p:tnLst>
+      <p:par>
+        <p:cTn id="1" dur="indefinite" restart="never" nodeType="tmRoot"/>
+      </p:par>
+    </p:tnLst>
+  </p:timing>
+</p:sld>
+</file>
+
+<file path=ppt/slides/slide20.xml><?xml version="1.0" encoding="utf-8"?>
+<p:sld xmlns:a="http://schemas.openxmlformats.org/drawingml/2006/main" xmlns:r="http://schemas.openxmlformats.org/officeDocument/2006/relationships" xmlns:p="http://schemas.openxmlformats.org/presentationml/2006/main">
+  <p:cSld>
+    <p:spTree>
+      <p:nvGrpSpPr>
+        <p:cNvPr id="1" name=""/>
+        <p:cNvGrpSpPr/>
+        <p:nvPr/>
+      </p:nvGrpSpPr>
+      <p:grpSpPr>
+        <a:xfrm>
+          <a:off x="0" y="0"/>
+          <a:ext cx="0" cy="0"/>
+          <a:chOff x="0" y="0"/>
+          <a:chExt cx="0" cy="0"/>
+        </a:xfrm>
+      </p:grpSpPr>
+      <p:sp>
+        <p:nvSpPr>
+          <p:cNvPr id="8193" name="Rectangle 1"/>
+          <p:cNvSpPr>
+            <a:spLocks noGrp="1" noChangeArrowheads="1"/>
+          </p:cNvSpPr>
+          <p:nvPr>
+            <p:ph type="title"/>
+          </p:nvPr>
+        </p:nvSpPr>
+        <p:spPr>
+          <a:ln/>
+        </p:spPr>
+        <p:txBody>
+          <a:bodyPr/>
+          <a:lstStyle/>
+          <a:p>
+            <a:pPr lvl="0"/>
+            <a:r>
+              <a:rPr lang="en-US" sz="5400" dirty="0" smtClean="0">
+                <a:latin typeface="Lucida Handwriting" pitchFamily="66" charset="0"/>
+              </a:rPr>
+              <a:t>       tour</a:t>
+            </a:r>
+            <a:endParaRPr lang="en-US" dirty="0"/>
+          </a:p>
+        </p:txBody>
+      </p:sp>
+      <p:pic>
+        <p:nvPicPr>
+          <p:cNvPr id="39938" name="Picture 2" descr="Logo"/>
+          <p:cNvPicPr>
+            <a:picLocks noChangeAspect="1" noChangeArrowheads="1"/>
+          </p:cNvPicPr>
+          <p:nvPr/>
+        </p:nvPicPr>
+        <p:blipFill>
+          <a:blip r:embed="rId3"/>
+          <a:srcRect/>
+          <a:stretch>
+            <a:fillRect/>
+          </a:stretch>
+        </p:blipFill>
+        <p:spPr bwMode="auto">
+          <a:xfrm>
+            <a:off x="3833628" y="228600"/>
+            <a:ext cx="2287772" cy="642969"/>
+          </a:xfrm>
+          <a:prstGeom prst="rect">
+            <a:avLst/>
+          </a:prstGeom>
+          <a:noFill/>
+        </p:spPr>
+      </p:pic>
+      <p:sp>
+        <p:nvSpPr>
+          <p:cNvPr id="6" name="Rectangle 5"/>
+          <p:cNvSpPr/>
+          <p:nvPr/>
+        </p:nvSpPr>
+        <p:spPr>
+          <a:xfrm>
+            <a:off x="330200" y="1143000"/>
+            <a:ext cx="12344400" cy="6370975"/>
+          </a:xfrm>
+          <a:prstGeom prst="rect">
+            <a:avLst/>
+          </a:prstGeom>
+          <a:ln>
+            <a:solidFill>
+              <a:schemeClr val="tx1"/>
+            </a:solidFill>
+            <a:prstDash val="dash"/>
+          </a:ln>
+        </p:spPr>
+        <p:txBody>
+          <a:bodyPr wrap="square">
+            <a:spAutoFit/>
+          </a:bodyPr>
+          <a:lstStyle/>
+          <a:p>
+            <a:r>
+              <a:rPr lang="en-US" sz="2400" b="1" dirty="0" smtClean="0">
+                <a:solidFill>
+                  <a:srgbClr val="7F0055"/>
+                </a:solidFill>
+                <a:latin typeface="Courier New"/>
+              </a:rPr>
+              <a:t>import</a:t>
+            </a:r>
+            <a:r>
+              <a:rPr lang="en-US" sz="2400" b="1" dirty="0" smtClean="0">
+                <a:latin typeface="Courier New"/>
+              </a:rPr>
+              <a:t> </a:t>
+            </a:r>
+            <a:r>
+              <a:rPr lang="en-US" sz="2400" b="1" dirty="0" err="1" smtClean="0">
+                <a:latin typeface="Courier New"/>
+              </a:rPr>
+              <a:t>org.specs.mock</a:t>
+            </a:r>
+            <a:r>
+              <a:rPr lang="en-US" sz="2400" b="1" dirty="0" smtClean="0">
+                <a:latin typeface="Courier New"/>
+              </a:rPr>
+              <a:t>._</a:t>
+            </a:r>
+          </a:p>
+          <a:p>
+            <a:endParaRPr lang="en-US" sz="2400" dirty="0" smtClean="0">
+              <a:latin typeface="Courier New"/>
+            </a:endParaRPr>
+          </a:p>
+          <a:p>
+            <a:r>
+              <a:rPr lang="en-US" sz="2400" b="1" dirty="0" smtClean="0">
+                <a:solidFill>
+                  <a:srgbClr val="7F0055"/>
+                </a:solidFill>
+                <a:latin typeface="Courier New"/>
+              </a:rPr>
+              <a:t>class</a:t>
+            </a:r>
+            <a:r>
+              <a:rPr lang="en-US" sz="2400" b="1" dirty="0" smtClean="0">
+                <a:latin typeface="Courier New"/>
+              </a:rPr>
+              <a:t> </a:t>
+            </a:r>
+            <a:r>
+              <a:rPr lang="en-US" sz="2400" b="1" dirty="0" err="1" smtClean="0">
+                <a:latin typeface="Courier New"/>
+              </a:rPr>
+              <a:t>ObservableSpec</a:t>
+            </a:r>
+            <a:r>
+              <a:rPr lang="en-US" sz="2400" b="1" dirty="0" smtClean="0">
+                <a:latin typeface="Courier New"/>
+              </a:rPr>
+              <a:t> </a:t>
+            </a:r>
+            <a:r>
+              <a:rPr lang="en-US" sz="2400" b="1" dirty="0" smtClean="0">
+                <a:solidFill>
+                  <a:srgbClr val="7F0055"/>
+                </a:solidFill>
+                <a:latin typeface="Courier New"/>
+              </a:rPr>
+              <a:t>extends</a:t>
+            </a:r>
+            <a:r>
+              <a:rPr lang="en-US" sz="2400" b="1" dirty="0" smtClean="0">
+                <a:latin typeface="Courier New"/>
+              </a:rPr>
+              <a:t> Specification </a:t>
+            </a:r>
+            <a:r>
+              <a:rPr lang="en-US" sz="2400" b="1" dirty="0" smtClean="0">
+                <a:solidFill>
+                  <a:srgbClr val="7F0055"/>
+                </a:solidFill>
+                <a:latin typeface="Courier New"/>
+              </a:rPr>
+              <a:t>with</a:t>
+            </a:r>
+            <a:r>
+              <a:rPr lang="en-US" sz="2400" b="1" dirty="0" smtClean="0">
+                <a:latin typeface="Courier New"/>
+              </a:rPr>
+              <a:t> </a:t>
+            </a:r>
+            <a:r>
+              <a:rPr lang="en-US" sz="2400" b="1" dirty="0" err="1" smtClean="0">
+                <a:latin typeface="Courier New"/>
+              </a:rPr>
+              <a:t>Mockito</a:t>
+            </a:r>
+            <a:r>
+              <a:rPr lang="en-US" sz="2400" b="1" dirty="0" smtClean="0">
+                <a:latin typeface="Courier New"/>
+              </a:rPr>
+              <a:t> {</a:t>
+            </a:r>
+          </a:p>
+          <a:p>
+            <a:r>
+              <a:rPr lang="en-US" sz="2400" dirty="0" smtClean="0">
+                <a:latin typeface="Courier New"/>
+              </a:rPr>
+              <a:t>  </a:t>
+            </a:r>
+            <a:r>
+              <a:rPr lang="en-US" sz="2400" b="1" dirty="0" err="1" smtClean="0">
+                <a:solidFill>
+                  <a:srgbClr val="7F0055"/>
+                </a:solidFill>
+                <a:latin typeface="Courier New"/>
+              </a:rPr>
+              <a:t>val</a:t>
+            </a:r>
+            <a:r>
+              <a:rPr lang="en-US" sz="2400" b="1" dirty="0" smtClean="0">
+                <a:latin typeface="Courier New"/>
+              </a:rPr>
+              <a:t> observer = mock[Observer]</a:t>
+            </a:r>
+          </a:p>
+          <a:p>
+            <a:r>
+              <a:rPr lang="en-US" sz="2400" dirty="0" smtClean="0">
+                <a:latin typeface="Courier New"/>
+              </a:rPr>
+              <a:t>  </a:t>
+            </a:r>
+            <a:r>
+              <a:rPr lang="en-US" sz="2400" b="1" dirty="0" err="1" smtClean="0">
+                <a:solidFill>
+                  <a:srgbClr val="7F0055"/>
+                </a:solidFill>
+                <a:latin typeface="Courier New"/>
+              </a:rPr>
+              <a:t>val</a:t>
+            </a:r>
+            <a:r>
+              <a:rPr lang="en-US" sz="2400" b="1" dirty="0" smtClean="0">
+                <a:latin typeface="Courier New"/>
+              </a:rPr>
+              <a:t> observable = </a:t>
+            </a:r>
+            <a:r>
+              <a:rPr lang="en-US" sz="2400" b="1" dirty="0" smtClean="0">
+                <a:solidFill>
+                  <a:srgbClr val="7F0055"/>
+                </a:solidFill>
+                <a:latin typeface="Courier New"/>
+              </a:rPr>
+              <a:t>new</a:t>
+            </a:r>
+            <a:r>
+              <a:rPr lang="en-US" sz="2400" b="1" dirty="0" smtClean="0">
+                <a:latin typeface="Courier New"/>
+              </a:rPr>
+              <a:t> Observable { add(observer) }</a:t>
+            </a:r>
+          </a:p>
+          <a:p>
+            <a:endParaRPr lang="en-US" sz="2400" dirty="0" smtClean="0">
+              <a:latin typeface="Courier New"/>
+            </a:endParaRPr>
+          </a:p>
+          <a:p>
+            <a:r>
+              <a:rPr lang="en-US" sz="2400" dirty="0" smtClean="0">
+                <a:latin typeface="Courier New"/>
+              </a:rPr>
+              <a:t>  </a:t>
+            </a:r>
+            <a:r>
+              <a:rPr lang="en-US" sz="2400" dirty="0" smtClean="0">
+                <a:solidFill>
+                  <a:srgbClr val="2A00FF"/>
+                </a:solidFill>
+                <a:latin typeface="Courier New"/>
+              </a:rPr>
+              <a:t>"An observable must notify its observers when changed"</a:t>
+            </a:r>
+            <a:r>
+              <a:rPr lang="en-US" sz="2400" dirty="0" smtClean="0">
+                <a:latin typeface="Courier New"/>
+              </a:rPr>
+              <a:t> &gt;&gt; {</a:t>
+            </a:r>
+          </a:p>
+          <a:p>
+            <a:r>
+              <a:rPr lang="en-US" sz="2400" dirty="0" smtClean="0">
+                <a:latin typeface="Courier New"/>
+              </a:rPr>
+              <a:t>    </a:t>
+            </a:r>
+            <a:r>
+              <a:rPr lang="en-US" sz="2400" dirty="0" err="1" smtClean="0">
+                <a:latin typeface="Courier New"/>
+              </a:rPr>
+              <a:t>observable.changed</a:t>
+            </a:r>
+            <a:r>
+              <a:rPr lang="en-US" sz="2400" dirty="0" smtClean="0">
+                <a:latin typeface="Courier New"/>
+              </a:rPr>
+              <a:t>(</a:t>
+            </a:r>
+            <a:r>
+              <a:rPr lang="en-US" sz="2400" dirty="0" smtClean="0">
+                <a:solidFill>
+                  <a:srgbClr val="2A00FF"/>
+                </a:solidFill>
+                <a:latin typeface="Courier New"/>
+              </a:rPr>
+              <a:t>"event"</a:t>
+            </a:r>
+            <a:r>
+              <a:rPr lang="en-US" sz="2400" dirty="0" smtClean="0">
+                <a:latin typeface="Courier New"/>
+              </a:rPr>
+              <a:t>)</a:t>
+            </a:r>
+          </a:p>
+          <a:p>
+            <a:r>
+              <a:rPr lang="en-US" sz="2400" dirty="0" smtClean="0">
+                <a:latin typeface="Courier New"/>
+              </a:rPr>
+              <a:t>    there </a:t>
+            </a:r>
+            <a:r>
+              <a:rPr lang="en-US" sz="2400" dirty="0" smtClean="0">
+                <a:latin typeface="Courier New"/>
+              </a:rPr>
+              <a:t>was one(observer).notify(</a:t>
+            </a:r>
+            <a:r>
+              <a:rPr lang="en-US" sz="2400" dirty="0" smtClean="0">
+                <a:solidFill>
+                  <a:srgbClr val="2A00FF"/>
+                </a:solidFill>
+                <a:latin typeface="Courier New"/>
+              </a:rPr>
+              <a:t>"event"</a:t>
+            </a:r>
+            <a:r>
+              <a:rPr lang="en-US" sz="2400" dirty="0" smtClean="0">
+                <a:latin typeface="Courier New"/>
+              </a:rPr>
+              <a:t>)</a:t>
+            </a:r>
+          </a:p>
+          <a:p>
+            <a:r>
+              <a:rPr lang="en-US" sz="2400" dirty="0" smtClean="0">
+                <a:latin typeface="Courier New"/>
+              </a:rPr>
+              <a:t>  }</a:t>
+            </a:r>
+          </a:p>
+          <a:p>
+            <a:r>
+              <a:rPr lang="en-US" sz="2400" dirty="0" smtClean="0">
+                <a:latin typeface="Courier New"/>
+              </a:rPr>
+              <a:t>  </a:t>
+            </a:r>
+            <a:r>
+              <a:rPr lang="en-US" sz="2400" dirty="0" smtClean="0">
+                <a:solidFill>
+                  <a:srgbClr val="2A00FF"/>
+                </a:solidFill>
+                <a:latin typeface="Courier New"/>
+              </a:rPr>
+              <a:t>"An observable must notify its observers with all events "</a:t>
+            </a:r>
+            <a:r>
+              <a:rPr lang="en-US" sz="2400" dirty="0" smtClean="0">
+                <a:solidFill>
+                  <a:srgbClr val="2A00FF"/>
+                </a:solidFill>
+                <a:latin typeface="Courier New"/>
+              </a:rPr>
+              <a:t> +</a:t>
+            </a:r>
+          </a:p>
+          <a:p>
+            <a:r>
+              <a:rPr lang="en-US" sz="2400" dirty="0" smtClean="0">
+                <a:solidFill>
+                  <a:srgbClr val="2A00FF"/>
+                </a:solidFill>
+                <a:latin typeface="Courier New"/>
+              </a:rPr>
+              <a:t> </a:t>
+            </a:r>
+            <a:r>
+              <a:rPr lang="en-US" sz="2400" dirty="0" smtClean="0">
+                <a:solidFill>
+                  <a:srgbClr val="2A00FF"/>
+                </a:solidFill>
+                <a:latin typeface="Courier New"/>
+              </a:rPr>
+              <a:t> "when </a:t>
+            </a:r>
+            <a:r>
+              <a:rPr lang="en-US" sz="2400" dirty="0" smtClean="0">
+                <a:solidFill>
+                  <a:srgbClr val="2A00FF"/>
+                </a:solidFill>
+                <a:latin typeface="Courier New"/>
+              </a:rPr>
+              <a:t>changed"</a:t>
+            </a:r>
+            <a:r>
+              <a:rPr lang="en-US" sz="2400" dirty="0" smtClean="0">
+                <a:latin typeface="Courier New"/>
+              </a:rPr>
+              <a:t> &gt;&gt; {</a:t>
+            </a:r>
+          </a:p>
+          <a:p>
+            <a:r>
+              <a:rPr lang="en-US" sz="2400" dirty="0" smtClean="0">
+                <a:latin typeface="Courier New"/>
+              </a:rPr>
+              <a:t>    </a:t>
+            </a:r>
+            <a:r>
+              <a:rPr lang="en-US" sz="2400" dirty="0" err="1" smtClean="0">
+                <a:latin typeface="Courier New"/>
+              </a:rPr>
+              <a:t>observable.changed</a:t>
+            </a:r>
+            <a:r>
+              <a:rPr lang="en-US" sz="2400" dirty="0" smtClean="0">
+                <a:latin typeface="Courier New"/>
+              </a:rPr>
+              <a:t>(</a:t>
+            </a:r>
+            <a:r>
+              <a:rPr lang="en-US" sz="2400" dirty="0" smtClean="0">
+                <a:solidFill>
+                  <a:srgbClr val="2A00FF"/>
+                </a:solidFill>
+                <a:latin typeface="Courier New"/>
+              </a:rPr>
+              <a:t>"event1"</a:t>
+            </a:r>
+            <a:r>
+              <a:rPr lang="en-US" sz="2400" dirty="0" smtClean="0">
+                <a:latin typeface="Courier New"/>
+              </a:rPr>
+              <a:t>)</a:t>
+            </a:r>
+          </a:p>
+          <a:p>
+            <a:r>
+              <a:rPr lang="en-US" sz="2400" dirty="0" smtClean="0">
+                <a:latin typeface="Courier New"/>
+              </a:rPr>
+              <a:t>    </a:t>
+            </a:r>
+            <a:r>
+              <a:rPr lang="en-US" sz="2400" dirty="0" err="1" smtClean="0">
+                <a:latin typeface="Courier New"/>
+              </a:rPr>
+              <a:t>observable.changed</a:t>
+            </a:r>
+            <a:r>
+              <a:rPr lang="en-US" sz="2400" dirty="0" smtClean="0">
+                <a:latin typeface="Courier New"/>
+              </a:rPr>
+              <a:t>(</a:t>
+            </a:r>
+            <a:r>
+              <a:rPr lang="en-US" sz="2400" dirty="0" smtClean="0">
+                <a:solidFill>
+                  <a:srgbClr val="2A00FF"/>
+                </a:solidFill>
+                <a:latin typeface="Courier New"/>
+              </a:rPr>
+              <a:t>"event2"</a:t>
+            </a:r>
+            <a:r>
+              <a:rPr lang="en-US" sz="2400" dirty="0" smtClean="0">
+                <a:latin typeface="Courier New"/>
+              </a:rPr>
+              <a:t>)</a:t>
+            </a:r>
+          </a:p>
+          <a:p>
+            <a:r>
+              <a:rPr lang="en-US" sz="2400" dirty="0" smtClean="0">
+                <a:latin typeface="Courier New"/>
+              </a:rPr>
+              <a:t>    there </a:t>
+            </a:r>
+            <a:r>
+              <a:rPr lang="en-US" sz="2400" dirty="0" smtClean="0">
+                <a:latin typeface="Courier New"/>
+              </a:rPr>
+              <a:t>was two(observer).notify(</a:t>
+            </a:r>
+            <a:r>
+              <a:rPr lang="en-US" sz="2400" dirty="0" err="1" smtClean="0">
+                <a:latin typeface="Courier New"/>
+              </a:rPr>
+              <a:t>startWith</a:t>
+            </a:r>
+            <a:r>
+              <a:rPr lang="en-US" sz="2400" dirty="0" smtClean="0">
+                <a:latin typeface="Courier New"/>
+              </a:rPr>
+              <a:t>(</a:t>
+            </a:r>
+            <a:r>
+              <a:rPr lang="en-US" sz="2400" dirty="0" smtClean="0">
+                <a:solidFill>
+                  <a:srgbClr val="2A00FF"/>
+                </a:solidFill>
+                <a:latin typeface="Courier New"/>
+              </a:rPr>
+              <a:t>"event"</a:t>
+            </a:r>
+            <a:r>
+              <a:rPr lang="en-US" sz="2400" dirty="0" smtClean="0">
+                <a:latin typeface="Courier New"/>
+              </a:rPr>
+              <a:t>))</a:t>
+            </a:r>
+          </a:p>
+          <a:p>
+            <a:r>
+              <a:rPr lang="en-US" sz="2400" dirty="0" smtClean="0">
+                <a:latin typeface="Courier New"/>
+              </a:rPr>
+              <a:t>  }</a:t>
+            </a:r>
+          </a:p>
+          <a:p>
+            <a:r>
+              <a:rPr lang="en-US" sz="2400" dirty="0" smtClean="0">
+                <a:latin typeface="Courier New"/>
+              </a:rPr>
+              <a:t>}</a:t>
+            </a:r>
+            <a:endParaRPr lang="en-US" sz="2400" dirty="0"/>
           </a:p>
         </p:txBody>
       </p:sp>
@@ -11302,7 +12865,7 @@
         </p:blipFill>
         <p:spPr bwMode="auto">
           <a:xfrm>
-            <a:off x="4749800" y="3429000"/>
+            <a:off x="4749800" y="3124200"/>
             <a:ext cx="2514600" cy="2514602"/>
           </a:xfrm>
           <a:prstGeom prst="rect">
@@ -11321,7 +12884,7 @@
         </p:nvSpPr>
         <p:spPr bwMode="auto">
           <a:xfrm>
-            <a:off x="6654800" y="2057400"/>
+            <a:off x="6654800" y="1752600"/>
             <a:ext cx="5410200" cy="914400"/>
           </a:xfrm>
           <a:prstGeom prst="rect">
@@ -12175,7 +13738,7 @@
         </p:nvSpPr>
         <p:spPr bwMode="auto">
           <a:xfrm>
-            <a:off x="1244600" y="1981200"/>
+            <a:off x="1244600" y="1676400"/>
             <a:ext cx="2032000" cy="914400"/>
           </a:xfrm>
           <a:prstGeom prst="rect">
@@ -12253,7 +13816,7 @@
         </p:nvSpPr>
         <p:spPr bwMode="auto">
           <a:xfrm rot="1855551">
-            <a:off x="1486578" y="2466618"/>
+            <a:off x="1486578" y="2161818"/>
             <a:ext cx="1524000" cy="76200"/>
           </a:xfrm>
           <a:prstGeom prst="rect">
@@ -12320,7 +13883,7 @@
         </p:nvSpPr>
         <p:spPr bwMode="auto">
           <a:xfrm rot="19739239">
-            <a:off x="1486578" y="2466618"/>
+            <a:off x="1486578" y="2161818"/>
             <a:ext cx="1524000" cy="76200"/>
           </a:xfrm>
           <a:prstGeom prst="rect">
@@ -12376,6 +13939,43 @@
               <a:ea typeface="ヒラギノ角ゴ ProN W3" pitchFamily="1" charset="-128"/>
               <a:sym typeface="Gill Sans" pitchFamily="1" charset="0"/>
             </a:endParaRPr>
+          </a:p>
+        </p:txBody>
+      </p:sp>
+      <p:sp>
+        <p:nvSpPr>
+          <p:cNvPr id="22" name="Rectangle 21"/>
+          <p:cNvSpPr/>
+          <p:nvPr/>
+        </p:nvSpPr>
+        <p:spPr>
+          <a:xfrm>
+            <a:off x="4597400" y="5257800"/>
+            <a:ext cx="2664512" cy="923330"/>
+          </a:xfrm>
+          <a:prstGeom prst="rect">
+            <a:avLst/>
+          </a:prstGeom>
+        </p:spPr>
+        <p:txBody>
+          <a:bodyPr wrap="none">
+            <a:spAutoFit/>
+          </a:bodyPr>
+          <a:lstStyle/>
+          <a:p>
+            <a:pPr algn="ctr"/>
+            <a:r>
+              <a:rPr lang="en-US" sz="5400" b="1" kern="0" dirty="0" smtClean="0">
+                <a:solidFill>
+                  <a:srgbClr val="0C0F20"/>
+                </a:solidFill>
+                <a:latin typeface="Lucida Handwriting" pitchFamily="66" charset="0"/>
+                <a:cs typeface="+mj-cs"/>
+                <a:sym typeface="Arial" charset="0"/>
+              </a:rPr>
+              <a:t>specify</a:t>
+            </a:r>
+            <a:endParaRPr lang="en-US" dirty="0"/>
           </a:p>
         </p:txBody>
       </p:sp>

--- a/src/main/resources/oscon_2010_specs.pptx
+++ b/src/main/resources/oscon_2010_specs.pptx
@@ -6,7 +6,7 @@
     <p:sldMasterId id="2147483651" r:id="rId2"/>
   </p:sldMasterIdLst>
   <p:notesMasterIdLst>
-    <p:notesMasterId r:id="rId23"/>
+    <p:notesMasterId r:id="rId32"/>
   </p:notesMasterIdLst>
   <p:sldIdLst>
     <p:sldId id="258" r:id="rId3"/>
@@ -29,6 +29,15 @@
     <p:sldId id="275" r:id="rId20"/>
     <p:sldId id="277" r:id="rId21"/>
     <p:sldId id="276" r:id="rId22"/>
+    <p:sldId id="278" r:id="rId23"/>
+    <p:sldId id="279" r:id="rId24"/>
+    <p:sldId id="280" r:id="rId25"/>
+    <p:sldId id="281" r:id="rId26"/>
+    <p:sldId id="282" r:id="rId27"/>
+    <p:sldId id="283" r:id="rId28"/>
+    <p:sldId id="284" r:id="rId29"/>
+    <p:sldId id="285" r:id="rId30"/>
+    <p:sldId id="286" r:id="rId31"/>
   </p:sldIdLst>
   <p:sldSz cx="13004800" cy="9753600"/>
   <p:notesSz cx="6858000" cy="9144000"/>
@@ -1646,6 +1655,762 @@
               <a:rPr lang="en-US"/>
               <a:pPr/>
               <a:t>20</a:t>
+            </a:fld>
+            <a:endParaRPr lang="en-US"/>
+          </a:p>
+        </p:txBody>
+      </p:sp>
+      <p:sp>
+        <p:nvSpPr>
+          <p:cNvPr id="19458" name="Rectangle 2"/>
+          <p:cNvSpPr>
+            <a:spLocks noGrp="1" noRot="1" noChangeAspect="1" noChangeArrowheads="1" noTextEdit="1"/>
+          </p:cNvSpPr>
+          <p:nvPr>
+            <p:ph type="sldImg"/>
+          </p:nvPr>
+        </p:nvSpPr>
+        <p:spPr>
+          <a:ln/>
+        </p:spPr>
+      </p:sp>
+      <p:sp>
+        <p:nvSpPr>
+          <p:cNvPr id="19459" name="Rectangle 3"/>
+          <p:cNvSpPr>
+            <a:spLocks noGrp="1"/>
+          </p:cNvSpPr>
+          <p:nvPr>
+            <p:ph type="body" idx="1"/>
+          </p:nvPr>
+        </p:nvSpPr>
+        <p:spPr/>
+        <p:txBody>
+          <a:bodyPr/>
+          <a:lstStyle/>
+          <a:p>
+            <a:endParaRPr lang="en-US"/>
+          </a:p>
+        </p:txBody>
+      </p:sp>
+    </p:spTree>
+  </p:cSld>
+  <p:clrMapOvr>
+    <a:masterClrMapping/>
+  </p:clrMapOvr>
+</p:notes>
+</file>
+
+<file path=ppt/notesSlides/notesSlide21.xml><?xml version="1.0" encoding="utf-8"?>
+<p:notes xmlns:a="http://schemas.openxmlformats.org/drawingml/2006/main" xmlns:r="http://schemas.openxmlformats.org/officeDocument/2006/relationships" xmlns:p="http://schemas.openxmlformats.org/presentationml/2006/main">
+  <p:cSld>
+    <p:spTree>
+      <p:nvGrpSpPr>
+        <p:cNvPr id="1" name=""/>
+        <p:cNvGrpSpPr/>
+        <p:nvPr/>
+      </p:nvGrpSpPr>
+      <p:grpSpPr>
+        <a:xfrm>
+          <a:off x="0" y="0"/>
+          <a:ext cx="0" cy="0"/>
+          <a:chOff x="0" y="0"/>
+          <a:chExt cx="0" cy="0"/>
+        </a:xfrm>
+      </p:grpSpPr>
+      <p:sp>
+        <p:nvSpPr>
+          <p:cNvPr id="7" name="Rectangle 7"/>
+          <p:cNvSpPr>
+            <a:spLocks noGrp="1"/>
+          </p:cNvSpPr>
+          <p:nvPr>
+            <p:ph type="sldNum" sz="quarter" idx="5"/>
+          </p:nvPr>
+        </p:nvSpPr>
+        <p:spPr>
+          <a:ln/>
+        </p:spPr>
+        <p:txBody>
+          <a:bodyPr/>
+          <a:lstStyle/>
+          <a:p>
+            <a:fld id="{27AEA7DA-096A-4FB7-B4B3-D12717EF4BDD}" type="slidenum">
+              <a:rPr lang="en-US"/>
+              <a:pPr/>
+              <a:t>21</a:t>
+            </a:fld>
+            <a:endParaRPr lang="en-US"/>
+          </a:p>
+        </p:txBody>
+      </p:sp>
+      <p:sp>
+        <p:nvSpPr>
+          <p:cNvPr id="19458" name="Rectangle 2"/>
+          <p:cNvSpPr>
+            <a:spLocks noGrp="1" noRot="1" noChangeAspect="1" noChangeArrowheads="1" noTextEdit="1"/>
+          </p:cNvSpPr>
+          <p:nvPr>
+            <p:ph type="sldImg"/>
+          </p:nvPr>
+        </p:nvSpPr>
+        <p:spPr>
+          <a:ln/>
+        </p:spPr>
+      </p:sp>
+      <p:sp>
+        <p:nvSpPr>
+          <p:cNvPr id="19459" name="Rectangle 3"/>
+          <p:cNvSpPr>
+            <a:spLocks noGrp="1"/>
+          </p:cNvSpPr>
+          <p:nvPr>
+            <p:ph type="body" idx="1"/>
+          </p:nvPr>
+        </p:nvSpPr>
+        <p:spPr/>
+        <p:txBody>
+          <a:bodyPr/>
+          <a:lstStyle/>
+          <a:p>
+            <a:endParaRPr lang="en-US"/>
+          </a:p>
+        </p:txBody>
+      </p:sp>
+    </p:spTree>
+  </p:cSld>
+  <p:clrMapOvr>
+    <a:masterClrMapping/>
+  </p:clrMapOvr>
+</p:notes>
+</file>
+
+<file path=ppt/notesSlides/notesSlide22.xml><?xml version="1.0" encoding="utf-8"?>
+<p:notes xmlns:a="http://schemas.openxmlformats.org/drawingml/2006/main" xmlns:r="http://schemas.openxmlformats.org/officeDocument/2006/relationships" xmlns:p="http://schemas.openxmlformats.org/presentationml/2006/main">
+  <p:cSld>
+    <p:spTree>
+      <p:nvGrpSpPr>
+        <p:cNvPr id="1" name=""/>
+        <p:cNvGrpSpPr/>
+        <p:nvPr/>
+      </p:nvGrpSpPr>
+      <p:grpSpPr>
+        <a:xfrm>
+          <a:off x="0" y="0"/>
+          <a:ext cx="0" cy="0"/>
+          <a:chOff x="0" y="0"/>
+          <a:chExt cx="0" cy="0"/>
+        </a:xfrm>
+      </p:grpSpPr>
+      <p:sp>
+        <p:nvSpPr>
+          <p:cNvPr id="7" name="Rectangle 7"/>
+          <p:cNvSpPr>
+            <a:spLocks noGrp="1"/>
+          </p:cNvSpPr>
+          <p:nvPr>
+            <p:ph type="sldNum" sz="quarter" idx="5"/>
+          </p:nvPr>
+        </p:nvSpPr>
+        <p:spPr>
+          <a:ln/>
+        </p:spPr>
+        <p:txBody>
+          <a:bodyPr/>
+          <a:lstStyle/>
+          <a:p>
+            <a:fld id="{27AEA7DA-096A-4FB7-B4B3-D12717EF4BDD}" type="slidenum">
+              <a:rPr lang="en-US"/>
+              <a:pPr/>
+              <a:t>22</a:t>
+            </a:fld>
+            <a:endParaRPr lang="en-US"/>
+          </a:p>
+        </p:txBody>
+      </p:sp>
+      <p:sp>
+        <p:nvSpPr>
+          <p:cNvPr id="19458" name="Rectangle 2"/>
+          <p:cNvSpPr>
+            <a:spLocks noGrp="1" noRot="1" noChangeAspect="1" noChangeArrowheads="1" noTextEdit="1"/>
+          </p:cNvSpPr>
+          <p:nvPr>
+            <p:ph type="sldImg"/>
+          </p:nvPr>
+        </p:nvSpPr>
+        <p:spPr>
+          <a:ln/>
+        </p:spPr>
+      </p:sp>
+      <p:sp>
+        <p:nvSpPr>
+          <p:cNvPr id="19459" name="Rectangle 3"/>
+          <p:cNvSpPr>
+            <a:spLocks noGrp="1"/>
+          </p:cNvSpPr>
+          <p:nvPr>
+            <p:ph type="body" idx="1"/>
+          </p:nvPr>
+        </p:nvSpPr>
+        <p:spPr/>
+        <p:txBody>
+          <a:bodyPr/>
+          <a:lstStyle/>
+          <a:p>
+            <a:endParaRPr lang="en-US"/>
+          </a:p>
+        </p:txBody>
+      </p:sp>
+    </p:spTree>
+  </p:cSld>
+  <p:clrMapOvr>
+    <a:masterClrMapping/>
+  </p:clrMapOvr>
+</p:notes>
+</file>
+
+<file path=ppt/notesSlides/notesSlide23.xml><?xml version="1.0" encoding="utf-8"?>
+<p:notes xmlns:a="http://schemas.openxmlformats.org/drawingml/2006/main" xmlns:r="http://schemas.openxmlformats.org/officeDocument/2006/relationships" xmlns:p="http://schemas.openxmlformats.org/presentationml/2006/main">
+  <p:cSld>
+    <p:spTree>
+      <p:nvGrpSpPr>
+        <p:cNvPr id="1" name=""/>
+        <p:cNvGrpSpPr/>
+        <p:nvPr/>
+      </p:nvGrpSpPr>
+      <p:grpSpPr>
+        <a:xfrm>
+          <a:off x="0" y="0"/>
+          <a:ext cx="0" cy="0"/>
+          <a:chOff x="0" y="0"/>
+          <a:chExt cx="0" cy="0"/>
+        </a:xfrm>
+      </p:grpSpPr>
+      <p:sp>
+        <p:nvSpPr>
+          <p:cNvPr id="7" name="Rectangle 7"/>
+          <p:cNvSpPr>
+            <a:spLocks noGrp="1"/>
+          </p:cNvSpPr>
+          <p:nvPr>
+            <p:ph type="sldNum" sz="quarter" idx="5"/>
+          </p:nvPr>
+        </p:nvSpPr>
+        <p:spPr>
+          <a:ln/>
+        </p:spPr>
+        <p:txBody>
+          <a:bodyPr/>
+          <a:lstStyle/>
+          <a:p>
+            <a:fld id="{27AEA7DA-096A-4FB7-B4B3-D12717EF4BDD}" type="slidenum">
+              <a:rPr lang="en-US"/>
+              <a:pPr/>
+              <a:t>23</a:t>
+            </a:fld>
+            <a:endParaRPr lang="en-US"/>
+          </a:p>
+        </p:txBody>
+      </p:sp>
+      <p:sp>
+        <p:nvSpPr>
+          <p:cNvPr id="19458" name="Rectangle 2"/>
+          <p:cNvSpPr>
+            <a:spLocks noGrp="1" noRot="1" noChangeAspect="1" noChangeArrowheads="1" noTextEdit="1"/>
+          </p:cNvSpPr>
+          <p:nvPr>
+            <p:ph type="sldImg"/>
+          </p:nvPr>
+        </p:nvSpPr>
+        <p:spPr>
+          <a:ln/>
+        </p:spPr>
+      </p:sp>
+      <p:sp>
+        <p:nvSpPr>
+          <p:cNvPr id="19459" name="Rectangle 3"/>
+          <p:cNvSpPr>
+            <a:spLocks noGrp="1"/>
+          </p:cNvSpPr>
+          <p:nvPr>
+            <p:ph type="body" idx="1"/>
+          </p:nvPr>
+        </p:nvSpPr>
+        <p:spPr/>
+        <p:txBody>
+          <a:bodyPr/>
+          <a:lstStyle/>
+          <a:p>
+            <a:endParaRPr lang="en-US"/>
+          </a:p>
+        </p:txBody>
+      </p:sp>
+    </p:spTree>
+  </p:cSld>
+  <p:clrMapOvr>
+    <a:masterClrMapping/>
+  </p:clrMapOvr>
+</p:notes>
+</file>
+
+<file path=ppt/notesSlides/notesSlide24.xml><?xml version="1.0" encoding="utf-8"?>
+<p:notes xmlns:a="http://schemas.openxmlformats.org/drawingml/2006/main" xmlns:r="http://schemas.openxmlformats.org/officeDocument/2006/relationships" xmlns:p="http://schemas.openxmlformats.org/presentationml/2006/main">
+  <p:cSld>
+    <p:spTree>
+      <p:nvGrpSpPr>
+        <p:cNvPr id="1" name=""/>
+        <p:cNvGrpSpPr/>
+        <p:nvPr/>
+      </p:nvGrpSpPr>
+      <p:grpSpPr>
+        <a:xfrm>
+          <a:off x="0" y="0"/>
+          <a:ext cx="0" cy="0"/>
+          <a:chOff x="0" y="0"/>
+          <a:chExt cx="0" cy="0"/>
+        </a:xfrm>
+      </p:grpSpPr>
+      <p:sp>
+        <p:nvSpPr>
+          <p:cNvPr id="7" name="Rectangle 7"/>
+          <p:cNvSpPr>
+            <a:spLocks noGrp="1"/>
+          </p:cNvSpPr>
+          <p:nvPr>
+            <p:ph type="sldNum" sz="quarter" idx="5"/>
+          </p:nvPr>
+        </p:nvSpPr>
+        <p:spPr>
+          <a:ln/>
+        </p:spPr>
+        <p:txBody>
+          <a:bodyPr/>
+          <a:lstStyle/>
+          <a:p>
+            <a:fld id="{27AEA7DA-096A-4FB7-B4B3-D12717EF4BDD}" type="slidenum">
+              <a:rPr lang="en-US"/>
+              <a:pPr/>
+              <a:t>24</a:t>
+            </a:fld>
+            <a:endParaRPr lang="en-US"/>
+          </a:p>
+        </p:txBody>
+      </p:sp>
+      <p:sp>
+        <p:nvSpPr>
+          <p:cNvPr id="19458" name="Rectangle 2"/>
+          <p:cNvSpPr>
+            <a:spLocks noGrp="1" noRot="1" noChangeAspect="1" noChangeArrowheads="1" noTextEdit="1"/>
+          </p:cNvSpPr>
+          <p:nvPr>
+            <p:ph type="sldImg"/>
+          </p:nvPr>
+        </p:nvSpPr>
+        <p:spPr>
+          <a:ln/>
+        </p:spPr>
+      </p:sp>
+      <p:sp>
+        <p:nvSpPr>
+          <p:cNvPr id="19459" name="Rectangle 3"/>
+          <p:cNvSpPr>
+            <a:spLocks noGrp="1"/>
+          </p:cNvSpPr>
+          <p:nvPr>
+            <p:ph type="body" idx="1"/>
+          </p:nvPr>
+        </p:nvSpPr>
+        <p:spPr/>
+        <p:txBody>
+          <a:bodyPr/>
+          <a:lstStyle/>
+          <a:p>
+            <a:endParaRPr lang="en-US"/>
+          </a:p>
+        </p:txBody>
+      </p:sp>
+    </p:spTree>
+  </p:cSld>
+  <p:clrMapOvr>
+    <a:masterClrMapping/>
+  </p:clrMapOvr>
+</p:notes>
+</file>
+
+<file path=ppt/notesSlides/notesSlide25.xml><?xml version="1.0" encoding="utf-8"?>
+<p:notes xmlns:a="http://schemas.openxmlformats.org/drawingml/2006/main" xmlns:r="http://schemas.openxmlformats.org/officeDocument/2006/relationships" xmlns:p="http://schemas.openxmlformats.org/presentationml/2006/main">
+  <p:cSld>
+    <p:spTree>
+      <p:nvGrpSpPr>
+        <p:cNvPr id="1" name=""/>
+        <p:cNvGrpSpPr/>
+        <p:nvPr/>
+      </p:nvGrpSpPr>
+      <p:grpSpPr>
+        <a:xfrm>
+          <a:off x="0" y="0"/>
+          <a:ext cx="0" cy="0"/>
+          <a:chOff x="0" y="0"/>
+          <a:chExt cx="0" cy="0"/>
+        </a:xfrm>
+      </p:grpSpPr>
+      <p:sp>
+        <p:nvSpPr>
+          <p:cNvPr id="7" name="Rectangle 7"/>
+          <p:cNvSpPr>
+            <a:spLocks noGrp="1"/>
+          </p:cNvSpPr>
+          <p:nvPr>
+            <p:ph type="sldNum" sz="quarter" idx="5"/>
+          </p:nvPr>
+        </p:nvSpPr>
+        <p:spPr>
+          <a:ln/>
+        </p:spPr>
+        <p:txBody>
+          <a:bodyPr/>
+          <a:lstStyle/>
+          <a:p>
+            <a:fld id="{27AEA7DA-096A-4FB7-B4B3-D12717EF4BDD}" type="slidenum">
+              <a:rPr lang="en-US"/>
+              <a:pPr/>
+              <a:t>25</a:t>
+            </a:fld>
+            <a:endParaRPr lang="en-US"/>
+          </a:p>
+        </p:txBody>
+      </p:sp>
+      <p:sp>
+        <p:nvSpPr>
+          <p:cNvPr id="19458" name="Rectangle 2"/>
+          <p:cNvSpPr>
+            <a:spLocks noGrp="1" noRot="1" noChangeAspect="1" noChangeArrowheads="1" noTextEdit="1"/>
+          </p:cNvSpPr>
+          <p:nvPr>
+            <p:ph type="sldImg"/>
+          </p:nvPr>
+        </p:nvSpPr>
+        <p:spPr>
+          <a:ln/>
+        </p:spPr>
+      </p:sp>
+      <p:sp>
+        <p:nvSpPr>
+          <p:cNvPr id="19459" name="Rectangle 3"/>
+          <p:cNvSpPr>
+            <a:spLocks noGrp="1"/>
+          </p:cNvSpPr>
+          <p:nvPr>
+            <p:ph type="body" idx="1"/>
+          </p:nvPr>
+        </p:nvSpPr>
+        <p:spPr/>
+        <p:txBody>
+          <a:bodyPr/>
+          <a:lstStyle/>
+          <a:p>
+            <a:endParaRPr lang="en-US"/>
+          </a:p>
+        </p:txBody>
+      </p:sp>
+    </p:spTree>
+  </p:cSld>
+  <p:clrMapOvr>
+    <a:masterClrMapping/>
+  </p:clrMapOvr>
+</p:notes>
+</file>
+
+<file path=ppt/notesSlides/notesSlide26.xml><?xml version="1.0" encoding="utf-8"?>
+<p:notes xmlns:a="http://schemas.openxmlformats.org/drawingml/2006/main" xmlns:r="http://schemas.openxmlformats.org/officeDocument/2006/relationships" xmlns:p="http://schemas.openxmlformats.org/presentationml/2006/main">
+  <p:cSld>
+    <p:spTree>
+      <p:nvGrpSpPr>
+        <p:cNvPr id="1" name=""/>
+        <p:cNvGrpSpPr/>
+        <p:nvPr/>
+      </p:nvGrpSpPr>
+      <p:grpSpPr>
+        <a:xfrm>
+          <a:off x="0" y="0"/>
+          <a:ext cx="0" cy="0"/>
+          <a:chOff x="0" y="0"/>
+          <a:chExt cx="0" cy="0"/>
+        </a:xfrm>
+      </p:grpSpPr>
+      <p:sp>
+        <p:nvSpPr>
+          <p:cNvPr id="7" name="Rectangle 7"/>
+          <p:cNvSpPr>
+            <a:spLocks noGrp="1"/>
+          </p:cNvSpPr>
+          <p:nvPr>
+            <p:ph type="sldNum" sz="quarter" idx="5"/>
+          </p:nvPr>
+        </p:nvSpPr>
+        <p:spPr>
+          <a:ln/>
+        </p:spPr>
+        <p:txBody>
+          <a:bodyPr/>
+          <a:lstStyle/>
+          <a:p>
+            <a:fld id="{27AEA7DA-096A-4FB7-B4B3-D12717EF4BDD}" type="slidenum">
+              <a:rPr lang="en-US"/>
+              <a:pPr/>
+              <a:t>26</a:t>
+            </a:fld>
+            <a:endParaRPr lang="en-US"/>
+          </a:p>
+        </p:txBody>
+      </p:sp>
+      <p:sp>
+        <p:nvSpPr>
+          <p:cNvPr id="19458" name="Rectangle 2"/>
+          <p:cNvSpPr>
+            <a:spLocks noGrp="1" noRot="1" noChangeAspect="1" noChangeArrowheads="1" noTextEdit="1"/>
+          </p:cNvSpPr>
+          <p:nvPr>
+            <p:ph type="sldImg"/>
+          </p:nvPr>
+        </p:nvSpPr>
+        <p:spPr>
+          <a:ln/>
+        </p:spPr>
+      </p:sp>
+      <p:sp>
+        <p:nvSpPr>
+          <p:cNvPr id="19459" name="Rectangle 3"/>
+          <p:cNvSpPr>
+            <a:spLocks noGrp="1"/>
+          </p:cNvSpPr>
+          <p:nvPr>
+            <p:ph type="body" idx="1"/>
+          </p:nvPr>
+        </p:nvSpPr>
+        <p:spPr/>
+        <p:txBody>
+          <a:bodyPr/>
+          <a:lstStyle/>
+          <a:p>
+            <a:endParaRPr lang="en-US"/>
+          </a:p>
+        </p:txBody>
+      </p:sp>
+    </p:spTree>
+  </p:cSld>
+  <p:clrMapOvr>
+    <a:masterClrMapping/>
+  </p:clrMapOvr>
+</p:notes>
+</file>
+
+<file path=ppt/notesSlides/notesSlide27.xml><?xml version="1.0" encoding="utf-8"?>
+<p:notes xmlns:a="http://schemas.openxmlformats.org/drawingml/2006/main" xmlns:r="http://schemas.openxmlformats.org/officeDocument/2006/relationships" xmlns:p="http://schemas.openxmlformats.org/presentationml/2006/main">
+  <p:cSld>
+    <p:spTree>
+      <p:nvGrpSpPr>
+        <p:cNvPr id="1" name=""/>
+        <p:cNvGrpSpPr/>
+        <p:nvPr/>
+      </p:nvGrpSpPr>
+      <p:grpSpPr>
+        <a:xfrm>
+          <a:off x="0" y="0"/>
+          <a:ext cx="0" cy="0"/>
+          <a:chOff x="0" y="0"/>
+          <a:chExt cx="0" cy="0"/>
+        </a:xfrm>
+      </p:grpSpPr>
+      <p:sp>
+        <p:nvSpPr>
+          <p:cNvPr id="7" name="Rectangle 7"/>
+          <p:cNvSpPr>
+            <a:spLocks noGrp="1"/>
+          </p:cNvSpPr>
+          <p:nvPr>
+            <p:ph type="sldNum" sz="quarter" idx="5"/>
+          </p:nvPr>
+        </p:nvSpPr>
+        <p:spPr>
+          <a:ln/>
+        </p:spPr>
+        <p:txBody>
+          <a:bodyPr/>
+          <a:lstStyle/>
+          <a:p>
+            <a:fld id="{27AEA7DA-096A-4FB7-B4B3-D12717EF4BDD}" type="slidenum">
+              <a:rPr lang="en-US"/>
+              <a:pPr/>
+              <a:t>27</a:t>
+            </a:fld>
+            <a:endParaRPr lang="en-US"/>
+          </a:p>
+        </p:txBody>
+      </p:sp>
+      <p:sp>
+        <p:nvSpPr>
+          <p:cNvPr id="19458" name="Rectangle 2"/>
+          <p:cNvSpPr>
+            <a:spLocks noGrp="1" noRot="1" noChangeAspect="1" noChangeArrowheads="1" noTextEdit="1"/>
+          </p:cNvSpPr>
+          <p:nvPr>
+            <p:ph type="sldImg"/>
+          </p:nvPr>
+        </p:nvSpPr>
+        <p:spPr>
+          <a:ln/>
+        </p:spPr>
+      </p:sp>
+      <p:sp>
+        <p:nvSpPr>
+          <p:cNvPr id="19459" name="Rectangle 3"/>
+          <p:cNvSpPr>
+            <a:spLocks noGrp="1"/>
+          </p:cNvSpPr>
+          <p:nvPr>
+            <p:ph type="body" idx="1"/>
+          </p:nvPr>
+        </p:nvSpPr>
+        <p:spPr/>
+        <p:txBody>
+          <a:bodyPr/>
+          <a:lstStyle/>
+          <a:p>
+            <a:endParaRPr lang="en-US"/>
+          </a:p>
+        </p:txBody>
+      </p:sp>
+    </p:spTree>
+  </p:cSld>
+  <p:clrMapOvr>
+    <a:masterClrMapping/>
+  </p:clrMapOvr>
+</p:notes>
+</file>
+
+<file path=ppt/notesSlides/notesSlide28.xml><?xml version="1.0" encoding="utf-8"?>
+<p:notes xmlns:a="http://schemas.openxmlformats.org/drawingml/2006/main" xmlns:r="http://schemas.openxmlformats.org/officeDocument/2006/relationships" xmlns:p="http://schemas.openxmlformats.org/presentationml/2006/main">
+  <p:cSld>
+    <p:spTree>
+      <p:nvGrpSpPr>
+        <p:cNvPr id="1" name=""/>
+        <p:cNvGrpSpPr/>
+        <p:nvPr/>
+      </p:nvGrpSpPr>
+      <p:grpSpPr>
+        <a:xfrm>
+          <a:off x="0" y="0"/>
+          <a:ext cx="0" cy="0"/>
+          <a:chOff x="0" y="0"/>
+          <a:chExt cx="0" cy="0"/>
+        </a:xfrm>
+      </p:grpSpPr>
+      <p:sp>
+        <p:nvSpPr>
+          <p:cNvPr id="7" name="Rectangle 7"/>
+          <p:cNvSpPr>
+            <a:spLocks noGrp="1"/>
+          </p:cNvSpPr>
+          <p:nvPr>
+            <p:ph type="sldNum" sz="quarter" idx="5"/>
+          </p:nvPr>
+        </p:nvSpPr>
+        <p:spPr>
+          <a:ln/>
+        </p:spPr>
+        <p:txBody>
+          <a:bodyPr/>
+          <a:lstStyle/>
+          <a:p>
+            <a:fld id="{27AEA7DA-096A-4FB7-B4B3-D12717EF4BDD}" type="slidenum">
+              <a:rPr lang="en-US"/>
+              <a:pPr/>
+              <a:t>28</a:t>
+            </a:fld>
+            <a:endParaRPr lang="en-US"/>
+          </a:p>
+        </p:txBody>
+      </p:sp>
+      <p:sp>
+        <p:nvSpPr>
+          <p:cNvPr id="19458" name="Rectangle 2"/>
+          <p:cNvSpPr>
+            <a:spLocks noGrp="1" noRot="1" noChangeAspect="1" noChangeArrowheads="1" noTextEdit="1"/>
+          </p:cNvSpPr>
+          <p:nvPr>
+            <p:ph type="sldImg"/>
+          </p:nvPr>
+        </p:nvSpPr>
+        <p:spPr>
+          <a:ln/>
+        </p:spPr>
+      </p:sp>
+      <p:sp>
+        <p:nvSpPr>
+          <p:cNvPr id="19459" name="Rectangle 3"/>
+          <p:cNvSpPr>
+            <a:spLocks noGrp="1"/>
+          </p:cNvSpPr>
+          <p:nvPr>
+            <p:ph type="body" idx="1"/>
+          </p:nvPr>
+        </p:nvSpPr>
+        <p:spPr/>
+        <p:txBody>
+          <a:bodyPr/>
+          <a:lstStyle/>
+          <a:p>
+            <a:endParaRPr lang="en-US"/>
+          </a:p>
+        </p:txBody>
+      </p:sp>
+    </p:spTree>
+  </p:cSld>
+  <p:clrMapOvr>
+    <a:masterClrMapping/>
+  </p:clrMapOvr>
+</p:notes>
+</file>
+
+<file path=ppt/notesSlides/notesSlide29.xml><?xml version="1.0" encoding="utf-8"?>
+<p:notes xmlns:a="http://schemas.openxmlformats.org/drawingml/2006/main" xmlns:r="http://schemas.openxmlformats.org/officeDocument/2006/relationships" xmlns:p="http://schemas.openxmlformats.org/presentationml/2006/main">
+  <p:cSld>
+    <p:spTree>
+      <p:nvGrpSpPr>
+        <p:cNvPr id="1" name=""/>
+        <p:cNvGrpSpPr/>
+        <p:nvPr/>
+      </p:nvGrpSpPr>
+      <p:grpSpPr>
+        <a:xfrm>
+          <a:off x="0" y="0"/>
+          <a:ext cx="0" cy="0"/>
+          <a:chOff x="0" y="0"/>
+          <a:chExt cx="0" cy="0"/>
+        </a:xfrm>
+      </p:grpSpPr>
+      <p:sp>
+        <p:nvSpPr>
+          <p:cNvPr id="7" name="Rectangle 7"/>
+          <p:cNvSpPr>
+            <a:spLocks noGrp="1"/>
+          </p:cNvSpPr>
+          <p:nvPr>
+            <p:ph type="sldNum" sz="quarter" idx="5"/>
+          </p:nvPr>
+        </p:nvSpPr>
+        <p:spPr>
+          <a:ln/>
+        </p:spPr>
+        <p:txBody>
+          <a:bodyPr/>
+          <a:lstStyle/>
+          <a:p>
+            <a:fld id="{27AEA7DA-096A-4FB7-B4B3-D12717EF4BDD}" type="slidenum">
+              <a:rPr lang="en-US"/>
+              <a:pPr/>
+              <a:t>29</a:t>
             </a:fld>
             <a:endParaRPr lang="en-US"/>
           </a:p>
@@ -11538,7 +12303,25 @@
                 </a:solidFill>
                 <a:latin typeface="Courier New"/>
               </a:rPr>
-              <a:t>"An observable must notify its observers with all events "</a:t>
+              <a:t>"An observable must notify its observers </a:t>
+            </a:r>
+            <a:r>
+              <a:rPr lang="en-US" sz="2400" dirty="0" smtClean="0">
+                <a:solidFill>
+                  <a:srgbClr val="2A00FF"/>
+                </a:solidFill>
+                <a:latin typeface="Courier New"/>
+              </a:rPr>
+              <a:t>for each events </a:t>
+            </a:r>
+            <a:r>
+              <a:rPr lang="en-US" sz="2400" dirty="0" smtClean="0">
+                <a:solidFill>
+                  <a:srgbClr val="2A00FF"/>
+                </a:solidFill>
+                <a:latin typeface="Courier New"/>
+              </a:rPr>
+              <a:t>"</a:t>
             </a:r>
             <a:r>
               <a:rPr lang="en-US" sz="2400" dirty="0" smtClean="0">
@@ -11727,6 +12510,3949 @@
     <p:tnLst>
       <p:par>
         <p:cTn id="1" dur="indefinite" restart="never" nodeType="tmRoot"/>
+      </p:par>
+    </p:tnLst>
+  </p:timing>
+</p:sld>
+</file>
+
+<file path=ppt/slides/slide21.xml><?xml version="1.0" encoding="utf-8"?>
+<p:sld xmlns:a="http://schemas.openxmlformats.org/drawingml/2006/main" xmlns:r="http://schemas.openxmlformats.org/officeDocument/2006/relationships" xmlns:p="http://schemas.openxmlformats.org/presentationml/2006/main">
+  <p:cSld>
+    <p:spTree>
+      <p:nvGrpSpPr>
+        <p:cNvPr id="1" name=""/>
+        <p:cNvGrpSpPr/>
+        <p:nvPr/>
+      </p:nvGrpSpPr>
+      <p:grpSpPr>
+        <a:xfrm>
+          <a:off x="0" y="0"/>
+          <a:ext cx="0" cy="0"/>
+          <a:chOff x="0" y="0"/>
+          <a:chExt cx="0" cy="0"/>
+        </a:xfrm>
+      </p:grpSpPr>
+      <p:sp>
+        <p:nvSpPr>
+          <p:cNvPr id="8193" name="Rectangle 1"/>
+          <p:cNvSpPr>
+            <a:spLocks noGrp="1" noChangeArrowheads="1"/>
+          </p:cNvSpPr>
+          <p:nvPr>
+            <p:ph type="title"/>
+          </p:nvPr>
+        </p:nvSpPr>
+        <p:spPr>
+          <a:xfrm>
+            <a:off x="711200" y="0"/>
+            <a:ext cx="12509500" cy="914400"/>
+          </a:xfrm>
+          <a:ln/>
+        </p:spPr>
+        <p:txBody>
+          <a:bodyPr/>
+          <a:lstStyle/>
+          <a:p>
+            <a:pPr lvl="0"/>
+            <a:r>
+              <a:rPr lang="en-US" sz="5400" dirty="0" smtClean="0">
+                <a:latin typeface="Lucida Handwriting" pitchFamily="66" charset="0"/>
+              </a:rPr>
+              <a:t>     </a:t>
+            </a:r>
+            <a:r>
+              <a:rPr lang="en-US" sz="5400" dirty="0" smtClean="0">
+                <a:latin typeface="Lucida Handwriting" pitchFamily="66" charset="0"/>
+              </a:rPr>
+              <a:t>DSL</a:t>
+            </a:r>
+            <a:endParaRPr lang="en-US" dirty="0"/>
+          </a:p>
+        </p:txBody>
+      </p:sp>
+      <p:pic>
+        <p:nvPicPr>
+          <p:cNvPr id="64516" name="Picture 4" descr="help, question mark, support icon"/>
+          <p:cNvPicPr>
+            <a:picLocks noChangeAspect="1" noChangeArrowheads="1"/>
+          </p:cNvPicPr>
+          <p:nvPr/>
+        </p:nvPicPr>
+        <p:blipFill>
+          <a:blip r:embed="rId3"/>
+          <a:srcRect/>
+          <a:stretch>
+            <a:fillRect/>
+          </a:stretch>
+        </p:blipFill>
+        <p:spPr bwMode="auto">
+          <a:xfrm>
+            <a:off x="5359400" y="2514598"/>
+            <a:ext cx="2362200" cy="2362202"/>
+          </a:xfrm>
+          <a:prstGeom prst="rect">
+            <a:avLst/>
+          </a:prstGeom>
+          <a:noFill/>
+        </p:spPr>
+      </p:pic>
+      <p:sp>
+        <p:nvSpPr>
+          <p:cNvPr id="7" name="Rectangle 6"/>
+          <p:cNvSpPr/>
+          <p:nvPr/>
+        </p:nvSpPr>
+        <p:spPr>
+          <a:xfrm>
+            <a:off x="3936133" y="5257800"/>
+            <a:ext cx="5309467" cy="923330"/>
+          </a:xfrm>
+          <a:prstGeom prst="rect">
+            <a:avLst/>
+          </a:prstGeom>
+        </p:spPr>
+        <p:txBody>
+          <a:bodyPr wrap="none">
+            <a:spAutoFit/>
+          </a:bodyPr>
+          <a:lstStyle/>
+          <a:p>
+            <a:pPr algn="ctr"/>
+            <a:r>
+              <a:rPr lang="en-US" sz="5400" b="1" kern="0" dirty="0" smtClean="0">
+                <a:solidFill>
+                  <a:srgbClr val="0C0F20"/>
+                </a:solidFill>
+                <a:latin typeface="Lucida Handwriting" pitchFamily="66" charset="0"/>
+                <a:cs typeface="+mj-cs"/>
+                <a:sym typeface="Arial" charset="0"/>
+              </a:rPr>
+              <a:t>How to do it?</a:t>
+            </a:r>
+            <a:endParaRPr lang="en-US" dirty="0"/>
+          </a:p>
+        </p:txBody>
+      </p:sp>
+      <p:pic>
+        <p:nvPicPr>
+          <p:cNvPr id="8" name="Picture 10" descr="http://knowledgehub.zeus.com/media/Scala_Logo2008.png"/>
+          <p:cNvPicPr>
+            <a:picLocks noChangeAspect="1" noChangeArrowheads="1"/>
+          </p:cNvPicPr>
+          <p:nvPr/>
+        </p:nvPicPr>
+        <p:blipFill>
+          <a:blip r:embed="rId4"/>
+          <a:srcRect/>
+          <a:stretch>
+            <a:fillRect/>
+          </a:stretch>
+        </p:blipFill>
+        <p:spPr bwMode="auto">
+          <a:xfrm>
+            <a:off x="4140200" y="76200"/>
+            <a:ext cx="2279542" cy="679257"/>
+          </a:xfrm>
+          <a:prstGeom prst="rect">
+            <a:avLst/>
+          </a:prstGeom>
+          <a:noFill/>
+        </p:spPr>
+      </p:pic>
+    </p:spTree>
+  </p:cSld>
+  <p:clrMapOvr>
+    <a:masterClrMapping/>
+  </p:clrMapOvr>
+  <p:transition>
+    <p:fade/>
+  </p:transition>
+  <p:timing>
+    <p:tnLst>
+      <p:par>
+        <p:cTn id="1" dur="indefinite" restart="never" nodeType="tmRoot">
+          <p:childTnLst>
+            <p:seq concurrent="1" nextAc="seek">
+              <p:cTn id="2" dur="indefinite" nodeType="mainSeq">
+                <p:childTnLst>
+                  <p:par>
+                    <p:cTn id="3" fill="hold">
+                      <p:stCondLst>
+                        <p:cond delay="indefinite"/>
+                        <p:cond evt="onBegin" delay="0">
+                          <p:tn val="2"/>
+                        </p:cond>
+                      </p:stCondLst>
+                      <p:childTnLst>
+                        <p:par>
+                          <p:cTn id="4" fill="hold">
+                            <p:stCondLst>
+                              <p:cond delay="0"/>
+                            </p:stCondLst>
+                            <p:childTnLst>
+                              <p:par>
+                                <p:cTn id="5" presetID="1" presetClass="entr" presetSubtype="0" fill="hold" nodeType="withEffect">
+                                  <p:stCondLst>
+                                    <p:cond delay="0"/>
+                                  </p:stCondLst>
+                                  <p:childTnLst>
+                                    <p:set>
+                                      <p:cBhvr>
+                                        <p:cTn id="6" dur="1" fill="hold">
+                                          <p:stCondLst>
+                                            <p:cond delay="0"/>
+                                          </p:stCondLst>
+                                        </p:cTn>
+                                        <p:tgtEl>
+                                          <p:spTgt spid="8"/>
+                                        </p:tgtEl>
+                                        <p:attrNameLst>
+                                          <p:attrName>style.visibility</p:attrName>
+                                        </p:attrNameLst>
+                                      </p:cBhvr>
+                                      <p:to>
+                                        <p:strVal val="visible"/>
+                                      </p:to>
+                                    </p:set>
+                                  </p:childTnLst>
+                                </p:cTn>
+                              </p:par>
+                            </p:childTnLst>
+                          </p:cTn>
+                        </p:par>
+                      </p:childTnLst>
+                    </p:cTn>
+                  </p:par>
+                </p:childTnLst>
+              </p:cTn>
+              <p:prevCondLst>
+                <p:cond evt="onPrev" delay="0">
+                  <p:tgtEl>
+                    <p:sldTgt/>
+                  </p:tgtEl>
+                </p:cond>
+              </p:prevCondLst>
+              <p:nextCondLst>
+                <p:cond evt="onNext" delay="0">
+                  <p:tgtEl>
+                    <p:sldTgt/>
+                  </p:tgtEl>
+                </p:cond>
+              </p:nextCondLst>
+            </p:seq>
+          </p:childTnLst>
+        </p:cTn>
+      </p:par>
+    </p:tnLst>
+  </p:timing>
+</p:sld>
+</file>
+
+<file path=ppt/slides/slide22.xml><?xml version="1.0" encoding="utf-8"?>
+<p:sld xmlns:a="http://schemas.openxmlformats.org/drawingml/2006/main" xmlns:r="http://schemas.openxmlformats.org/officeDocument/2006/relationships" xmlns:p="http://schemas.openxmlformats.org/presentationml/2006/main">
+  <p:cSld>
+    <p:spTree>
+      <p:nvGrpSpPr>
+        <p:cNvPr id="1" name=""/>
+        <p:cNvGrpSpPr/>
+        <p:nvPr/>
+      </p:nvGrpSpPr>
+      <p:grpSpPr>
+        <a:xfrm>
+          <a:off x="0" y="0"/>
+          <a:ext cx="0" cy="0"/>
+          <a:chOff x="0" y="0"/>
+          <a:chExt cx="0" cy="0"/>
+        </a:xfrm>
+      </p:grpSpPr>
+      <p:sp>
+        <p:nvSpPr>
+          <p:cNvPr id="8193" name="Rectangle 1"/>
+          <p:cNvSpPr>
+            <a:spLocks noGrp="1" noChangeArrowheads="1"/>
+          </p:cNvSpPr>
+          <p:nvPr>
+            <p:ph type="title"/>
+          </p:nvPr>
+        </p:nvSpPr>
+        <p:spPr>
+          <a:xfrm>
+            <a:off x="711200" y="0"/>
+            <a:ext cx="12509500" cy="914400"/>
+          </a:xfrm>
+          <a:ln/>
+        </p:spPr>
+        <p:txBody>
+          <a:bodyPr/>
+          <a:lstStyle/>
+          <a:p>
+            <a:pPr lvl="0"/>
+            <a:r>
+              <a:rPr lang="en-US" sz="5400" dirty="0" smtClean="0">
+                <a:latin typeface="Lucida Handwriting" pitchFamily="66" charset="0"/>
+              </a:rPr>
+              <a:t>     </a:t>
+            </a:r>
+            <a:r>
+              <a:rPr lang="en-US" sz="5400" dirty="0" smtClean="0">
+                <a:latin typeface="Lucida Handwriting" pitchFamily="66" charset="0"/>
+              </a:rPr>
+              <a:t>DSL</a:t>
+            </a:r>
+            <a:endParaRPr lang="en-US" dirty="0"/>
+          </a:p>
+        </p:txBody>
+      </p:sp>
+      <p:sp>
+        <p:nvSpPr>
+          <p:cNvPr id="7" name="Rectangle 6"/>
+          <p:cNvSpPr/>
+          <p:nvPr/>
+        </p:nvSpPr>
+        <p:spPr>
+          <a:xfrm>
+            <a:off x="3073400" y="1600200"/>
+            <a:ext cx="8509061" cy="923330"/>
+          </a:xfrm>
+          <a:prstGeom prst="rect">
+            <a:avLst/>
+          </a:prstGeom>
+        </p:spPr>
+        <p:txBody>
+          <a:bodyPr wrap="none">
+            <a:spAutoFit/>
+          </a:bodyPr>
+          <a:lstStyle/>
+          <a:p>
+            <a:pPr algn="ctr"/>
+            <a:r>
+              <a:rPr lang="en-US" sz="5400" b="1" kern="0" dirty="0" smtClean="0">
+                <a:solidFill>
+                  <a:srgbClr val="0C0F20"/>
+                </a:solidFill>
+                <a:latin typeface="Lucida Handwriting" pitchFamily="66" charset="0"/>
+                <a:cs typeface="+mj-cs"/>
+                <a:sym typeface="Arial" charset="0"/>
+              </a:rPr>
+              <a:t>The  king of all tricks</a:t>
+            </a:r>
+            <a:endParaRPr lang="en-US" dirty="0"/>
+          </a:p>
+        </p:txBody>
+      </p:sp>
+      <p:pic>
+        <p:nvPicPr>
+          <p:cNvPr id="8" name="Picture 10" descr="http://knowledgehub.zeus.com/media/Scala_Logo2008.png"/>
+          <p:cNvPicPr>
+            <a:picLocks noChangeAspect="1" noChangeArrowheads="1"/>
+          </p:cNvPicPr>
+          <p:nvPr/>
+        </p:nvPicPr>
+        <p:blipFill>
+          <a:blip r:embed="rId3"/>
+          <a:srcRect/>
+          <a:stretch>
+            <a:fillRect/>
+          </a:stretch>
+        </p:blipFill>
+        <p:spPr bwMode="auto">
+          <a:xfrm>
+            <a:off x="4140200" y="76200"/>
+            <a:ext cx="2279542" cy="679257"/>
+          </a:xfrm>
+          <a:prstGeom prst="rect">
+            <a:avLst/>
+          </a:prstGeom>
+          <a:noFill/>
+        </p:spPr>
+      </p:pic>
+      <p:pic>
+        <p:nvPicPr>
+          <p:cNvPr id="9" name="Picture 2" descr="crown, king icon"/>
+          <p:cNvPicPr>
+            <a:picLocks noChangeAspect="1" noChangeArrowheads="1"/>
+          </p:cNvPicPr>
+          <p:nvPr/>
+        </p:nvPicPr>
+        <p:blipFill>
+          <a:blip r:embed="rId4"/>
+          <a:srcRect/>
+          <a:stretch>
+            <a:fillRect/>
+          </a:stretch>
+        </p:blipFill>
+        <p:spPr bwMode="auto">
+          <a:xfrm>
+            <a:off x="1168400" y="1295400"/>
+            <a:ext cx="1447800" cy="1447801"/>
+          </a:xfrm>
+          <a:prstGeom prst="rect">
+            <a:avLst/>
+          </a:prstGeom>
+          <a:noFill/>
+        </p:spPr>
+      </p:pic>
+      <p:sp>
+        <p:nvSpPr>
+          <p:cNvPr id="10" name="Rectangle 9"/>
+          <p:cNvSpPr/>
+          <p:nvPr/>
+        </p:nvSpPr>
+        <p:spPr>
+          <a:xfrm>
+            <a:off x="330200" y="3459301"/>
+            <a:ext cx="12344400" cy="3170099"/>
+          </a:xfrm>
+          <a:prstGeom prst="rect">
+            <a:avLst/>
+          </a:prstGeom>
+          <a:ln>
+            <a:solidFill>
+              <a:schemeClr val="tx1"/>
+            </a:solidFill>
+            <a:prstDash val="dash"/>
+          </a:ln>
+        </p:spPr>
+        <p:txBody>
+          <a:bodyPr wrap="square">
+            <a:spAutoFit/>
+          </a:bodyPr>
+          <a:lstStyle/>
+          <a:p>
+            <a:r>
+              <a:rPr lang="en-US" sz="4000" dirty="0" smtClean="0">
+                <a:solidFill>
+                  <a:srgbClr val="2A00FF"/>
+                </a:solidFill>
+                <a:latin typeface="Courier New"/>
+              </a:rPr>
+              <a:t>  "</a:t>
+            </a:r>
+            <a:r>
+              <a:rPr lang="en-US" sz="4000" dirty="0" smtClean="0">
+                <a:solidFill>
+                  <a:srgbClr val="2A00FF"/>
+                </a:solidFill>
+                <a:latin typeface="Courier New"/>
+              </a:rPr>
+              <a:t>This is ok"</a:t>
+            </a:r>
+            <a:r>
+              <a:rPr lang="en-US" sz="4000" dirty="0" smtClean="0">
+                <a:latin typeface="Courier New"/>
+              </a:rPr>
+              <a:t> in {</a:t>
+            </a:r>
+          </a:p>
+          <a:p>
+            <a:r>
+              <a:rPr lang="en-US" sz="4000" dirty="0" smtClean="0">
+                <a:latin typeface="Courier New"/>
+              </a:rPr>
+              <a:t>    1 + </a:t>
+            </a:r>
+            <a:r>
+              <a:rPr lang="en-US" sz="4000" dirty="0" smtClean="0">
+                <a:latin typeface="Courier New"/>
+              </a:rPr>
+              <a:t>1</a:t>
+            </a:r>
+          </a:p>
+          <a:p>
+            <a:r>
+              <a:rPr lang="en-US" sz="4000" dirty="0" smtClean="0">
+                <a:latin typeface="Courier New"/>
+              </a:rPr>
+              <a:t>  }</a:t>
+            </a:r>
+          </a:p>
+          <a:p>
+            <a:r>
+              <a:rPr lang="en-US" sz="4000" dirty="0" smtClean="0">
+                <a:latin typeface="Courier New"/>
+              </a:rPr>
+              <a:t>  </a:t>
+            </a:r>
+            <a:r>
+              <a:rPr lang="en-US" sz="4000" dirty="0" smtClean="0">
+                <a:solidFill>
+                  <a:srgbClr val="3F7F5F"/>
+                </a:solidFill>
+                <a:latin typeface="Courier New"/>
+              </a:rPr>
+              <a:t>// is the same as</a:t>
+            </a:r>
+          </a:p>
+          <a:p>
+            <a:r>
+              <a:rPr lang="en-US" sz="4000" dirty="0" smtClean="0">
+                <a:latin typeface="Courier New"/>
+              </a:rPr>
+              <a:t>  </a:t>
+            </a:r>
+            <a:r>
+              <a:rPr lang="en-US" sz="4000" dirty="0" smtClean="0">
+                <a:solidFill>
+                  <a:srgbClr val="2A00FF"/>
+                </a:solidFill>
+                <a:latin typeface="Courier New"/>
+              </a:rPr>
+              <a:t>"This is </a:t>
+            </a:r>
+            <a:r>
+              <a:rPr lang="en-US" sz="4000" dirty="0" err="1" smtClean="0">
+                <a:solidFill>
+                  <a:srgbClr val="2A00FF"/>
+                </a:solidFill>
+                <a:latin typeface="Courier New"/>
+              </a:rPr>
+              <a:t>ok"</a:t>
+            </a:r>
+            <a:r>
+              <a:rPr lang="en-US" sz="4000" dirty="0" err="1" smtClean="0">
+                <a:latin typeface="Courier New"/>
+              </a:rPr>
+              <a:t>.in</a:t>
+            </a:r>
+            <a:r>
+              <a:rPr lang="en-US" sz="4000" dirty="0" smtClean="0">
+                <a:latin typeface="Courier New"/>
+              </a:rPr>
+              <a:t>(1 + 1)</a:t>
+            </a:r>
+            <a:endParaRPr lang="en-US" sz="4000" b="1" dirty="0" smtClean="0">
+              <a:solidFill>
+                <a:srgbClr val="7F0055"/>
+              </a:solidFill>
+              <a:latin typeface="Courier New"/>
+            </a:endParaRPr>
+          </a:p>
+        </p:txBody>
+      </p:sp>
+      <p:sp>
+        <p:nvSpPr>
+          <p:cNvPr id="12" name="Rectangle 1"/>
+          <p:cNvSpPr txBox="1">
+            <a:spLocks noChangeArrowheads="1"/>
+          </p:cNvSpPr>
+          <p:nvPr/>
+        </p:nvSpPr>
+        <p:spPr bwMode="auto">
+          <a:xfrm>
+            <a:off x="4292600" y="7496003"/>
+            <a:ext cx="8382000" cy="685800"/>
+          </a:xfrm>
+          <a:prstGeom prst="rect">
+            <a:avLst/>
+          </a:prstGeom>
+          <a:noFill/>
+          <a:ln w="12700">
+            <a:noFill/>
+            <a:miter lim="800000"/>
+            <a:headEnd/>
+            <a:tailEnd/>
+          </a:ln>
+          <a:effectLst/>
+        </p:spPr>
+        <p:txBody>
+          <a:bodyPr vert="horz" wrap="square" lIns="50800" tIns="50800" rIns="50800" bIns="50800" numCol="1" anchor="ctr" anchorCtr="0" compatLnSpc="1">
+            <a:prstTxWarp prst="textNoShape">
+              <a:avLst/>
+            </a:prstTxWarp>
+          </a:bodyPr>
+          <a:lstStyle/>
+          <a:p>
+            <a:pPr lvl="0" algn="r"/>
+            <a:r>
+              <a:rPr lang="en-US" sz="4000" b="1" kern="0" dirty="0" smtClean="0">
+                <a:solidFill>
+                  <a:srgbClr val="E75145"/>
+                </a:solidFill>
+                <a:latin typeface="Courier New" pitchFamily="49" charset="0"/>
+                <a:ea typeface="+mj-ea"/>
+                <a:cs typeface="Courier New" pitchFamily="49" charset="0"/>
+                <a:sym typeface="Arial" charset="0"/>
+              </a:rPr>
+              <a:t>"</a:t>
+            </a:r>
+            <a:r>
+              <a:rPr kumimoji="0" lang="en-US" sz="4000" b="1" i="0" u="none" strike="noStrike" kern="0" cap="none" spc="0" normalizeH="0" baseline="0" noProof="0" dirty="0" smtClean="0">
+                <a:ln>
+                  <a:noFill/>
+                </a:ln>
+                <a:solidFill>
+                  <a:srgbClr val="E75145"/>
+                </a:solidFill>
+                <a:effectLst/>
+                <a:uLnTx/>
+                <a:uFillTx/>
+                <a:latin typeface="Courier New" pitchFamily="49" charset="0"/>
+                <a:ea typeface="+mj-ea"/>
+                <a:cs typeface="Courier New" pitchFamily="49" charset="0"/>
+                <a:sym typeface="Arial" charset="0"/>
+              </a:rPr>
+              <a:t>In</a:t>
+            </a:r>
+            <a:r>
+              <a:rPr lang="en-US" sz="4000" b="1" kern="0" dirty="0" smtClean="0">
+                <a:solidFill>
+                  <a:srgbClr val="E75145"/>
+                </a:solidFill>
+                <a:latin typeface="Courier New" pitchFamily="49" charset="0"/>
+                <a:cs typeface="Courier New" pitchFamily="49" charset="0"/>
+                <a:sym typeface="Arial" charset="0"/>
+              </a:rPr>
+              <a:t>"</a:t>
+            </a:r>
+            <a:r>
+              <a:rPr kumimoji="0" lang="en-US" sz="4000" b="1" i="0" u="none" strike="noStrike" kern="0" cap="none" spc="0" normalizeH="0" baseline="0" noProof="0" dirty="0" smtClean="0">
+                <a:ln>
+                  <a:noFill/>
+                </a:ln>
+                <a:solidFill>
+                  <a:srgbClr val="E75145"/>
+                </a:solidFill>
+                <a:effectLst/>
+                <a:uLnTx/>
+                <a:uFillTx/>
+                <a:latin typeface="Courier New" pitchFamily="49" charset="0"/>
+                <a:ea typeface="+mj-ea"/>
+                <a:cs typeface="Courier New" pitchFamily="49" charset="0"/>
+                <a:sym typeface="Arial" charset="0"/>
+              </a:rPr>
+              <a:t> </a:t>
+            </a:r>
+            <a:r>
+              <a:rPr kumimoji="0" lang="en-US" sz="4000" b="1" i="0" u="none" strike="noStrike" kern="0" cap="none" spc="0" normalizeH="0" baseline="0" noProof="0" dirty="0" smtClean="0">
+                <a:ln>
+                  <a:noFill/>
+                </a:ln>
+                <a:solidFill>
+                  <a:srgbClr val="E75145"/>
+                </a:solidFill>
+                <a:effectLst/>
+                <a:uLnTx/>
+                <a:uFillTx/>
+                <a:latin typeface="Lucida Handwriting" pitchFamily="66" charset="0"/>
+                <a:ea typeface="+mj-ea"/>
+                <a:cs typeface="+mj-cs"/>
+                <a:sym typeface="Arial" charset="0"/>
+              </a:rPr>
+              <a:t>method  on String ?!</a:t>
+            </a:r>
+            <a:endParaRPr kumimoji="0" lang="en-US" sz="4000" b="1" i="0" u="none" strike="noStrike" kern="0" cap="none" spc="0" normalizeH="0" baseline="0" noProof="0" dirty="0">
+              <a:ln>
+                <a:noFill/>
+              </a:ln>
+              <a:solidFill>
+                <a:srgbClr val="E75145"/>
+              </a:solidFill>
+              <a:effectLst/>
+              <a:uLnTx/>
+              <a:uFillTx/>
+              <a:latin typeface="+mj-lt"/>
+              <a:ea typeface="+mj-ea"/>
+              <a:cs typeface="+mj-cs"/>
+              <a:sym typeface="Arial" charset="0"/>
+            </a:endParaRPr>
+          </a:p>
+        </p:txBody>
+      </p:sp>
+    </p:spTree>
+  </p:cSld>
+  <p:clrMapOvr>
+    <a:masterClrMapping/>
+  </p:clrMapOvr>
+  <p:transition>
+    <p:fade/>
+  </p:transition>
+  <p:timing>
+    <p:tnLst>
+      <p:par>
+        <p:cTn id="1" dur="indefinite" restart="never" nodeType="tmRoot">
+          <p:childTnLst>
+            <p:seq concurrent="1" nextAc="seek">
+              <p:cTn id="2" dur="indefinite" nodeType="mainSeq">
+                <p:childTnLst>
+                  <p:par>
+                    <p:cTn id="3" fill="hold">
+                      <p:stCondLst>
+                        <p:cond delay="indefinite"/>
+                        <p:cond evt="onBegin" delay="0">
+                          <p:tn val="2"/>
+                        </p:cond>
+                      </p:stCondLst>
+                      <p:childTnLst>
+                        <p:par>
+                          <p:cTn id="4" fill="hold">
+                            <p:stCondLst>
+                              <p:cond delay="0"/>
+                            </p:stCondLst>
+                            <p:childTnLst>
+                              <p:par>
+                                <p:cTn id="5" presetID="1" presetClass="entr" presetSubtype="0" fill="hold" nodeType="withEffect">
+                                  <p:stCondLst>
+                                    <p:cond delay="0"/>
+                                  </p:stCondLst>
+                                  <p:childTnLst>
+                                    <p:set>
+                                      <p:cBhvr>
+                                        <p:cTn id="6" dur="1" fill="hold">
+                                          <p:stCondLst>
+                                            <p:cond delay="0"/>
+                                          </p:stCondLst>
+                                        </p:cTn>
+                                        <p:tgtEl>
+                                          <p:spTgt spid="8"/>
+                                        </p:tgtEl>
+                                        <p:attrNameLst>
+                                          <p:attrName>style.visibility</p:attrName>
+                                        </p:attrNameLst>
+                                      </p:cBhvr>
+                                      <p:to>
+                                        <p:strVal val="visible"/>
+                                      </p:to>
+                                    </p:set>
+                                  </p:childTnLst>
+                                </p:cTn>
+                              </p:par>
+                            </p:childTnLst>
+                          </p:cTn>
+                        </p:par>
+                      </p:childTnLst>
+                    </p:cTn>
+                  </p:par>
+                </p:childTnLst>
+              </p:cTn>
+              <p:prevCondLst>
+                <p:cond evt="onPrev" delay="0">
+                  <p:tgtEl>
+                    <p:sldTgt/>
+                  </p:tgtEl>
+                </p:cond>
+              </p:prevCondLst>
+              <p:nextCondLst>
+                <p:cond evt="onNext" delay="0">
+                  <p:tgtEl>
+                    <p:sldTgt/>
+                  </p:tgtEl>
+                </p:cond>
+              </p:nextCondLst>
+            </p:seq>
+          </p:childTnLst>
+        </p:cTn>
+      </p:par>
+    </p:tnLst>
+  </p:timing>
+</p:sld>
+</file>
+
+<file path=ppt/slides/slide23.xml><?xml version="1.0" encoding="utf-8"?>
+<p:sld xmlns:a="http://schemas.openxmlformats.org/drawingml/2006/main" xmlns:r="http://schemas.openxmlformats.org/officeDocument/2006/relationships" xmlns:p="http://schemas.openxmlformats.org/presentationml/2006/main">
+  <p:cSld>
+    <p:spTree>
+      <p:nvGrpSpPr>
+        <p:cNvPr id="1" name=""/>
+        <p:cNvGrpSpPr/>
+        <p:nvPr/>
+      </p:nvGrpSpPr>
+      <p:grpSpPr>
+        <a:xfrm>
+          <a:off x="0" y="0"/>
+          <a:ext cx="0" cy="0"/>
+          <a:chOff x="0" y="0"/>
+          <a:chExt cx="0" cy="0"/>
+        </a:xfrm>
+      </p:grpSpPr>
+      <p:sp>
+        <p:nvSpPr>
+          <p:cNvPr id="8193" name="Rectangle 1"/>
+          <p:cNvSpPr>
+            <a:spLocks noGrp="1" noChangeArrowheads="1"/>
+          </p:cNvSpPr>
+          <p:nvPr>
+            <p:ph type="title"/>
+          </p:nvPr>
+        </p:nvSpPr>
+        <p:spPr>
+          <a:xfrm>
+            <a:off x="711200" y="0"/>
+            <a:ext cx="12509500" cy="914400"/>
+          </a:xfrm>
+          <a:ln/>
+        </p:spPr>
+        <p:txBody>
+          <a:bodyPr/>
+          <a:lstStyle/>
+          <a:p>
+            <a:pPr lvl="0"/>
+            <a:r>
+              <a:rPr lang="en-US" sz="5400" dirty="0" smtClean="0">
+                <a:latin typeface="Lucida Handwriting" pitchFamily="66" charset="0"/>
+              </a:rPr>
+              <a:t>     </a:t>
+            </a:r>
+            <a:r>
+              <a:rPr lang="en-US" sz="5400" dirty="0" smtClean="0">
+                <a:latin typeface="Lucida Handwriting" pitchFamily="66" charset="0"/>
+              </a:rPr>
+              <a:t>DSL</a:t>
+            </a:r>
+            <a:endParaRPr lang="en-US" dirty="0"/>
+          </a:p>
+        </p:txBody>
+      </p:sp>
+      <p:sp>
+        <p:nvSpPr>
+          <p:cNvPr id="7" name="Rectangle 6"/>
+          <p:cNvSpPr/>
+          <p:nvPr/>
+        </p:nvSpPr>
+        <p:spPr>
+          <a:xfrm>
+            <a:off x="2870139" y="1438870"/>
+            <a:ext cx="8807219" cy="923330"/>
+          </a:xfrm>
+          <a:prstGeom prst="rect">
+            <a:avLst/>
+          </a:prstGeom>
+        </p:spPr>
+        <p:txBody>
+          <a:bodyPr wrap="none">
+            <a:spAutoFit/>
+          </a:bodyPr>
+          <a:lstStyle/>
+          <a:p>
+            <a:pPr algn="ctr"/>
+            <a:r>
+              <a:rPr lang="en-US" sz="5400" b="1" kern="0" dirty="0" smtClean="0">
+                <a:solidFill>
+                  <a:srgbClr val="0C0F20"/>
+                </a:solidFill>
+                <a:latin typeface="Lucida Handwriting" pitchFamily="66" charset="0"/>
+                <a:cs typeface="+mj-cs"/>
+                <a:sym typeface="Arial" charset="0"/>
+              </a:rPr>
+              <a:t>The  king of all tricks</a:t>
+            </a:r>
+            <a:endParaRPr lang="en-US" dirty="0"/>
+          </a:p>
+        </p:txBody>
+      </p:sp>
+      <p:pic>
+        <p:nvPicPr>
+          <p:cNvPr id="8" name="Picture 10" descr="http://knowledgehub.zeus.com/media/Scala_Logo2008.png"/>
+          <p:cNvPicPr>
+            <a:picLocks noChangeAspect="1" noChangeArrowheads="1"/>
+          </p:cNvPicPr>
+          <p:nvPr/>
+        </p:nvPicPr>
+        <p:blipFill>
+          <a:blip r:embed="rId3"/>
+          <a:srcRect/>
+          <a:stretch>
+            <a:fillRect/>
+          </a:stretch>
+        </p:blipFill>
+        <p:spPr bwMode="auto">
+          <a:xfrm>
+            <a:off x="4140200" y="76200"/>
+            <a:ext cx="2279542" cy="679257"/>
+          </a:xfrm>
+          <a:prstGeom prst="rect">
+            <a:avLst/>
+          </a:prstGeom>
+          <a:noFill/>
+        </p:spPr>
+      </p:pic>
+      <p:sp>
+        <p:nvSpPr>
+          <p:cNvPr id="11" name="Rectangle 10"/>
+          <p:cNvSpPr/>
+          <p:nvPr/>
+        </p:nvSpPr>
+        <p:spPr>
+          <a:xfrm>
+            <a:off x="330200" y="3459301"/>
+            <a:ext cx="12344400" cy="3970318"/>
+          </a:xfrm>
+          <a:prstGeom prst="rect">
+            <a:avLst/>
+          </a:prstGeom>
+          <a:ln>
+            <a:solidFill>
+              <a:schemeClr val="tx1"/>
+            </a:solidFill>
+            <a:prstDash val="dash"/>
+          </a:ln>
+        </p:spPr>
+        <p:txBody>
+          <a:bodyPr wrap="square">
+            <a:spAutoFit/>
+          </a:bodyPr>
+          <a:lstStyle/>
+          <a:p>
+            <a:r>
+              <a:rPr lang="en-US" sz="3600" b="1" dirty="0" smtClean="0">
+                <a:solidFill>
+                  <a:srgbClr val="7F0055"/>
+                </a:solidFill>
+                <a:latin typeface="Courier New"/>
+              </a:rPr>
+              <a:t>class</a:t>
+            </a:r>
+            <a:r>
+              <a:rPr lang="en-US" sz="3600" b="1" dirty="0" smtClean="0">
+                <a:latin typeface="Courier New"/>
+              </a:rPr>
+              <a:t> Example(description: String) {</a:t>
+            </a:r>
+          </a:p>
+          <a:p>
+            <a:r>
+              <a:rPr lang="en-US" sz="3600" b="1" dirty="0" smtClean="0">
+                <a:solidFill>
+                  <a:srgbClr val="7F0055"/>
+                </a:solidFill>
+                <a:latin typeface="Courier New"/>
+              </a:rPr>
+              <a:t>  def</a:t>
+            </a:r>
+            <a:r>
+              <a:rPr lang="en-US" sz="3600" b="1" dirty="0" smtClean="0">
+                <a:latin typeface="Courier New"/>
+              </a:rPr>
+              <a:t> in(e: </a:t>
+            </a:r>
+            <a:r>
+              <a:rPr lang="en-US" sz="3600" b="1" dirty="0" smtClean="0">
+                <a:solidFill>
+                  <a:srgbClr val="7F0055"/>
+                </a:solidFill>
+                <a:latin typeface="Courier New"/>
+              </a:rPr>
+              <a:t>Any</a:t>
+            </a:r>
+            <a:r>
+              <a:rPr lang="en-US" sz="3600" b="1" dirty="0" smtClean="0">
+                <a:latin typeface="Courier New"/>
+              </a:rPr>
+              <a:t>) = e</a:t>
+            </a:r>
+          </a:p>
+          <a:p>
+            <a:r>
+              <a:rPr lang="en-US" sz="3600" dirty="0" smtClean="0">
+                <a:latin typeface="Courier New"/>
+              </a:rPr>
+              <a:t>}</a:t>
+            </a:r>
+          </a:p>
+          <a:p>
+            <a:endParaRPr lang="en-US" sz="3600" dirty="0" smtClean="0">
+              <a:latin typeface="Courier New"/>
+            </a:endParaRPr>
+          </a:p>
+          <a:p>
+            <a:r>
+              <a:rPr lang="en-US" sz="3600" b="1" dirty="0" smtClean="0">
+                <a:solidFill>
+                  <a:srgbClr val="7F0055"/>
+                </a:solidFill>
+                <a:latin typeface="Courier New"/>
+              </a:rPr>
+              <a:t>implicit</a:t>
+            </a:r>
+            <a:r>
+              <a:rPr lang="en-US" sz="3600" b="1" dirty="0" smtClean="0">
+                <a:latin typeface="Courier New"/>
+              </a:rPr>
+              <a:t> </a:t>
+            </a:r>
+            <a:r>
+              <a:rPr lang="en-US" sz="3600" b="1" dirty="0" smtClean="0">
+                <a:solidFill>
+                  <a:srgbClr val="7F0055"/>
+                </a:solidFill>
+                <a:latin typeface="Courier New"/>
+              </a:rPr>
+              <a:t>def</a:t>
+            </a:r>
+            <a:r>
+              <a:rPr lang="en-US" sz="3600" b="1" dirty="0" smtClean="0">
+                <a:latin typeface="Courier New"/>
+              </a:rPr>
+              <a:t> </a:t>
+            </a:r>
+            <a:r>
+              <a:rPr lang="en-US" sz="3600" b="1" dirty="0" err="1" smtClean="0">
+                <a:latin typeface="Courier New"/>
+              </a:rPr>
+              <a:t>forExample</a:t>
+            </a:r>
+            <a:r>
+              <a:rPr lang="en-US" sz="3600" b="1" dirty="0" smtClean="0">
+                <a:latin typeface="Courier New"/>
+              </a:rPr>
+              <a:t>(d: String) = {</a:t>
+            </a:r>
+          </a:p>
+          <a:p>
+            <a:r>
+              <a:rPr lang="en-US" sz="3600" b="1" dirty="0" smtClean="0">
+                <a:solidFill>
+                  <a:srgbClr val="7F0055"/>
+                </a:solidFill>
+                <a:latin typeface="Courier New"/>
+              </a:rPr>
+              <a:t>  new</a:t>
+            </a:r>
+            <a:r>
+              <a:rPr lang="en-US" sz="3600" b="1" dirty="0" smtClean="0">
+                <a:latin typeface="Courier New"/>
+              </a:rPr>
+              <a:t> Example(d)</a:t>
+            </a:r>
+          </a:p>
+          <a:p>
+            <a:r>
+              <a:rPr lang="en-US" sz="3600" dirty="0" smtClean="0">
+                <a:latin typeface="Courier New"/>
+              </a:rPr>
+              <a:t>}</a:t>
+            </a:r>
+            <a:endParaRPr lang="en-US" sz="3600" b="1" dirty="0" smtClean="0">
+              <a:solidFill>
+                <a:srgbClr val="7F0055"/>
+              </a:solidFill>
+              <a:latin typeface="Courier New"/>
+            </a:endParaRPr>
+          </a:p>
+        </p:txBody>
+      </p:sp>
+      <p:pic>
+        <p:nvPicPr>
+          <p:cNvPr id="13" name="Picture 2" descr="crown, king icon"/>
+          <p:cNvPicPr>
+            <a:picLocks noChangeAspect="1" noChangeArrowheads="1"/>
+          </p:cNvPicPr>
+          <p:nvPr/>
+        </p:nvPicPr>
+        <p:blipFill>
+          <a:blip r:embed="rId4"/>
+          <a:srcRect/>
+          <a:stretch>
+            <a:fillRect/>
+          </a:stretch>
+        </p:blipFill>
+        <p:spPr bwMode="auto">
+          <a:xfrm>
+            <a:off x="1168400" y="1295400"/>
+            <a:ext cx="1447800" cy="1447801"/>
+          </a:xfrm>
+          <a:prstGeom prst="rect">
+            <a:avLst/>
+          </a:prstGeom>
+          <a:noFill/>
+        </p:spPr>
+      </p:pic>
+    </p:spTree>
+  </p:cSld>
+  <p:clrMapOvr>
+    <a:masterClrMapping/>
+  </p:clrMapOvr>
+  <p:transition>
+    <p:fade/>
+  </p:transition>
+  <p:timing>
+    <p:tnLst>
+      <p:par>
+        <p:cTn id="1" dur="indefinite" restart="never" nodeType="tmRoot">
+          <p:childTnLst>
+            <p:seq concurrent="1" nextAc="seek">
+              <p:cTn id="2" dur="indefinite" nodeType="mainSeq">
+                <p:childTnLst>
+                  <p:par>
+                    <p:cTn id="3" fill="hold">
+                      <p:stCondLst>
+                        <p:cond delay="indefinite"/>
+                        <p:cond evt="onBegin" delay="0">
+                          <p:tn val="2"/>
+                        </p:cond>
+                      </p:stCondLst>
+                      <p:childTnLst>
+                        <p:par>
+                          <p:cTn id="4" fill="hold">
+                            <p:stCondLst>
+                              <p:cond delay="0"/>
+                            </p:stCondLst>
+                            <p:childTnLst>
+                              <p:par>
+                                <p:cTn id="5" presetID="1" presetClass="entr" presetSubtype="0" fill="hold" nodeType="withEffect">
+                                  <p:stCondLst>
+                                    <p:cond delay="0"/>
+                                  </p:stCondLst>
+                                  <p:childTnLst>
+                                    <p:set>
+                                      <p:cBhvr>
+                                        <p:cTn id="6" dur="1" fill="hold">
+                                          <p:stCondLst>
+                                            <p:cond delay="0"/>
+                                          </p:stCondLst>
+                                        </p:cTn>
+                                        <p:tgtEl>
+                                          <p:spTgt spid="8"/>
+                                        </p:tgtEl>
+                                        <p:attrNameLst>
+                                          <p:attrName>style.visibility</p:attrName>
+                                        </p:attrNameLst>
+                                      </p:cBhvr>
+                                      <p:to>
+                                        <p:strVal val="visible"/>
+                                      </p:to>
+                                    </p:set>
+                                  </p:childTnLst>
+                                </p:cTn>
+                              </p:par>
+                            </p:childTnLst>
+                          </p:cTn>
+                        </p:par>
+                      </p:childTnLst>
+                    </p:cTn>
+                  </p:par>
+                </p:childTnLst>
+              </p:cTn>
+              <p:prevCondLst>
+                <p:cond evt="onPrev" delay="0">
+                  <p:tgtEl>
+                    <p:sldTgt/>
+                  </p:tgtEl>
+                </p:cond>
+              </p:prevCondLst>
+              <p:nextCondLst>
+                <p:cond evt="onNext" delay="0">
+                  <p:tgtEl>
+                    <p:sldTgt/>
+                  </p:tgtEl>
+                </p:cond>
+              </p:nextCondLst>
+            </p:seq>
+          </p:childTnLst>
+        </p:cTn>
+      </p:par>
+    </p:tnLst>
+  </p:timing>
+</p:sld>
+</file>
+
+<file path=ppt/slides/slide24.xml><?xml version="1.0" encoding="utf-8"?>
+<p:sld xmlns:a="http://schemas.openxmlformats.org/drawingml/2006/main" xmlns:r="http://schemas.openxmlformats.org/officeDocument/2006/relationships" xmlns:p="http://schemas.openxmlformats.org/presentationml/2006/main">
+  <p:cSld>
+    <p:spTree>
+      <p:nvGrpSpPr>
+        <p:cNvPr id="1" name=""/>
+        <p:cNvGrpSpPr/>
+        <p:nvPr/>
+      </p:nvGrpSpPr>
+      <p:grpSpPr>
+        <a:xfrm>
+          <a:off x="0" y="0"/>
+          <a:ext cx="0" cy="0"/>
+          <a:chOff x="0" y="0"/>
+          <a:chExt cx="0" cy="0"/>
+        </a:xfrm>
+      </p:grpSpPr>
+      <p:sp>
+        <p:nvSpPr>
+          <p:cNvPr id="8193" name="Rectangle 1"/>
+          <p:cNvSpPr>
+            <a:spLocks noGrp="1" noChangeArrowheads="1"/>
+          </p:cNvSpPr>
+          <p:nvPr>
+            <p:ph type="title"/>
+          </p:nvPr>
+        </p:nvSpPr>
+        <p:spPr>
+          <a:xfrm>
+            <a:off x="711200" y="0"/>
+            <a:ext cx="12509500" cy="914400"/>
+          </a:xfrm>
+          <a:ln/>
+        </p:spPr>
+        <p:txBody>
+          <a:bodyPr/>
+          <a:lstStyle/>
+          <a:p>
+            <a:pPr lvl="0"/>
+            <a:r>
+              <a:rPr lang="en-US" sz="5400" dirty="0" smtClean="0">
+                <a:latin typeface="Lucida Handwriting" pitchFamily="66" charset="0"/>
+              </a:rPr>
+              <a:t>     </a:t>
+            </a:r>
+            <a:r>
+              <a:rPr lang="en-US" sz="5400" dirty="0" smtClean="0">
+                <a:latin typeface="Lucida Handwriting" pitchFamily="66" charset="0"/>
+              </a:rPr>
+              <a:t>DSL</a:t>
+            </a:r>
+            <a:endParaRPr lang="en-US" dirty="0"/>
+          </a:p>
+        </p:txBody>
+      </p:sp>
+      <p:sp>
+        <p:nvSpPr>
+          <p:cNvPr id="7" name="Rectangle 6"/>
+          <p:cNvSpPr/>
+          <p:nvPr/>
+        </p:nvSpPr>
+        <p:spPr>
+          <a:xfrm>
+            <a:off x="2870139" y="1438870"/>
+            <a:ext cx="3398687" cy="923330"/>
+          </a:xfrm>
+          <a:prstGeom prst="rect">
+            <a:avLst/>
+          </a:prstGeom>
+        </p:spPr>
+        <p:txBody>
+          <a:bodyPr wrap="none">
+            <a:spAutoFit/>
+          </a:bodyPr>
+          <a:lstStyle/>
+          <a:p>
+            <a:pPr algn="ctr"/>
+            <a:r>
+              <a:rPr lang="en-US" sz="5400" b="1" kern="0" dirty="0" smtClean="0">
+                <a:solidFill>
+                  <a:srgbClr val="00CC66"/>
+                </a:solidFill>
+                <a:latin typeface="Lucida Handwriting" pitchFamily="66" charset="0"/>
+                <a:cs typeface="+mj-cs"/>
+                <a:sym typeface="Arial" charset="0"/>
+              </a:rPr>
+              <a:t>naming</a:t>
+            </a:r>
+            <a:endParaRPr lang="en-US" dirty="0">
+              <a:solidFill>
+                <a:srgbClr val="00CC66"/>
+              </a:solidFill>
+            </a:endParaRPr>
+          </a:p>
+        </p:txBody>
+      </p:sp>
+      <p:pic>
+        <p:nvPicPr>
+          <p:cNvPr id="8" name="Picture 10" descr="http://knowledgehub.zeus.com/media/Scala_Logo2008.png"/>
+          <p:cNvPicPr>
+            <a:picLocks noChangeAspect="1" noChangeArrowheads="1"/>
+          </p:cNvPicPr>
+          <p:nvPr/>
+        </p:nvPicPr>
+        <p:blipFill>
+          <a:blip r:embed="rId3"/>
+          <a:srcRect/>
+          <a:stretch>
+            <a:fillRect/>
+          </a:stretch>
+        </p:blipFill>
+        <p:spPr bwMode="auto">
+          <a:xfrm>
+            <a:off x="4140200" y="76200"/>
+            <a:ext cx="2279542" cy="679257"/>
+          </a:xfrm>
+          <a:prstGeom prst="rect">
+            <a:avLst/>
+          </a:prstGeom>
+          <a:noFill/>
+        </p:spPr>
+      </p:pic>
+      <p:sp>
+        <p:nvSpPr>
+          <p:cNvPr id="11" name="Rectangle 10"/>
+          <p:cNvSpPr/>
+          <p:nvPr/>
+        </p:nvSpPr>
+        <p:spPr>
+          <a:xfrm>
+            <a:off x="330200" y="3459301"/>
+            <a:ext cx="12344400" cy="707886"/>
+          </a:xfrm>
+          <a:prstGeom prst="rect">
+            <a:avLst/>
+          </a:prstGeom>
+          <a:ln>
+            <a:solidFill>
+              <a:schemeClr val="tx1"/>
+            </a:solidFill>
+            <a:prstDash val="dash"/>
+          </a:ln>
+        </p:spPr>
+        <p:txBody>
+          <a:bodyPr wrap="square">
+            <a:spAutoFit/>
+          </a:bodyPr>
+          <a:lstStyle/>
+          <a:p>
+            <a:r>
+              <a:rPr lang="en-US" sz="4000" dirty="0" err="1" smtClean="0">
+                <a:highlight>
+                  <a:srgbClr val="E8F2FE"/>
+                </a:highlight>
+                <a:latin typeface="Courier New"/>
+              </a:rPr>
+              <a:t>forExample</a:t>
+            </a:r>
+            <a:r>
+              <a:rPr lang="en-US" sz="4000" dirty="0" smtClean="0">
+                <a:highlight>
+                  <a:srgbClr val="E8F2FE"/>
+                </a:highlight>
+                <a:latin typeface="Courier New"/>
+              </a:rPr>
+              <a:t>(</a:t>
+            </a:r>
+            <a:r>
+              <a:rPr lang="en-US" sz="4000" dirty="0" smtClean="0">
+                <a:solidFill>
+                  <a:srgbClr val="2A00FF"/>
+                </a:solidFill>
+                <a:highlight>
+                  <a:srgbClr val="E8F2FE"/>
+                </a:highlight>
+                <a:latin typeface="Courier New"/>
+              </a:rPr>
+              <a:t>"this works"</a:t>
+            </a:r>
+            <a:r>
+              <a:rPr lang="en-US" sz="4000" dirty="0" smtClean="0">
+                <a:highlight>
+                  <a:srgbClr val="E8F2FE"/>
+                </a:highlight>
+                <a:latin typeface="Courier New"/>
+              </a:rPr>
+              <a:t>) in </a:t>
+            </a:r>
+            <a:r>
+              <a:rPr lang="en-US" sz="4000" dirty="0" smtClean="0">
+                <a:highlight>
+                  <a:srgbClr val="E8F2FE"/>
+                </a:highlight>
+                <a:latin typeface="Courier New"/>
+              </a:rPr>
+              <a:t>{ 1 + 1 }</a:t>
+            </a:r>
+            <a:endParaRPr lang="en-US" sz="4000" b="1" dirty="0" smtClean="0">
+              <a:solidFill>
+                <a:srgbClr val="7F0055"/>
+              </a:solidFill>
+              <a:latin typeface="Courier New"/>
+            </a:endParaRPr>
+          </a:p>
+        </p:txBody>
+      </p:sp>
+      <p:pic>
+        <p:nvPicPr>
+          <p:cNvPr id="70662" name="Picture 6" descr="magic, wizard icon"/>
+          <p:cNvPicPr>
+            <a:picLocks noChangeAspect="1" noChangeArrowheads="1"/>
+          </p:cNvPicPr>
+          <p:nvPr/>
+        </p:nvPicPr>
+        <p:blipFill>
+          <a:blip r:embed="rId4"/>
+          <a:srcRect/>
+          <a:stretch>
+            <a:fillRect/>
+          </a:stretch>
+        </p:blipFill>
+        <p:spPr bwMode="auto">
+          <a:xfrm>
+            <a:off x="635000" y="1143000"/>
+            <a:ext cx="1295400" cy="1295401"/>
+          </a:xfrm>
+          <a:prstGeom prst="rect">
+            <a:avLst/>
+          </a:prstGeom>
+          <a:noFill/>
+        </p:spPr>
+      </p:pic>
+    </p:spTree>
+  </p:cSld>
+  <p:clrMapOvr>
+    <a:masterClrMapping/>
+  </p:clrMapOvr>
+  <p:transition>
+    <p:fade/>
+  </p:transition>
+  <p:timing>
+    <p:tnLst>
+      <p:par>
+        <p:cTn id="1" dur="indefinite" restart="never" nodeType="tmRoot">
+          <p:childTnLst>
+            <p:seq concurrent="1" nextAc="seek">
+              <p:cTn id="2" dur="indefinite" nodeType="mainSeq">
+                <p:childTnLst>
+                  <p:par>
+                    <p:cTn id="3" fill="hold">
+                      <p:stCondLst>
+                        <p:cond delay="indefinite"/>
+                        <p:cond evt="onBegin" delay="0">
+                          <p:tn val="2"/>
+                        </p:cond>
+                      </p:stCondLst>
+                      <p:childTnLst>
+                        <p:par>
+                          <p:cTn id="4" fill="hold">
+                            <p:stCondLst>
+                              <p:cond delay="0"/>
+                            </p:stCondLst>
+                            <p:childTnLst>
+                              <p:par>
+                                <p:cTn id="5" presetID="1" presetClass="entr" presetSubtype="0" fill="hold" nodeType="withEffect">
+                                  <p:stCondLst>
+                                    <p:cond delay="0"/>
+                                  </p:stCondLst>
+                                  <p:childTnLst>
+                                    <p:set>
+                                      <p:cBhvr>
+                                        <p:cTn id="6" dur="1" fill="hold">
+                                          <p:stCondLst>
+                                            <p:cond delay="0"/>
+                                          </p:stCondLst>
+                                        </p:cTn>
+                                        <p:tgtEl>
+                                          <p:spTgt spid="8"/>
+                                        </p:tgtEl>
+                                        <p:attrNameLst>
+                                          <p:attrName>style.visibility</p:attrName>
+                                        </p:attrNameLst>
+                                      </p:cBhvr>
+                                      <p:to>
+                                        <p:strVal val="visible"/>
+                                      </p:to>
+                                    </p:set>
+                                  </p:childTnLst>
+                                </p:cTn>
+                              </p:par>
+                            </p:childTnLst>
+                          </p:cTn>
+                        </p:par>
+                      </p:childTnLst>
+                    </p:cTn>
+                  </p:par>
+                </p:childTnLst>
+              </p:cTn>
+              <p:prevCondLst>
+                <p:cond evt="onPrev" delay="0">
+                  <p:tgtEl>
+                    <p:sldTgt/>
+                  </p:tgtEl>
+                </p:cond>
+              </p:prevCondLst>
+              <p:nextCondLst>
+                <p:cond evt="onNext" delay="0">
+                  <p:tgtEl>
+                    <p:sldTgt/>
+                  </p:tgtEl>
+                </p:cond>
+              </p:nextCondLst>
+            </p:seq>
+          </p:childTnLst>
+        </p:cTn>
+      </p:par>
+    </p:tnLst>
+  </p:timing>
+</p:sld>
+</file>
+
+<file path=ppt/slides/slide25.xml><?xml version="1.0" encoding="utf-8"?>
+<p:sld xmlns:a="http://schemas.openxmlformats.org/drawingml/2006/main" xmlns:r="http://schemas.openxmlformats.org/officeDocument/2006/relationships" xmlns:p="http://schemas.openxmlformats.org/presentationml/2006/main">
+  <p:cSld>
+    <p:spTree>
+      <p:nvGrpSpPr>
+        <p:cNvPr id="1" name=""/>
+        <p:cNvGrpSpPr/>
+        <p:nvPr/>
+      </p:nvGrpSpPr>
+      <p:grpSpPr>
+        <a:xfrm>
+          <a:off x="0" y="0"/>
+          <a:ext cx="0" cy="0"/>
+          <a:chOff x="0" y="0"/>
+          <a:chExt cx="0" cy="0"/>
+        </a:xfrm>
+      </p:grpSpPr>
+      <p:sp>
+        <p:nvSpPr>
+          <p:cNvPr id="8193" name="Rectangle 1"/>
+          <p:cNvSpPr>
+            <a:spLocks noGrp="1" noChangeArrowheads="1"/>
+          </p:cNvSpPr>
+          <p:nvPr>
+            <p:ph type="title"/>
+          </p:nvPr>
+        </p:nvSpPr>
+        <p:spPr>
+          <a:xfrm>
+            <a:off x="711200" y="0"/>
+            <a:ext cx="12509500" cy="914400"/>
+          </a:xfrm>
+          <a:ln/>
+        </p:spPr>
+        <p:txBody>
+          <a:bodyPr/>
+          <a:lstStyle/>
+          <a:p>
+            <a:pPr lvl="0"/>
+            <a:r>
+              <a:rPr lang="en-US" sz="5400" dirty="0" smtClean="0">
+                <a:latin typeface="Lucida Handwriting" pitchFamily="66" charset="0"/>
+              </a:rPr>
+              <a:t>     </a:t>
+            </a:r>
+            <a:r>
+              <a:rPr lang="en-US" sz="5400" dirty="0" smtClean="0">
+                <a:latin typeface="Lucida Handwriting" pitchFamily="66" charset="0"/>
+              </a:rPr>
+              <a:t>DSL</a:t>
+            </a:r>
+            <a:endParaRPr lang="en-US" dirty="0"/>
+          </a:p>
+        </p:txBody>
+      </p:sp>
+      <p:sp>
+        <p:nvSpPr>
+          <p:cNvPr id="7" name="Rectangle 6"/>
+          <p:cNvSpPr/>
+          <p:nvPr/>
+        </p:nvSpPr>
+        <p:spPr>
+          <a:xfrm>
+            <a:off x="2870139" y="1438870"/>
+            <a:ext cx="2674130" cy="923330"/>
+          </a:xfrm>
+          <a:prstGeom prst="rect">
+            <a:avLst/>
+          </a:prstGeom>
+        </p:spPr>
+        <p:txBody>
+          <a:bodyPr wrap="none">
+            <a:spAutoFit/>
+          </a:bodyPr>
+          <a:lstStyle/>
+          <a:p>
+            <a:pPr algn="ctr"/>
+            <a:r>
+              <a:rPr lang="en-US" sz="5400" b="1" kern="0" dirty="0" smtClean="0">
+                <a:solidFill>
+                  <a:srgbClr val="00CC66"/>
+                </a:solidFill>
+                <a:latin typeface="Lucida Handwriting" pitchFamily="66" charset="0"/>
+                <a:cs typeface="+mj-cs"/>
+                <a:sym typeface="Arial" charset="0"/>
+              </a:rPr>
+              <a:t>typing</a:t>
+            </a:r>
+            <a:endParaRPr lang="en-US" dirty="0">
+              <a:solidFill>
+                <a:srgbClr val="00CC66"/>
+              </a:solidFill>
+            </a:endParaRPr>
+          </a:p>
+        </p:txBody>
+      </p:sp>
+      <p:pic>
+        <p:nvPicPr>
+          <p:cNvPr id="8" name="Picture 10" descr="http://knowledgehub.zeus.com/media/Scala_Logo2008.png"/>
+          <p:cNvPicPr>
+            <a:picLocks noChangeAspect="1" noChangeArrowheads="1"/>
+          </p:cNvPicPr>
+          <p:nvPr/>
+        </p:nvPicPr>
+        <p:blipFill>
+          <a:blip r:embed="rId3"/>
+          <a:srcRect/>
+          <a:stretch>
+            <a:fillRect/>
+          </a:stretch>
+        </p:blipFill>
+        <p:spPr bwMode="auto">
+          <a:xfrm>
+            <a:off x="4140200" y="76200"/>
+            <a:ext cx="2279542" cy="679257"/>
+          </a:xfrm>
+          <a:prstGeom prst="rect">
+            <a:avLst/>
+          </a:prstGeom>
+          <a:noFill/>
+        </p:spPr>
+      </p:pic>
+      <p:sp>
+        <p:nvSpPr>
+          <p:cNvPr id="11" name="Rectangle 10"/>
+          <p:cNvSpPr/>
+          <p:nvPr/>
+        </p:nvSpPr>
+        <p:spPr>
+          <a:xfrm>
+            <a:off x="330200" y="3459301"/>
+            <a:ext cx="12344400" cy="646331"/>
+          </a:xfrm>
+          <a:prstGeom prst="rect">
+            <a:avLst/>
+          </a:prstGeom>
+          <a:ln>
+            <a:solidFill>
+              <a:schemeClr val="tx1"/>
+            </a:solidFill>
+            <a:prstDash val="dash"/>
+          </a:ln>
+        </p:spPr>
+        <p:txBody>
+          <a:bodyPr wrap="square">
+            <a:spAutoFit/>
+          </a:bodyPr>
+          <a:lstStyle/>
+          <a:p>
+            <a:r>
+              <a:rPr lang="en-US" sz="3600" b="1" dirty="0" smtClean="0">
+                <a:solidFill>
+                  <a:srgbClr val="7F0055"/>
+                </a:solidFill>
+                <a:highlight>
+                  <a:srgbClr val="E8F2FE"/>
+                </a:highlight>
+                <a:latin typeface="Courier New"/>
+              </a:rPr>
+              <a:t>implicit</a:t>
+            </a:r>
+            <a:r>
+              <a:rPr lang="en-US" sz="3600" b="1" dirty="0" smtClean="0">
+                <a:highlight>
+                  <a:srgbClr val="E8F2FE"/>
+                </a:highlight>
+                <a:latin typeface="Courier New"/>
+              </a:rPr>
+              <a:t> </a:t>
+            </a:r>
+            <a:r>
+              <a:rPr lang="en-US" sz="3600" b="1" dirty="0" smtClean="0">
+                <a:solidFill>
+                  <a:srgbClr val="7F0055"/>
+                </a:solidFill>
+                <a:highlight>
+                  <a:srgbClr val="E8F2FE"/>
+                </a:highlight>
+                <a:latin typeface="Courier New"/>
+              </a:rPr>
+              <a:t>def</a:t>
+            </a:r>
+            <a:r>
+              <a:rPr lang="en-US" sz="3600" b="1" dirty="0" smtClean="0">
+                <a:highlight>
+                  <a:srgbClr val="E8F2FE"/>
+                </a:highlight>
+                <a:latin typeface="Courier New"/>
+              </a:rPr>
+              <a:t> </a:t>
+            </a:r>
+            <a:r>
+              <a:rPr lang="en-US" sz="3600" b="1" dirty="0" err="1" smtClean="0">
+                <a:highlight>
+                  <a:srgbClr val="E8F2FE"/>
+                </a:highlight>
+                <a:latin typeface="Courier New"/>
+              </a:rPr>
+              <a:t>forExample</a:t>
+            </a:r>
+            <a:r>
+              <a:rPr lang="en-US" sz="3600" b="1" dirty="0" smtClean="0">
+                <a:highlight>
+                  <a:srgbClr val="E8F2FE"/>
+                </a:highlight>
+                <a:latin typeface="Courier New"/>
+              </a:rPr>
+              <a:t>(d: String): </a:t>
+            </a:r>
+            <a:r>
+              <a:rPr lang="en-US" sz="3600" b="1" dirty="0" smtClean="0">
+                <a:highlight>
+                  <a:srgbClr val="E8F2FE"/>
+                </a:highlight>
+                <a:latin typeface="Courier New"/>
+              </a:rPr>
+              <a:t>Example</a:t>
+            </a:r>
+            <a:endParaRPr lang="en-US" sz="3600" b="1" dirty="0" smtClean="0">
+              <a:solidFill>
+                <a:srgbClr val="7F0055"/>
+              </a:solidFill>
+              <a:latin typeface="Courier New"/>
+            </a:endParaRPr>
+          </a:p>
+        </p:txBody>
+      </p:sp>
+      <p:pic>
+        <p:nvPicPr>
+          <p:cNvPr id="70662" name="Picture 6" descr="magic, wizard icon"/>
+          <p:cNvPicPr>
+            <a:picLocks noChangeAspect="1" noChangeArrowheads="1"/>
+          </p:cNvPicPr>
+          <p:nvPr/>
+        </p:nvPicPr>
+        <p:blipFill>
+          <a:blip r:embed="rId4"/>
+          <a:srcRect/>
+          <a:stretch>
+            <a:fillRect/>
+          </a:stretch>
+        </p:blipFill>
+        <p:spPr bwMode="auto">
+          <a:xfrm>
+            <a:off x="635000" y="1143000"/>
+            <a:ext cx="1295400" cy="1295401"/>
+          </a:xfrm>
+          <a:prstGeom prst="rect">
+            <a:avLst/>
+          </a:prstGeom>
+          <a:noFill/>
+        </p:spPr>
+      </p:pic>
+      <p:sp>
+        <p:nvSpPr>
+          <p:cNvPr id="9" name="Rectangle 8"/>
+          <p:cNvSpPr/>
+          <p:nvPr/>
+        </p:nvSpPr>
+        <p:spPr>
+          <a:xfrm>
+            <a:off x="3556000" y="4836855"/>
+            <a:ext cx="8813800" cy="2554545"/>
+          </a:xfrm>
+          <a:prstGeom prst="rect">
+            <a:avLst/>
+          </a:prstGeom>
+        </p:spPr>
+        <p:txBody>
+          <a:bodyPr wrap="square">
+            <a:spAutoFit/>
+          </a:bodyPr>
+          <a:lstStyle/>
+          <a:p>
+            <a:r>
+              <a:rPr lang="en-US" sz="4000" dirty="0" smtClean="0">
+                <a:latin typeface="Verdana"/>
+              </a:rPr>
+              <a:t>“An </a:t>
+            </a:r>
+            <a:r>
+              <a:rPr lang="en-US" sz="4000" dirty="0" smtClean="0">
+                <a:latin typeface="Verdana"/>
+              </a:rPr>
+              <a:t>implicit conversion without explicit result type is visible only in the text following its own </a:t>
+            </a:r>
+            <a:r>
+              <a:rPr lang="en-US" sz="4000" dirty="0" smtClean="0">
+                <a:latin typeface="Verdana"/>
+              </a:rPr>
+              <a:t>definition”</a:t>
+            </a:r>
+            <a:endParaRPr lang="en-US" sz="4000" dirty="0"/>
+          </a:p>
+        </p:txBody>
+      </p:sp>
+    </p:spTree>
+  </p:cSld>
+  <p:clrMapOvr>
+    <a:masterClrMapping/>
+  </p:clrMapOvr>
+  <p:transition>
+    <p:fade/>
+  </p:transition>
+  <p:timing>
+    <p:tnLst>
+      <p:par>
+        <p:cTn id="1" dur="indefinite" restart="never" nodeType="tmRoot">
+          <p:childTnLst>
+            <p:seq concurrent="1" nextAc="seek">
+              <p:cTn id="2" dur="indefinite" nodeType="mainSeq">
+                <p:childTnLst>
+                  <p:par>
+                    <p:cTn id="3" fill="hold">
+                      <p:stCondLst>
+                        <p:cond delay="indefinite"/>
+                        <p:cond evt="onBegin" delay="0">
+                          <p:tn val="2"/>
+                        </p:cond>
+                      </p:stCondLst>
+                      <p:childTnLst>
+                        <p:par>
+                          <p:cTn id="4" fill="hold">
+                            <p:stCondLst>
+                              <p:cond delay="0"/>
+                            </p:stCondLst>
+                            <p:childTnLst>
+                              <p:par>
+                                <p:cTn id="5" presetID="1" presetClass="entr" presetSubtype="0" fill="hold" nodeType="withEffect">
+                                  <p:stCondLst>
+                                    <p:cond delay="0"/>
+                                  </p:stCondLst>
+                                  <p:childTnLst>
+                                    <p:set>
+                                      <p:cBhvr>
+                                        <p:cTn id="6" dur="1" fill="hold">
+                                          <p:stCondLst>
+                                            <p:cond delay="0"/>
+                                          </p:stCondLst>
+                                        </p:cTn>
+                                        <p:tgtEl>
+                                          <p:spTgt spid="8"/>
+                                        </p:tgtEl>
+                                        <p:attrNameLst>
+                                          <p:attrName>style.visibility</p:attrName>
+                                        </p:attrNameLst>
+                                      </p:cBhvr>
+                                      <p:to>
+                                        <p:strVal val="visible"/>
+                                      </p:to>
+                                    </p:set>
+                                  </p:childTnLst>
+                                </p:cTn>
+                              </p:par>
+                            </p:childTnLst>
+                          </p:cTn>
+                        </p:par>
+                      </p:childTnLst>
+                    </p:cTn>
+                  </p:par>
+                </p:childTnLst>
+              </p:cTn>
+              <p:prevCondLst>
+                <p:cond evt="onPrev" delay="0">
+                  <p:tgtEl>
+                    <p:sldTgt/>
+                  </p:tgtEl>
+                </p:cond>
+              </p:prevCondLst>
+              <p:nextCondLst>
+                <p:cond evt="onNext" delay="0">
+                  <p:tgtEl>
+                    <p:sldTgt/>
+                  </p:tgtEl>
+                </p:cond>
+              </p:nextCondLst>
+            </p:seq>
+          </p:childTnLst>
+        </p:cTn>
+      </p:par>
+    </p:tnLst>
+  </p:timing>
+</p:sld>
+</file>
+
+<file path=ppt/slides/slide26.xml><?xml version="1.0" encoding="utf-8"?>
+<p:sld xmlns:a="http://schemas.openxmlformats.org/drawingml/2006/main" xmlns:r="http://schemas.openxmlformats.org/officeDocument/2006/relationships" xmlns:p="http://schemas.openxmlformats.org/presentationml/2006/main">
+  <p:cSld>
+    <p:spTree>
+      <p:nvGrpSpPr>
+        <p:cNvPr id="1" name=""/>
+        <p:cNvGrpSpPr/>
+        <p:nvPr/>
+      </p:nvGrpSpPr>
+      <p:grpSpPr>
+        <a:xfrm>
+          <a:off x="0" y="0"/>
+          <a:ext cx="0" cy="0"/>
+          <a:chOff x="0" y="0"/>
+          <a:chExt cx="0" cy="0"/>
+        </a:xfrm>
+      </p:grpSpPr>
+      <p:sp>
+        <p:nvSpPr>
+          <p:cNvPr id="8193" name="Rectangle 1"/>
+          <p:cNvSpPr>
+            <a:spLocks noGrp="1" noChangeArrowheads="1"/>
+          </p:cNvSpPr>
+          <p:nvPr>
+            <p:ph type="title"/>
+          </p:nvPr>
+        </p:nvSpPr>
+        <p:spPr>
+          <a:xfrm>
+            <a:off x="711200" y="0"/>
+            <a:ext cx="12509500" cy="914400"/>
+          </a:xfrm>
+          <a:ln/>
+        </p:spPr>
+        <p:txBody>
+          <a:bodyPr/>
+          <a:lstStyle/>
+          <a:p>
+            <a:pPr lvl="0"/>
+            <a:r>
+              <a:rPr lang="en-US" sz="5400" dirty="0" smtClean="0">
+                <a:latin typeface="Lucida Handwriting" pitchFamily="66" charset="0"/>
+              </a:rPr>
+              <a:t>     </a:t>
+            </a:r>
+            <a:r>
+              <a:rPr lang="en-US" sz="5400" dirty="0" smtClean="0">
+                <a:latin typeface="Lucida Handwriting" pitchFamily="66" charset="0"/>
+              </a:rPr>
+              <a:t>DSL</a:t>
+            </a:r>
+            <a:endParaRPr lang="en-US" dirty="0"/>
+          </a:p>
+        </p:txBody>
+      </p:sp>
+      <p:sp>
+        <p:nvSpPr>
+          <p:cNvPr id="7" name="Rectangle 6"/>
+          <p:cNvSpPr/>
+          <p:nvPr/>
+        </p:nvSpPr>
+        <p:spPr>
+          <a:xfrm>
+            <a:off x="2870139" y="1438870"/>
+            <a:ext cx="2951449" cy="923330"/>
+          </a:xfrm>
+          <a:prstGeom prst="rect">
+            <a:avLst/>
+          </a:prstGeom>
+        </p:spPr>
+        <p:txBody>
+          <a:bodyPr wrap="none">
+            <a:spAutoFit/>
+          </a:bodyPr>
+          <a:lstStyle/>
+          <a:p>
+            <a:pPr algn="ctr"/>
+            <a:r>
+              <a:rPr lang="en-US" sz="5400" b="1" kern="0" dirty="0" smtClean="0">
+                <a:solidFill>
+                  <a:srgbClr val="00CC66"/>
+                </a:solidFill>
+                <a:latin typeface="Lucida Handwriting" pitchFamily="66" charset="0"/>
+                <a:cs typeface="+mj-cs"/>
+                <a:sym typeface="Arial" charset="0"/>
+              </a:rPr>
+              <a:t>restrict</a:t>
+            </a:r>
+            <a:endParaRPr lang="en-US" dirty="0">
+              <a:solidFill>
+                <a:srgbClr val="00CC66"/>
+              </a:solidFill>
+            </a:endParaRPr>
+          </a:p>
+        </p:txBody>
+      </p:sp>
+      <p:pic>
+        <p:nvPicPr>
+          <p:cNvPr id="8" name="Picture 10" descr="http://knowledgehub.zeus.com/media/Scala_Logo2008.png"/>
+          <p:cNvPicPr>
+            <a:picLocks noChangeAspect="1" noChangeArrowheads="1"/>
+          </p:cNvPicPr>
+          <p:nvPr/>
+        </p:nvPicPr>
+        <p:blipFill>
+          <a:blip r:embed="rId3"/>
+          <a:srcRect/>
+          <a:stretch>
+            <a:fillRect/>
+          </a:stretch>
+        </p:blipFill>
+        <p:spPr bwMode="auto">
+          <a:xfrm>
+            <a:off x="4140200" y="76200"/>
+            <a:ext cx="2279542" cy="679257"/>
+          </a:xfrm>
+          <a:prstGeom prst="rect">
+            <a:avLst/>
+          </a:prstGeom>
+          <a:noFill/>
+        </p:spPr>
+      </p:pic>
+      <p:sp>
+        <p:nvSpPr>
+          <p:cNvPr id="11" name="Rectangle 10"/>
+          <p:cNvSpPr/>
+          <p:nvPr/>
+        </p:nvSpPr>
+        <p:spPr>
+          <a:xfrm>
+            <a:off x="330200" y="3459301"/>
+            <a:ext cx="12344400" cy="3416320"/>
+          </a:xfrm>
+          <a:prstGeom prst="rect">
+            <a:avLst/>
+          </a:prstGeom>
+          <a:solidFill>
+            <a:schemeClr val="bg1"/>
+          </a:solidFill>
+          <a:ln>
+            <a:solidFill>
+              <a:schemeClr val="tx1"/>
+            </a:solidFill>
+            <a:prstDash val="dash"/>
+          </a:ln>
+        </p:spPr>
+        <p:txBody>
+          <a:bodyPr wrap="square">
+            <a:spAutoFit/>
+          </a:bodyPr>
+          <a:lstStyle/>
+          <a:p>
+            <a:r>
+              <a:rPr lang="en-US" sz="3600" b="1" dirty="0" smtClean="0">
+                <a:solidFill>
+                  <a:srgbClr val="7F0055"/>
+                </a:solidFill>
+                <a:latin typeface="Courier New"/>
+              </a:rPr>
+              <a:t>class</a:t>
+            </a:r>
+            <a:r>
+              <a:rPr lang="en-US" sz="3600" b="1" dirty="0" smtClean="0">
+                <a:latin typeface="Courier New"/>
+              </a:rPr>
+              <a:t> </a:t>
+            </a:r>
+            <a:r>
+              <a:rPr lang="en-US" sz="3600" b="1" dirty="0" smtClean="0">
+                <a:latin typeface="Courier New"/>
+              </a:rPr>
+              <a:t>Example(description: String) {</a:t>
+            </a:r>
+          </a:p>
+          <a:p>
+            <a:r>
+              <a:rPr lang="en-US" sz="3600" b="1" dirty="0" smtClean="0">
+                <a:solidFill>
+                  <a:srgbClr val="7F0055"/>
+                </a:solidFill>
+                <a:latin typeface="Courier New"/>
+              </a:rPr>
+              <a:t>  def</a:t>
+            </a:r>
+            <a:r>
+              <a:rPr lang="en-US" sz="3600" b="1" dirty="0" smtClean="0">
+                <a:latin typeface="Courier New"/>
+              </a:rPr>
+              <a:t> in(e: </a:t>
+            </a:r>
+            <a:r>
+              <a:rPr lang="en-US" sz="3600" b="1" dirty="0" smtClean="0">
+                <a:latin typeface="Courier New"/>
+              </a:rPr>
+              <a:t>=&gt;</a:t>
+            </a:r>
+            <a:r>
+              <a:rPr lang="en-US" sz="3600" b="1" dirty="0" smtClean="0">
+                <a:solidFill>
+                  <a:srgbClr val="7F0055"/>
+                </a:solidFill>
+                <a:latin typeface="Courier New"/>
+              </a:rPr>
+              <a:t>Any</a:t>
+            </a:r>
+            <a:r>
+              <a:rPr lang="en-US" sz="3600" b="1" dirty="0" smtClean="0">
+                <a:latin typeface="Courier New"/>
+              </a:rPr>
+              <a:t>) = expectations</a:t>
+            </a:r>
+          </a:p>
+          <a:p>
+            <a:r>
+              <a:rPr lang="en-US" sz="3600" b="1" dirty="0" smtClean="0">
+                <a:solidFill>
+                  <a:srgbClr val="7F0055"/>
+                </a:solidFill>
+                <a:latin typeface="Courier New"/>
+              </a:rPr>
+              <a:t>  def</a:t>
+            </a:r>
+            <a:r>
+              <a:rPr lang="en-US" sz="3600" b="1" dirty="0" smtClean="0">
+                <a:latin typeface="Courier New"/>
+              </a:rPr>
+              <a:t> </a:t>
+            </a:r>
+            <a:r>
+              <a:rPr lang="en-US" sz="3600" b="1" dirty="0" smtClean="0">
+                <a:latin typeface="Courier New"/>
+              </a:rPr>
+              <a:t>tag(t: String) = ()</a:t>
+            </a:r>
+          </a:p>
+          <a:p>
+            <a:r>
+              <a:rPr lang="en-US" sz="3600" dirty="0" smtClean="0">
+                <a:latin typeface="Courier New"/>
+              </a:rPr>
+              <a:t>}</a:t>
+            </a:r>
+          </a:p>
+          <a:p>
+            <a:endParaRPr lang="en-US" sz="3600" b="1" dirty="0" smtClean="0">
+              <a:solidFill>
+                <a:srgbClr val="7F0055"/>
+              </a:solidFill>
+              <a:latin typeface="Courier New"/>
+            </a:endParaRPr>
+          </a:p>
+          <a:p>
+            <a:r>
+              <a:rPr lang="en-US" sz="3600" dirty="0" smtClean="0">
+                <a:solidFill>
+                  <a:srgbClr val="2A00FF"/>
+                </a:solidFill>
+                <a:highlight>
+                  <a:srgbClr val="E8F2FE"/>
+                </a:highlight>
+                <a:latin typeface="Courier New"/>
+              </a:rPr>
+              <a:t>"this is a </a:t>
+            </a:r>
+            <a:r>
+              <a:rPr lang="en-US" sz="3600" dirty="0" smtClean="0">
+                <a:solidFill>
+                  <a:srgbClr val="2A00FF"/>
+                </a:solidFill>
+                <a:highlight>
+                  <a:srgbClr val="E8F2FE"/>
+                </a:highlight>
+                <a:latin typeface="Courier New"/>
+              </a:rPr>
+              <a:t>" </a:t>
+            </a:r>
+            <a:r>
+              <a:rPr lang="en-US" sz="3600" dirty="0" smtClean="0">
+                <a:highlight>
+                  <a:srgbClr val="E8F2FE"/>
+                </a:highlight>
+                <a:latin typeface="Courier New"/>
+              </a:rPr>
+              <a:t>tag (</a:t>
+            </a:r>
+            <a:r>
+              <a:rPr lang="en-US" sz="3600" dirty="0" smtClean="0">
+                <a:solidFill>
+                  <a:srgbClr val="2A00FF"/>
+                </a:solidFill>
+                <a:highlight>
+                  <a:srgbClr val="E8F2FE"/>
+                </a:highlight>
+                <a:latin typeface="Courier New"/>
+              </a:rPr>
+              <a:t>"</a:t>
+            </a:r>
+            <a:r>
+              <a:rPr lang="en-US" sz="3600" dirty="0" smtClean="0">
+                <a:solidFill>
+                  <a:srgbClr val="2A00FF"/>
+                </a:solidFill>
+                <a:highlight>
+                  <a:srgbClr val="E8F2FE"/>
+                </a:highlight>
+                <a:latin typeface="Courier New"/>
+              </a:rPr>
+              <a:t>really?"</a:t>
+            </a:r>
+            <a:r>
+              <a:rPr lang="en-US" sz="3600" dirty="0" smtClean="0">
+                <a:highlight>
+                  <a:srgbClr val="E8F2FE"/>
+                </a:highlight>
+                <a:latin typeface="Courier New"/>
+              </a:rPr>
+              <a:t>)</a:t>
+            </a:r>
+            <a:endParaRPr lang="en-US" sz="3600" b="1" dirty="0" smtClean="0">
+              <a:solidFill>
+                <a:srgbClr val="7F0055"/>
+              </a:solidFill>
+              <a:latin typeface="Courier New"/>
+            </a:endParaRPr>
+          </a:p>
+        </p:txBody>
+      </p:sp>
+      <p:pic>
+        <p:nvPicPr>
+          <p:cNvPr id="70662" name="Picture 6" descr="magic, wizard icon"/>
+          <p:cNvPicPr>
+            <a:picLocks noChangeAspect="1" noChangeArrowheads="1"/>
+          </p:cNvPicPr>
+          <p:nvPr/>
+        </p:nvPicPr>
+        <p:blipFill>
+          <a:blip r:embed="rId4"/>
+          <a:srcRect/>
+          <a:stretch>
+            <a:fillRect/>
+          </a:stretch>
+        </p:blipFill>
+        <p:spPr bwMode="auto">
+          <a:xfrm>
+            <a:off x="635000" y="1143000"/>
+            <a:ext cx="1295400" cy="1295401"/>
+          </a:xfrm>
+          <a:prstGeom prst="rect">
+            <a:avLst/>
+          </a:prstGeom>
+          <a:noFill/>
+        </p:spPr>
+      </p:pic>
+    </p:spTree>
+  </p:cSld>
+  <p:clrMapOvr>
+    <a:masterClrMapping/>
+  </p:clrMapOvr>
+  <p:transition>
+    <p:fade/>
+  </p:transition>
+  <p:timing>
+    <p:tnLst>
+      <p:par>
+        <p:cTn id="1" dur="indefinite" restart="never" nodeType="tmRoot">
+          <p:childTnLst>
+            <p:seq concurrent="1" nextAc="seek">
+              <p:cTn id="2" dur="indefinite" nodeType="mainSeq">
+                <p:childTnLst>
+                  <p:par>
+                    <p:cTn id="3" fill="hold">
+                      <p:stCondLst>
+                        <p:cond delay="indefinite"/>
+                        <p:cond evt="onBegin" delay="0">
+                          <p:tn val="2"/>
+                        </p:cond>
+                      </p:stCondLst>
+                      <p:childTnLst>
+                        <p:par>
+                          <p:cTn id="4" fill="hold">
+                            <p:stCondLst>
+                              <p:cond delay="0"/>
+                            </p:stCondLst>
+                            <p:childTnLst>
+                              <p:par>
+                                <p:cTn id="5" presetID="1" presetClass="entr" presetSubtype="0" fill="hold" nodeType="withEffect">
+                                  <p:stCondLst>
+                                    <p:cond delay="0"/>
+                                  </p:stCondLst>
+                                  <p:childTnLst>
+                                    <p:set>
+                                      <p:cBhvr>
+                                        <p:cTn id="6" dur="1" fill="hold">
+                                          <p:stCondLst>
+                                            <p:cond delay="0"/>
+                                          </p:stCondLst>
+                                        </p:cTn>
+                                        <p:tgtEl>
+                                          <p:spTgt spid="8"/>
+                                        </p:tgtEl>
+                                        <p:attrNameLst>
+                                          <p:attrName>style.visibility</p:attrName>
+                                        </p:attrNameLst>
+                                      </p:cBhvr>
+                                      <p:to>
+                                        <p:strVal val="visible"/>
+                                      </p:to>
+                                    </p:set>
+                                  </p:childTnLst>
+                                </p:cTn>
+                              </p:par>
+                            </p:childTnLst>
+                          </p:cTn>
+                        </p:par>
+                      </p:childTnLst>
+                    </p:cTn>
+                  </p:par>
+                </p:childTnLst>
+              </p:cTn>
+              <p:prevCondLst>
+                <p:cond evt="onPrev" delay="0">
+                  <p:tgtEl>
+                    <p:sldTgt/>
+                  </p:tgtEl>
+                </p:cond>
+              </p:prevCondLst>
+              <p:nextCondLst>
+                <p:cond evt="onNext" delay="0">
+                  <p:tgtEl>
+                    <p:sldTgt/>
+                  </p:tgtEl>
+                </p:cond>
+              </p:nextCondLst>
+            </p:seq>
+          </p:childTnLst>
+        </p:cTn>
+      </p:par>
+    </p:tnLst>
+  </p:timing>
+</p:sld>
+</file>
+
+<file path=ppt/slides/slide27.xml><?xml version="1.0" encoding="utf-8"?>
+<p:sld xmlns:a="http://schemas.openxmlformats.org/drawingml/2006/main" xmlns:r="http://schemas.openxmlformats.org/officeDocument/2006/relationships" xmlns:p="http://schemas.openxmlformats.org/presentationml/2006/main">
+  <p:cSld>
+    <p:spTree>
+      <p:nvGrpSpPr>
+        <p:cNvPr id="1" name=""/>
+        <p:cNvGrpSpPr/>
+        <p:nvPr/>
+      </p:nvGrpSpPr>
+      <p:grpSpPr>
+        <a:xfrm>
+          <a:off x="0" y="0"/>
+          <a:ext cx="0" cy="0"/>
+          <a:chOff x="0" y="0"/>
+          <a:chExt cx="0" cy="0"/>
+        </a:xfrm>
+      </p:grpSpPr>
+      <p:sp>
+        <p:nvSpPr>
+          <p:cNvPr id="8193" name="Rectangle 1"/>
+          <p:cNvSpPr>
+            <a:spLocks noGrp="1" noChangeArrowheads="1"/>
+          </p:cNvSpPr>
+          <p:nvPr>
+            <p:ph type="title"/>
+          </p:nvPr>
+        </p:nvSpPr>
+        <p:spPr>
+          <a:xfrm>
+            <a:off x="711200" y="0"/>
+            <a:ext cx="12509500" cy="914400"/>
+          </a:xfrm>
+          <a:ln/>
+        </p:spPr>
+        <p:txBody>
+          <a:bodyPr/>
+          <a:lstStyle/>
+          <a:p>
+            <a:pPr lvl="0"/>
+            <a:r>
+              <a:rPr lang="en-US" sz="5400" dirty="0" smtClean="0">
+                <a:latin typeface="Lucida Handwriting" pitchFamily="66" charset="0"/>
+              </a:rPr>
+              <a:t>     </a:t>
+            </a:r>
+            <a:r>
+              <a:rPr lang="en-US" sz="5400" dirty="0" smtClean="0">
+                <a:latin typeface="Lucida Handwriting" pitchFamily="66" charset="0"/>
+              </a:rPr>
+              <a:t>DSL</a:t>
+            </a:r>
+            <a:endParaRPr lang="en-US" dirty="0"/>
+          </a:p>
+        </p:txBody>
+      </p:sp>
+      <p:sp>
+        <p:nvSpPr>
+          <p:cNvPr id="7" name="Rectangle 6"/>
+          <p:cNvSpPr/>
+          <p:nvPr/>
+        </p:nvSpPr>
+        <p:spPr>
+          <a:xfrm>
+            <a:off x="2870139" y="1438870"/>
+            <a:ext cx="2951449" cy="923330"/>
+          </a:xfrm>
+          <a:prstGeom prst="rect">
+            <a:avLst/>
+          </a:prstGeom>
+        </p:spPr>
+        <p:txBody>
+          <a:bodyPr wrap="none">
+            <a:spAutoFit/>
+          </a:bodyPr>
+          <a:lstStyle/>
+          <a:p>
+            <a:pPr algn="ctr"/>
+            <a:r>
+              <a:rPr lang="en-US" sz="5400" b="1" kern="0" dirty="0" smtClean="0">
+                <a:solidFill>
+                  <a:srgbClr val="00CC66"/>
+                </a:solidFill>
+                <a:latin typeface="Lucida Handwriting" pitchFamily="66" charset="0"/>
+                <a:cs typeface="+mj-cs"/>
+                <a:sym typeface="Arial" charset="0"/>
+              </a:rPr>
+              <a:t>restrict</a:t>
+            </a:r>
+            <a:endParaRPr lang="en-US" dirty="0">
+              <a:solidFill>
+                <a:srgbClr val="00CC66"/>
+              </a:solidFill>
+            </a:endParaRPr>
+          </a:p>
+        </p:txBody>
+      </p:sp>
+      <p:pic>
+        <p:nvPicPr>
+          <p:cNvPr id="8" name="Picture 10" descr="http://knowledgehub.zeus.com/media/Scala_Logo2008.png"/>
+          <p:cNvPicPr>
+            <a:picLocks noChangeAspect="1" noChangeArrowheads="1"/>
+          </p:cNvPicPr>
+          <p:nvPr/>
+        </p:nvPicPr>
+        <p:blipFill>
+          <a:blip r:embed="rId3"/>
+          <a:srcRect/>
+          <a:stretch>
+            <a:fillRect/>
+          </a:stretch>
+        </p:blipFill>
+        <p:spPr bwMode="auto">
+          <a:xfrm>
+            <a:off x="4140200" y="76200"/>
+            <a:ext cx="2279542" cy="679257"/>
+          </a:xfrm>
+          <a:prstGeom prst="rect">
+            <a:avLst/>
+          </a:prstGeom>
+          <a:noFill/>
+        </p:spPr>
+      </p:pic>
+      <p:sp>
+        <p:nvSpPr>
+          <p:cNvPr id="11" name="Rectangle 10"/>
+          <p:cNvSpPr/>
+          <p:nvPr/>
+        </p:nvSpPr>
+        <p:spPr>
+          <a:xfrm>
+            <a:off x="330200" y="3459301"/>
+            <a:ext cx="12344400" cy="3970318"/>
+          </a:xfrm>
+          <a:prstGeom prst="rect">
+            <a:avLst/>
+          </a:prstGeom>
+          <a:solidFill>
+            <a:schemeClr val="bg1"/>
+          </a:solidFill>
+          <a:ln>
+            <a:solidFill>
+              <a:schemeClr val="tx1"/>
+            </a:solidFill>
+            <a:prstDash val="dash"/>
+          </a:ln>
+        </p:spPr>
+        <p:txBody>
+          <a:bodyPr wrap="square">
+            <a:spAutoFit/>
+          </a:bodyPr>
+          <a:lstStyle/>
+          <a:p>
+            <a:r>
+              <a:rPr lang="en-US" sz="3600" b="1" dirty="0" smtClean="0">
+                <a:solidFill>
+                  <a:srgbClr val="7F0055"/>
+                </a:solidFill>
+                <a:latin typeface="Courier New"/>
+              </a:rPr>
+              <a:t>class</a:t>
+            </a:r>
+            <a:r>
+              <a:rPr lang="en-US" sz="3600" b="1" dirty="0" smtClean="0">
+                <a:latin typeface="Courier New"/>
+              </a:rPr>
+              <a:t> </a:t>
+            </a:r>
+            <a:r>
+              <a:rPr lang="en-US" sz="3600" b="1" dirty="0" err="1" smtClean="0">
+                <a:latin typeface="Courier New"/>
+              </a:rPr>
+              <a:t>ExampleDesc</a:t>
+            </a:r>
+            <a:r>
+              <a:rPr lang="en-US" sz="3600" b="1" dirty="0" smtClean="0">
+                <a:latin typeface="Courier New"/>
+              </a:rPr>
+              <a:t>(description: String) </a:t>
+            </a:r>
+            <a:r>
+              <a:rPr lang="en-US" sz="3600" b="1" dirty="0" smtClean="0">
+                <a:latin typeface="Courier New"/>
+              </a:rPr>
+              <a:t>{</a:t>
+            </a:r>
+            <a:r>
+              <a:rPr lang="en-US" sz="3600" b="1" dirty="0" smtClean="0">
+                <a:solidFill>
+                  <a:srgbClr val="7F0055"/>
+                </a:solidFill>
+                <a:latin typeface="Courier New"/>
+              </a:rPr>
+              <a:t>    </a:t>
+            </a:r>
+          </a:p>
+          <a:p>
+            <a:r>
+              <a:rPr lang="en-US" sz="3600" b="1" dirty="0" smtClean="0">
+                <a:solidFill>
+                  <a:srgbClr val="7F0055"/>
+                </a:solidFill>
+                <a:latin typeface="Courier New"/>
+              </a:rPr>
+              <a:t> </a:t>
+            </a:r>
+            <a:r>
+              <a:rPr lang="en-US" sz="3600" b="1" dirty="0" smtClean="0">
+                <a:solidFill>
+                  <a:srgbClr val="7F0055"/>
+                </a:solidFill>
+                <a:latin typeface="Courier New"/>
+              </a:rPr>
+              <a:t> def</a:t>
+            </a:r>
+            <a:r>
+              <a:rPr lang="en-US" sz="3600" b="1" dirty="0" smtClean="0">
+                <a:latin typeface="Courier New"/>
+              </a:rPr>
+              <a:t> </a:t>
+            </a:r>
+            <a:r>
+              <a:rPr lang="en-US" sz="3600" b="1" dirty="0" smtClean="0">
+                <a:latin typeface="Courier New"/>
+              </a:rPr>
+              <a:t>in(e: =&gt;</a:t>
+            </a:r>
+            <a:r>
+              <a:rPr lang="en-US" sz="3600" b="1" dirty="0" smtClean="0">
+                <a:solidFill>
+                  <a:srgbClr val="7F0055"/>
+                </a:solidFill>
+                <a:latin typeface="Courier New"/>
+              </a:rPr>
+              <a:t>Any</a:t>
+            </a:r>
+            <a:r>
+              <a:rPr lang="en-US" sz="3600" b="1" dirty="0" smtClean="0">
+                <a:latin typeface="Courier New"/>
+              </a:rPr>
+              <a:t>): Example = </a:t>
+            </a:r>
+            <a:r>
+              <a:rPr lang="en-US" sz="3600" b="1" dirty="0" smtClean="0">
+                <a:solidFill>
+                  <a:srgbClr val="7F0055"/>
+                </a:solidFill>
+                <a:latin typeface="Courier New"/>
+              </a:rPr>
+              <a:t>new</a:t>
+            </a:r>
+            <a:r>
+              <a:rPr lang="en-US" sz="3600" b="1" dirty="0" smtClean="0">
+                <a:latin typeface="Courier New"/>
+              </a:rPr>
+              <a:t> </a:t>
+            </a:r>
+            <a:r>
+              <a:rPr lang="en-US" sz="3600" b="1" dirty="0" smtClean="0">
+                <a:latin typeface="Courier New"/>
+              </a:rPr>
+              <a:t>  </a:t>
+            </a:r>
+          </a:p>
+          <a:p>
+            <a:r>
+              <a:rPr lang="en-US" sz="3600" b="1" dirty="0" smtClean="0">
+                <a:latin typeface="Courier New"/>
+              </a:rPr>
+              <a:t> </a:t>
+            </a:r>
+            <a:r>
+              <a:rPr lang="en-US" sz="3600" b="1" dirty="0" smtClean="0">
+                <a:latin typeface="Courier New"/>
+              </a:rPr>
+              <a:t>   Example(description</a:t>
+            </a:r>
+            <a:r>
+              <a:rPr lang="en-US" sz="3600" b="1" dirty="0" smtClean="0">
+                <a:latin typeface="Courier New"/>
+              </a:rPr>
+              <a:t>, e)</a:t>
+            </a:r>
+          </a:p>
+          <a:p>
+            <a:r>
+              <a:rPr lang="en-US" sz="3600" dirty="0" smtClean="0">
+                <a:latin typeface="Courier New"/>
+              </a:rPr>
+              <a:t>  </a:t>
+            </a:r>
+            <a:r>
+              <a:rPr lang="en-US" sz="3600" dirty="0" smtClean="0">
+                <a:latin typeface="Courier New"/>
+              </a:rPr>
+              <a:t>}</a:t>
+            </a:r>
+          </a:p>
+          <a:p>
+            <a:r>
+              <a:rPr lang="en-US" sz="3600" dirty="0" smtClean="0">
+                <a:latin typeface="Courier New"/>
+              </a:rPr>
+              <a:t>}</a:t>
+            </a:r>
+            <a:endParaRPr lang="en-US" sz="3600" dirty="0" smtClean="0">
+              <a:latin typeface="Courier New"/>
+            </a:endParaRPr>
+          </a:p>
+          <a:p>
+            <a:endParaRPr lang="en-US" sz="3600" b="1" dirty="0" smtClean="0">
+              <a:solidFill>
+                <a:srgbClr val="7F0055"/>
+              </a:solidFill>
+              <a:latin typeface="Courier New"/>
+            </a:endParaRPr>
+          </a:p>
+          <a:p>
+            <a:r>
+              <a:rPr lang="en-US" sz="3600" b="1" dirty="0" smtClean="0">
+                <a:solidFill>
+                  <a:srgbClr val="7F0055"/>
+                </a:solidFill>
+                <a:latin typeface="Courier New"/>
+              </a:rPr>
+              <a:t>class</a:t>
+            </a:r>
+            <a:r>
+              <a:rPr lang="en-US" sz="3600" b="1" dirty="0" smtClean="0">
+                <a:latin typeface="Courier New"/>
+              </a:rPr>
+              <a:t> Example(d: </a:t>
+            </a:r>
+            <a:r>
+              <a:rPr lang="en-US" sz="3600" b="1" dirty="0" smtClean="0">
+                <a:latin typeface="Courier New"/>
+              </a:rPr>
+              <a:t>String, </a:t>
+            </a:r>
+            <a:r>
+              <a:rPr lang="en-US" sz="3600" b="1" dirty="0" smtClean="0">
+                <a:latin typeface="Courier New"/>
+              </a:rPr>
+              <a:t>e: </a:t>
+            </a:r>
+            <a:r>
+              <a:rPr lang="en-US" sz="3600" b="1" dirty="0" smtClean="0">
+                <a:solidFill>
+                  <a:srgbClr val="7F0055"/>
+                </a:solidFill>
+                <a:latin typeface="Courier New"/>
+              </a:rPr>
+              <a:t>Any</a:t>
+            </a:r>
+            <a:r>
+              <a:rPr lang="en-US" sz="3600" b="1" dirty="0" smtClean="0">
+                <a:latin typeface="Courier New"/>
+              </a:rPr>
+              <a:t>)</a:t>
+            </a:r>
+            <a:endParaRPr lang="en-US" sz="3600" b="1" dirty="0" smtClean="0">
+              <a:solidFill>
+                <a:srgbClr val="7F0055"/>
+              </a:solidFill>
+              <a:latin typeface="Courier New"/>
+            </a:endParaRPr>
+          </a:p>
+        </p:txBody>
+      </p:sp>
+      <p:pic>
+        <p:nvPicPr>
+          <p:cNvPr id="70662" name="Picture 6" descr="magic, wizard icon"/>
+          <p:cNvPicPr>
+            <a:picLocks noChangeAspect="1" noChangeArrowheads="1"/>
+          </p:cNvPicPr>
+          <p:nvPr/>
+        </p:nvPicPr>
+        <p:blipFill>
+          <a:blip r:embed="rId4"/>
+          <a:srcRect/>
+          <a:stretch>
+            <a:fillRect/>
+          </a:stretch>
+        </p:blipFill>
+        <p:spPr bwMode="auto">
+          <a:xfrm>
+            <a:off x="635000" y="1143000"/>
+            <a:ext cx="1295400" cy="1295401"/>
+          </a:xfrm>
+          <a:prstGeom prst="rect">
+            <a:avLst/>
+          </a:prstGeom>
+          <a:noFill/>
+        </p:spPr>
+      </p:pic>
+    </p:spTree>
+  </p:cSld>
+  <p:clrMapOvr>
+    <a:masterClrMapping/>
+  </p:clrMapOvr>
+  <p:transition>
+    <p:fade/>
+  </p:transition>
+  <p:timing>
+    <p:tnLst>
+      <p:par>
+        <p:cTn id="1" dur="indefinite" restart="never" nodeType="tmRoot">
+          <p:childTnLst>
+            <p:seq concurrent="1" nextAc="seek">
+              <p:cTn id="2" dur="indefinite" nodeType="mainSeq">
+                <p:childTnLst>
+                  <p:par>
+                    <p:cTn id="3" fill="hold">
+                      <p:stCondLst>
+                        <p:cond delay="indefinite"/>
+                        <p:cond evt="onBegin" delay="0">
+                          <p:tn val="2"/>
+                        </p:cond>
+                      </p:stCondLst>
+                      <p:childTnLst>
+                        <p:par>
+                          <p:cTn id="4" fill="hold">
+                            <p:stCondLst>
+                              <p:cond delay="0"/>
+                            </p:stCondLst>
+                            <p:childTnLst>
+                              <p:par>
+                                <p:cTn id="5" presetID="1" presetClass="entr" presetSubtype="0" fill="hold" nodeType="withEffect">
+                                  <p:stCondLst>
+                                    <p:cond delay="0"/>
+                                  </p:stCondLst>
+                                  <p:childTnLst>
+                                    <p:set>
+                                      <p:cBhvr>
+                                        <p:cTn id="6" dur="1" fill="hold">
+                                          <p:stCondLst>
+                                            <p:cond delay="0"/>
+                                          </p:stCondLst>
+                                        </p:cTn>
+                                        <p:tgtEl>
+                                          <p:spTgt spid="8"/>
+                                        </p:tgtEl>
+                                        <p:attrNameLst>
+                                          <p:attrName>style.visibility</p:attrName>
+                                        </p:attrNameLst>
+                                      </p:cBhvr>
+                                      <p:to>
+                                        <p:strVal val="visible"/>
+                                      </p:to>
+                                    </p:set>
+                                  </p:childTnLst>
+                                </p:cTn>
+                              </p:par>
+                            </p:childTnLst>
+                          </p:cTn>
+                        </p:par>
+                      </p:childTnLst>
+                    </p:cTn>
+                  </p:par>
+                </p:childTnLst>
+              </p:cTn>
+              <p:prevCondLst>
+                <p:cond evt="onPrev" delay="0">
+                  <p:tgtEl>
+                    <p:sldTgt/>
+                  </p:tgtEl>
+                </p:cond>
+              </p:prevCondLst>
+              <p:nextCondLst>
+                <p:cond evt="onNext" delay="0">
+                  <p:tgtEl>
+                    <p:sldTgt/>
+                  </p:tgtEl>
+                </p:cond>
+              </p:nextCondLst>
+            </p:seq>
+          </p:childTnLst>
+        </p:cTn>
+      </p:par>
+    </p:tnLst>
+  </p:timing>
+</p:sld>
+</file>
+
+<file path=ppt/slides/slide28.xml><?xml version="1.0" encoding="utf-8"?>
+<p:sld xmlns:a="http://schemas.openxmlformats.org/drawingml/2006/main" xmlns:r="http://schemas.openxmlformats.org/officeDocument/2006/relationships" xmlns:p="http://schemas.openxmlformats.org/presentationml/2006/main">
+  <p:cSld>
+    <p:spTree>
+      <p:nvGrpSpPr>
+        <p:cNvPr id="1" name=""/>
+        <p:cNvGrpSpPr/>
+        <p:nvPr/>
+      </p:nvGrpSpPr>
+      <p:grpSpPr>
+        <a:xfrm>
+          <a:off x="0" y="0"/>
+          <a:ext cx="0" cy="0"/>
+          <a:chOff x="0" y="0"/>
+          <a:chExt cx="0" cy="0"/>
+        </a:xfrm>
+      </p:grpSpPr>
+      <p:sp>
+        <p:nvSpPr>
+          <p:cNvPr id="8193" name="Rectangle 1"/>
+          <p:cNvSpPr>
+            <a:spLocks noGrp="1" noChangeArrowheads="1"/>
+          </p:cNvSpPr>
+          <p:nvPr>
+            <p:ph type="title"/>
+          </p:nvPr>
+        </p:nvSpPr>
+        <p:spPr>
+          <a:xfrm>
+            <a:off x="711200" y="0"/>
+            <a:ext cx="12509500" cy="914400"/>
+          </a:xfrm>
+          <a:ln/>
+        </p:spPr>
+        <p:txBody>
+          <a:bodyPr/>
+          <a:lstStyle/>
+          <a:p>
+            <a:pPr lvl="0"/>
+            <a:r>
+              <a:rPr lang="en-US" sz="5400" dirty="0" smtClean="0">
+                <a:latin typeface="Lucida Handwriting" pitchFamily="66" charset="0"/>
+              </a:rPr>
+              <a:t>     </a:t>
+            </a:r>
+            <a:r>
+              <a:rPr lang="en-US" sz="5400" dirty="0" smtClean="0">
+                <a:latin typeface="Lucida Handwriting" pitchFamily="66" charset="0"/>
+              </a:rPr>
+              <a:t>DSL</a:t>
+            </a:r>
+            <a:endParaRPr lang="en-US" dirty="0"/>
+          </a:p>
+        </p:txBody>
+      </p:sp>
+      <p:sp>
+        <p:nvSpPr>
+          <p:cNvPr id="7" name="Rectangle 6"/>
+          <p:cNvSpPr/>
+          <p:nvPr/>
+        </p:nvSpPr>
+        <p:spPr>
+          <a:xfrm>
+            <a:off x="2870139" y="1438870"/>
+            <a:ext cx="8493031" cy="923330"/>
+          </a:xfrm>
+          <a:prstGeom prst="rect">
+            <a:avLst/>
+          </a:prstGeom>
+        </p:spPr>
+        <p:txBody>
+          <a:bodyPr wrap="none">
+            <a:spAutoFit/>
+          </a:bodyPr>
+          <a:lstStyle/>
+          <a:p>
+            <a:pPr algn="ctr"/>
+            <a:r>
+              <a:rPr lang="en-US" sz="5400" b="1" kern="0" dirty="0" smtClean="0">
+                <a:solidFill>
+                  <a:srgbClr val="00CC66"/>
+                </a:solidFill>
+                <a:latin typeface="Lucida Handwriting" pitchFamily="66" charset="0"/>
+                <a:cs typeface="+mj-cs"/>
+                <a:sym typeface="Arial" charset="0"/>
+              </a:rPr>
+              <a:t>By name  parameters</a:t>
+            </a:r>
+            <a:endParaRPr lang="en-US" dirty="0">
+              <a:solidFill>
+                <a:srgbClr val="00CC66"/>
+              </a:solidFill>
+            </a:endParaRPr>
+          </a:p>
+        </p:txBody>
+      </p:sp>
+      <p:pic>
+        <p:nvPicPr>
+          <p:cNvPr id="8" name="Picture 10" descr="http://knowledgehub.zeus.com/media/Scala_Logo2008.png"/>
+          <p:cNvPicPr>
+            <a:picLocks noChangeAspect="1" noChangeArrowheads="1"/>
+          </p:cNvPicPr>
+          <p:nvPr/>
+        </p:nvPicPr>
+        <p:blipFill>
+          <a:blip r:embed="rId3"/>
+          <a:srcRect/>
+          <a:stretch>
+            <a:fillRect/>
+          </a:stretch>
+        </p:blipFill>
+        <p:spPr bwMode="auto">
+          <a:xfrm>
+            <a:off x="4140200" y="76200"/>
+            <a:ext cx="2279542" cy="679257"/>
+          </a:xfrm>
+          <a:prstGeom prst="rect">
+            <a:avLst/>
+          </a:prstGeom>
+          <a:noFill/>
+        </p:spPr>
+      </p:pic>
+      <p:sp>
+        <p:nvSpPr>
+          <p:cNvPr id="11" name="Rectangle 10"/>
+          <p:cNvSpPr/>
+          <p:nvPr/>
+        </p:nvSpPr>
+        <p:spPr>
+          <a:xfrm>
+            <a:off x="330200" y="3459301"/>
+            <a:ext cx="12344400" cy="4031873"/>
+          </a:xfrm>
+          <a:prstGeom prst="rect">
+            <a:avLst/>
+          </a:prstGeom>
+          <a:solidFill>
+            <a:schemeClr val="bg1"/>
+          </a:solidFill>
+          <a:ln>
+            <a:solidFill>
+              <a:schemeClr val="tx1"/>
+            </a:solidFill>
+            <a:prstDash val="dash"/>
+          </a:ln>
+        </p:spPr>
+        <p:txBody>
+          <a:bodyPr wrap="square">
+            <a:spAutoFit/>
+          </a:bodyPr>
+          <a:lstStyle/>
+          <a:p>
+            <a:r>
+              <a:rPr lang="en-US" sz="3200" b="1" dirty="0" smtClean="0">
+                <a:solidFill>
+                  <a:srgbClr val="7F0055"/>
+                </a:solidFill>
+                <a:latin typeface="Courier New"/>
+              </a:rPr>
+              <a:t>class</a:t>
+            </a:r>
+            <a:r>
+              <a:rPr lang="en-US" sz="3200" b="1" dirty="0" smtClean="0">
+                <a:latin typeface="Courier New"/>
+              </a:rPr>
+              <a:t> </a:t>
+            </a:r>
+            <a:r>
+              <a:rPr lang="en-US" sz="3200" b="1" dirty="0" err="1" smtClean="0">
+                <a:latin typeface="Courier New"/>
+              </a:rPr>
+              <a:t>ExampleDesc</a:t>
+            </a:r>
+            <a:r>
+              <a:rPr lang="en-US" sz="3200" b="1" dirty="0" smtClean="0">
+                <a:latin typeface="Courier New"/>
+              </a:rPr>
+              <a:t>(d: </a:t>
+            </a:r>
+            <a:r>
+              <a:rPr lang="en-US" sz="3200" b="1" dirty="0" smtClean="0">
+                <a:latin typeface="Courier New"/>
+              </a:rPr>
+              <a:t>String) </a:t>
+            </a:r>
+            <a:r>
+              <a:rPr lang="en-US" sz="3200" b="1" dirty="0" smtClean="0">
+                <a:latin typeface="Courier New"/>
+              </a:rPr>
+              <a:t>{</a:t>
+            </a:r>
+          </a:p>
+          <a:p>
+            <a:r>
+              <a:rPr lang="en-US" sz="3200" b="1" dirty="0" smtClean="0">
+                <a:solidFill>
+                  <a:srgbClr val="7F0055"/>
+                </a:solidFill>
+                <a:latin typeface="Courier New"/>
+              </a:rPr>
+              <a:t>  def</a:t>
+            </a:r>
+            <a:r>
+              <a:rPr lang="en-US" sz="3200" b="1" dirty="0" smtClean="0">
+                <a:latin typeface="Courier New"/>
+              </a:rPr>
+              <a:t> </a:t>
+            </a:r>
+            <a:r>
+              <a:rPr lang="en-US" sz="3200" b="1" dirty="0" smtClean="0">
+                <a:latin typeface="Courier New"/>
+              </a:rPr>
+              <a:t>in(e: =&gt;</a:t>
+            </a:r>
+            <a:r>
+              <a:rPr lang="en-US" sz="3200" b="1" dirty="0" smtClean="0">
+                <a:solidFill>
+                  <a:srgbClr val="7F0055"/>
+                </a:solidFill>
+                <a:latin typeface="Courier New"/>
+              </a:rPr>
+              <a:t>Any</a:t>
+            </a:r>
+            <a:r>
+              <a:rPr lang="en-US" sz="3200" b="1" dirty="0" smtClean="0">
+                <a:latin typeface="Courier New"/>
+              </a:rPr>
+              <a:t>) = </a:t>
+            </a:r>
+            <a:r>
+              <a:rPr lang="en-US" sz="3200" b="1" dirty="0" smtClean="0">
+                <a:solidFill>
+                  <a:srgbClr val="7F0055"/>
+                </a:solidFill>
+                <a:latin typeface="Courier New"/>
+              </a:rPr>
+              <a:t>new</a:t>
+            </a:r>
+            <a:r>
+              <a:rPr lang="en-US" sz="3200" b="1" dirty="0" smtClean="0">
+                <a:solidFill>
+                  <a:srgbClr val="7F0055"/>
+                </a:solidFill>
+                <a:latin typeface="Courier New"/>
+              </a:rPr>
+              <a:t> </a:t>
+            </a:r>
+            <a:r>
+              <a:rPr lang="en-US" sz="3200" b="1" dirty="0" smtClean="0">
+                <a:latin typeface="Courier New"/>
+              </a:rPr>
+              <a:t>Example(description</a:t>
+            </a:r>
+            <a:r>
+              <a:rPr lang="en-US" sz="3200" b="1" dirty="0" smtClean="0">
+                <a:latin typeface="Courier New"/>
+              </a:rPr>
+              <a:t>, e)</a:t>
+            </a:r>
+          </a:p>
+          <a:p>
+            <a:r>
+              <a:rPr lang="en-US" sz="3200" dirty="0" smtClean="0">
+                <a:latin typeface="Courier New"/>
+              </a:rPr>
+              <a:t>}</a:t>
+            </a:r>
+            <a:endParaRPr lang="en-US" sz="3200" dirty="0" smtClean="0">
+              <a:latin typeface="Courier New"/>
+            </a:endParaRPr>
+          </a:p>
+          <a:p>
+            <a:r>
+              <a:rPr lang="en-US" sz="3200" b="1" dirty="0" smtClean="0">
+                <a:solidFill>
+                  <a:srgbClr val="7F0055"/>
+                </a:solidFill>
+                <a:latin typeface="Courier New"/>
+              </a:rPr>
+              <a:t>class</a:t>
+            </a:r>
+            <a:r>
+              <a:rPr lang="en-US" sz="3200" b="1" dirty="0" smtClean="0">
+                <a:latin typeface="Courier New"/>
+              </a:rPr>
+              <a:t> Example(d: </a:t>
+            </a:r>
+            <a:r>
+              <a:rPr lang="en-US" sz="3200" b="1" dirty="0" smtClean="0">
+                <a:latin typeface="Courier New"/>
+              </a:rPr>
+              <a:t>String, </a:t>
+            </a:r>
+            <a:r>
+              <a:rPr lang="en-US" sz="3200" b="1" dirty="0" smtClean="0">
+                <a:latin typeface="Courier New"/>
+              </a:rPr>
+              <a:t>e: </a:t>
+            </a:r>
+            <a:r>
+              <a:rPr lang="en-US" sz="3200" b="1" dirty="0" smtClean="0">
+                <a:latin typeface="Courier New"/>
+              </a:rPr>
+              <a:t>=&gt;</a:t>
+            </a:r>
+            <a:r>
+              <a:rPr lang="en-US" sz="3200" b="1" dirty="0" smtClean="0">
+                <a:solidFill>
+                  <a:srgbClr val="7F0055"/>
+                </a:solidFill>
+                <a:latin typeface="Courier New"/>
+              </a:rPr>
+              <a:t>Any</a:t>
+            </a:r>
+            <a:r>
+              <a:rPr lang="en-US" sz="3200" b="1" dirty="0" smtClean="0">
+                <a:latin typeface="Courier New"/>
+              </a:rPr>
+              <a:t>)</a:t>
+            </a:r>
+          </a:p>
+          <a:p>
+            <a:r>
+              <a:rPr lang="en-US" sz="3200" b="1" dirty="0" smtClean="0">
+                <a:solidFill>
+                  <a:srgbClr val="7F0055"/>
+                </a:solidFill>
+                <a:latin typeface="Courier New"/>
+              </a:rPr>
+              <a:t>implicit</a:t>
+            </a:r>
+            <a:r>
+              <a:rPr lang="en-US" sz="3200" b="1" dirty="0" smtClean="0">
+                <a:latin typeface="Courier New"/>
+              </a:rPr>
+              <a:t> </a:t>
+            </a:r>
+            <a:r>
+              <a:rPr lang="en-US" sz="3200" b="1" dirty="0" smtClean="0">
+                <a:solidFill>
+                  <a:srgbClr val="7F0055"/>
+                </a:solidFill>
+                <a:latin typeface="Courier New"/>
+              </a:rPr>
+              <a:t>def</a:t>
+            </a:r>
+            <a:r>
+              <a:rPr lang="en-US" sz="3200" b="1" dirty="0" smtClean="0">
+                <a:latin typeface="Courier New"/>
+              </a:rPr>
+              <a:t> </a:t>
+            </a:r>
+            <a:r>
+              <a:rPr lang="en-US" sz="3200" b="1" dirty="0" err="1" smtClean="0">
+                <a:latin typeface="Courier New"/>
+              </a:rPr>
+              <a:t>forExample</a:t>
+            </a:r>
+            <a:r>
+              <a:rPr lang="en-US" sz="3200" b="1" dirty="0" smtClean="0">
+                <a:latin typeface="Courier New"/>
+              </a:rPr>
+              <a:t>(d: String</a:t>
+            </a:r>
+            <a:r>
+              <a:rPr lang="en-US" sz="3200" b="1" dirty="0" smtClean="0">
+                <a:latin typeface="Courier New"/>
+              </a:rPr>
+              <a:t>): </a:t>
+            </a:r>
+            <a:r>
+              <a:rPr lang="en-US" sz="3200" b="1" dirty="0" err="1" smtClean="0">
+                <a:latin typeface="Courier New"/>
+              </a:rPr>
+              <a:t>ExampleDesc</a:t>
+            </a:r>
+            <a:r>
+              <a:rPr lang="en-US" sz="3200" b="1" dirty="0" smtClean="0">
+                <a:latin typeface="Courier New"/>
+              </a:rPr>
+              <a:t> </a:t>
+            </a:r>
+            <a:r>
+              <a:rPr lang="en-US" sz="3200" b="1" dirty="0" smtClean="0">
+                <a:latin typeface="Courier New"/>
+              </a:rPr>
+              <a:t>= </a:t>
+            </a:r>
+            <a:r>
+              <a:rPr lang="en-US" sz="3200" b="1" dirty="0" smtClean="0">
+                <a:latin typeface="Courier New"/>
+              </a:rPr>
+              <a:t>  </a:t>
+            </a:r>
+          </a:p>
+          <a:p>
+            <a:r>
+              <a:rPr lang="en-US" sz="3200" b="1" dirty="0" smtClean="0">
+                <a:solidFill>
+                  <a:srgbClr val="7F0055"/>
+                </a:solidFill>
+                <a:latin typeface="Courier New"/>
+              </a:rPr>
+              <a:t> </a:t>
+            </a:r>
+            <a:r>
+              <a:rPr lang="en-US" sz="3200" b="1" dirty="0" smtClean="0">
+                <a:solidFill>
+                  <a:srgbClr val="7F0055"/>
+                </a:solidFill>
+                <a:latin typeface="Courier New"/>
+              </a:rPr>
+              <a:t>                          new</a:t>
+            </a:r>
+            <a:r>
+              <a:rPr lang="en-US" sz="3200" b="1" dirty="0" smtClean="0">
+                <a:latin typeface="Courier New"/>
+              </a:rPr>
+              <a:t> </a:t>
+            </a:r>
+            <a:r>
+              <a:rPr lang="en-US" sz="3200" b="1" dirty="0" err="1" smtClean="0">
+                <a:latin typeface="Courier New"/>
+              </a:rPr>
+              <a:t>ExampleDesc</a:t>
+            </a:r>
+            <a:r>
+              <a:rPr lang="en-US" sz="3200" b="1" dirty="0" smtClean="0">
+                <a:latin typeface="Courier New"/>
+              </a:rPr>
+              <a:t>(d)</a:t>
+            </a:r>
+            <a:endParaRPr lang="en-US" sz="3200" dirty="0" smtClean="0">
+              <a:latin typeface="Courier New"/>
+            </a:endParaRPr>
+          </a:p>
+          <a:p>
+            <a:endParaRPr lang="en-US" sz="3200" b="1" dirty="0" smtClean="0">
+              <a:solidFill>
+                <a:srgbClr val="7F0055"/>
+              </a:solidFill>
+              <a:latin typeface="Courier New"/>
+            </a:endParaRPr>
+          </a:p>
+          <a:p>
+            <a:r>
+              <a:rPr lang="en-US" sz="3200" dirty="0" smtClean="0">
+                <a:solidFill>
+                  <a:srgbClr val="2A00FF"/>
+                </a:solidFill>
+                <a:highlight>
+                  <a:srgbClr val="E8F2FE"/>
+                </a:highlight>
+                <a:latin typeface="Courier New"/>
+              </a:rPr>
+              <a:t>"This will not explode"</a:t>
+            </a:r>
+            <a:r>
+              <a:rPr lang="en-US" sz="3200" dirty="0" smtClean="0">
+                <a:highlight>
+                  <a:srgbClr val="E8F2FE"/>
+                </a:highlight>
+                <a:latin typeface="Courier New"/>
+              </a:rPr>
+              <a:t> in error(</a:t>
+            </a:r>
+            <a:r>
+              <a:rPr lang="en-US" sz="3200" dirty="0" smtClean="0">
+                <a:solidFill>
+                  <a:srgbClr val="2A00FF"/>
+                </a:solidFill>
+                <a:highlight>
+                  <a:srgbClr val="E8F2FE"/>
+                </a:highlight>
+                <a:latin typeface="Courier New"/>
+              </a:rPr>
+              <a:t>"boom"</a:t>
+            </a:r>
+            <a:r>
+              <a:rPr lang="en-US" sz="3200" dirty="0" smtClean="0">
+                <a:highlight>
+                  <a:srgbClr val="E8F2FE"/>
+                </a:highlight>
+                <a:latin typeface="Courier New"/>
+              </a:rPr>
+              <a:t>)</a:t>
+            </a:r>
+            <a:endParaRPr lang="en-US" sz="3200" b="1" dirty="0" smtClean="0">
+              <a:solidFill>
+                <a:srgbClr val="7F0055"/>
+              </a:solidFill>
+              <a:latin typeface="Courier New"/>
+            </a:endParaRPr>
+          </a:p>
+        </p:txBody>
+      </p:sp>
+      <p:pic>
+        <p:nvPicPr>
+          <p:cNvPr id="70662" name="Picture 6" descr="magic, wizard icon"/>
+          <p:cNvPicPr>
+            <a:picLocks noChangeAspect="1" noChangeArrowheads="1"/>
+          </p:cNvPicPr>
+          <p:nvPr/>
+        </p:nvPicPr>
+        <p:blipFill>
+          <a:blip r:embed="rId4"/>
+          <a:srcRect/>
+          <a:stretch>
+            <a:fillRect/>
+          </a:stretch>
+        </p:blipFill>
+        <p:spPr bwMode="auto">
+          <a:xfrm>
+            <a:off x="635000" y="1143000"/>
+            <a:ext cx="1295400" cy="1295401"/>
+          </a:xfrm>
+          <a:prstGeom prst="rect">
+            <a:avLst/>
+          </a:prstGeom>
+          <a:noFill/>
+        </p:spPr>
+      </p:pic>
+    </p:spTree>
+  </p:cSld>
+  <p:clrMapOvr>
+    <a:masterClrMapping/>
+  </p:clrMapOvr>
+  <p:transition>
+    <p:fade/>
+  </p:transition>
+  <p:timing>
+    <p:tnLst>
+      <p:par>
+        <p:cTn id="1" dur="indefinite" restart="never" nodeType="tmRoot">
+          <p:childTnLst>
+            <p:seq concurrent="1" nextAc="seek">
+              <p:cTn id="2" dur="indefinite" nodeType="mainSeq">
+                <p:childTnLst>
+                  <p:par>
+                    <p:cTn id="3" fill="hold">
+                      <p:stCondLst>
+                        <p:cond delay="indefinite"/>
+                        <p:cond evt="onBegin" delay="0">
+                          <p:tn val="2"/>
+                        </p:cond>
+                      </p:stCondLst>
+                      <p:childTnLst>
+                        <p:par>
+                          <p:cTn id="4" fill="hold">
+                            <p:stCondLst>
+                              <p:cond delay="0"/>
+                            </p:stCondLst>
+                            <p:childTnLst>
+                              <p:par>
+                                <p:cTn id="5" presetID="1" presetClass="entr" presetSubtype="0" fill="hold" nodeType="withEffect">
+                                  <p:stCondLst>
+                                    <p:cond delay="0"/>
+                                  </p:stCondLst>
+                                  <p:childTnLst>
+                                    <p:set>
+                                      <p:cBhvr>
+                                        <p:cTn id="6" dur="1" fill="hold">
+                                          <p:stCondLst>
+                                            <p:cond delay="0"/>
+                                          </p:stCondLst>
+                                        </p:cTn>
+                                        <p:tgtEl>
+                                          <p:spTgt spid="8"/>
+                                        </p:tgtEl>
+                                        <p:attrNameLst>
+                                          <p:attrName>style.visibility</p:attrName>
+                                        </p:attrNameLst>
+                                      </p:cBhvr>
+                                      <p:to>
+                                        <p:strVal val="visible"/>
+                                      </p:to>
+                                    </p:set>
+                                  </p:childTnLst>
+                                </p:cTn>
+                              </p:par>
+                            </p:childTnLst>
+                          </p:cTn>
+                        </p:par>
+                      </p:childTnLst>
+                    </p:cTn>
+                  </p:par>
+                </p:childTnLst>
+              </p:cTn>
+              <p:prevCondLst>
+                <p:cond evt="onPrev" delay="0">
+                  <p:tgtEl>
+                    <p:sldTgt/>
+                  </p:tgtEl>
+                </p:cond>
+              </p:prevCondLst>
+              <p:nextCondLst>
+                <p:cond evt="onNext" delay="0">
+                  <p:tgtEl>
+                    <p:sldTgt/>
+                  </p:tgtEl>
+                </p:cond>
+              </p:nextCondLst>
+            </p:seq>
+          </p:childTnLst>
+        </p:cTn>
+      </p:par>
+    </p:tnLst>
+  </p:timing>
+</p:sld>
+</file>
+
+<file path=ppt/slides/slide29.xml><?xml version="1.0" encoding="utf-8"?>
+<p:sld xmlns:a="http://schemas.openxmlformats.org/drawingml/2006/main" xmlns:r="http://schemas.openxmlformats.org/officeDocument/2006/relationships" xmlns:p="http://schemas.openxmlformats.org/presentationml/2006/main">
+  <p:cSld>
+    <p:spTree>
+      <p:nvGrpSpPr>
+        <p:cNvPr id="1" name=""/>
+        <p:cNvGrpSpPr/>
+        <p:nvPr/>
+      </p:nvGrpSpPr>
+      <p:grpSpPr>
+        <a:xfrm>
+          <a:off x="0" y="0"/>
+          <a:ext cx="0" cy="0"/>
+          <a:chOff x="0" y="0"/>
+          <a:chExt cx="0" cy="0"/>
+        </a:xfrm>
+      </p:grpSpPr>
+      <p:sp>
+        <p:nvSpPr>
+          <p:cNvPr id="8193" name="Rectangle 1"/>
+          <p:cNvSpPr>
+            <a:spLocks noGrp="1" noChangeArrowheads="1"/>
+          </p:cNvSpPr>
+          <p:nvPr>
+            <p:ph type="title"/>
+          </p:nvPr>
+        </p:nvSpPr>
+        <p:spPr>
+          <a:xfrm>
+            <a:off x="711200" y="0"/>
+            <a:ext cx="12509500" cy="914400"/>
+          </a:xfrm>
+          <a:ln/>
+        </p:spPr>
+        <p:txBody>
+          <a:bodyPr/>
+          <a:lstStyle/>
+          <a:p>
+            <a:pPr lvl="0"/>
+            <a:r>
+              <a:rPr lang="en-US" sz="5400" dirty="0" smtClean="0">
+                <a:latin typeface="Lucida Handwriting" pitchFamily="66" charset="0"/>
+              </a:rPr>
+              <a:t>     </a:t>
+            </a:r>
+            <a:r>
+              <a:rPr lang="en-US" sz="5400" dirty="0" smtClean="0">
+                <a:latin typeface="Lucida Handwriting" pitchFamily="66" charset="0"/>
+              </a:rPr>
+              <a:t>DSL</a:t>
+            </a:r>
+            <a:endParaRPr lang="en-US" dirty="0"/>
+          </a:p>
+        </p:txBody>
+      </p:sp>
+      <p:sp>
+        <p:nvSpPr>
+          <p:cNvPr id="7" name="Rectangle 6"/>
+          <p:cNvSpPr/>
+          <p:nvPr/>
+        </p:nvSpPr>
+        <p:spPr>
+          <a:xfrm>
+            <a:off x="2870139" y="1438870"/>
+            <a:ext cx="8727069" cy="923330"/>
+          </a:xfrm>
+          <a:prstGeom prst="rect">
+            <a:avLst/>
+          </a:prstGeom>
+        </p:spPr>
+        <p:txBody>
+          <a:bodyPr wrap="none">
+            <a:spAutoFit/>
+          </a:bodyPr>
+          <a:lstStyle/>
+          <a:p>
+            <a:pPr algn="ctr"/>
+            <a:r>
+              <a:rPr lang="en-US" sz="5400" b="1" kern="0" dirty="0" smtClean="0">
+                <a:solidFill>
+                  <a:srgbClr val="00CC66"/>
+                </a:solidFill>
+                <a:latin typeface="Lucida Handwriting" pitchFamily="66" charset="0"/>
+                <a:cs typeface="+mj-cs"/>
+                <a:sym typeface="Arial" charset="0"/>
+              </a:rPr>
+              <a:t>By name  parameters </a:t>
+            </a:r>
+          </a:p>
+        </p:txBody>
+      </p:sp>
+      <p:pic>
+        <p:nvPicPr>
+          <p:cNvPr id="8" name="Picture 10" descr="http://knowledgehub.zeus.com/media/Scala_Logo2008.png"/>
+          <p:cNvPicPr>
+            <a:picLocks noChangeAspect="1" noChangeArrowheads="1"/>
+          </p:cNvPicPr>
+          <p:nvPr/>
+        </p:nvPicPr>
+        <p:blipFill>
+          <a:blip r:embed="rId3"/>
+          <a:srcRect/>
+          <a:stretch>
+            <a:fillRect/>
+          </a:stretch>
+        </p:blipFill>
+        <p:spPr bwMode="auto">
+          <a:xfrm>
+            <a:off x="4140200" y="76200"/>
+            <a:ext cx="2279542" cy="679257"/>
+          </a:xfrm>
+          <a:prstGeom prst="rect">
+            <a:avLst/>
+          </a:prstGeom>
+          <a:noFill/>
+        </p:spPr>
+      </p:pic>
+      <p:sp>
+        <p:nvSpPr>
+          <p:cNvPr id="11" name="Rectangle 10"/>
+          <p:cNvSpPr/>
+          <p:nvPr/>
+        </p:nvSpPr>
+        <p:spPr>
+          <a:xfrm>
+            <a:off x="330200" y="3200400"/>
+            <a:ext cx="12344400" cy="5016758"/>
+          </a:xfrm>
+          <a:prstGeom prst="rect">
+            <a:avLst/>
+          </a:prstGeom>
+          <a:solidFill>
+            <a:schemeClr val="bg1"/>
+          </a:solidFill>
+          <a:ln>
+            <a:solidFill>
+              <a:schemeClr val="tx1"/>
+            </a:solidFill>
+            <a:prstDash val="dash"/>
+          </a:ln>
+        </p:spPr>
+        <p:txBody>
+          <a:bodyPr wrap="square">
+            <a:spAutoFit/>
+          </a:bodyPr>
+          <a:lstStyle/>
+          <a:p>
+            <a:r>
+              <a:rPr lang="en-US" sz="3200" b="1" dirty="0" smtClean="0">
+                <a:solidFill>
+                  <a:srgbClr val="7F0055"/>
+                </a:solidFill>
+                <a:latin typeface="Courier New"/>
+              </a:rPr>
+              <a:t>class</a:t>
+            </a:r>
+            <a:r>
+              <a:rPr lang="en-US" sz="3200" b="1" dirty="0" smtClean="0">
+                <a:latin typeface="Courier New"/>
+              </a:rPr>
+              <a:t> </a:t>
+            </a:r>
+            <a:r>
+              <a:rPr lang="en-US" sz="3200" b="1" dirty="0" smtClean="0">
+                <a:latin typeface="Courier New"/>
+              </a:rPr>
+              <a:t>Matcher[-T] { </a:t>
+            </a:r>
+            <a:r>
+              <a:rPr lang="en-US" sz="3200" b="1" dirty="0" smtClean="0">
+                <a:solidFill>
+                  <a:srgbClr val="7F0055"/>
+                </a:solidFill>
+                <a:latin typeface="Courier New"/>
+              </a:rPr>
+              <a:t>def</a:t>
+            </a:r>
+            <a:r>
+              <a:rPr lang="en-US" sz="3200" b="1" dirty="0" smtClean="0">
+                <a:latin typeface="Courier New"/>
+              </a:rPr>
+              <a:t> apply(t: =&gt; T) = () }</a:t>
+            </a:r>
+          </a:p>
+          <a:p>
+            <a:r>
+              <a:rPr lang="en-US" sz="3200" b="1" dirty="0" smtClean="0">
+                <a:solidFill>
+                  <a:srgbClr val="7F0055"/>
+                </a:solidFill>
+                <a:latin typeface="Courier New"/>
+              </a:rPr>
+              <a:t>class</a:t>
+            </a:r>
+            <a:r>
+              <a:rPr lang="en-US" sz="3200" b="1" dirty="0" smtClean="0">
+                <a:latin typeface="Courier New"/>
+              </a:rPr>
+              <a:t> </a:t>
+            </a:r>
+            <a:r>
+              <a:rPr lang="en-US" sz="3200" b="1" dirty="0" smtClean="0">
+                <a:latin typeface="Courier New"/>
+              </a:rPr>
+              <a:t>Expectation[T](t: =&gt;T) {</a:t>
+            </a:r>
+          </a:p>
+          <a:p>
+            <a:r>
+              <a:rPr lang="en-US" sz="3200" dirty="0" smtClean="0">
+                <a:latin typeface="Courier New"/>
+              </a:rPr>
+              <a:t>  </a:t>
+            </a:r>
+            <a:r>
+              <a:rPr lang="en-US" sz="3200" b="1" dirty="0" smtClean="0">
+                <a:solidFill>
+                  <a:srgbClr val="7F0055"/>
+                </a:solidFill>
+                <a:latin typeface="Courier New"/>
+              </a:rPr>
+              <a:t>def</a:t>
+            </a:r>
+            <a:r>
+              <a:rPr lang="en-US" sz="3200" b="1" dirty="0" smtClean="0">
+                <a:latin typeface="Courier New"/>
+              </a:rPr>
+              <a:t> must(m: =&gt;Matcher[T]) = </a:t>
+            </a:r>
+            <a:r>
+              <a:rPr lang="en-US" sz="3200" b="1" dirty="0" err="1" smtClean="0">
+                <a:latin typeface="Courier New"/>
+              </a:rPr>
+              <a:t>m.apply</a:t>
+            </a:r>
+            <a:r>
+              <a:rPr lang="en-US" sz="3200" b="1" dirty="0" smtClean="0">
+                <a:latin typeface="Courier New"/>
+              </a:rPr>
+              <a:t>(t)</a:t>
+            </a:r>
+          </a:p>
+          <a:p>
+            <a:r>
+              <a:rPr lang="en-US" sz="3200" dirty="0" smtClean="0">
+                <a:latin typeface="Courier New"/>
+              </a:rPr>
+              <a:t>}</a:t>
+            </a:r>
+            <a:endParaRPr lang="en-US" sz="3200" dirty="0" smtClean="0">
+              <a:latin typeface="Courier New"/>
+            </a:endParaRPr>
+          </a:p>
+          <a:p>
+            <a:endParaRPr lang="fr-FR" sz="3200" b="1" dirty="0" smtClean="0">
+              <a:solidFill>
+                <a:srgbClr val="7F0055"/>
+              </a:solidFill>
+              <a:latin typeface="Courier New"/>
+            </a:endParaRPr>
+          </a:p>
+          <a:p>
+            <a:r>
+              <a:rPr lang="fr-FR" sz="3200" b="1" dirty="0" err="1" smtClean="0">
+                <a:solidFill>
+                  <a:srgbClr val="7F0055"/>
+                </a:solidFill>
+                <a:latin typeface="Courier New"/>
+              </a:rPr>
+              <a:t>implicit</a:t>
+            </a:r>
+            <a:r>
+              <a:rPr lang="fr-FR" sz="3200" b="1" dirty="0" smtClean="0">
+                <a:latin typeface="Courier New"/>
+              </a:rPr>
+              <a:t> </a:t>
+            </a:r>
+            <a:r>
+              <a:rPr lang="fr-FR" sz="3200" b="1" dirty="0" err="1" smtClean="0">
+                <a:solidFill>
+                  <a:srgbClr val="7F0055"/>
+                </a:solidFill>
+                <a:latin typeface="Courier New"/>
+              </a:rPr>
+              <a:t>def</a:t>
+            </a:r>
+            <a:r>
+              <a:rPr lang="fr-FR" sz="3200" b="1" dirty="0" smtClean="0">
+                <a:latin typeface="Courier New"/>
+              </a:rPr>
+              <a:t> </a:t>
+            </a:r>
+            <a:r>
+              <a:rPr lang="fr-FR" sz="3200" b="1" dirty="0" err="1" smtClean="0">
+                <a:latin typeface="Courier New"/>
+              </a:rPr>
+              <a:t>theValue</a:t>
+            </a:r>
+            <a:r>
+              <a:rPr lang="fr-FR" sz="3200" b="1" dirty="0" smtClean="0">
+                <a:latin typeface="Courier New"/>
+              </a:rPr>
+              <a:t>[T](t: T): Expectation[T] = </a:t>
+            </a:r>
+            <a:r>
+              <a:rPr lang="fr-FR" sz="3200" b="1" dirty="0" smtClean="0">
+                <a:latin typeface="Courier New"/>
+              </a:rPr>
+              <a:t> </a:t>
+            </a:r>
+          </a:p>
+          <a:p>
+            <a:r>
+              <a:rPr lang="fr-FR" sz="3200" b="1" dirty="0" smtClean="0">
+                <a:solidFill>
+                  <a:srgbClr val="7F0055"/>
+                </a:solidFill>
+                <a:latin typeface="Courier New"/>
+              </a:rPr>
+              <a:t> </a:t>
+            </a:r>
+            <a:r>
+              <a:rPr lang="fr-FR" sz="3200" b="1" dirty="0" smtClean="0">
+                <a:solidFill>
+                  <a:srgbClr val="7F0055"/>
+                </a:solidFill>
+                <a:latin typeface="Courier New"/>
+              </a:rPr>
+              <a:t>                              new</a:t>
+            </a:r>
+            <a:r>
+              <a:rPr lang="fr-FR" sz="3200" b="1" dirty="0" smtClean="0">
+                <a:latin typeface="Courier New"/>
+              </a:rPr>
+              <a:t> </a:t>
+            </a:r>
+            <a:r>
+              <a:rPr lang="fr-FR" sz="3200" b="1" dirty="0" smtClean="0">
+                <a:latin typeface="Courier New"/>
+              </a:rPr>
+              <a:t>Expectation(t)</a:t>
+            </a:r>
+          </a:p>
+          <a:p>
+            <a:r>
+              <a:rPr lang="en-US" sz="3200" b="1" dirty="0" err="1" smtClean="0">
+                <a:solidFill>
+                  <a:srgbClr val="7F0055"/>
+                </a:solidFill>
+                <a:latin typeface="Courier New"/>
+              </a:rPr>
+              <a:t>val</a:t>
+            </a:r>
+            <a:r>
+              <a:rPr lang="en-US" sz="3200" b="1" dirty="0" smtClean="0">
+                <a:latin typeface="Courier New"/>
+              </a:rPr>
+              <a:t> </a:t>
+            </a:r>
+            <a:r>
+              <a:rPr lang="en-US" sz="3200" b="1" dirty="0" err="1" smtClean="0">
+                <a:latin typeface="Courier New"/>
+              </a:rPr>
+              <a:t>notExplode</a:t>
+            </a:r>
+            <a:r>
+              <a:rPr lang="en-US" sz="3200" b="1" dirty="0" smtClean="0">
+                <a:latin typeface="Courier New"/>
+              </a:rPr>
+              <a:t> = </a:t>
+            </a:r>
+            <a:r>
+              <a:rPr lang="en-US" sz="3200" b="1" dirty="0" smtClean="0">
+                <a:solidFill>
+                  <a:srgbClr val="7F0055"/>
+                </a:solidFill>
+                <a:latin typeface="Courier New"/>
+              </a:rPr>
+              <a:t>new</a:t>
+            </a:r>
+            <a:r>
+              <a:rPr lang="en-US" sz="3200" b="1" dirty="0" smtClean="0">
+                <a:latin typeface="Courier New"/>
+              </a:rPr>
+              <a:t> Matcher[</a:t>
+            </a:r>
+            <a:r>
+              <a:rPr lang="en-US" sz="3200" b="1" dirty="0" smtClean="0">
+                <a:solidFill>
+                  <a:srgbClr val="7F0055"/>
+                </a:solidFill>
+                <a:latin typeface="Courier New"/>
+              </a:rPr>
+              <a:t>Any</a:t>
+            </a:r>
+            <a:r>
+              <a:rPr lang="en-US" sz="3200" b="1" dirty="0" smtClean="0">
+                <a:latin typeface="Courier New"/>
+              </a:rPr>
+              <a:t>]</a:t>
+            </a:r>
+          </a:p>
+          <a:p>
+            <a:r>
+              <a:rPr lang="en-US" sz="3200" dirty="0" smtClean="0">
+                <a:latin typeface="Courier New"/>
+              </a:rPr>
+              <a:t>  </a:t>
+            </a:r>
+            <a:endParaRPr lang="en-US" sz="3200" dirty="0" smtClean="0">
+              <a:latin typeface="Courier New"/>
+            </a:endParaRPr>
+          </a:p>
+          <a:p>
+            <a:r>
+              <a:rPr lang="en-US" sz="3200" dirty="0" smtClean="0">
+                <a:latin typeface="Courier New"/>
+              </a:rPr>
+              <a:t>{ </a:t>
+            </a:r>
+            <a:r>
+              <a:rPr lang="en-US" sz="3200" dirty="0" smtClean="0">
+                <a:latin typeface="Courier New"/>
+              </a:rPr>
+              <a:t>error(</a:t>
+            </a:r>
+            <a:r>
+              <a:rPr lang="en-US" sz="3200" dirty="0" smtClean="0">
+                <a:solidFill>
+                  <a:srgbClr val="2A00FF"/>
+                </a:solidFill>
+                <a:latin typeface="Courier New"/>
+              </a:rPr>
+              <a:t>"boom"</a:t>
+            </a:r>
+            <a:r>
+              <a:rPr lang="en-US" sz="3200" dirty="0" smtClean="0">
+                <a:latin typeface="Courier New"/>
+              </a:rPr>
+              <a:t>); () } must </a:t>
+            </a:r>
+            <a:r>
+              <a:rPr lang="en-US" sz="3200" dirty="0" err="1" smtClean="0">
+                <a:latin typeface="Courier New"/>
+              </a:rPr>
+              <a:t>notExplode</a:t>
+            </a:r>
+            <a:endParaRPr lang="en-US" sz="3200" b="1" dirty="0" smtClean="0">
+              <a:solidFill>
+                <a:srgbClr val="7F0055"/>
+              </a:solidFill>
+              <a:latin typeface="Courier New"/>
+            </a:endParaRPr>
+          </a:p>
+        </p:txBody>
+      </p:sp>
+      <p:pic>
+        <p:nvPicPr>
+          <p:cNvPr id="70662" name="Picture 6" descr="magic, wizard icon"/>
+          <p:cNvPicPr>
+            <a:picLocks noChangeAspect="1" noChangeArrowheads="1"/>
+          </p:cNvPicPr>
+          <p:nvPr/>
+        </p:nvPicPr>
+        <p:blipFill>
+          <a:blip r:embed="rId4"/>
+          <a:srcRect/>
+          <a:stretch>
+            <a:fillRect/>
+          </a:stretch>
+        </p:blipFill>
+        <p:spPr bwMode="auto">
+          <a:xfrm>
+            <a:off x="635000" y="1143000"/>
+            <a:ext cx="1295400" cy="1295401"/>
+          </a:xfrm>
+          <a:prstGeom prst="rect">
+            <a:avLst/>
+          </a:prstGeom>
+          <a:noFill/>
+        </p:spPr>
+      </p:pic>
+    </p:spTree>
+  </p:cSld>
+  <p:clrMapOvr>
+    <a:masterClrMapping/>
+  </p:clrMapOvr>
+  <p:transition>
+    <p:fade/>
+  </p:transition>
+  <p:timing>
+    <p:tnLst>
+      <p:par>
+        <p:cTn id="1" dur="indefinite" restart="never" nodeType="tmRoot">
+          <p:childTnLst>
+            <p:seq concurrent="1" nextAc="seek">
+              <p:cTn id="2" dur="indefinite" nodeType="mainSeq">
+                <p:childTnLst>
+                  <p:par>
+                    <p:cTn id="3" fill="hold">
+                      <p:stCondLst>
+                        <p:cond delay="indefinite"/>
+                        <p:cond evt="onBegin" delay="0">
+                          <p:tn val="2"/>
+                        </p:cond>
+                      </p:stCondLst>
+                      <p:childTnLst>
+                        <p:par>
+                          <p:cTn id="4" fill="hold">
+                            <p:stCondLst>
+                              <p:cond delay="0"/>
+                            </p:stCondLst>
+                            <p:childTnLst>
+                              <p:par>
+                                <p:cTn id="5" presetID="1" presetClass="entr" presetSubtype="0" fill="hold" nodeType="withEffect">
+                                  <p:stCondLst>
+                                    <p:cond delay="0"/>
+                                  </p:stCondLst>
+                                  <p:childTnLst>
+                                    <p:set>
+                                      <p:cBhvr>
+                                        <p:cTn id="6" dur="1" fill="hold">
+                                          <p:stCondLst>
+                                            <p:cond delay="0"/>
+                                          </p:stCondLst>
+                                        </p:cTn>
+                                        <p:tgtEl>
+                                          <p:spTgt spid="8"/>
+                                        </p:tgtEl>
+                                        <p:attrNameLst>
+                                          <p:attrName>style.visibility</p:attrName>
+                                        </p:attrNameLst>
+                                      </p:cBhvr>
+                                      <p:to>
+                                        <p:strVal val="visible"/>
+                                      </p:to>
+                                    </p:set>
+                                  </p:childTnLst>
+                                </p:cTn>
+                              </p:par>
+                            </p:childTnLst>
+                          </p:cTn>
+                        </p:par>
+                      </p:childTnLst>
+                    </p:cTn>
+                  </p:par>
+                </p:childTnLst>
+              </p:cTn>
+              <p:prevCondLst>
+                <p:cond evt="onPrev" delay="0">
+                  <p:tgtEl>
+                    <p:sldTgt/>
+                  </p:tgtEl>
+                </p:cond>
+              </p:prevCondLst>
+              <p:nextCondLst>
+                <p:cond evt="onNext" delay="0">
+                  <p:tgtEl>
+                    <p:sldTgt/>
+                  </p:tgtEl>
+                </p:cond>
+              </p:nextCondLst>
+            </p:seq>
+          </p:childTnLst>
+        </p:cTn>
       </p:par>
     </p:tnLst>
   </p:timing>

--- a/src/main/resources/oscon_2010_specs.pptx
+++ b/src/main/resources/oscon_2010_specs.pptx
@@ -6,7 +6,7 @@
     <p:sldMasterId id="2147483651" r:id="rId2"/>
   </p:sldMasterIdLst>
   <p:notesMasterIdLst>
-    <p:notesMasterId r:id="rId32"/>
+    <p:notesMasterId r:id="rId35"/>
   </p:notesMasterIdLst>
   <p:sldIdLst>
     <p:sldId id="258" r:id="rId3"/>
@@ -38,6 +38,9 @@
     <p:sldId id="284" r:id="rId29"/>
     <p:sldId id="285" r:id="rId30"/>
     <p:sldId id="286" r:id="rId31"/>
+    <p:sldId id="288" r:id="rId32"/>
+    <p:sldId id="289" r:id="rId33"/>
+    <p:sldId id="287" r:id="rId34"/>
   </p:sldIdLst>
   <p:sldSz cx="13004800" cy="9753600"/>
   <p:notesSz cx="6858000" cy="9144000"/>
@@ -2495,6 +2498,258 @@
               <a:rPr lang="en-US"/>
               <a:pPr/>
               <a:t>3</a:t>
+            </a:fld>
+            <a:endParaRPr lang="en-US"/>
+          </a:p>
+        </p:txBody>
+      </p:sp>
+      <p:sp>
+        <p:nvSpPr>
+          <p:cNvPr id="19458" name="Rectangle 2"/>
+          <p:cNvSpPr>
+            <a:spLocks noGrp="1" noRot="1" noChangeAspect="1" noChangeArrowheads="1" noTextEdit="1"/>
+          </p:cNvSpPr>
+          <p:nvPr>
+            <p:ph type="sldImg"/>
+          </p:nvPr>
+        </p:nvSpPr>
+        <p:spPr>
+          <a:ln/>
+        </p:spPr>
+      </p:sp>
+      <p:sp>
+        <p:nvSpPr>
+          <p:cNvPr id="19459" name="Rectangle 3"/>
+          <p:cNvSpPr>
+            <a:spLocks noGrp="1"/>
+          </p:cNvSpPr>
+          <p:nvPr>
+            <p:ph type="body" idx="1"/>
+          </p:nvPr>
+        </p:nvSpPr>
+        <p:spPr/>
+        <p:txBody>
+          <a:bodyPr/>
+          <a:lstStyle/>
+          <a:p>
+            <a:endParaRPr lang="en-US"/>
+          </a:p>
+        </p:txBody>
+      </p:sp>
+    </p:spTree>
+  </p:cSld>
+  <p:clrMapOvr>
+    <a:masterClrMapping/>
+  </p:clrMapOvr>
+</p:notes>
+</file>
+
+<file path=ppt/notesSlides/notesSlide30.xml><?xml version="1.0" encoding="utf-8"?>
+<p:notes xmlns:a="http://schemas.openxmlformats.org/drawingml/2006/main" xmlns:r="http://schemas.openxmlformats.org/officeDocument/2006/relationships" xmlns:p="http://schemas.openxmlformats.org/presentationml/2006/main">
+  <p:cSld>
+    <p:spTree>
+      <p:nvGrpSpPr>
+        <p:cNvPr id="1" name=""/>
+        <p:cNvGrpSpPr/>
+        <p:nvPr/>
+      </p:nvGrpSpPr>
+      <p:grpSpPr>
+        <a:xfrm>
+          <a:off x="0" y="0"/>
+          <a:ext cx="0" cy="0"/>
+          <a:chOff x="0" y="0"/>
+          <a:chExt cx="0" cy="0"/>
+        </a:xfrm>
+      </p:grpSpPr>
+      <p:sp>
+        <p:nvSpPr>
+          <p:cNvPr id="7" name="Rectangle 7"/>
+          <p:cNvSpPr>
+            <a:spLocks noGrp="1"/>
+          </p:cNvSpPr>
+          <p:nvPr>
+            <p:ph type="sldNum" sz="quarter" idx="5"/>
+          </p:nvPr>
+        </p:nvSpPr>
+        <p:spPr>
+          <a:ln/>
+        </p:spPr>
+        <p:txBody>
+          <a:bodyPr/>
+          <a:lstStyle/>
+          <a:p>
+            <a:fld id="{27AEA7DA-096A-4FB7-B4B3-D12717EF4BDD}" type="slidenum">
+              <a:rPr lang="en-US"/>
+              <a:pPr/>
+              <a:t>30</a:t>
+            </a:fld>
+            <a:endParaRPr lang="en-US"/>
+          </a:p>
+        </p:txBody>
+      </p:sp>
+      <p:sp>
+        <p:nvSpPr>
+          <p:cNvPr id="19458" name="Rectangle 2"/>
+          <p:cNvSpPr>
+            <a:spLocks noGrp="1" noRot="1" noChangeAspect="1" noChangeArrowheads="1" noTextEdit="1"/>
+          </p:cNvSpPr>
+          <p:nvPr>
+            <p:ph type="sldImg"/>
+          </p:nvPr>
+        </p:nvSpPr>
+        <p:spPr>
+          <a:ln/>
+        </p:spPr>
+      </p:sp>
+      <p:sp>
+        <p:nvSpPr>
+          <p:cNvPr id="19459" name="Rectangle 3"/>
+          <p:cNvSpPr>
+            <a:spLocks noGrp="1"/>
+          </p:cNvSpPr>
+          <p:nvPr>
+            <p:ph type="body" idx="1"/>
+          </p:nvPr>
+        </p:nvSpPr>
+        <p:spPr/>
+        <p:txBody>
+          <a:bodyPr/>
+          <a:lstStyle/>
+          <a:p>
+            <a:endParaRPr lang="en-US"/>
+          </a:p>
+        </p:txBody>
+      </p:sp>
+    </p:spTree>
+  </p:cSld>
+  <p:clrMapOvr>
+    <a:masterClrMapping/>
+  </p:clrMapOvr>
+</p:notes>
+</file>
+
+<file path=ppt/notesSlides/notesSlide31.xml><?xml version="1.0" encoding="utf-8"?>
+<p:notes xmlns:a="http://schemas.openxmlformats.org/drawingml/2006/main" xmlns:r="http://schemas.openxmlformats.org/officeDocument/2006/relationships" xmlns:p="http://schemas.openxmlformats.org/presentationml/2006/main">
+  <p:cSld>
+    <p:spTree>
+      <p:nvGrpSpPr>
+        <p:cNvPr id="1" name=""/>
+        <p:cNvGrpSpPr/>
+        <p:nvPr/>
+      </p:nvGrpSpPr>
+      <p:grpSpPr>
+        <a:xfrm>
+          <a:off x="0" y="0"/>
+          <a:ext cx="0" cy="0"/>
+          <a:chOff x="0" y="0"/>
+          <a:chExt cx="0" cy="0"/>
+        </a:xfrm>
+      </p:grpSpPr>
+      <p:sp>
+        <p:nvSpPr>
+          <p:cNvPr id="7" name="Rectangle 7"/>
+          <p:cNvSpPr>
+            <a:spLocks noGrp="1"/>
+          </p:cNvSpPr>
+          <p:nvPr>
+            <p:ph type="sldNum" sz="quarter" idx="5"/>
+          </p:nvPr>
+        </p:nvSpPr>
+        <p:spPr>
+          <a:ln/>
+        </p:spPr>
+        <p:txBody>
+          <a:bodyPr/>
+          <a:lstStyle/>
+          <a:p>
+            <a:fld id="{27AEA7DA-096A-4FB7-B4B3-D12717EF4BDD}" type="slidenum">
+              <a:rPr lang="en-US"/>
+              <a:pPr/>
+              <a:t>31</a:t>
+            </a:fld>
+            <a:endParaRPr lang="en-US"/>
+          </a:p>
+        </p:txBody>
+      </p:sp>
+      <p:sp>
+        <p:nvSpPr>
+          <p:cNvPr id="19458" name="Rectangle 2"/>
+          <p:cNvSpPr>
+            <a:spLocks noGrp="1" noRot="1" noChangeAspect="1" noChangeArrowheads="1" noTextEdit="1"/>
+          </p:cNvSpPr>
+          <p:nvPr>
+            <p:ph type="sldImg"/>
+          </p:nvPr>
+        </p:nvSpPr>
+        <p:spPr>
+          <a:ln/>
+        </p:spPr>
+      </p:sp>
+      <p:sp>
+        <p:nvSpPr>
+          <p:cNvPr id="19459" name="Rectangle 3"/>
+          <p:cNvSpPr>
+            <a:spLocks noGrp="1"/>
+          </p:cNvSpPr>
+          <p:nvPr>
+            <p:ph type="body" idx="1"/>
+          </p:nvPr>
+        </p:nvSpPr>
+        <p:spPr/>
+        <p:txBody>
+          <a:bodyPr/>
+          <a:lstStyle/>
+          <a:p>
+            <a:endParaRPr lang="en-US"/>
+          </a:p>
+        </p:txBody>
+      </p:sp>
+    </p:spTree>
+  </p:cSld>
+  <p:clrMapOvr>
+    <a:masterClrMapping/>
+  </p:clrMapOvr>
+</p:notes>
+</file>
+
+<file path=ppt/notesSlides/notesSlide32.xml><?xml version="1.0" encoding="utf-8"?>
+<p:notes xmlns:a="http://schemas.openxmlformats.org/drawingml/2006/main" xmlns:r="http://schemas.openxmlformats.org/officeDocument/2006/relationships" xmlns:p="http://schemas.openxmlformats.org/presentationml/2006/main">
+  <p:cSld>
+    <p:spTree>
+      <p:nvGrpSpPr>
+        <p:cNvPr id="1" name=""/>
+        <p:cNvGrpSpPr/>
+        <p:nvPr/>
+      </p:nvGrpSpPr>
+      <p:grpSpPr>
+        <a:xfrm>
+          <a:off x="0" y="0"/>
+          <a:ext cx="0" cy="0"/>
+          <a:chOff x="0" y="0"/>
+          <a:chExt cx="0" cy="0"/>
+        </a:xfrm>
+      </p:grpSpPr>
+      <p:sp>
+        <p:nvSpPr>
+          <p:cNvPr id="7" name="Rectangle 7"/>
+          <p:cNvSpPr>
+            <a:spLocks noGrp="1"/>
+          </p:cNvSpPr>
+          <p:nvPr>
+            <p:ph type="sldNum" sz="quarter" idx="5"/>
+          </p:nvPr>
+        </p:nvSpPr>
+        <p:spPr>
+          <a:ln/>
+        </p:spPr>
+        <p:txBody>
+          <a:bodyPr/>
+          <a:lstStyle/>
+          <a:p>
+            <a:fld id="{27AEA7DA-096A-4FB7-B4B3-D12717EF4BDD}" type="slidenum">
+              <a:rPr lang="en-US"/>
+              <a:pPr/>
+              <a:t>32</a:t>
             </a:fld>
             <a:endParaRPr lang="en-US"/>
           </a:p>
@@ -12812,8 +13067,8 @@
         </p:nvSpPr>
         <p:spPr>
           <a:xfrm>
-            <a:off x="3073400" y="1600200"/>
-            <a:ext cx="8509061" cy="923330"/>
+            <a:off x="2572440" y="1600200"/>
+            <a:ext cx="9650399" cy="923330"/>
           </a:xfrm>
           <a:prstGeom prst="rect">
             <a:avLst/>
@@ -12835,7 +13090,7 @@
                 <a:cs typeface="+mj-cs"/>
                 <a:sym typeface="Arial" charset="0"/>
               </a:rPr>
-              <a:t>The  king of all tricks</a:t>
+              <a:t>The  best tool in the box</a:t>
             </a:r>
             <a:endParaRPr lang="en-US" dirty="0"/>
           </a:p>
@@ -12867,32 +13122,6 @@
           <a:noFill/>
         </p:spPr>
       </p:pic>
-      <p:pic>
-        <p:nvPicPr>
-          <p:cNvPr id="9" name="Picture 2" descr="crown, king icon"/>
-          <p:cNvPicPr>
-            <a:picLocks noChangeAspect="1" noChangeArrowheads="1"/>
-          </p:cNvPicPr>
-          <p:nvPr/>
-        </p:nvPicPr>
-        <p:blipFill>
-          <a:blip r:embed="rId4"/>
-          <a:srcRect/>
-          <a:stretch>
-            <a:fillRect/>
-          </a:stretch>
-        </p:blipFill>
-        <p:spPr bwMode="auto">
-          <a:xfrm>
-            <a:off x="1168400" y="1295400"/>
-            <a:ext cx="1447800" cy="1447801"/>
-          </a:xfrm>
-          <a:prstGeom prst="rect">
-            <a:avLst/>
-          </a:prstGeom>
-          <a:noFill/>
-        </p:spPr>
-      </p:pic>
       <p:sp>
         <p:nvSpPr>
           <p:cNvPr id="10" name="Rectangle 9"/>
@@ -13159,6 +13388,32 @@
           </a:p>
         </p:txBody>
       </p:sp>
+      <p:pic>
+        <p:nvPicPr>
+          <p:cNvPr id="72706" name="Picture 2" descr="toolbox icon"/>
+          <p:cNvPicPr>
+            <a:picLocks noChangeAspect="1" noChangeArrowheads="1"/>
+          </p:cNvPicPr>
+          <p:nvPr/>
+        </p:nvPicPr>
+        <p:blipFill>
+          <a:blip r:embed="rId4"/>
+          <a:srcRect/>
+          <a:stretch>
+            <a:fillRect/>
+          </a:stretch>
+        </p:blipFill>
+        <p:spPr bwMode="auto">
+          <a:xfrm>
+            <a:off x="515040" y="1143000"/>
+            <a:ext cx="1676400" cy="1676401"/>
+          </a:xfrm>
+          <a:prstGeom prst="rect">
+            <a:avLst/>
+          </a:prstGeom>
+          <a:noFill/>
+        </p:spPr>
+      </p:pic>
     </p:spTree>
   </p:cSld>
   <p:clrMapOvr>
@@ -13303,43 +13558,6 @@
           </a:p>
         </p:txBody>
       </p:sp>
-      <p:sp>
-        <p:nvSpPr>
-          <p:cNvPr id="7" name="Rectangle 6"/>
-          <p:cNvSpPr/>
-          <p:nvPr/>
-        </p:nvSpPr>
-        <p:spPr>
-          <a:xfrm>
-            <a:off x="2870139" y="1438870"/>
-            <a:ext cx="8807219" cy="923330"/>
-          </a:xfrm>
-          <a:prstGeom prst="rect">
-            <a:avLst/>
-          </a:prstGeom>
-        </p:spPr>
-        <p:txBody>
-          <a:bodyPr wrap="none">
-            <a:spAutoFit/>
-          </a:bodyPr>
-          <a:lstStyle/>
-          <a:p>
-            <a:pPr algn="ctr"/>
-            <a:r>
-              <a:rPr lang="en-US" sz="5400" b="1" kern="0" dirty="0" smtClean="0">
-                <a:solidFill>
-                  <a:srgbClr val="0C0F20"/>
-                </a:solidFill>
-                <a:latin typeface="Lucida Handwriting" pitchFamily="66" charset="0"/>
-                <a:cs typeface="+mj-cs"/>
-                <a:sym typeface="Arial" charset="0"/>
-              </a:rPr>
-              <a:t>The  king of all tricks</a:t>
-            </a:r>
-            <a:endParaRPr lang="en-US" dirty="0"/>
-          </a:p>
-        </p:txBody>
-      </p:sp>
       <p:pic>
         <p:nvPicPr>
           <p:cNvPr id="8" name="Picture 10" descr="http://knowledgehub.zeus.com/media/Scala_Logo2008.png"/>
@@ -13531,9 +13749,46 @@
           </a:p>
         </p:txBody>
       </p:sp>
+      <p:sp>
+        <p:nvSpPr>
+          <p:cNvPr id="14" name="Rectangle 13"/>
+          <p:cNvSpPr/>
+          <p:nvPr/>
+        </p:nvSpPr>
+        <p:spPr>
+          <a:xfrm>
+            <a:off x="2572440" y="1600200"/>
+            <a:ext cx="9416360" cy="923330"/>
+          </a:xfrm>
+          <a:prstGeom prst="rect">
+            <a:avLst/>
+          </a:prstGeom>
+        </p:spPr>
+        <p:txBody>
+          <a:bodyPr wrap="none">
+            <a:spAutoFit/>
+          </a:bodyPr>
+          <a:lstStyle/>
+          <a:p>
+            <a:pPr algn="ctr"/>
+            <a:r>
+              <a:rPr lang="en-US" sz="5400" b="1" kern="0" dirty="0" smtClean="0">
+                <a:solidFill>
+                  <a:srgbClr val="0C0F20"/>
+                </a:solidFill>
+                <a:latin typeface="Lucida Handwriting" pitchFamily="66" charset="0"/>
+                <a:cs typeface="+mj-cs"/>
+                <a:sym typeface="Arial" charset="0"/>
+              </a:rPr>
+              <a:t>The  best tool in the box</a:t>
+            </a:r>
+            <a:endParaRPr lang="en-US" dirty="0"/>
+          </a:p>
+        </p:txBody>
+      </p:sp>
       <p:pic>
         <p:nvPicPr>
-          <p:cNvPr id="13" name="Picture 2" descr="crown, king icon"/>
+          <p:cNvPr id="15" name="Picture 2" descr="toolbox icon"/>
           <p:cNvPicPr>
             <a:picLocks noChangeAspect="1" noChangeArrowheads="1"/>
           </p:cNvPicPr>
@@ -13548,8 +13803,8 @@
         </p:blipFill>
         <p:spPr bwMode="auto">
           <a:xfrm>
-            <a:off x="1168400" y="1295400"/>
-            <a:ext cx="1447800" cy="1447801"/>
+            <a:off x="515040" y="1143000"/>
+            <a:ext cx="1676400" cy="1676401"/>
           </a:xfrm>
           <a:prstGeom prst="rect">
             <a:avLst/>
@@ -16570,6 +16825,1705 @@
     <p:tnLst>
       <p:par>
         <p:cTn id="1" dur="indefinite" restart="never" nodeType="tmRoot"/>
+      </p:par>
+    </p:tnLst>
+  </p:timing>
+</p:sld>
+</file>
+
+<file path=ppt/slides/slide30.xml><?xml version="1.0" encoding="utf-8"?>
+<p:sld xmlns:a="http://schemas.openxmlformats.org/drawingml/2006/main" xmlns:r="http://schemas.openxmlformats.org/officeDocument/2006/relationships" xmlns:p="http://schemas.openxmlformats.org/presentationml/2006/main">
+  <p:cSld>
+    <p:spTree>
+      <p:nvGrpSpPr>
+        <p:cNvPr id="1" name=""/>
+        <p:cNvGrpSpPr/>
+        <p:nvPr/>
+      </p:nvGrpSpPr>
+      <p:grpSpPr>
+        <a:xfrm>
+          <a:off x="0" y="0"/>
+          <a:ext cx="0" cy="0"/>
+          <a:chOff x="0" y="0"/>
+          <a:chExt cx="0" cy="0"/>
+        </a:xfrm>
+      </p:grpSpPr>
+      <p:sp>
+        <p:nvSpPr>
+          <p:cNvPr id="8193" name="Rectangle 1"/>
+          <p:cNvSpPr>
+            <a:spLocks noGrp="1" noChangeArrowheads="1"/>
+          </p:cNvSpPr>
+          <p:nvPr>
+            <p:ph type="title"/>
+          </p:nvPr>
+        </p:nvSpPr>
+        <p:spPr>
+          <a:xfrm>
+            <a:off x="711200" y="0"/>
+            <a:ext cx="12509500" cy="914400"/>
+          </a:xfrm>
+          <a:ln/>
+        </p:spPr>
+        <p:txBody>
+          <a:bodyPr/>
+          <a:lstStyle/>
+          <a:p>
+            <a:pPr lvl="0"/>
+            <a:r>
+              <a:rPr lang="en-US" sz="5400" dirty="0" smtClean="0">
+                <a:latin typeface="Lucida Handwriting" pitchFamily="66" charset="0"/>
+              </a:rPr>
+              <a:t>     </a:t>
+            </a:r>
+            <a:r>
+              <a:rPr lang="en-US" sz="5400" dirty="0" smtClean="0">
+                <a:latin typeface="Lucida Handwriting" pitchFamily="66" charset="0"/>
+              </a:rPr>
+              <a:t>DSL</a:t>
+            </a:r>
+            <a:endParaRPr lang="en-US" dirty="0"/>
+          </a:p>
+        </p:txBody>
+      </p:sp>
+      <p:sp>
+        <p:nvSpPr>
+          <p:cNvPr id="7" name="Rectangle 6"/>
+          <p:cNvSpPr/>
+          <p:nvPr/>
+        </p:nvSpPr>
+        <p:spPr>
+          <a:xfrm>
+            <a:off x="2870139" y="1295400"/>
+            <a:ext cx="8727069" cy="923330"/>
+          </a:xfrm>
+          <a:prstGeom prst="rect">
+            <a:avLst/>
+          </a:prstGeom>
+        </p:spPr>
+        <p:txBody>
+          <a:bodyPr wrap="none">
+            <a:spAutoFit/>
+          </a:bodyPr>
+          <a:lstStyle/>
+          <a:p>
+            <a:pPr algn="ctr"/>
+            <a:r>
+              <a:rPr lang="en-US" sz="5400" b="1" kern="0" dirty="0" smtClean="0">
+                <a:solidFill>
+                  <a:srgbClr val="00CC66"/>
+                </a:solidFill>
+                <a:latin typeface="Lucida Handwriting" pitchFamily="66" charset="0"/>
+                <a:cs typeface="+mj-cs"/>
+                <a:sym typeface="Arial" charset="0"/>
+              </a:rPr>
+              <a:t>By name  parameters </a:t>
+            </a:r>
+          </a:p>
+        </p:txBody>
+      </p:sp>
+      <p:pic>
+        <p:nvPicPr>
+          <p:cNvPr id="8" name="Picture 10" descr="http://knowledgehub.zeus.com/media/Scala_Logo2008.png"/>
+          <p:cNvPicPr>
+            <a:picLocks noChangeAspect="1" noChangeArrowheads="1"/>
+          </p:cNvPicPr>
+          <p:nvPr/>
+        </p:nvPicPr>
+        <p:blipFill>
+          <a:blip r:embed="rId3"/>
+          <a:srcRect/>
+          <a:stretch>
+            <a:fillRect/>
+          </a:stretch>
+        </p:blipFill>
+        <p:spPr bwMode="auto">
+          <a:xfrm>
+            <a:off x="4140200" y="76200"/>
+            <a:ext cx="2279542" cy="679257"/>
+          </a:xfrm>
+          <a:prstGeom prst="rect">
+            <a:avLst/>
+          </a:prstGeom>
+          <a:noFill/>
+        </p:spPr>
+      </p:pic>
+      <p:sp>
+        <p:nvSpPr>
+          <p:cNvPr id="11" name="Rectangle 10"/>
+          <p:cNvSpPr/>
+          <p:nvPr/>
+        </p:nvSpPr>
+        <p:spPr>
+          <a:xfrm>
+            <a:off x="254000" y="3318570"/>
+            <a:ext cx="12674600" cy="3539430"/>
+          </a:xfrm>
+          <a:prstGeom prst="rect">
+            <a:avLst/>
+          </a:prstGeom>
+          <a:solidFill>
+            <a:schemeClr val="bg1"/>
+          </a:solidFill>
+          <a:ln>
+            <a:solidFill>
+              <a:schemeClr val="tx1"/>
+            </a:solidFill>
+            <a:prstDash val="dash"/>
+          </a:ln>
+        </p:spPr>
+        <p:txBody>
+          <a:bodyPr wrap="square">
+            <a:spAutoFit/>
+          </a:bodyPr>
+          <a:lstStyle/>
+          <a:p>
+            <a:r>
+              <a:rPr lang="en-US" sz="3200" b="1" dirty="0" smtClean="0">
+                <a:solidFill>
+                  <a:srgbClr val="7F0055"/>
+                </a:solidFill>
+                <a:latin typeface="Courier New"/>
+              </a:rPr>
+              <a:t>class</a:t>
+            </a:r>
+            <a:r>
+              <a:rPr lang="en-US" sz="3200" b="1" dirty="0" smtClean="0">
+                <a:latin typeface="Courier New"/>
+              </a:rPr>
+              <a:t> </a:t>
+            </a:r>
+            <a:r>
+              <a:rPr lang="en-US" sz="3200" b="1" dirty="0" err="1" smtClean="0">
+                <a:latin typeface="Courier New"/>
+              </a:rPr>
+              <a:t>EqualMatcher</a:t>
+            </a:r>
+            <a:r>
+              <a:rPr lang="en-US" sz="3200" b="1" dirty="0" smtClean="0">
+                <a:latin typeface="Courier New"/>
+              </a:rPr>
+              <a:t>[T](x: </a:t>
+            </a:r>
+            <a:r>
+              <a:rPr lang="en-US" sz="3200" b="1" dirty="0" smtClean="0">
+                <a:latin typeface="Courier New"/>
+              </a:rPr>
+              <a:t>=&gt;T</a:t>
+            </a:r>
+            <a:r>
+              <a:rPr lang="en-US" sz="3200" b="1" dirty="0" smtClean="0">
+                <a:latin typeface="Courier New"/>
+              </a:rPr>
+              <a:t>) </a:t>
+            </a:r>
+            <a:r>
+              <a:rPr lang="en-US" sz="3200" b="1" dirty="0" smtClean="0">
+                <a:solidFill>
+                  <a:srgbClr val="7F0055"/>
+                </a:solidFill>
+                <a:latin typeface="Courier New"/>
+              </a:rPr>
+              <a:t>extends</a:t>
+            </a:r>
+            <a:r>
+              <a:rPr lang="en-US" sz="3200" b="1" dirty="0" smtClean="0">
+                <a:latin typeface="Courier New"/>
+              </a:rPr>
+              <a:t> Matcher[T] { </a:t>
+            </a:r>
+          </a:p>
+          <a:p>
+            <a:r>
+              <a:rPr lang="en-US" sz="3200" dirty="0" smtClean="0">
+                <a:latin typeface="Courier New"/>
+              </a:rPr>
+              <a:t>  </a:t>
+            </a:r>
+            <a:r>
+              <a:rPr lang="en-US" sz="3200" b="1" dirty="0" smtClean="0">
+                <a:solidFill>
+                  <a:srgbClr val="7F0055"/>
+                </a:solidFill>
+                <a:latin typeface="Courier New"/>
+              </a:rPr>
+              <a:t>def</a:t>
+            </a:r>
+            <a:r>
+              <a:rPr lang="en-US" sz="3200" b="1" dirty="0" smtClean="0">
+                <a:latin typeface="Courier New"/>
+              </a:rPr>
+              <a:t> apply(y: =&gt;T) = {</a:t>
+            </a:r>
+          </a:p>
+          <a:p>
+            <a:r>
+              <a:rPr lang="es-ES" sz="3200" dirty="0" smtClean="0">
+                <a:latin typeface="Courier New"/>
+              </a:rPr>
+              <a:t>    </a:t>
+            </a:r>
+            <a:r>
+              <a:rPr lang="es-ES" sz="3200" b="1" dirty="0" smtClean="0">
+                <a:solidFill>
+                  <a:srgbClr val="7F0055"/>
+                </a:solidFill>
+                <a:latin typeface="Courier New"/>
+              </a:rPr>
+              <a:t>val</a:t>
+            </a:r>
+            <a:r>
+              <a:rPr lang="es-ES" sz="3200" b="1" dirty="0" smtClean="0">
+                <a:latin typeface="Courier New"/>
+              </a:rPr>
+              <a:t> (a, b) = (x, y)</a:t>
+            </a:r>
+          </a:p>
+          <a:p>
+            <a:r>
+              <a:rPr lang="en-US" sz="3200" dirty="0" smtClean="0">
+                <a:latin typeface="Courier New"/>
+              </a:rPr>
+              <a:t>    (a == b, a + </a:t>
+            </a:r>
+            <a:r>
+              <a:rPr lang="en-US" sz="3200" dirty="0" smtClean="0">
+                <a:solidFill>
+                  <a:srgbClr val="2A00FF"/>
+                </a:solidFill>
+                <a:latin typeface="Courier New"/>
+              </a:rPr>
+              <a:t>" is equal to "</a:t>
+            </a:r>
+            <a:r>
+              <a:rPr lang="en-US" sz="3200" dirty="0" smtClean="0">
+                <a:latin typeface="Courier New"/>
+              </a:rPr>
+              <a:t> + b, </a:t>
+            </a:r>
+            <a:endParaRPr lang="en-US" sz="3200" dirty="0" smtClean="0">
+              <a:latin typeface="Courier New"/>
+            </a:endParaRPr>
+          </a:p>
+          <a:p>
+            <a:r>
+              <a:rPr lang="en-US" sz="3200" dirty="0" smtClean="0">
+                <a:latin typeface="Courier New"/>
+              </a:rPr>
+              <a:t> </a:t>
+            </a:r>
+            <a:r>
+              <a:rPr lang="en-US" sz="3200" dirty="0" smtClean="0">
+                <a:latin typeface="Courier New"/>
+              </a:rPr>
+              <a:t>            a </a:t>
+            </a:r>
+            <a:r>
+              <a:rPr lang="en-US" sz="3200" dirty="0" smtClean="0">
+                <a:latin typeface="Courier New"/>
+              </a:rPr>
+              <a:t>+ </a:t>
+            </a:r>
+            <a:r>
+              <a:rPr lang="en-US" sz="3200" dirty="0" smtClean="0">
+                <a:solidFill>
+                  <a:srgbClr val="2A00FF"/>
+                </a:solidFill>
+                <a:latin typeface="Courier New"/>
+              </a:rPr>
+              <a:t>" is not equal to "</a:t>
+            </a:r>
+            <a:r>
+              <a:rPr lang="en-US" sz="3200" dirty="0" smtClean="0">
+                <a:latin typeface="Courier New"/>
+              </a:rPr>
+              <a:t> + b)</a:t>
+            </a:r>
+          </a:p>
+          <a:p>
+            <a:r>
+              <a:rPr lang="en-US" sz="3200" dirty="0" smtClean="0">
+                <a:latin typeface="Courier New"/>
+              </a:rPr>
+              <a:t>  }</a:t>
+            </a:r>
+          </a:p>
+          <a:p>
+            <a:r>
+              <a:rPr lang="en-US" sz="3200" dirty="0" smtClean="0">
+                <a:latin typeface="Courier New"/>
+              </a:rPr>
+              <a:t>}</a:t>
+            </a:r>
+            <a:endParaRPr lang="en-US" sz="3200" b="1" dirty="0" smtClean="0">
+              <a:latin typeface="Courier New"/>
+            </a:endParaRPr>
+          </a:p>
+        </p:txBody>
+      </p:sp>
+      <p:pic>
+        <p:nvPicPr>
+          <p:cNvPr id="70662" name="Picture 6" descr="magic, wizard icon"/>
+          <p:cNvPicPr>
+            <a:picLocks noChangeAspect="1" noChangeArrowheads="1"/>
+          </p:cNvPicPr>
+          <p:nvPr/>
+        </p:nvPicPr>
+        <p:blipFill>
+          <a:blip r:embed="rId4"/>
+          <a:srcRect/>
+          <a:stretch>
+            <a:fillRect/>
+          </a:stretch>
+        </p:blipFill>
+        <p:spPr bwMode="auto">
+          <a:xfrm>
+            <a:off x="635000" y="1143000"/>
+            <a:ext cx="1295400" cy="1295401"/>
+          </a:xfrm>
+          <a:prstGeom prst="rect">
+            <a:avLst/>
+          </a:prstGeom>
+          <a:noFill/>
+        </p:spPr>
+      </p:pic>
+      <p:sp>
+        <p:nvSpPr>
+          <p:cNvPr id="9" name="Rectangle 1"/>
+          <p:cNvSpPr txBox="1">
+            <a:spLocks noChangeArrowheads="1"/>
+          </p:cNvSpPr>
+          <p:nvPr/>
+        </p:nvSpPr>
+        <p:spPr bwMode="auto">
+          <a:xfrm>
+            <a:off x="6654800" y="2209800"/>
+            <a:ext cx="4876800" cy="685800"/>
+          </a:xfrm>
+          <a:prstGeom prst="rect">
+            <a:avLst/>
+          </a:prstGeom>
+          <a:noFill/>
+          <a:ln w="12700">
+            <a:noFill/>
+            <a:miter lim="800000"/>
+            <a:headEnd/>
+            <a:tailEnd/>
+          </a:ln>
+          <a:effectLst/>
+        </p:spPr>
+        <p:txBody>
+          <a:bodyPr vert="horz" wrap="square" lIns="50800" tIns="50800" rIns="50800" bIns="50800" numCol="1" anchor="ctr" anchorCtr="0" compatLnSpc="1">
+            <a:prstTxWarp prst="textNoShape">
+              <a:avLst/>
+            </a:prstTxWarp>
+          </a:bodyPr>
+          <a:lstStyle/>
+          <a:p>
+            <a:pPr lvl="0" algn="r"/>
+            <a:r>
+              <a:rPr kumimoji="0" lang="en-US" sz="4400" b="1" i="0" u="none" strike="noStrike" kern="0" cap="none" spc="0" normalizeH="0" baseline="0" noProof="0" dirty="0" smtClean="0">
+                <a:ln>
+                  <a:noFill/>
+                </a:ln>
+                <a:solidFill>
+                  <a:srgbClr val="FF0000"/>
+                </a:solidFill>
+                <a:effectLst/>
+                <a:uLnTx/>
+                <a:uFillTx/>
+                <a:latin typeface="Candara" pitchFamily="34" charset="0"/>
+                <a:ea typeface="+mj-ea"/>
+                <a:cs typeface="+mj-cs"/>
+                <a:sym typeface="Wingdings"/>
+              </a:rPr>
+              <a:t></a:t>
+            </a:r>
+            <a:r>
+              <a:rPr kumimoji="0" lang="en-US" sz="4400" b="1" i="0" u="none" strike="noStrike" kern="0" cap="none" spc="0" normalizeH="0" baseline="0" noProof="0" dirty="0" smtClean="0">
+                <a:ln>
+                  <a:noFill/>
+                </a:ln>
+                <a:solidFill>
+                  <a:srgbClr val="FF0000"/>
+                </a:solidFill>
+                <a:effectLst/>
+                <a:uLnTx/>
+                <a:uFillTx/>
+                <a:latin typeface="Candara" pitchFamily="34" charset="0"/>
+                <a:ea typeface="+mj-ea"/>
+                <a:cs typeface="+mj-cs"/>
+                <a:sym typeface="Arial" charset="0"/>
+              </a:rPr>
+              <a:t> Evaluate once!</a:t>
+            </a:r>
+            <a:endParaRPr kumimoji="0" lang="en-US" sz="4400" b="1" i="0" u="none" strike="noStrike" kern="0" cap="none" spc="0" normalizeH="0" baseline="0" noProof="0" dirty="0">
+              <a:ln>
+                <a:noFill/>
+              </a:ln>
+              <a:solidFill>
+                <a:srgbClr val="E75145"/>
+              </a:solidFill>
+              <a:effectLst/>
+              <a:uLnTx/>
+              <a:uFillTx/>
+              <a:latin typeface="Candara" pitchFamily="34" charset="0"/>
+              <a:ea typeface="+mj-ea"/>
+              <a:cs typeface="+mj-cs"/>
+              <a:sym typeface="Arial" charset="0"/>
+            </a:endParaRPr>
+          </a:p>
+        </p:txBody>
+      </p:sp>
+    </p:spTree>
+  </p:cSld>
+  <p:clrMapOvr>
+    <a:masterClrMapping/>
+  </p:clrMapOvr>
+  <p:transition>
+    <p:fade/>
+  </p:transition>
+  <p:timing>
+    <p:tnLst>
+      <p:par>
+        <p:cTn id="1" dur="indefinite" restart="never" nodeType="tmRoot">
+          <p:childTnLst>
+            <p:seq concurrent="1" nextAc="seek">
+              <p:cTn id="2" dur="indefinite" nodeType="mainSeq">
+                <p:childTnLst>
+                  <p:par>
+                    <p:cTn id="3" fill="hold">
+                      <p:stCondLst>
+                        <p:cond delay="indefinite"/>
+                        <p:cond evt="onBegin" delay="0">
+                          <p:tn val="2"/>
+                        </p:cond>
+                      </p:stCondLst>
+                      <p:childTnLst>
+                        <p:par>
+                          <p:cTn id="4" fill="hold">
+                            <p:stCondLst>
+                              <p:cond delay="0"/>
+                            </p:stCondLst>
+                            <p:childTnLst>
+                              <p:par>
+                                <p:cTn id="5" presetID="1" presetClass="entr" presetSubtype="0" fill="hold" nodeType="withEffect">
+                                  <p:stCondLst>
+                                    <p:cond delay="0"/>
+                                  </p:stCondLst>
+                                  <p:childTnLst>
+                                    <p:set>
+                                      <p:cBhvr>
+                                        <p:cTn id="6" dur="1" fill="hold">
+                                          <p:stCondLst>
+                                            <p:cond delay="0"/>
+                                          </p:stCondLst>
+                                        </p:cTn>
+                                        <p:tgtEl>
+                                          <p:spTgt spid="8"/>
+                                        </p:tgtEl>
+                                        <p:attrNameLst>
+                                          <p:attrName>style.visibility</p:attrName>
+                                        </p:attrNameLst>
+                                      </p:cBhvr>
+                                      <p:to>
+                                        <p:strVal val="visible"/>
+                                      </p:to>
+                                    </p:set>
+                                  </p:childTnLst>
+                                </p:cTn>
+                              </p:par>
+                            </p:childTnLst>
+                          </p:cTn>
+                        </p:par>
+                      </p:childTnLst>
+                    </p:cTn>
+                  </p:par>
+                </p:childTnLst>
+              </p:cTn>
+              <p:prevCondLst>
+                <p:cond evt="onPrev" delay="0">
+                  <p:tgtEl>
+                    <p:sldTgt/>
+                  </p:tgtEl>
+                </p:cond>
+              </p:prevCondLst>
+              <p:nextCondLst>
+                <p:cond evt="onNext" delay="0">
+                  <p:tgtEl>
+                    <p:sldTgt/>
+                  </p:tgtEl>
+                </p:cond>
+              </p:nextCondLst>
+            </p:seq>
+          </p:childTnLst>
+        </p:cTn>
+      </p:par>
+    </p:tnLst>
+  </p:timing>
+</p:sld>
+</file>
+
+<file path=ppt/slides/slide31.xml><?xml version="1.0" encoding="utf-8"?>
+<p:sld xmlns:a="http://schemas.openxmlformats.org/drawingml/2006/main" xmlns:r="http://schemas.openxmlformats.org/officeDocument/2006/relationships" xmlns:p="http://schemas.openxmlformats.org/presentationml/2006/main">
+  <p:cSld>
+    <p:spTree>
+      <p:nvGrpSpPr>
+        <p:cNvPr id="1" name=""/>
+        <p:cNvGrpSpPr/>
+        <p:nvPr/>
+      </p:nvGrpSpPr>
+      <p:grpSpPr>
+        <a:xfrm>
+          <a:off x="0" y="0"/>
+          <a:ext cx="0" cy="0"/>
+          <a:chOff x="0" y="0"/>
+          <a:chExt cx="0" cy="0"/>
+        </a:xfrm>
+      </p:grpSpPr>
+      <p:sp>
+        <p:nvSpPr>
+          <p:cNvPr id="8193" name="Rectangle 1"/>
+          <p:cNvSpPr>
+            <a:spLocks noGrp="1" noChangeArrowheads="1"/>
+          </p:cNvSpPr>
+          <p:nvPr>
+            <p:ph type="title"/>
+          </p:nvPr>
+        </p:nvSpPr>
+        <p:spPr>
+          <a:xfrm>
+            <a:off x="711200" y="0"/>
+            <a:ext cx="12509500" cy="914400"/>
+          </a:xfrm>
+          <a:ln/>
+        </p:spPr>
+        <p:txBody>
+          <a:bodyPr/>
+          <a:lstStyle/>
+          <a:p>
+            <a:pPr lvl="0"/>
+            <a:r>
+              <a:rPr lang="en-US" sz="5400" dirty="0" smtClean="0">
+                <a:latin typeface="Lucida Handwriting" pitchFamily="66" charset="0"/>
+              </a:rPr>
+              <a:t>     </a:t>
+            </a:r>
+            <a:r>
+              <a:rPr lang="en-US" sz="5400" dirty="0" smtClean="0">
+                <a:latin typeface="Lucida Handwriting" pitchFamily="66" charset="0"/>
+              </a:rPr>
+              <a:t>DSL</a:t>
+            </a:r>
+            <a:endParaRPr lang="en-US" dirty="0"/>
+          </a:p>
+        </p:txBody>
+      </p:sp>
+      <p:sp>
+        <p:nvSpPr>
+          <p:cNvPr id="7" name="Rectangle 6"/>
+          <p:cNvSpPr/>
+          <p:nvPr/>
+        </p:nvSpPr>
+        <p:spPr>
+          <a:xfrm>
+            <a:off x="2870139" y="1295400"/>
+            <a:ext cx="8727069" cy="923330"/>
+          </a:xfrm>
+          <a:prstGeom prst="rect">
+            <a:avLst/>
+          </a:prstGeom>
+        </p:spPr>
+        <p:txBody>
+          <a:bodyPr wrap="none">
+            <a:spAutoFit/>
+          </a:bodyPr>
+          <a:lstStyle/>
+          <a:p>
+            <a:pPr algn="ctr"/>
+            <a:r>
+              <a:rPr lang="en-US" sz="5400" b="1" kern="0" dirty="0" smtClean="0">
+                <a:solidFill>
+                  <a:srgbClr val="00CC66"/>
+                </a:solidFill>
+                <a:latin typeface="Lucida Handwriting" pitchFamily="66" charset="0"/>
+                <a:cs typeface="+mj-cs"/>
+                <a:sym typeface="Arial" charset="0"/>
+              </a:rPr>
+              <a:t>By name  parameters </a:t>
+            </a:r>
+          </a:p>
+        </p:txBody>
+      </p:sp>
+      <p:pic>
+        <p:nvPicPr>
+          <p:cNvPr id="8" name="Picture 10" descr="http://knowledgehub.zeus.com/media/Scala_Logo2008.png"/>
+          <p:cNvPicPr>
+            <a:picLocks noChangeAspect="1" noChangeArrowheads="1"/>
+          </p:cNvPicPr>
+          <p:nvPr/>
+        </p:nvPicPr>
+        <p:blipFill>
+          <a:blip r:embed="rId3"/>
+          <a:srcRect/>
+          <a:stretch>
+            <a:fillRect/>
+          </a:stretch>
+        </p:blipFill>
+        <p:spPr bwMode="auto">
+          <a:xfrm>
+            <a:off x="4140200" y="76200"/>
+            <a:ext cx="2279542" cy="679257"/>
+          </a:xfrm>
+          <a:prstGeom prst="rect">
+            <a:avLst/>
+          </a:prstGeom>
+          <a:noFill/>
+        </p:spPr>
+      </p:pic>
+      <p:sp>
+        <p:nvSpPr>
+          <p:cNvPr id="11" name="Rectangle 10"/>
+          <p:cNvSpPr/>
+          <p:nvPr/>
+        </p:nvSpPr>
+        <p:spPr>
+          <a:xfrm>
+            <a:off x="254000" y="3048000"/>
+            <a:ext cx="12674600" cy="5509200"/>
+          </a:xfrm>
+          <a:prstGeom prst="rect">
+            <a:avLst/>
+          </a:prstGeom>
+          <a:solidFill>
+            <a:schemeClr val="bg1"/>
+          </a:solidFill>
+          <a:ln>
+            <a:solidFill>
+              <a:schemeClr val="tx1"/>
+            </a:solidFill>
+            <a:prstDash val="dash"/>
+          </a:ln>
+        </p:spPr>
+        <p:txBody>
+          <a:bodyPr wrap="square">
+            <a:spAutoFit/>
+          </a:bodyPr>
+          <a:lstStyle/>
+          <a:p>
+            <a:r>
+              <a:rPr lang="en-US" sz="3200" b="1" dirty="0" smtClean="0">
+                <a:solidFill>
+                  <a:srgbClr val="7F0055"/>
+                </a:solidFill>
+                <a:latin typeface="Courier New"/>
+              </a:rPr>
+              <a:t>implicit</a:t>
+            </a:r>
+            <a:r>
+              <a:rPr lang="en-US" sz="3200" b="1" dirty="0" smtClean="0">
+                <a:latin typeface="Courier New"/>
+              </a:rPr>
+              <a:t> </a:t>
+            </a:r>
+            <a:r>
+              <a:rPr lang="en-US" sz="3200" b="1" dirty="0" smtClean="0">
+                <a:solidFill>
+                  <a:srgbClr val="7F0055"/>
+                </a:solidFill>
+                <a:latin typeface="Courier New"/>
+              </a:rPr>
+              <a:t>def</a:t>
+            </a:r>
+            <a:r>
+              <a:rPr lang="en-US" sz="3200" b="1" dirty="0" smtClean="0">
+                <a:latin typeface="Courier New"/>
+              </a:rPr>
+              <a:t> </a:t>
+            </a:r>
+            <a:r>
+              <a:rPr lang="en-US" sz="3200" b="1" dirty="0" err="1" smtClean="0">
+                <a:latin typeface="Courier New"/>
+              </a:rPr>
+              <a:t>toLazyParameter</a:t>
+            </a:r>
+            <a:r>
+              <a:rPr lang="en-US" sz="3200" b="1" dirty="0" smtClean="0">
+                <a:latin typeface="Courier New"/>
+              </a:rPr>
+              <a:t>[T](value: =&gt;T</a:t>
+            </a:r>
+            <a:r>
+              <a:rPr lang="en-US" sz="3200" b="1" dirty="0" smtClean="0">
+                <a:latin typeface="Courier New"/>
+              </a:rPr>
+              <a:t>): … </a:t>
+            </a:r>
+            <a:r>
+              <a:rPr lang="en-US" sz="3200" b="1" dirty="0" smtClean="0">
+                <a:latin typeface="Courier New"/>
+              </a:rPr>
+              <a:t>= </a:t>
+            </a:r>
+            <a:r>
+              <a:rPr lang="en-US" sz="3200" b="1" dirty="0" smtClean="0">
+                <a:latin typeface="Courier New"/>
+              </a:rPr>
+              <a:t>   </a:t>
+            </a:r>
+          </a:p>
+          <a:p>
+            <a:r>
+              <a:rPr lang="en-US" sz="3200" b="1" dirty="0" smtClean="0">
+                <a:solidFill>
+                  <a:srgbClr val="7F0055"/>
+                </a:solidFill>
+                <a:latin typeface="Courier New"/>
+              </a:rPr>
+              <a:t> </a:t>
+            </a:r>
+            <a:r>
+              <a:rPr lang="en-US" sz="3200" b="1" dirty="0" smtClean="0">
+                <a:solidFill>
+                  <a:srgbClr val="7F0055"/>
+                </a:solidFill>
+                <a:latin typeface="Courier New"/>
+              </a:rPr>
+              <a:t>            new</a:t>
+            </a:r>
+            <a:r>
+              <a:rPr lang="en-US" sz="3200" b="1" dirty="0" smtClean="0">
+                <a:latin typeface="Courier New"/>
+              </a:rPr>
+              <a:t> </a:t>
+            </a:r>
+            <a:r>
+              <a:rPr lang="en-US" sz="3200" b="1" dirty="0" err="1" smtClean="0">
+                <a:latin typeface="Courier New"/>
+              </a:rPr>
+              <a:t>LazyParameter</a:t>
+            </a:r>
+            <a:r>
+              <a:rPr lang="en-US" sz="3200" b="1" dirty="0" smtClean="0">
+                <a:latin typeface="Courier New"/>
+              </a:rPr>
+              <a:t>(() =&gt; value)</a:t>
+            </a:r>
+          </a:p>
+          <a:p>
+            <a:endParaRPr lang="en-US" sz="3200" dirty="0" smtClean="0">
+              <a:latin typeface="Courier New"/>
+            </a:endParaRPr>
+          </a:p>
+          <a:p>
+            <a:r>
+              <a:rPr lang="en-US" sz="3200" b="1" dirty="0" smtClean="0">
+                <a:solidFill>
+                  <a:srgbClr val="7F0055"/>
+                </a:solidFill>
+                <a:latin typeface="Courier New"/>
+              </a:rPr>
+              <a:t>class</a:t>
+            </a:r>
+            <a:r>
+              <a:rPr lang="en-US" sz="3200" b="1" dirty="0" smtClean="0">
+                <a:latin typeface="Courier New"/>
+              </a:rPr>
+              <a:t> </a:t>
+            </a:r>
+            <a:r>
+              <a:rPr lang="en-US" sz="3200" b="1" dirty="0" err="1" smtClean="0">
+                <a:latin typeface="Courier New"/>
+              </a:rPr>
+              <a:t>LazyParameter</a:t>
+            </a:r>
+            <a:r>
+              <a:rPr lang="en-US" sz="3200" b="1" dirty="0" smtClean="0">
+                <a:latin typeface="Courier New"/>
+              </a:rPr>
+              <a:t>[T](value</a:t>
+            </a:r>
+            <a:r>
+              <a:rPr lang="en-US" sz="3200" b="1" dirty="0" smtClean="0">
+                <a:latin typeface="Courier New"/>
+              </a:rPr>
+              <a:t>: () =&gt; T</a:t>
+            </a:r>
+            <a:r>
+              <a:rPr lang="en-US" sz="3200" b="1" dirty="0" smtClean="0">
+                <a:latin typeface="Courier New"/>
+              </a:rPr>
+              <a:t>) {</a:t>
+            </a:r>
+          </a:p>
+          <a:p>
+            <a:r>
+              <a:rPr lang="en-US" sz="3200" dirty="0" smtClean="0">
+                <a:latin typeface="Courier New"/>
+              </a:rPr>
+              <a:t>  </a:t>
+            </a:r>
+            <a:r>
+              <a:rPr lang="en-US" sz="3200" b="1" dirty="0" smtClean="0">
+                <a:solidFill>
+                  <a:srgbClr val="7F0055"/>
+                </a:solidFill>
+                <a:latin typeface="Courier New"/>
+              </a:rPr>
+              <a:t>lazy</a:t>
+            </a:r>
+            <a:r>
+              <a:rPr lang="en-US" sz="3200" b="1" dirty="0" smtClean="0">
+                <a:latin typeface="Courier New"/>
+              </a:rPr>
+              <a:t> </a:t>
+            </a:r>
+            <a:r>
+              <a:rPr lang="en-US" sz="3200" b="1" dirty="0" err="1" smtClean="0">
+                <a:solidFill>
+                  <a:srgbClr val="7F0055"/>
+                </a:solidFill>
+                <a:latin typeface="Courier New"/>
+              </a:rPr>
+              <a:t>val</a:t>
+            </a:r>
+            <a:r>
+              <a:rPr lang="en-US" sz="3200" b="1" dirty="0" smtClean="0">
+                <a:latin typeface="Courier New"/>
+              </a:rPr>
+              <a:t> v = value()</a:t>
+            </a:r>
+          </a:p>
+          <a:p>
+            <a:r>
+              <a:rPr lang="en-US" sz="3200" dirty="0" smtClean="0">
+                <a:latin typeface="Courier New"/>
+              </a:rPr>
+              <a:t>  </a:t>
+            </a:r>
+            <a:r>
+              <a:rPr lang="en-US" sz="3200" b="1" dirty="0" smtClean="0">
+                <a:solidFill>
+                  <a:srgbClr val="7F0055"/>
+                </a:solidFill>
+                <a:latin typeface="Courier New"/>
+              </a:rPr>
+              <a:t>def</a:t>
+            </a:r>
+            <a:r>
+              <a:rPr lang="en-US" sz="3200" b="1" dirty="0" smtClean="0">
+                <a:latin typeface="Courier New"/>
+              </a:rPr>
+              <a:t> apply() = v</a:t>
+            </a:r>
+          </a:p>
+          <a:p>
+            <a:r>
+              <a:rPr lang="en-US" sz="3200" dirty="0" smtClean="0">
+                <a:latin typeface="Courier New"/>
+              </a:rPr>
+              <a:t>}</a:t>
+            </a:r>
+          </a:p>
+          <a:p>
+            <a:r>
+              <a:rPr lang="en-US" sz="3200" b="1" dirty="0" smtClean="0">
+                <a:solidFill>
+                  <a:srgbClr val="7F0055"/>
+                </a:solidFill>
+                <a:latin typeface="Courier New"/>
+              </a:rPr>
+              <a:t>def</a:t>
+            </a:r>
+            <a:r>
+              <a:rPr lang="en-US" sz="3200" b="1" dirty="0" smtClean="0">
+                <a:latin typeface="Courier New"/>
+              </a:rPr>
+              <a:t> method[T](</a:t>
+            </a:r>
+            <a:r>
+              <a:rPr lang="en-US" sz="3200" b="1" dirty="0" err="1" smtClean="0">
+                <a:latin typeface="Courier New"/>
+              </a:rPr>
+              <a:t>params</a:t>
+            </a:r>
+            <a:r>
+              <a:rPr lang="en-US" sz="3200" b="1" dirty="0" smtClean="0">
+                <a:latin typeface="Courier New"/>
+              </a:rPr>
+              <a:t>: </a:t>
+            </a:r>
+            <a:r>
+              <a:rPr lang="en-US" sz="3200" b="1" dirty="0" err="1" smtClean="0">
+                <a:latin typeface="Courier New"/>
+              </a:rPr>
+              <a:t>LazyParameter</a:t>
+            </a:r>
+            <a:r>
+              <a:rPr lang="en-US" sz="3200" b="1" dirty="0" smtClean="0">
+                <a:latin typeface="Courier New"/>
+              </a:rPr>
+              <a:t>[T</a:t>
+            </a:r>
+            <a:r>
+              <a:rPr lang="en-US" sz="3200" b="1" dirty="0" smtClean="0">
+                <a:latin typeface="Courier New"/>
+              </a:rPr>
+              <a:t>]*) </a:t>
+            </a:r>
+            <a:r>
+              <a:rPr lang="en-US" sz="3200" b="1" dirty="0" smtClean="0">
+                <a:latin typeface="Courier New"/>
+              </a:rPr>
+              <a:t>= </a:t>
+            </a:r>
+            <a:r>
+              <a:rPr lang="en-US" sz="3200" b="1" dirty="0" smtClean="0">
+                <a:latin typeface="Courier New"/>
+              </a:rPr>
+              <a:t>    </a:t>
+            </a:r>
+          </a:p>
+          <a:p>
+            <a:r>
+              <a:rPr lang="en-US" sz="3200" b="1" dirty="0" smtClean="0">
+                <a:latin typeface="Courier New"/>
+              </a:rPr>
+              <a:t> </a:t>
+            </a:r>
+            <a:r>
+              <a:rPr lang="en-US" sz="3200" b="1" dirty="0" smtClean="0">
+                <a:latin typeface="Courier New"/>
+              </a:rPr>
+              <a:t>                               </a:t>
+            </a:r>
+            <a:r>
+              <a:rPr lang="en-US" sz="3200" b="1" dirty="0" err="1" smtClean="0">
+                <a:latin typeface="Courier New"/>
+              </a:rPr>
+              <a:t>params.toStream</a:t>
+            </a:r>
+            <a:endParaRPr lang="en-US" sz="3200" b="1" dirty="0" smtClean="0">
+              <a:latin typeface="Courier New"/>
+            </a:endParaRPr>
+          </a:p>
+          <a:p>
+            <a:endParaRPr lang="en-US" sz="3200" dirty="0" smtClean="0">
+              <a:latin typeface="Courier New"/>
+            </a:endParaRPr>
+          </a:p>
+          <a:p>
+            <a:r>
+              <a:rPr lang="en-US" sz="3200" dirty="0" smtClean="0">
+                <a:latin typeface="Courier New"/>
+              </a:rPr>
+              <a:t>method(1</a:t>
+            </a:r>
+            <a:r>
+              <a:rPr lang="en-US" sz="3200" dirty="0" smtClean="0">
+                <a:latin typeface="Courier New"/>
+              </a:rPr>
+              <a:t>., 2., </a:t>
+            </a:r>
+            <a:r>
+              <a:rPr lang="en-US" sz="3200" dirty="0" err="1" smtClean="0">
+                <a:latin typeface="Courier New"/>
+              </a:rPr>
+              <a:t>math.pow</a:t>
+            </a:r>
+            <a:r>
+              <a:rPr lang="en-US" sz="3200" dirty="0" smtClean="0">
+                <a:latin typeface="Courier New"/>
+              </a:rPr>
+              <a:t>(100, 100))</a:t>
+            </a:r>
+            <a:endParaRPr lang="en-US" sz="3200" dirty="0" smtClean="0">
+              <a:latin typeface="Courier New"/>
+            </a:endParaRPr>
+          </a:p>
+        </p:txBody>
+      </p:sp>
+      <p:pic>
+        <p:nvPicPr>
+          <p:cNvPr id="70662" name="Picture 6" descr="magic, wizard icon"/>
+          <p:cNvPicPr>
+            <a:picLocks noChangeAspect="1" noChangeArrowheads="1"/>
+          </p:cNvPicPr>
+          <p:nvPr/>
+        </p:nvPicPr>
+        <p:blipFill>
+          <a:blip r:embed="rId4"/>
+          <a:srcRect/>
+          <a:stretch>
+            <a:fillRect/>
+          </a:stretch>
+        </p:blipFill>
+        <p:spPr bwMode="auto">
+          <a:xfrm>
+            <a:off x="635000" y="1143000"/>
+            <a:ext cx="1295400" cy="1295401"/>
+          </a:xfrm>
+          <a:prstGeom prst="rect">
+            <a:avLst/>
+          </a:prstGeom>
+          <a:noFill/>
+        </p:spPr>
+      </p:pic>
+      <p:sp>
+        <p:nvSpPr>
+          <p:cNvPr id="9" name="Rectangle 1"/>
+          <p:cNvSpPr txBox="1">
+            <a:spLocks noChangeArrowheads="1"/>
+          </p:cNvSpPr>
+          <p:nvPr/>
+        </p:nvSpPr>
+        <p:spPr bwMode="auto">
+          <a:xfrm>
+            <a:off x="6654800" y="2209800"/>
+            <a:ext cx="4876800" cy="685800"/>
+          </a:xfrm>
+          <a:prstGeom prst="rect">
+            <a:avLst/>
+          </a:prstGeom>
+          <a:noFill/>
+          <a:ln w="12700">
+            <a:noFill/>
+            <a:miter lim="800000"/>
+            <a:headEnd/>
+            <a:tailEnd/>
+          </a:ln>
+          <a:effectLst/>
+        </p:spPr>
+        <p:txBody>
+          <a:bodyPr vert="horz" wrap="square" lIns="50800" tIns="50800" rIns="50800" bIns="50800" numCol="1" anchor="ctr" anchorCtr="0" compatLnSpc="1">
+            <a:prstTxWarp prst="textNoShape">
+              <a:avLst/>
+            </a:prstTxWarp>
+          </a:bodyPr>
+          <a:lstStyle/>
+          <a:p>
+            <a:pPr lvl="0" algn="r"/>
+            <a:r>
+              <a:rPr kumimoji="0" lang="en-US" sz="4400" b="1" i="0" u="none" strike="noStrike" kern="0" cap="none" spc="0" normalizeH="0" baseline="0" noProof="0" dirty="0" smtClean="0">
+                <a:ln>
+                  <a:noFill/>
+                </a:ln>
+                <a:solidFill>
+                  <a:srgbClr val="FF0000"/>
+                </a:solidFill>
+                <a:effectLst/>
+                <a:uLnTx/>
+                <a:uFillTx/>
+                <a:latin typeface="Candara" pitchFamily="34" charset="0"/>
+                <a:ea typeface="+mj-ea"/>
+                <a:cs typeface="+mj-cs"/>
+                <a:sym typeface="Wingdings"/>
+              </a:rPr>
+              <a:t></a:t>
+            </a:r>
+            <a:r>
+              <a:rPr kumimoji="0" lang="en-US" sz="4400" b="1" i="0" u="none" strike="noStrike" kern="0" cap="none" spc="0" normalizeH="0" baseline="0" noProof="0" dirty="0" smtClean="0">
+                <a:ln>
+                  <a:noFill/>
+                </a:ln>
+                <a:solidFill>
+                  <a:srgbClr val="FF0000"/>
+                </a:solidFill>
+                <a:effectLst/>
+                <a:uLnTx/>
+                <a:uFillTx/>
+                <a:latin typeface="Candara" pitchFamily="34" charset="0"/>
+                <a:ea typeface="+mj-ea"/>
+                <a:cs typeface="+mj-cs"/>
+                <a:sym typeface="Arial" charset="0"/>
+              </a:rPr>
+              <a:t> With </a:t>
+            </a:r>
+            <a:r>
+              <a:rPr kumimoji="0" lang="en-US" sz="4400" b="1" i="0" u="none" strike="noStrike" kern="0" cap="none" spc="0" normalizeH="0" baseline="0" noProof="0" dirty="0" err="1" smtClean="0">
+                <a:ln>
+                  <a:noFill/>
+                </a:ln>
+                <a:solidFill>
+                  <a:srgbClr val="FF0000"/>
+                </a:solidFill>
+                <a:effectLst/>
+                <a:uLnTx/>
+                <a:uFillTx/>
+                <a:latin typeface="Candara" pitchFamily="34" charset="0"/>
+                <a:ea typeface="+mj-ea"/>
+                <a:cs typeface="+mj-cs"/>
+                <a:sym typeface="Arial" charset="0"/>
+              </a:rPr>
+              <a:t>varags</a:t>
+            </a:r>
+            <a:r>
+              <a:rPr kumimoji="0" lang="en-US" sz="4400" b="1" i="0" u="none" strike="noStrike" kern="0" cap="none" spc="0" normalizeH="0" baseline="0" noProof="0" dirty="0" smtClean="0">
+                <a:ln>
+                  <a:noFill/>
+                </a:ln>
+                <a:solidFill>
+                  <a:srgbClr val="FF0000"/>
+                </a:solidFill>
+                <a:effectLst/>
+                <a:uLnTx/>
+                <a:uFillTx/>
+                <a:latin typeface="Candara" pitchFamily="34" charset="0"/>
+                <a:ea typeface="+mj-ea"/>
+                <a:cs typeface="+mj-cs"/>
+                <a:sym typeface="Arial" charset="0"/>
+              </a:rPr>
+              <a:t>!</a:t>
+            </a:r>
+            <a:endParaRPr kumimoji="0" lang="en-US" sz="4400" b="1" i="0" u="none" strike="noStrike" kern="0" cap="none" spc="0" normalizeH="0" baseline="0" noProof="0" dirty="0">
+              <a:ln>
+                <a:noFill/>
+              </a:ln>
+              <a:solidFill>
+                <a:srgbClr val="E75145"/>
+              </a:solidFill>
+              <a:effectLst/>
+              <a:uLnTx/>
+              <a:uFillTx/>
+              <a:latin typeface="Candara" pitchFamily="34" charset="0"/>
+              <a:ea typeface="+mj-ea"/>
+              <a:cs typeface="+mj-cs"/>
+              <a:sym typeface="Arial" charset="0"/>
+            </a:endParaRPr>
+          </a:p>
+        </p:txBody>
+      </p:sp>
+    </p:spTree>
+  </p:cSld>
+  <p:clrMapOvr>
+    <a:masterClrMapping/>
+  </p:clrMapOvr>
+  <p:transition>
+    <p:fade/>
+  </p:transition>
+  <p:timing>
+    <p:tnLst>
+      <p:par>
+        <p:cTn id="1" dur="indefinite" restart="never" nodeType="tmRoot">
+          <p:childTnLst>
+            <p:seq concurrent="1" nextAc="seek">
+              <p:cTn id="2" dur="indefinite" nodeType="mainSeq">
+                <p:childTnLst>
+                  <p:par>
+                    <p:cTn id="3" fill="hold">
+                      <p:stCondLst>
+                        <p:cond delay="indefinite"/>
+                        <p:cond evt="onBegin" delay="0">
+                          <p:tn val="2"/>
+                        </p:cond>
+                      </p:stCondLst>
+                      <p:childTnLst>
+                        <p:par>
+                          <p:cTn id="4" fill="hold">
+                            <p:stCondLst>
+                              <p:cond delay="0"/>
+                            </p:stCondLst>
+                            <p:childTnLst>
+                              <p:par>
+                                <p:cTn id="5" presetID="1" presetClass="entr" presetSubtype="0" fill="hold" nodeType="withEffect">
+                                  <p:stCondLst>
+                                    <p:cond delay="0"/>
+                                  </p:stCondLst>
+                                  <p:childTnLst>
+                                    <p:set>
+                                      <p:cBhvr>
+                                        <p:cTn id="6" dur="1" fill="hold">
+                                          <p:stCondLst>
+                                            <p:cond delay="0"/>
+                                          </p:stCondLst>
+                                        </p:cTn>
+                                        <p:tgtEl>
+                                          <p:spTgt spid="8"/>
+                                        </p:tgtEl>
+                                        <p:attrNameLst>
+                                          <p:attrName>style.visibility</p:attrName>
+                                        </p:attrNameLst>
+                                      </p:cBhvr>
+                                      <p:to>
+                                        <p:strVal val="visible"/>
+                                      </p:to>
+                                    </p:set>
+                                  </p:childTnLst>
+                                </p:cTn>
+                              </p:par>
+                            </p:childTnLst>
+                          </p:cTn>
+                        </p:par>
+                      </p:childTnLst>
+                    </p:cTn>
+                  </p:par>
+                </p:childTnLst>
+              </p:cTn>
+              <p:prevCondLst>
+                <p:cond evt="onPrev" delay="0">
+                  <p:tgtEl>
+                    <p:sldTgt/>
+                  </p:tgtEl>
+                </p:cond>
+              </p:prevCondLst>
+              <p:nextCondLst>
+                <p:cond evt="onNext" delay="0">
+                  <p:tgtEl>
+                    <p:sldTgt/>
+                  </p:tgtEl>
+                </p:cond>
+              </p:nextCondLst>
+            </p:seq>
+          </p:childTnLst>
+        </p:cTn>
+      </p:par>
+    </p:tnLst>
+  </p:timing>
+</p:sld>
+</file>
+
+<file path=ppt/slides/slide32.xml><?xml version="1.0" encoding="utf-8"?>
+<p:sld xmlns:a="http://schemas.openxmlformats.org/drawingml/2006/main" xmlns:r="http://schemas.openxmlformats.org/officeDocument/2006/relationships" xmlns:p="http://schemas.openxmlformats.org/presentationml/2006/main">
+  <p:cSld>
+    <p:spTree>
+      <p:nvGrpSpPr>
+        <p:cNvPr id="1" name=""/>
+        <p:cNvGrpSpPr/>
+        <p:nvPr/>
+      </p:nvGrpSpPr>
+      <p:grpSpPr>
+        <a:xfrm>
+          <a:off x="0" y="0"/>
+          <a:ext cx="0" cy="0"/>
+          <a:chOff x="0" y="0"/>
+          <a:chExt cx="0" cy="0"/>
+        </a:xfrm>
+      </p:grpSpPr>
+      <p:sp>
+        <p:nvSpPr>
+          <p:cNvPr id="8193" name="Rectangle 1"/>
+          <p:cNvSpPr>
+            <a:spLocks noGrp="1" noChangeArrowheads="1"/>
+          </p:cNvSpPr>
+          <p:nvPr>
+            <p:ph type="title"/>
+          </p:nvPr>
+        </p:nvSpPr>
+        <p:spPr>
+          <a:xfrm>
+            <a:off x="711200" y="0"/>
+            <a:ext cx="12509500" cy="914400"/>
+          </a:xfrm>
+          <a:ln/>
+        </p:spPr>
+        <p:txBody>
+          <a:bodyPr/>
+          <a:lstStyle/>
+          <a:p>
+            <a:pPr lvl="0"/>
+            <a:r>
+              <a:rPr lang="en-US" sz="5400" dirty="0" smtClean="0">
+                <a:latin typeface="Lucida Handwriting" pitchFamily="66" charset="0"/>
+              </a:rPr>
+              <a:t>     </a:t>
+            </a:r>
+            <a:r>
+              <a:rPr lang="en-US" sz="5400" dirty="0" smtClean="0">
+                <a:latin typeface="Lucida Handwriting" pitchFamily="66" charset="0"/>
+              </a:rPr>
+              <a:t>DSL</a:t>
+            </a:r>
+            <a:endParaRPr lang="en-US" dirty="0"/>
+          </a:p>
+        </p:txBody>
+      </p:sp>
+      <p:sp>
+        <p:nvSpPr>
+          <p:cNvPr id="7" name="Rectangle 6"/>
+          <p:cNvSpPr/>
+          <p:nvPr/>
+        </p:nvSpPr>
+        <p:spPr>
+          <a:xfrm>
+            <a:off x="4872690" y="1286470"/>
+            <a:ext cx="5973110" cy="923330"/>
+          </a:xfrm>
+          <a:prstGeom prst="rect">
+            <a:avLst/>
+          </a:prstGeom>
+        </p:spPr>
+        <p:txBody>
+          <a:bodyPr wrap="none">
+            <a:spAutoFit/>
+          </a:bodyPr>
+          <a:lstStyle/>
+          <a:p>
+            <a:pPr algn="ctr"/>
+            <a:r>
+              <a:rPr lang="en-US" sz="5400" b="1" kern="0" dirty="0" smtClean="0">
+                <a:solidFill>
+                  <a:srgbClr val="00CC66"/>
+                </a:solidFill>
+                <a:latin typeface="Lucida Handwriting" pitchFamily="66" charset="0"/>
+                <a:cs typeface="+mj-cs"/>
+                <a:sym typeface="Arial" charset="0"/>
+              </a:rPr>
+              <a:t>Some examples</a:t>
+            </a:r>
+          </a:p>
+        </p:txBody>
+      </p:sp>
+      <p:pic>
+        <p:nvPicPr>
+          <p:cNvPr id="8" name="Picture 10" descr="http://knowledgehub.zeus.com/media/Scala_Logo2008.png"/>
+          <p:cNvPicPr>
+            <a:picLocks noChangeAspect="1" noChangeArrowheads="1"/>
+          </p:cNvPicPr>
+          <p:nvPr/>
+        </p:nvPicPr>
+        <p:blipFill>
+          <a:blip r:embed="rId3"/>
+          <a:srcRect/>
+          <a:stretch>
+            <a:fillRect/>
+          </a:stretch>
+        </p:blipFill>
+        <p:spPr bwMode="auto">
+          <a:xfrm>
+            <a:off x="4140200" y="76200"/>
+            <a:ext cx="2279542" cy="679257"/>
+          </a:xfrm>
+          <a:prstGeom prst="rect">
+            <a:avLst/>
+          </a:prstGeom>
+          <a:noFill/>
+        </p:spPr>
+      </p:pic>
+      <p:sp>
+        <p:nvSpPr>
+          <p:cNvPr id="11" name="Rectangle 10"/>
+          <p:cNvSpPr/>
+          <p:nvPr/>
+        </p:nvSpPr>
+        <p:spPr>
+          <a:xfrm>
+            <a:off x="330200" y="3200400"/>
+            <a:ext cx="12344400" cy="3539430"/>
+          </a:xfrm>
+          <a:prstGeom prst="rect">
+            <a:avLst/>
+          </a:prstGeom>
+          <a:solidFill>
+            <a:schemeClr val="bg1"/>
+          </a:solidFill>
+          <a:ln>
+            <a:solidFill>
+              <a:schemeClr val="tx1"/>
+            </a:solidFill>
+            <a:prstDash val="dash"/>
+          </a:ln>
+        </p:spPr>
+        <p:txBody>
+          <a:bodyPr wrap="square">
+            <a:spAutoFit/>
+          </a:bodyPr>
+          <a:lstStyle/>
+          <a:p>
+            <a:r>
+              <a:rPr lang="en-US" sz="3200" dirty="0" smtClean="0">
+                <a:solidFill>
+                  <a:srgbClr val="2A00FF"/>
+                </a:solidFill>
+                <a:latin typeface="Courier New"/>
+              </a:rPr>
+              <a:t>"This is true"</a:t>
+            </a:r>
+            <a:r>
+              <a:rPr lang="en-US" sz="3200" dirty="0" smtClean="0">
+                <a:latin typeface="Courier New"/>
+              </a:rPr>
+              <a:t> in { </a:t>
+            </a:r>
+            <a:r>
+              <a:rPr lang="en-US" sz="3200" b="1" dirty="0" smtClean="0">
+                <a:solidFill>
+                  <a:srgbClr val="7F0055"/>
+                </a:solidFill>
+                <a:latin typeface="Courier New"/>
+              </a:rPr>
+              <a:t>true</a:t>
+            </a:r>
+            <a:r>
+              <a:rPr lang="en-US" sz="3200" b="1" dirty="0" smtClean="0">
+                <a:latin typeface="Courier New"/>
+              </a:rPr>
+              <a:t> must </a:t>
+            </a:r>
+            <a:r>
+              <a:rPr lang="en-US" sz="3200" b="1" dirty="0" err="1" smtClean="0">
+                <a:latin typeface="Courier New"/>
+              </a:rPr>
+              <a:t>beTrue</a:t>
+            </a:r>
+            <a:r>
+              <a:rPr lang="en-US" sz="3200" b="1" dirty="0" smtClean="0">
+                <a:latin typeface="Courier New"/>
+              </a:rPr>
+              <a:t> }</a:t>
+            </a:r>
+          </a:p>
+          <a:p>
+            <a:r>
+              <a:rPr lang="en-US" sz="3200" dirty="0" smtClean="0">
+                <a:latin typeface="Courier New"/>
+              </a:rPr>
+              <a:t>3.Seconds</a:t>
+            </a:r>
+            <a:endParaRPr lang="en-US" sz="3200" dirty="0" smtClean="0">
+              <a:latin typeface="Courier New"/>
+            </a:endParaRPr>
+          </a:p>
+          <a:p>
+            <a:r>
+              <a:rPr lang="en-US" sz="3200" dirty="0" smtClean="0">
+                <a:latin typeface="Courier New"/>
+              </a:rPr>
+              <a:t>3 </a:t>
+            </a:r>
+            <a:r>
+              <a:rPr lang="en-US" sz="3200" dirty="0" smtClean="0">
+                <a:latin typeface="Courier New"/>
+              </a:rPr>
+              <a:t>seconds</a:t>
+            </a:r>
+          </a:p>
+          <a:p>
+            <a:r>
+              <a:rPr lang="en-US" sz="3200" dirty="0" smtClean="0">
+                <a:latin typeface="Courier New"/>
+              </a:rPr>
+              <a:t>3 </a:t>
+            </a:r>
+            <a:r>
+              <a:rPr lang="en-US" sz="3200" dirty="0" smtClean="0">
+                <a:latin typeface="Courier New"/>
+              </a:rPr>
+              <a:t>times { </a:t>
+            </a:r>
+            <a:r>
+              <a:rPr lang="en-US" sz="3200" dirty="0" err="1" smtClean="0">
+                <a:latin typeface="Courier New"/>
+              </a:rPr>
+              <a:t>i</a:t>
+            </a:r>
+            <a:r>
+              <a:rPr lang="en-US" sz="3200" dirty="0" smtClean="0">
+                <a:latin typeface="Courier New"/>
+              </a:rPr>
+              <a:t> =&gt; </a:t>
+            </a:r>
+            <a:r>
+              <a:rPr lang="en-US" sz="3200" dirty="0" err="1" smtClean="0">
+                <a:latin typeface="Courier New"/>
+              </a:rPr>
+              <a:t>println</a:t>
+            </a:r>
+            <a:r>
+              <a:rPr lang="en-US" sz="3200" dirty="0" smtClean="0">
+                <a:latin typeface="Courier New"/>
+              </a:rPr>
+              <a:t>(</a:t>
+            </a:r>
+            <a:r>
+              <a:rPr lang="en-US" sz="3200" dirty="0" err="1" smtClean="0">
+                <a:latin typeface="Courier New"/>
+              </a:rPr>
+              <a:t>i</a:t>
+            </a:r>
+            <a:r>
+              <a:rPr lang="en-US" sz="3200" dirty="0" smtClean="0">
+                <a:latin typeface="Courier New"/>
+              </a:rPr>
+              <a:t>) }</a:t>
+            </a:r>
+          </a:p>
+          <a:p>
+            <a:r>
+              <a:rPr lang="en-US" sz="3200" dirty="0" smtClean="0">
+                <a:latin typeface="Courier New"/>
+              </a:rPr>
+              <a:t>  </a:t>
+            </a:r>
+          </a:p>
+          <a:p>
+            <a:r>
+              <a:rPr lang="en-US" sz="3200" dirty="0" smtClean="0">
+                <a:latin typeface="Courier New"/>
+              </a:rPr>
+              <a:t>3.pp </a:t>
+            </a:r>
+            <a:r>
+              <a:rPr lang="en-US" sz="3200" dirty="0" smtClean="0">
+                <a:latin typeface="Courier New"/>
+              </a:rPr>
+              <a:t>+ 1 </a:t>
+            </a:r>
+            <a:r>
+              <a:rPr lang="en-US" sz="3200" dirty="0" smtClean="0">
+                <a:solidFill>
+                  <a:srgbClr val="3F7F5F"/>
+                </a:solidFill>
+                <a:latin typeface="Courier New"/>
+              </a:rPr>
+              <a:t>// print and pass</a:t>
+            </a:r>
+          </a:p>
+          <a:p>
+            <a:r>
+              <a:rPr lang="en-US" sz="3200" dirty="0" smtClean="0">
+                <a:latin typeface="Courier New"/>
+              </a:rPr>
+              <a:t>1 </a:t>
+            </a:r>
+            <a:r>
+              <a:rPr lang="en-US" sz="3200" dirty="0" smtClean="0">
+                <a:latin typeface="Courier New"/>
+              </a:rPr>
+              <a:t>aka </a:t>
+            </a:r>
+            <a:r>
+              <a:rPr lang="en-US" sz="3200" dirty="0" smtClean="0">
+                <a:solidFill>
+                  <a:srgbClr val="2A00FF"/>
+                </a:solidFill>
+                <a:latin typeface="Courier New"/>
+              </a:rPr>
+              <a:t>"The number one"</a:t>
+            </a:r>
+            <a:r>
+              <a:rPr lang="en-US" sz="3200" dirty="0" smtClean="0">
+                <a:latin typeface="Courier New"/>
+              </a:rPr>
+              <a:t> must_== 1</a:t>
+            </a:r>
+            <a:endParaRPr lang="en-US" sz="3200" b="1" dirty="0" smtClean="0">
+              <a:solidFill>
+                <a:srgbClr val="7F0055"/>
+              </a:solidFill>
+              <a:latin typeface="Courier New"/>
+            </a:endParaRPr>
+          </a:p>
+        </p:txBody>
+      </p:sp>
+      <p:pic>
+        <p:nvPicPr>
+          <p:cNvPr id="74758" name="Picture 6" descr="film, film roll, media, picture, video icon"/>
+          <p:cNvPicPr>
+            <a:picLocks noChangeAspect="1" noChangeArrowheads="1"/>
+          </p:cNvPicPr>
+          <p:nvPr/>
+        </p:nvPicPr>
+        <p:blipFill>
+          <a:blip r:embed="rId4"/>
+          <a:srcRect b="25000"/>
+          <a:stretch>
+            <a:fillRect/>
+          </a:stretch>
+        </p:blipFill>
+        <p:spPr bwMode="auto">
+          <a:xfrm>
+            <a:off x="863600" y="1066800"/>
+            <a:ext cx="1828800" cy="1371600"/>
+          </a:xfrm>
+          <a:prstGeom prst="rect">
+            <a:avLst/>
+          </a:prstGeom>
+          <a:noFill/>
+        </p:spPr>
+      </p:pic>
+    </p:spTree>
+  </p:cSld>
+  <p:clrMapOvr>
+    <a:masterClrMapping/>
+  </p:clrMapOvr>
+  <p:transition>
+    <p:fade/>
+  </p:transition>
+  <p:timing>
+    <p:tnLst>
+      <p:par>
+        <p:cTn id="1" dur="indefinite" restart="never" nodeType="tmRoot">
+          <p:childTnLst>
+            <p:seq concurrent="1" nextAc="seek">
+              <p:cTn id="2" dur="indefinite" nodeType="mainSeq">
+                <p:childTnLst>
+                  <p:par>
+                    <p:cTn id="3" fill="hold">
+                      <p:stCondLst>
+                        <p:cond delay="indefinite"/>
+                        <p:cond evt="onBegin" delay="0">
+                          <p:tn val="2"/>
+                        </p:cond>
+                      </p:stCondLst>
+                      <p:childTnLst>
+                        <p:par>
+                          <p:cTn id="4" fill="hold">
+                            <p:stCondLst>
+                              <p:cond delay="0"/>
+                            </p:stCondLst>
+                            <p:childTnLst>
+                              <p:par>
+                                <p:cTn id="5" presetID="1" presetClass="entr" presetSubtype="0" fill="hold" nodeType="withEffect">
+                                  <p:stCondLst>
+                                    <p:cond delay="0"/>
+                                  </p:stCondLst>
+                                  <p:childTnLst>
+                                    <p:set>
+                                      <p:cBhvr>
+                                        <p:cTn id="6" dur="1" fill="hold">
+                                          <p:stCondLst>
+                                            <p:cond delay="0"/>
+                                          </p:stCondLst>
+                                        </p:cTn>
+                                        <p:tgtEl>
+                                          <p:spTgt spid="8"/>
+                                        </p:tgtEl>
+                                        <p:attrNameLst>
+                                          <p:attrName>style.visibility</p:attrName>
+                                        </p:attrNameLst>
+                                      </p:cBhvr>
+                                      <p:to>
+                                        <p:strVal val="visible"/>
+                                      </p:to>
+                                    </p:set>
+                                  </p:childTnLst>
+                                </p:cTn>
+                              </p:par>
+                            </p:childTnLst>
+                          </p:cTn>
+                        </p:par>
+                      </p:childTnLst>
+                    </p:cTn>
+                  </p:par>
+                </p:childTnLst>
+              </p:cTn>
+              <p:prevCondLst>
+                <p:cond evt="onPrev" delay="0">
+                  <p:tgtEl>
+                    <p:sldTgt/>
+                  </p:tgtEl>
+                </p:cond>
+              </p:prevCondLst>
+              <p:nextCondLst>
+                <p:cond evt="onNext" delay="0">
+                  <p:tgtEl>
+                    <p:sldTgt/>
+                  </p:tgtEl>
+                </p:cond>
+              </p:nextCondLst>
+            </p:seq>
+          </p:childTnLst>
+        </p:cTn>
       </p:par>
     </p:tnLst>
   </p:timing>

--- a/src/main/resources/oscon_2010_specs.pptx
+++ b/src/main/resources/oscon_2010_specs.pptx
@@ -6,7 +6,7 @@
     <p:sldMasterId id="2147483651" r:id="rId2"/>
   </p:sldMasterIdLst>
   <p:notesMasterIdLst>
-    <p:notesMasterId r:id="rId35"/>
+    <p:notesMasterId r:id="rId36"/>
   </p:notesMasterIdLst>
   <p:sldIdLst>
     <p:sldId id="258" r:id="rId3"/>
@@ -40,7 +40,8 @@
     <p:sldId id="286" r:id="rId31"/>
     <p:sldId id="288" r:id="rId32"/>
     <p:sldId id="289" r:id="rId33"/>
-    <p:sldId id="287" r:id="rId34"/>
+    <p:sldId id="290" r:id="rId34"/>
+    <p:sldId id="287" r:id="rId35"/>
   </p:sldIdLst>
   <p:sldSz cx="13004800" cy="9753600"/>
   <p:notesSz cx="6858000" cy="9144000"/>
@@ -2750,6 +2751,90 @@
               <a:rPr lang="en-US"/>
               <a:pPr/>
               <a:t>32</a:t>
+            </a:fld>
+            <a:endParaRPr lang="en-US"/>
+          </a:p>
+        </p:txBody>
+      </p:sp>
+      <p:sp>
+        <p:nvSpPr>
+          <p:cNvPr id="19458" name="Rectangle 2"/>
+          <p:cNvSpPr>
+            <a:spLocks noGrp="1" noRot="1" noChangeAspect="1" noChangeArrowheads="1" noTextEdit="1"/>
+          </p:cNvSpPr>
+          <p:nvPr>
+            <p:ph type="sldImg"/>
+          </p:nvPr>
+        </p:nvSpPr>
+        <p:spPr>
+          <a:ln/>
+        </p:spPr>
+      </p:sp>
+      <p:sp>
+        <p:nvSpPr>
+          <p:cNvPr id="19459" name="Rectangle 3"/>
+          <p:cNvSpPr>
+            <a:spLocks noGrp="1"/>
+          </p:cNvSpPr>
+          <p:nvPr>
+            <p:ph type="body" idx="1"/>
+          </p:nvPr>
+        </p:nvSpPr>
+        <p:spPr/>
+        <p:txBody>
+          <a:bodyPr/>
+          <a:lstStyle/>
+          <a:p>
+            <a:endParaRPr lang="en-US"/>
+          </a:p>
+        </p:txBody>
+      </p:sp>
+    </p:spTree>
+  </p:cSld>
+  <p:clrMapOvr>
+    <a:masterClrMapping/>
+  </p:clrMapOvr>
+</p:notes>
+</file>
+
+<file path=ppt/notesSlides/notesSlide33.xml><?xml version="1.0" encoding="utf-8"?>
+<p:notes xmlns:a="http://schemas.openxmlformats.org/drawingml/2006/main" xmlns:r="http://schemas.openxmlformats.org/officeDocument/2006/relationships" xmlns:p="http://schemas.openxmlformats.org/presentationml/2006/main">
+  <p:cSld>
+    <p:spTree>
+      <p:nvGrpSpPr>
+        <p:cNvPr id="1" name=""/>
+        <p:cNvGrpSpPr/>
+        <p:nvPr/>
+      </p:nvGrpSpPr>
+      <p:grpSpPr>
+        <a:xfrm>
+          <a:off x="0" y="0"/>
+          <a:ext cx="0" cy="0"/>
+          <a:chOff x="0" y="0"/>
+          <a:chExt cx="0" cy="0"/>
+        </a:xfrm>
+      </p:grpSpPr>
+      <p:sp>
+        <p:nvSpPr>
+          <p:cNvPr id="7" name="Rectangle 7"/>
+          <p:cNvSpPr>
+            <a:spLocks noGrp="1"/>
+          </p:cNvSpPr>
+          <p:nvPr>
+            <p:ph type="sldNum" sz="quarter" idx="5"/>
+          </p:nvPr>
+        </p:nvSpPr>
+        <p:spPr>
+          <a:ln/>
+        </p:spPr>
+        <p:txBody>
+          <a:bodyPr/>
+          <a:lstStyle/>
+          <a:p>
+            <a:fld id="{27AEA7DA-096A-4FB7-B4B3-D12717EF4BDD}" type="slidenum">
+              <a:rPr lang="en-US"/>
+              <a:pPr/>
+              <a:t>33</a:t>
             </a:fld>
             <a:endParaRPr lang="en-US"/>
           </a:p>
@@ -8187,7 +8272,7 @@
         </p:blipFill>
         <p:spPr bwMode="auto">
           <a:xfrm>
-            <a:off x="4597400" y="2667000"/>
+            <a:off x="4920662" y="2667000"/>
             <a:ext cx="2362200" cy="2362202"/>
           </a:xfrm>
           <a:prstGeom prst="rect">
@@ -8554,8 +8639,8 @@
         </p:nvSpPr>
         <p:spPr>
           <a:xfrm>
-            <a:off x="3911600" y="4724400"/>
-            <a:ext cx="3639138" cy="923330"/>
+            <a:off x="4234862" y="4724400"/>
+            <a:ext cx="3772186" cy="923330"/>
           </a:xfrm>
           <a:prstGeom prst="rect">
             <a:avLst/>
@@ -8569,7 +8654,7 @@
           <a:p>
             <a:pPr algn="ctr"/>
             <a:r>
-              <a:rPr lang="en-US" sz="5400" b="1" kern="0" dirty="0" err="1" smtClean="0">
+              <a:rPr lang="en-US" sz="5400" b="1" kern="0" dirty="0" smtClean="0">
                 <a:solidFill>
                   <a:srgbClr val="0C0F20"/>
                 </a:solidFill>
@@ -8577,7 +8662,7 @@
                 <a:cs typeface="+mj-cs"/>
                 <a:sym typeface="Arial" charset="0"/>
               </a:rPr>
-              <a:t>organise</a:t>
+              <a:t>organize</a:t>
             </a:r>
             <a:endParaRPr lang="en-US" dirty="0"/>
           </a:p>
@@ -17714,7 +17799,19 @@
               <a:rPr lang="en-US" sz="3200" b="1" dirty="0" smtClean="0">
                 <a:latin typeface="Courier New"/>
               </a:rPr>
-              <a:t> apply() = v</a:t>
+              <a:t> </a:t>
+            </a:r>
+            <a:r>
+              <a:rPr lang="en-US" sz="3200" b="1" dirty="0" smtClean="0">
+                <a:latin typeface="Courier New"/>
+              </a:rPr>
+              <a:t>get() </a:t>
+            </a:r>
+            <a:r>
+              <a:rPr lang="en-US" sz="3200" b="1" dirty="0" smtClean="0">
+                <a:latin typeface="Courier New"/>
+              </a:rPr>
+              <a:t>= v</a:t>
             </a:r>
           </a:p>
           <a:p>
@@ -17955,7 +18052,7 @@
                 <a:cs typeface="+mj-cs"/>
                 <a:sym typeface="Arial" charset="0"/>
               </a:rPr>
-              <a:t>varags</a:t>
+              <a:t>varargs</a:t>
             </a:r>
             <a:r>
               <a:rPr kumimoji="0" lang="en-US" sz="4400" b="1" i="0" u="none" strike="noStrike" kern="0" cap="none" spc="0" normalizeH="0" baseline="0" noProof="0" dirty="0" smtClean="0">
@@ -18083,6 +18180,816 @@
 </file>
 
 <file path=ppt/slides/slide32.xml><?xml version="1.0" encoding="utf-8"?>
+<p:sld xmlns:a="http://schemas.openxmlformats.org/drawingml/2006/main" xmlns:r="http://schemas.openxmlformats.org/officeDocument/2006/relationships" xmlns:p="http://schemas.openxmlformats.org/presentationml/2006/main">
+  <p:cSld>
+    <p:spTree>
+      <p:nvGrpSpPr>
+        <p:cNvPr id="1" name=""/>
+        <p:cNvGrpSpPr/>
+        <p:nvPr/>
+      </p:nvGrpSpPr>
+      <p:grpSpPr>
+        <a:xfrm>
+          <a:off x="0" y="0"/>
+          <a:ext cx="0" cy="0"/>
+          <a:chOff x="0" y="0"/>
+          <a:chExt cx="0" cy="0"/>
+        </a:xfrm>
+      </p:grpSpPr>
+      <p:sp>
+        <p:nvSpPr>
+          <p:cNvPr id="8193" name="Rectangle 1"/>
+          <p:cNvSpPr>
+            <a:spLocks noGrp="1" noChangeArrowheads="1"/>
+          </p:cNvSpPr>
+          <p:nvPr>
+            <p:ph type="title"/>
+          </p:nvPr>
+        </p:nvSpPr>
+        <p:spPr>
+          <a:xfrm>
+            <a:off x="711200" y="0"/>
+            <a:ext cx="12509500" cy="914400"/>
+          </a:xfrm>
+          <a:ln/>
+        </p:spPr>
+        <p:txBody>
+          <a:bodyPr/>
+          <a:lstStyle/>
+          <a:p>
+            <a:pPr lvl="0"/>
+            <a:r>
+              <a:rPr lang="en-US" sz="5400" dirty="0" smtClean="0">
+                <a:latin typeface="Lucida Handwriting" pitchFamily="66" charset="0"/>
+              </a:rPr>
+              <a:t>     </a:t>
+            </a:r>
+            <a:r>
+              <a:rPr lang="en-US" sz="5400" dirty="0" smtClean="0">
+                <a:latin typeface="Lucida Handwriting" pitchFamily="66" charset="0"/>
+              </a:rPr>
+              <a:t>DSL</a:t>
+            </a:r>
+            <a:endParaRPr lang="en-US" dirty="0"/>
+          </a:p>
+        </p:txBody>
+      </p:sp>
+      <p:sp>
+        <p:nvSpPr>
+          <p:cNvPr id="7" name="Rectangle 6"/>
+          <p:cNvSpPr/>
+          <p:nvPr/>
+        </p:nvSpPr>
+        <p:spPr>
+          <a:xfrm>
+            <a:off x="2997200" y="1438870"/>
+            <a:ext cx="3789820" cy="923330"/>
+          </a:xfrm>
+          <a:prstGeom prst="rect">
+            <a:avLst/>
+          </a:prstGeom>
+        </p:spPr>
+        <p:txBody>
+          <a:bodyPr wrap="none">
+            <a:spAutoFit/>
+          </a:bodyPr>
+          <a:lstStyle/>
+          <a:p>
+            <a:pPr algn="ctr"/>
+            <a:r>
+              <a:rPr lang="en-US" sz="5400" b="1" kern="0" dirty="0" smtClean="0">
+                <a:solidFill>
+                  <a:srgbClr val="00CC66"/>
+                </a:solidFill>
+                <a:latin typeface="Lucida Handwriting" pitchFamily="66" charset="0"/>
+                <a:cs typeface="+mj-cs"/>
+                <a:sym typeface="Arial" charset="0"/>
+              </a:rPr>
+              <a:t>Variance</a:t>
+            </a:r>
+          </a:p>
+        </p:txBody>
+      </p:sp>
+      <p:pic>
+        <p:nvPicPr>
+          <p:cNvPr id="8" name="Picture 10" descr="http://knowledgehub.zeus.com/media/Scala_Logo2008.png"/>
+          <p:cNvPicPr>
+            <a:picLocks noChangeAspect="1" noChangeArrowheads="1"/>
+          </p:cNvPicPr>
+          <p:nvPr/>
+        </p:nvPicPr>
+        <p:blipFill>
+          <a:blip r:embed="rId3"/>
+          <a:srcRect/>
+          <a:stretch>
+            <a:fillRect/>
+          </a:stretch>
+        </p:blipFill>
+        <p:spPr bwMode="auto">
+          <a:xfrm>
+            <a:off x="4140200" y="76200"/>
+            <a:ext cx="2279542" cy="679257"/>
+          </a:xfrm>
+          <a:prstGeom prst="rect">
+            <a:avLst/>
+          </a:prstGeom>
+          <a:noFill/>
+        </p:spPr>
+      </p:pic>
+      <p:sp>
+        <p:nvSpPr>
+          <p:cNvPr id="11" name="Rectangle 10"/>
+          <p:cNvSpPr/>
+          <p:nvPr/>
+        </p:nvSpPr>
+        <p:spPr>
+          <a:xfrm>
+            <a:off x="330200" y="2590800"/>
+            <a:ext cx="12344400" cy="6001643"/>
+          </a:xfrm>
+          <a:prstGeom prst="rect">
+            <a:avLst/>
+          </a:prstGeom>
+          <a:solidFill>
+            <a:schemeClr val="bg1"/>
+          </a:solidFill>
+          <a:ln>
+            <a:solidFill>
+              <a:schemeClr val="tx1"/>
+            </a:solidFill>
+            <a:prstDash val="dash"/>
+          </a:ln>
+        </p:spPr>
+        <p:txBody>
+          <a:bodyPr wrap="square">
+            <a:spAutoFit/>
+          </a:bodyPr>
+          <a:lstStyle/>
+          <a:p>
+            <a:r>
+              <a:rPr lang="en-US" sz="3200" b="1" dirty="0" smtClean="0">
+                <a:solidFill>
+                  <a:srgbClr val="7F0055"/>
+                </a:solidFill>
+                <a:latin typeface="Courier New"/>
+              </a:rPr>
+              <a:t>trait</a:t>
+            </a:r>
+            <a:r>
+              <a:rPr lang="en-US" sz="3200" b="1" dirty="0" smtClean="0">
+                <a:latin typeface="Courier New"/>
+              </a:rPr>
+              <a:t> Matcher[-T] { </a:t>
+            </a:r>
+            <a:r>
+              <a:rPr lang="en-US" sz="3200" b="1" dirty="0" smtClean="0">
+                <a:solidFill>
+                  <a:srgbClr val="7F0055"/>
+                </a:solidFill>
+                <a:latin typeface="Courier New"/>
+              </a:rPr>
+              <a:t>def</a:t>
+            </a:r>
+            <a:r>
+              <a:rPr lang="en-US" sz="3200" b="1" dirty="0" smtClean="0">
+                <a:latin typeface="Courier New"/>
+              </a:rPr>
+              <a:t> apply(y: =&gt;T): </a:t>
+            </a:r>
+            <a:r>
+              <a:rPr lang="en-US" sz="3200" b="1" dirty="0" smtClean="0">
+                <a:solidFill>
+                  <a:srgbClr val="7F0055"/>
+                </a:solidFill>
+                <a:latin typeface="Courier New"/>
+              </a:rPr>
+              <a:t>Boolean</a:t>
+            </a:r>
+            <a:r>
+              <a:rPr lang="en-US" sz="3200" b="1" dirty="0" smtClean="0">
+                <a:latin typeface="Courier New"/>
+              </a:rPr>
+              <a:t> }</a:t>
+            </a:r>
+          </a:p>
+          <a:p>
+            <a:r>
+              <a:rPr lang="en-US" sz="3200" b="1" dirty="0" smtClean="0">
+                <a:solidFill>
+                  <a:srgbClr val="7F0055"/>
+                </a:solidFill>
+                <a:latin typeface="Courier New"/>
+              </a:rPr>
+              <a:t>class</a:t>
+            </a:r>
+            <a:r>
+              <a:rPr lang="en-US" sz="3200" b="1" dirty="0" smtClean="0">
+                <a:latin typeface="Courier New"/>
+              </a:rPr>
+              <a:t> </a:t>
+            </a:r>
+            <a:r>
+              <a:rPr lang="en-US" sz="3200" b="1" dirty="0" err="1" smtClean="0">
+                <a:latin typeface="Courier New"/>
+              </a:rPr>
+              <a:t>EqualMatcher</a:t>
+            </a:r>
+            <a:r>
+              <a:rPr lang="en-US" sz="3200" b="1" dirty="0" smtClean="0">
+                <a:latin typeface="Courier New"/>
+              </a:rPr>
+              <a:t>(x: </a:t>
+            </a:r>
+            <a:r>
+              <a:rPr lang="en-US" sz="3200" b="1" dirty="0" smtClean="0">
+                <a:solidFill>
+                  <a:srgbClr val="7F0055"/>
+                </a:solidFill>
+                <a:latin typeface="Courier New"/>
+              </a:rPr>
+              <a:t>Any</a:t>
+            </a:r>
+            <a:r>
+              <a:rPr lang="en-US" sz="3200" b="1" dirty="0" smtClean="0">
+                <a:latin typeface="Courier New"/>
+              </a:rPr>
+              <a:t>) </a:t>
+            </a:r>
+            <a:r>
+              <a:rPr lang="en-US" sz="3200" b="1" dirty="0" smtClean="0">
+                <a:solidFill>
+                  <a:srgbClr val="7F0055"/>
+                </a:solidFill>
+                <a:latin typeface="Courier New"/>
+              </a:rPr>
+              <a:t>extends</a:t>
+            </a:r>
+            <a:r>
+              <a:rPr lang="en-US" sz="3200" b="1" dirty="0" smtClean="0">
+                <a:latin typeface="Courier New"/>
+              </a:rPr>
+              <a:t> Matcher[</a:t>
+            </a:r>
+            <a:r>
+              <a:rPr lang="en-US" sz="3200" b="1" dirty="0" smtClean="0">
+                <a:solidFill>
+                  <a:srgbClr val="7F0055"/>
+                </a:solidFill>
+                <a:latin typeface="Courier New"/>
+              </a:rPr>
+              <a:t>Any</a:t>
+            </a:r>
+            <a:r>
+              <a:rPr lang="en-US" sz="3200" b="1" dirty="0" smtClean="0">
+                <a:latin typeface="Courier New"/>
+              </a:rPr>
+              <a:t>] { </a:t>
+            </a:r>
+          </a:p>
+          <a:p>
+            <a:r>
+              <a:rPr lang="en-US" sz="3200" b="1" dirty="0" smtClean="0">
+                <a:solidFill>
+                  <a:srgbClr val="7F0055"/>
+                </a:solidFill>
+                <a:latin typeface="Courier New"/>
+              </a:rPr>
+              <a:t>  def</a:t>
+            </a:r>
+            <a:r>
+              <a:rPr lang="en-US" sz="3200" b="1" dirty="0" smtClean="0">
+                <a:latin typeface="Courier New"/>
+              </a:rPr>
+              <a:t> </a:t>
+            </a:r>
+            <a:r>
+              <a:rPr lang="en-US" sz="3200" b="1" dirty="0" smtClean="0">
+                <a:latin typeface="Courier New"/>
+              </a:rPr>
+              <a:t>apply(y: =&gt;</a:t>
+            </a:r>
+            <a:r>
+              <a:rPr lang="en-US" sz="3200" b="1" dirty="0" smtClean="0">
+                <a:solidFill>
+                  <a:srgbClr val="7F0055"/>
+                </a:solidFill>
+                <a:latin typeface="Courier New"/>
+              </a:rPr>
+              <a:t>Any</a:t>
+            </a:r>
+            <a:r>
+              <a:rPr lang="en-US" sz="3200" b="1" dirty="0" smtClean="0">
+                <a:latin typeface="Courier New"/>
+              </a:rPr>
+              <a:t>) = x == y</a:t>
+            </a:r>
+          </a:p>
+          <a:p>
+            <a:r>
+              <a:rPr lang="en-US" sz="3200" dirty="0" smtClean="0">
+                <a:latin typeface="Courier New"/>
+              </a:rPr>
+              <a:t>}</a:t>
+            </a:r>
+            <a:endParaRPr lang="en-US" sz="3200" dirty="0" smtClean="0">
+              <a:latin typeface="Courier New"/>
+            </a:endParaRPr>
+          </a:p>
+          <a:p>
+            <a:r>
+              <a:rPr lang="en-US" sz="3200" b="1" dirty="0" smtClean="0">
+                <a:solidFill>
+                  <a:srgbClr val="7F0055"/>
+                </a:solidFill>
+                <a:latin typeface="Courier New"/>
+              </a:rPr>
+              <a:t>class</a:t>
+            </a:r>
+            <a:r>
+              <a:rPr lang="en-US" sz="3200" b="1" dirty="0" smtClean="0">
+                <a:latin typeface="Courier New"/>
+              </a:rPr>
+              <a:t> </a:t>
+            </a:r>
+            <a:r>
+              <a:rPr lang="en-US" sz="3200" b="1" dirty="0" err="1" smtClean="0">
+                <a:latin typeface="Courier New"/>
+              </a:rPr>
+              <a:t>HelloMatcher</a:t>
+            </a:r>
+            <a:r>
+              <a:rPr lang="en-US" sz="3200" b="1" dirty="0" smtClean="0">
+                <a:latin typeface="Courier New"/>
+              </a:rPr>
+              <a:t> </a:t>
+            </a:r>
+            <a:r>
+              <a:rPr lang="en-US" sz="3200" b="1" dirty="0" smtClean="0">
+                <a:solidFill>
+                  <a:srgbClr val="7F0055"/>
+                </a:solidFill>
+                <a:latin typeface="Courier New"/>
+              </a:rPr>
+              <a:t>extends</a:t>
+            </a:r>
+            <a:r>
+              <a:rPr lang="en-US" sz="3200" b="1" dirty="0" smtClean="0">
+                <a:latin typeface="Courier New"/>
+              </a:rPr>
+              <a:t> Matcher[String] { </a:t>
+            </a:r>
+          </a:p>
+          <a:p>
+            <a:r>
+              <a:rPr lang="en-US" sz="3200" b="1" dirty="0" smtClean="0">
+                <a:solidFill>
+                  <a:srgbClr val="7F0055"/>
+                </a:solidFill>
+                <a:latin typeface="Courier New"/>
+              </a:rPr>
+              <a:t>  def</a:t>
+            </a:r>
+            <a:r>
+              <a:rPr lang="en-US" sz="3200" b="1" dirty="0" smtClean="0">
+                <a:latin typeface="Courier New"/>
+              </a:rPr>
+              <a:t> </a:t>
+            </a:r>
+            <a:r>
+              <a:rPr lang="en-US" sz="3200" b="1" dirty="0" smtClean="0">
+                <a:latin typeface="Courier New"/>
+              </a:rPr>
+              <a:t>apply(x: =&gt;String) = x == </a:t>
+            </a:r>
+            <a:r>
+              <a:rPr lang="en-US" sz="3200" b="1" dirty="0" smtClean="0">
+                <a:solidFill>
+                  <a:srgbClr val="2A00FF"/>
+                </a:solidFill>
+                <a:latin typeface="Courier New"/>
+              </a:rPr>
+              <a:t>"hello"</a:t>
+            </a:r>
+          </a:p>
+          <a:p>
+            <a:r>
+              <a:rPr lang="en-US" sz="3200" dirty="0" smtClean="0">
+                <a:latin typeface="Courier New"/>
+              </a:rPr>
+              <a:t>}</a:t>
+            </a:r>
+            <a:endParaRPr lang="en-US" sz="3200" dirty="0" smtClean="0">
+              <a:latin typeface="Courier New"/>
+            </a:endParaRPr>
+          </a:p>
+          <a:p>
+            <a:r>
+              <a:rPr lang="en-US" sz="3200" b="1" dirty="0" err="1" smtClean="0">
+                <a:solidFill>
+                  <a:srgbClr val="7F0055"/>
+                </a:solidFill>
+                <a:latin typeface="Courier New"/>
+              </a:rPr>
+              <a:t>val</a:t>
+            </a:r>
+            <a:r>
+              <a:rPr lang="en-US" sz="3200" b="1" dirty="0" smtClean="0">
+                <a:latin typeface="Courier New"/>
+              </a:rPr>
+              <a:t> </a:t>
+            </a:r>
+            <a:r>
+              <a:rPr lang="en-US" sz="3200" b="1" dirty="0" err="1" smtClean="0">
+                <a:latin typeface="Courier New"/>
+              </a:rPr>
+              <a:t>beHello</a:t>
+            </a:r>
+            <a:r>
+              <a:rPr lang="en-US" sz="3200" b="1" dirty="0" smtClean="0">
+                <a:latin typeface="Courier New"/>
+              </a:rPr>
+              <a:t> = </a:t>
+            </a:r>
+            <a:r>
+              <a:rPr lang="en-US" sz="3200" b="1" dirty="0" smtClean="0">
+                <a:solidFill>
+                  <a:srgbClr val="7F0055"/>
+                </a:solidFill>
+                <a:latin typeface="Courier New"/>
+              </a:rPr>
+              <a:t>new</a:t>
+            </a:r>
+            <a:r>
+              <a:rPr lang="en-US" sz="3200" b="1" dirty="0" smtClean="0">
+                <a:latin typeface="Courier New"/>
+              </a:rPr>
+              <a:t> </a:t>
+            </a:r>
+            <a:r>
+              <a:rPr lang="en-US" sz="3200" b="1" dirty="0" err="1" smtClean="0">
+                <a:latin typeface="Courier New"/>
+              </a:rPr>
+              <a:t>HelloMatcher</a:t>
+            </a:r>
+            <a:endParaRPr lang="en-US" sz="3200" b="1" dirty="0" smtClean="0">
+              <a:latin typeface="Courier New"/>
+            </a:endParaRPr>
+          </a:p>
+          <a:p>
+            <a:r>
+              <a:rPr lang="en-US" sz="3200" b="1" dirty="0" err="1" smtClean="0">
+                <a:solidFill>
+                  <a:srgbClr val="7F0055"/>
+                </a:solidFill>
+                <a:latin typeface="Courier New"/>
+              </a:rPr>
+              <a:t>val</a:t>
+            </a:r>
+            <a:r>
+              <a:rPr lang="en-US" sz="3200" b="1" dirty="0" smtClean="0">
+                <a:latin typeface="Courier New"/>
+              </a:rPr>
+              <a:t> </a:t>
+            </a:r>
+            <a:r>
+              <a:rPr lang="en-US" sz="3200" b="1" dirty="0" err="1" smtClean="0">
+                <a:latin typeface="Courier New"/>
+              </a:rPr>
+              <a:t>equalToHello</a:t>
+            </a:r>
+            <a:r>
+              <a:rPr lang="en-US" sz="3200" b="1" dirty="0" smtClean="0">
+                <a:latin typeface="Courier New"/>
+              </a:rPr>
+              <a:t> = </a:t>
+            </a:r>
+            <a:r>
+              <a:rPr lang="en-US" sz="3200" b="1" dirty="0" smtClean="0">
+                <a:solidFill>
+                  <a:srgbClr val="7F0055"/>
+                </a:solidFill>
+                <a:latin typeface="Courier New"/>
+              </a:rPr>
+              <a:t>new</a:t>
+            </a:r>
+            <a:r>
+              <a:rPr lang="en-US" sz="3200" b="1" dirty="0" smtClean="0">
+                <a:latin typeface="Courier New"/>
+              </a:rPr>
+              <a:t> </a:t>
+            </a:r>
+            <a:r>
+              <a:rPr lang="en-US" sz="3200" b="1" dirty="0" err="1" smtClean="0">
+                <a:latin typeface="Courier New"/>
+              </a:rPr>
+              <a:t>EqualMatcher</a:t>
+            </a:r>
+            <a:r>
+              <a:rPr lang="en-US" sz="3200" b="1" dirty="0" smtClean="0">
+                <a:latin typeface="Courier New"/>
+              </a:rPr>
+              <a:t>(</a:t>
+            </a:r>
+            <a:r>
+              <a:rPr lang="en-US" sz="3200" b="1" dirty="0" smtClean="0">
+                <a:solidFill>
+                  <a:srgbClr val="2A00FF"/>
+                </a:solidFill>
+                <a:latin typeface="Courier New"/>
+              </a:rPr>
+              <a:t>"hello"</a:t>
+            </a:r>
+            <a:r>
+              <a:rPr lang="en-US" sz="3200" b="1" dirty="0" smtClean="0">
+                <a:latin typeface="Courier New"/>
+              </a:rPr>
+              <a:t>)</a:t>
+            </a:r>
+          </a:p>
+          <a:p>
+            <a:endParaRPr lang="en-US" sz="3200" dirty="0" smtClean="0">
+              <a:latin typeface="Courier New"/>
+            </a:endParaRPr>
+          </a:p>
+          <a:p>
+            <a:r>
+              <a:rPr lang="en-US" sz="3200" dirty="0" smtClean="0">
+                <a:solidFill>
+                  <a:srgbClr val="2A00FF"/>
+                </a:solidFill>
+                <a:latin typeface="Courier New"/>
+              </a:rPr>
+              <a:t>"</a:t>
+            </a:r>
+            <a:r>
+              <a:rPr lang="en-US" sz="3200" dirty="0" smtClean="0">
+                <a:solidFill>
+                  <a:srgbClr val="2A00FF"/>
+                </a:solidFill>
+                <a:latin typeface="Courier New"/>
+              </a:rPr>
+              <a:t>hello"</a:t>
+            </a:r>
+            <a:r>
+              <a:rPr lang="en-US" sz="3200" dirty="0" smtClean="0">
+                <a:latin typeface="Courier New"/>
+              </a:rPr>
+              <a:t> must </a:t>
+            </a:r>
+            <a:r>
+              <a:rPr lang="en-US" sz="3200" dirty="0" err="1" smtClean="0">
+                <a:latin typeface="Courier New"/>
+              </a:rPr>
+              <a:t>beHello</a:t>
+            </a:r>
+            <a:endParaRPr lang="en-US" sz="3200" dirty="0" smtClean="0">
+              <a:latin typeface="Courier New"/>
+            </a:endParaRPr>
+          </a:p>
+          <a:p>
+            <a:r>
+              <a:rPr lang="en-US" sz="3200" dirty="0" smtClean="0">
+                <a:solidFill>
+                  <a:srgbClr val="2A00FF"/>
+                </a:solidFill>
+                <a:latin typeface="Courier New"/>
+              </a:rPr>
+              <a:t>"</a:t>
+            </a:r>
+            <a:r>
+              <a:rPr lang="en-US" sz="3200" dirty="0" smtClean="0">
+                <a:solidFill>
+                  <a:srgbClr val="2A00FF"/>
+                </a:solidFill>
+                <a:latin typeface="Courier New"/>
+              </a:rPr>
+              <a:t>hello"</a:t>
+            </a:r>
+            <a:r>
+              <a:rPr lang="en-US" sz="3200" dirty="0" smtClean="0">
+                <a:latin typeface="Courier New"/>
+              </a:rPr>
+              <a:t> must </a:t>
+            </a:r>
+            <a:r>
+              <a:rPr lang="en-US" sz="3200" dirty="0" err="1" smtClean="0">
+                <a:latin typeface="Courier New"/>
+              </a:rPr>
+              <a:t>equalToHello</a:t>
+            </a:r>
+            <a:endParaRPr lang="en-US" sz="3200" b="1" dirty="0" smtClean="0">
+              <a:solidFill>
+                <a:srgbClr val="7F0055"/>
+              </a:solidFill>
+              <a:latin typeface="Courier New"/>
+            </a:endParaRPr>
+          </a:p>
+        </p:txBody>
+      </p:sp>
+      <p:pic>
+        <p:nvPicPr>
+          <p:cNvPr id="70662" name="Picture 6" descr="magic, wizard icon"/>
+          <p:cNvPicPr>
+            <a:picLocks noChangeAspect="1" noChangeArrowheads="1"/>
+          </p:cNvPicPr>
+          <p:nvPr/>
+        </p:nvPicPr>
+        <p:blipFill>
+          <a:blip r:embed="rId4"/>
+          <a:srcRect/>
+          <a:stretch>
+            <a:fillRect/>
+          </a:stretch>
+        </p:blipFill>
+        <p:spPr bwMode="auto">
+          <a:xfrm>
+            <a:off x="635000" y="1143000"/>
+            <a:ext cx="1295400" cy="1295401"/>
+          </a:xfrm>
+          <a:prstGeom prst="rect">
+            <a:avLst/>
+          </a:prstGeom>
+          <a:noFill/>
+        </p:spPr>
+      </p:pic>
+      <p:sp>
+        <p:nvSpPr>
+          <p:cNvPr id="9" name="Rectangle 1"/>
+          <p:cNvSpPr txBox="1">
+            <a:spLocks noChangeArrowheads="1"/>
+          </p:cNvSpPr>
+          <p:nvPr/>
+        </p:nvSpPr>
+        <p:spPr bwMode="auto">
+          <a:xfrm>
+            <a:off x="5283200" y="1600200"/>
+            <a:ext cx="7086600" cy="685800"/>
+          </a:xfrm>
+          <a:prstGeom prst="rect">
+            <a:avLst/>
+          </a:prstGeom>
+          <a:noFill/>
+          <a:ln w="12700">
+            <a:noFill/>
+            <a:miter lim="800000"/>
+            <a:headEnd/>
+            <a:tailEnd/>
+          </a:ln>
+          <a:effectLst/>
+        </p:spPr>
+        <p:txBody>
+          <a:bodyPr vert="horz" wrap="square" lIns="50800" tIns="50800" rIns="50800" bIns="50800" numCol="1" anchor="ctr" anchorCtr="0" compatLnSpc="1">
+            <a:prstTxWarp prst="textNoShape">
+              <a:avLst/>
+            </a:prstTxWarp>
+          </a:bodyPr>
+          <a:lstStyle/>
+          <a:p>
+            <a:pPr lvl="0" algn="r"/>
+            <a:r>
+              <a:rPr kumimoji="0" lang="en-US" sz="4400" b="1" i="0" u="none" strike="noStrike" kern="0" cap="none" spc="0" normalizeH="0" baseline="0" noProof="0" dirty="0" smtClean="0">
+                <a:ln>
+                  <a:noFill/>
+                </a:ln>
+                <a:solidFill>
+                  <a:srgbClr val="FF0000"/>
+                </a:solidFill>
+                <a:effectLst/>
+                <a:uLnTx/>
+                <a:uFillTx/>
+                <a:latin typeface="Candara" pitchFamily="34" charset="0"/>
+                <a:ea typeface="+mj-ea"/>
+                <a:cs typeface="+mj-cs"/>
+                <a:sym typeface="Wingdings"/>
+              </a:rPr>
+              <a:t></a:t>
+            </a:r>
+            <a:r>
+              <a:rPr kumimoji="0" lang="en-US" sz="4400" b="1" i="0" u="none" strike="noStrike" kern="0" cap="none" spc="0" normalizeH="0" baseline="0" noProof="0" dirty="0" smtClean="0">
+                <a:ln>
+                  <a:noFill/>
+                </a:ln>
+                <a:solidFill>
+                  <a:srgbClr val="FF0000"/>
+                </a:solidFill>
+                <a:effectLst/>
+                <a:uLnTx/>
+                <a:uFillTx/>
+                <a:latin typeface="Candara" pitchFamily="34" charset="0"/>
+                <a:ea typeface="+mj-ea"/>
+                <a:cs typeface="+mj-cs"/>
+                <a:sym typeface="Arial" charset="0"/>
+              </a:rPr>
+              <a:t> Know the rules!</a:t>
+            </a:r>
+            <a:endParaRPr kumimoji="0" lang="en-US" sz="4400" b="1" i="0" u="none" strike="noStrike" kern="0" cap="none" spc="0" normalizeH="0" baseline="0" noProof="0" dirty="0">
+              <a:ln>
+                <a:noFill/>
+              </a:ln>
+              <a:solidFill>
+                <a:srgbClr val="E75145"/>
+              </a:solidFill>
+              <a:effectLst/>
+              <a:uLnTx/>
+              <a:uFillTx/>
+              <a:latin typeface="Candara" pitchFamily="34" charset="0"/>
+              <a:ea typeface="+mj-ea"/>
+              <a:cs typeface="+mj-cs"/>
+              <a:sym typeface="Arial" charset="0"/>
+            </a:endParaRPr>
+          </a:p>
+        </p:txBody>
+      </p:sp>
+    </p:spTree>
+  </p:cSld>
+  <p:clrMapOvr>
+    <a:masterClrMapping/>
+  </p:clrMapOvr>
+  <p:transition>
+    <p:fade/>
+  </p:transition>
+  <p:timing>
+    <p:tnLst>
+      <p:par>
+        <p:cTn id="1" dur="indefinite" restart="never" nodeType="tmRoot">
+          <p:childTnLst>
+            <p:seq concurrent="1" nextAc="seek">
+              <p:cTn id="2" dur="indefinite" nodeType="mainSeq">
+                <p:childTnLst>
+                  <p:par>
+                    <p:cTn id="3" fill="hold">
+                      <p:stCondLst>
+                        <p:cond delay="indefinite"/>
+                        <p:cond evt="onBegin" delay="0">
+                          <p:tn val="2"/>
+                        </p:cond>
+                      </p:stCondLst>
+                      <p:childTnLst>
+                        <p:par>
+                          <p:cTn id="4" fill="hold">
+                            <p:stCondLst>
+                              <p:cond delay="0"/>
+                            </p:stCondLst>
+                            <p:childTnLst>
+                              <p:par>
+                                <p:cTn id="5" presetID="1" presetClass="entr" presetSubtype="0" fill="hold" nodeType="withEffect">
+                                  <p:stCondLst>
+                                    <p:cond delay="0"/>
+                                  </p:stCondLst>
+                                  <p:childTnLst>
+                                    <p:set>
+                                      <p:cBhvr>
+                                        <p:cTn id="6" dur="1" fill="hold">
+                                          <p:stCondLst>
+                                            <p:cond delay="0"/>
+                                          </p:stCondLst>
+                                        </p:cTn>
+                                        <p:tgtEl>
+                                          <p:spTgt spid="8"/>
+                                        </p:tgtEl>
+                                        <p:attrNameLst>
+                                          <p:attrName>style.visibility</p:attrName>
+                                        </p:attrNameLst>
+                                      </p:cBhvr>
+                                      <p:to>
+                                        <p:strVal val="visible"/>
+                                      </p:to>
+                                    </p:set>
+                                  </p:childTnLst>
+                                </p:cTn>
+                              </p:par>
+                            </p:childTnLst>
+                          </p:cTn>
+                        </p:par>
+                      </p:childTnLst>
+                    </p:cTn>
+                  </p:par>
+                </p:childTnLst>
+              </p:cTn>
+              <p:prevCondLst>
+                <p:cond evt="onPrev" delay="0">
+                  <p:tgtEl>
+                    <p:sldTgt/>
+                  </p:tgtEl>
+                </p:cond>
+              </p:prevCondLst>
+              <p:nextCondLst>
+                <p:cond evt="onNext" delay="0">
+                  <p:tgtEl>
+                    <p:sldTgt/>
+                  </p:tgtEl>
+                </p:cond>
+              </p:nextCondLst>
+            </p:seq>
+          </p:childTnLst>
+        </p:cTn>
+      </p:par>
+    </p:tnLst>
+  </p:timing>
+</p:sld>
+</file>
+
+<file path=ppt/slides/slide33.xml><?xml version="1.0" encoding="utf-8"?>
 <p:sld xmlns:a="http://schemas.openxmlformats.org/drawingml/2006/main" xmlns:r="http://schemas.openxmlformats.org/officeDocument/2006/relationships" xmlns:p="http://schemas.openxmlformats.org/presentationml/2006/main">
   <p:cSld>
     <p:spTree>

--- a/src/main/resources/oscon_2010_specs.pptx
+++ b/src/main/resources/oscon_2010_specs.pptx
@@ -6,7 +6,7 @@
     <p:sldMasterId id="2147483651" r:id="rId2"/>
   </p:sldMasterIdLst>
   <p:notesMasterIdLst>
-    <p:notesMasterId r:id="rId36"/>
+    <p:notesMasterId r:id="rId39"/>
   </p:notesMasterIdLst>
   <p:sldIdLst>
     <p:sldId id="258" r:id="rId3"/>
@@ -42,6 +42,9 @@
     <p:sldId id="289" r:id="rId33"/>
     <p:sldId id="290" r:id="rId34"/>
     <p:sldId id="287" r:id="rId35"/>
+    <p:sldId id="291" r:id="rId36"/>
+    <p:sldId id="292" r:id="rId37"/>
+    <p:sldId id="293" r:id="rId38"/>
   </p:sldIdLst>
   <p:sldSz cx="13004800" cy="9753600"/>
   <p:notesSz cx="6858000" cy="9144000"/>
@@ -2835,6 +2838,258 @@
               <a:rPr lang="en-US"/>
               <a:pPr/>
               <a:t>33</a:t>
+            </a:fld>
+            <a:endParaRPr lang="en-US"/>
+          </a:p>
+        </p:txBody>
+      </p:sp>
+      <p:sp>
+        <p:nvSpPr>
+          <p:cNvPr id="19458" name="Rectangle 2"/>
+          <p:cNvSpPr>
+            <a:spLocks noGrp="1" noRot="1" noChangeAspect="1" noChangeArrowheads="1" noTextEdit="1"/>
+          </p:cNvSpPr>
+          <p:nvPr>
+            <p:ph type="sldImg"/>
+          </p:nvPr>
+        </p:nvSpPr>
+        <p:spPr>
+          <a:ln/>
+        </p:spPr>
+      </p:sp>
+      <p:sp>
+        <p:nvSpPr>
+          <p:cNvPr id="19459" name="Rectangle 3"/>
+          <p:cNvSpPr>
+            <a:spLocks noGrp="1"/>
+          </p:cNvSpPr>
+          <p:nvPr>
+            <p:ph type="body" idx="1"/>
+          </p:nvPr>
+        </p:nvSpPr>
+        <p:spPr/>
+        <p:txBody>
+          <a:bodyPr/>
+          <a:lstStyle/>
+          <a:p>
+            <a:endParaRPr lang="en-US"/>
+          </a:p>
+        </p:txBody>
+      </p:sp>
+    </p:spTree>
+  </p:cSld>
+  <p:clrMapOvr>
+    <a:masterClrMapping/>
+  </p:clrMapOvr>
+</p:notes>
+</file>
+
+<file path=ppt/notesSlides/notesSlide34.xml><?xml version="1.0" encoding="utf-8"?>
+<p:notes xmlns:a="http://schemas.openxmlformats.org/drawingml/2006/main" xmlns:r="http://schemas.openxmlformats.org/officeDocument/2006/relationships" xmlns:p="http://schemas.openxmlformats.org/presentationml/2006/main">
+  <p:cSld>
+    <p:spTree>
+      <p:nvGrpSpPr>
+        <p:cNvPr id="1" name=""/>
+        <p:cNvGrpSpPr/>
+        <p:nvPr/>
+      </p:nvGrpSpPr>
+      <p:grpSpPr>
+        <a:xfrm>
+          <a:off x="0" y="0"/>
+          <a:ext cx="0" cy="0"/>
+          <a:chOff x="0" y="0"/>
+          <a:chExt cx="0" cy="0"/>
+        </a:xfrm>
+      </p:grpSpPr>
+      <p:sp>
+        <p:nvSpPr>
+          <p:cNvPr id="7" name="Rectangle 7"/>
+          <p:cNvSpPr>
+            <a:spLocks noGrp="1"/>
+          </p:cNvSpPr>
+          <p:nvPr>
+            <p:ph type="sldNum" sz="quarter" idx="5"/>
+          </p:nvPr>
+        </p:nvSpPr>
+        <p:spPr>
+          <a:ln/>
+        </p:spPr>
+        <p:txBody>
+          <a:bodyPr/>
+          <a:lstStyle/>
+          <a:p>
+            <a:fld id="{27AEA7DA-096A-4FB7-B4B3-D12717EF4BDD}" type="slidenum">
+              <a:rPr lang="en-US"/>
+              <a:pPr/>
+              <a:t>34</a:t>
+            </a:fld>
+            <a:endParaRPr lang="en-US"/>
+          </a:p>
+        </p:txBody>
+      </p:sp>
+      <p:sp>
+        <p:nvSpPr>
+          <p:cNvPr id="19458" name="Rectangle 2"/>
+          <p:cNvSpPr>
+            <a:spLocks noGrp="1" noRot="1" noChangeAspect="1" noChangeArrowheads="1" noTextEdit="1"/>
+          </p:cNvSpPr>
+          <p:nvPr>
+            <p:ph type="sldImg"/>
+          </p:nvPr>
+        </p:nvSpPr>
+        <p:spPr>
+          <a:ln/>
+        </p:spPr>
+      </p:sp>
+      <p:sp>
+        <p:nvSpPr>
+          <p:cNvPr id="19459" name="Rectangle 3"/>
+          <p:cNvSpPr>
+            <a:spLocks noGrp="1"/>
+          </p:cNvSpPr>
+          <p:nvPr>
+            <p:ph type="body" idx="1"/>
+          </p:nvPr>
+        </p:nvSpPr>
+        <p:spPr/>
+        <p:txBody>
+          <a:bodyPr/>
+          <a:lstStyle/>
+          <a:p>
+            <a:endParaRPr lang="en-US"/>
+          </a:p>
+        </p:txBody>
+      </p:sp>
+    </p:spTree>
+  </p:cSld>
+  <p:clrMapOvr>
+    <a:masterClrMapping/>
+  </p:clrMapOvr>
+</p:notes>
+</file>
+
+<file path=ppt/notesSlides/notesSlide35.xml><?xml version="1.0" encoding="utf-8"?>
+<p:notes xmlns:a="http://schemas.openxmlformats.org/drawingml/2006/main" xmlns:r="http://schemas.openxmlformats.org/officeDocument/2006/relationships" xmlns:p="http://schemas.openxmlformats.org/presentationml/2006/main">
+  <p:cSld>
+    <p:spTree>
+      <p:nvGrpSpPr>
+        <p:cNvPr id="1" name=""/>
+        <p:cNvGrpSpPr/>
+        <p:nvPr/>
+      </p:nvGrpSpPr>
+      <p:grpSpPr>
+        <a:xfrm>
+          <a:off x="0" y="0"/>
+          <a:ext cx="0" cy="0"/>
+          <a:chOff x="0" y="0"/>
+          <a:chExt cx="0" cy="0"/>
+        </a:xfrm>
+      </p:grpSpPr>
+      <p:sp>
+        <p:nvSpPr>
+          <p:cNvPr id="7" name="Rectangle 7"/>
+          <p:cNvSpPr>
+            <a:spLocks noGrp="1"/>
+          </p:cNvSpPr>
+          <p:nvPr>
+            <p:ph type="sldNum" sz="quarter" idx="5"/>
+          </p:nvPr>
+        </p:nvSpPr>
+        <p:spPr>
+          <a:ln/>
+        </p:spPr>
+        <p:txBody>
+          <a:bodyPr/>
+          <a:lstStyle/>
+          <a:p>
+            <a:fld id="{27AEA7DA-096A-4FB7-B4B3-D12717EF4BDD}" type="slidenum">
+              <a:rPr lang="en-US"/>
+              <a:pPr/>
+              <a:t>35</a:t>
+            </a:fld>
+            <a:endParaRPr lang="en-US"/>
+          </a:p>
+        </p:txBody>
+      </p:sp>
+      <p:sp>
+        <p:nvSpPr>
+          <p:cNvPr id="19458" name="Rectangle 2"/>
+          <p:cNvSpPr>
+            <a:spLocks noGrp="1" noRot="1" noChangeAspect="1" noChangeArrowheads="1" noTextEdit="1"/>
+          </p:cNvSpPr>
+          <p:nvPr>
+            <p:ph type="sldImg"/>
+          </p:nvPr>
+        </p:nvSpPr>
+        <p:spPr>
+          <a:ln/>
+        </p:spPr>
+      </p:sp>
+      <p:sp>
+        <p:nvSpPr>
+          <p:cNvPr id="19459" name="Rectangle 3"/>
+          <p:cNvSpPr>
+            <a:spLocks noGrp="1"/>
+          </p:cNvSpPr>
+          <p:nvPr>
+            <p:ph type="body" idx="1"/>
+          </p:nvPr>
+        </p:nvSpPr>
+        <p:spPr/>
+        <p:txBody>
+          <a:bodyPr/>
+          <a:lstStyle/>
+          <a:p>
+            <a:endParaRPr lang="en-US"/>
+          </a:p>
+        </p:txBody>
+      </p:sp>
+    </p:spTree>
+  </p:cSld>
+  <p:clrMapOvr>
+    <a:masterClrMapping/>
+  </p:clrMapOvr>
+</p:notes>
+</file>
+
+<file path=ppt/notesSlides/notesSlide36.xml><?xml version="1.0" encoding="utf-8"?>
+<p:notes xmlns:a="http://schemas.openxmlformats.org/drawingml/2006/main" xmlns:r="http://schemas.openxmlformats.org/officeDocument/2006/relationships" xmlns:p="http://schemas.openxmlformats.org/presentationml/2006/main">
+  <p:cSld>
+    <p:spTree>
+      <p:nvGrpSpPr>
+        <p:cNvPr id="1" name=""/>
+        <p:cNvGrpSpPr/>
+        <p:nvPr/>
+      </p:nvGrpSpPr>
+      <p:grpSpPr>
+        <a:xfrm>
+          <a:off x="0" y="0"/>
+          <a:ext cx="0" cy="0"/>
+          <a:chOff x="0" y="0"/>
+          <a:chExt cx="0" cy="0"/>
+        </a:xfrm>
+      </p:grpSpPr>
+      <p:sp>
+        <p:nvSpPr>
+          <p:cNvPr id="7" name="Rectangle 7"/>
+          <p:cNvSpPr>
+            <a:spLocks noGrp="1"/>
+          </p:cNvSpPr>
+          <p:nvPr>
+            <p:ph type="sldNum" sz="quarter" idx="5"/>
+          </p:nvPr>
+        </p:nvSpPr>
+        <p:spPr>
+          <a:ln/>
+        </p:spPr>
+        <p:txBody>
+          <a:bodyPr/>
+          <a:lstStyle/>
+          <a:p>
+            <a:fld id="{27AEA7DA-096A-4FB7-B4B3-D12717EF4BDD}" type="slidenum">
+              <a:rPr lang="en-US"/>
+              <a:pPr/>
+              <a:t>36</a:t>
             </a:fld>
             <a:endParaRPr lang="en-US"/>
           </a:p>
@@ -19184,7 +19439,7 @@
               <a:rPr lang="en-US" sz="3200" dirty="0" smtClean="0">
                 <a:latin typeface="Courier New"/>
               </a:rPr>
-              <a:t>3.Seconds</a:t>
+              <a:t>3.seconds</a:t>
             </a:r>
             <a:endParaRPr lang="en-US" sz="3200" dirty="0" smtClean="0">
               <a:latin typeface="Courier New"/>
@@ -19312,6 +19567,1841 @@
                 <a:latin typeface="Courier New"/>
               </a:rPr>
               <a:t> must_== 1</a:t>
+            </a:r>
+            <a:endParaRPr lang="en-US" sz="3200" b="1" dirty="0" smtClean="0">
+              <a:solidFill>
+                <a:srgbClr val="7F0055"/>
+              </a:solidFill>
+              <a:latin typeface="Courier New"/>
+            </a:endParaRPr>
+          </a:p>
+        </p:txBody>
+      </p:sp>
+      <p:pic>
+        <p:nvPicPr>
+          <p:cNvPr id="74758" name="Picture 6" descr="film, film roll, media, picture, video icon"/>
+          <p:cNvPicPr>
+            <a:picLocks noChangeAspect="1" noChangeArrowheads="1"/>
+          </p:cNvPicPr>
+          <p:nvPr/>
+        </p:nvPicPr>
+        <p:blipFill>
+          <a:blip r:embed="rId4"/>
+          <a:srcRect b="25000"/>
+          <a:stretch>
+            <a:fillRect/>
+          </a:stretch>
+        </p:blipFill>
+        <p:spPr bwMode="auto">
+          <a:xfrm>
+            <a:off x="863600" y="1066800"/>
+            <a:ext cx="1828800" cy="1371600"/>
+          </a:xfrm>
+          <a:prstGeom prst="rect">
+            <a:avLst/>
+          </a:prstGeom>
+          <a:noFill/>
+        </p:spPr>
+      </p:pic>
+    </p:spTree>
+  </p:cSld>
+  <p:clrMapOvr>
+    <a:masterClrMapping/>
+  </p:clrMapOvr>
+  <p:transition>
+    <p:fade/>
+  </p:transition>
+  <p:timing>
+    <p:tnLst>
+      <p:par>
+        <p:cTn id="1" dur="indefinite" restart="never" nodeType="tmRoot">
+          <p:childTnLst>
+            <p:seq concurrent="1" nextAc="seek">
+              <p:cTn id="2" dur="indefinite" nodeType="mainSeq">
+                <p:childTnLst>
+                  <p:par>
+                    <p:cTn id="3" fill="hold">
+                      <p:stCondLst>
+                        <p:cond delay="indefinite"/>
+                        <p:cond evt="onBegin" delay="0">
+                          <p:tn val="2"/>
+                        </p:cond>
+                      </p:stCondLst>
+                      <p:childTnLst>
+                        <p:par>
+                          <p:cTn id="4" fill="hold">
+                            <p:stCondLst>
+                              <p:cond delay="0"/>
+                            </p:stCondLst>
+                            <p:childTnLst>
+                              <p:par>
+                                <p:cTn id="5" presetID="1" presetClass="entr" presetSubtype="0" fill="hold" nodeType="withEffect">
+                                  <p:stCondLst>
+                                    <p:cond delay="0"/>
+                                  </p:stCondLst>
+                                  <p:childTnLst>
+                                    <p:set>
+                                      <p:cBhvr>
+                                        <p:cTn id="6" dur="1" fill="hold">
+                                          <p:stCondLst>
+                                            <p:cond delay="0"/>
+                                          </p:stCondLst>
+                                        </p:cTn>
+                                        <p:tgtEl>
+                                          <p:spTgt spid="8"/>
+                                        </p:tgtEl>
+                                        <p:attrNameLst>
+                                          <p:attrName>style.visibility</p:attrName>
+                                        </p:attrNameLst>
+                                      </p:cBhvr>
+                                      <p:to>
+                                        <p:strVal val="visible"/>
+                                      </p:to>
+                                    </p:set>
+                                  </p:childTnLst>
+                                </p:cTn>
+                              </p:par>
+                            </p:childTnLst>
+                          </p:cTn>
+                        </p:par>
+                      </p:childTnLst>
+                    </p:cTn>
+                  </p:par>
+                </p:childTnLst>
+              </p:cTn>
+              <p:prevCondLst>
+                <p:cond evt="onPrev" delay="0">
+                  <p:tgtEl>
+                    <p:sldTgt/>
+                  </p:tgtEl>
+                </p:cond>
+              </p:prevCondLst>
+              <p:nextCondLst>
+                <p:cond evt="onNext" delay="0">
+                  <p:tgtEl>
+                    <p:sldTgt/>
+                  </p:tgtEl>
+                </p:cond>
+              </p:nextCondLst>
+            </p:seq>
+          </p:childTnLst>
+        </p:cTn>
+      </p:par>
+    </p:tnLst>
+  </p:timing>
+</p:sld>
+</file>
+
+<file path=ppt/slides/slide34.xml><?xml version="1.0" encoding="utf-8"?>
+<p:sld xmlns:a="http://schemas.openxmlformats.org/drawingml/2006/main" xmlns:r="http://schemas.openxmlformats.org/officeDocument/2006/relationships" xmlns:p="http://schemas.openxmlformats.org/presentationml/2006/main">
+  <p:cSld>
+    <p:spTree>
+      <p:nvGrpSpPr>
+        <p:cNvPr id="1" name=""/>
+        <p:cNvGrpSpPr/>
+        <p:nvPr/>
+      </p:nvGrpSpPr>
+      <p:grpSpPr>
+        <a:xfrm>
+          <a:off x="0" y="0"/>
+          <a:ext cx="0" cy="0"/>
+          <a:chOff x="0" y="0"/>
+          <a:chExt cx="0" cy="0"/>
+        </a:xfrm>
+      </p:grpSpPr>
+      <p:sp>
+        <p:nvSpPr>
+          <p:cNvPr id="8193" name="Rectangle 1"/>
+          <p:cNvSpPr>
+            <a:spLocks noGrp="1" noChangeArrowheads="1"/>
+          </p:cNvSpPr>
+          <p:nvPr>
+            <p:ph type="title"/>
+          </p:nvPr>
+        </p:nvSpPr>
+        <p:spPr>
+          <a:xfrm>
+            <a:off x="711200" y="0"/>
+            <a:ext cx="12509500" cy="914400"/>
+          </a:xfrm>
+          <a:ln/>
+        </p:spPr>
+        <p:txBody>
+          <a:bodyPr/>
+          <a:lstStyle/>
+          <a:p>
+            <a:pPr lvl="0"/>
+            <a:r>
+              <a:rPr lang="en-US" sz="5400" dirty="0" smtClean="0">
+                <a:latin typeface="Lucida Handwriting" pitchFamily="66" charset="0"/>
+              </a:rPr>
+              <a:t>     </a:t>
+            </a:r>
+            <a:r>
+              <a:rPr lang="en-US" sz="5400" dirty="0" smtClean="0">
+                <a:latin typeface="Lucida Handwriting" pitchFamily="66" charset="0"/>
+              </a:rPr>
+              <a:t>DSL</a:t>
+            </a:r>
+            <a:endParaRPr lang="en-US" dirty="0"/>
+          </a:p>
+        </p:txBody>
+      </p:sp>
+      <p:pic>
+        <p:nvPicPr>
+          <p:cNvPr id="8" name="Picture 10" descr="http://knowledgehub.zeus.com/media/Scala_Logo2008.png"/>
+          <p:cNvPicPr>
+            <a:picLocks noChangeAspect="1" noChangeArrowheads="1"/>
+          </p:cNvPicPr>
+          <p:nvPr/>
+        </p:nvPicPr>
+        <p:blipFill>
+          <a:blip r:embed="rId3"/>
+          <a:srcRect/>
+          <a:stretch>
+            <a:fillRect/>
+          </a:stretch>
+        </p:blipFill>
+        <p:spPr bwMode="auto">
+          <a:xfrm>
+            <a:off x="4140200" y="76200"/>
+            <a:ext cx="2279542" cy="679257"/>
+          </a:xfrm>
+          <a:prstGeom prst="rect">
+            <a:avLst/>
+          </a:prstGeom>
+          <a:noFill/>
+        </p:spPr>
+      </p:pic>
+      <p:sp>
+        <p:nvSpPr>
+          <p:cNvPr id="11" name="Rectangle 10"/>
+          <p:cNvSpPr/>
+          <p:nvPr/>
+        </p:nvSpPr>
+        <p:spPr>
+          <a:xfrm>
+            <a:off x="330200" y="2971800"/>
+            <a:ext cx="12344400" cy="5693866"/>
+          </a:xfrm>
+          <a:prstGeom prst="rect">
+            <a:avLst/>
+          </a:prstGeom>
+          <a:ln>
+            <a:solidFill>
+              <a:schemeClr val="tx1"/>
+            </a:solidFill>
+            <a:prstDash val="dash"/>
+          </a:ln>
+        </p:spPr>
+        <p:txBody>
+          <a:bodyPr wrap="square">
+            <a:spAutoFit/>
+          </a:bodyPr>
+          <a:lstStyle/>
+          <a:p>
+            <a:r>
+              <a:rPr lang="en-US" sz="2800" b="1" dirty="0" smtClean="0">
+                <a:solidFill>
+                  <a:srgbClr val="7F0055"/>
+                </a:solidFill>
+                <a:latin typeface="Courier New"/>
+              </a:rPr>
+              <a:t>class</a:t>
+            </a:r>
+            <a:r>
+              <a:rPr lang="en-US" sz="2800" b="1" dirty="0" smtClean="0">
+                <a:latin typeface="Courier New"/>
+              </a:rPr>
+              <a:t> </a:t>
+            </a:r>
+            <a:r>
+              <a:rPr lang="en-US" sz="2800" b="1" dirty="0" err="1" smtClean="0">
+                <a:latin typeface="Courier New"/>
+              </a:rPr>
+              <a:t>ExampleDesc</a:t>
+            </a:r>
+            <a:r>
+              <a:rPr lang="en-US" sz="2800" b="1" dirty="0" smtClean="0">
+                <a:latin typeface="Courier New"/>
+              </a:rPr>
+              <a:t>(d: </a:t>
+            </a:r>
+            <a:r>
+              <a:rPr lang="en-US" sz="2800" b="1" dirty="0" smtClean="0">
+                <a:latin typeface="Courier New"/>
+              </a:rPr>
+              <a:t>String) {</a:t>
+            </a:r>
+          </a:p>
+          <a:p>
+            <a:r>
+              <a:rPr lang="en-US" sz="2800" b="1" dirty="0" smtClean="0">
+                <a:solidFill>
+                  <a:srgbClr val="7F0055"/>
+                </a:solidFill>
+                <a:latin typeface="Courier New"/>
+              </a:rPr>
+              <a:t>  def</a:t>
+            </a:r>
+            <a:r>
+              <a:rPr lang="en-US" sz="2800" b="1" dirty="0" smtClean="0">
+                <a:latin typeface="Courier New"/>
+              </a:rPr>
+              <a:t> </a:t>
+            </a:r>
+            <a:r>
+              <a:rPr lang="en-US" sz="2800" b="1" dirty="0" smtClean="0">
+                <a:latin typeface="Courier New"/>
+              </a:rPr>
+              <a:t>&gt;&gt;(e: =&gt;</a:t>
+            </a:r>
+            <a:r>
+              <a:rPr lang="en-US" sz="2800" b="1" dirty="0" smtClean="0">
+                <a:solidFill>
+                  <a:srgbClr val="7F0055"/>
+                </a:solidFill>
+                <a:latin typeface="Courier New"/>
+              </a:rPr>
+              <a:t>Any</a:t>
+            </a:r>
+            <a:r>
+              <a:rPr lang="en-US" sz="2800" b="1" dirty="0" smtClean="0">
+                <a:latin typeface="Courier New"/>
+              </a:rPr>
+              <a:t>): Example = </a:t>
+            </a:r>
+            <a:r>
+              <a:rPr lang="en-US" sz="2800" b="1" dirty="0" smtClean="0">
+                <a:solidFill>
+                  <a:srgbClr val="7F0055"/>
+                </a:solidFill>
+                <a:latin typeface="Courier New"/>
+              </a:rPr>
+              <a:t>new</a:t>
+            </a:r>
+            <a:r>
+              <a:rPr lang="en-US" sz="2800" b="1" dirty="0" smtClean="0">
+                <a:latin typeface="Courier New"/>
+              </a:rPr>
+              <a:t> </a:t>
+            </a:r>
+            <a:r>
+              <a:rPr lang="en-US" sz="2800" b="1" dirty="0" smtClean="0">
+                <a:latin typeface="Courier New"/>
+              </a:rPr>
+              <a:t>Example(d, </a:t>
+            </a:r>
+            <a:r>
+              <a:rPr lang="en-US" sz="2800" b="1" dirty="0" smtClean="0">
+                <a:latin typeface="Courier New"/>
+              </a:rPr>
+              <a:t>e)</a:t>
+            </a:r>
+          </a:p>
+          <a:p>
+            <a:r>
+              <a:rPr lang="en-US" sz="2800" dirty="0" smtClean="0">
+                <a:latin typeface="Courier New"/>
+              </a:rPr>
+              <a:t>}</a:t>
+            </a:r>
+            <a:endParaRPr lang="en-US" sz="2800" dirty="0" smtClean="0">
+              <a:latin typeface="Courier New"/>
+            </a:endParaRPr>
+          </a:p>
+          <a:p>
+            <a:r>
+              <a:rPr lang="en-US" sz="2800" b="1" dirty="0" smtClean="0">
+                <a:solidFill>
+                  <a:srgbClr val="7F0055"/>
+                </a:solidFill>
+                <a:latin typeface="Courier New"/>
+              </a:rPr>
+              <a:t>class</a:t>
+            </a:r>
+            <a:r>
+              <a:rPr lang="en-US" sz="2800" b="1" dirty="0" smtClean="0">
+                <a:latin typeface="Courier New"/>
+              </a:rPr>
+              <a:t> Example(d: </a:t>
+            </a:r>
+            <a:r>
+              <a:rPr lang="en-US" sz="2800" b="1" dirty="0" smtClean="0">
+                <a:latin typeface="Courier New"/>
+              </a:rPr>
+              <a:t>String, </a:t>
+            </a:r>
+            <a:r>
+              <a:rPr lang="en-US" sz="2800" b="1" dirty="0" smtClean="0">
+                <a:latin typeface="Courier New"/>
+              </a:rPr>
+              <a:t>e: </a:t>
+            </a:r>
+            <a:r>
+              <a:rPr lang="en-US" sz="2800" b="1" dirty="0" smtClean="0">
+                <a:latin typeface="Courier New"/>
+              </a:rPr>
+              <a:t>=&gt;</a:t>
+            </a:r>
+            <a:r>
+              <a:rPr lang="en-US" sz="2800" b="1" dirty="0" smtClean="0">
+                <a:solidFill>
+                  <a:srgbClr val="7F0055"/>
+                </a:solidFill>
+                <a:latin typeface="Courier New"/>
+              </a:rPr>
+              <a:t>Any</a:t>
+            </a:r>
+            <a:r>
+              <a:rPr lang="en-US" sz="2800" b="1" dirty="0" smtClean="0">
+                <a:latin typeface="Courier New"/>
+              </a:rPr>
+              <a:t>) {</a:t>
+            </a:r>
+          </a:p>
+          <a:p>
+            <a:r>
+              <a:rPr lang="en-US" sz="2800" b="1" dirty="0" smtClean="0">
+                <a:solidFill>
+                  <a:srgbClr val="7F0055"/>
+                </a:solidFill>
+                <a:latin typeface="Courier New"/>
+              </a:rPr>
+              <a:t>  def</a:t>
+            </a:r>
+            <a:r>
+              <a:rPr lang="en-US" sz="2800" b="1" dirty="0" smtClean="0">
+                <a:latin typeface="Courier New"/>
+              </a:rPr>
+              <a:t> </a:t>
+            </a:r>
+            <a:r>
+              <a:rPr lang="en-US" sz="2800" b="1" dirty="0" smtClean="0">
+                <a:latin typeface="Courier New"/>
+              </a:rPr>
+              <a:t>&gt;&gt;(e: =&gt;</a:t>
+            </a:r>
+            <a:r>
+              <a:rPr lang="en-US" sz="2800" b="1" dirty="0" smtClean="0">
+                <a:solidFill>
+                  <a:srgbClr val="7F0055"/>
+                </a:solidFill>
+                <a:latin typeface="Courier New"/>
+              </a:rPr>
+              <a:t>Any</a:t>
+            </a:r>
+            <a:r>
+              <a:rPr lang="en-US" sz="2800" b="1" dirty="0" smtClean="0">
+                <a:latin typeface="Courier New"/>
+              </a:rPr>
+              <a:t>): Example = </a:t>
+            </a:r>
+            <a:r>
+              <a:rPr lang="en-US" sz="2800" b="1" dirty="0" smtClean="0">
+                <a:solidFill>
+                  <a:srgbClr val="7F0055"/>
+                </a:solidFill>
+                <a:latin typeface="Courier New"/>
+              </a:rPr>
+              <a:t>new</a:t>
+            </a:r>
+            <a:r>
+              <a:rPr lang="en-US" sz="2800" b="1" dirty="0" smtClean="0">
+                <a:latin typeface="Courier New"/>
+              </a:rPr>
+              <a:t> </a:t>
+            </a:r>
+            <a:r>
+              <a:rPr lang="en-US" sz="2800" b="1" dirty="0" smtClean="0">
+                <a:latin typeface="Courier New"/>
+              </a:rPr>
+              <a:t>Example(d, </a:t>
+            </a:r>
+            <a:r>
+              <a:rPr lang="en-US" sz="2800" b="1" dirty="0" smtClean="0">
+                <a:latin typeface="Courier New"/>
+              </a:rPr>
+              <a:t>e)</a:t>
+            </a:r>
+          </a:p>
+          <a:p>
+            <a:r>
+              <a:rPr lang="en-US" sz="2800" dirty="0" smtClean="0">
+                <a:latin typeface="Courier New"/>
+              </a:rPr>
+              <a:t>}</a:t>
+            </a:r>
+            <a:endParaRPr lang="en-US" sz="2800" dirty="0" smtClean="0">
+              <a:latin typeface="Courier New"/>
+            </a:endParaRPr>
+          </a:p>
+          <a:p>
+            <a:endParaRPr lang="en-US" sz="2800" dirty="0" smtClean="0">
+              <a:solidFill>
+                <a:srgbClr val="2A00FF"/>
+              </a:solidFill>
+              <a:latin typeface="Courier New"/>
+            </a:endParaRPr>
+          </a:p>
+          <a:p>
+            <a:r>
+              <a:rPr lang="en-US" sz="2800" dirty="0" smtClean="0">
+                <a:solidFill>
+                  <a:srgbClr val="2A00FF"/>
+                </a:solidFill>
+                <a:latin typeface="Courier New"/>
+              </a:rPr>
+              <a:t>"</a:t>
+            </a:r>
+            <a:r>
+              <a:rPr lang="en-US" sz="2800" dirty="0" smtClean="0">
+                <a:solidFill>
+                  <a:srgbClr val="2A00FF"/>
+                </a:solidFill>
+                <a:latin typeface="Courier New"/>
+              </a:rPr>
+              <a:t>When I setup the system"</a:t>
+            </a:r>
+            <a:r>
+              <a:rPr lang="en-US" sz="2800" dirty="0" smtClean="0">
+                <a:latin typeface="Courier New"/>
+              </a:rPr>
+              <a:t> &gt;&gt; {</a:t>
+            </a:r>
+          </a:p>
+          <a:p>
+            <a:r>
+              <a:rPr lang="en-US" sz="2800" dirty="0" smtClean="0">
+                <a:solidFill>
+                  <a:srgbClr val="2A00FF"/>
+                </a:solidFill>
+                <a:latin typeface="Courier New"/>
+              </a:rPr>
+              <a:t>  "</a:t>
+            </a:r>
+            <a:r>
+              <a:rPr lang="en-US" sz="2800" dirty="0" smtClean="0">
+                <a:solidFill>
+                  <a:srgbClr val="2A00FF"/>
+                </a:solidFill>
+                <a:latin typeface="Courier New"/>
+              </a:rPr>
+              <a:t>And a customer is entered"</a:t>
+            </a:r>
+            <a:r>
+              <a:rPr lang="en-US" sz="2800" dirty="0" smtClean="0">
+                <a:latin typeface="Courier New"/>
+              </a:rPr>
+              <a:t> &gt;&gt; {</a:t>
+            </a:r>
+          </a:p>
+          <a:p>
+            <a:r>
+              <a:rPr lang="en-US" sz="2800" dirty="0" smtClean="0">
+                <a:latin typeface="Courier New"/>
+              </a:rPr>
+              <a:t>  </a:t>
+            </a:r>
+            <a:r>
+              <a:rPr lang="en-US" sz="2800" dirty="0" smtClean="0">
+                <a:latin typeface="Courier New"/>
+              </a:rPr>
+              <a:t>  </a:t>
+            </a:r>
+            <a:r>
+              <a:rPr lang="en-US" sz="2800" dirty="0" smtClean="0">
+                <a:solidFill>
+                  <a:srgbClr val="2A00FF"/>
+                </a:solidFill>
+                <a:latin typeface="Courier New"/>
+              </a:rPr>
+              <a:t>"</a:t>
+            </a:r>
+            <a:r>
+              <a:rPr lang="en-US" sz="2800" dirty="0" smtClean="0">
+                <a:solidFill>
+                  <a:srgbClr val="2A00FF"/>
+                </a:solidFill>
+                <a:latin typeface="Courier New"/>
+              </a:rPr>
+              <a:t>if he has a discount"</a:t>
+            </a:r>
+            <a:r>
+              <a:rPr lang="en-US" sz="2800" dirty="0" smtClean="0">
+                <a:latin typeface="Courier New"/>
+              </a:rPr>
+              <a:t> &gt;&gt; {}</a:t>
+            </a:r>
+          </a:p>
+          <a:p>
+            <a:r>
+              <a:rPr lang="en-US" sz="2800" dirty="0" smtClean="0">
+                <a:latin typeface="Courier New"/>
+              </a:rPr>
+              <a:t>  </a:t>
+            </a:r>
+            <a:r>
+              <a:rPr lang="en-US" sz="2800" dirty="0" smtClean="0">
+                <a:latin typeface="Courier New"/>
+              </a:rPr>
+              <a:t>  </a:t>
+            </a:r>
+            <a:r>
+              <a:rPr lang="en-US" sz="2800" dirty="0" smtClean="0">
+                <a:solidFill>
+                  <a:srgbClr val="2A00FF"/>
+                </a:solidFill>
+                <a:latin typeface="Courier New"/>
+              </a:rPr>
+              <a:t>"</a:t>
+            </a:r>
+            <a:r>
+              <a:rPr lang="en-US" sz="2800" dirty="0" smtClean="0">
+                <a:solidFill>
+                  <a:srgbClr val="2A00FF"/>
+                </a:solidFill>
+                <a:latin typeface="Courier New"/>
+              </a:rPr>
+              <a:t>if he doesn't have a discount"</a:t>
+            </a:r>
+            <a:r>
+              <a:rPr lang="en-US" sz="2800" dirty="0" smtClean="0">
+                <a:latin typeface="Courier New"/>
+              </a:rPr>
+              <a:t> &gt;&gt; {}</a:t>
+            </a:r>
+          </a:p>
+          <a:p>
+            <a:r>
+              <a:rPr lang="en-US" sz="2800" dirty="0" smtClean="0">
+                <a:latin typeface="Courier New"/>
+              </a:rPr>
+              <a:t>  }</a:t>
+            </a:r>
+            <a:endParaRPr lang="en-US" sz="2800" dirty="0" smtClean="0">
+              <a:latin typeface="Courier New"/>
+            </a:endParaRPr>
+          </a:p>
+          <a:p>
+            <a:r>
+              <a:rPr lang="en-US" sz="2800" dirty="0" smtClean="0">
+                <a:latin typeface="Courier New"/>
+              </a:rPr>
+              <a:t>}</a:t>
+            </a:r>
+            <a:endParaRPr lang="en-US" sz="2800" b="1" dirty="0" smtClean="0">
+              <a:solidFill>
+                <a:srgbClr val="7F0055"/>
+              </a:solidFill>
+              <a:latin typeface="Courier New"/>
+            </a:endParaRPr>
+          </a:p>
+        </p:txBody>
+      </p:sp>
+      <p:sp>
+        <p:nvSpPr>
+          <p:cNvPr id="14" name="Rectangle 13"/>
+          <p:cNvSpPr/>
+          <p:nvPr/>
+        </p:nvSpPr>
+        <p:spPr>
+          <a:xfrm>
+            <a:off x="3759200" y="1447800"/>
+            <a:ext cx="3978973" cy="923330"/>
+          </a:xfrm>
+          <a:prstGeom prst="rect">
+            <a:avLst/>
+          </a:prstGeom>
+        </p:spPr>
+        <p:txBody>
+          <a:bodyPr wrap="none">
+            <a:spAutoFit/>
+          </a:bodyPr>
+          <a:lstStyle/>
+          <a:p>
+            <a:pPr algn="ctr"/>
+            <a:r>
+              <a:rPr lang="en-US" sz="5400" b="1" kern="0" dirty="0" smtClean="0">
+                <a:solidFill>
+                  <a:srgbClr val="0C0F20"/>
+                </a:solidFill>
+                <a:latin typeface="Lucida Handwriting" pitchFamily="66" charset="0"/>
+                <a:cs typeface="+mj-cs"/>
+                <a:sym typeface="Arial" charset="0"/>
+              </a:rPr>
+              <a:t>Operators</a:t>
+            </a:r>
+            <a:endParaRPr lang="en-US" dirty="0"/>
+          </a:p>
+        </p:txBody>
+      </p:sp>
+      <p:pic>
+        <p:nvPicPr>
+          <p:cNvPr id="15" name="Picture 2" descr="toolbox icon"/>
+          <p:cNvPicPr>
+            <a:picLocks noChangeAspect="1" noChangeArrowheads="1"/>
+          </p:cNvPicPr>
+          <p:nvPr/>
+        </p:nvPicPr>
+        <p:blipFill>
+          <a:blip r:embed="rId4"/>
+          <a:srcRect/>
+          <a:stretch>
+            <a:fillRect/>
+          </a:stretch>
+        </p:blipFill>
+        <p:spPr bwMode="auto">
+          <a:xfrm>
+            <a:off x="515040" y="1066800"/>
+            <a:ext cx="1676400" cy="1676401"/>
+          </a:xfrm>
+          <a:prstGeom prst="rect">
+            <a:avLst/>
+          </a:prstGeom>
+          <a:noFill/>
+        </p:spPr>
+      </p:pic>
+    </p:spTree>
+  </p:cSld>
+  <p:clrMapOvr>
+    <a:masterClrMapping/>
+  </p:clrMapOvr>
+  <p:transition>
+    <p:fade/>
+  </p:transition>
+  <p:timing>
+    <p:tnLst>
+      <p:par>
+        <p:cTn id="1" dur="indefinite" restart="never" nodeType="tmRoot">
+          <p:childTnLst>
+            <p:seq concurrent="1" nextAc="seek">
+              <p:cTn id="2" dur="indefinite" nodeType="mainSeq">
+                <p:childTnLst>
+                  <p:par>
+                    <p:cTn id="3" fill="hold">
+                      <p:stCondLst>
+                        <p:cond delay="indefinite"/>
+                        <p:cond evt="onBegin" delay="0">
+                          <p:tn val="2"/>
+                        </p:cond>
+                      </p:stCondLst>
+                      <p:childTnLst>
+                        <p:par>
+                          <p:cTn id="4" fill="hold">
+                            <p:stCondLst>
+                              <p:cond delay="0"/>
+                            </p:stCondLst>
+                            <p:childTnLst>
+                              <p:par>
+                                <p:cTn id="5" presetID="1" presetClass="entr" presetSubtype="0" fill="hold" nodeType="withEffect">
+                                  <p:stCondLst>
+                                    <p:cond delay="0"/>
+                                  </p:stCondLst>
+                                  <p:childTnLst>
+                                    <p:set>
+                                      <p:cBhvr>
+                                        <p:cTn id="6" dur="1" fill="hold">
+                                          <p:stCondLst>
+                                            <p:cond delay="0"/>
+                                          </p:stCondLst>
+                                        </p:cTn>
+                                        <p:tgtEl>
+                                          <p:spTgt spid="8"/>
+                                        </p:tgtEl>
+                                        <p:attrNameLst>
+                                          <p:attrName>style.visibility</p:attrName>
+                                        </p:attrNameLst>
+                                      </p:cBhvr>
+                                      <p:to>
+                                        <p:strVal val="visible"/>
+                                      </p:to>
+                                    </p:set>
+                                  </p:childTnLst>
+                                </p:cTn>
+                              </p:par>
+                            </p:childTnLst>
+                          </p:cTn>
+                        </p:par>
+                      </p:childTnLst>
+                    </p:cTn>
+                  </p:par>
+                </p:childTnLst>
+              </p:cTn>
+              <p:prevCondLst>
+                <p:cond evt="onPrev" delay="0">
+                  <p:tgtEl>
+                    <p:sldTgt/>
+                  </p:tgtEl>
+                </p:cond>
+              </p:prevCondLst>
+              <p:nextCondLst>
+                <p:cond evt="onNext" delay="0">
+                  <p:tgtEl>
+                    <p:sldTgt/>
+                  </p:tgtEl>
+                </p:cond>
+              </p:nextCondLst>
+            </p:seq>
+          </p:childTnLst>
+        </p:cTn>
+      </p:par>
+    </p:tnLst>
+  </p:timing>
+</p:sld>
+</file>
+
+<file path=ppt/slides/slide35.xml><?xml version="1.0" encoding="utf-8"?>
+<p:sld xmlns:a="http://schemas.openxmlformats.org/drawingml/2006/main" xmlns:r="http://schemas.openxmlformats.org/officeDocument/2006/relationships" xmlns:p="http://schemas.openxmlformats.org/presentationml/2006/main">
+  <p:cSld>
+    <p:spTree>
+      <p:nvGrpSpPr>
+        <p:cNvPr id="1" name=""/>
+        <p:cNvGrpSpPr/>
+        <p:nvPr/>
+      </p:nvGrpSpPr>
+      <p:grpSpPr>
+        <a:xfrm>
+          <a:off x="0" y="0"/>
+          <a:ext cx="0" cy="0"/>
+          <a:chOff x="0" y="0"/>
+          <a:chExt cx="0" cy="0"/>
+        </a:xfrm>
+      </p:grpSpPr>
+      <p:sp>
+        <p:nvSpPr>
+          <p:cNvPr id="8193" name="Rectangle 1"/>
+          <p:cNvSpPr>
+            <a:spLocks noGrp="1" noChangeArrowheads="1"/>
+          </p:cNvSpPr>
+          <p:nvPr>
+            <p:ph type="title"/>
+          </p:nvPr>
+        </p:nvSpPr>
+        <p:spPr>
+          <a:xfrm>
+            <a:off x="711200" y="0"/>
+            <a:ext cx="12509500" cy="914400"/>
+          </a:xfrm>
+          <a:ln/>
+        </p:spPr>
+        <p:txBody>
+          <a:bodyPr/>
+          <a:lstStyle/>
+          <a:p>
+            <a:pPr lvl="0"/>
+            <a:r>
+              <a:rPr lang="en-US" sz="5400" dirty="0" smtClean="0">
+                <a:latin typeface="Lucida Handwriting" pitchFamily="66" charset="0"/>
+              </a:rPr>
+              <a:t>     </a:t>
+            </a:r>
+            <a:r>
+              <a:rPr lang="en-US" sz="5400" dirty="0" smtClean="0">
+                <a:latin typeface="Lucida Handwriting" pitchFamily="66" charset="0"/>
+              </a:rPr>
+              <a:t>DSL</a:t>
+            </a:r>
+            <a:endParaRPr lang="en-US" dirty="0"/>
+          </a:p>
+        </p:txBody>
+      </p:sp>
+      <p:sp>
+        <p:nvSpPr>
+          <p:cNvPr id="7" name="Rectangle 6"/>
+          <p:cNvSpPr/>
+          <p:nvPr/>
+        </p:nvSpPr>
+        <p:spPr>
+          <a:xfrm>
+            <a:off x="4510641" y="1438870"/>
+            <a:ext cx="4503156" cy="923330"/>
+          </a:xfrm>
+          <a:prstGeom prst="rect">
+            <a:avLst/>
+          </a:prstGeom>
+        </p:spPr>
+        <p:txBody>
+          <a:bodyPr wrap="none">
+            <a:spAutoFit/>
+          </a:bodyPr>
+          <a:lstStyle/>
+          <a:p>
+            <a:pPr algn="ctr"/>
+            <a:r>
+              <a:rPr lang="en-US" sz="5400" b="1" kern="0" dirty="0" smtClean="0">
+                <a:solidFill>
+                  <a:srgbClr val="00CC66"/>
+                </a:solidFill>
+                <a:latin typeface="Lucida Handwriting" pitchFamily="66" charset="0"/>
+                <a:cs typeface="+mj-cs"/>
+                <a:sym typeface="Arial" charset="0"/>
+              </a:rPr>
+              <a:t>precedence</a:t>
+            </a:r>
+            <a:endParaRPr lang="en-US" dirty="0">
+              <a:solidFill>
+                <a:srgbClr val="00CC66"/>
+              </a:solidFill>
+            </a:endParaRPr>
+          </a:p>
+        </p:txBody>
+      </p:sp>
+      <p:pic>
+        <p:nvPicPr>
+          <p:cNvPr id="8" name="Picture 10" descr="http://knowledgehub.zeus.com/media/Scala_Logo2008.png"/>
+          <p:cNvPicPr>
+            <a:picLocks noChangeAspect="1" noChangeArrowheads="1"/>
+          </p:cNvPicPr>
+          <p:nvPr/>
+        </p:nvPicPr>
+        <p:blipFill>
+          <a:blip r:embed="rId3"/>
+          <a:srcRect/>
+          <a:stretch>
+            <a:fillRect/>
+          </a:stretch>
+        </p:blipFill>
+        <p:spPr bwMode="auto">
+          <a:xfrm>
+            <a:off x="4140200" y="76200"/>
+            <a:ext cx="2279542" cy="679257"/>
+          </a:xfrm>
+          <a:prstGeom prst="rect">
+            <a:avLst/>
+          </a:prstGeom>
+          <a:noFill/>
+        </p:spPr>
+      </p:pic>
+      <p:sp>
+        <p:nvSpPr>
+          <p:cNvPr id="11" name="Rectangle 10"/>
+          <p:cNvSpPr/>
+          <p:nvPr/>
+        </p:nvSpPr>
+        <p:spPr>
+          <a:xfrm>
+            <a:off x="330200" y="2819400"/>
+            <a:ext cx="12344400" cy="3539430"/>
+          </a:xfrm>
+          <a:prstGeom prst="rect">
+            <a:avLst/>
+          </a:prstGeom>
+          <a:solidFill>
+            <a:schemeClr val="bg1"/>
+          </a:solidFill>
+          <a:ln>
+            <a:solidFill>
+              <a:schemeClr val="tx1"/>
+            </a:solidFill>
+            <a:prstDash val="dash"/>
+          </a:ln>
+        </p:spPr>
+        <p:txBody>
+          <a:bodyPr wrap="square">
+            <a:spAutoFit/>
+          </a:bodyPr>
+          <a:lstStyle/>
+          <a:p>
+            <a:r>
+              <a:rPr lang="en-US" sz="3200" dirty="0" smtClean="0">
+                <a:solidFill>
+                  <a:srgbClr val="3F5FBF"/>
+                </a:solidFill>
+                <a:latin typeface="Courier New"/>
+              </a:rPr>
+              <a:t>/**</a:t>
+            </a:r>
+            <a:endParaRPr lang="en-US" sz="3200" dirty="0" smtClean="0">
+              <a:solidFill>
+                <a:srgbClr val="3F5FBF"/>
+              </a:solidFill>
+              <a:latin typeface="Courier New"/>
+            </a:endParaRPr>
+          </a:p>
+          <a:p>
+            <a:r>
+              <a:rPr lang="en-US" sz="3200" dirty="0" smtClean="0">
+                <a:solidFill>
+                  <a:srgbClr val="3F5FBF"/>
+                </a:solidFill>
+                <a:latin typeface="Courier New"/>
+              </a:rPr>
+              <a:t> </a:t>
+            </a:r>
+            <a:r>
+              <a:rPr lang="en-US" sz="3200" dirty="0" smtClean="0">
+                <a:solidFill>
+                  <a:srgbClr val="3F5FBF"/>
+                </a:solidFill>
+                <a:latin typeface="Courier New"/>
+              </a:rPr>
+              <a:t>* Fit</a:t>
+            </a:r>
+            <a:r>
+              <a:rPr lang="en-US" sz="3200" dirty="0" smtClean="0">
+                <a:solidFill>
+                  <a:srgbClr val="7F7F9F"/>
+                </a:solidFill>
+                <a:latin typeface="Courier New"/>
+              </a:rPr>
+              <a:t>-</a:t>
+            </a:r>
+            <a:r>
+              <a:rPr lang="en-US" sz="3200" dirty="0" smtClean="0">
+                <a:solidFill>
+                  <a:srgbClr val="3F5FBF"/>
+                </a:solidFill>
+                <a:latin typeface="Courier New"/>
+              </a:rPr>
+              <a:t>like table in </a:t>
+            </a:r>
+            <a:r>
+              <a:rPr lang="en-US" sz="3200" dirty="0" err="1" smtClean="0">
+                <a:solidFill>
+                  <a:srgbClr val="3F5FBF"/>
+                </a:solidFill>
+                <a:latin typeface="Courier New"/>
+              </a:rPr>
+              <a:t>Scala</a:t>
+            </a:r>
+            <a:r>
+              <a:rPr lang="en-US" sz="3200" dirty="0" smtClean="0">
+                <a:solidFill>
+                  <a:srgbClr val="3F5FBF"/>
+                </a:solidFill>
+                <a:latin typeface="Courier New"/>
+              </a:rPr>
+              <a:t>?</a:t>
+            </a:r>
+          </a:p>
+          <a:p>
+            <a:r>
+              <a:rPr lang="en-US" sz="3200" dirty="0" smtClean="0">
+                <a:solidFill>
+                  <a:srgbClr val="3F5FBF"/>
+                </a:solidFill>
+                <a:latin typeface="Courier New"/>
+              </a:rPr>
+              <a:t> </a:t>
+            </a:r>
+            <a:r>
+              <a:rPr lang="en-US" sz="3200" dirty="0" smtClean="0">
+                <a:solidFill>
+                  <a:srgbClr val="3F5FBF"/>
+                </a:solidFill>
+                <a:latin typeface="Courier New"/>
+              </a:rPr>
+              <a:t>* </a:t>
+            </a:r>
+          </a:p>
+          <a:p>
+            <a:r>
+              <a:rPr lang="en-US" sz="3200" dirty="0" smtClean="0">
+                <a:solidFill>
+                  <a:srgbClr val="3F5FBF"/>
+                </a:solidFill>
+                <a:latin typeface="Courier New"/>
+              </a:rPr>
+              <a:t> </a:t>
+            </a:r>
+            <a:r>
+              <a:rPr lang="en-US" sz="3200" dirty="0" smtClean="0">
+                <a:solidFill>
+                  <a:srgbClr val="3F5FBF"/>
+                </a:solidFill>
+                <a:latin typeface="Courier New"/>
+              </a:rPr>
+              <a:t>*  | a | b | c |</a:t>
+            </a:r>
+          </a:p>
+          <a:p>
+            <a:r>
+              <a:rPr lang="en-US" sz="3200" dirty="0" smtClean="0">
+                <a:solidFill>
+                  <a:srgbClr val="3F5FBF"/>
+                </a:solidFill>
+                <a:latin typeface="Courier New"/>
+              </a:rPr>
+              <a:t> </a:t>
+            </a:r>
+            <a:r>
+              <a:rPr lang="en-US" sz="3200" dirty="0" smtClean="0">
+                <a:solidFill>
+                  <a:srgbClr val="3F5FBF"/>
+                </a:solidFill>
+                <a:latin typeface="Courier New"/>
+              </a:rPr>
+              <a:t>*  | 1 | 2 | 3 |</a:t>
+            </a:r>
+          </a:p>
+          <a:p>
+            <a:r>
+              <a:rPr lang="en-US" sz="3200" dirty="0" smtClean="0">
+                <a:solidFill>
+                  <a:srgbClr val="3F5FBF"/>
+                </a:solidFill>
+                <a:latin typeface="Courier New"/>
+              </a:rPr>
+              <a:t> </a:t>
+            </a:r>
+            <a:r>
+              <a:rPr lang="en-US" sz="3200" dirty="0" smtClean="0">
+                <a:solidFill>
+                  <a:srgbClr val="3F5FBF"/>
+                </a:solidFill>
+                <a:latin typeface="Courier New"/>
+              </a:rPr>
+              <a:t>*  | 2 | 2 | 4 |</a:t>
+            </a:r>
+          </a:p>
+          <a:p>
+            <a:r>
+              <a:rPr lang="en-US" sz="3200" dirty="0" smtClean="0">
+                <a:solidFill>
+                  <a:srgbClr val="3F5FBF"/>
+                </a:solidFill>
+                <a:latin typeface="Courier New"/>
+              </a:rPr>
+              <a:t> </a:t>
+            </a:r>
+            <a:r>
+              <a:rPr lang="en-US" sz="3200" dirty="0" smtClean="0">
+                <a:solidFill>
+                  <a:srgbClr val="3F5FBF"/>
+                </a:solidFill>
+                <a:latin typeface="Courier New"/>
+              </a:rPr>
+              <a:t>*/</a:t>
+            </a:r>
+            <a:endParaRPr lang="en-US" sz="3200" b="1" dirty="0" smtClean="0">
+              <a:solidFill>
+                <a:srgbClr val="7F0055"/>
+              </a:solidFill>
+              <a:latin typeface="Courier New"/>
+            </a:endParaRPr>
+          </a:p>
+        </p:txBody>
+      </p:sp>
+      <p:pic>
+        <p:nvPicPr>
+          <p:cNvPr id="70662" name="Picture 6" descr="magic, wizard icon"/>
+          <p:cNvPicPr>
+            <a:picLocks noChangeAspect="1" noChangeArrowheads="1"/>
+          </p:cNvPicPr>
+          <p:nvPr/>
+        </p:nvPicPr>
+        <p:blipFill>
+          <a:blip r:embed="rId4"/>
+          <a:srcRect/>
+          <a:stretch>
+            <a:fillRect/>
+          </a:stretch>
+        </p:blipFill>
+        <p:spPr bwMode="auto">
+          <a:xfrm>
+            <a:off x="635000" y="1143000"/>
+            <a:ext cx="1295400" cy="1295401"/>
+          </a:xfrm>
+          <a:prstGeom prst="rect">
+            <a:avLst/>
+          </a:prstGeom>
+          <a:noFill/>
+        </p:spPr>
+      </p:pic>
+      <p:sp>
+        <p:nvSpPr>
+          <p:cNvPr id="10" name="Rectangle 1"/>
+          <p:cNvSpPr txBox="1">
+            <a:spLocks noChangeArrowheads="1"/>
+          </p:cNvSpPr>
+          <p:nvPr/>
+        </p:nvSpPr>
+        <p:spPr bwMode="auto">
+          <a:xfrm>
+            <a:off x="3683000" y="6629400"/>
+            <a:ext cx="8686800" cy="1295400"/>
+          </a:xfrm>
+          <a:prstGeom prst="rect">
+            <a:avLst/>
+          </a:prstGeom>
+          <a:noFill/>
+          <a:ln w="12700">
+            <a:noFill/>
+            <a:miter lim="800000"/>
+            <a:headEnd/>
+            <a:tailEnd/>
+          </a:ln>
+          <a:effectLst/>
+        </p:spPr>
+        <p:txBody>
+          <a:bodyPr vert="horz" wrap="square" lIns="50800" tIns="50800" rIns="50800" bIns="50800" numCol="1" anchor="ctr" anchorCtr="0" compatLnSpc="1">
+            <a:prstTxWarp prst="textNoShape">
+              <a:avLst/>
+            </a:prstTxWarp>
+          </a:bodyPr>
+          <a:lstStyle/>
+          <a:p>
+            <a:pPr lvl="0"/>
+            <a:r>
+              <a:rPr lang="en-US" sz="4400" b="1" kern="0" dirty="0" smtClean="0">
+                <a:solidFill>
+                  <a:srgbClr val="FF0000"/>
+                </a:solidFill>
+                <a:latin typeface="Candara" pitchFamily="34" charset="0"/>
+                <a:ea typeface="+mj-ea"/>
+                <a:cs typeface="+mj-cs"/>
+                <a:sym typeface="Arial" charset="0"/>
+              </a:rPr>
+              <a:t>   Use </a:t>
+            </a:r>
+            <a:r>
+              <a:rPr lang="en-US" sz="4400" b="1" kern="0" dirty="0" smtClean="0">
+                <a:solidFill>
+                  <a:srgbClr val="FF0000"/>
+                </a:solidFill>
+                <a:latin typeface="Courier New" pitchFamily="49" charset="0"/>
+                <a:ea typeface="+mj-ea"/>
+                <a:cs typeface="Courier New" pitchFamily="49" charset="0"/>
+                <a:sym typeface="Arial" charset="0"/>
+              </a:rPr>
+              <a:t>‘!</a:t>
+            </a:r>
+            <a:r>
+              <a:rPr lang="en-US" sz="4400" b="1" kern="0" dirty="0" smtClean="0">
+                <a:solidFill>
+                  <a:srgbClr val="FF0000"/>
+                </a:solidFill>
+                <a:latin typeface="Courier New" pitchFamily="49" charset="0"/>
+                <a:cs typeface="Courier New" pitchFamily="49" charset="0"/>
+                <a:sym typeface="Arial" charset="0"/>
+              </a:rPr>
+              <a:t>‘</a:t>
+            </a:r>
+            <a:r>
+              <a:rPr lang="en-US" sz="4400" b="1" kern="0" dirty="0" smtClean="0">
+                <a:solidFill>
+                  <a:srgbClr val="FF0000"/>
+                </a:solidFill>
+                <a:latin typeface="Candara" pitchFamily="34" charset="0"/>
+                <a:ea typeface="+mj-ea"/>
+                <a:cs typeface="+mj-cs"/>
+                <a:sym typeface="Arial" charset="0"/>
+              </a:rPr>
+              <a:t>  to separate cells and</a:t>
+            </a:r>
+          </a:p>
+          <a:p>
+            <a:pPr lvl="0"/>
+            <a:r>
+              <a:rPr lang="en-US" sz="4400" b="1" kern="0" dirty="0" smtClean="0">
+                <a:solidFill>
+                  <a:srgbClr val="FF0000"/>
+                </a:solidFill>
+                <a:latin typeface="Candara" pitchFamily="34" charset="0"/>
+                <a:ea typeface="+mj-ea"/>
+                <a:cs typeface="+mj-cs"/>
+                <a:sym typeface="Arial" charset="0"/>
+              </a:rPr>
+              <a:t>           </a:t>
+            </a:r>
+            <a:r>
+              <a:rPr lang="en-US" sz="4400" b="1" kern="0" dirty="0" smtClean="0">
+                <a:solidFill>
+                  <a:srgbClr val="FF0000"/>
+                </a:solidFill>
+                <a:latin typeface="Courier New" pitchFamily="49" charset="0"/>
+                <a:cs typeface="Courier New" pitchFamily="49" charset="0"/>
+                <a:sym typeface="Arial" charset="0"/>
+              </a:rPr>
+              <a:t>‘</a:t>
+            </a:r>
+            <a:r>
+              <a:rPr lang="en-US" sz="4400" b="1" kern="0" dirty="0" smtClean="0">
+                <a:solidFill>
+                  <a:srgbClr val="FF0000"/>
+                </a:solidFill>
+                <a:latin typeface="Courier New" pitchFamily="49" charset="0"/>
+                <a:ea typeface="+mj-ea"/>
+                <a:cs typeface="Courier New" pitchFamily="49" charset="0"/>
+                <a:sym typeface="Arial" charset="0"/>
+              </a:rPr>
+              <a:t>|</a:t>
+            </a:r>
+            <a:r>
+              <a:rPr lang="en-US" sz="4400" b="1" kern="0" dirty="0" smtClean="0">
+                <a:solidFill>
+                  <a:srgbClr val="FF0000"/>
+                </a:solidFill>
+                <a:latin typeface="Courier New" pitchFamily="49" charset="0"/>
+                <a:cs typeface="Courier New" pitchFamily="49" charset="0"/>
+                <a:sym typeface="Arial" charset="0"/>
+              </a:rPr>
+              <a:t>‘</a:t>
+            </a:r>
+            <a:r>
+              <a:rPr lang="en-US" sz="4400" b="1" kern="0" dirty="0" smtClean="0">
+                <a:solidFill>
+                  <a:srgbClr val="FF0000"/>
+                </a:solidFill>
+                <a:latin typeface="Candara" pitchFamily="34" charset="0"/>
+                <a:ea typeface="+mj-ea"/>
+                <a:cs typeface="+mj-cs"/>
+                <a:sym typeface="Arial" charset="0"/>
+              </a:rPr>
+              <a:t>  to separate rows</a:t>
+            </a:r>
+            <a:endParaRPr kumimoji="0" lang="en-US" sz="4400" b="1" i="0" u="none" strike="noStrike" kern="0" cap="none" spc="0" normalizeH="0" baseline="0" noProof="0" dirty="0">
+              <a:ln>
+                <a:noFill/>
+              </a:ln>
+              <a:solidFill>
+                <a:srgbClr val="E75145"/>
+              </a:solidFill>
+              <a:effectLst/>
+              <a:uLnTx/>
+              <a:uFillTx/>
+              <a:latin typeface="Candara" pitchFamily="34" charset="0"/>
+              <a:ea typeface="+mj-ea"/>
+              <a:cs typeface="+mj-cs"/>
+              <a:sym typeface="Arial" charset="0"/>
+            </a:endParaRPr>
+          </a:p>
+        </p:txBody>
+      </p:sp>
+    </p:spTree>
+  </p:cSld>
+  <p:clrMapOvr>
+    <a:masterClrMapping/>
+  </p:clrMapOvr>
+  <p:transition>
+    <p:fade/>
+  </p:transition>
+  <p:timing>
+    <p:tnLst>
+      <p:par>
+        <p:cTn id="1" dur="indefinite" restart="never" nodeType="tmRoot">
+          <p:childTnLst>
+            <p:seq concurrent="1" nextAc="seek">
+              <p:cTn id="2" dur="indefinite" nodeType="mainSeq">
+                <p:childTnLst>
+                  <p:par>
+                    <p:cTn id="3" fill="hold">
+                      <p:stCondLst>
+                        <p:cond delay="indefinite"/>
+                        <p:cond evt="onBegin" delay="0">
+                          <p:tn val="2"/>
+                        </p:cond>
+                      </p:stCondLst>
+                      <p:childTnLst>
+                        <p:par>
+                          <p:cTn id="4" fill="hold">
+                            <p:stCondLst>
+                              <p:cond delay="0"/>
+                            </p:stCondLst>
+                            <p:childTnLst>
+                              <p:par>
+                                <p:cTn id="5" presetID="1" presetClass="entr" presetSubtype="0" fill="hold" nodeType="withEffect">
+                                  <p:stCondLst>
+                                    <p:cond delay="0"/>
+                                  </p:stCondLst>
+                                  <p:childTnLst>
+                                    <p:set>
+                                      <p:cBhvr>
+                                        <p:cTn id="6" dur="1" fill="hold">
+                                          <p:stCondLst>
+                                            <p:cond delay="0"/>
+                                          </p:stCondLst>
+                                        </p:cTn>
+                                        <p:tgtEl>
+                                          <p:spTgt spid="8"/>
+                                        </p:tgtEl>
+                                        <p:attrNameLst>
+                                          <p:attrName>style.visibility</p:attrName>
+                                        </p:attrNameLst>
+                                      </p:cBhvr>
+                                      <p:to>
+                                        <p:strVal val="visible"/>
+                                      </p:to>
+                                    </p:set>
+                                  </p:childTnLst>
+                                </p:cTn>
+                              </p:par>
+                            </p:childTnLst>
+                          </p:cTn>
+                        </p:par>
+                      </p:childTnLst>
+                    </p:cTn>
+                  </p:par>
+                </p:childTnLst>
+              </p:cTn>
+              <p:prevCondLst>
+                <p:cond evt="onPrev" delay="0">
+                  <p:tgtEl>
+                    <p:sldTgt/>
+                  </p:tgtEl>
+                </p:cond>
+              </p:prevCondLst>
+              <p:nextCondLst>
+                <p:cond evt="onNext" delay="0">
+                  <p:tgtEl>
+                    <p:sldTgt/>
+                  </p:tgtEl>
+                </p:cond>
+              </p:nextCondLst>
+            </p:seq>
+          </p:childTnLst>
+        </p:cTn>
+      </p:par>
+    </p:tnLst>
+  </p:timing>
+</p:sld>
+</file>
+
+<file path=ppt/slides/slide36.xml><?xml version="1.0" encoding="utf-8"?>
+<p:sld xmlns:a="http://schemas.openxmlformats.org/drawingml/2006/main" xmlns:r="http://schemas.openxmlformats.org/officeDocument/2006/relationships" xmlns:p="http://schemas.openxmlformats.org/presentationml/2006/main">
+  <p:cSld>
+    <p:spTree>
+      <p:nvGrpSpPr>
+        <p:cNvPr id="1" name=""/>
+        <p:cNvGrpSpPr/>
+        <p:nvPr/>
+      </p:nvGrpSpPr>
+      <p:grpSpPr>
+        <a:xfrm>
+          <a:off x="0" y="0"/>
+          <a:ext cx="0" cy="0"/>
+          <a:chOff x="0" y="0"/>
+          <a:chExt cx="0" cy="0"/>
+        </a:xfrm>
+      </p:grpSpPr>
+      <p:sp>
+        <p:nvSpPr>
+          <p:cNvPr id="8193" name="Rectangle 1"/>
+          <p:cNvSpPr>
+            <a:spLocks noGrp="1" noChangeArrowheads="1"/>
+          </p:cNvSpPr>
+          <p:nvPr>
+            <p:ph type="title"/>
+          </p:nvPr>
+        </p:nvSpPr>
+        <p:spPr>
+          <a:xfrm>
+            <a:off x="711200" y="0"/>
+            <a:ext cx="12509500" cy="914400"/>
+          </a:xfrm>
+          <a:ln/>
+        </p:spPr>
+        <p:txBody>
+          <a:bodyPr/>
+          <a:lstStyle/>
+          <a:p>
+            <a:pPr lvl="0"/>
+            <a:r>
+              <a:rPr lang="en-US" sz="5400" dirty="0" smtClean="0">
+                <a:latin typeface="Lucida Handwriting" pitchFamily="66" charset="0"/>
+              </a:rPr>
+              <a:t>     </a:t>
+            </a:r>
+            <a:r>
+              <a:rPr lang="en-US" sz="5400" dirty="0" smtClean="0">
+                <a:latin typeface="Lucida Handwriting" pitchFamily="66" charset="0"/>
+              </a:rPr>
+              <a:t>DSL</a:t>
+            </a:r>
+            <a:endParaRPr lang="en-US" dirty="0"/>
+          </a:p>
+        </p:txBody>
+      </p:sp>
+      <p:sp>
+        <p:nvSpPr>
+          <p:cNvPr id="7" name="Rectangle 6"/>
+          <p:cNvSpPr/>
+          <p:nvPr/>
+        </p:nvSpPr>
+        <p:spPr>
+          <a:xfrm>
+            <a:off x="4872690" y="1286470"/>
+            <a:ext cx="4634602" cy="923330"/>
+          </a:xfrm>
+          <a:prstGeom prst="rect">
+            <a:avLst/>
+          </a:prstGeom>
+        </p:spPr>
+        <p:txBody>
+          <a:bodyPr wrap="none">
+            <a:spAutoFit/>
+          </a:bodyPr>
+          <a:lstStyle/>
+          <a:p>
+            <a:pPr algn="ctr"/>
+            <a:r>
+              <a:rPr lang="en-US" sz="5400" b="1" kern="0" smtClean="0">
+                <a:solidFill>
+                  <a:srgbClr val="00CC66"/>
+                </a:solidFill>
+                <a:latin typeface="Lucida Handwriting" pitchFamily="66" charset="0"/>
+                <a:cs typeface="+mj-cs"/>
+                <a:sym typeface="Arial" charset="0"/>
+              </a:rPr>
+              <a:t>DataTables</a:t>
+            </a:r>
+            <a:endParaRPr lang="en-US" sz="5400" b="1" kern="0" dirty="0" smtClean="0">
+              <a:solidFill>
+                <a:srgbClr val="00CC66"/>
+              </a:solidFill>
+              <a:latin typeface="Lucida Handwriting" pitchFamily="66" charset="0"/>
+              <a:cs typeface="+mj-cs"/>
+              <a:sym typeface="Arial" charset="0"/>
+            </a:endParaRPr>
+          </a:p>
+        </p:txBody>
+      </p:sp>
+      <p:pic>
+        <p:nvPicPr>
+          <p:cNvPr id="8" name="Picture 10" descr="http://knowledgehub.zeus.com/media/Scala_Logo2008.png"/>
+          <p:cNvPicPr>
+            <a:picLocks noChangeAspect="1" noChangeArrowheads="1"/>
+          </p:cNvPicPr>
+          <p:nvPr/>
+        </p:nvPicPr>
+        <p:blipFill>
+          <a:blip r:embed="rId3"/>
+          <a:srcRect/>
+          <a:stretch>
+            <a:fillRect/>
+          </a:stretch>
+        </p:blipFill>
+        <p:spPr bwMode="auto">
+          <a:xfrm>
+            <a:off x="4140200" y="76200"/>
+            <a:ext cx="2279542" cy="679257"/>
+          </a:xfrm>
+          <a:prstGeom prst="rect">
+            <a:avLst/>
+          </a:prstGeom>
+          <a:noFill/>
+        </p:spPr>
+      </p:pic>
+      <p:sp>
+        <p:nvSpPr>
+          <p:cNvPr id="11" name="Rectangle 10"/>
+          <p:cNvSpPr/>
+          <p:nvPr/>
+        </p:nvSpPr>
+        <p:spPr>
+          <a:xfrm>
+            <a:off x="406400" y="2667000"/>
+            <a:ext cx="12344400" cy="5509200"/>
+          </a:xfrm>
+          <a:prstGeom prst="rect">
+            <a:avLst/>
+          </a:prstGeom>
+          <a:solidFill>
+            <a:schemeClr val="bg1"/>
+          </a:solidFill>
+          <a:ln>
+            <a:solidFill>
+              <a:schemeClr val="tx1"/>
+            </a:solidFill>
+            <a:prstDash val="dash"/>
+          </a:ln>
+        </p:spPr>
+        <p:txBody>
+          <a:bodyPr wrap="square">
+            <a:spAutoFit/>
+          </a:bodyPr>
+          <a:lstStyle/>
+          <a:p>
+            <a:r>
+              <a:rPr lang="en-US" sz="3200" b="1" dirty="0" smtClean="0">
+                <a:solidFill>
+                  <a:srgbClr val="7F0055"/>
+                </a:solidFill>
+                <a:latin typeface="Courier New"/>
+              </a:rPr>
+              <a:t>class</a:t>
+            </a:r>
+            <a:r>
+              <a:rPr lang="en-US" sz="3200" b="1" dirty="0" smtClean="0">
+                <a:latin typeface="Courier New"/>
+              </a:rPr>
+              <a:t> </a:t>
+            </a:r>
+            <a:r>
+              <a:rPr lang="en-US" sz="3200" b="1" dirty="0" err="1" smtClean="0">
+                <a:latin typeface="Courier New"/>
+              </a:rPr>
+              <a:t>DataTablesSpec</a:t>
+            </a:r>
+            <a:r>
+              <a:rPr lang="en-US" sz="3200" b="1" dirty="0" smtClean="0">
+                <a:latin typeface="Courier New"/>
+              </a:rPr>
+              <a:t> </a:t>
+            </a:r>
+            <a:r>
+              <a:rPr lang="en-US" sz="3200" b="1" dirty="0" smtClean="0">
+                <a:solidFill>
+                  <a:srgbClr val="7F0055"/>
+                </a:solidFill>
+                <a:latin typeface="Courier New"/>
+              </a:rPr>
+              <a:t>extends</a:t>
+            </a:r>
+            <a:r>
+              <a:rPr lang="en-US" sz="3200" b="1" dirty="0" smtClean="0">
+                <a:latin typeface="Courier New"/>
+              </a:rPr>
+              <a:t> Specification </a:t>
+            </a:r>
+            <a:r>
+              <a:rPr lang="en-US" sz="3200" b="1" dirty="0" smtClean="0">
+                <a:solidFill>
+                  <a:srgbClr val="7F0055"/>
+                </a:solidFill>
+                <a:latin typeface="Courier New"/>
+              </a:rPr>
+              <a:t>with</a:t>
+            </a:r>
+            <a:r>
+              <a:rPr lang="en-US" sz="3200" b="1" dirty="0" smtClean="0">
+                <a:latin typeface="Courier New"/>
+              </a:rPr>
+              <a:t> </a:t>
+            </a:r>
+            <a:r>
+              <a:rPr lang="en-US" sz="3200" b="1" dirty="0" smtClean="0">
+                <a:latin typeface="Courier New"/>
+              </a:rPr>
+              <a:t> </a:t>
+            </a:r>
+          </a:p>
+          <a:p>
+            <a:r>
+              <a:rPr lang="en-US" sz="3200" b="1" dirty="0" smtClean="0">
+                <a:latin typeface="Courier New"/>
+              </a:rPr>
+              <a:t>                                     </a:t>
+            </a:r>
+            <a:r>
+              <a:rPr lang="en-US" sz="3200" b="1" dirty="0" err="1" smtClean="0">
+                <a:latin typeface="Courier New"/>
+              </a:rPr>
+              <a:t>DataTables</a:t>
+            </a:r>
+            <a:r>
+              <a:rPr lang="en-US" sz="3200" b="1" dirty="0" smtClean="0">
+                <a:latin typeface="Courier New"/>
+              </a:rPr>
+              <a:t> </a:t>
+            </a:r>
+            <a:r>
+              <a:rPr lang="en-US" sz="3200" b="1" dirty="0" smtClean="0">
+                <a:latin typeface="Courier New"/>
+              </a:rPr>
+              <a:t>{</a:t>
+            </a:r>
+          </a:p>
+          <a:p>
+            <a:r>
+              <a:rPr lang="en-US" sz="3200" dirty="0" smtClean="0">
+                <a:solidFill>
+                  <a:srgbClr val="2A00FF"/>
+                </a:solidFill>
+                <a:latin typeface="Courier New"/>
+              </a:rPr>
+              <a:t>  "</a:t>
+            </a:r>
+            <a:r>
+              <a:rPr lang="en-US" sz="3200" dirty="0" smtClean="0">
+                <a:solidFill>
+                  <a:srgbClr val="2A00FF"/>
+                </a:solidFill>
+                <a:latin typeface="Courier New"/>
+              </a:rPr>
+              <a:t>lots of examples"</a:t>
+            </a:r>
+            <a:r>
+              <a:rPr lang="en-US" sz="3200" dirty="0" smtClean="0">
+                <a:latin typeface="Courier New"/>
+              </a:rPr>
+              <a:t> &gt;&gt; {</a:t>
+            </a:r>
+          </a:p>
+          <a:p>
+            <a:r>
+              <a:rPr lang="en-US" sz="3200" dirty="0" smtClean="0">
+                <a:latin typeface="Courier New"/>
+              </a:rPr>
+              <a:t>    </a:t>
+            </a:r>
+            <a:r>
+              <a:rPr lang="en-US" sz="3200" dirty="0" smtClean="0">
+                <a:solidFill>
+                  <a:srgbClr val="2A00FF"/>
+                </a:solidFill>
+                <a:latin typeface="Courier New"/>
+              </a:rPr>
+              <a:t>"a"</a:t>
+            </a:r>
+            <a:r>
+              <a:rPr lang="en-US" sz="3200" dirty="0" smtClean="0">
+                <a:latin typeface="Courier New"/>
+              </a:rPr>
+              <a:t> | </a:t>
+            </a:r>
+            <a:r>
+              <a:rPr lang="en-US" sz="3200" dirty="0" smtClean="0">
+                <a:solidFill>
+                  <a:srgbClr val="2A00FF"/>
+                </a:solidFill>
+                <a:latin typeface="Courier New"/>
+              </a:rPr>
+              <a:t>"b"</a:t>
+            </a:r>
+            <a:r>
+              <a:rPr lang="en-US" sz="3200" dirty="0" smtClean="0">
+                <a:latin typeface="Courier New"/>
+              </a:rPr>
+              <a:t> | </a:t>
+            </a:r>
+            <a:r>
+              <a:rPr lang="en-US" sz="3200" dirty="0" smtClean="0">
+                <a:solidFill>
+                  <a:srgbClr val="2A00FF"/>
+                </a:solidFill>
+                <a:latin typeface="Courier New"/>
+              </a:rPr>
+              <a:t>"a + b"</a:t>
+            </a:r>
+            <a:r>
+              <a:rPr lang="en-US" sz="3200" dirty="0" smtClean="0">
+                <a:latin typeface="Courier New"/>
+              </a:rPr>
+              <a:t> |</a:t>
+            </a:r>
+          </a:p>
+          <a:p>
+            <a:r>
+              <a:rPr lang="en-US" sz="3200" dirty="0" smtClean="0">
+                <a:latin typeface="Courier New"/>
+              </a:rPr>
+              <a:t>  </a:t>
+            </a:r>
+            <a:r>
+              <a:rPr lang="en-US" sz="3200" dirty="0" smtClean="0">
+                <a:latin typeface="Courier New"/>
+              </a:rPr>
+              <a:t>   1  </a:t>
+            </a:r>
+            <a:r>
+              <a:rPr lang="en-US" sz="3200" dirty="0" smtClean="0">
+                <a:latin typeface="Courier New"/>
+              </a:rPr>
+              <a:t>!  2  !    3    |</a:t>
+            </a:r>
+          </a:p>
+          <a:p>
+            <a:r>
+              <a:rPr lang="en-US" sz="3200" dirty="0" smtClean="0">
+                <a:latin typeface="Courier New"/>
+              </a:rPr>
+              <a:t>  </a:t>
+            </a:r>
+            <a:r>
+              <a:rPr lang="en-US" sz="3200" dirty="0" smtClean="0">
+                <a:latin typeface="Courier New"/>
+              </a:rPr>
+              <a:t>   2  </a:t>
+            </a:r>
+            <a:r>
+              <a:rPr lang="en-US" sz="3200" dirty="0" smtClean="0">
+                <a:latin typeface="Courier New"/>
+              </a:rPr>
+              <a:t>!  2  !    4    |</a:t>
+            </a:r>
+          </a:p>
+          <a:p>
+            <a:r>
+              <a:rPr lang="pt-BR" sz="3200" dirty="0" smtClean="0">
+                <a:latin typeface="Courier New"/>
+              </a:rPr>
+              <a:t>  </a:t>
+            </a:r>
+            <a:r>
+              <a:rPr lang="pt-BR" sz="3200" dirty="0" smtClean="0">
+                <a:latin typeface="Courier New"/>
+              </a:rPr>
+              <a:t>   2  </a:t>
+            </a:r>
+            <a:r>
+              <a:rPr lang="pt-BR" sz="3200" dirty="0" smtClean="0">
+                <a:latin typeface="Courier New"/>
+              </a:rPr>
+              <a:t>!  3  !    4    |&gt; { (a, b, c) =&gt;</a:t>
+            </a:r>
+          </a:p>
+          <a:p>
+            <a:r>
+              <a:rPr lang="en-US" sz="3200" dirty="0" smtClean="0">
+                <a:latin typeface="Courier New"/>
+              </a:rPr>
+              <a:t>   </a:t>
+            </a:r>
+            <a:r>
+              <a:rPr lang="en-US" sz="3200" dirty="0" smtClean="0">
+                <a:latin typeface="Courier New"/>
+              </a:rPr>
+              <a:t>    a </a:t>
+            </a:r>
+            <a:r>
+              <a:rPr lang="en-US" sz="3200" dirty="0" smtClean="0">
+                <a:latin typeface="Courier New"/>
+              </a:rPr>
+              <a:t>+ b must_== c</a:t>
+            </a:r>
+          </a:p>
+          <a:p>
+            <a:r>
+              <a:rPr lang="en-US" sz="3200" dirty="0" smtClean="0">
+                <a:latin typeface="Courier New"/>
+              </a:rPr>
+              <a:t> </a:t>
+            </a:r>
+            <a:r>
+              <a:rPr lang="en-US" sz="3200" dirty="0" smtClean="0">
+                <a:latin typeface="Courier New"/>
+              </a:rPr>
+              <a:t>   }</a:t>
+            </a:r>
+            <a:endParaRPr lang="en-US" sz="3200" dirty="0" smtClean="0">
+              <a:latin typeface="Courier New"/>
+            </a:endParaRPr>
+          </a:p>
+          <a:p>
+            <a:r>
+              <a:rPr lang="en-US" sz="3200" dirty="0" smtClean="0">
+                <a:latin typeface="Courier New"/>
+              </a:rPr>
+              <a:t>  </a:t>
+            </a:r>
+            <a:r>
+              <a:rPr lang="en-US" sz="3200" dirty="0" smtClean="0">
+                <a:latin typeface="Courier New"/>
+              </a:rPr>
+              <a:t>}</a:t>
+            </a:r>
+            <a:endParaRPr lang="en-US" sz="3200" dirty="0" smtClean="0">
+              <a:latin typeface="Courier New"/>
+            </a:endParaRPr>
+          </a:p>
+          <a:p>
+            <a:r>
+              <a:rPr lang="en-US" sz="3200" dirty="0" smtClean="0">
+                <a:latin typeface="Courier New"/>
+              </a:rPr>
+              <a:t>}</a:t>
             </a:r>
             <a:endParaRPr lang="en-US" sz="3200" b="1" dirty="0" smtClean="0">
               <a:solidFill>

--- a/src/main/resources/oscon_2010_specs.pptx
+++ b/src/main/resources/oscon_2010_specs.pptx
@@ -6,7 +6,7 @@
     <p:sldMasterId id="2147483651" r:id="rId2"/>
   </p:sldMasterIdLst>
   <p:notesMasterIdLst>
-    <p:notesMasterId r:id="rId39"/>
+    <p:notesMasterId r:id="rId42"/>
   </p:notesMasterIdLst>
   <p:sldIdLst>
     <p:sldId id="258" r:id="rId3"/>
@@ -42,9 +42,12 @@
     <p:sldId id="289" r:id="rId33"/>
     <p:sldId id="290" r:id="rId34"/>
     <p:sldId id="287" r:id="rId35"/>
-    <p:sldId id="291" r:id="rId36"/>
-    <p:sldId id="292" r:id="rId37"/>
-    <p:sldId id="293" r:id="rId38"/>
+    <p:sldId id="295" r:id="rId36"/>
+    <p:sldId id="296" r:id="rId37"/>
+    <p:sldId id="291" r:id="rId38"/>
+    <p:sldId id="292" r:id="rId39"/>
+    <p:sldId id="293" r:id="rId40"/>
+    <p:sldId id="294" r:id="rId41"/>
   </p:sldIdLst>
   <p:sldSz cx="13004800" cy="9753600"/>
   <p:notesSz cx="6858000" cy="9144000"/>
@@ -3090,6 +3093,258 @@
               <a:rPr lang="en-US"/>
               <a:pPr/>
               <a:t>36</a:t>
+            </a:fld>
+            <a:endParaRPr lang="en-US"/>
+          </a:p>
+        </p:txBody>
+      </p:sp>
+      <p:sp>
+        <p:nvSpPr>
+          <p:cNvPr id="19458" name="Rectangle 2"/>
+          <p:cNvSpPr>
+            <a:spLocks noGrp="1" noRot="1" noChangeAspect="1" noChangeArrowheads="1" noTextEdit="1"/>
+          </p:cNvSpPr>
+          <p:nvPr>
+            <p:ph type="sldImg"/>
+          </p:nvPr>
+        </p:nvSpPr>
+        <p:spPr>
+          <a:ln/>
+        </p:spPr>
+      </p:sp>
+      <p:sp>
+        <p:nvSpPr>
+          <p:cNvPr id="19459" name="Rectangle 3"/>
+          <p:cNvSpPr>
+            <a:spLocks noGrp="1"/>
+          </p:cNvSpPr>
+          <p:nvPr>
+            <p:ph type="body" idx="1"/>
+          </p:nvPr>
+        </p:nvSpPr>
+        <p:spPr/>
+        <p:txBody>
+          <a:bodyPr/>
+          <a:lstStyle/>
+          <a:p>
+            <a:endParaRPr lang="en-US"/>
+          </a:p>
+        </p:txBody>
+      </p:sp>
+    </p:spTree>
+  </p:cSld>
+  <p:clrMapOvr>
+    <a:masterClrMapping/>
+  </p:clrMapOvr>
+</p:notes>
+</file>
+
+<file path=ppt/notesSlides/notesSlide37.xml><?xml version="1.0" encoding="utf-8"?>
+<p:notes xmlns:a="http://schemas.openxmlformats.org/drawingml/2006/main" xmlns:r="http://schemas.openxmlformats.org/officeDocument/2006/relationships" xmlns:p="http://schemas.openxmlformats.org/presentationml/2006/main">
+  <p:cSld>
+    <p:spTree>
+      <p:nvGrpSpPr>
+        <p:cNvPr id="1" name=""/>
+        <p:cNvGrpSpPr/>
+        <p:nvPr/>
+      </p:nvGrpSpPr>
+      <p:grpSpPr>
+        <a:xfrm>
+          <a:off x="0" y="0"/>
+          <a:ext cx="0" cy="0"/>
+          <a:chOff x="0" y="0"/>
+          <a:chExt cx="0" cy="0"/>
+        </a:xfrm>
+      </p:grpSpPr>
+      <p:sp>
+        <p:nvSpPr>
+          <p:cNvPr id="7" name="Rectangle 7"/>
+          <p:cNvSpPr>
+            <a:spLocks noGrp="1"/>
+          </p:cNvSpPr>
+          <p:nvPr>
+            <p:ph type="sldNum" sz="quarter" idx="5"/>
+          </p:nvPr>
+        </p:nvSpPr>
+        <p:spPr>
+          <a:ln/>
+        </p:spPr>
+        <p:txBody>
+          <a:bodyPr/>
+          <a:lstStyle/>
+          <a:p>
+            <a:fld id="{27AEA7DA-096A-4FB7-B4B3-D12717EF4BDD}" type="slidenum">
+              <a:rPr lang="en-US"/>
+              <a:pPr/>
+              <a:t>37</a:t>
+            </a:fld>
+            <a:endParaRPr lang="en-US"/>
+          </a:p>
+        </p:txBody>
+      </p:sp>
+      <p:sp>
+        <p:nvSpPr>
+          <p:cNvPr id="19458" name="Rectangle 2"/>
+          <p:cNvSpPr>
+            <a:spLocks noGrp="1" noRot="1" noChangeAspect="1" noChangeArrowheads="1" noTextEdit="1"/>
+          </p:cNvSpPr>
+          <p:nvPr>
+            <p:ph type="sldImg"/>
+          </p:nvPr>
+        </p:nvSpPr>
+        <p:spPr>
+          <a:ln/>
+        </p:spPr>
+      </p:sp>
+      <p:sp>
+        <p:nvSpPr>
+          <p:cNvPr id="19459" name="Rectangle 3"/>
+          <p:cNvSpPr>
+            <a:spLocks noGrp="1"/>
+          </p:cNvSpPr>
+          <p:nvPr>
+            <p:ph type="body" idx="1"/>
+          </p:nvPr>
+        </p:nvSpPr>
+        <p:spPr/>
+        <p:txBody>
+          <a:bodyPr/>
+          <a:lstStyle/>
+          <a:p>
+            <a:endParaRPr lang="en-US"/>
+          </a:p>
+        </p:txBody>
+      </p:sp>
+    </p:spTree>
+  </p:cSld>
+  <p:clrMapOvr>
+    <a:masterClrMapping/>
+  </p:clrMapOvr>
+</p:notes>
+</file>
+
+<file path=ppt/notesSlides/notesSlide38.xml><?xml version="1.0" encoding="utf-8"?>
+<p:notes xmlns:a="http://schemas.openxmlformats.org/drawingml/2006/main" xmlns:r="http://schemas.openxmlformats.org/officeDocument/2006/relationships" xmlns:p="http://schemas.openxmlformats.org/presentationml/2006/main">
+  <p:cSld>
+    <p:spTree>
+      <p:nvGrpSpPr>
+        <p:cNvPr id="1" name=""/>
+        <p:cNvGrpSpPr/>
+        <p:nvPr/>
+      </p:nvGrpSpPr>
+      <p:grpSpPr>
+        <a:xfrm>
+          <a:off x="0" y="0"/>
+          <a:ext cx="0" cy="0"/>
+          <a:chOff x="0" y="0"/>
+          <a:chExt cx="0" cy="0"/>
+        </a:xfrm>
+      </p:grpSpPr>
+      <p:sp>
+        <p:nvSpPr>
+          <p:cNvPr id="7" name="Rectangle 7"/>
+          <p:cNvSpPr>
+            <a:spLocks noGrp="1"/>
+          </p:cNvSpPr>
+          <p:nvPr>
+            <p:ph type="sldNum" sz="quarter" idx="5"/>
+          </p:nvPr>
+        </p:nvSpPr>
+        <p:spPr>
+          <a:ln/>
+        </p:spPr>
+        <p:txBody>
+          <a:bodyPr/>
+          <a:lstStyle/>
+          <a:p>
+            <a:fld id="{27AEA7DA-096A-4FB7-B4B3-D12717EF4BDD}" type="slidenum">
+              <a:rPr lang="en-US"/>
+              <a:pPr/>
+              <a:t>38</a:t>
+            </a:fld>
+            <a:endParaRPr lang="en-US"/>
+          </a:p>
+        </p:txBody>
+      </p:sp>
+      <p:sp>
+        <p:nvSpPr>
+          <p:cNvPr id="19458" name="Rectangle 2"/>
+          <p:cNvSpPr>
+            <a:spLocks noGrp="1" noRot="1" noChangeAspect="1" noChangeArrowheads="1" noTextEdit="1"/>
+          </p:cNvSpPr>
+          <p:nvPr>
+            <p:ph type="sldImg"/>
+          </p:nvPr>
+        </p:nvSpPr>
+        <p:spPr>
+          <a:ln/>
+        </p:spPr>
+      </p:sp>
+      <p:sp>
+        <p:nvSpPr>
+          <p:cNvPr id="19459" name="Rectangle 3"/>
+          <p:cNvSpPr>
+            <a:spLocks noGrp="1"/>
+          </p:cNvSpPr>
+          <p:nvPr>
+            <p:ph type="body" idx="1"/>
+          </p:nvPr>
+        </p:nvSpPr>
+        <p:spPr/>
+        <p:txBody>
+          <a:bodyPr/>
+          <a:lstStyle/>
+          <a:p>
+            <a:endParaRPr lang="en-US"/>
+          </a:p>
+        </p:txBody>
+      </p:sp>
+    </p:spTree>
+  </p:cSld>
+  <p:clrMapOvr>
+    <a:masterClrMapping/>
+  </p:clrMapOvr>
+</p:notes>
+</file>
+
+<file path=ppt/notesSlides/notesSlide39.xml><?xml version="1.0" encoding="utf-8"?>
+<p:notes xmlns:a="http://schemas.openxmlformats.org/drawingml/2006/main" xmlns:r="http://schemas.openxmlformats.org/officeDocument/2006/relationships" xmlns:p="http://schemas.openxmlformats.org/presentationml/2006/main">
+  <p:cSld>
+    <p:spTree>
+      <p:nvGrpSpPr>
+        <p:cNvPr id="1" name=""/>
+        <p:cNvGrpSpPr/>
+        <p:nvPr/>
+      </p:nvGrpSpPr>
+      <p:grpSpPr>
+        <a:xfrm>
+          <a:off x="0" y="0"/>
+          <a:ext cx="0" cy="0"/>
+          <a:chOff x="0" y="0"/>
+          <a:chExt cx="0" cy="0"/>
+        </a:xfrm>
+      </p:grpSpPr>
+      <p:sp>
+        <p:nvSpPr>
+          <p:cNvPr id="7" name="Rectangle 7"/>
+          <p:cNvSpPr>
+            <a:spLocks noGrp="1"/>
+          </p:cNvSpPr>
+          <p:nvPr>
+            <p:ph type="sldNum" sz="quarter" idx="5"/>
+          </p:nvPr>
+        </p:nvSpPr>
+        <p:spPr>
+          <a:ln/>
+        </p:spPr>
+        <p:txBody>
+          <a:bodyPr/>
+          <a:lstStyle/>
+          <a:p>
+            <a:fld id="{27AEA7DA-096A-4FB7-B4B3-D12717EF4BDD}" type="slidenum">
+              <a:rPr lang="en-US"/>
+              <a:pPr/>
+              <a:t>39</a:t>
             </a:fld>
             <a:endParaRPr lang="en-US"/>
           </a:p>
@@ -19782,7 +20037,7 @@
         <p:spPr>
           <a:xfrm>
             <a:off x="330200" y="2971800"/>
-            <a:ext cx="12344400" cy="5693866"/>
+            <a:ext cx="12344400" cy="4401205"/>
           </a:xfrm>
           <a:prstGeom prst="rect">
             <a:avLst/>
@@ -19813,25 +20068,22 @@
               <a:rPr lang="en-US" sz="2800" b="1" dirty="0" smtClean="0">
                 <a:latin typeface="Courier New"/>
               </a:rPr>
-              <a:t> </a:t>
-            </a:r>
-            <a:r>
-              <a:rPr lang="en-US" sz="2800" b="1" dirty="0" err="1" smtClean="0">
-                <a:latin typeface="Courier New"/>
-              </a:rPr>
-              <a:t>ExampleDesc</a:t>
+              <a:t> Spec </a:t>
             </a:r>
             <a:r>
               <a:rPr lang="en-US" sz="2800" b="1" dirty="0" smtClean="0">
-                <a:latin typeface="Courier New"/>
-              </a:rPr>
-              <a:t>(d: </a:t>
+                <a:solidFill>
+                  <a:srgbClr val="7F0055"/>
+                </a:solidFill>
+                <a:latin typeface="Courier New"/>
+              </a:rPr>
+              <a:t>extends</a:t>
             </a:r>
             <a:r>
               <a:rPr lang="en-US" sz="2800" b="1" dirty="0" smtClean="0">
                 <a:latin typeface="Courier New"/>
               </a:rPr>
-              <a:t>String) {</a:t>
+              <a:t> Tagged {</a:t>
             </a:r>
           </a:p>
           <a:p>
@@ -19848,55 +20100,16 @@
               <a:rPr lang="en-US" sz="2800" b="1" dirty="0" smtClean="0">
                 <a:latin typeface="Courier New"/>
               </a:rPr>
-              <a:t> </a:t>
+              <a:t> include(other: Spec*): Spec = </a:t>
             </a:r>
             <a:r>
               <a:rPr lang="en-US" sz="2800" b="1" dirty="0" smtClean="0">
-                <a:latin typeface="Courier New"/>
-              </a:rPr>
-              <a:t>&gt;&gt;(e: =&gt;</a:t>
-            </a:r>
-            <a:r>
-              <a:rPr lang="en-US" sz="2800" b="1" dirty="0" smtClean="0">
                 <a:solidFill>
                   <a:srgbClr val="7F0055"/>
                 </a:solidFill>
                 <a:latin typeface="Courier New"/>
               </a:rPr>
-              <a:t>Any</a:t>
-            </a:r>
-            <a:r>
-              <a:rPr lang="en-US" sz="2800" b="1" dirty="0" smtClean="0">
-                <a:latin typeface="Courier New"/>
-              </a:rPr>
-              <a:t>): Example = </a:t>
-            </a:r>
-            <a:r>
-              <a:rPr lang="en-US" sz="2800" b="1" dirty="0" smtClean="0">
-                <a:solidFill>
-                  <a:srgbClr val="7F0055"/>
-                </a:solidFill>
-                <a:latin typeface="Courier New"/>
-              </a:rPr>
-              <a:t>new</a:t>
-            </a:r>
-            <a:r>
-              <a:rPr lang="en-US" sz="2800" b="1" dirty="0" smtClean="0">
-                <a:latin typeface="Courier New"/>
-              </a:rPr>
-              <a:t> </a:t>
-            </a:r>
-            <a:r>
-              <a:rPr lang="en-US" sz="2800" b="1" dirty="0" smtClean="0">
-                <a:latin typeface="Courier New"/>
-              </a:rPr>
-              <a:t>Example(d, </a:t>
-            </a:r>
-            <a:r>
-              <a:rPr lang="en-US" sz="2800" b="1" dirty="0" smtClean="0">
-                <a:latin typeface="Courier New"/>
-              </a:rPr>
-              <a:t>e)</a:t>
+              <a:t>this</a:t>
             </a:r>
           </a:p>
           <a:p>
@@ -19906,290 +20119,8 @@
               </a:rPr>
               <a:t>}</a:t>
             </a:r>
-            <a:endParaRPr lang="en-US" sz="2800" dirty="0" smtClean="0">
-              <a:latin typeface="Courier New"/>
-            </a:endParaRPr>
-          </a:p>
-          <a:p>
-            <a:r>
-              <a:rPr lang="en-US" sz="2800" b="1" dirty="0" smtClean="0">
-                <a:solidFill>
-                  <a:srgbClr val="7F0055"/>
-                </a:solidFill>
-                <a:latin typeface="Courier New"/>
-              </a:rPr>
-              <a:t>class</a:t>
-            </a:r>
-            <a:r>
-              <a:rPr lang="en-US" sz="2800" b="1" dirty="0" smtClean="0">
-                <a:latin typeface="Courier New"/>
-              </a:rPr>
-              <a:t> Example(d: </a:t>
-            </a:r>
-            <a:r>
-              <a:rPr lang="en-US" sz="2800" b="1" dirty="0" smtClean="0">
-                <a:latin typeface="Courier New"/>
-              </a:rPr>
-              <a:t>String, </a:t>
-            </a:r>
-            <a:r>
-              <a:rPr lang="en-US" sz="2800" b="1" dirty="0" smtClean="0">
-                <a:latin typeface="Courier New"/>
-              </a:rPr>
-              <a:t>e: </a:t>
-            </a:r>
-            <a:r>
-              <a:rPr lang="en-US" sz="2800" b="1" dirty="0" smtClean="0">
-                <a:latin typeface="Courier New"/>
-              </a:rPr>
-              <a:t>=&gt;</a:t>
-            </a:r>
-            <a:r>
-              <a:rPr lang="en-US" sz="2800" b="1" dirty="0" smtClean="0">
-                <a:solidFill>
-                  <a:srgbClr val="7F0055"/>
-                </a:solidFill>
-                <a:latin typeface="Courier New"/>
-              </a:rPr>
-              <a:t>Any</a:t>
-            </a:r>
-            <a:r>
-              <a:rPr lang="en-US" sz="2800" b="1" dirty="0" smtClean="0">
-                <a:latin typeface="Courier New"/>
-              </a:rPr>
-              <a:t>) {</a:t>
-            </a:r>
-          </a:p>
-          <a:p>
-            <a:r>
-              <a:rPr lang="en-US" sz="2800" b="1" dirty="0" smtClean="0">
-                <a:solidFill>
-                  <a:srgbClr val="7F0055"/>
-                </a:solidFill>
-                <a:latin typeface="Courier New"/>
-              </a:rPr>
-              <a:t>  def</a:t>
-            </a:r>
-            <a:r>
-              <a:rPr lang="en-US" sz="2800" b="1" dirty="0" smtClean="0">
-                <a:latin typeface="Courier New"/>
-              </a:rPr>
-              <a:t> </a:t>
-            </a:r>
-            <a:r>
-              <a:rPr lang="en-US" sz="2800" b="1" dirty="0" smtClean="0">
-                <a:latin typeface="Courier New"/>
-              </a:rPr>
-              <a:t>&gt;&gt;(e: =&gt;</a:t>
-            </a:r>
-            <a:r>
-              <a:rPr lang="en-US" sz="2800" b="1" dirty="0" smtClean="0">
-                <a:solidFill>
-                  <a:srgbClr val="7F0055"/>
-                </a:solidFill>
-                <a:latin typeface="Courier New"/>
-              </a:rPr>
-              <a:t>Any</a:t>
-            </a:r>
-            <a:r>
-              <a:rPr lang="en-US" sz="2800" b="1" dirty="0" smtClean="0">
-                <a:latin typeface="Courier New"/>
-              </a:rPr>
-              <a:t>): Example = </a:t>
-            </a:r>
-            <a:r>
-              <a:rPr lang="en-US" sz="2800" b="1" dirty="0" smtClean="0">
-                <a:solidFill>
-                  <a:srgbClr val="7F0055"/>
-                </a:solidFill>
-                <a:latin typeface="Courier New"/>
-              </a:rPr>
-              <a:t>new</a:t>
-            </a:r>
-            <a:r>
-              <a:rPr lang="en-US" sz="2800" b="1" dirty="0" smtClean="0">
-                <a:latin typeface="Courier New"/>
-              </a:rPr>
-              <a:t> </a:t>
-            </a:r>
-            <a:r>
-              <a:rPr lang="en-US" sz="2800" b="1" dirty="0" smtClean="0">
-                <a:latin typeface="Courier New"/>
-              </a:rPr>
-              <a:t>Example(d, </a:t>
-            </a:r>
-            <a:r>
-              <a:rPr lang="en-US" sz="2800" b="1" dirty="0" smtClean="0">
-                <a:latin typeface="Courier New"/>
-              </a:rPr>
-              <a:t>e)</a:t>
-            </a:r>
-          </a:p>
-          <a:p>
-            <a:r>
-              <a:rPr lang="en-US" sz="2800" dirty="0" smtClean="0">
-                <a:latin typeface="Courier New"/>
-              </a:rPr>
-              <a:t>}</a:t>
-            </a:r>
-            <a:endParaRPr lang="en-US" sz="2800" dirty="0" smtClean="0">
-              <a:latin typeface="Courier New"/>
-            </a:endParaRPr>
-          </a:p>
-          <a:p>
-            <a:endParaRPr lang="en-US" sz="2800" dirty="0" smtClean="0">
-              <a:solidFill>
-                <a:srgbClr val="2A00FF"/>
-              </a:solidFill>
-              <a:latin typeface="Courier New"/>
-            </a:endParaRPr>
-          </a:p>
-          <a:p>
-            <a:r>
-              <a:rPr lang="en-US" sz="2800" dirty="0" smtClean="0">
-                <a:solidFill>
-                  <a:srgbClr val="2A00FF"/>
-                </a:solidFill>
-                <a:latin typeface="Courier New"/>
-              </a:rPr>
-              <a:t>"</a:t>
-            </a:r>
-            <a:r>
-              <a:rPr lang="en-US" sz="2800" dirty="0" smtClean="0">
-                <a:solidFill>
-                  <a:srgbClr val="2A00FF"/>
-                </a:solidFill>
-                <a:latin typeface="Courier New"/>
-              </a:rPr>
-              <a:t>When I setup the system"</a:t>
-            </a:r>
-            <a:r>
-              <a:rPr lang="en-US" sz="2800" dirty="0" smtClean="0">
-                <a:latin typeface="Courier New"/>
-              </a:rPr>
-              <a:t> &gt;&gt; {</a:t>
-            </a:r>
-          </a:p>
-          <a:p>
-            <a:r>
-              <a:rPr lang="en-US" sz="2800" dirty="0" smtClean="0">
-                <a:solidFill>
-                  <a:srgbClr val="2A00FF"/>
-                </a:solidFill>
-                <a:latin typeface="Courier New"/>
-              </a:rPr>
-              <a:t>  "</a:t>
-            </a:r>
-            <a:r>
-              <a:rPr lang="en-US" sz="2800" dirty="0" smtClean="0">
-                <a:solidFill>
-                  <a:srgbClr val="2A00FF"/>
-                </a:solidFill>
-                <a:latin typeface="Courier New"/>
-              </a:rPr>
-              <a:t>And a customer is entered"</a:t>
-            </a:r>
-            <a:r>
-              <a:rPr lang="en-US" sz="2800" dirty="0" smtClean="0">
-                <a:latin typeface="Courier New"/>
-              </a:rPr>
-              <a:t> &gt;&gt; {</a:t>
-            </a:r>
-          </a:p>
-          <a:p>
-            <a:r>
-              <a:rPr lang="en-US" sz="2800" dirty="0" smtClean="0">
-                <a:latin typeface="Courier New"/>
-              </a:rPr>
-              <a:t>  </a:t>
-            </a:r>
-            <a:r>
-              <a:rPr lang="en-US" sz="2800" dirty="0" smtClean="0">
-                <a:latin typeface="Courier New"/>
-              </a:rPr>
-              <a:t>  </a:t>
-            </a:r>
-            <a:r>
-              <a:rPr lang="en-US" sz="2800" dirty="0" smtClean="0">
-                <a:solidFill>
-                  <a:srgbClr val="2A00FF"/>
-                </a:solidFill>
-                <a:latin typeface="Courier New"/>
-              </a:rPr>
-              <a:t>"</a:t>
-            </a:r>
-            <a:r>
-              <a:rPr lang="en-US" sz="2800" dirty="0" smtClean="0">
-                <a:solidFill>
-                  <a:srgbClr val="2A00FF"/>
-                </a:solidFill>
-                <a:latin typeface="Courier New"/>
-              </a:rPr>
-              <a:t>if he has a discount"</a:t>
-            </a:r>
-            <a:r>
-              <a:rPr lang="en-US" sz="2800" dirty="0" smtClean="0">
-                <a:latin typeface="Courier New"/>
-              </a:rPr>
-              <a:t> &gt;&gt; {}</a:t>
-            </a:r>
-          </a:p>
-          <a:p>
-            <a:r>
-              <a:rPr lang="en-US" sz="2800" dirty="0" smtClean="0">
-                <a:latin typeface="Courier New"/>
-              </a:rPr>
-              <a:t>  </a:t>
-            </a:r>
-            <a:r>
-              <a:rPr lang="en-US" sz="2800" dirty="0" smtClean="0">
-                <a:latin typeface="Courier New"/>
-              </a:rPr>
-              <a:t>  </a:t>
-            </a:r>
-            <a:r>
-              <a:rPr lang="en-US" sz="2800" dirty="0" smtClean="0">
-                <a:solidFill>
-                  <a:srgbClr val="2A00FF"/>
-                </a:solidFill>
-                <a:latin typeface="Courier New"/>
-              </a:rPr>
-              <a:t>"</a:t>
-            </a:r>
-            <a:r>
-              <a:rPr lang="en-US" sz="2800" dirty="0" smtClean="0">
-                <a:solidFill>
-                  <a:srgbClr val="2A00FF"/>
-                </a:solidFill>
-                <a:latin typeface="Courier New"/>
-              </a:rPr>
-              <a:t>if he doesn't have a discount"</a:t>
-            </a:r>
-            <a:r>
-              <a:rPr lang="en-US" sz="2800" dirty="0" smtClean="0">
-                <a:latin typeface="Courier New"/>
-              </a:rPr>
-              <a:t> &gt;&gt; {}</a:t>
-            </a:r>
-          </a:p>
-          <a:p>
-            <a:r>
-              <a:rPr lang="en-US" sz="2800" dirty="0" smtClean="0">
-                <a:latin typeface="Courier New"/>
-              </a:rPr>
-              <a:t>  }</a:t>
-            </a:r>
-            <a:endParaRPr lang="en-US" sz="2800" dirty="0" smtClean="0">
-              <a:latin typeface="Courier New"/>
-            </a:endParaRPr>
-          </a:p>
-          <a:p>
-            <a:r>
-              <a:rPr lang="en-US" sz="2800" dirty="0" smtClean="0">
-                <a:latin typeface="Courier New"/>
-              </a:rPr>
-              <a:t>}</a:t>
-            </a:r>
+          </a:p>
+          <a:p>
             <a:endParaRPr lang="en-US" sz="2800" b="1" dirty="0" smtClean="0">
               <a:solidFill>
                 <a:srgbClr val="7F0055"/>
@@ -20197,18 +20128,183 @@
               <a:latin typeface="Courier New"/>
             </a:endParaRPr>
           </a:p>
+          <a:p>
+            <a:r>
+              <a:rPr lang="en-US" sz="2800" b="1" dirty="0" err="1" smtClean="0">
+                <a:solidFill>
+                  <a:srgbClr val="7F0055"/>
+                </a:solidFill>
+                <a:latin typeface="Courier New"/>
+              </a:rPr>
+              <a:t>val</a:t>
+            </a:r>
+            <a:r>
+              <a:rPr lang="en-US" sz="2800" b="1" dirty="0" smtClean="0">
+                <a:latin typeface="Courier New"/>
+              </a:rPr>
+              <a:t> </a:t>
+            </a:r>
+            <a:r>
+              <a:rPr lang="en-US" sz="2800" b="1" dirty="0" smtClean="0">
+                <a:latin typeface="Courier New"/>
+              </a:rPr>
+              <a:t>(slow, fast) = (</a:t>
+            </a:r>
+            <a:r>
+              <a:rPr lang="en-US" sz="2800" b="1" dirty="0" smtClean="0">
+                <a:solidFill>
+                  <a:srgbClr val="7F0055"/>
+                </a:solidFill>
+                <a:latin typeface="Courier New"/>
+              </a:rPr>
+              <a:t>new</a:t>
+            </a:r>
+            <a:r>
+              <a:rPr lang="en-US" sz="2800" b="1" dirty="0" smtClean="0">
+                <a:latin typeface="Courier New"/>
+              </a:rPr>
+              <a:t> Spec, </a:t>
+            </a:r>
+            <a:r>
+              <a:rPr lang="en-US" sz="2800" b="1" dirty="0" smtClean="0">
+                <a:solidFill>
+                  <a:srgbClr val="7F0055"/>
+                </a:solidFill>
+                <a:latin typeface="Courier New"/>
+              </a:rPr>
+              <a:t>new</a:t>
+            </a:r>
+            <a:r>
+              <a:rPr lang="en-US" sz="2800" b="1" dirty="0" smtClean="0">
+                <a:latin typeface="Courier New"/>
+              </a:rPr>
+              <a:t> Spec)</a:t>
+            </a:r>
+          </a:p>
+          <a:p>
+            <a:r>
+              <a:rPr lang="en-US" sz="2800" b="1" dirty="0" smtClean="0">
+                <a:solidFill>
+                  <a:srgbClr val="7F0055"/>
+                </a:solidFill>
+                <a:latin typeface="Courier New"/>
+              </a:rPr>
+              <a:t>class</a:t>
+            </a:r>
+            <a:r>
+              <a:rPr lang="en-US" sz="2800" b="1" dirty="0" smtClean="0">
+                <a:latin typeface="Courier New"/>
+              </a:rPr>
+              <a:t> </a:t>
+            </a:r>
+            <a:r>
+              <a:rPr lang="en-US" sz="2800" b="1" dirty="0" err="1" smtClean="0">
+                <a:latin typeface="Courier New"/>
+              </a:rPr>
+              <a:t>BigSpec</a:t>
+            </a:r>
+            <a:r>
+              <a:rPr lang="en-US" sz="2800" b="1" dirty="0" smtClean="0">
+                <a:latin typeface="Courier New"/>
+              </a:rPr>
+              <a:t> </a:t>
+            </a:r>
+            <a:r>
+              <a:rPr lang="en-US" sz="2800" b="1" dirty="0" smtClean="0">
+                <a:solidFill>
+                  <a:srgbClr val="7F0055"/>
+                </a:solidFill>
+                <a:latin typeface="Courier New"/>
+              </a:rPr>
+              <a:t>extends</a:t>
+            </a:r>
+            <a:r>
+              <a:rPr lang="en-US" sz="2800" b="1" dirty="0" smtClean="0">
+                <a:latin typeface="Courier New"/>
+              </a:rPr>
+              <a:t> Spec </a:t>
+            </a:r>
+            <a:r>
+              <a:rPr lang="en-US" sz="2800" b="1" dirty="0" smtClean="0">
+                <a:latin typeface="Courier New"/>
+              </a:rPr>
+              <a:t>{</a:t>
+            </a:r>
+          </a:p>
+          <a:p>
+            <a:r>
+              <a:rPr lang="en-US" sz="2800" b="1" dirty="0" smtClean="0">
+                <a:latin typeface="Courier New"/>
+              </a:rPr>
+              <a:t>  </a:t>
+            </a:r>
+            <a:r>
+              <a:rPr lang="en-US" sz="2800" dirty="0" smtClean="0">
+                <a:solidFill>
+                  <a:srgbClr val="3F7F5F"/>
+                </a:solidFill>
+                <a:latin typeface="Courier New"/>
+              </a:rPr>
+              <a:t>// </a:t>
+            </a:r>
+            <a:r>
+              <a:rPr lang="en-US" sz="2800" dirty="0" smtClean="0">
+                <a:solidFill>
+                  <a:srgbClr val="3F7F5F"/>
+                </a:solidFill>
+                <a:latin typeface="Courier New"/>
+              </a:rPr>
+              <a:t>I want to “tag” the slow spec as slow</a:t>
+            </a:r>
+            <a:endParaRPr lang="en-US" sz="2800" b="1" dirty="0" smtClean="0">
+              <a:latin typeface="Courier New"/>
+            </a:endParaRPr>
+          </a:p>
+          <a:p>
+            <a:r>
+              <a:rPr lang="en-US" sz="2800" dirty="0" smtClean="0">
+                <a:latin typeface="Courier New"/>
+              </a:rPr>
+              <a:t>  include(slow, </a:t>
+            </a:r>
+            <a:r>
+              <a:rPr lang="en-US" sz="2800" dirty="0" smtClean="0">
+                <a:latin typeface="Courier New"/>
+              </a:rPr>
+              <a:t>fast)  </a:t>
+            </a:r>
+          </a:p>
+          <a:p>
+            <a:r>
+              <a:rPr lang="en-US" sz="2800" dirty="0" smtClean="0">
+                <a:latin typeface="Courier New"/>
+              </a:rPr>
+              <a:t>}</a:t>
+            </a:r>
+            <a:endParaRPr lang="en-US" sz="2800" b="1" dirty="0" smtClean="0">
+              <a:solidFill>
+                <a:srgbClr val="7F0055"/>
+              </a:solidFill>
+              <a:latin typeface="Courier New"/>
+            </a:endParaRPr>
+          </a:p>
+          <a:p>
+            <a:endParaRPr lang="en-US" sz="2800" dirty="0" smtClean="0">
+              <a:latin typeface="Courier New"/>
+            </a:endParaRPr>
+          </a:p>
         </p:txBody>
       </p:sp>
       <p:sp>
         <p:nvSpPr>
-          <p:cNvPr id="14" name="Rectangle 13"/>
+          <p:cNvPr id="10" name="Rectangle 9"/>
           <p:cNvSpPr/>
           <p:nvPr/>
         </p:nvSpPr>
         <p:spPr>
           <a:xfrm>
-            <a:off x="3759200" y="1447800"/>
-            <a:ext cx="3978973" cy="923330"/>
+            <a:off x="5032758" y="1447800"/>
+            <a:ext cx="3374642" cy="923330"/>
           </a:xfrm>
           <a:prstGeom prst="rect">
             <a:avLst/>
@@ -20222,7 +20318,7 @@
           <a:p>
             <a:pPr algn="ctr"/>
             <a:r>
-              <a:rPr lang="en-US" sz="5400" b="1" kern="0" dirty="0" smtClean="0">
+              <a:rPr lang="en-US" sz="5400" b="1" kern="0" dirty="0" err="1" smtClean="0">
                 <a:solidFill>
                   <a:srgbClr val="0C0F20"/>
                 </a:solidFill>
@@ -20230,7 +20326,7 @@
                 <a:cs typeface="+mj-cs"/>
                 <a:sym typeface="Arial" charset="0"/>
               </a:rPr>
-              <a:t>Operators</a:t>
+              <a:t>this.type</a:t>
             </a:r>
             <a:endParaRPr lang="en-US" dirty="0"/>
           </a:p>
@@ -20238,7 +20334,7 @@
       </p:sp>
       <p:pic>
         <p:nvPicPr>
-          <p:cNvPr id="15" name="Picture 2" descr="toolbox icon"/>
+          <p:cNvPr id="12" name="Picture 2" descr="toolbox icon"/>
           <p:cNvPicPr>
             <a:picLocks noChangeAspect="1" noChangeArrowheads="1"/>
           </p:cNvPicPr>
@@ -20253,7 +20349,7 @@
         </p:blipFill>
         <p:spPr bwMode="auto">
           <a:xfrm>
-            <a:off x="515040" y="1066800"/>
+            <a:off x="558800" y="1066800"/>
             <a:ext cx="1676400" cy="1676401"/>
           </a:xfrm>
           <a:prstGeom prst="rect">
@@ -20406,47 +20502,6 @@
           </a:p>
         </p:txBody>
       </p:sp>
-      <p:sp>
-        <p:nvSpPr>
-          <p:cNvPr id="7" name="Rectangle 6"/>
-          <p:cNvSpPr/>
-          <p:nvPr/>
-        </p:nvSpPr>
-        <p:spPr>
-          <a:xfrm>
-            <a:off x="4510641" y="1438870"/>
-            <a:ext cx="4503156" cy="923330"/>
-          </a:xfrm>
-          <a:prstGeom prst="rect">
-            <a:avLst/>
-          </a:prstGeom>
-        </p:spPr>
-        <p:txBody>
-          <a:bodyPr wrap="none">
-            <a:spAutoFit/>
-          </a:bodyPr>
-          <a:lstStyle/>
-          <a:p>
-            <a:pPr algn="ctr"/>
-            <a:r>
-              <a:rPr lang="en-US" sz="5400" b="1" kern="0" dirty="0" smtClean="0">
-                <a:solidFill>
-                  <a:srgbClr val="00CC66"/>
-                </a:solidFill>
-                <a:latin typeface="Lucida Handwriting" pitchFamily="66" charset="0"/>
-                <a:cs typeface="+mj-cs"/>
-                <a:sym typeface="Arial" charset="0"/>
-              </a:rPr>
-              <a:t>precedence</a:t>
-            </a:r>
-            <a:endParaRPr lang="en-US" dirty="0">
-              <a:solidFill>
-                <a:srgbClr val="00CC66"/>
-              </a:solidFill>
-            </a:endParaRPr>
-          </a:p>
-        </p:txBody>
-      </p:sp>
       <p:pic>
         <p:nvPicPr>
           <p:cNvPr id="8" name="Picture 10" descr="http://knowledgehub.zeus.com/media/Scala_Logo2008.png"/>
@@ -20481,15 +20536,12 @@
         </p:nvSpPr>
         <p:spPr>
           <a:xfrm>
-            <a:off x="330200" y="2819400"/>
-            <a:ext cx="12344400" cy="3539430"/>
+            <a:off x="330200" y="2971801"/>
+            <a:ext cx="12344400" cy="3970318"/>
           </a:xfrm>
           <a:prstGeom prst="rect">
             <a:avLst/>
           </a:prstGeom>
-          <a:solidFill>
-            <a:schemeClr val="bg1"/>
-          </a:solidFill>
           <a:ln>
             <a:solidFill>
               <a:schemeClr val="tx1"/>
@@ -20504,188 +20556,286 @@
           <a:lstStyle/>
           <a:p>
             <a:r>
-              <a:rPr lang="en-US" sz="3200" dirty="0" smtClean="0">
-                <a:solidFill>
-                  <a:srgbClr val="3F5FBF"/>
-                </a:solidFill>
-                <a:latin typeface="Courier New"/>
-              </a:rPr>
-              <a:t>/**</a:t>
-            </a:r>
-            <a:endParaRPr lang="en-US" sz="3200" dirty="0" smtClean="0">
-              <a:solidFill>
-                <a:srgbClr val="3F5FBF"/>
-              </a:solidFill>
-              <a:latin typeface="Courier New"/>
-            </a:endParaRPr>
-          </a:p>
-          <a:p>
-            <a:r>
-              <a:rPr lang="en-US" sz="3200" dirty="0" smtClean="0">
-                <a:solidFill>
-                  <a:srgbClr val="3F5FBF"/>
-                </a:solidFill>
+              <a:rPr lang="en-US" sz="2800" b="1" dirty="0" smtClean="0">
+                <a:solidFill>
+                  <a:srgbClr val="7F0055"/>
+                </a:solidFill>
+                <a:latin typeface="Courier New"/>
+              </a:rPr>
+              <a:t>trait</a:t>
+            </a:r>
+            <a:r>
+              <a:rPr lang="en-US" sz="2800" b="1" dirty="0" smtClean="0">
+                <a:latin typeface="Courier New"/>
+              </a:rPr>
+              <a:t> Tagged {</a:t>
+            </a:r>
+          </a:p>
+          <a:p>
+            <a:r>
+              <a:rPr lang="en-US" sz="2800" dirty="0" smtClean="0">
+                <a:solidFill>
+                  <a:srgbClr val="3F7F5F"/>
+                </a:solidFill>
+                <a:latin typeface="Courier New"/>
+              </a:rPr>
+              <a:t>  // store the tag and return this</a:t>
+            </a:r>
+          </a:p>
+          <a:p>
+            <a:r>
+              <a:rPr lang="en-US" sz="2800" dirty="0" smtClean="0">
+                <a:latin typeface="Courier New"/>
+              </a:rPr>
+              <a:t>  </a:t>
+            </a:r>
+            <a:r>
+              <a:rPr lang="en-US" sz="2800" b="1" dirty="0" smtClean="0">
+                <a:solidFill>
+                  <a:srgbClr val="7F0055"/>
+                </a:solidFill>
+                <a:latin typeface="Courier New"/>
+              </a:rPr>
+              <a:t>def</a:t>
+            </a:r>
+            <a:r>
+              <a:rPr lang="en-US" sz="2800" b="1" dirty="0" smtClean="0">
+                <a:latin typeface="Courier New"/>
+              </a:rPr>
+              <a:t> tag(t: String): </a:t>
+            </a:r>
+            <a:r>
+              <a:rPr lang="en-US" sz="2800" b="1" dirty="0" err="1" smtClean="0">
+                <a:solidFill>
+                  <a:srgbClr val="7F0055"/>
+                </a:solidFill>
+                <a:latin typeface="Courier New"/>
+              </a:rPr>
+              <a:t>this</a:t>
+            </a:r>
+            <a:r>
+              <a:rPr lang="en-US" sz="2800" b="1" dirty="0" err="1" smtClean="0">
+                <a:latin typeface="Courier New"/>
+              </a:rPr>
+              <a:t>.</a:t>
+            </a:r>
+            <a:r>
+              <a:rPr lang="en-US" sz="2800" b="1" dirty="0" err="1" smtClean="0">
+                <a:solidFill>
+                  <a:srgbClr val="7F0055"/>
+                </a:solidFill>
+                <a:latin typeface="Courier New"/>
+              </a:rPr>
+              <a:t>type</a:t>
+            </a:r>
+            <a:r>
+              <a:rPr lang="en-US" sz="2800" b="1" dirty="0" smtClean="0">
+                <a:latin typeface="Courier New"/>
+              </a:rPr>
+              <a:t> = </a:t>
+            </a:r>
+            <a:r>
+              <a:rPr lang="en-US" sz="2800" b="1" dirty="0" smtClean="0">
+                <a:solidFill>
+                  <a:srgbClr val="7F0055"/>
+                </a:solidFill>
+                <a:latin typeface="Courier New"/>
+              </a:rPr>
+              <a:t>this</a:t>
+            </a:r>
+            <a:r>
+              <a:rPr lang="en-US" sz="2800" b="1" dirty="0" smtClean="0">
                 <a:latin typeface="Courier New"/>
               </a:rPr>
               <a:t> </a:t>
             </a:r>
-            <a:r>
-              <a:rPr lang="en-US" sz="3200" dirty="0" smtClean="0">
-                <a:solidFill>
-                  <a:srgbClr val="3F5FBF"/>
-                </a:solidFill>
-                <a:latin typeface="Courier New"/>
-              </a:rPr>
-              <a:t>* Fit</a:t>
-            </a:r>
-            <a:r>
-              <a:rPr lang="en-US" sz="3200" dirty="0" smtClean="0">
-                <a:solidFill>
-                  <a:srgbClr val="7F7F9F"/>
-                </a:solidFill>
-                <a:latin typeface="Courier New"/>
-              </a:rPr>
-              <a:t>-</a:t>
-            </a:r>
-            <a:r>
-              <a:rPr lang="en-US" sz="3200" dirty="0" smtClean="0">
-                <a:solidFill>
-                  <a:srgbClr val="3F5FBF"/>
-                </a:solidFill>
-                <a:latin typeface="Courier New"/>
-              </a:rPr>
-              <a:t>like table in </a:t>
-            </a:r>
-            <a:r>
-              <a:rPr lang="en-US" sz="3200" dirty="0" err="1" smtClean="0">
-                <a:solidFill>
-                  <a:srgbClr val="3F5FBF"/>
-                </a:solidFill>
-                <a:latin typeface="Courier New"/>
-              </a:rPr>
-              <a:t>Scala</a:t>
-            </a:r>
-            <a:r>
-              <a:rPr lang="en-US" sz="3200" dirty="0" smtClean="0">
-                <a:solidFill>
-                  <a:srgbClr val="3F5FBF"/>
-                </a:solidFill>
-                <a:latin typeface="Courier New"/>
-              </a:rPr>
-              <a:t>?</a:t>
-            </a:r>
-          </a:p>
-          <a:p>
-            <a:r>
-              <a:rPr lang="en-US" sz="3200" dirty="0" smtClean="0">
-                <a:solidFill>
-                  <a:srgbClr val="3F5FBF"/>
-                </a:solidFill>
-                <a:latin typeface="Courier New"/>
-              </a:rPr>
-              <a:t> </a:t>
-            </a:r>
-            <a:r>
-              <a:rPr lang="en-US" sz="3200" dirty="0" smtClean="0">
-                <a:solidFill>
-                  <a:srgbClr val="3F5FBF"/>
-                </a:solidFill>
-                <a:latin typeface="Courier New"/>
-              </a:rPr>
-              <a:t>* </a:t>
-            </a:r>
-          </a:p>
-          <a:p>
-            <a:r>
-              <a:rPr lang="en-US" sz="3200" dirty="0" smtClean="0">
-                <a:solidFill>
-                  <a:srgbClr val="3F5FBF"/>
-                </a:solidFill>
-                <a:latin typeface="Courier New"/>
-              </a:rPr>
-              <a:t> </a:t>
-            </a:r>
-            <a:r>
-              <a:rPr lang="en-US" sz="3200" dirty="0" smtClean="0">
-                <a:solidFill>
-                  <a:srgbClr val="3F5FBF"/>
-                </a:solidFill>
-                <a:latin typeface="Courier New"/>
-              </a:rPr>
-              <a:t>*  | a | b | c |</a:t>
-            </a:r>
-          </a:p>
-          <a:p>
-            <a:r>
-              <a:rPr lang="en-US" sz="3200" dirty="0" smtClean="0">
-                <a:solidFill>
-                  <a:srgbClr val="3F5FBF"/>
-                </a:solidFill>
-                <a:latin typeface="Courier New"/>
-              </a:rPr>
-              <a:t> </a:t>
-            </a:r>
-            <a:r>
-              <a:rPr lang="en-US" sz="3200" dirty="0" smtClean="0">
-                <a:solidFill>
-                  <a:srgbClr val="3F5FBF"/>
-                </a:solidFill>
-                <a:latin typeface="Courier New"/>
-              </a:rPr>
-              <a:t>*  | 1 | 2 | 3 |</a:t>
-            </a:r>
-          </a:p>
-          <a:p>
-            <a:r>
-              <a:rPr lang="en-US" sz="3200" dirty="0" smtClean="0">
-                <a:solidFill>
-                  <a:srgbClr val="3F5FBF"/>
-                </a:solidFill>
-                <a:latin typeface="Courier New"/>
-              </a:rPr>
-              <a:t> </a:t>
-            </a:r>
-            <a:r>
-              <a:rPr lang="en-US" sz="3200" dirty="0" smtClean="0">
-                <a:solidFill>
-                  <a:srgbClr val="3F5FBF"/>
-                </a:solidFill>
-                <a:latin typeface="Courier New"/>
-              </a:rPr>
-              <a:t>*  | 2 | 2 | 4 |</a:t>
-            </a:r>
-          </a:p>
-          <a:p>
-            <a:r>
-              <a:rPr lang="en-US" sz="3200" dirty="0" smtClean="0">
-                <a:solidFill>
-                  <a:srgbClr val="3F5FBF"/>
-                </a:solidFill>
-                <a:latin typeface="Courier New"/>
-              </a:rPr>
-              <a:t> </a:t>
-            </a:r>
-            <a:r>
-              <a:rPr lang="en-US" sz="3200" dirty="0" smtClean="0">
-                <a:solidFill>
-                  <a:srgbClr val="3F5FBF"/>
-                </a:solidFill>
-                <a:latin typeface="Courier New"/>
-              </a:rPr>
-              <a:t>*/</a:t>
-            </a:r>
-            <a:endParaRPr lang="en-US" sz="3200" b="1" dirty="0" smtClean="0">
+          </a:p>
+          <a:p>
+            <a:r>
+              <a:rPr lang="en-US" sz="2800" dirty="0" smtClean="0">
+                <a:latin typeface="Courier New"/>
+              </a:rPr>
+              <a:t>}</a:t>
+            </a:r>
+          </a:p>
+          <a:p>
+            <a:endParaRPr lang="en-US" sz="2800" b="1" dirty="0" smtClean="0">
               <a:solidFill>
                 <a:srgbClr val="7F0055"/>
               </a:solidFill>
               <a:latin typeface="Courier New"/>
             </a:endParaRPr>
           </a:p>
+          <a:p>
+            <a:r>
+              <a:rPr lang="en-US" sz="2800" b="1" dirty="0" err="1" smtClean="0">
+                <a:solidFill>
+                  <a:srgbClr val="7F0055"/>
+                </a:solidFill>
+                <a:latin typeface="Courier New"/>
+              </a:rPr>
+              <a:t>val</a:t>
+            </a:r>
+            <a:r>
+              <a:rPr lang="en-US" sz="2800" b="1" dirty="0" smtClean="0">
+                <a:latin typeface="Courier New"/>
+              </a:rPr>
+              <a:t> </a:t>
+            </a:r>
+            <a:r>
+              <a:rPr lang="en-US" sz="2800" b="1" dirty="0" smtClean="0">
+                <a:latin typeface="Courier New"/>
+              </a:rPr>
+              <a:t>(slow, fast) = (</a:t>
+            </a:r>
+            <a:r>
+              <a:rPr lang="en-US" sz="2800" b="1" dirty="0" smtClean="0">
+                <a:solidFill>
+                  <a:srgbClr val="7F0055"/>
+                </a:solidFill>
+                <a:latin typeface="Courier New"/>
+              </a:rPr>
+              <a:t>new</a:t>
+            </a:r>
+            <a:r>
+              <a:rPr lang="en-US" sz="2800" b="1" dirty="0" smtClean="0">
+                <a:latin typeface="Courier New"/>
+              </a:rPr>
+              <a:t> Spec, </a:t>
+            </a:r>
+            <a:r>
+              <a:rPr lang="en-US" sz="2800" b="1" dirty="0" smtClean="0">
+                <a:solidFill>
+                  <a:srgbClr val="7F0055"/>
+                </a:solidFill>
+                <a:latin typeface="Courier New"/>
+              </a:rPr>
+              <a:t>new</a:t>
+            </a:r>
+            <a:r>
+              <a:rPr lang="en-US" sz="2800" b="1" dirty="0" smtClean="0">
+                <a:latin typeface="Courier New"/>
+              </a:rPr>
+              <a:t> Spec)</a:t>
+            </a:r>
+          </a:p>
+          <a:p>
+            <a:r>
+              <a:rPr lang="en-US" sz="2800" b="1" dirty="0" smtClean="0">
+                <a:solidFill>
+                  <a:srgbClr val="7F0055"/>
+                </a:solidFill>
+                <a:latin typeface="Courier New"/>
+              </a:rPr>
+              <a:t>class</a:t>
+            </a:r>
+            <a:r>
+              <a:rPr lang="en-US" sz="2800" b="1" dirty="0" smtClean="0">
+                <a:latin typeface="Courier New"/>
+              </a:rPr>
+              <a:t> </a:t>
+            </a:r>
+            <a:r>
+              <a:rPr lang="en-US" sz="2800" b="1" dirty="0" err="1" smtClean="0">
+                <a:latin typeface="Courier New"/>
+              </a:rPr>
+              <a:t>BigSpec</a:t>
+            </a:r>
+            <a:r>
+              <a:rPr lang="en-US" sz="2800" b="1" dirty="0" smtClean="0">
+                <a:latin typeface="Courier New"/>
+              </a:rPr>
+              <a:t> </a:t>
+            </a:r>
+            <a:r>
+              <a:rPr lang="en-US" sz="2800" b="1" dirty="0" smtClean="0">
+                <a:solidFill>
+                  <a:srgbClr val="7F0055"/>
+                </a:solidFill>
+                <a:latin typeface="Courier New"/>
+              </a:rPr>
+              <a:t>extends</a:t>
+            </a:r>
+            <a:r>
+              <a:rPr lang="en-US" sz="2800" b="1" dirty="0" smtClean="0">
+                <a:latin typeface="Courier New"/>
+              </a:rPr>
+              <a:t> Spec {</a:t>
+            </a:r>
+          </a:p>
+          <a:p>
+            <a:r>
+              <a:rPr lang="en-US" sz="2800" dirty="0" smtClean="0">
+                <a:latin typeface="Courier New"/>
+              </a:rPr>
+              <a:t>  include(slow tag </a:t>
+            </a:r>
+            <a:r>
+              <a:rPr lang="en-US" sz="2800" dirty="0" smtClean="0">
+                <a:solidFill>
+                  <a:srgbClr val="2A00FF"/>
+                </a:solidFill>
+                <a:latin typeface="Courier New"/>
+              </a:rPr>
+              <a:t>"slow"</a:t>
+            </a:r>
+            <a:r>
+              <a:rPr lang="en-US" sz="2800" dirty="0" smtClean="0">
+                <a:latin typeface="Courier New"/>
+              </a:rPr>
+              <a:t>, fast)  </a:t>
+            </a:r>
+          </a:p>
+          <a:p>
+            <a:r>
+              <a:rPr lang="en-US" sz="2800" dirty="0" smtClean="0">
+                <a:latin typeface="Courier New"/>
+              </a:rPr>
+              <a:t>}</a:t>
+            </a:r>
+          </a:p>
+        </p:txBody>
+      </p:sp>
+      <p:sp>
+        <p:nvSpPr>
+          <p:cNvPr id="10" name="Rectangle 9"/>
+          <p:cNvSpPr/>
+          <p:nvPr/>
+        </p:nvSpPr>
+        <p:spPr>
+          <a:xfrm>
+            <a:off x="5032758" y="1447800"/>
+            <a:ext cx="3374642" cy="923330"/>
+          </a:xfrm>
+          <a:prstGeom prst="rect">
+            <a:avLst/>
+          </a:prstGeom>
+        </p:spPr>
+        <p:txBody>
+          <a:bodyPr wrap="none">
+            <a:spAutoFit/>
+          </a:bodyPr>
+          <a:lstStyle/>
+          <a:p>
+            <a:pPr algn="ctr"/>
+            <a:r>
+              <a:rPr lang="en-US" sz="5400" b="1" kern="0" dirty="0" err="1" smtClean="0">
+                <a:solidFill>
+                  <a:srgbClr val="0C0F20"/>
+                </a:solidFill>
+                <a:latin typeface="Lucida Handwriting" pitchFamily="66" charset="0"/>
+                <a:cs typeface="+mj-cs"/>
+                <a:sym typeface="Arial" charset="0"/>
+              </a:rPr>
+              <a:t>this.type</a:t>
+            </a:r>
+            <a:endParaRPr lang="en-US" dirty="0"/>
+          </a:p>
         </p:txBody>
       </p:sp>
       <p:pic>
         <p:nvPicPr>
-          <p:cNvPr id="70662" name="Picture 6" descr="magic, wizard icon"/>
+          <p:cNvPr id="12" name="Picture 2" descr="toolbox icon"/>
           <p:cNvPicPr>
             <a:picLocks noChangeAspect="1" noChangeArrowheads="1"/>
           </p:cNvPicPr>
@@ -20700,8 +20850,8 @@
         </p:blipFill>
         <p:spPr bwMode="auto">
           <a:xfrm>
-            <a:off x="635000" y="1143000"/>
-            <a:ext cx="1295400" cy="1295401"/>
+            <a:off x="558800" y="1066800"/>
+            <a:ext cx="1676400" cy="1676401"/>
           </a:xfrm>
           <a:prstGeom prst="rect">
             <a:avLst/>
@@ -20711,7 +20861,7 @@
       </p:pic>
       <p:sp>
         <p:nvSpPr>
-          <p:cNvPr id="10" name="Rectangle 1"/>
+          <p:cNvPr id="7" name="Rectangle 1"/>
           <p:cNvSpPr txBox="1">
             <a:spLocks noChangeArrowheads="1"/>
           </p:cNvSpPr>
@@ -20719,8 +20869,8 @@
         </p:nvSpPr>
         <p:spPr bwMode="auto">
           <a:xfrm>
-            <a:off x="3683000" y="6629400"/>
-            <a:ext cx="8686800" cy="1295400"/>
+            <a:off x="5359400" y="7467600"/>
+            <a:ext cx="7086600" cy="685800"/>
           </a:xfrm>
           <a:prstGeom prst="rect">
             <a:avLst/>
@@ -20742,114 +20892,42 @@
           </a:bodyPr>
           <a:lstStyle/>
           <a:p>
-            <a:pPr lvl="0"/>
-            <a:r>
-              <a:rPr lang="en-US" sz="4400" b="1" kern="0" dirty="0" smtClean="0">
+            <a:pPr lvl="0" algn="r"/>
+            <a:r>
+              <a:rPr kumimoji="0" lang="en-US" sz="4400" b="1" i="0" u="none" strike="noStrike" kern="0" cap="none" spc="0" normalizeH="0" baseline="0" noProof="0" dirty="0" smtClean="0">
+                <a:ln>
+                  <a:noFill/>
+                </a:ln>
                 <a:solidFill>
                   <a:srgbClr val="FF0000"/>
                 </a:solidFill>
+                <a:effectLst/>
+                <a:uLnTx/>
+                <a:uFillTx/>
                 <a:latin typeface="Candara" pitchFamily="34" charset="0"/>
                 <a:ea typeface="+mj-ea"/>
                 <a:cs typeface="+mj-cs"/>
-                <a:sym typeface="Arial" charset="0"/>
-              </a:rPr>
-              <a:t>   Use </a:t>
-            </a:r>
-            <a:r>
-              <a:rPr lang="en-US" sz="4400" b="1" kern="0" dirty="0" smtClean="0">
+                <a:sym typeface="Wingdings"/>
+              </a:rPr>
+              <a:t> Don’t change</a:t>
+            </a:r>
+            <a:r>
+              <a:rPr kumimoji="0" lang="en-US" sz="4400" b="1" i="0" u="none" strike="noStrike" kern="0" cap="none" spc="0" normalizeH="0" noProof="0" dirty="0" smtClean="0">
+                <a:ln>
+                  <a:noFill/>
+                </a:ln>
                 <a:solidFill>
                   <a:srgbClr val="FF0000"/>
                 </a:solidFill>
-                <a:latin typeface="Courier New" pitchFamily="49" charset="0"/>
-                <a:ea typeface="+mj-ea"/>
-                <a:cs typeface="Courier New" pitchFamily="49" charset="0"/>
-                <a:sym typeface="Arial" charset="0"/>
-              </a:rPr>
-              <a:t>‘!</a:t>
-            </a:r>
-            <a:r>
-              <a:rPr lang="en-US" sz="4400" b="1" kern="0" dirty="0" smtClean="0">
-                <a:solidFill>
-                  <a:srgbClr val="FF0000"/>
-                </a:solidFill>
-                <a:latin typeface="Courier New" pitchFamily="49" charset="0"/>
-                <a:cs typeface="Courier New" pitchFamily="49" charset="0"/>
-                <a:sym typeface="Arial" charset="0"/>
-              </a:rPr>
-              <a:t>‘</a:t>
-            </a:r>
-            <a:r>
-              <a:rPr lang="en-US" sz="4400" b="1" kern="0" dirty="0" smtClean="0">
-                <a:solidFill>
-                  <a:srgbClr val="FF0000"/>
-                </a:solidFill>
+                <a:effectLst/>
+                <a:uLnTx/>
+                <a:uFillTx/>
                 <a:latin typeface="Candara" pitchFamily="34" charset="0"/>
                 <a:ea typeface="+mj-ea"/>
                 <a:cs typeface="+mj-cs"/>
-                <a:sym typeface="Arial" charset="0"/>
-              </a:rPr>
-              <a:t>  to separate cells and</a:t>
-            </a:r>
-          </a:p>
-          <a:p>
-            <a:pPr lvl="0"/>
-            <a:r>
-              <a:rPr lang="en-US" sz="4400" b="1" kern="0" dirty="0" smtClean="0">
-                <a:solidFill>
-                  <a:srgbClr val="FF0000"/>
-                </a:solidFill>
-                <a:latin typeface="Candara" pitchFamily="34" charset="0"/>
-                <a:ea typeface="+mj-ea"/>
-                <a:cs typeface="+mj-cs"/>
-                <a:sym typeface="Arial" charset="0"/>
-              </a:rPr>
-              <a:t>           </a:t>
-            </a:r>
-            <a:r>
-              <a:rPr lang="en-US" sz="4400" b="1" kern="0" dirty="0" smtClean="0">
-                <a:solidFill>
-                  <a:srgbClr val="FF0000"/>
-                </a:solidFill>
-                <a:latin typeface="Courier New" pitchFamily="49" charset="0"/>
-                <a:cs typeface="Courier New" pitchFamily="49" charset="0"/>
-                <a:sym typeface="Arial" charset="0"/>
-              </a:rPr>
-              <a:t>‘</a:t>
-            </a:r>
-            <a:r>
-              <a:rPr lang="en-US" sz="4400" b="1" kern="0" dirty="0" smtClean="0">
-                <a:solidFill>
-                  <a:srgbClr val="FF0000"/>
-                </a:solidFill>
-                <a:latin typeface="Courier New" pitchFamily="49" charset="0"/>
-                <a:ea typeface="+mj-ea"/>
-                <a:cs typeface="Courier New" pitchFamily="49" charset="0"/>
-                <a:sym typeface="Arial" charset="0"/>
-              </a:rPr>
-              <a:t>|</a:t>
-            </a:r>
-            <a:r>
-              <a:rPr lang="en-US" sz="4400" b="1" kern="0" dirty="0" smtClean="0">
-                <a:solidFill>
-                  <a:srgbClr val="FF0000"/>
-                </a:solidFill>
-                <a:latin typeface="Courier New" pitchFamily="49" charset="0"/>
-                <a:cs typeface="Courier New" pitchFamily="49" charset="0"/>
-                <a:sym typeface="Arial" charset="0"/>
-              </a:rPr>
-              <a:t>‘</a:t>
-            </a:r>
-            <a:r>
-              <a:rPr lang="en-US" sz="4400" b="1" kern="0" dirty="0" smtClean="0">
-                <a:solidFill>
-                  <a:srgbClr val="FF0000"/>
-                </a:solidFill>
-                <a:latin typeface="Candara" pitchFamily="34" charset="0"/>
-                <a:ea typeface="+mj-ea"/>
-                <a:cs typeface="+mj-cs"/>
-                <a:sym typeface="Arial" charset="0"/>
-              </a:rPr>
-              <a:t>  to separate rows</a:t>
+                <a:sym typeface="Wingdings"/>
+              </a:rPr>
+              <a:t> the text, just decorate</a:t>
             </a:r>
             <a:endParaRPr kumimoji="0" lang="en-US" sz="4400" b="1" i="0" u="none" strike="noStrike" kern="0" cap="none" spc="0" normalizeH="0" baseline="0" noProof="0" dirty="0">
               <a:ln>
@@ -21013,50 +21091,6 @@
           </a:p>
         </p:txBody>
       </p:sp>
-      <p:sp>
-        <p:nvSpPr>
-          <p:cNvPr id="7" name="Rectangle 6"/>
-          <p:cNvSpPr/>
-          <p:nvPr/>
-        </p:nvSpPr>
-        <p:spPr>
-          <a:xfrm>
-            <a:off x="4872690" y="1286470"/>
-            <a:ext cx="4634602" cy="923330"/>
-          </a:xfrm>
-          <a:prstGeom prst="rect">
-            <a:avLst/>
-          </a:prstGeom>
-        </p:spPr>
-        <p:txBody>
-          <a:bodyPr wrap="none">
-            <a:spAutoFit/>
-          </a:bodyPr>
-          <a:lstStyle/>
-          <a:p>
-            <a:pPr algn="ctr"/>
-            <a:r>
-              <a:rPr lang="en-US" sz="5400" b="1" kern="0" smtClean="0">
-                <a:solidFill>
-                  <a:srgbClr val="00CC66"/>
-                </a:solidFill>
-                <a:latin typeface="Lucida Handwriting" pitchFamily="66" charset="0"/>
-                <a:cs typeface="+mj-cs"/>
-                <a:sym typeface="Arial" charset="0"/>
-              </a:rPr>
-              <a:t>DataTables</a:t>
-            </a:r>
-            <a:endParaRPr lang="en-US" sz="5400" b="1" kern="0" dirty="0" smtClean="0">
-              <a:solidFill>
-                <a:srgbClr val="00CC66"/>
-              </a:solidFill>
-              <a:latin typeface="Lucida Handwriting" pitchFamily="66" charset="0"/>
-              <a:cs typeface="+mj-cs"/>
-              <a:sym typeface="Arial" charset="0"/>
-            </a:endParaRPr>
-          </a:p>
-        </p:txBody>
-      </p:sp>
       <p:pic>
         <p:nvPicPr>
           <p:cNvPr id="8" name="Picture 10" descr="http://knowledgehub.zeus.com/media/Scala_Logo2008.png"/>
@@ -21091,6 +21125,1316 @@
         </p:nvSpPr>
         <p:spPr>
           <a:xfrm>
+            <a:off x="330200" y="2971800"/>
+            <a:ext cx="12344400" cy="5693866"/>
+          </a:xfrm>
+          <a:prstGeom prst="rect">
+            <a:avLst/>
+          </a:prstGeom>
+          <a:ln>
+            <a:solidFill>
+              <a:schemeClr val="tx1"/>
+            </a:solidFill>
+            <a:prstDash val="dash"/>
+          </a:ln>
+        </p:spPr>
+        <p:txBody>
+          <a:bodyPr wrap="square">
+            <a:spAutoFit/>
+          </a:bodyPr>
+          <a:lstStyle/>
+          <a:p>
+            <a:r>
+              <a:rPr lang="en-US" sz="2800" b="1" dirty="0" smtClean="0">
+                <a:solidFill>
+                  <a:srgbClr val="7F0055"/>
+                </a:solidFill>
+                <a:latin typeface="Courier New"/>
+              </a:rPr>
+              <a:t>class</a:t>
+            </a:r>
+            <a:r>
+              <a:rPr lang="en-US" sz="2800" b="1" dirty="0" smtClean="0">
+                <a:latin typeface="Courier New"/>
+              </a:rPr>
+              <a:t> </a:t>
+            </a:r>
+            <a:r>
+              <a:rPr lang="en-US" sz="2800" b="1" dirty="0" err="1" smtClean="0">
+                <a:latin typeface="Courier New"/>
+              </a:rPr>
+              <a:t>ExampleDesc</a:t>
+            </a:r>
+            <a:r>
+              <a:rPr lang="en-US" sz="2800" b="1" dirty="0" smtClean="0">
+                <a:latin typeface="Courier New"/>
+              </a:rPr>
+              <a:t>(d: </a:t>
+            </a:r>
+            <a:r>
+              <a:rPr lang="en-US" sz="2800" b="1" dirty="0" smtClean="0">
+                <a:latin typeface="Courier New"/>
+              </a:rPr>
+              <a:t>String) {</a:t>
+            </a:r>
+          </a:p>
+          <a:p>
+            <a:r>
+              <a:rPr lang="en-US" sz="2800" b="1" dirty="0" smtClean="0">
+                <a:solidFill>
+                  <a:srgbClr val="7F0055"/>
+                </a:solidFill>
+                <a:latin typeface="Courier New"/>
+              </a:rPr>
+              <a:t>  def</a:t>
+            </a:r>
+            <a:r>
+              <a:rPr lang="en-US" sz="2800" b="1" dirty="0" smtClean="0">
+                <a:latin typeface="Courier New"/>
+              </a:rPr>
+              <a:t> </a:t>
+            </a:r>
+            <a:r>
+              <a:rPr lang="en-US" sz="2800" b="1" dirty="0" smtClean="0">
+                <a:latin typeface="Courier New"/>
+              </a:rPr>
+              <a:t>&gt;&gt;(e: =&gt;</a:t>
+            </a:r>
+            <a:r>
+              <a:rPr lang="en-US" sz="2800" b="1" dirty="0" smtClean="0">
+                <a:solidFill>
+                  <a:srgbClr val="7F0055"/>
+                </a:solidFill>
+                <a:latin typeface="Courier New"/>
+              </a:rPr>
+              <a:t>Any</a:t>
+            </a:r>
+            <a:r>
+              <a:rPr lang="en-US" sz="2800" b="1" dirty="0" smtClean="0">
+                <a:latin typeface="Courier New"/>
+              </a:rPr>
+              <a:t>): Example = </a:t>
+            </a:r>
+            <a:r>
+              <a:rPr lang="en-US" sz="2800" b="1" dirty="0" smtClean="0">
+                <a:solidFill>
+                  <a:srgbClr val="7F0055"/>
+                </a:solidFill>
+                <a:latin typeface="Courier New"/>
+              </a:rPr>
+              <a:t>new</a:t>
+            </a:r>
+            <a:r>
+              <a:rPr lang="en-US" sz="2800" b="1" dirty="0" smtClean="0">
+                <a:latin typeface="Courier New"/>
+              </a:rPr>
+              <a:t> </a:t>
+            </a:r>
+            <a:r>
+              <a:rPr lang="en-US" sz="2800" b="1" dirty="0" smtClean="0">
+                <a:latin typeface="Courier New"/>
+              </a:rPr>
+              <a:t>Example(d, </a:t>
+            </a:r>
+            <a:r>
+              <a:rPr lang="en-US" sz="2800" b="1" dirty="0" smtClean="0">
+                <a:latin typeface="Courier New"/>
+              </a:rPr>
+              <a:t>e)</a:t>
+            </a:r>
+          </a:p>
+          <a:p>
+            <a:r>
+              <a:rPr lang="en-US" sz="2800" dirty="0" smtClean="0">
+                <a:latin typeface="Courier New"/>
+              </a:rPr>
+              <a:t>}</a:t>
+            </a:r>
+            <a:endParaRPr lang="en-US" sz="2800" dirty="0" smtClean="0">
+              <a:latin typeface="Courier New"/>
+            </a:endParaRPr>
+          </a:p>
+          <a:p>
+            <a:r>
+              <a:rPr lang="en-US" sz="2800" b="1" dirty="0" smtClean="0">
+                <a:solidFill>
+                  <a:srgbClr val="7F0055"/>
+                </a:solidFill>
+                <a:latin typeface="Courier New"/>
+              </a:rPr>
+              <a:t>class</a:t>
+            </a:r>
+            <a:r>
+              <a:rPr lang="en-US" sz="2800" b="1" dirty="0" smtClean="0">
+                <a:latin typeface="Courier New"/>
+              </a:rPr>
+              <a:t> Example(d: </a:t>
+            </a:r>
+            <a:r>
+              <a:rPr lang="en-US" sz="2800" b="1" dirty="0" smtClean="0">
+                <a:latin typeface="Courier New"/>
+              </a:rPr>
+              <a:t>String, </a:t>
+            </a:r>
+            <a:r>
+              <a:rPr lang="en-US" sz="2800" b="1" dirty="0" smtClean="0">
+                <a:latin typeface="Courier New"/>
+              </a:rPr>
+              <a:t>e: </a:t>
+            </a:r>
+            <a:r>
+              <a:rPr lang="en-US" sz="2800" b="1" dirty="0" smtClean="0">
+                <a:latin typeface="Courier New"/>
+              </a:rPr>
+              <a:t>=&gt;</a:t>
+            </a:r>
+            <a:r>
+              <a:rPr lang="en-US" sz="2800" b="1" dirty="0" smtClean="0">
+                <a:solidFill>
+                  <a:srgbClr val="7F0055"/>
+                </a:solidFill>
+                <a:latin typeface="Courier New"/>
+              </a:rPr>
+              <a:t>Any</a:t>
+            </a:r>
+            <a:r>
+              <a:rPr lang="en-US" sz="2800" b="1" dirty="0" smtClean="0">
+                <a:latin typeface="Courier New"/>
+              </a:rPr>
+              <a:t>) {</a:t>
+            </a:r>
+          </a:p>
+          <a:p>
+            <a:r>
+              <a:rPr lang="en-US" sz="2800" b="1" dirty="0" smtClean="0">
+                <a:solidFill>
+                  <a:srgbClr val="7F0055"/>
+                </a:solidFill>
+                <a:latin typeface="Courier New"/>
+              </a:rPr>
+              <a:t>  def</a:t>
+            </a:r>
+            <a:r>
+              <a:rPr lang="en-US" sz="2800" b="1" dirty="0" smtClean="0">
+                <a:latin typeface="Courier New"/>
+              </a:rPr>
+              <a:t> </a:t>
+            </a:r>
+            <a:r>
+              <a:rPr lang="en-US" sz="2800" b="1" dirty="0" smtClean="0">
+                <a:latin typeface="Courier New"/>
+              </a:rPr>
+              <a:t>&gt;&gt;(e: =&gt;</a:t>
+            </a:r>
+            <a:r>
+              <a:rPr lang="en-US" sz="2800" b="1" dirty="0" smtClean="0">
+                <a:solidFill>
+                  <a:srgbClr val="7F0055"/>
+                </a:solidFill>
+                <a:latin typeface="Courier New"/>
+              </a:rPr>
+              <a:t>Any</a:t>
+            </a:r>
+            <a:r>
+              <a:rPr lang="en-US" sz="2800" b="1" dirty="0" smtClean="0">
+                <a:latin typeface="Courier New"/>
+              </a:rPr>
+              <a:t>): Example = </a:t>
+            </a:r>
+            <a:r>
+              <a:rPr lang="en-US" sz="2800" b="1" dirty="0" smtClean="0">
+                <a:solidFill>
+                  <a:srgbClr val="7F0055"/>
+                </a:solidFill>
+                <a:latin typeface="Courier New"/>
+              </a:rPr>
+              <a:t>new</a:t>
+            </a:r>
+            <a:r>
+              <a:rPr lang="en-US" sz="2800" b="1" dirty="0" smtClean="0">
+                <a:latin typeface="Courier New"/>
+              </a:rPr>
+              <a:t> </a:t>
+            </a:r>
+            <a:r>
+              <a:rPr lang="en-US" sz="2800" b="1" dirty="0" smtClean="0">
+                <a:latin typeface="Courier New"/>
+              </a:rPr>
+              <a:t>Example(d, </a:t>
+            </a:r>
+            <a:r>
+              <a:rPr lang="en-US" sz="2800" b="1" dirty="0" smtClean="0">
+                <a:latin typeface="Courier New"/>
+              </a:rPr>
+              <a:t>e)</a:t>
+            </a:r>
+          </a:p>
+          <a:p>
+            <a:r>
+              <a:rPr lang="en-US" sz="2800" dirty="0" smtClean="0">
+                <a:latin typeface="Courier New"/>
+              </a:rPr>
+              <a:t>}</a:t>
+            </a:r>
+            <a:endParaRPr lang="en-US" sz="2800" dirty="0" smtClean="0">
+              <a:latin typeface="Courier New"/>
+            </a:endParaRPr>
+          </a:p>
+          <a:p>
+            <a:endParaRPr lang="en-US" sz="2800" dirty="0" smtClean="0">
+              <a:solidFill>
+                <a:srgbClr val="2A00FF"/>
+              </a:solidFill>
+              <a:latin typeface="Courier New"/>
+            </a:endParaRPr>
+          </a:p>
+          <a:p>
+            <a:r>
+              <a:rPr lang="en-US" sz="2800" dirty="0" smtClean="0">
+                <a:solidFill>
+                  <a:srgbClr val="2A00FF"/>
+                </a:solidFill>
+                <a:latin typeface="Courier New"/>
+              </a:rPr>
+              <a:t>"</a:t>
+            </a:r>
+            <a:r>
+              <a:rPr lang="en-US" sz="2800" dirty="0" smtClean="0">
+                <a:solidFill>
+                  <a:srgbClr val="2A00FF"/>
+                </a:solidFill>
+                <a:latin typeface="Courier New"/>
+              </a:rPr>
+              <a:t>When I setup the system"</a:t>
+            </a:r>
+            <a:r>
+              <a:rPr lang="en-US" sz="2800" dirty="0" smtClean="0">
+                <a:latin typeface="Courier New"/>
+              </a:rPr>
+              <a:t> &gt;&gt; {</a:t>
+            </a:r>
+          </a:p>
+          <a:p>
+            <a:r>
+              <a:rPr lang="en-US" sz="2800" dirty="0" smtClean="0">
+                <a:solidFill>
+                  <a:srgbClr val="2A00FF"/>
+                </a:solidFill>
+                <a:latin typeface="Courier New"/>
+              </a:rPr>
+              <a:t>  "</a:t>
+            </a:r>
+            <a:r>
+              <a:rPr lang="en-US" sz="2800" dirty="0" smtClean="0">
+                <a:solidFill>
+                  <a:srgbClr val="2A00FF"/>
+                </a:solidFill>
+                <a:latin typeface="Courier New"/>
+              </a:rPr>
+              <a:t>And a customer is entered"</a:t>
+            </a:r>
+            <a:r>
+              <a:rPr lang="en-US" sz="2800" dirty="0" smtClean="0">
+                <a:latin typeface="Courier New"/>
+              </a:rPr>
+              <a:t> &gt;&gt; {</a:t>
+            </a:r>
+          </a:p>
+          <a:p>
+            <a:r>
+              <a:rPr lang="en-US" sz="2800" dirty="0" smtClean="0">
+                <a:latin typeface="Courier New"/>
+              </a:rPr>
+              <a:t>  </a:t>
+            </a:r>
+            <a:r>
+              <a:rPr lang="en-US" sz="2800" dirty="0" smtClean="0">
+                <a:latin typeface="Courier New"/>
+              </a:rPr>
+              <a:t>  </a:t>
+            </a:r>
+            <a:r>
+              <a:rPr lang="en-US" sz="2800" dirty="0" smtClean="0">
+                <a:solidFill>
+                  <a:srgbClr val="2A00FF"/>
+                </a:solidFill>
+                <a:latin typeface="Courier New"/>
+              </a:rPr>
+              <a:t>"</a:t>
+            </a:r>
+            <a:r>
+              <a:rPr lang="en-US" sz="2800" dirty="0" smtClean="0">
+                <a:solidFill>
+                  <a:srgbClr val="2A00FF"/>
+                </a:solidFill>
+                <a:latin typeface="Courier New"/>
+              </a:rPr>
+              <a:t>if he has a discount"</a:t>
+            </a:r>
+            <a:r>
+              <a:rPr lang="en-US" sz="2800" dirty="0" smtClean="0">
+                <a:latin typeface="Courier New"/>
+              </a:rPr>
+              <a:t> &gt;&gt; {}</a:t>
+            </a:r>
+          </a:p>
+          <a:p>
+            <a:r>
+              <a:rPr lang="en-US" sz="2800" dirty="0" smtClean="0">
+                <a:latin typeface="Courier New"/>
+              </a:rPr>
+              <a:t>  </a:t>
+            </a:r>
+            <a:r>
+              <a:rPr lang="en-US" sz="2800" dirty="0" smtClean="0">
+                <a:latin typeface="Courier New"/>
+              </a:rPr>
+              <a:t>  </a:t>
+            </a:r>
+            <a:r>
+              <a:rPr lang="en-US" sz="2800" dirty="0" smtClean="0">
+                <a:solidFill>
+                  <a:srgbClr val="2A00FF"/>
+                </a:solidFill>
+                <a:latin typeface="Courier New"/>
+              </a:rPr>
+              <a:t>"</a:t>
+            </a:r>
+            <a:r>
+              <a:rPr lang="en-US" sz="2800" dirty="0" smtClean="0">
+                <a:solidFill>
+                  <a:srgbClr val="2A00FF"/>
+                </a:solidFill>
+                <a:latin typeface="Courier New"/>
+              </a:rPr>
+              <a:t>if he doesn't have a discount"</a:t>
+            </a:r>
+            <a:r>
+              <a:rPr lang="en-US" sz="2800" dirty="0" smtClean="0">
+                <a:latin typeface="Courier New"/>
+              </a:rPr>
+              <a:t> &gt;&gt; {}</a:t>
+            </a:r>
+          </a:p>
+          <a:p>
+            <a:r>
+              <a:rPr lang="en-US" sz="2800" dirty="0" smtClean="0">
+                <a:latin typeface="Courier New"/>
+              </a:rPr>
+              <a:t>  }</a:t>
+            </a:r>
+            <a:endParaRPr lang="en-US" sz="2800" dirty="0" smtClean="0">
+              <a:latin typeface="Courier New"/>
+            </a:endParaRPr>
+          </a:p>
+          <a:p>
+            <a:r>
+              <a:rPr lang="en-US" sz="2800" dirty="0" smtClean="0">
+                <a:latin typeface="Courier New"/>
+              </a:rPr>
+              <a:t>}</a:t>
+            </a:r>
+            <a:endParaRPr lang="en-US" sz="2800" b="1" dirty="0" smtClean="0">
+              <a:solidFill>
+                <a:srgbClr val="7F0055"/>
+              </a:solidFill>
+              <a:latin typeface="Courier New"/>
+            </a:endParaRPr>
+          </a:p>
+        </p:txBody>
+      </p:sp>
+      <p:sp>
+        <p:nvSpPr>
+          <p:cNvPr id="14" name="Rectangle 13"/>
+          <p:cNvSpPr/>
+          <p:nvPr/>
+        </p:nvSpPr>
+        <p:spPr>
+          <a:xfrm>
+            <a:off x="3759200" y="1447800"/>
+            <a:ext cx="3978973" cy="923330"/>
+          </a:xfrm>
+          <a:prstGeom prst="rect">
+            <a:avLst/>
+          </a:prstGeom>
+        </p:spPr>
+        <p:txBody>
+          <a:bodyPr wrap="none">
+            <a:spAutoFit/>
+          </a:bodyPr>
+          <a:lstStyle/>
+          <a:p>
+            <a:pPr algn="ctr"/>
+            <a:r>
+              <a:rPr lang="en-US" sz="5400" b="1" kern="0" dirty="0" smtClean="0">
+                <a:solidFill>
+                  <a:srgbClr val="0C0F20"/>
+                </a:solidFill>
+                <a:latin typeface="Lucida Handwriting" pitchFamily="66" charset="0"/>
+                <a:cs typeface="+mj-cs"/>
+                <a:sym typeface="Arial" charset="0"/>
+              </a:rPr>
+              <a:t>Operators</a:t>
+            </a:r>
+            <a:endParaRPr lang="en-US" dirty="0"/>
+          </a:p>
+        </p:txBody>
+      </p:sp>
+      <p:pic>
+        <p:nvPicPr>
+          <p:cNvPr id="15" name="Picture 2" descr="toolbox icon"/>
+          <p:cNvPicPr>
+            <a:picLocks noChangeAspect="1" noChangeArrowheads="1"/>
+          </p:cNvPicPr>
+          <p:nvPr/>
+        </p:nvPicPr>
+        <p:blipFill>
+          <a:blip r:embed="rId4"/>
+          <a:srcRect/>
+          <a:stretch>
+            <a:fillRect/>
+          </a:stretch>
+        </p:blipFill>
+        <p:spPr bwMode="auto">
+          <a:xfrm>
+            <a:off x="558800" y="1066800"/>
+            <a:ext cx="1676400" cy="1676401"/>
+          </a:xfrm>
+          <a:prstGeom prst="rect">
+            <a:avLst/>
+          </a:prstGeom>
+          <a:noFill/>
+        </p:spPr>
+      </p:pic>
+    </p:spTree>
+  </p:cSld>
+  <p:clrMapOvr>
+    <a:masterClrMapping/>
+  </p:clrMapOvr>
+  <p:transition>
+    <p:fade/>
+  </p:transition>
+  <p:timing>
+    <p:tnLst>
+      <p:par>
+        <p:cTn id="1" dur="indefinite" restart="never" nodeType="tmRoot">
+          <p:childTnLst>
+            <p:seq concurrent="1" nextAc="seek">
+              <p:cTn id="2" dur="indefinite" nodeType="mainSeq">
+                <p:childTnLst>
+                  <p:par>
+                    <p:cTn id="3" fill="hold">
+                      <p:stCondLst>
+                        <p:cond delay="indefinite"/>
+                        <p:cond evt="onBegin" delay="0">
+                          <p:tn val="2"/>
+                        </p:cond>
+                      </p:stCondLst>
+                      <p:childTnLst>
+                        <p:par>
+                          <p:cTn id="4" fill="hold">
+                            <p:stCondLst>
+                              <p:cond delay="0"/>
+                            </p:stCondLst>
+                            <p:childTnLst>
+                              <p:par>
+                                <p:cTn id="5" presetID="1" presetClass="entr" presetSubtype="0" fill="hold" nodeType="withEffect">
+                                  <p:stCondLst>
+                                    <p:cond delay="0"/>
+                                  </p:stCondLst>
+                                  <p:childTnLst>
+                                    <p:set>
+                                      <p:cBhvr>
+                                        <p:cTn id="6" dur="1" fill="hold">
+                                          <p:stCondLst>
+                                            <p:cond delay="0"/>
+                                          </p:stCondLst>
+                                        </p:cTn>
+                                        <p:tgtEl>
+                                          <p:spTgt spid="8"/>
+                                        </p:tgtEl>
+                                        <p:attrNameLst>
+                                          <p:attrName>style.visibility</p:attrName>
+                                        </p:attrNameLst>
+                                      </p:cBhvr>
+                                      <p:to>
+                                        <p:strVal val="visible"/>
+                                      </p:to>
+                                    </p:set>
+                                  </p:childTnLst>
+                                </p:cTn>
+                              </p:par>
+                            </p:childTnLst>
+                          </p:cTn>
+                        </p:par>
+                      </p:childTnLst>
+                    </p:cTn>
+                  </p:par>
+                </p:childTnLst>
+              </p:cTn>
+              <p:prevCondLst>
+                <p:cond evt="onPrev" delay="0">
+                  <p:tgtEl>
+                    <p:sldTgt/>
+                  </p:tgtEl>
+                </p:cond>
+              </p:prevCondLst>
+              <p:nextCondLst>
+                <p:cond evt="onNext" delay="0">
+                  <p:tgtEl>
+                    <p:sldTgt/>
+                  </p:tgtEl>
+                </p:cond>
+              </p:nextCondLst>
+            </p:seq>
+          </p:childTnLst>
+        </p:cTn>
+      </p:par>
+    </p:tnLst>
+  </p:timing>
+</p:sld>
+</file>
+
+<file path=ppt/slides/slide37.xml><?xml version="1.0" encoding="utf-8"?>
+<p:sld xmlns:a="http://schemas.openxmlformats.org/drawingml/2006/main" xmlns:r="http://schemas.openxmlformats.org/officeDocument/2006/relationships" xmlns:p="http://schemas.openxmlformats.org/presentationml/2006/main">
+  <p:cSld>
+    <p:spTree>
+      <p:nvGrpSpPr>
+        <p:cNvPr id="1" name=""/>
+        <p:cNvGrpSpPr/>
+        <p:nvPr/>
+      </p:nvGrpSpPr>
+      <p:grpSpPr>
+        <a:xfrm>
+          <a:off x="0" y="0"/>
+          <a:ext cx="0" cy="0"/>
+          <a:chOff x="0" y="0"/>
+          <a:chExt cx="0" cy="0"/>
+        </a:xfrm>
+      </p:grpSpPr>
+      <p:sp>
+        <p:nvSpPr>
+          <p:cNvPr id="8193" name="Rectangle 1"/>
+          <p:cNvSpPr>
+            <a:spLocks noGrp="1" noChangeArrowheads="1"/>
+          </p:cNvSpPr>
+          <p:nvPr>
+            <p:ph type="title"/>
+          </p:nvPr>
+        </p:nvSpPr>
+        <p:spPr>
+          <a:xfrm>
+            <a:off x="711200" y="0"/>
+            <a:ext cx="12509500" cy="914400"/>
+          </a:xfrm>
+          <a:ln/>
+        </p:spPr>
+        <p:txBody>
+          <a:bodyPr/>
+          <a:lstStyle/>
+          <a:p>
+            <a:pPr lvl="0"/>
+            <a:r>
+              <a:rPr lang="en-US" sz="5400" dirty="0" smtClean="0">
+                <a:latin typeface="Lucida Handwriting" pitchFamily="66" charset="0"/>
+              </a:rPr>
+              <a:t>     </a:t>
+            </a:r>
+            <a:r>
+              <a:rPr lang="en-US" sz="5400" dirty="0" smtClean="0">
+                <a:latin typeface="Lucida Handwriting" pitchFamily="66" charset="0"/>
+              </a:rPr>
+              <a:t>DSL</a:t>
+            </a:r>
+            <a:endParaRPr lang="en-US" dirty="0"/>
+          </a:p>
+        </p:txBody>
+      </p:sp>
+      <p:sp>
+        <p:nvSpPr>
+          <p:cNvPr id="7" name="Rectangle 6"/>
+          <p:cNvSpPr/>
+          <p:nvPr/>
+        </p:nvSpPr>
+        <p:spPr>
+          <a:xfrm>
+            <a:off x="4510641" y="1438870"/>
+            <a:ext cx="4503156" cy="923330"/>
+          </a:xfrm>
+          <a:prstGeom prst="rect">
+            <a:avLst/>
+          </a:prstGeom>
+        </p:spPr>
+        <p:txBody>
+          <a:bodyPr wrap="none">
+            <a:spAutoFit/>
+          </a:bodyPr>
+          <a:lstStyle/>
+          <a:p>
+            <a:pPr algn="ctr"/>
+            <a:r>
+              <a:rPr lang="en-US" sz="5400" b="1" kern="0" dirty="0" smtClean="0">
+                <a:solidFill>
+                  <a:srgbClr val="00CC66"/>
+                </a:solidFill>
+                <a:latin typeface="Lucida Handwriting" pitchFamily="66" charset="0"/>
+                <a:cs typeface="+mj-cs"/>
+                <a:sym typeface="Arial" charset="0"/>
+              </a:rPr>
+              <a:t>precedence</a:t>
+            </a:r>
+            <a:endParaRPr lang="en-US" dirty="0">
+              <a:solidFill>
+                <a:srgbClr val="00CC66"/>
+              </a:solidFill>
+            </a:endParaRPr>
+          </a:p>
+        </p:txBody>
+      </p:sp>
+      <p:pic>
+        <p:nvPicPr>
+          <p:cNvPr id="8" name="Picture 10" descr="http://knowledgehub.zeus.com/media/Scala_Logo2008.png"/>
+          <p:cNvPicPr>
+            <a:picLocks noChangeAspect="1" noChangeArrowheads="1"/>
+          </p:cNvPicPr>
+          <p:nvPr/>
+        </p:nvPicPr>
+        <p:blipFill>
+          <a:blip r:embed="rId3"/>
+          <a:srcRect/>
+          <a:stretch>
+            <a:fillRect/>
+          </a:stretch>
+        </p:blipFill>
+        <p:spPr bwMode="auto">
+          <a:xfrm>
+            <a:off x="4140200" y="76200"/>
+            <a:ext cx="2279542" cy="679257"/>
+          </a:xfrm>
+          <a:prstGeom prst="rect">
+            <a:avLst/>
+          </a:prstGeom>
+          <a:noFill/>
+        </p:spPr>
+      </p:pic>
+      <p:sp>
+        <p:nvSpPr>
+          <p:cNvPr id="11" name="Rectangle 10"/>
+          <p:cNvSpPr/>
+          <p:nvPr/>
+        </p:nvSpPr>
+        <p:spPr>
+          <a:xfrm>
+            <a:off x="330200" y="2819400"/>
+            <a:ext cx="12344400" cy="3539430"/>
+          </a:xfrm>
+          <a:prstGeom prst="rect">
+            <a:avLst/>
+          </a:prstGeom>
+          <a:solidFill>
+            <a:schemeClr val="bg1"/>
+          </a:solidFill>
+          <a:ln>
+            <a:solidFill>
+              <a:schemeClr val="tx1"/>
+            </a:solidFill>
+            <a:prstDash val="dash"/>
+          </a:ln>
+        </p:spPr>
+        <p:txBody>
+          <a:bodyPr wrap="square">
+            <a:spAutoFit/>
+          </a:bodyPr>
+          <a:lstStyle/>
+          <a:p>
+            <a:r>
+              <a:rPr lang="en-US" sz="3200" dirty="0" smtClean="0">
+                <a:solidFill>
+                  <a:srgbClr val="3F5FBF"/>
+                </a:solidFill>
+                <a:latin typeface="Courier New"/>
+              </a:rPr>
+              <a:t>/**</a:t>
+            </a:r>
+            <a:endParaRPr lang="en-US" sz="3200" dirty="0" smtClean="0">
+              <a:solidFill>
+                <a:srgbClr val="3F5FBF"/>
+              </a:solidFill>
+              <a:latin typeface="Courier New"/>
+            </a:endParaRPr>
+          </a:p>
+          <a:p>
+            <a:r>
+              <a:rPr lang="en-US" sz="3200" dirty="0" smtClean="0">
+                <a:solidFill>
+                  <a:srgbClr val="3F5FBF"/>
+                </a:solidFill>
+                <a:latin typeface="Courier New"/>
+              </a:rPr>
+              <a:t> </a:t>
+            </a:r>
+            <a:r>
+              <a:rPr lang="en-US" sz="3200" dirty="0" smtClean="0">
+                <a:solidFill>
+                  <a:srgbClr val="3F5FBF"/>
+                </a:solidFill>
+                <a:latin typeface="Courier New"/>
+              </a:rPr>
+              <a:t>* Fit</a:t>
+            </a:r>
+            <a:r>
+              <a:rPr lang="en-US" sz="3200" dirty="0" smtClean="0">
+                <a:solidFill>
+                  <a:srgbClr val="7F7F9F"/>
+                </a:solidFill>
+                <a:latin typeface="Courier New"/>
+              </a:rPr>
+              <a:t>-</a:t>
+            </a:r>
+            <a:r>
+              <a:rPr lang="en-US" sz="3200" dirty="0" smtClean="0">
+                <a:solidFill>
+                  <a:srgbClr val="3F5FBF"/>
+                </a:solidFill>
+                <a:latin typeface="Courier New"/>
+              </a:rPr>
+              <a:t>like table in </a:t>
+            </a:r>
+            <a:r>
+              <a:rPr lang="en-US" sz="3200" dirty="0" err="1" smtClean="0">
+                <a:solidFill>
+                  <a:srgbClr val="3F5FBF"/>
+                </a:solidFill>
+                <a:latin typeface="Courier New"/>
+              </a:rPr>
+              <a:t>Scala</a:t>
+            </a:r>
+            <a:r>
+              <a:rPr lang="en-US" sz="3200" dirty="0" smtClean="0">
+                <a:solidFill>
+                  <a:srgbClr val="3F5FBF"/>
+                </a:solidFill>
+                <a:latin typeface="Courier New"/>
+              </a:rPr>
+              <a:t>?</a:t>
+            </a:r>
+          </a:p>
+          <a:p>
+            <a:r>
+              <a:rPr lang="en-US" sz="3200" dirty="0" smtClean="0">
+                <a:solidFill>
+                  <a:srgbClr val="3F5FBF"/>
+                </a:solidFill>
+                <a:latin typeface="Courier New"/>
+              </a:rPr>
+              <a:t> </a:t>
+            </a:r>
+            <a:r>
+              <a:rPr lang="en-US" sz="3200" dirty="0" smtClean="0">
+                <a:solidFill>
+                  <a:srgbClr val="3F5FBF"/>
+                </a:solidFill>
+                <a:latin typeface="Courier New"/>
+              </a:rPr>
+              <a:t>* </a:t>
+            </a:r>
+          </a:p>
+          <a:p>
+            <a:r>
+              <a:rPr lang="en-US" sz="3200" dirty="0" smtClean="0">
+                <a:solidFill>
+                  <a:srgbClr val="3F5FBF"/>
+                </a:solidFill>
+                <a:latin typeface="Courier New"/>
+              </a:rPr>
+              <a:t> </a:t>
+            </a:r>
+            <a:r>
+              <a:rPr lang="en-US" sz="3200" dirty="0" smtClean="0">
+                <a:solidFill>
+                  <a:srgbClr val="3F5FBF"/>
+                </a:solidFill>
+                <a:latin typeface="Courier New"/>
+              </a:rPr>
+              <a:t>*  | a | b | c |</a:t>
+            </a:r>
+          </a:p>
+          <a:p>
+            <a:r>
+              <a:rPr lang="en-US" sz="3200" dirty="0" smtClean="0">
+                <a:solidFill>
+                  <a:srgbClr val="3F5FBF"/>
+                </a:solidFill>
+                <a:latin typeface="Courier New"/>
+              </a:rPr>
+              <a:t> </a:t>
+            </a:r>
+            <a:r>
+              <a:rPr lang="en-US" sz="3200" dirty="0" smtClean="0">
+                <a:solidFill>
+                  <a:srgbClr val="3F5FBF"/>
+                </a:solidFill>
+                <a:latin typeface="Courier New"/>
+              </a:rPr>
+              <a:t>*  | 1 | 2 | 3 |</a:t>
+            </a:r>
+          </a:p>
+          <a:p>
+            <a:r>
+              <a:rPr lang="en-US" sz="3200" dirty="0" smtClean="0">
+                <a:solidFill>
+                  <a:srgbClr val="3F5FBF"/>
+                </a:solidFill>
+                <a:latin typeface="Courier New"/>
+              </a:rPr>
+              <a:t> </a:t>
+            </a:r>
+            <a:r>
+              <a:rPr lang="en-US" sz="3200" dirty="0" smtClean="0">
+                <a:solidFill>
+                  <a:srgbClr val="3F5FBF"/>
+                </a:solidFill>
+                <a:latin typeface="Courier New"/>
+              </a:rPr>
+              <a:t>*  | 2 | 2 | 4 |</a:t>
+            </a:r>
+          </a:p>
+          <a:p>
+            <a:r>
+              <a:rPr lang="en-US" sz="3200" dirty="0" smtClean="0">
+                <a:solidFill>
+                  <a:srgbClr val="3F5FBF"/>
+                </a:solidFill>
+                <a:latin typeface="Courier New"/>
+              </a:rPr>
+              <a:t> </a:t>
+            </a:r>
+            <a:r>
+              <a:rPr lang="en-US" sz="3200" dirty="0" smtClean="0">
+                <a:solidFill>
+                  <a:srgbClr val="3F5FBF"/>
+                </a:solidFill>
+                <a:latin typeface="Courier New"/>
+              </a:rPr>
+              <a:t>*/</a:t>
+            </a:r>
+            <a:endParaRPr lang="en-US" sz="3200" b="1" dirty="0" smtClean="0">
+              <a:solidFill>
+                <a:srgbClr val="7F0055"/>
+              </a:solidFill>
+              <a:latin typeface="Courier New"/>
+            </a:endParaRPr>
+          </a:p>
+        </p:txBody>
+      </p:sp>
+      <p:pic>
+        <p:nvPicPr>
+          <p:cNvPr id="70662" name="Picture 6" descr="magic, wizard icon"/>
+          <p:cNvPicPr>
+            <a:picLocks noChangeAspect="1" noChangeArrowheads="1"/>
+          </p:cNvPicPr>
+          <p:nvPr/>
+        </p:nvPicPr>
+        <p:blipFill>
+          <a:blip r:embed="rId4"/>
+          <a:srcRect/>
+          <a:stretch>
+            <a:fillRect/>
+          </a:stretch>
+        </p:blipFill>
+        <p:spPr bwMode="auto">
+          <a:xfrm>
+            <a:off x="635000" y="1143000"/>
+            <a:ext cx="1295400" cy="1295401"/>
+          </a:xfrm>
+          <a:prstGeom prst="rect">
+            <a:avLst/>
+          </a:prstGeom>
+          <a:noFill/>
+        </p:spPr>
+      </p:pic>
+      <p:sp>
+        <p:nvSpPr>
+          <p:cNvPr id="10" name="Rectangle 1"/>
+          <p:cNvSpPr txBox="1">
+            <a:spLocks noChangeArrowheads="1"/>
+          </p:cNvSpPr>
+          <p:nvPr/>
+        </p:nvSpPr>
+        <p:spPr bwMode="auto">
+          <a:xfrm>
+            <a:off x="3683000" y="6629400"/>
+            <a:ext cx="8686800" cy="1295400"/>
+          </a:xfrm>
+          <a:prstGeom prst="rect">
+            <a:avLst/>
+          </a:prstGeom>
+          <a:noFill/>
+          <a:ln w="12700">
+            <a:noFill/>
+            <a:miter lim="800000"/>
+            <a:headEnd/>
+            <a:tailEnd/>
+          </a:ln>
+          <a:effectLst/>
+        </p:spPr>
+        <p:txBody>
+          <a:bodyPr vert="horz" wrap="square" lIns="50800" tIns="50800" rIns="50800" bIns="50800" numCol="1" anchor="ctr" anchorCtr="0" compatLnSpc="1">
+            <a:prstTxWarp prst="textNoShape">
+              <a:avLst/>
+            </a:prstTxWarp>
+          </a:bodyPr>
+          <a:lstStyle/>
+          <a:p>
+            <a:pPr lvl="0"/>
+            <a:r>
+              <a:rPr lang="en-US" sz="4400" b="1" kern="0" dirty="0" smtClean="0">
+                <a:solidFill>
+                  <a:srgbClr val="FF0000"/>
+                </a:solidFill>
+                <a:latin typeface="Candara" pitchFamily="34" charset="0"/>
+                <a:ea typeface="+mj-ea"/>
+                <a:cs typeface="+mj-cs"/>
+                <a:sym typeface="Arial" charset="0"/>
+              </a:rPr>
+              <a:t>   Use </a:t>
+            </a:r>
+            <a:r>
+              <a:rPr lang="en-US" sz="4400" b="1" kern="0" dirty="0" smtClean="0">
+                <a:solidFill>
+                  <a:srgbClr val="FF0000"/>
+                </a:solidFill>
+                <a:latin typeface="Courier New" pitchFamily="49" charset="0"/>
+                <a:ea typeface="+mj-ea"/>
+                <a:cs typeface="Courier New" pitchFamily="49" charset="0"/>
+                <a:sym typeface="Arial" charset="0"/>
+              </a:rPr>
+              <a:t>‘!</a:t>
+            </a:r>
+            <a:r>
+              <a:rPr lang="en-US" sz="4400" b="1" kern="0" dirty="0" smtClean="0">
+                <a:solidFill>
+                  <a:srgbClr val="FF0000"/>
+                </a:solidFill>
+                <a:latin typeface="Courier New" pitchFamily="49" charset="0"/>
+                <a:cs typeface="Courier New" pitchFamily="49" charset="0"/>
+                <a:sym typeface="Arial" charset="0"/>
+              </a:rPr>
+              <a:t>‘</a:t>
+            </a:r>
+            <a:r>
+              <a:rPr lang="en-US" sz="4400" b="1" kern="0" dirty="0" smtClean="0">
+                <a:solidFill>
+                  <a:srgbClr val="FF0000"/>
+                </a:solidFill>
+                <a:latin typeface="Candara" pitchFamily="34" charset="0"/>
+                <a:ea typeface="+mj-ea"/>
+                <a:cs typeface="+mj-cs"/>
+                <a:sym typeface="Arial" charset="0"/>
+              </a:rPr>
+              <a:t>  to separate cells and</a:t>
+            </a:r>
+          </a:p>
+          <a:p>
+            <a:pPr lvl="0"/>
+            <a:r>
+              <a:rPr lang="en-US" sz="4400" b="1" kern="0" dirty="0" smtClean="0">
+                <a:solidFill>
+                  <a:srgbClr val="FF0000"/>
+                </a:solidFill>
+                <a:latin typeface="Candara" pitchFamily="34" charset="0"/>
+                <a:ea typeface="+mj-ea"/>
+                <a:cs typeface="+mj-cs"/>
+                <a:sym typeface="Arial" charset="0"/>
+              </a:rPr>
+              <a:t>           </a:t>
+            </a:r>
+            <a:r>
+              <a:rPr lang="en-US" sz="4400" b="1" kern="0" dirty="0" smtClean="0">
+                <a:solidFill>
+                  <a:srgbClr val="FF0000"/>
+                </a:solidFill>
+                <a:latin typeface="Courier New" pitchFamily="49" charset="0"/>
+                <a:cs typeface="Courier New" pitchFamily="49" charset="0"/>
+                <a:sym typeface="Arial" charset="0"/>
+              </a:rPr>
+              <a:t>‘</a:t>
+            </a:r>
+            <a:r>
+              <a:rPr lang="en-US" sz="4400" b="1" kern="0" dirty="0" smtClean="0">
+                <a:solidFill>
+                  <a:srgbClr val="FF0000"/>
+                </a:solidFill>
+                <a:latin typeface="Courier New" pitchFamily="49" charset="0"/>
+                <a:ea typeface="+mj-ea"/>
+                <a:cs typeface="Courier New" pitchFamily="49" charset="0"/>
+                <a:sym typeface="Arial" charset="0"/>
+              </a:rPr>
+              <a:t>|</a:t>
+            </a:r>
+            <a:r>
+              <a:rPr lang="en-US" sz="4400" b="1" kern="0" dirty="0" smtClean="0">
+                <a:solidFill>
+                  <a:srgbClr val="FF0000"/>
+                </a:solidFill>
+                <a:latin typeface="Courier New" pitchFamily="49" charset="0"/>
+                <a:cs typeface="Courier New" pitchFamily="49" charset="0"/>
+                <a:sym typeface="Arial" charset="0"/>
+              </a:rPr>
+              <a:t>‘</a:t>
+            </a:r>
+            <a:r>
+              <a:rPr lang="en-US" sz="4400" b="1" kern="0" dirty="0" smtClean="0">
+                <a:solidFill>
+                  <a:srgbClr val="FF0000"/>
+                </a:solidFill>
+                <a:latin typeface="Candara" pitchFamily="34" charset="0"/>
+                <a:ea typeface="+mj-ea"/>
+                <a:cs typeface="+mj-cs"/>
+                <a:sym typeface="Arial" charset="0"/>
+              </a:rPr>
+              <a:t>  to separate rows</a:t>
+            </a:r>
+            <a:endParaRPr kumimoji="0" lang="en-US" sz="4400" b="1" i="0" u="none" strike="noStrike" kern="0" cap="none" spc="0" normalizeH="0" baseline="0" noProof="0" dirty="0">
+              <a:ln>
+                <a:noFill/>
+              </a:ln>
+              <a:solidFill>
+                <a:srgbClr val="E75145"/>
+              </a:solidFill>
+              <a:effectLst/>
+              <a:uLnTx/>
+              <a:uFillTx/>
+              <a:latin typeface="Candara" pitchFamily="34" charset="0"/>
+              <a:ea typeface="+mj-ea"/>
+              <a:cs typeface="+mj-cs"/>
+              <a:sym typeface="Arial" charset="0"/>
+            </a:endParaRPr>
+          </a:p>
+        </p:txBody>
+      </p:sp>
+    </p:spTree>
+  </p:cSld>
+  <p:clrMapOvr>
+    <a:masterClrMapping/>
+  </p:clrMapOvr>
+  <p:transition>
+    <p:fade/>
+  </p:transition>
+  <p:timing>
+    <p:tnLst>
+      <p:par>
+        <p:cTn id="1" dur="indefinite" restart="never" nodeType="tmRoot">
+          <p:childTnLst>
+            <p:seq concurrent="1" nextAc="seek">
+              <p:cTn id="2" dur="indefinite" nodeType="mainSeq">
+                <p:childTnLst>
+                  <p:par>
+                    <p:cTn id="3" fill="hold">
+                      <p:stCondLst>
+                        <p:cond delay="indefinite"/>
+                        <p:cond evt="onBegin" delay="0">
+                          <p:tn val="2"/>
+                        </p:cond>
+                      </p:stCondLst>
+                      <p:childTnLst>
+                        <p:par>
+                          <p:cTn id="4" fill="hold">
+                            <p:stCondLst>
+                              <p:cond delay="0"/>
+                            </p:stCondLst>
+                            <p:childTnLst>
+                              <p:par>
+                                <p:cTn id="5" presetID="1" presetClass="entr" presetSubtype="0" fill="hold" nodeType="withEffect">
+                                  <p:stCondLst>
+                                    <p:cond delay="0"/>
+                                  </p:stCondLst>
+                                  <p:childTnLst>
+                                    <p:set>
+                                      <p:cBhvr>
+                                        <p:cTn id="6" dur="1" fill="hold">
+                                          <p:stCondLst>
+                                            <p:cond delay="0"/>
+                                          </p:stCondLst>
+                                        </p:cTn>
+                                        <p:tgtEl>
+                                          <p:spTgt spid="8"/>
+                                        </p:tgtEl>
+                                        <p:attrNameLst>
+                                          <p:attrName>style.visibility</p:attrName>
+                                        </p:attrNameLst>
+                                      </p:cBhvr>
+                                      <p:to>
+                                        <p:strVal val="visible"/>
+                                      </p:to>
+                                    </p:set>
+                                  </p:childTnLst>
+                                </p:cTn>
+                              </p:par>
+                            </p:childTnLst>
+                          </p:cTn>
+                        </p:par>
+                      </p:childTnLst>
+                    </p:cTn>
+                  </p:par>
+                </p:childTnLst>
+              </p:cTn>
+              <p:prevCondLst>
+                <p:cond evt="onPrev" delay="0">
+                  <p:tgtEl>
+                    <p:sldTgt/>
+                  </p:tgtEl>
+                </p:cond>
+              </p:prevCondLst>
+              <p:nextCondLst>
+                <p:cond evt="onNext" delay="0">
+                  <p:tgtEl>
+                    <p:sldTgt/>
+                  </p:tgtEl>
+                </p:cond>
+              </p:nextCondLst>
+            </p:seq>
+          </p:childTnLst>
+        </p:cTn>
+      </p:par>
+    </p:tnLst>
+  </p:timing>
+</p:sld>
+</file>
+
+<file path=ppt/slides/slide38.xml><?xml version="1.0" encoding="utf-8"?>
+<p:sld xmlns:a="http://schemas.openxmlformats.org/drawingml/2006/main" xmlns:r="http://schemas.openxmlformats.org/officeDocument/2006/relationships" xmlns:p="http://schemas.openxmlformats.org/presentationml/2006/main">
+  <p:cSld>
+    <p:spTree>
+      <p:nvGrpSpPr>
+        <p:cNvPr id="1" name=""/>
+        <p:cNvGrpSpPr/>
+        <p:nvPr/>
+      </p:nvGrpSpPr>
+      <p:grpSpPr>
+        <a:xfrm>
+          <a:off x="0" y="0"/>
+          <a:ext cx="0" cy="0"/>
+          <a:chOff x="0" y="0"/>
+          <a:chExt cx="0" cy="0"/>
+        </a:xfrm>
+      </p:grpSpPr>
+      <p:sp>
+        <p:nvSpPr>
+          <p:cNvPr id="8193" name="Rectangle 1"/>
+          <p:cNvSpPr>
+            <a:spLocks noGrp="1" noChangeArrowheads="1"/>
+          </p:cNvSpPr>
+          <p:nvPr>
+            <p:ph type="title"/>
+          </p:nvPr>
+        </p:nvSpPr>
+        <p:spPr>
+          <a:xfrm>
+            <a:off x="711200" y="0"/>
+            <a:ext cx="12509500" cy="914400"/>
+          </a:xfrm>
+          <a:ln/>
+        </p:spPr>
+        <p:txBody>
+          <a:bodyPr/>
+          <a:lstStyle/>
+          <a:p>
+            <a:pPr lvl="0"/>
+            <a:r>
+              <a:rPr lang="en-US" sz="5400" dirty="0" smtClean="0">
+                <a:latin typeface="Lucida Handwriting" pitchFamily="66" charset="0"/>
+              </a:rPr>
+              <a:t>     </a:t>
+            </a:r>
+            <a:r>
+              <a:rPr lang="en-US" sz="5400" dirty="0" smtClean="0">
+                <a:latin typeface="Lucida Handwriting" pitchFamily="66" charset="0"/>
+              </a:rPr>
+              <a:t>DSL</a:t>
+            </a:r>
+            <a:endParaRPr lang="en-US" dirty="0"/>
+          </a:p>
+        </p:txBody>
+      </p:sp>
+      <p:sp>
+        <p:nvSpPr>
+          <p:cNvPr id="7" name="Rectangle 6"/>
+          <p:cNvSpPr/>
+          <p:nvPr/>
+        </p:nvSpPr>
+        <p:spPr>
+          <a:xfrm>
+            <a:off x="4872690" y="1286470"/>
+            <a:ext cx="4634602" cy="923330"/>
+          </a:xfrm>
+          <a:prstGeom prst="rect">
+            <a:avLst/>
+          </a:prstGeom>
+        </p:spPr>
+        <p:txBody>
+          <a:bodyPr wrap="none">
+            <a:spAutoFit/>
+          </a:bodyPr>
+          <a:lstStyle/>
+          <a:p>
+            <a:pPr algn="ctr"/>
+            <a:r>
+              <a:rPr lang="en-US" sz="5400" b="1" kern="0" dirty="0" err="1" smtClean="0">
+                <a:solidFill>
+                  <a:srgbClr val="00CC66"/>
+                </a:solidFill>
+                <a:latin typeface="Lucida Handwriting" pitchFamily="66" charset="0"/>
+                <a:cs typeface="+mj-cs"/>
+                <a:sym typeface="Arial" charset="0"/>
+              </a:rPr>
+              <a:t>DataTables</a:t>
+            </a:r>
+            <a:endParaRPr lang="en-US" sz="5400" b="1" kern="0" dirty="0" smtClean="0">
+              <a:solidFill>
+                <a:srgbClr val="00CC66"/>
+              </a:solidFill>
+              <a:latin typeface="Lucida Handwriting" pitchFamily="66" charset="0"/>
+              <a:cs typeface="+mj-cs"/>
+              <a:sym typeface="Arial" charset="0"/>
+            </a:endParaRPr>
+          </a:p>
+        </p:txBody>
+      </p:sp>
+      <p:pic>
+        <p:nvPicPr>
+          <p:cNvPr id="8" name="Picture 10" descr="http://knowledgehub.zeus.com/media/Scala_Logo2008.png"/>
+          <p:cNvPicPr>
+            <a:picLocks noChangeAspect="1" noChangeArrowheads="1"/>
+          </p:cNvPicPr>
+          <p:nvPr/>
+        </p:nvPicPr>
+        <p:blipFill>
+          <a:blip r:embed="rId3"/>
+          <a:srcRect/>
+          <a:stretch>
+            <a:fillRect/>
+          </a:stretch>
+        </p:blipFill>
+        <p:spPr bwMode="auto">
+          <a:xfrm>
+            <a:off x="4140200" y="76200"/>
+            <a:ext cx="2279542" cy="679257"/>
+          </a:xfrm>
+          <a:prstGeom prst="rect">
+            <a:avLst/>
+          </a:prstGeom>
+          <a:noFill/>
+        </p:spPr>
+      </p:pic>
+      <p:sp>
+        <p:nvSpPr>
+          <p:cNvPr id="11" name="Rectangle 10"/>
+          <p:cNvSpPr/>
+          <p:nvPr/>
+        </p:nvSpPr>
+        <p:spPr>
+          <a:xfrm>
             <a:off x="406400" y="2667000"/>
             <a:ext cx="12344400" cy="5509200"/>
           </a:xfrm>
@@ -21431,6 +22775,685 @@
           <a:xfrm>
             <a:off x="863600" y="1066800"/>
             <a:ext cx="1828800" cy="1371600"/>
+          </a:xfrm>
+          <a:prstGeom prst="rect">
+            <a:avLst/>
+          </a:prstGeom>
+          <a:noFill/>
+        </p:spPr>
+      </p:pic>
+    </p:spTree>
+  </p:cSld>
+  <p:clrMapOvr>
+    <a:masterClrMapping/>
+  </p:clrMapOvr>
+  <p:transition>
+    <p:fade/>
+  </p:transition>
+  <p:timing>
+    <p:tnLst>
+      <p:par>
+        <p:cTn id="1" dur="indefinite" restart="never" nodeType="tmRoot">
+          <p:childTnLst>
+            <p:seq concurrent="1" nextAc="seek">
+              <p:cTn id="2" dur="indefinite" nodeType="mainSeq">
+                <p:childTnLst>
+                  <p:par>
+                    <p:cTn id="3" fill="hold">
+                      <p:stCondLst>
+                        <p:cond delay="indefinite"/>
+                        <p:cond evt="onBegin" delay="0">
+                          <p:tn val="2"/>
+                        </p:cond>
+                      </p:stCondLst>
+                      <p:childTnLst>
+                        <p:par>
+                          <p:cTn id="4" fill="hold">
+                            <p:stCondLst>
+                              <p:cond delay="0"/>
+                            </p:stCondLst>
+                            <p:childTnLst>
+                              <p:par>
+                                <p:cTn id="5" presetID="1" presetClass="entr" presetSubtype="0" fill="hold" nodeType="withEffect">
+                                  <p:stCondLst>
+                                    <p:cond delay="0"/>
+                                  </p:stCondLst>
+                                  <p:childTnLst>
+                                    <p:set>
+                                      <p:cBhvr>
+                                        <p:cTn id="6" dur="1" fill="hold">
+                                          <p:stCondLst>
+                                            <p:cond delay="0"/>
+                                          </p:stCondLst>
+                                        </p:cTn>
+                                        <p:tgtEl>
+                                          <p:spTgt spid="8"/>
+                                        </p:tgtEl>
+                                        <p:attrNameLst>
+                                          <p:attrName>style.visibility</p:attrName>
+                                        </p:attrNameLst>
+                                      </p:cBhvr>
+                                      <p:to>
+                                        <p:strVal val="visible"/>
+                                      </p:to>
+                                    </p:set>
+                                  </p:childTnLst>
+                                </p:cTn>
+                              </p:par>
+                            </p:childTnLst>
+                          </p:cTn>
+                        </p:par>
+                      </p:childTnLst>
+                    </p:cTn>
+                  </p:par>
+                </p:childTnLst>
+              </p:cTn>
+              <p:prevCondLst>
+                <p:cond evt="onPrev" delay="0">
+                  <p:tgtEl>
+                    <p:sldTgt/>
+                  </p:tgtEl>
+                </p:cond>
+              </p:prevCondLst>
+              <p:nextCondLst>
+                <p:cond evt="onNext" delay="0">
+                  <p:tgtEl>
+                    <p:sldTgt/>
+                  </p:tgtEl>
+                </p:cond>
+              </p:nextCondLst>
+            </p:seq>
+          </p:childTnLst>
+        </p:cTn>
+      </p:par>
+    </p:tnLst>
+  </p:timing>
+</p:sld>
+</file>
+
+<file path=ppt/slides/slide39.xml><?xml version="1.0" encoding="utf-8"?>
+<p:sld xmlns:a="http://schemas.openxmlformats.org/drawingml/2006/main" xmlns:r="http://schemas.openxmlformats.org/officeDocument/2006/relationships" xmlns:p="http://schemas.openxmlformats.org/presentationml/2006/main">
+  <p:cSld>
+    <p:spTree>
+      <p:nvGrpSpPr>
+        <p:cNvPr id="1" name=""/>
+        <p:cNvGrpSpPr/>
+        <p:nvPr/>
+      </p:nvGrpSpPr>
+      <p:grpSpPr>
+        <a:xfrm>
+          <a:off x="0" y="0"/>
+          <a:ext cx="0" cy="0"/>
+          <a:chOff x="0" y="0"/>
+          <a:chExt cx="0" cy="0"/>
+        </a:xfrm>
+      </p:grpSpPr>
+      <p:sp>
+        <p:nvSpPr>
+          <p:cNvPr id="8193" name="Rectangle 1"/>
+          <p:cNvSpPr>
+            <a:spLocks noGrp="1" noChangeArrowheads="1"/>
+          </p:cNvSpPr>
+          <p:nvPr>
+            <p:ph type="title"/>
+          </p:nvPr>
+        </p:nvSpPr>
+        <p:spPr>
+          <a:xfrm>
+            <a:off x="711200" y="0"/>
+            <a:ext cx="12509500" cy="914400"/>
+          </a:xfrm>
+          <a:ln/>
+        </p:spPr>
+        <p:txBody>
+          <a:bodyPr/>
+          <a:lstStyle/>
+          <a:p>
+            <a:pPr lvl="0"/>
+            <a:r>
+              <a:rPr lang="en-US" sz="5400" dirty="0" smtClean="0">
+                <a:latin typeface="Lucida Handwriting" pitchFamily="66" charset="0"/>
+              </a:rPr>
+              <a:t>     </a:t>
+            </a:r>
+            <a:r>
+              <a:rPr lang="en-US" sz="5400" dirty="0" smtClean="0">
+                <a:latin typeface="Lucida Handwriting" pitchFamily="66" charset="0"/>
+              </a:rPr>
+              <a:t>DSL</a:t>
+            </a:r>
+            <a:endParaRPr lang="en-US" dirty="0"/>
+          </a:p>
+        </p:txBody>
+      </p:sp>
+      <p:pic>
+        <p:nvPicPr>
+          <p:cNvPr id="8" name="Picture 10" descr="http://knowledgehub.zeus.com/media/Scala_Logo2008.png"/>
+          <p:cNvPicPr>
+            <a:picLocks noChangeAspect="1" noChangeArrowheads="1"/>
+          </p:cNvPicPr>
+          <p:nvPr/>
+        </p:nvPicPr>
+        <p:blipFill>
+          <a:blip r:embed="rId3"/>
+          <a:srcRect/>
+          <a:stretch>
+            <a:fillRect/>
+          </a:stretch>
+        </p:blipFill>
+        <p:spPr bwMode="auto">
+          <a:xfrm>
+            <a:off x="4140200" y="76200"/>
+            <a:ext cx="2279542" cy="679257"/>
+          </a:xfrm>
+          <a:prstGeom prst="rect">
+            <a:avLst/>
+          </a:prstGeom>
+          <a:noFill/>
+        </p:spPr>
+      </p:pic>
+      <p:sp>
+        <p:nvSpPr>
+          <p:cNvPr id="11" name="Rectangle 10"/>
+          <p:cNvSpPr/>
+          <p:nvPr/>
+        </p:nvSpPr>
+        <p:spPr>
+          <a:xfrm>
+            <a:off x="330200" y="2971800"/>
+            <a:ext cx="12344400" cy="5262979"/>
+          </a:xfrm>
+          <a:prstGeom prst="rect">
+            <a:avLst/>
+          </a:prstGeom>
+          <a:ln>
+            <a:solidFill>
+              <a:schemeClr val="tx1"/>
+            </a:solidFill>
+            <a:prstDash val="dash"/>
+          </a:ln>
+        </p:spPr>
+        <p:txBody>
+          <a:bodyPr wrap="square">
+            <a:spAutoFit/>
+          </a:bodyPr>
+          <a:lstStyle/>
+          <a:p>
+            <a:r>
+              <a:rPr lang="en-US" sz="2800" b="1" dirty="0" smtClean="0">
+                <a:solidFill>
+                  <a:srgbClr val="7F0055"/>
+                </a:solidFill>
+                <a:latin typeface="Courier New"/>
+              </a:rPr>
+              <a:t>trait</a:t>
+            </a:r>
+            <a:r>
+              <a:rPr lang="en-US" sz="2800" b="1" dirty="0" smtClean="0">
+                <a:latin typeface="Courier New"/>
+              </a:rPr>
+              <a:t> Matcher[-T] {</a:t>
+            </a:r>
+          </a:p>
+          <a:p>
+            <a:r>
+              <a:rPr lang="en-US" sz="2800" dirty="0" smtClean="0">
+                <a:latin typeface="Courier New"/>
+              </a:rPr>
+              <a:t> </a:t>
+            </a:r>
+            <a:r>
+              <a:rPr lang="en-US" sz="2800" dirty="0" smtClean="0">
+                <a:latin typeface="Courier New"/>
+              </a:rPr>
+              <a:t> </a:t>
+            </a:r>
+            <a:r>
+              <a:rPr lang="en-US" sz="2800" b="1" dirty="0" smtClean="0">
+                <a:solidFill>
+                  <a:srgbClr val="7F0055"/>
+                </a:solidFill>
+                <a:latin typeface="Courier New"/>
+              </a:rPr>
+              <a:t>def</a:t>
+            </a:r>
+            <a:r>
+              <a:rPr lang="en-US" sz="2800" b="1" dirty="0" smtClean="0">
+                <a:latin typeface="Courier New"/>
+              </a:rPr>
+              <a:t> apply(y: =&gt;T): (</a:t>
+            </a:r>
+            <a:r>
+              <a:rPr lang="en-US" sz="2800" b="1" dirty="0" smtClean="0">
+                <a:solidFill>
+                  <a:srgbClr val="7F0055"/>
+                </a:solidFill>
+                <a:latin typeface="Courier New"/>
+              </a:rPr>
+              <a:t>Boolean</a:t>
+            </a:r>
+            <a:r>
+              <a:rPr lang="en-US" sz="2800" b="1" dirty="0" smtClean="0">
+                <a:latin typeface="Courier New"/>
+              </a:rPr>
+              <a:t>, String, String)</a:t>
+            </a:r>
+          </a:p>
+          <a:p>
+            <a:r>
+              <a:rPr lang="en-US" sz="2800" dirty="0" smtClean="0">
+                <a:latin typeface="Courier New"/>
+              </a:rPr>
+              <a:t> </a:t>
+            </a:r>
+            <a:r>
+              <a:rPr lang="en-US" sz="2800" dirty="0" smtClean="0">
+                <a:latin typeface="Courier New"/>
+              </a:rPr>
+              <a:t> </a:t>
+            </a:r>
+            <a:r>
+              <a:rPr lang="en-US" sz="2800" b="1" dirty="0" smtClean="0">
+                <a:solidFill>
+                  <a:srgbClr val="7F0055"/>
+                </a:solidFill>
+                <a:latin typeface="Courier New"/>
+              </a:rPr>
+              <a:t>def</a:t>
+            </a:r>
+            <a:r>
+              <a:rPr lang="en-US" sz="2800" b="1" dirty="0" smtClean="0">
+                <a:latin typeface="Courier New"/>
+              </a:rPr>
+              <a:t> not: Matcher[T]</a:t>
+            </a:r>
+          </a:p>
+          <a:p>
+            <a:r>
+              <a:rPr lang="en-US" sz="2800" dirty="0" smtClean="0">
+                <a:latin typeface="Courier New"/>
+              </a:rPr>
+              <a:t> </a:t>
+            </a:r>
+            <a:r>
+              <a:rPr lang="en-US" sz="2800" dirty="0" smtClean="0">
+                <a:latin typeface="Courier New"/>
+              </a:rPr>
+              <a:t> </a:t>
+            </a:r>
+            <a:r>
+              <a:rPr lang="en-US" sz="2800" b="1" dirty="0" smtClean="0">
+                <a:solidFill>
+                  <a:srgbClr val="7F0055"/>
+                </a:solidFill>
+                <a:latin typeface="Courier New"/>
+              </a:rPr>
+              <a:t>def</a:t>
+            </a:r>
+            <a:r>
+              <a:rPr lang="en-US" sz="2800" b="1" dirty="0" smtClean="0">
+                <a:latin typeface="Courier New"/>
+              </a:rPr>
+              <a:t> when(condition: =&gt;</a:t>
+            </a:r>
+            <a:r>
+              <a:rPr lang="en-US" sz="2800" b="1" dirty="0" smtClean="0">
+                <a:solidFill>
+                  <a:srgbClr val="7F0055"/>
+                </a:solidFill>
+                <a:latin typeface="Courier New"/>
+              </a:rPr>
+              <a:t>Boolean</a:t>
+            </a:r>
+            <a:r>
+              <a:rPr lang="en-US" sz="2800" b="1" dirty="0" smtClean="0">
+                <a:latin typeface="Courier New"/>
+              </a:rPr>
+              <a:t>): Matcher[T]</a:t>
+            </a:r>
+          </a:p>
+          <a:p>
+            <a:r>
+              <a:rPr lang="en-US" sz="2800" dirty="0" smtClean="0">
+                <a:latin typeface="Courier New"/>
+              </a:rPr>
+              <a:t> </a:t>
+            </a:r>
+            <a:r>
+              <a:rPr lang="en-US" sz="2800" dirty="0" smtClean="0">
+                <a:latin typeface="Courier New"/>
+              </a:rPr>
+              <a:t> </a:t>
+            </a:r>
+            <a:r>
+              <a:rPr lang="en-US" sz="2800" b="1" dirty="0" smtClean="0">
+                <a:solidFill>
+                  <a:srgbClr val="7F0055"/>
+                </a:solidFill>
+                <a:latin typeface="Courier New"/>
+              </a:rPr>
+              <a:t>def</a:t>
+            </a:r>
+            <a:r>
+              <a:rPr lang="en-US" sz="2800" b="1" dirty="0" smtClean="0">
+                <a:latin typeface="Courier New"/>
+              </a:rPr>
+              <a:t> unless(condition: =&gt;</a:t>
+            </a:r>
+            <a:r>
+              <a:rPr lang="en-US" sz="2800" b="1" dirty="0" smtClean="0">
+                <a:solidFill>
+                  <a:srgbClr val="7F0055"/>
+                </a:solidFill>
+                <a:latin typeface="Courier New"/>
+              </a:rPr>
+              <a:t>Boolean</a:t>
+            </a:r>
+            <a:r>
+              <a:rPr lang="en-US" sz="2800" b="1" dirty="0" smtClean="0">
+                <a:latin typeface="Courier New"/>
+              </a:rPr>
+              <a:t>): Matcher[T]</a:t>
+            </a:r>
+          </a:p>
+          <a:p>
+            <a:r>
+              <a:rPr lang="en-US" sz="2800" dirty="0" smtClean="0">
+                <a:latin typeface="Courier New"/>
+              </a:rPr>
+              <a:t> </a:t>
+            </a:r>
+            <a:r>
+              <a:rPr lang="en-US" sz="2800" dirty="0" smtClean="0">
+                <a:latin typeface="Courier New"/>
+              </a:rPr>
+              <a:t> </a:t>
+            </a:r>
+            <a:r>
+              <a:rPr lang="en-US" sz="2800" b="1" dirty="0" smtClean="0">
+                <a:solidFill>
+                  <a:srgbClr val="7F0055"/>
+                </a:solidFill>
+                <a:latin typeface="Courier New"/>
+              </a:rPr>
+              <a:t>def</a:t>
+            </a:r>
+            <a:r>
+              <a:rPr lang="en-US" sz="2800" b="1" dirty="0" smtClean="0">
+                <a:latin typeface="Courier New"/>
+              </a:rPr>
+              <a:t> </a:t>
+            </a:r>
+            <a:r>
+              <a:rPr lang="en-US" sz="2800" b="1" dirty="0" err="1" smtClean="0">
+                <a:latin typeface="Courier New"/>
+              </a:rPr>
+              <a:t>orSkip</a:t>
+            </a:r>
+            <a:r>
+              <a:rPr lang="en-US" sz="2800" b="1" dirty="0" smtClean="0">
+                <a:latin typeface="Courier New"/>
+              </a:rPr>
+              <a:t>: Matcher[T]</a:t>
+            </a:r>
+          </a:p>
+          <a:p>
+            <a:r>
+              <a:rPr lang="en-US" sz="2800" dirty="0" smtClean="0">
+                <a:latin typeface="Courier New"/>
+              </a:rPr>
+              <a:t> </a:t>
+            </a:r>
+            <a:r>
+              <a:rPr lang="en-US" sz="2800" dirty="0" smtClean="0">
+                <a:latin typeface="Courier New"/>
+              </a:rPr>
+              <a:t> </a:t>
+            </a:r>
+            <a:r>
+              <a:rPr lang="en-US" sz="2800" b="1" dirty="0" smtClean="0">
+                <a:solidFill>
+                  <a:srgbClr val="7F0055"/>
+                </a:solidFill>
+                <a:latin typeface="Courier New"/>
+              </a:rPr>
+              <a:t>def</a:t>
+            </a:r>
+            <a:r>
+              <a:rPr lang="en-US" sz="2800" b="1" dirty="0" smtClean="0">
+                <a:latin typeface="Courier New"/>
+              </a:rPr>
+              <a:t> or[S &lt;: T](m: Matcher[S]): Matcher[S]</a:t>
+            </a:r>
+          </a:p>
+          <a:p>
+            <a:r>
+              <a:rPr lang="en-US" sz="2800" dirty="0" smtClean="0">
+                <a:latin typeface="Courier New"/>
+              </a:rPr>
+              <a:t> </a:t>
+            </a:r>
+            <a:r>
+              <a:rPr lang="en-US" sz="2800" dirty="0" smtClean="0">
+                <a:latin typeface="Courier New"/>
+              </a:rPr>
+              <a:t> </a:t>
+            </a:r>
+            <a:r>
+              <a:rPr lang="en-US" sz="2800" b="1" dirty="0" smtClean="0">
+                <a:solidFill>
+                  <a:srgbClr val="7F0055"/>
+                </a:solidFill>
+                <a:latin typeface="Courier New"/>
+              </a:rPr>
+              <a:t>def</a:t>
+            </a:r>
+            <a:r>
+              <a:rPr lang="en-US" sz="2800" b="1" dirty="0" smtClean="0">
+                <a:latin typeface="Courier New"/>
+              </a:rPr>
+              <a:t> </a:t>
+            </a:r>
+            <a:r>
+              <a:rPr lang="en-US" sz="2800" b="1" dirty="0" err="1" smtClean="0">
+                <a:latin typeface="Courier New"/>
+              </a:rPr>
+              <a:t>xor</a:t>
+            </a:r>
+            <a:r>
+              <a:rPr lang="en-US" sz="2800" b="1" dirty="0" smtClean="0">
+                <a:latin typeface="Courier New"/>
+              </a:rPr>
+              <a:t>[S &lt;: T](m: Matcher[S]): Matcher[S]</a:t>
+            </a:r>
+          </a:p>
+          <a:p>
+            <a:r>
+              <a:rPr lang="en-US" sz="2800" dirty="0" smtClean="0">
+                <a:latin typeface="Courier New"/>
+              </a:rPr>
+              <a:t> </a:t>
+            </a:r>
+            <a:r>
+              <a:rPr lang="en-US" sz="2800" dirty="0" smtClean="0">
+                <a:latin typeface="Courier New"/>
+              </a:rPr>
+              <a:t> </a:t>
+            </a:r>
+            <a:r>
+              <a:rPr lang="en-US" sz="2800" b="1" dirty="0" smtClean="0">
+                <a:solidFill>
+                  <a:srgbClr val="7F0055"/>
+                </a:solidFill>
+                <a:latin typeface="Courier New"/>
+              </a:rPr>
+              <a:t>def</a:t>
+            </a:r>
+            <a:r>
+              <a:rPr lang="en-US" sz="2800" b="1" dirty="0" smtClean="0">
+                <a:latin typeface="Courier New"/>
+              </a:rPr>
+              <a:t> and[S &lt;: T](m: Matcher[S]): Matcher[S]</a:t>
+            </a:r>
+          </a:p>
+          <a:p>
+            <a:r>
+              <a:rPr lang="pl-PL" sz="2800" dirty="0" smtClean="0">
+                <a:latin typeface="Courier New"/>
+              </a:rPr>
+              <a:t> </a:t>
+            </a:r>
+            <a:r>
+              <a:rPr lang="pl-PL" sz="2800" dirty="0" smtClean="0">
+                <a:latin typeface="Courier New"/>
+              </a:rPr>
+              <a:t> </a:t>
+            </a:r>
+            <a:r>
+              <a:rPr lang="pl-PL" sz="2800" b="1" dirty="0" smtClean="0">
+                <a:solidFill>
+                  <a:srgbClr val="7F0055"/>
+                </a:solidFill>
+                <a:latin typeface="Courier New"/>
+              </a:rPr>
+              <a:t>def</a:t>
+            </a:r>
+            <a:r>
+              <a:rPr lang="pl-PL" sz="2800" b="1" dirty="0" smtClean="0">
+                <a:latin typeface="Courier New"/>
+              </a:rPr>
+              <a:t> ^^[S&lt;: T, U](f: S =&gt; U): Matcher[U]</a:t>
+            </a:r>
+          </a:p>
+          <a:p>
+            <a:r>
+              <a:rPr lang="en-US" sz="2800" dirty="0" smtClean="0">
+                <a:latin typeface="Courier New"/>
+              </a:rPr>
+              <a:t> </a:t>
+            </a:r>
+            <a:r>
+              <a:rPr lang="en-US" sz="2800" dirty="0" smtClean="0">
+                <a:latin typeface="Courier New"/>
+              </a:rPr>
+              <a:t> </a:t>
+            </a:r>
+            <a:r>
+              <a:rPr lang="en-US" sz="2800" b="1" dirty="0" smtClean="0">
+                <a:solidFill>
+                  <a:srgbClr val="7F0055"/>
+                </a:solidFill>
+                <a:latin typeface="Courier New"/>
+              </a:rPr>
+              <a:t>def</a:t>
+            </a:r>
+            <a:r>
+              <a:rPr lang="en-US" sz="2800" b="1" dirty="0" smtClean="0">
+                <a:latin typeface="Courier New"/>
+              </a:rPr>
+              <a:t> </a:t>
+            </a:r>
+            <a:r>
+              <a:rPr lang="en-US" sz="2800" b="1" dirty="0" err="1" smtClean="0">
+                <a:latin typeface="Courier New"/>
+              </a:rPr>
+              <a:t>toSeq</a:t>
+            </a:r>
+            <a:r>
+              <a:rPr lang="en-US" sz="2800" b="1" dirty="0" smtClean="0">
+                <a:latin typeface="Courier New"/>
+              </a:rPr>
+              <a:t>: Matcher[</a:t>
+            </a:r>
+            <a:r>
+              <a:rPr lang="en-US" sz="2800" b="1" dirty="0" err="1" smtClean="0">
+                <a:latin typeface="Courier New"/>
+              </a:rPr>
+              <a:t>Seq</a:t>
+            </a:r>
+            <a:r>
+              <a:rPr lang="en-US" sz="2800" b="1" dirty="0" smtClean="0">
+                <a:latin typeface="Courier New"/>
+              </a:rPr>
+              <a:t>[T]]</a:t>
+            </a:r>
+          </a:p>
+          <a:p>
+            <a:r>
+              <a:rPr lang="en-US" sz="2800" dirty="0" smtClean="0">
+                <a:latin typeface="Courier New"/>
+              </a:rPr>
+              <a:t>} </a:t>
+            </a:r>
+            <a:endParaRPr lang="en-US" sz="2800" b="1" dirty="0" smtClean="0">
+              <a:solidFill>
+                <a:srgbClr val="7F0055"/>
+              </a:solidFill>
+              <a:latin typeface="Courier New"/>
+            </a:endParaRPr>
+          </a:p>
+        </p:txBody>
+      </p:sp>
+      <p:sp>
+        <p:nvSpPr>
+          <p:cNvPr id="7" name="Rectangle 6"/>
+          <p:cNvSpPr/>
+          <p:nvPr/>
+        </p:nvSpPr>
+        <p:spPr>
+          <a:xfrm>
+            <a:off x="4510641" y="1438870"/>
+            <a:ext cx="3517310" cy="923330"/>
+          </a:xfrm>
+          <a:prstGeom prst="rect">
+            <a:avLst/>
+          </a:prstGeom>
+        </p:spPr>
+        <p:txBody>
+          <a:bodyPr wrap="none">
+            <a:spAutoFit/>
+          </a:bodyPr>
+          <a:lstStyle/>
+          <a:p>
+            <a:pPr algn="ctr"/>
+            <a:r>
+              <a:rPr lang="en-US" sz="5400" b="1" kern="0" dirty="0" smtClean="0">
+                <a:solidFill>
+                  <a:srgbClr val="00CC66"/>
+                </a:solidFill>
+                <a:latin typeface="Lucida Handwriting" pitchFamily="66" charset="0"/>
+                <a:cs typeface="+mj-cs"/>
+                <a:sym typeface="Arial" charset="0"/>
+              </a:rPr>
+              <a:t>combine</a:t>
+            </a:r>
+            <a:endParaRPr lang="en-US" dirty="0">
+              <a:solidFill>
+                <a:srgbClr val="00CC66"/>
+              </a:solidFill>
+            </a:endParaRPr>
+          </a:p>
+        </p:txBody>
+      </p:sp>
+      <p:pic>
+        <p:nvPicPr>
+          <p:cNvPr id="9" name="Picture 6" descr="magic, wizard icon"/>
+          <p:cNvPicPr>
+            <a:picLocks noChangeAspect="1" noChangeArrowheads="1"/>
+          </p:cNvPicPr>
+          <p:nvPr/>
+        </p:nvPicPr>
+        <p:blipFill>
+          <a:blip r:embed="rId4"/>
+          <a:srcRect/>
+          <a:stretch>
+            <a:fillRect/>
+          </a:stretch>
+        </p:blipFill>
+        <p:spPr bwMode="auto">
+          <a:xfrm>
+            <a:off x="635000" y="1143000"/>
+            <a:ext cx="1295400" cy="1295401"/>
           </a:xfrm>
           <a:prstGeom prst="rect">
             <a:avLst/>

--- a/src/main/resources/oscon_2010_specs.pptx
+++ b/src/main/resources/oscon_2010_specs.pptx
@@ -6,7 +6,7 @@
     <p:sldMasterId id="2147483651" r:id="rId2"/>
   </p:sldMasterIdLst>
   <p:notesMasterIdLst>
-    <p:notesMasterId r:id="rId42"/>
+    <p:notesMasterId r:id="rId47"/>
   </p:notesMasterIdLst>
   <p:sldIdLst>
     <p:sldId id="258" r:id="rId3"/>
@@ -47,7 +47,12 @@
     <p:sldId id="291" r:id="rId38"/>
     <p:sldId id="292" r:id="rId39"/>
     <p:sldId id="293" r:id="rId40"/>
-    <p:sldId id="294" r:id="rId41"/>
+    <p:sldId id="297" r:id="rId41"/>
+    <p:sldId id="301" r:id="rId42"/>
+    <p:sldId id="302" r:id="rId43"/>
+    <p:sldId id="298" r:id="rId44"/>
+    <p:sldId id="300" r:id="rId45"/>
+    <p:sldId id="299" r:id="rId46"/>
   </p:sldIdLst>
   <p:sldSz cx="13004800" cy="9753600"/>
   <p:notesSz cx="6858000" cy="9144000"/>
@@ -3429,6 +3434,426 @@
               <a:rPr lang="en-US"/>
               <a:pPr/>
               <a:t>4</a:t>
+            </a:fld>
+            <a:endParaRPr lang="en-US"/>
+          </a:p>
+        </p:txBody>
+      </p:sp>
+      <p:sp>
+        <p:nvSpPr>
+          <p:cNvPr id="19458" name="Rectangle 2"/>
+          <p:cNvSpPr>
+            <a:spLocks noGrp="1" noRot="1" noChangeAspect="1" noChangeArrowheads="1" noTextEdit="1"/>
+          </p:cNvSpPr>
+          <p:nvPr>
+            <p:ph type="sldImg"/>
+          </p:nvPr>
+        </p:nvSpPr>
+        <p:spPr>
+          <a:ln/>
+        </p:spPr>
+      </p:sp>
+      <p:sp>
+        <p:nvSpPr>
+          <p:cNvPr id="19459" name="Rectangle 3"/>
+          <p:cNvSpPr>
+            <a:spLocks noGrp="1"/>
+          </p:cNvSpPr>
+          <p:nvPr>
+            <p:ph type="body" idx="1"/>
+          </p:nvPr>
+        </p:nvSpPr>
+        <p:spPr/>
+        <p:txBody>
+          <a:bodyPr/>
+          <a:lstStyle/>
+          <a:p>
+            <a:endParaRPr lang="en-US"/>
+          </a:p>
+        </p:txBody>
+      </p:sp>
+    </p:spTree>
+  </p:cSld>
+  <p:clrMapOvr>
+    <a:masterClrMapping/>
+  </p:clrMapOvr>
+</p:notes>
+</file>
+
+<file path=ppt/notesSlides/notesSlide40.xml><?xml version="1.0" encoding="utf-8"?>
+<p:notes xmlns:a="http://schemas.openxmlformats.org/drawingml/2006/main" xmlns:r="http://schemas.openxmlformats.org/officeDocument/2006/relationships" xmlns:p="http://schemas.openxmlformats.org/presentationml/2006/main">
+  <p:cSld>
+    <p:spTree>
+      <p:nvGrpSpPr>
+        <p:cNvPr id="1" name=""/>
+        <p:cNvGrpSpPr/>
+        <p:nvPr/>
+      </p:nvGrpSpPr>
+      <p:grpSpPr>
+        <a:xfrm>
+          <a:off x="0" y="0"/>
+          <a:ext cx="0" cy="0"/>
+          <a:chOff x="0" y="0"/>
+          <a:chExt cx="0" cy="0"/>
+        </a:xfrm>
+      </p:grpSpPr>
+      <p:sp>
+        <p:nvSpPr>
+          <p:cNvPr id="7" name="Rectangle 7"/>
+          <p:cNvSpPr>
+            <a:spLocks noGrp="1"/>
+          </p:cNvSpPr>
+          <p:nvPr>
+            <p:ph type="sldNum" sz="quarter" idx="5"/>
+          </p:nvPr>
+        </p:nvSpPr>
+        <p:spPr>
+          <a:ln/>
+        </p:spPr>
+        <p:txBody>
+          <a:bodyPr/>
+          <a:lstStyle/>
+          <a:p>
+            <a:fld id="{27AEA7DA-096A-4FB7-B4B3-D12717EF4BDD}" type="slidenum">
+              <a:rPr lang="en-US"/>
+              <a:pPr/>
+              <a:t>40</a:t>
+            </a:fld>
+            <a:endParaRPr lang="en-US"/>
+          </a:p>
+        </p:txBody>
+      </p:sp>
+      <p:sp>
+        <p:nvSpPr>
+          <p:cNvPr id="19458" name="Rectangle 2"/>
+          <p:cNvSpPr>
+            <a:spLocks noGrp="1" noRot="1" noChangeAspect="1" noChangeArrowheads="1" noTextEdit="1"/>
+          </p:cNvSpPr>
+          <p:nvPr>
+            <p:ph type="sldImg"/>
+          </p:nvPr>
+        </p:nvSpPr>
+        <p:spPr>
+          <a:ln/>
+        </p:spPr>
+      </p:sp>
+      <p:sp>
+        <p:nvSpPr>
+          <p:cNvPr id="19459" name="Rectangle 3"/>
+          <p:cNvSpPr>
+            <a:spLocks noGrp="1"/>
+          </p:cNvSpPr>
+          <p:nvPr>
+            <p:ph type="body" idx="1"/>
+          </p:nvPr>
+        </p:nvSpPr>
+        <p:spPr/>
+        <p:txBody>
+          <a:bodyPr/>
+          <a:lstStyle/>
+          <a:p>
+            <a:endParaRPr lang="en-US"/>
+          </a:p>
+        </p:txBody>
+      </p:sp>
+    </p:spTree>
+  </p:cSld>
+  <p:clrMapOvr>
+    <a:masterClrMapping/>
+  </p:clrMapOvr>
+</p:notes>
+</file>
+
+<file path=ppt/notesSlides/notesSlide41.xml><?xml version="1.0" encoding="utf-8"?>
+<p:notes xmlns:a="http://schemas.openxmlformats.org/drawingml/2006/main" xmlns:r="http://schemas.openxmlformats.org/officeDocument/2006/relationships" xmlns:p="http://schemas.openxmlformats.org/presentationml/2006/main">
+  <p:cSld>
+    <p:spTree>
+      <p:nvGrpSpPr>
+        <p:cNvPr id="1" name=""/>
+        <p:cNvGrpSpPr/>
+        <p:nvPr/>
+      </p:nvGrpSpPr>
+      <p:grpSpPr>
+        <a:xfrm>
+          <a:off x="0" y="0"/>
+          <a:ext cx="0" cy="0"/>
+          <a:chOff x="0" y="0"/>
+          <a:chExt cx="0" cy="0"/>
+        </a:xfrm>
+      </p:grpSpPr>
+      <p:sp>
+        <p:nvSpPr>
+          <p:cNvPr id="7" name="Rectangle 7"/>
+          <p:cNvSpPr>
+            <a:spLocks noGrp="1"/>
+          </p:cNvSpPr>
+          <p:nvPr>
+            <p:ph type="sldNum" sz="quarter" idx="5"/>
+          </p:nvPr>
+        </p:nvSpPr>
+        <p:spPr>
+          <a:ln/>
+        </p:spPr>
+        <p:txBody>
+          <a:bodyPr/>
+          <a:lstStyle/>
+          <a:p>
+            <a:fld id="{27AEA7DA-096A-4FB7-B4B3-D12717EF4BDD}" type="slidenum">
+              <a:rPr lang="en-US"/>
+              <a:pPr/>
+              <a:t>41</a:t>
+            </a:fld>
+            <a:endParaRPr lang="en-US"/>
+          </a:p>
+        </p:txBody>
+      </p:sp>
+      <p:sp>
+        <p:nvSpPr>
+          <p:cNvPr id="19458" name="Rectangle 2"/>
+          <p:cNvSpPr>
+            <a:spLocks noGrp="1" noRot="1" noChangeAspect="1" noChangeArrowheads="1" noTextEdit="1"/>
+          </p:cNvSpPr>
+          <p:nvPr>
+            <p:ph type="sldImg"/>
+          </p:nvPr>
+        </p:nvSpPr>
+        <p:spPr>
+          <a:ln/>
+        </p:spPr>
+      </p:sp>
+      <p:sp>
+        <p:nvSpPr>
+          <p:cNvPr id="19459" name="Rectangle 3"/>
+          <p:cNvSpPr>
+            <a:spLocks noGrp="1"/>
+          </p:cNvSpPr>
+          <p:nvPr>
+            <p:ph type="body" idx="1"/>
+          </p:nvPr>
+        </p:nvSpPr>
+        <p:spPr/>
+        <p:txBody>
+          <a:bodyPr/>
+          <a:lstStyle/>
+          <a:p>
+            <a:endParaRPr lang="en-US"/>
+          </a:p>
+        </p:txBody>
+      </p:sp>
+    </p:spTree>
+  </p:cSld>
+  <p:clrMapOvr>
+    <a:masterClrMapping/>
+  </p:clrMapOvr>
+</p:notes>
+</file>
+
+<file path=ppt/notesSlides/notesSlide42.xml><?xml version="1.0" encoding="utf-8"?>
+<p:notes xmlns:a="http://schemas.openxmlformats.org/drawingml/2006/main" xmlns:r="http://schemas.openxmlformats.org/officeDocument/2006/relationships" xmlns:p="http://schemas.openxmlformats.org/presentationml/2006/main">
+  <p:cSld>
+    <p:spTree>
+      <p:nvGrpSpPr>
+        <p:cNvPr id="1" name=""/>
+        <p:cNvGrpSpPr/>
+        <p:nvPr/>
+      </p:nvGrpSpPr>
+      <p:grpSpPr>
+        <a:xfrm>
+          <a:off x="0" y="0"/>
+          <a:ext cx="0" cy="0"/>
+          <a:chOff x="0" y="0"/>
+          <a:chExt cx="0" cy="0"/>
+        </a:xfrm>
+      </p:grpSpPr>
+      <p:sp>
+        <p:nvSpPr>
+          <p:cNvPr id="7" name="Rectangle 7"/>
+          <p:cNvSpPr>
+            <a:spLocks noGrp="1"/>
+          </p:cNvSpPr>
+          <p:nvPr>
+            <p:ph type="sldNum" sz="quarter" idx="5"/>
+          </p:nvPr>
+        </p:nvSpPr>
+        <p:spPr>
+          <a:ln/>
+        </p:spPr>
+        <p:txBody>
+          <a:bodyPr/>
+          <a:lstStyle/>
+          <a:p>
+            <a:fld id="{27AEA7DA-096A-4FB7-B4B3-D12717EF4BDD}" type="slidenum">
+              <a:rPr lang="en-US"/>
+              <a:pPr/>
+              <a:t>42</a:t>
+            </a:fld>
+            <a:endParaRPr lang="en-US"/>
+          </a:p>
+        </p:txBody>
+      </p:sp>
+      <p:sp>
+        <p:nvSpPr>
+          <p:cNvPr id="19458" name="Rectangle 2"/>
+          <p:cNvSpPr>
+            <a:spLocks noGrp="1" noRot="1" noChangeAspect="1" noChangeArrowheads="1" noTextEdit="1"/>
+          </p:cNvSpPr>
+          <p:nvPr>
+            <p:ph type="sldImg"/>
+          </p:nvPr>
+        </p:nvSpPr>
+        <p:spPr>
+          <a:ln/>
+        </p:spPr>
+      </p:sp>
+      <p:sp>
+        <p:nvSpPr>
+          <p:cNvPr id="19459" name="Rectangle 3"/>
+          <p:cNvSpPr>
+            <a:spLocks noGrp="1"/>
+          </p:cNvSpPr>
+          <p:nvPr>
+            <p:ph type="body" idx="1"/>
+          </p:nvPr>
+        </p:nvSpPr>
+        <p:spPr/>
+        <p:txBody>
+          <a:bodyPr/>
+          <a:lstStyle/>
+          <a:p>
+            <a:endParaRPr lang="en-US"/>
+          </a:p>
+        </p:txBody>
+      </p:sp>
+    </p:spTree>
+  </p:cSld>
+  <p:clrMapOvr>
+    <a:masterClrMapping/>
+  </p:clrMapOvr>
+</p:notes>
+</file>
+
+<file path=ppt/notesSlides/notesSlide43.xml><?xml version="1.0" encoding="utf-8"?>
+<p:notes xmlns:a="http://schemas.openxmlformats.org/drawingml/2006/main" xmlns:r="http://schemas.openxmlformats.org/officeDocument/2006/relationships" xmlns:p="http://schemas.openxmlformats.org/presentationml/2006/main">
+  <p:cSld>
+    <p:spTree>
+      <p:nvGrpSpPr>
+        <p:cNvPr id="1" name=""/>
+        <p:cNvGrpSpPr/>
+        <p:nvPr/>
+      </p:nvGrpSpPr>
+      <p:grpSpPr>
+        <a:xfrm>
+          <a:off x="0" y="0"/>
+          <a:ext cx="0" cy="0"/>
+          <a:chOff x="0" y="0"/>
+          <a:chExt cx="0" cy="0"/>
+        </a:xfrm>
+      </p:grpSpPr>
+      <p:sp>
+        <p:nvSpPr>
+          <p:cNvPr id="7" name="Rectangle 7"/>
+          <p:cNvSpPr>
+            <a:spLocks noGrp="1"/>
+          </p:cNvSpPr>
+          <p:nvPr>
+            <p:ph type="sldNum" sz="quarter" idx="5"/>
+          </p:nvPr>
+        </p:nvSpPr>
+        <p:spPr>
+          <a:ln/>
+        </p:spPr>
+        <p:txBody>
+          <a:bodyPr/>
+          <a:lstStyle/>
+          <a:p>
+            <a:fld id="{27AEA7DA-096A-4FB7-B4B3-D12717EF4BDD}" type="slidenum">
+              <a:rPr lang="en-US"/>
+              <a:pPr/>
+              <a:t>43</a:t>
+            </a:fld>
+            <a:endParaRPr lang="en-US"/>
+          </a:p>
+        </p:txBody>
+      </p:sp>
+      <p:sp>
+        <p:nvSpPr>
+          <p:cNvPr id="19458" name="Rectangle 2"/>
+          <p:cNvSpPr>
+            <a:spLocks noGrp="1" noRot="1" noChangeAspect="1" noChangeArrowheads="1" noTextEdit="1"/>
+          </p:cNvSpPr>
+          <p:nvPr>
+            <p:ph type="sldImg"/>
+          </p:nvPr>
+        </p:nvSpPr>
+        <p:spPr>
+          <a:ln/>
+        </p:spPr>
+      </p:sp>
+      <p:sp>
+        <p:nvSpPr>
+          <p:cNvPr id="19459" name="Rectangle 3"/>
+          <p:cNvSpPr>
+            <a:spLocks noGrp="1"/>
+          </p:cNvSpPr>
+          <p:nvPr>
+            <p:ph type="body" idx="1"/>
+          </p:nvPr>
+        </p:nvSpPr>
+        <p:spPr/>
+        <p:txBody>
+          <a:bodyPr/>
+          <a:lstStyle/>
+          <a:p>
+            <a:endParaRPr lang="en-US"/>
+          </a:p>
+        </p:txBody>
+      </p:sp>
+    </p:spTree>
+  </p:cSld>
+  <p:clrMapOvr>
+    <a:masterClrMapping/>
+  </p:clrMapOvr>
+</p:notes>
+</file>
+
+<file path=ppt/notesSlides/notesSlide44.xml><?xml version="1.0" encoding="utf-8"?>
+<p:notes xmlns:a="http://schemas.openxmlformats.org/drawingml/2006/main" xmlns:r="http://schemas.openxmlformats.org/officeDocument/2006/relationships" xmlns:p="http://schemas.openxmlformats.org/presentationml/2006/main">
+  <p:cSld>
+    <p:spTree>
+      <p:nvGrpSpPr>
+        <p:cNvPr id="1" name=""/>
+        <p:cNvGrpSpPr/>
+        <p:nvPr/>
+      </p:nvGrpSpPr>
+      <p:grpSpPr>
+        <a:xfrm>
+          <a:off x="0" y="0"/>
+          <a:ext cx="0" cy="0"/>
+          <a:chOff x="0" y="0"/>
+          <a:chExt cx="0" cy="0"/>
+        </a:xfrm>
+      </p:grpSpPr>
+      <p:sp>
+        <p:nvSpPr>
+          <p:cNvPr id="7" name="Rectangle 7"/>
+          <p:cNvSpPr>
+            <a:spLocks noGrp="1"/>
+          </p:cNvSpPr>
+          <p:nvPr>
+            <p:ph type="sldNum" sz="quarter" idx="5"/>
+          </p:nvPr>
+        </p:nvSpPr>
+        <p:spPr>
+          <a:ln/>
+        </p:spPr>
+        <p:txBody>
+          <a:bodyPr/>
+          <a:lstStyle/>
+          <a:p>
+            <a:fld id="{27AEA7DA-096A-4FB7-B4B3-D12717EF4BDD}" type="slidenum">
+              <a:rPr lang="en-US"/>
+              <a:pPr/>
+              <a:t>44</a:t>
             </a:fld>
             <a:endParaRPr lang="en-US"/>
           </a:p>
@@ -12561,20 +12986,25 @@
           </a:p>
           <a:p>
             <a:r>
-              <a:rPr kumimoji="0" lang="en-US" sz="3200" b="0" i="0" u="none" strike="noStrike" cap="none" normalizeH="0" baseline="0" dirty="0" smtClean="0">
-                <a:ln>
-                  <a:noFill/>
-                </a:ln>
-                <a:solidFill>
-                  <a:srgbClr val="000000"/>
-                </a:solidFill>
-                <a:effectLst/>
+              <a:rPr lang="en-US" sz="3200" dirty="0" smtClean="0">
                 <a:latin typeface="Lucida Handwriting" pitchFamily="66" charset="0"/>
-                <a:ea typeface="ヒラギノ角ゴ ProN W3" pitchFamily="1" charset="-128"/>
-                <a:sym typeface="Gill Sans" pitchFamily="1" charset="0"/>
-              </a:rPr>
-              <a:t>Operators</a:t>
-            </a:r>
+              </a:rPr>
+              <a:t>By-name </a:t>
+            </a:r>
+            <a:endParaRPr lang="en-US" sz="3200" dirty="0" smtClean="0">
+              <a:latin typeface="Lucida Handwriting" pitchFamily="66" charset="0"/>
+            </a:endParaRPr>
+          </a:p>
+          <a:p>
+            <a:r>
+              <a:rPr lang="en-US" sz="3200" dirty="0" err="1" smtClean="0">
+                <a:latin typeface="Lucida Handwriting" pitchFamily="66" charset="0"/>
+              </a:rPr>
+              <a:t>Params</a:t>
+            </a:r>
+            <a:endParaRPr lang="en-US" sz="3200" dirty="0" smtClean="0">
+              <a:latin typeface="Lucida Handwriting" pitchFamily="66" charset="0"/>
+            </a:endParaRPr>
           </a:p>
           <a:p>
             <a:endParaRPr kumimoji="0" lang="en-US" sz="3200" b="0" i="0" u="none" strike="noStrike" cap="none" normalizeH="0" baseline="0" dirty="0" smtClean="0">
@@ -12592,7 +13022,7 @@
           </a:p>
           <a:p>
             <a:r>
-              <a:rPr kumimoji="0" lang="en-US" sz="3200" b="0" i="0" u="none" strike="noStrike" cap="none" normalizeH="0" baseline="0" dirty="0" smtClean="0">
+              <a:rPr kumimoji="0" lang="en-US" sz="3200" b="0" i="0" u="none" strike="noStrike" cap="none" normalizeH="0" baseline="0" dirty="0" err="1" smtClean="0">
                 <a:ln>
                   <a:noFill/>
                 </a:ln>
@@ -12604,33 +13034,33 @@
                 <a:ea typeface="ヒラギノ角ゴ ProN W3" pitchFamily="1" charset="-128"/>
                 <a:sym typeface="Gill Sans" pitchFamily="1" charset="0"/>
               </a:rPr>
-              <a:t>By-name</a:t>
-            </a:r>
-            <a:r>
-              <a:rPr kumimoji="0" lang="en-US" sz="3200" b="0" i="0" u="none" strike="noStrike" cap="none" normalizeH="0" dirty="0" smtClean="0">
-                <a:ln>
-                  <a:noFill/>
-                </a:ln>
-                <a:solidFill>
-                  <a:srgbClr val="000000"/>
-                </a:solidFill>
-                <a:effectLst/>
-                <a:latin typeface="Lucida Handwriting" pitchFamily="66" charset="0"/>
-                <a:ea typeface="ヒラギノ角ゴ ProN W3" pitchFamily="1" charset="-128"/>
-                <a:sym typeface="Gill Sans" pitchFamily="1" charset="0"/>
-              </a:rPr>
-              <a:t> </a:t>
-            </a:r>
-          </a:p>
-          <a:p>
-            <a:r>
-              <a:rPr lang="en-US" sz="3200" baseline="0" dirty="0" err="1" smtClean="0">
-                <a:latin typeface="Lucida Handwriting" pitchFamily="66" charset="0"/>
-              </a:rPr>
-              <a:t>Params</a:t>
-            </a:r>
-            <a:endParaRPr lang="en-US" sz="3200" baseline="0" dirty="0" smtClean="0">
+              <a:t>this.type</a:t>
+            </a:r>
+            <a:endParaRPr kumimoji="0" lang="en-US" sz="3200" b="0" i="0" u="none" strike="noStrike" cap="none" normalizeH="0" baseline="0" dirty="0" smtClean="0">
+              <a:ln>
+                <a:noFill/>
+              </a:ln>
+              <a:solidFill>
+                <a:srgbClr val="000000"/>
+              </a:solidFill>
+              <a:effectLst/>
               <a:latin typeface="Lucida Handwriting" pitchFamily="66" charset="0"/>
+              <a:ea typeface="ヒラギノ角ゴ ProN W3" pitchFamily="1" charset="-128"/>
+              <a:sym typeface="Gill Sans" pitchFamily="1" charset="0"/>
+            </a:endParaRPr>
+          </a:p>
+          <a:p>
+            <a:endParaRPr kumimoji="0" lang="en-US" sz="3200" b="0" i="0" u="none" strike="noStrike" cap="none" normalizeH="0" baseline="0" dirty="0" smtClean="0">
+              <a:ln>
+                <a:noFill/>
+              </a:ln>
+              <a:solidFill>
+                <a:srgbClr val="000000"/>
+              </a:solidFill>
+              <a:effectLst/>
+              <a:latin typeface="Lucida Handwriting" pitchFamily="66" charset="0"/>
+              <a:ea typeface="ヒラギノ角ゴ ProN W3" pitchFamily="1" charset="-128"/>
+              <a:sym typeface="Gill Sans" pitchFamily="1" charset="0"/>
             </a:endParaRPr>
           </a:p>
           <a:p>
@@ -12689,38 +13119,25 @@
               <a:rPr lang="en-US" sz="3200" dirty="0" smtClean="0">
                 <a:latin typeface="Lucida Handwriting" pitchFamily="66" charset="0"/>
               </a:rPr>
+              <a:t>Operators</a:t>
+            </a:r>
+            <a:endParaRPr lang="en-US" sz="3200" dirty="0" smtClean="0">
+              <a:latin typeface="Lucida Handwriting" pitchFamily="66" charset="0"/>
+            </a:endParaRPr>
+          </a:p>
+          <a:p>
+            <a:endParaRPr lang="en-US" sz="3200" dirty="0" smtClean="0">
+              <a:latin typeface="Lucida Handwriting" pitchFamily="66" charset="0"/>
+            </a:endParaRPr>
+          </a:p>
+          <a:p>
+            <a:r>
+              <a:rPr lang="en-US" sz="3200" dirty="0" smtClean="0">
+                <a:latin typeface="Lucida Handwriting" pitchFamily="66" charset="0"/>
+              </a:rPr>
               <a:t>Manifests</a:t>
             </a:r>
-          </a:p>
-          <a:p>
-            <a:endParaRPr kumimoji="0" lang="en-US" sz="3200" b="0" i="0" u="none" strike="noStrike" cap="none" normalizeH="0" baseline="0" dirty="0">
-              <a:ln>
-                <a:noFill/>
-              </a:ln>
-              <a:solidFill>
-                <a:srgbClr val="000000"/>
-              </a:solidFill>
-              <a:effectLst/>
-              <a:latin typeface="Lucida Handwriting" pitchFamily="66" charset="0"/>
-              <a:ea typeface="ヒラギノ角ゴ ProN W3" pitchFamily="1" charset="-128"/>
-              <a:sym typeface="Gill Sans" pitchFamily="1" charset="0"/>
-            </a:endParaRPr>
-          </a:p>
-          <a:p>
-            <a:pPr lvl="0"/>
-            <a:r>
-              <a:rPr lang="en-US" sz="3000" dirty="0" smtClean="0">
-                <a:latin typeface="Lucida Handwriting" pitchFamily="66" charset="0"/>
-              </a:rPr>
-              <a:t>Imp. </a:t>
-            </a:r>
-            <a:r>
-              <a:rPr lang="en-US" sz="3000" dirty="0" err="1" smtClean="0">
-                <a:latin typeface="Lucida Handwriting" pitchFamily="66" charset="0"/>
-              </a:rPr>
-              <a:t>Params</a:t>
-            </a:r>
-            <a:endParaRPr lang="en-US" sz="3000" dirty="0" smtClean="0">
+            <a:endParaRPr lang="en-US" sz="3200" dirty="0" smtClean="0">
               <a:latin typeface="Lucida Handwriting" pitchFamily="66" charset="0"/>
             </a:endParaRPr>
           </a:p>
@@ -22960,7 +23377,7 @@
         </p:nvSpPr>
         <p:spPr>
           <a:xfrm>
-            <a:off x="330200" y="2971800"/>
+            <a:off x="330200" y="2819400"/>
             <a:ext cx="12344400" cy="5262979"/>
           </a:xfrm>
           <a:prstGeom prst="rect">
@@ -22980,411 +23397,132 @@
           <a:lstStyle/>
           <a:p>
             <a:r>
-              <a:rPr lang="en-US" sz="2800" b="1" dirty="0" smtClean="0">
-                <a:solidFill>
-                  <a:srgbClr val="7F0055"/>
-                </a:solidFill>
-                <a:latin typeface="Courier New"/>
-              </a:rPr>
-              <a:t>trait</a:t>
-            </a:r>
-            <a:r>
-              <a:rPr lang="en-US" sz="2800" b="1" dirty="0" smtClean="0">
-                <a:latin typeface="Courier New"/>
-              </a:rPr>
-              <a:t> Matcher[-T] {</a:t>
-            </a:r>
-          </a:p>
-          <a:p>
-            <a:r>
               <a:rPr lang="en-US" sz="2800" dirty="0" smtClean="0">
-                <a:latin typeface="Courier New"/>
-              </a:rPr>
-              <a:t> </a:t>
+                <a:solidFill>
+                  <a:srgbClr val="3F7F5F"/>
+                </a:solidFill>
+                <a:latin typeface="Courier New"/>
+              </a:rPr>
+              <a:t>// </a:t>
             </a:r>
             <a:r>
               <a:rPr lang="en-US" sz="2800" dirty="0" smtClean="0">
-                <a:latin typeface="Courier New"/>
-              </a:rPr>
-              <a:t> </a:t>
-            </a:r>
-            <a:r>
-              <a:rPr lang="en-US" sz="2800" b="1" dirty="0" smtClean="0">
-                <a:solidFill>
-                  <a:srgbClr val="7F0055"/>
-                </a:solidFill>
-                <a:latin typeface="Courier New"/>
-              </a:rPr>
-              <a:t>def</a:t>
-            </a:r>
-            <a:r>
-              <a:rPr lang="en-US" sz="2800" b="1" dirty="0" smtClean="0">
-                <a:latin typeface="Courier New"/>
-              </a:rPr>
-              <a:t> apply(y: =&gt;T): (</a:t>
-            </a:r>
-            <a:r>
-              <a:rPr lang="en-US" sz="2800" b="1" dirty="0" smtClean="0">
-                <a:solidFill>
-                  <a:srgbClr val="7F0055"/>
-                </a:solidFill>
-                <a:latin typeface="Courier New"/>
-              </a:rPr>
-              <a:t>Boolean</a:t>
-            </a:r>
-            <a:r>
-              <a:rPr lang="en-US" sz="2800" b="1" dirty="0" smtClean="0">
-                <a:latin typeface="Courier New"/>
-              </a:rPr>
-              <a:t>, String, String)</a:t>
-            </a:r>
-          </a:p>
-          <a:p>
+                <a:solidFill>
+                  <a:srgbClr val="3F7F5F"/>
+                </a:solidFill>
+                <a:latin typeface="Courier New"/>
+              </a:rPr>
+              <a:t>How to avoid ‘</a:t>
+            </a:r>
+            <a:r>
+              <a:rPr lang="en-US" sz="2800" dirty="0" err="1" smtClean="0">
+                <a:solidFill>
+                  <a:srgbClr val="3F7F5F"/>
+                </a:solidFill>
+                <a:latin typeface="Courier New"/>
+              </a:rPr>
+              <a:t>throwA</a:t>
+            </a:r>
             <a:r>
               <a:rPr lang="en-US" sz="2800" dirty="0" smtClean="0">
-                <a:latin typeface="Courier New"/>
-              </a:rPr>
-              <a:t> </a:t>
+                <a:solidFill>
+                  <a:srgbClr val="3F7F5F"/>
+                </a:solidFill>
+                <a:latin typeface="Courier New"/>
+              </a:rPr>
+              <a:t>(</a:t>
+            </a:r>
+            <a:r>
+              <a:rPr lang="en-US" sz="2800" dirty="0" err="1" smtClean="0">
+                <a:solidFill>
+                  <a:srgbClr val="3F7F5F"/>
+                </a:solidFill>
+                <a:latin typeface="Courier New"/>
+              </a:rPr>
+              <a:t>classOf</a:t>
             </a:r>
             <a:r>
               <a:rPr lang="en-US" sz="2800" dirty="0" smtClean="0">
-                <a:latin typeface="Courier New"/>
-              </a:rPr>
-              <a:t> </a:t>
-            </a:r>
-            <a:r>
-              <a:rPr lang="en-US" sz="2800" b="1" dirty="0" smtClean="0">
-                <a:solidFill>
-                  <a:srgbClr val="7F0055"/>
-                </a:solidFill>
-                <a:latin typeface="Courier New"/>
-              </a:rPr>
-              <a:t>def</a:t>
-            </a:r>
-            <a:r>
-              <a:rPr lang="en-US" sz="2800" b="1" dirty="0" smtClean="0">
-                <a:latin typeface="Courier New"/>
-              </a:rPr>
-              <a:t> not: Matcher[T]</a:t>
-            </a:r>
-          </a:p>
-          <a:p>
+                <a:solidFill>
+                  <a:srgbClr val="3F7F5F"/>
+                </a:solidFill>
+                <a:latin typeface="Courier New"/>
+              </a:rPr>
+              <a:t>[</a:t>
+            </a:r>
+            <a:r>
+              <a:rPr lang="en-US" sz="2800" dirty="0" err="1" smtClean="0">
+                <a:solidFill>
+                  <a:srgbClr val="3F7F5F"/>
+                </a:solidFill>
+                <a:latin typeface="Courier New"/>
+              </a:rPr>
+              <a:t>FailureException</a:t>
+            </a:r>
             <a:r>
               <a:rPr lang="en-US" sz="2800" dirty="0" smtClean="0">
-                <a:latin typeface="Courier New"/>
-              </a:rPr>
-              <a:t> </a:t>
+                <a:solidFill>
+                  <a:srgbClr val="3F7F5F"/>
+                </a:solidFill>
+                <a:latin typeface="Courier New"/>
+              </a:rPr>
+              <a:t>])</a:t>
             </a:r>
             <a:r>
               <a:rPr lang="en-US" sz="2800" dirty="0" smtClean="0">
                 <a:latin typeface="Courier New"/>
               </a:rPr>
-              <a:t> </a:t>
-            </a:r>
-            <a:r>
-              <a:rPr lang="en-US" sz="2800" b="1" dirty="0" smtClean="0">
-                <a:solidFill>
-                  <a:srgbClr val="7F0055"/>
-                </a:solidFill>
-                <a:latin typeface="Courier New"/>
-              </a:rPr>
-              <a:t>def</a:t>
-            </a:r>
-            <a:r>
-              <a:rPr lang="en-US" sz="2800" b="1" dirty="0" smtClean="0">
-                <a:latin typeface="Courier New"/>
-              </a:rPr>
-              <a:t> when(condition: =&gt;</a:t>
-            </a:r>
-            <a:r>
-              <a:rPr lang="en-US" sz="2800" b="1" dirty="0" smtClean="0">
-                <a:solidFill>
-                  <a:srgbClr val="7F0055"/>
-                </a:solidFill>
-                <a:latin typeface="Courier New"/>
-              </a:rPr>
-              <a:t>Boolean</a:t>
-            </a:r>
-            <a:r>
-              <a:rPr lang="en-US" sz="2800" b="1" dirty="0" smtClean="0">
-                <a:latin typeface="Courier New"/>
-              </a:rPr>
-              <a:t>): Matcher[T]</a:t>
-            </a:r>
+              <a:t>‘</a:t>
+            </a:r>
+            <a:endParaRPr lang="en-US" sz="2800" dirty="0" smtClean="0">
+              <a:latin typeface="Courier New"/>
+            </a:endParaRPr>
           </a:p>
           <a:p>
             <a:r>
               <a:rPr lang="en-US" sz="2800" dirty="0" smtClean="0">
                 <a:latin typeface="Courier New"/>
               </a:rPr>
-              <a:t> </a:t>
+              <a:t>{ </a:t>
             </a:r>
             <a:r>
               <a:rPr lang="en-US" sz="2800" dirty="0" smtClean="0">
                 <a:latin typeface="Courier New"/>
               </a:rPr>
-              <a:t> </a:t>
-            </a:r>
-            <a:r>
-              <a:rPr lang="en-US" sz="2800" b="1" dirty="0" smtClean="0">
-                <a:solidFill>
-                  <a:srgbClr val="7F0055"/>
-                </a:solidFill>
-                <a:latin typeface="Courier New"/>
-              </a:rPr>
-              <a:t>def</a:t>
-            </a:r>
-            <a:r>
-              <a:rPr lang="en-US" sz="2800" b="1" dirty="0" smtClean="0">
-                <a:latin typeface="Courier New"/>
-              </a:rPr>
-              <a:t> unless(condition: =&gt;</a:t>
-            </a:r>
-            <a:r>
-              <a:rPr lang="en-US" sz="2800" b="1" dirty="0" smtClean="0">
-                <a:solidFill>
-                  <a:srgbClr val="7F0055"/>
-                </a:solidFill>
-                <a:latin typeface="Courier New"/>
-              </a:rPr>
-              <a:t>Boolean</a:t>
-            </a:r>
-            <a:r>
-              <a:rPr lang="en-US" sz="2800" b="1" dirty="0" smtClean="0">
-                <a:latin typeface="Courier New"/>
-              </a:rPr>
-              <a:t>): Matcher[T]</a:t>
-            </a:r>
-          </a:p>
-          <a:p>
+              <a:t>1 must_== 2 } must </a:t>
+            </a:r>
+            <a:r>
+              <a:rPr lang="en-US" sz="2800" dirty="0" err="1" smtClean="0">
+                <a:latin typeface="Courier New"/>
+              </a:rPr>
+              <a:t>throwA</a:t>
+            </a:r>
             <a:r>
               <a:rPr lang="en-US" sz="2800" dirty="0" smtClean="0">
                 <a:latin typeface="Courier New"/>
               </a:rPr>
-              <a:t> </a:t>
+              <a:t>[</a:t>
+            </a:r>
+            <a:r>
+              <a:rPr lang="en-US" sz="2800" dirty="0" err="1" smtClean="0">
+                <a:latin typeface="Courier New"/>
+              </a:rPr>
+              <a:t>FailureException</a:t>
             </a:r>
             <a:r>
               <a:rPr lang="en-US" sz="2800" dirty="0" smtClean="0">
                 <a:latin typeface="Courier New"/>
               </a:rPr>
-              <a:t> </a:t>
-            </a:r>
-            <a:r>
-              <a:rPr lang="en-US" sz="2800" b="1" dirty="0" smtClean="0">
-                <a:solidFill>
-                  <a:srgbClr val="7F0055"/>
-                </a:solidFill>
-                <a:latin typeface="Courier New"/>
-              </a:rPr>
-              <a:t>def</a:t>
-            </a:r>
-            <a:r>
-              <a:rPr lang="en-US" sz="2800" b="1" dirty="0" smtClean="0">
-                <a:latin typeface="Courier New"/>
-              </a:rPr>
-              <a:t> </a:t>
-            </a:r>
-            <a:r>
-              <a:rPr lang="en-US" sz="2800" b="1" dirty="0" err="1" smtClean="0">
-                <a:latin typeface="Courier New"/>
-              </a:rPr>
-              <a:t>orSkip</a:t>
-            </a:r>
-            <a:r>
-              <a:rPr lang="en-US" sz="2800" b="1" dirty="0" smtClean="0">
-                <a:latin typeface="Courier New"/>
-              </a:rPr>
-              <a:t>: Matcher[T]</a:t>
-            </a:r>
-          </a:p>
-          <a:p>
-            <a:r>
-              <a:rPr lang="en-US" sz="2800" dirty="0" smtClean="0">
-                <a:latin typeface="Courier New"/>
-              </a:rPr>
-              <a:t> </a:t>
-            </a:r>
-            <a:r>
-              <a:rPr lang="en-US" sz="2800" dirty="0" smtClean="0">
-                <a:latin typeface="Courier New"/>
-              </a:rPr>
-              <a:t> </a:t>
-            </a:r>
-            <a:r>
-              <a:rPr lang="en-US" sz="2800" b="1" dirty="0" smtClean="0">
-                <a:solidFill>
-                  <a:srgbClr val="7F0055"/>
-                </a:solidFill>
-                <a:latin typeface="Courier New"/>
-              </a:rPr>
-              <a:t>def</a:t>
-            </a:r>
-            <a:r>
-              <a:rPr lang="en-US" sz="2800" b="1" dirty="0" smtClean="0">
-                <a:latin typeface="Courier New"/>
-              </a:rPr>
-              <a:t> or[S &lt;: T](m: Matcher[S]): Matcher[S]</a:t>
-            </a:r>
-          </a:p>
-          <a:p>
-            <a:r>
-              <a:rPr lang="en-US" sz="2800" dirty="0" smtClean="0">
-                <a:latin typeface="Courier New"/>
-              </a:rPr>
-              <a:t> </a:t>
-            </a:r>
-            <a:r>
-              <a:rPr lang="en-US" sz="2800" dirty="0" smtClean="0">
-                <a:latin typeface="Courier New"/>
-              </a:rPr>
-              <a:t> </a:t>
-            </a:r>
-            <a:r>
-              <a:rPr lang="en-US" sz="2800" b="1" dirty="0" smtClean="0">
-                <a:solidFill>
-                  <a:srgbClr val="7F0055"/>
-                </a:solidFill>
-                <a:latin typeface="Courier New"/>
-              </a:rPr>
-              <a:t>def</a:t>
-            </a:r>
-            <a:r>
-              <a:rPr lang="en-US" sz="2800" b="1" dirty="0" smtClean="0">
-                <a:latin typeface="Courier New"/>
-              </a:rPr>
-              <a:t> </a:t>
-            </a:r>
-            <a:r>
-              <a:rPr lang="en-US" sz="2800" b="1" dirty="0" err="1" smtClean="0">
-                <a:latin typeface="Courier New"/>
-              </a:rPr>
-              <a:t>xor</a:t>
-            </a:r>
-            <a:r>
-              <a:rPr lang="en-US" sz="2800" b="1" dirty="0" smtClean="0">
-                <a:latin typeface="Courier New"/>
-              </a:rPr>
-              <a:t>[S &lt;: T](m: Matcher[S]): Matcher[S]</a:t>
-            </a:r>
-          </a:p>
-          <a:p>
-            <a:r>
-              <a:rPr lang="en-US" sz="2800" dirty="0" smtClean="0">
-                <a:latin typeface="Courier New"/>
-              </a:rPr>
-              <a:t> </a:t>
-            </a:r>
-            <a:r>
-              <a:rPr lang="en-US" sz="2800" dirty="0" smtClean="0">
-                <a:latin typeface="Courier New"/>
-              </a:rPr>
-              <a:t> </a:t>
-            </a:r>
-            <a:r>
-              <a:rPr lang="en-US" sz="2800" b="1" dirty="0" smtClean="0">
-                <a:solidFill>
-                  <a:srgbClr val="7F0055"/>
-                </a:solidFill>
-                <a:latin typeface="Courier New"/>
-              </a:rPr>
-              <a:t>def</a:t>
-            </a:r>
-            <a:r>
-              <a:rPr lang="en-US" sz="2800" b="1" dirty="0" smtClean="0">
-                <a:latin typeface="Courier New"/>
-              </a:rPr>
-              <a:t> and[S &lt;: T](m: Matcher[S]): Matcher[S]</a:t>
-            </a:r>
-          </a:p>
-          <a:p>
-            <a:r>
-              <a:rPr lang="pl-PL" sz="2800" dirty="0" smtClean="0">
-                <a:latin typeface="Courier New"/>
-              </a:rPr>
-              <a:t> </a:t>
-            </a:r>
-            <a:r>
-              <a:rPr lang="pl-PL" sz="2800" dirty="0" smtClean="0">
-                <a:latin typeface="Courier New"/>
-              </a:rPr>
-              <a:t> </a:t>
-            </a:r>
-            <a:r>
-              <a:rPr lang="pl-PL" sz="2800" b="1" dirty="0" smtClean="0">
-                <a:solidFill>
-                  <a:srgbClr val="7F0055"/>
-                </a:solidFill>
-                <a:latin typeface="Courier New"/>
-              </a:rPr>
-              <a:t>def</a:t>
-            </a:r>
-            <a:r>
-              <a:rPr lang="pl-PL" sz="2800" b="1" dirty="0" smtClean="0">
-                <a:latin typeface="Courier New"/>
-              </a:rPr>
-              <a:t> ^^[S&lt;: T, U](f: S =&gt; U): Matcher[U]</a:t>
-            </a:r>
-          </a:p>
-          <a:p>
-            <a:r>
-              <a:rPr lang="en-US" sz="2800" dirty="0" smtClean="0">
-                <a:latin typeface="Courier New"/>
-              </a:rPr>
-              <a:t> </a:t>
-            </a:r>
-            <a:r>
-              <a:rPr lang="en-US" sz="2800" dirty="0" smtClean="0">
-                <a:latin typeface="Courier New"/>
-              </a:rPr>
-              <a:t> </a:t>
-            </a:r>
-            <a:r>
-              <a:rPr lang="en-US" sz="2800" b="1" dirty="0" smtClean="0">
-                <a:solidFill>
-                  <a:srgbClr val="7F0055"/>
-                </a:solidFill>
-                <a:latin typeface="Courier New"/>
-              </a:rPr>
-              <a:t>def</a:t>
-            </a:r>
-            <a:r>
-              <a:rPr lang="en-US" sz="2800" b="1" dirty="0" smtClean="0">
-                <a:latin typeface="Courier New"/>
-              </a:rPr>
-              <a:t> </a:t>
-            </a:r>
-            <a:r>
-              <a:rPr lang="en-US" sz="2800" b="1" dirty="0" err="1" smtClean="0">
-                <a:latin typeface="Courier New"/>
-              </a:rPr>
-              <a:t>toSeq</a:t>
-            </a:r>
-            <a:r>
-              <a:rPr lang="en-US" sz="2800" b="1" dirty="0" smtClean="0">
-                <a:latin typeface="Courier New"/>
-              </a:rPr>
-              <a:t>: Matcher[</a:t>
-            </a:r>
-            <a:r>
-              <a:rPr lang="en-US" sz="2800" b="1" dirty="0" err="1" smtClean="0">
-                <a:latin typeface="Courier New"/>
-              </a:rPr>
-              <a:t>Seq</a:t>
-            </a:r>
-            <a:r>
-              <a:rPr lang="en-US" sz="2800" b="1" dirty="0" smtClean="0">
-                <a:latin typeface="Courier New"/>
-              </a:rPr>
-              <a:t>[T]]</a:t>
-            </a:r>
-          </a:p>
-          <a:p>
-            <a:r>
-              <a:rPr lang="en-US" sz="2800" dirty="0" smtClean="0">
-                <a:latin typeface="Courier New"/>
-              </a:rPr>
-              <a:t>} </a:t>
-            </a:r>
+              <a:t>]</a:t>
+            </a:r>
+            <a:endParaRPr lang="en-US" sz="2800" dirty="0" smtClean="0">
+              <a:solidFill>
+                <a:srgbClr val="2A00FF"/>
+              </a:solidFill>
+              <a:latin typeface="Courier New"/>
+            </a:endParaRPr>
+          </a:p>
+          <a:p>
             <a:endParaRPr lang="en-US" sz="2800" b="1" dirty="0" smtClean="0">
               <a:solidFill>
                 <a:srgbClr val="7F0055"/>
@@ -23392,18 +23530,381 @@
               <a:latin typeface="Courier New"/>
             </a:endParaRPr>
           </a:p>
+          <a:p>
+            <a:r>
+              <a:rPr lang="en-US" sz="2800" b="1" dirty="0" smtClean="0">
+                <a:solidFill>
+                  <a:srgbClr val="7F0055"/>
+                </a:solidFill>
+                <a:latin typeface="Courier New"/>
+              </a:rPr>
+              <a:t>import</a:t>
+            </a:r>
+            <a:r>
+              <a:rPr lang="en-US" sz="2800" b="1" dirty="0" smtClean="0">
+                <a:latin typeface="Courier New"/>
+              </a:rPr>
+              <a:t> </a:t>
+            </a:r>
+            <a:r>
+              <a:rPr lang="en-US" sz="2800" b="1" dirty="0" err="1" smtClean="0">
+                <a:latin typeface="Courier New"/>
+              </a:rPr>
+              <a:t>scala.reflect</a:t>
+            </a:r>
+            <a:r>
+              <a:rPr lang="en-US" sz="2800" b="1" dirty="0" smtClean="0">
+                <a:latin typeface="Courier New"/>
+              </a:rPr>
+              <a:t>._</a:t>
+            </a:r>
+            <a:endParaRPr lang="en-US" sz="2800" b="1" dirty="0" smtClean="0">
+              <a:solidFill>
+                <a:srgbClr val="7F0055"/>
+              </a:solidFill>
+              <a:latin typeface="Courier New"/>
+            </a:endParaRPr>
+          </a:p>
+          <a:p>
+            <a:r>
+              <a:rPr lang="en-US" sz="2800" b="1" dirty="0" smtClean="0">
+                <a:solidFill>
+                  <a:srgbClr val="7F0055"/>
+                </a:solidFill>
+                <a:latin typeface="Courier New"/>
+              </a:rPr>
+              <a:t>def</a:t>
+            </a:r>
+            <a:r>
+              <a:rPr lang="en-US" sz="2800" b="1" dirty="0" smtClean="0">
+                <a:latin typeface="Courier New"/>
+              </a:rPr>
+              <a:t> </a:t>
+            </a:r>
+            <a:r>
+              <a:rPr lang="en-US" sz="2800" b="1" dirty="0" err="1" smtClean="0">
+                <a:latin typeface="Courier New"/>
+              </a:rPr>
+              <a:t>throwA</a:t>
+            </a:r>
+            <a:r>
+              <a:rPr lang="en-US" sz="2800" b="1" dirty="0" smtClean="0">
+                <a:latin typeface="Courier New"/>
+              </a:rPr>
+              <a:t>[T](</a:t>
+            </a:r>
+            <a:r>
+              <a:rPr lang="en-US" sz="2800" b="1" dirty="0" smtClean="0">
+                <a:solidFill>
+                  <a:srgbClr val="7F0055"/>
+                </a:solidFill>
+                <a:latin typeface="Courier New"/>
+              </a:rPr>
+              <a:t>implicit</a:t>
+            </a:r>
+            <a:r>
+              <a:rPr lang="en-US" sz="2800" b="1" dirty="0" smtClean="0">
+                <a:latin typeface="Courier New"/>
+              </a:rPr>
+              <a:t> m: </a:t>
+            </a:r>
+            <a:r>
+              <a:rPr lang="en-US" sz="2800" b="1" dirty="0" err="1" smtClean="0">
+                <a:latin typeface="Courier New"/>
+              </a:rPr>
+              <a:t>ClassManifest</a:t>
+            </a:r>
+            <a:r>
+              <a:rPr lang="en-US" sz="2800" b="1" dirty="0" smtClean="0">
+                <a:latin typeface="Courier New"/>
+              </a:rPr>
+              <a:t>[T</a:t>
+            </a:r>
+            <a:r>
+              <a:rPr lang="en-US" sz="2800" b="1" dirty="0" smtClean="0">
+                <a:latin typeface="Courier New"/>
+              </a:rPr>
+              <a:t>]) = </a:t>
+            </a:r>
+            <a:endParaRPr lang="en-US" sz="2800" b="1" dirty="0" smtClean="0">
+              <a:latin typeface="Courier New"/>
+            </a:endParaRPr>
+          </a:p>
+          <a:p>
+            <a:r>
+              <a:rPr lang="en-US" sz="2800" b="1" dirty="0" smtClean="0">
+                <a:solidFill>
+                  <a:srgbClr val="7F0055"/>
+                </a:solidFill>
+                <a:latin typeface="Courier New"/>
+              </a:rPr>
+              <a:t>  new</a:t>
+            </a:r>
+            <a:r>
+              <a:rPr lang="en-US" sz="2800" b="1" dirty="0" smtClean="0">
+                <a:latin typeface="Courier New"/>
+              </a:rPr>
+              <a:t> </a:t>
+            </a:r>
+            <a:r>
+              <a:rPr lang="en-US" sz="2800" b="1" dirty="0" smtClean="0">
+                <a:latin typeface="Courier New"/>
+              </a:rPr>
+              <a:t>Matcher[</a:t>
+            </a:r>
+            <a:r>
+              <a:rPr lang="en-US" sz="2800" b="1" dirty="0" smtClean="0">
+                <a:solidFill>
+                  <a:srgbClr val="7F0055"/>
+                </a:solidFill>
+                <a:latin typeface="Courier New"/>
+              </a:rPr>
+              <a:t>Any</a:t>
+            </a:r>
+            <a:r>
+              <a:rPr lang="en-US" sz="2800" b="1" dirty="0" smtClean="0">
+                <a:latin typeface="Courier New"/>
+              </a:rPr>
+              <a:t>] </a:t>
+            </a:r>
+            <a:r>
+              <a:rPr lang="en-US" sz="2800" b="1" dirty="0" smtClean="0">
+                <a:latin typeface="Courier New"/>
+              </a:rPr>
+              <a:t>{</a:t>
+            </a:r>
+            <a:endParaRPr lang="en-US" sz="2800" b="1" dirty="0" smtClean="0">
+              <a:latin typeface="Courier New"/>
+            </a:endParaRPr>
+          </a:p>
+          <a:p>
+            <a:r>
+              <a:rPr lang="en-US" sz="2800" b="1" dirty="0" smtClean="0">
+                <a:solidFill>
+                  <a:srgbClr val="7F0055"/>
+                </a:solidFill>
+                <a:latin typeface="Courier New"/>
+              </a:rPr>
+              <a:t>    def</a:t>
+            </a:r>
+            <a:r>
+              <a:rPr lang="en-US" sz="2800" b="1" dirty="0" smtClean="0">
+                <a:latin typeface="Courier New"/>
+              </a:rPr>
+              <a:t> </a:t>
+            </a:r>
+            <a:r>
+              <a:rPr lang="en-US" sz="2800" b="1" dirty="0" smtClean="0">
+                <a:latin typeface="Courier New"/>
+              </a:rPr>
+              <a:t>apply(v: =&gt;</a:t>
+            </a:r>
+            <a:r>
+              <a:rPr lang="en-US" sz="2800" b="1" dirty="0" smtClean="0">
+                <a:solidFill>
+                  <a:srgbClr val="7F0055"/>
+                </a:solidFill>
+                <a:latin typeface="Courier New"/>
+              </a:rPr>
+              <a:t>Any</a:t>
+            </a:r>
+            <a:r>
+              <a:rPr lang="en-US" sz="2800" b="1" dirty="0" smtClean="0">
+                <a:latin typeface="Courier New"/>
+              </a:rPr>
+              <a:t>): </a:t>
+            </a:r>
+            <a:r>
+              <a:rPr lang="en-US" sz="2800" b="1" dirty="0" smtClean="0">
+                <a:solidFill>
+                  <a:srgbClr val="7F0055"/>
+                </a:solidFill>
+                <a:latin typeface="Courier New"/>
+              </a:rPr>
+              <a:t>Boolean</a:t>
+            </a:r>
+            <a:r>
+              <a:rPr lang="en-US" sz="2800" b="1" dirty="0" smtClean="0">
+                <a:latin typeface="Courier New"/>
+              </a:rPr>
+              <a:t> = {</a:t>
+            </a:r>
+          </a:p>
+          <a:p>
+            <a:r>
+              <a:rPr lang="en-US" sz="2800" dirty="0" smtClean="0">
+                <a:latin typeface="Courier New"/>
+              </a:rPr>
+              <a:t>      </a:t>
+            </a:r>
+            <a:r>
+              <a:rPr lang="en-US" sz="2800" b="1" dirty="0" smtClean="0">
+                <a:solidFill>
+                  <a:srgbClr val="7F0055"/>
+                </a:solidFill>
+                <a:latin typeface="Courier New"/>
+              </a:rPr>
+              <a:t>try</a:t>
+            </a:r>
+            <a:r>
+              <a:rPr lang="en-US" sz="2800" b="1" dirty="0" smtClean="0">
+                <a:latin typeface="Courier New"/>
+              </a:rPr>
+              <a:t> </a:t>
+            </a:r>
+            <a:r>
+              <a:rPr lang="en-US" sz="2800" b="1" dirty="0" smtClean="0">
+                <a:latin typeface="Courier New"/>
+              </a:rPr>
+              <a:t>{ v }</a:t>
+            </a:r>
+            <a:r>
+              <a:rPr lang="en-US" sz="2800" dirty="0" smtClean="0">
+                <a:latin typeface="Courier New"/>
+              </a:rPr>
+              <a:t>     </a:t>
+            </a:r>
+            <a:endParaRPr lang="en-US" sz="2800" dirty="0" smtClean="0">
+              <a:latin typeface="Courier New"/>
+            </a:endParaRPr>
+          </a:p>
+          <a:p>
+            <a:r>
+              <a:rPr lang="en-US" sz="2800" dirty="0" smtClean="0">
+                <a:latin typeface="Courier New"/>
+              </a:rPr>
+              <a:t>      </a:t>
+            </a:r>
+            <a:r>
+              <a:rPr lang="en-US" sz="2800" b="1" dirty="0" smtClean="0">
+                <a:solidFill>
+                  <a:srgbClr val="7F0055"/>
+                </a:solidFill>
+                <a:latin typeface="Courier New"/>
+              </a:rPr>
+              <a:t>catch</a:t>
+            </a:r>
+            <a:r>
+              <a:rPr lang="en-US" sz="2800" b="1" dirty="0" smtClean="0">
+                <a:latin typeface="Courier New"/>
+              </a:rPr>
+              <a:t> </a:t>
+            </a:r>
+            <a:r>
+              <a:rPr lang="en-US" sz="2800" b="1" dirty="0" smtClean="0">
+                <a:latin typeface="Courier New"/>
+              </a:rPr>
+              <a:t>{ </a:t>
+            </a:r>
+            <a:r>
+              <a:rPr lang="en-US" sz="2800" b="1" dirty="0" smtClean="0">
+                <a:solidFill>
+                  <a:srgbClr val="7F0055"/>
+                </a:solidFill>
+                <a:latin typeface="Courier New"/>
+              </a:rPr>
+              <a:t>case</a:t>
+            </a:r>
+            <a:r>
+              <a:rPr lang="en-US" sz="2800" b="1" dirty="0" smtClean="0">
+                <a:latin typeface="Courier New"/>
+              </a:rPr>
+              <a:t> e =&gt; </a:t>
+            </a:r>
+            <a:r>
+              <a:rPr lang="en-US" sz="2800" b="1" dirty="0" smtClean="0">
+                <a:solidFill>
+                  <a:srgbClr val="7F0055"/>
+                </a:solidFill>
+                <a:latin typeface="Courier New"/>
+              </a:rPr>
+              <a:t>return</a:t>
+            </a:r>
+            <a:r>
+              <a:rPr lang="en-US" sz="2800" b="1" dirty="0" smtClean="0">
+                <a:latin typeface="Courier New"/>
+              </a:rPr>
+              <a:t> </a:t>
+            </a:r>
+            <a:r>
+              <a:rPr lang="en-US" sz="2800" b="1" dirty="0" err="1" smtClean="0">
+                <a:latin typeface="Courier New"/>
+              </a:rPr>
+              <a:t>e.getClass</a:t>
+            </a:r>
+            <a:r>
+              <a:rPr lang="en-US" sz="2800" b="1" dirty="0" smtClean="0">
+                <a:latin typeface="Courier New"/>
+              </a:rPr>
+              <a:t> == </a:t>
+            </a:r>
+            <a:r>
+              <a:rPr lang="en-US" sz="2800" b="1" dirty="0" err="1" smtClean="0">
+                <a:latin typeface="Courier New"/>
+              </a:rPr>
+              <a:t>m.erasure</a:t>
+            </a:r>
+            <a:r>
+              <a:rPr lang="en-US" sz="2800" b="1" dirty="0" smtClean="0">
+                <a:latin typeface="Courier New"/>
+              </a:rPr>
+              <a:t> }</a:t>
+            </a:r>
+          </a:p>
+          <a:p>
+            <a:r>
+              <a:rPr lang="en-US" sz="2800" dirty="0" smtClean="0">
+                <a:latin typeface="Courier New"/>
+              </a:rPr>
+              <a:t>      </a:t>
+            </a:r>
+            <a:r>
+              <a:rPr lang="en-US" sz="2800" b="1" dirty="0" smtClean="0">
+                <a:solidFill>
+                  <a:srgbClr val="7F0055"/>
+                </a:solidFill>
+                <a:latin typeface="Courier New"/>
+              </a:rPr>
+              <a:t>true</a:t>
+            </a:r>
+          </a:p>
+          <a:p>
+            <a:r>
+              <a:rPr lang="en-US" sz="2800" dirty="0" smtClean="0">
+                <a:latin typeface="Courier New"/>
+              </a:rPr>
+              <a:t>    } </a:t>
+            </a:r>
+            <a:endParaRPr lang="en-US" sz="2800" dirty="0" smtClean="0">
+              <a:latin typeface="Courier New"/>
+            </a:endParaRPr>
+          </a:p>
+          <a:p>
+            <a:r>
+              <a:rPr lang="en-US" sz="2800" dirty="0" smtClean="0">
+                <a:latin typeface="Courier New"/>
+              </a:rPr>
+              <a:t>  }</a:t>
+            </a:r>
+            <a:endParaRPr lang="en-US" sz="2800" b="1" dirty="0" smtClean="0">
+              <a:solidFill>
+                <a:srgbClr val="7F0055"/>
+              </a:solidFill>
+              <a:latin typeface="Courier New"/>
+            </a:endParaRPr>
+          </a:p>
         </p:txBody>
       </p:sp>
       <p:sp>
         <p:nvSpPr>
-          <p:cNvPr id="7" name="Rectangle 6"/>
+          <p:cNvPr id="14" name="Rectangle 13"/>
           <p:cNvSpPr/>
           <p:nvPr/>
         </p:nvSpPr>
         <p:spPr>
           <a:xfrm>
-            <a:off x="4510641" y="1438870"/>
-            <a:ext cx="3517310" cy="923330"/>
+            <a:off x="3759200" y="1447800"/>
+            <a:ext cx="6051658" cy="923330"/>
           </a:xfrm>
           <a:prstGeom prst="rect">
             <a:avLst/>
@@ -23419,25 +23920,21 @@
             <a:r>
               <a:rPr lang="en-US" sz="5400" b="1" kern="0" dirty="0" smtClean="0">
                 <a:solidFill>
-                  <a:srgbClr val="00CC66"/>
+                  <a:srgbClr val="0C0F20"/>
                 </a:solidFill>
                 <a:latin typeface="Lucida Handwriting" pitchFamily="66" charset="0"/>
                 <a:cs typeface="+mj-cs"/>
                 <a:sym typeface="Arial" charset="0"/>
               </a:rPr>
-              <a:t>combine</a:t>
-            </a:r>
-            <a:endParaRPr lang="en-US" dirty="0">
-              <a:solidFill>
-                <a:srgbClr val="00CC66"/>
-              </a:solidFill>
-            </a:endParaRPr>
+              <a:t>Class manifests</a:t>
+            </a:r>
+            <a:endParaRPr lang="en-US" dirty="0"/>
           </a:p>
         </p:txBody>
       </p:sp>
       <p:pic>
         <p:nvPicPr>
-          <p:cNvPr id="9" name="Picture 6" descr="magic, wizard icon"/>
+          <p:cNvPr id="15" name="Picture 2" descr="toolbox icon"/>
           <p:cNvPicPr>
             <a:picLocks noChangeAspect="1" noChangeArrowheads="1"/>
           </p:cNvPicPr>
@@ -23452,8 +23949,8 @@
         </p:blipFill>
         <p:spPr bwMode="auto">
           <a:xfrm>
-            <a:off x="635000" y="1143000"/>
-            <a:ext cx="1295400" cy="1295401"/>
+            <a:off x="558800" y="1066800"/>
+            <a:ext cx="1676400" cy="1676401"/>
           </a:xfrm>
           <a:prstGeom prst="rect">
             <a:avLst/>
@@ -23661,6 +24158,2707 @@
     <p:tnLst>
       <p:par>
         <p:cTn id="1" dur="indefinite" restart="never" nodeType="tmRoot"/>
+      </p:par>
+    </p:tnLst>
+  </p:timing>
+</p:sld>
+</file>
+
+<file path=ppt/slides/slide40.xml><?xml version="1.0" encoding="utf-8"?>
+<p:sld xmlns:a="http://schemas.openxmlformats.org/drawingml/2006/main" xmlns:r="http://schemas.openxmlformats.org/officeDocument/2006/relationships" xmlns:p="http://schemas.openxmlformats.org/presentationml/2006/main">
+  <p:cSld>
+    <p:spTree>
+      <p:nvGrpSpPr>
+        <p:cNvPr id="1" name=""/>
+        <p:cNvGrpSpPr/>
+        <p:nvPr/>
+      </p:nvGrpSpPr>
+      <p:grpSpPr>
+        <a:xfrm>
+          <a:off x="0" y="0"/>
+          <a:ext cx="0" cy="0"/>
+          <a:chOff x="0" y="0"/>
+          <a:chExt cx="0" cy="0"/>
+        </a:xfrm>
+      </p:grpSpPr>
+      <p:sp>
+        <p:nvSpPr>
+          <p:cNvPr id="8193" name="Rectangle 1"/>
+          <p:cNvSpPr>
+            <a:spLocks noGrp="1" noChangeArrowheads="1"/>
+          </p:cNvSpPr>
+          <p:nvPr>
+            <p:ph type="title"/>
+          </p:nvPr>
+        </p:nvSpPr>
+        <p:spPr>
+          <a:xfrm>
+            <a:off x="711200" y="0"/>
+            <a:ext cx="12509500" cy="914400"/>
+          </a:xfrm>
+          <a:ln/>
+        </p:spPr>
+        <p:txBody>
+          <a:bodyPr/>
+          <a:lstStyle/>
+          <a:p>
+            <a:pPr lvl="0"/>
+            <a:r>
+              <a:rPr lang="en-US" sz="5400" dirty="0" smtClean="0">
+                <a:latin typeface="Lucida Handwriting" pitchFamily="66" charset="0"/>
+              </a:rPr>
+              <a:t>     </a:t>
+            </a:r>
+            <a:r>
+              <a:rPr lang="en-US" sz="5400" dirty="0" smtClean="0">
+                <a:latin typeface="Lucida Handwriting" pitchFamily="66" charset="0"/>
+              </a:rPr>
+              <a:t>DSL</a:t>
+            </a:r>
+            <a:endParaRPr lang="en-US" dirty="0"/>
+          </a:p>
+        </p:txBody>
+      </p:sp>
+      <p:sp>
+        <p:nvSpPr>
+          <p:cNvPr id="7" name="Rectangle 6"/>
+          <p:cNvSpPr/>
+          <p:nvPr/>
+        </p:nvSpPr>
+        <p:spPr>
+          <a:xfrm>
+            <a:off x="4701739" y="1295400"/>
+            <a:ext cx="5386410" cy="923330"/>
+          </a:xfrm>
+          <a:prstGeom prst="rect">
+            <a:avLst/>
+          </a:prstGeom>
+        </p:spPr>
+        <p:txBody>
+          <a:bodyPr wrap="none">
+            <a:spAutoFit/>
+          </a:bodyPr>
+          <a:lstStyle/>
+          <a:p>
+            <a:pPr algn="ctr"/>
+            <a:r>
+              <a:rPr lang="en-US" sz="5400" b="1" kern="0" dirty="0" smtClean="0">
+                <a:solidFill>
+                  <a:srgbClr val="00CC66"/>
+                </a:solidFill>
+                <a:latin typeface="Lucida Handwriting" pitchFamily="66" charset="0"/>
+                <a:cs typeface="+mj-cs"/>
+                <a:sym typeface="Arial" charset="0"/>
+              </a:rPr>
+              <a:t>make a guess</a:t>
+            </a:r>
+            <a:endParaRPr lang="en-US" dirty="0">
+              <a:solidFill>
+                <a:srgbClr val="00CC66"/>
+              </a:solidFill>
+            </a:endParaRPr>
+          </a:p>
+        </p:txBody>
+      </p:sp>
+      <p:pic>
+        <p:nvPicPr>
+          <p:cNvPr id="8" name="Picture 10" descr="http://knowledgehub.zeus.com/media/Scala_Logo2008.png"/>
+          <p:cNvPicPr>
+            <a:picLocks noChangeAspect="1" noChangeArrowheads="1"/>
+          </p:cNvPicPr>
+          <p:nvPr/>
+        </p:nvPicPr>
+        <p:blipFill>
+          <a:blip r:embed="rId3"/>
+          <a:srcRect/>
+          <a:stretch>
+            <a:fillRect/>
+          </a:stretch>
+        </p:blipFill>
+        <p:spPr bwMode="auto">
+          <a:xfrm>
+            <a:off x="4140200" y="76200"/>
+            <a:ext cx="2279542" cy="679257"/>
+          </a:xfrm>
+          <a:prstGeom prst="rect">
+            <a:avLst/>
+          </a:prstGeom>
+          <a:noFill/>
+        </p:spPr>
+      </p:pic>
+      <p:sp>
+        <p:nvSpPr>
+          <p:cNvPr id="11" name="Rectangle 10"/>
+          <p:cNvSpPr/>
+          <p:nvPr/>
+        </p:nvSpPr>
+        <p:spPr>
+          <a:xfrm>
+            <a:off x="330200" y="2819400"/>
+            <a:ext cx="12344400" cy="3046988"/>
+          </a:xfrm>
+          <a:prstGeom prst="rect">
+            <a:avLst/>
+          </a:prstGeom>
+          <a:solidFill>
+            <a:schemeClr val="bg1"/>
+          </a:solidFill>
+          <a:ln>
+            <a:solidFill>
+              <a:schemeClr val="tx1"/>
+            </a:solidFill>
+            <a:prstDash val="dash"/>
+          </a:ln>
+        </p:spPr>
+        <p:txBody>
+          <a:bodyPr wrap="square">
+            <a:spAutoFit/>
+          </a:bodyPr>
+          <a:lstStyle/>
+          <a:p>
+            <a:r>
+              <a:rPr lang="en-US" sz="3200" dirty="0" smtClean="0">
+                <a:solidFill>
+                  <a:srgbClr val="2A00FF"/>
+                </a:solidFill>
+                <a:latin typeface="Courier New"/>
+              </a:rPr>
+              <a:t>"When I setup the system"</a:t>
+            </a:r>
+            <a:r>
+              <a:rPr lang="en-US" sz="3200" dirty="0" smtClean="0">
+                <a:latin typeface="Courier New"/>
+              </a:rPr>
+              <a:t> &gt;&gt; {</a:t>
+            </a:r>
+          </a:p>
+          <a:p>
+            <a:r>
+              <a:rPr lang="en-US" sz="3200" dirty="0" smtClean="0">
+                <a:solidFill>
+                  <a:srgbClr val="2A00FF"/>
+                </a:solidFill>
+                <a:latin typeface="Courier New"/>
+              </a:rPr>
+              <a:t>  "And a customer is entered"</a:t>
+            </a:r>
+            <a:r>
+              <a:rPr lang="en-US" sz="3200" dirty="0" smtClean="0">
+                <a:latin typeface="Courier New"/>
+              </a:rPr>
+              <a:t> &gt;&gt; {</a:t>
+            </a:r>
+          </a:p>
+          <a:p>
+            <a:r>
+              <a:rPr lang="en-US" sz="3200" dirty="0" smtClean="0">
+                <a:latin typeface="Courier New"/>
+              </a:rPr>
+              <a:t>    </a:t>
+            </a:r>
+            <a:r>
+              <a:rPr lang="en-US" sz="3200" dirty="0" smtClean="0">
+                <a:solidFill>
+                  <a:srgbClr val="2A00FF"/>
+                </a:solidFill>
+                <a:latin typeface="Courier New"/>
+              </a:rPr>
+              <a:t>"if he has a discount"</a:t>
+            </a:r>
+            <a:r>
+              <a:rPr lang="en-US" sz="3200" dirty="0" smtClean="0">
+                <a:latin typeface="Courier New"/>
+              </a:rPr>
+              <a:t> &gt;&gt; {}</a:t>
+            </a:r>
+          </a:p>
+          <a:p>
+            <a:r>
+              <a:rPr lang="en-US" sz="3200" dirty="0" smtClean="0">
+                <a:latin typeface="Courier New"/>
+              </a:rPr>
+              <a:t>    </a:t>
+            </a:r>
+            <a:r>
+              <a:rPr lang="en-US" sz="3200" dirty="0" smtClean="0">
+                <a:solidFill>
+                  <a:srgbClr val="2A00FF"/>
+                </a:solidFill>
+                <a:latin typeface="Courier New"/>
+              </a:rPr>
+              <a:t>"if he doesn't have a discount"</a:t>
+            </a:r>
+            <a:r>
+              <a:rPr lang="en-US" sz="3200" dirty="0" smtClean="0">
+                <a:latin typeface="Courier New"/>
+              </a:rPr>
+              <a:t> &gt;&gt; {}</a:t>
+            </a:r>
+          </a:p>
+          <a:p>
+            <a:r>
+              <a:rPr lang="en-US" sz="3200" dirty="0" smtClean="0">
+                <a:latin typeface="Courier New"/>
+              </a:rPr>
+              <a:t>  }</a:t>
+            </a:r>
+          </a:p>
+          <a:p>
+            <a:r>
+              <a:rPr lang="en-US" sz="3200" dirty="0" smtClean="0">
+                <a:latin typeface="Courier New"/>
+              </a:rPr>
+              <a:t>}</a:t>
+            </a:r>
+            <a:endParaRPr lang="en-US" sz="3200" b="1" dirty="0" smtClean="0">
+              <a:solidFill>
+                <a:srgbClr val="7F0055"/>
+              </a:solidFill>
+              <a:latin typeface="Courier New"/>
+            </a:endParaRPr>
+          </a:p>
+        </p:txBody>
+      </p:sp>
+      <p:pic>
+        <p:nvPicPr>
+          <p:cNvPr id="70662" name="Picture 6" descr="magic, wizard icon"/>
+          <p:cNvPicPr>
+            <a:picLocks noChangeAspect="1" noChangeArrowheads="1"/>
+          </p:cNvPicPr>
+          <p:nvPr/>
+        </p:nvPicPr>
+        <p:blipFill>
+          <a:blip r:embed="rId4"/>
+          <a:srcRect/>
+          <a:stretch>
+            <a:fillRect/>
+          </a:stretch>
+        </p:blipFill>
+        <p:spPr bwMode="auto">
+          <a:xfrm>
+            <a:off x="635000" y="1143000"/>
+            <a:ext cx="1295400" cy="1295401"/>
+          </a:xfrm>
+          <a:prstGeom prst="rect">
+            <a:avLst/>
+          </a:prstGeom>
+          <a:noFill/>
+        </p:spPr>
+      </p:pic>
+      <p:sp>
+        <p:nvSpPr>
+          <p:cNvPr id="9" name="Rectangle 1"/>
+          <p:cNvSpPr txBox="1">
+            <a:spLocks noChangeArrowheads="1"/>
+          </p:cNvSpPr>
+          <p:nvPr/>
+        </p:nvSpPr>
+        <p:spPr bwMode="auto">
+          <a:xfrm>
+            <a:off x="4064000" y="6553200"/>
+            <a:ext cx="8382000" cy="685800"/>
+          </a:xfrm>
+          <a:prstGeom prst="rect">
+            <a:avLst/>
+          </a:prstGeom>
+          <a:noFill/>
+          <a:ln w="12700">
+            <a:noFill/>
+            <a:miter lim="800000"/>
+            <a:headEnd/>
+            <a:tailEnd/>
+          </a:ln>
+          <a:effectLst/>
+        </p:spPr>
+        <p:txBody>
+          <a:bodyPr vert="horz" wrap="square" lIns="50800" tIns="50800" rIns="50800" bIns="50800" numCol="1" anchor="ctr" anchorCtr="0" compatLnSpc="1">
+            <a:prstTxWarp prst="textNoShape">
+              <a:avLst/>
+            </a:prstTxWarp>
+          </a:bodyPr>
+          <a:lstStyle/>
+          <a:p>
+            <a:pPr lvl="0">
+              <a:buFont typeface="Wingdings"/>
+              <a:buChar char="ð"/>
+            </a:pPr>
+            <a:r>
+              <a:rPr kumimoji="0" lang="en-US" sz="4400" b="1" i="0" u="none" strike="noStrike" kern="0" cap="none" spc="0" normalizeH="0" baseline="0" noProof="0" dirty="0" smtClean="0">
+                <a:ln>
+                  <a:noFill/>
+                </a:ln>
+                <a:solidFill>
+                  <a:srgbClr val="FF0000"/>
+                </a:solidFill>
+                <a:effectLst/>
+                <a:uLnTx/>
+                <a:uFillTx/>
+                <a:latin typeface="Candara" pitchFamily="34" charset="0"/>
+                <a:ea typeface="+mj-ea"/>
+                <a:cs typeface="+mj-cs"/>
+                <a:sym typeface="Wingdings"/>
+              </a:rPr>
+              <a:t>Don’t execute</a:t>
+            </a:r>
+            <a:r>
+              <a:rPr kumimoji="0" lang="en-US" sz="4400" b="1" i="0" u="none" strike="noStrike" kern="0" cap="none" spc="0" normalizeH="0" noProof="0" dirty="0" smtClean="0">
+                <a:ln>
+                  <a:noFill/>
+                </a:ln>
+                <a:solidFill>
+                  <a:srgbClr val="FF0000"/>
+                </a:solidFill>
+                <a:effectLst/>
+                <a:uLnTx/>
+                <a:uFillTx/>
+                <a:latin typeface="Candara" pitchFamily="34" charset="0"/>
+                <a:ea typeface="+mj-ea"/>
+                <a:cs typeface="+mj-cs"/>
+                <a:sym typeface="Wingdings"/>
+              </a:rPr>
+              <a:t> </a:t>
+            </a:r>
+            <a:r>
+              <a:rPr lang="en-US" sz="4400" b="1" kern="0" dirty="0" smtClean="0">
+                <a:solidFill>
+                  <a:srgbClr val="FF0000"/>
+                </a:solidFill>
+                <a:latin typeface="Candara" pitchFamily="34" charset="0"/>
+                <a:ea typeface="+mj-ea"/>
+                <a:cs typeface="+mj-cs"/>
+                <a:sym typeface="Wingdings"/>
+              </a:rPr>
+              <a:t>nested e</a:t>
+            </a:r>
+            <a:r>
+              <a:rPr kumimoji="0" lang="en-US" sz="4400" b="1" i="0" u="none" strike="noStrike" kern="0" cap="none" spc="0" normalizeH="0" noProof="0" dirty="0" err="1" smtClean="0">
+                <a:ln>
+                  <a:noFill/>
+                </a:ln>
+                <a:solidFill>
+                  <a:srgbClr val="FF0000"/>
+                </a:solidFill>
+                <a:effectLst/>
+                <a:uLnTx/>
+                <a:uFillTx/>
+                <a:latin typeface="Candara" pitchFamily="34" charset="0"/>
+                <a:ea typeface="+mj-ea"/>
+                <a:cs typeface="+mj-cs"/>
+                <a:sym typeface="Wingdings"/>
+              </a:rPr>
+              <a:t>xamples</a:t>
+            </a:r>
+            <a:r>
+              <a:rPr kumimoji="0" lang="en-US" sz="4400" b="1" i="0" u="none" strike="noStrike" kern="0" cap="none" spc="0" normalizeH="0" noProof="0" dirty="0" smtClean="0">
+                <a:ln>
+                  <a:noFill/>
+                </a:ln>
+                <a:solidFill>
+                  <a:srgbClr val="FF0000"/>
+                </a:solidFill>
+                <a:effectLst/>
+                <a:uLnTx/>
+                <a:uFillTx/>
+                <a:latin typeface="Candara" pitchFamily="34" charset="0"/>
+                <a:ea typeface="+mj-ea"/>
+                <a:cs typeface="+mj-cs"/>
+                <a:sym typeface="Wingdings"/>
+              </a:rPr>
+              <a:t>?</a:t>
+            </a:r>
+            <a:endParaRPr kumimoji="0" lang="en-US" sz="4400" b="1" i="0" u="none" strike="noStrike" kern="0" cap="none" spc="0" normalizeH="0" baseline="0" noProof="0" dirty="0">
+              <a:ln>
+                <a:noFill/>
+              </a:ln>
+              <a:solidFill>
+                <a:srgbClr val="E75145"/>
+              </a:solidFill>
+              <a:effectLst/>
+              <a:uLnTx/>
+              <a:uFillTx/>
+              <a:latin typeface="Candara" pitchFamily="34" charset="0"/>
+              <a:ea typeface="+mj-ea"/>
+              <a:cs typeface="+mj-cs"/>
+              <a:sym typeface="Arial" charset="0"/>
+            </a:endParaRPr>
+          </a:p>
+        </p:txBody>
+      </p:sp>
+    </p:spTree>
+  </p:cSld>
+  <p:clrMapOvr>
+    <a:masterClrMapping/>
+  </p:clrMapOvr>
+  <p:transition>
+    <p:fade/>
+  </p:transition>
+  <p:timing>
+    <p:tnLst>
+      <p:par>
+        <p:cTn id="1" dur="indefinite" restart="never" nodeType="tmRoot">
+          <p:childTnLst>
+            <p:seq concurrent="1" nextAc="seek">
+              <p:cTn id="2" dur="indefinite" nodeType="mainSeq">
+                <p:childTnLst>
+                  <p:par>
+                    <p:cTn id="3" fill="hold">
+                      <p:stCondLst>
+                        <p:cond delay="indefinite"/>
+                        <p:cond evt="onBegin" delay="0">
+                          <p:tn val="2"/>
+                        </p:cond>
+                      </p:stCondLst>
+                      <p:childTnLst>
+                        <p:par>
+                          <p:cTn id="4" fill="hold">
+                            <p:stCondLst>
+                              <p:cond delay="0"/>
+                            </p:stCondLst>
+                            <p:childTnLst>
+                              <p:par>
+                                <p:cTn id="5" presetID="1" presetClass="entr" presetSubtype="0" fill="hold" nodeType="withEffect">
+                                  <p:stCondLst>
+                                    <p:cond delay="0"/>
+                                  </p:stCondLst>
+                                  <p:childTnLst>
+                                    <p:set>
+                                      <p:cBhvr>
+                                        <p:cTn id="6" dur="1" fill="hold">
+                                          <p:stCondLst>
+                                            <p:cond delay="0"/>
+                                          </p:stCondLst>
+                                        </p:cTn>
+                                        <p:tgtEl>
+                                          <p:spTgt spid="8"/>
+                                        </p:tgtEl>
+                                        <p:attrNameLst>
+                                          <p:attrName>style.visibility</p:attrName>
+                                        </p:attrNameLst>
+                                      </p:cBhvr>
+                                      <p:to>
+                                        <p:strVal val="visible"/>
+                                      </p:to>
+                                    </p:set>
+                                  </p:childTnLst>
+                                </p:cTn>
+                              </p:par>
+                            </p:childTnLst>
+                          </p:cTn>
+                        </p:par>
+                      </p:childTnLst>
+                    </p:cTn>
+                  </p:par>
+                </p:childTnLst>
+              </p:cTn>
+              <p:prevCondLst>
+                <p:cond evt="onPrev" delay="0">
+                  <p:tgtEl>
+                    <p:sldTgt/>
+                  </p:tgtEl>
+                </p:cond>
+              </p:prevCondLst>
+              <p:nextCondLst>
+                <p:cond evt="onNext" delay="0">
+                  <p:tgtEl>
+                    <p:sldTgt/>
+                  </p:tgtEl>
+                </p:cond>
+              </p:nextCondLst>
+            </p:seq>
+          </p:childTnLst>
+        </p:cTn>
+      </p:par>
+    </p:tnLst>
+  </p:timing>
+</p:sld>
+</file>
+
+<file path=ppt/slides/slide41.xml><?xml version="1.0" encoding="utf-8"?>
+<p:sld xmlns:a="http://schemas.openxmlformats.org/drawingml/2006/main" xmlns:r="http://schemas.openxmlformats.org/officeDocument/2006/relationships" xmlns:p="http://schemas.openxmlformats.org/presentationml/2006/main">
+  <p:cSld>
+    <p:spTree>
+      <p:nvGrpSpPr>
+        <p:cNvPr id="1" name=""/>
+        <p:cNvGrpSpPr/>
+        <p:nvPr/>
+      </p:nvGrpSpPr>
+      <p:grpSpPr>
+        <a:xfrm>
+          <a:off x="0" y="0"/>
+          <a:ext cx="0" cy="0"/>
+          <a:chOff x="0" y="0"/>
+          <a:chExt cx="0" cy="0"/>
+        </a:xfrm>
+      </p:grpSpPr>
+      <p:sp>
+        <p:nvSpPr>
+          <p:cNvPr id="8193" name="Rectangle 1"/>
+          <p:cNvSpPr>
+            <a:spLocks noGrp="1" noChangeArrowheads="1"/>
+          </p:cNvSpPr>
+          <p:nvPr>
+            <p:ph type="title"/>
+          </p:nvPr>
+        </p:nvSpPr>
+        <p:spPr>
+          <a:xfrm>
+            <a:off x="711200" y="0"/>
+            <a:ext cx="12509500" cy="914400"/>
+          </a:xfrm>
+          <a:ln/>
+        </p:spPr>
+        <p:txBody>
+          <a:bodyPr/>
+          <a:lstStyle/>
+          <a:p>
+            <a:pPr lvl="0"/>
+            <a:r>
+              <a:rPr lang="en-US" sz="5400" dirty="0" smtClean="0">
+                <a:latin typeface="Lucida Handwriting" pitchFamily="66" charset="0"/>
+              </a:rPr>
+              <a:t>     </a:t>
+            </a:r>
+            <a:r>
+              <a:rPr lang="en-US" sz="5400" dirty="0" smtClean="0">
+                <a:latin typeface="Lucida Handwriting" pitchFamily="66" charset="0"/>
+              </a:rPr>
+              <a:t>DSL</a:t>
+            </a:r>
+            <a:endParaRPr lang="en-US" dirty="0"/>
+          </a:p>
+        </p:txBody>
+      </p:sp>
+      <p:pic>
+        <p:nvPicPr>
+          <p:cNvPr id="8" name="Picture 10" descr="http://knowledgehub.zeus.com/media/Scala_Logo2008.png"/>
+          <p:cNvPicPr>
+            <a:picLocks noChangeAspect="1" noChangeArrowheads="1"/>
+          </p:cNvPicPr>
+          <p:nvPr/>
+        </p:nvPicPr>
+        <p:blipFill>
+          <a:blip r:embed="rId3"/>
+          <a:srcRect/>
+          <a:stretch>
+            <a:fillRect/>
+          </a:stretch>
+        </p:blipFill>
+        <p:spPr bwMode="auto">
+          <a:xfrm>
+            <a:off x="4140200" y="76200"/>
+            <a:ext cx="2279542" cy="679257"/>
+          </a:xfrm>
+          <a:prstGeom prst="rect">
+            <a:avLst/>
+          </a:prstGeom>
+          <a:noFill/>
+        </p:spPr>
+      </p:pic>
+      <p:sp>
+        <p:nvSpPr>
+          <p:cNvPr id="11" name="Rectangle 10"/>
+          <p:cNvSpPr/>
+          <p:nvPr/>
+        </p:nvSpPr>
+        <p:spPr>
+          <a:xfrm>
+            <a:off x="330200" y="2937570"/>
+            <a:ext cx="12344400" cy="3539430"/>
+          </a:xfrm>
+          <a:prstGeom prst="rect">
+            <a:avLst/>
+          </a:prstGeom>
+          <a:solidFill>
+            <a:schemeClr val="bg1"/>
+          </a:solidFill>
+          <a:ln>
+            <a:solidFill>
+              <a:schemeClr val="tx1"/>
+            </a:solidFill>
+            <a:prstDash val="dash"/>
+          </a:ln>
+        </p:spPr>
+        <p:txBody>
+          <a:bodyPr wrap="square">
+            <a:spAutoFit/>
+          </a:bodyPr>
+          <a:lstStyle/>
+          <a:p>
+            <a:r>
+              <a:rPr lang="fr-FR" sz="3200" b="1" dirty="0" err="1" smtClean="0">
+                <a:solidFill>
+                  <a:srgbClr val="7F0055"/>
+                </a:solidFill>
+                <a:latin typeface="Courier New"/>
+              </a:rPr>
+              <a:t>def</a:t>
+            </a:r>
+            <a:r>
+              <a:rPr lang="fr-FR" sz="3200" b="1" dirty="0" smtClean="0">
+                <a:latin typeface="Courier New"/>
+              </a:rPr>
+              <a:t> </a:t>
+            </a:r>
+            <a:r>
+              <a:rPr lang="fr-FR" sz="3200" b="1" dirty="0" smtClean="0">
+                <a:latin typeface="Courier New"/>
+              </a:rPr>
+              <a:t>in[T](e: =&gt;T</a:t>
+            </a:r>
+            <a:r>
+              <a:rPr lang="fr-FR" sz="3200" b="1" dirty="0" smtClean="0">
+                <a:latin typeface="Courier New"/>
+              </a:rPr>
+              <a:t>)</a:t>
+            </a:r>
+          </a:p>
+          <a:p>
+            <a:r>
+              <a:rPr lang="fr-FR" sz="3200" b="1" dirty="0" smtClean="0">
+                <a:latin typeface="Courier New"/>
+              </a:rPr>
+              <a:t> </a:t>
+            </a:r>
+            <a:r>
+              <a:rPr lang="fr-FR" sz="3200" b="1" dirty="0" smtClean="0">
+                <a:latin typeface="Courier New"/>
+              </a:rPr>
+              <a:t>        (</a:t>
+            </a:r>
+            <a:r>
+              <a:rPr lang="fr-FR" sz="3200" b="1" dirty="0" err="1" smtClean="0">
+                <a:solidFill>
+                  <a:srgbClr val="7F0055"/>
+                </a:solidFill>
+                <a:latin typeface="Courier New"/>
+              </a:rPr>
+              <a:t>implicit</a:t>
+            </a:r>
+            <a:r>
+              <a:rPr lang="fr-FR" sz="3200" b="1" dirty="0" smtClean="0">
+                <a:latin typeface="Courier New"/>
+              </a:rPr>
+              <a:t> m: </a:t>
+            </a:r>
+            <a:r>
+              <a:rPr lang="fr-FR" sz="3200" b="1" dirty="0" err="1" smtClean="0">
+                <a:latin typeface="Courier New"/>
+              </a:rPr>
+              <a:t>ClassManifest</a:t>
+            </a:r>
+            <a:r>
+              <a:rPr lang="fr-FR" sz="3200" b="1" dirty="0" smtClean="0">
+                <a:latin typeface="Courier New"/>
+              </a:rPr>
+              <a:t>[T]) = {</a:t>
+            </a:r>
+          </a:p>
+          <a:p>
+            <a:r>
+              <a:rPr lang="en-US" sz="3200" dirty="0" smtClean="0">
+                <a:latin typeface="Courier New"/>
+              </a:rPr>
+              <a:t>  </a:t>
+            </a:r>
+            <a:r>
+              <a:rPr lang="en-US" sz="3200" dirty="0" err="1" smtClean="0">
+                <a:latin typeface="Courier New"/>
+              </a:rPr>
+              <a:t>expectationsAre</a:t>
+            </a:r>
+            <a:r>
+              <a:rPr lang="en-US" sz="3200" dirty="0" smtClean="0">
+                <a:latin typeface="Courier New"/>
+              </a:rPr>
+              <a:t>(e</a:t>
+            </a:r>
+            <a:r>
+              <a:rPr lang="en-US" sz="3200" dirty="0" smtClean="0">
+                <a:latin typeface="Courier New"/>
+              </a:rPr>
+              <a:t>)</a:t>
+            </a:r>
+          </a:p>
+          <a:p>
+            <a:r>
+              <a:rPr lang="en-US" sz="3200" dirty="0" smtClean="0">
+                <a:latin typeface="Courier New"/>
+              </a:rPr>
+              <a:t>  </a:t>
+            </a:r>
+            <a:r>
+              <a:rPr lang="en-US" sz="3200" b="1" dirty="0" smtClean="0">
+                <a:solidFill>
+                  <a:srgbClr val="7F0055"/>
+                </a:solidFill>
+                <a:latin typeface="Courier New"/>
+              </a:rPr>
+              <a:t>if</a:t>
+            </a:r>
+            <a:r>
+              <a:rPr lang="en-US" sz="3200" b="1" dirty="0" smtClean="0">
+                <a:latin typeface="Courier New"/>
+              </a:rPr>
+              <a:t> </a:t>
+            </a:r>
+            <a:r>
+              <a:rPr lang="en-US" sz="3200" b="1" dirty="0" smtClean="0">
+                <a:latin typeface="Courier New"/>
+              </a:rPr>
+              <a:t>(</a:t>
+            </a:r>
+            <a:r>
+              <a:rPr lang="en-US" sz="3200" b="1" dirty="0" err="1" smtClean="0">
+                <a:latin typeface="Courier New"/>
+              </a:rPr>
+              <a:t>m.erasure</a:t>
+            </a:r>
+            <a:r>
+              <a:rPr lang="en-US" sz="3200" b="1" dirty="0" smtClean="0">
+                <a:latin typeface="Courier New"/>
+              </a:rPr>
+              <a:t> == </a:t>
+            </a:r>
+            <a:r>
+              <a:rPr lang="en-US" sz="3200" b="1" dirty="0" err="1" smtClean="0">
+                <a:solidFill>
+                  <a:srgbClr val="7F0055"/>
+                </a:solidFill>
+                <a:latin typeface="Courier New"/>
+              </a:rPr>
+              <a:t>this</a:t>
+            </a:r>
+            <a:r>
+              <a:rPr lang="en-US" sz="3200" b="1" dirty="0" err="1" smtClean="0">
+                <a:latin typeface="Courier New"/>
+              </a:rPr>
+              <a:t>.getClass</a:t>
+            </a:r>
+            <a:r>
+              <a:rPr lang="en-US" sz="3200" b="1" dirty="0" smtClean="0">
+                <a:latin typeface="Courier New"/>
+              </a:rPr>
+              <a:t>)</a:t>
+            </a:r>
+            <a:endParaRPr lang="en-US" sz="3200" b="1" dirty="0" smtClean="0">
+              <a:latin typeface="Courier New"/>
+            </a:endParaRPr>
+          </a:p>
+          <a:p>
+            <a:r>
+              <a:rPr lang="en-US" sz="3200" dirty="0" smtClean="0">
+                <a:latin typeface="Courier New"/>
+              </a:rPr>
+              <a:t>  </a:t>
+            </a:r>
+            <a:r>
+              <a:rPr lang="en-US" sz="3200" dirty="0" smtClean="0">
+                <a:latin typeface="Courier New"/>
+              </a:rPr>
+              <a:t>  </a:t>
+            </a:r>
+            <a:r>
+              <a:rPr lang="en-US" sz="3200" dirty="0" err="1" smtClean="0">
+                <a:latin typeface="Courier New"/>
+              </a:rPr>
+              <a:t>hasNestedExamples</a:t>
+            </a:r>
+            <a:r>
+              <a:rPr lang="en-US" sz="3200" dirty="0" smtClean="0">
+                <a:latin typeface="Courier New"/>
+              </a:rPr>
+              <a:t> = </a:t>
+            </a:r>
+            <a:r>
+              <a:rPr lang="en-US" sz="3200" b="1" dirty="0" smtClean="0">
+                <a:solidFill>
+                  <a:srgbClr val="7F0055"/>
+                </a:solidFill>
+                <a:latin typeface="Courier New"/>
+              </a:rPr>
+              <a:t>true</a:t>
+            </a:r>
+          </a:p>
+          <a:p>
+            <a:r>
+              <a:rPr lang="en-US" sz="3200" dirty="0" smtClean="0">
+                <a:latin typeface="Courier New"/>
+              </a:rPr>
+              <a:t>  </a:t>
+            </a:r>
+            <a:r>
+              <a:rPr lang="en-US" sz="3200" b="1" dirty="0" smtClean="0">
+                <a:solidFill>
+                  <a:srgbClr val="7F0055"/>
+                </a:solidFill>
+                <a:latin typeface="Courier New"/>
+              </a:rPr>
+              <a:t>this</a:t>
+            </a:r>
+            <a:endParaRPr lang="en-US" sz="3200" b="1" dirty="0" smtClean="0">
+              <a:solidFill>
+                <a:srgbClr val="7F0055"/>
+              </a:solidFill>
+              <a:latin typeface="Courier New"/>
+            </a:endParaRPr>
+          </a:p>
+          <a:p>
+            <a:r>
+              <a:rPr lang="en-US" sz="3200" dirty="0" smtClean="0">
+                <a:latin typeface="Courier New"/>
+              </a:rPr>
+              <a:t>}</a:t>
+            </a:r>
+            <a:endParaRPr lang="en-US" sz="3200" b="1" dirty="0" smtClean="0">
+              <a:solidFill>
+                <a:srgbClr val="7F0055"/>
+              </a:solidFill>
+              <a:latin typeface="Courier New"/>
+            </a:endParaRPr>
+          </a:p>
+        </p:txBody>
+      </p:sp>
+      <p:pic>
+        <p:nvPicPr>
+          <p:cNvPr id="70662" name="Picture 6" descr="magic, wizard icon"/>
+          <p:cNvPicPr>
+            <a:picLocks noChangeAspect="1" noChangeArrowheads="1"/>
+          </p:cNvPicPr>
+          <p:nvPr/>
+        </p:nvPicPr>
+        <p:blipFill>
+          <a:blip r:embed="rId4"/>
+          <a:srcRect/>
+          <a:stretch>
+            <a:fillRect/>
+          </a:stretch>
+        </p:blipFill>
+        <p:spPr bwMode="auto">
+          <a:xfrm>
+            <a:off x="635000" y="1143000"/>
+            <a:ext cx="1295400" cy="1295401"/>
+          </a:xfrm>
+          <a:prstGeom prst="rect">
+            <a:avLst/>
+          </a:prstGeom>
+          <a:noFill/>
+        </p:spPr>
+      </p:pic>
+      <p:sp>
+        <p:nvSpPr>
+          <p:cNvPr id="10" name="Rectangle 9"/>
+          <p:cNvSpPr/>
+          <p:nvPr/>
+        </p:nvSpPr>
+        <p:spPr>
+          <a:xfrm>
+            <a:off x="4701739" y="1295400"/>
+            <a:ext cx="5386410" cy="923330"/>
+          </a:xfrm>
+          <a:prstGeom prst="rect">
+            <a:avLst/>
+          </a:prstGeom>
+        </p:spPr>
+        <p:txBody>
+          <a:bodyPr wrap="none">
+            <a:spAutoFit/>
+          </a:bodyPr>
+          <a:lstStyle/>
+          <a:p>
+            <a:pPr algn="ctr"/>
+            <a:r>
+              <a:rPr lang="en-US" sz="5400" b="1" kern="0" dirty="0" smtClean="0">
+                <a:solidFill>
+                  <a:srgbClr val="00CC66"/>
+                </a:solidFill>
+                <a:latin typeface="Lucida Handwriting" pitchFamily="66" charset="0"/>
+                <a:cs typeface="+mj-cs"/>
+                <a:sym typeface="Arial" charset="0"/>
+              </a:rPr>
+              <a:t>make a guess</a:t>
+            </a:r>
+            <a:endParaRPr lang="en-US" dirty="0">
+              <a:solidFill>
+                <a:srgbClr val="00CC66"/>
+              </a:solidFill>
+            </a:endParaRPr>
+          </a:p>
+        </p:txBody>
+      </p:sp>
+    </p:spTree>
+  </p:cSld>
+  <p:clrMapOvr>
+    <a:masterClrMapping/>
+  </p:clrMapOvr>
+  <p:transition>
+    <p:fade/>
+  </p:transition>
+  <p:timing>
+    <p:tnLst>
+      <p:par>
+        <p:cTn id="1" dur="indefinite" restart="never" nodeType="tmRoot">
+          <p:childTnLst>
+            <p:seq concurrent="1" nextAc="seek">
+              <p:cTn id="2" dur="indefinite" nodeType="mainSeq">
+                <p:childTnLst>
+                  <p:par>
+                    <p:cTn id="3" fill="hold">
+                      <p:stCondLst>
+                        <p:cond delay="indefinite"/>
+                        <p:cond evt="onBegin" delay="0">
+                          <p:tn val="2"/>
+                        </p:cond>
+                      </p:stCondLst>
+                      <p:childTnLst>
+                        <p:par>
+                          <p:cTn id="4" fill="hold">
+                            <p:stCondLst>
+                              <p:cond delay="0"/>
+                            </p:stCondLst>
+                            <p:childTnLst>
+                              <p:par>
+                                <p:cTn id="5" presetID="1" presetClass="entr" presetSubtype="0" fill="hold" nodeType="withEffect">
+                                  <p:stCondLst>
+                                    <p:cond delay="0"/>
+                                  </p:stCondLst>
+                                  <p:childTnLst>
+                                    <p:set>
+                                      <p:cBhvr>
+                                        <p:cTn id="6" dur="1" fill="hold">
+                                          <p:stCondLst>
+                                            <p:cond delay="0"/>
+                                          </p:stCondLst>
+                                        </p:cTn>
+                                        <p:tgtEl>
+                                          <p:spTgt spid="8"/>
+                                        </p:tgtEl>
+                                        <p:attrNameLst>
+                                          <p:attrName>style.visibility</p:attrName>
+                                        </p:attrNameLst>
+                                      </p:cBhvr>
+                                      <p:to>
+                                        <p:strVal val="visible"/>
+                                      </p:to>
+                                    </p:set>
+                                  </p:childTnLst>
+                                </p:cTn>
+                              </p:par>
+                            </p:childTnLst>
+                          </p:cTn>
+                        </p:par>
+                      </p:childTnLst>
+                    </p:cTn>
+                  </p:par>
+                </p:childTnLst>
+              </p:cTn>
+              <p:prevCondLst>
+                <p:cond evt="onPrev" delay="0">
+                  <p:tgtEl>
+                    <p:sldTgt/>
+                  </p:tgtEl>
+                </p:cond>
+              </p:prevCondLst>
+              <p:nextCondLst>
+                <p:cond evt="onNext" delay="0">
+                  <p:tgtEl>
+                    <p:sldTgt/>
+                  </p:tgtEl>
+                </p:cond>
+              </p:nextCondLst>
+            </p:seq>
+          </p:childTnLst>
+        </p:cTn>
+      </p:par>
+    </p:tnLst>
+  </p:timing>
+</p:sld>
+</file>
+
+<file path=ppt/slides/slide42.xml><?xml version="1.0" encoding="utf-8"?>
+<p:sld xmlns:a="http://schemas.openxmlformats.org/drawingml/2006/main" xmlns:r="http://schemas.openxmlformats.org/officeDocument/2006/relationships" xmlns:p="http://schemas.openxmlformats.org/presentationml/2006/main">
+  <p:cSld>
+    <p:spTree>
+      <p:nvGrpSpPr>
+        <p:cNvPr id="1" name=""/>
+        <p:cNvGrpSpPr/>
+        <p:nvPr/>
+      </p:nvGrpSpPr>
+      <p:grpSpPr>
+        <a:xfrm>
+          <a:off x="0" y="0"/>
+          <a:ext cx="0" cy="0"/>
+          <a:chOff x="0" y="0"/>
+          <a:chExt cx="0" cy="0"/>
+        </a:xfrm>
+      </p:grpSpPr>
+      <p:sp>
+        <p:nvSpPr>
+          <p:cNvPr id="8193" name="Rectangle 1"/>
+          <p:cNvSpPr>
+            <a:spLocks noGrp="1" noChangeArrowheads="1"/>
+          </p:cNvSpPr>
+          <p:nvPr>
+            <p:ph type="title"/>
+          </p:nvPr>
+        </p:nvSpPr>
+        <p:spPr>
+          <a:xfrm>
+            <a:off x="711200" y="0"/>
+            <a:ext cx="12509500" cy="914400"/>
+          </a:xfrm>
+          <a:ln/>
+        </p:spPr>
+        <p:txBody>
+          <a:bodyPr/>
+          <a:lstStyle/>
+          <a:p>
+            <a:pPr lvl="0"/>
+            <a:r>
+              <a:rPr lang="en-US" sz="5400" dirty="0" smtClean="0">
+                <a:latin typeface="Lucida Handwriting" pitchFamily="66" charset="0"/>
+              </a:rPr>
+              <a:t>     </a:t>
+            </a:r>
+            <a:r>
+              <a:rPr lang="en-US" sz="5400" dirty="0" smtClean="0">
+                <a:latin typeface="Lucida Handwriting" pitchFamily="66" charset="0"/>
+              </a:rPr>
+              <a:t>DSL</a:t>
+            </a:r>
+            <a:endParaRPr lang="en-US" dirty="0"/>
+          </a:p>
+        </p:txBody>
+      </p:sp>
+      <p:pic>
+        <p:nvPicPr>
+          <p:cNvPr id="8" name="Picture 10" descr="http://knowledgehub.zeus.com/media/Scala_Logo2008.png"/>
+          <p:cNvPicPr>
+            <a:picLocks noChangeAspect="1" noChangeArrowheads="1"/>
+          </p:cNvPicPr>
+          <p:nvPr/>
+        </p:nvPicPr>
+        <p:blipFill>
+          <a:blip r:embed="rId3"/>
+          <a:srcRect/>
+          <a:stretch>
+            <a:fillRect/>
+          </a:stretch>
+        </p:blipFill>
+        <p:spPr bwMode="auto">
+          <a:xfrm>
+            <a:off x="4140200" y="76200"/>
+            <a:ext cx="2279542" cy="679257"/>
+          </a:xfrm>
+          <a:prstGeom prst="rect">
+            <a:avLst/>
+          </a:prstGeom>
+          <a:noFill/>
+        </p:spPr>
+      </p:pic>
+      <p:sp>
+        <p:nvSpPr>
+          <p:cNvPr id="11" name="Rectangle 10"/>
+          <p:cNvSpPr/>
+          <p:nvPr/>
+        </p:nvSpPr>
+        <p:spPr>
+          <a:xfrm>
+            <a:off x="330200" y="2971800"/>
+            <a:ext cx="12344400" cy="5262979"/>
+          </a:xfrm>
+          <a:prstGeom prst="rect">
+            <a:avLst/>
+          </a:prstGeom>
+          <a:ln>
+            <a:solidFill>
+              <a:schemeClr val="tx1"/>
+            </a:solidFill>
+            <a:prstDash val="dash"/>
+          </a:ln>
+        </p:spPr>
+        <p:txBody>
+          <a:bodyPr wrap="square">
+            <a:spAutoFit/>
+          </a:bodyPr>
+          <a:lstStyle/>
+          <a:p>
+            <a:r>
+              <a:rPr lang="en-US" sz="2800" b="1" dirty="0" smtClean="0">
+                <a:solidFill>
+                  <a:srgbClr val="7F0055"/>
+                </a:solidFill>
+                <a:latin typeface="Courier New"/>
+              </a:rPr>
+              <a:t>trait</a:t>
+            </a:r>
+            <a:r>
+              <a:rPr lang="en-US" sz="2800" b="1" dirty="0" smtClean="0">
+                <a:latin typeface="Courier New"/>
+              </a:rPr>
+              <a:t> Matcher[-T] {</a:t>
+            </a:r>
+          </a:p>
+          <a:p>
+            <a:r>
+              <a:rPr lang="en-US" sz="2800" dirty="0" smtClean="0">
+                <a:latin typeface="Courier New"/>
+              </a:rPr>
+              <a:t> </a:t>
+            </a:r>
+            <a:r>
+              <a:rPr lang="en-US" sz="2800" dirty="0" smtClean="0">
+                <a:latin typeface="Courier New"/>
+              </a:rPr>
+              <a:t> </a:t>
+            </a:r>
+            <a:r>
+              <a:rPr lang="en-US" sz="2800" b="1" dirty="0" smtClean="0">
+                <a:solidFill>
+                  <a:srgbClr val="7F0055"/>
+                </a:solidFill>
+                <a:latin typeface="Courier New"/>
+              </a:rPr>
+              <a:t>def</a:t>
+            </a:r>
+            <a:r>
+              <a:rPr lang="en-US" sz="2800" b="1" dirty="0" smtClean="0">
+                <a:latin typeface="Courier New"/>
+              </a:rPr>
+              <a:t> apply(y: =&gt;T): (</a:t>
+            </a:r>
+            <a:r>
+              <a:rPr lang="en-US" sz="2800" b="1" dirty="0" smtClean="0">
+                <a:solidFill>
+                  <a:srgbClr val="7F0055"/>
+                </a:solidFill>
+                <a:latin typeface="Courier New"/>
+              </a:rPr>
+              <a:t>Boolean</a:t>
+            </a:r>
+            <a:r>
+              <a:rPr lang="en-US" sz="2800" b="1" dirty="0" smtClean="0">
+                <a:latin typeface="Courier New"/>
+              </a:rPr>
+              <a:t>, String, String)</a:t>
+            </a:r>
+          </a:p>
+          <a:p>
+            <a:r>
+              <a:rPr lang="en-US" sz="2800" dirty="0" smtClean="0">
+                <a:latin typeface="Courier New"/>
+              </a:rPr>
+              <a:t> </a:t>
+            </a:r>
+            <a:r>
+              <a:rPr lang="en-US" sz="2800" dirty="0" smtClean="0">
+                <a:latin typeface="Courier New"/>
+              </a:rPr>
+              <a:t> </a:t>
+            </a:r>
+            <a:r>
+              <a:rPr lang="en-US" sz="2800" b="1" dirty="0" smtClean="0">
+                <a:solidFill>
+                  <a:srgbClr val="7F0055"/>
+                </a:solidFill>
+                <a:latin typeface="Courier New"/>
+              </a:rPr>
+              <a:t>def</a:t>
+            </a:r>
+            <a:r>
+              <a:rPr lang="en-US" sz="2800" b="1" dirty="0" smtClean="0">
+                <a:latin typeface="Courier New"/>
+              </a:rPr>
+              <a:t> not: Matcher[T]</a:t>
+            </a:r>
+          </a:p>
+          <a:p>
+            <a:r>
+              <a:rPr lang="en-US" sz="2800" dirty="0" smtClean="0">
+                <a:latin typeface="Courier New"/>
+              </a:rPr>
+              <a:t> </a:t>
+            </a:r>
+            <a:r>
+              <a:rPr lang="en-US" sz="2800" dirty="0" smtClean="0">
+                <a:latin typeface="Courier New"/>
+              </a:rPr>
+              <a:t> </a:t>
+            </a:r>
+            <a:r>
+              <a:rPr lang="en-US" sz="2800" b="1" dirty="0" smtClean="0">
+                <a:solidFill>
+                  <a:srgbClr val="7F0055"/>
+                </a:solidFill>
+                <a:latin typeface="Courier New"/>
+              </a:rPr>
+              <a:t>def</a:t>
+            </a:r>
+            <a:r>
+              <a:rPr lang="en-US" sz="2800" b="1" dirty="0" smtClean="0">
+                <a:latin typeface="Courier New"/>
+              </a:rPr>
+              <a:t> when(condition: =&gt;</a:t>
+            </a:r>
+            <a:r>
+              <a:rPr lang="en-US" sz="2800" b="1" dirty="0" smtClean="0">
+                <a:solidFill>
+                  <a:srgbClr val="7F0055"/>
+                </a:solidFill>
+                <a:latin typeface="Courier New"/>
+              </a:rPr>
+              <a:t>Boolean</a:t>
+            </a:r>
+            <a:r>
+              <a:rPr lang="en-US" sz="2800" b="1" dirty="0" smtClean="0">
+                <a:latin typeface="Courier New"/>
+              </a:rPr>
+              <a:t>): Matcher[T]</a:t>
+            </a:r>
+          </a:p>
+          <a:p>
+            <a:r>
+              <a:rPr lang="en-US" sz="2800" dirty="0" smtClean="0">
+                <a:latin typeface="Courier New"/>
+              </a:rPr>
+              <a:t> </a:t>
+            </a:r>
+            <a:r>
+              <a:rPr lang="en-US" sz="2800" dirty="0" smtClean="0">
+                <a:latin typeface="Courier New"/>
+              </a:rPr>
+              <a:t> </a:t>
+            </a:r>
+            <a:r>
+              <a:rPr lang="en-US" sz="2800" b="1" dirty="0" smtClean="0">
+                <a:solidFill>
+                  <a:srgbClr val="7F0055"/>
+                </a:solidFill>
+                <a:latin typeface="Courier New"/>
+              </a:rPr>
+              <a:t>def</a:t>
+            </a:r>
+            <a:r>
+              <a:rPr lang="en-US" sz="2800" b="1" dirty="0" smtClean="0">
+                <a:latin typeface="Courier New"/>
+              </a:rPr>
+              <a:t> unless(condition: =&gt;</a:t>
+            </a:r>
+            <a:r>
+              <a:rPr lang="en-US" sz="2800" b="1" dirty="0" smtClean="0">
+                <a:solidFill>
+                  <a:srgbClr val="7F0055"/>
+                </a:solidFill>
+                <a:latin typeface="Courier New"/>
+              </a:rPr>
+              <a:t>Boolean</a:t>
+            </a:r>
+            <a:r>
+              <a:rPr lang="en-US" sz="2800" b="1" dirty="0" smtClean="0">
+                <a:latin typeface="Courier New"/>
+              </a:rPr>
+              <a:t>): Matcher[T]</a:t>
+            </a:r>
+          </a:p>
+          <a:p>
+            <a:r>
+              <a:rPr lang="en-US" sz="2800" dirty="0" smtClean="0">
+                <a:latin typeface="Courier New"/>
+              </a:rPr>
+              <a:t> </a:t>
+            </a:r>
+            <a:r>
+              <a:rPr lang="en-US" sz="2800" dirty="0" smtClean="0">
+                <a:latin typeface="Courier New"/>
+              </a:rPr>
+              <a:t> </a:t>
+            </a:r>
+            <a:r>
+              <a:rPr lang="en-US" sz="2800" b="1" dirty="0" smtClean="0">
+                <a:solidFill>
+                  <a:srgbClr val="7F0055"/>
+                </a:solidFill>
+                <a:latin typeface="Courier New"/>
+              </a:rPr>
+              <a:t>def</a:t>
+            </a:r>
+            <a:r>
+              <a:rPr lang="en-US" sz="2800" b="1" dirty="0" smtClean="0">
+                <a:latin typeface="Courier New"/>
+              </a:rPr>
+              <a:t> </a:t>
+            </a:r>
+            <a:r>
+              <a:rPr lang="en-US" sz="2800" b="1" dirty="0" err="1" smtClean="0">
+                <a:latin typeface="Courier New"/>
+              </a:rPr>
+              <a:t>orSkip</a:t>
+            </a:r>
+            <a:r>
+              <a:rPr lang="en-US" sz="2800" b="1" dirty="0" smtClean="0">
+                <a:latin typeface="Courier New"/>
+              </a:rPr>
+              <a:t>: Matcher[T]</a:t>
+            </a:r>
+          </a:p>
+          <a:p>
+            <a:r>
+              <a:rPr lang="en-US" sz="2800" dirty="0" smtClean="0">
+                <a:latin typeface="Courier New"/>
+              </a:rPr>
+              <a:t> </a:t>
+            </a:r>
+            <a:r>
+              <a:rPr lang="en-US" sz="2800" dirty="0" smtClean="0">
+                <a:latin typeface="Courier New"/>
+              </a:rPr>
+              <a:t> </a:t>
+            </a:r>
+            <a:r>
+              <a:rPr lang="en-US" sz="2800" b="1" dirty="0" smtClean="0">
+                <a:solidFill>
+                  <a:srgbClr val="7F0055"/>
+                </a:solidFill>
+                <a:latin typeface="Courier New"/>
+              </a:rPr>
+              <a:t>def</a:t>
+            </a:r>
+            <a:r>
+              <a:rPr lang="en-US" sz="2800" b="1" dirty="0" smtClean="0">
+                <a:latin typeface="Courier New"/>
+              </a:rPr>
+              <a:t> or[S &lt;: T](m: Matcher[S]): Matcher[S]</a:t>
+            </a:r>
+          </a:p>
+          <a:p>
+            <a:r>
+              <a:rPr lang="en-US" sz="2800" dirty="0" smtClean="0">
+                <a:latin typeface="Courier New"/>
+              </a:rPr>
+              <a:t> </a:t>
+            </a:r>
+            <a:r>
+              <a:rPr lang="en-US" sz="2800" dirty="0" smtClean="0">
+                <a:latin typeface="Courier New"/>
+              </a:rPr>
+              <a:t> </a:t>
+            </a:r>
+            <a:r>
+              <a:rPr lang="en-US" sz="2800" b="1" dirty="0" smtClean="0">
+                <a:solidFill>
+                  <a:srgbClr val="7F0055"/>
+                </a:solidFill>
+                <a:latin typeface="Courier New"/>
+              </a:rPr>
+              <a:t>def</a:t>
+            </a:r>
+            <a:r>
+              <a:rPr lang="en-US" sz="2800" b="1" dirty="0" smtClean="0">
+                <a:latin typeface="Courier New"/>
+              </a:rPr>
+              <a:t> </a:t>
+            </a:r>
+            <a:r>
+              <a:rPr lang="en-US" sz="2800" b="1" dirty="0" err="1" smtClean="0">
+                <a:latin typeface="Courier New"/>
+              </a:rPr>
+              <a:t>xor</a:t>
+            </a:r>
+            <a:r>
+              <a:rPr lang="en-US" sz="2800" b="1" dirty="0" smtClean="0">
+                <a:latin typeface="Courier New"/>
+              </a:rPr>
+              <a:t>[S &lt;: T](m: Matcher[S]): Matcher[S]</a:t>
+            </a:r>
+          </a:p>
+          <a:p>
+            <a:r>
+              <a:rPr lang="en-US" sz="2800" dirty="0" smtClean="0">
+                <a:latin typeface="Courier New"/>
+              </a:rPr>
+              <a:t> </a:t>
+            </a:r>
+            <a:r>
+              <a:rPr lang="en-US" sz="2800" dirty="0" smtClean="0">
+                <a:latin typeface="Courier New"/>
+              </a:rPr>
+              <a:t> </a:t>
+            </a:r>
+            <a:r>
+              <a:rPr lang="en-US" sz="2800" b="1" dirty="0" smtClean="0">
+                <a:solidFill>
+                  <a:srgbClr val="7F0055"/>
+                </a:solidFill>
+                <a:latin typeface="Courier New"/>
+              </a:rPr>
+              <a:t>def</a:t>
+            </a:r>
+            <a:r>
+              <a:rPr lang="en-US" sz="2800" b="1" dirty="0" smtClean="0">
+                <a:latin typeface="Courier New"/>
+              </a:rPr>
+              <a:t> and[S &lt;: T](m: Matcher[S]): Matcher[S]</a:t>
+            </a:r>
+          </a:p>
+          <a:p>
+            <a:r>
+              <a:rPr lang="pl-PL" sz="2800" dirty="0" smtClean="0">
+                <a:latin typeface="Courier New"/>
+              </a:rPr>
+              <a:t> </a:t>
+            </a:r>
+            <a:r>
+              <a:rPr lang="pl-PL" sz="2800" dirty="0" smtClean="0">
+                <a:latin typeface="Courier New"/>
+              </a:rPr>
+              <a:t> </a:t>
+            </a:r>
+            <a:r>
+              <a:rPr lang="pl-PL" sz="2800" b="1" dirty="0" smtClean="0">
+                <a:solidFill>
+                  <a:srgbClr val="7F0055"/>
+                </a:solidFill>
+                <a:latin typeface="Courier New"/>
+              </a:rPr>
+              <a:t>def</a:t>
+            </a:r>
+            <a:r>
+              <a:rPr lang="pl-PL" sz="2800" b="1" dirty="0" smtClean="0">
+                <a:latin typeface="Courier New"/>
+              </a:rPr>
+              <a:t> ^^[S&lt;: T, U](f: S =&gt; U): Matcher[U]</a:t>
+            </a:r>
+          </a:p>
+          <a:p>
+            <a:r>
+              <a:rPr lang="en-US" sz="2800" dirty="0" smtClean="0">
+                <a:latin typeface="Courier New"/>
+              </a:rPr>
+              <a:t> </a:t>
+            </a:r>
+            <a:r>
+              <a:rPr lang="en-US" sz="2800" dirty="0" smtClean="0">
+                <a:latin typeface="Courier New"/>
+              </a:rPr>
+              <a:t> </a:t>
+            </a:r>
+            <a:r>
+              <a:rPr lang="en-US" sz="2800" b="1" dirty="0" smtClean="0">
+                <a:solidFill>
+                  <a:srgbClr val="7F0055"/>
+                </a:solidFill>
+                <a:latin typeface="Courier New"/>
+              </a:rPr>
+              <a:t>def</a:t>
+            </a:r>
+            <a:r>
+              <a:rPr lang="en-US" sz="2800" b="1" dirty="0" smtClean="0">
+                <a:latin typeface="Courier New"/>
+              </a:rPr>
+              <a:t> </a:t>
+            </a:r>
+            <a:r>
+              <a:rPr lang="en-US" sz="2800" b="1" dirty="0" err="1" smtClean="0">
+                <a:latin typeface="Courier New"/>
+              </a:rPr>
+              <a:t>toSeq</a:t>
+            </a:r>
+            <a:r>
+              <a:rPr lang="en-US" sz="2800" b="1" dirty="0" smtClean="0">
+                <a:latin typeface="Courier New"/>
+              </a:rPr>
+              <a:t>: Matcher[</a:t>
+            </a:r>
+            <a:r>
+              <a:rPr lang="en-US" sz="2800" b="1" dirty="0" err="1" smtClean="0">
+                <a:latin typeface="Courier New"/>
+              </a:rPr>
+              <a:t>Seq</a:t>
+            </a:r>
+            <a:r>
+              <a:rPr lang="en-US" sz="2800" b="1" dirty="0" smtClean="0">
+                <a:latin typeface="Courier New"/>
+              </a:rPr>
+              <a:t>[T]]</a:t>
+            </a:r>
+          </a:p>
+          <a:p>
+            <a:r>
+              <a:rPr lang="en-US" sz="2800" dirty="0" smtClean="0">
+                <a:latin typeface="Courier New"/>
+              </a:rPr>
+              <a:t>} </a:t>
+            </a:r>
+            <a:endParaRPr lang="en-US" sz="2800" b="1" dirty="0" smtClean="0">
+              <a:solidFill>
+                <a:srgbClr val="7F0055"/>
+              </a:solidFill>
+              <a:latin typeface="Courier New"/>
+            </a:endParaRPr>
+          </a:p>
+        </p:txBody>
+      </p:sp>
+      <p:sp>
+        <p:nvSpPr>
+          <p:cNvPr id="7" name="Rectangle 6"/>
+          <p:cNvSpPr/>
+          <p:nvPr/>
+        </p:nvSpPr>
+        <p:spPr>
+          <a:xfrm>
+            <a:off x="4510641" y="1438870"/>
+            <a:ext cx="3517310" cy="923330"/>
+          </a:xfrm>
+          <a:prstGeom prst="rect">
+            <a:avLst/>
+          </a:prstGeom>
+        </p:spPr>
+        <p:txBody>
+          <a:bodyPr wrap="none">
+            <a:spAutoFit/>
+          </a:bodyPr>
+          <a:lstStyle/>
+          <a:p>
+            <a:pPr algn="ctr"/>
+            <a:r>
+              <a:rPr lang="en-US" sz="5400" b="1" kern="0" dirty="0" smtClean="0">
+                <a:solidFill>
+                  <a:srgbClr val="00CC66"/>
+                </a:solidFill>
+                <a:latin typeface="Lucida Handwriting" pitchFamily="66" charset="0"/>
+                <a:cs typeface="+mj-cs"/>
+                <a:sym typeface="Arial" charset="0"/>
+              </a:rPr>
+              <a:t>combine</a:t>
+            </a:r>
+            <a:endParaRPr lang="en-US" dirty="0">
+              <a:solidFill>
+                <a:srgbClr val="00CC66"/>
+              </a:solidFill>
+            </a:endParaRPr>
+          </a:p>
+        </p:txBody>
+      </p:sp>
+      <p:pic>
+        <p:nvPicPr>
+          <p:cNvPr id="9" name="Picture 6" descr="magic, wizard icon"/>
+          <p:cNvPicPr>
+            <a:picLocks noChangeAspect="1" noChangeArrowheads="1"/>
+          </p:cNvPicPr>
+          <p:nvPr/>
+        </p:nvPicPr>
+        <p:blipFill>
+          <a:blip r:embed="rId4"/>
+          <a:srcRect/>
+          <a:stretch>
+            <a:fillRect/>
+          </a:stretch>
+        </p:blipFill>
+        <p:spPr bwMode="auto">
+          <a:xfrm>
+            <a:off x="635000" y="1143000"/>
+            <a:ext cx="1295400" cy="1295401"/>
+          </a:xfrm>
+          <a:prstGeom prst="rect">
+            <a:avLst/>
+          </a:prstGeom>
+          <a:noFill/>
+        </p:spPr>
+      </p:pic>
+    </p:spTree>
+  </p:cSld>
+  <p:clrMapOvr>
+    <a:masterClrMapping/>
+  </p:clrMapOvr>
+  <p:transition>
+    <p:fade/>
+  </p:transition>
+  <p:timing>
+    <p:tnLst>
+      <p:par>
+        <p:cTn id="1" dur="indefinite" restart="never" nodeType="tmRoot">
+          <p:childTnLst>
+            <p:seq concurrent="1" nextAc="seek">
+              <p:cTn id="2" dur="indefinite" nodeType="mainSeq">
+                <p:childTnLst>
+                  <p:par>
+                    <p:cTn id="3" fill="hold">
+                      <p:stCondLst>
+                        <p:cond delay="indefinite"/>
+                        <p:cond evt="onBegin" delay="0">
+                          <p:tn val="2"/>
+                        </p:cond>
+                      </p:stCondLst>
+                      <p:childTnLst>
+                        <p:par>
+                          <p:cTn id="4" fill="hold">
+                            <p:stCondLst>
+                              <p:cond delay="0"/>
+                            </p:stCondLst>
+                            <p:childTnLst>
+                              <p:par>
+                                <p:cTn id="5" presetID="1" presetClass="entr" presetSubtype="0" fill="hold" nodeType="withEffect">
+                                  <p:stCondLst>
+                                    <p:cond delay="0"/>
+                                  </p:stCondLst>
+                                  <p:childTnLst>
+                                    <p:set>
+                                      <p:cBhvr>
+                                        <p:cTn id="6" dur="1" fill="hold">
+                                          <p:stCondLst>
+                                            <p:cond delay="0"/>
+                                          </p:stCondLst>
+                                        </p:cTn>
+                                        <p:tgtEl>
+                                          <p:spTgt spid="8"/>
+                                        </p:tgtEl>
+                                        <p:attrNameLst>
+                                          <p:attrName>style.visibility</p:attrName>
+                                        </p:attrNameLst>
+                                      </p:cBhvr>
+                                      <p:to>
+                                        <p:strVal val="visible"/>
+                                      </p:to>
+                                    </p:set>
+                                  </p:childTnLst>
+                                </p:cTn>
+                              </p:par>
+                            </p:childTnLst>
+                          </p:cTn>
+                        </p:par>
+                      </p:childTnLst>
+                    </p:cTn>
+                  </p:par>
+                </p:childTnLst>
+              </p:cTn>
+              <p:prevCondLst>
+                <p:cond evt="onPrev" delay="0">
+                  <p:tgtEl>
+                    <p:sldTgt/>
+                  </p:tgtEl>
+                </p:cond>
+              </p:prevCondLst>
+              <p:nextCondLst>
+                <p:cond evt="onNext" delay="0">
+                  <p:tgtEl>
+                    <p:sldTgt/>
+                  </p:tgtEl>
+                </p:cond>
+              </p:nextCondLst>
+            </p:seq>
+          </p:childTnLst>
+        </p:cTn>
+      </p:par>
+    </p:tnLst>
+  </p:timing>
+</p:sld>
+</file>
+
+<file path=ppt/slides/slide43.xml><?xml version="1.0" encoding="utf-8"?>
+<p:sld xmlns:a="http://schemas.openxmlformats.org/drawingml/2006/main" xmlns:r="http://schemas.openxmlformats.org/officeDocument/2006/relationships" xmlns:p="http://schemas.openxmlformats.org/presentationml/2006/main">
+  <p:cSld>
+    <p:spTree>
+      <p:nvGrpSpPr>
+        <p:cNvPr id="1" name=""/>
+        <p:cNvGrpSpPr/>
+        <p:nvPr/>
+      </p:nvGrpSpPr>
+      <p:grpSpPr>
+        <a:xfrm>
+          <a:off x="0" y="0"/>
+          <a:ext cx="0" cy="0"/>
+          <a:chOff x="0" y="0"/>
+          <a:chExt cx="0" cy="0"/>
+        </a:xfrm>
+      </p:grpSpPr>
+      <p:sp>
+        <p:nvSpPr>
+          <p:cNvPr id="8193" name="Rectangle 1"/>
+          <p:cNvSpPr>
+            <a:spLocks noGrp="1" noChangeArrowheads="1"/>
+          </p:cNvSpPr>
+          <p:nvPr>
+            <p:ph type="title"/>
+          </p:nvPr>
+        </p:nvSpPr>
+        <p:spPr>
+          <a:xfrm>
+            <a:off x="711200" y="0"/>
+            <a:ext cx="12509500" cy="914400"/>
+          </a:xfrm>
+          <a:ln/>
+        </p:spPr>
+        <p:txBody>
+          <a:bodyPr/>
+          <a:lstStyle/>
+          <a:p>
+            <a:pPr lvl="0"/>
+            <a:r>
+              <a:rPr lang="en-US" sz="5400" dirty="0" smtClean="0">
+                <a:latin typeface="Lucida Handwriting" pitchFamily="66" charset="0"/>
+              </a:rPr>
+              <a:t>     </a:t>
+            </a:r>
+            <a:r>
+              <a:rPr lang="en-US" sz="5400" dirty="0" smtClean="0">
+                <a:latin typeface="Lucida Handwriting" pitchFamily="66" charset="0"/>
+              </a:rPr>
+              <a:t>DSL</a:t>
+            </a:r>
+            <a:endParaRPr lang="en-US" dirty="0"/>
+          </a:p>
+        </p:txBody>
+      </p:sp>
+      <p:pic>
+        <p:nvPicPr>
+          <p:cNvPr id="8" name="Picture 10" descr="http://knowledgehub.zeus.com/media/Scala_Logo2008.png"/>
+          <p:cNvPicPr>
+            <a:picLocks noChangeAspect="1" noChangeArrowheads="1"/>
+          </p:cNvPicPr>
+          <p:nvPr/>
+        </p:nvPicPr>
+        <p:blipFill>
+          <a:blip r:embed="rId3"/>
+          <a:srcRect/>
+          <a:stretch>
+            <a:fillRect/>
+          </a:stretch>
+        </p:blipFill>
+        <p:spPr bwMode="auto">
+          <a:xfrm>
+            <a:off x="4140200" y="76200"/>
+            <a:ext cx="2279542" cy="679257"/>
+          </a:xfrm>
+          <a:prstGeom prst="rect">
+            <a:avLst/>
+          </a:prstGeom>
+          <a:noFill/>
+        </p:spPr>
+      </p:pic>
+      <p:sp>
+        <p:nvSpPr>
+          <p:cNvPr id="11" name="Rectangle 10"/>
+          <p:cNvSpPr/>
+          <p:nvPr/>
+        </p:nvSpPr>
+        <p:spPr>
+          <a:xfrm>
+            <a:off x="330200" y="2971800"/>
+            <a:ext cx="12344400" cy="5262979"/>
+          </a:xfrm>
+          <a:prstGeom prst="rect">
+            <a:avLst/>
+          </a:prstGeom>
+          <a:ln>
+            <a:solidFill>
+              <a:schemeClr val="tx1"/>
+            </a:solidFill>
+            <a:prstDash val="dash"/>
+          </a:ln>
+        </p:spPr>
+        <p:txBody>
+          <a:bodyPr wrap="square">
+            <a:spAutoFit/>
+          </a:bodyPr>
+          <a:lstStyle/>
+          <a:p>
+            <a:r>
+              <a:rPr lang="en-US" sz="2800" b="1" dirty="0" smtClean="0">
+                <a:solidFill>
+                  <a:srgbClr val="7F0055"/>
+                </a:solidFill>
+                <a:latin typeface="Courier New"/>
+              </a:rPr>
+              <a:t>trait</a:t>
+            </a:r>
+            <a:r>
+              <a:rPr lang="en-US" sz="2800" b="1" dirty="0" smtClean="0">
+                <a:latin typeface="Courier New"/>
+              </a:rPr>
+              <a:t> Matcher[-T] {</a:t>
+            </a:r>
+          </a:p>
+          <a:p>
+            <a:r>
+              <a:rPr lang="en-US" sz="2800" dirty="0" smtClean="0">
+                <a:latin typeface="Courier New"/>
+              </a:rPr>
+              <a:t> </a:t>
+            </a:r>
+            <a:r>
+              <a:rPr lang="en-US" sz="2800" dirty="0" smtClean="0">
+                <a:latin typeface="Courier New"/>
+              </a:rPr>
+              <a:t> </a:t>
+            </a:r>
+            <a:r>
+              <a:rPr lang="en-US" sz="2800" b="1" dirty="0" smtClean="0">
+                <a:solidFill>
+                  <a:srgbClr val="7F0055"/>
+                </a:solidFill>
+                <a:latin typeface="Courier New"/>
+              </a:rPr>
+              <a:t>def</a:t>
+            </a:r>
+            <a:r>
+              <a:rPr lang="en-US" sz="2800" b="1" dirty="0" smtClean="0">
+                <a:latin typeface="Courier New"/>
+              </a:rPr>
+              <a:t> apply(y: =&gt;T): (</a:t>
+            </a:r>
+            <a:r>
+              <a:rPr lang="en-US" sz="2800" b="1" dirty="0" smtClean="0">
+                <a:solidFill>
+                  <a:srgbClr val="7F0055"/>
+                </a:solidFill>
+                <a:latin typeface="Courier New"/>
+              </a:rPr>
+              <a:t>Boolean</a:t>
+            </a:r>
+            <a:r>
+              <a:rPr lang="en-US" sz="2800" b="1" dirty="0" smtClean="0">
+                <a:latin typeface="Courier New"/>
+              </a:rPr>
+              <a:t>, String, String)</a:t>
+            </a:r>
+          </a:p>
+          <a:p>
+            <a:r>
+              <a:rPr lang="en-US" sz="2800" dirty="0" smtClean="0">
+                <a:latin typeface="Courier New"/>
+              </a:rPr>
+              <a:t> </a:t>
+            </a:r>
+            <a:r>
+              <a:rPr lang="en-US" sz="2800" dirty="0" smtClean="0">
+                <a:latin typeface="Courier New"/>
+              </a:rPr>
+              <a:t> </a:t>
+            </a:r>
+            <a:r>
+              <a:rPr lang="en-US" sz="2800" b="1" dirty="0" smtClean="0">
+                <a:solidFill>
+                  <a:srgbClr val="7F0055"/>
+                </a:solidFill>
+                <a:latin typeface="Courier New"/>
+              </a:rPr>
+              <a:t>def</a:t>
+            </a:r>
+            <a:r>
+              <a:rPr lang="en-US" sz="2800" b="1" dirty="0" smtClean="0">
+                <a:latin typeface="Courier New"/>
+              </a:rPr>
+              <a:t> not: Matcher[T]</a:t>
+            </a:r>
+          </a:p>
+          <a:p>
+            <a:r>
+              <a:rPr lang="en-US" sz="2800" dirty="0" smtClean="0">
+                <a:latin typeface="Courier New"/>
+              </a:rPr>
+              <a:t> </a:t>
+            </a:r>
+            <a:r>
+              <a:rPr lang="en-US" sz="2800" dirty="0" smtClean="0">
+                <a:latin typeface="Courier New"/>
+              </a:rPr>
+              <a:t> </a:t>
+            </a:r>
+            <a:r>
+              <a:rPr lang="en-US" sz="2800" b="1" dirty="0" smtClean="0">
+                <a:solidFill>
+                  <a:srgbClr val="7F0055"/>
+                </a:solidFill>
+                <a:latin typeface="Courier New"/>
+              </a:rPr>
+              <a:t>def</a:t>
+            </a:r>
+            <a:r>
+              <a:rPr lang="en-US" sz="2800" b="1" dirty="0" smtClean="0">
+                <a:latin typeface="Courier New"/>
+              </a:rPr>
+              <a:t> when(condition: =&gt;</a:t>
+            </a:r>
+            <a:r>
+              <a:rPr lang="en-US" sz="2800" b="1" dirty="0" smtClean="0">
+                <a:solidFill>
+                  <a:srgbClr val="7F0055"/>
+                </a:solidFill>
+                <a:latin typeface="Courier New"/>
+              </a:rPr>
+              <a:t>Boolean</a:t>
+            </a:r>
+            <a:r>
+              <a:rPr lang="en-US" sz="2800" b="1" dirty="0" smtClean="0">
+                <a:latin typeface="Courier New"/>
+              </a:rPr>
+              <a:t>): Matcher[T]</a:t>
+            </a:r>
+          </a:p>
+          <a:p>
+            <a:r>
+              <a:rPr lang="en-US" sz="2800" dirty="0" smtClean="0">
+                <a:latin typeface="Courier New"/>
+              </a:rPr>
+              <a:t> </a:t>
+            </a:r>
+            <a:r>
+              <a:rPr lang="en-US" sz="2800" dirty="0" smtClean="0">
+                <a:latin typeface="Courier New"/>
+              </a:rPr>
+              <a:t> </a:t>
+            </a:r>
+            <a:r>
+              <a:rPr lang="en-US" sz="2800" b="1" dirty="0" smtClean="0">
+                <a:solidFill>
+                  <a:srgbClr val="7F0055"/>
+                </a:solidFill>
+                <a:latin typeface="Courier New"/>
+              </a:rPr>
+              <a:t>def</a:t>
+            </a:r>
+            <a:r>
+              <a:rPr lang="en-US" sz="2800" b="1" dirty="0" smtClean="0">
+                <a:latin typeface="Courier New"/>
+              </a:rPr>
+              <a:t> unless(condition: =&gt;</a:t>
+            </a:r>
+            <a:r>
+              <a:rPr lang="en-US" sz="2800" b="1" dirty="0" smtClean="0">
+                <a:solidFill>
+                  <a:srgbClr val="7F0055"/>
+                </a:solidFill>
+                <a:latin typeface="Courier New"/>
+              </a:rPr>
+              <a:t>Boolean</a:t>
+            </a:r>
+            <a:r>
+              <a:rPr lang="en-US" sz="2800" b="1" dirty="0" smtClean="0">
+                <a:latin typeface="Courier New"/>
+              </a:rPr>
+              <a:t>): Matcher[T]</a:t>
+            </a:r>
+          </a:p>
+          <a:p>
+            <a:r>
+              <a:rPr lang="en-US" sz="2800" dirty="0" smtClean="0">
+                <a:latin typeface="Courier New"/>
+              </a:rPr>
+              <a:t> </a:t>
+            </a:r>
+            <a:r>
+              <a:rPr lang="en-US" sz="2800" dirty="0" smtClean="0">
+                <a:latin typeface="Courier New"/>
+              </a:rPr>
+              <a:t> </a:t>
+            </a:r>
+            <a:r>
+              <a:rPr lang="en-US" sz="2800" b="1" dirty="0" smtClean="0">
+                <a:solidFill>
+                  <a:srgbClr val="7F0055"/>
+                </a:solidFill>
+                <a:latin typeface="Courier New"/>
+              </a:rPr>
+              <a:t>def</a:t>
+            </a:r>
+            <a:r>
+              <a:rPr lang="en-US" sz="2800" b="1" dirty="0" smtClean="0">
+                <a:latin typeface="Courier New"/>
+              </a:rPr>
+              <a:t> </a:t>
+            </a:r>
+            <a:r>
+              <a:rPr lang="en-US" sz="2800" b="1" dirty="0" err="1" smtClean="0">
+                <a:latin typeface="Courier New"/>
+              </a:rPr>
+              <a:t>orSkip</a:t>
+            </a:r>
+            <a:r>
+              <a:rPr lang="en-US" sz="2800" b="1" dirty="0" smtClean="0">
+                <a:latin typeface="Courier New"/>
+              </a:rPr>
+              <a:t>: Matcher[T]</a:t>
+            </a:r>
+          </a:p>
+          <a:p>
+            <a:r>
+              <a:rPr lang="en-US" sz="2800" dirty="0" smtClean="0">
+                <a:latin typeface="Courier New"/>
+              </a:rPr>
+              <a:t> </a:t>
+            </a:r>
+            <a:r>
+              <a:rPr lang="en-US" sz="2800" dirty="0" smtClean="0">
+                <a:latin typeface="Courier New"/>
+              </a:rPr>
+              <a:t> </a:t>
+            </a:r>
+            <a:r>
+              <a:rPr lang="en-US" sz="2800" b="1" dirty="0" smtClean="0">
+                <a:solidFill>
+                  <a:srgbClr val="7F0055"/>
+                </a:solidFill>
+                <a:latin typeface="Courier New"/>
+              </a:rPr>
+              <a:t>def</a:t>
+            </a:r>
+            <a:r>
+              <a:rPr lang="en-US" sz="2800" b="1" dirty="0" smtClean="0">
+                <a:latin typeface="Courier New"/>
+              </a:rPr>
+              <a:t> or[S &lt;: T](m: Matcher[S]): Matcher[S]</a:t>
+            </a:r>
+          </a:p>
+          <a:p>
+            <a:r>
+              <a:rPr lang="en-US" sz="2800" dirty="0" smtClean="0">
+                <a:latin typeface="Courier New"/>
+              </a:rPr>
+              <a:t> </a:t>
+            </a:r>
+            <a:r>
+              <a:rPr lang="en-US" sz="2800" dirty="0" smtClean="0">
+                <a:latin typeface="Courier New"/>
+              </a:rPr>
+              <a:t> </a:t>
+            </a:r>
+            <a:r>
+              <a:rPr lang="en-US" sz="2800" b="1" dirty="0" smtClean="0">
+                <a:solidFill>
+                  <a:srgbClr val="7F0055"/>
+                </a:solidFill>
+                <a:latin typeface="Courier New"/>
+              </a:rPr>
+              <a:t>def</a:t>
+            </a:r>
+            <a:r>
+              <a:rPr lang="en-US" sz="2800" b="1" dirty="0" smtClean="0">
+                <a:latin typeface="Courier New"/>
+              </a:rPr>
+              <a:t> </a:t>
+            </a:r>
+            <a:r>
+              <a:rPr lang="en-US" sz="2800" b="1" dirty="0" err="1" smtClean="0">
+                <a:latin typeface="Courier New"/>
+              </a:rPr>
+              <a:t>xor</a:t>
+            </a:r>
+            <a:r>
+              <a:rPr lang="en-US" sz="2800" b="1" dirty="0" smtClean="0">
+                <a:latin typeface="Courier New"/>
+              </a:rPr>
+              <a:t>[S &lt;: T](m: Matcher[S]): Matcher[S]</a:t>
+            </a:r>
+          </a:p>
+          <a:p>
+            <a:r>
+              <a:rPr lang="en-US" sz="2800" dirty="0" smtClean="0">
+                <a:latin typeface="Courier New"/>
+              </a:rPr>
+              <a:t> </a:t>
+            </a:r>
+            <a:r>
+              <a:rPr lang="en-US" sz="2800" dirty="0" smtClean="0">
+                <a:latin typeface="Courier New"/>
+              </a:rPr>
+              <a:t> </a:t>
+            </a:r>
+            <a:r>
+              <a:rPr lang="en-US" sz="2800" b="1" dirty="0" smtClean="0">
+                <a:solidFill>
+                  <a:srgbClr val="7F0055"/>
+                </a:solidFill>
+                <a:latin typeface="Courier New"/>
+              </a:rPr>
+              <a:t>def</a:t>
+            </a:r>
+            <a:r>
+              <a:rPr lang="en-US" sz="2800" b="1" dirty="0" smtClean="0">
+                <a:latin typeface="Courier New"/>
+              </a:rPr>
+              <a:t> and[S &lt;: T](m: Matcher[S]): Matcher[S]</a:t>
+            </a:r>
+          </a:p>
+          <a:p>
+            <a:r>
+              <a:rPr lang="pl-PL" sz="2800" dirty="0" smtClean="0">
+                <a:latin typeface="Courier New"/>
+              </a:rPr>
+              <a:t> </a:t>
+            </a:r>
+            <a:r>
+              <a:rPr lang="pl-PL" sz="2800" dirty="0" smtClean="0">
+                <a:latin typeface="Courier New"/>
+              </a:rPr>
+              <a:t> </a:t>
+            </a:r>
+            <a:r>
+              <a:rPr lang="pl-PL" sz="2800" b="1" dirty="0" smtClean="0">
+                <a:solidFill>
+                  <a:srgbClr val="7F0055"/>
+                </a:solidFill>
+                <a:latin typeface="Courier New"/>
+              </a:rPr>
+              <a:t>def</a:t>
+            </a:r>
+            <a:r>
+              <a:rPr lang="pl-PL" sz="2800" b="1" dirty="0" smtClean="0">
+                <a:latin typeface="Courier New"/>
+              </a:rPr>
+              <a:t> ^^[S&lt;: T, U](f: S =&gt; U): Matcher[U]</a:t>
+            </a:r>
+          </a:p>
+          <a:p>
+            <a:r>
+              <a:rPr lang="en-US" sz="2800" dirty="0" smtClean="0">
+                <a:latin typeface="Courier New"/>
+              </a:rPr>
+              <a:t> </a:t>
+            </a:r>
+            <a:r>
+              <a:rPr lang="en-US" sz="2800" dirty="0" smtClean="0">
+                <a:latin typeface="Courier New"/>
+              </a:rPr>
+              <a:t> </a:t>
+            </a:r>
+            <a:r>
+              <a:rPr lang="en-US" sz="2800" b="1" dirty="0" smtClean="0">
+                <a:solidFill>
+                  <a:srgbClr val="7F0055"/>
+                </a:solidFill>
+                <a:latin typeface="Courier New"/>
+              </a:rPr>
+              <a:t>def</a:t>
+            </a:r>
+            <a:r>
+              <a:rPr lang="en-US" sz="2800" b="1" dirty="0" smtClean="0">
+                <a:latin typeface="Courier New"/>
+              </a:rPr>
+              <a:t> </a:t>
+            </a:r>
+            <a:r>
+              <a:rPr lang="en-US" sz="2800" b="1" dirty="0" err="1" smtClean="0">
+                <a:latin typeface="Courier New"/>
+              </a:rPr>
+              <a:t>toSeq</a:t>
+            </a:r>
+            <a:r>
+              <a:rPr lang="en-US" sz="2800" b="1" dirty="0" smtClean="0">
+                <a:latin typeface="Courier New"/>
+              </a:rPr>
+              <a:t>: Matcher[</a:t>
+            </a:r>
+            <a:r>
+              <a:rPr lang="en-US" sz="2800" b="1" dirty="0" err="1" smtClean="0">
+                <a:latin typeface="Courier New"/>
+              </a:rPr>
+              <a:t>Seq</a:t>
+            </a:r>
+            <a:r>
+              <a:rPr lang="en-US" sz="2800" b="1" dirty="0" smtClean="0">
+                <a:latin typeface="Courier New"/>
+              </a:rPr>
+              <a:t>[T]]</a:t>
+            </a:r>
+          </a:p>
+          <a:p>
+            <a:r>
+              <a:rPr lang="en-US" sz="2800" dirty="0" smtClean="0">
+                <a:latin typeface="Courier New"/>
+              </a:rPr>
+              <a:t>} </a:t>
+            </a:r>
+            <a:endParaRPr lang="en-US" sz="2800" b="1" dirty="0" smtClean="0">
+              <a:solidFill>
+                <a:srgbClr val="7F0055"/>
+              </a:solidFill>
+              <a:latin typeface="Courier New"/>
+            </a:endParaRPr>
+          </a:p>
+        </p:txBody>
+      </p:sp>
+      <p:sp>
+        <p:nvSpPr>
+          <p:cNvPr id="7" name="Rectangle 6"/>
+          <p:cNvSpPr/>
+          <p:nvPr/>
+        </p:nvSpPr>
+        <p:spPr>
+          <a:xfrm>
+            <a:off x="4510641" y="1438870"/>
+            <a:ext cx="3517310" cy="923330"/>
+          </a:xfrm>
+          <a:prstGeom prst="rect">
+            <a:avLst/>
+          </a:prstGeom>
+        </p:spPr>
+        <p:txBody>
+          <a:bodyPr wrap="none">
+            <a:spAutoFit/>
+          </a:bodyPr>
+          <a:lstStyle/>
+          <a:p>
+            <a:pPr algn="ctr"/>
+            <a:r>
+              <a:rPr lang="en-US" sz="5400" b="1" kern="0" dirty="0" smtClean="0">
+                <a:solidFill>
+                  <a:srgbClr val="00CC66"/>
+                </a:solidFill>
+                <a:latin typeface="Lucida Handwriting" pitchFamily="66" charset="0"/>
+                <a:cs typeface="+mj-cs"/>
+                <a:sym typeface="Arial" charset="0"/>
+              </a:rPr>
+              <a:t>combine</a:t>
+            </a:r>
+            <a:endParaRPr lang="en-US" dirty="0">
+              <a:solidFill>
+                <a:srgbClr val="00CC66"/>
+              </a:solidFill>
+            </a:endParaRPr>
+          </a:p>
+        </p:txBody>
+      </p:sp>
+      <p:pic>
+        <p:nvPicPr>
+          <p:cNvPr id="9" name="Picture 6" descr="magic, wizard icon"/>
+          <p:cNvPicPr>
+            <a:picLocks noChangeAspect="1" noChangeArrowheads="1"/>
+          </p:cNvPicPr>
+          <p:nvPr/>
+        </p:nvPicPr>
+        <p:blipFill>
+          <a:blip r:embed="rId4"/>
+          <a:srcRect/>
+          <a:stretch>
+            <a:fillRect/>
+          </a:stretch>
+        </p:blipFill>
+        <p:spPr bwMode="auto">
+          <a:xfrm>
+            <a:off x="635000" y="1143000"/>
+            <a:ext cx="1295400" cy="1295401"/>
+          </a:xfrm>
+          <a:prstGeom prst="rect">
+            <a:avLst/>
+          </a:prstGeom>
+          <a:noFill/>
+        </p:spPr>
+      </p:pic>
+    </p:spTree>
+  </p:cSld>
+  <p:clrMapOvr>
+    <a:masterClrMapping/>
+  </p:clrMapOvr>
+  <p:transition>
+    <p:fade/>
+  </p:transition>
+  <p:timing>
+    <p:tnLst>
+      <p:par>
+        <p:cTn id="1" dur="indefinite" restart="never" nodeType="tmRoot">
+          <p:childTnLst>
+            <p:seq concurrent="1" nextAc="seek">
+              <p:cTn id="2" dur="indefinite" nodeType="mainSeq">
+                <p:childTnLst>
+                  <p:par>
+                    <p:cTn id="3" fill="hold">
+                      <p:stCondLst>
+                        <p:cond delay="indefinite"/>
+                        <p:cond evt="onBegin" delay="0">
+                          <p:tn val="2"/>
+                        </p:cond>
+                      </p:stCondLst>
+                      <p:childTnLst>
+                        <p:par>
+                          <p:cTn id="4" fill="hold">
+                            <p:stCondLst>
+                              <p:cond delay="0"/>
+                            </p:stCondLst>
+                            <p:childTnLst>
+                              <p:par>
+                                <p:cTn id="5" presetID="1" presetClass="entr" presetSubtype="0" fill="hold" nodeType="withEffect">
+                                  <p:stCondLst>
+                                    <p:cond delay="0"/>
+                                  </p:stCondLst>
+                                  <p:childTnLst>
+                                    <p:set>
+                                      <p:cBhvr>
+                                        <p:cTn id="6" dur="1" fill="hold">
+                                          <p:stCondLst>
+                                            <p:cond delay="0"/>
+                                          </p:stCondLst>
+                                        </p:cTn>
+                                        <p:tgtEl>
+                                          <p:spTgt spid="8"/>
+                                        </p:tgtEl>
+                                        <p:attrNameLst>
+                                          <p:attrName>style.visibility</p:attrName>
+                                        </p:attrNameLst>
+                                      </p:cBhvr>
+                                      <p:to>
+                                        <p:strVal val="visible"/>
+                                      </p:to>
+                                    </p:set>
+                                  </p:childTnLst>
+                                </p:cTn>
+                              </p:par>
+                            </p:childTnLst>
+                          </p:cTn>
+                        </p:par>
+                      </p:childTnLst>
+                    </p:cTn>
+                  </p:par>
+                </p:childTnLst>
+              </p:cTn>
+              <p:prevCondLst>
+                <p:cond evt="onPrev" delay="0">
+                  <p:tgtEl>
+                    <p:sldTgt/>
+                  </p:tgtEl>
+                </p:cond>
+              </p:prevCondLst>
+              <p:nextCondLst>
+                <p:cond evt="onNext" delay="0">
+                  <p:tgtEl>
+                    <p:sldTgt/>
+                  </p:tgtEl>
+                </p:cond>
+              </p:nextCondLst>
+            </p:seq>
+          </p:childTnLst>
+        </p:cTn>
+      </p:par>
+    </p:tnLst>
+  </p:timing>
+</p:sld>
+</file>
+
+<file path=ppt/slides/slide44.xml><?xml version="1.0" encoding="utf-8"?>
+<p:sld xmlns:a="http://schemas.openxmlformats.org/drawingml/2006/main" xmlns:r="http://schemas.openxmlformats.org/officeDocument/2006/relationships" xmlns:p="http://schemas.openxmlformats.org/presentationml/2006/main">
+  <p:cSld>
+    <p:spTree>
+      <p:nvGrpSpPr>
+        <p:cNvPr id="1" name=""/>
+        <p:cNvGrpSpPr/>
+        <p:nvPr/>
+      </p:nvGrpSpPr>
+      <p:grpSpPr>
+        <a:xfrm>
+          <a:off x="0" y="0"/>
+          <a:ext cx="0" cy="0"/>
+          <a:chOff x="0" y="0"/>
+          <a:chExt cx="0" cy="0"/>
+        </a:xfrm>
+      </p:grpSpPr>
+      <p:sp>
+        <p:nvSpPr>
+          <p:cNvPr id="8193" name="Rectangle 1"/>
+          <p:cNvSpPr>
+            <a:spLocks noGrp="1" noChangeArrowheads="1"/>
+          </p:cNvSpPr>
+          <p:nvPr>
+            <p:ph type="title"/>
+          </p:nvPr>
+        </p:nvSpPr>
+        <p:spPr>
+          <a:xfrm>
+            <a:off x="711200" y="0"/>
+            <a:ext cx="12509500" cy="914400"/>
+          </a:xfrm>
+          <a:ln/>
+        </p:spPr>
+        <p:txBody>
+          <a:bodyPr/>
+          <a:lstStyle/>
+          <a:p>
+            <a:pPr lvl="0"/>
+            <a:r>
+              <a:rPr lang="en-US" sz="5400" dirty="0" smtClean="0">
+                <a:latin typeface="Lucida Handwriting" pitchFamily="66" charset="0"/>
+              </a:rPr>
+              <a:t>     </a:t>
+            </a:r>
+            <a:r>
+              <a:rPr lang="en-US" sz="5400" dirty="0" smtClean="0">
+                <a:latin typeface="Lucida Handwriting" pitchFamily="66" charset="0"/>
+              </a:rPr>
+              <a:t>DSL</a:t>
+            </a:r>
+            <a:endParaRPr lang="en-US" dirty="0"/>
+          </a:p>
+        </p:txBody>
+      </p:sp>
+      <p:pic>
+        <p:nvPicPr>
+          <p:cNvPr id="8" name="Picture 10" descr="http://knowledgehub.zeus.com/media/Scala_Logo2008.png"/>
+          <p:cNvPicPr>
+            <a:picLocks noChangeAspect="1" noChangeArrowheads="1"/>
+          </p:cNvPicPr>
+          <p:nvPr/>
+        </p:nvPicPr>
+        <p:blipFill>
+          <a:blip r:embed="rId3"/>
+          <a:srcRect/>
+          <a:stretch>
+            <a:fillRect/>
+          </a:stretch>
+        </p:blipFill>
+        <p:spPr bwMode="auto">
+          <a:xfrm>
+            <a:off x="4140200" y="76200"/>
+            <a:ext cx="2279542" cy="679257"/>
+          </a:xfrm>
+          <a:prstGeom prst="rect">
+            <a:avLst/>
+          </a:prstGeom>
+          <a:noFill/>
+        </p:spPr>
+      </p:pic>
+      <p:sp>
+        <p:nvSpPr>
+          <p:cNvPr id="7" name="Rectangle 6"/>
+          <p:cNvSpPr/>
+          <p:nvPr/>
+        </p:nvSpPr>
+        <p:spPr>
+          <a:xfrm>
+            <a:off x="2235200" y="685800"/>
+            <a:ext cx="2392001" cy="923330"/>
+          </a:xfrm>
+          <a:prstGeom prst="rect">
+            <a:avLst/>
+          </a:prstGeom>
+        </p:spPr>
+        <p:txBody>
+          <a:bodyPr wrap="none">
+            <a:spAutoFit/>
+          </a:bodyPr>
+          <a:lstStyle/>
+          <a:p>
+            <a:pPr algn="ctr"/>
+            <a:r>
+              <a:rPr lang="en-US" sz="5400" b="1" kern="0" dirty="0" smtClean="0">
+                <a:solidFill>
+                  <a:srgbClr val="00CC66"/>
+                </a:solidFill>
+                <a:latin typeface="Lucida Handwriting" pitchFamily="66" charset="0"/>
+                <a:cs typeface="+mj-cs"/>
+                <a:sym typeface="Arial" charset="0"/>
+              </a:rPr>
+              <a:t>result</a:t>
+            </a:r>
+            <a:endParaRPr lang="en-US" dirty="0">
+              <a:solidFill>
+                <a:srgbClr val="00CC66"/>
+              </a:solidFill>
+            </a:endParaRPr>
+          </a:p>
+        </p:txBody>
+      </p:sp>
+      <p:pic>
+        <p:nvPicPr>
+          <p:cNvPr id="9" name="Picture 6" descr="magic, wizard icon"/>
+          <p:cNvPicPr>
+            <a:picLocks noChangeAspect="1" noChangeArrowheads="1"/>
+          </p:cNvPicPr>
+          <p:nvPr/>
+        </p:nvPicPr>
+        <p:blipFill>
+          <a:blip r:embed="rId4"/>
+          <a:srcRect/>
+          <a:stretch>
+            <a:fillRect/>
+          </a:stretch>
+        </p:blipFill>
+        <p:spPr bwMode="auto">
+          <a:xfrm>
+            <a:off x="635000" y="1143000"/>
+            <a:ext cx="1295400" cy="1295401"/>
+          </a:xfrm>
+          <a:prstGeom prst="rect">
+            <a:avLst/>
+          </a:prstGeom>
+          <a:noFill/>
+        </p:spPr>
+      </p:pic>
+      <p:sp>
+        <p:nvSpPr>
+          <p:cNvPr id="10" name="Rectangle 9"/>
+          <p:cNvSpPr/>
+          <p:nvPr/>
+        </p:nvSpPr>
+        <p:spPr>
+          <a:xfrm>
+            <a:off x="7416800" y="914400"/>
+            <a:ext cx="3562193" cy="1754326"/>
+          </a:xfrm>
+          <a:prstGeom prst="rect">
+            <a:avLst/>
+          </a:prstGeom>
+        </p:spPr>
+        <p:txBody>
+          <a:bodyPr wrap="none">
+            <a:spAutoFit/>
+          </a:bodyPr>
+          <a:lstStyle/>
+          <a:p>
+            <a:pPr algn="ctr"/>
+            <a:r>
+              <a:rPr lang="en-US" sz="5400" b="1" kern="0" dirty="0" smtClean="0">
+                <a:solidFill>
+                  <a:srgbClr val="00CC66"/>
+                </a:solidFill>
+                <a:latin typeface="Lucida Handwriting" pitchFamily="66" charset="0"/>
+                <a:cs typeface="+mj-cs"/>
+                <a:sym typeface="Arial" charset="0"/>
+              </a:rPr>
+              <a:t>Implicit </a:t>
+            </a:r>
+          </a:p>
+          <a:p>
+            <a:pPr algn="ctr"/>
+            <a:r>
+              <a:rPr lang="en-US" sz="5400" b="1" kern="0" dirty="0" err="1" smtClean="0">
+                <a:solidFill>
+                  <a:srgbClr val="00CC66"/>
+                </a:solidFill>
+                <a:latin typeface="Lucida Handwriting" pitchFamily="66" charset="0"/>
+                <a:cs typeface="+mj-cs"/>
+                <a:sym typeface="Arial" charset="0"/>
+              </a:rPr>
+              <a:t>params</a:t>
+            </a:r>
+            <a:endParaRPr lang="en-US" dirty="0">
+              <a:solidFill>
+                <a:srgbClr val="00CC66"/>
+              </a:solidFill>
+            </a:endParaRPr>
+          </a:p>
+        </p:txBody>
+      </p:sp>
+      <p:sp>
+        <p:nvSpPr>
+          <p:cNvPr id="12" name="Rectangle 11"/>
+          <p:cNvSpPr/>
+          <p:nvPr/>
+        </p:nvSpPr>
+        <p:spPr>
+          <a:xfrm>
+            <a:off x="2387600" y="1600200"/>
+            <a:ext cx="2260555" cy="923330"/>
+          </a:xfrm>
+          <a:prstGeom prst="rect">
+            <a:avLst/>
+          </a:prstGeom>
+        </p:spPr>
+        <p:txBody>
+          <a:bodyPr wrap="none">
+            <a:spAutoFit/>
+          </a:bodyPr>
+          <a:lstStyle/>
+          <a:p>
+            <a:pPr algn="ctr"/>
+            <a:r>
+              <a:rPr lang="en-US" sz="5400" b="1" kern="0" dirty="0" smtClean="0">
+                <a:solidFill>
+                  <a:srgbClr val="00CC66"/>
+                </a:solidFill>
+                <a:latin typeface="Lucida Handwriting" pitchFamily="66" charset="0"/>
+                <a:cs typeface="+mj-cs"/>
+                <a:sym typeface="Arial" charset="0"/>
+              </a:rPr>
+              <a:t>apply</a:t>
+            </a:r>
+            <a:endParaRPr lang="en-US" dirty="0">
+              <a:solidFill>
+                <a:srgbClr val="00CC66"/>
+              </a:solidFill>
+            </a:endParaRPr>
+          </a:p>
+        </p:txBody>
+      </p:sp>
+    </p:spTree>
+  </p:cSld>
+  <p:clrMapOvr>
+    <a:masterClrMapping/>
+  </p:clrMapOvr>
+  <p:transition>
+    <p:fade/>
+  </p:transition>
+  <p:timing>
+    <p:tnLst>
+      <p:par>
+        <p:cTn id="1" dur="indefinite" restart="never" nodeType="tmRoot">
+          <p:childTnLst>
+            <p:seq concurrent="1" nextAc="seek">
+              <p:cTn id="2" dur="indefinite" nodeType="mainSeq">
+                <p:childTnLst>
+                  <p:par>
+                    <p:cTn id="3" fill="hold">
+                      <p:stCondLst>
+                        <p:cond delay="indefinite"/>
+                        <p:cond evt="onBegin" delay="0">
+                          <p:tn val="2"/>
+                        </p:cond>
+                      </p:stCondLst>
+                      <p:childTnLst>
+                        <p:par>
+                          <p:cTn id="4" fill="hold">
+                            <p:stCondLst>
+                              <p:cond delay="0"/>
+                            </p:stCondLst>
+                            <p:childTnLst>
+                              <p:par>
+                                <p:cTn id="5" presetID="1" presetClass="entr" presetSubtype="0" fill="hold" nodeType="withEffect">
+                                  <p:stCondLst>
+                                    <p:cond delay="0"/>
+                                  </p:stCondLst>
+                                  <p:childTnLst>
+                                    <p:set>
+                                      <p:cBhvr>
+                                        <p:cTn id="6" dur="1" fill="hold">
+                                          <p:stCondLst>
+                                            <p:cond delay="0"/>
+                                          </p:stCondLst>
+                                        </p:cTn>
+                                        <p:tgtEl>
+                                          <p:spTgt spid="8"/>
+                                        </p:tgtEl>
+                                        <p:attrNameLst>
+                                          <p:attrName>style.visibility</p:attrName>
+                                        </p:attrNameLst>
+                                      </p:cBhvr>
+                                      <p:to>
+                                        <p:strVal val="visible"/>
+                                      </p:to>
+                                    </p:set>
+                                  </p:childTnLst>
+                                </p:cTn>
+                              </p:par>
+                            </p:childTnLst>
+                          </p:cTn>
+                        </p:par>
+                      </p:childTnLst>
+                    </p:cTn>
+                  </p:par>
+                </p:childTnLst>
+              </p:cTn>
+              <p:prevCondLst>
+                <p:cond evt="onPrev" delay="0">
+                  <p:tgtEl>
+                    <p:sldTgt/>
+                  </p:tgtEl>
+                </p:cond>
+              </p:prevCondLst>
+              <p:nextCondLst>
+                <p:cond evt="onNext" delay="0">
+                  <p:tgtEl>
+                    <p:sldTgt/>
+                  </p:tgtEl>
+                </p:cond>
+              </p:nextCondLst>
+            </p:seq>
+          </p:childTnLst>
+        </p:cTn>
       </p:par>
     </p:tnLst>
   </p:timing>

--- a/src/main/resources/oscon_2010_specs.pptx
+++ b/src/main/resources/oscon_2010_specs.pptx
@@ -6,7 +6,7 @@
     <p:sldMasterId id="2147483651" r:id="rId2"/>
   </p:sldMasterIdLst>
   <p:notesMasterIdLst>
-    <p:notesMasterId r:id="rId47"/>
+    <p:notesMasterId r:id="rId49"/>
   </p:notesMasterIdLst>
   <p:sldIdLst>
     <p:sldId id="258" r:id="rId3"/>
@@ -42,17 +42,19 @@
     <p:sldId id="289" r:id="rId33"/>
     <p:sldId id="290" r:id="rId34"/>
     <p:sldId id="287" r:id="rId35"/>
-    <p:sldId id="295" r:id="rId36"/>
-    <p:sldId id="296" r:id="rId37"/>
-    <p:sldId id="291" r:id="rId38"/>
-    <p:sldId id="292" r:id="rId39"/>
-    <p:sldId id="293" r:id="rId40"/>
-    <p:sldId id="297" r:id="rId41"/>
-    <p:sldId id="301" r:id="rId42"/>
-    <p:sldId id="302" r:id="rId43"/>
-    <p:sldId id="298" r:id="rId44"/>
-    <p:sldId id="300" r:id="rId45"/>
-    <p:sldId id="299" r:id="rId46"/>
+    <p:sldId id="303" r:id="rId36"/>
+    <p:sldId id="304" r:id="rId37"/>
+    <p:sldId id="305" r:id="rId38"/>
+    <p:sldId id="295" r:id="rId39"/>
+    <p:sldId id="296" r:id="rId40"/>
+    <p:sldId id="291" r:id="rId41"/>
+    <p:sldId id="292" r:id="rId42"/>
+    <p:sldId id="293" r:id="rId43"/>
+    <p:sldId id="297" r:id="rId44"/>
+    <p:sldId id="301" r:id="rId45"/>
+    <p:sldId id="302" r:id="rId46"/>
+    <p:sldId id="298" r:id="rId47"/>
+    <p:sldId id="299" r:id="rId48"/>
   </p:sldIdLst>
   <p:sldSz cx="13004800" cy="9753600"/>
   <p:notesSz cx="6858000" cy="9144000"/>
@@ -3854,6 +3856,174 @@
               <a:rPr lang="en-US"/>
               <a:pPr/>
               <a:t>44</a:t>
+            </a:fld>
+            <a:endParaRPr lang="en-US"/>
+          </a:p>
+        </p:txBody>
+      </p:sp>
+      <p:sp>
+        <p:nvSpPr>
+          <p:cNvPr id="19458" name="Rectangle 2"/>
+          <p:cNvSpPr>
+            <a:spLocks noGrp="1" noRot="1" noChangeAspect="1" noChangeArrowheads="1" noTextEdit="1"/>
+          </p:cNvSpPr>
+          <p:nvPr>
+            <p:ph type="sldImg"/>
+          </p:nvPr>
+        </p:nvSpPr>
+        <p:spPr>
+          <a:ln/>
+        </p:spPr>
+      </p:sp>
+      <p:sp>
+        <p:nvSpPr>
+          <p:cNvPr id="19459" name="Rectangle 3"/>
+          <p:cNvSpPr>
+            <a:spLocks noGrp="1"/>
+          </p:cNvSpPr>
+          <p:nvPr>
+            <p:ph type="body" idx="1"/>
+          </p:nvPr>
+        </p:nvSpPr>
+        <p:spPr/>
+        <p:txBody>
+          <a:bodyPr/>
+          <a:lstStyle/>
+          <a:p>
+            <a:endParaRPr lang="en-US"/>
+          </a:p>
+        </p:txBody>
+      </p:sp>
+    </p:spTree>
+  </p:cSld>
+  <p:clrMapOvr>
+    <a:masterClrMapping/>
+  </p:clrMapOvr>
+</p:notes>
+</file>
+
+<file path=ppt/notesSlides/notesSlide45.xml><?xml version="1.0" encoding="utf-8"?>
+<p:notes xmlns:a="http://schemas.openxmlformats.org/drawingml/2006/main" xmlns:r="http://schemas.openxmlformats.org/officeDocument/2006/relationships" xmlns:p="http://schemas.openxmlformats.org/presentationml/2006/main">
+  <p:cSld>
+    <p:spTree>
+      <p:nvGrpSpPr>
+        <p:cNvPr id="1" name=""/>
+        <p:cNvGrpSpPr/>
+        <p:nvPr/>
+      </p:nvGrpSpPr>
+      <p:grpSpPr>
+        <a:xfrm>
+          <a:off x="0" y="0"/>
+          <a:ext cx="0" cy="0"/>
+          <a:chOff x="0" y="0"/>
+          <a:chExt cx="0" cy="0"/>
+        </a:xfrm>
+      </p:grpSpPr>
+      <p:sp>
+        <p:nvSpPr>
+          <p:cNvPr id="7" name="Rectangle 7"/>
+          <p:cNvSpPr>
+            <a:spLocks noGrp="1"/>
+          </p:cNvSpPr>
+          <p:nvPr>
+            <p:ph type="sldNum" sz="quarter" idx="5"/>
+          </p:nvPr>
+        </p:nvSpPr>
+        <p:spPr>
+          <a:ln/>
+        </p:spPr>
+        <p:txBody>
+          <a:bodyPr/>
+          <a:lstStyle/>
+          <a:p>
+            <a:fld id="{27AEA7DA-096A-4FB7-B4B3-D12717EF4BDD}" type="slidenum">
+              <a:rPr lang="en-US"/>
+              <a:pPr/>
+              <a:t>45</a:t>
+            </a:fld>
+            <a:endParaRPr lang="en-US"/>
+          </a:p>
+        </p:txBody>
+      </p:sp>
+      <p:sp>
+        <p:nvSpPr>
+          <p:cNvPr id="19458" name="Rectangle 2"/>
+          <p:cNvSpPr>
+            <a:spLocks noGrp="1" noRot="1" noChangeAspect="1" noChangeArrowheads="1" noTextEdit="1"/>
+          </p:cNvSpPr>
+          <p:nvPr>
+            <p:ph type="sldImg"/>
+          </p:nvPr>
+        </p:nvSpPr>
+        <p:spPr>
+          <a:ln/>
+        </p:spPr>
+      </p:sp>
+      <p:sp>
+        <p:nvSpPr>
+          <p:cNvPr id="19459" name="Rectangle 3"/>
+          <p:cNvSpPr>
+            <a:spLocks noGrp="1"/>
+          </p:cNvSpPr>
+          <p:nvPr>
+            <p:ph type="body" idx="1"/>
+          </p:nvPr>
+        </p:nvSpPr>
+        <p:spPr/>
+        <p:txBody>
+          <a:bodyPr/>
+          <a:lstStyle/>
+          <a:p>
+            <a:endParaRPr lang="en-US"/>
+          </a:p>
+        </p:txBody>
+      </p:sp>
+    </p:spTree>
+  </p:cSld>
+  <p:clrMapOvr>
+    <a:masterClrMapping/>
+  </p:clrMapOvr>
+</p:notes>
+</file>
+
+<file path=ppt/notesSlides/notesSlide46.xml><?xml version="1.0" encoding="utf-8"?>
+<p:notes xmlns:a="http://schemas.openxmlformats.org/drawingml/2006/main" xmlns:r="http://schemas.openxmlformats.org/officeDocument/2006/relationships" xmlns:p="http://schemas.openxmlformats.org/presentationml/2006/main">
+  <p:cSld>
+    <p:spTree>
+      <p:nvGrpSpPr>
+        <p:cNvPr id="1" name=""/>
+        <p:cNvGrpSpPr/>
+        <p:nvPr/>
+      </p:nvGrpSpPr>
+      <p:grpSpPr>
+        <a:xfrm>
+          <a:off x="0" y="0"/>
+          <a:ext cx="0" cy="0"/>
+          <a:chOff x="0" y="0"/>
+          <a:chExt cx="0" cy="0"/>
+        </a:xfrm>
+      </p:grpSpPr>
+      <p:sp>
+        <p:nvSpPr>
+          <p:cNvPr id="7" name="Rectangle 7"/>
+          <p:cNvSpPr>
+            <a:spLocks noGrp="1"/>
+          </p:cNvSpPr>
+          <p:nvPr>
+            <p:ph type="sldNum" sz="quarter" idx="5"/>
+          </p:nvPr>
+        </p:nvSpPr>
+        <p:spPr>
+          <a:ln/>
+        </p:spPr>
+        <p:txBody>
+          <a:bodyPr/>
+          <a:lstStyle/>
+          <a:p>
+            <a:fld id="{27AEA7DA-096A-4FB7-B4B3-D12717EF4BDD}" type="slidenum">
+              <a:rPr lang="en-US"/>
+              <a:pPr/>
+              <a:t>46</a:t>
             </a:fld>
             <a:endParaRPr lang="en-US"/>
           </a:p>
@@ -8850,7 +9020,11 @@
           <a:p>
             <a:r>
               <a:rPr lang="en-US" dirty="0" smtClean="0"/>
-              <a:t>Specs</a:t>
+              <a:t>specs and </a:t>
+            </a:r>
+            <a:r>
+              <a:rPr lang="en-US" dirty="0" err="1" smtClean="0"/>
+              <a:t>Scala</a:t>
             </a:r>
             <a:endParaRPr lang="en-US" dirty="0"/>
           </a:p>
@@ -8877,7 +9051,13 @@
               <a:rPr lang="en-US" sz="6000" b="1" dirty="0" smtClean="0">
                 <a:cs typeface="+mj-cs"/>
               </a:rPr>
-              <a:t>Tips and tricks for a successful DSL</a:t>
+              <a:t>Tips and tricks for a </a:t>
+            </a:r>
+            <a:r>
+              <a:rPr lang="en-US" sz="6000" b="1" dirty="0" smtClean="0">
+                <a:cs typeface="+mj-cs"/>
+              </a:rPr>
+              <a:t>friendly DSL syntax</a:t>
             </a:r>
             <a:endParaRPr lang="en-US" dirty="0"/>
           </a:p>
@@ -20419,6 +20599,42 @@
           </a:p>
         </p:txBody>
       </p:sp>
+      <p:sp>
+        <p:nvSpPr>
+          <p:cNvPr id="7" name="Rectangle 6"/>
+          <p:cNvSpPr/>
+          <p:nvPr/>
+        </p:nvSpPr>
+        <p:spPr>
+          <a:xfrm>
+            <a:off x="4736091" y="1371600"/>
+            <a:ext cx="5652509" cy="923330"/>
+          </a:xfrm>
+          <a:prstGeom prst="rect">
+            <a:avLst/>
+          </a:prstGeom>
+        </p:spPr>
+        <p:txBody>
+          <a:bodyPr wrap="none">
+            <a:spAutoFit/>
+          </a:bodyPr>
+          <a:lstStyle/>
+          <a:p>
+            <a:pPr algn="ctr"/>
+            <a:r>
+              <a:rPr lang="en-US" sz="5400" b="1" kern="0" dirty="0" smtClean="0">
+                <a:solidFill>
+                  <a:srgbClr val="00CC66"/>
+                </a:solidFill>
+                <a:latin typeface="Lucida Handwriting" pitchFamily="66" charset="0"/>
+                <a:cs typeface="+mj-cs"/>
+                <a:sym typeface="Arial" charset="0"/>
+              </a:rPr>
+              <a:t>I want a pony</a:t>
+            </a:r>
+          </a:p>
+        </p:txBody>
+      </p:sp>
       <p:pic>
         <p:nvPicPr>
           <p:cNvPr id="8" name="Picture 10" descr="http://knowledgehub.zeus.com/media/Scala_Logo2008.png"/>
@@ -20453,12 +20669,15 @@
         </p:nvSpPr>
         <p:spPr>
           <a:xfrm>
-            <a:off x="330200" y="2971800"/>
-            <a:ext cx="12344400" cy="4401205"/>
+            <a:off x="330200" y="2590800"/>
+            <a:ext cx="12344400" cy="2554545"/>
           </a:xfrm>
           <a:prstGeom prst="rect">
             <a:avLst/>
           </a:prstGeom>
+          <a:solidFill>
+            <a:schemeClr val="bg1"/>
+          </a:solidFill>
           <a:ln>
             <a:solidFill>
               <a:schemeClr val="tx1"/>
@@ -20473,285 +20692,139 @@
           <a:lstStyle/>
           <a:p>
             <a:r>
-              <a:rPr lang="en-US" sz="2800" b="1" dirty="0" smtClean="0">
-                <a:solidFill>
-                  <a:srgbClr val="7F0055"/>
-                </a:solidFill>
-                <a:latin typeface="Courier New"/>
-              </a:rPr>
-              <a:t>class</a:t>
-            </a:r>
-            <a:r>
-              <a:rPr lang="en-US" sz="2800" b="1" dirty="0" smtClean="0">
-                <a:latin typeface="Courier New"/>
-              </a:rPr>
-              <a:t> Spec </a:t>
-            </a:r>
-            <a:r>
-              <a:rPr lang="en-US" sz="2800" b="1" dirty="0" smtClean="0">
-                <a:solidFill>
-                  <a:srgbClr val="7F0055"/>
-                </a:solidFill>
-                <a:latin typeface="Courier New"/>
-              </a:rPr>
-              <a:t>extends</a:t>
-            </a:r>
-            <a:r>
-              <a:rPr lang="en-US" sz="2800" b="1" dirty="0" smtClean="0">
-                <a:latin typeface="Courier New"/>
-              </a:rPr>
-              <a:t> Tagged {</a:t>
-            </a:r>
-          </a:p>
-          <a:p>
-            <a:r>
-              <a:rPr lang="en-US" sz="2800" b="1" dirty="0" smtClean="0">
-                <a:solidFill>
-                  <a:srgbClr val="7F0055"/>
-                </a:solidFill>
-                <a:latin typeface="Courier New"/>
-              </a:rPr>
-              <a:t>  def</a:t>
-            </a:r>
-            <a:r>
-              <a:rPr lang="en-US" sz="2800" b="1" dirty="0" smtClean="0">
-                <a:latin typeface="Courier New"/>
-              </a:rPr>
-              <a:t> include(other: Spec*): Spec = </a:t>
-            </a:r>
-            <a:r>
-              <a:rPr lang="en-US" sz="2800" b="1" dirty="0" smtClean="0">
-                <a:solidFill>
-                  <a:srgbClr val="7F0055"/>
-                </a:solidFill>
-                <a:latin typeface="Courier New"/>
-              </a:rPr>
-              <a:t>this</a:t>
-            </a:r>
-          </a:p>
-          <a:p>
-            <a:r>
-              <a:rPr lang="en-US" sz="2800" dirty="0" smtClean="0">
-                <a:latin typeface="Courier New"/>
-              </a:rPr>
-              <a:t>}</a:t>
-            </a:r>
-          </a:p>
-          <a:p>
-            <a:endParaRPr lang="en-US" sz="2800" b="1" dirty="0" smtClean="0">
+              <a:rPr lang="en-US" sz="3200" dirty="0" smtClean="0">
+                <a:solidFill>
+                  <a:srgbClr val="3F5FBF"/>
+                </a:solidFill>
+                <a:latin typeface="Courier New"/>
+              </a:rPr>
+              <a:t>/**</a:t>
+            </a:r>
+          </a:p>
+          <a:p>
+            <a:r>
+              <a:rPr lang="en-US" sz="3200" dirty="0" smtClean="0">
+                <a:solidFill>
+                  <a:srgbClr val="3F5FBF"/>
+                </a:solidFill>
+                <a:latin typeface="Courier New"/>
+              </a:rPr>
+              <a:t> </a:t>
+            </a:r>
+            <a:r>
+              <a:rPr lang="en-US" sz="3200" dirty="0" smtClean="0">
+                <a:solidFill>
+                  <a:srgbClr val="3F5FBF"/>
+                </a:solidFill>
+                <a:latin typeface="Courier New"/>
+              </a:rPr>
+              <a:t>*  </a:t>
+            </a:r>
+            <a:r>
+              <a:rPr lang="en-US" sz="3200" dirty="0" smtClean="0">
+                <a:solidFill>
+                  <a:srgbClr val="3F5FBF"/>
+                </a:solidFill>
+                <a:latin typeface="Courier New"/>
+              </a:rPr>
+              <a:t>how to write:</a:t>
+            </a:r>
+          </a:p>
+          <a:p>
+            <a:r>
+              <a:rPr lang="en-US" sz="3200" dirty="0" smtClean="0">
+                <a:solidFill>
+                  <a:srgbClr val="3F5FBF"/>
+                </a:solidFill>
+                <a:latin typeface="Courier New"/>
+              </a:rPr>
+              <a:t> </a:t>
+            </a:r>
+            <a:r>
+              <a:rPr lang="en-US" sz="3200" dirty="0" smtClean="0">
+                <a:solidFill>
+                  <a:srgbClr val="3F5FBF"/>
+                </a:solidFill>
+                <a:latin typeface="Courier New"/>
+              </a:rPr>
+              <a:t>*  </a:t>
+            </a:r>
+            <a:r>
+              <a:rPr lang="en-US" sz="3200" dirty="0" smtClean="0">
+                <a:solidFill>
+                  <a:srgbClr val="3F5FBF"/>
+                </a:solidFill>
+                <a:latin typeface="Courier New"/>
+              </a:rPr>
+              <a:t>I want a pony</a:t>
+            </a:r>
+          </a:p>
+          <a:p>
+            <a:r>
+              <a:rPr lang="en-US" sz="3200" dirty="0" smtClean="0">
+                <a:solidFill>
+                  <a:srgbClr val="3F5FBF"/>
+                </a:solidFill>
+                <a:latin typeface="Courier New"/>
+              </a:rPr>
+              <a:t> </a:t>
+            </a:r>
+            <a:r>
+              <a:rPr lang="en-US" sz="3200" dirty="0" smtClean="0">
+                <a:solidFill>
+                  <a:srgbClr val="3F5FBF"/>
+                </a:solidFill>
+                <a:latin typeface="Courier New"/>
+              </a:rPr>
+              <a:t>*  </a:t>
+            </a:r>
+            <a:r>
+              <a:rPr lang="en-US" sz="3200" dirty="0" smtClean="0">
+                <a:solidFill>
+                  <a:srgbClr val="3F5FBF"/>
+                </a:solidFill>
+                <a:latin typeface="Courier New"/>
+              </a:rPr>
+              <a:t>??</a:t>
+            </a:r>
+          </a:p>
+          <a:p>
+            <a:r>
+              <a:rPr lang="en-US" sz="3200" dirty="0" smtClean="0">
+                <a:solidFill>
+                  <a:srgbClr val="3F5FBF"/>
+                </a:solidFill>
+                <a:latin typeface="Courier New"/>
+              </a:rPr>
+              <a:t> </a:t>
+            </a:r>
+            <a:r>
+              <a:rPr lang="en-US" sz="3200" dirty="0" smtClean="0">
+                <a:solidFill>
+                  <a:srgbClr val="3F5FBF"/>
+                </a:solidFill>
+                <a:latin typeface="Courier New"/>
+              </a:rPr>
+              <a:t>*/</a:t>
+            </a:r>
+            <a:r>
+              <a:rPr lang="en-US" sz="3200" dirty="0" smtClean="0">
+                <a:latin typeface="Courier New"/>
+              </a:rPr>
+              <a:t>  </a:t>
+            </a:r>
+            <a:endParaRPr lang="en-US" sz="3200" b="1" dirty="0" smtClean="0">
               <a:solidFill>
                 <a:srgbClr val="7F0055"/>
               </a:solidFill>
               <a:latin typeface="Courier New"/>
             </a:endParaRPr>
           </a:p>
-          <a:p>
-            <a:r>
-              <a:rPr lang="en-US" sz="2800" b="1" dirty="0" err="1" smtClean="0">
-                <a:solidFill>
-                  <a:srgbClr val="7F0055"/>
-                </a:solidFill>
-                <a:latin typeface="Courier New"/>
-              </a:rPr>
-              <a:t>val</a:t>
-            </a:r>
-            <a:r>
-              <a:rPr lang="en-US" sz="2800" b="1" dirty="0" smtClean="0">
-                <a:latin typeface="Courier New"/>
-              </a:rPr>
-              <a:t> </a:t>
-            </a:r>
-            <a:r>
-              <a:rPr lang="en-US" sz="2800" b="1" dirty="0" smtClean="0">
-                <a:latin typeface="Courier New"/>
-              </a:rPr>
-              <a:t>(slow, fast) = (</a:t>
-            </a:r>
-            <a:r>
-              <a:rPr lang="en-US" sz="2800" b="1" dirty="0" smtClean="0">
-                <a:solidFill>
-                  <a:srgbClr val="7F0055"/>
-                </a:solidFill>
-                <a:latin typeface="Courier New"/>
-              </a:rPr>
-              <a:t>new</a:t>
-            </a:r>
-            <a:r>
-              <a:rPr lang="en-US" sz="2800" b="1" dirty="0" smtClean="0">
-                <a:latin typeface="Courier New"/>
-              </a:rPr>
-              <a:t> Spec, </a:t>
-            </a:r>
-            <a:r>
-              <a:rPr lang="en-US" sz="2800" b="1" dirty="0" smtClean="0">
-                <a:solidFill>
-                  <a:srgbClr val="7F0055"/>
-                </a:solidFill>
-                <a:latin typeface="Courier New"/>
-              </a:rPr>
-              <a:t>new</a:t>
-            </a:r>
-            <a:r>
-              <a:rPr lang="en-US" sz="2800" b="1" dirty="0" smtClean="0">
-                <a:latin typeface="Courier New"/>
-              </a:rPr>
-              <a:t> Spec)</a:t>
-            </a:r>
-          </a:p>
-          <a:p>
-            <a:r>
-              <a:rPr lang="en-US" sz="2800" b="1" dirty="0" smtClean="0">
-                <a:solidFill>
-                  <a:srgbClr val="7F0055"/>
-                </a:solidFill>
-                <a:latin typeface="Courier New"/>
-              </a:rPr>
-              <a:t>class</a:t>
-            </a:r>
-            <a:r>
-              <a:rPr lang="en-US" sz="2800" b="1" dirty="0" smtClean="0">
-                <a:latin typeface="Courier New"/>
-              </a:rPr>
-              <a:t> </a:t>
-            </a:r>
-            <a:r>
-              <a:rPr lang="en-US" sz="2800" b="1" dirty="0" err="1" smtClean="0">
-                <a:latin typeface="Courier New"/>
-              </a:rPr>
-              <a:t>BigSpec</a:t>
-            </a:r>
-            <a:r>
-              <a:rPr lang="en-US" sz="2800" b="1" dirty="0" smtClean="0">
-                <a:latin typeface="Courier New"/>
-              </a:rPr>
-              <a:t> </a:t>
-            </a:r>
-            <a:r>
-              <a:rPr lang="en-US" sz="2800" b="1" dirty="0" smtClean="0">
-                <a:solidFill>
-                  <a:srgbClr val="7F0055"/>
-                </a:solidFill>
-                <a:latin typeface="Courier New"/>
-              </a:rPr>
-              <a:t>extends</a:t>
-            </a:r>
-            <a:r>
-              <a:rPr lang="en-US" sz="2800" b="1" dirty="0" smtClean="0">
-                <a:latin typeface="Courier New"/>
-              </a:rPr>
-              <a:t> Spec </a:t>
-            </a:r>
-            <a:r>
-              <a:rPr lang="en-US" sz="2800" b="1" dirty="0" smtClean="0">
-                <a:latin typeface="Courier New"/>
-              </a:rPr>
-              <a:t>{</a:t>
-            </a:r>
-          </a:p>
-          <a:p>
-            <a:r>
-              <a:rPr lang="en-US" sz="2800" b="1" dirty="0" smtClean="0">
-                <a:latin typeface="Courier New"/>
-              </a:rPr>
-              <a:t>  </a:t>
-            </a:r>
-            <a:r>
-              <a:rPr lang="en-US" sz="2800" dirty="0" smtClean="0">
-                <a:solidFill>
-                  <a:srgbClr val="3F7F5F"/>
-                </a:solidFill>
-                <a:latin typeface="Courier New"/>
-              </a:rPr>
-              <a:t>// </a:t>
-            </a:r>
-            <a:r>
-              <a:rPr lang="en-US" sz="2800" dirty="0" smtClean="0">
-                <a:solidFill>
-                  <a:srgbClr val="3F7F5F"/>
-                </a:solidFill>
-                <a:latin typeface="Courier New"/>
-              </a:rPr>
-              <a:t>I want to “tag” the slow spec as slow</a:t>
-            </a:r>
-            <a:endParaRPr lang="en-US" sz="2800" b="1" dirty="0" smtClean="0">
-              <a:latin typeface="Courier New"/>
-            </a:endParaRPr>
-          </a:p>
-          <a:p>
-            <a:r>
-              <a:rPr lang="en-US" sz="2800" dirty="0" smtClean="0">
-                <a:latin typeface="Courier New"/>
-              </a:rPr>
-              <a:t>  include(slow, </a:t>
-            </a:r>
-            <a:r>
-              <a:rPr lang="en-US" sz="2800" dirty="0" smtClean="0">
-                <a:latin typeface="Courier New"/>
-              </a:rPr>
-              <a:t>fast)  </a:t>
-            </a:r>
-          </a:p>
-          <a:p>
-            <a:r>
-              <a:rPr lang="en-US" sz="2800" dirty="0" smtClean="0">
-                <a:latin typeface="Courier New"/>
-              </a:rPr>
-              <a:t>}</a:t>
-            </a:r>
-            <a:endParaRPr lang="en-US" sz="2800" b="1" dirty="0" smtClean="0">
-              <a:solidFill>
-                <a:srgbClr val="7F0055"/>
-              </a:solidFill>
-              <a:latin typeface="Courier New"/>
-            </a:endParaRPr>
-          </a:p>
-          <a:p>
-            <a:endParaRPr lang="en-US" sz="2800" dirty="0" smtClean="0">
-              <a:latin typeface="Courier New"/>
-            </a:endParaRPr>
-          </a:p>
-        </p:txBody>
-      </p:sp>
-      <p:sp>
-        <p:nvSpPr>
-          <p:cNvPr id="10" name="Rectangle 9"/>
-          <p:cNvSpPr/>
-          <p:nvPr/>
-        </p:nvSpPr>
-        <p:spPr>
-          <a:xfrm>
-            <a:off x="5032758" y="1447800"/>
-            <a:ext cx="3374642" cy="923330"/>
-          </a:xfrm>
-          <a:prstGeom prst="rect">
-            <a:avLst/>
-          </a:prstGeom>
-        </p:spPr>
-        <p:txBody>
-          <a:bodyPr wrap="none">
-            <a:spAutoFit/>
-          </a:bodyPr>
-          <a:lstStyle/>
-          <a:p>
-            <a:pPr algn="ctr"/>
-            <a:r>
-              <a:rPr lang="en-US" sz="5400" b="1" kern="0" dirty="0" err="1" smtClean="0">
-                <a:solidFill>
-                  <a:srgbClr val="0C0F20"/>
-                </a:solidFill>
-                <a:latin typeface="Lucida Handwriting" pitchFamily="66" charset="0"/>
-                <a:cs typeface="+mj-cs"/>
-                <a:sym typeface="Arial" charset="0"/>
-              </a:rPr>
-              <a:t>this.type</a:t>
-            </a:r>
-            <a:endParaRPr lang="en-US" dirty="0"/>
-          </a:p>
         </p:txBody>
       </p:sp>
       <p:pic>
         <p:nvPicPr>
-          <p:cNvPr id="12" name="Picture 2" descr="toolbox icon"/>
+          <p:cNvPr id="70662" name="Picture 6" descr="magic, wizard icon"/>
           <p:cNvPicPr>
             <a:picLocks noChangeAspect="1" noChangeArrowheads="1"/>
           </p:cNvPicPr>
@@ -20766,8 +20839,8 @@
         </p:blipFill>
         <p:spPr bwMode="auto">
           <a:xfrm>
-            <a:off x="558800" y="1066800"/>
-            <a:ext cx="1676400" cy="1676401"/>
+            <a:off x="635000" y="1143000"/>
+            <a:ext cx="1295400" cy="1295401"/>
           </a:xfrm>
           <a:prstGeom prst="rect">
             <a:avLst/>
@@ -20775,6 +20848,253 @@
           <a:noFill/>
         </p:spPr>
       </p:pic>
+      <p:sp>
+        <p:nvSpPr>
+          <p:cNvPr id="10" name="Rectangle 9"/>
+          <p:cNvSpPr/>
+          <p:nvPr/>
+        </p:nvSpPr>
+        <p:spPr>
+          <a:xfrm>
+            <a:off x="330200" y="5334000"/>
+            <a:ext cx="12344400" cy="3046988"/>
+          </a:xfrm>
+          <a:prstGeom prst="rect">
+            <a:avLst/>
+          </a:prstGeom>
+          <a:solidFill>
+            <a:schemeClr val="bg1"/>
+          </a:solidFill>
+          <a:ln>
+            <a:solidFill>
+              <a:schemeClr val="tx1"/>
+            </a:solidFill>
+            <a:prstDash val="dash"/>
+          </a:ln>
+        </p:spPr>
+        <p:txBody>
+          <a:bodyPr wrap="square">
+            <a:spAutoFit/>
+          </a:bodyPr>
+          <a:lstStyle/>
+          <a:p>
+            <a:r>
+              <a:rPr lang="en-US" sz="3200" dirty="0" smtClean="0">
+                <a:solidFill>
+                  <a:srgbClr val="3F5FBF"/>
+                </a:solidFill>
+                <a:latin typeface="Courier New"/>
+              </a:rPr>
+              <a:t>/**</a:t>
+            </a:r>
+          </a:p>
+          <a:p>
+            <a:r>
+              <a:rPr lang="en-US" sz="3200" dirty="0" smtClean="0">
+                <a:solidFill>
+                  <a:srgbClr val="3F5FBF"/>
+                </a:solidFill>
+                <a:latin typeface="Courier New"/>
+              </a:rPr>
+              <a:t> </a:t>
+            </a:r>
+            <a:r>
+              <a:rPr lang="en-US" sz="3200" dirty="0" smtClean="0">
+                <a:solidFill>
+                  <a:srgbClr val="3F5FBF"/>
+                </a:solidFill>
+                <a:latin typeface="Courier New"/>
+              </a:rPr>
+              <a:t>*  </a:t>
+            </a:r>
+            <a:r>
+              <a:rPr lang="en-US" sz="3200" dirty="0" smtClean="0">
+                <a:solidFill>
+                  <a:srgbClr val="3F5FBF"/>
+                </a:solidFill>
+                <a:latin typeface="Courier New"/>
+              </a:rPr>
+              <a:t>2 solutions:</a:t>
+            </a:r>
+          </a:p>
+          <a:p>
+            <a:r>
+              <a:rPr lang="en-US" sz="3200" dirty="0" smtClean="0">
+                <a:solidFill>
+                  <a:srgbClr val="3F5FBF"/>
+                </a:solidFill>
+                <a:latin typeface="Courier New"/>
+              </a:rPr>
+              <a:t> </a:t>
+            </a:r>
+            <a:r>
+              <a:rPr lang="en-US" sz="3200" dirty="0" smtClean="0">
+                <a:solidFill>
+                  <a:srgbClr val="3F5FBF"/>
+                </a:solidFill>
+                <a:latin typeface="Courier New"/>
+              </a:rPr>
+              <a:t>*  </a:t>
+            </a:r>
+            <a:endParaRPr lang="en-US" sz="3200" dirty="0" smtClean="0">
+              <a:solidFill>
+                <a:srgbClr val="3F5FBF"/>
+              </a:solidFill>
+              <a:latin typeface="Courier New"/>
+            </a:endParaRPr>
+          </a:p>
+          <a:p>
+            <a:r>
+              <a:rPr lang="en-US" sz="3200" dirty="0" smtClean="0">
+                <a:solidFill>
+                  <a:srgbClr val="3F5FBF"/>
+                </a:solidFill>
+                <a:latin typeface="Courier New"/>
+              </a:rPr>
+              <a:t> </a:t>
+            </a:r>
+            <a:r>
+              <a:rPr lang="en-US" sz="3200" dirty="0" smtClean="0">
+                <a:solidFill>
+                  <a:srgbClr val="3F5FBF"/>
+                </a:solidFill>
+                <a:latin typeface="Courier New"/>
+              </a:rPr>
+              <a:t>*  </a:t>
+            </a:r>
+            <a:r>
+              <a:rPr lang="en-US" sz="3200" dirty="0" err="1" smtClean="0">
+                <a:solidFill>
+                  <a:srgbClr val="3F5FBF"/>
+                </a:solidFill>
+                <a:latin typeface="Courier New"/>
+              </a:rPr>
+              <a:t>I.want</a:t>
+            </a:r>
+            <a:r>
+              <a:rPr lang="en-US" sz="3200" dirty="0" smtClean="0">
+                <a:solidFill>
+                  <a:srgbClr val="3F5FBF"/>
+                </a:solidFill>
+                <a:latin typeface="Courier New"/>
+              </a:rPr>
+              <a:t>(</a:t>
+            </a:r>
+            <a:r>
+              <a:rPr lang="en-US" sz="3200" dirty="0" err="1" smtClean="0">
+                <a:solidFill>
+                  <a:srgbClr val="3F5FBF"/>
+                </a:solidFill>
+                <a:latin typeface="Courier New"/>
+              </a:rPr>
+              <a:t>a.pony</a:t>
+            </a:r>
+            <a:r>
+              <a:rPr lang="en-US" sz="3200" dirty="0" smtClean="0">
+                <a:solidFill>
+                  <a:srgbClr val="3F5FBF"/>
+                </a:solidFill>
+                <a:latin typeface="Courier New"/>
+              </a:rPr>
+              <a:t>) =&gt; </a:t>
+            </a:r>
+            <a:r>
+              <a:rPr lang="en-US" sz="3200" dirty="0" err="1" smtClean="0">
+                <a:solidFill>
+                  <a:srgbClr val="3F5FBF"/>
+                </a:solidFill>
+                <a:latin typeface="Courier New"/>
+              </a:rPr>
+              <a:t>ScalaTest</a:t>
+            </a:r>
+            <a:endParaRPr lang="en-US" sz="3200" dirty="0" smtClean="0">
+              <a:solidFill>
+                <a:srgbClr val="3F5FBF"/>
+              </a:solidFill>
+              <a:latin typeface="Courier New"/>
+            </a:endParaRPr>
+          </a:p>
+          <a:p>
+            <a:r>
+              <a:rPr lang="en-US" sz="3200" dirty="0" smtClean="0">
+                <a:solidFill>
+                  <a:srgbClr val="3F5FBF"/>
+                </a:solidFill>
+                <a:latin typeface="Courier New"/>
+              </a:rPr>
+              <a:t> </a:t>
+            </a:r>
+            <a:r>
+              <a:rPr lang="en-US" sz="3200" dirty="0" smtClean="0">
+                <a:solidFill>
+                  <a:srgbClr val="3F5FBF"/>
+                </a:solidFill>
+                <a:latin typeface="Courier New"/>
+              </a:rPr>
+              <a:t>*  </a:t>
+            </a:r>
+            <a:r>
+              <a:rPr lang="en-US" sz="3200" dirty="0" smtClean="0">
+                <a:solidFill>
+                  <a:srgbClr val="3F5FBF"/>
+                </a:solidFill>
+                <a:latin typeface="Courier New"/>
+              </a:rPr>
+              <a:t>(</a:t>
+            </a:r>
+            <a:r>
+              <a:rPr lang="en-US" sz="3200" dirty="0" err="1" smtClean="0">
+                <a:solidFill>
+                  <a:srgbClr val="3F5FBF"/>
+                </a:solidFill>
+                <a:latin typeface="Courier New"/>
+              </a:rPr>
+              <a:t>I.want</a:t>
+            </a:r>
+            <a:r>
+              <a:rPr lang="en-US" sz="3200" dirty="0" smtClean="0">
+                <a:solidFill>
+                  <a:srgbClr val="3F5FBF"/>
+                </a:solidFill>
+                <a:latin typeface="Courier New"/>
+              </a:rPr>
+              <a:t>(a)).pony) =&gt; specs</a:t>
+            </a:r>
+          </a:p>
+          <a:p>
+            <a:r>
+              <a:rPr lang="en-US" sz="3200" dirty="0" smtClean="0">
+                <a:solidFill>
+                  <a:srgbClr val="3F5FBF"/>
+                </a:solidFill>
+                <a:latin typeface="Courier New"/>
+              </a:rPr>
+              <a:t> </a:t>
+            </a:r>
+            <a:r>
+              <a:rPr lang="en-US" sz="3200" dirty="0" smtClean="0">
+                <a:solidFill>
+                  <a:srgbClr val="3F5FBF"/>
+                </a:solidFill>
+                <a:latin typeface="Courier New"/>
+              </a:rPr>
+              <a:t>*/</a:t>
+            </a:r>
+            <a:r>
+              <a:rPr lang="en-US" sz="3200" dirty="0" smtClean="0">
+                <a:latin typeface="Courier New"/>
+              </a:rPr>
+              <a:t>  </a:t>
+            </a:r>
+            <a:endParaRPr lang="en-US" sz="3200" b="1" dirty="0" smtClean="0">
+              <a:solidFill>
+                <a:srgbClr val="7F0055"/>
+              </a:solidFill>
+              <a:latin typeface="Courier New"/>
+            </a:endParaRPr>
+          </a:p>
+        </p:txBody>
+      </p:sp>
     </p:spTree>
   </p:cSld>
   <p:clrMapOvr>
@@ -20919,6 +21239,42 @@
           </a:p>
         </p:txBody>
       </p:sp>
+      <p:sp>
+        <p:nvSpPr>
+          <p:cNvPr id="7" name="Rectangle 6"/>
+          <p:cNvSpPr/>
+          <p:nvPr/>
+        </p:nvSpPr>
+        <p:spPr>
+          <a:xfrm>
+            <a:off x="4736091" y="1371600"/>
+            <a:ext cx="5652509" cy="923330"/>
+          </a:xfrm>
+          <a:prstGeom prst="rect">
+            <a:avLst/>
+          </a:prstGeom>
+        </p:spPr>
+        <p:txBody>
+          <a:bodyPr wrap="none">
+            <a:spAutoFit/>
+          </a:bodyPr>
+          <a:lstStyle/>
+          <a:p>
+            <a:pPr algn="ctr"/>
+            <a:r>
+              <a:rPr lang="en-US" sz="5400" b="1" kern="0" dirty="0" smtClean="0">
+                <a:solidFill>
+                  <a:srgbClr val="00CC66"/>
+                </a:solidFill>
+                <a:latin typeface="Lucida Handwriting" pitchFamily="66" charset="0"/>
+                <a:cs typeface="+mj-cs"/>
+                <a:sym typeface="Arial" charset="0"/>
+              </a:rPr>
+              <a:t>I want a pony</a:t>
+            </a:r>
+          </a:p>
+        </p:txBody>
+      </p:sp>
       <p:pic>
         <p:nvPicPr>
           <p:cNvPr id="8" name="Picture 10" descr="http://knowledgehub.zeus.com/media/Scala_Logo2008.png"/>
@@ -20953,12 +21309,15 @@
         </p:nvSpPr>
         <p:spPr>
           <a:xfrm>
-            <a:off x="330200" y="2971801"/>
-            <a:ext cx="12344400" cy="3970318"/>
+            <a:off x="330200" y="2590800"/>
+            <a:ext cx="12344400" cy="6001643"/>
           </a:xfrm>
           <a:prstGeom prst="rect">
             <a:avLst/>
           </a:prstGeom>
+          <a:solidFill>
+            <a:schemeClr val="bg1"/>
+          </a:solidFill>
           <a:ln>
             <a:solidFill>
               <a:schemeClr val="tx1"/>
@@ -20973,7 +21332,7 @@
           <a:lstStyle/>
           <a:p>
             <a:r>
-              <a:rPr lang="en-US" sz="2800" b="1" dirty="0" smtClean="0">
+              <a:rPr lang="en-US" sz="3200" b="1" dirty="0" smtClean="0">
                 <a:solidFill>
                   <a:srgbClr val="7F0055"/>
                 </a:solidFill>
@@ -20982,101 +21341,62 @@
               <a:t>trait</a:t>
             </a:r>
             <a:r>
-              <a:rPr lang="en-US" sz="2800" b="1" dirty="0" smtClean="0">
-                <a:latin typeface="Courier New"/>
-              </a:rPr>
-              <a:t> Tagged {</a:t>
-            </a:r>
-          </a:p>
-          <a:p>
-            <a:r>
-              <a:rPr lang="en-US" sz="2800" dirty="0" smtClean="0">
-                <a:solidFill>
-                  <a:srgbClr val="3F7F5F"/>
-                </a:solidFill>
-                <a:latin typeface="Courier New"/>
-              </a:rPr>
-              <a:t>  // store the tag and return this</a:t>
-            </a:r>
-          </a:p>
-          <a:p>
-            <a:r>
-              <a:rPr lang="en-US" sz="2800" dirty="0" smtClean="0">
-                <a:latin typeface="Courier New"/>
-              </a:rPr>
-              <a:t>  </a:t>
-            </a:r>
-            <a:r>
-              <a:rPr lang="en-US" sz="2800" b="1" dirty="0" smtClean="0">
+              <a:rPr lang="en-US" sz="3200" b="1" dirty="0" smtClean="0">
+                <a:latin typeface="Courier New"/>
+              </a:rPr>
+              <a:t> </a:t>
+            </a:r>
+            <a:r>
+              <a:rPr lang="en-US" sz="3200" b="1" dirty="0" smtClean="0">
+                <a:latin typeface="Courier New"/>
+              </a:rPr>
+              <a:t>Word; </a:t>
+            </a:r>
+            <a:r>
+              <a:rPr lang="en-US" sz="3200" b="1" dirty="0" smtClean="0">
                 <a:solidFill>
                   <a:srgbClr val="7F0055"/>
                 </a:solidFill>
                 <a:latin typeface="Courier New"/>
               </a:rPr>
-              <a:t>def</a:t>
-            </a:r>
-            <a:r>
-              <a:rPr lang="en-US" sz="2800" b="1" dirty="0" smtClean="0">
-                <a:latin typeface="Courier New"/>
-              </a:rPr>
-              <a:t> tag(t: String): </a:t>
-            </a:r>
-            <a:r>
-              <a:rPr lang="en-US" sz="2800" b="1" dirty="0" err="1" smtClean="0">
+              <a:t>class</a:t>
+            </a:r>
+            <a:r>
+              <a:rPr lang="en-US" sz="3200" b="1" dirty="0" smtClean="0">
+                <a:latin typeface="Courier New"/>
+              </a:rPr>
+              <a:t> </a:t>
+            </a:r>
+            <a:r>
+              <a:rPr lang="en-US" sz="3200" b="1" dirty="0" err="1" smtClean="0">
+                <a:latin typeface="Courier New"/>
+              </a:rPr>
+              <a:t>AWord</a:t>
+            </a:r>
+            <a:r>
+              <a:rPr lang="en-US" sz="3200" b="1" dirty="0" smtClean="0">
+                <a:latin typeface="Courier New"/>
+              </a:rPr>
+              <a:t> </a:t>
+            </a:r>
+            <a:r>
+              <a:rPr lang="en-US" sz="3200" b="1" dirty="0" smtClean="0">
                 <a:solidFill>
                   <a:srgbClr val="7F0055"/>
                 </a:solidFill>
                 <a:latin typeface="Courier New"/>
               </a:rPr>
-              <a:t>this</a:t>
-            </a:r>
-            <a:r>
-              <a:rPr lang="en-US" sz="2800" b="1" dirty="0" err="1" smtClean="0">
-                <a:latin typeface="Courier New"/>
-              </a:rPr>
-              <a:t>.</a:t>
-            </a:r>
-            <a:r>
-              <a:rPr lang="en-US" sz="2800" b="1" dirty="0" err="1" smtClean="0">
-                <a:solidFill>
-                  <a:srgbClr val="7F0055"/>
-                </a:solidFill>
-                <a:latin typeface="Courier New"/>
-              </a:rPr>
-              <a:t>type</a:t>
-            </a:r>
-            <a:r>
-              <a:rPr lang="en-US" sz="2800" b="1" dirty="0" smtClean="0">
-                <a:latin typeface="Courier New"/>
-              </a:rPr>
-              <a:t> = </a:t>
-            </a:r>
-            <a:r>
-              <a:rPr lang="en-US" sz="2800" b="1" dirty="0" smtClean="0">
-                <a:solidFill>
-                  <a:srgbClr val="7F0055"/>
-                </a:solidFill>
-                <a:latin typeface="Courier New"/>
-              </a:rPr>
-              <a:t>this</a:t>
-            </a:r>
-            <a:r>
-              <a:rPr lang="en-US" sz="2800" b="1" dirty="0" smtClean="0">
-                <a:latin typeface="Courier New"/>
-              </a:rPr>
-              <a:t> </a:t>
-            </a:r>
-          </a:p>
-          <a:p>
-            <a:r>
-              <a:rPr lang="en-US" sz="2800" dirty="0" smtClean="0">
-                <a:latin typeface="Courier New"/>
-              </a:rPr>
-              <a:t>}</a:t>
-            </a:r>
-          </a:p>
-          <a:p>
-            <a:endParaRPr lang="en-US" sz="2800" b="1" dirty="0" smtClean="0">
+              <a:t>extends</a:t>
+            </a:r>
+            <a:r>
+              <a:rPr lang="en-US" sz="3200" b="1" dirty="0" smtClean="0">
+                <a:latin typeface="Courier New"/>
+              </a:rPr>
+              <a:t> Word</a:t>
+            </a:r>
+          </a:p>
+          <a:p>
+            <a:endParaRPr lang="en-US" sz="3200" b="1" dirty="0" smtClean="0">
               <a:solidFill>
                 <a:srgbClr val="7F0055"/>
               </a:solidFill>
@@ -21085,174 +21405,410 @@
           </a:p>
           <a:p>
             <a:r>
-              <a:rPr lang="en-US" sz="2800" b="1" dirty="0" err="1" smtClean="0">
+              <a:rPr lang="en-US" sz="3200" b="1" dirty="0" smtClean="0">
                 <a:solidFill>
                   <a:srgbClr val="7F0055"/>
                 </a:solidFill>
                 <a:latin typeface="Courier New"/>
               </a:rPr>
+              <a:t>class</a:t>
+            </a:r>
+            <a:r>
+              <a:rPr lang="en-US" sz="3200" b="1" dirty="0" smtClean="0">
+                <a:latin typeface="Courier New"/>
+              </a:rPr>
+              <a:t> </a:t>
+            </a:r>
+            <a:r>
+              <a:rPr lang="en-US" sz="3200" b="1" dirty="0" smtClean="0">
+                <a:latin typeface="Courier New"/>
+              </a:rPr>
+              <a:t>Result[T</a:t>
+            </a:r>
+            <a:r>
+              <a:rPr lang="en-US" sz="3200" b="1" dirty="0" smtClean="0">
+                <a:latin typeface="Courier New"/>
+              </a:rPr>
+              <a:t>](v: T)</a:t>
+            </a:r>
+            <a:endParaRPr lang="en-US" sz="3200" b="1" dirty="0" smtClean="0">
+              <a:latin typeface="Courier New"/>
+            </a:endParaRPr>
+          </a:p>
+          <a:p>
+            <a:r>
+              <a:rPr lang="en-US" sz="3200" b="1" dirty="0" smtClean="0">
+                <a:solidFill>
+                  <a:srgbClr val="7F0055"/>
+                </a:solidFill>
+                <a:latin typeface="Courier New"/>
+              </a:rPr>
+              <a:t>class</a:t>
+            </a:r>
+            <a:r>
+              <a:rPr lang="en-US" sz="3200" b="1" dirty="0" smtClean="0">
+                <a:latin typeface="Courier New"/>
+              </a:rPr>
+              <a:t> Expectable[T](v: T) </a:t>
+            </a:r>
+            <a:r>
+              <a:rPr lang="en-US" sz="3200" b="1" dirty="0" smtClean="0">
+                <a:latin typeface="Courier New"/>
+              </a:rPr>
+              <a:t>{</a:t>
+            </a:r>
+          </a:p>
+          <a:p>
+            <a:r>
+              <a:rPr lang="en-US" sz="3200" b="1" dirty="0" smtClean="0">
+                <a:solidFill>
+                  <a:srgbClr val="7F0055"/>
+                </a:solidFill>
+                <a:latin typeface="Courier New"/>
+              </a:rPr>
+              <a:t>  def</a:t>
+            </a:r>
+            <a:r>
+              <a:rPr lang="en-US" sz="3200" b="1" dirty="0" smtClean="0">
+                <a:latin typeface="Courier New"/>
+              </a:rPr>
+              <a:t> </a:t>
+            </a:r>
+            <a:r>
+              <a:rPr lang="en-US" sz="3200" b="1" dirty="0" smtClean="0">
+                <a:latin typeface="Courier New"/>
+              </a:rPr>
+              <a:t>want(a: Word) = </a:t>
+            </a:r>
+            <a:r>
+              <a:rPr lang="en-US" sz="3200" b="1" dirty="0" smtClean="0">
+                <a:solidFill>
+                  <a:srgbClr val="7F0055"/>
+                </a:solidFill>
+                <a:latin typeface="Courier New"/>
+              </a:rPr>
+              <a:t>new</a:t>
+            </a:r>
+            <a:r>
+              <a:rPr lang="en-US" sz="3200" b="1" dirty="0" smtClean="0">
+                <a:latin typeface="Courier New"/>
+              </a:rPr>
+              <a:t> </a:t>
+            </a:r>
+            <a:r>
+              <a:rPr lang="en-US" sz="3200" b="1" dirty="0" smtClean="0">
+                <a:latin typeface="Courier New"/>
+              </a:rPr>
+              <a:t>Result[T](v)</a:t>
+            </a:r>
+            <a:endParaRPr lang="en-US" sz="3200" b="1" dirty="0" smtClean="0">
+              <a:latin typeface="Courier New"/>
+            </a:endParaRPr>
+          </a:p>
+          <a:p>
+            <a:r>
+              <a:rPr lang="en-US" sz="3200" dirty="0" smtClean="0">
+                <a:latin typeface="Courier New"/>
+              </a:rPr>
+              <a:t>}</a:t>
+            </a:r>
+            <a:endParaRPr lang="en-US" sz="3200" dirty="0" smtClean="0">
+              <a:latin typeface="Courier New"/>
+            </a:endParaRPr>
+          </a:p>
+          <a:p>
+            <a:r>
+              <a:rPr lang="fr-FR" sz="3200" b="1" dirty="0" err="1" smtClean="0">
+                <a:solidFill>
+                  <a:srgbClr val="7F0055"/>
+                </a:solidFill>
+                <a:latin typeface="Courier New"/>
+              </a:rPr>
+              <a:t>implicit</a:t>
+            </a:r>
+            <a:r>
+              <a:rPr lang="fr-FR" sz="3200" b="1" dirty="0" smtClean="0">
+                <a:latin typeface="Courier New"/>
+              </a:rPr>
+              <a:t> </a:t>
+            </a:r>
+            <a:r>
+              <a:rPr lang="fr-FR" sz="3200" b="1" dirty="0" err="1" smtClean="0">
+                <a:solidFill>
+                  <a:srgbClr val="7F0055"/>
+                </a:solidFill>
+                <a:latin typeface="Courier New"/>
+              </a:rPr>
+              <a:t>def</a:t>
+            </a:r>
+            <a:r>
+              <a:rPr lang="fr-FR" sz="3200" b="1" dirty="0" smtClean="0">
+                <a:latin typeface="Courier New"/>
+              </a:rPr>
+              <a:t> </a:t>
+            </a:r>
+            <a:r>
+              <a:rPr lang="fr-FR" sz="3200" b="1" dirty="0" err="1" smtClean="0">
+                <a:latin typeface="Courier New"/>
+              </a:rPr>
+              <a:t>theValue</a:t>
+            </a:r>
+            <a:r>
+              <a:rPr lang="fr-FR" sz="3200" b="1" dirty="0" smtClean="0">
+                <a:latin typeface="Courier New"/>
+              </a:rPr>
+              <a:t>[T</a:t>
+            </a:r>
+            <a:r>
+              <a:rPr lang="fr-FR" sz="3200" b="1" dirty="0" smtClean="0">
+                <a:latin typeface="Courier New"/>
+              </a:rPr>
+              <a:t>](v: </a:t>
+            </a:r>
+            <a:r>
+              <a:rPr lang="fr-FR" sz="3200" b="1" dirty="0" smtClean="0">
+                <a:latin typeface="Courier New"/>
+              </a:rPr>
+              <a:t>T): </a:t>
+            </a:r>
+            <a:r>
+              <a:rPr lang="fr-FR" sz="3200" b="1" dirty="0" err="1" smtClean="0">
+                <a:latin typeface="Courier New"/>
+              </a:rPr>
+              <a:t>Expectable</a:t>
+            </a:r>
+            <a:r>
+              <a:rPr lang="fr-FR" sz="3200" b="1" dirty="0" smtClean="0">
+                <a:latin typeface="Courier New"/>
+              </a:rPr>
+              <a:t>[T] </a:t>
+            </a:r>
+            <a:r>
+              <a:rPr lang="fr-FR" sz="3200" b="1" dirty="0" smtClean="0">
+                <a:latin typeface="Courier New"/>
+              </a:rPr>
+              <a:t>= …</a:t>
+            </a:r>
+          </a:p>
+          <a:p>
+            <a:r>
+              <a:rPr lang="fr-FR" sz="3200" b="1" dirty="0" err="1" smtClean="0">
+                <a:solidFill>
+                  <a:srgbClr val="7F0055"/>
+                </a:solidFill>
+                <a:latin typeface="Courier New"/>
+              </a:rPr>
+              <a:t>implicit</a:t>
+            </a:r>
+            <a:r>
+              <a:rPr lang="fr-FR" sz="3200" b="1" dirty="0" smtClean="0">
+                <a:latin typeface="Courier New"/>
+              </a:rPr>
+              <a:t> </a:t>
+            </a:r>
+            <a:r>
+              <a:rPr lang="fr-FR" sz="3200" b="1" dirty="0" err="1" smtClean="0">
+                <a:solidFill>
+                  <a:srgbClr val="7F0055"/>
+                </a:solidFill>
+                <a:latin typeface="Courier New"/>
+              </a:rPr>
+              <a:t>def</a:t>
+            </a:r>
+            <a:r>
+              <a:rPr lang="fr-FR" sz="3200" b="1" dirty="0" smtClean="0">
+                <a:latin typeface="Courier New"/>
+              </a:rPr>
+              <a:t> </a:t>
+            </a:r>
+            <a:r>
+              <a:rPr lang="fr-FR" sz="3200" b="1" dirty="0" err="1" smtClean="0">
+                <a:latin typeface="Courier New"/>
+              </a:rPr>
+              <a:t>ponyable</a:t>
+            </a:r>
+            <a:r>
+              <a:rPr lang="fr-FR" sz="3200" b="1" dirty="0" smtClean="0">
+                <a:latin typeface="Courier New"/>
+              </a:rPr>
+              <a:t>[T](r: </a:t>
+            </a:r>
+            <a:r>
+              <a:rPr lang="fr-FR" sz="3200" b="1" dirty="0" err="1" smtClean="0">
+                <a:latin typeface="Courier New"/>
+              </a:rPr>
+              <a:t>Result</a:t>
+            </a:r>
+            <a:r>
+              <a:rPr lang="fr-FR" sz="3200" b="1" dirty="0" smtClean="0">
+                <a:latin typeface="Courier New"/>
+              </a:rPr>
+              <a:t>[T])</a:t>
+            </a:r>
+            <a:r>
+              <a:rPr lang="en-US" sz="3200" b="1" dirty="0" smtClean="0">
+                <a:latin typeface="Courier New"/>
+              </a:rPr>
+              <a:t> {</a:t>
+            </a:r>
+          </a:p>
+          <a:p>
+            <a:r>
+              <a:rPr lang="en-US" sz="3200" b="1" dirty="0" smtClean="0">
+                <a:solidFill>
+                  <a:srgbClr val="7F0055"/>
+                </a:solidFill>
+                <a:latin typeface="Courier New"/>
+              </a:rPr>
+              <a:t> </a:t>
+            </a:r>
+            <a:r>
+              <a:rPr lang="en-US" sz="3200" b="1" dirty="0" smtClean="0">
+                <a:solidFill>
+                  <a:srgbClr val="7F0055"/>
+                </a:solidFill>
+                <a:latin typeface="Courier New"/>
+              </a:rPr>
+              <a:t> def</a:t>
+            </a:r>
+            <a:r>
+              <a:rPr lang="en-US" sz="3200" b="1" dirty="0" smtClean="0">
+                <a:latin typeface="Courier New"/>
+              </a:rPr>
+              <a:t> </a:t>
+            </a:r>
+            <a:r>
+              <a:rPr lang="en-US" sz="3200" b="1" dirty="0" smtClean="0">
+                <a:latin typeface="Courier New"/>
+              </a:rPr>
+              <a:t>pony = </a:t>
+            </a:r>
+            <a:r>
+              <a:rPr lang="en-US" sz="3200" dirty="0" smtClean="0">
+                <a:solidFill>
+                  <a:srgbClr val="3F7F5F"/>
+                </a:solidFill>
+                <a:latin typeface="Courier New"/>
+              </a:rPr>
+              <a:t>// </a:t>
+            </a:r>
+            <a:r>
+              <a:rPr lang="en-US" sz="3200" dirty="0" smtClean="0">
+                <a:solidFill>
+                  <a:srgbClr val="3F7F5F"/>
+                </a:solidFill>
+                <a:latin typeface="Courier New"/>
+              </a:rPr>
+              <a:t>check the result</a:t>
+            </a:r>
+            <a:endParaRPr lang="en-US" sz="3200" b="1" dirty="0" smtClean="0">
+              <a:latin typeface="Courier New"/>
+            </a:endParaRPr>
+          </a:p>
+          <a:p>
+            <a:r>
+              <a:rPr lang="en-US" sz="3200" dirty="0" smtClean="0">
+                <a:latin typeface="Courier New"/>
+              </a:rPr>
+              <a:t>}</a:t>
+            </a:r>
+            <a:endParaRPr lang="en-US" sz="3200" dirty="0" smtClean="0">
+              <a:latin typeface="Courier New"/>
+            </a:endParaRPr>
+          </a:p>
+          <a:p>
+            <a:r>
+              <a:rPr lang="en-US" sz="3200" b="1" dirty="0" err="1" smtClean="0">
+                <a:solidFill>
+                  <a:srgbClr val="7F0055"/>
+                </a:solidFill>
+                <a:latin typeface="Courier New"/>
+              </a:rPr>
               <a:t>val</a:t>
             </a:r>
             <a:r>
-              <a:rPr lang="en-US" sz="2800" b="1" dirty="0" smtClean="0">
+              <a:rPr lang="en-US" sz="3200" b="1" dirty="0" smtClean="0">
+                <a:latin typeface="Courier New"/>
+              </a:rPr>
+              <a:t> a = </a:t>
+            </a:r>
+            <a:r>
+              <a:rPr lang="en-US" sz="3200" b="1" dirty="0" smtClean="0">
+                <a:solidFill>
+                  <a:srgbClr val="7F0055"/>
+                </a:solidFill>
+                <a:latin typeface="Courier New"/>
+              </a:rPr>
+              <a:t>new</a:t>
+            </a:r>
+            <a:r>
+              <a:rPr lang="en-US" sz="3200" b="1" dirty="0" smtClean="0">
                 <a:latin typeface="Courier New"/>
               </a:rPr>
               <a:t> </a:t>
             </a:r>
             <a:r>
-              <a:rPr lang="en-US" sz="2800" b="1" dirty="0" smtClean="0">
-                <a:latin typeface="Courier New"/>
-              </a:rPr>
-              <a:t>(slow, fast) = (</a:t>
-            </a:r>
-            <a:r>
-              <a:rPr lang="en-US" sz="2800" b="1" dirty="0" smtClean="0">
+              <a:rPr lang="en-US" sz="3200" b="1" dirty="0" err="1" smtClean="0">
+                <a:latin typeface="Courier New"/>
+              </a:rPr>
+              <a:t>Aword</a:t>
+            </a:r>
+            <a:r>
+              <a:rPr lang="en-US" sz="3200" b="1" dirty="0" smtClean="0">
+                <a:latin typeface="Courier New"/>
+              </a:rPr>
+              <a:t>; </a:t>
+            </a:r>
+            <a:r>
+              <a:rPr lang="en-US" sz="3200" b="1" dirty="0" err="1" smtClean="0">
                 <a:solidFill>
                   <a:srgbClr val="7F0055"/>
                 </a:solidFill>
                 <a:latin typeface="Courier New"/>
               </a:rPr>
-              <a:t>new</a:t>
-            </a:r>
-            <a:r>
-              <a:rPr lang="en-US" sz="2800" b="1" dirty="0" smtClean="0">
-                <a:latin typeface="Courier New"/>
-              </a:rPr>
-              <a:t> Spec, </a:t>
-            </a:r>
-            <a:r>
-              <a:rPr lang="en-US" sz="2800" b="1" dirty="0" smtClean="0">
-                <a:solidFill>
-                  <a:srgbClr val="7F0055"/>
-                </a:solidFill>
-                <a:latin typeface="Courier New"/>
-              </a:rPr>
-              <a:t>new</a:t>
-            </a:r>
-            <a:r>
-              <a:rPr lang="en-US" sz="2800" b="1" dirty="0" smtClean="0">
-                <a:latin typeface="Courier New"/>
-              </a:rPr>
-              <a:t> Spec)</a:t>
-            </a:r>
-          </a:p>
-          <a:p>
-            <a:r>
-              <a:rPr lang="en-US" sz="2800" b="1" dirty="0" smtClean="0">
-                <a:solidFill>
-                  <a:srgbClr val="7F0055"/>
-                </a:solidFill>
-                <a:latin typeface="Courier New"/>
-              </a:rPr>
-              <a:t>class</a:t>
-            </a:r>
-            <a:r>
-              <a:rPr lang="en-US" sz="2800" b="1" dirty="0" smtClean="0">
-                <a:latin typeface="Courier New"/>
-              </a:rPr>
-              <a:t> </a:t>
-            </a:r>
-            <a:r>
-              <a:rPr lang="en-US" sz="2800" b="1" dirty="0" err="1" smtClean="0">
-                <a:latin typeface="Courier New"/>
-              </a:rPr>
-              <a:t>BigSpec</a:t>
-            </a:r>
-            <a:r>
-              <a:rPr lang="en-US" sz="2800" b="1" dirty="0" smtClean="0">
-                <a:latin typeface="Courier New"/>
-              </a:rPr>
-              <a:t> </a:t>
-            </a:r>
-            <a:r>
-              <a:rPr lang="en-US" sz="2800" b="1" dirty="0" smtClean="0">
-                <a:solidFill>
-                  <a:srgbClr val="7F0055"/>
-                </a:solidFill>
-                <a:latin typeface="Courier New"/>
-              </a:rPr>
-              <a:t>extends</a:t>
-            </a:r>
-            <a:r>
-              <a:rPr lang="en-US" sz="2800" b="1" dirty="0" smtClean="0">
-                <a:latin typeface="Courier New"/>
-              </a:rPr>
-              <a:t> Spec {</a:t>
-            </a:r>
-          </a:p>
-          <a:p>
-            <a:r>
-              <a:rPr lang="en-US" sz="2800" dirty="0" smtClean="0">
-                <a:latin typeface="Courier New"/>
-              </a:rPr>
-              <a:t>  include(slow tag </a:t>
-            </a:r>
-            <a:r>
-              <a:rPr lang="en-US" sz="2800" dirty="0" smtClean="0">
-                <a:solidFill>
-                  <a:srgbClr val="2A00FF"/>
-                </a:solidFill>
-                <a:latin typeface="Courier New"/>
-              </a:rPr>
-              <a:t>"slow"</a:t>
-            </a:r>
-            <a:r>
-              <a:rPr lang="en-US" sz="2800" dirty="0" smtClean="0">
-                <a:latin typeface="Courier New"/>
-              </a:rPr>
-              <a:t>, fast)  </a:t>
-            </a:r>
-          </a:p>
-          <a:p>
-            <a:r>
-              <a:rPr lang="en-US" sz="2800" dirty="0" smtClean="0">
-                <a:latin typeface="Courier New"/>
-              </a:rPr>
-              <a:t>}</a:t>
-            </a:r>
-          </a:p>
-        </p:txBody>
-      </p:sp>
-      <p:sp>
-        <p:nvSpPr>
-          <p:cNvPr id="10" name="Rectangle 9"/>
-          <p:cNvSpPr/>
-          <p:nvPr/>
-        </p:nvSpPr>
-        <p:spPr>
-          <a:xfrm>
-            <a:off x="5032758" y="1447800"/>
-            <a:ext cx="3374642" cy="923330"/>
-          </a:xfrm>
-          <a:prstGeom prst="rect">
-            <a:avLst/>
-          </a:prstGeom>
-        </p:spPr>
-        <p:txBody>
-          <a:bodyPr wrap="none">
-            <a:spAutoFit/>
-          </a:bodyPr>
-          <a:lstStyle/>
-          <a:p>
-            <a:pPr algn="ctr"/>
-            <a:r>
-              <a:rPr lang="en-US" sz="5400" b="1" kern="0" dirty="0" err="1" smtClean="0">
-                <a:solidFill>
-                  <a:srgbClr val="0C0F20"/>
-                </a:solidFill>
-                <a:latin typeface="Lucida Handwriting" pitchFamily="66" charset="0"/>
-                <a:cs typeface="+mj-cs"/>
-                <a:sym typeface="Arial" charset="0"/>
-              </a:rPr>
-              <a:t>this.type</a:t>
-            </a:r>
-            <a:endParaRPr lang="en-US" dirty="0"/>
+              <a:t>val</a:t>
+            </a:r>
+            <a:r>
+              <a:rPr lang="en-US" sz="3200" b="1" dirty="0" smtClean="0">
+                <a:latin typeface="Courier New"/>
+              </a:rPr>
+              <a:t> I = 1 </a:t>
+            </a:r>
+            <a:endParaRPr lang="en-US" sz="3200" dirty="0" smtClean="0">
+              <a:latin typeface="Courier New"/>
+            </a:endParaRPr>
+          </a:p>
+          <a:p>
+            <a:r>
+              <a:rPr lang="en-US" sz="3200" b="1" dirty="0" smtClean="0">
+                <a:latin typeface="Courier New"/>
+              </a:rPr>
+              <a:t>I </a:t>
+            </a:r>
+            <a:r>
+              <a:rPr lang="en-US" sz="3200" b="1" dirty="0" smtClean="0">
+                <a:latin typeface="Courier New"/>
+              </a:rPr>
+              <a:t>want a pony</a:t>
+            </a:r>
+            <a:r>
+              <a:rPr lang="en-US" sz="3200" dirty="0" smtClean="0">
+                <a:latin typeface="Courier New"/>
+              </a:rPr>
+              <a:t>  </a:t>
+            </a:r>
+            <a:endParaRPr lang="en-US" sz="3200" b="1" dirty="0" smtClean="0">
+              <a:solidFill>
+                <a:srgbClr val="7F0055"/>
+              </a:solidFill>
+              <a:latin typeface="Courier New"/>
+            </a:endParaRPr>
           </a:p>
         </p:txBody>
       </p:sp>
       <p:pic>
         <p:nvPicPr>
-          <p:cNvPr id="12" name="Picture 2" descr="toolbox icon"/>
+          <p:cNvPr id="70662" name="Picture 6" descr="magic, wizard icon"/>
           <p:cNvPicPr>
             <a:picLocks noChangeAspect="1" noChangeArrowheads="1"/>
           </p:cNvPicPr>
@@ -21267,8 +21823,8 @@
         </p:blipFill>
         <p:spPr bwMode="auto">
           <a:xfrm>
-            <a:off x="558800" y="1066800"/>
-            <a:ext cx="1676400" cy="1676401"/>
+            <a:off x="635000" y="1143000"/>
+            <a:ext cx="1295400" cy="1295401"/>
           </a:xfrm>
           <a:prstGeom prst="rect">
             <a:avLst/>
@@ -21276,94 +21832,6 @@
           <a:noFill/>
         </p:spPr>
       </p:pic>
-      <p:sp>
-        <p:nvSpPr>
-          <p:cNvPr id="7" name="Rectangle 1"/>
-          <p:cNvSpPr txBox="1">
-            <a:spLocks noChangeArrowheads="1"/>
-          </p:cNvSpPr>
-          <p:nvPr/>
-        </p:nvSpPr>
-        <p:spPr bwMode="auto">
-          <a:xfrm>
-            <a:off x="5359400" y="7467600"/>
-            <a:ext cx="7086600" cy="685800"/>
-          </a:xfrm>
-          <a:prstGeom prst="rect">
-            <a:avLst/>
-          </a:prstGeom>
-          <a:noFill/>
-          <a:ln w="12700">
-            <a:noFill/>
-            <a:miter lim="800000"/>
-            <a:headEnd/>
-            <a:tailEnd/>
-          </a:ln>
-          <a:effectLst/>
-        </p:spPr>
-        <p:txBody>
-          <a:bodyPr vert="horz" wrap="square" lIns="50800" tIns="50800" rIns="50800" bIns="50800" numCol="1" anchor="ctr" anchorCtr="0" compatLnSpc="1">
-            <a:prstTxWarp prst="textNoShape">
-              <a:avLst/>
-            </a:prstTxWarp>
-          </a:bodyPr>
-          <a:lstStyle/>
-          <a:p>
-            <a:pPr lvl="0" algn="r"/>
-            <a:r>
-              <a:rPr kumimoji="0" lang="en-US" sz="4400" b="1" i="0" u="none" strike="noStrike" kern="0" cap="none" spc="0" normalizeH="0" baseline="0" noProof="0" dirty="0" smtClean="0">
-                <a:ln>
-                  <a:noFill/>
-                </a:ln>
-                <a:solidFill>
-                  <a:srgbClr val="FF0000"/>
-                </a:solidFill>
-                <a:effectLst/>
-                <a:uLnTx/>
-                <a:uFillTx/>
-                <a:latin typeface="Candara" pitchFamily="34" charset="0"/>
-                <a:ea typeface="+mj-ea"/>
-                <a:cs typeface="+mj-cs"/>
-                <a:sym typeface="Wingdings"/>
-              </a:rPr>
-              <a:t> Don’t change</a:t>
-            </a:r>
-            <a:r>
-              <a:rPr kumimoji="0" lang="en-US" sz="4400" b="1" i="0" u="none" strike="noStrike" kern="0" cap="none" spc="0" normalizeH="0" noProof="0" dirty="0" smtClean="0">
-                <a:ln>
-                  <a:noFill/>
-                </a:ln>
-                <a:solidFill>
-                  <a:srgbClr val="FF0000"/>
-                </a:solidFill>
-                <a:effectLst/>
-                <a:uLnTx/>
-                <a:uFillTx/>
-                <a:latin typeface="Candara" pitchFamily="34" charset="0"/>
-                <a:ea typeface="+mj-ea"/>
-                <a:cs typeface="+mj-cs"/>
-                <a:sym typeface="Wingdings"/>
-              </a:rPr>
-              <a:t> the text, just decorate</a:t>
-            </a:r>
-            <a:endParaRPr kumimoji="0" lang="en-US" sz="4400" b="1" i="0" u="none" strike="noStrike" kern="0" cap="none" spc="0" normalizeH="0" baseline="0" noProof="0" dirty="0">
-              <a:ln>
-                <a:noFill/>
-              </a:ln>
-              <a:solidFill>
-                <a:srgbClr val="E75145"/>
-              </a:solidFill>
-              <a:effectLst/>
-              <a:uLnTx/>
-              <a:uFillTx/>
-              <a:latin typeface="Candara" pitchFamily="34" charset="0"/>
-              <a:ea typeface="+mj-ea"/>
-              <a:cs typeface="+mj-cs"/>
-              <a:sym typeface="Arial" charset="0"/>
-            </a:endParaRPr>
-          </a:p>
-        </p:txBody>
-      </p:sp>
     </p:spTree>
   </p:cSld>
   <p:clrMapOvr>
@@ -21508,6 +21976,42 @@
           </a:p>
         </p:txBody>
       </p:sp>
+      <p:sp>
+        <p:nvSpPr>
+          <p:cNvPr id="7" name="Rectangle 6"/>
+          <p:cNvSpPr/>
+          <p:nvPr/>
+        </p:nvSpPr>
+        <p:spPr>
+          <a:xfrm>
+            <a:off x="4872690" y="1286470"/>
+            <a:ext cx="5973110" cy="923330"/>
+          </a:xfrm>
+          <a:prstGeom prst="rect">
+            <a:avLst/>
+          </a:prstGeom>
+        </p:spPr>
+        <p:txBody>
+          <a:bodyPr wrap="none">
+            <a:spAutoFit/>
+          </a:bodyPr>
+          <a:lstStyle/>
+          <a:p>
+            <a:pPr algn="ctr"/>
+            <a:r>
+              <a:rPr lang="en-US" sz="5400" b="1" kern="0" dirty="0" smtClean="0">
+                <a:solidFill>
+                  <a:srgbClr val="00CC66"/>
+                </a:solidFill>
+                <a:latin typeface="Lucida Handwriting" pitchFamily="66" charset="0"/>
+                <a:cs typeface="+mj-cs"/>
+                <a:sym typeface="Arial" charset="0"/>
+              </a:rPr>
+              <a:t>Some examples</a:t>
+            </a:r>
+          </a:p>
+        </p:txBody>
+      </p:sp>
       <p:pic>
         <p:nvPicPr>
           <p:cNvPr id="8" name="Picture 10" descr="http://knowledgehub.zeus.com/media/Scala_Logo2008.png"/>
@@ -21542,12 +22046,15 @@
         </p:nvSpPr>
         <p:spPr>
           <a:xfrm>
-            <a:off x="330200" y="2971800"/>
-            <a:ext cx="12344400" cy="5693866"/>
+            <a:off x="330200" y="3200400"/>
+            <a:ext cx="12344400" cy="3046988"/>
           </a:xfrm>
           <a:prstGeom prst="rect">
             <a:avLst/>
           </a:prstGeom>
+          <a:solidFill>
+            <a:schemeClr val="bg1"/>
+          </a:solidFill>
           <a:ln>
             <a:solidFill>
               <a:schemeClr val="tx1"/>
@@ -21562,396 +22069,61 @@
           <a:lstStyle/>
           <a:p>
             <a:r>
-              <a:rPr lang="en-US" sz="2800" b="1" dirty="0" smtClean="0">
-                <a:solidFill>
-                  <a:srgbClr val="7F0055"/>
-                </a:solidFill>
-                <a:latin typeface="Courier New"/>
-              </a:rPr>
-              <a:t>class</a:t>
-            </a:r>
-            <a:r>
-              <a:rPr lang="en-US" sz="2800" b="1" dirty="0" smtClean="0">
-                <a:latin typeface="Courier New"/>
-              </a:rPr>
-              <a:t> </a:t>
-            </a:r>
-            <a:r>
-              <a:rPr lang="en-US" sz="2800" b="1" dirty="0" err="1" smtClean="0">
-                <a:latin typeface="Courier New"/>
-              </a:rPr>
-              <a:t>ExampleDesc</a:t>
-            </a:r>
-            <a:r>
-              <a:rPr lang="en-US" sz="2800" b="1" dirty="0" smtClean="0">
-                <a:latin typeface="Courier New"/>
-              </a:rPr>
-              <a:t>(d: </a:t>
-            </a:r>
-            <a:r>
-              <a:rPr lang="en-US" sz="2800" b="1" dirty="0" smtClean="0">
-                <a:latin typeface="Courier New"/>
-              </a:rPr>
-              <a:t>String) {</a:t>
-            </a:r>
-          </a:p>
-          <a:p>
-            <a:r>
-              <a:rPr lang="en-US" sz="2800" b="1" dirty="0" smtClean="0">
-                <a:solidFill>
-                  <a:srgbClr val="7F0055"/>
-                </a:solidFill>
-                <a:latin typeface="Courier New"/>
-              </a:rPr>
-              <a:t>  def</a:t>
-            </a:r>
-            <a:r>
-              <a:rPr lang="en-US" sz="2800" b="1" dirty="0" smtClean="0">
-                <a:latin typeface="Courier New"/>
-              </a:rPr>
-              <a:t> </a:t>
-            </a:r>
-            <a:r>
-              <a:rPr lang="en-US" sz="2800" b="1" dirty="0" smtClean="0">
-                <a:latin typeface="Courier New"/>
-              </a:rPr>
-              <a:t>&gt;&gt;(e: =&gt;</a:t>
-            </a:r>
-            <a:r>
-              <a:rPr lang="en-US" sz="2800" b="1" dirty="0" smtClean="0">
-                <a:solidFill>
-                  <a:srgbClr val="7F0055"/>
-                </a:solidFill>
-                <a:latin typeface="Courier New"/>
-              </a:rPr>
-              <a:t>Any</a:t>
-            </a:r>
-            <a:r>
-              <a:rPr lang="en-US" sz="2800" b="1" dirty="0" smtClean="0">
-                <a:latin typeface="Courier New"/>
-              </a:rPr>
-              <a:t>): Example = </a:t>
-            </a:r>
-            <a:r>
-              <a:rPr lang="en-US" sz="2800" b="1" dirty="0" smtClean="0">
-                <a:solidFill>
-                  <a:srgbClr val="7F0055"/>
-                </a:solidFill>
-                <a:latin typeface="Courier New"/>
-              </a:rPr>
-              <a:t>new</a:t>
-            </a:r>
-            <a:r>
-              <a:rPr lang="en-US" sz="2800" b="1" dirty="0" smtClean="0">
-                <a:latin typeface="Courier New"/>
-              </a:rPr>
-              <a:t> </a:t>
-            </a:r>
-            <a:r>
-              <a:rPr lang="en-US" sz="2800" b="1" dirty="0" smtClean="0">
-                <a:latin typeface="Courier New"/>
-              </a:rPr>
-              <a:t>Example(d, </a:t>
-            </a:r>
-            <a:r>
-              <a:rPr lang="en-US" sz="2800" b="1" dirty="0" smtClean="0">
-                <a:latin typeface="Courier New"/>
-              </a:rPr>
-              <a:t>e)</a:t>
-            </a:r>
-          </a:p>
-          <a:p>
-            <a:r>
-              <a:rPr lang="en-US" sz="2800" dirty="0" smtClean="0">
-                <a:latin typeface="Courier New"/>
-              </a:rPr>
-              <a:t>}</a:t>
-            </a:r>
-            <a:endParaRPr lang="en-US" sz="2800" dirty="0" smtClean="0">
+              <a:rPr lang="en-US" sz="3200" dirty="0" smtClean="0">
+                <a:latin typeface="Courier New"/>
+              </a:rPr>
+              <a:t>list must have size(3)</a:t>
+            </a:r>
+          </a:p>
+          <a:p>
+            <a:r>
+              <a:rPr lang="en-US" sz="3200" dirty="0" smtClean="0">
+                <a:latin typeface="Courier New"/>
+              </a:rPr>
+              <a:t>list </a:t>
+            </a:r>
+            <a:r>
+              <a:rPr lang="en-US" sz="3200" dirty="0" smtClean="0">
+                <a:latin typeface="Courier New"/>
+              </a:rPr>
+              <a:t>must be empty</a:t>
+            </a:r>
+          </a:p>
+          <a:p>
+            <a:r>
+              <a:rPr lang="en-US" sz="3200" dirty="0" smtClean="0">
+                <a:latin typeface="Courier New"/>
+              </a:rPr>
+              <a:t>  </a:t>
+            </a:r>
+          </a:p>
+          <a:p>
+            <a:r>
+              <a:rPr lang="en-US" sz="3200" dirty="0" smtClean="0">
+                <a:latin typeface="Courier New"/>
+              </a:rPr>
+              <a:t>list must have size(2) or have size(3</a:t>
+            </a:r>
+            <a:r>
+              <a:rPr lang="en-US" sz="3200" dirty="0" smtClean="0">
+                <a:latin typeface="Courier New"/>
+              </a:rPr>
+              <a:t>)</a:t>
+            </a:r>
+          </a:p>
+          <a:p>
+            <a:endParaRPr lang="en-US" sz="3200" dirty="0" smtClean="0">
               <a:latin typeface="Courier New"/>
             </a:endParaRPr>
           </a:p>
           <a:p>
             <a:r>
-              <a:rPr lang="en-US" sz="2800" b="1" dirty="0" smtClean="0">
-                <a:solidFill>
-                  <a:srgbClr val="7F0055"/>
-                </a:solidFill>
-                <a:latin typeface="Courier New"/>
-              </a:rPr>
-              <a:t>class</a:t>
-            </a:r>
-            <a:r>
-              <a:rPr lang="en-US" sz="2800" b="1" dirty="0" smtClean="0">
-                <a:latin typeface="Courier New"/>
-              </a:rPr>
-              <a:t> Example(d: </a:t>
-            </a:r>
-            <a:r>
-              <a:rPr lang="en-US" sz="2800" b="1" dirty="0" smtClean="0">
-                <a:latin typeface="Courier New"/>
-              </a:rPr>
-              <a:t>String, </a:t>
-            </a:r>
-            <a:r>
-              <a:rPr lang="en-US" sz="2800" b="1" dirty="0" smtClean="0">
-                <a:latin typeface="Courier New"/>
-              </a:rPr>
-              <a:t>e: </a:t>
-            </a:r>
-            <a:r>
-              <a:rPr lang="en-US" sz="2800" b="1" dirty="0" smtClean="0">
-                <a:latin typeface="Courier New"/>
-              </a:rPr>
-              <a:t>=&gt;</a:t>
-            </a:r>
-            <a:r>
-              <a:rPr lang="en-US" sz="2800" b="1" dirty="0" smtClean="0">
-                <a:solidFill>
-                  <a:srgbClr val="7F0055"/>
-                </a:solidFill>
-                <a:latin typeface="Courier New"/>
-              </a:rPr>
-              <a:t>Any</a:t>
-            </a:r>
-            <a:r>
-              <a:rPr lang="en-US" sz="2800" b="1" dirty="0" smtClean="0">
-                <a:latin typeface="Courier New"/>
-              </a:rPr>
-              <a:t>) {</a:t>
-            </a:r>
-          </a:p>
-          <a:p>
-            <a:r>
-              <a:rPr lang="en-US" sz="2800" b="1" dirty="0" smtClean="0">
-                <a:solidFill>
-                  <a:srgbClr val="7F0055"/>
-                </a:solidFill>
-                <a:latin typeface="Courier New"/>
-              </a:rPr>
-              <a:t>  def</a:t>
-            </a:r>
-            <a:r>
-              <a:rPr lang="en-US" sz="2800" b="1" dirty="0" smtClean="0">
-                <a:latin typeface="Courier New"/>
-              </a:rPr>
-              <a:t> </a:t>
-            </a:r>
-            <a:r>
-              <a:rPr lang="en-US" sz="2800" b="1" dirty="0" smtClean="0">
-                <a:latin typeface="Courier New"/>
-              </a:rPr>
-              <a:t>&gt;&gt;(e: =&gt;</a:t>
-            </a:r>
-            <a:r>
-              <a:rPr lang="en-US" sz="2800" b="1" dirty="0" smtClean="0">
-                <a:solidFill>
-                  <a:srgbClr val="7F0055"/>
-                </a:solidFill>
-                <a:latin typeface="Courier New"/>
-              </a:rPr>
-              <a:t>Any</a:t>
-            </a:r>
-            <a:r>
-              <a:rPr lang="en-US" sz="2800" b="1" dirty="0" smtClean="0">
-                <a:latin typeface="Courier New"/>
-              </a:rPr>
-              <a:t>): Example = </a:t>
-            </a:r>
-            <a:r>
-              <a:rPr lang="en-US" sz="2800" b="1" dirty="0" smtClean="0">
-                <a:solidFill>
-                  <a:srgbClr val="7F0055"/>
-                </a:solidFill>
-                <a:latin typeface="Courier New"/>
-              </a:rPr>
-              <a:t>new</a:t>
-            </a:r>
-            <a:r>
-              <a:rPr lang="en-US" sz="2800" b="1" dirty="0" smtClean="0">
-                <a:latin typeface="Courier New"/>
-              </a:rPr>
-              <a:t> </a:t>
-            </a:r>
-            <a:r>
-              <a:rPr lang="en-US" sz="2800" b="1" dirty="0" smtClean="0">
-                <a:latin typeface="Courier New"/>
-              </a:rPr>
-              <a:t>Example(d, </a:t>
-            </a:r>
-            <a:r>
-              <a:rPr lang="en-US" sz="2800" b="1" dirty="0" smtClean="0">
-                <a:latin typeface="Courier New"/>
-              </a:rPr>
-              <a:t>e)</a:t>
-            </a:r>
-          </a:p>
-          <a:p>
-            <a:r>
-              <a:rPr lang="en-US" sz="2800" dirty="0" smtClean="0">
-                <a:latin typeface="Courier New"/>
-              </a:rPr>
-              <a:t>}</a:t>
-            </a:r>
-            <a:endParaRPr lang="en-US" sz="2800" dirty="0" smtClean="0">
-              <a:latin typeface="Courier New"/>
-            </a:endParaRPr>
-          </a:p>
-          <a:p>
-            <a:endParaRPr lang="en-US" sz="2800" dirty="0" smtClean="0">
-              <a:solidFill>
-                <a:srgbClr val="2A00FF"/>
-              </a:solidFill>
-              <a:latin typeface="Courier New"/>
-            </a:endParaRPr>
-          </a:p>
-          <a:p>
-            <a:r>
-              <a:rPr lang="en-US" sz="2800" dirty="0" smtClean="0">
-                <a:solidFill>
-                  <a:srgbClr val="2A00FF"/>
-                </a:solidFill>
-                <a:latin typeface="Courier New"/>
-              </a:rPr>
-              <a:t>"</a:t>
-            </a:r>
-            <a:r>
-              <a:rPr lang="en-US" sz="2800" dirty="0" smtClean="0">
-                <a:solidFill>
-                  <a:srgbClr val="2A00FF"/>
-                </a:solidFill>
-                <a:latin typeface="Courier New"/>
-              </a:rPr>
-              <a:t>When I setup the system"</a:t>
-            </a:r>
-            <a:r>
-              <a:rPr lang="en-US" sz="2800" dirty="0" smtClean="0">
-                <a:latin typeface="Courier New"/>
-              </a:rPr>
-              <a:t> &gt;&gt; {</a:t>
-            </a:r>
-          </a:p>
-          <a:p>
-            <a:r>
-              <a:rPr lang="en-US" sz="2800" dirty="0" smtClean="0">
-                <a:solidFill>
-                  <a:srgbClr val="2A00FF"/>
-                </a:solidFill>
-                <a:latin typeface="Courier New"/>
-              </a:rPr>
-              <a:t>  "</a:t>
-            </a:r>
-            <a:r>
-              <a:rPr lang="en-US" sz="2800" dirty="0" smtClean="0">
-                <a:solidFill>
-                  <a:srgbClr val="2A00FF"/>
-                </a:solidFill>
-                <a:latin typeface="Courier New"/>
-              </a:rPr>
-              <a:t>And a customer is entered"</a:t>
-            </a:r>
-            <a:r>
-              <a:rPr lang="en-US" sz="2800" dirty="0" smtClean="0">
-                <a:latin typeface="Courier New"/>
-              </a:rPr>
-              <a:t> &gt;&gt; {</a:t>
-            </a:r>
-          </a:p>
-          <a:p>
-            <a:r>
-              <a:rPr lang="en-US" sz="2800" dirty="0" smtClean="0">
-                <a:latin typeface="Courier New"/>
-              </a:rPr>
-              <a:t>  </a:t>
-            </a:r>
-            <a:r>
-              <a:rPr lang="en-US" sz="2800" dirty="0" smtClean="0">
-                <a:latin typeface="Courier New"/>
-              </a:rPr>
-              <a:t>  </a:t>
-            </a:r>
-            <a:r>
-              <a:rPr lang="en-US" sz="2800" dirty="0" smtClean="0">
-                <a:solidFill>
-                  <a:srgbClr val="2A00FF"/>
-                </a:solidFill>
-                <a:latin typeface="Courier New"/>
-              </a:rPr>
-              <a:t>"</a:t>
-            </a:r>
-            <a:r>
-              <a:rPr lang="en-US" sz="2800" dirty="0" smtClean="0">
-                <a:solidFill>
-                  <a:srgbClr val="2A00FF"/>
-                </a:solidFill>
-                <a:latin typeface="Courier New"/>
-              </a:rPr>
-              <a:t>if he has a discount"</a:t>
-            </a:r>
-            <a:r>
-              <a:rPr lang="en-US" sz="2800" dirty="0" smtClean="0">
-                <a:latin typeface="Courier New"/>
-              </a:rPr>
-              <a:t> &gt;&gt; {}</a:t>
-            </a:r>
-          </a:p>
-          <a:p>
-            <a:r>
-              <a:rPr lang="en-US" sz="2800" dirty="0" smtClean="0">
-                <a:latin typeface="Courier New"/>
-              </a:rPr>
-              <a:t>  </a:t>
-            </a:r>
-            <a:r>
-              <a:rPr lang="en-US" sz="2800" dirty="0" smtClean="0">
-                <a:latin typeface="Courier New"/>
-              </a:rPr>
-              <a:t>  </a:t>
-            </a:r>
-            <a:r>
-              <a:rPr lang="en-US" sz="2800" dirty="0" smtClean="0">
-                <a:solidFill>
-                  <a:srgbClr val="2A00FF"/>
-                </a:solidFill>
-                <a:latin typeface="Courier New"/>
-              </a:rPr>
-              <a:t>"</a:t>
-            </a:r>
-            <a:r>
-              <a:rPr lang="en-US" sz="2800" dirty="0" smtClean="0">
-                <a:solidFill>
-                  <a:srgbClr val="2A00FF"/>
-                </a:solidFill>
-                <a:latin typeface="Courier New"/>
-              </a:rPr>
-              <a:t>if he doesn't have a discount"</a:t>
-            </a:r>
-            <a:r>
-              <a:rPr lang="en-US" sz="2800" dirty="0" smtClean="0">
-                <a:latin typeface="Courier New"/>
-              </a:rPr>
-              <a:t> &gt;&gt; {}</a:t>
-            </a:r>
-          </a:p>
-          <a:p>
-            <a:r>
-              <a:rPr lang="en-US" sz="2800" dirty="0" smtClean="0">
-                <a:latin typeface="Courier New"/>
-              </a:rPr>
-              <a:t>  }</a:t>
-            </a:r>
-            <a:endParaRPr lang="en-US" sz="2800" dirty="0" smtClean="0">
-              <a:latin typeface="Courier New"/>
-            </a:endParaRPr>
-          </a:p>
-          <a:p>
-            <a:r>
-              <a:rPr lang="en-US" sz="2800" dirty="0" smtClean="0">
-                <a:latin typeface="Courier New"/>
-              </a:rPr>
-              <a:t>}</a:t>
-            </a:r>
-            <a:endParaRPr lang="en-US" sz="2800" b="1" dirty="0" smtClean="0">
+              <a:rPr lang="en-US" sz="3200" dirty="0" smtClean="0">
+                <a:latin typeface="Courier New"/>
+              </a:rPr>
+              <a:t>(((list must have).size(2)).or(have)).size(3)</a:t>
+            </a:r>
+            <a:endParaRPr lang="en-US" sz="3200" b="1" dirty="0" smtClean="0">
               <a:solidFill>
                 <a:srgbClr val="7F0055"/>
               </a:solidFill>
@@ -21960,46 +22132,9 @@
           </a:p>
         </p:txBody>
       </p:sp>
-      <p:sp>
-        <p:nvSpPr>
-          <p:cNvPr id="14" name="Rectangle 13"/>
-          <p:cNvSpPr/>
-          <p:nvPr/>
-        </p:nvSpPr>
-        <p:spPr>
-          <a:xfrm>
-            <a:off x="3759200" y="1447800"/>
-            <a:ext cx="3978973" cy="923330"/>
-          </a:xfrm>
-          <a:prstGeom prst="rect">
-            <a:avLst/>
-          </a:prstGeom>
-        </p:spPr>
-        <p:txBody>
-          <a:bodyPr wrap="none">
-            <a:spAutoFit/>
-          </a:bodyPr>
-          <a:lstStyle/>
-          <a:p>
-            <a:pPr algn="ctr"/>
-            <a:r>
-              <a:rPr lang="en-US" sz="5400" b="1" kern="0" dirty="0" smtClean="0">
-                <a:solidFill>
-                  <a:srgbClr val="0C0F20"/>
-                </a:solidFill>
-                <a:latin typeface="Lucida Handwriting" pitchFamily="66" charset="0"/>
-                <a:cs typeface="+mj-cs"/>
-                <a:sym typeface="Arial" charset="0"/>
-              </a:rPr>
-              <a:t>Operators</a:t>
-            </a:r>
-            <a:endParaRPr lang="en-US" dirty="0"/>
-          </a:p>
-        </p:txBody>
-      </p:sp>
       <p:pic>
         <p:nvPicPr>
-          <p:cNvPr id="15" name="Picture 2" descr="toolbox icon"/>
+          <p:cNvPr id="74758" name="Picture 6" descr="film, film roll, media, picture, video icon"/>
           <p:cNvPicPr>
             <a:picLocks noChangeAspect="1" noChangeArrowheads="1"/>
           </p:cNvPicPr>
@@ -22007,15 +22142,15 @@
         </p:nvPicPr>
         <p:blipFill>
           <a:blip r:embed="rId4"/>
-          <a:srcRect/>
+          <a:srcRect b="25000"/>
           <a:stretch>
             <a:fillRect/>
           </a:stretch>
         </p:blipFill>
         <p:spPr bwMode="auto">
           <a:xfrm>
-            <a:off x="558800" y="1066800"/>
-            <a:ext cx="1676400" cy="1676401"/>
+            <a:off x="863600" y="1066800"/>
+            <a:ext cx="1828800" cy="1371600"/>
           </a:xfrm>
           <a:prstGeom prst="rect">
             <a:avLst/>
@@ -22023,6 +22158,112 @@
           <a:noFill/>
         </p:spPr>
       </p:pic>
+      <p:sp>
+        <p:nvSpPr>
+          <p:cNvPr id="9" name="Rectangle 1"/>
+          <p:cNvSpPr txBox="1">
+            <a:spLocks noChangeArrowheads="1"/>
+          </p:cNvSpPr>
+          <p:nvPr/>
+        </p:nvSpPr>
+        <p:spPr bwMode="auto">
+          <a:xfrm>
+            <a:off x="5283200" y="6858000"/>
+            <a:ext cx="7086600" cy="685800"/>
+          </a:xfrm>
+          <a:prstGeom prst="rect">
+            <a:avLst/>
+          </a:prstGeom>
+          <a:noFill/>
+          <a:ln w="12700">
+            <a:noFill/>
+            <a:miter lim="800000"/>
+            <a:headEnd/>
+            <a:tailEnd/>
+          </a:ln>
+          <a:effectLst/>
+        </p:spPr>
+        <p:txBody>
+          <a:bodyPr vert="horz" wrap="square" lIns="50800" tIns="50800" rIns="50800" bIns="50800" numCol="1" anchor="ctr" anchorCtr="0" compatLnSpc="1">
+            <a:prstTxWarp prst="textNoShape">
+              <a:avLst/>
+            </a:prstTxWarp>
+          </a:bodyPr>
+          <a:lstStyle/>
+          <a:p>
+            <a:pPr lvl="0" algn="r"/>
+            <a:r>
+              <a:rPr kumimoji="0" lang="en-US" sz="4400" b="1" i="0" u="none" strike="noStrike" kern="0" cap="none" spc="0" normalizeH="0" baseline="0" noProof="0" dirty="0" smtClean="0">
+                <a:ln>
+                  <a:noFill/>
+                </a:ln>
+                <a:solidFill>
+                  <a:srgbClr val="FF0000"/>
+                </a:solidFill>
+                <a:effectLst/>
+                <a:uLnTx/>
+                <a:uFillTx/>
+                <a:latin typeface="Candara" pitchFamily="34" charset="0"/>
+                <a:ea typeface="+mj-ea"/>
+                <a:cs typeface="+mj-cs"/>
+                <a:sym typeface="Wingdings"/>
+              </a:rPr>
+              <a:t></a:t>
+            </a:r>
+            <a:r>
+              <a:rPr kumimoji="0" lang="en-US" sz="4400" b="1" i="0" u="none" strike="noStrike" kern="0" cap="none" spc="0" normalizeH="0" baseline="0" noProof="0" dirty="0" smtClean="0">
+                <a:ln>
+                  <a:noFill/>
+                </a:ln>
+                <a:solidFill>
+                  <a:srgbClr val="FF0000"/>
+                </a:solidFill>
+                <a:effectLst/>
+                <a:uLnTx/>
+                <a:uFillTx/>
+                <a:latin typeface="Candara" pitchFamily="34" charset="0"/>
+                <a:ea typeface="+mj-ea"/>
+                <a:cs typeface="+mj-cs"/>
+                <a:sym typeface="Arial" charset="0"/>
+              </a:rPr>
+              <a:t> Fancy but difficult</a:t>
+            </a:r>
+            <a:r>
+              <a:rPr kumimoji="0" lang="en-US" sz="4400" b="1" i="0" u="none" strike="noStrike" kern="0" cap="none" spc="0" normalizeH="0" noProof="0" dirty="0" smtClean="0">
+                <a:ln>
+                  <a:noFill/>
+                </a:ln>
+                <a:solidFill>
+                  <a:srgbClr val="FF0000"/>
+                </a:solidFill>
+                <a:effectLst/>
+                <a:uLnTx/>
+                <a:uFillTx/>
+                <a:latin typeface="Candara" pitchFamily="34" charset="0"/>
+                <a:ea typeface="+mj-ea"/>
+                <a:cs typeface="+mj-cs"/>
+                <a:sym typeface="Arial" charset="0"/>
+              </a:rPr>
+              <a:t> to reason about</a:t>
+            </a:r>
+            <a:endParaRPr kumimoji="0" lang="en-US" sz="4400" b="1" i="0" u="none" strike="noStrike" kern="0" cap="none" spc="0" normalizeH="0" baseline="0" noProof="0" dirty="0">
+              <a:ln>
+                <a:noFill/>
+              </a:ln>
+              <a:solidFill>
+                <a:srgbClr val="E75145"/>
+              </a:solidFill>
+              <a:effectLst/>
+              <a:uLnTx/>
+              <a:uFillTx/>
+              <a:latin typeface="Candara" pitchFamily="34" charset="0"/>
+              <a:ea typeface="+mj-ea"/>
+              <a:cs typeface="+mj-cs"/>
+              <a:sym typeface="Arial" charset="0"/>
+            </a:endParaRPr>
+          </a:p>
+        </p:txBody>
+      </p:sp>
     </p:spTree>
   </p:cSld>
   <p:clrMapOvr>
@@ -22167,47 +22408,6 @@
           </a:p>
         </p:txBody>
       </p:sp>
-      <p:sp>
-        <p:nvSpPr>
-          <p:cNvPr id="7" name="Rectangle 6"/>
-          <p:cNvSpPr/>
-          <p:nvPr/>
-        </p:nvSpPr>
-        <p:spPr>
-          <a:xfrm>
-            <a:off x="4510641" y="1438870"/>
-            <a:ext cx="4503156" cy="923330"/>
-          </a:xfrm>
-          <a:prstGeom prst="rect">
-            <a:avLst/>
-          </a:prstGeom>
-        </p:spPr>
-        <p:txBody>
-          <a:bodyPr wrap="none">
-            <a:spAutoFit/>
-          </a:bodyPr>
-          <a:lstStyle/>
-          <a:p>
-            <a:pPr algn="ctr"/>
-            <a:r>
-              <a:rPr lang="en-US" sz="5400" b="1" kern="0" dirty="0" smtClean="0">
-                <a:solidFill>
-                  <a:srgbClr val="00CC66"/>
-                </a:solidFill>
-                <a:latin typeface="Lucida Handwriting" pitchFamily="66" charset="0"/>
-                <a:cs typeface="+mj-cs"/>
-                <a:sym typeface="Arial" charset="0"/>
-              </a:rPr>
-              <a:t>precedence</a:t>
-            </a:r>
-            <a:endParaRPr lang="en-US" dirty="0">
-              <a:solidFill>
-                <a:srgbClr val="00CC66"/>
-              </a:solidFill>
-            </a:endParaRPr>
-          </a:p>
-        </p:txBody>
-      </p:sp>
       <p:pic>
         <p:nvPicPr>
           <p:cNvPr id="8" name="Picture 10" descr="http://knowledgehub.zeus.com/media/Scala_Logo2008.png"/>
@@ -22242,15 +22442,12 @@
         </p:nvSpPr>
         <p:spPr>
           <a:xfrm>
-            <a:off x="330200" y="2819400"/>
-            <a:ext cx="12344400" cy="3539430"/>
+            <a:off x="330200" y="2971800"/>
+            <a:ext cx="12344400" cy="4401205"/>
           </a:xfrm>
           <a:prstGeom prst="rect">
             <a:avLst/>
           </a:prstGeom>
-          <a:solidFill>
-            <a:schemeClr val="bg1"/>
-          </a:solidFill>
           <a:ln>
             <a:solidFill>
               <a:schemeClr val="tx1"/>
@@ -22265,188 +22462,285 @@
           <a:lstStyle/>
           <a:p>
             <a:r>
-              <a:rPr lang="en-US" sz="3200" dirty="0" smtClean="0">
-                <a:solidFill>
-                  <a:srgbClr val="3F5FBF"/>
-                </a:solidFill>
-                <a:latin typeface="Courier New"/>
-              </a:rPr>
-              <a:t>/**</a:t>
-            </a:r>
-            <a:endParaRPr lang="en-US" sz="3200" dirty="0" smtClean="0">
-              <a:solidFill>
-                <a:srgbClr val="3F5FBF"/>
-              </a:solidFill>
-              <a:latin typeface="Courier New"/>
-            </a:endParaRPr>
-          </a:p>
-          <a:p>
-            <a:r>
-              <a:rPr lang="en-US" sz="3200" dirty="0" smtClean="0">
-                <a:solidFill>
-                  <a:srgbClr val="3F5FBF"/>
-                </a:solidFill>
-                <a:latin typeface="Courier New"/>
-              </a:rPr>
-              <a:t> </a:t>
-            </a:r>
-            <a:r>
-              <a:rPr lang="en-US" sz="3200" dirty="0" smtClean="0">
-                <a:solidFill>
-                  <a:srgbClr val="3F5FBF"/>
-                </a:solidFill>
-                <a:latin typeface="Courier New"/>
-              </a:rPr>
-              <a:t>* Fit</a:t>
-            </a:r>
-            <a:r>
-              <a:rPr lang="en-US" sz="3200" dirty="0" smtClean="0">
-                <a:solidFill>
-                  <a:srgbClr val="7F7F9F"/>
-                </a:solidFill>
-                <a:latin typeface="Courier New"/>
-              </a:rPr>
-              <a:t>-</a:t>
-            </a:r>
-            <a:r>
-              <a:rPr lang="en-US" sz="3200" dirty="0" smtClean="0">
-                <a:solidFill>
-                  <a:srgbClr val="3F5FBF"/>
-                </a:solidFill>
-                <a:latin typeface="Courier New"/>
-              </a:rPr>
-              <a:t>like table in </a:t>
-            </a:r>
-            <a:r>
-              <a:rPr lang="en-US" sz="3200" dirty="0" err="1" smtClean="0">
-                <a:solidFill>
-                  <a:srgbClr val="3F5FBF"/>
-                </a:solidFill>
-                <a:latin typeface="Courier New"/>
-              </a:rPr>
-              <a:t>Scala</a:t>
-            </a:r>
-            <a:r>
-              <a:rPr lang="en-US" sz="3200" dirty="0" smtClean="0">
-                <a:solidFill>
-                  <a:srgbClr val="3F5FBF"/>
-                </a:solidFill>
-                <a:latin typeface="Courier New"/>
-              </a:rPr>
-              <a:t>?</a:t>
-            </a:r>
-          </a:p>
-          <a:p>
-            <a:r>
-              <a:rPr lang="en-US" sz="3200" dirty="0" smtClean="0">
-                <a:solidFill>
-                  <a:srgbClr val="3F5FBF"/>
-                </a:solidFill>
-                <a:latin typeface="Courier New"/>
-              </a:rPr>
-              <a:t> </a:t>
-            </a:r>
-            <a:r>
-              <a:rPr lang="en-US" sz="3200" dirty="0" smtClean="0">
-                <a:solidFill>
-                  <a:srgbClr val="3F5FBF"/>
-                </a:solidFill>
-                <a:latin typeface="Courier New"/>
-              </a:rPr>
-              <a:t>* </a:t>
-            </a:r>
-          </a:p>
-          <a:p>
-            <a:r>
-              <a:rPr lang="en-US" sz="3200" dirty="0" smtClean="0">
-                <a:solidFill>
-                  <a:srgbClr val="3F5FBF"/>
-                </a:solidFill>
-                <a:latin typeface="Courier New"/>
-              </a:rPr>
-              <a:t> </a:t>
-            </a:r>
-            <a:r>
-              <a:rPr lang="en-US" sz="3200" dirty="0" smtClean="0">
-                <a:solidFill>
-                  <a:srgbClr val="3F5FBF"/>
-                </a:solidFill>
-                <a:latin typeface="Courier New"/>
-              </a:rPr>
-              <a:t>*  | a | b | c |</a:t>
-            </a:r>
-          </a:p>
-          <a:p>
-            <a:r>
-              <a:rPr lang="en-US" sz="3200" dirty="0" smtClean="0">
-                <a:solidFill>
-                  <a:srgbClr val="3F5FBF"/>
-                </a:solidFill>
-                <a:latin typeface="Courier New"/>
-              </a:rPr>
-              <a:t> </a:t>
-            </a:r>
-            <a:r>
-              <a:rPr lang="en-US" sz="3200" dirty="0" smtClean="0">
-                <a:solidFill>
-                  <a:srgbClr val="3F5FBF"/>
-                </a:solidFill>
-                <a:latin typeface="Courier New"/>
-              </a:rPr>
-              <a:t>*  | 1 | 2 | 3 |</a:t>
-            </a:r>
-          </a:p>
-          <a:p>
-            <a:r>
-              <a:rPr lang="en-US" sz="3200" dirty="0" smtClean="0">
-                <a:solidFill>
-                  <a:srgbClr val="3F5FBF"/>
-                </a:solidFill>
-                <a:latin typeface="Courier New"/>
-              </a:rPr>
-              <a:t> </a:t>
-            </a:r>
-            <a:r>
-              <a:rPr lang="en-US" sz="3200" dirty="0" smtClean="0">
-                <a:solidFill>
-                  <a:srgbClr val="3F5FBF"/>
-                </a:solidFill>
-                <a:latin typeface="Courier New"/>
-              </a:rPr>
-              <a:t>*  | 2 | 2 | 4 |</a:t>
-            </a:r>
-          </a:p>
-          <a:p>
-            <a:r>
-              <a:rPr lang="en-US" sz="3200" dirty="0" smtClean="0">
-                <a:solidFill>
-                  <a:srgbClr val="3F5FBF"/>
-                </a:solidFill>
-                <a:latin typeface="Courier New"/>
-              </a:rPr>
-              <a:t> </a:t>
-            </a:r>
-            <a:r>
-              <a:rPr lang="en-US" sz="3200" dirty="0" smtClean="0">
-                <a:solidFill>
-                  <a:srgbClr val="3F5FBF"/>
-                </a:solidFill>
-                <a:latin typeface="Courier New"/>
-              </a:rPr>
-              <a:t>*/</a:t>
-            </a:r>
-            <a:endParaRPr lang="en-US" sz="3200" b="1" dirty="0" smtClean="0">
+              <a:rPr lang="en-US" sz="2800" b="1" dirty="0" smtClean="0">
+                <a:solidFill>
+                  <a:srgbClr val="7F0055"/>
+                </a:solidFill>
+                <a:latin typeface="Courier New"/>
+              </a:rPr>
+              <a:t>class</a:t>
+            </a:r>
+            <a:r>
+              <a:rPr lang="en-US" sz="2800" b="1" dirty="0" smtClean="0">
+                <a:latin typeface="Courier New"/>
+              </a:rPr>
+              <a:t> Spec </a:t>
+            </a:r>
+            <a:r>
+              <a:rPr lang="en-US" sz="2800" b="1" dirty="0" smtClean="0">
+                <a:solidFill>
+                  <a:srgbClr val="7F0055"/>
+                </a:solidFill>
+                <a:latin typeface="Courier New"/>
+              </a:rPr>
+              <a:t>extends</a:t>
+            </a:r>
+            <a:r>
+              <a:rPr lang="en-US" sz="2800" b="1" dirty="0" smtClean="0">
+                <a:latin typeface="Courier New"/>
+              </a:rPr>
+              <a:t> Tagged {</a:t>
+            </a:r>
+          </a:p>
+          <a:p>
+            <a:r>
+              <a:rPr lang="en-US" sz="2800" b="1" dirty="0" smtClean="0">
+                <a:solidFill>
+                  <a:srgbClr val="7F0055"/>
+                </a:solidFill>
+                <a:latin typeface="Courier New"/>
+              </a:rPr>
+              <a:t>  def</a:t>
+            </a:r>
+            <a:r>
+              <a:rPr lang="en-US" sz="2800" b="1" dirty="0" smtClean="0">
+                <a:latin typeface="Courier New"/>
+              </a:rPr>
+              <a:t> include(other: Spec*): Spec = </a:t>
+            </a:r>
+            <a:r>
+              <a:rPr lang="en-US" sz="2800" b="1" dirty="0" smtClean="0">
+                <a:solidFill>
+                  <a:srgbClr val="7F0055"/>
+                </a:solidFill>
+                <a:latin typeface="Courier New"/>
+              </a:rPr>
+              <a:t>this</a:t>
+            </a:r>
+          </a:p>
+          <a:p>
+            <a:r>
+              <a:rPr lang="en-US" sz="2800" dirty="0" smtClean="0">
+                <a:latin typeface="Courier New"/>
+              </a:rPr>
+              <a:t>}</a:t>
+            </a:r>
+          </a:p>
+          <a:p>
+            <a:endParaRPr lang="en-US" sz="2800" b="1" dirty="0" smtClean="0">
               <a:solidFill>
                 <a:srgbClr val="7F0055"/>
               </a:solidFill>
               <a:latin typeface="Courier New"/>
             </a:endParaRPr>
           </a:p>
+          <a:p>
+            <a:r>
+              <a:rPr lang="en-US" sz="2800" b="1" dirty="0" err="1" smtClean="0">
+                <a:solidFill>
+                  <a:srgbClr val="7F0055"/>
+                </a:solidFill>
+                <a:latin typeface="Courier New"/>
+              </a:rPr>
+              <a:t>val</a:t>
+            </a:r>
+            <a:r>
+              <a:rPr lang="en-US" sz="2800" b="1" dirty="0" smtClean="0">
+                <a:latin typeface="Courier New"/>
+              </a:rPr>
+              <a:t> </a:t>
+            </a:r>
+            <a:r>
+              <a:rPr lang="en-US" sz="2800" b="1" dirty="0" smtClean="0">
+                <a:latin typeface="Courier New"/>
+              </a:rPr>
+              <a:t>(slow, fast) = (</a:t>
+            </a:r>
+            <a:r>
+              <a:rPr lang="en-US" sz="2800" b="1" dirty="0" smtClean="0">
+                <a:solidFill>
+                  <a:srgbClr val="7F0055"/>
+                </a:solidFill>
+                <a:latin typeface="Courier New"/>
+              </a:rPr>
+              <a:t>new</a:t>
+            </a:r>
+            <a:r>
+              <a:rPr lang="en-US" sz="2800" b="1" dirty="0" smtClean="0">
+                <a:latin typeface="Courier New"/>
+              </a:rPr>
+              <a:t> Spec, </a:t>
+            </a:r>
+            <a:r>
+              <a:rPr lang="en-US" sz="2800" b="1" dirty="0" smtClean="0">
+                <a:solidFill>
+                  <a:srgbClr val="7F0055"/>
+                </a:solidFill>
+                <a:latin typeface="Courier New"/>
+              </a:rPr>
+              <a:t>new</a:t>
+            </a:r>
+            <a:r>
+              <a:rPr lang="en-US" sz="2800" b="1" dirty="0" smtClean="0">
+                <a:latin typeface="Courier New"/>
+              </a:rPr>
+              <a:t> Spec)</a:t>
+            </a:r>
+          </a:p>
+          <a:p>
+            <a:r>
+              <a:rPr lang="en-US" sz="2800" b="1" dirty="0" smtClean="0">
+                <a:solidFill>
+                  <a:srgbClr val="7F0055"/>
+                </a:solidFill>
+                <a:latin typeface="Courier New"/>
+              </a:rPr>
+              <a:t>class</a:t>
+            </a:r>
+            <a:r>
+              <a:rPr lang="en-US" sz="2800" b="1" dirty="0" smtClean="0">
+                <a:latin typeface="Courier New"/>
+              </a:rPr>
+              <a:t> </a:t>
+            </a:r>
+            <a:r>
+              <a:rPr lang="en-US" sz="2800" b="1" dirty="0" err="1" smtClean="0">
+                <a:latin typeface="Courier New"/>
+              </a:rPr>
+              <a:t>BigSpec</a:t>
+            </a:r>
+            <a:r>
+              <a:rPr lang="en-US" sz="2800" b="1" dirty="0" smtClean="0">
+                <a:latin typeface="Courier New"/>
+              </a:rPr>
+              <a:t> </a:t>
+            </a:r>
+            <a:r>
+              <a:rPr lang="en-US" sz="2800" b="1" dirty="0" smtClean="0">
+                <a:solidFill>
+                  <a:srgbClr val="7F0055"/>
+                </a:solidFill>
+                <a:latin typeface="Courier New"/>
+              </a:rPr>
+              <a:t>extends</a:t>
+            </a:r>
+            <a:r>
+              <a:rPr lang="en-US" sz="2800" b="1" dirty="0" smtClean="0">
+                <a:latin typeface="Courier New"/>
+              </a:rPr>
+              <a:t> Spec </a:t>
+            </a:r>
+            <a:r>
+              <a:rPr lang="en-US" sz="2800" b="1" dirty="0" smtClean="0">
+                <a:latin typeface="Courier New"/>
+              </a:rPr>
+              <a:t>{</a:t>
+            </a:r>
+          </a:p>
+          <a:p>
+            <a:r>
+              <a:rPr lang="en-US" sz="2800" b="1" dirty="0" smtClean="0">
+                <a:latin typeface="Courier New"/>
+              </a:rPr>
+              <a:t>  </a:t>
+            </a:r>
+            <a:r>
+              <a:rPr lang="en-US" sz="2800" dirty="0" smtClean="0">
+                <a:solidFill>
+                  <a:srgbClr val="3F7F5F"/>
+                </a:solidFill>
+                <a:latin typeface="Courier New"/>
+              </a:rPr>
+              <a:t>// </a:t>
+            </a:r>
+            <a:r>
+              <a:rPr lang="en-US" sz="2800" dirty="0" smtClean="0">
+                <a:solidFill>
+                  <a:srgbClr val="3F7F5F"/>
+                </a:solidFill>
+                <a:latin typeface="Courier New"/>
+              </a:rPr>
+              <a:t>I want to “tag” the slow spec as slow</a:t>
+            </a:r>
+            <a:endParaRPr lang="en-US" sz="2800" b="1" dirty="0" smtClean="0">
+              <a:latin typeface="Courier New"/>
+            </a:endParaRPr>
+          </a:p>
+          <a:p>
+            <a:r>
+              <a:rPr lang="en-US" sz="2800" dirty="0" smtClean="0">
+                <a:latin typeface="Courier New"/>
+              </a:rPr>
+              <a:t>  include(slow, </a:t>
+            </a:r>
+            <a:r>
+              <a:rPr lang="en-US" sz="2800" dirty="0" smtClean="0">
+                <a:latin typeface="Courier New"/>
+              </a:rPr>
+              <a:t>fast)  </a:t>
+            </a:r>
+          </a:p>
+          <a:p>
+            <a:r>
+              <a:rPr lang="en-US" sz="2800" dirty="0" smtClean="0">
+                <a:latin typeface="Courier New"/>
+              </a:rPr>
+              <a:t>}</a:t>
+            </a:r>
+            <a:endParaRPr lang="en-US" sz="2800" b="1" dirty="0" smtClean="0">
+              <a:solidFill>
+                <a:srgbClr val="7F0055"/>
+              </a:solidFill>
+              <a:latin typeface="Courier New"/>
+            </a:endParaRPr>
+          </a:p>
+          <a:p>
+            <a:endParaRPr lang="en-US" sz="2800" dirty="0" smtClean="0">
+              <a:latin typeface="Courier New"/>
+            </a:endParaRPr>
+          </a:p>
+        </p:txBody>
+      </p:sp>
+      <p:sp>
+        <p:nvSpPr>
+          <p:cNvPr id="10" name="Rectangle 9"/>
+          <p:cNvSpPr/>
+          <p:nvPr/>
+        </p:nvSpPr>
+        <p:spPr>
+          <a:xfrm>
+            <a:off x="5032758" y="1447800"/>
+            <a:ext cx="3374642" cy="923330"/>
+          </a:xfrm>
+          <a:prstGeom prst="rect">
+            <a:avLst/>
+          </a:prstGeom>
+        </p:spPr>
+        <p:txBody>
+          <a:bodyPr wrap="none">
+            <a:spAutoFit/>
+          </a:bodyPr>
+          <a:lstStyle/>
+          <a:p>
+            <a:pPr algn="ctr"/>
+            <a:r>
+              <a:rPr lang="en-US" sz="5400" b="1" kern="0" dirty="0" err="1" smtClean="0">
+                <a:solidFill>
+                  <a:srgbClr val="0C0F20"/>
+                </a:solidFill>
+                <a:latin typeface="Lucida Handwriting" pitchFamily="66" charset="0"/>
+                <a:cs typeface="+mj-cs"/>
+                <a:sym typeface="Arial" charset="0"/>
+              </a:rPr>
+              <a:t>this.type</a:t>
+            </a:r>
+            <a:endParaRPr lang="en-US" dirty="0"/>
+          </a:p>
         </p:txBody>
       </p:sp>
       <p:pic>
         <p:nvPicPr>
-          <p:cNvPr id="70662" name="Picture 6" descr="magic, wizard icon"/>
+          <p:cNvPr id="12" name="Picture 2" descr="toolbox icon"/>
           <p:cNvPicPr>
             <a:picLocks noChangeAspect="1" noChangeArrowheads="1"/>
           </p:cNvPicPr>
@@ -22461,8 +22755,8 @@
         </p:blipFill>
         <p:spPr bwMode="auto">
           <a:xfrm>
-            <a:off x="635000" y="1143000"/>
-            <a:ext cx="1295400" cy="1295401"/>
+            <a:off x="558800" y="1066800"/>
+            <a:ext cx="1676400" cy="1676401"/>
           </a:xfrm>
           <a:prstGeom prst="rect">
             <a:avLst/>
@@ -22470,166 +22764,6 @@
           <a:noFill/>
         </p:spPr>
       </p:pic>
-      <p:sp>
-        <p:nvSpPr>
-          <p:cNvPr id="10" name="Rectangle 1"/>
-          <p:cNvSpPr txBox="1">
-            <a:spLocks noChangeArrowheads="1"/>
-          </p:cNvSpPr>
-          <p:nvPr/>
-        </p:nvSpPr>
-        <p:spPr bwMode="auto">
-          <a:xfrm>
-            <a:off x="3683000" y="6629400"/>
-            <a:ext cx="8686800" cy="1295400"/>
-          </a:xfrm>
-          <a:prstGeom prst="rect">
-            <a:avLst/>
-          </a:prstGeom>
-          <a:noFill/>
-          <a:ln w="12700">
-            <a:noFill/>
-            <a:miter lim="800000"/>
-            <a:headEnd/>
-            <a:tailEnd/>
-          </a:ln>
-          <a:effectLst/>
-        </p:spPr>
-        <p:txBody>
-          <a:bodyPr vert="horz" wrap="square" lIns="50800" tIns="50800" rIns="50800" bIns="50800" numCol="1" anchor="ctr" anchorCtr="0" compatLnSpc="1">
-            <a:prstTxWarp prst="textNoShape">
-              <a:avLst/>
-            </a:prstTxWarp>
-          </a:bodyPr>
-          <a:lstStyle/>
-          <a:p>
-            <a:pPr lvl="0"/>
-            <a:r>
-              <a:rPr lang="en-US" sz="4400" b="1" kern="0" dirty="0" smtClean="0">
-                <a:solidFill>
-                  <a:srgbClr val="FF0000"/>
-                </a:solidFill>
-                <a:latin typeface="Candara" pitchFamily="34" charset="0"/>
-                <a:ea typeface="+mj-ea"/>
-                <a:cs typeface="+mj-cs"/>
-                <a:sym typeface="Arial" charset="0"/>
-              </a:rPr>
-              <a:t>   Use </a:t>
-            </a:r>
-            <a:r>
-              <a:rPr lang="en-US" sz="4400" b="1" kern="0" dirty="0" smtClean="0">
-                <a:solidFill>
-                  <a:srgbClr val="FF0000"/>
-                </a:solidFill>
-                <a:latin typeface="Courier New" pitchFamily="49" charset="0"/>
-                <a:ea typeface="+mj-ea"/>
-                <a:cs typeface="Courier New" pitchFamily="49" charset="0"/>
-                <a:sym typeface="Arial" charset="0"/>
-              </a:rPr>
-              <a:t>‘!</a:t>
-            </a:r>
-            <a:r>
-              <a:rPr lang="en-US" sz="4400" b="1" kern="0" dirty="0" smtClean="0">
-                <a:solidFill>
-                  <a:srgbClr val="FF0000"/>
-                </a:solidFill>
-                <a:latin typeface="Courier New" pitchFamily="49" charset="0"/>
-                <a:cs typeface="Courier New" pitchFamily="49" charset="0"/>
-                <a:sym typeface="Arial" charset="0"/>
-              </a:rPr>
-              <a:t>‘</a:t>
-            </a:r>
-            <a:r>
-              <a:rPr lang="en-US" sz="4400" b="1" kern="0" dirty="0" smtClean="0">
-                <a:solidFill>
-                  <a:srgbClr val="FF0000"/>
-                </a:solidFill>
-                <a:latin typeface="Candara" pitchFamily="34" charset="0"/>
-                <a:ea typeface="+mj-ea"/>
-                <a:cs typeface="+mj-cs"/>
-                <a:sym typeface="Arial" charset="0"/>
-              </a:rPr>
-              <a:t>  to separate cells and</a:t>
-            </a:r>
-          </a:p>
-          <a:p>
-            <a:pPr lvl="0"/>
-            <a:r>
-              <a:rPr lang="en-US" sz="4400" b="1" kern="0" dirty="0" smtClean="0">
-                <a:solidFill>
-                  <a:srgbClr val="FF0000"/>
-                </a:solidFill>
-                <a:latin typeface="Candara" pitchFamily="34" charset="0"/>
-                <a:ea typeface="+mj-ea"/>
-                <a:cs typeface="+mj-cs"/>
-                <a:sym typeface="Arial" charset="0"/>
-              </a:rPr>
-              <a:t>           </a:t>
-            </a:r>
-            <a:r>
-              <a:rPr lang="en-US" sz="4400" b="1" kern="0" dirty="0" smtClean="0">
-                <a:solidFill>
-                  <a:srgbClr val="FF0000"/>
-                </a:solidFill>
-                <a:latin typeface="Courier New" pitchFamily="49" charset="0"/>
-                <a:cs typeface="Courier New" pitchFamily="49" charset="0"/>
-                <a:sym typeface="Arial" charset="0"/>
-              </a:rPr>
-              <a:t>‘</a:t>
-            </a:r>
-            <a:r>
-              <a:rPr lang="en-US" sz="4400" b="1" kern="0" dirty="0" smtClean="0">
-                <a:solidFill>
-                  <a:srgbClr val="FF0000"/>
-                </a:solidFill>
-                <a:latin typeface="Courier New" pitchFamily="49" charset="0"/>
-                <a:ea typeface="+mj-ea"/>
-                <a:cs typeface="Courier New" pitchFamily="49" charset="0"/>
-                <a:sym typeface="Arial" charset="0"/>
-              </a:rPr>
-              <a:t>|</a:t>
-            </a:r>
-            <a:r>
-              <a:rPr lang="en-US" sz="4400" b="1" kern="0" dirty="0" smtClean="0">
-                <a:solidFill>
-                  <a:srgbClr val="FF0000"/>
-                </a:solidFill>
-                <a:latin typeface="Courier New" pitchFamily="49" charset="0"/>
-                <a:cs typeface="Courier New" pitchFamily="49" charset="0"/>
-                <a:sym typeface="Arial" charset="0"/>
-              </a:rPr>
-              <a:t>‘</a:t>
-            </a:r>
-            <a:r>
-              <a:rPr lang="en-US" sz="4400" b="1" kern="0" dirty="0" smtClean="0">
-                <a:solidFill>
-                  <a:srgbClr val="FF0000"/>
-                </a:solidFill>
-                <a:latin typeface="Candara" pitchFamily="34" charset="0"/>
-                <a:ea typeface="+mj-ea"/>
-                <a:cs typeface="+mj-cs"/>
-                <a:sym typeface="Arial" charset="0"/>
-              </a:rPr>
-              <a:t>  to separate rows</a:t>
-            </a:r>
-            <a:endParaRPr kumimoji="0" lang="en-US" sz="4400" b="1" i="0" u="none" strike="noStrike" kern="0" cap="none" spc="0" normalizeH="0" baseline="0" noProof="0" dirty="0">
-              <a:ln>
-                <a:noFill/>
-              </a:ln>
-              <a:solidFill>
-                <a:srgbClr val="E75145"/>
-              </a:solidFill>
-              <a:effectLst/>
-              <a:uLnTx/>
-              <a:uFillTx/>
-              <a:latin typeface="Candara" pitchFamily="34" charset="0"/>
-              <a:ea typeface="+mj-ea"/>
-              <a:cs typeface="+mj-cs"/>
-              <a:sym typeface="Arial" charset="0"/>
-            </a:endParaRPr>
-          </a:p>
-        </p:txBody>
-      </p:sp>
     </p:spTree>
   </p:cSld>
   <p:clrMapOvr>
@@ -22774,50 +22908,6 @@
           </a:p>
         </p:txBody>
       </p:sp>
-      <p:sp>
-        <p:nvSpPr>
-          <p:cNvPr id="7" name="Rectangle 6"/>
-          <p:cNvSpPr/>
-          <p:nvPr/>
-        </p:nvSpPr>
-        <p:spPr>
-          <a:xfrm>
-            <a:off x="4872690" y="1286470"/>
-            <a:ext cx="4634602" cy="923330"/>
-          </a:xfrm>
-          <a:prstGeom prst="rect">
-            <a:avLst/>
-          </a:prstGeom>
-        </p:spPr>
-        <p:txBody>
-          <a:bodyPr wrap="none">
-            <a:spAutoFit/>
-          </a:bodyPr>
-          <a:lstStyle/>
-          <a:p>
-            <a:pPr algn="ctr"/>
-            <a:r>
-              <a:rPr lang="en-US" sz="5400" b="1" kern="0" dirty="0" err="1" smtClean="0">
-                <a:solidFill>
-                  <a:srgbClr val="00CC66"/>
-                </a:solidFill>
-                <a:latin typeface="Lucida Handwriting" pitchFamily="66" charset="0"/>
-                <a:cs typeface="+mj-cs"/>
-                <a:sym typeface="Arial" charset="0"/>
-              </a:rPr>
-              <a:t>DataTables</a:t>
-            </a:r>
-            <a:endParaRPr lang="en-US" sz="5400" b="1" kern="0" dirty="0" smtClean="0">
-              <a:solidFill>
-                <a:srgbClr val="00CC66"/>
-              </a:solidFill>
-              <a:latin typeface="Lucida Handwriting" pitchFamily="66" charset="0"/>
-              <a:cs typeface="+mj-cs"/>
-              <a:sym typeface="Arial" charset="0"/>
-            </a:endParaRPr>
-          </a:p>
-        </p:txBody>
-      </p:sp>
       <p:pic>
         <p:nvPicPr>
           <p:cNvPr id="8" name="Picture 10" descr="http://knowledgehub.zeus.com/media/Scala_Logo2008.png"/>
@@ -22852,15 +22942,12 @@
         </p:nvSpPr>
         <p:spPr>
           <a:xfrm>
-            <a:off x="406400" y="2667000"/>
-            <a:ext cx="12344400" cy="5509200"/>
+            <a:off x="330200" y="2971801"/>
+            <a:ext cx="12344400" cy="3970318"/>
           </a:xfrm>
           <a:prstGeom prst="rect">
             <a:avLst/>
           </a:prstGeom>
-          <a:solidFill>
-            <a:schemeClr val="bg1"/>
-          </a:solidFill>
           <a:ln>
             <a:solidFill>
               <a:schemeClr val="tx1"/>
@@ -22875,307 +22962,286 @@
           <a:lstStyle/>
           <a:p>
             <a:r>
-              <a:rPr lang="en-US" sz="3200" b="1" dirty="0" smtClean="0">
+              <a:rPr lang="en-US" sz="2800" b="1" dirty="0" smtClean="0">
                 <a:solidFill>
                   <a:srgbClr val="7F0055"/>
                 </a:solidFill>
                 <a:latin typeface="Courier New"/>
               </a:rPr>
-              <a:t>class</a:t>
-            </a:r>
-            <a:r>
-              <a:rPr lang="en-US" sz="3200" b="1" dirty="0" smtClean="0">
+              <a:t>trait</a:t>
+            </a:r>
+            <a:r>
+              <a:rPr lang="en-US" sz="2800" b="1" dirty="0" smtClean="0">
+                <a:latin typeface="Courier New"/>
+              </a:rPr>
+              <a:t> Tagged {</a:t>
+            </a:r>
+          </a:p>
+          <a:p>
+            <a:r>
+              <a:rPr lang="en-US" sz="2800" dirty="0" smtClean="0">
+                <a:solidFill>
+                  <a:srgbClr val="3F7F5F"/>
+                </a:solidFill>
+                <a:latin typeface="Courier New"/>
+              </a:rPr>
+              <a:t>  // store the tag and return this</a:t>
+            </a:r>
+          </a:p>
+          <a:p>
+            <a:r>
+              <a:rPr lang="en-US" sz="2800" dirty="0" smtClean="0">
+                <a:latin typeface="Courier New"/>
+              </a:rPr>
+              <a:t>  </a:t>
+            </a:r>
+            <a:r>
+              <a:rPr lang="en-US" sz="2800" b="1" dirty="0" smtClean="0">
+                <a:solidFill>
+                  <a:srgbClr val="7F0055"/>
+                </a:solidFill>
+                <a:latin typeface="Courier New"/>
+              </a:rPr>
+              <a:t>def</a:t>
+            </a:r>
+            <a:r>
+              <a:rPr lang="en-US" sz="2800" b="1" dirty="0" smtClean="0">
+                <a:latin typeface="Courier New"/>
+              </a:rPr>
+              <a:t> tag(t: String): </a:t>
+            </a:r>
+            <a:r>
+              <a:rPr lang="en-US" sz="2800" b="1" dirty="0" err="1" smtClean="0">
+                <a:solidFill>
+                  <a:srgbClr val="7F0055"/>
+                </a:solidFill>
+                <a:latin typeface="Courier New"/>
+              </a:rPr>
+              <a:t>this</a:t>
+            </a:r>
+            <a:r>
+              <a:rPr lang="en-US" sz="2800" b="1" dirty="0" err="1" smtClean="0">
+                <a:latin typeface="Courier New"/>
+              </a:rPr>
+              <a:t>.</a:t>
+            </a:r>
+            <a:r>
+              <a:rPr lang="en-US" sz="2800" b="1" dirty="0" err="1" smtClean="0">
+                <a:solidFill>
+                  <a:srgbClr val="7F0055"/>
+                </a:solidFill>
+                <a:latin typeface="Courier New"/>
+              </a:rPr>
+              <a:t>type</a:t>
+            </a:r>
+            <a:r>
+              <a:rPr lang="en-US" sz="2800" b="1" dirty="0" smtClean="0">
+                <a:latin typeface="Courier New"/>
+              </a:rPr>
+              <a:t> = </a:t>
+            </a:r>
+            <a:r>
+              <a:rPr lang="en-US" sz="2800" b="1" dirty="0" smtClean="0">
+                <a:solidFill>
+                  <a:srgbClr val="7F0055"/>
+                </a:solidFill>
+                <a:latin typeface="Courier New"/>
+              </a:rPr>
+              <a:t>this</a:t>
+            </a:r>
+            <a:r>
+              <a:rPr lang="en-US" sz="2800" b="1" dirty="0" smtClean="0">
                 <a:latin typeface="Courier New"/>
               </a:rPr>
               <a:t> </a:t>
             </a:r>
-            <a:r>
-              <a:rPr lang="en-US" sz="3200" b="1" dirty="0" err="1" smtClean="0">
-                <a:latin typeface="Courier New"/>
-              </a:rPr>
-              <a:t>DataTablesSpec</a:t>
-            </a:r>
-            <a:r>
-              <a:rPr lang="en-US" sz="3200" b="1" dirty="0" smtClean="0">
-                <a:latin typeface="Courier New"/>
-              </a:rPr>
-              <a:t> </a:t>
-            </a:r>
-            <a:r>
-              <a:rPr lang="en-US" sz="3200" b="1" dirty="0" smtClean="0">
-                <a:solidFill>
-                  <a:srgbClr val="7F0055"/>
-                </a:solidFill>
-                <a:latin typeface="Courier New"/>
-              </a:rPr>
-              <a:t>extends</a:t>
-            </a:r>
-            <a:r>
-              <a:rPr lang="en-US" sz="3200" b="1" dirty="0" smtClean="0">
-                <a:latin typeface="Courier New"/>
-              </a:rPr>
-              <a:t> Specification </a:t>
-            </a:r>
-            <a:r>
-              <a:rPr lang="en-US" sz="3200" b="1" dirty="0" smtClean="0">
-                <a:solidFill>
-                  <a:srgbClr val="7F0055"/>
-                </a:solidFill>
-                <a:latin typeface="Courier New"/>
-              </a:rPr>
-              <a:t>with</a:t>
-            </a:r>
-            <a:r>
-              <a:rPr lang="en-US" sz="3200" b="1" dirty="0" smtClean="0">
-                <a:latin typeface="Courier New"/>
-              </a:rPr>
-              <a:t> </a:t>
-            </a:r>
-            <a:r>
-              <a:rPr lang="en-US" sz="3200" b="1" dirty="0" smtClean="0">
-                <a:latin typeface="Courier New"/>
-              </a:rPr>
-              <a:t> </a:t>
-            </a:r>
-          </a:p>
-          <a:p>
-            <a:r>
-              <a:rPr lang="en-US" sz="3200" b="1" dirty="0" smtClean="0">
-                <a:latin typeface="Courier New"/>
-              </a:rPr>
-              <a:t>                                     </a:t>
-            </a:r>
-            <a:r>
-              <a:rPr lang="en-US" sz="3200" b="1" dirty="0" err="1" smtClean="0">
-                <a:latin typeface="Courier New"/>
-              </a:rPr>
-              <a:t>DataTables</a:t>
-            </a:r>
-            <a:r>
-              <a:rPr lang="en-US" sz="3200" b="1" dirty="0" smtClean="0">
-                <a:latin typeface="Courier New"/>
-              </a:rPr>
-              <a:t> </a:t>
-            </a:r>
-            <a:r>
-              <a:rPr lang="en-US" sz="3200" b="1" dirty="0" smtClean="0">
-                <a:latin typeface="Courier New"/>
-              </a:rPr>
-              <a:t>{</a:t>
-            </a:r>
-          </a:p>
-          <a:p>
-            <a:r>
-              <a:rPr lang="en-US" sz="3200" dirty="0" smtClean="0">
-                <a:solidFill>
-                  <a:srgbClr val="2A00FF"/>
-                </a:solidFill>
-                <a:latin typeface="Courier New"/>
-              </a:rPr>
-              <a:t>  "</a:t>
-            </a:r>
-            <a:r>
-              <a:rPr lang="en-US" sz="3200" dirty="0" smtClean="0">
-                <a:solidFill>
-                  <a:srgbClr val="2A00FF"/>
-                </a:solidFill>
-                <a:latin typeface="Courier New"/>
-              </a:rPr>
-              <a:t>lots of examples"</a:t>
-            </a:r>
-            <a:r>
-              <a:rPr lang="en-US" sz="3200" dirty="0" smtClean="0">
-                <a:latin typeface="Courier New"/>
-              </a:rPr>
-              <a:t> &gt;&gt; {</a:t>
-            </a:r>
-          </a:p>
-          <a:p>
-            <a:r>
-              <a:rPr lang="en-US" sz="3200" dirty="0" smtClean="0">
-                <a:latin typeface="Courier New"/>
-              </a:rPr>
-              <a:t>    </a:t>
-            </a:r>
-            <a:r>
-              <a:rPr lang="en-US" sz="3200" dirty="0" smtClean="0">
-                <a:solidFill>
-                  <a:srgbClr val="2A00FF"/>
-                </a:solidFill>
-                <a:latin typeface="Courier New"/>
-              </a:rPr>
-              <a:t>"a"</a:t>
-            </a:r>
-            <a:r>
-              <a:rPr lang="en-US" sz="3200" dirty="0" smtClean="0">
-                <a:latin typeface="Courier New"/>
-              </a:rPr>
-              <a:t> | </a:t>
-            </a:r>
-            <a:r>
-              <a:rPr lang="en-US" sz="3200" dirty="0" smtClean="0">
-                <a:solidFill>
-                  <a:srgbClr val="2A00FF"/>
-                </a:solidFill>
-                <a:latin typeface="Courier New"/>
-              </a:rPr>
-              <a:t>"b"</a:t>
-            </a:r>
-            <a:r>
-              <a:rPr lang="en-US" sz="3200" dirty="0" smtClean="0">
-                <a:latin typeface="Courier New"/>
-              </a:rPr>
-              <a:t> | </a:t>
-            </a:r>
-            <a:r>
-              <a:rPr lang="en-US" sz="3200" dirty="0" smtClean="0">
-                <a:solidFill>
-                  <a:srgbClr val="2A00FF"/>
-                </a:solidFill>
-                <a:latin typeface="Courier New"/>
-              </a:rPr>
-              <a:t>"a + b"</a:t>
-            </a:r>
-            <a:r>
-              <a:rPr lang="en-US" sz="3200" dirty="0" smtClean="0">
-                <a:latin typeface="Courier New"/>
-              </a:rPr>
-              <a:t> |</a:t>
-            </a:r>
-          </a:p>
-          <a:p>
-            <a:r>
-              <a:rPr lang="en-US" sz="3200" dirty="0" smtClean="0">
-                <a:latin typeface="Courier New"/>
-              </a:rPr>
-              <a:t>  </a:t>
-            </a:r>
-            <a:r>
-              <a:rPr lang="en-US" sz="3200" dirty="0" smtClean="0">
-                <a:latin typeface="Courier New"/>
-              </a:rPr>
-              <a:t>   1  </a:t>
-            </a:r>
-            <a:r>
-              <a:rPr lang="en-US" sz="3200" dirty="0" smtClean="0">
-                <a:latin typeface="Courier New"/>
-              </a:rPr>
-              <a:t>!  2  !    3    |</a:t>
-            </a:r>
-          </a:p>
-          <a:p>
-            <a:r>
-              <a:rPr lang="en-US" sz="3200" dirty="0" smtClean="0">
-                <a:latin typeface="Courier New"/>
-              </a:rPr>
-              <a:t>  </a:t>
-            </a:r>
-            <a:r>
-              <a:rPr lang="en-US" sz="3200" dirty="0" smtClean="0">
-                <a:latin typeface="Courier New"/>
-              </a:rPr>
-              <a:t>   2  </a:t>
-            </a:r>
-            <a:r>
-              <a:rPr lang="en-US" sz="3200" dirty="0" smtClean="0">
-                <a:latin typeface="Courier New"/>
-              </a:rPr>
-              <a:t>!  2  !    4    |</a:t>
-            </a:r>
-          </a:p>
-          <a:p>
-            <a:r>
-              <a:rPr lang="pt-BR" sz="3200" dirty="0" smtClean="0">
-                <a:latin typeface="Courier New"/>
-              </a:rPr>
-              <a:t>  </a:t>
-            </a:r>
-            <a:r>
-              <a:rPr lang="pt-BR" sz="3200" dirty="0" smtClean="0">
-                <a:latin typeface="Courier New"/>
-              </a:rPr>
-              <a:t>   2  </a:t>
-            </a:r>
-            <a:r>
-              <a:rPr lang="pt-BR" sz="3200" dirty="0" smtClean="0">
-                <a:latin typeface="Courier New"/>
-              </a:rPr>
-              <a:t>!  3  !    4    |&gt; { (a, b, c) =&gt;</a:t>
-            </a:r>
-          </a:p>
-          <a:p>
-            <a:r>
-              <a:rPr lang="en-US" sz="3200" dirty="0" smtClean="0">
-                <a:latin typeface="Courier New"/>
-              </a:rPr>
-              <a:t>   </a:t>
-            </a:r>
-            <a:r>
-              <a:rPr lang="en-US" sz="3200" dirty="0" smtClean="0">
-                <a:latin typeface="Courier New"/>
-              </a:rPr>
-              <a:t>    a </a:t>
-            </a:r>
-            <a:r>
-              <a:rPr lang="en-US" sz="3200" dirty="0" smtClean="0">
-                <a:latin typeface="Courier New"/>
-              </a:rPr>
-              <a:t>+ b must_== c</a:t>
-            </a:r>
-          </a:p>
-          <a:p>
-            <a:r>
-              <a:rPr lang="en-US" sz="3200" dirty="0" smtClean="0">
-                <a:latin typeface="Courier New"/>
-              </a:rPr>
-              <a:t> </a:t>
-            </a:r>
-            <a:r>
-              <a:rPr lang="en-US" sz="3200" dirty="0" smtClean="0">
-                <a:latin typeface="Courier New"/>
-              </a:rPr>
-              <a:t>   }</a:t>
-            </a:r>
-            <a:endParaRPr lang="en-US" sz="3200" dirty="0" smtClean="0">
-              <a:latin typeface="Courier New"/>
-            </a:endParaRPr>
-          </a:p>
-          <a:p>
-            <a:r>
-              <a:rPr lang="en-US" sz="3200" dirty="0" smtClean="0">
-                <a:latin typeface="Courier New"/>
-              </a:rPr>
-              <a:t>  </a:t>
-            </a:r>
-            <a:r>
-              <a:rPr lang="en-US" sz="3200" dirty="0" smtClean="0">
+          </a:p>
+          <a:p>
+            <a:r>
+              <a:rPr lang="en-US" sz="2800" dirty="0" smtClean="0">
                 <a:latin typeface="Courier New"/>
               </a:rPr>
               <a:t>}</a:t>
             </a:r>
-            <a:endParaRPr lang="en-US" sz="3200" dirty="0" smtClean="0">
-              <a:latin typeface="Courier New"/>
-            </a:endParaRPr>
-          </a:p>
-          <a:p>
-            <a:r>
-              <a:rPr lang="en-US" sz="3200" dirty="0" smtClean="0">
-                <a:latin typeface="Courier New"/>
-              </a:rPr>
-              <a:t>}</a:t>
-            </a:r>
-            <a:endParaRPr lang="en-US" sz="3200" b="1" dirty="0" smtClean="0">
+          </a:p>
+          <a:p>
+            <a:endParaRPr lang="en-US" sz="2800" b="1" dirty="0" smtClean="0">
               <a:solidFill>
                 <a:srgbClr val="7F0055"/>
               </a:solidFill>
               <a:latin typeface="Courier New"/>
             </a:endParaRPr>
           </a:p>
+          <a:p>
+            <a:r>
+              <a:rPr lang="en-US" sz="2800" b="1" dirty="0" err="1" smtClean="0">
+                <a:solidFill>
+                  <a:srgbClr val="7F0055"/>
+                </a:solidFill>
+                <a:latin typeface="Courier New"/>
+              </a:rPr>
+              <a:t>val</a:t>
+            </a:r>
+            <a:r>
+              <a:rPr lang="en-US" sz="2800" b="1" dirty="0" smtClean="0">
+                <a:latin typeface="Courier New"/>
+              </a:rPr>
+              <a:t> </a:t>
+            </a:r>
+            <a:r>
+              <a:rPr lang="en-US" sz="2800" b="1" dirty="0" smtClean="0">
+                <a:latin typeface="Courier New"/>
+              </a:rPr>
+              <a:t>(slow, fast) = (</a:t>
+            </a:r>
+            <a:r>
+              <a:rPr lang="en-US" sz="2800" b="1" dirty="0" smtClean="0">
+                <a:solidFill>
+                  <a:srgbClr val="7F0055"/>
+                </a:solidFill>
+                <a:latin typeface="Courier New"/>
+              </a:rPr>
+              <a:t>new</a:t>
+            </a:r>
+            <a:r>
+              <a:rPr lang="en-US" sz="2800" b="1" dirty="0" smtClean="0">
+                <a:latin typeface="Courier New"/>
+              </a:rPr>
+              <a:t> Spec, </a:t>
+            </a:r>
+            <a:r>
+              <a:rPr lang="en-US" sz="2800" b="1" dirty="0" smtClean="0">
+                <a:solidFill>
+                  <a:srgbClr val="7F0055"/>
+                </a:solidFill>
+                <a:latin typeface="Courier New"/>
+              </a:rPr>
+              <a:t>new</a:t>
+            </a:r>
+            <a:r>
+              <a:rPr lang="en-US" sz="2800" b="1" dirty="0" smtClean="0">
+                <a:latin typeface="Courier New"/>
+              </a:rPr>
+              <a:t> Spec)</a:t>
+            </a:r>
+          </a:p>
+          <a:p>
+            <a:r>
+              <a:rPr lang="en-US" sz="2800" b="1" dirty="0" smtClean="0">
+                <a:solidFill>
+                  <a:srgbClr val="7F0055"/>
+                </a:solidFill>
+                <a:latin typeface="Courier New"/>
+              </a:rPr>
+              <a:t>class</a:t>
+            </a:r>
+            <a:r>
+              <a:rPr lang="en-US" sz="2800" b="1" dirty="0" smtClean="0">
+                <a:latin typeface="Courier New"/>
+              </a:rPr>
+              <a:t> </a:t>
+            </a:r>
+            <a:r>
+              <a:rPr lang="en-US" sz="2800" b="1" dirty="0" err="1" smtClean="0">
+                <a:latin typeface="Courier New"/>
+              </a:rPr>
+              <a:t>BigSpec</a:t>
+            </a:r>
+            <a:r>
+              <a:rPr lang="en-US" sz="2800" b="1" dirty="0" smtClean="0">
+                <a:latin typeface="Courier New"/>
+              </a:rPr>
+              <a:t> </a:t>
+            </a:r>
+            <a:r>
+              <a:rPr lang="en-US" sz="2800" b="1" dirty="0" smtClean="0">
+                <a:solidFill>
+                  <a:srgbClr val="7F0055"/>
+                </a:solidFill>
+                <a:latin typeface="Courier New"/>
+              </a:rPr>
+              <a:t>extends</a:t>
+            </a:r>
+            <a:r>
+              <a:rPr lang="en-US" sz="2800" b="1" dirty="0" smtClean="0">
+                <a:latin typeface="Courier New"/>
+              </a:rPr>
+              <a:t> Spec {</a:t>
+            </a:r>
+          </a:p>
+          <a:p>
+            <a:r>
+              <a:rPr lang="en-US" sz="2800" dirty="0" smtClean="0">
+                <a:latin typeface="Courier New"/>
+              </a:rPr>
+              <a:t>  include(slow tag </a:t>
+            </a:r>
+            <a:r>
+              <a:rPr lang="en-US" sz="2800" dirty="0" smtClean="0">
+                <a:solidFill>
+                  <a:srgbClr val="2A00FF"/>
+                </a:solidFill>
+                <a:latin typeface="Courier New"/>
+              </a:rPr>
+              <a:t>"slow"</a:t>
+            </a:r>
+            <a:r>
+              <a:rPr lang="en-US" sz="2800" dirty="0" smtClean="0">
+                <a:latin typeface="Courier New"/>
+              </a:rPr>
+              <a:t>, fast)  </a:t>
+            </a:r>
+          </a:p>
+          <a:p>
+            <a:r>
+              <a:rPr lang="en-US" sz="2800" dirty="0" smtClean="0">
+                <a:latin typeface="Courier New"/>
+              </a:rPr>
+              <a:t>}</a:t>
+            </a:r>
+          </a:p>
+        </p:txBody>
+      </p:sp>
+      <p:sp>
+        <p:nvSpPr>
+          <p:cNvPr id="10" name="Rectangle 9"/>
+          <p:cNvSpPr/>
+          <p:nvPr/>
+        </p:nvSpPr>
+        <p:spPr>
+          <a:xfrm>
+            <a:off x="5032758" y="1447800"/>
+            <a:ext cx="3374642" cy="923330"/>
+          </a:xfrm>
+          <a:prstGeom prst="rect">
+            <a:avLst/>
+          </a:prstGeom>
+        </p:spPr>
+        <p:txBody>
+          <a:bodyPr wrap="none">
+            <a:spAutoFit/>
+          </a:bodyPr>
+          <a:lstStyle/>
+          <a:p>
+            <a:pPr algn="ctr"/>
+            <a:r>
+              <a:rPr lang="en-US" sz="5400" b="1" kern="0" dirty="0" err="1" smtClean="0">
+                <a:solidFill>
+                  <a:srgbClr val="0C0F20"/>
+                </a:solidFill>
+                <a:latin typeface="Lucida Handwriting" pitchFamily="66" charset="0"/>
+                <a:cs typeface="+mj-cs"/>
+                <a:sym typeface="Arial" charset="0"/>
+              </a:rPr>
+              <a:t>this.type</a:t>
+            </a:r>
+            <a:endParaRPr lang="en-US" dirty="0"/>
+          </a:p>
         </p:txBody>
       </p:sp>
       <p:pic>
         <p:nvPicPr>
-          <p:cNvPr id="74758" name="Picture 6" descr="film, film roll, media, picture, video icon"/>
+          <p:cNvPr id="12" name="Picture 2" descr="toolbox icon"/>
           <p:cNvPicPr>
             <a:picLocks noChangeAspect="1" noChangeArrowheads="1"/>
           </p:cNvPicPr>
@@ -23183,15 +23249,15 @@
         </p:nvPicPr>
         <p:blipFill>
           <a:blip r:embed="rId4"/>
-          <a:srcRect b="25000"/>
+          <a:srcRect/>
           <a:stretch>
             <a:fillRect/>
           </a:stretch>
         </p:blipFill>
         <p:spPr bwMode="auto">
           <a:xfrm>
-            <a:off x="863600" y="1066800"/>
-            <a:ext cx="1828800" cy="1371600"/>
+            <a:off x="558800" y="1066800"/>
+            <a:ext cx="1676400" cy="1676401"/>
           </a:xfrm>
           <a:prstGeom prst="rect">
             <a:avLst/>
@@ -23199,6 +23265,94 @@
           <a:noFill/>
         </p:spPr>
       </p:pic>
+      <p:sp>
+        <p:nvSpPr>
+          <p:cNvPr id="7" name="Rectangle 1"/>
+          <p:cNvSpPr txBox="1">
+            <a:spLocks noChangeArrowheads="1"/>
+          </p:cNvSpPr>
+          <p:nvPr/>
+        </p:nvSpPr>
+        <p:spPr bwMode="auto">
+          <a:xfrm>
+            <a:off x="5359400" y="7467600"/>
+            <a:ext cx="7086600" cy="685800"/>
+          </a:xfrm>
+          <a:prstGeom prst="rect">
+            <a:avLst/>
+          </a:prstGeom>
+          <a:noFill/>
+          <a:ln w="12700">
+            <a:noFill/>
+            <a:miter lim="800000"/>
+            <a:headEnd/>
+            <a:tailEnd/>
+          </a:ln>
+          <a:effectLst/>
+        </p:spPr>
+        <p:txBody>
+          <a:bodyPr vert="horz" wrap="square" lIns="50800" tIns="50800" rIns="50800" bIns="50800" numCol="1" anchor="ctr" anchorCtr="0" compatLnSpc="1">
+            <a:prstTxWarp prst="textNoShape">
+              <a:avLst/>
+            </a:prstTxWarp>
+          </a:bodyPr>
+          <a:lstStyle/>
+          <a:p>
+            <a:pPr lvl="0" algn="r"/>
+            <a:r>
+              <a:rPr kumimoji="0" lang="en-US" sz="4400" b="1" i="0" u="none" strike="noStrike" kern="0" cap="none" spc="0" normalizeH="0" baseline="0" noProof="0" dirty="0" smtClean="0">
+                <a:ln>
+                  <a:noFill/>
+                </a:ln>
+                <a:solidFill>
+                  <a:srgbClr val="FF0000"/>
+                </a:solidFill>
+                <a:effectLst/>
+                <a:uLnTx/>
+                <a:uFillTx/>
+                <a:latin typeface="Candara" pitchFamily="34" charset="0"/>
+                <a:ea typeface="+mj-ea"/>
+                <a:cs typeface="+mj-cs"/>
+                <a:sym typeface="Wingdings"/>
+              </a:rPr>
+              <a:t> Don’t change</a:t>
+            </a:r>
+            <a:r>
+              <a:rPr kumimoji="0" lang="en-US" sz="4400" b="1" i="0" u="none" strike="noStrike" kern="0" cap="none" spc="0" normalizeH="0" noProof="0" dirty="0" smtClean="0">
+                <a:ln>
+                  <a:noFill/>
+                </a:ln>
+                <a:solidFill>
+                  <a:srgbClr val="FF0000"/>
+                </a:solidFill>
+                <a:effectLst/>
+                <a:uLnTx/>
+                <a:uFillTx/>
+                <a:latin typeface="Candara" pitchFamily="34" charset="0"/>
+                <a:ea typeface="+mj-ea"/>
+                <a:cs typeface="+mj-cs"/>
+                <a:sym typeface="Wingdings"/>
+              </a:rPr>
+              <a:t> the text, just decorate</a:t>
+            </a:r>
+            <a:endParaRPr kumimoji="0" lang="en-US" sz="4400" b="1" i="0" u="none" strike="noStrike" kern="0" cap="none" spc="0" normalizeH="0" baseline="0" noProof="0" dirty="0">
+              <a:ln>
+                <a:noFill/>
+              </a:ln>
+              <a:solidFill>
+                <a:srgbClr val="E75145"/>
+              </a:solidFill>
+              <a:effectLst/>
+              <a:uLnTx/>
+              <a:uFillTx/>
+              <a:latin typeface="Candara" pitchFamily="34" charset="0"/>
+              <a:ea typeface="+mj-ea"/>
+              <a:cs typeface="+mj-cs"/>
+              <a:sym typeface="Arial" charset="0"/>
+            </a:endParaRPr>
+          </a:p>
+        </p:txBody>
+      </p:sp>
     </p:spTree>
   </p:cSld>
   <p:clrMapOvr>
@@ -23377,8 +23531,8 @@
         </p:nvSpPr>
         <p:spPr>
           <a:xfrm>
-            <a:off x="330200" y="2819400"/>
-            <a:ext cx="12344400" cy="5262979"/>
+            <a:off x="330200" y="2971800"/>
+            <a:ext cx="12344400" cy="5693866"/>
           </a:xfrm>
           <a:prstGeom prst="rect">
             <a:avLst/>
@@ -23397,82 +23551,110 @@
           <a:lstStyle/>
           <a:p>
             <a:r>
+              <a:rPr lang="en-US" sz="2800" b="1" dirty="0" smtClean="0">
+                <a:solidFill>
+                  <a:srgbClr val="7F0055"/>
+                </a:solidFill>
+                <a:latin typeface="Courier New"/>
+              </a:rPr>
+              <a:t>class</a:t>
+            </a:r>
+            <a:r>
+              <a:rPr lang="en-US" sz="2800" b="1" dirty="0" smtClean="0">
+                <a:latin typeface="Courier New"/>
+              </a:rPr>
+              <a:t> </a:t>
+            </a:r>
+            <a:r>
+              <a:rPr lang="en-US" sz="2800" b="1" dirty="0" err="1" smtClean="0">
+                <a:latin typeface="Courier New"/>
+              </a:rPr>
+              <a:t>ExampleDesc</a:t>
+            </a:r>
+            <a:r>
+              <a:rPr lang="en-US" sz="2800" b="1" dirty="0" smtClean="0">
+                <a:latin typeface="Courier New"/>
+              </a:rPr>
+              <a:t>(d: </a:t>
+            </a:r>
+            <a:r>
+              <a:rPr lang="en-US" sz="2800" b="1" dirty="0" smtClean="0">
+                <a:latin typeface="Courier New"/>
+              </a:rPr>
+              <a:t>String) {</a:t>
+            </a:r>
+          </a:p>
+          <a:p>
+            <a:r>
+              <a:rPr lang="en-US" sz="2800" b="1" dirty="0" smtClean="0">
+                <a:solidFill>
+                  <a:srgbClr val="7F0055"/>
+                </a:solidFill>
+                <a:latin typeface="Courier New"/>
+              </a:rPr>
+              <a:t>  def</a:t>
+            </a:r>
+            <a:r>
+              <a:rPr lang="en-US" sz="2800" b="1" dirty="0" smtClean="0">
+                <a:latin typeface="Courier New"/>
+              </a:rPr>
+              <a:t> </a:t>
+            </a:r>
+            <a:r>
+              <a:rPr lang="en-US" sz="2800" b="1" dirty="0" smtClean="0">
+                <a:latin typeface="Courier New"/>
+              </a:rPr>
+              <a:t>&gt;&gt;(e: =&gt;</a:t>
+            </a:r>
+            <a:r>
+              <a:rPr lang="en-US" sz="2800" b="1" dirty="0" smtClean="0">
+                <a:solidFill>
+                  <a:srgbClr val="7F0055"/>
+                </a:solidFill>
+                <a:latin typeface="Courier New"/>
+              </a:rPr>
+              <a:t>Any</a:t>
+            </a:r>
+            <a:r>
+              <a:rPr lang="en-US" sz="2800" b="1" dirty="0" smtClean="0">
+                <a:latin typeface="Courier New"/>
+              </a:rPr>
+              <a:t>): Example = </a:t>
+            </a:r>
+            <a:r>
+              <a:rPr lang="en-US" sz="2800" b="1" dirty="0" smtClean="0">
+                <a:solidFill>
+                  <a:srgbClr val="7F0055"/>
+                </a:solidFill>
+                <a:latin typeface="Courier New"/>
+              </a:rPr>
+              <a:t>new</a:t>
+            </a:r>
+            <a:r>
+              <a:rPr lang="en-US" sz="2800" b="1" dirty="0" smtClean="0">
+                <a:latin typeface="Courier New"/>
+              </a:rPr>
+              <a:t> </a:t>
+            </a:r>
+            <a:r>
+              <a:rPr lang="en-US" sz="2800" b="1" dirty="0" smtClean="0">
+                <a:latin typeface="Courier New"/>
+              </a:rPr>
+              <a:t>Example(d, </a:t>
+            </a:r>
+            <a:r>
+              <a:rPr lang="en-US" sz="2800" b="1" dirty="0" smtClean="0">
+                <a:latin typeface="Courier New"/>
+              </a:rPr>
+              <a:t>e)</a:t>
+            </a:r>
+          </a:p>
+          <a:p>
+            <a:r>
               <a:rPr lang="en-US" sz="2800" dirty="0" smtClean="0">
-                <a:solidFill>
-                  <a:srgbClr val="3F7F5F"/>
-                </a:solidFill>
-                <a:latin typeface="Courier New"/>
-              </a:rPr>
-              <a:t>// </a:t>
-            </a:r>
-            <a:r>
-              <a:rPr lang="en-US" sz="2800" dirty="0" smtClean="0">
-                <a:solidFill>
-                  <a:srgbClr val="3F7F5F"/>
-                </a:solidFill>
-                <a:latin typeface="Courier New"/>
-              </a:rPr>
-              <a:t>How to avoid ‘</a:t>
-            </a:r>
-            <a:r>
-              <a:rPr lang="en-US" sz="2800" dirty="0" err="1" smtClean="0">
-                <a:solidFill>
-                  <a:srgbClr val="3F7F5F"/>
-                </a:solidFill>
-                <a:latin typeface="Courier New"/>
-              </a:rPr>
-              <a:t>throwA</a:t>
-            </a:r>
-            <a:r>
-              <a:rPr lang="en-US" sz="2800" dirty="0" smtClean="0">
-                <a:solidFill>
-                  <a:srgbClr val="3F7F5F"/>
-                </a:solidFill>
-                <a:latin typeface="Courier New"/>
-              </a:rPr>
-              <a:t>(</a:t>
-            </a:r>
-            <a:r>
-              <a:rPr lang="en-US" sz="2800" dirty="0" err="1" smtClean="0">
-                <a:solidFill>
-                  <a:srgbClr val="3F7F5F"/>
-                </a:solidFill>
-                <a:latin typeface="Courier New"/>
-              </a:rPr>
-              <a:t>classOf</a:t>
-            </a:r>
-            <a:r>
-              <a:rPr lang="en-US" sz="2800" dirty="0" smtClean="0">
-                <a:solidFill>
-                  <a:srgbClr val="3F7F5F"/>
-                </a:solidFill>
-                <a:latin typeface="Courier New"/>
-              </a:rPr>
-              <a:t>[</a:t>
-            </a:r>
-            <a:r>
-              <a:rPr lang="en-US" sz="2800" dirty="0" err="1" smtClean="0">
-                <a:solidFill>
-                  <a:srgbClr val="3F7F5F"/>
-                </a:solidFill>
-                <a:latin typeface="Courier New"/>
-              </a:rPr>
-              <a:t>FailureException</a:t>
-            </a:r>
-            <a:r>
-              <a:rPr lang="en-US" sz="2800" dirty="0" smtClean="0">
-                <a:solidFill>
-                  <a:srgbClr val="3F7F5F"/>
-                </a:solidFill>
-                <a:latin typeface="Courier New"/>
-              </a:rPr>
-              <a:t>])</a:t>
-            </a:r>
-            <a:r>
-              <a:rPr lang="en-US" sz="2800" dirty="0" smtClean="0">
-                <a:latin typeface="Courier New"/>
-              </a:rPr>
-              <a:t>‘</a:t>
+                <a:latin typeface="Courier New"/>
+              </a:rPr>
+              <a:t>}</a:t>
             </a:r>
             <a:endParaRPr lang="en-US" sz="2800" dirty="0" smtClean="0">
               <a:latin typeface="Courier New"/>
@@ -23480,41 +23662,131 @@
           </a:p>
           <a:p>
             <a:r>
+              <a:rPr lang="en-US" sz="2800" b="1" dirty="0" smtClean="0">
+                <a:solidFill>
+                  <a:srgbClr val="7F0055"/>
+                </a:solidFill>
+                <a:latin typeface="Courier New"/>
+              </a:rPr>
+              <a:t>class</a:t>
+            </a:r>
+            <a:r>
+              <a:rPr lang="en-US" sz="2800" b="1" dirty="0" smtClean="0">
+                <a:latin typeface="Courier New"/>
+              </a:rPr>
+              <a:t> Example(d: </a:t>
+            </a:r>
+            <a:r>
+              <a:rPr lang="en-US" sz="2800" b="1" dirty="0" smtClean="0">
+                <a:latin typeface="Courier New"/>
+              </a:rPr>
+              <a:t>String, </a:t>
+            </a:r>
+            <a:r>
+              <a:rPr lang="en-US" sz="2800" b="1" dirty="0" smtClean="0">
+                <a:latin typeface="Courier New"/>
+              </a:rPr>
+              <a:t>e: </a:t>
+            </a:r>
+            <a:r>
+              <a:rPr lang="en-US" sz="2800" b="1" dirty="0" smtClean="0">
+                <a:latin typeface="Courier New"/>
+              </a:rPr>
+              <a:t>=&gt;</a:t>
+            </a:r>
+            <a:r>
+              <a:rPr lang="en-US" sz="2800" b="1" dirty="0" smtClean="0">
+                <a:solidFill>
+                  <a:srgbClr val="7F0055"/>
+                </a:solidFill>
+                <a:latin typeface="Courier New"/>
+              </a:rPr>
+              <a:t>Any</a:t>
+            </a:r>
+            <a:r>
+              <a:rPr lang="en-US" sz="2800" b="1" dirty="0" smtClean="0">
+                <a:latin typeface="Courier New"/>
+              </a:rPr>
+              <a:t>) {</a:t>
+            </a:r>
+          </a:p>
+          <a:p>
+            <a:r>
+              <a:rPr lang="en-US" sz="2800" b="1" dirty="0" smtClean="0">
+                <a:solidFill>
+                  <a:srgbClr val="7F0055"/>
+                </a:solidFill>
+                <a:latin typeface="Courier New"/>
+              </a:rPr>
+              <a:t>  def</a:t>
+            </a:r>
+            <a:r>
+              <a:rPr lang="en-US" sz="2800" b="1" dirty="0" smtClean="0">
+                <a:latin typeface="Courier New"/>
+              </a:rPr>
+              <a:t> </a:t>
+            </a:r>
+            <a:r>
+              <a:rPr lang="en-US" sz="2800" b="1" dirty="0" smtClean="0">
+                <a:latin typeface="Courier New"/>
+              </a:rPr>
+              <a:t>&gt;&gt;(e: =&gt;</a:t>
+            </a:r>
+            <a:r>
+              <a:rPr lang="en-US" sz="2800" b="1" dirty="0" smtClean="0">
+                <a:solidFill>
+                  <a:srgbClr val="7F0055"/>
+                </a:solidFill>
+                <a:latin typeface="Courier New"/>
+              </a:rPr>
+              <a:t>Any</a:t>
+            </a:r>
+            <a:r>
+              <a:rPr lang="en-US" sz="2800" b="1" dirty="0" smtClean="0">
+                <a:latin typeface="Courier New"/>
+              </a:rPr>
+              <a:t>): Example = </a:t>
+            </a:r>
+            <a:r>
+              <a:rPr lang="en-US" sz="2800" b="1" dirty="0" smtClean="0">
+                <a:solidFill>
+                  <a:srgbClr val="7F0055"/>
+                </a:solidFill>
+                <a:latin typeface="Courier New"/>
+              </a:rPr>
+              <a:t>new</a:t>
+            </a:r>
+            <a:r>
+              <a:rPr lang="en-US" sz="2800" b="1" dirty="0" smtClean="0">
+                <a:latin typeface="Courier New"/>
+              </a:rPr>
+              <a:t> </a:t>
+            </a:r>
+            <a:r>
+              <a:rPr lang="en-US" sz="2800" b="1" dirty="0" smtClean="0">
+                <a:latin typeface="Courier New"/>
+              </a:rPr>
+              <a:t>Example(d, </a:t>
+            </a:r>
+            <a:r>
+              <a:rPr lang="en-US" sz="2800" b="1" dirty="0" smtClean="0">
+                <a:latin typeface="Courier New"/>
+              </a:rPr>
+              <a:t>e)</a:t>
+            </a:r>
+          </a:p>
+          <a:p>
+            <a:r>
               <a:rPr lang="en-US" sz="2800" dirty="0" smtClean="0">
                 <a:latin typeface="Courier New"/>
               </a:rPr>
-              <a:t>{ </a:t>
-            </a:r>
-            <a:r>
-              <a:rPr lang="en-US" sz="2800" dirty="0" smtClean="0">
-                <a:latin typeface="Courier New"/>
-              </a:rPr>
-              <a:t>1 must_== 2 } must </a:t>
-            </a:r>
-            <a:r>
-              <a:rPr lang="en-US" sz="2800" dirty="0" err="1" smtClean="0">
-                <a:latin typeface="Courier New"/>
-              </a:rPr>
-              <a:t>throwA</a:t>
-            </a:r>
-            <a:r>
-              <a:rPr lang="en-US" sz="2800" dirty="0" smtClean="0">
-                <a:latin typeface="Courier New"/>
-              </a:rPr>
-              <a:t>[</a:t>
-            </a:r>
-            <a:r>
-              <a:rPr lang="en-US" sz="2800" dirty="0" err="1" smtClean="0">
-                <a:latin typeface="Courier New"/>
-              </a:rPr>
-              <a:t>FailureException</a:t>
-            </a:r>
-            <a:r>
-              <a:rPr lang="en-US" sz="2800" dirty="0" smtClean="0">
-                <a:latin typeface="Courier New"/>
-              </a:rPr>
-              <a:t>]</a:t>
-            </a:r>
+              <a:t>}</a:t>
+            </a:r>
+            <a:endParaRPr lang="en-US" sz="2800" dirty="0" smtClean="0">
+              <a:latin typeface="Courier New"/>
+            </a:endParaRPr>
+          </a:p>
+          <a:p>
             <a:endParaRPr lang="en-US" sz="2800" dirty="0" smtClean="0">
               <a:solidFill>
                 <a:srgbClr val="2A00FF"/>
@@ -23523,6 +23795,151 @@
             </a:endParaRPr>
           </a:p>
           <a:p>
+            <a:r>
+              <a:rPr lang="en-US" sz="2800" dirty="0" smtClean="0">
+                <a:solidFill>
+                  <a:srgbClr val="2A00FF"/>
+                </a:solidFill>
+                <a:latin typeface="Courier New"/>
+              </a:rPr>
+              <a:t>"</a:t>
+            </a:r>
+            <a:r>
+              <a:rPr lang="en-US" sz="2800" dirty="0" smtClean="0">
+                <a:solidFill>
+                  <a:srgbClr val="2A00FF"/>
+                </a:solidFill>
+                <a:latin typeface="Courier New"/>
+              </a:rPr>
+              <a:t>When I setup the system"</a:t>
+            </a:r>
+            <a:r>
+              <a:rPr lang="en-US" sz="2800" dirty="0" smtClean="0">
+                <a:latin typeface="Courier New"/>
+              </a:rPr>
+              <a:t> &gt;&gt; {</a:t>
+            </a:r>
+          </a:p>
+          <a:p>
+            <a:r>
+              <a:rPr lang="en-US" sz="2800" dirty="0" smtClean="0">
+                <a:solidFill>
+                  <a:srgbClr val="2A00FF"/>
+                </a:solidFill>
+                <a:latin typeface="Courier New"/>
+              </a:rPr>
+              <a:t>  "</a:t>
+            </a:r>
+            <a:r>
+              <a:rPr lang="en-US" sz="2800" dirty="0" smtClean="0">
+                <a:solidFill>
+                  <a:srgbClr val="2A00FF"/>
+                </a:solidFill>
+                <a:latin typeface="Courier New"/>
+              </a:rPr>
+              <a:t>And a customer is entered"</a:t>
+            </a:r>
+            <a:r>
+              <a:rPr lang="en-US" sz="2800" dirty="0" smtClean="0">
+                <a:latin typeface="Courier New"/>
+              </a:rPr>
+              <a:t> &gt;&gt; {</a:t>
+            </a:r>
+          </a:p>
+          <a:p>
+            <a:r>
+              <a:rPr lang="en-US" sz="2800" dirty="0" smtClean="0">
+                <a:latin typeface="Courier New"/>
+              </a:rPr>
+              <a:t>  </a:t>
+            </a:r>
+            <a:r>
+              <a:rPr lang="en-US" sz="2800" dirty="0" smtClean="0">
+                <a:latin typeface="Courier New"/>
+              </a:rPr>
+              <a:t>  </a:t>
+            </a:r>
+            <a:r>
+              <a:rPr lang="en-US" sz="2800" dirty="0" smtClean="0">
+                <a:solidFill>
+                  <a:srgbClr val="2A00FF"/>
+                </a:solidFill>
+                <a:latin typeface="Courier New"/>
+              </a:rPr>
+              <a:t>"</a:t>
+            </a:r>
+            <a:r>
+              <a:rPr lang="en-US" sz="2800" dirty="0" smtClean="0">
+                <a:solidFill>
+                  <a:srgbClr val="2A00FF"/>
+                </a:solidFill>
+                <a:latin typeface="Courier New"/>
+              </a:rPr>
+              <a:t>if he has a discount"</a:t>
+            </a:r>
+            <a:r>
+              <a:rPr lang="en-US" sz="2800" dirty="0" smtClean="0">
+                <a:latin typeface="Courier New"/>
+              </a:rPr>
+              <a:t> &gt;&gt; {}</a:t>
+            </a:r>
+          </a:p>
+          <a:p>
+            <a:r>
+              <a:rPr lang="en-US" sz="2800" dirty="0" smtClean="0">
+                <a:latin typeface="Courier New"/>
+              </a:rPr>
+              <a:t>  </a:t>
+            </a:r>
+            <a:r>
+              <a:rPr lang="en-US" sz="2800" dirty="0" smtClean="0">
+                <a:latin typeface="Courier New"/>
+              </a:rPr>
+              <a:t>  </a:t>
+            </a:r>
+            <a:r>
+              <a:rPr lang="en-US" sz="2800" dirty="0" smtClean="0">
+                <a:solidFill>
+                  <a:srgbClr val="2A00FF"/>
+                </a:solidFill>
+                <a:latin typeface="Courier New"/>
+              </a:rPr>
+              <a:t>"</a:t>
+            </a:r>
+            <a:r>
+              <a:rPr lang="en-US" sz="2800" dirty="0" smtClean="0">
+                <a:solidFill>
+                  <a:srgbClr val="2A00FF"/>
+                </a:solidFill>
+                <a:latin typeface="Courier New"/>
+              </a:rPr>
+              <a:t>if he doesn't have a discount"</a:t>
+            </a:r>
+            <a:r>
+              <a:rPr lang="en-US" sz="2800" dirty="0" smtClean="0">
+                <a:latin typeface="Courier New"/>
+              </a:rPr>
+              <a:t> &gt;&gt; {}</a:t>
+            </a:r>
+          </a:p>
+          <a:p>
+            <a:r>
+              <a:rPr lang="en-US" sz="2800" dirty="0" smtClean="0">
+                <a:latin typeface="Courier New"/>
+              </a:rPr>
+              <a:t>  }</a:t>
+            </a:r>
+            <a:endParaRPr lang="en-US" sz="2800" dirty="0" smtClean="0">
+              <a:latin typeface="Courier New"/>
+            </a:endParaRPr>
+          </a:p>
+          <a:p>
+            <a:r>
+              <a:rPr lang="en-US" sz="2800" dirty="0" smtClean="0">
+                <a:latin typeface="Courier New"/>
+              </a:rPr>
+              <a:t>}</a:t>
+            </a:r>
             <a:endParaRPr lang="en-US" sz="2800" b="1" dirty="0" smtClean="0">
               <a:solidFill>
                 <a:srgbClr val="7F0055"/>
@@ -23530,369 +23947,6 @@
               <a:latin typeface="Courier New"/>
             </a:endParaRPr>
           </a:p>
-          <a:p>
-            <a:r>
-              <a:rPr lang="en-US" sz="2800" b="1" dirty="0" smtClean="0">
-                <a:solidFill>
-                  <a:srgbClr val="7F0055"/>
-                </a:solidFill>
-                <a:latin typeface="Courier New"/>
-              </a:rPr>
-              <a:t>import</a:t>
-            </a:r>
-            <a:r>
-              <a:rPr lang="en-US" sz="2800" b="1" dirty="0" smtClean="0">
-                <a:latin typeface="Courier New"/>
-              </a:rPr>
-              <a:t> </a:t>
-            </a:r>
-            <a:r>
-              <a:rPr lang="en-US" sz="2800" b="1" dirty="0" err="1" smtClean="0">
-                <a:latin typeface="Courier New"/>
-              </a:rPr>
-              <a:t>scala.reflect</a:t>
-            </a:r>
-            <a:r>
-              <a:rPr lang="en-US" sz="2800" b="1" dirty="0" smtClean="0">
-                <a:latin typeface="Courier New"/>
-              </a:rPr>
-              <a:t>._</a:t>
-            </a:r>
-            <a:endParaRPr lang="en-US" sz="2800" b="1" dirty="0" smtClean="0">
-              <a:solidFill>
-                <a:srgbClr val="7F0055"/>
-              </a:solidFill>
-              <a:latin typeface="Courier New"/>
-            </a:endParaRPr>
-          </a:p>
-          <a:p>
-            <a:r>
-              <a:rPr lang="en-US" sz="2800" b="1" dirty="0" smtClean="0">
-                <a:solidFill>
-                  <a:srgbClr val="7F0055"/>
-                </a:solidFill>
-                <a:latin typeface="Courier New"/>
-              </a:rPr>
-              <a:t>def</a:t>
-            </a:r>
-            <a:r>
-              <a:rPr lang="en-US" sz="2800" b="1" dirty="0" smtClean="0">
-                <a:latin typeface="Courier New"/>
-              </a:rPr>
-              <a:t> </a:t>
-            </a:r>
-            <a:r>
-              <a:rPr lang="en-US" sz="2800" b="1" dirty="0" err="1" smtClean="0">
-                <a:latin typeface="Courier New"/>
-              </a:rPr>
-              <a:t>throwA</a:t>
-            </a:r>
-            <a:r>
-              <a:rPr lang="en-US" sz="2800" b="1" dirty="0" smtClean="0">
-                <a:latin typeface="Courier New"/>
-              </a:rPr>
-              <a:t>[T](</a:t>
-            </a:r>
-            <a:r>
-              <a:rPr lang="en-US" sz="2800" b="1" dirty="0" smtClean="0">
-                <a:solidFill>
-                  <a:srgbClr val="7F0055"/>
-                </a:solidFill>
-                <a:latin typeface="Courier New"/>
-              </a:rPr>
-              <a:t>implicit</a:t>
-            </a:r>
-            <a:r>
-              <a:rPr lang="en-US" sz="2800" b="1" dirty="0" smtClean="0">
-                <a:latin typeface="Courier New"/>
-              </a:rPr>
-              <a:t> m: </a:t>
-            </a:r>
-            <a:r>
-              <a:rPr lang="en-US" sz="2800" b="1" dirty="0" err="1" smtClean="0">
-                <a:latin typeface="Courier New"/>
-              </a:rPr>
-              <a:t>ClassManifest</a:t>
-            </a:r>
-            <a:r>
-              <a:rPr lang="en-US" sz="2800" b="1" dirty="0" smtClean="0">
-                <a:latin typeface="Courier New"/>
-              </a:rPr>
-              <a:t>[T</a:t>
-            </a:r>
-            <a:r>
-              <a:rPr lang="en-US" sz="2800" b="1" dirty="0" smtClean="0">
-                <a:latin typeface="Courier New"/>
-              </a:rPr>
-              <a:t>]) = </a:t>
-            </a:r>
-            <a:endParaRPr lang="en-US" sz="2800" b="1" dirty="0" smtClean="0">
-              <a:latin typeface="Courier New"/>
-            </a:endParaRPr>
-          </a:p>
-          <a:p>
-            <a:r>
-              <a:rPr lang="en-US" sz="2800" b="1" dirty="0" smtClean="0">
-                <a:solidFill>
-                  <a:srgbClr val="7F0055"/>
-                </a:solidFill>
-                <a:latin typeface="Courier New"/>
-              </a:rPr>
-              <a:t>  new</a:t>
-            </a:r>
-            <a:r>
-              <a:rPr lang="en-US" sz="2800" b="1" dirty="0" smtClean="0">
-                <a:latin typeface="Courier New"/>
-              </a:rPr>
-              <a:t> </a:t>
-            </a:r>
-            <a:r>
-              <a:rPr lang="en-US" sz="2800" b="1" dirty="0" smtClean="0">
-                <a:latin typeface="Courier New"/>
-              </a:rPr>
-              <a:t>Matcher[</a:t>
-            </a:r>
-            <a:r>
-              <a:rPr lang="en-US" sz="2800" b="1" dirty="0" smtClean="0">
-                <a:solidFill>
-                  <a:srgbClr val="7F0055"/>
-                </a:solidFill>
-                <a:latin typeface="Courier New"/>
-              </a:rPr>
-              <a:t>Any</a:t>
-            </a:r>
-            <a:r>
-              <a:rPr lang="en-US" sz="2800" b="1" dirty="0" smtClean="0">
-                <a:latin typeface="Courier New"/>
-              </a:rPr>
-              <a:t>] </a:t>
-            </a:r>
-            <a:r>
-              <a:rPr lang="en-US" sz="2800" b="1" dirty="0" smtClean="0">
-                <a:latin typeface="Courier New"/>
-              </a:rPr>
-              <a:t>{</a:t>
-            </a:r>
-            <a:endParaRPr lang="en-US" sz="2800" b="1" dirty="0" smtClean="0">
-              <a:latin typeface="Courier New"/>
-            </a:endParaRPr>
-          </a:p>
-          <a:p>
-            <a:r>
-              <a:rPr lang="en-US" sz="2800" b="1" dirty="0" smtClean="0">
-                <a:solidFill>
-                  <a:srgbClr val="7F0055"/>
-                </a:solidFill>
-                <a:latin typeface="Courier New"/>
-              </a:rPr>
-              <a:t>    def</a:t>
-            </a:r>
-            <a:r>
-              <a:rPr lang="en-US" sz="2800" b="1" dirty="0" smtClean="0">
-                <a:latin typeface="Courier New"/>
-              </a:rPr>
-              <a:t> </a:t>
-            </a:r>
-            <a:r>
-              <a:rPr lang="en-US" sz="2800" b="1" dirty="0" smtClean="0">
-                <a:latin typeface="Courier New"/>
-              </a:rPr>
-              <a:t>apply(v: =&gt;</a:t>
-            </a:r>
-            <a:r>
-              <a:rPr lang="en-US" sz="2800" b="1" dirty="0" smtClean="0">
-                <a:solidFill>
-                  <a:srgbClr val="7F0055"/>
-                </a:solidFill>
-                <a:latin typeface="Courier New"/>
-              </a:rPr>
-              <a:t>Any</a:t>
-            </a:r>
-            <a:r>
-              <a:rPr lang="en-US" sz="2800" b="1" dirty="0" smtClean="0">
-                <a:latin typeface="Courier New"/>
-              </a:rPr>
-              <a:t>): </a:t>
-            </a:r>
-            <a:r>
-              <a:rPr lang="en-US" sz="2800" b="1" dirty="0" smtClean="0">
-                <a:solidFill>
-                  <a:srgbClr val="7F0055"/>
-                </a:solidFill>
-                <a:latin typeface="Courier New"/>
-              </a:rPr>
-              <a:t>Boolean</a:t>
-            </a:r>
-            <a:r>
-              <a:rPr lang="en-US" sz="2800" b="1" dirty="0" smtClean="0">
-                <a:latin typeface="Courier New"/>
-              </a:rPr>
-              <a:t> = {</a:t>
-            </a:r>
-          </a:p>
-          <a:p>
-            <a:r>
-              <a:rPr lang="en-US" sz="2800" dirty="0" smtClean="0">
-                <a:latin typeface="Courier New"/>
-              </a:rPr>
-              <a:t>      </a:t>
-            </a:r>
-            <a:r>
-              <a:rPr lang="en-US" sz="2800" b="1" dirty="0" smtClean="0">
-                <a:solidFill>
-                  <a:srgbClr val="7F0055"/>
-                </a:solidFill>
-                <a:latin typeface="Courier New"/>
-              </a:rPr>
-              <a:t>try</a:t>
-            </a:r>
-            <a:r>
-              <a:rPr lang="en-US" sz="2800" b="1" dirty="0" smtClean="0">
-                <a:latin typeface="Courier New"/>
-              </a:rPr>
-              <a:t> </a:t>
-            </a:r>
-            <a:r>
-              <a:rPr lang="en-US" sz="2800" b="1" dirty="0" smtClean="0">
-                <a:latin typeface="Courier New"/>
-              </a:rPr>
-              <a:t>{ v }</a:t>
-            </a:r>
-            <a:r>
-              <a:rPr lang="en-US" sz="2800" dirty="0" smtClean="0">
-                <a:latin typeface="Courier New"/>
-              </a:rPr>
-              <a:t>     </a:t>
-            </a:r>
-            <a:endParaRPr lang="en-US" sz="2800" dirty="0" smtClean="0">
-              <a:latin typeface="Courier New"/>
-            </a:endParaRPr>
-          </a:p>
-          <a:p>
-            <a:r>
-              <a:rPr lang="en-US" sz="2800" dirty="0" smtClean="0">
-                <a:latin typeface="Courier New"/>
-              </a:rPr>
-              <a:t>      </a:t>
-            </a:r>
-            <a:r>
-              <a:rPr lang="en-US" sz="2800" b="1" dirty="0" smtClean="0">
-                <a:solidFill>
-                  <a:srgbClr val="7F0055"/>
-                </a:solidFill>
-                <a:latin typeface="Courier New"/>
-              </a:rPr>
-              <a:t>catch</a:t>
-            </a:r>
-            <a:r>
-              <a:rPr lang="en-US" sz="2800" b="1" dirty="0" smtClean="0">
-                <a:latin typeface="Courier New"/>
-              </a:rPr>
-              <a:t> </a:t>
-            </a:r>
-            <a:r>
-              <a:rPr lang="en-US" sz="2800" b="1" dirty="0" smtClean="0">
-                <a:latin typeface="Courier New"/>
-              </a:rPr>
-              <a:t>{ </a:t>
-            </a:r>
-            <a:r>
-              <a:rPr lang="en-US" sz="2800" b="1" dirty="0" smtClean="0">
-                <a:solidFill>
-                  <a:srgbClr val="7F0055"/>
-                </a:solidFill>
-                <a:latin typeface="Courier New"/>
-              </a:rPr>
-              <a:t>case</a:t>
-            </a:r>
-            <a:r>
-              <a:rPr lang="en-US" sz="2800" b="1" dirty="0" smtClean="0">
-                <a:latin typeface="Courier New"/>
-              </a:rPr>
-              <a:t> e =&gt; </a:t>
-            </a:r>
-            <a:r>
-              <a:rPr lang="en-US" sz="2800" b="1" dirty="0" smtClean="0">
-                <a:solidFill>
-                  <a:srgbClr val="7F0055"/>
-                </a:solidFill>
-                <a:latin typeface="Courier New"/>
-              </a:rPr>
-              <a:t>return</a:t>
-            </a:r>
-            <a:r>
-              <a:rPr lang="en-US" sz="2800" b="1" dirty="0" smtClean="0">
-                <a:latin typeface="Courier New"/>
-              </a:rPr>
-              <a:t> </a:t>
-            </a:r>
-            <a:r>
-              <a:rPr lang="en-US" sz="2800" b="1" dirty="0" err="1" smtClean="0">
-                <a:latin typeface="Courier New"/>
-              </a:rPr>
-              <a:t>e.getClass</a:t>
-            </a:r>
-            <a:r>
-              <a:rPr lang="en-US" sz="2800" b="1" dirty="0" smtClean="0">
-                <a:latin typeface="Courier New"/>
-              </a:rPr>
-              <a:t> == </a:t>
-            </a:r>
-            <a:r>
-              <a:rPr lang="en-US" sz="2800" b="1" dirty="0" err="1" smtClean="0">
-                <a:latin typeface="Courier New"/>
-              </a:rPr>
-              <a:t>m.erasure</a:t>
-            </a:r>
-            <a:r>
-              <a:rPr lang="en-US" sz="2800" b="1" dirty="0" smtClean="0">
-                <a:latin typeface="Courier New"/>
-              </a:rPr>
-              <a:t> }</a:t>
-            </a:r>
-          </a:p>
-          <a:p>
-            <a:r>
-              <a:rPr lang="en-US" sz="2800" dirty="0" smtClean="0">
-                <a:latin typeface="Courier New"/>
-              </a:rPr>
-              <a:t>      </a:t>
-            </a:r>
-            <a:r>
-              <a:rPr lang="en-US" sz="2800" b="1" dirty="0" smtClean="0">
-                <a:solidFill>
-                  <a:srgbClr val="7F0055"/>
-                </a:solidFill>
-                <a:latin typeface="Courier New"/>
-              </a:rPr>
-              <a:t>true</a:t>
-            </a:r>
-          </a:p>
-          <a:p>
-            <a:r>
-              <a:rPr lang="en-US" sz="2800" dirty="0" smtClean="0">
-                <a:latin typeface="Courier New"/>
-              </a:rPr>
-              <a:t>    } </a:t>
-            </a:r>
-            <a:endParaRPr lang="en-US" sz="2800" dirty="0" smtClean="0">
-              <a:latin typeface="Courier New"/>
-            </a:endParaRPr>
-          </a:p>
-          <a:p>
-            <a:r>
-              <a:rPr lang="en-US" sz="2800" dirty="0" smtClean="0">
-                <a:latin typeface="Courier New"/>
-              </a:rPr>
-              <a:t>  }</a:t>
-            </a:r>
-            <a:endParaRPr lang="en-US" sz="2800" b="1" dirty="0" smtClean="0">
-              <a:solidFill>
-                <a:srgbClr val="7F0055"/>
-              </a:solidFill>
-              <a:latin typeface="Courier New"/>
-            </a:endParaRPr>
-          </a:p>
         </p:txBody>
       </p:sp>
       <p:sp>
@@ -23904,7 +23958,7 @@
         <p:spPr>
           <a:xfrm>
             <a:off x="3759200" y="1447800"/>
-            <a:ext cx="6051658" cy="923330"/>
+            <a:ext cx="3978973" cy="923330"/>
           </a:xfrm>
           <a:prstGeom prst="rect">
             <a:avLst/>
@@ -23926,7 +23980,7 @@
                 <a:cs typeface="+mj-cs"/>
                 <a:sym typeface="Arial" charset="0"/>
               </a:rPr>
-              <a:t>Class manifests</a:t>
+              <a:t>Operators</a:t>
             </a:r>
             <a:endParaRPr lang="en-US" dirty="0"/>
           </a:p>
@@ -24227,8 +24281,8 @@
         </p:nvSpPr>
         <p:spPr>
           <a:xfrm>
-            <a:off x="4701739" y="1295400"/>
-            <a:ext cx="5386410" cy="923330"/>
+            <a:off x="4510641" y="1438870"/>
+            <a:ext cx="4503156" cy="923330"/>
           </a:xfrm>
           <a:prstGeom prst="rect">
             <a:avLst/>
@@ -24250,7 +24304,7 @@
                 <a:cs typeface="+mj-cs"/>
                 <a:sym typeface="Arial" charset="0"/>
               </a:rPr>
-              <a:t>make a guess</a:t>
+              <a:t>precedence</a:t>
             </a:r>
             <a:endParaRPr lang="en-US" dirty="0">
               <a:solidFill>
@@ -24295,7 +24349,7 @@
         <p:spPr>
           <a:xfrm>
             <a:off x="330200" y="2819400"/>
-            <a:ext cx="12344400" cy="3046988"/>
+            <a:ext cx="12344400" cy="3539430"/>
           </a:xfrm>
           <a:prstGeom prst="rect">
             <a:avLst/>
@@ -24319,96 +24373,173 @@
             <a:r>
               <a:rPr lang="en-US" sz="3200" dirty="0" smtClean="0">
                 <a:solidFill>
-                  <a:srgbClr val="2A00FF"/>
-                </a:solidFill>
-                <a:latin typeface="Courier New"/>
-              </a:rPr>
-              <a:t>"When I setup the system"</a:t>
-            </a:r>
+                  <a:srgbClr val="3F5FBF"/>
+                </a:solidFill>
+                <a:latin typeface="Courier New"/>
+              </a:rPr>
+              <a:t>/**</a:t>
+            </a:r>
+            <a:endParaRPr lang="en-US" sz="3200" dirty="0" smtClean="0">
+              <a:solidFill>
+                <a:srgbClr val="3F5FBF"/>
+              </a:solidFill>
+              <a:latin typeface="Courier New"/>
+            </a:endParaRPr>
+          </a:p>
+          <a:p>
             <a:r>
               <a:rPr lang="en-US" sz="3200" dirty="0" smtClean="0">
-                <a:latin typeface="Courier New"/>
-              </a:rPr>
-              <a:t> &gt;&gt; {</a:t>
-            </a:r>
-          </a:p>
-          <a:p>
+                <a:solidFill>
+                  <a:srgbClr val="3F5FBF"/>
+                </a:solidFill>
+                <a:latin typeface="Courier New"/>
+              </a:rPr>
+              <a:t> </a:t>
+            </a:r>
             <a:r>
               <a:rPr lang="en-US" sz="3200" dirty="0" smtClean="0">
                 <a:solidFill>
-                  <a:srgbClr val="2A00FF"/>
-                </a:solidFill>
-                <a:latin typeface="Courier New"/>
-              </a:rPr>
-              <a:t>  "And a customer is entered"</a:t>
+                  <a:srgbClr val="3F5FBF"/>
+                </a:solidFill>
+                <a:latin typeface="Courier New"/>
+              </a:rPr>
+              <a:t>* Fit</a:t>
             </a:r>
             <a:r>
               <a:rPr lang="en-US" sz="3200" dirty="0" smtClean="0">
-                <a:latin typeface="Courier New"/>
-              </a:rPr>
-              <a:t> &gt;&gt; {</a:t>
-            </a:r>
-          </a:p>
-          <a:p>
+                <a:solidFill>
+                  <a:srgbClr val="7F7F9F"/>
+                </a:solidFill>
+                <a:latin typeface="Courier New"/>
+              </a:rPr>
+              <a:t>-</a:t>
+            </a:r>
             <a:r>
               <a:rPr lang="en-US" sz="3200" dirty="0" smtClean="0">
-                <a:latin typeface="Courier New"/>
-              </a:rPr>
-              <a:t>    </a:t>
+                <a:solidFill>
+                  <a:srgbClr val="3F5FBF"/>
+                </a:solidFill>
+                <a:latin typeface="Courier New"/>
+              </a:rPr>
+              <a:t>like table in </a:t>
+            </a:r>
+            <a:r>
+              <a:rPr lang="en-US" sz="3200" dirty="0" err="1" smtClean="0">
+                <a:solidFill>
+                  <a:srgbClr val="3F5FBF"/>
+                </a:solidFill>
+                <a:latin typeface="Courier New"/>
+              </a:rPr>
+              <a:t>Scala</a:t>
             </a:r>
             <a:r>
               <a:rPr lang="en-US" sz="3200" dirty="0" smtClean="0">
                 <a:solidFill>
-                  <a:srgbClr val="2A00FF"/>
-                </a:solidFill>
-                <a:latin typeface="Courier New"/>
-              </a:rPr>
-              <a:t>"if he has a discount"</a:t>
-            </a:r>
+                  <a:srgbClr val="3F5FBF"/>
+                </a:solidFill>
+                <a:latin typeface="Courier New"/>
+              </a:rPr>
+              <a:t>?</a:t>
+            </a:r>
+          </a:p>
+          <a:p>
             <a:r>
               <a:rPr lang="en-US" sz="3200" dirty="0" smtClean="0">
-                <a:latin typeface="Courier New"/>
-              </a:rPr>
-              <a:t> &gt;&gt; {}</a:t>
-            </a:r>
-          </a:p>
-          <a:p>
+                <a:solidFill>
+                  <a:srgbClr val="3F5FBF"/>
+                </a:solidFill>
+                <a:latin typeface="Courier New"/>
+              </a:rPr>
+              <a:t> </a:t>
+            </a:r>
             <a:r>
               <a:rPr lang="en-US" sz="3200" dirty="0" smtClean="0">
-                <a:latin typeface="Courier New"/>
-              </a:rPr>
-              <a:t>    </a:t>
-            </a:r>
+                <a:solidFill>
+                  <a:srgbClr val="3F5FBF"/>
+                </a:solidFill>
+                <a:latin typeface="Courier New"/>
+              </a:rPr>
+              <a:t>* </a:t>
+            </a:r>
+          </a:p>
+          <a:p>
             <a:r>
               <a:rPr lang="en-US" sz="3200" dirty="0" smtClean="0">
                 <a:solidFill>
-                  <a:srgbClr val="2A00FF"/>
-                </a:solidFill>
-                <a:latin typeface="Courier New"/>
-              </a:rPr>
-              <a:t>"if he doesn't have a discount"</a:t>
+                  <a:srgbClr val="3F5FBF"/>
+                </a:solidFill>
+                <a:latin typeface="Courier New"/>
+              </a:rPr>
+              <a:t> </a:t>
             </a:r>
             <a:r>
               <a:rPr lang="en-US" sz="3200" dirty="0" smtClean="0">
-                <a:latin typeface="Courier New"/>
-              </a:rPr>
-              <a:t> &gt;&gt; {}</a:t>
+                <a:solidFill>
+                  <a:srgbClr val="3F5FBF"/>
+                </a:solidFill>
+                <a:latin typeface="Courier New"/>
+              </a:rPr>
+              <a:t>*  | a | b | c |</a:t>
             </a:r>
           </a:p>
           <a:p>
             <a:r>
               <a:rPr lang="en-US" sz="3200" dirty="0" smtClean="0">
-                <a:latin typeface="Courier New"/>
-              </a:rPr>
-              <a:t>  }</a:t>
-            </a:r>
-          </a:p>
-          <a:p>
+                <a:solidFill>
+                  <a:srgbClr val="3F5FBF"/>
+                </a:solidFill>
+                <a:latin typeface="Courier New"/>
+              </a:rPr>
+              <a:t> </a:t>
+            </a:r>
             <a:r>
               <a:rPr lang="en-US" sz="3200" dirty="0" smtClean="0">
-                <a:latin typeface="Courier New"/>
-              </a:rPr>
-              <a:t>}</a:t>
+                <a:solidFill>
+                  <a:srgbClr val="3F5FBF"/>
+                </a:solidFill>
+                <a:latin typeface="Courier New"/>
+              </a:rPr>
+              <a:t>*  | 1 | 2 | 3 |</a:t>
+            </a:r>
+          </a:p>
+          <a:p>
+            <a:r>
+              <a:rPr lang="en-US" sz="3200" dirty="0" smtClean="0">
+                <a:solidFill>
+                  <a:srgbClr val="3F5FBF"/>
+                </a:solidFill>
+                <a:latin typeface="Courier New"/>
+              </a:rPr>
+              <a:t> </a:t>
+            </a:r>
+            <a:r>
+              <a:rPr lang="en-US" sz="3200" dirty="0" smtClean="0">
+                <a:solidFill>
+                  <a:srgbClr val="3F5FBF"/>
+                </a:solidFill>
+                <a:latin typeface="Courier New"/>
+              </a:rPr>
+              <a:t>*  | 2 | 2 | 4 |</a:t>
+            </a:r>
+          </a:p>
+          <a:p>
+            <a:r>
+              <a:rPr lang="en-US" sz="3200" dirty="0" smtClean="0">
+                <a:solidFill>
+                  <a:srgbClr val="3F5FBF"/>
+                </a:solidFill>
+                <a:latin typeface="Courier New"/>
+              </a:rPr>
+              <a:t> </a:t>
+            </a:r>
+            <a:r>
+              <a:rPr lang="en-US" sz="3200" dirty="0" smtClean="0">
+                <a:solidFill>
+                  <a:srgbClr val="3F5FBF"/>
+                </a:solidFill>
+                <a:latin typeface="Courier New"/>
+              </a:rPr>
+              <a:t>*/</a:t>
             </a:r>
             <a:endParaRPr lang="en-US" sz="3200" b="1" dirty="0" smtClean="0">
               <a:solidFill>
@@ -24447,7 +24578,7 @@
       </p:pic>
       <p:sp>
         <p:nvSpPr>
-          <p:cNvPr id="9" name="Rectangle 1"/>
+          <p:cNvPr id="10" name="Rectangle 1"/>
           <p:cNvSpPr txBox="1">
             <a:spLocks noChangeArrowheads="1"/>
           </p:cNvSpPr>
@@ -24455,8 +24586,8 @@
         </p:nvSpPr>
         <p:spPr bwMode="auto">
           <a:xfrm>
-            <a:off x="4064000" y="6553200"/>
-            <a:ext cx="8382000" cy="685800"/>
+            <a:off x="3683000" y="6629400"/>
+            <a:ext cx="8686800" cy="1295400"/>
           </a:xfrm>
           <a:prstGeom prst="rect">
             <a:avLst/>
@@ -24478,46 +24609,57 @@
           </a:bodyPr>
           <a:lstStyle/>
           <a:p>
-            <a:pPr lvl="0">
-              <a:buFont typeface="Wingdings"/>
-              <a:buChar char="ð"/>
-            </a:pPr>
-            <a:r>
-              <a:rPr kumimoji="0" lang="en-US" sz="4400" b="1" i="0" u="none" strike="noStrike" kern="0" cap="none" spc="0" normalizeH="0" baseline="0" noProof="0" dirty="0" smtClean="0">
-                <a:ln>
-                  <a:noFill/>
-                </a:ln>
+            <a:pPr lvl="0"/>
+            <a:r>
+              <a:rPr lang="en-US" sz="4400" b="1" kern="0" dirty="0" smtClean="0">
                 <a:solidFill>
                   <a:srgbClr val="FF0000"/>
                 </a:solidFill>
-                <a:effectLst/>
-                <a:uLnTx/>
-                <a:uFillTx/>
                 <a:latin typeface="Candara" pitchFamily="34" charset="0"/>
                 <a:ea typeface="+mj-ea"/>
                 <a:cs typeface="+mj-cs"/>
-                <a:sym typeface="Wingdings"/>
-              </a:rPr>
-              <a:t>Don’t execute</a:t>
-            </a:r>
-            <a:r>
-              <a:rPr kumimoji="0" lang="en-US" sz="4400" b="1" i="0" u="none" strike="noStrike" kern="0" cap="none" spc="0" normalizeH="0" noProof="0" dirty="0" smtClean="0">
-                <a:ln>
-                  <a:noFill/>
-                </a:ln>
+                <a:sym typeface="Arial" charset="0"/>
+              </a:rPr>
+              <a:t>   Use </a:t>
+            </a:r>
+            <a:r>
+              <a:rPr lang="en-US" sz="4400" b="1" kern="0" dirty="0" smtClean="0">
                 <a:solidFill>
                   <a:srgbClr val="FF0000"/>
                 </a:solidFill>
-                <a:effectLst/>
-                <a:uLnTx/>
-                <a:uFillTx/>
+                <a:latin typeface="Courier New" pitchFamily="49" charset="0"/>
+                <a:ea typeface="+mj-ea"/>
+                <a:cs typeface="Courier New" pitchFamily="49" charset="0"/>
+                <a:sym typeface="Arial" charset="0"/>
+              </a:rPr>
+              <a:t>‘!</a:t>
+            </a:r>
+            <a:r>
+              <a:rPr lang="en-US" sz="4400" b="1" kern="0" dirty="0" smtClean="0">
+                <a:solidFill>
+                  <a:srgbClr val="FF0000"/>
+                </a:solidFill>
+                <a:latin typeface="Courier New" pitchFamily="49" charset="0"/>
+                <a:cs typeface="Courier New" pitchFamily="49" charset="0"/>
+                <a:sym typeface="Arial" charset="0"/>
+              </a:rPr>
+              <a:t>‘</a:t>
+            </a:r>
+            <a:r>
+              <a:rPr lang="en-US" sz="4400" b="1" kern="0" dirty="0" smtClean="0">
+                <a:solidFill>
+                  <a:srgbClr val="FF0000"/>
+                </a:solidFill>
                 <a:latin typeface="Candara" pitchFamily="34" charset="0"/>
                 <a:ea typeface="+mj-ea"/>
                 <a:cs typeface="+mj-cs"/>
-                <a:sym typeface="Wingdings"/>
-              </a:rPr>
-              <a:t> </a:t>
-            </a:r>
+                <a:sym typeface="Arial" charset="0"/>
+              </a:rPr>
+              <a:t>  to separate cells and</a:t>
+            </a:r>
+          </a:p>
+          <a:p>
+            <a:pPr lvl="0"/>
             <a:r>
               <a:rPr lang="en-US" sz="4400" b="1" kern="0" dirty="0" smtClean="0">
                 <a:solidFill>
@@ -24526,45 +24668,55 @@
                 <a:latin typeface="Candara" pitchFamily="34" charset="0"/>
                 <a:ea typeface="+mj-ea"/>
                 <a:cs typeface="+mj-cs"/>
-                <a:sym typeface="Wingdings"/>
-              </a:rPr>
-              <a:t>nested e</a:t>
-            </a:r>
-            <a:r>
-              <a:rPr kumimoji="0" lang="en-US" sz="4400" b="1" i="0" u="none" strike="noStrike" kern="0" cap="none" spc="0" normalizeH="0" noProof="0" dirty="0" err="1" smtClean="0">
-                <a:ln>
-                  <a:noFill/>
-                </a:ln>
+                <a:sym typeface="Arial" charset="0"/>
+              </a:rPr>
+              <a:t>           </a:t>
+            </a:r>
+            <a:r>
+              <a:rPr lang="en-US" sz="4400" b="1" kern="0" dirty="0" smtClean="0">
                 <a:solidFill>
                   <a:srgbClr val="FF0000"/>
                 </a:solidFill>
-                <a:effectLst/>
-                <a:uLnTx/>
-                <a:uFillTx/>
+                <a:latin typeface="Courier New" pitchFamily="49" charset="0"/>
+                <a:cs typeface="Courier New" pitchFamily="49" charset="0"/>
+                <a:sym typeface="Arial" charset="0"/>
+              </a:rPr>
+              <a:t>‘</a:t>
+            </a:r>
+            <a:r>
+              <a:rPr lang="en-US" sz="4400" b="1" kern="0" dirty="0" smtClean="0">
+                <a:solidFill>
+                  <a:srgbClr val="FF0000"/>
+                </a:solidFill>
+                <a:latin typeface="Courier New" pitchFamily="49" charset="0"/>
+                <a:ea typeface="+mj-ea"/>
+                <a:cs typeface="Courier New" pitchFamily="49" charset="0"/>
+                <a:sym typeface="Arial" charset="0"/>
+              </a:rPr>
+              <a:t>|</a:t>
+            </a:r>
+            <a:r>
+              <a:rPr lang="en-US" sz="4400" b="1" kern="0" dirty="0" smtClean="0">
+                <a:solidFill>
+                  <a:srgbClr val="FF0000"/>
+                </a:solidFill>
+                <a:latin typeface="Courier New" pitchFamily="49" charset="0"/>
+                <a:cs typeface="Courier New" pitchFamily="49" charset="0"/>
+                <a:sym typeface="Arial" charset="0"/>
+              </a:rPr>
+              <a:t>‘</a:t>
+            </a:r>
+            <a:r>
+              <a:rPr lang="en-US" sz="4400" b="1" kern="0" dirty="0" smtClean="0">
+                <a:solidFill>
+                  <a:srgbClr val="FF0000"/>
+                </a:solidFill>
                 <a:latin typeface="Candara" pitchFamily="34" charset="0"/>
                 <a:ea typeface="+mj-ea"/>
                 <a:cs typeface="+mj-cs"/>
-                <a:sym typeface="Wingdings"/>
-              </a:rPr>
-              <a:t>xamples</a:t>
-            </a:r>
-            <a:r>
-              <a:rPr kumimoji="0" lang="en-US" sz="4400" b="1" i="0" u="none" strike="noStrike" kern="0" cap="none" spc="0" normalizeH="0" noProof="0" dirty="0" smtClean="0">
-                <a:ln>
-                  <a:noFill/>
-                </a:ln>
-                <a:solidFill>
-                  <a:srgbClr val="FF0000"/>
-                </a:solidFill>
-                <a:effectLst/>
-                <a:uLnTx/>
-                <a:uFillTx/>
-                <a:latin typeface="Candara" pitchFamily="34" charset="0"/>
-                <a:ea typeface="+mj-ea"/>
-                <a:cs typeface="+mj-cs"/>
-                <a:sym typeface="Wingdings"/>
-              </a:rPr>
-              <a:t>?</a:t>
+                <a:sym typeface="Arial" charset="0"/>
+              </a:rPr>
+              <a:t>  to separate rows</a:t>
             </a:r>
             <a:endParaRPr kumimoji="0" lang="en-US" sz="4400" b="1" i="0" u="none" strike="noStrike" kern="0" cap="none" spc="0" normalizeH="0" baseline="0" noProof="0" dirty="0">
               <a:ln>
@@ -24728,6 +24880,50 @@
           </a:p>
         </p:txBody>
       </p:sp>
+      <p:sp>
+        <p:nvSpPr>
+          <p:cNvPr id="7" name="Rectangle 6"/>
+          <p:cNvSpPr/>
+          <p:nvPr/>
+        </p:nvSpPr>
+        <p:spPr>
+          <a:xfrm>
+            <a:off x="4872690" y="1286470"/>
+            <a:ext cx="4634602" cy="923330"/>
+          </a:xfrm>
+          <a:prstGeom prst="rect">
+            <a:avLst/>
+          </a:prstGeom>
+        </p:spPr>
+        <p:txBody>
+          <a:bodyPr wrap="none">
+            <a:spAutoFit/>
+          </a:bodyPr>
+          <a:lstStyle/>
+          <a:p>
+            <a:pPr algn="ctr"/>
+            <a:r>
+              <a:rPr lang="en-US" sz="5400" b="1" kern="0" dirty="0" err="1" smtClean="0">
+                <a:solidFill>
+                  <a:srgbClr val="00CC66"/>
+                </a:solidFill>
+                <a:latin typeface="Lucida Handwriting" pitchFamily="66" charset="0"/>
+                <a:cs typeface="+mj-cs"/>
+                <a:sym typeface="Arial" charset="0"/>
+              </a:rPr>
+              <a:t>DataTables</a:t>
+            </a:r>
+            <a:endParaRPr lang="en-US" sz="5400" b="1" kern="0" dirty="0" smtClean="0">
+              <a:solidFill>
+                <a:srgbClr val="00CC66"/>
+              </a:solidFill>
+              <a:latin typeface="Lucida Handwriting" pitchFamily="66" charset="0"/>
+              <a:cs typeface="+mj-cs"/>
+              <a:sym typeface="Arial" charset="0"/>
+            </a:endParaRPr>
+          </a:p>
+        </p:txBody>
+      </p:sp>
       <p:pic>
         <p:nvPicPr>
           <p:cNvPr id="8" name="Picture 10" descr="http://knowledgehub.zeus.com/media/Scala_Logo2008.png"/>
@@ -24762,8 +24958,8 @@
         </p:nvSpPr>
         <p:spPr>
           <a:xfrm>
-            <a:off x="330200" y="2937570"/>
-            <a:ext cx="12344400" cy="3539430"/>
+            <a:off x="406400" y="2667000"/>
+            <a:ext cx="12344400" cy="5509200"/>
           </a:xfrm>
           <a:prstGeom prst="rect">
             <a:avLst/>
@@ -24785,98 +24981,192 @@
           <a:lstStyle/>
           <a:p>
             <a:r>
-              <a:rPr lang="fr-FR" sz="3200" b="1" dirty="0" err="1" smtClean="0">
+              <a:rPr lang="en-US" sz="3200" b="1" dirty="0" smtClean="0">
                 <a:solidFill>
                   <a:srgbClr val="7F0055"/>
                 </a:solidFill>
                 <a:latin typeface="Courier New"/>
               </a:rPr>
-              <a:t>def</a:t>
-            </a:r>
-            <a:r>
-              <a:rPr lang="fr-FR" sz="3200" b="1" dirty="0" smtClean="0">
+              <a:t>class</a:t>
+            </a:r>
+            <a:r>
+              <a:rPr lang="en-US" sz="3200" b="1" dirty="0" smtClean="0">
                 <a:latin typeface="Courier New"/>
               </a:rPr>
               <a:t> </a:t>
             </a:r>
             <a:r>
-              <a:rPr lang="fr-FR" sz="3200" b="1" dirty="0" smtClean="0">
-                <a:latin typeface="Courier New"/>
-              </a:rPr>
-              <a:t>in[T](e: =&gt;T</a:t>
-            </a:r>
-            <a:r>
-              <a:rPr lang="fr-FR" sz="3200" b="1" dirty="0" smtClean="0">
-                <a:latin typeface="Courier New"/>
-              </a:rPr>
-              <a:t>)</a:t>
-            </a:r>
-          </a:p>
-          <a:p>
-            <a:r>
-              <a:rPr lang="fr-FR" sz="3200" b="1" dirty="0" smtClean="0">
+              <a:rPr lang="en-US" sz="3200" b="1" dirty="0" err="1" smtClean="0">
+                <a:latin typeface="Courier New"/>
+              </a:rPr>
+              <a:t>DataTablesSpec</a:t>
+            </a:r>
+            <a:r>
+              <a:rPr lang="en-US" sz="3200" b="1" dirty="0" smtClean="0">
                 <a:latin typeface="Courier New"/>
               </a:rPr>
               <a:t> </a:t>
             </a:r>
             <a:r>
-              <a:rPr lang="fr-FR" sz="3200" b="1" dirty="0" smtClean="0">
-                <a:latin typeface="Courier New"/>
-              </a:rPr>
-              <a:t>        (</a:t>
-            </a:r>
-            <a:r>
-              <a:rPr lang="fr-FR" sz="3200" b="1" dirty="0" err="1" smtClean="0">
+              <a:rPr lang="en-US" sz="3200" b="1" dirty="0" smtClean="0">
                 <a:solidFill>
                   <a:srgbClr val="7F0055"/>
                 </a:solidFill>
                 <a:latin typeface="Courier New"/>
               </a:rPr>
-              <a:t>implicit</a:t>
-            </a:r>
-            <a:r>
-              <a:rPr lang="fr-FR" sz="3200" b="1" dirty="0" smtClean="0">
-                <a:latin typeface="Courier New"/>
-              </a:rPr>
-              <a:t> m: </a:t>
-            </a:r>
-            <a:r>
-              <a:rPr lang="fr-FR" sz="3200" b="1" dirty="0" err="1" smtClean="0">
-                <a:latin typeface="Courier New"/>
-              </a:rPr>
-              <a:t>ClassManifest</a:t>
-            </a:r>
-            <a:r>
-              <a:rPr lang="fr-FR" sz="3200" b="1" dirty="0" smtClean="0">
-                <a:latin typeface="Courier New"/>
-              </a:rPr>
-              <a:t>[T]) = {</a:t>
+              <a:t>extends</a:t>
+            </a:r>
+            <a:r>
+              <a:rPr lang="en-US" sz="3200" b="1" dirty="0" smtClean="0">
+                <a:latin typeface="Courier New"/>
+              </a:rPr>
+              <a:t> Specification </a:t>
+            </a:r>
+            <a:r>
+              <a:rPr lang="en-US" sz="3200" b="1" dirty="0" smtClean="0">
+                <a:solidFill>
+                  <a:srgbClr val="7F0055"/>
+                </a:solidFill>
+                <a:latin typeface="Courier New"/>
+              </a:rPr>
+              <a:t>with</a:t>
+            </a:r>
+            <a:r>
+              <a:rPr lang="en-US" sz="3200" b="1" dirty="0" smtClean="0">
+                <a:latin typeface="Courier New"/>
+              </a:rPr>
+              <a:t> </a:t>
+            </a:r>
+            <a:r>
+              <a:rPr lang="en-US" sz="3200" b="1" dirty="0" smtClean="0">
+                <a:latin typeface="Courier New"/>
+              </a:rPr>
+              <a:t> </a:t>
+            </a:r>
+          </a:p>
+          <a:p>
+            <a:r>
+              <a:rPr lang="en-US" sz="3200" b="1" dirty="0" smtClean="0">
+                <a:latin typeface="Courier New"/>
+              </a:rPr>
+              <a:t>                                     </a:t>
+            </a:r>
+            <a:r>
+              <a:rPr lang="en-US" sz="3200" b="1" dirty="0" err="1" smtClean="0">
+                <a:latin typeface="Courier New"/>
+              </a:rPr>
+              <a:t>DataTables</a:t>
+            </a:r>
+            <a:r>
+              <a:rPr lang="en-US" sz="3200" b="1" dirty="0" smtClean="0">
+                <a:latin typeface="Courier New"/>
+              </a:rPr>
+              <a:t> </a:t>
+            </a:r>
+            <a:r>
+              <a:rPr lang="en-US" sz="3200" b="1" dirty="0" smtClean="0">
+                <a:latin typeface="Courier New"/>
+              </a:rPr>
+              <a:t>{</a:t>
             </a:r>
           </a:p>
           <a:p>
             <a:r>
               <a:rPr lang="en-US" sz="3200" dirty="0" smtClean="0">
+                <a:solidFill>
+                  <a:srgbClr val="2A00FF"/>
+                </a:solidFill>
+                <a:latin typeface="Courier New"/>
+              </a:rPr>
+              <a:t>  "</a:t>
+            </a:r>
+            <a:r>
+              <a:rPr lang="en-US" sz="3200" dirty="0" smtClean="0">
+                <a:solidFill>
+                  <a:srgbClr val="2A00FF"/>
+                </a:solidFill>
+                <a:latin typeface="Courier New"/>
+              </a:rPr>
+              <a:t>lots of examples"</a:t>
+            </a:r>
+            <a:r>
+              <a:rPr lang="en-US" sz="3200" dirty="0" smtClean="0">
+                <a:latin typeface="Courier New"/>
+              </a:rPr>
+              <a:t> &gt;&gt; {</a:t>
+            </a:r>
+          </a:p>
+          <a:p>
+            <a:r>
+              <a:rPr lang="en-US" sz="3200" dirty="0" smtClean="0">
+                <a:latin typeface="Courier New"/>
+              </a:rPr>
+              <a:t>    </a:t>
+            </a:r>
+            <a:r>
+              <a:rPr lang="en-US" sz="3200" dirty="0" smtClean="0">
+                <a:solidFill>
+                  <a:srgbClr val="2A00FF"/>
+                </a:solidFill>
+                <a:latin typeface="Courier New"/>
+              </a:rPr>
+              <a:t>"a"</a:t>
+            </a:r>
+            <a:r>
+              <a:rPr lang="en-US" sz="3200" dirty="0" smtClean="0">
+                <a:latin typeface="Courier New"/>
+              </a:rPr>
+              <a:t> | </a:t>
+            </a:r>
+            <a:r>
+              <a:rPr lang="en-US" sz="3200" dirty="0" smtClean="0">
+                <a:solidFill>
+                  <a:srgbClr val="2A00FF"/>
+                </a:solidFill>
+                <a:latin typeface="Courier New"/>
+              </a:rPr>
+              <a:t>"b"</a:t>
+            </a:r>
+            <a:r>
+              <a:rPr lang="en-US" sz="3200" dirty="0" smtClean="0">
+                <a:latin typeface="Courier New"/>
+              </a:rPr>
+              <a:t> | </a:t>
+            </a:r>
+            <a:r>
+              <a:rPr lang="en-US" sz="3200" dirty="0" smtClean="0">
+                <a:solidFill>
+                  <a:srgbClr val="2A00FF"/>
+                </a:solidFill>
+                <a:latin typeface="Courier New"/>
+              </a:rPr>
+              <a:t>"a + b"</a:t>
+            </a:r>
+            <a:r>
+              <a:rPr lang="en-US" sz="3200" dirty="0" smtClean="0">
+                <a:latin typeface="Courier New"/>
+              </a:rPr>
+              <a:t> |</a:t>
+            </a:r>
+          </a:p>
+          <a:p>
+            <a:r>
+              <a:rPr lang="en-US" sz="3200" dirty="0" smtClean="0">
                 <a:latin typeface="Courier New"/>
               </a:rPr>
               <a:t>  </a:t>
             </a:r>
             <a:r>
-              <a:rPr lang="en-US" sz="3200" dirty="0" err="1" smtClean="0">
-                <a:latin typeface="Courier New"/>
-              </a:rPr>
-              <a:t>expectationsAre</a:t>
-            </a:r>
-            <a:r>
               <a:rPr lang="en-US" sz="3200" dirty="0" smtClean="0">
                 <a:latin typeface="Courier New"/>
               </a:rPr>
-              <a:t>(e</a:t>
+              <a:t>   1  </a:t>
             </a:r>
             <a:r>
               <a:rPr lang="en-US" sz="3200" dirty="0" smtClean="0">
                 <a:latin typeface="Courier New"/>
               </a:rPr>
-              <a:t>)</a:t>
+              <a:t>!  2  !    3    |</a:t>
             </a:r>
           </a:p>
           <a:p>
@@ -24887,60 +25177,72 @@
               <a:t>  </a:t>
             </a:r>
             <a:r>
-              <a:rPr lang="en-US" sz="3200" b="1" dirty="0" smtClean="0">
-                <a:solidFill>
-                  <a:srgbClr val="7F0055"/>
-                </a:solidFill>
-                <a:latin typeface="Courier New"/>
-              </a:rPr>
-              <a:t>if</a:t>
-            </a:r>
-            <a:r>
-              <a:rPr lang="en-US" sz="3200" b="1" dirty="0" smtClean="0">
+              <a:rPr lang="en-US" sz="3200" dirty="0" smtClean="0">
+                <a:latin typeface="Courier New"/>
+              </a:rPr>
+              <a:t>   2  </a:t>
+            </a:r>
+            <a:r>
+              <a:rPr lang="en-US" sz="3200" dirty="0" smtClean="0">
+                <a:latin typeface="Courier New"/>
+              </a:rPr>
+              <a:t>!  2  !    4    |</a:t>
+            </a:r>
+          </a:p>
+          <a:p>
+            <a:r>
+              <a:rPr lang="pt-BR" sz="3200" dirty="0" smtClean="0">
+                <a:latin typeface="Courier New"/>
+              </a:rPr>
+              <a:t>  </a:t>
+            </a:r>
+            <a:r>
+              <a:rPr lang="pt-BR" sz="3200" dirty="0" smtClean="0">
+                <a:latin typeface="Courier New"/>
+              </a:rPr>
+              <a:t>   2  </a:t>
+            </a:r>
+            <a:r>
+              <a:rPr lang="pt-BR" sz="3200" dirty="0" smtClean="0">
+                <a:latin typeface="Courier New"/>
+              </a:rPr>
+              <a:t>!  3  !    4    |&gt; { (a, b, c) =&gt;</a:t>
+            </a:r>
+          </a:p>
+          <a:p>
+            <a:r>
+              <a:rPr lang="en-US" sz="3200" dirty="0" smtClean="0">
+                <a:latin typeface="Courier New"/>
+              </a:rPr>
+              <a:t>   </a:t>
+            </a:r>
+            <a:r>
+              <a:rPr lang="en-US" sz="3200" dirty="0" smtClean="0">
+                <a:latin typeface="Courier New"/>
+              </a:rPr>
+              <a:t>    a </a:t>
+            </a:r>
+            <a:r>
+              <a:rPr lang="en-US" sz="3200" dirty="0" smtClean="0">
+                <a:latin typeface="Courier New"/>
+              </a:rPr>
+              <a:t>+ b must_== c</a:t>
+            </a:r>
+          </a:p>
+          <a:p>
+            <a:r>
+              <a:rPr lang="en-US" sz="3200" dirty="0" smtClean="0">
                 <a:latin typeface="Courier New"/>
               </a:rPr>
               <a:t> </a:t>
             </a:r>
             <a:r>
-              <a:rPr lang="en-US" sz="3200" b="1" dirty="0" smtClean="0">
-                <a:latin typeface="Courier New"/>
-              </a:rPr>
-              <a:t>(</a:t>
-            </a:r>
-            <a:r>
-              <a:rPr lang="en-US" sz="3200" b="1" dirty="0" err="1" smtClean="0">
-                <a:latin typeface="Courier New"/>
-              </a:rPr>
-              <a:t>m.erasure</a:t>
-            </a:r>
-            <a:r>
-              <a:rPr lang="en-US" sz="3200" b="1" dirty="0" smtClean="0">
-                <a:latin typeface="Courier New"/>
-              </a:rPr>
-              <a:t> == </a:t>
-            </a:r>
-            <a:r>
-              <a:rPr lang="en-US" sz="3200" b="1" dirty="0" err="1" smtClean="0">
-                <a:solidFill>
-                  <a:srgbClr val="7F0055"/>
-                </a:solidFill>
-                <a:latin typeface="Courier New"/>
-              </a:rPr>
-              <a:t>this</a:t>
-            </a:r>
-            <a:r>
-              <a:rPr lang="en-US" sz="3200" b="1" dirty="0" err="1" smtClean="0">
-                <a:latin typeface="Courier New"/>
-              </a:rPr>
-              <a:t>.getClass</a:t>
-            </a:r>
-            <a:r>
-              <a:rPr lang="en-US" sz="3200" b="1" dirty="0" smtClean="0">
-                <a:latin typeface="Courier New"/>
-              </a:rPr>
-              <a:t>)</a:t>
-            </a:r>
-            <a:endParaRPr lang="en-US" sz="3200" b="1" dirty="0" smtClean="0">
+              <a:rPr lang="en-US" sz="3200" dirty="0" smtClean="0">
+                <a:latin typeface="Courier New"/>
+              </a:rPr>
+              <a:t>   }</a:t>
+            </a:r>
+            <a:endParaRPr lang="en-US" sz="3200" dirty="0" smtClean="0">
               <a:latin typeface="Courier New"/>
             </a:endParaRPr>
           </a:p>
@@ -24955,45 +25257,18 @@
               <a:rPr lang="en-US" sz="3200" dirty="0" smtClean="0">
                 <a:latin typeface="Courier New"/>
               </a:rPr>
-              <a:t>  </a:t>
-            </a:r>
-            <a:r>
-              <a:rPr lang="en-US" sz="3200" dirty="0" err="1" smtClean="0">
-                <a:latin typeface="Courier New"/>
-              </a:rPr>
-              <a:t>hasNestedExamples</a:t>
-            </a:r>
+              <a:t>}</a:t>
+            </a:r>
+            <a:endParaRPr lang="en-US" sz="3200" dirty="0" smtClean="0">
+              <a:latin typeface="Courier New"/>
+            </a:endParaRPr>
+          </a:p>
+          <a:p>
             <a:r>
               <a:rPr lang="en-US" sz="3200" dirty="0" smtClean="0">
                 <a:latin typeface="Courier New"/>
               </a:rPr>
-              <a:t> = </a:t>
-            </a:r>
-            <a:r>
-              <a:rPr lang="en-US" sz="3200" b="1" dirty="0" smtClean="0">
-                <a:solidFill>
-                  <a:srgbClr val="7F0055"/>
-                </a:solidFill>
-                <a:latin typeface="Courier New"/>
-              </a:rPr>
-              <a:t>true</a:t>
-            </a:r>
-          </a:p>
-          <a:p>
-            <a:r>
-              <a:rPr lang="en-US" sz="3200" dirty="0" smtClean="0">
-                <a:latin typeface="Courier New"/>
-              </a:rPr>
-              <a:t>  </a:t>
-            </a:r>
-            <a:r>
-              <a:rPr lang="en-US" sz="3200" b="1" dirty="0" smtClean="0">
-                <a:solidFill>
-                  <a:srgbClr val="7F0055"/>
-                </a:solidFill>
-                <a:latin typeface="Courier New"/>
-              </a:rPr>
-              <a:t>this</a:t>
+              <a:t>}</a:t>
             </a:r>
             <a:endParaRPr lang="en-US" sz="3200" b="1" dirty="0" smtClean="0">
               <a:solidFill>
@@ -25002,25 +25277,11 @@
               <a:latin typeface="Courier New"/>
             </a:endParaRPr>
           </a:p>
-          <a:p>
-            <a:r>
-              <a:rPr lang="en-US" sz="3200" dirty="0" smtClean="0">
-                <a:latin typeface="Courier New"/>
-              </a:rPr>
-              <a:t>}</a:t>
-            </a:r>
-            <a:endParaRPr lang="en-US" sz="3200" b="1" dirty="0" smtClean="0">
-              <a:solidFill>
-                <a:srgbClr val="7F0055"/>
-              </a:solidFill>
-              <a:latin typeface="Courier New"/>
-            </a:endParaRPr>
-          </a:p>
         </p:txBody>
       </p:sp>
       <p:pic>
         <p:nvPicPr>
-          <p:cNvPr id="70662" name="Picture 6" descr="magic, wizard icon"/>
+          <p:cNvPr id="74758" name="Picture 6" descr="film, film roll, media, picture, video icon"/>
           <p:cNvPicPr>
             <a:picLocks noChangeAspect="1" noChangeArrowheads="1"/>
           </p:cNvPicPr>
@@ -25028,15 +25289,15 @@
         </p:nvPicPr>
         <p:blipFill>
           <a:blip r:embed="rId4"/>
-          <a:srcRect/>
+          <a:srcRect b="25000"/>
           <a:stretch>
             <a:fillRect/>
           </a:stretch>
         </p:blipFill>
         <p:spPr bwMode="auto">
           <a:xfrm>
-            <a:off x="635000" y="1143000"/>
-            <a:ext cx="1295400" cy="1295401"/>
+            <a:off x="863600" y="1066800"/>
+            <a:ext cx="1828800" cy="1371600"/>
           </a:xfrm>
           <a:prstGeom prst="rect">
             <a:avLst/>
@@ -25044,47 +25305,6 @@
           <a:noFill/>
         </p:spPr>
       </p:pic>
-      <p:sp>
-        <p:nvSpPr>
-          <p:cNvPr id="10" name="Rectangle 9"/>
-          <p:cNvSpPr/>
-          <p:nvPr/>
-        </p:nvSpPr>
-        <p:spPr>
-          <a:xfrm>
-            <a:off x="4701739" y="1295400"/>
-            <a:ext cx="5386410" cy="923330"/>
-          </a:xfrm>
-          <a:prstGeom prst="rect">
-            <a:avLst/>
-          </a:prstGeom>
-        </p:spPr>
-        <p:txBody>
-          <a:bodyPr wrap="none">
-            <a:spAutoFit/>
-          </a:bodyPr>
-          <a:lstStyle/>
-          <a:p>
-            <a:pPr algn="ctr"/>
-            <a:r>
-              <a:rPr lang="en-US" sz="5400" b="1" kern="0" dirty="0" smtClean="0">
-                <a:solidFill>
-                  <a:srgbClr val="00CC66"/>
-                </a:solidFill>
-                <a:latin typeface="Lucida Handwriting" pitchFamily="66" charset="0"/>
-                <a:cs typeface="+mj-cs"/>
-                <a:sym typeface="Arial" charset="0"/>
-              </a:rPr>
-              <a:t>make a guess</a:t>
-            </a:r>
-            <a:endParaRPr lang="en-US" dirty="0">
-              <a:solidFill>
-                <a:srgbClr val="00CC66"/>
-              </a:solidFill>
-            </a:endParaRPr>
-          </a:p>
-        </p:txBody>
-      </p:sp>
     </p:spTree>
   </p:cSld>
   <p:clrMapOvr>
@@ -25263,7 +25483,7 @@
         </p:nvSpPr>
         <p:spPr>
           <a:xfrm>
-            <a:off x="330200" y="2971800"/>
+            <a:off x="330200" y="2819400"/>
             <a:ext cx="12344400" cy="5262979"/>
           </a:xfrm>
           <a:prstGeom prst="rect">
@@ -25283,411 +25503,132 @@
           <a:lstStyle/>
           <a:p>
             <a:r>
-              <a:rPr lang="en-US" sz="2800" b="1" dirty="0" smtClean="0">
-                <a:solidFill>
-                  <a:srgbClr val="7F0055"/>
-                </a:solidFill>
-                <a:latin typeface="Courier New"/>
-              </a:rPr>
-              <a:t>trait</a:t>
-            </a:r>
-            <a:r>
-              <a:rPr lang="en-US" sz="2800" b="1" dirty="0" smtClean="0">
-                <a:latin typeface="Courier New"/>
-              </a:rPr>
-              <a:t> Matcher[-T] {</a:t>
-            </a:r>
-          </a:p>
-          <a:p>
-            <a:r>
               <a:rPr lang="en-US" sz="2800" dirty="0" smtClean="0">
-                <a:latin typeface="Courier New"/>
-              </a:rPr>
-              <a:t> </a:t>
+                <a:solidFill>
+                  <a:srgbClr val="3F7F5F"/>
+                </a:solidFill>
+                <a:latin typeface="Courier New"/>
+              </a:rPr>
+              <a:t>// </a:t>
             </a:r>
             <a:r>
               <a:rPr lang="en-US" sz="2800" dirty="0" smtClean="0">
-                <a:latin typeface="Courier New"/>
-              </a:rPr>
-              <a:t> </a:t>
-            </a:r>
-            <a:r>
-              <a:rPr lang="en-US" sz="2800" b="1" dirty="0" smtClean="0">
-                <a:solidFill>
-                  <a:srgbClr val="7F0055"/>
-                </a:solidFill>
-                <a:latin typeface="Courier New"/>
-              </a:rPr>
-              <a:t>def</a:t>
-            </a:r>
-            <a:r>
-              <a:rPr lang="en-US" sz="2800" b="1" dirty="0" smtClean="0">
-                <a:latin typeface="Courier New"/>
-              </a:rPr>
-              <a:t> apply(y: =&gt;T): (</a:t>
-            </a:r>
-            <a:r>
-              <a:rPr lang="en-US" sz="2800" b="1" dirty="0" smtClean="0">
-                <a:solidFill>
-                  <a:srgbClr val="7F0055"/>
-                </a:solidFill>
-                <a:latin typeface="Courier New"/>
-              </a:rPr>
-              <a:t>Boolean</a:t>
-            </a:r>
-            <a:r>
-              <a:rPr lang="en-US" sz="2800" b="1" dirty="0" smtClean="0">
-                <a:latin typeface="Courier New"/>
-              </a:rPr>
-              <a:t>, String, String)</a:t>
-            </a:r>
-          </a:p>
-          <a:p>
+                <a:solidFill>
+                  <a:srgbClr val="3F7F5F"/>
+                </a:solidFill>
+                <a:latin typeface="Courier New"/>
+              </a:rPr>
+              <a:t>How to avoid ‘</a:t>
+            </a:r>
+            <a:r>
+              <a:rPr lang="en-US" sz="2800" dirty="0" err="1" smtClean="0">
+                <a:solidFill>
+                  <a:srgbClr val="3F7F5F"/>
+                </a:solidFill>
+                <a:latin typeface="Courier New"/>
+              </a:rPr>
+              <a:t>throwA</a:t>
+            </a:r>
             <a:r>
               <a:rPr lang="en-US" sz="2800" dirty="0" smtClean="0">
-                <a:latin typeface="Courier New"/>
-              </a:rPr>
-              <a:t> </a:t>
+                <a:solidFill>
+                  <a:srgbClr val="3F7F5F"/>
+                </a:solidFill>
+                <a:latin typeface="Courier New"/>
+              </a:rPr>
+              <a:t>(</a:t>
+            </a:r>
+            <a:r>
+              <a:rPr lang="en-US" sz="2800" dirty="0" err="1" smtClean="0">
+                <a:solidFill>
+                  <a:srgbClr val="3F7F5F"/>
+                </a:solidFill>
+                <a:latin typeface="Courier New"/>
+              </a:rPr>
+              <a:t>classOf</a:t>
             </a:r>
             <a:r>
               <a:rPr lang="en-US" sz="2800" dirty="0" smtClean="0">
-                <a:latin typeface="Courier New"/>
-              </a:rPr>
-              <a:t> </a:t>
-            </a:r>
-            <a:r>
-              <a:rPr lang="en-US" sz="2800" b="1" dirty="0" smtClean="0">
-                <a:solidFill>
-                  <a:srgbClr val="7F0055"/>
-                </a:solidFill>
-                <a:latin typeface="Courier New"/>
-              </a:rPr>
-              <a:t>def</a:t>
-            </a:r>
-            <a:r>
-              <a:rPr lang="en-US" sz="2800" b="1" dirty="0" smtClean="0">
-                <a:latin typeface="Courier New"/>
-              </a:rPr>
-              <a:t> not: Matcher[T]</a:t>
-            </a:r>
-          </a:p>
-          <a:p>
+                <a:solidFill>
+                  <a:srgbClr val="3F7F5F"/>
+                </a:solidFill>
+                <a:latin typeface="Courier New"/>
+              </a:rPr>
+              <a:t>[</a:t>
+            </a:r>
+            <a:r>
+              <a:rPr lang="en-US" sz="2800" dirty="0" err="1" smtClean="0">
+                <a:solidFill>
+                  <a:srgbClr val="3F7F5F"/>
+                </a:solidFill>
+                <a:latin typeface="Courier New"/>
+              </a:rPr>
+              <a:t>FailureException</a:t>
+            </a:r>
             <a:r>
               <a:rPr lang="en-US" sz="2800" dirty="0" smtClean="0">
-                <a:latin typeface="Courier New"/>
-              </a:rPr>
-              <a:t> </a:t>
+                <a:solidFill>
+                  <a:srgbClr val="3F7F5F"/>
+                </a:solidFill>
+                <a:latin typeface="Courier New"/>
+              </a:rPr>
+              <a:t>])</a:t>
             </a:r>
             <a:r>
               <a:rPr lang="en-US" sz="2800" dirty="0" smtClean="0">
                 <a:latin typeface="Courier New"/>
               </a:rPr>
-              <a:t> </a:t>
-            </a:r>
-            <a:r>
-              <a:rPr lang="en-US" sz="2800" b="1" dirty="0" smtClean="0">
-                <a:solidFill>
-                  <a:srgbClr val="7F0055"/>
-                </a:solidFill>
-                <a:latin typeface="Courier New"/>
-              </a:rPr>
-              <a:t>def</a:t>
-            </a:r>
-            <a:r>
-              <a:rPr lang="en-US" sz="2800" b="1" dirty="0" smtClean="0">
-                <a:latin typeface="Courier New"/>
-              </a:rPr>
-              <a:t> when(condition: =&gt;</a:t>
-            </a:r>
-            <a:r>
-              <a:rPr lang="en-US" sz="2800" b="1" dirty="0" smtClean="0">
-                <a:solidFill>
-                  <a:srgbClr val="7F0055"/>
-                </a:solidFill>
-                <a:latin typeface="Courier New"/>
-              </a:rPr>
-              <a:t>Boolean</a:t>
-            </a:r>
-            <a:r>
-              <a:rPr lang="en-US" sz="2800" b="1" dirty="0" smtClean="0">
-                <a:latin typeface="Courier New"/>
-              </a:rPr>
-              <a:t>): Matcher[T]</a:t>
-            </a:r>
+              <a:t>‘</a:t>
+            </a:r>
+            <a:endParaRPr lang="en-US" sz="2800" dirty="0" smtClean="0">
+              <a:latin typeface="Courier New"/>
+            </a:endParaRPr>
           </a:p>
           <a:p>
             <a:r>
               <a:rPr lang="en-US" sz="2800" dirty="0" smtClean="0">
                 <a:latin typeface="Courier New"/>
               </a:rPr>
-              <a:t> </a:t>
+              <a:t>{ </a:t>
             </a:r>
             <a:r>
               <a:rPr lang="en-US" sz="2800" dirty="0" smtClean="0">
                 <a:latin typeface="Courier New"/>
               </a:rPr>
-              <a:t> </a:t>
-            </a:r>
-            <a:r>
-              <a:rPr lang="en-US" sz="2800" b="1" dirty="0" smtClean="0">
-                <a:solidFill>
-                  <a:srgbClr val="7F0055"/>
-                </a:solidFill>
-                <a:latin typeface="Courier New"/>
-              </a:rPr>
-              <a:t>def</a:t>
-            </a:r>
-            <a:r>
-              <a:rPr lang="en-US" sz="2800" b="1" dirty="0" smtClean="0">
-                <a:latin typeface="Courier New"/>
-              </a:rPr>
-              <a:t> unless(condition: =&gt;</a:t>
-            </a:r>
-            <a:r>
-              <a:rPr lang="en-US" sz="2800" b="1" dirty="0" smtClean="0">
-                <a:solidFill>
-                  <a:srgbClr val="7F0055"/>
-                </a:solidFill>
-                <a:latin typeface="Courier New"/>
-              </a:rPr>
-              <a:t>Boolean</a:t>
-            </a:r>
-            <a:r>
-              <a:rPr lang="en-US" sz="2800" b="1" dirty="0" smtClean="0">
-                <a:latin typeface="Courier New"/>
-              </a:rPr>
-              <a:t>): Matcher[T]</a:t>
-            </a:r>
-          </a:p>
-          <a:p>
+              <a:t>1 must_== 2 } must </a:t>
+            </a:r>
+            <a:r>
+              <a:rPr lang="en-US" sz="2800" dirty="0" err="1" smtClean="0">
+                <a:latin typeface="Courier New"/>
+              </a:rPr>
+              <a:t>throwA</a:t>
+            </a:r>
             <a:r>
               <a:rPr lang="en-US" sz="2800" dirty="0" smtClean="0">
                 <a:latin typeface="Courier New"/>
               </a:rPr>
-              <a:t> </a:t>
+              <a:t>[</a:t>
+            </a:r>
+            <a:r>
+              <a:rPr lang="en-US" sz="2800" dirty="0" err="1" smtClean="0">
+                <a:latin typeface="Courier New"/>
+              </a:rPr>
+              <a:t>FailureException</a:t>
             </a:r>
             <a:r>
               <a:rPr lang="en-US" sz="2800" dirty="0" smtClean="0">
                 <a:latin typeface="Courier New"/>
               </a:rPr>
-              <a:t> </a:t>
-            </a:r>
-            <a:r>
-              <a:rPr lang="en-US" sz="2800" b="1" dirty="0" smtClean="0">
-                <a:solidFill>
-                  <a:srgbClr val="7F0055"/>
-                </a:solidFill>
-                <a:latin typeface="Courier New"/>
-              </a:rPr>
-              <a:t>def</a:t>
-            </a:r>
-            <a:r>
-              <a:rPr lang="en-US" sz="2800" b="1" dirty="0" smtClean="0">
-                <a:latin typeface="Courier New"/>
-              </a:rPr>
-              <a:t> </a:t>
-            </a:r>
-            <a:r>
-              <a:rPr lang="en-US" sz="2800" b="1" dirty="0" err="1" smtClean="0">
-                <a:latin typeface="Courier New"/>
-              </a:rPr>
-              <a:t>orSkip</a:t>
-            </a:r>
-            <a:r>
-              <a:rPr lang="en-US" sz="2800" b="1" dirty="0" smtClean="0">
-                <a:latin typeface="Courier New"/>
-              </a:rPr>
-              <a:t>: Matcher[T]</a:t>
-            </a:r>
-          </a:p>
-          <a:p>
-            <a:r>
-              <a:rPr lang="en-US" sz="2800" dirty="0" smtClean="0">
-                <a:latin typeface="Courier New"/>
-              </a:rPr>
-              <a:t> </a:t>
-            </a:r>
-            <a:r>
-              <a:rPr lang="en-US" sz="2800" dirty="0" smtClean="0">
-                <a:latin typeface="Courier New"/>
-              </a:rPr>
-              <a:t> </a:t>
-            </a:r>
-            <a:r>
-              <a:rPr lang="en-US" sz="2800" b="1" dirty="0" smtClean="0">
-                <a:solidFill>
-                  <a:srgbClr val="7F0055"/>
-                </a:solidFill>
-                <a:latin typeface="Courier New"/>
-              </a:rPr>
-              <a:t>def</a:t>
-            </a:r>
-            <a:r>
-              <a:rPr lang="en-US" sz="2800" b="1" dirty="0" smtClean="0">
-                <a:latin typeface="Courier New"/>
-              </a:rPr>
-              <a:t> or[S &lt;: T](m: Matcher[S]): Matcher[S]</a:t>
-            </a:r>
-          </a:p>
-          <a:p>
-            <a:r>
-              <a:rPr lang="en-US" sz="2800" dirty="0" smtClean="0">
-                <a:latin typeface="Courier New"/>
-              </a:rPr>
-              <a:t> </a:t>
-            </a:r>
-            <a:r>
-              <a:rPr lang="en-US" sz="2800" dirty="0" smtClean="0">
-                <a:latin typeface="Courier New"/>
-              </a:rPr>
-              <a:t> </a:t>
-            </a:r>
-            <a:r>
-              <a:rPr lang="en-US" sz="2800" b="1" dirty="0" smtClean="0">
-                <a:solidFill>
-                  <a:srgbClr val="7F0055"/>
-                </a:solidFill>
-                <a:latin typeface="Courier New"/>
-              </a:rPr>
-              <a:t>def</a:t>
-            </a:r>
-            <a:r>
-              <a:rPr lang="en-US" sz="2800" b="1" dirty="0" smtClean="0">
-                <a:latin typeface="Courier New"/>
-              </a:rPr>
-              <a:t> </a:t>
-            </a:r>
-            <a:r>
-              <a:rPr lang="en-US" sz="2800" b="1" dirty="0" err="1" smtClean="0">
-                <a:latin typeface="Courier New"/>
-              </a:rPr>
-              <a:t>xor</a:t>
-            </a:r>
-            <a:r>
-              <a:rPr lang="en-US" sz="2800" b="1" dirty="0" smtClean="0">
-                <a:latin typeface="Courier New"/>
-              </a:rPr>
-              <a:t>[S &lt;: T](m: Matcher[S]): Matcher[S]</a:t>
-            </a:r>
-          </a:p>
-          <a:p>
-            <a:r>
-              <a:rPr lang="en-US" sz="2800" dirty="0" smtClean="0">
-                <a:latin typeface="Courier New"/>
-              </a:rPr>
-              <a:t> </a:t>
-            </a:r>
-            <a:r>
-              <a:rPr lang="en-US" sz="2800" dirty="0" smtClean="0">
-                <a:latin typeface="Courier New"/>
-              </a:rPr>
-              <a:t> </a:t>
-            </a:r>
-            <a:r>
-              <a:rPr lang="en-US" sz="2800" b="1" dirty="0" smtClean="0">
-                <a:solidFill>
-                  <a:srgbClr val="7F0055"/>
-                </a:solidFill>
-                <a:latin typeface="Courier New"/>
-              </a:rPr>
-              <a:t>def</a:t>
-            </a:r>
-            <a:r>
-              <a:rPr lang="en-US" sz="2800" b="1" dirty="0" smtClean="0">
-                <a:latin typeface="Courier New"/>
-              </a:rPr>
-              <a:t> and[S &lt;: T](m: Matcher[S]): Matcher[S]</a:t>
-            </a:r>
-          </a:p>
-          <a:p>
-            <a:r>
-              <a:rPr lang="pl-PL" sz="2800" dirty="0" smtClean="0">
-                <a:latin typeface="Courier New"/>
-              </a:rPr>
-              <a:t> </a:t>
-            </a:r>
-            <a:r>
-              <a:rPr lang="pl-PL" sz="2800" dirty="0" smtClean="0">
-                <a:latin typeface="Courier New"/>
-              </a:rPr>
-              <a:t> </a:t>
-            </a:r>
-            <a:r>
-              <a:rPr lang="pl-PL" sz="2800" b="1" dirty="0" smtClean="0">
-                <a:solidFill>
-                  <a:srgbClr val="7F0055"/>
-                </a:solidFill>
-                <a:latin typeface="Courier New"/>
-              </a:rPr>
-              <a:t>def</a:t>
-            </a:r>
-            <a:r>
-              <a:rPr lang="pl-PL" sz="2800" b="1" dirty="0" smtClean="0">
-                <a:latin typeface="Courier New"/>
-              </a:rPr>
-              <a:t> ^^[S&lt;: T, U](f: S =&gt; U): Matcher[U]</a:t>
-            </a:r>
-          </a:p>
-          <a:p>
-            <a:r>
-              <a:rPr lang="en-US" sz="2800" dirty="0" smtClean="0">
-                <a:latin typeface="Courier New"/>
-              </a:rPr>
-              <a:t> </a:t>
-            </a:r>
-            <a:r>
-              <a:rPr lang="en-US" sz="2800" dirty="0" smtClean="0">
-                <a:latin typeface="Courier New"/>
-              </a:rPr>
-              <a:t> </a:t>
-            </a:r>
-            <a:r>
-              <a:rPr lang="en-US" sz="2800" b="1" dirty="0" smtClean="0">
-                <a:solidFill>
-                  <a:srgbClr val="7F0055"/>
-                </a:solidFill>
-                <a:latin typeface="Courier New"/>
-              </a:rPr>
-              <a:t>def</a:t>
-            </a:r>
-            <a:r>
-              <a:rPr lang="en-US" sz="2800" b="1" dirty="0" smtClean="0">
-                <a:latin typeface="Courier New"/>
-              </a:rPr>
-              <a:t> </a:t>
-            </a:r>
-            <a:r>
-              <a:rPr lang="en-US" sz="2800" b="1" dirty="0" err="1" smtClean="0">
-                <a:latin typeface="Courier New"/>
-              </a:rPr>
-              <a:t>toSeq</a:t>
-            </a:r>
-            <a:r>
-              <a:rPr lang="en-US" sz="2800" b="1" dirty="0" smtClean="0">
-                <a:latin typeface="Courier New"/>
-              </a:rPr>
-              <a:t>: Matcher[</a:t>
-            </a:r>
-            <a:r>
-              <a:rPr lang="en-US" sz="2800" b="1" dirty="0" err="1" smtClean="0">
-                <a:latin typeface="Courier New"/>
-              </a:rPr>
-              <a:t>Seq</a:t>
-            </a:r>
-            <a:r>
-              <a:rPr lang="en-US" sz="2800" b="1" dirty="0" smtClean="0">
-                <a:latin typeface="Courier New"/>
-              </a:rPr>
-              <a:t>[T]]</a:t>
-            </a:r>
-          </a:p>
-          <a:p>
-            <a:r>
-              <a:rPr lang="en-US" sz="2800" dirty="0" smtClean="0">
-                <a:latin typeface="Courier New"/>
-              </a:rPr>
-              <a:t>} </a:t>
-            </a:r>
+              <a:t>]</a:t>
+            </a:r>
+            <a:endParaRPr lang="en-US" sz="2800" dirty="0" smtClean="0">
+              <a:solidFill>
+                <a:srgbClr val="2A00FF"/>
+              </a:solidFill>
+              <a:latin typeface="Courier New"/>
+            </a:endParaRPr>
+          </a:p>
+          <a:p>
             <a:endParaRPr lang="en-US" sz="2800" b="1" dirty="0" smtClean="0">
               <a:solidFill>
                 <a:srgbClr val="7F0055"/>
@@ -25695,18 +25636,381 @@
               <a:latin typeface="Courier New"/>
             </a:endParaRPr>
           </a:p>
+          <a:p>
+            <a:r>
+              <a:rPr lang="en-US" sz="2800" b="1" dirty="0" smtClean="0">
+                <a:solidFill>
+                  <a:srgbClr val="7F0055"/>
+                </a:solidFill>
+                <a:latin typeface="Courier New"/>
+              </a:rPr>
+              <a:t>import</a:t>
+            </a:r>
+            <a:r>
+              <a:rPr lang="en-US" sz="2800" b="1" dirty="0" smtClean="0">
+                <a:latin typeface="Courier New"/>
+              </a:rPr>
+              <a:t> </a:t>
+            </a:r>
+            <a:r>
+              <a:rPr lang="en-US" sz="2800" b="1" dirty="0" err="1" smtClean="0">
+                <a:latin typeface="Courier New"/>
+              </a:rPr>
+              <a:t>scala.reflect</a:t>
+            </a:r>
+            <a:r>
+              <a:rPr lang="en-US" sz="2800" b="1" dirty="0" smtClean="0">
+                <a:latin typeface="Courier New"/>
+              </a:rPr>
+              <a:t>._</a:t>
+            </a:r>
+            <a:endParaRPr lang="en-US" sz="2800" b="1" dirty="0" smtClean="0">
+              <a:solidFill>
+                <a:srgbClr val="7F0055"/>
+              </a:solidFill>
+              <a:latin typeface="Courier New"/>
+            </a:endParaRPr>
+          </a:p>
+          <a:p>
+            <a:r>
+              <a:rPr lang="en-US" sz="2800" b="1" dirty="0" smtClean="0">
+                <a:solidFill>
+                  <a:srgbClr val="7F0055"/>
+                </a:solidFill>
+                <a:latin typeface="Courier New"/>
+              </a:rPr>
+              <a:t>def</a:t>
+            </a:r>
+            <a:r>
+              <a:rPr lang="en-US" sz="2800" b="1" dirty="0" smtClean="0">
+                <a:latin typeface="Courier New"/>
+              </a:rPr>
+              <a:t> </a:t>
+            </a:r>
+            <a:r>
+              <a:rPr lang="en-US" sz="2800" b="1" dirty="0" err="1" smtClean="0">
+                <a:latin typeface="Courier New"/>
+              </a:rPr>
+              <a:t>throwA</a:t>
+            </a:r>
+            <a:r>
+              <a:rPr lang="en-US" sz="2800" b="1" dirty="0" smtClean="0">
+                <a:latin typeface="Courier New"/>
+              </a:rPr>
+              <a:t>[T](</a:t>
+            </a:r>
+            <a:r>
+              <a:rPr lang="en-US" sz="2800" b="1" dirty="0" smtClean="0">
+                <a:solidFill>
+                  <a:srgbClr val="7F0055"/>
+                </a:solidFill>
+                <a:latin typeface="Courier New"/>
+              </a:rPr>
+              <a:t>implicit</a:t>
+            </a:r>
+            <a:r>
+              <a:rPr lang="en-US" sz="2800" b="1" dirty="0" smtClean="0">
+                <a:latin typeface="Courier New"/>
+              </a:rPr>
+              <a:t> m: </a:t>
+            </a:r>
+            <a:r>
+              <a:rPr lang="en-US" sz="2800" b="1" dirty="0" err="1" smtClean="0">
+                <a:latin typeface="Courier New"/>
+              </a:rPr>
+              <a:t>ClassManifest</a:t>
+            </a:r>
+            <a:r>
+              <a:rPr lang="en-US" sz="2800" b="1" dirty="0" smtClean="0">
+                <a:latin typeface="Courier New"/>
+              </a:rPr>
+              <a:t>[T</a:t>
+            </a:r>
+            <a:r>
+              <a:rPr lang="en-US" sz="2800" b="1" dirty="0" smtClean="0">
+                <a:latin typeface="Courier New"/>
+              </a:rPr>
+              <a:t>]) = </a:t>
+            </a:r>
+            <a:endParaRPr lang="en-US" sz="2800" b="1" dirty="0" smtClean="0">
+              <a:latin typeface="Courier New"/>
+            </a:endParaRPr>
+          </a:p>
+          <a:p>
+            <a:r>
+              <a:rPr lang="en-US" sz="2800" b="1" dirty="0" smtClean="0">
+                <a:solidFill>
+                  <a:srgbClr val="7F0055"/>
+                </a:solidFill>
+                <a:latin typeface="Courier New"/>
+              </a:rPr>
+              <a:t>  new</a:t>
+            </a:r>
+            <a:r>
+              <a:rPr lang="en-US" sz="2800" b="1" dirty="0" smtClean="0">
+                <a:latin typeface="Courier New"/>
+              </a:rPr>
+              <a:t> </a:t>
+            </a:r>
+            <a:r>
+              <a:rPr lang="en-US" sz="2800" b="1" dirty="0" smtClean="0">
+                <a:latin typeface="Courier New"/>
+              </a:rPr>
+              <a:t>Matcher[</a:t>
+            </a:r>
+            <a:r>
+              <a:rPr lang="en-US" sz="2800" b="1" dirty="0" smtClean="0">
+                <a:solidFill>
+                  <a:srgbClr val="7F0055"/>
+                </a:solidFill>
+                <a:latin typeface="Courier New"/>
+              </a:rPr>
+              <a:t>Any</a:t>
+            </a:r>
+            <a:r>
+              <a:rPr lang="en-US" sz="2800" b="1" dirty="0" smtClean="0">
+                <a:latin typeface="Courier New"/>
+              </a:rPr>
+              <a:t>] </a:t>
+            </a:r>
+            <a:r>
+              <a:rPr lang="en-US" sz="2800" b="1" dirty="0" smtClean="0">
+                <a:latin typeface="Courier New"/>
+              </a:rPr>
+              <a:t>{</a:t>
+            </a:r>
+            <a:endParaRPr lang="en-US" sz="2800" b="1" dirty="0" smtClean="0">
+              <a:latin typeface="Courier New"/>
+            </a:endParaRPr>
+          </a:p>
+          <a:p>
+            <a:r>
+              <a:rPr lang="en-US" sz="2800" b="1" dirty="0" smtClean="0">
+                <a:solidFill>
+                  <a:srgbClr val="7F0055"/>
+                </a:solidFill>
+                <a:latin typeface="Courier New"/>
+              </a:rPr>
+              <a:t>    def</a:t>
+            </a:r>
+            <a:r>
+              <a:rPr lang="en-US" sz="2800" b="1" dirty="0" smtClean="0">
+                <a:latin typeface="Courier New"/>
+              </a:rPr>
+              <a:t> </a:t>
+            </a:r>
+            <a:r>
+              <a:rPr lang="en-US" sz="2800" b="1" dirty="0" smtClean="0">
+                <a:latin typeface="Courier New"/>
+              </a:rPr>
+              <a:t>apply(v: =&gt;</a:t>
+            </a:r>
+            <a:r>
+              <a:rPr lang="en-US" sz="2800" b="1" dirty="0" smtClean="0">
+                <a:solidFill>
+                  <a:srgbClr val="7F0055"/>
+                </a:solidFill>
+                <a:latin typeface="Courier New"/>
+              </a:rPr>
+              <a:t>Any</a:t>
+            </a:r>
+            <a:r>
+              <a:rPr lang="en-US" sz="2800" b="1" dirty="0" smtClean="0">
+                <a:latin typeface="Courier New"/>
+              </a:rPr>
+              <a:t>): </a:t>
+            </a:r>
+            <a:r>
+              <a:rPr lang="en-US" sz="2800" b="1" dirty="0" smtClean="0">
+                <a:solidFill>
+                  <a:srgbClr val="7F0055"/>
+                </a:solidFill>
+                <a:latin typeface="Courier New"/>
+              </a:rPr>
+              <a:t>Boolean</a:t>
+            </a:r>
+            <a:r>
+              <a:rPr lang="en-US" sz="2800" b="1" dirty="0" smtClean="0">
+                <a:latin typeface="Courier New"/>
+              </a:rPr>
+              <a:t> = {</a:t>
+            </a:r>
+          </a:p>
+          <a:p>
+            <a:r>
+              <a:rPr lang="en-US" sz="2800" dirty="0" smtClean="0">
+                <a:latin typeface="Courier New"/>
+              </a:rPr>
+              <a:t>      </a:t>
+            </a:r>
+            <a:r>
+              <a:rPr lang="en-US" sz="2800" b="1" dirty="0" smtClean="0">
+                <a:solidFill>
+                  <a:srgbClr val="7F0055"/>
+                </a:solidFill>
+                <a:latin typeface="Courier New"/>
+              </a:rPr>
+              <a:t>try</a:t>
+            </a:r>
+            <a:r>
+              <a:rPr lang="en-US" sz="2800" b="1" dirty="0" smtClean="0">
+                <a:latin typeface="Courier New"/>
+              </a:rPr>
+              <a:t> </a:t>
+            </a:r>
+            <a:r>
+              <a:rPr lang="en-US" sz="2800" b="1" dirty="0" smtClean="0">
+                <a:latin typeface="Courier New"/>
+              </a:rPr>
+              <a:t>{ v }</a:t>
+            </a:r>
+            <a:r>
+              <a:rPr lang="en-US" sz="2800" dirty="0" smtClean="0">
+                <a:latin typeface="Courier New"/>
+              </a:rPr>
+              <a:t>     </a:t>
+            </a:r>
+            <a:endParaRPr lang="en-US" sz="2800" dirty="0" smtClean="0">
+              <a:latin typeface="Courier New"/>
+            </a:endParaRPr>
+          </a:p>
+          <a:p>
+            <a:r>
+              <a:rPr lang="en-US" sz="2800" dirty="0" smtClean="0">
+                <a:latin typeface="Courier New"/>
+              </a:rPr>
+              <a:t>      </a:t>
+            </a:r>
+            <a:r>
+              <a:rPr lang="en-US" sz="2800" b="1" dirty="0" smtClean="0">
+                <a:solidFill>
+                  <a:srgbClr val="7F0055"/>
+                </a:solidFill>
+                <a:latin typeface="Courier New"/>
+              </a:rPr>
+              <a:t>catch</a:t>
+            </a:r>
+            <a:r>
+              <a:rPr lang="en-US" sz="2800" b="1" dirty="0" smtClean="0">
+                <a:latin typeface="Courier New"/>
+              </a:rPr>
+              <a:t> </a:t>
+            </a:r>
+            <a:r>
+              <a:rPr lang="en-US" sz="2800" b="1" dirty="0" smtClean="0">
+                <a:latin typeface="Courier New"/>
+              </a:rPr>
+              <a:t>{ </a:t>
+            </a:r>
+            <a:r>
+              <a:rPr lang="en-US" sz="2800" b="1" dirty="0" smtClean="0">
+                <a:solidFill>
+                  <a:srgbClr val="7F0055"/>
+                </a:solidFill>
+                <a:latin typeface="Courier New"/>
+              </a:rPr>
+              <a:t>case</a:t>
+            </a:r>
+            <a:r>
+              <a:rPr lang="en-US" sz="2800" b="1" dirty="0" smtClean="0">
+                <a:latin typeface="Courier New"/>
+              </a:rPr>
+              <a:t> e =&gt; </a:t>
+            </a:r>
+            <a:r>
+              <a:rPr lang="en-US" sz="2800" b="1" dirty="0" smtClean="0">
+                <a:solidFill>
+                  <a:srgbClr val="7F0055"/>
+                </a:solidFill>
+                <a:latin typeface="Courier New"/>
+              </a:rPr>
+              <a:t>return</a:t>
+            </a:r>
+            <a:r>
+              <a:rPr lang="en-US" sz="2800" b="1" dirty="0" smtClean="0">
+                <a:latin typeface="Courier New"/>
+              </a:rPr>
+              <a:t> </a:t>
+            </a:r>
+            <a:r>
+              <a:rPr lang="en-US" sz="2800" b="1" dirty="0" err="1" smtClean="0">
+                <a:latin typeface="Courier New"/>
+              </a:rPr>
+              <a:t>e.getClass</a:t>
+            </a:r>
+            <a:r>
+              <a:rPr lang="en-US" sz="2800" b="1" dirty="0" smtClean="0">
+                <a:latin typeface="Courier New"/>
+              </a:rPr>
+              <a:t> == </a:t>
+            </a:r>
+            <a:r>
+              <a:rPr lang="en-US" sz="2800" b="1" dirty="0" err="1" smtClean="0">
+                <a:latin typeface="Courier New"/>
+              </a:rPr>
+              <a:t>m.erasure</a:t>
+            </a:r>
+            <a:r>
+              <a:rPr lang="en-US" sz="2800" b="1" dirty="0" smtClean="0">
+                <a:latin typeface="Courier New"/>
+              </a:rPr>
+              <a:t> }</a:t>
+            </a:r>
+          </a:p>
+          <a:p>
+            <a:r>
+              <a:rPr lang="en-US" sz="2800" dirty="0" smtClean="0">
+                <a:latin typeface="Courier New"/>
+              </a:rPr>
+              <a:t>      </a:t>
+            </a:r>
+            <a:r>
+              <a:rPr lang="en-US" sz="2800" b="1" dirty="0" smtClean="0">
+                <a:solidFill>
+                  <a:srgbClr val="7F0055"/>
+                </a:solidFill>
+                <a:latin typeface="Courier New"/>
+              </a:rPr>
+              <a:t>true</a:t>
+            </a:r>
+          </a:p>
+          <a:p>
+            <a:r>
+              <a:rPr lang="en-US" sz="2800" dirty="0" smtClean="0">
+                <a:latin typeface="Courier New"/>
+              </a:rPr>
+              <a:t>    } </a:t>
+            </a:r>
+            <a:endParaRPr lang="en-US" sz="2800" dirty="0" smtClean="0">
+              <a:latin typeface="Courier New"/>
+            </a:endParaRPr>
+          </a:p>
+          <a:p>
+            <a:r>
+              <a:rPr lang="en-US" sz="2800" dirty="0" smtClean="0">
+                <a:latin typeface="Courier New"/>
+              </a:rPr>
+              <a:t>  }</a:t>
+            </a:r>
+            <a:endParaRPr lang="en-US" sz="2800" b="1" dirty="0" smtClean="0">
+              <a:solidFill>
+                <a:srgbClr val="7F0055"/>
+              </a:solidFill>
+              <a:latin typeface="Courier New"/>
+            </a:endParaRPr>
+          </a:p>
         </p:txBody>
       </p:sp>
       <p:sp>
         <p:nvSpPr>
-          <p:cNvPr id="7" name="Rectangle 6"/>
+          <p:cNvPr id="14" name="Rectangle 13"/>
           <p:cNvSpPr/>
           <p:nvPr/>
         </p:nvSpPr>
         <p:spPr>
           <a:xfrm>
-            <a:off x="4510641" y="1438870"/>
-            <a:ext cx="3517310" cy="923330"/>
+            <a:off x="3759200" y="1447800"/>
+            <a:ext cx="6051658" cy="923330"/>
           </a:xfrm>
           <a:prstGeom prst="rect">
             <a:avLst/>
@@ -25722,25 +26026,21 @@
             <a:r>
               <a:rPr lang="en-US" sz="5400" b="1" kern="0" dirty="0" smtClean="0">
                 <a:solidFill>
-                  <a:srgbClr val="00CC66"/>
+                  <a:srgbClr val="0C0F20"/>
                 </a:solidFill>
                 <a:latin typeface="Lucida Handwriting" pitchFamily="66" charset="0"/>
                 <a:cs typeface="+mj-cs"/>
                 <a:sym typeface="Arial" charset="0"/>
               </a:rPr>
-              <a:t>combine</a:t>
-            </a:r>
-            <a:endParaRPr lang="en-US" dirty="0">
-              <a:solidFill>
-                <a:srgbClr val="00CC66"/>
-              </a:solidFill>
-            </a:endParaRPr>
+              <a:t>Class manifests</a:t>
+            </a:r>
+            <a:endParaRPr lang="en-US" dirty="0"/>
           </a:p>
         </p:txBody>
       </p:sp>
       <p:pic>
         <p:nvPicPr>
-          <p:cNvPr id="9" name="Picture 6" descr="magic, wizard icon"/>
+          <p:cNvPr id="15" name="Picture 2" descr="toolbox icon"/>
           <p:cNvPicPr>
             <a:picLocks noChangeAspect="1" noChangeArrowheads="1"/>
           </p:cNvPicPr>
@@ -25755,8 +26055,8 @@
         </p:blipFill>
         <p:spPr bwMode="auto">
           <a:xfrm>
-            <a:off x="635000" y="1143000"/>
-            <a:ext cx="1295400" cy="1295401"/>
+            <a:off x="558800" y="1066800"/>
+            <a:ext cx="1676400" cy="1676401"/>
           </a:xfrm>
           <a:prstGeom prst="rect">
             <a:avLst/>
@@ -25908,6 +26208,47 @@
           </a:p>
         </p:txBody>
       </p:sp>
+      <p:sp>
+        <p:nvSpPr>
+          <p:cNvPr id="7" name="Rectangle 6"/>
+          <p:cNvSpPr/>
+          <p:nvPr/>
+        </p:nvSpPr>
+        <p:spPr>
+          <a:xfrm>
+            <a:off x="4701739" y="1295400"/>
+            <a:ext cx="5386410" cy="923330"/>
+          </a:xfrm>
+          <a:prstGeom prst="rect">
+            <a:avLst/>
+          </a:prstGeom>
+        </p:spPr>
+        <p:txBody>
+          <a:bodyPr wrap="none">
+            <a:spAutoFit/>
+          </a:bodyPr>
+          <a:lstStyle/>
+          <a:p>
+            <a:pPr algn="ctr"/>
+            <a:r>
+              <a:rPr lang="en-US" sz="5400" b="1" kern="0" dirty="0" smtClean="0">
+                <a:solidFill>
+                  <a:srgbClr val="00CC66"/>
+                </a:solidFill>
+                <a:latin typeface="Lucida Handwriting" pitchFamily="66" charset="0"/>
+                <a:cs typeface="+mj-cs"/>
+                <a:sym typeface="Arial" charset="0"/>
+              </a:rPr>
+              <a:t>make a guess</a:t>
+            </a:r>
+            <a:endParaRPr lang="en-US" dirty="0">
+              <a:solidFill>
+                <a:srgbClr val="00CC66"/>
+              </a:solidFill>
+            </a:endParaRPr>
+          </a:p>
+        </p:txBody>
+      </p:sp>
       <p:pic>
         <p:nvPicPr>
           <p:cNvPr id="8" name="Picture 10" descr="http://knowledgehub.zeus.com/media/Scala_Logo2008.png"/>
@@ -25942,12 +26283,15 @@
         </p:nvSpPr>
         <p:spPr>
           <a:xfrm>
-            <a:off x="330200" y="2971800"/>
-            <a:ext cx="12344400" cy="5262979"/>
+            <a:off x="330200" y="2819400"/>
+            <a:ext cx="12344400" cy="3046988"/>
           </a:xfrm>
           <a:prstGeom prst="rect">
             <a:avLst/>
           </a:prstGeom>
+          <a:solidFill>
+            <a:schemeClr val="bg1"/>
+          </a:solidFill>
           <a:ln>
             <a:solidFill>
               <a:schemeClr val="tx1"/>
@@ -25962,412 +26306,100 @@
           <a:lstStyle/>
           <a:p>
             <a:r>
-              <a:rPr lang="en-US" sz="2800" b="1" dirty="0" smtClean="0">
-                <a:solidFill>
-                  <a:srgbClr val="7F0055"/>
-                </a:solidFill>
-                <a:latin typeface="Courier New"/>
-              </a:rPr>
-              <a:t>trait</a:t>
-            </a:r>
-            <a:r>
-              <a:rPr lang="en-US" sz="2800" b="1" dirty="0" smtClean="0">
-                <a:latin typeface="Courier New"/>
-              </a:rPr>
-              <a:t> Matcher[-T] {</a:t>
-            </a:r>
-          </a:p>
-          <a:p>
-            <a:r>
-              <a:rPr lang="en-US" sz="2800" dirty="0" smtClean="0">
-                <a:latin typeface="Courier New"/>
-              </a:rPr>
-              <a:t> </a:t>
-            </a:r>
-            <a:r>
-              <a:rPr lang="en-US" sz="2800" dirty="0" smtClean="0">
-                <a:latin typeface="Courier New"/>
-              </a:rPr>
-              <a:t> </a:t>
-            </a:r>
-            <a:r>
-              <a:rPr lang="en-US" sz="2800" b="1" dirty="0" smtClean="0">
-                <a:solidFill>
-                  <a:srgbClr val="7F0055"/>
-                </a:solidFill>
-                <a:latin typeface="Courier New"/>
-              </a:rPr>
-              <a:t>def</a:t>
-            </a:r>
-            <a:r>
-              <a:rPr lang="en-US" sz="2800" b="1" dirty="0" smtClean="0">
-                <a:latin typeface="Courier New"/>
-              </a:rPr>
-              <a:t> apply(y: =&gt;T): (</a:t>
-            </a:r>
-            <a:r>
-              <a:rPr lang="en-US" sz="2800" b="1" dirty="0" smtClean="0">
-                <a:solidFill>
-                  <a:srgbClr val="7F0055"/>
-                </a:solidFill>
-                <a:latin typeface="Courier New"/>
-              </a:rPr>
-              <a:t>Boolean</a:t>
-            </a:r>
-            <a:r>
-              <a:rPr lang="en-US" sz="2800" b="1" dirty="0" smtClean="0">
-                <a:latin typeface="Courier New"/>
-              </a:rPr>
-              <a:t>, String, String)</a:t>
-            </a:r>
-          </a:p>
-          <a:p>
-            <a:r>
-              <a:rPr lang="en-US" sz="2800" dirty="0" smtClean="0">
-                <a:latin typeface="Courier New"/>
-              </a:rPr>
-              <a:t> </a:t>
-            </a:r>
-            <a:r>
-              <a:rPr lang="en-US" sz="2800" dirty="0" smtClean="0">
-                <a:latin typeface="Courier New"/>
-              </a:rPr>
-              <a:t> </a:t>
-            </a:r>
-            <a:r>
-              <a:rPr lang="en-US" sz="2800" b="1" dirty="0" smtClean="0">
-                <a:solidFill>
-                  <a:srgbClr val="7F0055"/>
-                </a:solidFill>
-                <a:latin typeface="Courier New"/>
-              </a:rPr>
-              <a:t>def</a:t>
-            </a:r>
-            <a:r>
-              <a:rPr lang="en-US" sz="2800" b="1" dirty="0" smtClean="0">
-                <a:latin typeface="Courier New"/>
-              </a:rPr>
-              <a:t> not: Matcher[T]</a:t>
-            </a:r>
-          </a:p>
-          <a:p>
-            <a:r>
-              <a:rPr lang="en-US" sz="2800" dirty="0" smtClean="0">
-                <a:latin typeface="Courier New"/>
-              </a:rPr>
-              <a:t> </a:t>
-            </a:r>
-            <a:r>
-              <a:rPr lang="en-US" sz="2800" dirty="0" smtClean="0">
-                <a:latin typeface="Courier New"/>
-              </a:rPr>
-              <a:t> </a:t>
-            </a:r>
-            <a:r>
-              <a:rPr lang="en-US" sz="2800" b="1" dirty="0" smtClean="0">
-                <a:solidFill>
-                  <a:srgbClr val="7F0055"/>
-                </a:solidFill>
-                <a:latin typeface="Courier New"/>
-              </a:rPr>
-              <a:t>def</a:t>
-            </a:r>
-            <a:r>
-              <a:rPr lang="en-US" sz="2800" b="1" dirty="0" smtClean="0">
-                <a:latin typeface="Courier New"/>
-              </a:rPr>
-              <a:t> when(condition: =&gt;</a:t>
-            </a:r>
-            <a:r>
-              <a:rPr lang="en-US" sz="2800" b="1" dirty="0" smtClean="0">
-                <a:solidFill>
-                  <a:srgbClr val="7F0055"/>
-                </a:solidFill>
-                <a:latin typeface="Courier New"/>
-              </a:rPr>
-              <a:t>Boolean</a:t>
-            </a:r>
-            <a:r>
-              <a:rPr lang="en-US" sz="2800" b="1" dirty="0" smtClean="0">
-                <a:latin typeface="Courier New"/>
-              </a:rPr>
-              <a:t>): Matcher[T]</a:t>
-            </a:r>
-          </a:p>
-          <a:p>
-            <a:r>
-              <a:rPr lang="en-US" sz="2800" dirty="0" smtClean="0">
-                <a:latin typeface="Courier New"/>
-              </a:rPr>
-              <a:t> </a:t>
-            </a:r>
-            <a:r>
-              <a:rPr lang="en-US" sz="2800" dirty="0" smtClean="0">
-                <a:latin typeface="Courier New"/>
-              </a:rPr>
-              <a:t> </a:t>
-            </a:r>
-            <a:r>
-              <a:rPr lang="en-US" sz="2800" b="1" dirty="0" smtClean="0">
-                <a:solidFill>
-                  <a:srgbClr val="7F0055"/>
-                </a:solidFill>
-                <a:latin typeface="Courier New"/>
-              </a:rPr>
-              <a:t>def</a:t>
-            </a:r>
-            <a:r>
-              <a:rPr lang="en-US" sz="2800" b="1" dirty="0" smtClean="0">
-                <a:latin typeface="Courier New"/>
-              </a:rPr>
-              <a:t> unless(condition: =&gt;</a:t>
-            </a:r>
-            <a:r>
-              <a:rPr lang="en-US" sz="2800" b="1" dirty="0" smtClean="0">
-                <a:solidFill>
-                  <a:srgbClr val="7F0055"/>
-                </a:solidFill>
-                <a:latin typeface="Courier New"/>
-              </a:rPr>
-              <a:t>Boolean</a:t>
-            </a:r>
-            <a:r>
-              <a:rPr lang="en-US" sz="2800" b="1" dirty="0" smtClean="0">
-                <a:latin typeface="Courier New"/>
-              </a:rPr>
-              <a:t>): Matcher[T]</a:t>
-            </a:r>
-          </a:p>
-          <a:p>
-            <a:r>
-              <a:rPr lang="en-US" sz="2800" dirty="0" smtClean="0">
-                <a:latin typeface="Courier New"/>
-              </a:rPr>
-              <a:t> </a:t>
-            </a:r>
-            <a:r>
-              <a:rPr lang="en-US" sz="2800" dirty="0" smtClean="0">
-                <a:latin typeface="Courier New"/>
-              </a:rPr>
-              <a:t> </a:t>
-            </a:r>
-            <a:r>
-              <a:rPr lang="en-US" sz="2800" b="1" dirty="0" smtClean="0">
-                <a:solidFill>
-                  <a:srgbClr val="7F0055"/>
-                </a:solidFill>
-                <a:latin typeface="Courier New"/>
-              </a:rPr>
-              <a:t>def</a:t>
-            </a:r>
-            <a:r>
-              <a:rPr lang="en-US" sz="2800" b="1" dirty="0" smtClean="0">
-                <a:latin typeface="Courier New"/>
-              </a:rPr>
-              <a:t> </a:t>
-            </a:r>
-            <a:r>
-              <a:rPr lang="en-US" sz="2800" b="1" dirty="0" err="1" smtClean="0">
-                <a:latin typeface="Courier New"/>
-              </a:rPr>
-              <a:t>orSkip</a:t>
-            </a:r>
-            <a:r>
-              <a:rPr lang="en-US" sz="2800" b="1" dirty="0" smtClean="0">
-                <a:latin typeface="Courier New"/>
-              </a:rPr>
-              <a:t>: Matcher[T]</a:t>
-            </a:r>
-          </a:p>
-          <a:p>
-            <a:r>
-              <a:rPr lang="en-US" sz="2800" dirty="0" smtClean="0">
-                <a:latin typeface="Courier New"/>
-              </a:rPr>
-              <a:t> </a:t>
-            </a:r>
-            <a:r>
-              <a:rPr lang="en-US" sz="2800" dirty="0" smtClean="0">
-                <a:latin typeface="Courier New"/>
-              </a:rPr>
-              <a:t> </a:t>
-            </a:r>
-            <a:r>
-              <a:rPr lang="en-US" sz="2800" b="1" dirty="0" smtClean="0">
-                <a:solidFill>
-                  <a:srgbClr val="7F0055"/>
-                </a:solidFill>
-                <a:latin typeface="Courier New"/>
-              </a:rPr>
-              <a:t>def</a:t>
-            </a:r>
-            <a:r>
-              <a:rPr lang="en-US" sz="2800" b="1" dirty="0" smtClean="0">
-                <a:latin typeface="Courier New"/>
-              </a:rPr>
-              <a:t> or[S &lt;: T](m: Matcher[S]): Matcher[S]</a:t>
-            </a:r>
-          </a:p>
-          <a:p>
-            <a:r>
-              <a:rPr lang="en-US" sz="2800" dirty="0" smtClean="0">
-                <a:latin typeface="Courier New"/>
-              </a:rPr>
-              <a:t> </a:t>
-            </a:r>
-            <a:r>
-              <a:rPr lang="en-US" sz="2800" dirty="0" smtClean="0">
-                <a:latin typeface="Courier New"/>
-              </a:rPr>
-              <a:t> </a:t>
-            </a:r>
-            <a:r>
-              <a:rPr lang="en-US" sz="2800" b="1" dirty="0" smtClean="0">
-                <a:solidFill>
-                  <a:srgbClr val="7F0055"/>
-                </a:solidFill>
-                <a:latin typeface="Courier New"/>
-              </a:rPr>
-              <a:t>def</a:t>
-            </a:r>
-            <a:r>
-              <a:rPr lang="en-US" sz="2800" b="1" dirty="0" smtClean="0">
-                <a:latin typeface="Courier New"/>
-              </a:rPr>
-              <a:t> </a:t>
-            </a:r>
-            <a:r>
-              <a:rPr lang="en-US" sz="2800" b="1" dirty="0" err="1" smtClean="0">
-                <a:latin typeface="Courier New"/>
-              </a:rPr>
-              <a:t>xor</a:t>
-            </a:r>
-            <a:r>
-              <a:rPr lang="en-US" sz="2800" b="1" dirty="0" smtClean="0">
-                <a:latin typeface="Courier New"/>
-              </a:rPr>
-              <a:t>[S &lt;: T](m: Matcher[S]): Matcher[S]</a:t>
-            </a:r>
-          </a:p>
-          <a:p>
-            <a:r>
-              <a:rPr lang="en-US" sz="2800" dirty="0" smtClean="0">
-                <a:latin typeface="Courier New"/>
-              </a:rPr>
-              <a:t> </a:t>
-            </a:r>
-            <a:r>
-              <a:rPr lang="en-US" sz="2800" dirty="0" smtClean="0">
-                <a:latin typeface="Courier New"/>
-              </a:rPr>
-              <a:t> </a:t>
-            </a:r>
-            <a:r>
-              <a:rPr lang="en-US" sz="2800" b="1" dirty="0" smtClean="0">
-                <a:solidFill>
-                  <a:srgbClr val="7F0055"/>
-                </a:solidFill>
-                <a:latin typeface="Courier New"/>
-              </a:rPr>
-              <a:t>def</a:t>
-            </a:r>
-            <a:r>
-              <a:rPr lang="en-US" sz="2800" b="1" dirty="0" smtClean="0">
-                <a:latin typeface="Courier New"/>
-              </a:rPr>
-              <a:t> and[S &lt;: T](m: Matcher[S]): Matcher[S]</a:t>
-            </a:r>
-          </a:p>
-          <a:p>
-            <a:r>
-              <a:rPr lang="pl-PL" sz="2800" dirty="0" smtClean="0">
-                <a:latin typeface="Courier New"/>
-              </a:rPr>
-              <a:t> </a:t>
-            </a:r>
-            <a:r>
-              <a:rPr lang="pl-PL" sz="2800" dirty="0" smtClean="0">
-                <a:latin typeface="Courier New"/>
-              </a:rPr>
-              <a:t> </a:t>
-            </a:r>
-            <a:r>
-              <a:rPr lang="pl-PL" sz="2800" b="1" dirty="0" smtClean="0">
-                <a:solidFill>
-                  <a:srgbClr val="7F0055"/>
-                </a:solidFill>
-                <a:latin typeface="Courier New"/>
-              </a:rPr>
-              <a:t>def</a:t>
-            </a:r>
-            <a:r>
-              <a:rPr lang="pl-PL" sz="2800" b="1" dirty="0" smtClean="0">
-                <a:latin typeface="Courier New"/>
-              </a:rPr>
-              <a:t> ^^[S&lt;: T, U](f: S =&gt; U): Matcher[U]</a:t>
-            </a:r>
-          </a:p>
-          <a:p>
-            <a:r>
-              <a:rPr lang="en-US" sz="2800" dirty="0" smtClean="0">
-                <a:latin typeface="Courier New"/>
-              </a:rPr>
-              <a:t> </a:t>
-            </a:r>
-            <a:r>
-              <a:rPr lang="en-US" sz="2800" dirty="0" smtClean="0">
-                <a:latin typeface="Courier New"/>
-              </a:rPr>
-              <a:t> </a:t>
-            </a:r>
-            <a:r>
-              <a:rPr lang="en-US" sz="2800" b="1" dirty="0" smtClean="0">
-                <a:solidFill>
-                  <a:srgbClr val="7F0055"/>
-                </a:solidFill>
-                <a:latin typeface="Courier New"/>
-              </a:rPr>
-              <a:t>def</a:t>
-            </a:r>
-            <a:r>
-              <a:rPr lang="en-US" sz="2800" b="1" dirty="0" smtClean="0">
-                <a:latin typeface="Courier New"/>
-              </a:rPr>
-              <a:t> </a:t>
-            </a:r>
-            <a:r>
-              <a:rPr lang="en-US" sz="2800" b="1" dirty="0" err="1" smtClean="0">
-                <a:latin typeface="Courier New"/>
-              </a:rPr>
-              <a:t>toSeq</a:t>
-            </a:r>
-            <a:r>
-              <a:rPr lang="en-US" sz="2800" b="1" dirty="0" smtClean="0">
-                <a:latin typeface="Courier New"/>
-              </a:rPr>
-              <a:t>: Matcher[</a:t>
-            </a:r>
-            <a:r>
-              <a:rPr lang="en-US" sz="2800" b="1" dirty="0" err="1" smtClean="0">
-                <a:latin typeface="Courier New"/>
-              </a:rPr>
-              <a:t>Seq</a:t>
-            </a:r>
-            <a:r>
-              <a:rPr lang="en-US" sz="2800" b="1" dirty="0" smtClean="0">
-                <a:latin typeface="Courier New"/>
-              </a:rPr>
-              <a:t>[T]]</a:t>
-            </a:r>
-          </a:p>
-          <a:p>
-            <a:r>
-              <a:rPr lang="en-US" sz="2800" dirty="0" smtClean="0">
-                <a:latin typeface="Courier New"/>
-              </a:rPr>
-              <a:t>} </a:t>
-            </a:r>
-            <a:endParaRPr lang="en-US" sz="2800" b="1" dirty="0" smtClean="0">
+              <a:rPr lang="en-US" sz="3200" dirty="0" smtClean="0">
+                <a:solidFill>
+                  <a:srgbClr val="2A00FF"/>
+                </a:solidFill>
+                <a:latin typeface="Courier New"/>
+              </a:rPr>
+              <a:t>"When I setup the system"</a:t>
+            </a:r>
+            <a:r>
+              <a:rPr lang="en-US" sz="3200" dirty="0" smtClean="0">
+                <a:latin typeface="Courier New"/>
+              </a:rPr>
+              <a:t> &gt;&gt; {</a:t>
+            </a:r>
+          </a:p>
+          <a:p>
+            <a:r>
+              <a:rPr lang="en-US" sz="3200" dirty="0" smtClean="0">
+                <a:solidFill>
+                  <a:srgbClr val="2A00FF"/>
+                </a:solidFill>
+                <a:latin typeface="Courier New"/>
+              </a:rPr>
+              <a:t>  "And a customer is entered"</a:t>
+            </a:r>
+            <a:r>
+              <a:rPr lang="en-US" sz="3200" dirty="0" smtClean="0">
+                <a:latin typeface="Courier New"/>
+              </a:rPr>
+              <a:t> &gt;&gt; {</a:t>
+            </a:r>
+          </a:p>
+          <a:p>
+            <a:r>
+              <a:rPr lang="en-US" sz="3200" dirty="0" smtClean="0">
+                <a:latin typeface="Courier New"/>
+              </a:rPr>
+              <a:t>    </a:t>
+            </a:r>
+            <a:r>
+              <a:rPr lang="en-US" sz="3200" dirty="0" smtClean="0">
+                <a:solidFill>
+                  <a:srgbClr val="2A00FF"/>
+                </a:solidFill>
+                <a:latin typeface="Courier New"/>
+              </a:rPr>
+              <a:t>"if he has a discount"</a:t>
+            </a:r>
+            <a:r>
+              <a:rPr lang="en-US" sz="3200" dirty="0" smtClean="0">
+                <a:latin typeface="Courier New"/>
+              </a:rPr>
+              <a:t> &gt;&gt; {}</a:t>
+            </a:r>
+          </a:p>
+          <a:p>
+            <a:r>
+              <a:rPr lang="en-US" sz="3200" dirty="0" smtClean="0">
+                <a:latin typeface="Courier New"/>
+              </a:rPr>
+              <a:t>    </a:t>
+            </a:r>
+            <a:r>
+              <a:rPr lang="en-US" sz="3200" dirty="0" smtClean="0">
+                <a:solidFill>
+                  <a:srgbClr val="2A00FF"/>
+                </a:solidFill>
+                <a:latin typeface="Courier New"/>
+              </a:rPr>
+              <a:t>"if he doesn't have a discount"</a:t>
+            </a:r>
+            <a:r>
+              <a:rPr lang="en-US" sz="3200" dirty="0" smtClean="0">
+                <a:latin typeface="Courier New"/>
+              </a:rPr>
+              <a:t> &gt;&gt; {}</a:t>
+            </a:r>
+          </a:p>
+          <a:p>
+            <a:r>
+              <a:rPr lang="en-US" sz="3200" dirty="0" smtClean="0">
+                <a:latin typeface="Courier New"/>
+              </a:rPr>
+              <a:t>  }</a:t>
+            </a:r>
+          </a:p>
+          <a:p>
+            <a:r>
+              <a:rPr lang="en-US" sz="3200" dirty="0" smtClean="0">
+                <a:latin typeface="Courier New"/>
+              </a:rPr>
+              <a:t>}</a:t>
+            </a:r>
+            <a:endParaRPr lang="en-US" sz="3200" b="1" dirty="0" smtClean="0">
               <a:solidFill>
                 <a:srgbClr val="7F0055"/>
               </a:solidFill>
@@ -26376,50 +26408,9 @@
           </a:p>
         </p:txBody>
       </p:sp>
-      <p:sp>
-        <p:nvSpPr>
-          <p:cNvPr id="7" name="Rectangle 6"/>
-          <p:cNvSpPr/>
-          <p:nvPr/>
-        </p:nvSpPr>
-        <p:spPr>
-          <a:xfrm>
-            <a:off x="4510641" y="1438870"/>
-            <a:ext cx="3517310" cy="923330"/>
-          </a:xfrm>
-          <a:prstGeom prst="rect">
-            <a:avLst/>
-          </a:prstGeom>
-        </p:spPr>
-        <p:txBody>
-          <a:bodyPr wrap="none">
-            <a:spAutoFit/>
-          </a:bodyPr>
-          <a:lstStyle/>
-          <a:p>
-            <a:pPr algn="ctr"/>
-            <a:r>
-              <a:rPr lang="en-US" sz="5400" b="1" kern="0" dirty="0" smtClean="0">
-                <a:solidFill>
-                  <a:srgbClr val="00CC66"/>
-                </a:solidFill>
-                <a:latin typeface="Lucida Handwriting" pitchFamily="66" charset="0"/>
-                <a:cs typeface="+mj-cs"/>
-                <a:sym typeface="Arial" charset="0"/>
-              </a:rPr>
-              <a:t>combine</a:t>
-            </a:r>
-            <a:endParaRPr lang="en-US" dirty="0">
-              <a:solidFill>
-                <a:srgbClr val="00CC66"/>
-              </a:solidFill>
-            </a:endParaRPr>
-          </a:p>
-        </p:txBody>
-      </p:sp>
       <p:pic>
         <p:nvPicPr>
-          <p:cNvPr id="9" name="Picture 6" descr="magic, wizard icon"/>
+          <p:cNvPr id="70662" name="Picture 6" descr="magic, wizard icon"/>
           <p:cNvPicPr>
             <a:picLocks noChangeAspect="1" noChangeArrowheads="1"/>
           </p:cNvPicPr>
@@ -26443,6 +26434,145 @@
           <a:noFill/>
         </p:spPr>
       </p:pic>
+      <p:sp>
+        <p:nvSpPr>
+          <p:cNvPr id="9" name="Rectangle 1"/>
+          <p:cNvSpPr txBox="1">
+            <a:spLocks noChangeArrowheads="1"/>
+          </p:cNvSpPr>
+          <p:nvPr/>
+        </p:nvSpPr>
+        <p:spPr bwMode="auto">
+          <a:xfrm>
+            <a:off x="4064000" y="6553200"/>
+            <a:ext cx="8382000" cy="685800"/>
+          </a:xfrm>
+          <a:prstGeom prst="rect">
+            <a:avLst/>
+          </a:prstGeom>
+          <a:noFill/>
+          <a:ln w="12700">
+            <a:noFill/>
+            <a:miter lim="800000"/>
+            <a:headEnd/>
+            <a:tailEnd/>
+          </a:ln>
+          <a:effectLst/>
+        </p:spPr>
+        <p:txBody>
+          <a:bodyPr vert="horz" wrap="square" lIns="50800" tIns="50800" rIns="50800" bIns="50800" numCol="1" anchor="ctr" anchorCtr="0" compatLnSpc="1">
+            <a:prstTxWarp prst="textNoShape">
+              <a:avLst/>
+            </a:prstTxWarp>
+          </a:bodyPr>
+          <a:lstStyle/>
+          <a:p>
+            <a:pPr lvl="0">
+              <a:buFont typeface="Wingdings"/>
+              <a:buChar char="ð"/>
+            </a:pPr>
+            <a:r>
+              <a:rPr kumimoji="0" lang="en-US" sz="4400" b="1" i="0" u="none" strike="noStrike" kern="0" cap="none" spc="0" normalizeH="0" baseline="0" noProof="0" dirty="0" smtClean="0">
+                <a:ln>
+                  <a:noFill/>
+                </a:ln>
+                <a:solidFill>
+                  <a:srgbClr val="FF0000"/>
+                </a:solidFill>
+                <a:effectLst/>
+                <a:uLnTx/>
+                <a:uFillTx/>
+                <a:latin typeface="Candara" pitchFamily="34" charset="0"/>
+                <a:ea typeface="+mj-ea"/>
+                <a:cs typeface="+mj-cs"/>
+                <a:sym typeface="Wingdings"/>
+              </a:rPr>
+              <a:t>Don’t execute</a:t>
+            </a:r>
+            <a:r>
+              <a:rPr kumimoji="0" lang="en-US" sz="4400" b="1" i="0" u="none" strike="noStrike" kern="0" cap="none" spc="0" normalizeH="0" noProof="0" dirty="0" smtClean="0">
+                <a:ln>
+                  <a:noFill/>
+                </a:ln>
+                <a:solidFill>
+                  <a:srgbClr val="FF0000"/>
+                </a:solidFill>
+                <a:effectLst/>
+                <a:uLnTx/>
+                <a:uFillTx/>
+                <a:latin typeface="Candara" pitchFamily="34" charset="0"/>
+                <a:ea typeface="+mj-ea"/>
+                <a:cs typeface="+mj-cs"/>
+                <a:sym typeface="Wingdings"/>
+              </a:rPr>
+              <a:t> </a:t>
+            </a:r>
+            <a:r>
+              <a:rPr lang="en-US" sz="4400" b="1" kern="0" dirty="0" smtClean="0">
+                <a:solidFill>
+                  <a:srgbClr val="FF0000"/>
+                </a:solidFill>
+                <a:latin typeface="Candara" pitchFamily="34" charset="0"/>
+                <a:ea typeface="+mj-ea"/>
+                <a:cs typeface="+mj-cs"/>
+                <a:sym typeface="Wingdings"/>
+              </a:rPr>
+              <a:t>nested e</a:t>
+            </a:r>
+            <a:r>
+              <a:rPr kumimoji="0" lang="en-US" sz="4400" b="1" i="0" u="none" strike="noStrike" kern="0" cap="none" spc="0" normalizeH="0" noProof="0" dirty="0" err="1" smtClean="0">
+                <a:ln>
+                  <a:noFill/>
+                </a:ln>
+                <a:solidFill>
+                  <a:srgbClr val="FF0000"/>
+                </a:solidFill>
+                <a:effectLst/>
+                <a:uLnTx/>
+                <a:uFillTx/>
+                <a:latin typeface="Candara" pitchFamily="34" charset="0"/>
+                <a:ea typeface="+mj-ea"/>
+                <a:cs typeface="+mj-cs"/>
+                <a:sym typeface="Wingdings"/>
+              </a:rPr>
+              <a:t>xamples</a:t>
+            </a:r>
+            <a:r>
+              <a:rPr kumimoji="0" lang="en-US" sz="4400" b="1" i="0" u="none" strike="noStrike" kern="0" cap="none" spc="0" normalizeH="0" noProof="0" dirty="0" smtClean="0">
+                <a:ln>
+                  <a:noFill/>
+                </a:ln>
+                <a:solidFill>
+                  <a:srgbClr val="FF0000"/>
+                </a:solidFill>
+                <a:effectLst/>
+                <a:uLnTx/>
+                <a:uFillTx/>
+                <a:latin typeface="Candara" pitchFamily="34" charset="0"/>
+                <a:ea typeface="+mj-ea"/>
+                <a:cs typeface="+mj-cs"/>
+                <a:sym typeface="Wingdings"/>
+              </a:rPr>
+              <a:t>?</a:t>
+            </a:r>
+            <a:endParaRPr kumimoji="0" lang="en-US" sz="4400" b="1" i="0" u="none" strike="noStrike" kern="0" cap="none" spc="0" normalizeH="0" baseline="0" noProof="0" dirty="0">
+              <a:ln>
+                <a:noFill/>
+              </a:ln>
+              <a:solidFill>
+                <a:srgbClr val="E75145"/>
+              </a:solidFill>
+              <a:effectLst/>
+              <a:uLnTx/>
+              <a:uFillTx/>
+              <a:latin typeface="Candara" pitchFamily="34" charset="0"/>
+              <a:ea typeface="+mj-ea"/>
+              <a:cs typeface="+mj-cs"/>
+              <a:sym typeface="Arial" charset="0"/>
+            </a:endParaRPr>
+          </a:p>
+        </p:txBody>
+      </p:sp>
     </p:spTree>
   </p:cSld>
   <p:clrMapOvr>
@@ -26615,14 +26745,304 @@
       </p:pic>
       <p:sp>
         <p:nvSpPr>
-          <p:cNvPr id="7" name="Rectangle 6"/>
+          <p:cNvPr id="11" name="Rectangle 10"/>
           <p:cNvSpPr/>
           <p:nvPr/>
         </p:nvSpPr>
         <p:spPr>
           <a:xfrm>
-            <a:off x="2235200" y="685800"/>
-            <a:ext cx="2392001" cy="923330"/>
+            <a:off x="330200" y="2937570"/>
+            <a:ext cx="12344400" cy="3539430"/>
+          </a:xfrm>
+          <a:prstGeom prst="rect">
+            <a:avLst/>
+          </a:prstGeom>
+          <a:solidFill>
+            <a:schemeClr val="bg1"/>
+          </a:solidFill>
+          <a:ln>
+            <a:solidFill>
+              <a:schemeClr val="tx1"/>
+            </a:solidFill>
+            <a:prstDash val="dash"/>
+          </a:ln>
+        </p:spPr>
+        <p:txBody>
+          <a:bodyPr wrap="square">
+            <a:spAutoFit/>
+          </a:bodyPr>
+          <a:lstStyle/>
+          <a:p>
+            <a:r>
+              <a:rPr lang="fr-FR" sz="3200" b="1" dirty="0" err="1" smtClean="0">
+                <a:solidFill>
+                  <a:srgbClr val="7F0055"/>
+                </a:solidFill>
+                <a:latin typeface="Courier New"/>
+              </a:rPr>
+              <a:t>def</a:t>
+            </a:r>
+            <a:r>
+              <a:rPr lang="fr-FR" sz="3200" b="1" dirty="0" smtClean="0">
+                <a:latin typeface="Courier New"/>
+              </a:rPr>
+              <a:t> </a:t>
+            </a:r>
+            <a:r>
+              <a:rPr lang="fr-FR" sz="3200" b="1" dirty="0" smtClean="0">
+                <a:latin typeface="Courier New"/>
+              </a:rPr>
+              <a:t>in[T](e: =&gt;T</a:t>
+            </a:r>
+            <a:r>
+              <a:rPr lang="fr-FR" sz="3200" b="1" dirty="0" smtClean="0">
+                <a:latin typeface="Courier New"/>
+              </a:rPr>
+              <a:t>)</a:t>
+            </a:r>
+          </a:p>
+          <a:p>
+            <a:r>
+              <a:rPr lang="fr-FR" sz="3200" b="1" dirty="0" smtClean="0">
+                <a:latin typeface="Courier New"/>
+              </a:rPr>
+              <a:t> </a:t>
+            </a:r>
+            <a:r>
+              <a:rPr lang="fr-FR" sz="3200" b="1" dirty="0" smtClean="0">
+                <a:latin typeface="Courier New"/>
+              </a:rPr>
+              <a:t>        (</a:t>
+            </a:r>
+            <a:r>
+              <a:rPr lang="fr-FR" sz="3200" b="1" dirty="0" err="1" smtClean="0">
+                <a:solidFill>
+                  <a:srgbClr val="7F0055"/>
+                </a:solidFill>
+                <a:latin typeface="Courier New"/>
+              </a:rPr>
+              <a:t>implicit</a:t>
+            </a:r>
+            <a:r>
+              <a:rPr lang="fr-FR" sz="3200" b="1" dirty="0" smtClean="0">
+                <a:latin typeface="Courier New"/>
+              </a:rPr>
+              <a:t> m: </a:t>
+            </a:r>
+            <a:r>
+              <a:rPr lang="fr-FR" sz="3200" b="1" dirty="0" err="1" smtClean="0">
+                <a:latin typeface="Courier New"/>
+              </a:rPr>
+              <a:t>ClassManifest</a:t>
+            </a:r>
+            <a:r>
+              <a:rPr lang="fr-FR" sz="3200" b="1" dirty="0" smtClean="0">
+                <a:latin typeface="Courier New"/>
+              </a:rPr>
+              <a:t>[T]) = {</a:t>
+            </a:r>
+          </a:p>
+          <a:p>
+            <a:r>
+              <a:rPr lang="en-US" sz="3200" dirty="0" smtClean="0">
+                <a:latin typeface="Courier New"/>
+              </a:rPr>
+              <a:t>  </a:t>
+            </a:r>
+            <a:r>
+              <a:rPr lang="en-US" sz="3200" dirty="0" err="1" smtClean="0">
+                <a:latin typeface="Courier New"/>
+              </a:rPr>
+              <a:t>expectationsAre</a:t>
+            </a:r>
+            <a:r>
+              <a:rPr lang="en-US" sz="3200" dirty="0" smtClean="0">
+                <a:latin typeface="Courier New"/>
+              </a:rPr>
+              <a:t>(e</a:t>
+            </a:r>
+            <a:r>
+              <a:rPr lang="en-US" sz="3200" dirty="0" smtClean="0">
+                <a:latin typeface="Courier New"/>
+              </a:rPr>
+              <a:t>)</a:t>
+            </a:r>
+          </a:p>
+          <a:p>
+            <a:r>
+              <a:rPr lang="en-US" sz="3200" dirty="0" smtClean="0">
+                <a:latin typeface="Courier New"/>
+              </a:rPr>
+              <a:t>  </a:t>
+            </a:r>
+            <a:r>
+              <a:rPr lang="en-US" sz="3200" b="1" dirty="0" smtClean="0">
+                <a:solidFill>
+                  <a:srgbClr val="7F0055"/>
+                </a:solidFill>
+                <a:latin typeface="Courier New"/>
+              </a:rPr>
+              <a:t>if</a:t>
+            </a:r>
+            <a:r>
+              <a:rPr lang="en-US" sz="3200" b="1" dirty="0" smtClean="0">
+                <a:latin typeface="Courier New"/>
+              </a:rPr>
+              <a:t> </a:t>
+            </a:r>
+            <a:r>
+              <a:rPr lang="en-US" sz="3200" b="1" dirty="0" smtClean="0">
+                <a:latin typeface="Courier New"/>
+              </a:rPr>
+              <a:t>(</a:t>
+            </a:r>
+            <a:r>
+              <a:rPr lang="en-US" sz="3200" b="1" dirty="0" err="1" smtClean="0">
+                <a:latin typeface="Courier New"/>
+              </a:rPr>
+              <a:t>m.erasure</a:t>
+            </a:r>
+            <a:r>
+              <a:rPr lang="en-US" sz="3200" b="1" dirty="0" smtClean="0">
+                <a:latin typeface="Courier New"/>
+              </a:rPr>
+              <a:t> == </a:t>
+            </a:r>
+            <a:r>
+              <a:rPr lang="en-US" sz="3200" b="1" dirty="0" err="1" smtClean="0">
+                <a:solidFill>
+                  <a:srgbClr val="7F0055"/>
+                </a:solidFill>
+                <a:latin typeface="Courier New"/>
+              </a:rPr>
+              <a:t>this</a:t>
+            </a:r>
+            <a:r>
+              <a:rPr lang="en-US" sz="3200" b="1" dirty="0" err="1" smtClean="0">
+                <a:latin typeface="Courier New"/>
+              </a:rPr>
+              <a:t>.getClass</a:t>
+            </a:r>
+            <a:r>
+              <a:rPr lang="en-US" sz="3200" b="1" dirty="0" smtClean="0">
+                <a:latin typeface="Courier New"/>
+              </a:rPr>
+              <a:t>)</a:t>
+            </a:r>
+            <a:endParaRPr lang="en-US" sz="3200" b="1" dirty="0" smtClean="0">
+              <a:latin typeface="Courier New"/>
+            </a:endParaRPr>
+          </a:p>
+          <a:p>
+            <a:r>
+              <a:rPr lang="en-US" sz="3200" dirty="0" smtClean="0">
+                <a:latin typeface="Courier New"/>
+              </a:rPr>
+              <a:t>  </a:t>
+            </a:r>
+            <a:r>
+              <a:rPr lang="en-US" sz="3200" dirty="0" smtClean="0">
+                <a:latin typeface="Courier New"/>
+              </a:rPr>
+              <a:t>  </a:t>
+            </a:r>
+            <a:r>
+              <a:rPr lang="en-US" sz="3200" dirty="0" err="1" smtClean="0">
+                <a:latin typeface="Courier New"/>
+              </a:rPr>
+              <a:t>hasNestedExamples</a:t>
+            </a:r>
+            <a:r>
+              <a:rPr lang="en-US" sz="3200" dirty="0" smtClean="0">
+                <a:latin typeface="Courier New"/>
+              </a:rPr>
+              <a:t> = </a:t>
+            </a:r>
+            <a:r>
+              <a:rPr lang="en-US" sz="3200" b="1" dirty="0" smtClean="0">
+                <a:solidFill>
+                  <a:srgbClr val="7F0055"/>
+                </a:solidFill>
+                <a:latin typeface="Courier New"/>
+              </a:rPr>
+              <a:t>true</a:t>
+            </a:r>
+          </a:p>
+          <a:p>
+            <a:r>
+              <a:rPr lang="en-US" sz="3200" dirty="0" smtClean="0">
+                <a:latin typeface="Courier New"/>
+              </a:rPr>
+              <a:t>  </a:t>
+            </a:r>
+            <a:r>
+              <a:rPr lang="en-US" sz="3200" b="1" dirty="0" smtClean="0">
+                <a:solidFill>
+                  <a:srgbClr val="7F0055"/>
+                </a:solidFill>
+                <a:latin typeface="Courier New"/>
+              </a:rPr>
+              <a:t>this</a:t>
+            </a:r>
+            <a:endParaRPr lang="en-US" sz="3200" b="1" dirty="0" smtClean="0">
+              <a:solidFill>
+                <a:srgbClr val="7F0055"/>
+              </a:solidFill>
+              <a:latin typeface="Courier New"/>
+            </a:endParaRPr>
+          </a:p>
+          <a:p>
+            <a:r>
+              <a:rPr lang="en-US" sz="3200" dirty="0" smtClean="0">
+                <a:latin typeface="Courier New"/>
+              </a:rPr>
+              <a:t>}</a:t>
+            </a:r>
+            <a:endParaRPr lang="en-US" sz="3200" b="1" dirty="0" smtClean="0">
+              <a:solidFill>
+                <a:srgbClr val="7F0055"/>
+              </a:solidFill>
+              <a:latin typeface="Courier New"/>
+            </a:endParaRPr>
+          </a:p>
+        </p:txBody>
+      </p:sp>
+      <p:pic>
+        <p:nvPicPr>
+          <p:cNvPr id="70662" name="Picture 6" descr="magic, wizard icon"/>
+          <p:cNvPicPr>
+            <a:picLocks noChangeAspect="1" noChangeArrowheads="1"/>
+          </p:cNvPicPr>
+          <p:nvPr/>
+        </p:nvPicPr>
+        <p:blipFill>
+          <a:blip r:embed="rId4"/>
+          <a:srcRect/>
+          <a:stretch>
+            <a:fillRect/>
+          </a:stretch>
+        </p:blipFill>
+        <p:spPr bwMode="auto">
+          <a:xfrm>
+            <a:off x="635000" y="1143000"/>
+            <a:ext cx="1295400" cy="1295401"/>
+          </a:xfrm>
+          <a:prstGeom prst="rect">
+            <a:avLst/>
+          </a:prstGeom>
+          <a:noFill/>
+        </p:spPr>
+      </p:pic>
+      <p:sp>
+        <p:nvSpPr>
+          <p:cNvPr id="10" name="Rectangle 9"/>
+          <p:cNvSpPr/>
+          <p:nvPr/>
+        </p:nvSpPr>
+        <p:spPr>
+          <a:xfrm>
+            <a:off x="4701739" y="1295400"/>
+            <a:ext cx="5386410" cy="923330"/>
           </a:xfrm>
           <a:prstGeom prst="rect">
             <a:avLst/>
@@ -26644,7 +27064,7 @@
                 <a:cs typeface="+mj-cs"/>
                 <a:sym typeface="Arial" charset="0"/>
               </a:rPr>
-              <a:t>result</a:t>
+              <a:t>make a guess</a:t>
             </a:r>
             <a:endParaRPr lang="en-US" dirty="0">
               <a:solidFill>
@@ -26654,6 +27074,855 @@
           </a:p>
         </p:txBody>
       </p:sp>
+    </p:spTree>
+  </p:cSld>
+  <p:clrMapOvr>
+    <a:masterClrMapping/>
+  </p:clrMapOvr>
+  <p:transition>
+    <p:fade/>
+  </p:transition>
+  <p:timing>
+    <p:tnLst>
+      <p:par>
+        <p:cTn id="1" dur="indefinite" restart="never" nodeType="tmRoot">
+          <p:childTnLst>
+            <p:seq concurrent="1" nextAc="seek">
+              <p:cTn id="2" dur="indefinite" nodeType="mainSeq">
+                <p:childTnLst>
+                  <p:par>
+                    <p:cTn id="3" fill="hold">
+                      <p:stCondLst>
+                        <p:cond delay="indefinite"/>
+                        <p:cond evt="onBegin" delay="0">
+                          <p:tn val="2"/>
+                        </p:cond>
+                      </p:stCondLst>
+                      <p:childTnLst>
+                        <p:par>
+                          <p:cTn id="4" fill="hold">
+                            <p:stCondLst>
+                              <p:cond delay="0"/>
+                            </p:stCondLst>
+                            <p:childTnLst>
+                              <p:par>
+                                <p:cTn id="5" presetID="1" presetClass="entr" presetSubtype="0" fill="hold" nodeType="withEffect">
+                                  <p:stCondLst>
+                                    <p:cond delay="0"/>
+                                  </p:stCondLst>
+                                  <p:childTnLst>
+                                    <p:set>
+                                      <p:cBhvr>
+                                        <p:cTn id="6" dur="1" fill="hold">
+                                          <p:stCondLst>
+                                            <p:cond delay="0"/>
+                                          </p:stCondLst>
+                                        </p:cTn>
+                                        <p:tgtEl>
+                                          <p:spTgt spid="8"/>
+                                        </p:tgtEl>
+                                        <p:attrNameLst>
+                                          <p:attrName>style.visibility</p:attrName>
+                                        </p:attrNameLst>
+                                      </p:cBhvr>
+                                      <p:to>
+                                        <p:strVal val="visible"/>
+                                      </p:to>
+                                    </p:set>
+                                  </p:childTnLst>
+                                </p:cTn>
+                              </p:par>
+                            </p:childTnLst>
+                          </p:cTn>
+                        </p:par>
+                      </p:childTnLst>
+                    </p:cTn>
+                  </p:par>
+                </p:childTnLst>
+              </p:cTn>
+              <p:prevCondLst>
+                <p:cond evt="onPrev" delay="0">
+                  <p:tgtEl>
+                    <p:sldTgt/>
+                  </p:tgtEl>
+                </p:cond>
+              </p:prevCondLst>
+              <p:nextCondLst>
+                <p:cond evt="onNext" delay="0">
+                  <p:tgtEl>
+                    <p:sldTgt/>
+                  </p:tgtEl>
+                </p:cond>
+              </p:nextCondLst>
+            </p:seq>
+          </p:childTnLst>
+        </p:cTn>
+      </p:par>
+    </p:tnLst>
+  </p:timing>
+</p:sld>
+</file>
+
+<file path=ppt/slides/slide45.xml><?xml version="1.0" encoding="utf-8"?>
+<p:sld xmlns:a="http://schemas.openxmlformats.org/drawingml/2006/main" xmlns:r="http://schemas.openxmlformats.org/officeDocument/2006/relationships" xmlns:p="http://schemas.openxmlformats.org/presentationml/2006/main">
+  <p:cSld>
+    <p:spTree>
+      <p:nvGrpSpPr>
+        <p:cNvPr id="1" name=""/>
+        <p:cNvGrpSpPr/>
+        <p:nvPr/>
+      </p:nvGrpSpPr>
+      <p:grpSpPr>
+        <a:xfrm>
+          <a:off x="0" y="0"/>
+          <a:ext cx="0" cy="0"/>
+          <a:chOff x="0" y="0"/>
+          <a:chExt cx="0" cy="0"/>
+        </a:xfrm>
+      </p:grpSpPr>
+      <p:sp>
+        <p:nvSpPr>
+          <p:cNvPr id="8193" name="Rectangle 1"/>
+          <p:cNvSpPr>
+            <a:spLocks noGrp="1" noChangeArrowheads="1"/>
+          </p:cNvSpPr>
+          <p:nvPr>
+            <p:ph type="title"/>
+          </p:nvPr>
+        </p:nvSpPr>
+        <p:spPr>
+          <a:xfrm>
+            <a:off x="711200" y="0"/>
+            <a:ext cx="12509500" cy="914400"/>
+          </a:xfrm>
+          <a:ln/>
+        </p:spPr>
+        <p:txBody>
+          <a:bodyPr/>
+          <a:lstStyle/>
+          <a:p>
+            <a:pPr lvl="0"/>
+            <a:r>
+              <a:rPr lang="en-US" sz="5400" dirty="0" smtClean="0">
+                <a:latin typeface="Lucida Handwriting" pitchFamily="66" charset="0"/>
+              </a:rPr>
+              <a:t>     </a:t>
+            </a:r>
+            <a:r>
+              <a:rPr lang="en-US" sz="5400" dirty="0" smtClean="0">
+                <a:latin typeface="Lucida Handwriting" pitchFamily="66" charset="0"/>
+              </a:rPr>
+              <a:t>DSL</a:t>
+            </a:r>
+            <a:endParaRPr lang="en-US" dirty="0"/>
+          </a:p>
+        </p:txBody>
+      </p:sp>
+      <p:pic>
+        <p:nvPicPr>
+          <p:cNvPr id="8" name="Picture 10" descr="http://knowledgehub.zeus.com/media/Scala_Logo2008.png"/>
+          <p:cNvPicPr>
+            <a:picLocks noChangeAspect="1" noChangeArrowheads="1"/>
+          </p:cNvPicPr>
+          <p:nvPr/>
+        </p:nvPicPr>
+        <p:blipFill>
+          <a:blip r:embed="rId3"/>
+          <a:srcRect/>
+          <a:stretch>
+            <a:fillRect/>
+          </a:stretch>
+        </p:blipFill>
+        <p:spPr bwMode="auto">
+          <a:xfrm>
+            <a:off x="4140200" y="76200"/>
+            <a:ext cx="2279542" cy="679257"/>
+          </a:xfrm>
+          <a:prstGeom prst="rect">
+            <a:avLst/>
+          </a:prstGeom>
+          <a:noFill/>
+        </p:spPr>
+      </p:pic>
+      <p:sp>
+        <p:nvSpPr>
+          <p:cNvPr id="11" name="Rectangle 10"/>
+          <p:cNvSpPr/>
+          <p:nvPr/>
+        </p:nvSpPr>
+        <p:spPr>
+          <a:xfrm>
+            <a:off x="330200" y="2971800"/>
+            <a:ext cx="12344400" cy="5262979"/>
+          </a:xfrm>
+          <a:prstGeom prst="rect">
+            <a:avLst/>
+          </a:prstGeom>
+          <a:ln>
+            <a:solidFill>
+              <a:schemeClr val="tx1"/>
+            </a:solidFill>
+            <a:prstDash val="dash"/>
+          </a:ln>
+        </p:spPr>
+        <p:txBody>
+          <a:bodyPr wrap="square">
+            <a:spAutoFit/>
+          </a:bodyPr>
+          <a:lstStyle/>
+          <a:p>
+            <a:r>
+              <a:rPr lang="en-US" sz="2800" b="1" dirty="0" smtClean="0">
+                <a:solidFill>
+                  <a:srgbClr val="7F0055"/>
+                </a:solidFill>
+                <a:latin typeface="Courier New"/>
+              </a:rPr>
+              <a:t>trait</a:t>
+            </a:r>
+            <a:r>
+              <a:rPr lang="en-US" sz="2800" b="1" dirty="0" smtClean="0">
+                <a:latin typeface="Courier New"/>
+              </a:rPr>
+              <a:t> Matcher[-T] {</a:t>
+            </a:r>
+          </a:p>
+          <a:p>
+            <a:r>
+              <a:rPr lang="en-US" sz="2800" dirty="0" smtClean="0">
+                <a:latin typeface="Courier New"/>
+              </a:rPr>
+              <a:t> </a:t>
+            </a:r>
+            <a:r>
+              <a:rPr lang="en-US" sz="2800" dirty="0" smtClean="0">
+                <a:latin typeface="Courier New"/>
+              </a:rPr>
+              <a:t> </a:t>
+            </a:r>
+            <a:r>
+              <a:rPr lang="en-US" sz="2800" b="1" dirty="0" smtClean="0">
+                <a:solidFill>
+                  <a:srgbClr val="7F0055"/>
+                </a:solidFill>
+                <a:latin typeface="Courier New"/>
+              </a:rPr>
+              <a:t>def</a:t>
+            </a:r>
+            <a:r>
+              <a:rPr lang="en-US" sz="2800" b="1" dirty="0" smtClean="0">
+                <a:latin typeface="Courier New"/>
+              </a:rPr>
+              <a:t> apply(y: =&gt;T): (</a:t>
+            </a:r>
+            <a:r>
+              <a:rPr lang="en-US" sz="2800" b="1" dirty="0" smtClean="0">
+                <a:solidFill>
+                  <a:srgbClr val="7F0055"/>
+                </a:solidFill>
+                <a:latin typeface="Courier New"/>
+              </a:rPr>
+              <a:t>Boolean</a:t>
+            </a:r>
+            <a:r>
+              <a:rPr lang="en-US" sz="2800" b="1" dirty="0" smtClean="0">
+                <a:latin typeface="Courier New"/>
+              </a:rPr>
+              <a:t>, String, String)</a:t>
+            </a:r>
+          </a:p>
+          <a:p>
+            <a:r>
+              <a:rPr lang="en-US" sz="2800" dirty="0" smtClean="0">
+                <a:latin typeface="Courier New"/>
+              </a:rPr>
+              <a:t> </a:t>
+            </a:r>
+            <a:r>
+              <a:rPr lang="en-US" sz="2800" dirty="0" smtClean="0">
+                <a:latin typeface="Courier New"/>
+              </a:rPr>
+              <a:t> </a:t>
+            </a:r>
+            <a:r>
+              <a:rPr lang="en-US" sz="2800" b="1" dirty="0" smtClean="0">
+                <a:solidFill>
+                  <a:srgbClr val="7F0055"/>
+                </a:solidFill>
+                <a:latin typeface="Courier New"/>
+              </a:rPr>
+              <a:t>def</a:t>
+            </a:r>
+            <a:r>
+              <a:rPr lang="en-US" sz="2800" b="1" dirty="0" smtClean="0">
+                <a:latin typeface="Courier New"/>
+              </a:rPr>
+              <a:t> not: Matcher[T]</a:t>
+            </a:r>
+          </a:p>
+          <a:p>
+            <a:r>
+              <a:rPr lang="en-US" sz="2800" dirty="0" smtClean="0">
+                <a:latin typeface="Courier New"/>
+              </a:rPr>
+              <a:t> </a:t>
+            </a:r>
+            <a:r>
+              <a:rPr lang="en-US" sz="2800" dirty="0" smtClean="0">
+                <a:latin typeface="Courier New"/>
+              </a:rPr>
+              <a:t> </a:t>
+            </a:r>
+            <a:r>
+              <a:rPr lang="en-US" sz="2800" b="1" dirty="0" smtClean="0">
+                <a:solidFill>
+                  <a:srgbClr val="7F0055"/>
+                </a:solidFill>
+                <a:latin typeface="Courier New"/>
+              </a:rPr>
+              <a:t>def</a:t>
+            </a:r>
+            <a:r>
+              <a:rPr lang="en-US" sz="2800" b="1" dirty="0" smtClean="0">
+                <a:latin typeface="Courier New"/>
+              </a:rPr>
+              <a:t> when(condition: =&gt;</a:t>
+            </a:r>
+            <a:r>
+              <a:rPr lang="en-US" sz="2800" b="1" dirty="0" smtClean="0">
+                <a:solidFill>
+                  <a:srgbClr val="7F0055"/>
+                </a:solidFill>
+                <a:latin typeface="Courier New"/>
+              </a:rPr>
+              <a:t>Boolean</a:t>
+            </a:r>
+            <a:r>
+              <a:rPr lang="en-US" sz="2800" b="1" dirty="0" smtClean="0">
+                <a:latin typeface="Courier New"/>
+              </a:rPr>
+              <a:t>): Matcher[T]</a:t>
+            </a:r>
+          </a:p>
+          <a:p>
+            <a:r>
+              <a:rPr lang="en-US" sz="2800" dirty="0" smtClean="0">
+                <a:latin typeface="Courier New"/>
+              </a:rPr>
+              <a:t> </a:t>
+            </a:r>
+            <a:r>
+              <a:rPr lang="en-US" sz="2800" dirty="0" smtClean="0">
+                <a:latin typeface="Courier New"/>
+              </a:rPr>
+              <a:t> </a:t>
+            </a:r>
+            <a:r>
+              <a:rPr lang="en-US" sz="2800" b="1" dirty="0" smtClean="0">
+                <a:solidFill>
+                  <a:srgbClr val="7F0055"/>
+                </a:solidFill>
+                <a:latin typeface="Courier New"/>
+              </a:rPr>
+              <a:t>def</a:t>
+            </a:r>
+            <a:r>
+              <a:rPr lang="en-US" sz="2800" b="1" dirty="0" smtClean="0">
+                <a:latin typeface="Courier New"/>
+              </a:rPr>
+              <a:t> unless(condition: =&gt;</a:t>
+            </a:r>
+            <a:r>
+              <a:rPr lang="en-US" sz="2800" b="1" dirty="0" smtClean="0">
+                <a:solidFill>
+                  <a:srgbClr val="7F0055"/>
+                </a:solidFill>
+                <a:latin typeface="Courier New"/>
+              </a:rPr>
+              <a:t>Boolean</a:t>
+            </a:r>
+            <a:r>
+              <a:rPr lang="en-US" sz="2800" b="1" dirty="0" smtClean="0">
+                <a:latin typeface="Courier New"/>
+              </a:rPr>
+              <a:t>): Matcher[T]</a:t>
+            </a:r>
+          </a:p>
+          <a:p>
+            <a:r>
+              <a:rPr lang="en-US" sz="2800" dirty="0" smtClean="0">
+                <a:latin typeface="Courier New"/>
+              </a:rPr>
+              <a:t> </a:t>
+            </a:r>
+            <a:r>
+              <a:rPr lang="en-US" sz="2800" dirty="0" smtClean="0">
+                <a:latin typeface="Courier New"/>
+              </a:rPr>
+              <a:t> </a:t>
+            </a:r>
+            <a:r>
+              <a:rPr lang="en-US" sz="2800" b="1" dirty="0" smtClean="0">
+                <a:solidFill>
+                  <a:srgbClr val="7F0055"/>
+                </a:solidFill>
+                <a:latin typeface="Courier New"/>
+              </a:rPr>
+              <a:t>def</a:t>
+            </a:r>
+            <a:r>
+              <a:rPr lang="en-US" sz="2800" b="1" dirty="0" smtClean="0">
+                <a:latin typeface="Courier New"/>
+              </a:rPr>
+              <a:t> </a:t>
+            </a:r>
+            <a:r>
+              <a:rPr lang="en-US" sz="2800" b="1" dirty="0" err="1" smtClean="0">
+                <a:latin typeface="Courier New"/>
+              </a:rPr>
+              <a:t>orSkip</a:t>
+            </a:r>
+            <a:r>
+              <a:rPr lang="en-US" sz="2800" b="1" dirty="0" smtClean="0">
+                <a:latin typeface="Courier New"/>
+              </a:rPr>
+              <a:t>: Matcher[T]</a:t>
+            </a:r>
+          </a:p>
+          <a:p>
+            <a:r>
+              <a:rPr lang="en-US" sz="2800" dirty="0" smtClean="0">
+                <a:latin typeface="Courier New"/>
+              </a:rPr>
+              <a:t> </a:t>
+            </a:r>
+            <a:r>
+              <a:rPr lang="en-US" sz="2800" dirty="0" smtClean="0">
+                <a:latin typeface="Courier New"/>
+              </a:rPr>
+              <a:t> </a:t>
+            </a:r>
+            <a:r>
+              <a:rPr lang="en-US" sz="2800" b="1" dirty="0" smtClean="0">
+                <a:solidFill>
+                  <a:srgbClr val="7F0055"/>
+                </a:solidFill>
+                <a:latin typeface="Courier New"/>
+              </a:rPr>
+              <a:t>def</a:t>
+            </a:r>
+            <a:r>
+              <a:rPr lang="en-US" sz="2800" b="1" dirty="0" smtClean="0">
+                <a:latin typeface="Courier New"/>
+              </a:rPr>
+              <a:t> or[S &lt;: T](m: Matcher[S]): Matcher[S]</a:t>
+            </a:r>
+          </a:p>
+          <a:p>
+            <a:r>
+              <a:rPr lang="en-US" sz="2800" dirty="0" smtClean="0">
+                <a:latin typeface="Courier New"/>
+              </a:rPr>
+              <a:t> </a:t>
+            </a:r>
+            <a:r>
+              <a:rPr lang="en-US" sz="2800" dirty="0" smtClean="0">
+                <a:latin typeface="Courier New"/>
+              </a:rPr>
+              <a:t> </a:t>
+            </a:r>
+            <a:r>
+              <a:rPr lang="en-US" sz="2800" b="1" dirty="0" smtClean="0">
+                <a:solidFill>
+                  <a:srgbClr val="7F0055"/>
+                </a:solidFill>
+                <a:latin typeface="Courier New"/>
+              </a:rPr>
+              <a:t>def</a:t>
+            </a:r>
+            <a:r>
+              <a:rPr lang="en-US" sz="2800" b="1" dirty="0" smtClean="0">
+                <a:latin typeface="Courier New"/>
+              </a:rPr>
+              <a:t> </a:t>
+            </a:r>
+            <a:r>
+              <a:rPr lang="en-US" sz="2800" b="1" dirty="0" err="1" smtClean="0">
+                <a:latin typeface="Courier New"/>
+              </a:rPr>
+              <a:t>xor</a:t>
+            </a:r>
+            <a:r>
+              <a:rPr lang="en-US" sz="2800" b="1" dirty="0" smtClean="0">
+                <a:latin typeface="Courier New"/>
+              </a:rPr>
+              <a:t>[S &lt;: T](m: Matcher[S]): Matcher[S]</a:t>
+            </a:r>
+          </a:p>
+          <a:p>
+            <a:r>
+              <a:rPr lang="en-US" sz="2800" dirty="0" smtClean="0">
+                <a:latin typeface="Courier New"/>
+              </a:rPr>
+              <a:t> </a:t>
+            </a:r>
+            <a:r>
+              <a:rPr lang="en-US" sz="2800" dirty="0" smtClean="0">
+                <a:latin typeface="Courier New"/>
+              </a:rPr>
+              <a:t> </a:t>
+            </a:r>
+            <a:r>
+              <a:rPr lang="en-US" sz="2800" b="1" dirty="0" smtClean="0">
+                <a:solidFill>
+                  <a:srgbClr val="7F0055"/>
+                </a:solidFill>
+                <a:latin typeface="Courier New"/>
+              </a:rPr>
+              <a:t>def</a:t>
+            </a:r>
+            <a:r>
+              <a:rPr lang="en-US" sz="2800" b="1" dirty="0" smtClean="0">
+                <a:latin typeface="Courier New"/>
+              </a:rPr>
+              <a:t> and[S &lt;: T](m: Matcher[S]): Matcher[S]</a:t>
+            </a:r>
+          </a:p>
+          <a:p>
+            <a:r>
+              <a:rPr lang="pl-PL" sz="2800" dirty="0" smtClean="0">
+                <a:latin typeface="Courier New"/>
+              </a:rPr>
+              <a:t> </a:t>
+            </a:r>
+            <a:r>
+              <a:rPr lang="pl-PL" sz="2800" dirty="0" smtClean="0">
+                <a:latin typeface="Courier New"/>
+              </a:rPr>
+              <a:t> </a:t>
+            </a:r>
+            <a:r>
+              <a:rPr lang="pl-PL" sz="2800" b="1" dirty="0" smtClean="0">
+                <a:solidFill>
+                  <a:srgbClr val="7F0055"/>
+                </a:solidFill>
+                <a:latin typeface="Courier New"/>
+              </a:rPr>
+              <a:t>def</a:t>
+            </a:r>
+            <a:r>
+              <a:rPr lang="pl-PL" sz="2800" b="1" dirty="0" smtClean="0">
+                <a:latin typeface="Courier New"/>
+              </a:rPr>
+              <a:t> ^^[S&lt;: T, U](f: S =&gt; U): Matcher[U]</a:t>
+            </a:r>
+          </a:p>
+          <a:p>
+            <a:r>
+              <a:rPr lang="en-US" sz="2800" dirty="0" smtClean="0">
+                <a:latin typeface="Courier New"/>
+              </a:rPr>
+              <a:t> </a:t>
+            </a:r>
+            <a:r>
+              <a:rPr lang="en-US" sz="2800" dirty="0" smtClean="0">
+                <a:latin typeface="Courier New"/>
+              </a:rPr>
+              <a:t> </a:t>
+            </a:r>
+            <a:r>
+              <a:rPr lang="en-US" sz="2800" b="1" dirty="0" smtClean="0">
+                <a:solidFill>
+                  <a:srgbClr val="7F0055"/>
+                </a:solidFill>
+                <a:latin typeface="Courier New"/>
+              </a:rPr>
+              <a:t>def</a:t>
+            </a:r>
+            <a:r>
+              <a:rPr lang="en-US" sz="2800" b="1" dirty="0" smtClean="0">
+                <a:latin typeface="Courier New"/>
+              </a:rPr>
+              <a:t> </a:t>
+            </a:r>
+            <a:r>
+              <a:rPr lang="en-US" sz="2800" b="1" dirty="0" err="1" smtClean="0">
+                <a:latin typeface="Courier New"/>
+              </a:rPr>
+              <a:t>toSeq</a:t>
+            </a:r>
+            <a:r>
+              <a:rPr lang="en-US" sz="2800" b="1" dirty="0" smtClean="0">
+                <a:latin typeface="Courier New"/>
+              </a:rPr>
+              <a:t>: Matcher[</a:t>
+            </a:r>
+            <a:r>
+              <a:rPr lang="en-US" sz="2800" b="1" dirty="0" err="1" smtClean="0">
+                <a:latin typeface="Courier New"/>
+              </a:rPr>
+              <a:t>Seq</a:t>
+            </a:r>
+            <a:r>
+              <a:rPr lang="en-US" sz="2800" b="1" dirty="0" smtClean="0">
+                <a:latin typeface="Courier New"/>
+              </a:rPr>
+              <a:t>[T]]</a:t>
+            </a:r>
+          </a:p>
+          <a:p>
+            <a:r>
+              <a:rPr lang="en-US" sz="2800" dirty="0" smtClean="0">
+                <a:latin typeface="Courier New"/>
+              </a:rPr>
+              <a:t>} </a:t>
+            </a:r>
+            <a:endParaRPr lang="en-US" sz="2800" b="1" dirty="0" smtClean="0">
+              <a:solidFill>
+                <a:srgbClr val="7F0055"/>
+              </a:solidFill>
+              <a:latin typeface="Courier New"/>
+            </a:endParaRPr>
+          </a:p>
+        </p:txBody>
+      </p:sp>
+      <p:sp>
+        <p:nvSpPr>
+          <p:cNvPr id="7" name="Rectangle 6"/>
+          <p:cNvSpPr/>
+          <p:nvPr/>
+        </p:nvSpPr>
+        <p:spPr>
+          <a:xfrm>
+            <a:off x="4510641" y="1438870"/>
+            <a:ext cx="3517310" cy="923330"/>
+          </a:xfrm>
+          <a:prstGeom prst="rect">
+            <a:avLst/>
+          </a:prstGeom>
+        </p:spPr>
+        <p:txBody>
+          <a:bodyPr wrap="none">
+            <a:spAutoFit/>
+          </a:bodyPr>
+          <a:lstStyle/>
+          <a:p>
+            <a:pPr algn="ctr"/>
+            <a:r>
+              <a:rPr lang="en-US" sz="5400" b="1" kern="0" dirty="0" smtClean="0">
+                <a:solidFill>
+                  <a:srgbClr val="00CC66"/>
+                </a:solidFill>
+                <a:latin typeface="Lucida Handwriting" pitchFamily="66" charset="0"/>
+                <a:cs typeface="+mj-cs"/>
+                <a:sym typeface="Arial" charset="0"/>
+              </a:rPr>
+              <a:t>combine</a:t>
+            </a:r>
+            <a:endParaRPr lang="en-US" dirty="0">
+              <a:solidFill>
+                <a:srgbClr val="00CC66"/>
+              </a:solidFill>
+            </a:endParaRPr>
+          </a:p>
+        </p:txBody>
+      </p:sp>
+      <p:pic>
+        <p:nvPicPr>
+          <p:cNvPr id="9" name="Picture 6" descr="magic, wizard icon"/>
+          <p:cNvPicPr>
+            <a:picLocks noChangeAspect="1" noChangeArrowheads="1"/>
+          </p:cNvPicPr>
+          <p:nvPr/>
+        </p:nvPicPr>
+        <p:blipFill>
+          <a:blip r:embed="rId4"/>
+          <a:srcRect/>
+          <a:stretch>
+            <a:fillRect/>
+          </a:stretch>
+        </p:blipFill>
+        <p:spPr bwMode="auto">
+          <a:xfrm>
+            <a:off x="635000" y="1143000"/>
+            <a:ext cx="1295400" cy="1295401"/>
+          </a:xfrm>
+          <a:prstGeom prst="rect">
+            <a:avLst/>
+          </a:prstGeom>
+          <a:noFill/>
+        </p:spPr>
+      </p:pic>
+    </p:spTree>
+  </p:cSld>
+  <p:clrMapOvr>
+    <a:masterClrMapping/>
+  </p:clrMapOvr>
+  <p:transition>
+    <p:fade/>
+  </p:transition>
+  <p:timing>
+    <p:tnLst>
+      <p:par>
+        <p:cTn id="1" dur="indefinite" restart="never" nodeType="tmRoot">
+          <p:childTnLst>
+            <p:seq concurrent="1" nextAc="seek">
+              <p:cTn id="2" dur="indefinite" nodeType="mainSeq">
+                <p:childTnLst>
+                  <p:par>
+                    <p:cTn id="3" fill="hold">
+                      <p:stCondLst>
+                        <p:cond delay="indefinite"/>
+                        <p:cond evt="onBegin" delay="0">
+                          <p:tn val="2"/>
+                        </p:cond>
+                      </p:stCondLst>
+                      <p:childTnLst>
+                        <p:par>
+                          <p:cTn id="4" fill="hold">
+                            <p:stCondLst>
+                              <p:cond delay="0"/>
+                            </p:stCondLst>
+                            <p:childTnLst>
+                              <p:par>
+                                <p:cTn id="5" presetID="1" presetClass="entr" presetSubtype="0" fill="hold" nodeType="withEffect">
+                                  <p:stCondLst>
+                                    <p:cond delay="0"/>
+                                  </p:stCondLst>
+                                  <p:childTnLst>
+                                    <p:set>
+                                      <p:cBhvr>
+                                        <p:cTn id="6" dur="1" fill="hold">
+                                          <p:stCondLst>
+                                            <p:cond delay="0"/>
+                                          </p:stCondLst>
+                                        </p:cTn>
+                                        <p:tgtEl>
+                                          <p:spTgt spid="8"/>
+                                        </p:tgtEl>
+                                        <p:attrNameLst>
+                                          <p:attrName>style.visibility</p:attrName>
+                                        </p:attrNameLst>
+                                      </p:cBhvr>
+                                      <p:to>
+                                        <p:strVal val="visible"/>
+                                      </p:to>
+                                    </p:set>
+                                  </p:childTnLst>
+                                </p:cTn>
+                              </p:par>
+                            </p:childTnLst>
+                          </p:cTn>
+                        </p:par>
+                      </p:childTnLst>
+                    </p:cTn>
+                  </p:par>
+                </p:childTnLst>
+              </p:cTn>
+              <p:prevCondLst>
+                <p:cond evt="onPrev" delay="0">
+                  <p:tgtEl>
+                    <p:sldTgt/>
+                  </p:tgtEl>
+                </p:cond>
+              </p:prevCondLst>
+              <p:nextCondLst>
+                <p:cond evt="onNext" delay="0">
+                  <p:tgtEl>
+                    <p:sldTgt/>
+                  </p:tgtEl>
+                </p:cond>
+              </p:nextCondLst>
+            </p:seq>
+          </p:childTnLst>
+        </p:cTn>
+      </p:par>
+    </p:tnLst>
+  </p:timing>
+</p:sld>
+</file>
+
+<file path=ppt/slides/slide46.xml><?xml version="1.0" encoding="utf-8"?>
+<p:sld xmlns:a="http://schemas.openxmlformats.org/drawingml/2006/main" xmlns:r="http://schemas.openxmlformats.org/officeDocument/2006/relationships" xmlns:p="http://schemas.openxmlformats.org/presentationml/2006/main">
+  <p:cSld>
+    <p:spTree>
+      <p:nvGrpSpPr>
+        <p:cNvPr id="1" name=""/>
+        <p:cNvGrpSpPr/>
+        <p:nvPr/>
+      </p:nvGrpSpPr>
+      <p:grpSpPr>
+        <a:xfrm>
+          <a:off x="0" y="0"/>
+          <a:ext cx="0" cy="0"/>
+          <a:chOff x="0" y="0"/>
+          <a:chExt cx="0" cy="0"/>
+        </a:xfrm>
+      </p:grpSpPr>
+      <p:sp>
+        <p:nvSpPr>
+          <p:cNvPr id="8193" name="Rectangle 1"/>
+          <p:cNvSpPr>
+            <a:spLocks noGrp="1" noChangeArrowheads="1"/>
+          </p:cNvSpPr>
+          <p:nvPr>
+            <p:ph type="title"/>
+          </p:nvPr>
+        </p:nvSpPr>
+        <p:spPr>
+          <a:xfrm>
+            <a:off x="711200" y="0"/>
+            <a:ext cx="12509500" cy="914400"/>
+          </a:xfrm>
+          <a:ln/>
+        </p:spPr>
+        <p:txBody>
+          <a:bodyPr/>
+          <a:lstStyle/>
+          <a:p>
+            <a:pPr lvl="0"/>
+            <a:r>
+              <a:rPr lang="en-US" sz="5400" dirty="0" smtClean="0">
+                <a:latin typeface="Lucida Handwriting" pitchFamily="66" charset="0"/>
+              </a:rPr>
+              <a:t>     </a:t>
+            </a:r>
+            <a:r>
+              <a:rPr lang="en-US" sz="5400" dirty="0" smtClean="0">
+                <a:latin typeface="Lucida Handwriting" pitchFamily="66" charset="0"/>
+              </a:rPr>
+              <a:t>DSL</a:t>
+            </a:r>
+            <a:endParaRPr lang="en-US" dirty="0"/>
+          </a:p>
+        </p:txBody>
+      </p:sp>
+      <p:pic>
+        <p:nvPicPr>
+          <p:cNvPr id="8" name="Picture 10" descr="http://knowledgehub.zeus.com/media/Scala_Logo2008.png"/>
+          <p:cNvPicPr>
+            <a:picLocks noChangeAspect="1" noChangeArrowheads="1"/>
+          </p:cNvPicPr>
+          <p:nvPr/>
+        </p:nvPicPr>
+        <p:blipFill>
+          <a:blip r:embed="rId3"/>
+          <a:srcRect/>
+          <a:stretch>
+            <a:fillRect/>
+          </a:stretch>
+        </p:blipFill>
+        <p:spPr bwMode="auto">
+          <a:xfrm>
+            <a:off x="4140200" y="76200"/>
+            <a:ext cx="2279542" cy="679257"/>
+          </a:xfrm>
+          <a:prstGeom prst="rect">
+            <a:avLst/>
+          </a:prstGeom>
+          <a:noFill/>
+        </p:spPr>
+      </p:pic>
       <p:pic>
         <p:nvPicPr>
           <p:cNvPr id="9" name="Picture 6" descr="magic, wizard icon"/>

--- a/src/main/resources/oscon_2010_specs.pptx
+++ b/src/main/resources/oscon_2010_specs.pptx
@@ -6,7 +6,7 @@
     <p:sldMasterId id="2147483651" r:id="rId2"/>
   </p:sldMasterIdLst>
   <p:notesMasterIdLst>
-    <p:notesMasterId r:id="rId49"/>
+    <p:notesMasterId r:id="rId51"/>
   </p:notesMasterIdLst>
   <p:sldIdLst>
     <p:sldId id="258" r:id="rId3"/>
@@ -54,7 +54,9 @@
     <p:sldId id="301" r:id="rId45"/>
     <p:sldId id="302" r:id="rId46"/>
     <p:sldId id="298" r:id="rId47"/>
-    <p:sldId id="299" r:id="rId48"/>
+    <p:sldId id="306" r:id="rId48"/>
+    <p:sldId id="307" r:id="rId49"/>
+    <p:sldId id="308" r:id="rId50"/>
   </p:sldIdLst>
   <p:sldSz cx="13004800" cy="9753600"/>
   <p:notesSz cx="6858000" cy="9144000"/>
@@ -4024,6 +4026,174 @@
               <a:rPr lang="en-US"/>
               <a:pPr/>
               <a:t>46</a:t>
+            </a:fld>
+            <a:endParaRPr lang="en-US"/>
+          </a:p>
+        </p:txBody>
+      </p:sp>
+      <p:sp>
+        <p:nvSpPr>
+          <p:cNvPr id="19458" name="Rectangle 2"/>
+          <p:cNvSpPr>
+            <a:spLocks noGrp="1" noRot="1" noChangeAspect="1" noChangeArrowheads="1" noTextEdit="1"/>
+          </p:cNvSpPr>
+          <p:nvPr>
+            <p:ph type="sldImg"/>
+          </p:nvPr>
+        </p:nvSpPr>
+        <p:spPr>
+          <a:ln/>
+        </p:spPr>
+      </p:sp>
+      <p:sp>
+        <p:nvSpPr>
+          <p:cNvPr id="19459" name="Rectangle 3"/>
+          <p:cNvSpPr>
+            <a:spLocks noGrp="1"/>
+          </p:cNvSpPr>
+          <p:nvPr>
+            <p:ph type="body" idx="1"/>
+          </p:nvPr>
+        </p:nvSpPr>
+        <p:spPr/>
+        <p:txBody>
+          <a:bodyPr/>
+          <a:lstStyle/>
+          <a:p>
+            <a:endParaRPr lang="en-US"/>
+          </a:p>
+        </p:txBody>
+      </p:sp>
+    </p:spTree>
+  </p:cSld>
+  <p:clrMapOvr>
+    <a:masterClrMapping/>
+  </p:clrMapOvr>
+</p:notes>
+</file>
+
+<file path=ppt/notesSlides/notesSlide47.xml><?xml version="1.0" encoding="utf-8"?>
+<p:notes xmlns:a="http://schemas.openxmlformats.org/drawingml/2006/main" xmlns:r="http://schemas.openxmlformats.org/officeDocument/2006/relationships" xmlns:p="http://schemas.openxmlformats.org/presentationml/2006/main">
+  <p:cSld>
+    <p:spTree>
+      <p:nvGrpSpPr>
+        <p:cNvPr id="1" name=""/>
+        <p:cNvGrpSpPr/>
+        <p:nvPr/>
+      </p:nvGrpSpPr>
+      <p:grpSpPr>
+        <a:xfrm>
+          <a:off x="0" y="0"/>
+          <a:ext cx="0" cy="0"/>
+          <a:chOff x="0" y="0"/>
+          <a:chExt cx="0" cy="0"/>
+        </a:xfrm>
+      </p:grpSpPr>
+      <p:sp>
+        <p:nvSpPr>
+          <p:cNvPr id="7" name="Rectangle 7"/>
+          <p:cNvSpPr>
+            <a:spLocks noGrp="1"/>
+          </p:cNvSpPr>
+          <p:nvPr>
+            <p:ph type="sldNum" sz="quarter" idx="5"/>
+          </p:nvPr>
+        </p:nvSpPr>
+        <p:spPr>
+          <a:ln/>
+        </p:spPr>
+        <p:txBody>
+          <a:bodyPr/>
+          <a:lstStyle/>
+          <a:p>
+            <a:fld id="{27AEA7DA-096A-4FB7-B4B3-D12717EF4BDD}" type="slidenum">
+              <a:rPr lang="en-US"/>
+              <a:pPr/>
+              <a:t>47</a:t>
+            </a:fld>
+            <a:endParaRPr lang="en-US"/>
+          </a:p>
+        </p:txBody>
+      </p:sp>
+      <p:sp>
+        <p:nvSpPr>
+          <p:cNvPr id="19458" name="Rectangle 2"/>
+          <p:cNvSpPr>
+            <a:spLocks noGrp="1" noRot="1" noChangeAspect="1" noChangeArrowheads="1" noTextEdit="1"/>
+          </p:cNvSpPr>
+          <p:nvPr>
+            <p:ph type="sldImg"/>
+          </p:nvPr>
+        </p:nvSpPr>
+        <p:spPr>
+          <a:ln/>
+        </p:spPr>
+      </p:sp>
+      <p:sp>
+        <p:nvSpPr>
+          <p:cNvPr id="19459" name="Rectangle 3"/>
+          <p:cNvSpPr>
+            <a:spLocks noGrp="1"/>
+          </p:cNvSpPr>
+          <p:nvPr>
+            <p:ph type="body" idx="1"/>
+          </p:nvPr>
+        </p:nvSpPr>
+        <p:spPr/>
+        <p:txBody>
+          <a:bodyPr/>
+          <a:lstStyle/>
+          <a:p>
+            <a:endParaRPr lang="en-US"/>
+          </a:p>
+        </p:txBody>
+      </p:sp>
+    </p:spTree>
+  </p:cSld>
+  <p:clrMapOvr>
+    <a:masterClrMapping/>
+  </p:clrMapOvr>
+</p:notes>
+</file>
+
+<file path=ppt/notesSlides/notesSlide48.xml><?xml version="1.0" encoding="utf-8"?>
+<p:notes xmlns:a="http://schemas.openxmlformats.org/drawingml/2006/main" xmlns:r="http://schemas.openxmlformats.org/officeDocument/2006/relationships" xmlns:p="http://schemas.openxmlformats.org/presentationml/2006/main">
+  <p:cSld>
+    <p:spTree>
+      <p:nvGrpSpPr>
+        <p:cNvPr id="1" name=""/>
+        <p:cNvGrpSpPr/>
+        <p:nvPr/>
+      </p:nvGrpSpPr>
+      <p:grpSpPr>
+        <a:xfrm>
+          <a:off x="0" y="0"/>
+          <a:ext cx="0" cy="0"/>
+          <a:chOff x="0" y="0"/>
+          <a:chExt cx="0" cy="0"/>
+        </a:xfrm>
+      </p:grpSpPr>
+      <p:sp>
+        <p:nvSpPr>
+          <p:cNvPr id="7" name="Rectangle 7"/>
+          <p:cNvSpPr>
+            <a:spLocks noGrp="1"/>
+          </p:cNvSpPr>
+          <p:nvPr>
+            <p:ph type="sldNum" sz="quarter" idx="5"/>
+          </p:nvPr>
+        </p:nvSpPr>
+        <p:spPr>
+          <a:ln/>
+        </p:spPr>
+        <p:txBody>
+          <a:bodyPr/>
+          <a:lstStyle/>
+          <a:p>
+            <a:fld id="{27AEA7DA-096A-4FB7-B4B3-D12717EF4BDD}" type="slidenum">
+              <a:rPr lang="en-US"/>
+              <a:pPr/>
+              <a:t>48</a:t>
             </a:fld>
             <a:endParaRPr lang="en-US"/>
           </a:p>
@@ -27923,9 +28093,476 @@
           <a:noFill/>
         </p:spPr>
       </p:pic>
+      <p:sp>
+        <p:nvSpPr>
+          <p:cNvPr id="11" name="Rectangle 10"/>
+          <p:cNvSpPr/>
+          <p:nvPr/>
+        </p:nvSpPr>
+        <p:spPr>
+          <a:xfrm>
+            <a:off x="330200" y="2819400"/>
+            <a:ext cx="12344400" cy="5262979"/>
+          </a:xfrm>
+          <a:prstGeom prst="rect">
+            <a:avLst/>
+          </a:prstGeom>
+          <a:ln>
+            <a:solidFill>
+              <a:schemeClr val="tx1"/>
+            </a:solidFill>
+            <a:prstDash val="dash"/>
+          </a:ln>
+        </p:spPr>
+        <p:txBody>
+          <a:bodyPr wrap="square">
+            <a:spAutoFit/>
+          </a:bodyPr>
+          <a:lstStyle/>
+          <a:p>
+            <a:r>
+              <a:rPr lang="en-US" sz="2800" b="1" dirty="0" smtClean="0">
+                <a:solidFill>
+                  <a:srgbClr val="7F0055"/>
+                </a:solidFill>
+                <a:latin typeface="Courier New"/>
+              </a:rPr>
+              <a:t>object</a:t>
+            </a:r>
+            <a:r>
+              <a:rPr lang="en-US" sz="2800" b="1" dirty="0" smtClean="0">
+                <a:latin typeface="Courier New"/>
+              </a:rPr>
+              <a:t> </a:t>
+            </a:r>
+            <a:r>
+              <a:rPr lang="en-US" sz="2800" b="1" dirty="0" err="1" smtClean="0">
+                <a:latin typeface="Courier New"/>
+              </a:rPr>
+              <a:t>DBContext</a:t>
+            </a:r>
+            <a:r>
+              <a:rPr lang="en-US" sz="2800" b="1" dirty="0" smtClean="0">
+                <a:latin typeface="Courier New"/>
+              </a:rPr>
+              <a:t> </a:t>
+            </a:r>
+            <a:r>
+              <a:rPr lang="en-US" sz="2800" b="1" dirty="0" smtClean="0">
+                <a:solidFill>
+                  <a:srgbClr val="7F0055"/>
+                </a:solidFill>
+                <a:latin typeface="Courier New"/>
+              </a:rPr>
+              <a:t>extends</a:t>
+            </a:r>
+            <a:r>
+              <a:rPr lang="en-US" sz="2800" b="1" dirty="0" smtClean="0">
+                <a:latin typeface="Courier New"/>
+              </a:rPr>
+              <a:t> Specification {</a:t>
+            </a:r>
+          </a:p>
+          <a:p>
+            <a:r>
+              <a:rPr lang="en-US" sz="2800" dirty="0" smtClean="0">
+                <a:latin typeface="Courier New"/>
+              </a:rPr>
+              <a:t>  </a:t>
+            </a:r>
+            <a:r>
+              <a:rPr lang="en-US" sz="2800" b="1" dirty="0" err="1" smtClean="0">
+                <a:solidFill>
+                  <a:srgbClr val="7F0055"/>
+                </a:solidFill>
+                <a:latin typeface="Courier New"/>
+              </a:rPr>
+              <a:t>val</a:t>
+            </a:r>
+            <a:r>
+              <a:rPr lang="en-US" sz="2800" b="1" dirty="0" smtClean="0">
+                <a:latin typeface="Courier New"/>
+              </a:rPr>
+              <a:t> </a:t>
+            </a:r>
+            <a:r>
+              <a:rPr lang="en-US" sz="2800" b="1" dirty="0" smtClean="0">
+                <a:latin typeface="Courier New"/>
+              </a:rPr>
+              <a:t>setup = </a:t>
+            </a:r>
+            <a:r>
+              <a:rPr lang="en-US" sz="2800" b="1" dirty="0" smtClean="0">
+                <a:solidFill>
+                  <a:srgbClr val="7F0055"/>
+                </a:solidFill>
+                <a:latin typeface="Courier New"/>
+              </a:rPr>
+              <a:t>new</a:t>
+            </a:r>
+            <a:r>
+              <a:rPr lang="en-US" sz="2800" b="1" dirty="0" smtClean="0">
+                <a:latin typeface="Courier New"/>
+              </a:rPr>
+              <a:t> </a:t>
+            </a:r>
+            <a:r>
+              <a:rPr lang="en-US" sz="2800" b="1" dirty="0" err="1" smtClean="0">
+                <a:latin typeface="Courier New"/>
+              </a:rPr>
+              <a:t>SpecContext</a:t>
+            </a:r>
+            <a:r>
+              <a:rPr lang="en-US" sz="2800" b="1" dirty="0" smtClean="0">
+                <a:latin typeface="Courier New"/>
+              </a:rPr>
+              <a:t> {</a:t>
+            </a:r>
+          </a:p>
+          <a:p>
+            <a:r>
+              <a:rPr lang="en-US" sz="2800" dirty="0" smtClean="0">
+                <a:latin typeface="Courier New"/>
+              </a:rPr>
+              <a:t>    </a:t>
+            </a:r>
+            <a:r>
+              <a:rPr lang="en-US" sz="2800" dirty="0" err="1" smtClean="0">
+                <a:latin typeface="Courier New"/>
+              </a:rPr>
+              <a:t>beforeExample</a:t>
+            </a:r>
+            <a:r>
+              <a:rPr lang="en-US" sz="2800" dirty="0" smtClean="0">
+                <a:latin typeface="Courier New"/>
+              </a:rPr>
+              <a:t>(</a:t>
+            </a:r>
+            <a:r>
+              <a:rPr lang="en-US" sz="2800" dirty="0" err="1" smtClean="0">
+                <a:latin typeface="Courier New"/>
+              </a:rPr>
+              <a:t>deleteUsersTable</a:t>
+            </a:r>
+            <a:r>
+              <a:rPr lang="en-US" sz="2800" dirty="0" smtClean="0">
+                <a:latin typeface="Courier New"/>
+              </a:rPr>
+              <a:t>)</a:t>
+            </a:r>
+          </a:p>
+          <a:p>
+            <a:r>
+              <a:rPr lang="en-US" sz="2800" dirty="0" smtClean="0">
+                <a:latin typeface="Courier New"/>
+              </a:rPr>
+              <a:t>    </a:t>
+            </a:r>
+            <a:r>
+              <a:rPr lang="en-US" sz="2800" dirty="0" err="1" smtClean="0">
+                <a:latin typeface="Courier New"/>
+              </a:rPr>
+              <a:t>aroundExpectations</a:t>
+            </a:r>
+            <a:r>
+              <a:rPr lang="en-US" sz="2800" dirty="0" smtClean="0">
+                <a:latin typeface="Courier New"/>
+              </a:rPr>
+              <a:t>(</a:t>
+            </a:r>
+            <a:r>
+              <a:rPr lang="en-US" sz="2800" dirty="0" err="1" smtClean="0">
+                <a:latin typeface="Courier New"/>
+              </a:rPr>
+              <a:t>inDatabaseSession</a:t>
+            </a:r>
+            <a:r>
+              <a:rPr lang="en-US" sz="2800" dirty="0" smtClean="0">
+                <a:latin typeface="Courier New"/>
+              </a:rPr>
+              <a:t>(_)) </a:t>
+            </a:r>
+          </a:p>
+          <a:p>
+            <a:r>
+              <a:rPr lang="en-US" sz="2800" dirty="0" smtClean="0">
+                <a:latin typeface="Courier New"/>
+              </a:rPr>
+              <a:t>  </a:t>
+            </a:r>
+            <a:r>
+              <a:rPr lang="en-US" sz="2800" dirty="0" smtClean="0">
+                <a:latin typeface="Courier New"/>
+              </a:rPr>
+              <a:t>}</a:t>
+            </a:r>
+            <a:endParaRPr lang="en-US" sz="2800" dirty="0" smtClean="0">
+              <a:latin typeface="Courier New"/>
+            </a:endParaRPr>
+          </a:p>
+          <a:p>
+            <a:r>
+              <a:rPr lang="en-US" sz="2800" dirty="0" smtClean="0">
+                <a:latin typeface="Courier New"/>
+              </a:rPr>
+              <a:t>}</a:t>
+            </a:r>
+            <a:endParaRPr lang="en-US" sz="2800" dirty="0" smtClean="0">
+              <a:latin typeface="Courier New"/>
+            </a:endParaRPr>
+          </a:p>
+          <a:p>
+            <a:endParaRPr lang="en-US" sz="2800" b="1" dirty="0" smtClean="0">
+              <a:solidFill>
+                <a:srgbClr val="7F0055"/>
+              </a:solidFill>
+              <a:latin typeface="Courier New"/>
+            </a:endParaRPr>
+          </a:p>
+          <a:p>
+            <a:r>
+              <a:rPr lang="en-US" sz="2800" b="1" dirty="0" smtClean="0">
+                <a:solidFill>
+                  <a:srgbClr val="7F0055"/>
+                </a:solidFill>
+                <a:latin typeface="Courier New"/>
+              </a:rPr>
+              <a:t>object</a:t>
+            </a:r>
+            <a:r>
+              <a:rPr lang="en-US" sz="2800" b="1" dirty="0" smtClean="0">
+                <a:latin typeface="Courier New"/>
+              </a:rPr>
+              <a:t> </a:t>
+            </a:r>
+            <a:r>
+              <a:rPr lang="en-US" sz="2800" b="1" dirty="0" err="1" smtClean="0">
+                <a:latin typeface="Courier New"/>
+              </a:rPr>
+              <a:t>RepositorySpecification</a:t>
+            </a:r>
+            <a:r>
+              <a:rPr lang="en-US" sz="2800" b="1" dirty="0" smtClean="0">
+                <a:latin typeface="Courier New"/>
+              </a:rPr>
+              <a:t> </a:t>
+            </a:r>
+            <a:r>
+              <a:rPr lang="en-US" sz="2800" b="1" dirty="0" smtClean="0">
+                <a:solidFill>
+                  <a:srgbClr val="7F0055"/>
+                </a:solidFill>
+                <a:latin typeface="Courier New"/>
+              </a:rPr>
+              <a:t>extends</a:t>
+            </a:r>
+            <a:r>
+              <a:rPr lang="en-US" sz="2800" b="1" dirty="0" smtClean="0">
+                <a:latin typeface="Courier New"/>
+              </a:rPr>
+              <a:t> Specification {</a:t>
+            </a:r>
+          </a:p>
+          <a:p>
+            <a:r>
+              <a:rPr lang="en-US" sz="2800" dirty="0" smtClean="0">
+                <a:latin typeface="Courier New"/>
+              </a:rPr>
+              <a:t>  </a:t>
+            </a:r>
+            <a:r>
+              <a:rPr lang="en-US" sz="2800" dirty="0" smtClean="0">
+                <a:solidFill>
+                  <a:srgbClr val="3F7F5F"/>
+                </a:solidFill>
+                <a:latin typeface="Courier New"/>
+              </a:rPr>
+              <a:t>// </a:t>
+            </a:r>
+            <a:r>
+              <a:rPr lang="en-US" sz="2800" dirty="0" smtClean="0">
+                <a:solidFill>
+                  <a:srgbClr val="3F7F5F"/>
+                </a:solidFill>
+                <a:latin typeface="Courier New"/>
+              </a:rPr>
+              <a:t>equivalent to: </a:t>
+            </a:r>
+            <a:r>
+              <a:rPr lang="en-US" sz="2800" b="1" dirty="0" err="1" smtClean="0">
+                <a:solidFill>
+                  <a:srgbClr val="3F7F5F"/>
+                </a:solidFill>
+                <a:latin typeface="Courier New"/>
+              </a:rPr>
+              <a:t>DBContext.setup.apply</a:t>
+            </a:r>
+            <a:r>
+              <a:rPr lang="en-US" sz="2800" b="1" dirty="0" smtClean="0">
+                <a:solidFill>
+                  <a:srgbClr val="3F7F5F"/>
+                </a:solidFill>
+                <a:latin typeface="Courier New"/>
+              </a:rPr>
+              <a:t>(this)</a:t>
+            </a:r>
+            <a:r>
+              <a:rPr lang="en-US" sz="2800" dirty="0" smtClean="0">
+                <a:solidFill>
+                  <a:srgbClr val="3F7F5F"/>
+                </a:solidFill>
+                <a:latin typeface="Courier New"/>
+              </a:rPr>
+              <a:t>    </a:t>
+            </a:r>
+          </a:p>
+          <a:p>
+            <a:r>
+              <a:rPr lang="en-US" sz="2800" dirty="0" smtClean="0">
+                <a:latin typeface="Courier New"/>
+              </a:rPr>
+              <a:t>  </a:t>
+            </a:r>
+            <a:r>
+              <a:rPr lang="en-US" sz="2800" dirty="0" err="1" smtClean="0">
+                <a:latin typeface="Courier New"/>
+              </a:rPr>
+              <a:t>DBContext.setup</a:t>
+            </a:r>
+            <a:r>
+              <a:rPr lang="en-US" sz="2800" dirty="0" smtClean="0">
+                <a:latin typeface="Courier New"/>
+              </a:rPr>
+              <a:t>(</a:t>
+            </a:r>
+            <a:r>
+              <a:rPr lang="en-US" sz="2800" b="1" dirty="0" smtClean="0">
+                <a:solidFill>
+                  <a:srgbClr val="7F0055"/>
+                </a:solidFill>
+                <a:latin typeface="Courier New"/>
+              </a:rPr>
+              <a:t>this</a:t>
+            </a:r>
+            <a:r>
+              <a:rPr lang="en-US" sz="2800" b="1" dirty="0" smtClean="0">
+                <a:latin typeface="Courier New"/>
+              </a:rPr>
+              <a:t>)</a:t>
+            </a:r>
+          </a:p>
+          <a:p>
+            <a:r>
+              <a:rPr lang="en-US" sz="2800" dirty="0" smtClean="0">
+                <a:latin typeface="Courier New"/>
+              </a:rPr>
+              <a:t>  </a:t>
+            </a:r>
+            <a:r>
+              <a:rPr lang="en-US" sz="2800" dirty="0" smtClean="0">
+                <a:solidFill>
+                  <a:srgbClr val="2A00FF"/>
+                </a:solidFill>
+                <a:latin typeface="Courier New"/>
+              </a:rPr>
+              <a:t>"</a:t>
+            </a:r>
+            <a:r>
+              <a:rPr lang="en-US" sz="2800" dirty="0" smtClean="0">
+                <a:solidFill>
+                  <a:srgbClr val="2A00FF"/>
+                </a:solidFill>
+                <a:latin typeface="Courier New"/>
+              </a:rPr>
+              <a:t>A Users repository"</a:t>
+            </a:r>
+            <a:r>
+              <a:rPr lang="en-US" sz="2800" dirty="0" smtClean="0">
+                <a:latin typeface="Courier New"/>
+              </a:rPr>
+              <a:t> can </a:t>
+            </a:r>
+            <a:r>
+              <a:rPr lang="en-US" sz="2800" dirty="0" smtClean="0">
+                <a:latin typeface="Courier New"/>
+              </a:rPr>
+              <a:t>{ </a:t>
+            </a:r>
+            <a:r>
+              <a:rPr lang="en-US" sz="2800" dirty="0" smtClean="0">
+                <a:solidFill>
+                  <a:srgbClr val="3F7F5F"/>
+                </a:solidFill>
+                <a:latin typeface="Courier New"/>
+              </a:rPr>
+              <a:t>/*...*/ </a:t>
+            </a:r>
+            <a:r>
+              <a:rPr lang="en-US" sz="2800" dirty="0" smtClean="0">
+                <a:latin typeface="Courier New"/>
+              </a:rPr>
+              <a:t>}</a:t>
+            </a:r>
+            <a:endParaRPr lang="en-US" sz="2800" dirty="0" smtClean="0">
+              <a:latin typeface="Courier New"/>
+            </a:endParaRPr>
+          </a:p>
+          <a:p>
+            <a:r>
+              <a:rPr lang="en-US" sz="2800" dirty="0" smtClean="0">
+                <a:latin typeface="Courier New"/>
+              </a:rPr>
+              <a:t>}</a:t>
+            </a:r>
+            <a:endParaRPr lang="en-US" sz="2800" b="1" dirty="0" smtClean="0">
+              <a:solidFill>
+                <a:srgbClr val="7F0055"/>
+              </a:solidFill>
+              <a:latin typeface="Courier New"/>
+            </a:endParaRPr>
+          </a:p>
+        </p:txBody>
+      </p:sp>
+      <p:sp>
+        <p:nvSpPr>
+          <p:cNvPr id="14" name="Rectangle 13"/>
+          <p:cNvSpPr/>
+          <p:nvPr/>
+        </p:nvSpPr>
+        <p:spPr>
+          <a:xfrm>
+            <a:off x="5156245" y="1447800"/>
+            <a:ext cx="2260555" cy="923330"/>
+          </a:xfrm>
+          <a:prstGeom prst="rect">
+            <a:avLst/>
+          </a:prstGeom>
+        </p:spPr>
+        <p:txBody>
+          <a:bodyPr wrap="none">
+            <a:spAutoFit/>
+          </a:bodyPr>
+          <a:lstStyle/>
+          <a:p>
+            <a:pPr algn="ctr"/>
+            <a:r>
+              <a:rPr lang="en-US" sz="5400" b="1" kern="0" dirty="0" smtClean="0">
+                <a:solidFill>
+                  <a:srgbClr val="0C0F20"/>
+                </a:solidFill>
+                <a:latin typeface="Lucida Handwriting" pitchFamily="66" charset="0"/>
+                <a:cs typeface="+mj-cs"/>
+                <a:sym typeface="Arial" charset="0"/>
+              </a:rPr>
+              <a:t>apply</a:t>
+            </a:r>
+            <a:endParaRPr lang="en-US" dirty="0"/>
+          </a:p>
+        </p:txBody>
+      </p:sp>
       <p:pic>
         <p:nvPicPr>
-          <p:cNvPr id="9" name="Picture 6" descr="magic, wizard icon"/>
+          <p:cNvPr id="15" name="Picture 2" descr="toolbox icon"/>
           <p:cNvPicPr>
             <a:picLocks noChangeAspect="1" noChangeArrowheads="1"/>
           </p:cNvPicPr>
@@ -27940,8 +28577,8 @@
         </p:blipFill>
         <p:spPr bwMode="auto">
           <a:xfrm>
-            <a:off x="635000" y="1143000"/>
-            <a:ext cx="1295400" cy="1295401"/>
+            <a:off x="558800" y="1066800"/>
+            <a:ext cx="1676400" cy="1676401"/>
           </a:xfrm>
           <a:prstGeom prst="rect">
             <a:avLst/>
@@ -27951,14 +28588,769 @@
       </p:pic>
       <p:sp>
         <p:nvSpPr>
-          <p:cNvPr id="10" name="Rectangle 9"/>
+          <p:cNvPr id="7" name="Rectangle 1"/>
+          <p:cNvSpPr txBox="1">
+            <a:spLocks noChangeArrowheads="1"/>
+          </p:cNvSpPr>
+          <p:nvPr/>
+        </p:nvSpPr>
+        <p:spPr bwMode="auto">
+          <a:xfrm>
+            <a:off x="3302000" y="7696200"/>
+            <a:ext cx="9067800" cy="685800"/>
+          </a:xfrm>
+          <a:prstGeom prst="rect">
+            <a:avLst/>
+          </a:prstGeom>
+          <a:solidFill>
+            <a:schemeClr val="bg1"/>
+          </a:solidFill>
+          <a:ln w="12700">
+            <a:noFill/>
+            <a:miter lim="800000"/>
+            <a:headEnd/>
+            <a:tailEnd/>
+          </a:ln>
+          <a:effectLst/>
+        </p:spPr>
+        <p:txBody>
+          <a:bodyPr vert="horz" wrap="square" lIns="50800" tIns="50800" rIns="50800" bIns="50800" numCol="1" anchor="ctr" anchorCtr="0" compatLnSpc="1">
+            <a:prstTxWarp prst="textNoShape">
+              <a:avLst/>
+            </a:prstTxWarp>
+          </a:bodyPr>
+          <a:lstStyle/>
+          <a:p>
+            <a:pPr lvl="0"/>
+            <a:r>
+              <a:rPr lang="en-US" sz="4400" b="1" kern="0" dirty="0" err="1" smtClean="0">
+                <a:solidFill>
+                  <a:srgbClr val="FF0000"/>
+                </a:solidFill>
+                <a:latin typeface="Candara" pitchFamily="34" charset="0"/>
+                <a:ea typeface="+mj-ea"/>
+                <a:cs typeface="+mj-cs"/>
+                <a:sym typeface="Wingdings"/>
+              </a:rPr>
+              <a:t>object.apply</a:t>
+            </a:r>
+            <a:r>
+              <a:rPr lang="en-US" sz="4400" b="1" kern="0" dirty="0" smtClean="0">
+                <a:solidFill>
+                  <a:srgbClr val="FF0000"/>
+                </a:solidFill>
+                <a:latin typeface="Candara" pitchFamily="34" charset="0"/>
+                <a:ea typeface="+mj-ea"/>
+                <a:cs typeface="+mj-cs"/>
+                <a:sym typeface="Wingdings"/>
+              </a:rPr>
+              <a:t>(object)  verb(object)</a:t>
+            </a:r>
+            <a:endParaRPr kumimoji="0" lang="en-US" sz="4400" b="1" i="0" u="none" strike="noStrike" kern="0" cap="none" spc="0" normalizeH="0" baseline="0" noProof="0" dirty="0">
+              <a:ln>
+                <a:noFill/>
+              </a:ln>
+              <a:solidFill>
+                <a:srgbClr val="E75145"/>
+              </a:solidFill>
+              <a:effectLst/>
+              <a:uLnTx/>
+              <a:uFillTx/>
+              <a:latin typeface="Candara" pitchFamily="34" charset="0"/>
+              <a:ea typeface="+mj-ea"/>
+              <a:cs typeface="+mj-cs"/>
+              <a:sym typeface="Arial" charset="0"/>
+            </a:endParaRPr>
+          </a:p>
+        </p:txBody>
+      </p:sp>
+    </p:spTree>
+  </p:cSld>
+  <p:clrMapOvr>
+    <a:masterClrMapping/>
+  </p:clrMapOvr>
+  <p:transition>
+    <p:fade/>
+  </p:transition>
+  <p:timing>
+    <p:tnLst>
+      <p:par>
+        <p:cTn id="1" dur="indefinite" restart="never" nodeType="tmRoot">
+          <p:childTnLst>
+            <p:seq concurrent="1" nextAc="seek">
+              <p:cTn id="2" dur="indefinite" nodeType="mainSeq">
+                <p:childTnLst>
+                  <p:par>
+                    <p:cTn id="3" fill="hold">
+                      <p:stCondLst>
+                        <p:cond delay="indefinite"/>
+                        <p:cond evt="onBegin" delay="0">
+                          <p:tn val="2"/>
+                        </p:cond>
+                      </p:stCondLst>
+                      <p:childTnLst>
+                        <p:par>
+                          <p:cTn id="4" fill="hold">
+                            <p:stCondLst>
+                              <p:cond delay="0"/>
+                            </p:stCondLst>
+                            <p:childTnLst>
+                              <p:par>
+                                <p:cTn id="5" presetID="1" presetClass="entr" presetSubtype="0" fill="hold" nodeType="withEffect">
+                                  <p:stCondLst>
+                                    <p:cond delay="0"/>
+                                  </p:stCondLst>
+                                  <p:childTnLst>
+                                    <p:set>
+                                      <p:cBhvr>
+                                        <p:cTn id="6" dur="1" fill="hold">
+                                          <p:stCondLst>
+                                            <p:cond delay="0"/>
+                                          </p:stCondLst>
+                                        </p:cTn>
+                                        <p:tgtEl>
+                                          <p:spTgt spid="8"/>
+                                        </p:tgtEl>
+                                        <p:attrNameLst>
+                                          <p:attrName>style.visibility</p:attrName>
+                                        </p:attrNameLst>
+                                      </p:cBhvr>
+                                      <p:to>
+                                        <p:strVal val="visible"/>
+                                      </p:to>
+                                    </p:set>
+                                  </p:childTnLst>
+                                </p:cTn>
+                              </p:par>
+                            </p:childTnLst>
+                          </p:cTn>
+                        </p:par>
+                      </p:childTnLst>
+                    </p:cTn>
+                  </p:par>
+                </p:childTnLst>
+              </p:cTn>
+              <p:prevCondLst>
+                <p:cond evt="onPrev" delay="0">
+                  <p:tgtEl>
+                    <p:sldTgt/>
+                  </p:tgtEl>
+                </p:cond>
+              </p:prevCondLst>
+              <p:nextCondLst>
+                <p:cond evt="onNext" delay="0">
+                  <p:tgtEl>
+                    <p:sldTgt/>
+                  </p:tgtEl>
+                </p:cond>
+              </p:nextCondLst>
+            </p:seq>
+          </p:childTnLst>
+        </p:cTn>
+      </p:par>
+    </p:tnLst>
+  </p:timing>
+</p:sld>
+</file>
+
+<file path=ppt/slides/slide47.xml><?xml version="1.0" encoding="utf-8"?>
+<p:sld xmlns:a="http://schemas.openxmlformats.org/drawingml/2006/main" xmlns:r="http://schemas.openxmlformats.org/officeDocument/2006/relationships" xmlns:p="http://schemas.openxmlformats.org/presentationml/2006/main">
+  <p:cSld>
+    <p:spTree>
+      <p:nvGrpSpPr>
+        <p:cNvPr id="1" name=""/>
+        <p:cNvGrpSpPr/>
+        <p:nvPr/>
+      </p:nvGrpSpPr>
+      <p:grpSpPr>
+        <a:xfrm>
+          <a:off x="0" y="0"/>
+          <a:ext cx="0" cy="0"/>
+          <a:chOff x="0" y="0"/>
+          <a:chExt cx="0" cy="0"/>
+        </a:xfrm>
+      </p:grpSpPr>
+      <p:sp>
+        <p:nvSpPr>
+          <p:cNvPr id="8193" name="Rectangle 1"/>
+          <p:cNvSpPr>
+            <a:spLocks noGrp="1" noChangeArrowheads="1"/>
+          </p:cNvSpPr>
+          <p:nvPr>
+            <p:ph type="title"/>
+          </p:nvPr>
+        </p:nvSpPr>
+        <p:spPr>
+          <a:xfrm>
+            <a:off x="711200" y="0"/>
+            <a:ext cx="12509500" cy="914400"/>
+          </a:xfrm>
+          <a:ln/>
+        </p:spPr>
+        <p:txBody>
+          <a:bodyPr/>
+          <a:lstStyle/>
+          <a:p>
+            <a:pPr lvl="0"/>
+            <a:r>
+              <a:rPr lang="en-US" sz="5400" dirty="0" smtClean="0">
+                <a:latin typeface="Lucida Handwriting" pitchFamily="66" charset="0"/>
+              </a:rPr>
+              <a:t>     </a:t>
+            </a:r>
+            <a:r>
+              <a:rPr lang="en-US" sz="5400" dirty="0" smtClean="0">
+                <a:latin typeface="Lucida Handwriting" pitchFamily="66" charset="0"/>
+              </a:rPr>
+              <a:t>DSL</a:t>
+            </a:r>
+            <a:endParaRPr lang="en-US" dirty="0"/>
+          </a:p>
+        </p:txBody>
+      </p:sp>
+      <p:pic>
+        <p:nvPicPr>
+          <p:cNvPr id="8" name="Picture 10" descr="http://knowledgehub.zeus.com/media/Scala_Logo2008.png"/>
+          <p:cNvPicPr>
+            <a:picLocks noChangeAspect="1" noChangeArrowheads="1"/>
+          </p:cNvPicPr>
+          <p:nvPr/>
+        </p:nvPicPr>
+        <p:blipFill>
+          <a:blip r:embed="rId3"/>
+          <a:srcRect/>
+          <a:stretch>
+            <a:fillRect/>
+          </a:stretch>
+        </p:blipFill>
+        <p:spPr bwMode="auto">
+          <a:xfrm>
+            <a:off x="4140200" y="76200"/>
+            <a:ext cx="2279542" cy="679257"/>
+          </a:xfrm>
+          <a:prstGeom prst="rect">
+            <a:avLst/>
+          </a:prstGeom>
+          <a:noFill/>
+        </p:spPr>
+      </p:pic>
+      <p:sp>
+        <p:nvSpPr>
+          <p:cNvPr id="11" name="Rectangle 10"/>
           <p:cNvSpPr/>
           <p:nvPr/>
         </p:nvSpPr>
         <p:spPr>
           <a:xfrm>
-            <a:off x="7416800" y="914400"/>
-            <a:ext cx="3562193" cy="1754326"/>
+            <a:off x="330200" y="2819400"/>
+            <a:ext cx="12344400" cy="5632311"/>
+          </a:xfrm>
+          <a:prstGeom prst="rect">
+            <a:avLst/>
+          </a:prstGeom>
+          <a:ln>
+            <a:solidFill>
+              <a:schemeClr val="tx1"/>
+            </a:solidFill>
+            <a:prstDash val="dash"/>
+          </a:ln>
+        </p:spPr>
+        <p:txBody>
+          <a:bodyPr wrap="square">
+            <a:spAutoFit/>
+          </a:bodyPr>
+          <a:lstStyle/>
+          <a:p>
+            <a:r>
+              <a:rPr lang="en-US" sz="2800" dirty="0" smtClean="0">
+                <a:solidFill>
+                  <a:srgbClr val="3F5FBF"/>
+                </a:solidFill>
+                <a:latin typeface="Courier New"/>
+              </a:rPr>
+              <a:t>/**</a:t>
+            </a:r>
+          </a:p>
+          <a:p>
+            <a:r>
+              <a:rPr lang="en-US" sz="2800" dirty="0" smtClean="0">
+                <a:solidFill>
+                  <a:srgbClr val="3F5FBF"/>
+                </a:solidFill>
+                <a:latin typeface="Courier New"/>
+              </a:rPr>
+              <a:t> </a:t>
+            </a:r>
+            <a:r>
+              <a:rPr lang="en-US" sz="2800" dirty="0" smtClean="0">
+                <a:solidFill>
+                  <a:srgbClr val="3F5FBF"/>
+                </a:solidFill>
+                <a:latin typeface="Courier New"/>
+              </a:rPr>
+              <a:t>* </a:t>
+            </a:r>
+            <a:r>
+              <a:rPr lang="en-US" sz="2800" dirty="0" smtClean="0">
+                <a:solidFill>
+                  <a:srgbClr val="3F5FBF"/>
+                </a:solidFill>
+                <a:latin typeface="Courier New"/>
+              </a:rPr>
+              <a:t>default parameters. </a:t>
+            </a:r>
+            <a:endParaRPr lang="en-US" sz="2800" dirty="0" smtClean="0">
+              <a:solidFill>
+                <a:srgbClr val="3F5FBF"/>
+              </a:solidFill>
+              <a:latin typeface="Courier New"/>
+            </a:endParaRPr>
+          </a:p>
+          <a:p>
+            <a:r>
+              <a:rPr lang="en-US" sz="2800" dirty="0" smtClean="0">
+                <a:solidFill>
+                  <a:srgbClr val="3F5FBF"/>
+                </a:solidFill>
+                <a:latin typeface="Courier New"/>
+              </a:rPr>
+              <a:t> </a:t>
+            </a:r>
+            <a:r>
+              <a:rPr lang="en-US" sz="2800" dirty="0" smtClean="0">
+                <a:solidFill>
+                  <a:srgbClr val="3F5FBF"/>
+                </a:solidFill>
+                <a:latin typeface="Courier New"/>
+              </a:rPr>
+              <a:t>* Uses </a:t>
+            </a:r>
+            <a:r>
+              <a:rPr lang="en-US" sz="2800" dirty="0" err="1" smtClean="0">
+                <a:solidFill>
+                  <a:srgbClr val="3F5FBF"/>
+                </a:solidFill>
+                <a:latin typeface="Courier New"/>
+              </a:rPr>
+              <a:t>ScalaCheck</a:t>
+            </a:r>
+            <a:r>
+              <a:rPr lang="en-US" sz="2800" dirty="0" smtClean="0">
+                <a:solidFill>
+                  <a:srgbClr val="3F5FBF"/>
+                </a:solidFill>
+                <a:latin typeface="Courier New"/>
+              </a:rPr>
+              <a:t> default values and doesn't print </a:t>
+            </a:r>
+            <a:r>
+              <a:rPr lang="en-US" sz="2800" dirty="0" smtClean="0">
+                <a:solidFill>
+                  <a:srgbClr val="3F5FBF"/>
+                </a:solidFill>
+                <a:latin typeface="Courier New"/>
+              </a:rPr>
+              <a:t> </a:t>
+            </a:r>
+          </a:p>
+          <a:p>
+            <a:r>
+              <a:rPr lang="en-US" sz="2800" dirty="0" smtClean="0">
+                <a:solidFill>
+                  <a:srgbClr val="3F5FBF"/>
+                </a:solidFill>
+                <a:latin typeface="Courier New"/>
+              </a:rPr>
+              <a:t> </a:t>
+            </a:r>
+            <a:r>
+              <a:rPr lang="en-US" sz="2800" dirty="0" smtClean="0">
+                <a:solidFill>
+                  <a:srgbClr val="3F5FBF"/>
+                </a:solidFill>
+                <a:latin typeface="Courier New"/>
+              </a:rPr>
+              <a:t>* anything </a:t>
+            </a:r>
+            <a:r>
+              <a:rPr lang="en-US" sz="2800" dirty="0" smtClean="0">
+                <a:solidFill>
+                  <a:srgbClr val="3F5FBF"/>
+                </a:solidFill>
+                <a:latin typeface="Courier New"/>
+              </a:rPr>
+              <a:t>to the console</a:t>
+            </a:r>
+          </a:p>
+          <a:p>
+            <a:r>
+              <a:rPr lang="en-US" sz="2800" dirty="0" smtClean="0">
+                <a:solidFill>
+                  <a:srgbClr val="3F5FBF"/>
+                </a:solidFill>
+                <a:latin typeface="Courier New"/>
+              </a:rPr>
+              <a:t> </a:t>
+            </a:r>
+            <a:r>
+              <a:rPr lang="en-US" sz="2800" dirty="0" smtClean="0">
+                <a:solidFill>
+                  <a:srgbClr val="3F5FBF"/>
+                </a:solidFill>
+                <a:latin typeface="Courier New"/>
+              </a:rPr>
+              <a:t>*/</a:t>
+            </a:r>
+            <a:endParaRPr lang="en-US" sz="2800" dirty="0" smtClean="0">
+              <a:solidFill>
+                <a:srgbClr val="3F5FBF"/>
+              </a:solidFill>
+              <a:latin typeface="Courier New"/>
+            </a:endParaRPr>
+          </a:p>
+          <a:p>
+            <a:r>
+              <a:rPr lang="en-US" sz="2800" b="1" dirty="0" smtClean="0">
+                <a:solidFill>
+                  <a:srgbClr val="7F0055"/>
+                </a:solidFill>
+                <a:latin typeface="Courier New"/>
+              </a:rPr>
+              <a:t>implicit</a:t>
+            </a:r>
+            <a:r>
+              <a:rPr lang="en-US" sz="2800" b="1" dirty="0" smtClean="0">
+                <a:latin typeface="Courier New"/>
+              </a:rPr>
+              <a:t> </a:t>
+            </a:r>
+            <a:r>
+              <a:rPr lang="en-US" sz="2800" b="1" dirty="0" smtClean="0">
+                <a:solidFill>
+                  <a:srgbClr val="7F0055"/>
+                </a:solidFill>
+                <a:latin typeface="Courier New"/>
+              </a:rPr>
+              <a:t>def</a:t>
+            </a:r>
+            <a:r>
+              <a:rPr lang="en-US" sz="2800" b="1" dirty="0" smtClean="0">
+                <a:latin typeface="Courier New"/>
+              </a:rPr>
+              <a:t> </a:t>
+            </a:r>
+            <a:r>
+              <a:rPr lang="en-US" sz="2800" b="1" dirty="0" err="1" smtClean="0">
+                <a:latin typeface="Courier New"/>
+              </a:rPr>
+              <a:t>defaultParameters</a:t>
+            </a:r>
+            <a:r>
+              <a:rPr lang="en-US" sz="2800" b="1" dirty="0" smtClean="0">
+                <a:latin typeface="Courier New"/>
+              </a:rPr>
+              <a:t> = </a:t>
+            </a:r>
+            <a:r>
+              <a:rPr lang="en-US" sz="2800" b="1" dirty="0" smtClean="0">
+                <a:solidFill>
+                  <a:srgbClr val="7F0055"/>
+                </a:solidFill>
+                <a:latin typeface="Courier New"/>
+              </a:rPr>
+              <a:t>new</a:t>
+            </a:r>
+            <a:r>
+              <a:rPr lang="en-US" sz="2800" b="1" dirty="0" smtClean="0">
+                <a:latin typeface="Courier New"/>
+              </a:rPr>
+              <a:t> </a:t>
+            </a:r>
+            <a:r>
+              <a:rPr lang="en-US" sz="2800" b="1" dirty="0" smtClean="0">
+                <a:latin typeface="Courier New"/>
+              </a:rPr>
+              <a:t>Parameters()</a:t>
+            </a:r>
+            <a:endParaRPr lang="en-US" sz="2800" b="1" dirty="0" smtClean="0">
+              <a:solidFill>
+                <a:srgbClr val="7F0055"/>
+              </a:solidFill>
+              <a:latin typeface="Courier New"/>
+            </a:endParaRPr>
+          </a:p>
+          <a:p>
+            <a:r>
+              <a:rPr lang="en-US" sz="2800" b="1" dirty="0" smtClean="0">
+                <a:solidFill>
+                  <a:srgbClr val="7F0055"/>
+                </a:solidFill>
+                <a:latin typeface="Courier New"/>
+              </a:rPr>
+              <a:t>object</a:t>
+            </a:r>
+            <a:r>
+              <a:rPr lang="en-US" sz="2800" b="1" dirty="0" smtClean="0">
+                <a:latin typeface="Courier New"/>
+              </a:rPr>
+              <a:t> set </a:t>
+            </a:r>
+            <a:r>
+              <a:rPr lang="en-US" sz="2800" b="1" dirty="0" smtClean="0">
+                <a:solidFill>
+                  <a:srgbClr val="7F0055"/>
+                </a:solidFill>
+                <a:latin typeface="Courier New"/>
+              </a:rPr>
+              <a:t>extends</a:t>
+            </a:r>
+            <a:r>
+              <a:rPr lang="en-US" sz="2800" b="1" dirty="0" smtClean="0">
+                <a:latin typeface="Courier New"/>
+              </a:rPr>
+              <a:t> </a:t>
+            </a:r>
+            <a:r>
+              <a:rPr lang="en-US" sz="2800" b="1" dirty="0" smtClean="0">
+                <a:latin typeface="Courier New"/>
+              </a:rPr>
+              <a:t>Parameters </a:t>
+            </a:r>
+            <a:r>
+              <a:rPr lang="en-US" sz="2800" b="1" dirty="0" smtClean="0">
+                <a:latin typeface="Courier New"/>
+              </a:rPr>
+              <a:t>{</a:t>
+            </a:r>
+          </a:p>
+          <a:p>
+            <a:r>
+              <a:rPr lang="en-US" sz="2400" dirty="0" smtClean="0">
+                <a:latin typeface="Courier New"/>
+              </a:rPr>
+              <a:t>  </a:t>
+            </a:r>
+            <a:r>
+              <a:rPr lang="en-US" sz="2400" b="1" dirty="0" smtClean="0">
+                <a:solidFill>
+                  <a:srgbClr val="7F0055"/>
+                </a:solidFill>
+                <a:latin typeface="Courier New"/>
+              </a:rPr>
+              <a:t>def</a:t>
+            </a:r>
+            <a:r>
+              <a:rPr lang="en-US" sz="2400" b="1" dirty="0" smtClean="0">
+                <a:latin typeface="Courier New"/>
+              </a:rPr>
+              <a:t> apply(p</a:t>
+            </a:r>
+            <a:r>
+              <a:rPr lang="en-US" sz="2400" b="1" smtClean="0">
+                <a:latin typeface="Courier New"/>
+              </a:rPr>
+              <a:t>: </a:t>
+            </a:r>
+            <a:r>
+              <a:rPr lang="en-US" sz="2400" b="1" smtClean="0">
+                <a:latin typeface="Courier New"/>
+              </a:rPr>
+              <a:t>(Symbol</a:t>
+            </a:r>
+            <a:r>
+              <a:rPr lang="en-US" sz="2400" b="1" dirty="0" smtClean="0">
+                <a:latin typeface="Courier New"/>
+              </a:rPr>
+              <a:t>, </a:t>
+            </a:r>
+            <a:r>
+              <a:rPr lang="en-US" sz="2400" b="1" dirty="0" err="1" smtClean="0">
+                <a:solidFill>
+                  <a:srgbClr val="7F0055"/>
+                </a:solidFill>
+                <a:latin typeface="Courier New"/>
+              </a:rPr>
+              <a:t>Int</a:t>
+            </a:r>
+            <a:r>
+              <a:rPr lang="en-US" sz="2400" b="1" dirty="0" smtClean="0">
+                <a:latin typeface="Courier New"/>
+              </a:rPr>
+              <a:t>)*) = </a:t>
+            </a:r>
+            <a:r>
+              <a:rPr lang="en-US" sz="2400" b="1" dirty="0" smtClean="0">
+                <a:solidFill>
+                  <a:srgbClr val="7F0055"/>
+                </a:solidFill>
+                <a:latin typeface="Courier New"/>
+              </a:rPr>
+              <a:t>new</a:t>
+            </a:r>
+            <a:r>
+              <a:rPr lang="en-US" sz="2400" b="1" dirty="0" smtClean="0">
+                <a:latin typeface="Courier New"/>
+              </a:rPr>
+              <a:t> Parameters(</a:t>
+            </a:r>
+            <a:r>
+              <a:rPr lang="en-US" sz="2400" b="1" dirty="0" err="1" smtClean="0">
+                <a:latin typeface="Courier New"/>
+              </a:rPr>
+              <a:t>setParams</a:t>
+            </a:r>
+            <a:r>
+              <a:rPr lang="en-US" sz="2400" b="1" dirty="0" smtClean="0">
+                <a:latin typeface="Courier New"/>
+              </a:rPr>
+              <a:t>(p))</a:t>
+            </a:r>
+          </a:p>
+          <a:p>
+            <a:r>
+              <a:rPr lang="en-US" sz="2800" dirty="0" smtClean="0">
+                <a:latin typeface="Courier New"/>
+              </a:rPr>
+              <a:t>}</a:t>
+            </a:r>
+          </a:p>
+          <a:p>
+            <a:endParaRPr lang="en-US" sz="2800" dirty="0" smtClean="0">
+              <a:latin typeface="Courier New"/>
+            </a:endParaRPr>
+          </a:p>
+          <a:p>
+            <a:r>
+              <a:rPr lang="en-US" sz="2800" b="1" dirty="0" smtClean="0">
+                <a:solidFill>
+                  <a:srgbClr val="7F0055"/>
+                </a:solidFill>
+                <a:latin typeface="Courier New"/>
+              </a:rPr>
+              <a:t>def</a:t>
+            </a:r>
+            <a:r>
+              <a:rPr lang="en-US" sz="2800" b="1" dirty="0" smtClean="0">
+                <a:latin typeface="Courier New"/>
+              </a:rPr>
+              <a:t> </a:t>
+            </a:r>
+            <a:r>
+              <a:rPr lang="en-US" sz="2800" b="1" dirty="0" smtClean="0">
+                <a:latin typeface="Courier New"/>
+              </a:rPr>
+              <a:t>pass(</a:t>
+            </a:r>
+            <a:r>
+              <a:rPr lang="en-US" sz="2800" b="1" dirty="0" smtClean="0">
+                <a:solidFill>
+                  <a:srgbClr val="7F0055"/>
+                </a:solidFill>
+                <a:latin typeface="Courier New"/>
+              </a:rPr>
+              <a:t>implicit</a:t>
+            </a:r>
+            <a:r>
+              <a:rPr lang="en-US" sz="2800" b="1" dirty="0" smtClean="0">
+                <a:latin typeface="Courier New"/>
+              </a:rPr>
+              <a:t> </a:t>
+            </a:r>
+            <a:r>
+              <a:rPr lang="en-US" sz="2800" b="1" dirty="0" smtClean="0">
+                <a:latin typeface="Courier New"/>
+              </a:rPr>
+              <a:t>p: </a:t>
+            </a:r>
+            <a:r>
+              <a:rPr lang="en-US" sz="2800" b="1" dirty="0" smtClean="0">
+                <a:latin typeface="Courier New"/>
+              </a:rPr>
+              <a:t>Parameters) = </a:t>
+            </a:r>
+            <a:r>
+              <a:rPr lang="en-US" sz="2800" b="1" dirty="0" smtClean="0">
+                <a:solidFill>
+                  <a:srgbClr val="7F0055"/>
+                </a:solidFill>
+                <a:latin typeface="Courier New"/>
+              </a:rPr>
+              <a:t>new</a:t>
+            </a:r>
+            <a:r>
+              <a:rPr lang="en-US" sz="2800" b="1" dirty="0" smtClean="0">
+                <a:latin typeface="Courier New"/>
+              </a:rPr>
+              <a:t> </a:t>
+            </a:r>
+            <a:r>
+              <a:rPr lang="en-US" sz="2800" b="1" dirty="0" smtClean="0">
+                <a:latin typeface="Courier New"/>
+              </a:rPr>
+              <a:t>Matcher[Prop](){</a:t>
+            </a:r>
+          </a:p>
+          <a:p>
+            <a:r>
+              <a:rPr lang="en-US" sz="2800" b="1" dirty="0" smtClean="0">
+                <a:solidFill>
+                  <a:srgbClr val="7F0055"/>
+                </a:solidFill>
+                <a:latin typeface="Courier New"/>
+              </a:rPr>
+              <a:t>  def</a:t>
+            </a:r>
+            <a:r>
+              <a:rPr lang="en-US" sz="2800" b="1" dirty="0" smtClean="0">
+                <a:latin typeface="Courier New"/>
+              </a:rPr>
+              <a:t> apply(prop: </a:t>
+            </a:r>
+            <a:r>
+              <a:rPr lang="en-US" sz="2800" b="1" dirty="0" smtClean="0">
+                <a:latin typeface="Courier New"/>
+              </a:rPr>
+              <a:t>=&gt; Prop) = </a:t>
+            </a:r>
+            <a:r>
+              <a:rPr lang="en-US" sz="2800" b="1" dirty="0" err="1" smtClean="0">
+                <a:latin typeface="Courier New"/>
+              </a:rPr>
+              <a:t>checkProperty</a:t>
+            </a:r>
+            <a:r>
+              <a:rPr lang="en-US" sz="2800" b="1" dirty="0" smtClean="0">
+                <a:latin typeface="Courier New"/>
+              </a:rPr>
+              <a:t>(prop)(p)</a:t>
+            </a:r>
+            <a:endParaRPr lang="en-US" sz="2800" b="1" dirty="0" smtClean="0">
+              <a:latin typeface="Courier New"/>
+            </a:endParaRPr>
+          </a:p>
+          <a:p>
+            <a:r>
+              <a:rPr lang="en-US" sz="2800" dirty="0" smtClean="0">
+                <a:latin typeface="Courier New"/>
+              </a:rPr>
+              <a:t>}</a:t>
+            </a:r>
+            <a:endParaRPr lang="en-US" sz="2800" dirty="0" smtClean="0">
+              <a:latin typeface="Courier New"/>
+            </a:endParaRPr>
+          </a:p>
+        </p:txBody>
+      </p:sp>
+      <p:sp>
+        <p:nvSpPr>
+          <p:cNvPr id="14" name="Rectangle 13"/>
+          <p:cNvSpPr/>
+          <p:nvPr/>
+        </p:nvSpPr>
+        <p:spPr>
+          <a:xfrm>
+            <a:off x="4749800" y="1447800"/>
+            <a:ext cx="6732933" cy="923330"/>
           </a:xfrm>
           <a:prstGeom prst="rect">
             <a:avLst/>
@@ -27974,21 +29366,18 @@
             <a:r>
               <a:rPr lang="en-US" sz="5400" b="1" kern="0" dirty="0" smtClean="0">
                 <a:solidFill>
-                  <a:srgbClr val="00CC66"/>
+                  <a:srgbClr val="0C0F20"/>
                 </a:solidFill>
                 <a:latin typeface="Lucida Handwriting" pitchFamily="66" charset="0"/>
                 <a:cs typeface="+mj-cs"/>
                 <a:sym typeface="Arial" charset="0"/>
               </a:rPr>
-              <a:t>Implicit </a:t>
-            </a:r>
-          </a:p>
-          <a:p>
-            <a:pPr algn="ctr"/>
+              <a:t>Implicit  </a:t>
+            </a:r>
             <a:r>
               <a:rPr lang="en-US" sz="5400" b="1" kern="0" dirty="0" err="1" smtClean="0">
                 <a:solidFill>
-                  <a:srgbClr val="00CC66"/>
+                  <a:srgbClr val="0C0F20"/>
                 </a:solidFill>
                 <a:latin typeface="Lucida Handwriting" pitchFamily="66" charset="0"/>
                 <a:cs typeface="+mj-cs"/>
@@ -27996,24 +29385,539 @@
               </a:rPr>
               <a:t>params</a:t>
             </a:r>
-            <a:endParaRPr lang="en-US" dirty="0">
-              <a:solidFill>
-                <a:srgbClr val="00CC66"/>
-              </a:solidFill>
-            </a:endParaRPr>
+            <a:endParaRPr lang="en-US" dirty="0"/>
           </a:p>
         </p:txBody>
       </p:sp>
-      <p:sp>
-        <p:nvSpPr>
-          <p:cNvPr id="12" name="Rectangle 11"/>
+      <p:pic>
+        <p:nvPicPr>
+          <p:cNvPr id="15" name="Picture 2" descr="toolbox icon"/>
+          <p:cNvPicPr>
+            <a:picLocks noChangeAspect="1" noChangeArrowheads="1"/>
+          </p:cNvPicPr>
+          <p:nvPr/>
+        </p:nvPicPr>
+        <p:blipFill>
+          <a:blip r:embed="rId4"/>
+          <a:srcRect/>
+          <a:stretch>
+            <a:fillRect/>
+          </a:stretch>
+        </p:blipFill>
+        <p:spPr bwMode="auto">
+          <a:xfrm>
+            <a:off x="558800" y="1066800"/>
+            <a:ext cx="1676400" cy="1676401"/>
+          </a:xfrm>
+          <a:prstGeom prst="rect">
+            <a:avLst/>
+          </a:prstGeom>
+          <a:noFill/>
+        </p:spPr>
+      </p:pic>
+    </p:spTree>
+  </p:cSld>
+  <p:clrMapOvr>
+    <a:masterClrMapping/>
+  </p:clrMapOvr>
+  <p:transition>
+    <p:fade/>
+  </p:transition>
+  <p:timing>
+    <p:tnLst>
+      <p:par>
+        <p:cTn id="1" dur="indefinite" restart="never" nodeType="tmRoot">
+          <p:childTnLst>
+            <p:seq concurrent="1" nextAc="seek">
+              <p:cTn id="2" dur="indefinite" nodeType="mainSeq">
+                <p:childTnLst>
+                  <p:par>
+                    <p:cTn id="3" fill="hold">
+                      <p:stCondLst>
+                        <p:cond delay="indefinite"/>
+                        <p:cond evt="onBegin" delay="0">
+                          <p:tn val="2"/>
+                        </p:cond>
+                      </p:stCondLst>
+                      <p:childTnLst>
+                        <p:par>
+                          <p:cTn id="4" fill="hold">
+                            <p:stCondLst>
+                              <p:cond delay="0"/>
+                            </p:stCondLst>
+                            <p:childTnLst>
+                              <p:par>
+                                <p:cTn id="5" presetID="1" presetClass="entr" presetSubtype="0" fill="hold" nodeType="withEffect">
+                                  <p:stCondLst>
+                                    <p:cond delay="0"/>
+                                  </p:stCondLst>
+                                  <p:childTnLst>
+                                    <p:set>
+                                      <p:cBhvr>
+                                        <p:cTn id="6" dur="1" fill="hold">
+                                          <p:stCondLst>
+                                            <p:cond delay="0"/>
+                                          </p:stCondLst>
+                                        </p:cTn>
+                                        <p:tgtEl>
+                                          <p:spTgt spid="8"/>
+                                        </p:tgtEl>
+                                        <p:attrNameLst>
+                                          <p:attrName>style.visibility</p:attrName>
+                                        </p:attrNameLst>
+                                      </p:cBhvr>
+                                      <p:to>
+                                        <p:strVal val="visible"/>
+                                      </p:to>
+                                    </p:set>
+                                  </p:childTnLst>
+                                </p:cTn>
+                              </p:par>
+                            </p:childTnLst>
+                          </p:cTn>
+                        </p:par>
+                      </p:childTnLst>
+                    </p:cTn>
+                  </p:par>
+                </p:childTnLst>
+              </p:cTn>
+              <p:prevCondLst>
+                <p:cond evt="onPrev" delay="0">
+                  <p:tgtEl>
+                    <p:sldTgt/>
+                  </p:tgtEl>
+                </p:cond>
+              </p:prevCondLst>
+              <p:nextCondLst>
+                <p:cond evt="onNext" delay="0">
+                  <p:tgtEl>
+                    <p:sldTgt/>
+                  </p:tgtEl>
+                </p:cond>
+              </p:nextCondLst>
+            </p:seq>
+          </p:childTnLst>
+        </p:cTn>
+      </p:par>
+    </p:tnLst>
+  </p:timing>
+</p:sld>
+</file>
+
+<file path=ppt/slides/slide48.xml><?xml version="1.0" encoding="utf-8"?>
+<p:sld xmlns:a="http://schemas.openxmlformats.org/drawingml/2006/main" xmlns:r="http://schemas.openxmlformats.org/officeDocument/2006/relationships" xmlns:p="http://schemas.openxmlformats.org/presentationml/2006/main">
+  <p:cSld>
+    <p:spTree>
+      <p:nvGrpSpPr>
+        <p:cNvPr id="1" name=""/>
+        <p:cNvGrpSpPr/>
+        <p:nvPr/>
+      </p:nvGrpSpPr>
+      <p:grpSpPr>
+        <a:xfrm>
+          <a:off x="0" y="0"/>
+          <a:ext cx="0" cy="0"/>
+          <a:chOff x="0" y="0"/>
+          <a:chExt cx="0" cy="0"/>
+        </a:xfrm>
+      </p:grpSpPr>
+      <p:sp>
+        <p:nvSpPr>
+          <p:cNvPr id="8193" name="Rectangle 1"/>
+          <p:cNvSpPr>
+            <a:spLocks noGrp="1" noChangeArrowheads="1"/>
+          </p:cNvSpPr>
+          <p:nvPr>
+            <p:ph type="title"/>
+          </p:nvPr>
+        </p:nvSpPr>
+        <p:spPr>
+          <a:xfrm>
+            <a:off x="711200" y="0"/>
+            <a:ext cx="12509500" cy="914400"/>
+          </a:xfrm>
+          <a:ln/>
+        </p:spPr>
+        <p:txBody>
+          <a:bodyPr/>
+          <a:lstStyle/>
+          <a:p>
+            <a:pPr lvl="0"/>
+            <a:r>
+              <a:rPr lang="en-US" sz="5400" dirty="0" smtClean="0">
+                <a:latin typeface="Lucida Handwriting" pitchFamily="66" charset="0"/>
+              </a:rPr>
+              <a:t>     </a:t>
+            </a:r>
+            <a:r>
+              <a:rPr lang="en-US" sz="5400" dirty="0" smtClean="0">
+                <a:latin typeface="Lucida Handwriting" pitchFamily="66" charset="0"/>
+              </a:rPr>
+              <a:t>DSL</a:t>
+            </a:r>
+            <a:endParaRPr lang="en-US" dirty="0"/>
+          </a:p>
+        </p:txBody>
+      </p:sp>
+      <p:pic>
+        <p:nvPicPr>
+          <p:cNvPr id="8" name="Picture 10" descr="http://knowledgehub.zeus.com/media/Scala_Logo2008.png"/>
+          <p:cNvPicPr>
+            <a:picLocks noChangeAspect="1" noChangeArrowheads="1"/>
+          </p:cNvPicPr>
+          <p:nvPr/>
+        </p:nvPicPr>
+        <p:blipFill>
+          <a:blip r:embed="rId3"/>
+          <a:srcRect/>
+          <a:stretch>
+            <a:fillRect/>
+          </a:stretch>
+        </p:blipFill>
+        <p:spPr bwMode="auto">
+          <a:xfrm>
+            <a:off x="4140200" y="76200"/>
+            <a:ext cx="2279542" cy="679257"/>
+          </a:xfrm>
+          <a:prstGeom prst="rect">
+            <a:avLst/>
+          </a:prstGeom>
+          <a:noFill/>
+        </p:spPr>
+      </p:pic>
+      <p:sp>
+        <p:nvSpPr>
+          <p:cNvPr id="11" name="Rectangle 10"/>
           <p:cNvSpPr/>
           <p:nvPr/>
         </p:nvSpPr>
         <p:spPr>
           <a:xfrm>
-            <a:off x="2387600" y="1600200"/>
-            <a:ext cx="2260555" cy="923330"/>
+            <a:off x="330200" y="2819400"/>
+            <a:ext cx="12344400" cy="4832092"/>
+          </a:xfrm>
+          <a:prstGeom prst="rect">
+            <a:avLst/>
+          </a:prstGeom>
+          <a:ln>
+            <a:solidFill>
+              <a:schemeClr val="tx1"/>
+            </a:solidFill>
+            <a:prstDash val="dash"/>
+          </a:ln>
+        </p:spPr>
+        <p:txBody>
+          <a:bodyPr wrap="square">
+            <a:spAutoFit/>
+          </a:bodyPr>
+          <a:lstStyle/>
+          <a:p>
+            <a:r>
+              <a:rPr lang="en-US" sz="2800" b="1" dirty="0" err="1" smtClean="0">
+                <a:solidFill>
+                  <a:srgbClr val="7F0055"/>
+                </a:solidFill>
+                <a:latin typeface="Courier New"/>
+              </a:rPr>
+              <a:t>val</a:t>
+            </a:r>
+            <a:r>
+              <a:rPr lang="en-US" sz="2800" b="1" dirty="0" smtClean="0">
+                <a:latin typeface="Courier New"/>
+              </a:rPr>
+              <a:t> prop = </a:t>
+            </a:r>
+            <a:r>
+              <a:rPr lang="en-US" sz="2800" b="1" dirty="0" err="1" smtClean="0">
+                <a:latin typeface="Courier New"/>
+              </a:rPr>
+              <a:t>forAll</a:t>
+            </a:r>
+            <a:r>
+              <a:rPr lang="en-US" sz="2800" b="1" dirty="0" smtClean="0">
+                <a:latin typeface="Courier New"/>
+              </a:rPr>
+              <a:t> { </a:t>
+            </a:r>
+            <a:r>
+              <a:rPr lang="en-US" sz="2800" b="1" dirty="0" smtClean="0">
+                <a:latin typeface="Courier New"/>
+              </a:rPr>
+              <a:t>(s: String) =&gt; reverse(reverse(s)) </a:t>
+            </a:r>
+            <a:endParaRPr lang="en-US" sz="2800" b="1" dirty="0" smtClean="0">
+              <a:latin typeface="Courier New"/>
+            </a:endParaRPr>
+          </a:p>
+          <a:p>
+            <a:r>
+              <a:rPr lang="en-US" sz="2800" b="1" dirty="0" smtClean="0">
+                <a:latin typeface="Courier New"/>
+              </a:rPr>
+              <a:t> </a:t>
+            </a:r>
+            <a:r>
+              <a:rPr lang="en-US" sz="2800" b="1" dirty="0" smtClean="0">
+                <a:latin typeface="Courier New"/>
+              </a:rPr>
+              <a:t>                                  == </a:t>
+            </a:r>
+            <a:r>
+              <a:rPr lang="en-US" sz="2800" b="1" dirty="0" smtClean="0">
+                <a:latin typeface="Courier New"/>
+              </a:rPr>
+              <a:t>s } </a:t>
+            </a:r>
+          </a:p>
+          <a:p>
+            <a:r>
+              <a:rPr lang="en-US" sz="2800" dirty="0" smtClean="0">
+                <a:solidFill>
+                  <a:srgbClr val="2A00FF"/>
+                </a:solidFill>
+                <a:latin typeface="Courier New"/>
+              </a:rPr>
+              <a:t>"</a:t>
+            </a:r>
+            <a:r>
+              <a:rPr lang="en-US" sz="2800" dirty="0" smtClean="0">
+                <a:solidFill>
+                  <a:srgbClr val="2A00FF"/>
+                </a:solidFill>
+                <a:latin typeface="Courier New"/>
+              </a:rPr>
+              <a:t>The default configuration doesn't display anything"</a:t>
+            </a:r>
+            <a:r>
+              <a:rPr lang="en-US" sz="2800" dirty="0" smtClean="0">
+                <a:latin typeface="Courier New"/>
+              </a:rPr>
+              <a:t> in {</a:t>
+            </a:r>
+          </a:p>
+          <a:p>
+            <a:r>
+              <a:rPr lang="en-US" sz="2800" dirty="0" smtClean="0">
+                <a:latin typeface="Courier New"/>
+              </a:rPr>
+              <a:t>  prop </a:t>
+            </a:r>
+            <a:r>
+              <a:rPr lang="en-US" sz="2800" dirty="0" smtClean="0">
+                <a:latin typeface="Courier New"/>
+              </a:rPr>
+              <a:t>must pass</a:t>
+            </a:r>
+          </a:p>
+          <a:p>
+            <a:r>
+              <a:rPr lang="en-US" sz="2800" dirty="0" smtClean="0">
+                <a:latin typeface="Courier New"/>
+              </a:rPr>
+              <a:t>}</a:t>
+            </a:r>
+            <a:endParaRPr lang="en-US" sz="2800" dirty="0" smtClean="0">
+              <a:latin typeface="Courier New"/>
+            </a:endParaRPr>
+          </a:p>
+          <a:p>
+            <a:r>
+              <a:rPr lang="en-US" sz="2800" dirty="0" smtClean="0">
+                <a:solidFill>
+                  <a:srgbClr val="2A00FF"/>
+                </a:solidFill>
+                <a:latin typeface="Courier New"/>
+              </a:rPr>
+              <a:t>"</a:t>
+            </a:r>
+            <a:r>
+              <a:rPr lang="en-US" sz="2800" dirty="0" smtClean="0">
+                <a:solidFill>
+                  <a:srgbClr val="2A00FF"/>
+                </a:solidFill>
+                <a:latin typeface="Courier New"/>
+              </a:rPr>
+              <a:t>The default configuration can be </a:t>
+            </a:r>
+            <a:r>
+              <a:rPr lang="en-US" sz="2800" dirty="0" err="1" smtClean="0">
+                <a:solidFill>
+                  <a:srgbClr val="2A00FF"/>
+                </a:solidFill>
+                <a:latin typeface="Courier New"/>
+              </a:rPr>
+              <a:t>overriden</a:t>
+            </a:r>
+            <a:r>
+              <a:rPr lang="en-US" sz="2800" dirty="0" smtClean="0">
+                <a:solidFill>
+                  <a:srgbClr val="2A00FF"/>
+                </a:solidFill>
+                <a:latin typeface="Courier New"/>
+              </a:rPr>
+              <a:t>"</a:t>
+            </a:r>
+            <a:r>
+              <a:rPr lang="en-US" sz="2800" dirty="0" smtClean="0">
+                <a:latin typeface="Courier New"/>
+              </a:rPr>
+              <a:t> </a:t>
+            </a:r>
+            <a:r>
+              <a:rPr lang="en-US" sz="2800" dirty="0" smtClean="0">
+                <a:latin typeface="Courier New"/>
+              </a:rPr>
+              <a:t>in {</a:t>
+            </a:r>
+          </a:p>
+          <a:p>
+            <a:r>
+              <a:rPr lang="en-US" sz="2800" dirty="0" smtClean="0">
+                <a:latin typeface="Courier New"/>
+              </a:rPr>
+              <a:t>  prop </a:t>
+            </a:r>
+            <a:r>
+              <a:rPr lang="en-US" sz="2800" dirty="0" smtClean="0">
+                <a:latin typeface="Courier New"/>
+              </a:rPr>
+              <a:t>must pass(set(</a:t>
+            </a:r>
+            <a:r>
+              <a:rPr lang="en-US" sz="2800" dirty="0" err="1" smtClean="0">
+                <a:latin typeface="Courier New"/>
+              </a:rPr>
+              <a:t>minTestsOk</a:t>
+            </a:r>
+            <a:r>
+              <a:rPr lang="en-US" sz="2800" dirty="0" smtClean="0">
+                <a:latin typeface="Courier New"/>
+              </a:rPr>
+              <a:t> -&gt; 3))</a:t>
+            </a:r>
+          </a:p>
+          <a:p>
+            <a:r>
+              <a:rPr lang="en-US" sz="2800" dirty="0" smtClean="0">
+                <a:latin typeface="Courier New"/>
+              </a:rPr>
+              <a:t>}</a:t>
+            </a:r>
+            <a:endParaRPr lang="en-US" sz="2800" dirty="0" smtClean="0">
+              <a:latin typeface="Courier New"/>
+            </a:endParaRPr>
+          </a:p>
+          <a:p>
+            <a:r>
+              <a:rPr lang="en-US" sz="2800" dirty="0" smtClean="0">
+                <a:solidFill>
+                  <a:srgbClr val="2A00FF"/>
+                </a:solidFill>
+                <a:latin typeface="Courier New"/>
+              </a:rPr>
+              <a:t>"</a:t>
+            </a:r>
+            <a:r>
+              <a:rPr lang="en-US" sz="2800" dirty="0" smtClean="0">
+                <a:solidFill>
+                  <a:srgbClr val="2A00FF"/>
+                </a:solidFill>
+                <a:latin typeface="Courier New"/>
+              </a:rPr>
+              <a:t>The default configuration can be </a:t>
+            </a:r>
+            <a:r>
+              <a:rPr lang="en-US" sz="2800" dirty="0" err="1" smtClean="0">
+                <a:solidFill>
+                  <a:srgbClr val="2A00FF"/>
+                </a:solidFill>
+                <a:latin typeface="Courier New"/>
+              </a:rPr>
+              <a:t>overriden</a:t>
+            </a:r>
+            <a:r>
+              <a:rPr lang="en-US" sz="2800" dirty="0" smtClean="0">
+                <a:solidFill>
+                  <a:srgbClr val="2A00FF"/>
+                </a:solidFill>
+                <a:latin typeface="Courier New"/>
+              </a:rPr>
+              <a:t> </a:t>
+            </a:r>
+            <a:r>
+              <a:rPr lang="en-US" sz="2800" dirty="0" smtClean="0">
+                <a:solidFill>
+                  <a:srgbClr val="2A00FF"/>
+                </a:solidFill>
+                <a:latin typeface="Courier New"/>
+              </a:rPr>
+              <a:t>- 2"</a:t>
+            </a:r>
+            <a:r>
+              <a:rPr lang="en-US" sz="2800" dirty="0" smtClean="0">
+                <a:latin typeface="Courier New"/>
+              </a:rPr>
+              <a:t> </a:t>
+            </a:r>
+            <a:r>
+              <a:rPr lang="en-US" sz="2800" dirty="0" smtClean="0">
+                <a:latin typeface="Courier New"/>
+              </a:rPr>
+              <a:t>in {</a:t>
+            </a:r>
+          </a:p>
+          <a:p>
+            <a:r>
+              <a:rPr lang="en-US" sz="2800" dirty="0" smtClean="0">
+                <a:latin typeface="Courier New"/>
+              </a:rPr>
+              <a:t>  prop </a:t>
+            </a:r>
+            <a:r>
+              <a:rPr lang="en-US" sz="2800" dirty="0" smtClean="0">
+                <a:latin typeface="Courier New"/>
+              </a:rPr>
+              <a:t>must pass(display(</a:t>
+            </a:r>
+            <a:r>
+              <a:rPr lang="en-US" sz="2800" dirty="0" err="1" smtClean="0">
+                <a:latin typeface="Courier New"/>
+              </a:rPr>
+              <a:t>minTestsOk</a:t>
+            </a:r>
+            <a:r>
+              <a:rPr lang="en-US" sz="2800" dirty="0" smtClean="0">
+                <a:latin typeface="Courier New"/>
+              </a:rPr>
+              <a:t> -&gt; 3))</a:t>
+            </a:r>
+          </a:p>
+          <a:p>
+            <a:r>
+              <a:rPr lang="en-US" sz="2800" dirty="0" smtClean="0">
+                <a:latin typeface="Courier New"/>
+              </a:rPr>
+              <a:t>}</a:t>
+            </a:r>
+            <a:endParaRPr lang="en-US" sz="2800" b="1" dirty="0" smtClean="0">
+              <a:solidFill>
+                <a:srgbClr val="7F0055"/>
+              </a:solidFill>
+              <a:latin typeface="Courier New"/>
+            </a:endParaRPr>
+          </a:p>
+        </p:txBody>
+      </p:sp>
+      <p:sp>
+        <p:nvSpPr>
+          <p:cNvPr id="7" name="Rectangle 6"/>
+          <p:cNvSpPr/>
+          <p:nvPr/>
+        </p:nvSpPr>
+        <p:spPr>
+          <a:xfrm>
+            <a:off x="4872690" y="1286470"/>
+            <a:ext cx="5759910" cy="923330"/>
           </a:xfrm>
           <a:prstGeom prst="rect">
             <a:avLst/>
@@ -28035,16 +29939,37 @@
                 <a:cs typeface="+mj-cs"/>
                 <a:sym typeface="Arial" charset="0"/>
               </a:rPr>
-              <a:t>apply</a:t>
-            </a:r>
-            <a:endParaRPr lang="en-US" dirty="0">
-              <a:solidFill>
-                <a:srgbClr val="00CC66"/>
-              </a:solidFill>
-            </a:endParaRPr>
+              <a:t>configuration</a:t>
+            </a:r>
           </a:p>
         </p:txBody>
       </p:sp>
+      <p:pic>
+        <p:nvPicPr>
+          <p:cNvPr id="9" name="Picture 6" descr="film, film roll, media, picture, video icon"/>
+          <p:cNvPicPr>
+            <a:picLocks noChangeAspect="1" noChangeArrowheads="1"/>
+          </p:cNvPicPr>
+          <p:nvPr/>
+        </p:nvPicPr>
+        <p:blipFill>
+          <a:blip r:embed="rId4"/>
+          <a:srcRect b="25000"/>
+          <a:stretch>
+            <a:fillRect/>
+          </a:stretch>
+        </p:blipFill>
+        <p:spPr bwMode="auto">
+          <a:xfrm>
+            <a:off x="863600" y="1066800"/>
+            <a:ext cx="1828800" cy="1371600"/>
+          </a:xfrm>
+          <a:prstGeom prst="rect">
+            <a:avLst/>
+          </a:prstGeom>
+          <a:noFill/>
+        </p:spPr>
+      </p:pic>
     </p:spTree>
   </p:cSld>
   <p:clrMapOvr>

--- a/src/main/resources/oscon_2010_specs.pptx
+++ b/src/main/resources/oscon_2010_specs.pptx
@@ -20890,8 +20890,8 @@
         </p:nvSpPr>
         <p:spPr>
           <a:xfrm>
-            <a:off x="4693951" y="1143000"/>
-            <a:ext cx="3542958" cy="1200329"/>
+            <a:off x="4078171" y="1143000"/>
+            <a:ext cx="5396029" cy="1200329"/>
           </a:xfrm>
           <a:prstGeom prst="rect">
             <a:avLst/>
@@ -20913,7 +20913,7 @@
                 <a:cs typeface="+mj-cs"/>
                 <a:sym typeface="Arial" charset="0"/>
               </a:rPr>
-              <a:t>Add, add</a:t>
+              <a:t>Add, add, add</a:t>
             </a:r>
             <a:endParaRPr lang="en-US" sz="7200" dirty="0">
               <a:solidFill>
@@ -20941,7 +20941,7 @@
         </p:blipFill>
         <p:spPr bwMode="auto">
           <a:xfrm>
-            <a:off x="3454400" y="1295399"/>
+            <a:off x="2838620" y="1295399"/>
             <a:ext cx="990600" cy="990601"/>
           </a:xfrm>
           <a:prstGeom prst="rect">
@@ -24199,32 +24199,20 @@
               <a:t>*  </a:t>
             </a:r>
             <a:r>
-              <a:rPr lang="en-US" sz="3200" dirty="0" smtClean="0">
+              <a:rPr lang="en-US" sz="3200" b="1" dirty="0" smtClean="0">
                 <a:solidFill>
                   <a:srgbClr val="3F5FBF"/>
                 </a:solidFill>
                 <a:latin typeface="Courier New"/>
               </a:rPr>
-              <a:t>I want a </a:t>
-            </a:r>
-            <a:r>
-              <a:rPr lang="en-US" sz="3200" dirty="0" smtClean="0">
-                <a:solidFill>
-                  <a:srgbClr val="3F5FBF"/>
-                </a:solidFill>
-                <a:latin typeface="Courier New"/>
-              </a:rPr>
-              <a:t>pony </a:t>
-            </a:r>
-            <a:r>
-              <a:rPr lang="en-US" sz="3200" dirty="0" smtClean="0">
-                <a:solidFill>
-                  <a:srgbClr val="3F5FBF"/>
-                </a:solidFill>
-                <a:latin typeface="Courier New"/>
-              </a:rPr>
-              <a:t>??</a:t>
-            </a:r>
+              <a:t>I want a pony ??</a:t>
+            </a:r>
+            <a:endParaRPr lang="en-US" sz="3200" b="1" dirty="0" smtClean="0">
+              <a:solidFill>
+                <a:srgbClr val="3F5FBF"/>
+              </a:solidFill>
+              <a:latin typeface="Courier New"/>
+            </a:endParaRPr>
           </a:p>
           <a:p>
             <a:r>

--- a/src/main/resources/oscon_2010_specs.pptx
+++ b/src/main/resources/oscon_2010_specs.pptx
@@ -6,7 +6,7 @@
     <p:sldMasterId id="2147483651" r:id="rId2"/>
   </p:sldMasterIdLst>
   <p:notesMasterIdLst>
-    <p:notesMasterId r:id="rId63"/>
+    <p:notesMasterId r:id="rId64"/>
   </p:notesMasterIdLst>
   <p:sldIdLst>
     <p:sldId id="258" r:id="rId3"/>
@@ -56,19 +56,20 @@
     <p:sldId id="344" r:id="rId47"/>
     <p:sldId id="331" r:id="rId48"/>
     <p:sldId id="347" r:id="rId49"/>
-    <p:sldId id="337" r:id="rId50"/>
-    <p:sldId id="316" r:id="rId51"/>
-    <p:sldId id="317" r:id="rId52"/>
-    <p:sldId id="318" r:id="rId53"/>
-    <p:sldId id="297" r:id="rId54"/>
-    <p:sldId id="301" r:id="rId55"/>
-    <p:sldId id="302" r:id="rId56"/>
+    <p:sldId id="316" r:id="rId50"/>
+    <p:sldId id="317" r:id="rId51"/>
+    <p:sldId id="318" r:id="rId52"/>
+    <p:sldId id="297" r:id="rId53"/>
+    <p:sldId id="301" r:id="rId54"/>
+    <p:sldId id="302" r:id="rId55"/>
+    <p:sldId id="348" r:id="rId56"/>
     <p:sldId id="323" r:id="rId57"/>
-    <p:sldId id="342" r:id="rId58"/>
-    <p:sldId id="343" r:id="rId59"/>
-    <p:sldId id="338" r:id="rId60"/>
-    <p:sldId id="306" r:id="rId61"/>
-    <p:sldId id="309" r:id="rId62"/>
+    <p:sldId id="337" r:id="rId58"/>
+    <p:sldId id="342" r:id="rId59"/>
+    <p:sldId id="343" r:id="rId60"/>
+    <p:sldId id="338" r:id="rId61"/>
+    <p:sldId id="306" r:id="rId62"/>
+    <p:sldId id="309" r:id="rId63"/>
   </p:sldIdLst>
   <p:sldSz cx="13004800" cy="9753600"/>
   <p:notesSz cx="6858000" cy="9144000"/>
@@ -5436,6 +5437,90 @@
               <a:rPr lang="en-US"/>
               <a:pPr/>
               <a:t>60</a:t>
+            </a:fld>
+            <a:endParaRPr lang="en-US"/>
+          </a:p>
+        </p:txBody>
+      </p:sp>
+      <p:sp>
+        <p:nvSpPr>
+          <p:cNvPr id="19458" name="Rectangle 2"/>
+          <p:cNvSpPr>
+            <a:spLocks noGrp="1" noRot="1" noChangeAspect="1" noChangeArrowheads="1" noTextEdit="1"/>
+          </p:cNvSpPr>
+          <p:nvPr>
+            <p:ph type="sldImg"/>
+          </p:nvPr>
+        </p:nvSpPr>
+        <p:spPr>
+          <a:ln/>
+        </p:spPr>
+      </p:sp>
+      <p:sp>
+        <p:nvSpPr>
+          <p:cNvPr id="19459" name="Rectangle 3"/>
+          <p:cNvSpPr>
+            <a:spLocks noGrp="1"/>
+          </p:cNvSpPr>
+          <p:nvPr>
+            <p:ph type="body" idx="1"/>
+          </p:nvPr>
+        </p:nvSpPr>
+        <p:spPr/>
+        <p:txBody>
+          <a:bodyPr/>
+          <a:lstStyle/>
+          <a:p>
+            <a:endParaRPr lang="en-US"/>
+          </a:p>
+        </p:txBody>
+      </p:sp>
+    </p:spTree>
+  </p:cSld>
+  <p:clrMapOvr>
+    <a:masterClrMapping/>
+  </p:clrMapOvr>
+</p:notes>
+</file>
+
+<file path=ppt/notesSlides/notesSlide61.xml><?xml version="1.0" encoding="utf-8"?>
+<p:notes xmlns:a="http://schemas.openxmlformats.org/drawingml/2006/main" xmlns:r="http://schemas.openxmlformats.org/officeDocument/2006/relationships" xmlns:p="http://schemas.openxmlformats.org/presentationml/2006/main">
+  <p:cSld>
+    <p:spTree>
+      <p:nvGrpSpPr>
+        <p:cNvPr id="1" name=""/>
+        <p:cNvGrpSpPr/>
+        <p:nvPr/>
+      </p:nvGrpSpPr>
+      <p:grpSpPr>
+        <a:xfrm>
+          <a:off x="0" y="0"/>
+          <a:ext cx="0" cy="0"/>
+          <a:chOff x="0" y="0"/>
+          <a:chExt cx="0" cy="0"/>
+        </a:xfrm>
+      </p:grpSpPr>
+      <p:sp>
+        <p:nvSpPr>
+          <p:cNvPr id="7" name="Rectangle 7"/>
+          <p:cNvSpPr>
+            <a:spLocks noGrp="1"/>
+          </p:cNvSpPr>
+          <p:nvPr>
+            <p:ph type="sldNum" sz="quarter" idx="5"/>
+          </p:nvPr>
+        </p:nvSpPr>
+        <p:spPr>
+          <a:ln/>
+        </p:spPr>
+        <p:txBody>
+          <a:bodyPr/>
+          <a:lstStyle/>
+          <a:p>
+            <a:fld id="{27AEA7DA-096A-4FB7-B4B3-D12717EF4BDD}" type="slidenum">
+              <a:rPr lang="en-US"/>
+              <a:pPr/>
+              <a:t>61</a:t>
             </a:fld>
             <a:endParaRPr lang="en-US"/>
           </a:p>
@@ -10452,15 +10537,6 @@
               </a:rPr>
               <a:t>System</a:t>
             </a:r>
-            <a:endParaRPr lang="en-US" sz="5400" b="1" kern="0" dirty="0" smtClean="0">
-              <a:solidFill>
-                <a:srgbClr val="00CC66"/>
-              </a:solidFill>
-              <a:latin typeface="Calibri" pitchFamily="34" charset="0"/>
-              <a:ea typeface="+mj-ea"/>
-              <a:cs typeface="+mj-cs"/>
-              <a:sym typeface="Arial" charset="0"/>
-            </a:endParaRPr>
           </a:p>
           <a:p>
             <a:pPr marL="0" marR="0" lvl="0" indent="0" algn="r" defTabSz="914400" rtl="0" eaLnBrk="1" fontAlgn="base" latinLnBrk="0" hangingPunct="1">
@@ -15095,7 +15171,23 @@
                 <a:latin typeface="Freestyle Script" pitchFamily="66" charset="0"/>
                 <a:sym typeface="Gill Sans" pitchFamily="1" charset="0"/>
               </a:rPr>
-              <a:t>Tuesday, June 15, 2010</a:t>
+              <a:pPr marL="0" marR="0" indent="0" algn="ctr" defTabSz="914400" rtl="0" eaLnBrk="1" fontAlgn="base" latinLnBrk="0" hangingPunct="1">
+                <a:lnSpc>
+                  <a:spcPct val="100000"/>
+                </a:lnSpc>
+                <a:spcBef>
+                  <a:spcPct val="0"/>
+                </a:spcBef>
+                <a:spcAft>
+                  <a:spcPct val="0"/>
+                </a:spcAft>
+                <a:buClrTx/>
+                <a:buSzTx/>
+                <a:buFontTx/>
+                <a:buNone/>
+                <a:tabLst/>
+              </a:pPr>
+              <a:t>Wednesday, June 16, 2010</a:t>
             </a:fld>
             <a:endParaRPr kumimoji="0" lang="en-US" sz="4000" b="0" i="0" u="none" strike="noStrike" cap="none" normalizeH="0" baseline="0" dirty="0" smtClean="0">
               <a:ln>
@@ -17081,8 +17173,8 @@
         </p:nvSpPr>
         <p:spPr>
           <a:xfrm>
-            <a:off x="3941913" y="1438870"/>
-            <a:ext cx="3046027" cy="1200329"/>
+            <a:off x="4019487" y="1438870"/>
+            <a:ext cx="3092513" cy="1200329"/>
           </a:xfrm>
           <a:prstGeom prst="rect">
             <a:avLst/>
@@ -17104,7 +17196,18 @@
                 <a:cs typeface="+mj-cs"/>
                 <a:sym typeface="Arial" charset="0"/>
               </a:rPr>
-              <a:t>naming</a:t>
+              <a:t>N</a:t>
+            </a:r>
+            <a:r>
+              <a:rPr lang="en-US" sz="7200" kern="0" dirty="0" smtClean="0">
+                <a:solidFill>
+                  <a:srgbClr val="00CC66"/>
+                </a:solidFill>
+                <a:latin typeface="Calibri" pitchFamily="34" charset="0"/>
+                <a:cs typeface="+mj-cs"/>
+                <a:sym typeface="Arial" charset="0"/>
+              </a:rPr>
+              <a:t>aming</a:t>
             </a:r>
             <a:endParaRPr lang="en-US" sz="7200" dirty="0">
               <a:solidFill>
@@ -17920,7 +18023,23 @@
                 <a:latin typeface="Freestyle Script" pitchFamily="66" charset="0"/>
                 <a:sym typeface="Gill Sans" pitchFamily="1" charset="0"/>
               </a:rPr>
-              <a:t>Tuesday, June 15, 2010</a:t>
+              <a:pPr marL="0" marR="0" indent="0" algn="ctr" defTabSz="914400" rtl="0" eaLnBrk="1" fontAlgn="base" latinLnBrk="0" hangingPunct="1">
+                <a:lnSpc>
+                  <a:spcPct val="100000"/>
+                </a:lnSpc>
+                <a:spcBef>
+                  <a:spcPct val="0"/>
+                </a:spcBef>
+                <a:spcAft>
+                  <a:spcPct val="0"/>
+                </a:spcAft>
+                <a:buClrTx/>
+                <a:buSzTx/>
+                <a:buFontTx/>
+                <a:buNone/>
+                <a:tabLst/>
+              </a:pPr>
+              <a:t>Wednesday, June 16, 2010</a:t>
             </a:fld>
             <a:endParaRPr kumimoji="0" lang="en-US" sz="4000" b="0" i="0" u="none" strike="noStrike" cap="none" normalizeH="0" baseline="0" dirty="0" smtClean="0">
               <a:ln>
@@ -18888,7 +19007,7 @@
         <p:spPr>
           <a:xfrm>
             <a:off x="4064000" y="1143000"/>
-            <a:ext cx="2871300" cy="1200329"/>
+            <a:ext cx="3050836" cy="1200329"/>
           </a:xfrm>
           <a:prstGeom prst="rect">
             <a:avLst/>
@@ -18910,7 +19029,7 @@
                 <a:cs typeface="+mj-cs"/>
                 <a:sym typeface="Arial" charset="0"/>
               </a:rPr>
-              <a:t>r</a:t>
+              <a:t>R</a:t>
             </a:r>
             <a:r>
               <a:rPr lang="en-US" sz="7200" kern="0" dirty="0" smtClean="0">
@@ -19106,7 +19225,7 @@
         <p:spPr>
           <a:xfrm>
             <a:off x="330200" y="3200400"/>
-            <a:ext cx="12344400" cy="3970318"/>
+            <a:ext cx="12344400" cy="5078313"/>
           </a:xfrm>
           <a:prstGeom prst="rect">
             <a:avLst/>
@@ -19272,7 +19391,77 @@
               <a:rPr lang="en-US" sz="3600" b="1" dirty="0" smtClean="0">
                 <a:latin typeface="Courier New"/>
               </a:rPr>
-              <a:t>)</a:t>
+              <a:t>) {</a:t>
+            </a:r>
+          </a:p>
+          <a:p>
+            <a:r>
+              <a:rPr lang="en-US" sz="3600" b="1" dirty="0" smtClean="0">
+                <a:solidFill>
+                  <a:srgbClr val="7F0055"/>
+                </a:solidFill>
+                <a:latin typeface="Courier New"/>
+              </a:rPr>
+              <a:t> def</a:t>
+            </a:r>
+            <a:r>
+              <a:rPr lang="en-US" sz="3600" b="1" dirty="0" smtClean="0">
+                <a:latin typeface="Courier New"/>
+              </a:rPr>
+              <a:t> </a:t>
+            </a:r>
+            <a:r>
+              <a:rPr lang="en-US" sz="3600" b="1" dirty="0" smtClean="0">
+                <a:latin typeface="Courier New"/>
+              </a:rPr>
+              <a:t>tag(t: </a:t>
+            </a:r>
+            <a:r>
+              <a:rPr lang="en-US" sz="3600" b="1" dirty="0" smtClean="0">
+                <a:solidFill>
+                  <a:srgbClr val="7F0055"/>
+                </a:solidFill>
+                <a:latin typeface="Courier New"/>
+              </a:rPr>
+              <a:t>String</a:t>
+            </a:r>
+            <a:r>
+              <a:rPr lang="en-US" sz="3600" b="1" dirty="0" smtClean="0">
+                <a:latin typeface="Courier New"/>
+              </a:rPr>
+              <a:t>): </a:t>
+            </a:r>
+            <a:r>
+              <a:rPr lang="en-US" sz="3600" b="1" dirty="0" smtClean="0">
+                <a:latin typeface="Courier New"/>
+              </a:rPr>
+              <a:t>Example = </a:t>
+            </a:r>
+            <a:r>
+              <a:rPr lang="en-US" sz="3600" b="1" dirty="0" smtClean="0">
+                <a:solidFill>
+                  <a:srgbClr val="7F0055"/>
+                </a:solidFill>
+                <a:latin typeface="Courier New"/>
+              </a:rPr>
+              <a:t>this</a:t>
+            </a:r>
+            <a:r>
+              <a:rPr lang="en-US" sz="3600" b="1" dirty="0" smtClean="0">
+                <a:latin typeface="Courier New"/>
+              </a:rPr>
+              <a:t>   </a:t>
+            </a:r>
+            <a:endParaRPr lang="en-US" sz="3600" b="1" dirty="0" smtClean="0">
+              <a:latin typeface="Courier New"/>
+            </a:endParaRPr>
+          </a:p>
+          <a:p>
+            <a:r>
+              <a:rPr lang="en-US" sz="3600" b="1" dirty="0" smtClean="0">
+                <a:latin typeface="Courier New"/>
+              </a:rPr>
+              <a:t>}</a:t>
             </a:r>
             <a:endParaRPr lang="en-US" sz="3600" b="1" dirty="0" smtClean="0">
               <a:solidFill>
@@ -19317,8 +19506,8 @@
         </p:nvSpPr>
         <p:spPr>
           <a:xfrm>
-            <a:off x="4673600" y="1143000"/>
-            <a:ext cx="2871299" cy="1200329"/>
+            <a:off x="4140200" y="1143000"/>
+            <a:ext cx="3050836" cy="1200329"/>
           </a:xfrm>
           <a:prstGeom prst="rect">
             <a:avLst/>
@@ -19340,7 +19529,18 @@
                 <a:cs typeface="+mj-cs"/>
                 <a:sym typeface="Arial" charset="0"/>
               </a:rPr>
-              <a:t>restrict</a:t>
+              <a:t>R</a:t>
+            </a:r>
+            <a:r>
+              <a:rPr lang="en-US" sz="7200" kern="0" dirty="0" smtClean="0">
+                <a:solidFill>
+                  <a:srgbClr val="00CC66"/>
+                </a:solidFill>
+                <a:latin typeface="Calibri" pitchFamily="34" charset="0"/>
+                <a:cs typeface="+mj-cs"/>
+                <a:sym typeface="Arial" charset="0"/>
+              </a:rPr>
+              <a:t>estrict</a:t>
             </a:r>
             <a:endParaRPr lang="en-US" sz="7200" dirty="0">
               <a:solidFill>
@@ -19604,7 +19804,7 @@
         </p:blipFill>
         <p:spPr bwMode="auto">
           <a:xfrm>
-            <a:off x="3454400" y="1295399"/>
+            <a:off x="3225800" y="1295399"/>
             <a:ext cx="990600" cy="990601"/>
           </a:xfrm>
           <a:prstGeom prst="rect">
@@ -19621,8 +19821,8 @@
         </p:nvSpPr>
         <p:spPr>
           <a:xfrm>
-            <a:off x="4693951" y="1143000"/>
-            <a:ext cx="4164923" cy="1446550"/>
+            <a:off x="4465351" y="1143000"/>
+            <a:ext cx="4288353" cy="1446550"/>
           </a:xfrm>
           <a:prstGeom prst="rect">
             <a:avLst/>
@@ -19644,7 +19844,18 @@
                 <a:cs typeface="+mj-cs"/>
                 <a:sym typeface="Arial" charset="0"/>
               </a:rPr>
-              <a:t>combine</a:t>
+              <a:t>C</a:t>
+            </a:r>
+            <a:r>
+              <a:rPr lang="en-US" sz="8800" kern="0" dirty="0" smtClean="0">
+                <a:solidFill>
+                  <a:srgbClr val="00CC66"/>
+                </a:solidFill>
+                <a:latin typeface="Calibri" pitchFamily="34" charset="0"/>
+                <a:cs typeface="+mj-cs"/>
+                <a:sym typeface="Arial" charset="0"/>
+              </a:rPr>
+              <a:t>ombine</a:t>
             </a:r>
             <a:endParaRPr lang="en-US" sz="8800" dirty="0">
               <a:solidFill>
@@ -20164,8 +20375,8 @@
         </p:nvSpPr>
         <p:spPr>
           <a:xfrm>
-            <a:off x="4693951" y="1143000"/>
-            <a:ext cx="3443570" cy="1200329"/>
+            <a:off x="4064000" y="1143000"/>
+            <a:ext cx="3544560" cy="1200329"/>
           </a:xfrm>
           <a:prstGeom prst="rect">
             <a:avLst/>
@@ -20187,7 +20398,18 @@
                 <a:cs typeface="+mj-cs"/>
                 <a:sym typeface="Arial" charset="0"/>
               </a:rPr>
-              <a:t>combine</a:t>
+              <a:t>C</a:t>
+            </a:r>
+            <a:r>
+              <a:rPr lang="en-US" sz="7200" kern="0" dirty="0" smtClean="0">
+                <a:solidFill>
+                  <a:srgbClr val="00CC66"/>
+                </a:solidFill>
+                <a:latin typeface="Calibri" pitchFamily="34" charset="0"/>
+                <a:cs typeface="+mj-cs"/>
+                <a:sym typeface="Arial" charset="0"/>
+              </a:rPr>
+              <a:t>ombine</a:t>
             </a:r>
             <a:endParaRPr lang="en-US" sz="7200" dirty="0">
               <a:solidFill>
@@ -20568,722 +20790,6 @@
               </a:rPr>
               <a:t>(3)</a:t>
             </a:r>
-          </a:p>
-        </p:txBody>
-      </p:sp>
-      <p:pic>
-        <p:nvPicPr>
-          <p:cNvPr id="74758" name="Picture 6" descr="film, film roll, media, picture, video icon"/>
-          <p:cNvPicPr>
-            <a:picLocks noChangeAspect="1" noChangeArrowheads="1"/>
-          </p:cNvPicPr>
-          <p:nvPr/>
-        </p:nvPicPr>
-        <p:blipFill>
-          <a:blip r:embed="rId4"/>
-          <a:srcRect b="25000"/>
-          <a:stretch>
-            <a:fillRect/>
-          </a:stretch>
-        </p:blipFill>
-        <p:spPr bwMode="auto">
-          <a:xfrm>
-            <a:off x="863600" y="1066800"/>
-            <a:ext cx="1828800" cy="1371600"/>
-          </a:xfrm>
-          <a:prstGeom prst="rect">
-            <a:avLst/>
-          </a:prstGeom>
-          <a:noFill/>
-        </p:spPr>
-      </p:pic>
-    </p:spTree>
-  </p:cSld>
-  <p:clrMapOvr>
-    <a:masterClrMapping/>
-  </p:clrMapOvr>
-  <p:transition>
-    <p:fade/>
-  </p:transition>
-  <p:timing>
-    <p:tnLst>
-      <p:par>
-        <p:cTn id="1" dur="indefinite" restart="never" nodeType="tmRoot"/>
-      </p:par>
-    </p:tnLst>
-  </p:timing>
-</p:sld>
-</file>
-
-<file path=ppt/slides/slide33.xml><?xml version="1.0" encoding="utf-8"?>
-<p:sld xmlns:a="http://schemas.openxmlformats.org/drawingml/2006/main" xmlns:r="http://schemas.openxmlformats.org/officeDocument/2006/relationships" xmlns:p="http://schemas.openxmlformats.org/presentationml/2006/main">
-  <p:cSld>
-    <p:spTree>
-      <p:nvGrpSpPr>
-        <p:cNvPr id="1" name=""/>
-        <p:cNvGrpSpPr/>
-        <p:nvPr/>
-      </p:nvGrpSpPr>
-      <p:grpSpPr>
-        <a:xfrm>
-          <a:off x="0" y="0"/>
-          <a:ext cx="0" cy="0"/>
-          <a:chOff x="0" y="0"/>
-          <a:chExt cx="0" cy="0"/>
-        </a:xfrm>
-      </p:grpSpPr>
-      <p:sp>
-        <p:nvSpPr>
-          <p:cNvPr id="8193" name="Rectangle 1"/>
-          <p:cNvSpPr>
-            <a:spLocks noGrp="1" noChangeArrowheads="1"/>
-          </p:cNvSpPr>
-          <p:nvPr>
-            <p:ph type="title"/>
-          </p:nvPr>
-        </p:nvSpPr>
-        <p:spPr>
-          <a:xfrm>
-            <a:off x="711200" y="0"/>
-            <a:ext cx="12509500" cy="914400"/>
-          </a:xfrm>
-          <a:ln/>
-        </p:spPr>
-        <p:txBody>
-          <a:bodyPr/>
-          <a:lstStyle/>
-          <a:p>
-            <a:pPr lvl="0"/>
-            <a:r>
-              <a:rPr lang="en-US" sz="5400" dirty="0" smtClean="0">
-                <a:latin typeface="Lucida Handwriting" pitchFamily="66" charset="0"/>
-              </a:rPr>
-              <a:t>     DSL</a:t>
-            </a:r>
-            <a:endParaRPr lang="en-US" dirty="0"/>
-          </a:p>
-        </p:txBody>
-      </p:sp>
-      <p:pic>
-        <p:nvPicPr>
-          <p:cNvPr id="8" name="Picture 10" descr="http://knowledgehub.zeus.com/media/Scala_Logo2008.png"/>
-          <p:cNvPicPr>
-            <a:picLocks noChangeAspect="1" noChangeArrowheads="1"/>
-          </p:cNvPicPr>
-          <p:nvPr/>
-        </p:nvPicPr>
-        <p:blipFill>
-          <a:blip r:embed="rId3"/>
-          <a:srcRect/>
-          <a:stretch>
-            <a:fillRect/>
-          </a:stretch>
-        </p:blipFill>
-        <p:spPr bwMode="auto">
-          <a:xfrm>
-            <a:off x="4140200" y="76200"/>
-            <a:ext cx="2279542" cy="679257"/>
-          </a:xfrm>
-          <a:prstGeom prst="rect">
-            <a:avLst/>
-          </a:prstGeom>
-          <a:noFill/>
-        </p:spPr>
-      </p:pic>
-      <p:sp>
-        <p:nvSpPr>
-          <p:cNvPr id="12" name="Rectangle 11"/>
-          <p:cNvSpPr/>
-          <p:nvPr/>
-        </p:nvSpPr>
-        <p:spPr>
-          <a:xfrm>
-            <a:off x="4078171" y="1143000"/>
-            <a:ext cx="5396029" cy="1200329"/>
-          </a:xfrm>
-          <a:prstGeom prst="rect">
-            <a:avLst/>
-          </a:prstGeom>
-        </p:spPr>
-        <p:txBody>
-          <a:bodyPr wrap="none">
-            <a:spAutoFit/>
-          </a:bodyPr>
-          <a:lstStyle/>
-          <a:p>
-            <a:pPr algn="ctr"/>
-            <a:r>
-              <a:rPr lang="en-US" sz="7200" kern="0" dirty="0" smtClean="0">
-                <a:solidFill>
-                  <a:srgbClr val="00CC66"/>
-                </a:solidFill>
-                <a:latin typeface="Calibri" pitchFamily="34" charset="0"/>
-                <a:cs typeface="+mj-cs"/>
-                <a:sym typeface="Arial" charset="0"/>
-              </a:rPr>
-              <a:t>Add, add, add</a:t>
-            </a:r>
-            <a:endParaRPr lang="en-US" sz="7200" dirty="0">
-              <a:solidFill>
-                <a:srgbClr val="00CC66"/>
-              </a:solidFill>
-              <a:latin typeface="Calibri" pitchFamily="34" charset="0"/>
-            </a:endParaRPr>
-          </a:p>
-        </p:txBody>
-      </p:sp>
-      <p:pic>
-        <p:nvPicPr>
-          <p:cNvPr id="13" name="Picture 6" descr="magic, wizard icon"/>
-          <p:cNvPicPr>
-            <a:picLocks noChangeAspect="1" noChangeArrowheads="1"/>
-          </p:cNvPicPr>
-          <p:nvPr/>
-        </p:nvPicPr>
-        <p:blipFill>
-          <a:blip r:embed="rId4"/>
-          <a:srcRect/>
-          <a:stretch>
-            <a:fillRect/>
-          </a:stretch>
-        </p:blipFill>
-        <p:spPr bwMode="auto">
-          <a:xfrm>
-            <a:off x="2838620" y="1295399"/>
-            <a:ext cx="990600" cy="990601"/>
-          </a:xfrm>
-          <a:prstGeom prst="rect">
-            <a:avLst/>
-          </a:prstGeom>
-          <a:noFill/>
-        </p:spPr>
-      </p:pic>
-      <p:pic>
-        <p:nvPicPr>
-          <p:cNvPr id="136194" name="Picture 2" descr="http://www.2dayblog.com/images/2007/june/worldtallest_legotower.jpg"/>
-          <p:cNvPicPr>
-            <a:picLocks noChangeAspect="1" noChangeArrowheads="1"/>
-          </p:cNvPicPr>
-          <p:nvPr/>
-        </p:nvPicPr>
-        <p:blipFill>
-          <a:blip r:embed="rId5"/>
-          <a:srcRect/>
-          <a:stretch>
-            <a:fillRect/>
-          </a:stretch>
-        </p:blipFill>
-        <p:spPr bwMode="auto">
-          <a:xfrm>
-            <a:off x="3759200" y="2523392"/>
-            <a:ext cx="5029200" cy="5496659"/>
-          </a:xfrm>
-          <a:prstGeom prst="rect">
-            <a:avLst/>
-          </a:prstGeom>
-          <a:noFill/>
-        </p:spPr>
-      </p:pic>
-    </p:spTree>
-  </p:cSld>
-  <p:clrMapOvr>
-    <a:masterClrMapping/>
-  </p:clrMapOvr>
-  <p:transition>
-    <p:fade/>
-  </p:transition>
-  <p:timing>
-    <p:tnLst>
-      <p:par>
-        <p:cTn id="1" dur="indefinite" restart="never" nodeType="tmRoot"/>
-      </p:par>
-    </p:tnLst>
-  </p:timing>
-</p:sld>
-</file>
-
-<file path=ppt/slides/slide34.xml><?xml version="1.0" encoding="utf-8"?>
-<p:sld xmlns:a="http://schemas.openxmlformats.org/drawingml/2006/main" xmlns:r="http://schemas.openxmlformats.org/officeDocument/2006/relationships" xmlns:p="http://schemas.openxmlformats.org/presentationml/2006/main">
-  <p:cSld>
-    <p:spTree>
-      <p:nvGrpSpPr>
-        <p:cNvPr id="1" name=""/>
-        <p:cNvGrpSpPr/>
-        <p:nvPr/>
-      </p:nvGrpSpPr>
-      <p:grpSpPr>
-        <a:xfrm>
-          <a:off x="0" y="0"/>
-          <a:ext cx="0" cy="0"/>
-          <a:chOff x="0" y="0"/>
-          <a:chExt cx="0" cy="0"/>
-        </a:xfrm>
-      </p:grpSpPr>
-      <p:sp>
-        <p:nvSpPr>
-          <p:cNvPr id="8193" name="Rectangle 1"/>
-          <p:cNvSpPr>
-            <a:spLocks noGrp="1" noChangeArrowheads="1"/>
-          </p:cNvSpPr>
-          <p:nvPr>
-            <p:ph type="title"/>
-          </p:nvPr>
-        </p:nvSpPr>
-        <p:spPr>
-          <a:xfrm>
-            <a:off x="711200" y="0"/>
-            <a:ext cx="12509500" cy="914400"/>
-          </a:xfrm>
-          <a:ln/>
-        </p:spPr>
-        <p:txBody>
-          <a:bodyPr/>
-          <a:lstStyle/>
-          <a:p>
-            <a:pPr lvl="0"/>
-            <a:r>
-              <a:rPr lang="en-US" sz="5400" dirty="0" smtClean="0">
-                <a:latin typeface="Lucida Handwriting" pitchFamily="66" charset="0"/>
-              </a:rPr>
-              <a:t>     DSL</a:t>
-            </a:r>
-            <a:endParaRPr lang="en-US" dirty="0"/>
-          </a:p>
-        </p:txBody>
-      </p:sp>
-      <p:sp>
-        <p:nvSpPr>
-          <p:cNvPr id="7" name="Rectangle 6"/>
-          <p:cNvSpPr/>
-          <p:nvPr/>
-        </p:nvSpPr>
-        <p:spPr>
-          <a:xfrm>
-            <a:off x="3987800" y="1286470"/>
-            <a:ext cx="7657866" cy="1107996"/>
-          </a:xfrm>
-          <a:prstGeom prst="rect">
-            <a:avLst/>
-          </a:prstGeom>
-        </p:spPr>
-        <p:txBody>
-          <a:bodyPr wrap="none">
-            <a:spAutoFit/>
-          </a:bodyPr>
-          <a:lstStyle/>
-          <a:p>
-            <a:pPr algn="ctr"/>
-            <a:r>
-              <a:rPr lang="en-US" sz="6600" i="1" kern="0" dirty="0" smtClean="0">
-                <a:solidFill>
-                  <a:srgbClr val="00CC66"/>
-                </a:solidFill>
-                <a:latin typeface="Calibri" pitchFamily="34" charset="0"/>
-                <a:cs typeface="+mj-cs"/>
-                <a:sym typeface="Arial" charset="0"/>
-              </a:rPr>
-              <a:t>Repeated parameters</a:t>
-            </a:r>
-          </a:p>
-        </p:txBody>
-      </p:sp>
-      <p:pic>
-        <p:nvPicPr>
-          <p:cNvPr id="8" name="Picture 10" descr="http://knowledgehub.zeus.com/media/Scala_Logo2008.png"/>
-          <p:cNvPicPr>
-            <a:picLocks noChangeAspect="1" noChangeArrowheads="1"/>
-          </p:cNvPicPr>
-          <p:nvPr/>
-        </p:nvPicPr>
-        <p:blipFill>
-          <a:blip r:embed="rId3"/>
-          <a:srcRect/>
-          <a:stretch>
-            <a:fillRect/>
-          </a:stretch>
-        </p:blipFill>
-        <p:spPr bwMode="auto">
-          <a:xfrm>
-            <a:off x="4140200" y="76200"/>
-            <a:ext cx="2279542" cy="679257"/>
-          </a:xfrm>
-          <a:prstGeom prst="rect">
-            <a:avLst/>
-          </a:prstGeom>
-          <a:noFill/>
-        </p:spPr>
-      </p:pic>
-      <p:sp>
-        <p:nvSpPr>
-          <p:cNvPr id="11" name="Rectangle 10"/>
-          <p:cNvSpPr/>
-          <p:nvPr/>
-        </p:nvSpPr>
-        <p:spPr>
-          <a:xfrm>
-            <a:off x="1168400" y="3219033"/>
-            <a:ext cx="10820400" cy="2800767"/>
-          </a:xfrm>
-          <a:prstGeom prst="rect">
-            <a:avLst/>
-          </a:prstGeom>
-          <a:solidFill>
-            <a:schemeClr val="bg1"/>
-          </a:solidFill>
-          <a:ln>
-            <a:solidFill>
-              <a:schemeClr val="tx1"/>
-            </a:solidFill>
-            <a:prstDash val="dash"/>
-          </a:ln>
-        </p:spPr>
-        <p:txBody>
-          <a:bodyPr wrap="square">
-            <a:spAutoFit/>
-          </a:bodyPr>
-          <a:lstStyle/>
-          <a:p>
-            <a:r>
-              <a:rPr lang="en-US" sz="4400" b="1" dirty="0" smtClean="0">
-                <a:latin typeface="Courier New"/>
-              </a:rPr>
-              <a:t>include(spec1)</a:t>
-            </a:r>
-          </a:p>
-          <a:p>
-            <a:r>
-              <a:rPr lang="en-US" sz="4400" b="1" dirty="0" smtClean="0">
-                <a:latin typeface="Courier New"/>
-              </a:rPr>
-              <a:t>include(spec1, spec2)</a:t>
-            </a:r>
-          </a:p>
-          <a:p>
-            <a:endParaRPr lang="en-US" sz="4400" b="1" dirty="0" smtClean="0">
-              <a:latin typeface="Courier New"/>
-            </a:endParaRPr>
-          </a:p>
-          <a:p>
-            <a:r>
-              <a:rPr lang="en-US" sz="4400" b="1" dirty="0" smtClean="0">
-                <a:latin typeface="Courier New"/>
-              </a:rPr>
-              <a:t>1 must </a:t>
-            </a:r>
-            <a:r>
-              <a:rPr lang="en-US" sz="4400" b="1" dirty="0" err="1" smtClean="0">
-                <a:latin typeface="Courier New"/>
-              </a:rPr>
-              <a:t>beOneOf</a:t>
-            </a:r>
-            <a:r>
-              <a:rPr lang="en-US" sz="4400" b="1" dirty="0" smtClean="0">
-                <a:latin typeface="Courier New"/>
-              </a:rPr>
-              <a:t>(1, 2, 3)</a:t>
-            </a:r>
-          </a:p>
-        </p:txBody>
-      </p:sp>
-      <p:pic>
-        <p:nvPicPr>
-          <p:cNvPr id="9" name="Picture 2" descr="toolbox icon"/>
-          <p:cNvPicPr>
-            <a:picLocks noChangeAspect="1" noChangeArrowheads="1"/>
-          </p:cNvPicPr>
-          <p:nvPr/>
-        </p:nvPicPr>
-        <p:blipFill>
-          <a:blip r:embed="rId4"/>
-          <a:srcRect/>
-          <a:stretch>
-            <a:fillRect/>
-          </a:stretch>
-        </p:blipFill>
-        <p:spPr bwMode="auto">
-          <a:xfrm>
-            <a:off x="558800" y="1066800"/>
-            <a:ext cx="1676400" cy="1676401"/>
-          </a:xfrm>
-          <a:prstGeom prst="rect">
-            <a:avLst/>
-          </a:prstGeom>
-          <a:noFill/>
-        </p:spPr>
-      </p:pic>
-    </p:spTree>
-  </p:cSld>
-  <p:clrMapOvr>
-    <a:masterClrMapping/>
-  </p:clrMapOvr>
-  <p:transition>
-    <p:fade/>
-  </p:transition>
-  <p:timing>
-    <p:tnLst>
-      <p:par>
-        <p:cTn id="1" dur="indefinite" restart="never" nodeType="tmRoot"/>
-      </p:par>
-    </p:tnLst>
-  </p:timing>
-</p:sld>
-</file>
-
-<file path=ppt/slides/slide35.xml><?xml version="1.0" encoding="utf-8"?>
-<p:sld xmlns:a="http://schemas.openxmlformats.org/drawingml/2006/main" xmlns:r="http://schemas.openxmlformats.org/officeDocument/2006/relationships" xmlns:p="http://schemas.openxmlformats.org/presentationml/2006/main">
-  <p:cSld>
-    <p:spTree>
-      <p:nvGrpSpPr>
-        <p:cNvPr id="1" name=""/>
-        <p:cNvGrpSpPr/>
-        <p:nvPr/>
-      </p:nvGrpSpPr>
-      <p:grpSpPr>
-        <a:xfrm>
-          <a:off x="0" y="0"/>
-          <a:ext cx="0" cy="0"/>
-          <a:chOff x="0" y="0"/>
-          <a:chExt cx="0" cy="0"/>
-        </a:xfrm>
-      </p:grpSpPr>
-      <p:sp>
-        <p:nvSpPr>
-          <p:cNvPr id="8193" name="Rectangle 1"/>
-          <p:cNvSpPr>
-            <a:spLocks noGrp="1" noChangeArrowheads="1"/>
-          </p:cNvSpPr>
-          <p:nvPr>
-            <p:ph type="title"/>
-          </p:nvPr>
-        </p:nvSpPr>
-        <p:spPr>
-          <a:xfrm>
-            <a:off x="711200" y="0"/>
-            <a:ext cx="12509500" cy="914400"/>
-          </a:xfrm>
-          <a:ln/>
-        </p:spPr>
-        <p:txBody>
-          <a:bodyPr/>
-          <a:lstStyle/>
-          <a:p>
-            <a:pPr lvl="0"/>
-            <a:r>
-              <a:rPr lang="en-US" sz="5400" dirty="0" smtClean="0">
-                <a:latin typeface="Lucida Handwriting" pitchFamily="66" charset="0"/>
-              </a:rPr>
-              <a:t>     DSL</a:t>
-            </a:r>
-            <a:endParaRPr lang="en-US" dirty="0"/>
-          </a:p>
-        </p:txBody>
-      </p:sp>
-      <p:sp>
-        <p:nvSpPr>
-          <p:cNvPr id="7" name="Rectangle 6"/>
-          <p:cNvSpPr/>
-          <p:nvPr/>
-        </p:nvSpPr>
-        <p:spPr>
-          <a:xfrm>
-            <a:off x="3987800" y="1286470"/>
-            <a:ext cx="4669868" cy="1107996"/>
-          </a:xfrm>
-          <a:prstGeom prst="rect">
-            <a:avLst/>
-          </a:prstGeom>
-        </p:spPr>
-        <p:txBody>
-          <a:bodyPr wrap="none">
-            <a:spAutoFit/>
-          </a:bodyPr>
-          <a:lstStyle/>
-          <a:p>
-            <a:pPr algn="ctr"/>
-            <a:r>
-              <a:rPr lang="en-US" sz="6600" i="1" kern="0" dirty="0" smtClean="0">
-                <a:solidFill>
-                  <a:srgbClr val="00CC66"/>
-                </a:solidFill>
-                <a:latin typeface="Calibri" pitchFamily="34" charset="0"/>
-                <a:cs typeface="+mj-cs"/>
-                <a:sym typeface="Arial" charset="0"/>
-              </a:rPr>
-              <a:t>Use and pass</a:t>
-            </a:r>
-          </a:p>
-        </p:txBody>
-      </p:sp>
-      <p:pic>
-        <p:nvPicPr>
-          <p:cNvPr id="8" name="Picture 10" descr="http://knowledgehub.zeus.com/media/Scala_Logo2008.png"/>
-          <p:cNvPicPr>
-            <a:picLocks noChangeAspect="1" noChangeArrowheads="1"/>
-          </p:cNvPicPr>
-          <p:nvPr/>
-        </p:nvPicPr>
-        <p:blipFill>
-          <a:blip r:embed="rId3"/>
-          <a:srcRect/>
-          <a:stretch>
-            <a:fillRect/>
-          </a:stretch>
-        </p:blipFill>
-        <p:spPr bwMode="auto">
-          <a:xfrm>
-            <a:off x="4140200" y="76200"/>
-            <a:ext cx="2279542" cy="679257"/>
-          </a:xfrm>
-          <a:prstGeom prst="rect">
-            <a:avLst/>
-          </a:prstGeom>
-          <a:noFill/>
-        </p:spPr>
-      </p:pic>
-      <p:sp>
-        <p:nvSpPr>
-          <p:cNvPr id="11" name="Rectangle 10"/>
-          <p:cNvSpPr/>
-          <p:nvPr/>
-        </p:nvSpPr>
-        <p:spPr>
-          <a:xfrm>
-            <a:off x="558800" y="2895600"/>
-            <a:ext cx="12039600" cy="5509200"/>
-          </a:xfrm>
-          <a:prstGeom prst="rect">
-            <a:avLst/>
-          </a:prstGeom>
-          <a:solidFill>
-            <a:schemeClr val="bg1"/>
-          </a:solidFill>
-          <a:ln>
-            <a:solidFill>
-              <a:schemeClr val="tx1"/>
-            </a:solidFill>
-            <a:prstDash val="dash"/>
-          </a:ln>
-        </p:spPr>
-        <p:txBody>
-          <a:bodyPr wrap="square">
-            <a:spAutoFit/>
-          </a:bodyPr>
-          <a:lstStyle/>
-          <a:p>
-            <a:r>
-              <a:rPr lang="en-US" sz="4400" b="1" dirty="0" err="1" smtClean="0">
-                <a:latin typeface="Courier New"/>
-              </a:rPr>
-              <a:t>result.pp</a:t>
-            </a:r>
-            <a:r>
-              <a:rPr lang="en-US" sz="4400" b="1" dirty="0" smtClean="0">
-                <a:latin typeface="Courier New"/>
-              </a:rPr>
-              <a:t> + 1 </a:t>
-            </a:r>
-            <a:r>
-              <a:rPr lang="en-US" sz="4400" b="1" dirty="0" smtClean="0">
-                <a:solidFill>
-                  <a:srgbClr val="3F7F5F"/>
-                </a:solidFill>
-                <a:latin typeface="Courier New"/>
-              </a:rPr>
-              <a:t>// print and pass</a:t>
-            </a:r>
-          </a:p>
-          <a:p>
-            <a:endParaRPr lang="en-US" sz="4400" b="1" dirty="0" smtClean="0">
-              <a:latin typeface="Courier New"/>
-            </a:endParaRPr>
-          </a:p>
-          <a:p>
-            <a:r>
-              <a:rPr lang="en-US" sz="4400" b="1" dirty="0" err="1" smtClean="0">
-                <a:latin typeface="Courier New"/>
-              </a:rPr>
-              <a:t>Customers.findBy</a:t>
-            </a:r>
-            <a:r>
-              <a:rPr lang="en-US" sz="4400" b="1" dirty="0" smtClean="0">
-                <a:latin typeface="Courier New"/>
-              </a:rPr>
-              <a:t>(_.age &gt;= 18) </a:t>
-            </a:r>
-          </a:p>
-          <a:p>
-            <a:r>
-              <a:rPr lang="en-US" sz="4400" b="1" dirty="0" smtClean="0">
-                <a:latin typeface="Courier New"/>
-              </a:rPr>
-              <a:t>  aka </a:t>
-            </a:r>
-            <a:r>
-              <a:rPr lang="en-US" sz="4400" b="1" dirty="0" smtClean="0">
-                <a:solidFill>
-                  <a:srgbClr val="2A00FF"/>
-                </a:solidFill>
-                <a:latin typeface="Courier New"/>
-              </a:rPr>
-              <a:t>"adult </a:t>
-            </a:r>
-            <a:r>
-              <a:rPr lang="en-US" sz="4400" b="1" dirty="0" smtClean="0">
-                <a:solidFill>
-                  <a:srgbClr val="2A00FF"/>
-                </a:solidFill>
-                <a:latin typeface="Courier New"/>
-              </a:rPr>
-              <a:t>customers"</a:t>
-            </a:r>
-            <a:r>
-              <a:rPr lang="en-US" sz="4400" b="1" dirty="0" smtClean="0">
-                <a:latin typeface="Courier New"/>
-              </a:rPr>
-              <a:t> </a:t>
-            </a:r>
-            <a:endParaRPr lang="en-US" sz="4400" b="1" dirty="0" smtClean="0">
-              <a:latin typeface="Courier New"/>
-            </a:endParaRPr>
-          </a:p>
-          <a:p>
-            <a:r>
-              <a:rPr lang="en-US" sz="4400" b="1" dirty="0" smtClean="0">
-                <a:latin typeface="Courier New"/>
-              </a:rPr>
-              <a:t>  must </a:t>
-            </a:r>
-            <a:r>
-              <a:rPr lang="en-US" sz="4400" b="1" dirty="0" err="1" smtClean="0">
-                <a:latin typeface="Courier New"/>
-              </a:rPr>
-              <a:t>haveSize</a:t>
-            </a:r>
-            <a:r>
-              <a:rPr lang="en-US" sz="4400" b="1" dirty="0" smtClean="0">
-                <a:latin typeface="Courier New"/>
-              </a:rPr>
-              <a:t>(3)</a:t>
-            </a:r>
-          </a:p>
-          <a:p>
-            <a:endParaRPr lang="en-US" sz="4400" b="1" dirty="0" smtClean="0">
-              <a:latin typeface="Courier New"/>
-            </a:endParaRPr>
-          </a:p>
-          <a:p>
-            <a:r>
-              <a:rPr lang="en-US" sz="4400" b="1" dirty="0" smtClean="0">
-                <a:solidFill>
-                  <a:srgbClr val="3F7F5F"/>
-                </a:solidFill>
-                <a:latin typeface="Courier New"/>
-              </a:rPr>
-              <a:t>adult customers ‘Bob, Lee’ doesn’t have size 3</a:t>
-            </a:r>
-            <a:endParaRPr lang="en-US" sz="4400" b="1" dirty="0" smtClean="0">
-              <a:latin typeface="Courier New"/>
-            </a:endParaRPr>
           </a:p>
         </p:txBody>
       </p:sp>
@@ -21372,15 +20878,33 @@
                                   </p:childTnLst>
                                 </p:cTn>
                               </p:par>
+                            </p:childTnLst>
+                          </p:cTn>
+                        </p:par>
+                      </p:childTnLst>
+                    </p:cTn>
+                  </p:par>
+                  <p:par>
+                    <p:cTn id="7" fill="hold">
+                      <p:stCondLst>
+                        <p:cond delay="indefinite"/>
+                      </p:stCondLst>
+                      <p:childTnLst>
+                        <p:par>
+                          <p:cTn id="8" fill="hold">
+                            <p:stCondLst>
+                              <p:cond delay="0"/>
+                            </p:stCondLst>
+                            <p:childTnLst>
                               <p:par>
-                                <p:cTn id="7" presetID="1" presetClass="entr" presetSubtype="0" fill="hold" nodeType="withEffect">
+                                <p:cTn id="9" presetID="1" presetClass="entr" presetSubtype="0" fill="hold" nodeType="clickEffect">
                                   <p:stCondLst>
                                     <p:cond delay="0"/>
                                   </p:stCondLst>
                                   <p:childTnLst>
                                     <p:set>
                                       <p:cBhvr>
-                                        <p:cTn id="8" dur="1" fill="hold">
+                                        <p:cTn id="10" dur="1" fill="hold">
                                           <p:stCondLst>
                                             <p:cond delay="0"/>
                                           </p:stCondLst>
@@ -21410,19 +20934,1251 @@
                     </p:cTn>
                   </p:par>
                   <p:par>
-                    <p:cTn id="9" fill="hold">
+                    <p:cTn id="11" fill="hold">
                       <p:stCondLst>
                         <p:cond delay="indefinite"/>
                       </p:stCondLst>
                       <p:childTnLst>
                         <p:par>
-                          <p:cTn id="10" fill="hold">
+                          <p:cTn id="12" fill="hold">
                             <p:stCondLst>
                               <p:cond delay="0"/>
                             </p:stCondLst>
                             <p:childTnLst>
                               <p:par>
-                                <p:cTn id="11" presetID="1" presetClass="entr" presetSubtype="0" fill="hold" nodeType="clickEffect">
+                                <p:cTn id="13" presetID="1" presetClass="entr" presetSubtype="0" fill="hold" nodeType="clickEffect">
+                                  <p:stCondLst>
+                                    <p:cond delay="0"/>
+                                  </p:stCondLst>
+                                  <p:childTnLst>
+                                    <p:set>
+                                      <p:cBhvr>
+                                        <p:cTn id="14" dur="1" fill="hold">
+                                          <p:stCondLst>
+                                            <p:cond delay="0"/>
+                                          </p:stCondLst>
+                                        </p:cTn>
+                                        <p:tgtEl>
+                                          <p:spTgt spid="11">
+                                            <p:txEl>
+                                              <p:pRg st="6" end="6"/>
+                                            </p:txEl>
+                                          </p:spTgt>
+                                        </p:tgtEl>
+                                        <p:attrNameLst>
+                                          <p:attrName>style.visibility</p:attrName>
+                                        </p:attrNameLst>
+                                      </p:cBhvr>
+                                      <p:to>
+                                        <p:strVal val="visible"/>
+                                      </p:to>
+                                    </p:set>
+                                  </p:childTnLst>
+                                </p:cTn>
+                              </p:par>
+                            </p:childTnLst>
+                          </p:cTn>
+                        </p:par>
+                      </p:childTnLst>
+                    </p:cTn>
+                  </p:par>
+                  <p:par>
+                    <p:cTn id="15" fill="hold">
+                      <p:stCondLst>
+                        <p:cond delay="indefinite"/>
+                      </p:stCondLst>
+                      <p:childTnLst>
+                        <p:par>
+                          <p:cTn id="16" fill="hold">
+                            <p:stCondLst>
+                              <p:cond delay="0"/>
+                            </p:stCondLst>
+                            <p:childTnLst>
+                              <p:par>
+                                <p:cTn id="17" presetID="1" presetClass="entr" presetSubtype="0" fill="hold" nodeType="clickEffect">
+                                  <p:stCondLst>
+                                    <p:cond delay="0"/>
+                                  </p:stCondLst>
+                                  <p:childTnLst>
+                                    <p:set>
+                                      <p:cBhvr>
+                                        <p:cTn id="18" dur="1" fill="hold">
+                                          <p:stCondLst>
+                                            <p:cond delay="0"/>
+                                          </p:stCondLst>
+                                        </p:cTn>
+                                        <p:tgtEl>
+                                          <p:spTgt spid="11">
+                                            <p:txEl>
+                                              <p:pRg st="8" end="8"/>
+                                            </p:txEl>
+                                          </p:spTgt>
+                                        </p:tgtEl>
+                                        <p:attrNameLst>
+                                          <p:attrName>style.visibility</p:attrName>
+                                        </p:attrNameLst>
+                                      </p:cBhvr>
+                                      <p:to>
+                                        <p:strVal val="visible"/>
+                                      </p:to>
+                                    </p:set>
+                                  </p:childTnLst>
+                                </p:cTn>
+                              </p:par>
+                            </p:childTnLst>
+                          </p:cTn>
+                        </p:par>
+                      </p:childTnLst>
+                    </p:cTn>
+                  </p:par>
+                </p:childTnLst>
+              </p:cTn>
+              <p:prevCondLst>
+                <p:cond evt="onPrev" delay="0">
+                  <p:tgtEl>
+                    <p:sldTgt/>
+                  </p:tgtEl>
+                </p:cond>
+              </p:prevCondLst>
+              <p:nextCondLst>
+                <p:cond evt="onNext" delay="0">
+                  <p:tgtEl>
+                    <p:sldTgt/>
+                  </p:tgtEl>
+                </p:cond>
+              </p:nextCondLst>
+            </p:seq>
+          </p:childTnLst>
+        </p:cTn>
+      </p:par>
+    </p:tnLst>
+  </p:timing>
+</p:sld>
+</file>
+
+<file path=ppt/slides/slide33.xml><?xml version="1.0" encoding="utf-8"?>
+<p:sld xmlns:a="http://schemas.openxmlformats.org/drawingml/2006/main" xmlns:r="http://schemas.openxmlformats.org/officeDocument/2006/relationships" xmlns:p="http://schemas.openxmlformats.org/presentationml/2006/main">
+  <p:cSld>
+    <p:spTree>
+      <p:nvGrpSpPr>
+        <p:cNvPr id="1" name=""/>
+        <p:cNvGrpSpPr/>
+        <p:nvPr/>
+      </p:nvGrpSpPr>
+      <p:grpSpPr>
+        <a:xfrm>
+          <a:off x="0" y="0"/>
+          <a:ext cx="0" cy="0"/>
+          <a:chOff x="0" y="0"/>
+          <a:chExt cx="0" cy="0"/>
+        </a:xfrm>
+      </p:grpSpPr>
+      <p:sp>
+        <p:nvSpPr>
+          <p:cNvPr id="8193" name="Rectangle 1"/>
+          <p:cNvSpPr>
+            <a:spLocks noGrp="1" noChangeArrowheads="1"/>
+          </p:cNvSpPr>
+          <p:nvPr>
+            <p:ph type="title"/>
+          </p:nvPr>
+        </p:nvSpPr>
+        <p:spPr>
+          <a:xfrm>
+            <a:off x="711200" y="0"/>
+            <a:ext cx="12509500" cy="914400"/>
+          </a:xfrm>
+          <a:ln/>
+        </p:spPr>
+        <p:txBody>
+          <a:bodyPr/>
+          <a:lstStyle/>
+          <a:p>
+            <a:pPr lvl="0"/>
+            <a:r>
+              <a:rPr lang="en-US" sz="5400" dirty="0" smtClean="0">
+                <a:latin typeface="Lucida Handwriting" pitchFamily="66" charset="0"/>
+              </a:rPr>
+              <a:t>     DSL</a:t>
+            </a:r>
+            <a:endParaRPr lang="en-US" dirty="0"/>
+          </a:p>
+        </p:txBody>
+      </p:sp>
+      <p:pic>
+        <p:nvPicPr>
+          <p:cNvPr id="8" name="Picture 10" descr="http://knowledgehub.zeus.com/media/Scala_Logo2008.png"/>
+          <p:cNvPicPr>
+            <a:picLocks noChangeAspect="1" noChangeArrowheads="1"/>
+          </p:cNvPicPr>
+          <p:nvPr/>
+        </p:nvPicPr>
+        <p:blipFill>
+          <a:blip r:embed="rId3"/>
+          <a:srcRect/>
+          <a:stretch>
+            <a:fillRect/>
+          </a:stretch>
+        </p:blipFill>
+        <p:spPr bwMode="auto">
+          <a:xfrm>
+            <a:off x="4140200" y="76200"/>
+            <a:ext cx="2279542" cy="679257"/>
+          </a:xfrm>
+          <a:prstGeom prst="rect">
+            <a:avLst/>
+          </a:prstGeom>
+          <a:noFill/>
+        </p:spPr>
+      </p:pic>
+      <p:sp>
+        <p:nvSpPr>
+          <p:cNvPr id="12" name="Rectangle 11"/>
+          <p:cNvSpPr/>
+          <p:nvPr/>
+        </p:nvSpPr>
+        <p:spPr>
+          <a:xfrm>
+            <a:off x="3931951" y="1143000"/>
+            <a:ext cx="5396029" cy="1200329"/>
+          </a:xfrm>
+          <a:prstGeom prst="rect">
+            <a:avLst/>
+          </a:prstGeom>
+        </p:spPr>
+        <p:txBody>
+          <a:bodyPr wrap="none">
+            <a:spAutoFit/>
+          </a:bodyPr>
+          <a:lstStyle/>
+          <a:p>
+            <a:pPr algn="ctr"/>
+            <a:r>
+              <a:rPr lang="en-US" sz="7200" kern="0" dirty="0" smtClean="0">
+                <a:solidFill>
+                  <a:srgbClr val="00CC66"/>
+                </a:solidFill>
+                <a:latin typeface="Calibri" pitchFamily="34" charset="0"/>
+                <a:cs typeface="+mj-cs"/>
+                <a:sym typeface="Arial" charset="0"/>
+              </a:rPr>
+              <a:t>Add, add, add</a:t>
+            </a:r>
+            <a:endParaRPr lang="en-US" sz="7200" dirty="0">
+              <a:solidFill>
+                <a:srgbClr val="00CC66"/>
+              </a:solidFill>
+              <a:latin typeface="Calibri" pitchFamily="34" charset="0"/>
+            </a:endParaRPr>
+          </a:p>
+        </p:txBody>
+      </p:sp>
+      <p:pic>
+        <p:nvPicPr>
+          <p:cNvPr id="13" name="Picture 6" descr="magic, wizard icon"/>
+          <p:cNvPicPr>
+            <a:picLocks noChangeAspect="1" noChangeArrowheads="1"/>
+          </p:cNvPicPr>
+          <p:nvPr/>
+        </p:nvPicPr>
+        <p:blipFill>
+          <a:blip r:embed="rId4"/>
+          <a:srcRect/>
+          <a:stretch>
+            <a:fillRect/>
+          </a:stretch>
+        </p:blipFill>
+        <p:spPr bwMode="auto">
+          <a:xfrm>
+            <a:off x="2692400" y="1295399"/>
+            <a:ext cx="990600" cy="990601"/>
+          </a:xfrm>
+          <a:prstGeom prst="rect">
+            <a:avLst/>
+          </a:prstGeom>
+          <a:noFill/>
+        </p:spPr>
+      </p:pic>
+      <p:pic>
+        <p:nvPicPr>
+          <p:cNvPr id="136194" name="Picture 2" descr="http://www.2dayblog.com/images/2007/june/worldtallest_legotower.jpg"/>
+          <p:cNvPicPr>
+            <a:picLocks noChangeAspect="1" noChangeArrowheads="1"/>
+          </p:cNvPicPr>
+          <p:nvPr/>
+        </p:nvPicPr>
+        <p:blipFill>
+          <a:blip r:embed="rId5"/>
+          <a:srcRect/>
+          <a:stretch>
+            <a:fillRect/>
+          </a:stretch>
+        </p:blipFill>
+        <p:spPr bwMode="auto">
+          <a:xfrm>
+            <a:off x="3759200" y="2523392"/>
+            <a:ext cx="5029200" cy="5496659"/>
+          </a:xfrm>
+          <a:prstGeom prst="rect">
+            <a:avLst/>
+          </a:prstGeom>
+          <a:noFill/>
+        </p:spPr>
+      </p:pic>
+    </p:spTree>
+  </p:cSld>
+  <p:clrMapOvr>
+    <a:masterClrMapping/>
+  </p:clrMapOvr>
+  <p:transition>
+    <p:fade/>
+  </p:transition>
+  <p:timing>
+    <p:tnLst>
+      <p:par>
+        <p:cTn id="1" dur="indefinite" restart="never" nodeType="tmRoot">
+          <p:childTnLst>
+            <p:seq concurrent="1" nextAc="seek">
+              <p:cTn id="2" dur="indefinite" nodeType="mainSeq">
+                <p:childTnLst>
+                  <p:par>
+                    <p:cTn id="3" fill="hold">
+                      <p:stCondLst>
+                        <p:cond delay="indefinite"/>
+                      </p:stCondLst>
+                      <p:childTnLst>
+                        <p:par>
+                          <p:cTn id="4" fill="hold">
+                            <p:stCondLst>
+                              <p:cond delay="0"/>
+                            </p:stCondLst>
+                            <p:childTnLst>
+                              <p:par>
+                                <p:cTn id="5" presetID="3" presetClass="entr" presetSubtype="10" fill="hold" nodeType="clickEffect">
+                                  <p:stCondLst>
+                                    <p:cond delay="0"/>
+                                  </p:stCondLst>
+                                  <p:childTnLst>
+                                    <p:set>
+                                      <p:cBhvr>
+                                        <p:cTn id="6" dur="1" fill="hold">
+                                          <p:stCondLst>
+                                            <p:cond delay="0"/>
+                                          </p:stCondLst>
+                                        </p:cTn>
+                                        <p:tgtEl>
+                                          <p:spTgt spid="12">
+                                            <p:txEl>
+                                              <p:pRg st="0" end="0"/>
+                                            </p:txEl>
+                                          </p:spTgt>
+                                        </p:tgtEl>
+                                        <p:attrNameLst>
+                                          <p:attrName>style.visibility</p:attrName>
+                                        </p:attrNameLst>
+                                      </p:cBhvr>
+                                      <p:to>
+                                        <p:strVal val="visible"/>
+                                      </p:to>
+                                    </p:set>
+                                    <p:animEffect transition="in" filter="blinds(horizontal)">
+                                      <p:cBhvr>
+                                        <p:cTn id="7" dur="500"/>
+                                        <p:tgtEl>
+                                          <p:spTgt spid="12">
+                                            <p:txEl>
+                                              <p:pRg st="0" end="0"/>
+                                            </p:txEl>
+                                          </p:spTgt>
+                                        </p:tgtEl>
+                                      </p:cBhvr>
+                                    </p:animEffect>
+                                  </p:childTnLst>
+                                </p:cTn>
+                              </p:par>
+                            </p:childTnLst>
+                          </p:cTn>
+                        </p:par>
+                      </p:childTnLst>
+                    </p:cTn>
+                  </p:par>
+                </p:childTnLst>
+              </p:cTn>
+              <p:prevCondLst>
+                <p:cond evt="onPrev" delay="0">
+                  <p:tgtEl>
+                    <p:sldTgt/>
+                  </p:tgtEl>
+                </p:cond>
+              </p:prevCondLst>
+              <p:nextCondLst>
+                <p:cond evt="onNext" delay="0">
+                  <p:tgtEl>
+                    <p:sldTgt/>
+                  </p:tgtEl>
+                </p:cond>
+              </p:nextCondLst>
+            </p:seq>
+          </p:childTnLst>
+        </p:cTn>
+      </p:par>
+    </p:tnLst>
+  </p:timing>
+</p:sld>
+</file>
+
+<file path=ppt/slides/slide34.xml><?xml version="1.0" encoding="utf-8"?>
+<p:sld xmlns:a="http://schemas.openxmlformats.org/drawingml/2006/main" xmlns:r="http://schemas.openxmlformats.org/officeDocument/2006/relationships" xmlns:p="http://schemas.openxmlformats.org/presentationml/2006/main">
+  <p:cSld>
+    <p:spTree>
+      <p:nvGrpSpPr>
+        <p:cNvPr id="1" name=""/>
+        <p:cNvGrpSpPr/>
+        <p:nvPr/>
+      </p:nvGrpSpPr>
+      <p:grpSpPr>
+        <a:xfrm>
+          <a:off x="0" y="0"/>
+          <a:ext cx="0" cy="0"/>
+          <a:chOff x="0" y="0"/>
+          <a:chExt cx="0" cy="0"/>
+        </a:xfrm>
+      </p:grpSpPr>
+      <p:sp>
+        <p:nvSpPr>
+          <p:cNvPr id="8193" name="Rectangle 1"/>
+          <p:cNvSpPr>
+            <a:spLocks noGrp="1" noChangeArrowheads="1"/>
+          </p:cNvSpPr>
+          <p:nvPr>
+            <p:ph type="title"/>
+          </p:nvPr>
+        </p:nvSpPr>
+        <p:spPr>
+          <a:xfrm>
+            <a:off x="711200" y="0"/>
+            <a:ext cx="12509500" cy="914400"/>
+          </a:xfrm>
+          <a:ln/>
+        </p:spPr>
+        <p:txBody>
+          <a:bodyPr/>
+          <a:lstStyle/>
+          <a:p>
+            <a:pPr lvl="0"/>
+            <a:r>
+              <a:rPr lang="en-US" sz="5400" dirty="0" smtClean="0">
+                <a:latin typeface="Lucida Handwriting" pitchFamily="66" charset="0"/>
+              </a:rPr>
+              <a:t>     DSL</a:t>
+            </a:r>
+            <a:endParaRPr lang="en-US" dirty="0"/>
+          </a:p>
+        </p:txBody>
+      </p:sp>
+      <p:sp>
+        <p:nvSpPr>
+          <p:cNvPr id="7" name="Rectangle 6"/>
+          <p:cNvSpPr/>
+          <p:nvPr/>
+        </p:nvSpPr>
+        <p:spPr>
+          <a:xfrm>
+            <a:off x="3987800" y="1286470"/>
+            <a:ext cx="7657866" cy="1107996"/>
+          </a:xfrm>
+          <a:prstGeom prst="rect">
+            <a:avLst/>
+          </a:prstGeom>
+        </p:spPr>
+        <p:txBody>
+          <a:bodyPr wrap="none">
+            <a:spAutoFit/>
+          </a:bodyPr>
+          <a:lstStyle/>
+          <a:p>
+            <a:pPr algn="ctr"/>
+            <a:r>
+              <a:rPr lang="en-US" sz="6600" i="1" kern="0" dirty="0" smtClean="0">
+                <a:solidFill>
+                  <a:srgbClr val="00CC66"/>
+                </a:solidFill>
+                <a:latin typeface="Calibri" pitchFamily="34" charset="0"/>
+                <a:cs typeface="+mj-cs"/>
+                <a:sym typeface="Arial" charset="0"/>
+              </a:rPr>
+              <a:t>Repeated parameters</a:t>
+            </a:r>
+          </a:p>
+        </p:txBody>
+      </p:sp>
+      <p:pic>
+        <p:nvPicPr>
+          <p:cNvPr id="8" name="Picture 10" descr="http://knowledgehub.zeus.com/media/Scala_Logo2008.png"/>
+          <p:cNvPicPr>
+            <a:picLocks noChangeAspect="1" noChangeArrowheads="1"/>
+          </p:cNvPicPr>
+          <p:nvPr/>
+        </p:nvPicPr>
+        <p:blipFill>
+          <a:blip r:embed="rId3"/>
+          <a:srcRect/>
+          <a:stretch>
+            <a:fillRect/>
+          </a:stretch>
+        </p:blipFill>
+        <p:spPr bwMode="auto">
+          <a:xfrm>
+            <a:off x="4140200" y="76200"/>
+            <a:ext cx="2279542" cy="679257"/>
+          </a:xfrm>
+          <a:prstGeom prst="rect">
+            <a:avLst/>
+          </a:prstGeom>
+          <a:noFill/>
+        </p:spPr>
+      </p:pic>
+      <p:sp>
+        <p:nvSpPr>
+          <p:cNvPr id="11" name="Rectangle 10"/>
+          <p:cNvSpPr/>
+          <p:nvPr/>
+        </p:nvSpPr>
+        <p:spPr>
+          <a:xfrm>
+            <a:off x="1168400" y="3219033"/>
+            <a:ext cx="10820400" cy="2800767"/>
+          </a:xfrm>
+          <a:prstGeom prst="rect">
+            <a:avLst/>
+          </a:prstGeom>
+          <a:solidFill>
+            <a:schemeClr val="bg1"/>
+          </a:solidFill>
+          <a:ln>
+            <a:solidFill>
+              <a:schemeClr val="tx1"/>
+            </a:solidFill>
+            <a:prstDash val="dash"/>
+          </a:ln>
+        </p:spPr>
+        <p:txBody>
+          <a:bodyPr wrap="square">
+            <a:spAutoFit/>
+          </a:bodyPr>
+          <a:lstStyle/>
+          <a:p>
+            <a:r>
+              <a:rPr lang="en-US" sz="4400" b="1" dirty="0" smtClean="0">
+                <a:latin typeface="Courier New"/>
+              </a:rPr>
+              <a:t>include(spec1)</a:t>
+            </a:r>
+          </a:p>
+          <a:p>
+            <a:r>
+              <a:rPr lang="en-US" sz="4400" b="1" dirty="0" smtClean="0">
+                <a:latin typeface="Courier New"/>
+              </a:rPr>
+              <a:t>include(spec1, spec2)</a:t>
+            </a:r>
+          </a:p>
+          <a:p>
+            <a:endParaRPr lang="en-US" sz="4400" b="1" dirty="0" smtClean="0">
+              <a:latin typeface="Courier New"/>
+            </a:endParaRPr>
+          </a:p>
+          <a:p>
+            <a:r>
+              <a:rPr lang="en-US" sz="4400" b="1" dirty="0" smtClean="0">
+                <a:latin typeface="Courier New"/>
+              </a:rPr>
+              <a:t>1 must </a:t>
+            </a:r>
+            <a:r>
+              <a:rPr lang="en-US" sz="4400" b="1" dirty="0" err="1" smtClean="0">
+                <a:latin typeface="Courier New"/>
+              </a:rPr>
+              <a:t>beOneOf</a:t>
+            </a:r>
+            <a:r>
+              <a:rPr lang="en-US" sz="4400" b="1" dirty="0" smtClean="0">
+                <a:latin typeface="Courier New"/>
+              </a:rPr>
+              <a:t>(1, 2, 3)</a:t>
+            </a:r>
+          </a:p>
+        </p:txBody>
+      </p:sp>
+      <p:pic>
+        <p:nvPicPr>
+          <p:cNvPr id="9" name="Picture 2" descr="toolbox icon"/>
+          <p:cNvPicPr>
+            <a:picLocks noChangeAspect="1" noChangeArrowheads="1"/>
+          </p:cNvPicPr>
+          <p:nvPr/>
+        </p:nvPicPr>
+        <p:blipFill>
+          <a:blip r:embed="rId4"/>
+          <a:srcRect/>
+          <a:stretch>
+            <a:fillRect/>
+          </a:stretch>
+        </p:blipFill>
+        <p:spPr bwMode="auto">
+          <a:xfrm>
+            <a:off x="558800" y="1066800"/>
+            <a:ext cx="1676400" cy="1676401"/>
+          </a:xfrm>
+          <a:prstGeom prst="rect">
+            <a:avLst/>
+          </a:prstGeom>
+          <a:noFill/>
+        </p:spPr>
+      </p:pic>
+    </p:spTree>
+  </p:cSld>
+  <p:clrMapOvr>
+    <a:masterClrMapping/>
+  </p:clrMapOvr>
+  <p:transition>
+    <p:fade/>
+  </p:transition>
+  <p:timing>
+    <p:tnLst>
+      <p:par>
+        <p:cTn id="1" dur="indefinite" restart="never" nodeType="tmRoot">
+          <p:childTnLst>
+            <p:seq concurrent="1" nextAc="seek">
+              <p:cTn id="2" dur="indefinite" nodeType="mainSeq">
+                <p:childTnLst>
+                  <p:par>
+                    <p:cTn id="3" fill="hold">
+                      <p:stCondLst>
+                        <p:cond delay="indefinite"/>
+                      </p:stCondLst>
+                      <p:childTnLst>
+                        <p:par>
+                          <p:cTn id="4" fill="hold">
+                            <p:stCondLst>
+                              <p:cond delay="0"/>
+                            </p:stCondLst>
+                            <p:childTnLst>
+                              <p:par>
+                                <p:cTn id="5" presetID="1" presetClass="entr" presetSubtype="0" fill="hold" nodeType="clickEffect">
+                                  <p:stCondLst>
+                                    <p:cond delay="0"/>
+                                  </p:stCondLst>
+                                  <p:childTnLst>
+                                    <p:set>
+                                      <p:cBhvr>
+                                        <p:cTn id="6" dur="1" fill="hold">
+                                          <p:stCondLst>
+                                            <p:cond delay="0"/>
+                                          </p:stCondLst>
+                                        </p:cTn>
+                                        <p:tgtEl>
+                                          <p:spTgt spid="11">
+                                            <p:txEl>
+                                              <p:pRg st="1" end="1"/>
+                                            </p:txEl>
+                                          </p:spTgt>
+                                        </p:tgtEl>
+                                        <p:attrNameLst>
+                                          <p:attrName>style.visibility</p:attrName>
+                                        </p:attrNameLst>
+                                      </p:cBhvr>
+                                      <p:to>
+                                        <p:strVal val="visible"/>
+                                      </p:to>
+                                    </p:set>
+                                  </p:childTnLst>
+                                </p:cTn>
+                              </p:par>
+                            </p:childTnLst>
+                          </p:cTn>
+                        </p:par>
+                      </p:childTnLst>
+                    </p:cTn>
+                  </p:par>
+                  <p:par>
+                    <p:cTn id="7" fill="hold">
+                      <p:stCondLst>
+                        <p:cond delay="indefinite"/>
+                      </p:stCondLst>
+                      <p:childTnLst>
+                        <p:par>
+                          <p:cTn id="8" fill="hold">
+                            <p:stCondLst>
+                              <p:cond delay="0"/>
+                            </p:stCondLst>
+                            <p:childTnLst>
+                              <p:par>
+                                <p:cTn id="9" presetID="1" presetClass="entr" presetSubtype="0" fill="hold" nodeType="clickEffect">
+                                  <p:stCondLst>
+                                    <p:cond delay="0"/>
+                                  </p:stCondLst>
+                                  <p:childTnLst>
+                                    <p:set>
+                                      <p:cBhvr>
+                                        <p:cTn id="10" dur="1" fill="hold">
+                                          <p:stCondLst>
+                                            <p:cond delay="0"/>
+                                          </p:stCondLst>
+                                        </p:cTn>
+                                        <p:tgtEl>
+                                          <p:spTgt spid="11">
+                                            <p:txEl>
+                                              <p:pRg st="3" end="3"/>
+                                            </p:txEl>
+                                          </p:spTgt>
+                                        </p:tgtEl>
+                                        <p:attrNameLst>
+                                          <p:attrName>style.visibility</p:attrName>
+                                        </p:attrNameLst>
+                                      </p:cBhvr>
+                                      <p:to>
+                                        <p:strVal val="visible"/>
+                                      </p:to>
+                                    </p:set>
+                                  </p:childTnLst>
+                                </p:cTn>
+                              </p:par>
+                            </p:childTnLst>
+                          </p:cTn>
+                        </p:par>
+                      </p:childTnLst>
+                    </p:cTn>
+                  </p:par>
+                </p:childTnLst>
+              </p:cTn>
+              <p:prevCondLst>
+                <p:cond evt="onPrev" delay="0">
+                  <p:tgtEl>
+                    <p:sldTgt/>
+                  </p:tgtEl>
+                </p:cond>
+              </p:prevCondLst>
+              <p:nextCondLst>
+                <p:cond evt="onNext" delay="0">
+                  <p:tgtEl>
+                    <p:sldTgt/>
+                  </p:tgtEl>
+                </p:cond>
+              </p:nextCondLst>
+            </p:seq>
+          </p:childTnLst>
+        </p:cTn>
+      </p:par>
+    </p:tnLst>
+  </p:timing>
+</p:sld>
+</file>
+
+<file path=ppt/slides/slide35.xml><?xml version="1.0" encoding="utf-8"?>
+<p:sld xmlns:a="http://schemas.openxmlformats.org/drawingml/2006/main" xmlns:r="http://schemas.openxmlformats.org/officeDocument/2006/relationships" xmlns:p="http://schemas.openxmlformats.org/presentationml/2006/main">
+  <p:cSld>
+    <p:spTree>
+      <p:nvGrpSpPr>
+        <p:cNvPr id="1" name=""/>
+        <p:cNvGrpSpPr/>
+        <p:nvPr/>
+      </p:nvGrpSpPr>
+      <p:grpSpPr>
+        <a:xfrm>
+          <a:off x="0" y="0"/>
+          <a:ext cx="0" cy="0"/>
+          <a:chOff x="0" y="0"/>
+          <a:chExt cx="0" cy="0"/>
+        </a:xfrm>
+      </p:grpSpPr>
+      <p:sp>
+        <p:nvSpPr>
+          <p:cNvPr id="8193" name="Rectangle 1"/>
+          <p:cNvSpPr>
+            <a:spLocks noGrp="1" noChangeArrowheads="1"/>
+          </p:cNvSpPr>
+          <p:nvPr>
+            <p:ph type="title"/>
+          </p:nvPr>
+        </p:nvSpPr>
+        <p:spPr>
+          <a:xfrm>
+            <a:off x="711200" y="0"/>
+            <a:ext cx="12509500" cy="914400"/>
+          </a:xfrm>
+          <a:ln/>
+        </p:spPr>
+        <p:txBody>
+          <a:bodyPr/>
+          <a:lstStyle/>
+          <a:p>
+            <a:pPr lvl="0"/>
+            <a:r>
+              <a:rPr lang="en-US" sz="5400" dirty="0" smtClean="0">
+                <a:latin typeface="Lucida Handwriting" pitchFamily="66" charset="0"/>
+              </a:rPr>
+              <a:t>     DSL</a:t>
+            </a:r>
+            <a:endParaRPr lang="en-US" dirty="0"/>
+          </a:p>
+        </p:txBody>
+      </p:sp>
+      <p:sp>
+        <p:nvSpPr>
+          <p:cNvPr id="7" name="Rectangle 6"/>
+          <p:cNvSpPr/>
+          <p:nvPr/>
+        </p:nvSpPr>
+        <p:spPr>
+          <a:xfrm>
+            <a:off x="3987800" y="1286470"/>
+            <a:ext cx="4669868" cy="1107996"/>
+          </a:xfrm>
+          <a:prstGeom prst="rect">
+            <a:avLst/>
+          </a:prstGeom>
+        </p:spPr>
+        <p:txBody>
+          <a:bodyPr wrap="none">
+            <a:spAutoFit/>
+          </a:bodyPr>
+          <a:lstStyle/>
+          <a:p>
+            <a:pPr algn="ctr"/>
+            <a:r>
+              <a:rPr lang="en-US" sz="6600" i="1" kern="0" dirty="0" smtClean="0">
+                <a:solidFill>
+                  <a:srgbClr val="00CC66"/>
+                </a:solidFill>
+                <a:latin typeface="Calibri" pitchFamily="34" charset="0"/>
+                <a:cs typeface="+mj-cs"/>
+                <a:sym typeface="Arial" charset="0"/>
+              </a:rPr>
+              <a:t>Use and pass</a:t>
+            </a:r>
+          </a:p>
+        </p:txBody>
+      </p:sp>
+      <p:pic>
+        <p:nvPicPr>
+          <p:cNvPr id="8" name="Picture 10" descr="http://knowledgehub.zeus.com/media/Scala_Logo2008.png"/>
+          <p:cNvPicPr>
+            <a:picLocks noChangeAspect="1" noChangeArrowheads="1"/>
+          </p:cNvPicPr>
+          <p:nvPr/>
+        </p:nvPicPr>
+        <p:blipFill>
+          <a:blip r:embed="rId3"/>
+          <a:srcRect/>
+          <a:stretch>
+            <a:fillRect/>
+          </a:stretch>
+        </p:blipFill>
+        <p:spPr bwMode="auto">
+          <a:xfrm>
+            <a:off x="4140200" y="76200"/>
+            <a:ext cx="2279542" cy="679257"/>
+          </a:xfrm>
+          <a:prstGeom prst="rect">
+            <a:avLst/>
+          </a:prstGeom>
+          <a:noFill/>
+        </p:spPr>
+      </p:pic>
+      <p:sp>
+        <p:nvSpPr>
+          <p:cNvPr id="11" name="Rectangle 10"/>
+          <p:cNvSpPr/>
+          <p:nvPr/>
+        </p:nvSpPr>
+        <p:spPr>
+          <a:xfrm>
+            <a:off x="558800" y="2895600"/>
+            <a:ext cx="12039600" cy="5324535"/>
+          </a:xfrm>
+          <a:prstGeom prst="rect">
+            <a:avLst/>
+          </a:prstGeom>
+          <a:solidFill>
+            <a:schemeClr val="bg1"/>
+          </a:solidFill>
+          <a:ln>
+            <a:solidFill>
+              <a:schemeClr val="tx1"/>
+            </a:solidFill>
+            <a:prstDash val="dash"/>
+          </a:ln>
+        </p:spPr>
+        <p:txBody>
+          <a:bodyPr wrap="square">
+            <a:spAutoFit/>
+          </a:bodyPr>
+          <a:lstStyle/>
+          <a:p>
+            <a:r>
+              <a:rPr lang="en-US" sz="4400" b="1" dirty="0" smtClean="0">
+                <a:latin typeface="Courier New"/>
+              </a:rPr>
+              <a:t>result </a:t>
+            </a:r>
+            <a:r>
+              <a:rPr lang="en-US" sz="4400" b="1" dirty="0" smtClean="0">
+                <a:latin typeface="Courier New"/>
+              </a:rPr>
+              <a:t>+ 1 </a:t>
+            </a:r>
+            <a:r>
+              <a:rPr lang="en-US" sz="4400" b="1" dirty="0" smtClean="0">
+                <a:latin typeface="Courier New"/>
+              </a:rPr>
+              <a:t>   </a:t>
+            </a:r>
+            <a:r>
+              <a:rPr lang="en-US" sz="4400" b="1" dirty="0" smtClean="0">
+                <a:solidFill>
+                  <a:srgbClr val="3F7F5F"/>
+                </a:solidFill>
+                <a:latin typeface="Courier New"/>
+              </a:rPr>
+              <a:t>// result = ?</a:t>
+            </a:r>
+            <a:endParaRPr lang="en-US" sz="4400" b="1" dirty="0" smtClean="0">
+              <a:solidFill>
+                <a:srgbClr val="3F7F5F"/>
+              </a:solidFill>
+              <a:latin typeface="Courier New"/>
+            </a:endParaRPr>
+          </a:p>
+          <a:p>
+            <a:r>
+              <a:rPr lang="en-US" sz="4400" b="1" dirty="0" err="1" smtClean="0">
+                <a:latin typeface="Courier New"/>
+              </a:rPr>
+              <a:t>result</a:t>
+            </a:r>
+            <a:r>
+              <a:rPr lang="en-US" sz="4400" b="1" dirty="0" err="1" smtClean="0">
+                <a:solidFill>
+                  <a:srgbClr val="2A00FF"/>
+                </a:solidFill>
+                <a:latin typeface="Courier New"/>
+              </a:rPr>
+              <a:t>.pp</a:t>
+            </a:r>
+            <a:r>
+              <a:rPr lang="en-US" sz="4400" b="1" dirty="0" smtClean="0">
+                <a:latin typeface="Courier New"/>
+              </a:rPr>
+              <a:t> </a:t>
+            </a:r>
+            <a:r>
+              <a:rPr lang="en-US" sz="4400" b="1" dirty="0" smtClean="0">
+                <a:latin typeface="Courier New"/>
+              </a:rPr>
+              <a:t>+ 1 </a:t>
+            </a:r>
+            <a:r>
+              <a:rPr lang="en-US" sz="4400" b="1" dirty="0" smtClean="0">
+                <a:solidFill>
+                  <a:srgbClr val="3F7F5F"/>
+                </a:solidFill>
+                <a:latin typeface="Courier New"/>
+              </a:rPr>
+              <a:t>// print and pass</a:t>
+            </a:r>
+          </a:p>
+          <a:p>
+            <a:endParaRPr lang="en-US" sz="4400" b="1" dirty="0" smtClean="0">
+              <a:latin typeface="Courier New"/>
+            </a:endParaRPr>
+          </a:p>
+          <a:p>
+            <a:r>
+              <a:rPr lang="en-US" sz="4400" b="1" dirty="0" err="1" smtClean="0">
+                <a:latin typeface="Courier New"/>
+              </a:rPr>
+              <a:t>Customers.findBy</a:t>
+            </a:r>
+            <a:r>
+              <a:rPr lang="en-US" sz="4400" b="1" dirty="0" smtClean="0">
+                <a:latin typeface="Courier New"/>
+              </a:rPr>
+              <a:t>(_.age &gt;= 18) </a:t>
+            </a:r>
+          </a:p>
+          <a:p>
+            <a:r>
+              <a:rPr lang="en-US" sz="4400" b="1" dirty="0" smtClean="0">
+                <a:latin typeface="Courier New"/>
+              </a:rPr>
+              <a:t>  aka </a:t>
+            </a:r>
+            <a:r>
+              <a:rPr lang="en-US" sz="4400" b="1" dirty="0" smtClean="0">
+                <a:solidFill>
+                  <a:srgbClr val="2A00FF"/>
+                </a:solidFill>
+                <a:latin typeface="Courier New"/>
+              </a:rPr>
+              <a:t>"adult customers"</a:t>
+            </a:r>
+            <a:r>
+              <a:rPr lang="en-US" sz="4400" b="1" dirty="0" smtClean="0">
+                <a:latin typeface="Courier New"/>
+              </a:rPr>
+              <a:t> </a:t>
+            </a:r>
+          </a:p>
+          <a:p>
+            <a:r>
+              <a:rPr lang="en-US" sz="4400" b="1" dirty="0" smtClean="0">
+                <a:latin typeface="Courier New"/>
+              </a:rPr>
+              <a:t>  must </a:t>
+            </a:r>
+            <a:r>
+              <a:rPr lang="en-US" sz="4400" b="1" dirty="0" err="1" smtClean="0">
+                <a:latin typeface="Courier New"/>
+              </a:rPr>
+              <a:t>haveSize</a:t>
+            </a:r>
+            <a:r>
+              <a:rPr lang="en-US" sz="4400" b="1" dirty="0" smtClean="0">
+                <a:latin typeface="Courier New"/>
+              </a:rPr>
+              <a:t>(3)</a:t>
+            </a:r>
+          </a:p>
+          <a:p>
+            <a:endParaRPr lang="en-US" sz="4400" b="1" dirty="0" smtClean="0">
+              <a:latin typeface="Courier New"/>
+            </a:endParaRPr>
+          </a:p>
+          <a:p>
+            <a:r>
+              <a:rPr lang="en-US" sz="3200" b="1" dirty="0" smtClean="0">
+                <a:solidFill>
+                  <a:srgbClr val="3F7F5F"/>
+                </a:solidFill>
+                <a:latin typeface="Courier New"/>
+              </a:rPr>
+              <a:t>&gt; </a:t>
+            </a:r>
+            <a:r>
+              <a:rPr lang="en-US" sz="3200" b="1" dirty="0" smtClean="0">
+                <a:solidFill>
+                  <a:srgbClr val="3F7F5F"/>
+                </a:solidFill>
+                <a:latin typeface="Courier New"/>
+              </a:rPr>
+              <a:t>adult </a:t>
+            </a:r>
+            <a:r>
+              <a:rPr lang="en-US" sz="3200" b="1" dirty="0" smtClean="0">
+                <a:solidFill>
+                  <a:srgbClr val="3F7F5F"/>
+                </a:solidFill>
+                <a:latin typeface="Courier New"/>
+              </a:rPr>
+              <a:t>customers </a:t>
+            </a:r>
+            <a:r>
+              <a:rPr lang="en-US" sz="3200" b="1" dirty="0" smtClean="0">
+                <a:solidFill>
+                  <a:srgbClr val="3F7F5F"/>
+                </a:solidFill>
+                <a:latin typeface="Courier New"/>
+              </a:rPr>
+              <a:t>'Bob</a:t>
+            </a:r>
+            <a:r>
+              <a:rPr lang="en-US" sz="3200" b="1" dirty="0" smtClean="0">
+                <a:solidFill>
+                  <a:srgbClr val="3F7F5F"/>
+                </a:solidFill>
+                <a:latin typeface="Courier New"/>
+              </a:rPr>
+              <a:t>, </a:t>
+            </a:r>
+            <a:r>
+              <a:rPr lang="en-US" sz="3200" b="1" dirty="0" smtClean="0">
+                <a:solidFill>
+                  <a:srgbClr val="3F7F5F"/>
+                </a:solidFill>
+                <a:latin typeface="Courier New"/>
+              </a:rPr>
+              <a:t>Lee</a:t>
+            </a:r>
+            <a:r>
+              <a:rPr lang="en-US" sz="3200" b="1" dirty="0" smtClean="0">
+                <a:solidFill>
+                  <a:srgbClr val="3F7F5F"/>
+                </a:solidFill>
+                <a:latin typeface="Courier New"/>
+              </a:rPr>
+              <a:t>' </a:t>
+            </a:r>
+            <a:r>
+              <a:rPr lang="en-US" sz="3200" b="1" dirty="0" smtClean="0">
+                <a:solidFill>
+                  <a:srgbClr val="3F7F5F"/>
+                </a:solidFill>
+                <a:latin typeface="Courier New"/>
+              </a:rPr>
+              <a:t>doesn't </a:t>
+            </a:r>
+            <a:r>
+              <a:rPr lang="en-US" sz="3200" b="1" dirty="0" smtClean="0">
+                <a:solidFill>
+                  <a:srgbClr val="3F7F5F"/>
+                </a:solidFill>
+                <a:latin typeface="Courier New"/>
+              </a:rPr>
+              <a:t>have size 3</a:t>
+            </a:r>
+            <a:endParaRPr lang="en-US" sz="3200" b="1" dirty="0" smtClean="0">
+              <a:latin typeface="Courier New"/>
+            </a:endParaRPr>
+          </a:p>
+        </p:txBody>
+      </p:sp>
+      <p:pic>
+        <p:nvPicPr>
+          <p:cNvPr id="74758" name="Picture 6" descr="film, film roll, media, picture, video icon"/>
+          <p:cNvPicPr>
+            <a:picLocks noChangeAspect="1" noChangeArrowheads="1"/>
+          </p:cNvPicPr>
+          <p:nvPr/>
+        </p:nvPicPr>
+        <p:blipFill>
+          <a:blip r:embed="rId4"/>
+          <a:srcRect b="25000"/>
+          <a:stretch>
+            <a:fillRect/>
+          </a:stretch>
+        </p:blipFill>
+        <p:spPr bwMode="auto">
+          <a:xfrm>
+            <a:off x="863600" y="1066800"/>
+            <a:ext cx="1828800" cy="1371600"/>
+          </a:xfrm>
+          <a:prstGeom prst="rect">
+            <a:avLst/>
+          </a:prstGeom>
+          <a:noFill/>
+        </p:spPr>
+      </p:pic>
+    </p:spTree>
+  </p:cSld>
+  <p:clrMapOvr>
+    <a:masterClrMapping/>
+  </p:clrMapOvr>
+  <p:transition>
+    <p:fade/>
+  </p:transition>
+  <p:timing>
+    <p:tnLst>
+      <p:par>
+        <p:cTn id="1" dur="indefinite" restart="never" nodeType="tmRoot">
+          <p:childTnLst>
+            <p:seq concurrent="1" nextAc="seek">
+              <p:cTn id="2" dur="indefinite" nodeType="mainSeq">
+                <p:childTnLst>
+                  <p:par>
+                    <p:cTn id="3" fill="hold">
+                      <p:stCondLst>
+                        <p:cond delay="indefinite"/>
+                      </p:stCondLst>
+                      <p:childTnLst>
+                        <p:par>
+                          <p:cTn id="4" fill="hold">
+                            <p:stCondLst>
+                              <p:cond delay="0"/>
+                            </p:stCondLst>
+                            <p:childTnLst>
+                              <p:par>
+                                <p:cTn id="5" presetID="1" presetClass="entr" presetSubtype="0" fill="hold" nodeType="clickEffect">
+                                  <p:stCondLst>
+                                    <p:cond delay="0"/>
+                                  </p:stCondLst>
+                                  <p:childTnLst>
+                                    <p:set>
+                                      <p:cBhvr>
+                                        <p:cTn id="6" dur="1" fill="hold">
+                                          <p:stCondLst>
+                                            <p:cond delay="0"/>
+                                          </p:stCondLst>
+                                        </p:cTn>
+                                        <p:tgtEl>
+                                          <p:spTgt spid="11">
+                                            <p:txEl>
+                                              <p:pRg st="1" end="1"/>
+                                            </p:txEl>
+                                          </p:spTgt>
+                                        </p:tgtEl>
+                                        <p:attrNameLst>
+                                          <p:attrName>style.visibility</p:attrName>
+                                        </p:attrNameLst>
+                                      </p:cBhvr>
+                                      <p:to>
+                                        <p:strVal val="visible"/>
+                                      </p:to>
+                                    </p:set>
+                                  </p:childTnLst>
+                                </p:cTn>
+                              </p:par>
+                            </p:childTnLst>
+                          </p:cTn>
+                        </p:par>
+                      </p:childTnLst>
+                    </p:cTn>
+                  </p:par>
+                  <p:par>
+                    <p:cTn id="7" fill="hold">
+                      <p:stCondLst>
+                        <p:cond delay="indefinite"/>
+                      </p:stCondLst>
+                      <p:childTnLst>
+                        <p:par>
+                          <p:cTn id="8" fill="hold">
+                            <p:stCondLst>
+                              <p:cond delay="0"/>
+                            </p:stCondLst>
+                            <p:childTnLst>
+                              <p:par>
+                                <p:cTn id="9" presetID="1" presetClass="entr" presetSubtype="0" fill="hold" nodeType="clickEffect">
+                                  <p:stCondLst>
+                                    <p:cond delay="0"/>
+                                  </p:stCondLst>
+                                  <p:childTnLst>
+                                    <p:set>
+                                      <p:cBhvr>
+                                        <p:cTn id="10" dur="1" fill="hold">
+                                          <p:stCondLst>
+                                            <p:cond delay="0"/>
+                                          </p:stCondLst>
+                                        </p:cTn>
+                                        <p:tgtEl>
+                                          <p:spTgt spid="11">
+                                            <p:txEl>
+                                              <p:pRg st="3" end="3"/>
+                                            </p:txEl>
+                                          </p:spTgt>
+                                        </p:tgtEl>
+                                        <p:attrNameLst>
+                                          <p:attrName>style.visibility</p:attrName>
+                                        </p:attrNameLst>
+                                      </p:cBhvr>
+                                      <p:to>
+                                        <p:strVal val="visible"/>
+                                      </p:to>
+                                    </p:set>
+                                  </p:childTnLst>
+                                </p:cTn>
+                              </p:par>
+                              <p:par>
+                                <p:cTn id="11" presetID="1" presetClass="entr" presetSubtype="0" fill="hold" nodeType="withEffect">
                                   <p:stCondLst>
                                     <p:cond delay="0"/>
                                   </p:stCondLst>
@@ -21437,7 +22193,7 @@
                                         <p:tgtEl>
                                           <p:spTgt spid="11">
                                             <p:txEl>
-                                              <p:pRg st="3" end="3"/>
+                                              <p:pRg st="5" end="5"/>
                                             </p:txEl>
                                           </p:spTgt>
                                         </p:tgtEl>
@@ -21486,7 +22242,56 @@
                                         <p:tgtEl>
                                           <p:spTgt spid="11">
                                             <p:txEl>
-                                              <p:pRg st="6" end="6"/>
+                                              <p:pRg st="4" end="4"/>
+                                            </p:txEl>
+                                          </p:spTgt>
+                                        </p:tgtEl>
+                                        <p:attrNameLst>
+                                          <p:attrName>style.visibility</p:attrName>
+                                        </p:attrNameLst>
+                                      </p:cBhvr>
+                                      <p:to>
+                                        <p:strVal val="visible"/>
+                                      </p:to>
+                                    </p:set>
+                                  </p:childTnLst>
+                                </p:cTn>
+                              </p:par>
+                            </p:childTnLst>
+                          </p:cTn>
+                        </p:par>
+                      </p:childTnLst>
+                    </p:cTn>
+                  </p:par>
+                  <p:par>
+                    <p:cTn id="17" fill="hold">
+                      <p:stCondLst>
+                        <p:cond delay="indefinite"/>
+                      </p:stCondLst>
+                      <p:childTnLst>
+                        <p:par>
+                          <p:cTn id="18" fill="hold">
+                            <p:stCondLst>
+                              <p:cond delay="0"/>
+                            </p:stCondLst>
+                            <p:childTnLst>
+                              <p:par>
+                                <p:cTn id="19" presetID="1" presetClass="entr" presetSubtype="0" fill="hold" nodeType="clickEffect">
+                                  <p:stCondLst>
+                                    <p:cond delay="0"/>
+                                  </p:stCondLst>
+                                  <p:childTnLst>
+                                    <p:set>
+                                      <p:cBhvr>
+                                        <p:cTn id="20" dur="1" fill="hold">
+                                          <p:stCondLst>
+                                            <p:cond delay="0"/>
+                                          </p:stCondLst>
+                                        </p:cTn>
+                                        <p:tgtEl>
+                                          <p:spTgt spid="11">
+                                            <p:txEl>
+                                              <p:pRg st="7" end="7"/>
                                             </p:txEl>
                                           </p:spTgt>
                                         </p:tgtEl>
@@ -22132,13 +22937,7 @@
               <a:rPr lang="en-US" sz="4000" dirty="0" smtClean="0">
                 <a:latin typeface="Courier New"/>
               </a:rPr>
-              <a:t> </a:t>
-            </a:r>
-            <a:r>
-              <a:rPr lang="en-US" sz="4000" dirty="0" smtClean="0">
-                <a:latin typeface="Courier New"/>
-              </a:rPr>
-              <a:t>Tagged {</a:t>
+              <a:t> Tagged {</a:t>
             </a:r>
           </a:p>
           <a:p>
@@ -25045,7 +25844,91 @@
   <p:timing>
     <p:tnLst>
       <p:par>
-        <p:cTn id="1" dur="indefinite" restart="never" nodeType="tmRoot"/>
+        <p:cTn id="1" dur="indefinite" restart="never" nodeType="tmRoot">
+          <p:childTnLst>
+            <p:seq concurrent="1" nextAc="seek">
+              <p:cTn id="2" dur="indefinite" nodeType="mainSeq">
+                <p:childTnLst>
+                  <p:par>
+                    <p:cTn id="3" fill="hold">
+                      <p:stCondLst>
+                        <p:cond delay="indefinite"/>
+                      </p:stCondLst>
+                      <p:childTnLst>
+                        <p:par>
+                          <p:cTn id="4" fill="hold">
+                            <p:stCondLst>
+                              <p:cond delay="0"/>
+                            </p:stCondLst>
+                            <p:childTnLst>
+                              <p:par>
+                                <p:cTn id="5" presetID="3" presetClass="entr" presetSubtype="10" fill="hold" nodeType="clickEffect">
+                                  <p:stCondLst>
+                                    <p:cond delay="0"/>
+                                  </p:stCondLst>
+                                  <p:childTnLst>
+                                    <p:set>
+                                      <p:cBhvr>
+                                        <p:cTn id="6" dur="1" fill="hold">
+                                          <p:stCondLst>
+                                            <p:cond delay="0"/>
+                                          </p:stCondLst>
+                                        </p:cTn>
+                                        <p:tgtEl>
+                                          <p:spTgt spid="12">
+                                            <p:txEl>
+                                              <p:pRg st="0" end="0"/>
+                                            </p:txEl>
+                                          </p:spTgt>
+                                        </p:tgtEl>
+                                        <p:attrNameLst>
+                                          <p:attrName>style.visibility</p:attrName>
+                                        </p:attrNameLst>
+                                      </p:cBhvr>
+                                      <p:to>
+                                        <p:strVal val="visible"/>
+                                      </p:to>
+                                    </p:set>
+                                    <p:animEffect transition="in" filter="blinds(horizontal)">
+                                      <p:cBhvr>
+                                        <p:cTn id="7" dur="500"/>
+                                        <p:tgtEl>
+                                          <p:spTgt spid="12">
+                                            <p:txEl>
+                                              <p:pRg st="0" end="0"/>
+                                            </p:txEl>
+                                          </p:spTgt>
+                                        </p:tgtEl>
+                                      </p:cBhvr>
+                                    </p:animEffect>
+                                  </p:childTnLst>
+                                </p:cTn>
+                              </p:par>
+                            </p:childTnLst>
+                          </p:cTn>
+                        </p:par>
+                      </p:childTnLst>
+                    </p:cTn>
+                  </p:par>
+                </p:childTnLst>
+              </p:cTn>
+              <p:prevCondLst>
+                <p:cond evt="onPrev" delay="0">
+                  <p:tgtEl>
+                    <p:sldTgt/>
+                  </p:tgtEl>
+                </p:cond>
+              </p:prevCondLst>
+              <p:nextCondLst>
+                <p:cond evt="onNext" delay="0">
+                  <p:tgtEl>
+                    <p:sldTgt/>
+                  </p:tgtEl>
+                </p:cond>
+              </p:nextCondLst>
+            </p:seq>
+          </p:childTnLst>
+        </p:cTn>
       </p:par>
     </p:tnLst>
   </p:timing>
@@ -26170,37 +27053,19 @@
               <a:rPr lang="en-US" sz="3200" b="1" dirty="0" smtClean="0">
                 <a:latin typeface="Courier New"/>
               </a:rPr>
-              <a:t> </a:t>
+              <a:t> method[T](</a:t>
+            </a:r>
+            <a:r>
+              <a:rPr lang="en-US" sz="3200" b="1" dirty="0" err="1" smtClean="0">
+                <a:latin typeface="Courier New"/>
+              </a:rPr>
+              <a:t>params</a:t>
             </a:r>
             <a:r>
               <a:rPr lang="en-US" sz="3200" b="1" dirty="0" smtClean="0">
                 <a:latin typeface="Courier New"/>
               </a:rPr>
-              <a:t>method[T](</a:t>
-            </a:r>
-            <a:r>
-              <a:rPr lang="en-US" sz="3200" b="1" dirty="0" err="1" smtClean="0">
-                <a:latin typeface="Courier New"/>
-              </a:rPr>
-              <a:t>params</a:t>
-            </a:r>
-            <a:r>
-              <a:rPr lang="en-US" sz="3200" b="1" dirty="0" smtClean="0">
-                <a:latin typeface="Courier New"/>
-              </a:rPr>
-              <a:t>: </a:t>
-            </a:r>
-            <a:r>
-              <a:rPr lang="en-US" sz="3200" b="1" dirty="0" smtClean="0">
-                <a:latin typeface="Courier New"/>
-              </a:rPr>
-              <a:t>=&gt;</a:t>
-            </a:r>
-            <a:r>
-              <a:rPr lang="en-US" sz="3200" b="1" dirty="0" smtClean="0">
-                <a:latin typeface="Courier New"/>
-              </a:rPr>
-              <a:t>T*) &lt;&lt;&lt;&lt; </a:t>
+              <a:t>: =&gt;T*) &lt;&lt;&lt;&lt; </a:t>
             </a:r>
             <a:r>
               <a:rPr lang="en-US" sz="4000" kern="0" dirty="0" smtClean="0">
@@ -26218,9 +27083,6 @@
               </a:rPr>
               <a:t>    </a:t>
             </a:r>
-            <a:endParaRPr lang="en-US" sz="3200" b="1" dirty="0" smtClean="0">
-              <a:latin typeface="Courier New"/>
-            </a:endParaRPr>
           </a:p>
           <a:p>
             <a:r>
@@ -26351,25 +27213,7 @@
                 <a:cs typeface="+mj-cs"/>
                 <a:sym typeface="Arial" charset="0"/>
               </a:rPr>
-              <a:t> </a:t>
-            </a:r>
-            <a:r>
-              <a:rPr kumimoji="0" lang="en-US" sz="4400" i="0" u="none" strike="noStrike" kern="0" cap="none" spc="0" normalizeH="0" baseline="0" noProof="0" dirty="0" smtClean="0">
-                <a:ln>
-                  <a:noFill/>
-                </a:ln>
-                <a:solidFill>
-                  <a:srgbClr val="FF0000"/>
-                </a:solidFill>
-                <a:effectLst/>
-                <a:uLnTx/>
-                <a:uFillTx/>
-                <a:latin typeface="Calibri" pitchFamily="34" charset="0"/>
-                <a:ea typeface="+mj-ea"/>
-                <a:cs typeface="+mj-cs"/>
-                <a:sym typeface="Arial" charset="0"/>
-              </a:rPr>
-              <a:t>With </a:t>
+              <a:t> With </a:t>
             </a:r>
             <a:r>
               <a:rPr kumimoji="0" lang="en-US" sz="4400" i="0" u="none" strike="noStrike" kern="0" cap="none" spc="0" normalizeH="0" baseline="0" noProof="0" dirty="0" err="1" smtClean="0">
@@ -26690,13 +27534,7 @@
               <a:rPr lang="en-US" sz="3200" b="1" dirty="0" smtClean="0">
                 <a:latin typeface="Courier New"/>
               </a:rPr>
-              <a:t>[T](value</a:t>
-            </a:r>
-            <a:r>
-              <a:rPr lang="en-US" sz="3200" b="1" dirty="0" smtClean="0">
-                <a:latin typeface="Courier New"/>
-              </a:rPr>
-              <a:t>: =&gt;T): … =    </a:t>
+              <a:t>[T](value: =&gt;T): … =    </a:t>
             </a:r>
           </a:p>
           <a:p>
@@ -26874,13 +27712,7 @@
               <a:rPr lang="en-US" sz="3200" b="1" dirty="0" smtClean="0">
                 <a:latin typeface="Courier New"/>
               </a:rPr>
-              <a:t>[T</a:t>
-            </a:r>
-            <a:r>
-              <a:rPr lang="en-US" sz="3200" b="1" dirty="0" smtClean="0">
-                <a:latin typeface="Courier New"/>
-              </a:rPr>
-              <a:t>]*)</a:t>
+              <a:t>[T]*)</a:t>
             </a:r>
           </a:p>
           <a:p>
@@ -27430,7 +28262,23 @@
                 <a:latin typeface="Freestyle Script" pitchFamily="66" charset="0"/>
                 <a:sym typeface="Gill Sans" pitchFamily="1" charset="0"/>
               </a:rPr>
-              <a:t>Tuesday, June 15, 2010</a:t>
+              <a:pPr marL="0" marR="0" indent="0" algn="ctr" defTabSz="914400" rtl="0" eaLnBrk="1" fontAlgn="base" latinLnBrk="0" hangingPunct="1">
+                <a:lnSpc>
+                  <a:spcPct val="100000"/>
+                </a:lnSpc>
+                <a:spcBef>
+                  <a:spcPct val="0"/>
+                </a:spcBef>
+                <a:spcAft>
+                  <a:spcPct val="0"/>
+                </a:spcAft>
+                <a:buClrTx/>
+                <a:buSzTx/>
+                <a:buFontTx/>
+                <a:buNone/>
+                <a:tabLst/>
+              </a:pPr>
+              <a:t>Wednesday, June 16, 2010</a:t>
             </a:fld>
             <a:endParaRPr kumimoji="0" lang="en-US" sz="4000" b="0" i="0" u="none" strike="noStrike" cap="none" normalizeH="0" baseline="0" dirty="0" smtClean="0">
               <a:ln>
@@ -27901,14 +28749,323 @@
       </p:pic>
       <p:sp>
         <p:nvSpPr>
-          <p:cNvPr id="12" name="Rectangle 11"/>
+          <p:cNvPr id="11" name="Rectangle 10"/>
           <p:cNvSpPr/>
           <p:nvPr/>
         </p:nvSpPr>
         <p:spPr>
           <a:xfrm>
-            <a:off x="3719155" y="1238071"/>
-            <a:ext cx="4764445" cy="1200329"/>
+            <a:off x="330200" y="2971800"/>
+            <a:ext cx="12344400" cy="5693866"/>
+          </a:xfrm>
+          <a:prstGeom prst="rect">
+            <a:avLst/>
+          </a:prstGeom>
+          <a:ln>
+            <a:solidFill>
+              <a:schemeClr val="tx1"/>
+            </a:solidFill>
+            <a:prstDash val="dash"/>
+          </a:ln>
+        </p:spPr>
+        <p:txBody>
+          <a:bodyPr wrap="square">
+            <a:spAutoFit/>
+          </a:bodyPr>
+          <a:lstStyle/>
+          <a:p>
+            <a:r>
+              <a:rPr lang="en-US" sz="2800" b="1" dirty="0" smtClean="0">
+                <a:solidFill>
+                  <a:srgbClr val="7F0055"/>
+                </a:solidFill>
+                <a:latin typeface="Courier New"/>
+              </a:rPr>
+              <a:t>class</a:t>
+            </a:r>
+            <a:r>
+              <a:rPr lang="en-US" sz="2800" b="1" dirty="0" smtClean="0">
+                <a:latin typeface="Courier New"/>
+              </a:rPr>
+              <a:t> </a:t>
+            </a:r>
+            <a:r>
+              <a:rPr lang="en-US" sz="2800" b="1" dirty="0" err="1" smtClean="0">
+                <a:latin typeface="Courier New"/>
+              </a:rPr>
+              <a:t>ExampleDesc</a:t>
+            </a:r>
+            <a:r>
+              <a:rPr lang="en-US" sz="2800" b="1" dirty="0" smtClean="0">
+                <a:latin typeface="Courier New"/>
+              </a:rPr>
+              <a:t>(d: String) {</a:t>
+            </a:r>
+          </a:p>
+          <a:p>
+            <a:r>
+              <a:rPr lang="en-US" sz="2800" b="1" dirty="0" smtClean="0">
+                <a:solidFill>
+                  <a:srgbClr val="7F0055"/>
+                </a:solidFill>
+                <a:latin typeface="Courier New"/>
+              </a:rPr>
+              <a:t>  def</a:t>
+            </a:r>
+            <a:r>
+              <a:rPr lang="en-US" sz="2800" b="1" dirty="0" smtClean="0">
+                <a:latin typeface="Courier New"/>
+              </a:rPr>
+              <a:t> &gt;&gt;(e: =&gt;</a:t>
+            </a:r>
+            <a:r>
+              <a:rPr lang="en-US" sz="2800" b="1" dirty="0" smtClean="0">
+                <a:solidFill>
+                  <a:srgbClr val="7F0055"/>
+                </a:solidFill>
+                <a:latin typeface="Courier New"/>
+              </a:rPr>
+              <a:t>Any</a:t>
+            </a:r>
+            <a:r>
+              <a:rPr lang="en-US" sz="2800" b="1" dirty="0" smtClean="0">
+                <a:latin typeface="Courier New"/>
+              </a:rPr>
+              <a:t>): Example = </a:t>
+            </a:r>
+            <a:r>
+              <a:rPr lang="en-US" sz="2800" b="1" dirty="0" smtClean="0">
+                <a:solidFill>
+                  <a:srgbClr val="7F0055"/>
+                </a:solidFill>
+                <a:latin typeface="Courier New"/>
+              </a:rPr>
+              <a:t>new</a:t>
+            </a:r>
+            <a:r>
+              <a:rPr lang="en-US" sz="2800" b="1" dirty="0" smtClean="0">
+                <a:latin typeface="Courier New"/>
+              </a:rPr>
+              <a:t> Example(d, e)</a:t>
+            </a:r>
+          </a:p>
+          <a:p>
+            <a:r>
+              <a:rPr lang="en-US" sz="2800" dirty="0" smtClean="0">
+                <a:latin typeface="Courier New"/>
+              </a:rPr>
+              <a:t>}</a:t>
+            </a:r>
+          </a:p>
+          <a:p>
+            <a:r>
+              <a:rPr lang="en-US" sz="2800" b="1" dirty="0" smtClean="0">
+                <a:solidFill>
+                  <a:srgbClr val="7F0055"/>
+                </a:solidFill>
+                <a:latin typeface="Courier New"/>
+              </a:rPr>
+              <a:t>class</a:t>
+            </a:r>
+            <a:r>
+              <a:rPr lang="en-US" sz="2800" b="1" dirty="0" smtClean="0">
+                <a:latin typeface="Courier New"/>
+              </a:rPr>
+              <a:t> Example(d: String, e: =&gt;</a:t>
+            </a:r>
+            <a:r>
+              <a:rPr lang="en-US" sz="2800" b="1" dirty="0" smtClean="0">
+                <a:solidFill>
+                  <a:srgbClr val="7F0055"/>
+                </a:solidFill>
+                <a:latin typeface="Courier New"/>
+              </a:rPr>
+              <a:t>Any</a:t>
+            </a:r>
+            <a:r>
+              <a:rPr lang="en-US" sz="2800" b="1" dirty="0" smtClean="0">
+                <a:latin typeface="Courier New"/>
+              </a:rPr>
+              <a:t>) {</a:t>
+            </a:r>
+          </a:p>
+          <a:p>
+            <a:r>
+              <a:rPr lang="en-US" sz="2800" b="1" dirty="0" smtClean="0">
+                <a:solidFill>
+                  <a:srgbClr val="7F0055"/>
+                </a:solidFill>
+                <a:latin typeface="Courier New"/>
+              </a:rPr>
+              <a:t>  def</a:t>
+            </a:r>
+            <a:r>
+              <a:rPr lang="en-US" sz="2800" b="1" dirty="0" smtClean="0">
+                <a:latin typeface="Courier New"/>
+              </a:rPr>
+              <a:t> &gt;&gt;(e: =&gt;</a:t>
+            </a:r>
+            <a:r>
+              <a:rPr lang="en-US" sz="2800" b="1" dirty="0" smtClean="0">
+                <a:solidFill>
+                  <a:srgbClr val="7F0055"/>
+                </a:solidFill>
+                <a:latin typeface="Courier New"/>
+              </a:rPr>
+              <a:t>Any</a:t>
+            </a:r>
+            <a:r>
+              <a:rPr lang="en-US" sz="2800" b="1" dirty="0" smtClean="0">
+                <a:latin typeface="Courier New"/>
+              </a:rPr>
+              <a:t>): Example = </a:t>
+            </a:r>
+            <a:r>
+              <a:rPr lang="en-US" sz="2800" b="1" dirty="0" smtClean="0">
+                <a:solidFill>
+                  <a:srgbClr val="7F0055"/>
+                </a:solidFill>
+                <a:latin typeface="Courier New"/>
+              </a:rPr>
+              <a:t>new</a:t>
+            </a:r>
+            <a:r>
+              <a:rPr lang="en-US" sz="2800" b="1" dirty="0" smtClean="0">
+                <a:latin typeface="Courier New"/>
+              </a:rPr>
+              <a:t> Example(d, e)</a:t>
+            </a:r>
+          </a:p>
+          <a:p>
+            <a:r>
+              <a:rPr lang="en-US" sz="2800" dirty="0" smtClean="0">
+                <a:latin typeface="Courier New"/>
+              </a:rPr>
+              <a:t>}</a:t>
+            </a:r>
+          </a:p>
+          <a:p>
+            <a:endParaRPr lang="en-US" sz="2800" dirty="0" smtClean="0">
+              <a:solidFill>
+                <a:srgbClr val="2A00FF"/>
+              </a:solidFill>
+              <a:latin typeface="Courier New"/>
+            </a:endParaRPr>
+          </a:p>
+          <a:p>
+            <a:r>
+              <a:rPr lang="en-US" sz="2800" dirty="0" smtClean="0">
+                <a:solidFill>
+                  <a:srgbClr val="2A00FF"/>
+                </a:solidFill>
+                <a:latin typeface="Courier New"/>
+              </a:rPr>
+              <a:t>"When I setup the system"</a:t>
+            </a:r>
+            <a:r>
+              <a:rPr lang="en-US" sz="2800" dirty="0" smtClean="0">
+                <a:latin typeface="Courier New"/>
+              </a:rPr>
+              <a:t> &gt;&gt; {</a:t>
+            </a:r>
+          </a:p>
+          <a:p>
+            <a:r>
+              <a:rPr lang="en-US" sz="2800" dirty="0" smtClean="0">
+                <a:solidFill>
+                  <a:srgbClr val="2A00FF"/>
+                </a:solidFill>
+                <a:latin typeface="Courier New"/>
+              </a:rPr>
+              <a:t>  "And a customer is entered"</a:t>
+            </a:r>
+            <a:r>
+              <a:rPr lang="en-US" sz="2800" dirty="0" smtClean="0">
+                <a:latin typeface="Courier New"/>
+              </a:rPr>
+              <a:t> &gt;&gt; {</a:t>
+            </a:r>
+          </a:p>
+          <a:p>
+            <a:r>
+              <a:rPr lang="en-US" sz="2800" dirty="0" smtClean="0">
+                <a:latin typeface="Courier New"/>
+              </a:rPr>
+              <a:t>    </a:t>
+            </a:r>
+            <a:r>
+              <a:rPr lang="en-US" sz="2800" dirty="0" smtClean="0">
+                <a:solidFill>
+                  <a:srgbClr val="2A00FF"/>
+                </a:solidFill>
+                <a:latin typeface="Courier New"/>
+              </a:rPr>
+              <a:t>"if he has a discount"</a:t>
+            </a:r>
+            <a:r>
+              <a:rPr lang="en-US" sz="2800" dirty="0" smtClean="0">
+                <a:latin typeface="Courier New"/>
+              </a:rPr>
+              <a:t> &gt;&gt; {}</a:t>
+            </a:r>
+          </a:p>
+          <a:p>
+            <a:r>
+              <a:rPr lang="en-US" sz="2800" dirty="0" smtClean="0">
+                <a:latin typeface="Courier New"/>
+              </a:rPr>
+              <a:t>    </a:t>
+            </a:r>
+            <a:r>
+              <a:rPr lang="en-US" sz="2800" dirty="0" smtClean="0">
+                <a:solidFill>
+                  <a:srgbClr val="2A00FF"/>
+                </a:solidFill>
+                <a:latin typeface="Courier New"/>
+              </a:rPr>
+              <a:t>"if he doesn't have a discount"</a:t>
+            </a:r>
+            <a:r>
+              <a:rPr lang="en-US" sz="2800" dirty="0" smtClean="0">
+                <a:latin typeface="Courier New"/>
+              </a:rPr>
+              <a:t> &gt;&gt; {}</a:t>
+            </a:r>
+          </a:p>
+          <a:p>
+            <a:r>
+              <a:rPr lang="en-US" sz="2800" dirty="0" smtClean="0">
+                <a:latin typeface="Courier New"/>
+              </a:rPr>
+              <a:t>  }</a:t>
+            </a:r>
+          </a:p>
+          <a:p>
+            <a:r>
+              <a:rPr lang="en-US" sz="2800" dirty="0" smtClean="0">
+                <a:latin typeface="Courier New"/>
+              </a:rPr>
+              <a:t>}</a:t>
+            </a:r>
+            <a:endParaRPr lang="en-US" sz="2800" b="1" dirty="0" smtClean="0">
+              <a:solidFill>
+                <a:srgbClr val="7F0055"/>
+              </a:solidFill>
+              <a:latin typeface="Courier New"/>
+            </a:endParaRPr>
+          </a:p>
+        </p:txBody>
+      </p:sp>
+      <p:sp>
+        <p:nvSpPr>
+          <p:cNvPr id="14" name="Rectangle 13"/>
+          <p:cNvSpPr/>
+          <p:nvPr/>
+        </p:nvSpPr>
+        <p:spPr>
+          <a:xfrm>
+            <a:off x="3881457" y="1219200"/>
+            <a:ext cx="4068743" cy="1200329"/>
           </a:xfrm>
           <a:prstGeom prst="rect">
             <a:avLst/>
@@ -27922,7 +29079,7 @@
           <a:p>
             <a:pPr algn="ctr"/>
             <a:r>
-              <a:rPr lang="en-US" sz="7200" kern="0" dirty="0" smtClean="0">
+              <a:rPr lang="en-US" sz="7200" i="1" kern="0" dirty="0" smtClean="0">
                 <a:solidFill>
                   <a:srgbClr val="00CC66"/>
                 </a:solidFill>
@@ -27930,9 +29087,9 @@
                 <a:cs typeface="+mj-cs"/>
                 <a:sym typeface="Arial" charset="0"/>
               </a:rPr>
-              <a:t>Bag of tricks</a:t>
-            </a:r>
-            <a:endParaRPr lang="en-US" sz="7200" dirty="0">
+              <a:t>Operators</a:t>
+            </a:r>
+            <a:endParaRPr lang="en-US" sz="7200" i="1" dirty="0">
               <a:solidFill>
                 <a:srgbClr val="00CC66"/>
               </a:solidFill>
@@ -27943,7 +29100,7 @@
       </p:sp>
       <p:pic>
         <p:nvPicPr>
-          <p:cNvPr id="13" name="Picture 6" descr="magic, wizard icon"/>
+          <p:cNvPr id="15" name="Picture 2" descr="toolbox icon"/>
           <p:cNvPicPr>
             <a:picLocks noChangeAspect="1" noChangeArrowheads="1"/>
           </p:cNvPicPr>
@@ -27958,34 +29115,8 @@
         </p:blipFill>
         <p:spPr bwMode="auto">
           <a:xfrm>
-            <a:off x="2235200" y="1295399"/>
-            <a:ext cx="990600" cy="990601"/>
-          </a:xfrm>
-          <a:prstGeom prst="rect">
-            <a:avLst/>
-          </a:prstGeom>
-          <a:noFill/>
-        </p:spPr>
-      </p:pic>
-      <p:pic>
-        <p:nvPicPr>
-          <p:cNvPr id="142340" name="Picture 4" descr="http://www.npl.lib.va.us/images/2000/hat&amp;wand.gif"/>
-          <p:cNvPicPr>
-            <a:picLocks noChangeAspect="1" noChangeArrowheads="1"/>
-          </p:cNvPicPr>
-          <p:nvPr/>
-        </p:nvPicPr>
-        <p:blipFill>
-          <a:blip r:embed="rId5"/>
-          <a:srcRect/>
-          <a:stretch>
-            <a:fillRect/>
-          </a:stretch>
-        </p:blipFill>
-        <p:spPr bwMode="auto">
-          <a:xfrm>
-            <a:off x="3911600" y="2743200"/>
-            <a:ext cx="5105400" cy="5105402"/>
+            <a:off x="558800" y="990600"/>
+            <a:ext cx="1676400" cy="1676401"/>
           </a:xfrm>
           <a:prstGeom prst="rect">
             <a:avLst/>
@@ -28060,6 +29191,59 @@
           </a:p>
         </p:txBody>
       </p:sp>
+      <p:sp>
+        <p:nvSpPr>
+          <p:cNvPr id="7" name="Rectangle 6"/>
+          <p:cNvSpPr/>
+          <p:nvPr/>
+        </p:nvSpPr>
+        <p:spPr>
+          <a:xfrm>
+            <a:off x="4064000" y="1295400"/>
+            <a:ext cx="4102406" cy="1107996"/>
+          </a:xfrm>
+          <a:prstGeom prst="rect">
+            <a:avLst/>
+          </a:prstGeom>
+        </p:spPr>
+        <p:txBody>
+          <a:bodyPr wrap="none">
+            <a:spAutoFit/>
+          </a:bodyPr>
+          <a:lstStyle/>
+          <a:p>
+            <a:pPr algn="ctr"/>
+            <a:r>
+              <a:rPr lang="en-US" sz="6600" i="1" kern="0" dirty="0" smtClean="0">
+                <a:solidFill>
+                  <a:srgbClr val="00CC66"/>
+                </a:solidFill>
+                <a:latin typeface="Calibri" pitchFamily="34" charset="0"/>
+                <a:cs typeface="+mj-cs"/>
+                <a:sym typeface="Arial" charset="0"/>
+              </a:rPr>
+              <a:t>P</a:t>
+            </a:r>
+            <a:r>
+              <a:rPr lang="en-US" sz="6600" i="1" kern="0" dirty="0" smtClean="0">
+                <a:solidFill>
+                  <a:srgbClr val="00CC66"/>
+                </a:solidFill>
+                <a:latin typeface="Calibri" pitchFamily="34" charset="0"/>
+                <a:cs typeface="+mj-cs"/>
+                <a:sym typeface="Arial" charset="0"/>
+              </a:rPr>
+              <a:t>recedence</a:t>
+            </a:r>
+            <a:endParaRPr lang="en-US" sz="6600" i="1" dirty="0">
+              <a:solidFill>
+                <a:srgbClr val="00CC66"/>
+              </a:solidFill>
+              <a:latin typeface="Calibri" pitchFamily="34" charset="0"/>
+            </a:endParaRPr>
+          </a:p>
+        </p:txBody>
+      </p:sp>
       <p:pic>
         <p:nvPicPr>
           <p:cNvPr id="8" name="Picture 10" descr="http://knowledgehub.zeus.com/media/Scala_Logo2008.png"/>
@@ -28094,12 +29278,15 @@
         </p:nvSpPr>
         <p:spPr>
           <a:xfrm>
-            <a:off x="330200" y="2971800"/>
-            <a:ext cx="12344400" cy="5693866"/>
+            <a:off x="330200" y="2819400"/>
+            <a:ext cx="12344400" cy="3539430"/>
           </a:xfrm>
           <a:prstGeom prst="rect">
             <a:avLst/>
           </a:prstGeom>
+          <a:solidFill>
+            <a:schemeClr val="bg1"/>
+          </a:solidFill>
           <a:ln>
             <a:solidFill>
               <a:schemeClr val="tx1"/>
@@ -28114,279 +29301,117 @@
           <a:lstStyle/>
           <a:p>
             <a:r>
-              <a:rPr lang="en-US" sz="2800" b="1" dirty="0" smtClean="0">
-                <a:solidFill>
-                  <a:srgbClr val="7F0055"/>
-                </a:solidFill>
-                <a:latin typeface="Courier New"/>
-              </a:rPr>
-              <a:t>class</a:t>
-            </a:r>
-            <a:r>
-              <a:rPr lang="en-US" sz="2800" b="1" dirty="0" smtClean="0">
-                <a:latin typeface="Courier New"/>
-              </a:rPr>
-              <a:t> </a:t>
-            </a:r>
-            <a:r>
-              <a:rPr lang="en-US" sz="2800" b="1" dirty="0" err="1" smtClean="0">
-                <a:latin typeface="Courier New"/>
-              </a:rPr>
-              <a:t>ExampleDesc</a:t>
-            </a:r>
-            <a:r>
-              <a:rPr lang="en-US" sz="2800" b="1" dirty="0" smtClean="0">
-                <a:latin typeface="Courier New"/>
-              </a:rPr>
-              <a:t>(d: String) {</a:t>
-            </a:r>
-          </a:p>
-          <a:p>
-            <a:r>
-              <a:rPr lang="en-US" sz="2800" b="1" dirty="0" smtClean="0">
-                <a:solidFill>
-                  <a:srgbClr val="7F0055"/>
-                </a:solidFill>
-                <a:latin typeface="Courier New"/>
-              </a:rPr>
-              <a:t>  def</a:t>
-            </a:r>
-            <a:r>
-              <a:rPr lang="en-US" sz="2800" b="1" dirty="0" smtClean="0">
-                <a:latin typeface="Courier New"/>
-              </a:rPr>
-              <a:t> &gt;&gt;(e: =&gt;</a:t>
-            </a:r>
-            <a:r>
-              <a:rPr lang="en-US" sz="2800" b="1" dirty="0" smtClean="0">
-                <a:solidFill>
-                  <a:srgbClr val="7F0055"/>
-                </a:solidFill>
-                <a:latin typeface="Courier New"/>
-              </a:rPr>
-              <a:t>Any</a:t>
-            </a:r>
-            <a:r>
-              <a:rPr lang="en-US" sz="2800" b="1" dirty="0" smtClean="0">
-                <a:latin typeface="Courier New"/>
-              </a:rPr>
-              <a:t>): Example = </a:t>
-            </a:r>
-            <a:r>
-              <a:rPr lang="en-US" sz="2800" b="1" dirty="0" smtClean="0">
-                <a:solidFill>
-                  <a:srgbClr val="7F0055"/>
-                </a:solidFill>
-                <a:latin typeface="Courier New"/>
-              </a:rPr>
-              <a:t>new</a:t>
-            </a:r>
-            <a:r>
-              <a:rPr lang="en-US" sz="2800" b="1" dirty="0" smtClean="0">
-                <a:latin typeface="Courier New"/>
-              </a:rPr>
-              <a:t> Example(d, e)</a:t>
-            </a:r>
-          </a:p>
-          <a:p>
-            <a:r>
-              <a:rPr lang="en-US" sz="2800" dirty="0" smtClean="0">
-                <a:latin typeface="Courier New"/>
-              </a:rPr>
-              <a:t>}</a:t>
-            </a:r>
-          </a:p>
-          <a:p>
-            <a:r>
-              <a:rPr lang="en-US" sz="2800" b="1" dirty="0" smtClean="0">
-                <a:solidFill>
-                  <a:srgbClr val="7F0055"/>
-                </a:solidFill>
-                <a:latin typeface="Courier New"/>
-              </a:rPr>
-              <a:t>class</a:t>
-            </a:r>
-            <a:r>
-              <a:rPr lang="en-US" sz="2800" b="1" dirty="0" smtClean="0">
-                <a:latin typeface="Courier New"/>
-              </a:rPr>
-              <a:t> Example(d: String, e: =&gt;</a:t>
-            </a:r>
-            <a:r>
-              <a:rPr lang="en-US" sz="2800" b="1" dirty="0" smtClean="0">
-                <a:solidFill>
-                  <a:srgbClr val="7F0055"/>
-                </a:solidFill>
-                <a:latin typeface="Courier New"/>
-              </a:rPr>
-              <a:t>Any</a:t>
-            </a:r>
-            <a:r>
-              <a:rPr lang="en-US" sz="2800" b="1" dirty="0" smtClean="0">
-                <a:latin typeface="Courier New"/>
-              </a:rPr>
-              <a:t>) {</a:t>
-            </a:r>
-          </a:p>
-          <a:p>
-            <a:r>
-              <a:rPr lang="en-US" sz="2800" b="1" dirty="0" smtClean="0">
-                <a:solidFill>
-                  <a:srgbClr val="7F0055"/>
-                </a:solidFill>
-                <a:latin typeface="Courier New"/>
-              </a:rPr>
-              <a:t>  def</a:t>
-            </a:r>
-            <a:r>
-              <a:rPr lang="en-US" sz="2800" b="1" dirty="0" smtClean="0">
-                <a:latin typeface="Courier New"/>
-              </a:rPr>
-              <a:t> &gt;&gt;(e: =&gt;</a:t>
-            </a:r>
-            <a:r>
-              <a:rPr lang="en-US" sz="2800" b="1" dirty="0" smtClean="0">
-                <a:solidFill>
-                  <a:srgbClr val="7F0055"/>
-                </a:solidFill>
-                <a:latin typeface="Courier New"/>
-              </a:rPr>
-              <a:t>Any</a:t>
-            </a:r>
-            <a:r>
-              <a:rPr lang="en-US" sz="2800" b="1" dirty="0" smtClean="0">
-                <a:latin typeface="Courier New"/>
-              </a:rPr>
-              <a:t>): Example = </a:t>
-            </a:r>
-            <a:r>
-              <a:rPr lang="en-US" sz="2800" b="1" dirty="0" smtClean="0">
-                <a:solidFill>
-                  <a:srgbClr val="7F0055"/>
-                </a:solidFill>
-                <a:latin typeface="Courier New"/>
-              </a:rPr>
-              <a:t>new</a:t>
-            </a:r>
-            <a:r>
-              <a:rPr lang="en-US" sz="2800" b="1" dirty="0" smtClean="0">
-                <a:latin typeface="Courier New"/>
-              </a:rPr>
-              <a:t> Example(d, e)</a:t>
-            </a:r>
-          </a:p>
-          <a:p>
-            <a:r>
-              <a:rPr lang="en-US" sz="2800" dirty="0" smtClean="0">
-                <a:latin typeface="Courier New"/>
-              </a:rPr>
-              <a:t>}</a:t>
-            </a:r>
-          </a:p>
-          <a:p>
-            <a:endParaRPr lang="en-US" sz="2800" dirty="0" smtClean="0">
-              <a:solidFill>
-                <a:srgbClr val="2A00FF"/>
-              </a:solidFill>
-              <a:latin typeface="Courier New"/>
-            </a:endParaRPr>
-          </a:p>
-          <a:p>
-            <a:r>
-              <a:rPr lang="en-US" sz="2800" dirty="0" smtClean="0">
-                <a:solidFill>
-                  <a:srgbClr val="2A00FF"/>
-                </a:solidFill>
-                <a:latin typeface="Courier New"/>
-              </a:rPr>
-              <a:t>"When I setup the system"</a:t>
-            </a:r>
-            <a:r>
-              <a:rPr lang="en-US" sz="2800" dirty="0" smtClean="0">
-                <a:latin typeface="Courier New"/>
-              </a:rPr>
-              <a:t> &gt;&gt; {</a:t>
-            </a:r>
-          </a:p>
-          <a:p>
-            <a:r>
-              <a:rPr lang="en-US" sz="2800" dirty="0" smtClean="0">
-                <a:solidFill>
-                  <a:srgbClr val="2A00FF"/>
-                </a:solidFill>
-                <a:latin typeface="Courier New"/>
-              </a:rPr>
-              <a:t>  "And a customer is entered"</a:t>
-            </a:r>
-            <a:r>
-              <a:rPr lang="en-US" sz="2800" dirty="0" smtClean="0">
-                <a:latin typeface="Courier New"/>
-              </a:rPr>
-              <a:t> &gt;&gt; {</a:t>
-            </a:r>
-          </a:p>
-          <a:p>
-            <a:r>
-              <a:rPr lang="en-US" sz="2800" dirty="0" smtClean="0">
-                <a:latin typeface="Courier New"/>
-              </a:rPr>
-              <a:t>    </a:t>
-            </a:r>
-            <a:r>
-              <a:rPr lang="en-US" sz="2800" dirty="0" smtClean="0">
-                <a:solidFill>
-                  <a:srgbClr val="2A00FF"/>
-                </a:solidFill>
-                <a:latin typeface="Courier New"/>
-              </a:rPr>
-              <a:t>"if he has a discount"</a:t>
-            </a:r>
-            <a:r>
-              <a:rPr lang="en-US" sz="2800" dirty="0" smtClean="0">
-                <a:latin typeface="Courier New"/>
-              </a:rPr>
-              <a:t> &gt;&gt; {}</a:t>
-            </a:r>
-          </a:p>
-          <a:p>
-            <a:r>
-              <a:rPr lang="en-US" sz="2800" dirty="0" smtClean="0">
-                <a:latin typeface="Courier New"/>
-              </a:rPr>
-              <a:t>    </a:t>
-            </a:r>
-            <a:r>
-              <a:rPr lang="en-US" sz="2800" dirty="0" smtClean="0">
-                <a:solidFill>
-                  <a:srgbClr val="2A00FF"/>
-                </a:solidFill>
-                <a:latin typeface="Courier New"/>
-              </a:rPr>
-              <a:t>"if he doesn't have a discount"</a:t>
-            </a:r>
-            <a:r>
-              <a:rPr lang="en-US" sz="2800" dirty="0" smtClean="0">
-                <a:latin typeface="Courier New"/>
-              </a:rPr>
-              <a:t> &gt;&gt; {}</a:t>
-            </a:r>
-          </a:p>
-          <a:p>
-            <a:r>
-              <a:rPr lang="en-US" sz="2800" dirty="0" smtClean="0">
-                <a:latin typeface="Courier New"/>
-              </a:rPr>
-              <a:t>  }</a:t>
-            </a:r>
-          </a:p>
-          <a:p>
-            <a:r>
-              <a:rPr lang="en-US" sz="2800" dirty="0" smtClean="0">
-                <a:latin typeface="Courier New"/>
-              </a:rPr>
-              <a:t>}</a:t>
-            </a:r>
-            <a:endParaRPr lang="en-US" sz="2800" b="1" dirty="0" smtClean="0">
+              <a:rPr lang="en-US" sz="3200" dirty="0" smtClean="0">
+                <a:solidFill>
+                  <a:srgbClr val="3F5FBF"/>
+                </a:solidFill>
+                <a:latin typeface="Courier New"/>
+              </a:rPr>
+              <a:t>/**</a:t>
+            </a:r>
+          </a:p>
+          <a:p>
+            <a:r>
+              <a:rPr lang="en-US" sz="3200" dirty="0" smtClean="0">
+                <a:solidFill>
+                  <a:srgbClr val="3F5FBF"/>
+                </a:solidFill>
+                <a:latin typeface="Courier New"/>
+              </a:rPr>
+              <a:t> * Fit</a:t>
+            </a:r>
+            <a:r>
+              <a:rPr lang="en-US" sz="3200" dirty="0" smtClean="0">
+                <a:solidFill>
+                  <a:srgbClr val="7F7F9F"/>
+                </a:solidFill>
+                <a:latin typeface="Courier New"/>
+              </a:rPr>
+              <a:t>-</a:t>
+            </a:r>
+            <a:r>
+              <a:rPr lang="en-US" sz="3200" dirty="0" smtClean="0">
+                <a:solidFill>
+                  <a:srgbClr val="3F5FBF"/>
+                </a:solidFill>
+                <a:latin typeface="Courier New"/>
+              </a:rPr>
+              <a:t>like table in </a:t>
+            </a:r>
+            <a:r>
+              <a:rPr lang="en-US" sz="3200" dirty="0" err="1" smtClean="0">
+                <a:solidFill>
+                  <a:srgbClr val="3F5FBF"/>
+                </a:solidFill>
+                <a:latin typeface="Courier New"/>
+              </a:rPr>
+              <a:t>Scala</a:t>
+            </a:r>
+            <a:r>
+              <a:rPr lang="en-US" sz="3200" dirty="0" smtClean="0">
+                <a:solidFill>
+                  <a:srgbClr val="3F5FBF"/>
+                </a:solidFill>
+                <a:latin typeface="Courier New"/>
+              </a:rPr>
+              <a:t>?</a:t>
+            </a:r>
+          </a:p>
+          <a:p>
+            <a:r>
+              <a:rPr lang="en-US" sz="3200" dirty="0" smtClean="0">
+                <a:solidFill>
+                  <a:srgbClr val="3F5FBF"/>
+                </a:solidFill>
+                <a:latin typeface="Courier New"/>
+              </a:rPr>
+              <a:t> * </a:t>
+            </a:r>
+          </a:p>
+          <a:p>
+            <a:r>
+              <a:rPr lang="en-US" sz="3200" dirty="0" smtClean="0">
+                <a:solidFill>
+                  <a:srgbClr val="3F5FBF"/>
+                </a:solidFill>
+                <a:latin typeface="Courier New"/>
+              </a:rPr>
+              <a:t> *  | a | b | c |</a:t>
+            </a:r>
+          </a:p>
+          <a:p>
+            <a:r>
+              <a:rPr lang="en-US" sz="3200" dirty="0" smtClean="0">
+                <a:solidFill>
+                  <a:srgbClr val="3F5FBF"/>
+                </a:solidFill>
+                <a:latin typeface="Courier New"/>
+              </a:rPr>
+              <a:t> *  | 1 | 2 | 3 |</a:t>
+            </a:r>
+          </a:p>
+          <a:p>
+            <a:r>
+              <a:rPr lang="en-US" sz="3200" dirty="0" smtClean="0">
+                <a:solidFill>
+                  <a:srgbClr val="3F5FBF"/>
+                </a:solidFill>
+                <a:latin typeface="Courier New"/>
+              </a:rPr>
+              <a:t> *  | 2 | 2 | 4 |</a:t>
+            </a:r>
+          </a:p>
+          <a:p>
+            <a:r>
+              <a:rPr lang="en-US" sz="3200" dirty="0" smtClean="0">
+                <a:solidFill>
+                  <a:srgbClr val="3F5FBF"/>
+                </a:solidFill>
+                <a:latin typeface="Courier New"/>
+              </a:rPr>
+              <a:t> */</a:t>
+            </a:r>
+            <a:endParaRPr lang="en-US" sz="3200" b="1" dirty="0" smtClean="0">
               <a:solidFill>
                 <a:srgbClr val="7F0055"/>
               </a:solidFill>
@@ -28395,51 +29420,9 @@
           </a:p>
         </p:txBody>
       </p:sp>
-      <p:sp>
-        <p:nvSpPr>
-          <p:cNvPr id="14" name="Rectangle 13"/>
-          <p:cNvSpPr/>
-          <p:nvPr/>
-        </p:nvSpPr>
-        <p:spPr>
-          <a:xfrm>
-            <a:off x="3881457" y="1219200"/>
-            <a:ext cx="4068743" cy="1200329"/>
-          </a:xfrm>
-          <a:prstGeom prst="rect">
-            <a:avLst/>
-          </a:prstGeom>
-        </p:spPr>
-        <p:txBody>
-          <a:bodyPr wrap="none">
-            <a:spAutoFit/>
-          </a:bodyPr>
-          <a:lstStyle/>
-          <a:p>
-            <a:pPr algn="ctr"/>
-            <a:r>
-              <a:rPr lang="en-US" sz="7200" i="1" kern="0" dirty="0" smtClean="0">
-                <a:solidFill>
-                  <a:srgbClr val="00CC66"/>
-                </a:solidFill>
-                <a:latin typeface="Calibri" pitchFamily="34" charset="0"/>
-                <a:cs typeface="+mj-cs"/>
-                <a:sym typeface="Arial" charset="0"/>
-              </a:rPr>
-              <a:t>Operators</a:t>
-            </a:r>
-            <a:endParaRPr lang="en-US" sz="7200" i="1" dirty="0">
-              <a:solidFill>
-                <a:srgbClr val="00CC66"/>
-              </a:solidFill>
-              <a:latin typeface="Calibri" pitchFamily="34" charset="0"/>
-            </a:endParaRPr>
-          </a:p>
-        </p:txBody>
-      </p:sp>
       <p:pic>
         <p:nvPicPr>
-          <p:cNvPr id="15" name="Picture 2" descr="toolbox icon"/>
+          <p:cNvPr id="70662" name="Picture 6" descr="magic, wizard icon"/>
           <p:cNvPicPr>
             <a:picLocks noChangeAspect="1" noChangeArrowheads="1"/>
           </p:cNvPicPr>
@@ -28454,8 +29437,8 @@
         </p:blipFill>
         <p:spPr bwMode="auto">
           <a:xfrm>
-            <a:off x="558800" y="990600"/>
-            <a:ext cx="1676400" cy="1676401"/>
+            <a:off x="635000" y="1143000"/>
+            <a:ext cx="1295400" cy="1295401"/>
           </a:xfrm>
           <a:prstGeom prst="rect">
             <a:avLst/>
@@ -28463,6 +29446,166 @@
           <a:noFill/>
         </p:spPr>
       </p:pic>
+      <p:sp>
+        <p:nvSpPr>
+          <p:cNvPr id="10" name="Rectangle 1"/>
+          <p:cNvSpPr txBox="1">
+            <a:spLocks noChangeArrowheads="1"/>
+          </p:cNvSpPr>
+          <p:nvPr/>
+        </p:nvSpPr>
+        <p:spPr bwMode="auto">
+          <a:xfrm>
+            <a:off x="3683000" y="6629400"/>
+            <a:ext cx="8686800" cy="1295400"/>
+          </a:xfrm>
+          <a:prstGeom prst="rect">
+            <a:avLst/>
+          </a:prstGeom>
+          <a:noFill/>
+          <a:ln w="12700">
+            <a:noFill/>
+            <a:miter lim="800000"/>
+            <a:headEnd/>
+            <a:tailEnd/>
+          </a:ln>
+          <a:effectLst/>
+        </p:spPr>
+        <p:txBody>
+          <a:bodyPr vert="horz" wrap="square" lIns="50800" tIns="50800" rIns="50800" bIns="50800" numCol="1" anchor="ctr" anchorCtr="0" compatLnSpc="1">
+            <a:prstTxWarp prst="textNoShape">
+              <a:avLst/>
+            </a:prstTxWarp>
+          </a:bodyPr>
+          <a:lstStyle/>
+          <a:p>
+            <a:pPr lvl="0"/>
+            <a:r>
+              <a:rPr lang="en-US" sz="4400" kern="0" dirty="0" smtClean="0">
+                <a:solidFill>
+                  <a:srgbClr val="FF0000"/>
+                </a:solidFill>
+                <a:latin typeface="Calibri" pitchFamily="34" charset="0"/>
+                <a:ea typeface="+mj-ea"/>
+                <a:cs typeface="+mj-cs"/>
+                <a:sym typeface="Arial" charset="0"/>
+              </a:rPr>
+              <a:t>   Use </a:t>
+            </a:r>
+            <a:r>
+              <a:rPr lang="en-US" sz="4400" kern="0" dirty="0" smtClean="0">
+                <a:solidFill>
+                  <a:srgbClr val="FF0000"/>
+                </a:solidFill>
+                <a:latin typeface="Calibri" pitchFamily="34" charset="0"/>
+                <a:ea typeface="+mj-ea"/>
+                <a:cs typeface="Courier New" pitchFamily="49" charset="0"/>
+                <a:sym typeface="Arial" charset="0"/>
+              </a:rPr>
+              <a:t>‘!</a:t>
+            </a:r>
+            <a:r>
+              <a:rPr lang="en-US" sz="4400" kern="0" dirty="0" smtClean="0">
+                <a:solidFill>
+                  <a:srgbClr val="FF0000"/>
+                </a:solidFill>
+                <a:latin typeface="Calibri" pitchFamily="34" charset="0"/>
+                <a:cs typeface="Courier New" pitchFamily="49" charset="0"/>
+                <a:sym typeface="Arial" charset="0"/>
+              </a:rPr>
+              <a:t>‘</a:t>
+            </a:r>
+            <a:r>
+              <a:rPr lang="en-US" sz="4400" kern="0" dirty="0" smtClean="0">
+                <a:solidFill>
+                  <a:srgbClr val="FF0000"/>
+                </a:solidFill>
+                <a:latin typeface="Calibri" pitchFamily="34" charset="0"/>
+                <a:ea typeface="+mj-ea"/>
+                <a:cs typeface="+mj-cs"/>
+                <a:sym typeface="Arial" charset="0"/>
+              </a:rPr>
+              <a:t>  to separate cells and</a:t>
+            </a:r>
+          </a:p>
+          <a:p>
+            <a:pPr lvl="0"/>
+            <a:r>
+              <a:rPr lang="en-US" sz="4400" kern="0" dirty="0" smtClean="0">
+                <a:solidFill>
+                  <a:srgbClr val="FF0000"/>
+                </a:solidFill>
+                <a:latin typeface="Calibri" pitchFamily="34" charset="0"/>
+                <a:ea typeface="+mj-ea"/>
+                <a:cs typeface="+mj-cs"/>
+                <a:sym typeface="Arial" charset="0"/>
+              </a:rPr>
+              <a:t>           </a:t>
+            </a:r>
+            <a:r>
+              <a:rPr lang="en-US" sz="4400" kern="0" dirty="0" smtClean="0">
+                <a:solidFill>
+                  <a:srgbClr val="FF0000"/>
+                </a:solidFill>
+                <a:latin typeface="Calibri" pitchFamily="34" charset="0"/>
+                <a:cs typeface="Courier New" pitchFamily="49" charset="0"/>
+                <a:sym typeface="Arial" charset="0"/>
+              </a:rPr>
+              <a:t>‘</a:t>
+            </a:r>
+            <a:r>
+              <a:rPr lang="en-US" sz="4400" kern="0" dirty="0" smtClean="0">
+                <a:solidFill>
+                  <a:srgbClr val="FF0000"/>
+                </a:solidFill>
+                <a:latin typeface="Calibri" pitchFamily="34" charset="0"/>
+                <a:ea typeface="+mj-ea"/>
+                <a:cs typeface="Courier New" pitchFamily="49" charset="0"/>
+                <a:sym typeface="Arial" charset="0"/>
+              </a:rPr>
+              <a:t>|</a:t>
+            </a:r>
+            <a:r>
+              <a:rPr lang="en-US" sz="4400" kern="0" dirty="0" smtClean="0">
+                <a:solidFill>
+                  <a:srgbClr val="FF0000"/>
+                </a:solidFill>
+                <a:latin typeface="Calibri" pitchFamily="34" charset="0"/>
+                <a:cs typeface="Courier New" pitchFamily="49" charset="0"/>
+                <a:sym typeface="Arial" charset="0"/>
+              </a:rPr>
+              <a:t>‘</a:t>
+            </a:r>
+            <a:r>
+              <a:rPr lang="en-US" sz="4400" kern="0" dirty="0" smtClean="0">
+                <a:solidFill>
+                  <a:srgbClr val="FF0000"/>
+                </a:solidFill>
+                <a:latin typeface="Calibri" pitchFamily="34" charset="0"/>
+                <a:ea typeface="+mj-ea"/>
+                <a:cs typeface="+mj-cs"/>
+                <a:sym typeface="Arial" charset="0"/>
+              </a:rPr>
+              <a:t>  to separate rows</a:t>
+            </a:r>
+            <a:endParaRPr kumimoji="0" lang="en-US" sz="4400" i="0" u="none" strike="noStrike" kern="0" cap="none" spc="0" normalizeH="0" baseline="0" noProof="0" dirty="0">
+              <a:ln>
+                <a:noFill/>
+              </a:ln>
+              <a:solidFill>
+                <a:srgbClr val="E75145"/>
+              </a:solidFill>
+              <a:effectLst/>
+              <a:uLnTx/>
+              <a:uFillTx/>
+              <a:latin typeface="Calibri" pitchFamily="34" charset="0"/>
+              <a:ea typeface="+mj-ea"/>
+              <a:cs typeface="+mj-cs"/>
+              <a:sym typeface="Arial" charset="0"/>
+            </a:endParaRPr>
+          </a:p>
+        </p:txBody>
+      </p:sp>
     </p:spTree>
   </p:cSld>
   <p:clrMapOvr>
@@ -28474,9 +29617,80 @@
   <p:timing>
     <p:tnLst>
       <p:par>
-        <p:cTn id="1" dur="indefinite" restart="never" nodeType="tmRoot"/>
+        <p:cTn id="1" dur="indefinite" restart="never" nodeType="tmRoot">
+          <p:childTnLst>
+            <p:seq concurrent="1" nextAc="seek">
+              <p:cTn id="2" dur="indefinite" nodeType="mainSeq">
+                <p:childTnLst>
+                  <p:par>
+                    <p:cTn id="3" fill="hold">
+                      <p:stCondLst>
+                        <p:cond delay="indefinite"/>
+                      </p:stCondLst>
+                      <p:childTnLst>
+                        <p:par>
+                          <p:cTn id="4" fill="hold">
+                            <p:stCondLst>
+                              <p:cond delay="0"/>
+                            </p:stCondLst>
+                            <p:childTnLst>
+                              <p:par>
+                                <p:cTn id="5" presetID="1" presetClass="entr" presetSubtype="0" fill="hold" grpId="0" nodeType="clickEffect">
+                                  <p:stCondLst>
+                                    <p:cond delay="0"/>
+                                  </p:stCondLst>
+                                  <p:childTnLst>
+                                    <p:set>
+                                      <p:cBhvr>
+                                        <p:cTn id="6" dur="1" fill="hold">
+                                          <p:stCondLst>
+                                            <p:cond delay="0"/>
+                                          </p:stCondLst>
+                                        </p:cTn>
+                                        <p:tgtEl>
+                                          <p:spTgt spid="10"/>
+                                        </p:tgtEl>
+                                        <p:attrNameLst>
+                                          <p:attrName>style.visibility</p:attrName>
+                                        </p:attrNameLst>
+                                      </p:cBhvr>
+                                      <p:to>
+                                        <p:strVal val="visible"/>
+                                      </p:to>
+                                    </p:set>
+                                  </p:childTnLst>
+                                </p:cTn>
+                              </p:par>
+                            </p:childTnLst>
+                          </p:cTn>
+                        </p:par>
+                      </p:childTnLst>
+                    </p:cTn>
+                  </p:par>
+                </p:childTnLst>
+              </p:cTn>
+              <p:prevCondLst>
+                <p:cond evt="onPrev" delay="0">
+                  <p:tgtEl>
+                    <p:sldTgt/>
+                  </p:tgtEl>
+                </p:cond>
+              </p:prevCondLst>
+              <p:nextCondLst>
+                <p:cond evt="onNext" delay="0">
+                  <p:tgtEl>
+                    <p:sldTgt/>
+                  </p:tgtEl>
+                </p:cond>
+              </p:nextCondLst>
+            </p:seq>
+          </p:childTnLst>
+        </p:cTn>
       </p:par>
     </p:tnLst>
+    <p:bldLst>
+      <p:bldP spid="10" grpId="0"/>
+    </p:bldLst>
   </p:timing>
 </p:sld>
 </file>
@@ -29368,8 +30582,8 @@
         </p:nvSpPr>
         <p:spPr>
           <a:xfrm>
-            <a:off x="4064000" y="1295400"/>
-            <a:ext cx="4213013" cy="1107996"/>
+            <a:off x="4216400" y="1143000"/>
+            <a:ext cx="4112023" cy="1107996"/>
           </a:xfrm>
           <a:prstGeom prst="rect">
             <a:avLst/>
@@ -29383,7 +30597,7 @@
           <a:p>
             <a:pPr algn="ctr"/>
             <a:r>
-              <a:rPr lang="en-US" sz="6600" i="1" kern="0" dirty="0" smtClean="0">
+              <a:rPr lang="en-US" sz="6600" kern="0" dirty="0" err="1" smtClean="0">
                 <a:solidFill>
                   <a:srgbClr val="00CC66"/>
                 </a:solidFill>
@@ -29391,13 +30605,15 @@
                 <a:cs typeface="+mj-cs"/>
                 <a:sym typeface="Arial" charset="0"/>
               </a:rPr>
-              <a:t>precedence</a:t>
-            </a:r>
-            <a:endParaRPr lang="en-US" sz="6600" i="1" dirty="0">
+              <a:t>DataTables</a:t>
+            </a:r>
+            <a:endParaRPr lang="en-US" sz="6600" kern="0" dirty="0" smtClean="0">
               <a:solidFill>
                 <a:srgbClr val="00CC66"/>
               </a:solidFill>
               <a:latin typeface="Calibri" pitchFamily="34" charset="0"/>
+              <a:cs typeface="+mj-cs"/>
+              <a:sym typeface="Arial" charset="0"/>
             </a:endParaRPr>
           </a:p>
         </p:txBody>
@@ -29436,479 +30652,6 @@
         </p:nvSpPr>
         <p:spPr>
           <a:xfrm>
-            <a:off x="330200" y="2819400"/>
-            <a:ext cx="12344400" cy="3539430"/>
-          </a:xfrm>
-          <a:prstGeom prst="rect">
-            <a:avLst/>
-          </a:prstGeom>
-          <a:solidFill>
-            <a:schemeClr val="bg1"/>
-          </a:solidFill>
-          <a:ln>
-            <a:solidFill>
-              <a:schemeClr val="tx1"/>
-            </a:solidFill>
-            <a:prstDash val="dash"/>
-          </a:ln>
-        </p:spPr>
-        <p:txBody>
-          <a:bodyPr wrap="square">
-            <a:spAutoFit/>
-          </a:bodyPr>
-          <a:lstStyle/>
-          <a:p>
-            <a:r>
-              <a:rPr lang="en-US" sz="3200" dirty="0" smtClean="0">
-                <a:solidFill>
-                  <a:srgbClr val="3F5FBF"/>
-                </a:solidFill>
-                <a:latin typeface="Courier New"/>
-              </a:rPr>
-              <a:t>/**</a:t>
-            </a:r>
-          </a:p>
-          <a:p>
-            <a:r>
-              <a:rPr lang="en-US" sz="3200" dirty="0" smtClean="0">
-                <a:solidFill>
-                  <a:srgbClr val="3F5FBF"/>
-                </a:solidFill>
-                <a:latin typeface="Courier New"/>
-              </a:rPr>
-              <a:t> * Fit</a:t>
-            </a:r>
-            <a:r>
-              <a:rPr lang="en-US" sz="3200" dirty="0" smtClean="0">
-                <a:solidFill>
-                  <a:srgbClr val="7F7F9F"/>
-                </a:solidFill>
-                <a:latin typeface="Courier New"/>
-              </a:rPr>
-              <a:t>-</a:t>
-            </a:r>
-            <a:r>
-              <a:rPr lang="en-US" sz="3200" dirty="0" smtClean="0">
-                <a:solidFill>
-                  <a:srgbClr val="3F5FBF"/>
-                </a:solidFill>
-                <a:latin typeface="Courier New"/>
-              </a:rPr>
-              <a:t>like table in </a:t>
-            </a:r>
-            <a:r>
-              <a:rPr lang="en-US" sz="3200" dirty="0" err="1" smtClean="0">
-                <a:solidFill>
-                  <a:srgbClr val="3F5FBF"/>
-                </a:solidFill>
-                <a:latin typeface="Courier New"/>
-              </a:rPr>
-              <a:t>Scala</a:t>
-            </a:r>
-            <a:r>
-              <a:rPr lang="en-US" sz="3200" dirty="0" smtClean="0">
-                <a:solidFill>
-                  <a:srgbClr val="3F5FBF"/>
-                </a:solidFill>
-                <a:latin typeface="Courier New"/>
-              </a:rPr>
-              <a:t>?</a:t>
-            </a:r>
-          </a:p>
-          <a:p>
-            <a:r>
-              <a:rPr lang="en-US" sz="3200" dirty="0" smtClean="0">
-                <a:solidFill>
-                  <a:srgbClr val="3F5FBF"/>
-                </a:solidFill>
-                <a:latin typeface="Courier New"/>
-              </a:rPr>
-              <a:t> * </a:t>
-            </a:r>
-          </a:p>
-          <a:p>
-            <a:r>
-              <a:rPr lang="en-US" sz="3200" dirty="0" smtClean="0">
-                <a:solidFill>
-                  <a:srgbClr val="3F5FBF"/>
-                </a:solidFill>
-                <a:latin typeface="Courier New"/>
-              </a:rPr>
-              <a:t> *  | a | b | c |</a:t>
-            </a:r>
-          </a:p>
-          <a:p>
-            <a:r>
-              <a:rPr lang="en-US" sz="3200" dirty="0" smtClean="0">
-                <a:solidFill>
-                  <a:srgbClr val="3F5FBF"/>
-                </a:solidFill>
-                <a:latin typeface="Courier New"/>
-              </a:rPr>
-              <a:t> *  | 1 | 2 | 3 |</a:t>
-            </a:r>
-          </a:p>
-          <a:p>
-            <a:r>
-              <a:rPr lang="en-US" sz="3200" dirty="0" smtClean="0">
-                <a:solidFill>
-                  <a:srgbClr val="3F5FBF"/>
-                </a:solidFill>
-                <a:latin typeface="Courier New"/>
-              </a:rPr>
-              <a:t> *  | 2 | 2 | 4 |</a:t>
-            </a:r>
-          </a:p>
-          <a:p>
-            <a:r>
-              <a:rPr lang="en-US" sz="3200" dirty="0" smtClean="0">
-                <a:solidFill>
-                  <a:srgbClr val="3F5FBF"/>
-                </a:solidFill>
-                <a:latin typeface="Courier New"/>
-              </a:rPr>
-              <a:t> */</a:t>
-            </a:r>
-            <a:endParaRPr lang="en-US" sz="3200" b="1" dirty="0" smtClean="0">
-              <a:solidFill>
-                <a:srgbClr val="7F0055"/>
-              </a:solidFill>
-              <a:latin typeface="Courier New"/>
-            </a:endParaRPr>
-          </a:p>
-        </p:txBody>
-      </p:sp>
-      <p:pic>
-        <p:nvPicPr>
-          <p:cNvPr id="70662" name="Picture 6" descr="magic, wizard icon"/>
-          <p:cNvPicPr>
-            <a:picLocks noChangeAspect="1" noChangeArrowheads="1"/>
-          </p:cNvPicPr>
-          <p:nvPr/>
-        </p:nvPicPr>
-        <p:blipFill>
-          <a:blip r:embed="rId4"/>
-          <a:srcRect/>
-          <a:stretch>
-            <a:fillRect/>
-          </a:stretch>
-        </p:blipFill>
-        <p:spPr bwMode="auto">
-          <a:xfrm>
-            <a:off x="635000" y="1143000"/>
-            <a:ext cx="1295400" cy="1295401"/>
-          </a:xfrm>
-          <a:prstGeom prst="rect">
-            <a:avLst/>
-          </a:prstGeom>
-          <a:noFill/>
-        </p:spPr>
-      </p:pic>
-      <p:sp>
-        <p:nvSpPr>
-          <p:cNvPr id="10" name="Rectangle 1"/>
-          <p:cNvSpPr txBox="1">
-            <a:spLocks noChangeArrowheads="1"/>
-          </p:cNvSpPr>
-          <p:nvPr/>
-        </p:nvSpPr>
-        <p:spPr bwMode="auto">
-          <a:xfrm>
-            <a:off x="3683000" y="6629400"/>
-            <a:ext cx="8686800" cy="1295400"/>
-          </a:xfrm>
-          <a:prstGeom prst="rect">
-            <a:avLst/>
-          </a:prstGeom>
-          <a:noFill/>
-          <a:ln w="12700">
-            <a:noFill/>
-            <a:miter lim="800000"/>
-            <a:headEnd/>
-            <a:tailEnd/>
-          </a:ln>
-          <a:effectLst/>
-        </p:spPr>
-        <p:txBody>
-          <a:bodyPr vert="horz" wrap="square" lIns="50800" tIns="50800" rIns="50800" bIns="50800" numCol="1" anchor="ctr" anchorCtr="0" compatLnSpc="1">
-            <a:prstTxWarp prst="textNoShape">
-              <a:avLst/>
-            </a:prstTxWarp>
-          </a:bodyPr>
-          <a:lstStyle/>
-          <a:p>
-            <a:pPr lvl="0"/>
-            <a:r>
-              <a:rPr lang="en-US" sz="4400" kern="0" dirty="0" smtClean="0">
-                <a:solidFill>
-                  <a:srgbClr val="FF0000"/>
-                </a:solidFill>
-                <a:latin typeface="Calibri" pitchFamily="34" charset="0"/>
-                <a:ea typeface="+mj-ea"/>
-                <a:cs typeface="+mj-cs"/>
-                <a:sym typeface="Arial" charset="0"/>
-              </a:rPr>
-              <a:t>   Use </a:t>
-            </a:r>
-            <a:r>
-              <a:rPr lang="en-US" sz="4400" kern="0" dirty="0" smtClean="0">
-                <a:solidFill>
-                  <a:srgbClr val="FF0000"/>
-                </a:solidFill>
-                <a:latin typeface="Calibri" pitchFamily="34" charset="0"/>
-                <a:ea typeface="+mj-ea"/>
-                <a:cs typeface="Courier New" pitchFamily="49" charset="0"/>
-                <a:sym typeface="Arial" charset="0"/>
-              </a:rPr>
-              <a:t>‘!</a:t>
-            </a:r>
-            <a:r>
-              <a:rPr lang="en-US" sz="4400" kern="0" dirty="0" smtClean="0">
-                <a:solidFill>
-                  <a:srgbClr val="FF0000"/>
-                </a:solidFill>
-                <a:latin typeface="Calibri" pitchFamily="34" charset="0"/>
-                <a:cs typeface="Courier New" pitchFamily="49" charset="0"/>
-                <a:sym typeface="Arial" charset="0"/>
-              </a:rPr>
-              <a:t>‘</a:t>
-            </a:r>
-            <a:r>
-              <a:rPr lang="en-US" sz="4400" kern="0" dirty="0" smtClean="0">
-                <a:solidFill>
-                  <a:srgbClr val="FF0000"/>
-                </a:solidFill>
-                <a:latin typeface="Calibri" pitchFamily="34" charset="0"/>
-                <a:ea typeface="+mj-ea"/>
-                <a:cs typeface="+mj-cs"/>
-                <a:sym typeface="Arial" charset="0"/>
-              </a:rPr>
-              <a:t>  to separate cells and</a:t>
-            </a:r>
-          </a:p>
-          <a:p>
-            <a:pPr lvl="0"/>
-            <a:r>
-              <a:rPr lang="en-US" sz="4400" kern="0" dirty="0" smtClean="0">
-                <a:solidFill>
-                  <a:srgbClr val="FF0000"/>
-                </a:solidFill>
-                <a:latin typeface="Calibri" pitchFamily="34" charset="0"/>
-                <a:ea typeface="+mj-ea"/>
-                <a:cs typeface="+mj-cs"/>
-                <a:sym typeface="Arial" charset="0"/>
-              </a:rPr>
-              <a:t>           </a:t>
-            </a:r>
-            <a:r>
-              <a:rPr lang="en-US" sz="4400" kern="0" dirty="0" smtClean="0">
-                <a:solidFill>
-                  <a:srgbClr val="FF0000"/>
-                </a:solidFill>
-                <a:latin typeface="Calibri" pitchFamily="34" charset="0"/>
-                <a:cs typeface="Courier New" pitchFamily="49" charset="0"/>
-                <a:sym typeface="Arial" charset="0"/>
-              </a:rPr>
-              <a:t>‘</a:t>
-            </a:r>
-            <a:r>
-              <a:rPr lang="en-US" sz="4400" kern="0" dirty="0" smtClean="0">
-                <a:solidFill>
-                  <a:srgbClr val="FF0000"/>
-                </a:solidFill>
-                <a:latin typeface="Calibri" pitchFamily="34" charset="0"/>
-                <a:ea typeface="+mj-ea"/>
-                <a:cs typeface="Courier New" pitchFamily="49" charset="0"/>
-                <a:sym typeface="Arial" charset="0"/>
-              </a:rPr>
-              <a:t>|</a:t>
-            </a:r>
-            <a:r>
-              <a:rPr lang="en-US" sz="4400" kern="0" dirty="0" smtClean="0">
-                <a:solidFill>
-                  <a:srgbClr val="FF0000"/>
-                </a:solidFill>
-                <a:latin typeface="Calibri" pitchFamily="34" charset="0"/>
-                <a:cs typeface="Courier New" pitchFamily="49" charset="0"/>
-                <a:sym typeface="Arial" charset="0"/>
-              </a:rPr>
-              <a:t>‘</a:t>
-            </a:r>
-            <a:r>
-              <a:rPr lang="en-US" sz="4400" kern="0" dirty="0" smtClean="0">
-                <a:solidFill>
-                  <a:srgbClr val="FF0000"/>
-                </a:solidFill>
-                <a:latin typeface="Calibri" pitchFamily="34" charset="0"/>
-                <a:ea typeface="+mj-ea"/>
-                <a:cs typeface="+mj-cs"/>
-                <a:sym typeface="Arial" charset="0"/>
-              </a:rPr>
-              <a:t>  to separate rows</a:t>
-            </a:r>
-            <a:endParaRPr kumimoji="0" lang="en-US" sz="4400" i="0" u="none" strike="noStrike" kern="0" cap="none" spc="0" normalizeH="0" baseline="0" noProof="0" dirty="0">
-              <a:ln>
-                <a:noFill/>
-              </a:ln>
-              <a:solidFill>
-                <a:srgbClr val="E75145"/>
-              </a:solidFill>
-              <a:effectLst/>
-              <a:uLnTx/>
-              <a:uFillTx/>
-              <a:latin typeface="Calibri" pitchFamily="34" charset="0"/>
-              <a:ea typeface="+mj-ea"/>
-              <a:cs typeface="+mj-cs"/>
-              <a:sym typeface="Arial" charset="0"/>
-            </a:endParaRPr>
-          </a:p>
-        </p:txBody>
-      </p:sp>
-    </p:spTree>
-  </p:cSld>
-  <p:clrMapOvr>
-    <a:masterClrMapping/>
-  </p:clrMapOvr>
-  <p:transition>
-    <p:fade/>
-  </p:transition>
-  <p:timing>
-    <p:tnLst>
-      <p:par>
-        <p:cTn id="1" dur="indefinite" restart="never" nodeType="tmRoot"/>
-      </p:par>
-    </p:tnLst>
-  </p:timing>
-</p:sld>
-</file>
-
-<file path=ppt/slides/slide51.xml><?xml version="1.0" encoding="utf-8"?>
-<p:sld xmlns:a="http://schemas.openxmlformats.org/drawingml/2006/main" xmlns:r="http://schemas.openxmlformats.org/officeDocument/2006/relationships" xmlns:p="http://schemas.openxmlformats.org/presentationml/2006/main">
-  <p:cSld>
-    <p:spTree>
-      <p:nvGrpSpPr>
-        <p:cNvPr id="1" name=""/>
-        <p:cNvGrpSpPr/>
-        <p:nvPr/>
-      </p:nvGrpSpPr>
-      <p:grpSpPr>
-        <a:xfrm>
-          <a:off x="0" y="0"/>
-          <a:ext cx="0" cy="0"/>
-          <a:chOff x="0" y="0"/>
-          <a:chExt cx="0" cy="0"/>
-        </a:xfrm>
-      </p:grpSpPr>
-      <p:sp>
-        <p:nvSpPr>
-          <p:cNvPr id="8193" name="Rectangle 1"/>
-          <p:cNvSpPr>
-            <a:spLocks noGrp="1" noChangeArrowheads="1"/>
-          </p:cNvSpPr>
-          <p:nvPr>
-            <p:ph type="title"/>
-          </p:nvPr>
-        </p:nvSpPr>
-        <p:spPr>
-          <a:xfrm>
-            <a:off x="711200" y="0"/>
-            <a:ext cx="12509500" cy="914400"/>
-          </a:xfrm>
-          <a:ln/>
-        </p:spPr>
-        <p:txBody>
-          <a:bodyPr/>
-          <a:lstStyle/>
-          <a:p>
-            <a:pPr lvl="0"/>
-            <a:r>
-              <a:rPr lang="en-US" sz="5400" dirty="0" smtClean="0">
-                <a:latin typeface="Lucida Handwriting" pitchFamily="66" charset="0"/>
-              </a:rPr>
-              <a:t>     DSL</a:t>
-            </a:r>
-            <a:endParaRPr lang="en-US" dirty="0"/>
-          </a:p>
-        </p:txBody>
-      </p:sp>
-      <p:sp>
-        <p:nvSpPr>
-          <p:cNvPr id="7" name="Rectangle 6"/>
-          <p:cNvSpPr/>
-          <p:nvPr/>
-        </p:nvSpPr>
-        <p:spPr>
-          <a:xfrm>
-            <a:off x="4216400" y="1143000"/>
-            <a:ext cx="4112023" cy="1107996"/>
-          </a:xfrm>
-          <a:prstGeom prst="rect">
-            <a:avLst/>
-          </a:prstGeom>
-        </p:spPr>
-        <p:txBody>
-          <a:bodyPr wrap="none">
-            <a:spAutoFit/>
-          </a:bodyPr>
-          <a:lstStyle/>
-          <a:p>
-            <a:pPr algn="ctr"/>
-            <a:r>
-              <a:rPr lang="en-US" sz="6600" kern="0" dirty="0" err="1" smtClean="0">
-                <a:solidFill>
-                  <a:srgbClr val="00CC66"/>
-                </a:solidFill>
-                <a:latin typeface="Calibri" pitchFamily="34" charset="0"/>
-                <a:cs typeface="+mj-cs"/>
-                <a:sym typeface="Arial" charset="0"/>
-              </a:rPr>
-              <a:t>DataTables</a:t>
-            </a:r>
-            <a:endParaRPr lang="en-US" sz="6600" kern="0" dirty="0" smtClean="0">
-              <a:solidFill>
-                <a:srgbClr val="00CC66"/>
-              </a:solidFill>
-              <a:latin typeface="Calibri" pitchFamily="34" charset="0"/>
-              <a:cs typeface="+mj-cs"/>
-              <a:sym typeface="Arial" charset="0"/>
-            </a:endParaRPr>
-          </a:p>
-        </p:txBody>
-      </p:sp>
-      <p:pic>
-        <p:nvPicPr>
-          <p:cNvPr id="8" name="Picture 10" descr="http://knowledgehub.zeus.com/media/Scala_Logo2008.png"/>
-          <p:cNvPicPr>
-            <a:picLocks noChangeAspect="1" noChangeArrowheads="1"/>
-          </p:cNvPicPr>
-          <p:nvPr/>
-        </p:nvPicPr>
-        <p:blipFill>
-          <a:blip r:embed="rId3"/>
-          <a:srcRect/>
-          <a:stretch>
-            <a:fillRect/>
-          </a:stretch>
-        </p:blipFill>
-        <p:spPr bwMode="auto">
-          <a:xfrm>
-            <a:off x="4140200" y="76200"/>
-            <a:ext cx="2279542" cy="679257"/>
-          </a:xfrm>
-          <a:prstGeom prst="rect">
-            <a:avLst/>
-          </a:prstGeom>
-          <a:noFill/>
-        </p:spPr>
-      </p:pic>
-      <p:sp>
-        <p:nvSpPr>
-          <p:cNvPr id="11" name="Rectangle 10"/>
-          <p:cNvSpPr/>
-          <p:nvPr/>
-        </p:nvSpPr>
-        <p:spPr>
-          <a:xfrm>
             <a:off x="406400" y="2667000"/>
             <a:ext cx="12344400" cy="5509200"/>
           </a:xfrm>
@@ -30187,7 +30930,7 @@
 </p:sld>
 </file>
 
-<file path=ppt/slides/slide52.xml><?xml version="1.0" encoding="utf-8"?>
+<file path=ppt/slides/slide51.xml><?xml version="1.0" encoding="utf-8"?>
 <p:sld xmlns:a="http://schemas.openxmlformats.org/drawingml/2006/main" xmlns:r="http://schemas.openxmlformats.org/officeDocument/2006/relationships" xmlns:p="http://schemas.openxmlformats.org/presentationml/2006/main">
   <p:cSld>
     <p:spTree>
@@ -31177,7 +31920,7 @@
 </p:sld>
 </file>
 
-<file path=ppt/slides/slide53.xml><?xml version="1.0" encoding="utf-8"?>
+<file path=ppt/slides/slide52.xml><?xml version="1.0" encoding="utf-8"?>
 <p:sld xmlns:a="http://schemas.openxmlformats.org/drawingml/2006/main" xmlns:r="http://schemas.openxmlformats.org/officeDocument/2006/relationships" xmlns:p="http://schemas.openxmlformats.org/presentationml/2006/main">
   <p:cSld>
     <p:spTree>
@@ -31235,7 +31978,7 @@
         <p:spPr>
           <a:xfrm>
             <a:off x="3987800" y="1143000"/>
-            <a:ext cx="5306261" cy="1200329"/>
+            <a:ext cx="5307863" cy="1200329"/>
           </a:xfrm>
           <a:prstGeom prst="rect">
             <a:avLst/>
@@ -31257,7 +32000,29 @@
                 <a:cs typeface="+mj-cs"/>
                 <a:sym typeface="Arial" charset="0"/>
               </a:rPr>
-              <a:t>make a guess</a:t>
+              <a:t>M</a:t>
+            </a:r>
+            <a:r>
+              <a:rPr lang="en-US" sz="7200" i="1" kern="0" dirty="0" smtClean="0">
+                <a:solidFill>
+                  <a:srgbClr val="00CC66"/>
+                </a:solidFill>
+                <a:latin typeface="Calibri" pitchFamily="34" charset="0"/>
+                <a:cs typeface="+mj-cs"/>
+                <a:sym typeface="Arial" charset="0"/>
+              </a:rPr>
+              <a:t>ake </a:t>
+            </a:r>
+            <a:r>
+              <a:rPr lang="en-US" sz="7200" i="1" kern="0" dirty="0" smtClean="0">
+                <a:solidFill>
+                  <a:srgbClr val="00CC66"/>
+                </a:solidFill>
+                <a:latin typeface="Calibri" pitchFamily="34" charset="0"/>
+                <a:cs typeface="+mj-cs"/>
+                <a:sym typeface="Arial" charset="0"/>
+              </a:rPr>
+              <a:t>a guess</a:t>
             </a:r>
             <a:endParaRPr lang="en-US" sz="7200" i="1" dirty="0">
               <a:solidFill>
@@ -31463,8 +32228,8 @@
         </p:nvSpPr>
         <p:spPr bwMode="auto">
           <a:xfrm>
-            <a:off x="4064000" y="6553200"/>
-            <a:ext cx="8382000" cy="685800"/>
+            <a:off x="2692400" y="6553200"/>
+            <a:ext cx="9753600" cy="685800"/>
           </a:xfrm>
           <a:prstGeom prst="rect">
             <a:avLst/>
@@ -31486,7 +32251,7 @@
           </a:bodyPr>
           <a:lstStyle/>
           <a:p>
-            <a:pPr lvl="0">
+            <a:pPr lvl="0" algn="r">
               <a:buFont typeface="Wingdings"/>
               <a:buChar char="ð"/>
             </a:pPr>
@@ -31506,55 +32271,7 @@
                 <a:cs typeface="+mj-cs"/>
                 <a:sym typeface="Wingdings"/>
               </a:rPr>
-              <a:t>Don’t execute</a:t>
-            </a:r>
-            <a:r>
-              <a:rPr kumimoji="0" lang="en-US" sz="4400" i="0" u="none" strike="noStrike" kern="0" cap="none" spc="0" normalizeH="0" noProof="0" dirty="0" smtClean="0">
-                <a:ln>
-                  <a:noFill/>
-                </a:ln>
-                <a:solidFill>
-                  <a:srgbClr val="FF0000"/>
-                </a:solidFill>
-                <a:effectLst/>
-                <a:uLnTx/>
-                <a:uFillTx/>
-                <a:latin typeface="Calibri" pitchFamily="34" charset="0"/>
-                <a:ea typeface="+mj-ea"/>
-                <a:cs typeface="+mj-cs"/>
-                <a:sym typeface="Wingdings"/>
-              </a:rPr>
-              <a:t> </a:t>
-            </a:r>
-            <a:r>
-              <a:rPr lang="en-US" sz="4400" kern="0" dirty="0" smtClean="0">
-                <a:solidFill>
-                  <a:srgbClr val="FF0000"/>
-                </a:solidFill>
-                <a:latin typeface="Calibri" pitchFamily="34" charset="0"/>
-                <a:ea typeface="+mj-ea"/>
-                <a:cs typeface="+mj-cs"/>
-                <a:sym typeface="Wingdings"/>
-              </a:rPr>
-              <a:t>nested e</a:t>
-            </a:r>
-            <a:r>
-              <a:rPr kumimoji="0" lang="en-US" sz="4400" i="0" u="none" strike="noStrike" kern="0" cap="none" spc="0" normalizeH="0" noProof="0" dirty="0" err="1" smtClean="0">
-                <a:ln>
-                  <a:noFill/>
-                </a:ln>
-                <a:solidFill>
-                  <a:srgbClr val="FF0000"/>
-                </a:solidFill>
-                <a:effectLst/>
-                <a:uLnTx/>
-                <a:uFillTx/>
-                <a:latin typeface="Calibri" pitchFamily="34" charset="0"/>
-                <a:ea typeface="+mj-ea"/>
-                <a:cs typeface="+mj-cs"/>
-                <a:sym typeface="Wingdings"/>
-              </a:rPr>
-              <a:t>xamples</a:t>
+              <a:t>Discover leaves without executing</a:t>
             </a:r>
             <a:r>
               <a:rPr kumimoji="0" lang="en-US" sz="4400" i="0" u="none" strike="noStrike" kern="0" cap="none" spc="0" normalizeH="0" noProof="0" dirty="0" smtClean="0">
@@ -31588,6 +32305,419 @@
               <a:ea typeface="+mj-ea"/>
               <a:cs typeface="+mj-cs"/>
               <a:sym typeface="Arial" charset="0"/>
+            </a:endParaRPr>
+          </a:p>
+        </p:txBody>
+      </p:sp>
+    </p:spTree>
+  </p:cSld>
+  <p:clrMapOvr>
+    <a:masterClrMapping/>
+  </p:clrMapOvr>
+  <p:transition>
+    <p:fade/>
+  </p:transition>
+  <p:timing>
+    <p:tnLst>
+      <p:par>
+        <p:cTn id="1" dur="indefinite" restart="never" nodeType="tmRoot"/>
+      </p:par>
+    </p:tnLst>
+  </p:timing>
+</p:sld>
+</file>
+
+<file path=ppt/slides/slide53.xml><?xml version="1.0" encoding="utf-8"?>
+<p:sld xmlns:a="http://schemas.openxmlformats.org/drawingml/2006/main" xmlns:r="http://schemas.openxmlformats.org/officeDocument/2006/relationships" xmlns:p="http://schemas.openxmlformats.org/presentationml/2006/main">
+  <p:cSld>
+    <p:spTree>
+      <p:nvGrpSpPr>
+        <p:cNvPr id="1" name=""/>
+        <p:cNvGrpSpPr/>
+        <p:nvPr/>
+      </p:nvGrpSpPr>
+      <p:grpSpPr>
+        <a:xfrm>
+          <a:off x="0" y="0"/>
+          <a:ext cx="0" cy="0"/>
+          <a:chOff x="0" y="0"/>
+          <a:chExt cx="0" cy="0"/>
+        </a:xfrm>
+      </p:grpSpPr>
+      <p:sp>
+        <p:nvSpPr>
+          <p:cNvPr id="8193" name="Rectangle 1"/>
+          <p:cNvSpPr>
+            <a:spLocks noGrp="1" noChangeArrowheads="1"/>
+          </p:cNvSpPr>
+          <p:nvPr>
+            <p:ph type="title"/>
+          </p:nvPr>
+        </p:nvSpPr>
+        <p:spPr>
+          <a:xfrm>
+            <a:off x="711200" y="0"/>
+            <a:ext cx="12509500" cy="914400"/>
+          </a:xfrm>
+          <a:ln/>
+        </p:spPr>
+        <p:txBody>
+          <a:bodyPr/>
+          <a:lstStyle/>
+          <a:p>
+            <a:pPr lvl="0"/>
+            <a:r>
+              <a:rPr lang="en-US" sz="5400" dirty="0" smtClean="0">
+                <a:latin typeface="Lucida Handwriting" pitchFamily="66" charset="0"/>
+              </a:rPr>
+              <a:t>     DSL</a:t>
+            </a:r>
+            <a:endParaRPr lang="en-US" dirty="0"/>
+          </a:p>
+        </p:txBody>
+      </p:sp>
+      <p:pic>
+        <p:nvPicPr>
+          <p:cNvPr id="8" name="Picture 10" descr="http://knowledgehub.zeus.com/media/Scala_Logo2008.png"/>
+          <p:cNvPicPr>
+            <a:picLocks noChangeAspect="1" noChangeArrowheads="1"/>
+          </p:cNvPicPr>
+          <p:nvPr/>
+        </p:nvPicPr>
+        <p:blipFill>
+          <a:blip r:embed="rId3"/>
+          <a:srcRect/>
+          <a:stretch>
+            <a:fillRect/>
+          </a:stretch>
+        </p:blipFill>
+        <p:spPr bwMode="auto">
+          <a:xfrm>
+            <a:off x="4140200" y="76200"/>
+            <a:ext cx="2279542" cy="679257"/>
+          </a:xfrm>
+          <a:prstGeom prst="rect">
+            <a:avLst/>
+          </a:prstGeom>
+          <a:noFill/>
+        </p:spPr>
+      </p:pic>
+      <p:sp>
+        <p:nvSpPr>
+          <p:cNvPr id="11" name="Rectangle 10"/>
+          <p:cNvSpPr/>
+          <p:nvPr/>
+        </p:nvSpPr>
+        <p:spPr>
+          <a:xfrm>
+            <a:off x="330200" y="2937570"/>
+            <a:ext cx="12344400" cy="4524315"/>
+          </a:xfrm>
+          <a:prstGeom prst="rect">
+            <a:avLst/>
+          </a:prstGeom>
+          <a:solidFill>
+            <a:schemeClr val="bg1"/>
+          </a:solidFill>
+          <a:ln>
+            <a:solidFill>
+              <a:schemeClr val="tx1"/>
+            </a:solidFill>
+            <a:prstDash val="dash"/>
+          </a:ln>
+        </p:spPr>
+        <p:txBody>
+          <a:bodyPr wrap="square">
+            <a:spAutoFit/>
+          </a:bodyPr>
+          <a:lstStyle/>
+          <a:p>
+            <a:r>
+              <a:rPr lang="fr-FR" sz="3600" b="1" dirty="0" err="1" smtClean="0">
+                <a:solidFill>
+                  <a:srgbClr val="7F0055"/>
+                </a:solidFill>
+                <a:latin typeface="Courier New"/>
+              </a:rPr>
+              <a:t>def</a:t>
+            </a:r>
+            <a:r>
+              <a:rPr lang="fr-FR" sz="3600" b="1" dirty="0" smtClean="0">
+                <a:latin typeface="Courier New"/>
+              </a:rPr>
+              <a:t> in[T](e: =&gt;T)</a:t>
+            </a:r>
+          </a:p>
+          <a:p>
+            <a:r>
+              <a:rPr lang="fr-FR" sz="3600" b="1" dirty="0" smtClean="0">
+                <a:latin typeface="Courier New"/>
+              </a:rPr>
+              <a:t>         (</a:t>
+            </a:r>
+            <a:r>
+              <a:rPr lang="fr-FR" sz="3600" b="1" dirty="0" err="1" smtClean="0">
+                <a:solidFill>
+                  <a:srgbClr val="7F0055"/>
+                </a:solidFill>
+                <a:latin typeface="Courier New"/>
+              </a:rPr>
+              <a:t>implicit</a:t>
+            </a:r>
+            <a:r>
+              <a:rPr lang="fr-FR" sz="3600" b="1" dirty="0" smtClean="0">
+                <a:latin typeface="Courier New"/>
+              </a:rPr>
+              <a:t> m: </a:t>
+            </a:r>
+            <a:r>
+              <a:rPr lang="fr-FR" sz="3600" b="1" dirty="0" err="1" smtClean="0">
+                <a:latin typeface="Courier New"/>
+              </a:rPr>
+              <a:t>ClassManifest</a:t>
+            </a:r>
+            <a:r>
+              <a:rPr lang="fr-FR" sz="3600" b="1" dirty="0" smtClean="0">
+                <a:latin typeface="Courier New"/>
+              </a:rPr>
+              <a:t>[T]) = {</a:t>
+            </a:r>
+          </a:p>
+          <a:p>
+            <a:r>
+              <a:rPr lang="en-US" sz="3600" dirty="0" smtClean="0">
+                <a:latin typeface="Courier New"/>
+              </a:rPr>
+              <a:t>  </a:t>
+            </a:r>
+            <a:r>
+              <a:rPr lang="en-US" sz="3600" dirty="0" err="1" smtClean="0">
+                <a:latin typeface="Courier New"/>
+              </a:rPr>
+              <a:t>expectationsAre</a:t>
+            </a:r>
+            <a:r>
+              <a:rPr lang="en-US" sz="3600" dirty="0" smtClean="0">
+                <a:latin typeface="Courier New"/>
+              </a:rPr>
+              <a:t>(e</a:t>
+            </a:r>
+            <a:r>
+              <a:rPr lang="en-US" sz="3600" dirty="0" smtClean="0">
+                <a:latin typeface="Courier New"/>
+              </a:rPr>
+              <a:t>)</a:t>
+            </a:r>
+          </a:p>
+          <a:p>
+            <a:endParaRPr lang="en-US" sz="3600" dirty="0" smtClean="0">
+              <a:latin typeface="Courier New"/>
+            </a:endParaRPr>
+          </a:p>
+          <a:p>
+            <a:r>
+              <a:rPr lang="en-US" sz="3600" dirty="0" smtClean="0">
+                <a:latin typeface="Courier New"/>
+              </a:rPr>
+              <a:t>  </a:t>
+            </a:r>
+            <a:r>
+              <a:rPr lang="en-US" sz="3600" b="1" dirty="0" smtClean="0">
+                <a:solidFill>
+                  <a:srgbClr val="7F0055"/>
+                </a:solidFill>
+                <a:latin typeface="Courier New"/>
+              </a:rPr>
+              <a:t>if</a:t>
+            </a:r>
+            <a:r>
+              <a:rPr lang="en-US" sz="3600" b="1" dirty="0" smtClean="0">
+                <a:latin typeface="Courier New"/>
+              </a:rPr>
+              <a:t> (</a:t>
+            </a:r>
+            <a:r>
+              <a:rPr lang="en-US" sz="3600" b="1" dirty="0" err="1" smtClean="0">
+                <a:latin typeface="Courier New"/>
+              </a:rPr>
+              <a:t>m.erasure</a:t>
+            </a:r>
+            <a:r>
+              <a:rPr lang="en-US" sz="3600" b="1" dirty="0" smtClean="0">
+                <a:latin typeface="Courier New"/>
+              </a:rPr>
+              <a:t> == </a:t>
+            </a:r>
+            <a:r>
+              <a:rPr lang="en-US" sz="3600" b="1" dirty="0" err="1" smtClean="0">
+                <a:solidFill>
+                  <a:srgbClr val="7F0055"/>
+                </a:solidFill>
+                <a:latin typeface="Courier New"/>
+              </a:rPr>
+              <a:t>this</a:t>
+            </a:r>
+            <a:r>
+              <a:rPr lang="en-US" sz="3600" b="1" dirty="0" err="1" smtClean="0">
+                <a:latin typeface="Courier New"/>
+              </a:rPr>
+              <a:t>.getClass</a:t>
+            </a:r>
+            <a:r>
+              <a:rPr lang="en-US" sz="3600" b="1" dirty="0" smtClean="0">
+                <a:latin typeface="Courier New"/>
+              </a:rPr>
+              <a:t>)</a:t>
+            </a:r>
+          </a:p>
+          <a:p>
+            <a:r>
+              <a:rPr lang="en-US" sz="3600" dirty="0" smtClean="0">
+                <a:latin typeface="Courier New"/>
+              </a:rPr>
+              <a:t>    </a:t>
+            </a:r>
+            <a:r>
+              <a:rPr lang="en-US" sz="3600" dirty="0" err="1" smtClean="0">
+                <a:latin typeface="Courier New"/>
+              </a:rPr>
+              <a:t>hasNestedExamples</a:t>
+            </a:r>
+            <a:r>
+              <a:rPr lang="en-US" sz="3600" dirty="0" smtClean="0">
+                <a:latin typeface="Courier New"/>
+              </a:rPr>
+              <a:t> = </a:t>
+            </a:r>
+            <a:r>
+              <a:rPr lang="en-US" sz="3600" b="1" dirty="0" smtClean="0">
+                <a:solidFill>
+                  <a:srgbClr val="7F0055"/>
+                </a:solidFill>
+                <a:latin typeface="Courier New"/>
+              </a:rPr>
+              <a:t>true</a:t>
+            </a:r>
+          </a:p>
+          <a:p>
+            <a:r>
+              <a:rPr lang="en-US" sz="3600" dirty="0" smtClean="0">
+                <a:latin typeface="Courier New"/>
+              </a:rPr>
+              <a:t>  </a:t>
+            </a:r>
+            <a:r>
+              <a:rPr lang="en-US" sz="3600" b="1" dirty="0" smtClean="0">
+                <a:solidFill>
+                  <a:srgbClr val="7F0055"/>
+                </a:solidFill>
+                <a:latin typeface="Courier New"/>
+              </a:rPr>
+              <a:t>this</a:t>
+            </a:r>
+          </a:p>
+          <a:p>
+            <a:r>
+              <a:rPr lang="en-US" sz="3600" dirty="0" smtClean="0">
+                <a:latin typeface="Courier New"/>
+              </a:rPr>
+              <a:t>}</a:t>
+            </a:r>
+            <a:endParaRPr lang="en-US" sz="3600" b="1" dirty="0" smtClean="0">
+              <a:solidFill>
+                <a:srgbClr val="7F0055"/>
+              </a:solidFill>
+              <a:latin typeface="Courier New"/>
+            </a:endParaRPr>
+          </a:p>
+        </p:txBody>
+      </p:sp>
+      <p:pic>
+        <p:nvPicPr>
+          <p:cNvPr id="70662" name="Picture 6" descr="magic, wizard icon"/>
+          <p:cNvPicPr>
+            <a:picLocks noChangeAspect="1" noChangeArrowheads="1"/>
+          </p:cNvPicPr>
+          <p:nvPr/>
+        </p:nvPicPr>
+        <p:blipFill>
+          <a:blip r:embed="rId4"/>
+          <a:srcRect/>
+          <a:stretch>
+            <a:fillRect/>
+          </a:stretch>
+        </p:blipFill>
+        <p:spPr bwMode="auto">
+          <a:xfrm>
+            <a:off x="635000" y="1143000"/>
+            <a:ext cx="1295400" cy="1295401"/>
+          </a:xfrm>
+          <a:prstGeom prst="rect">
+            <a:avLst/>
+          </a:prstGeom>
+          <a:noFill/>
+        </p:spPr>
+      </p:pic>
+      <p:sp>
+        <p:nvSpPr>
+          <p:cNvPr id="12" name="Rectangle 11"/>
+          <p:cNvSpPr/>
+          <p:nvPr/>
+        </p:nvSpPr>
+        <p:spPr>
+          <a:xfrm>
+            <a:off x="3987800" y="1143000"/>
+            <a:ext cx="5307863" cy="1200329"/>
+          </a:xfrm>
+          <a:prstGeom prst="rect">
+            <a:avLst/>
+          </a:prstGeom>
+        </p:spPr>
+        <p:txBody>
+          <a:bodyPr wrap="none">
+            <a:spAutoFit/>
+          </a:bodyPr>
+          <a:lstStyle/>
+          <a:p>
+            <a:pPr algn="ctr"/>
+            <a:r>
+              <a:rPr lang="en-US" sz="7200" i="1" kern="0" dirty="0" smtClean="0">
+                <a:solidFill>
+                  <a:srgbClr val="00CC66"/>
+                </a:solidFill>
+                <a:latin typeface="Calibri" pitchFamily="34" charset="0"/>
+                <a:cs typeface="+mj-cs"/>
+                <a:sym typeface="Arial" charset="0"/>
+              </a:rPr>
+              <a:t>M</a:t>
+            </a:r>
+            <a:r>
+              <a:rPr lang="en-US" sz="7200" i="1" kern="0" dirty="0" smtClean="0">
+                <a:solidFill>
+                  <a:srgbClr val="00CC66"/>
+                </a:solidFill>
+                <a:latin typeface="Calibri" pitchFamily="34" charset="0"/>
+                <a:cs typeface="+mj-cs"/>
+                <a:sym typeface="Arial" charset="0"/>
+              </a:rPr>
+              <a:t>ake </a:t>
+            </a:r>
+            <a:r>
+              <a:rPr lang="en-US" sz="7200" i="1" kern="0" dirty="0" smtClean="0">
+                <a:solidFill>
+                  <a:srgbClr val="00CC66"/>
+                </a:solidFill>
+                <a:latin typeface="Calibri" pitchFamily="34" charset="0"/>
+                <a:cs typeface="+mj-cs"/>
+                <a:sym typeface="Arial" charset="0"/>
+              </a:rPr>
+              <a:t>a guess</a:t>
+            </a:r>
+            <a:endParaRPr lang="en-US" sz="7200" i="1" dirty="0">
+              <a:solidFill>
+                <a:srgbClr val="00CC66"/>
+              </a:solidFill>
+              <a:latin typeface="Calibri" pitchFamily="34" charset="0"/>
             </a:endParaRPr>
           </a:p>
         </p:txBody>
@@ -31627,41 +32757,9 @@
           <a:chExt cx="0" cy="0"/>
         </a:xfrm>
       </p:grpSpPr>
-      <p:sp>
-        <p:nvSpPr>
-          <p:cNvPr id="8193" name="Rectangle 1"/>
-          <p:cNvSpPr>
-            <a:spLocks noGrp="1" noChangeArrowheads="1"/>
-          </p:cNvSpPr>
-          <p:nvPr>
-            <p:ph type="title"/>
-          </p:nvPr>
-        </p:nvSpPr>
-        <p:spPr>
-          <a:xfrm>
-            <a:off x="711200" y="0"/>
-            <a:ext cx="12509500" cy="914400"/>
-          </a:xfrm>
-          <a:ln/>
-        </p:spPr>
-        <p:txBody>
-          <a:bodyPr/>
-          <a:lstStyle/>
-          <a:p>
-            <a:pPr lvl="0"/>
-            <a:r>
-              <a:rPr lang="en-US" sz="5400" dirty="0" smtClean="0">
-                <a:latin typeface="Lucida Handwriting" pitchFamily="66" charset="0"/>
-              </a:rPr>
-              <a:t>     DSL</a:t>
-            </a:r>
-            <a:endParaRPr lang="en-US" dirty="0"/>
-          </a:p>
-        </p:txBody>
-      </p:sp>
       <p:pic>
         <p:nvPicPr>
-          <p:cNvPr id="8" name="Picture 10" descr="http://knowledgehub.zeus.com/media/Scala_Logo2008.png"/>
+          <p:cNvPr id="27656" name="Picture 8" descr="http://www.image-av.co.uk/Images/our_products/digitalsignage/examples/menu.jpg"/>
           <p:cNvPicPr>
             <a:picLocks noChangeAspect="1" noChangeArrowheads="1"/>
           </p:cNvPicPr>
@@ -31669,15 +32767,15 @@
         </p:nvPicPr>
         <p:blipFill>
           <a:blip r:embed="rId3"/>
-          <a:srcRect/>
+          <a:srcRect r="25286"/>
           <a:stretch>
             <a:fillRect/>
           </a:stretch>
         </p:blipFill>
         <p:spPr bwMode="auto">
           <a:xfrm>
-            <a:off x="4140200" y="76200"/>
-            <a:ext cx="2279542" cy="679257"/>
+            <a:off x="1625600" y="685800"/>
+            <a:ext cx="9829800" cy="7429614"/>
           </a:xfrm>
           <a:prstGeom prst="rect">
             <a:avLst/>
@@ -31687,287 +32785,456 @@
       </p:pic>
       <p:sp>
         <p:nvSpPr>
-          <p:cNvPr id="11" name="Rectangle 10"/>
+          <p:cNvPr id="10" name="Rectangle 9"/>
           <p:cNvSpPr/>
           <p:nvPr/>
         </p:nvSpPr>
-        <p:spPr>
+        <p:spPr bwMode="auto">
           <a:xfrm>
-            <a:off x="330200" y="2937570"/>
-            <a:ext cx="12344400" cy="3970318"/>
+            <a:off x="7416800" y="990600"/>
+            <a:ext cx="3581400" cy="685800"/>
           </a:xfrm>
           <a:prstGeom prst="rect">
             <a:avLst/>
           </a:prstGeom>
           <a:solidFill>
-            <a:schemeClr val="bg1"/>
+            <a:schemeClr val="accent3"/>
           </a:solidFill>
-          <a:ln>
-            <a:solidFill>
-              <a:schemeClr val="tx1"/>
-            </a:solidFill>
-            <a:prstDash val="dash"/>
+          <a:ln w="25400" cap="flat" cmpd="sng" algn="ctr">
+            <a:noFill/>
+            <a:prstDash val="solid"/>
+            <a:round/>
+            <a:headEnd type="none" w="med" len="med"/>
+            <a:tailEnd type="none" w="med" len="med"/>
           </a:ln>
+          <a:effectLst>
+            <a:softEdge rad="63500"/>
+          </a:effectLst>
         </p:spPr>
         <p:txBody>
-          <a:bodyPr wrap="square">
-            <a:spAutoFit/>
+          <a:bodyPr vert="horz" wrap="square" lIns="91440" tIns="45720" rIns="91440" bIns="45720" numCol="1" rtlCol="0" anchor="ctr" anchorCtr="0" compatLnSpc="1">
+            <a:prstTxWarp prst="textNoShape">
+              <a:avLst/>
+            </a:prstTxWarp>
           </a:bodyPr>
           <a:lstStyle/>
           <a:p>
-            <a:r>
-              <a:rPr lang="fr-FR" sz="3600" b="1" dirty="0" err="1" smtClean="0">
-                <a:solidFill>
-                  <a:srgbClr val="7F0055"/>
-                </a:solidFill>
-                <a:latin typeface="Courier New"/>
-              </a:rPr>
-              <a:t>def</a:t>
-            </a:r>
-            <a:r>
-              <a:rPr lang="fr-FR" sz="3600" b="1" dirty="0" smtClean="0">
-                <a:latin typeface="Courier New"/>
-              </a:rPr>
-              <a:t> in[T](e: =&gt;T)</a:t>
-            </a:r>
-          </a:p>
-          <a:p>
-            <a:r>
-              <a:rPr lang="fr-FR" sz="3600" b="1" dirty="0" smtClean="0">
-                <a:latin typeface="Courier New"/>
-              </a:rPr>
-              <a:t>         (</a:t>
-            </a:r>
-            <a:r>
-              <a:rPr lang="fr-FR" sz="3600" b="1" dirty="0" err="1" smtClean="0">
-                <a:solidFill>
-                  <a:srgbClr val="7F0055"/>
-                </a:solidFill>
-                <a:latin typeface="Courier New"/>
-              </a:rPr>
-              <a:t>implicit</a:t>
-            </a:r>
-            <a:r>
-              <a:rPr lang="fr-FR" sz="3600" b="1" dirty="0" smtClean="0">
-                <a:latin typeface="Courier New"/>
-              </a:rPr>
-              <a:t> m: </a:t>
-            </a:r>
-            <a:r>
-              <a:rPr lang="fr-FR" sz="3600" b="1" dirty="0" err="1" smtClean="0">
-                <a:latin typeface="Courier New"/>
-              </a:rPr>
-              <a:t>ClassManifest</a:t>
-            </a:r>
-            <a:r>
-              <a:rPr lang="fr-FR" sz="3600" b="1" dirty="0" smtClean="0">
-                <a:latin typeface="Courier New"/>
-              </a:rPr>
-              <a:t>[T]) = {</a:t>
-            </a:r>
-          </a:p>
-          <a:p>
-            <a:r>
-              <a:rPr lang="en-US" sz="3600" dirty="0" smtClean="0">
-                <a:latin typeface="Courier New"/>
-              </a:rPr>
-              <a:t>  </a:t>
-            </a:r>
-            <a:r>
-              <a:rPr lang="en-US" sz="3600" dirty="0" err="1" smtClean="0">
-                <a:latin typeface="Courier New"/>
-              </a:rPr>
-              <a:t>expectationsAre</a:t>
-            </a:r>
-            <a:r>
-              <a:rPr lang="en-US" sz="3600" dirty="0" smtClean="0">
-                <a:latin typeface="Courier New"/>
-              </a:rPr>
-              <a:t>(e)</a:t>
-            </a:r>
-          </a:p>
-          <a:p>
-            <a:r>
-              <a:rPr lang="en-US" sz="3600" dirty="0" smtClean="0">
-                <a:latin typeface="Courier New"/>
-              </a:rPr>
-              <a:t>  </a:t>
-            </a:r>
-            <a:r>
-              <a:rPr lang="en-US" sz="3600" b="1" dirty="0" smtClean="0">
-                <a:solidFill>
-                  <a:srgbClr val="7F0055"/>
-                </a:solidFill>
-                <a:latin typeface="Courier New"/>
-              </a:rPr>
-              <a:t>if</a:t>
-            </a:r>
-            <a:r>
-              <a:rPr lang="en-US" sz="3600" b="1" dirty="0" smtClean="0">
-                <a:latin typeface="Courier New"/>
-              </a:rPr>
-              <a:t> (</a:t>
-            </a:r>
-            <a:r>
-              <a:rPr lang="en-US" sz="3600" b="1" dirty="0" err="1" smtClean="0">
-                <a:latin typeface="Courier New"/>
-              </a:rPr>
-              <a:t>m.erasure</a:t>
-            </a:r>
-            <a:r>
-              <a:rPr lang="en-US" sz="3600" b="1" dirty="0" smtClean="0">
-                <a:latin typeface="Courier New"/>
-              </a:rPr>
-              <a:t> == </a:t>
-            </a:r>
-            <a:r>
-              <a:rPr lang="en-US" sz="3600" b="1" dirty="0" err="1" smtClean="0">
-                <a:solidFill>
-                  <a:srgbClr val="7F0055"/>
-                </a:solidFill>
-                <a:latin typeface="Courier New"/>
-              </a:rPr>
-              <a:t>this</a:t>
-            </a:r>
-            <a:r>
-              <a:rPr lang="en-US" sz="3600" b="1" dirty="0" err="1" smtClean="0">
-                <a:latin typeface="Courier New"/>
-              </a:rPr>
-              <a:t>.getClass</a:t>
-            </a:r>
-            <a:r>
-              <a:rPr lang="en-US" sz="3600" b="1" dirty="0" smtClean="0">
-                <a:latin typeface="Courier New"/>
-              </a:rPr>
-              <a:t>)</a:t>
-            </a:r>
-          </a:p>
-          <a:p>
-            <a:r>
-              <a:rPr lang="en-US" sz="3600" dirty="0" smtClean="0">
-                <a:latin typeface="Courier New"/>
-              </a:rPr>
-              <a:t>    </a:t>
-            </a:r>
-            <a:r>
-              <a:rPr lang="en-US" sz="3600" dirty="0" err="1" smtClean="0">
-                <a:latin typeface="Courier New"/>
-              </a:rPr>
-              <a:t>hasNestedExamples</a:t>
-            </a:r>
-            <a:r>
-              <a:rPr lang="en-US" sz="3600" dirty="0" smtClean="0">
-                <a:latin typeface="Courier New"/>
-              </a:rPr>
-              <a:t> = </a:t>
-            </a:r>
-            <a:r>
-              <a:rPr lang="en-US" sz="3600" b="1" dirty="0" smtClean="0">
-                <a:solidFill>
-                  <a:srgbClr val="7F0055"/>
-                </a:solidFill>
-                <a:latin typeface="Courier New"/>
-              </a:rPr>
-              <a:t>true</a:t>
-            </a:r>
-          </a:p>
-          <a:p>
-            <a:r>
-              <a:rPr lang="en-US" sz="3600" dirty="0" smtClean="0">
-                <a:latin typeface="Courier New"/>
-              </a:rPr>
-              <a:t>  </a:t>
-            </a:r>
-            <a:r>
-              <a:rPr lang="en-US" sz="3600" b="1" dirty="0" smtClean="0">
-                <a:solidFill>
-                  <a:srgbClr val="7F0055"/>
-                </a:solidFill>
-                <a:latin typeface="Courier New"/>
-              </a:rPr>
-              <a:t>this</a:t>
-            </a:r>
-          </a:p>
-          <a:p>
-            <a:r>
-              <a:rPr lang="en-US" sz="3600" dirty="0" smtClean="0">
-                <a:latin typeface="Courier New"/>
-              </a:rPr>
-              <a:t>}</a:t>
-            </a:r>
-            <a:endParaRPr lang="en-US" sz="3600" b="1" dirty="0" smtClean="0">
+            <a:pPr marL="0" marR="0" indent="0" algn="ctr" defTabSz="914400" rtl="0" eaLnBrk="1" fontAlgn="base" latinLnBrk="0" hangingPunct="1">
+              <a:lnSpc>
+                <a:spcPct val="100000"/>
+              </a:lnSpc>
+              <a:spcBef>
+                <a:spcPct val="0"/>
+              </a:spcBef>
+              <a:spcAft>
+                <a:spcPct val="0"/>
+              </a:spcAft>
+              <a:buClrTx/>
+              <a:buSzTx/>
+              <a:buFontTx/>
+              <a:buNone/>
+              <a:tabLst/>
+            </a:pPr>
+            <a:fld id="{7C026093-F925-4923-9870-9F119E4CFC85}" type="datetime2">
+              <a:rPr kumimoji="0" lang="en-US" sz="4000" b="0" i="0" u="none" strike="noStrike" cap="none" normalizeH="0" baseline="0" smtClean="0">
+                <a:ln>
+                  <a:noFill/>
+                </a:ln>
+                <a:solidFill>
+                  <a:srgbClr val="000000"/>
+                </a:solidFill>
+                <a:effectLst/>
+                <a:latin typeface="Freestyle Script" pitchFamily="66" charset="0"/>
+                <a:sym typeface="Gill Sans" pitchFamily="1" charset="0"/>
+              </a:rPr>
+              <a:pPr marL="0" marR="0" indent="0" algn="ctr" defTabSz="914400" rtl="0" eaLnBrk="1" fontAlgn="base" latinLnBrk="0" hangingPunct="1">
+                <a:lnSpc>
+                  <a:spcPct val="100000"/>
+                </a:lnSpc>
+                <a:spcBef>
+                  <a:spcPct val="0"/>
+                </a:spcBef>
+                <a:spcAft>
+                  <a:spcPct val="0"/>
+                </a:spcAft>
+                <a:buClrTx/>
+                <a:buSzTx/>
+                <a:buFontTx/>
+                <a:buNone/>
+                <a:tabLst/>
+              </a:pPr>
+              <a:t>Wednesday, June 16, 2010</a:t>
+            </a:fld>
+            <a:endParaRPr kumimoji="0" lang="en-US" sz="4000" b="0" i="0" u="none" strike="noStrike" cap="none" normalizeH="0" baseline="0" dirty="0" smtClean="0">
+              <a:ln>
+                <a:noFill/>
+              </a:ln>
               <a:solidFill>
-                <a:srgbClr val="7F0055"/>
+                <a:srgbClr val="000000"/>
               </a:solidFill>
-              <a:latin typeface="Courier New"/>
+              <a:effectLst/>
+              <a:latin typeface="Freestyle Script" pitchFamily="66" charset="0"/>
+              <a:sym typeface="Gill Sans" pitchFamily="1" charset="0"/>
             </a:endParaRPr>
           </a:p>
         </p:txBody>
       </p:sp>
-      <p:pic>
-        <p:nvPicPr>
-          <p:cNvPr id="70662" name="Picture 6" descr="magic, wizard icon"/>
-          <p:cNvPicPr>
-            <a:picLocks noChangeAspect="1" noChangeArrowheads="1"/>
-          </p:cNvPicPr>
+      <p:sp>
+        <p:nvSpPr>
+          <p:cNvPr id="11" name="Rectangle 10"/>
+          <p:cNvSpPr/>
           <p:nvPr/>
-        </p:nvPicPr>
-        <p:blipFill>
-          <a:blip r:embed="rId4"/>
-          <a:srcRect/>
-          <a:stretch>
-            <a:fillRect/>
-          </a:stretch>
-        </p:blipFill>
+        </p:nvSpPr>
         <p:spPr bwMode="auto">
           <a:xfrm>
-            <a:off x="635000" y="1143000"/>
-            <a:ext cx="1295400" cy="1295401"/>
+            <a:off x="1930400" y="4495800"/>
+            <a:ext cx="2971800" cy="3505200"/>
           </a:xfrm>
           <a:prstGeom prst="rect">
             <a:avLst/>
           </a:prstGeom>
-          <a:noFill/>
-        </p:spPr>
-      </p:pic>
+          <a:solidFill>
+            <a:srgbClr val="BEE0B2"/>
+          </a:solidFill>
+          <a:ln w="25400" cap="flat" cmpd="sng" algn="ctr">
+            <a:noFill/>
+            <a:prstDash val="solid"/>
+            <a:round/>
+            <a:headEnd type="none" w="med" len="med"/>
+            <a:tailEnd type="none" w="med" len="med"/>
+          </a:ln>
+          <a:effectLst>
+            <a:softEdge rad="12700"/>
+          </a:effectLst>
+        </p:spPr>
+        <p:txBody>
+          <a:bodyPr vert="horz" wrap="square" lIns="91440" tIns="45720" rIns="91440" bIns="45720" numCol="1" rtlCol="0" anchor="t" anchorCtr="0" compatLnSpc="1">
+            <a:prstTxWarp prst="textNoShape">
+              <a:avLst/>
+            </a:prstTxWarp>
+          </a:bodyPr>
+          <a:lstStyle/>
+          <a:p>
+            <a:pPr lvl="0"/>
+            <a:endParaRPr lang="en-US" sz="1400" dirty="0" smtClean="0">
+              <a:latin typeface="Lucida Handwriting" pitchFamily="66" charset="0"/>
+            </a:endParaRPr>
+          </a:p>
+          <a:p>
+            <a:pPr lvl="0"/>
+            <a:r>
+              <a:rPr lang="en-US" sz="3600" dirty="0" smtClean="0">
+                <a:latin typeface="Lucida Handwriting" pitchFamily="66" charset="0"/>
+              </a:rPr>
+              <a:t>About…</a:t>
+            </a:r>
+          </a:p>
+          <a:p>
+            <a:pPr lvl="0"/>
+            <a:endParaRPr lang="en-US" sz="3600" dirty="0" smtClean="0">
+              <a:latin typeface="Lucida Handwriting" pitchFamily="66" charset="0"/>
+            </a:endParaRPr>
+          </a:p>
+          <a:p>
+            <a:pPr lvl="0"/>
+            <a:r>
+              <a:rPr lang="en-US" sz="3600" dirty="0" smtClean="0">
+                <a:latin typeface="Lucida Handwriting" pitchFamily="66" charset="0"/>
+              </a:rPr>
+              <a:t>specs tour</a:t>
+            </a:r>
+          </a:p>
+          <a:p>
+            <a:pPr lvl="0"/>
+            <a:endParaRPr lang="en-US" sz="3200" dirty="0" smtClean="0">
+              <a:latin typeface="Lucida Handwriting" pitchFamily="66" charset="0"/>
+            </a:endParaRPr>
+          </a:p>
+          <a:p>
+            <a:pPr lvl="0"/>
+            <a:r>
+              <a:rPr lang="en-US" sz="3200" dirty="0" smtClean="0">
+                <a:latin typeface="Lucida Handwriting" pitchFamily="66" charset="0"/>
+              </a:rPr>
+              <a:t>Implicit def</a:t>
+            </a:r>
+          </a:p>
+          <a:p>
+            <a:pPr lvl="0"/>
+            <a:endParaRPr lang="en-US" sz="3600" dirty="0">
+              <a:latin typeface="Lucida Handwriting" pitchFamily="66" charset="0"/>
+            </a:endParaRPr>
+          </a:p>
+        </p:txBody>
+      </p:sp>
       <p:sp>
         <p:nvSpPr>
           <p:cNvPr id="12" name="Rectangle 11"/>
           <p:cNvSpPr/>
           <p:nvPr/>
         </p:nvSpPr>
-        <p:spPr>
+        <p:spPr bwMode="auto">
           <a:xfrm>
-            <a:off x="3987800" y="1143000"/>
-            <a:ext cx="5306261" cy="1200329"/>
+            <a:off x="5130800" y="4495800"/>
+            <a:ext cx="2971800" cy="3505200"/>
           </a:xfrm>
           <a:prstGeom prst="rect">
             <a:avLst/>
           </a:prstGeom>
+          <a:solidFill>
+            <a:srgbClr val="BEE0B2"/>
+          </a:solidFill>
+          <a:ln w="25400" cap="flat" cmpd="sng" algn="ctr">
+            <a:noFill/>
+            <a:prstDash val="solid"/>
+            <a:round/>
+            <a:headEnd type="none" w="med" len="med"/>
+            <a:tailEnd type="none" w="med" len="med"/>
+          </a:ln>
+          <a:effectLst>
+            <a:softEdge rad="12700"/>
+          </a:effectLst>
         </p:spPr>
         <p:txBody>
-          <a:bodyPr wrap="none">
-            <a:spAutoFit/>
+          <a:bodyPr vert="horz" wrap="square" lIns="91440" tIns="45720" rIns="91440" bIns="45720" numCol="1" rtlCol="0" anchor="t" anchorCtr="0" compatLnSpc="1">
+            <a:prstTxWarp prst="textNoShape">
+              <a:avLst/>
+            </a:prstTxWarp>
           </a:bodyPr>
           <a:lstStyle/>
           <a:p>
-            <a:pPr algn="ctr"/>
-            <a:r>
-              <a:rPr lang="en-US" sz="7200" i="1" kern="0" dirty="0" smtClean="0">
-                <a:solidFill>
-                  <a:srgbClr val="00CC66"/>
-                </a:solidFill>
-                <a:latin typeface="Calibri" pitchFamily="34" charset="0"/>
-                <a:cs typeface="+mj-cs"/>
-                <a:sym typeface="Arial" charset="0"/>
-              </a:rPr>
-              <a:t>make a guess</a:t>
-            </a:r>
-            <a:endParaRPr lang="en-US" sz="7200" i="1" dirty="0">
+            <a:r>
+              <a:rPr lang="en-US" sz="3200" dirty="0" smtClean="0">
+                <a:latin typeface="Lucida Handwriting" pitchFamily="66" charset="0"/>
+              </a:rPr>
+              <a:t>Restrict</a:t>
+            </a:r>
+          </a:p>
+          <a:p>
+            <a:endParaRPr kumimoji="0" lang="en-US" sz="3200" b="0" i="0" u="none" strike="noStrike" cap="none" normalizeH="0" baseline="0" dirty="0" smtClean="0">
+              <a:ln>
+                <a:noFill/>
+              </a:ln>
               <a:solidFill>
-                <a:srgbClr val="00CC66"/>
+                <a:srgbClr val="000000"/>
               </a:solidFill>
-              <a:latin typeface="Calibri" pitchFamily="34" charset="0"/>
+              <a:effectLst/>
+              <a:latin typeface="Lucida Handwriting" pitchFamily="66" charset="0"/>
+              <a:ea typeface="ヒラギノ角ゴ ProN W3" pitchFamily="1" charset="-128"/>
+              <a:sym typeface="Gill Sans" pitchFamily="1" charset="0"/>
+            </a:endParaRPr>
+          </a:p>
+          <a:p>
+            <a:r>
+              <a:rPr lang="en-US" sz="3200" dirty="0" smtClean="0">
+                <a:latin typeface="Lucida Handwriting" pitchFamily="66" charset="0"/>
+              </a:rPr>
+              <a:t>Combine</a:t>
+            </a:r>
+          </a:p>
+          <a:p>
+            <a:endParaRPr kumimoji="0" lang="en-US" sz="3200" b="0" i="0" u="none" strike="noStrike" cap="none" normalizeH="0" baseline="0" dirty="0" smtClean="0">
+              <a:ln>
+                <a:noFill/>
+              </a:ln>
+              <a:solidFill>
+                <a:srgbClr val="000000"/>
+              </a:solidFill>
+              <a:effectLst/>
+              <a:latin typeface="Lucida Handwriting" pitchFamily="66" charset="0"/>
+              <a:ea typeface="ヒラギノ角ゴ ProN W3" pitchFamily="1" charset="-128"/>
+              <a:sym typeface="Gill Sans" pitchFamily="1" charset="0"/>
+            </a:endParaRPr>
+          </a:p>
+          <a:p>
+            <a:r>
+              <a:rPr kumimoji="0" lang="en-US" sz="3200" b="0" i="0" u="none" strike="noStrike" cap="none" normalizeH="0" baseline="0" dirty="0" smtClean="0">
+                <a:ln>
+                  <a:noFill/>
+                </a:ln>
+                <a:solidFill>
+                  <a:srgbClr val="000000"/>
+                </a:solidFill>
+                <a:effectLst/>
+                <a:latin typeface="Lucida Handwriting" pitchFamily="66" charset="0"/>
+                <a:ea typeface="ヒラギノ角ゴ ProN W3" pitchFamily="1" charset="-128"/>
+                <a:sym typeface="Gill Sans" pitchFamily="1" charset="0"/>
+              </a:rPr>
+              <a:t>Add ,</a:t>
+            </a:r>
+            <a:r>
+              <a:rPr kumimoji="0" lang="en-US" sz="3200" b="0" i="0" u="none" strike="noStrike" cap="none" normalizeH="0" dirty="0" smtClean="0">
+                <a:ln>
+                  <a:noFill/>
+                </a:ln>
+                <a:solidFill>
+                  <a:srgbClr val="000000"/>
+                </a:solidFill>
+                <a:effectLst/>
+                <a:latin typeface="Lucida Handwriting" pitchFamily="66" charset="0"/>
+                <a:ea typeface="ヒラギノ角ゴ ProN W3" pitchFamily="1" charset="-128"/>
+                <a:sym typeface="Gill Sans" pitchFamily="1" charset="0"/>
+              </a:rPr>
+              <a:t> add</a:t>
+            </a:r>
+            <a:endParaRPr kumimoji="0" lang="en-US" sz="3200" b="0" i="0" u="none" strike="noStrike" cap="none" normalizeH="0" baseline="0" dirty="0" smtClean="0">
+              <a:ln>
+                <a:noFill/>
+              </a:ln>
+              <a:solidFill>
+                <a:srgbClr val="000000"/>
+              </a:solidFill>
+              <a:effectLst/>
+              <a:latin typeface="Lucida Handwriting" pitchFamily="66" charset="0"/>
+              <a:ea typeface="ヒラギノ角ゴ ProN W3" pitchFamily="1" charset="-128"/>
+              <a:sym typeface="Gill Sans" pitchFamily="1" charset="0"/>
+            </a:endParaRPr>
+          </a:p>
+          <a:p>
+            <a:endParaRPr lang="en-US" sz="3200" dirty="0" smtClean="0">
+              <a:latin typeface="Lucida Handwriting" pitchFamily="66" charset="0"/>
+            </a:endParaRPr>
+          </a:p>
+          <a:p>
+            <a:r>
+              <a:rPr lang="en-US" sz="3200" dirty="0" smtClean="0">
+                <a:latin typeface="Lucida Handwriting" pitchFamily="66" charset="0"/>
+              </a:rPr>
+              <a:t>Be lazy</a:t>
+            </a:r>
+          </a:p>
+          <a:p>
+            <a:endParaRPr kumimoji="0" lang="en-US" sz="3200" b="0" i="0" u="none" strike="noStrike" cap="none" normalizeH="0" baseline="0" dirty="0" smtClean="0">
+              <a:ln>
+                <a:noFill/>
+              </a:ln>
+              <a:solidFill>
+                <a:srgbClr val="000000"/>
+              </a:solidFill>
+              <a:effectLst/>
+              <a:latin typeface="Lucida Handwriting" pitchFamily="66" charset="0"/>
+              <a:ea typeface="ヒラギノ角ゴ ProN W3" pitchFamily="1" charset="-128"/>
+              <a:sym typeface="Gill Sans" pitchFamily="1" charset="0"/>
+            </a:endParaRPr>
+          </a:p>
+          <a:p>
+            <a:endParaRPr kumimoji="0" lang="en-US" sz="3200" b="0" i="0" u="none" strike="noStrike" cap="none" normalizeH="0" baseline="0" dirty="0" smtClean="0">
+              <a:ln>
+                <a:noFill/>
+              </a:ln>
+              <a:solidFill>
+                <a:srgbClr val="000000"/>
+              </a:solidFill>
+              <a:effectLst/>
+              <a:latin typeface="Gill Sans" pitchFamily="1" charset="0"/>
+              <a:ea typeface="ヒラギノ角ゴ ProN W3" pitchFamily="1" charset="-128"/>
+              <a:sym typeface="Gill Sans" pitchFamily="1" charset="0"/>
+            </a:endParaRPr>
+          </a:p>
+        </p:txBody>
+      </p:sp>
+      <p:sp>
+        <p:nvSpPr>
+          <p:cNvPr id="13" name="Rectangle 12"/>
+          <p:cNvSpPr/>
+          <p:nvPr/>
+        </p:nvSpPr>
+        <p:spPr bwMode="auto">
+          <a:xfrm>
+            <a:off x="8255000" y="4495800"/>
+            <a:ext cx="2971800" cy="3505200"/>
+          </a:xfrm>
+          <a:prstGeom prst="rect">
+            <a:avLst/>
+          </a:prstGeom>
+          <a:solidFill>
+            <a:srgbClr val="BEE0B2"/>
+          </a:solidFill>
+          <a:ln w="25400" cap="flat" cmpd="sng" algn="ctr">
+            <a:noFill/>
+            <a:prstDash val="solid"/>
+            <a:round/>
+            <a:headEnd type="none" w="med" len="med"/>
+            <a:tailEnd type="none" w="med" len="med"/>
+          </a:ln>
+          <a:effectLst>
+            <a:softEdge rad="12700"/>
+          </a:effectLst>
+        </p:spPr>
+        <p:txBody>
+          <a:bodyPr vert="horz" wrap="square" lIns="91440" tIns="45720" rIns="91440" bIns="45720" numCol="1" rtlCol="0" anchor="t" anchorCtr="0" compatLnSpc="1">
+            <a:prstTxWarp prst="textNoShape">
+              <a:avLst/>
+            </a:prstTxWarp>
+          </a:bodyPr>
+          <a:lstStyle/>
+          <a:p>
+            <a:endParaRPr lang="en-US" sz="3200" dirty="0" smtClean="0">
+              <a:latin typeface="Lucida Handwriting" pitchFamily="66" charset="0"/>
+            </a:endParaRPr>
+          </a:p>
+          <a:p>
+            <a:r>
+              <a:rPr lang="en-US" sz="3200" dirty="0" smtClean="0">
+                <a:latin typeface="Lucida Handwriting" pitchFamily="66" charset="0"/>
+              </a:rPr>
+              <a:t>!&amp;%$#&gt;</a:t>
+            </a:r>
+          </a:p>
+          <a:p>
+            <a:endParaRPr lang="en-US" sz="3200" dirty="0" smtClean="0">
+              <a:latin typeface="Lucida Handwriting" pitchFamily="66" charset="0"/>
+            </a:endParaRPr>
+          </a:p>
+          <a:p>
+            <a:r>
+              <a:rPr lang="en-US" sz="3200" dirty="0" smtClean="0">
+                <a:latin typeface="Lucida Handwriting" pitchFamily="66" charset="0"/>
+              </a:rPr>
+              <a:t>Manifests</a:t>
+            </a:r>
+          </a:p>
+          <a:p>
+            <a:endParaRPr lang="en-US" sz="3200" dirty="0" smtClean="0">
+              <a:latin typeface="Lucida Handwriting" pitchFamily="66" charset="0"/>
+            </a:endParaRPr>
+          </a:p>
+          <a:p>
+            <a:r>
+              <a:rPr lang="en-US" sz="3200" dirty="0" smtClean="0">
+                <a:latin typeface="Lucida Handwriting" pitchFamily="66" charset="0"/>
+              </a:rPr>
+              <a:t>Resources</a:t>
+            </a:r>
+          </a:p>
+          <a:p>
+            <a:endParaRPr lang="en-US" sz="3200" dirty="0" smtClean="0">
+              <a:latin typeface="Lucida Handwriting" pitchFamily="66" charset="0"/>
+            </a:endParaRPr>
+          </a:p>
+          <a:p>
+            <a:endParaRPr lang="en-US" sz="3200" dirty="0" smtClean="0">
+              <a:latin typeface="Lucida Handwriting" pitchFamily="66" charset="0"/>
+            </a:endParaRPr>
+          </a:p>
+          <a:p>
+            <a:pPr lvl="0"/>
+            <a:endParaRPr lang="en-US" sz="3000" dirty="0">
+              <a:latin typeface="Lucida Handwriting" pitchFamily="66" charset="0"/>
+            </a:endParaRPr>
+          </a:p>
+          <a:p>
+            <a:endParaRPr kumimoji="0" lang="en-US" sz="1200" b="0" i="0" u="none" strike="noStrike" cap="none" normalizeH="0" baseline="0" dirty="0" smtClean="0">
+              <a:ln>
+                <a:noFill/>
+              </a:ln>
+              <a:solidFill>
+                <a:srgbClr val="000000"/>
+              </a:solidFill>
+              <a:effectLst/>
+              <a:latin typeface="Gill Sans" pitchFamily="1" charset="0"/>
+              <a:ea typeface="ヒラギノ角ゴ ProN W3" pitchFamily="1" charset="-128"/>
+              <a:sym typeface="Gill Sans" pitchFamily="1" charset="0"/>
             </a:endParaRPr>
           </a:p>
         </p:txBody>
@@ -32241,6 +33508,193 @@
       </p:pic>
       <p:sp>
         <p:nvSpPr>
+          <p:cNvPr id="12" name="Rectangle 11"/>
+          <p:cNvSpPr/>
+          <p:nvPr/>
+        </p:nvSpPr>
+        <p:spPr>
+          <a:xfrm>
+            <a:off x="3719155" y="1238071"/>
+            <a:ext cx="4764445" cy="1200329"/>
+          </a:xfrm>
+          <a:prstGeom prst="rect">
+            <a:avLst/>
+          </a:prstGeom>
+        </p:spPr>
+        <p:txBody>
+          <a:bodyPr wrap="none">
+            <a:spAutoFit/>
+          </a:bodyPr>
+          <a:lstStyle/>
+          <a:p>
+            <a:pPr algn="ctr"/>
+            <a:r>
+              <a:rPr lang="en-US" sz="7200" kern="0" dirty="0" smtClean="0">
+                <a:solidFill>
+                  <a:srgbClr val="00CC66"/>
+                </a:solidFill>
+                <a:latin typeface="Calibri" pitchFamily="34" charset="0"/>
+                <a:cs typeface="+mj-cs"/>
+                <a:sym typeface="Arial" charset="0"/>
+              </a:rPr>
+              <a:t>Bag of tricks</a:t>
+            </a:r>
+            <a:endParaRPr lang="en-US" sz="7200" dirty="0">
+              <a:solidFill>
+                <a:srgbClr val="00CC66"/>
+              </a:solidFill>
+              <a:latin typeface="Calibri" pitchFamily="34" charset="0"/>
+            </a:endParaRPr>
+          </a:p>
+        </p:txBody>
+      </p:sp>
+      <p:pic>
+        <p:nvPicPr>
+          <p:cNvPr id="13" name="Picture 6" descr="magic, wizard icon"/>
+          <p:cNvPicPr>
+            <a:picLocks noChangeAspect="1" noChangeArrowheads="1"/>
+          </p:cNvPicPr>
+          <p:nvPr/>
+        </p:nvPicPr>
+        <p:blipFill>
+          <a:blip r:embed="rId4"/>
+          <a:srcRect/>
+          <a:stretch>
+            <a:fillRect/>
+          </a:stretch>
+        </p:blipFill>
+        <p:spPr bwMode="auto">
+          <a:xfrm>
+            <a:off x="2235200" y="1295399"/>
+            <a:ext cx="990600" cy="990601"/>
+          </a:xfrm>
+          <a:prstGeom prst="rect">
+            <a:avLst/>
+          </a:prstGeom>
+          <a:noFill/>
+        </p:spPr>
+      </p:pic>
+      <p:pic>
+        <p:nvPicPr>
+          <p:cNvPr id="142340" name="Picture 4" descr="http://www.npl.lib.va.us/images/2000/hat&amp;wand.gif"/>
+          <p:cNvPicPr>
+            <a:picLocks noChangeAspect="1" noChangeArrowheads="1"/>
+          </p:cNvPicPr>
+          <p:nvPr/>
+        </p:nvPicPr>
+        <p:blipFill>
+          <a:blip r:embed="rId5"/>
+          <a:srcRect/>
+          <a:stretch>
+            <a:fillRect/>
+          </a:stretch>
+        </p:blipFill>
+        <p:spPr bwMode="auto">
+          <a:xfrm>
+            <a:off x="3911600" y="2743200"/>
+            <a:ext cx="5105400" cy="5105402"/>
+          </a:xfrm>
+          <a:prstGeom prst="rect">
+            <a:avLst/>
+          </a:prstGeom>
+          <a:noFill/>
+        </p:spPr>
+      </p:pic>
+    </p:spTree>
+  </p:cSld>
+  <p:clrMapOvr>
+    <a:masterClrMapping/>
+  </p:clrMapOvr>
+  <p:transition>
+    <p:fade/>
+  </p:transition>
+  <p:timing>
+    <p:tnLst>
+      <p:par>
+        <p:cTn id="1" dur="indefinite" restart="never" nodeType="tmRoot"/>
+      </p:par>
+    </p:tnLst>
+  </p:timing>
+</p:sld>
+</file>
+
+<file path=ppt/slides/slide57.xml><?xml version="1.0" encoding="utf-8"?>
+<p:sld xmlns:a="http://schemas.openxmlformats.org/drawingml/2006/main" xmlns:r="http://schemas.openxmlformats.org/officeDocument/2006/relationships" xmlns:p="http://schemas.openxmlformats.org/presentationml/2006/main">
+  <p:cSld>
+    <p:spTree>
+      <p:nvGrpSpPr>
+        <p:cNvPr id="1" name=""/>
+        <p:cNvGrpSpPr/>
+        <p:nvPr/>
+      </p:nvGrpSpPr>
+      <p:grpSpPr>
+        <a:xfrm>
+          <a:off x="0" y="0"/>
+          <a:ext cx="0" cy="0"/>
+          <a:chOff x="0" y="0"/>
+          <a:chExt cx="0" cy="0"/>
+        </a:xfrm>
+      </p:grpSpPr>
+      <p:sp>
+        <p:nvSpPr>
+          <p:cNvPr id="8193" name="Rectangle 1"/>
+          <p:cNvSpPr>
+            <a:spLocks noGrp="1" noChangeArrowheads="1"/>
+          </p:cNvSpPr>
+          <p:nvPr>
+            <p:ph type="title"/>
+          </p:nvPr>
+        </p:nvSpPr>
+        <p:spPr>
+          <a:xfrm>
+            <a:off x="711200" y="0"/>
+            <a:ext cx="12509500" cy="914400"/>
+          </a:xfrm>
+          <a:ln/>
+        </p:spPr>
+        <p:txBody>
+          <a:bodyPr/>
+          <a:lstStyle/>
+          <a:p>
+            <a:pPr lvl="0"/>
+            <a:r>
+              <a:rPr lang="en-US" sz="5400" dirty="0" smtClean="0">
+                <a:latin typeface="Lucida Handwriting" pitchFamily="66" charset="0"/>
+              </a:rPr>
+              <a:t>     DSL</a:t>
+            </a:r>
+            <a:endParaRPr lang="en-US" dirty="0"/>
+          </a:p>
+        </p:txBody>
+      </p:sp>
+      <p:pic>
+        <p:nvPicPr>
+          <p:cNvPr id="8" name="Picture 10" descr="http://knowledgehub.zeus.com/media/Scala_Logo2008.png"/>
+          <p:cNvPicPr>
+            <a:picLocks noChangeAspect="1" noChangeArrowheads="1"/>
+          </p:cNvPicPr>
+          <p:nvPr/>
+        </p:nvPicPr>
+        <p:blipFill>
+          <a:blip r:embed="rId3"/>
+          <a:srcRect/>
+          <a:stretch>
+            <a:fillRect/>
+          </a:stretch>
+        </p:blipFill>
+        <p:spPr bwMode="auto">
+          <a:xfrm>
+            <a:off x="4140200" y="76200"/>
+            <a:ext cx="2279542" cy="679257"/>
+          </a:xfrm>
+          <a:prstGeom prst="rect">
+            <a:avLst/>
+          </a:prstGeom>
+          <a:noFill/>
+        </p:spPr>
+      </p:pic>
+      <p:sp>
+        <p:nvSpPr>
           <p:cNvPr id="11" name="Rectangle 10"/>
           <p:cNvSpPr/>
           <p:nvPr/>
@@ -32707,526 +34161,6 @@
           </a:p>
         </p:txBody>
       </p:sp>
-    </p:spTree>
-  </p:cSld>
-  <p:clrMapOvr>
-    <a:masterClrMapping/>
-  </p:clrMapOvr>
-  <p:transition>
-    <p:fade/>
-  </p:transition>
-  <p:timing>
-    <p:tnLst>
-      <p:par>
-        <p:cTn id="1" dur="indefinite" restart="never" nodeType="tmRoot">
-          <p:childTnLst>
-            <p:seq concurrent="1" nextAc="seek">
-              <p:cTn id="2" dur="indefinite" nodeType="mainSeq">
-                <p:childTnLst>
-                  <p:par>
-                    <p:cTn id="3" fill="hold">
-                      <p:stCondLst>
-                        <p:cond delay="indefinite"/>
-                        <p:cond evt="onBegin" delay="0">
-                          <p:tn val="2"/>
-                        </p:cond>
-                      </p:stCondLst>
-                      <p:childTnLst>
-                        <p:par>
-                          <p:cTn id="4" fill="hold">
-                            <p:stCondLst>
-                              <p:cond delay="0"/>
-                            </p:stCondLst>
-                            <p:childTnLst>
-                              <p:par>
-                                <p:cTn id="5" presetID="1" presetClass="entr" presetSubtype="0" fill="hold" nodeType="withEffect">
-                                  <p:stCondLst>
-                                    <p:cond delay="0"/>
-                                  </p:stCondLst>
-                                  <p:childTnLst>
-                                    <p:set>
-                                      <p:cBhvr>
-                                        <p:cTn id="6" dur="1" fill="hold">
-                                          <p:stCondLst>
-                                            <p:cond delay="0"/>
-                                          </p:stCondLst>
-                                        </p:cTn>
-                                        <p:tgtEl>
-                                          <p:spTgt spid="8"/>
-                                        </p:tgtEl>
-                                        <p:attrNameLst>
-                                          <p:attrName>style.visibility</p:attrName>
-                                        </p:attrNameLst>
-                                      </p:cBhvr>
-                                      <p:to>
-                                        <p:strVal val="visible"/>
-                                      </p:to>
-                                    </p:set>
-                                  </p:childTnLst>
-                                </p:cTn>
-                              </p:par>
-                            </p:childTnLst>
-                          </p:cTn>
-                        </p:par>
-                      </p:childTnLst>
-                    </p:cTn>
-                  </p:par>
-                </p:childTnLst>
-              </p:cTn>
-              <p:prevCondLst>
-                <p:cond evt="onPrev" delay="0">
-                  <p:tgtEl>
-                    <p:sldTgt/>
-                  </p:tgtEl>
-                </p:cond>
-              </p:prevCondLst>
-              <p:nextCondLst>
-                <p:cond evt="onNext" delay="0">
-                  <p:tgtEl>
-                    <p:sldTgt/>
-                  </p:tgtEl>
-                </p:cond>
-              </p:nextCondLst>
-            </p:seq>
-          </p:childTnLst>
-        </p:cTn>
-      </p:par>
-    </p:tnLst>
-  </p:timing>
-</p:sld>
-</file>
-
-<file path=ppt/slides/slide57.xml><?xml version="1.0" encoding="utf-8"?>
-<p:sld xmlns:a="http://schemas.openxmlformats.org/drawingml/2006/main" xmlns:r="http://schemas.openxmlformats.org/officeDocument/2006/relationships" xmlns:p="http://schemas.openxmlformats.org/presentationml/2006/main">
-  <p:cSld>
-    <p:spTree>
-      <p:nvGrpSpPr>
-        <p:cNvPr id="1" name=""/>
-        <p:cNvGrpSpPr/>
-        <p:nvPr/>
-      </p:nvGrpSpPr>
-      <p:grpSpPr>
-        <a:xfrm>
-          <a:off x="0" y="0"/>
-          <a:ext cx="0" cy="0"/>
-          <a:chOff x="0" y="0"/>
-          <a:chExt cx="0" cy="0"/>
-        </a:xfrm>
-      </p:grpSpPr>
-      <p:sp>
-        <p:nvSpPr>
-          <p:cNvPr id="8193" name="Rectangle 1"/>
-          <p:cNvSpPr>
-            <a:spLocks noGrp="1" noChangeArrowheads="1"/>
-          </p:cNvSpPr>
-          <p:nvPr>
-            <p:ph type="title"/>
-          </p:nvPr>
-        </p:nvSpPr>
-        <p:spPr>
-          <a:xfrm>
-            <a:off x="711200" y="0"/>
-            <a:ext cx="12509500" cy="914400"/>
-          </a:xfrm>
-          <a:ln/>
-        </p:spPr>
-        <p:txBody>
-          <a:bodyPr/>
-          <a:lstStyle/>
-          <a:p>
-            <a:pPr lvl="0"/>
-            <a:r>
-              <a:rPr lang="en-US" sz="5400" dirty="0" smtClean="0">
-                <a:latin typeface="Lucida Handwriting" pitchFamily="66" charset="0"/>
-              </a:rPr>
-              <a:t>     DSL</a:t>
-            </a:r>
-            <a:endParaRPr lang="en-US" dirty="0"/>
-          </a:p>
-        </p:txBody>
-      </p:sp>
-      <p:sp>
-        <p:nvSpPr>
-          <p:cNvPr id="7" name="Rectangle 6"/>
-          <p:cNvSpPr/>
-          <p:nvPr/>
-        </p:nvSpPr>
-        <p:spPr>
-          <a:xfrm>
-            <a:off x="3882722" y="1438870"/>
-            <a:ext cx="7877478" cy="1107996"/>
-          </a:xfrm>
-          <a:prstGeom prst="rect">
-            <a:avLst/>
-          </a:prstGeom>
-        </p:spPr>
-        <p:txBody>
-          <a:bodyPr wrap="none">
-            <a:spAutoFit/>
-          </a:bodyPr>
-          <a:lstStyle/>
-          <a:p>
-            <a:pPr algn="ctr"/>
-            <a:r>
-              <a:rPr lang="en-US" sz="6600" i="1" kern="0" dirty="0" smtClean="0">
-                <a:solidFill>
-                  <a:srgbClr val="00CC66"/>
-                </a:solidFill>
-                <a:latin typeface="Calibri" pitchFamily="34" charset="0"/>
-                <a:cs typeface="+mj-cs"/>
-                <a:sym typeface="Arial" charset="0"/>
-              </a:rPr>
-              <a:t>By name  parameters </a:t>
-            </a:r>
-          </a:p>
-        </p:txBody>
-      </p:sp>
-      <p:pic>
-        <p:nvPicPr>
-          <p:cNvPr id="8" name="Picture 10" descr="http://knowledgehub.zeus.com/media/Scala_Logo2008.png"/>
-          <p:cNvPicPr>
-            <a:picLocks noChangeAspect="1" noChangeArrowheads="1"/>
-          </p:cNvPicPr>
-          <p:nvPr/>
-        </p:nvPicPr>
-        <p:blipFill>
-          <a:blip r:embed="rId3"/>
-          <a:srcRect/>
-          <a:stretch>
-            <a:fillRect/>
-          </a:stretch>
-        </p:blipFill>
-        <p:spPr bwMode="auto">
-          <a:xfrm>
-            <a:off x="4140200" y="76200"/>
-            <a:ext cx="2279542" cy="679257"/>
-          </a:xfrm>
-          <a:prstGeom prst="rect">
-            <a:avLst/>
-          </a:prstGeom>
-          <a:noFill/>
-        </p:spPr>
-      </p:pic>
-      <p:sp>
-        <p:nvSpPr>
-          <p:cNvPr id="11" name="Rectangle 10"/>
-          <p:cNvSpPr/>
-          <p:nvPr/>
-        </p:nvSpPr>
-        <p:spPr>
-          <a:xfrm>
-            <a:off x="330200" y="3200400"/>
-            <a:ext cx="12344400" cy="5016758"/>
-          </a:xfrm>
-          <a:prstGeom prst="rect">
-            <a:avLst/>
-          </a:prstGeom>
-          <a:solidFill>
-            <a:schemeClr val="bg1"/>
-          </a:solidFill>
-          <a:ln>
-            <a:solidFill>
-              <a:schemeClr val="tx1"/>
-            </a:solidFill>
-            <a:prstDash val="dash"/>
-          </a:ln>
-        </p:spPr>
-        <p:txBody>
-          <a:bodyPr wrap="square">
-            <a:spAutoFit/>
-          </a:bodyPr>
-          <a:lstStyle/>
-          <a:p>
-            <a:r>
-              <a:rPr lang="en-US" sz="3200" b="1" dirty="0" smtClean="0">
-                <a:solidFill>
-                  <a:srgbClr val="7F0055"/>
-                </a:solidFill>
-                <a:latin typeface="Courier New"/>
-              </a:rPr>
-              <a:t>class</a:t>
-            </a:r>
-            <a:r>
-              <a:rPr lang="en-US" sz="3200" b="1" dirty="0" smtClean="0">
-                <a:latin typeface="Courier New"/>
-              </a:rPr>
-              <a:t> Matcher[-T] { </a:t>
-            </a:r>
-            <a:r>
-              <a:rPr lang="en-US" sz="3200" b="1" dirty="0" smtClean="0">
-                <a:solidFill>
-                  <a:srgbClr val="7F0055"/>
-                </a:solidFill>
-                <a:latin typeface="Courier New"/>
-              </a:rPr>
-              <a:t>def</a:t>
-            </a:r>
-            <a:r>
-              <a:rPr lang="en-US" sz="3200" b="1" dirty="0" smtClean="0">
-                <a:latin typeface="Courier New"/>
-              </a:rPr>
-              <a:t> apply(t: =&gt; T) = () }</a:t>
-            </a:r>
-          </a:p>
-          <a:p>
-            <a:r>
-              <a:rPr lang="en-US" sz="3200" b="1" dirty="0" smtClean="0">
-                <a:solidFill>
-                  <a:srgbClr val="7F0055"/>
-                </a:solidFill>
-                <a:latin typeface="Courier New"/>
-              </a:rPr>
-              <a:t>class</a:t>
-            </a:r>
-            <a:r>
-              <a:rPr lang="en-US" sz="3200" b="1" dirty="0" smtClean="0">
-                <a:latin typeface="Courier New"/>
-              </a:rPr>
-              <a:t> Expectation[T](t: =&gt;T) {</a:t>
-            </a:r>
-          </a:p>
-          <a:p>
-            <a:r>
-              <a:rPr lang="en-US" sz="3200" dirty="0" smtClean="0">
-                <a:latin typeface="Courier New"/>
-              </a:rPr>
-              <a:t>  </a:t>
-            </a:r>
-            <a:r>
-              <a:rPr lang="en-US" sz="3200" b="1" dirty="0" smtClean="0">
-                <a:solidFill>
-                  <a:srgbClr val="7F0055"/>
-                </a:solidFill>
-                <a:latin typeface="Courier New"/>
-              </a:rPr>
-              <a:t>def</a:t>
-            </a:r>
-            <a:r>
-              <a:rPr lang="en-US" sz="3200" b="1" dirty="0" smtClean="0">
-                <a:latin typeface="Courier New"/>
-              </a:rPr>
-              <a:t> must(m: =&gt;Matcher[T]) = </a:t>
-            </a:r>
-            <a:r>
-              <a:rPr lang="en-US" sz="3200" b="1" dirty="0" err="1" smtClean="0">
-                <a:latin typeface="Courier New"/>
-              </a:rPr>
-              <a:t>m.apply</a:t>
-            </a:r>
-            <a:r>
-              <a:rPr lang="en-US" sz="3200" b="1" dirty="0" smtClean="0">
-                <a:latin typeface="Courier New"/>
-              </a:rPr>
-              <a:t>(t)</a:t>
-            </a:r>
-          </a:p>
-          <a:p>
-            <a:r>
-              <a:rPr lang="en-US" sz="3200" dirty="0" smtClean="0">
-                <a:latin typeface="Courier New"/>
-              </a:rPr>
-              <a:t>}</a:t>
-            </a:r>
-          </a:p>
-          <a:p>
-            <a:endParaRPr lang="fr-FR" sz="3200" b="1" dirty="0" smtClean="0">
-              <a:solidFill>
-                <a:srgbClr val="7F0055"/>
-              </a:solidFill>
-              <a:latin typeface="Courier New"/>
-            </a:endParaRPr>
-          </a:p>
-          <a:p>
-            <a:r>
-              <a:rPr lang="fr-FR" sz="3200" b="1" dirty="0" err="1" smtClean="0">
-                <a:solidFill>
-                  <a:srgbClr val="7F0055"/>
-                </a:solidFill>
-                <a:latin typeface="Courier New"/>
-              </a:rPr>
-              <a:t>implicit</a:t>
-            </a:r>
-            <a:r>
-              <a:rPr lang="fr-FR" sz="3200" b="1" dirty="0" smtClean="0">
-                <a:latin typeface="Courier New"/>
-              </a:rPr>
-              <a:t> </a:t>
-            </a:r>
-            <a:r>
-              <a:rPr lang="fr-FR" sz="3200" b="1" dirty="0" err="1" smtClean="0">
-                <a:solidFill>
-                  <a:srgbClr val="7F0055"/>
-                </a:solidFill>
-                <a:latin typeface="Courier New"/>
-              </a:rPr>
-              <a:t>def</a:t>
-            </a:r>
-            <a:r>
-              <a:rPr lang="fr-FR" sz="3200" b="1" dirty="0" smtClean="0">
-                <a:latin typeface="Courier New"/>
-              </a:rPr>
-              <a:t> </a:t>
-            </a:r>
-            <a:r>
-              <a:rPr lang="fr-FR" sz="3200" b="1" dirty="0" err="1" smtClean="0">
-                <a:latin typeface="Courier New"/>
-              </a:rPr>
-              <a:t>theValue</a:t>
-            </a:r>
-            <a:r>
-              <a:rPr lang="fr-FR" sz="3200" b="1" dirty="0" smtClean="0">
-                <a:latin typeface="Courier New"/>
-              </a:rPr>
-              <a:t>[T](t: T): Expectation[T] =  </a:t>
-            </a:r>
-          </a:p>
-          <a:p>
-            <a:r>
-              <a:rPr lang="fr-FR" sz="3200" b="1" dirty="0" smtClean="0">
-                <a:solidFill>
-                  <a:srgbClr val="7F0055"/>
-                </a:solidFill>
-                <a:latin typeface="Courier New"/>
-              </a:rPr>
-              <a:t>                               new</a:t>
-            </a:r>
-            <a:r>
-              <a:rPr lang="fr-FR" sz="3200" b="1" dirty="0" smtClean="0">
-                <a:latin typeface="Courier New"/>
-              </a:rPr>
-              <a:t> Expectation(t)</a:t>
-            </a:r>
-          </a:p>
-          <a:p>
-            <a:r>
-              <a:rPr lang="en-US" sz="3200" b="1" dirty="0" err="1" smtClean="0">
-                <a:solidFill>
-                  <a:srgbClr val="7F0055"/>
-                </a:solidFill>
-                <a:latin typeface="Courier New"/>
-              </a:rPr>
-              <a:t>val</a:t>
-            </a:r>
-            <a:r>
-              <a:rPr lang="en-US" sz="3200" b="1" dirty="0" smtClean="0">
-                <a:latin typeface="Courier New"/>
-              </a:rPr>
-              <a:t> </a:t>
-            </a:r>
-            <a:r>
-              <a:rPr lang="en-US" sz="3200" b="1" dirty="0" err="1" smtClean="0">
-                <a:latin typeface="Courier New"/>
-              </a:rPr>
-              <a:t>notExplode</a:t>
-            </a:r>
-            <a:r>
-              <a:rPr lang="en-US" sz="3200" b="1" dirty="0" smtClean="0">
-                <a:latin typeface="Courier New"/>
-              </a:rPr>
-              <a:t> = </a:t>
-            </a:r>
-            <a:r>
-              <a:rPr lang="en-US" sz="3200" b="1" dirty="0" smtClean="0">
-                <a:solidFill>
-                  <a:srgbClr val="7F0055"/>
-                </a:solidFill>
-                <a:latin typeface="Courier New"/>
-              </a:rPr>
-              <a:t>new</a:t>
-            </a:r>
-            <a:r>
-              <a:rPr lang="en-US" sz="3200" b="1" dirty="0" smtClean="0">
-                <a:latin typeface="Courier New"/>
-              </a:rPr>
-              <a:t> Matcher[</a:t>
-            </a:r>
-            <a:r>
-              <a:rPr lang="en-US" sz="3200" b="1" dirty="0" smtClean="0">
-                <a:solidFill>
-                  <a:srgbClr val="7F0055"/>
-                </a:solidFill>
-                <a:latin typeface="Courier New"/>
-              </a:rPr>
-              <a:t>Any</a:t>
-            </a:r>
-            <a:r>
-              <a:rPr lang="en-US" sz="3200" b="1" dirty="0" smtClean="0">
-                <a:latin typeface="Courier New"/>
-              </a:rPr>
-              <a:t>]</a:t>
-            </a:r>
-          </a:p>
-          <a:p>
-            <a:r>
-              <a:rPr lang="en-US" sz="3200" dirty="0" smtClean="0">
-                <a:latin typeface="Courier New"/>
-              </a:rPr>
-              <a:t>  </a:t>
-            </a:r>
-          </a:p>
-          <a:p>
-            <a:r>
-              <a:rPr lang="en-US" sz="3200" dirty="0" smtClean="0">
-                <a:latin typeface="Courier New"/>
-              </a:rPr>
-              <a:t>{ error(</a:t>
-            </a:r>
-            <a:r>
-              <a:rPr lang="en-US" sz="3200" dirty="0" smtClean="0">
-                <a:solidFill>
-                  <a:srgbClr val="2A00FF"/>
-                </a:solidFill>
-                <a:latin typeface="Courier New"/>
-              </a:rPr>
-              <a:t>"boom"</a:t>
-            </a:r>
-            <a:r>
-              <a:rPr lang="en-US" sz="3200" dirty="0" smtClean="0">
-                <a:latin typeface="Courier New"/>
-              </a:rPr>
-              <a:t>); () } must </a:t>
-            </a:r>
-            <a:r>
-              <a:rPr lang="en-US" sz="3200" dirty="0" err="1" smtClean="0">
-                <a:latin typeface="Courier New"/>
-              </a:rPr>
-              <a:t>notExplode</a:t>
-            </a:r>
-            <a:endParaRPr lang="en-US" sz="3200" b="1" dirty="0" smtClean="0">
-              <a:solidFill>
-                <a:srgbClr val="7F0055"/>
-              </a:solidFill>
-              <a:latin typeface="Courier New"/>
-            </a:endParaRPr>
-          </a:p>
-        </p:txBody>
-      </p:sp>
-      <p:pic>
-        <p:nvPicPr>
-          <p:cNvPr id="9" name="Picture 2" descr="toolbox icon"/>
-          <p:cNvPicPr>
-            <a:picLocks noChangeAspect="1" noChangeArrowheads="1"/>
-          </p:cNvPicPr>
-          <p:nvPr/>
-        </p:nvPicPr>
-        <p:blipFill>
-          <a:blip r:embed="rId4"/>
-          <a:srcRect/>
-          <a:stretch>
-            <a:fillRect/>
-          </a:stretch>
-        </p:blipFill>
-        <p:spPr bwMode="auto">
-          <a:xfrm>
-            <a:off x="558800" y="1066800"/>
-            <a:ext cx="1676400" cy="1676401"/>
-          </a:xfrm>
-          <a:prstGeom prst="rect">
-            <a:avLst/>
-          </a:prstGeom>
-          <a:noFill/>
-        </p:spPr>
-      </p:pic>
     </p:spTree>
   </p:cSld>
   <p:clrMapOvr>
@@ -33373,8 +34307,8 @@
         </p:nvSpPr>
         <p:spPr>
           <a:xfrm>
-            <a:off x="3998761" y="1178004"/>
-            <a:ext cx="3265639" cy="1107996"/>
+            <a:off x="3882722" y="1438870"/>
+            <a:ext cx="7877478" cy="1107996"/>
           </a:xfrm>
           <a:prstGeom prst="rect">
             <a:avLst/>
@@ -33396,7 +34330,7 @@
                 <a:cs typeface="+mj-cs"/>
                 <a:sym typeface="Arial" charset="0"/>
               </a:rPr>
-              <a:t>Variance</a:t>
+              <a:t>By name  parameters </a:t>
             </a:r>
           </a:p>
         </p:txBody>
@@ -33435,8 +34369,8 @@
         </p:nvSpPr>
         <p:spPr>
           <a:xfrm>
-            <a:off x="330200" y="2590800"/>
-            <a:ext cx="12344400" cy="6001643"/>
+            <a:off x="330200" y="3200400"/>
+            <a:ext cx="12344400" cy="5016758"/>
           </a:xfrm>
           <a:prstGeom prst="rect">
             <a:avLst/>
@@ -33464,7 +34398,7 @@
                 </a:solidFill>
                 <a:latin typeface="Courier New"/>
               </a:rPr>
-              <a:t>trait</a:t>
+              <a:t>class</a:t>
             </a:r>
             <a:r>
               <a:rPr lang="en-US" sz="3200" b="1" dirty="0" smtClean="0">
@@ -33485,8 +34419,10 @@
               <a:rPr lang="en-US" sz="3200" b="1" dirty="0" smtClean="0">
                 <a:latin typeface="Courier New"/>
               </a:rPr>
-              <a:t> apply(y: =&gt;T): </a:t>
-            </a:r>
+              <a:t> apply(t: =&gt; T) = () }</a:t>
+            </a:r>
+          </a:p>
+          <a:p>
             <a:r>
               <a:rPr lang="en-US" sz="3200" b="1" dirty="0" smtClean="0">
                 <a:solidFill>
@@ -33494,16 +34430,22 @@
                 </a:solidFill>
                 <a:latin typeface="Courier New"/>
               </a:rPr>
-              <a:t>Boolean</a:t>
+              <a:t>class</a:t>
             </a:r>
             <a:r>
               <a:rPr lang="en-US" sz="3200" b="1" dirty="0" smtClean="0">
                 <a:latin typeface="Courier New"/>
               </a:rPr>
-              <a:t> }</a:t>
-            </a:r>
-          </a:p>
-          <a:p>
+              <a:t> Expectation[T](t: =&gt;T) {</a:t>
+            </a:r>
+          </a:p>
+          <a:p>
+            <a:r>
+              <a:rPr lang="en-US" sz="3200" dirty="0" smtClean="0">
+                <a:latin typeface="Courier New"/>
+              </a:rPr>
+              <a:t>  </a:t>
+            </a:r>
             <a:r>
               <a:rPr lang="en-US" sz="3200" b="1" dirty="0" smtClean="0">
                 <a:solidFill>
@@ -33511,102 +34453,25 @@
                 </a:solidFill>
                 <a:latin typeface="Courier New"/>
               </a:rPr>
-              <a:t>class</a:t>
+              <a:t>def</a:t>
             </a:r>
             <a:r>
               <a:rPr lang="en-US" sz="3200" b="1" dirty="0" smtClean="0">
                 <a:latin typeface="Courier New"/>
               </a:rPr>
-              <a:t> </a:t>
+              <a:t> must(m: =&gt;Matcher[T]) = </a:t>
             </a:r>
             <a:r>
               <a:rPr lang="en-US" sz="3200" b="1" dirty="0" err="1" smtClean="0">
                 <a:latin typeface="Courier New"/>
               </a:rPr>
-              <a:t>EqualMatcher</a:t>
+              <a:t>m.apply</a:t>
             </a:r>
             <a:r>
               <a:rPr lang="en-US" sz="3200" b="1" dirty="0" smtClean="0">
                 <a:latin typeface="Courier New"/>
               </a:rPr>
-              <a:t>(x: </a:t>
-            </a:r>
-            <a:r>
-              <a:rPr lang="en-US" sz="3200" b="1" dirty="0" smtClean="0">
-                <a:solidFill>
-                  <a:srgbClr val="7F0055"/>
-                </a:solidFill>
-                <a:latin typeface="Courier New"/>
-              </a:rPr>
-              <a:t>Any</a:t>
-            </a:r>
-            <a:r>
-              <a:rPr lang="en-US" sz="3200" b="1" dirty="0" smtClean="0">
-                <a:latin typeface="Courier New"/>
-              </a:rPr>
-              <a:t>) </a:t>
-            </a:r>
-            <a:r>
-              <a:rPr lang="en-US" sz="3200" b="1" dirty="0" smtClean="0">
-                <a:solidFill>
-                  <a:srgbClr val="7F0055"/>
-                </a:solidFill>
-                <a:latin typeface="Courier New"/>
-              </a:rPr>
-              <a:t>extends</a:t>
-            </a:r>
-            <a:r>
-              <a:rPr lang="en-US" sz="3200" b="1" dirty="0" smtClean="0">
-                <a:latin typeface="Courier New"/>
-              </a:rPr>
-              <a:t> Matcher[</a:t>
-            </a:r>
-            <a:r>
-              <a:rPr lang="en-US" sz="3200" b="1" dirty="0" smtClean="0">
-                <a:solidFill>
-                  <a:srgbClr val="7F0055"/>
-                </a:solidFill>
-                <a:latin typeface="Courier New"/>
-              </a:rPr>
-              <a:t>Any</a:t>
-            </a:r>
-            <a:r>
-              <a:rPr lang="en-US" sz="3200" b="1" dirty="0" smtClean="0">
-                <a:latin typeface="Courier New"/>
-              </a:rPr>
-              <a:t>] { </a:t>
-            </a:r>
-          </a:p>
-          <a:p>
-            <a:r>
-              <a:rPr lang="en-US" sz="3200" b="1" dirty="0" smtClean="0">
-                <a:solidFill>
-                  <a:srgbClr val="7F0055"/>
-                </a:solidFill>
-                <a:latin typeface="Courier New"/>
-              </a:rPr>
-              <a:t>  def</a:t>
-            </a:r>
-            <a:r>
-              <a:rPr lang="en-US" sz="3200" b="1" dirty="0" smtClean="0">
-                <a:latin typeface="Courier New"/>
-              </a:rPr>
-              <a:t> apply(y: =&gt;</a:t>
-            </a:r>
-            <a:r>
-              <a:rPr lang="en-US" sz="3200" b="1" dirty="0" smtClean="0">
-                <a:solidFill>
-                  <a:srgbClr val="7F0055"/>
-                </a:solidFill>
-                <a:latin typeface="Courier New"/>
-              </a:rPr>
-              <a:t>Any</a:t>
-            </a:r>
-            <a:r>
-              <a:rPr lang="en-US" sz="3200" b="1" dirty="0" smtClean="0">
-                <a:latin typeface="Courier New"/>
-              </a:rPr>
-              <a:t>) = x == y</a:t>
+              <a:t>(t)</a:t>
             </a:r>
           </a:p>
           <a:p>
@@ -33618,138 +34483,76 @@
             </a:r>
           </a:p>
           <a:p>
-            <a:r>
-              <a:rPr lang="en-US" sz="3200" b="1" dirty="0" smtClean="0">
-                <a:solidFill>
-                  <a:srgbClr val="7F0055"/>
-                </a:solidFill>
-                <a:latin typeface="Courier New"/>
-              </a:rPr>
-              <a:t>class</a:t>
-            </a:r>
-            <a:r>
-              <a:rPr lang="en-US" sz="3200" b="1" dirty="0" smtClean="0">
-                <a:latin typeface="Courier New"/>
-              </a:rPr>
-              <a:t> </a:t>
-            </a:r>
-            <a:r>
-              <a:rPr lang="en-US" sz="3200" b="1" dirty="0" err="1" smtClean="0">
-                <a:latin typeface="Courier New"/>
-              </a:rPr>
-              <a:t>HelloMatcher</a:t>
-            </a:r>
-            <a:r>
-              <a:rPr lang="en-US" sz="3200" b="1" dirty="0" smtClean="0">
-                <a:latin typeface="Courier New"/>
-              </a:rPr>
-              <a:t> </a:t>
-            </a:r>
-            <a:r>
-              <a:rPr lang="en-US" sz="3200" b="1" dirty="0" smtClean="0">
-                <a:solidFill>
-                  <a:srgbClr val="7F0055"/>
-                </a:solidFill>
-                <a:latin typeface="Courier New"/>
-              </a:rPr>
-              <a:t>extends</a:t>
-            </a:r>
-            <a:r>
-              <a:rPr lang="en-US" sz="3200" b="1" dirty="0" smtClean="0">
-                <a:latin typeface="Courier New"/>
-              </a:rPr>
-              <a:t> Matcher[String] { </a:t>
-            </a:r>
-          </a:p>
-          <a:p>
-            <a:r>
-              <a:rPr lang="en-US" sz="3200" b="1" dirty="0" smtClean="0">
-                <a:solidFill>
-                  <a:srgbClr val="7F0055"/>
-                </a:solidFill>
-                <a:latin typeface="Courier New"/>
-              </a:rPr>
-              <a:t>  def</a:t>
-            </a:r>
-            <a:r>
-              <a:rPr lang="en-US" sz="3200" b="1" dirty="0" smtClean="0">
-                <a:latin typeface="Courier New"/>
-              </a:rPr>
-              <a:t> apply(x: =&gt;String) = x == </a:t>
-            </a:r>
-            <a:r>
-              <a:rPr lang="en-US" sz="3200" b="1" dirty="0" smtClean="0">
-                <a:solidFill>
-                  <a:srgbClr val="2A00FF"/>
-                </a:solidFill>
-                <a:latin typeface="Courier New"/>
-              </a:rPr>
-              <a:t>"hello"</a:t>
-            </a:r>
-          </a:p>
-          <a:p>
-            <a:r>
-              <a:rPr lang="en-US" sz="3200" dirty="0" smtClean="0">
-                <a:latin typeface="Courier New"/>
-              </a:rPr>
-              <a:t>}</a:t>
-            </a:r>
-          </a:p>
-          <a:p>
-            <a:r>
-              <a:rPr lang="en-US" sz="3200" b="1" dirty="0" err="1" smtClean="0">
-                <a:solidFill>
-                  <a:srgbClr val="7F0055"/>
-                </a:solidFill>
-                <a:latin typeface="Courier New"/>
-              </a:rPr>
-              <a:t>val</a:t>
-            </a:r>
-            <a:r>
-              <a:rPr lang="en-US" sz="3200" b="1" dirty="0" smtClean="0">
-                <a:latin typeface="Courier New"/>
-              </a:rPr>
-              <a:t> </a:t>
-            </a:r>
-            <a:r>
-              <a:rPr lang="en-US" sz="3200" b="1" dirty="0" err="1" smtClean="0">
-                <a:latin typeface="Courier New"/>
-              </a:rPr>
-              <a:t>beHello</a:t>
-            </a:r>
-            <a:r>
-              <a:rPr lang="en-US" sz="3200" b="1" dirty="0" smtClean="0">
-                <a:latin typeface="Courier New"/>
-              </a:rPr>
-              <a:t> = </a:t>
-            </a:r>
-            <a:r>
-              <a:rPr lang="en-US" sz="3200" b="1" dirty="0" smtClean="0">
-                <a:solidFill>
-                  <a:srgbClr val="7F0055"/>
-                </a:solidFill>
-                <a:latin typeface="Courier New"/>
-              </a:rPr>
-              <a:t>new</a:t>
-            </a:r>
-            <a:r>
-              <a:rPr lang="en-US" sz="3200" b="1" dirty="0" smtClean="0">
-                <a:latin typeface="Courier New"/>
-              </a:rPr>
-              <a:t> </a:t>
-            </a:r>
-            <a:r>
-              <a:rPr lang="en-US" sz="3200" b="1" dirty="0" err="1" smtClean="0">
-                <a:latin typeface="Courier New"/>
-              </a:rPr>
-              <a:t>HelloMatcher</a:t>
-            </a:r>
-            <a:endParaRPr lang="en-US" sz="3200" b="1" dirty="0" smtClean="0">
+            <a:endParaRPr lang="fr-FR" sz="3200" b="1" dirty="0" smtClean="0">
+              <a:solidFill>
+                <a:srgbClr val="7F0055"/>
+              </a:solidFill>
               <a:latin typeface="Courier New"/>
             </a:endParaRPr>
           </a:p>
           <a:p>
             <a:r>
+              <a:rPr lang="fr-FR" sz="3200" b="1" dirty="0" err="1" smtClean="0">
+                <a:solidFill>
+                  <a:srgbClr val="7F0055"/>
+                </a:solidFill>
+                <a:latin typeface="Courier New"/>
+              </a:rPr>
+              <a:t>implicit</a:t>
+            </a:r>
+            <a:r>
+              <a:rPr lang="fr-FR" sz="3200" b="1" dirty="0" smtClean="0">
+                <a:latin typeface="Courier New"/>
+              </a:rPr>
+              <a:t> </a:t>
+            </a:r>
+            <a:r>
+              <a:rPr lang="fr-FR" sz="3200" b="1" dirty="0" err="1" smtClean="0">
+                <a:solidFill>
+                  <a:srgbClr val="7F0055"/>
+                </a:solidFill>
+                <a:latin typeface="Courier New"/>
+              </a:rPr>
+              <a:t>def</a:t>
+            </a:r>
+            <a:r>
+              <a:rPr lang="fr-FR" sz="3200" b="1" dirty="0" smtClean="0">
+                <a:latin typeface="Courier New"/>
+              </a:rPr>
+              <a:t> </a:t>
+            </a:r>
+            <a:r>
+              <a:rPr lang="fr-FR" sz="3200" b="1" dirty="0" err="1" smtClean="0">
+                <a:latin typeface="Courier New"/>
+              </a:rPr>
+              <a:t>theValue</a:t>
+            </a:r>
+            <a:r>
+              <a:rPr lang="fr-FR" sz="3200" b="1" dirty="0" smtClean="0">
+                <a:latin typeface="Courier New"/>
+              </a:rPr>
+              <a:t>[T](t: T): Expectation[T] =  </a:t>
+            </a:r>
+          </a:p>
+          <a:p>
+            <a:r>
+              <a:rPr lang="fr-FR" sz="3200" b="1" dirty="0" smtClean="0">
+                <a:solidFill>
+                  <a:srgbClr val="7F0055"/>
+                </a:solidFill>
+                <a:latin typeface="Courier New"/>
+              </a:rPr>
+              <a:t>                               new</a:t>
+            </a:r>
+            <a:r>
+              <a:rPr lang="fr-FR" sz="3200" b="1" dirty="0" smtClean="0">
+                <a:latin typeface="Courier New"/>
+              </a:rPr>
+              <a:t> Expectation(t)</a:t>
+            </a:r>
+          </a:p>
+          <a:p>
+            <a:r>
               <a:rPr lang="en-US" sz="3200" b="1" dirty="0" err="1" smtClean="0">
                 <a:solidFill>
                   <a:srgbClr val="7F0055"/>
@@ -33768,7 +34571,7 @@
               <a:rPr lang="en-US" sz="3200" b="1" dirty="0" err="1" smtClean="0">
                 <a:latin typeface="Courier New"/>
               </a:rPr>
-              <a:t>equalToHello</a:t>
+              <a:t>notExplode</a:t>
             </a:r>
             <a:r>
               <a:rPr lang="en-US" sz="3200" b="1" dirty="0" smtClean="0">
@@ -33789,88 +34592,59 @@
               <a:rPr lang="en-US" sz="3200" b="1" dirty="0" smtClean="0">
                 <a:latin typeface="Courier New"/>
               </a:rPr>
-              <a:t> </a:t>
-            </a:r>
-            <a:r>
-              <a:rPr lang="en-US" sz="3200" b="1" dirty="0" err="1" smtClean="0">
-                <a:latin typeface="Courier New"/>
-              </a:rPr>
-              <a:t>EqualMatcher</a:t>
+              <a:t> Matcher[</a:t>
             </a:r>
             <a:r>
               <a:rPr lang="en-US" sz="3200" b="1" dirty="0" smtClean="0">
-                <a:latin typeface="Courier New"/>
-              </a:rPr>
-              <a:t>(</a:t>
+                <a:solidFill>
+                  <a:srgbClr val="7F0055"/>
+                </a:solidFill>
+                <a:latin typeface="Courier New"/>
+              </a:rPr>
+              <a:t>Any</a:t>
             </a:r>
             <a:r>
               <a:rPr lang="en-US" sz="3200" b="1" dirty="0" smtClean="0">
+                <a:latin typeface="Courier New"/>
+              </a:rPr>
+              <a:t>]</a:t>
+            </a:r>
+          </a:p>
+          <a:p>
+            <a:r>
+              <a:rPr lang="en-US" sz="3200" dirty="0" smtClean="0">
+                <a:latin typeface="Courier New"/>
+              </a:rPr>
+              <a:t>  </a:t>
+            </a:r>
+          </a:p>
+          <a:p>
+            <a:r>
+              <a:rPr lang="en-US" sz="3200" dirty="0" smtClean="0">
+                <a:latin typeface="Courier New"/>
+              </a:rPr>
+              <a:t>{ error(</a:t>
+            </a:r>
+            <a:r>
+              <a:rPr lang="en-US" sz="3200" dirty="0" smtClean="0">
                 <a:solidFill>
                   <a:srgbClr val="2A00FF"/>
                 </a:solidFill>
                 <a:latin typeface="Courier New"/>
               </a:rPr>
-              <a:t>"hello"</a:t>
-            </a:r>
-            <a:r>
-              <a:rPr lang="en-US" sz="3200" b="1" dirty="0" smtClean="0">
-                <a:latin typeface="Courier New"/>
-              </a:rPr>
-              <a:t>)</a:t>
-            </a:r>
-          </a:p>
-          <a:p>
-            <a:endParaRPr lang="en-US" sz="3200" dirty="0" smtClean="0">
-              <a:latin typeface="Courier New"/>
-            </a:endParaRPr>
-          </a:p>
-          <a:p>
+              <a:t>"boom"</a:t>
+            </a:r>
             <a:r>
               <a:rPr lang="en-US" sz="3200" dirty="0" smtClean="0">
-                <a:solidFill>
-                  <a:srgbClr val="2A00FF"/>
-                </a:solidFill>
-                <a:latin typeface="Courier New"/>
-              </a:rPr>
-              <a:t>"hello"</a:t>
-            </a:r>
-            <a:r>
-              <a:rPr lang="en-US" sz="3200" dirty="0" smtClean="0">
-                <a:latin typeface="Courier New"/>
-              </a:rPr>
-              <a:t> must </a:t>
+                <a:latin typeface="Courier New"/>
+              </a:rPr>
+              <a:t>); () } must </a:t>
             </a:r>
             <a:r>
               <a:rPr lang="en-US" sz="3200" dirty="0" err="1" smtClean="0">
                 <a:latin typeface="Courier New"/>
               </a:rPr>
-              <a:t>beHello</a:t>
-            </a:r>
-            <a:endParaRPr lang="en-US" sz="3200" dirty="0" smtClean="0">
-              <a:latin typeface="Courier New"/>
-            </a:endParaRPr>
-          </a:p>
-          <a:p>
-            <a:r>
-              <a:rPr lang="en-US" sz="3200" dirty="0" smtClean="0">
-                <a:solidFill>
-                  <a:srgbClr val="2A00FF"/>
-                </a:solidFill>
-                <a:latin typeface="Courier New"/>
-              </a:rPr>
-              <a:t>"hello"</a:t>
-            </a:r>
-            <a:r>
-              <a:rPr lang="en-US" sz="3200" dirty="0" smtClean="0">
-                <a:latin typeface="Courier New"/>
-              </a:rPr>
-              <a:t> must </a:t>
-            </a:r>
-            <a:r>
-              <a:rPr lang="en-US" sz="3200" dirty="0" err="1" smtClean="0">
-                <a:latin typeface="Courier New"/>
-              </a:rPr>
-              <a:t>equalToHello</a:t>
+              <a:t>notExplode</a:t>
             </a:r>
             <a:endParaRPr lang="en-US" sz="3200" b="1" dirty="0" smtClean="0">
               <a:solidFill>
@@ -33883,7 +34657,7 @@
       </p:sp>
       <p:pic>
         <p:nvPicPr>
-          <p:cNvPr id="70662" name="Picture 6" descr="magic, wizard icon"/>
+          <p:cNvPr id="9" name="Picture 2" descr="toolbox icon"/>
           <p:cNvPicPr>
             <a:picLocks noChangeAspect="1" noChangeArrowheads="1"/>
           </p:cNvPicPr>
@@ -33898,8 +34672,8 @@
         </p:blipFill>
         <p:spPr bwMode="auto">
           <a:xfrm>
-            <a:off x="635000" y="1143000"/>
-            <a:ext cx="1295400" cy="1295401"/>
+            <a:off x="558800" y="1066800"/>
+            <a:ext cx="1676400" cy="1676401"/>
           </a:xfrm>
           <a:prstGeom prst="rect">
             <a:avLst/>
@@ -33907,94 +34681,6 @@
           <a:noFill/>
         </p:spPr>
       </p:pic>
-      <p:sp>
-        <p:nvSpPr>
-          <p:cNvPr id="9" name="Rectangle 1"/>
-          <p:cNvSpPr txBox="1">
-            <a:spLocks noChangeArrowheads="1"/>
-          </p:cNvSpPr>
-          <p:nvPr/>
-        </p:nvSpPr>
-        <p:spPr bwMode="auto">
-          <a:xfrm>
-            <a:off x="5283200" y="1447800"/>
-            <a:ext cx="7086600" cy="685800"/>
-          </a:xfrm>
-          <a:prstGeom prst="rect">
-            <a:avLst/>
-          </a:prstGeom>
-          <a:noFill/>
-          <a:ln w="12700">
-            <a:noFill/>
-            <a:miter lim="800000"/>
-            <a:headEnd/>
-            <a:tailEnd/>
-          </a:ln>
-          <a:effectLst/>
-        </p:spPr>
-        <p:txBody>
-          <a:bodyPr vert="horz" wrap="square" lIns="50800" tIns="50800" rIns="50800" bIns="50800" numCol="1" anchor="ctr" anchorCtr="0" compatLnSpc="1">
-            <a:prstTxWarp prst="textNoShape">
-              <a:avLst/>
-            </a:prstTxWarp>
-          </a:bodyPr>
-          <a:lstStyle/>
-          <a:p>
-            <a:pPr lvl="0" algn="r"/>
-            <a:r>
-              <a:rPr kumimoji="0" lang="en-US" sz="4400" i="0" u="none" strike="noStrike" kern="0" cap="none" spc="0" normalizeH="0" baseline="0" noProof="0" dirty="0" smtClean="0">
-                <a:ln>
-                  <a:noFill/>
-                </a:ln>
-                <a:solidFill>
-                  <a:srgbClr val="FF0000"/>
-                </a:solidFill>
-                <a:effectLst/>
-                <a:uLnTx/>
-                <a:uFillTx/>
-                <a:latin typeface="Calibri" pitchFamily="34" charset="0"/>
-                <a:ea typeface="+mj-ea"/>
-                <a:cs typeface="+mj-cs"/>
-                <a:sym typeface="Wingdings"/>
-              </a:rPr>
-              <a:t></a:t>
-            </a:r>
-            <a:r>
-              <a:rPr kumimoji="0" lang="en-US" sz="4400" i="0" u="none" strike="noStrike" kern="0" cap="none" spc="0" normalizeH="0" baseline="0" noProof="0" dirty="0" smtClean="0">
-                <a:ln>
-                  <a:noFill/>
-                </a:ln>
-                <a:solidFill>
-                  <a:srgbClr val="FF0000"/>
-                </a:solidFill>
-                <a:effectLst/>
-                <a:uLnTx/>
-                <a:uFillTx/>
-                <a:latin typeface="Calibri" pitchFamily="34" charset="0"/>
-                <a:ea typeface="+mj-ea"/>
-                <a:cs typeface="+mj-cs"/>
-                <a:sym typeface="Arial" charset="0"/>
-              </a:rPr>
-              <a:t> Know the rules!</a:t>
-            </a:r>
-            <a:endParaRPr kumimoji="0" lang="en-US" sz="4400" i="0" u="none" strike="noStrike" kern="0" cap="none" spc="0" normalizeH="0" baseline="0" noProof="0" dirty="0">
-              <a:ln>
-                <a:noFill/>
-              </a:ln>
-              <a:solidFill>
-                <a:srgbClr val="E75145"/>
-              </a:solidFill>
-              <a:effectLst/>
-              <a:uLnTx/>
-              <a:uFillTx/>
-              <a:latin typeface="Calibri" pitchFamily="34" charset="0"/>
-              <a:ea typeface="+mj-ea"/>
-              <a:cs typeface="+mj-cs"/>
-              <a:sym typeface="Arial" charset="0"/>
-            </a:endParaRPr>
-          </a:p>
-        </p:txBody>
-      </p:sp>
     </p:spTree>
   </p:cSld>
   <p:clrMapOvr>
@@ -34133,6 +34819,42 @@
           </a:p>
         </p:txBody>
       </p:sp>
+      <p:sp>
+        <p:nvSpPr>
+          <p:cNvPr id="7" name="Rectangle 6"/>
+          <p:cNvSpPr/>
+          <p:nvPr/>
+        </p:nvSpPr>
+        <p:spPr>
+          <a:xfrm>
+            <a:off x="3998761" y="1178004"/>
+            <a:ext cx="3265639" cy="1107996"/>
+          </a:xfrm>
+          <a:prstGeom prst="rect">
+            <a:avLst/>
+          </a:prstGeom>
+        </p:spPr>
+        <p:txBody>
+          <a:bodyPr wrap="none">
+            <a:spAutoFit/>
+          </a:bodyPr>
+          <a:lstStyle/>
+          <a:p>
+            <a:pPr algn="ctr"/>
+            <a:r>
+              <a:rPr lang="en-US" sz="6600" i="1" kern="0" dirty="0" smtClean="0">
+                <a:solidFill>
+                  <a:srgbClr val="00CC66"/>
+                </a:solidFill>
+                <a:latin typeface="Calibri" pitchFamily="34" charset="0"/>
+                <a:cs typeface="+mj-cs"/>
+                <a:sym typeface="Arial" charset="0"/>
+              </a:rPr>
+              <a:t>Variance</a:t>
+            </a:r>
+          </a:p>
+        </p:txBody>
+      </p:sp>
       <p:pic>
         <p:nvPicPr>
           <p:cNvPr id="8" name="Picture 10" descr="http://knowledgehub.zeus.com/media/Scala_Logo2008.png"/>
@@ -34167,12 +34889,15 @@
         </p:nvSpPr>
         <p:spPr>
           <a:xfrm>
-            <a:off x="330200" y="2819400"/>
-            <a:ext cx="12344400" cy="5262979"/>
+            <a:off x="330200" y="2590800"/>
+            <a:ext cx="12344400" cy="6001643"/>
           </a:xfrm>
           <a:prstGeom prst="rect">
             <a:avLst/>
           </a:prstGeom>
+          <a:solidFill>
+            <a:schemeClr val="bg1"/>
+          </a:solidFill>
           <a:ln>
             <a:solidFill>
               <a:schemeClr val="tx1"/>
@@ -34187,34 +34912,195 @@
           <a:lstStyle/>
           <a:p>
             <a:r>
-              <a:rPr lang="en-US" sz="2800" b="1" dirty="0" smtClean="0">
+              <a:rPr lang="en-US" sz="3200" b="1" dirty="0" smtClean="0">
                 <a:solidFill>
                   <a:srgbClr val="7F0055"/>
                 </a:solidFill>
                 <a:latin typeface="Courier New"/>
               </a:rPr>
-              <a:t>object</a:t>
-            </a:r>
-            <a:r>
-              <a:rPr lang="en-US" sz="2800" b="1" dirty="0" smtClean="0">
+              <a:t>trait</a:t>
+            </a:r>
+            <a:r>
+              <a:rPr lang="en-US" sz="3200" b="1" dirty="0" smtClean="0">
+                <a:latin typeface="Courier New"/>
+              </a:rPr>
+              <a:t> Matcher[-T] { </a:t>
+            </a:r>
+            <a:r>
+              <a:rPr lang="en-US" sz="3200" b="1" dirty="0" smtClean="0">
+                <a:solidFill>
+                  <a:srgbClr val="7F0055"/>
+                </a:solidFill>
+                <a:latin typeface="Courier New"/>
+              </a:rPr>
+              <a:t>def</a:t>
+            </a:r>
+            <a:r>
+              <a:rPr lang="en-US" sz="3200" b="1" dirty="0" smtClean="0">
+                <a:latin typeface="Courier New"/>
+              </a:rPr>
+              <a:t> apply(y: =&gt;T): </a:t>
+            </a:r>
+            <a:r>
+              <a:rPr lang="en-US" sz="3200" b="1" dirty="0" smtClean="0">
+                <a:solidFill>
+                  <a:srgbClr val="7F0055"/>
+                </a:solidFill>
+                <a:latin typeface="Courier New"/>
+              </a:rPr>
+              <a:t>Boolean</a:t>
+            </a:r>
+            <a:r>
+              <a:rPr lang="en-US" sz="3200" b="1" dirty="0" smtClean="0">
+                <a:latin typeface="Courier New"/>
+              </a:rPr>
+              <a:t> }</a:t>
+            </a:r>
+          </a:p>
+          <a:p>
+            <a:r>
+              <a:rPr lang="en-US" sz="3200" b="1" dirty="0" smtClean="0">
+                <a:solidFill>
+                  <a:srgbClr val="7F0055"/>
+                </a:solidFill>
+                <a:latin typeface="Courier New"/>
+              </a:rPr>
+              <a:t>class</a:t>
+            </a:r>
+            <a:r>
+              <a:rPr lang="en-US" sz="3200" b="1" dirty="0" smtClean="0">
                 <a:latin typeface="Courier New"/>
               </a:rPr>
               <a:t> </a:t>
             </a:r>
             <a:r>
-              <a:rPr lang="en-US" sz="2800" b="1" dirty="0" err="1" smtClean="0">
-                <a:latin typeface="Courier New"/>
-              </a:rPr>
-              <a:t>DBContext</a:t>
-            </a:r>
-            <a:r>
-              <a:rPr lang="en-US" sz="2800" b="1" dirty="0" smtClean="0">
+              <a:rPr lang="en-US" sz="3200" b="1" dirty="0" err="1" smtClean="0">
+                <a:latin typeface="Courier New"/>
+              </a:rPr>
+              <a:t>EqualMatcher</a:t>
+            </a:r>
+            <a:r>
+              <a:rPr lang="en-US" sz="3200" b="1" dirty="0" smtClean="0">
+                <a:latin typeface="Courier New"/>
+              </a:rPr>
+              <a:t>(x: </a:t>
+            </a:r>
+            <a:r>
+              <a:rPr lang="en-US" sz="3200" b="1" dirty="0" smtClean="0">
+                <a:solidFill>
+                  <a:srgbClr val="7F0055"/>
+                </a:solidFill>
+                <a:latin typeface="Courier New"/>
+              </a:rPr>
+              <a:t>Any</a:t>
+            </a:r>
+            <a:r>
+              <a:rPr lang="en-US" sz="3200" b="1" dirty="0" smtClean="0">
+                <a:latin typeface="Courier New"/>
+              </a:rPr>
+              <a:t>) </a:t>
+            </a:r>
+            <a:r>
+              <a:rPr lang="en-US" sz="3200" b="1" dirty="0" smtClean="0">
+                <a:solidFill>
+                  <a:srgbClr val="7F0055"/>
+                </a:solidFill>
+                <a:latin typeface="Courier New"/>
+              </a:rPr>
+              <a:t>extends</a:t>
+            </a:r>
+            <a:r>
+              <a:rPr lang="en-US" sz="3200" b="1" dirty="0" smtClean="0">
+                <a:latin typeface="Courier New"/>
+              </a:rPr>
+              <a:t> Matcher[</a:t>
+            </a:r>
+            <a:r>
+              <a:rPr lang="en-US" sz="3200" b="1" dirty="0" smtClean="0">
+                <a:solidFill>
+                  <a:srgbClr val="7F0055"/>
+                </a:solidFill>
+                <a:latin typeface="Courier New"/>
+              </a:rPr>
+              <a:t>Any</a:t>
+            </a:r>
+            <a:r>
+              <a:rPr lang="en-US" sz="3200" b="1" dirty="0" smtClean="0">
+                <a:latin typeface="Courier New"/>
+              </a:rPr>
+              <a:t>] { </a:t>
+            </a:r>
+          </a:p>
+          <a:p>
+            <a:r>
+              <a:rPr lang="en-US" sz="3200" b="1" dirty="0" smtClean="0">
+                <a:solidFill>
+                  <a:srgbClr val="7F0055"/>
+                </a:solidFill>
+                <a:latin typeface="Courier New"/>
+              </a:rPr>
+              <a:t>  def</a:t>
+            </a:r>
+            <a:r>
+              <a:rPr lang="en-US" sz="3200" b="1" dirty="0" smtClean="0">
+                <a:latin typeface="Courier New"/>
+              </a:rPr>
+              <a:t> apply(y: =&gt;</a:t>
+            </a:r>
+            <a:r>
+              <a:rPr lang="en-US" sz="3200" b="1" dirty="0" smtClean="0">
+                <a:solidFill>
+                  <a:srgbClr val="7F0055"/>
+                </a:solidFill>
+                <a:latin typeface="Courier New"/>
+              </a:rPr>
+              <a:t>Any</a:t>
+            </a:r>
+            <a:r>
+              <a:rPr lang="en-US" sz="3200" b="1" dirty="0" smtClean="0">
+                <a:latin typeface="Courier New"/>
+              </a:rPr>
+              <a:t>) = x == y</a:t>
+            </a:r>
+          </a:p>
+          <a:p>
+            <a:r>
+              <a:rPr lang="en-US" sz="3200" dirty="0" smtClean="0">
+                <a:latin typeface="Courier New"/>
+              </a:rPr>
+              <a:t>}</a:t>
+            </a:r>
+          </a:p>
+          <a:p>
+            <a:r>
+              <a:rPr lang="en-US" sz="3200" b="1" dirty="0" smtClean="0">
+                <a:solidFill>
+                  <a:srgbClr val="7F0055"/>
+                </a:solidFill>
+                <a:latin typeface="Courier New"/>
+              </a:rPr>
+              <a:t>class</a:t>
+            </a:r>
+            <a:r>
+              <a:rPr lang="en-US" sz="3200" b="1" dirty="0" smtClean="0">
                 <a:latin typeface="Courier New"/>
               </a:rPr>
               <a:t> </a:t>
             </a:r>
             <a:r>
-              <a:rPr lang="en-US" sz="2800" b="1" dirty="0" smtClean="0">
+              <a:rPr lang="en-US" sz="3200" b="1" dirty="0" err="1" smtClean="0">
+                <a:latin typeface="Courier New"/>
+              </a:rPr>
+              <a:t>HelloMatcher</a:t>
+            </a:r>
+            <a:r>
+              <a:rPr lang="en-US" sz="3200" b="1" dirty="0" smtClean="0">
+                <a:latin typeface="Courier New"/>
+              </a:rPr>
+              <a:t> </a:t>
+            </a:r>
+            <a:r>
+              <a:rPr lang="en-US" sz="3200" b="1" dirty="0" smtClean="0">
                 <a:solidFill>
                   <a:srgbClr val="7F0055"/>
                 </a:solidFill>
@@ -34223,36 +35109,76 @@
               <a:t>extends</a:t>
             </a:r>
             <a:r>
-              <a:rPr lang="en-US" sz="2800" b="1" dirty="0" smtClean="0">
-                <a:latin typeface="Courier New"/>
-              </a:rPr>
-              <a:t> Specification {</a:t>
-            </a:r>
-          </a:p>
-          <a:p>
-            <a:r>
-              <a:rPr lang="en-US" sz="2800" dirty="0" smtClean="0">
-                <a:latin typeface="Courier New"/>
-              </a:rPr>
-              <a:t>  </a:t>
-            </a:r>
-            <a:r>
-              <a:rPr lang="en-US" sz="2800" b="1" dirty="0" err="1" smtClean="0">
+              <a:rPr lang="en-US" sz="3200" b="1" dirty="0" smtClean="0">
+                <a:latin typeface="Courier New"/>
+              </a:rPr>
+              <a:t> Matcher[String] { </a:t>
+            </a:r>
+          </a:p>
+          <a:p>
+            <a:r>
+              <a:rPr lang="en-US" sz="3200" b="1" dirty="0" smtClean="0">
                 <a:solidFill>
                   <a:srgbClr val="7F0055"/>
                 </a:solidFill>
                 <a:latin typeface="Courier New"/>
               </a:rPr>
+              <a:t>  def</a:t>
+            </a:r>
+            <a:r>
+              <a:rPr lang="en-US" sz="3200" b="1" dirty="0" smtClean="0">
+                <a:latin typeface="Courier New"/>
+              </a:rPr>
+              <a:t> apply(x: =&gt;String) = x == </a:t>
+            </a:r>
+            <a:r>
+              <a:rPr lang="en-US" sz="3200" b="1" dirty="0" smtClean="0">
+                <a:solidFill>
+                  <a:srgbClr val="2A00FF"/>
+                </a:solidFill>
+                <a:latin typeface="Courier New"/>
+              </a:rPr>
+              <a:t>"hello"</a:t>
+            </a:r>
+          </a:p>
+          <a:p>
+            <a:r>
+              <a:rPr lang="en-US" sz="3200" dirty="0" smtClean="0">
+                <a:latin typeface="Courier New"/>
+              </a:rPr>
+              <a:t>}</a:t>
+            </a:r>
+          </a:p>
+          <a:p>
+            <a:r>
+              <a:rPr lang="en-US" sz="3200" b="1" dirty="0" err="1" smtClean="0">
+                <a:solidFill>
+                  <a:srgbClr val="7F0055"/>
+                </a:solidFill>
+                <a:latin typeface="Courier New"/>
+              </a:rPr>
               <a:t>val</a:t>
             </a:r>
             <a:r>
-              <a:rPr lang="en-US" sz="2800" b="1" dirty="0" smtClean="0">
-                <a:latin typeface="Courier New"/>
-              </a:rPr>
-              <a:t> setup = </a:t>
-            </a:r>
-            <a:r>
-              <a:rPr lang="en-US" sz="2800" b="1" dirty="0" smtClean="0">
+              <a:rPr lang="en-US" sz="3200" b="1" dirty="0" smtClean="0">
+                <a:latin typeface="Courier New"/>
+              </a:rPr>
+              <a:t> </a:t>
+            </a:r>
+            <a:r>
+              <a:rPr lang="en-US" sz="3200" b="1" dirty="0" err="1" smtClean="0">
+                <a:latin typeface="Courier New"/>
+              </a:rPr>
+              <a:t>beHello</a:t>
+            </a:r>
+            <a:r>
+              <a:rPr lang="en-US" sz="3200" b="1" dirty="0" smtClean="0">
+                <a:latin typeface="Courier New"/>
+              </a:rPr>
+              <a:t> = </a:t>
+            </a:r>
+            <a:r>
+              <a:rPr lang="en-US" sz="3200" b="1" dirty="0" smtClean="0">
                 <a:solidFill>
                   <a:srgbClr val="7F0055"/>
                 </a:solidFill>
@@ -34261,329 +35187,157 @@
               <a:t>new</a:t>
             </a:r>
             <a:r>
-              <a:rPr lang="en-US" sz="2800" b="1" dirty="0" smtClean="0">
+              <a:rPr lang="en-US" sz="3200" b="1" dirty="0" smtClean="0">
                 <a:latin typeface="Courier New"/>
               </a:rPr>
               <a:t> </a:t>
             </a:r>
             <a:r>
-              <a:rPr lang="en-US" sz="2800" b="1" dirty="0" err="1" smtClean="0">
-                <a:latin typeface="Courier New"/>
-              </a:rPr>
-              <a:t>SpecContext</a:t>
-            </a:r>
-            <a:r>
-              <a:rPr lang="en-US" sz="2800" b="1" dirty="0" smtClean="0">
-                <a:latin typeface="Courier New"/>
-              </a:rPr>
-              <a:t> {</a:t>
-            </a:r>
-          </a:p>
-          <a:p>
-            <a:r>
-              <a:rPr lang="en-US" sz="2800" dirty="0" smtClean="0">
-                <a:latin typeface="Courier New"/>
-              </a:rPr>
-              <a:t>    </a:t>
-            </a:r>
-            <a:r>
-              <a:rPr lang="en-US" sz="2800" dirty="0" err="1" smtClean="0">
-                <a:latin typeface="Courier New"/>
-              </a:rPr>
-              <a:t>beforeExample</a:t>
-            </a:r>
-            <a:r>
-              <a:rPr lang="en-US" sz="2800" dirty="0" smtClean="0">
+              <a:rPr lang="en-US" sz="3200" b="1" dirty="0" err="1" smtClean="0">
+                <a:latin typeface="Courier New"/>
+              </a:rPr>
+              <a:t>HelloMatcher</a:t>
+            </a:r>
+            <a:endParaRPr lang="en-US" sz="3200" b="1" dirty="0" smtClean="0">
+              <a:latin typeface="Courier New"/>
+            </a:endParaRPr>
+          </a:p>
+          <a:p>
+            <a:r>
+              <a:rPr lang="en-US" sz="3200" b="1" dirty="0" err="1" smtClean="0">
+                <a:solidFill>
+                  <a:srgbClr val="7F0055"/>
+                </a:solidFill>
+                <a:latin typeface="Courier New"/>
+              </a:rPr>
+              <a:t>val</a:t>
+            </a:r>
+            <a:r>
+              <a:rPr lang="en-US" sz="3200" b="1" dirty="0" smtClean="0">
+                <a:latin typeface="Courier New"/>
+              </a:rPr>
+              <a:t> </a:t>
+            </a:r>
+            <a:r>
+              <a:rPr lang="en-US" sz="3200" b="1" dirty="0" err="1" smtClean="0">
+                <a:latin typeface="Courier New"/>
+              </a:rPr>
+              <a:t>equalToHello</a:t>
+            </a:r>
+            <a:r>
+              <a:rPr lang="en-US" sz="3200" b="1" dirty="0" smtClean="0">
+                <a:latin typeface="Courier New"/>
+              </a:rPr>
+              <a:t> = </a:t>
+            </a:r>
+            <a:r>
+              <a:rPr lang="en-US" sz="3200" b="1" dirty="0" smtClean="0">
+                <a:solidFill>
+                  <a:srgbClr val="7F0055"/>
+                </a:solidFill>
+                <a:latin typeface="Courier New"/>
+              </a:rPr>
+              <a:t>new</a:t>
+            </a:r>
+            <a:r>
+              <a:rPr lang="en-US" sz="3200" b="1" dirty="0" smtClean="0">
+                <a:latin typeface="Courier New"/>
+              </a:rPr>
+              <a:t> </a:t>
+            </a:r>
+            <a:r>
+              <a:rPr lang="en-US" sz="3200" b="1" dirty="0" err="1" smtClean="0">
+                <a:latin typeface="Courier New"/>
+              </a:rPr>
+              <a:t>EqualMatcher</a:t>
+            </a:r>
+            <a:r>
+              <a:rPr lang="en-US" sz="3200" b="1" dirty="0" smtClean="0">
                 <a:latin typeface="Courier New"/>
               </a:rPr>
               <a:t>(</a:t>
             </a:r>
             <a:r>
-              <a:rPr lang="en-US" sz="2800" dirty="0" err="1" smtClean="0">
-                <a:latin typeface="Courier New"/>
-              </a:rPr>
-              <a:t>deleteUsersTable</a:t>
-            </a:r>
-            <a:r>
-              <a:rPr lang="en-US" sz="2800" dirty="0" smtClean="0">
+              <a:rPr lang="en-US" sz="3200" b="1" dirty="0" smtClean="0">
+                <a:solidFill>
+                  <a:srgbClr val="2A00FF"/>
+                </a:solidFill>
+                <a:latin typeface="Courier New"/>
+              </a:rPr>
+              <a:t>"hello"</a:t>
+            </a:r>
+            <a:r>
+              <a:rPr lang="en-US" sz="3200" b="1" dirty="0" smtClean="0">
                 <a:latin typeface="Courier New"/>
               </a:rPr>
               <a:t>)</a:t>
             </a:r>
           </a:p>
           <a:p>
-            <a:r>
-              <a:rPr lang="en-US" sz="2800" dirty="0" smtClean="0">
-                <a:latin typeface="Courier New"/>
-              </a:rPr>
-              <a:t>    </a:t>
-            </a:r>
-            <a:r>
-              <a:rPr lang="en-US" sz="2800" dirty="0" err="1" smtClean="0">
-                <a:latin typeface="Courier New"/>
-              </a:rPr>
-              <a:t>aroundExpectations</a:t>
-            </a:r>
-            <a:r>
-              <a:rPr lang="en-US" sz="2800" dirty="0" smtClean="0">
-                <a:latin typeface="Courier New"/>
-              </a:rPr>
-              <a:t>(</a:t>
-            </a:r>
-            <a:r>
-              <a:rPr lang="en-US" sz="2800" dirty="0" err="1" smtClean="0">
-                <a:latin typeface="Courier New"/>
-              </a:rPr>
-              <a:t>inDatabaseSession</a:t>
-            </a:r>
-            <a:r>
-              <a:rPr lang="en-US" sz="2800" dirty="0" smtClean="0">
-                <a:latin typeface="Courier New"/>
-              </a:rPr>
-              <a:t>(_)) </a:t>
-            </a:r>
-          </a:p>
-          <a:p>
-            <a:r>
-              <a:rPr lang="en-US" sz="2800" dirty="0" smtClean="0">
-                <a:latin typeface="Courier New"/>
-              </a:rPr>
-              <a:t>  }</a:t>
-            </a:r>
-          </a:p>
-          <a:p>
-            <a:r>
-              <a:rPr lang="en-US" sz="2800" dirty="0" smtClean="0">
-                <a:latin typeface="Courier New"/>
-              </a:rPr>
-              <a:t>}</a:t>
-            </a:r>
-          </a:p>
-          <a:p>
-            <a:endParaRPr lang="en-US" sz="2800" b="1" dirty="0" smtClean="0">
+            <a:endParaRPr lang="en-US" sz="3200" dirty="0" smtClean="0">
+              <a:latin typeface="Courier New"/>
+            </a:endParaRPr>
+          </a:p>
+          <a:p>
+            <a:r>
+              <a:rPr lang="en-US" sz="3200" dirty="0" smtClean="0">
+                <a:solidFill>
+                  <a:srgbClr val="2A00FF"/>
+                </a:solidFill>
+                <a:latin typeface="Courier New"/>
+              </a:rPr>
+              <a:t>"hello"</a:t>
+            </a:r>
+            <a:r>
+              <a:rPr lang="en-US" sz="3200" dirty="0" smtClean="0">
+                <a:latin typeface="Courier New"/>
+              </a:rPr>
+              <a:t> must </a:t>
+            </a:r>
+            <a:r>
+              <a:rPr lang="en-US" sz="3200" dirty="0" err="1" smtClean="0">
+                <a:latin typeface="Courier New"/>
+              </a:rPr>
+              <a:t>beHello</a:t>
+            </a:r>
+            <a:endParaRPr lang="en-US" sz="3200" dirty="0" smtClean="0">
+              <a:latin typeface="Courier New"/>
+            </a:endParaRPr>
+          </a:p>
+          <a:p>
+            <a:r>
+              <a:rPr lang="en-US" sz="3200" dirty="0" smtClean="0">
+                <a:solidFill>
+                  <a:srgbClr val="2A00FF"/>
+                </a:solidFill>
+                <a:latin typeface="Courier New"/>
+              </a:rPr>
+              <a:t>"hello"</a:t>
+            </a:r>
+            <a:r>
+              <a:rPr lang="en-US" sz="3200" dirty="0" smtClean="0">
+                <a:latin typeface="Courier New"/>
+              </a:rPr>
+              <a:t> must </a:t>
+            </a:r>
+            <a:r>
+              <a:rPr lang="en-US" sz="3200" dirty="0" err="1" smtClean="0">
+                <a:latin typeface="Courier New"/>
+              </a:rPr>
+              <a:t>equalToHello</a:t>
+            </a:r>
+            <a:endParaRPr lang="en-US" sz="3200" b="1" dirty="0" smtClean="0">
               <a:solidFill>
                 <a:srgbClr val="7F0055"/>
               </a:solidFill>
               <a:latin typeface="Courier New"/>
             </a:endParaRPr>
           </a:p>
-          <a:p>
-            <a:r>
-              <a:rPr lang="en-US" sz="2800" b="1" dirty="0" smtClean="0">
-                <a:solidFill>
-                  <a:srgbClr val="7F0055"/>
-                </a:solidFill>
-                <a:latin typeface="Courier New"/>
-              </a:rPr>
-              <a:t>object</a:t>
-            </a:r>
-            <a:r>
-              <a:rPr lang="en-US" sz="2800" b="1" dirty="0" smtClean="0">
-                <a:latin typeface="Courier New"/>
-              </a:rPr>
-              <a:t> </a:t>
-            </a:r>
-            <a:r>
-              <a:rPr lang="en-US" sz="2800" b="1" dirty="0" err="1" smtClean="0">
-                <a:latin typeface="Courier New"/>
-              </a:rPr>
-              <a:t>RepositorySpecification</a:t>
-            </a:r>
-            <a:r>
-              <a:rPr lang="en-US" sz="2800" b="1" dirty="0" smtClean="0">
-                <a:latin typeface="Courier New"/>
-              </a:rPr>
-              <a:t> </a:t>
-            </a:r>
-            <a:r>
-              <a:rPr lang="en-US" sz="2800" b="1" dirty="0" smtClean="0">
-                <a:solidFill>
-                  <a:srgbClr val="7F0055"/>
-                </a:solidFill>
-                <a:latin typeface="Courier New"/>
-              </a:rPr>
-              <a:t>extends</a:t>
-            </a:r>
-            <a:r>
-              <a:rPr lang="en-US" sz="2800" b="1" dirty="0" smtClean="0">
-                <a:latin typeface="Courier New"/>
-              </a:rPr>
-              <a:t> Specification {</a:t>
-            </a:r>
-          </a:p>
-          <a:p>
-            <a:r>
-              <a:rPr lang="en-US" sz="2800" dirty="0" smtClean="0">
-                <a:latin typeface="Courier New"/>
-              </a:rPr>
-              <a:t>  </a:t>
-            </a:r>
-            <a:r>
-              <a:rPr lang="en-US" sz="2800" dirty="0" smtClean="0">
-                <a:solidFill>
-                  <a:srgbClr val="3F7F5F"/>
-                </a:solidFill>
-                <a:latin typeface="Courier New"/>
-              </a:rPr>
-              <a:t>// equivalent to: </a:t>
-            </a:r>
-            <a:r>
-              <a:rPr lang="en-US" sz="2800" b="1" dirty="0" err="1" smtClean="0">
-                <a:solidFill>
-                  <a:srgbClr val="3F7F5F"/>
-                </a:solidFill>
-                <a:latin typeface="Courier New"/>
-              </a:rPr>
-              <a:t>DBContext.setup.apply</a:t>
-            </a:r>
-            <a:r>
-              <a:rPr lang="en-US" sz="2800" b="1" dirty="0" smtClean="0">
-                <a:solidFill>
-                  <a:srgbClr val="3F7F5F"/>
-                </a:solidFill>
-                <a:latin typeface="Courier New"/>
-              </a:rPr>
-              <a:t>(this)</a:t>
-            </a:r>
-            <a:r>
-              <a:rPr lang="en-US" sz="2800" dirty="0" smtClean="0">
-                <a:solidFill>
-                  <a:srgbClr val="3F7F5F"/>
-                </a:solidFill>
-                <a:latin typeface="Courier New"/>
-              </a:rPr>
-              <a:t>    </a:t>
-            </a:r>
-          </a:p>
-          <a:p>
-            <a:r>
-              <a:rPr lang="en-US" sz="2800" dirty="0" smtClean="0">
-                <a:latin typeface="Courier New"/>
-              </a:rPr>
-              <a:t>  </a:t>
-            </a:r>
-            <a:r>
-              <a:rPr lang="en-US" sz="2800" dirty="0" err="1" smtClean="0">
-                <a:latin typeface="Courier New"/>
-              </a:rPr>
-              <a:t>DBContext.setup</a:t>
-            </a:r>
-            <a:r>
-              <a:rPr lang="en-US" sz="2800" dirty="0" smtClean="0">
-                <a:latin typeface="Courier New"/>
-              </a:rPr>
-              <a:t>(</a:t>
-            </a:r>
-            <a:r>
-              <a:rPr lang="en-US" sz="2800" b="1" dirty="0" smtClean="0">
-                <a:solidFill>
-                  <a:srgbClr val="7F0055"/>
-                </a:solidFill>
-                <a:latin typeface="Courier New"/>
-              </a:rPr>
-              <a:t>this</a:t>
-            </a:r>
-            <a:r>
-              <a:rPr lang="en-US" sz="2800" b="1" dirty="0" smtClean="0">
-                <a:latin typeface="Courier New"/>
-              </a:rPr>
-              <a:t>)</a:t>
-            </a:r>
-          </a:p>
-          <a:p>
-            <a:r>
-              <a:rPr lang="en-US" sz="2800" dirty="0" smtClean="0">
-                <a:latin typeface="Courier New"/>
-              </a:rPr>
-              <a:t>  </a:t>
-            </a:r>
-            <a:r>
-              <a:rPr lang="en-US" sz="2800" dirty="0" smtClean="0">
-                <a:solidFill>
-                  <a:srgbClr val="2A00FF"/>
-                </a:solidFill>
-                <a:latin typeface="Courier New"/>
-              </a:rPr>
-              <a:t>"A Users repository"</a:t>
-            </a:r>
-            <a:r>
-              <a:rPr lang="en-US" sz="2800" dirty="0" smtClean="0">
-                <a:latin typeface="Courier New"/>
-              </a:rPr>
-              <a:t> can { </a:t>
-            </a:r>
-            <a:r>
-              <a:rPr lang="en-US" sz="2800" dirty="0" smtClean="0">
-                <a:solidFill>
-                  <a:srgbClr val="3F7F5F"/>
-                </a:solidFill>
-                <a:latin typeface="Courier New"/>
-              </a:rPr>
-              <a:t>/*...*/ </a:t>
-            </a:r>
-            <a:r>
-              <a:rPr lang="en-US" sz="2800" dirty="0" smtClean="0">
-                <a:latin typeface="Courier New"/>
-              </a:rPr>
-              <a:t>}</a:t>
-            </a:r>
-          </a:p>
-          <a:p>
-            <a:r>
-              <a:rPr lang="en-US" sz="2800" dirty="0" smtClean="0">
-                <a:latin typeface="Courier New"/>
-              </a:rPr>
-              <a:t>}</a:t>
-            </a:r>
-            <a:endParaRPr lang="en-US" sz="2800" b="1" dirty="0" smtClean="0">
-              <a:solidFill>
-                <a:srgbClr val="7F0055"/>
-              </a:solidFill>
-              <a:latin typeface="Courier New"/>
-            </a:endParaRPr>
-          </a:p>
-        </p:txBody>
-      </p:sp>
-      <p:sp>
-        <p:nvSpPr>
-          <p:cNvPr id="14" name="Rectangle 13"/>
-          <p:cNvSpPr/>
-          <p:nvPr/>
-        </p:nvSpPr>
-        <p:spPr>
-          <a:xfrm>
-            <a:off x="5156245" y="1447800"/>
-            <a:ext cx="2260555" cy="923330"/>
-          </a:xfrm>
-          <a:prstGeom prst="rect">
-            <a:avLst/>
-          </a:prstGeom>
-        </p:spPr>
-        <p:txBody>
-          <a:bodyPr wrap="none">
-            <a:spAutoFit/>
-          </a:bodyPr>
-          <a:lstStyle/>
-          <a:p>
-            <a:pPr algn="ctr"/>
-            <a:r>
-              <a:rPr lang="en-US" sz="5400" b="1" kern="0" dirty="0" smtClean="0">
-                <a:solidFill>
-                  <a:srgbClr val="0C0F20"/>
-                </a:solidFill>
-                <a:latin typeface="Lucida Handwriting" pitchFamily="66" charset="0"/>
-                <a:cs typeface="+mj-cs"/>
-                <a:sym typeface="Arial" charset="0"/>
-              </a:rPr>
-              <a:t>apply</a:t>
-            </a:r>
-            <a:endParaRPr lang="en-US" dirty="0"/>
-          </a:p>
         </p:txBody>
       </p:sp>
       <p:pic>
         <p:nvPicPr>
-          <p:cNvPr id="15" name="Picture 2" descr="toolbox icon"/>
+          <p:cNvPr id="70662" name="Picture 6" descr="magic, wizard icon"/>
           <p:cNvPicPr>
             <a:picLocks noChangeAspect="1" noChangeArrowheads="1"/>
           </p:cNvPicPr>
@@ -34598,8 +35352,8 @@
         </p:blipFill>
         <p:spPr bwMode="auto">
           <a:xfrm>
-            <a:off x="558800" y="1066800"/>
-            <a:ext cx="1676400" cy="1676401"/>
+            <a:off x="635000" y="1143000"/>
+            <a:ext cx="1295400" cy="1295401"/>
           </a:xfrm>
           <a:prstGeom prst="rect">
             <a:avLst/>
@@ -34609,7 +35363,7 @@
       </p:pic>
       <p:sp>
         <p:nvSpPr>
-          <p:cNvPr id="7" name="Rectangle 1"/>
+          <p:cNvPr id="9" name="Rectangle 1"/>
           <p:cNvSpPr txBox="1">
             <a:spLocks noChangeArrowheads="1"/>
           </p:cNvSpPr>
@@ -34617,15 +35371,13 @@
         </p:nvSpPr>
         <p:spPr bwMode="auto">
           <a:xfrm>
-            <a:off x="3302000" y="7696200"/>
-            <a:ext cx="9067800" cy="685800"/>
+            <a:off x="5283200" y="1447800"/>
+            <a:ext cx="7086600" cy="685800"/>
           </a:xfrm>
           <a:prstGeom prst="rect">
             <a:avLst/>
           </a:prstGeom>
-          <a:solidFill>
-            <a:schemeClr val="bg1"/>
-          </a:solidFill>
+          <a:noFill/>
           <a:ln w="12700">
             <a:noFill/>
             <a:miter lim="800000"/>
@@ -34642,32 +35394,44 @@
           </a:bodyPr>
           <a:lstStyle/>
           <a:p>
-            <a:pPr lvl="0"/>
-            <a:r>
-              <a:rPr lang="en-US" sz="4400" b="1" kern="0" dirty="0" err="1" smtClean="0">
+            <a:pPr lvl="0" algn="r"/>
+            <a:r>
+              <a:rPr kumimoji="0" lang="en-US" sz="4400" i="0" u="none" strike="noStrike" kern="0" cap="none" spc="0" normalizeH="0" baseline="0" noProof="0" dirty="0" smtClean="0">
+                <a:ln>
+                  <a:noFill/>
+                </a:ln>
                 <a:solidFill>
                   <a:srgbClr val="FF0000"/>
                 </a:solidFill>
-                <a:latin typeface="Candara" pitchFamily="34" charset="0"/>
+                <a:effectLst/>
+                <a:uLnTx/>
+                <a:uFillTx/>
+                <a:latin typeface="Calibri" pitchFamily="34" charset="0"/>
                 <a:ea typeface="+mj-ea"/>
                 <a:cs typeface="+mj-cs"/>
                 <a:sym typeface="Wingdings"/>
               </a:rPr>
-              <a:t>object.apply</a:t>
-            </a:r>
-            <a:r>
-              <a:rPr lang="en-US" sz="4400" b="1" kern="0" dirty="0" smtClean="0">
+              <a:t></a:t>
+            </a:r>
+            <a:r>
+              <a:rPr kumimoji="0" lang="en-US" sz="4400" i="0" u="none" strike="noStrike" kern="0" cap="none" spc="0" normalizeH="0" baseline="0" noProof="0" dirty="0" smtClean="0">
+                <a:ln>
+                  <a:noFill/>
+                </a:ln>
                 <a:solidFill>
                   <a:srgbClr val="FF0000"/>
                 </a:solidFill>
-                <a:latin typeface="Candara" pitchFamily="34" charset="0"/>
+                <a:effectLst/>
+                <a:uLnTx/>
+                <a:uFillTx/>
+                <a:latin typeface="Calibri" pitchFamily="34" charset="0"/>
                 <a:ea typeface="+mj-ea"/>
                 <a:cs typeface="+mj-cs"/>
-                <a:sym typeface="Wingdings"/>
-              </a:rPr>
-              <a:t>(object)  verb(object)</a:t>
-            </a:r>
-            <a:endParaRPr kumimoji="0" lang="en-US" sz="4400" b="1" i="0" u="none" strike="noStrike" kern="0" cap="none" spc="0" normalizeH="0" baseline="0" noProof="0" dirty="0">
+                <a:sym typeface="Arial" charset="0"/>
+              </a:rPr>
+              <a:t> Know the rules!</a:t>
+            </a:r>
+            <a:endParaRPr kumimoji="0" lang="en-US" sz="4400" i="0" u="none" strike="noStrike" kern="0" cap="none" spc="0" normalizeH="0" baseline="0" noProof="0" dirty="0">
               <a:ln>
                 <a:noFill/>
               </a:ln>
@@ -34677,7 +35441,7 @@
               <a:effectLst/>
               <a:uLnTx/>
               <a:uFillTx/>
-              <a:latin typeface="Candara" pitchFamily="34" charset="0"/>
+              <a:latin typeface="Calibri" pitchFamily="34" charset="0"/>
               <a:ea typeface="+mj-ea"/>
               <a:cs typeface="+mj-cs"/>
               <a:sym typeface="Arial" charset="0"/>
@@ -34802,6 +35566,10 @@
           </p:nvPr>
         </p:nvSpPr>
         <p:spPr>
+          <a:xfrm>
+            <a:off x="622300" y="0"/>
+            <a:ext cx="12509500" cy="914400"/>
+          </a:xfrm>
           <a:ln/>
         </p:spPr>
         <p:txBody>
@@ -34836,7 +35604,7 @@
         </p:blipFill>
         <p:spPr bwMode="auto">
           <a:xfrm>
-            <a:off x="3605028" y="228600"/>
+            <a:off x="3973328" y="228600"/>
             <a:ext cx="2287772" cy="642969"/>
           </a:xfrm>
           <a:prstGeom prst="rect">
@@ -34890,6 +35658,696 @@
 </file>
 
 <file path=ppt/slides/slide60.xml><?xml version="1.0" encoding="utf-8"?>
+<p:sld xmlns:a="http://schemas.openxmlformats.org/drawingml/2006/main" xmlns:r="http://schemas.openxmlformats.org/officeDocument/2006/relationships" xmlns:p="http://schemas.openxmlformats.org/presentationml/2006/main">
+  <p:cSld>
+    <p:spTree>
+      <p:nvGrpSpPr>
+        <p:cNvPr id="1" name=""/>
+        <p:cNvGrpSpPr/>
+        <p:nvPr/>
+      </p:nvGrpSpPr>
+      <p:grpSpPr>
+        <a:xfrm>
+          <a:off x="0" y="0"/>
+          <a:ext cx="0" cy="0"/>
+          <a:chOff x="0" y="0"/>
+          <a:chExt cx="0" cy="0"/>
+        </a:xfrm>
+      </p:grpSpPr>
+      <p:sp>
+        <p:nvSpPr>
+          <p:cNvPr id="8193" name="Rectangle 1"/>
+          <p:cNvSpPr>
+            <a:spLocks noGrp="1" noChangeArrowheads="1"/>
+          </p:cNvSpPr>
+          <p:nvPr>
+            <p:ph type="title"/>
+          </p:nvPr>
+        </p:nvSpPr>
+        <p:spPr>
+          <a:xfrm>
+            <a:off x="711200" y="0"/>
+            <a:ext cx="12509500" cy="914400"/>
+          </a:xfrm>
+          <a:ln/>
+        </p:spPr>
+        <p:txBody>
+          <a:bodyPr/>
+          <a:lstStyle/>
+          <a:p>
+            <a:pPr lvl="0"/>
+            <a:r>
+              <a:rPr lang="en-US" sz="5400" dirty="0" smtClean="0">
+                <a:latin typeface="Lucida Handwriting" pitchFamily="66" charset="0"/>
+              </a:rPr>
+              <a:t>     DSL</a:t>
+            </a:r>
+            <a:endParaRPr lang="en-US" dirty="0"/>
+          </a:p>
+        </p:txBody>
+      </p:sp>
+      <p:pic>
+        <p:nvPicPr>
+          <p:cNvPr id="8" name="Picture 10" descr="http://knowledgehub.zeus.com/media/Scala_Logo2008.png"/>
+          <p:cNvPicPr>
+            <a:picLocks noChangeAspect="1" noChangeArrowheads="1"/>
+          </p:cNvPicPr>
+          <p:nvPr/>
+        </p:nvPicPr>
+        <p:blipFill>
+          <a:blip r:embed="rId3"/>
+          <a:srcRect/>
+          <a:stretch>
+            <a:fillRect/>
+          </a:stretch>
+        </p:blipFill>
+        <p:spPr bwMode="auto">
+          <a:xfrm>
+            <a:off x="4140200" y="76200"/>
+            <a:ext cx="2279542" cy="679257"/>
+          </a:xfrm>
+          <a:prstGeom prst="rect">
+            <a:avLst/>
+          </a:prstGeom>
+          <a:noFill/>
+        </p:spPr>
+      </p:pic>
+      <p:sp>
+        <p:nvSpPr>
+          <p:cNvPr id="11" name="Rectangle 10"/>
+          <p:cNvSpPr/>
+          <p:nvPr/>
+        </p:nvSpPr>
+        <p:spPr>
+          <a:xfrm>
+            <a:off x="330200" y="2819400"/>
+            <a:ext cx="12344400" cy="5262979"/>
+          </a:xfrm>
+          <a:prstGeom prst="rect">
+            <a:avLst/>
+          </a:prstGeom>
+          <a:ln>
+            <a:solidFill>
+              <a:schemeClr val="tx1"/>
+            </a:solidFill>
+            <a:prstDash val="dash"/>
+          </a:ln>
+        </p:spPr>
+        <p:txBody>
+          <a:bodyPr wrap="square">
+            <a:spAutoFit/>
+          </a:bodyPr>
+          <a:lstStyle/>
+          <a:p>
+            <a:r>
+              <a:rPr lang="en-US" sz="2800" b="1" dirty="0" smtClean="0">
+                <a:solidFill>
+                  <a:srgbClr val="7F0055"/>
+                </a:solidFill>
+                <a:latin typeface="Courier New"/>
+              </a:rPr>
+              <a:t>object</a:t>
+            </a:r>
+            <a:r>
+              <a:rPr lang="en-US" sz="2800" b="1" dirty="0" smtClean="0">
+                <a:latin typeface="Courier New"/>
+              </a:rPr>
+              <a:t> </a:t>
+            </a:r>
+            <a:r>
+              <a:rPr lang="en-US" sz="2800" b="1" dirty="0" err="1" smtClean="0">
+                <a:latin typeface="Courier New"/>
+              </a:rPr>
+              <a:t>DBContext</a:t>
+            </a:r>
+            <a:r>
+              <a:rPr lang="en-US" sz="2800" b="1" dirty="0" smtClean="0">
+                <a:latin typeface="Courier New"/>
+              </a:rPr>
+              <a:t> </a:t>
+            </a:r>
+            <a:r>
+              <a:rPr lang="en-US" sz="2800" b="1" dirty="0" smtClean="0">
+                <a:solidFill>
+                  <a:srgbClr val="7F0055"/>
+                </a:solidFill>
+                <a:latin typeface="Courier New"/>
+              </a:rPr>
+              <a:t>extends</a:t>
+            </a:r>
+            <a:r>
+              <a:rPr lang="en-US" sz="2800" b="1" dirty="0" smtClean="0">
+                <a:latin typeface="Courier New"/>
+              </a:rPr>
+              <a:t> Specification {</a:t>
+            </a:r>
+          </a:p>
+          <a:p>
+            <a:r>
+              <a:rPr lang="en-US" sz="2800" dirty="0" smtClean="0">
+                <a:latin typeface="Courier New"/>
+              </a:rPr>
+              <a:t>  </a:t>
+            </a:r>
+            <a:r>
+              <a:rPr lang="en-US" sz="2800" b="1" dirty="0" err="1" smtClean="0">
+                <a:solidFill>
+                  <a:srgbClr val="7F0055"/>
+                </a:solidFill>
+                <a:latin typeface="Courier New"/>
+              </a:rPr>
+              <a:t>val</a:t>
+            </a:r>
+            <a:r>
+              <a:rPr lang="en-US" sz="2800" b="1" dirty="0" smtClean="0">
+                <a:latin typeface="Courier New"/>
+              </a:rPr>
+              <a:t> setup = </a:t>
+            </a:r>
+            <a:r>
+              <a:rPr lang="en-US" sz="2800" b="1" dirty="0" smtClean="0">
+                <a:solidFill>
+                  <a:srgbClr val="7F0055"/>
+                </a:solidFill>
+                <a:latin typeface="Courier New"/>
+              </a:rPr>
+              <a:t>new</a:t>
+            </a:r>
+            <a:r>
+              <a:rPr lang="en-US" sz="2800" b="1" dirty="0" smtClean="0">
+                <a:latin typeface="Courier New"/>
+              </a:rPr>
+              <a:t> </a:t>
+            </a:r>
+            <a:r>
+              <a:rPr lang="en-US" sz="2800" b="1" dirty="0" err="1" smtClean="0">
+                <a:latin typeface="Courier New"/>
+              </a:rPr>
+              <a:t>SpecContext</a:t>
+            </a:r>
+            <a:r>
+              <a:rPr lang="en-US" sz="2800" b="1" dirty="0" smtClean="0">
+                <a:latin typeface="Courier New"/>
+              </a:rPr>
+              <a:t> {</a:t>
+            </a:r>
+          </a:p>
+          <a:p>
+            <a:r>
+              <a:rPr lang="en-US" sz="2800" dirty="0" smtClean="0">
+                <a:latin typeface="Courier New"/>
+              </a:rPr>
+              <a:t>    </a:t>
+            </a:r>
+            <a:r>
+              <a:rPr lang="en-US" sz="2800" dirty="0" err="1" smtClean="0">
+                <a:latin typeface="Courier New"/>
+              </a:rPr>
+              <a:t>beforeExample</a:t>
+            </a:r>
+            <a:r>
+              <a:rPr lang="en-US" sz="2800" dirty="0" smtClean="0">
+                <a:latin typeface="Courier New"/>
+              </a:rPr>
+              <a:t>(</a:t>
+            </a:r>
+            <a:r>
+              <a:rPr lang="en-US" sz="2800" dirty="0" err="1" smtClean="0">
+                <a:latin typeface="Courier New"/>
+              </a:rPr>
+              <a:t>deleteUsersTable</a:t>
+            </a:r>
+            <a:r>
+              <a:rPr lang="en-US" sz="2800" dirty="0" smtClean="0">
+                <a:latin typeface="Courier New"/>
+              </a:rPr>
+              <a:t>)</a:t>
+            </a:r>
+          </a:p>
+          <a:p>
+            <a:r>
+              <a:rPr lang="en-US" sz="2800" dirty="0" smtClean="0">
+                <a:latin typeface="Courier New"/>
+              </a:rPr>
+              <a:t>    </a:t>
+            </a:r>
+            <a:r>
+              <a:rPr lang="en-US" sz="2800" dirty="0" err="1" smtClean="0">
+                <a:latin typeface="Courier New"/>
+              </a:rPr>
+              <a:t>aroundExpectations</a:t>
+            </a:r>
+            <a:r>
+              <a:rPr lang="en-US" sz="2800" dirty="0" smtClean="0">
+                <a:latin typeface="Courier New"/>
+              </a:rPr>
+              <a:t>(</a:t>
+            </a:r>
+            <a:r>
+              <a:rPr lang="en-US" sz="2800" dirty="0" err="1" smtClean="0">
+                <a:latin typeface="Courier New"/>
+              </a:rPr>
+              <a:t>inDatabaseSession</a:t>
+            </a:r>
+            <a:r>
+              <a:rPr lang="en-US" sz="2800" dirty="0" smtClean="0">
+                <a:latin typeface="Courier New"/>
+              </a:rPr>
+              <a:t>(_)) </a:t>
+            </a:r>
+          </a:p>
+          <a:p>
+            <a:r>
+              <a:rPr lang="en-US" sz="2800" dirty="0" smtClean="0">
+                <a:latin typeface="Courier New"/>
+              </a:rPr>
+              <a:t>  }</a:t>
+            </a:r>
+          </a:p>
+          <a:p>
+            <a:r>
+              <a:rPr lang="en-US" sz="2800" dirty="0" smtClean="0">
+                <a:latin typeface="Courier New"/>
+              </a:rPr>
+              <a:t>}</a:t>
+            </a:r>
+          </a:p>
+          <a:p>
+            <a:endParaRPr lang="en-US" sz="2800" b="1" dirty="0" smtClean="0">
+              <a:solidFill>
+                <a:srgbClr val="7F0055"/>
+              </a:solidFill>
+              <a:latin typeface="Courier New"/>
+            </a:endParaRPr>
+          </a:p>
+          <a:p>
+            <a:r>
+              <a:rPr lang="en-US" sz="2800" b="1" dirty="0" smtClean="0">
+                <a:solidFill>
+                  <a:srgbClr val="7F0055"/>
+                </a:solidFill>
+                <a:latin typeface="Courier New"/>
+              </a:rPr>
+              <a:t>object</a:t>
+            </a:r>
+            <a:r>
+              <a:rPr lang="en-US" sz="2800" b="1" dirty="0" smtClean="0">
+                <a:latin typeface="Courier New"/>
+              </a:rPr>
+              <a:t> </a:t>
+            </a:r>
+            <a:r>
+              <a:rPr lang="en-US" sz="2800" b="1" dirty="0" err="1" smtClean="0">
+                <a:latin typeface="Courier New"/>
+              </a:rPr>
+              <a:t>RepositorySpecification</a:t>
+            </a:r>
+            <a:r>
+              <a:rPr lang="en-US" sz="2800" b="1" dirty="0" smtClean="0">
+                <a:latin typeface="Courier New"/>
+              </a:rPr>
+              <a:t> </a:t>
+            </a:r>
+            <a:r>
+              <a:rPr lang="en-US" sz="2800" b="1" dirty="0" smtClean="0">
+                <a:solidFill>
+                  <a:srgbClr val="7F0055"/>
+                </a:solidFill>
+                <a:latin typeface="Courier New"/>
+              </a:rPr>
+              <a:t>extends</a:t>
+            </a:r>
+            <a:r>
+              <a:rPr lang="en-US" sz="2800" b="1" dirty="0" smtClean="0">
+                <a:latin typeface="Courier New"/>
+              </a:rPr>
+              <a:t> Specification {</a:t>
+            </a:r>
+          </a:p>
+          <a:p>
+            <a:r>
+              <a:rPr lang="en-US" sz="2800" dirty="0" smtClean="0">
+                <a:latin typeface="Courier New"/>
+              </a:rPr>
+              <a:t>  </a:t>
+            </a:r>
+            <a:r>
+              <a:rPr lang="en-US" sz="2800" dirty="0" smtClean="0">
+                <a:solidFill>
+                  <a:srgbClr val="3F7F5F"/>
+                </a:solidFill>
+                <a:latin typeface="Courier New"/>
+              </a:rPr>
+              <a:t>// equivalent to: </a:t>
+            </a:r>
+            <a:r>
+              <a:rPr lang="en-US" sz="2800" b="1" dirty="0" err="1" smtClean="0">
+                <a:solidFill>
+                  <a:srgbClr val="3F7F5F"/>
+                </a:solidFill>
+                <a:latin typeface="Courier New"/>
+              </a:rPr>
+              <a:t>DBContext.setup.apply</a:t>
+            </a:r>
+            <a:r>
+              <a:rPr lang="en-US" sz="2800" b="1" dirty="0" smtClean="0">
+                <a:solidFill>
+                  <a:srgbClr val="3F7F5F"/>
+                </a:solidFill>
+                <a:latin typeface="Courier New"/>
+              </a:rPr>
+              <a:t>(this)</a:t>
+            </a:r>
+            <a:r>
+              <a:rPr lang="en-US" sz="2800" dirty="0" smtClean="0">
+                <a:solidFill>
+                  <a:srgbClr val="3F7F5F"/>
+                </a:solidFill>
+                <a:latin typeface="Courier New"/>
+              </a:rPr>
+              <a:t>    </a:t>
+            </a:r>
+          </a:p>
+          <a:p>
+            <a:r>
+              <a:rPr lang="en-US" sz="2800" dirty="0" smtClean="0">
+                <a:latin typeface="Courier New"/>
+              </a:rPr>
+              <a:t>  </a:t>
+            </a:r>
+            <a:r>
+              <a:rPr lang="en-US" sz="2800" dirty="0" err="1" smtClean="0">
+                <a:latin typeface="Courier New"/>
+              </a:rPr>
+              <a:t>DBContext.setup</a:t>
+            </a:r>
+            <a:r>
+              <a:rPr lang="en-US" sz="2800" dirty="0" smtClean="0">
+                <a:latin typeface="Courier New"/>
+              </a:rPr>
+              <a:t>(</a:t>
+            </a:r>
+            <a:r>
+              <a:rPr lang="en-US" sz="2800" b="1" dirty="0" smtClean="0">
+                <a:solidFill>
+                  <a:srgbClr val="7F0055"/>
+                </a:solidFill>
+                <a:latin typeface="Courier New"/>
+              </a:rPr>
+              <a:t>this</a:t>
+            </a:r>
+            <a:r>
+              <a:rPr lang="en-US" sz="2800" b="1" dirty="0" smtClean="0">
+                <a:latin typeface="Courier New"/>
+              </a:rPr>
+              <a:t>)</a:t>
+            </a:r>
+          </a:p>
+          <a:p>
+            <a:r>
+              <a:rPr lang="en-US" sz="2800" dirty="0" smtClean="0">
+                <a:latin typeface="Courier New"/>
+              </a:rPr>
+              <a:t>  </a:t>
+            </a:r>
+            <a:r>
+              <a:rPr lang="en-US" sz="2800" dirty="0" smtClean="0">
+                <a:solidFill>
+                  <a:srgbClr val="2A00FF"/>
+                </a:solidFill>
+                <a:latin typeface="Courier New"/>
+              </a:rPr>
+              <a:t>"A Users repository"</a:t>
+            </a:r>
+            <a:r>
+              <a:rPr lang="en-US" sz="2800" dirty="0" smtClean="0">
+                <a:latin typeface="Courier New"/>
+              </a:rPr>
+              <a:t> can { </a:t>
+            </a:r>
+            <a:r>
+              <a:rPr lang="en-US" sz="2800" dirty="0" smtClean="0">
+                <a:solidFill>
+                  <a:srgbClr val="3F7F5F"/>
+                </a:solidFill>
+                <a:latin typeface="Courier New"/>
+              </a:rPr>
+              <a:t>/*...*/ </a:t>
+            </a:r>
+            <a:r>
+              <a:rPr lang="en-US" sz="2800" dirty="0" smtClean="0">
+                <a:latin typeface="Courier New"/>
+              </a:rPr>
+              <a:t>}</a:t>
+            </a:r>
+          </a:p>
+          <a:p>
+            <a:r>
+              <a:rPr lang="en-US" sz="2800" dirty="0" smtClean="0">
+                <a:latin typeface="Courier New"/>
+              </a:rPr>
+              <a:t>}</a:t>
+            </a:r>
+            <a:endParaRPr lang="en-US" sz="2800" b="1" dirty="0" smtClean="0">
+              <a:solidFill>
+                <a:srgbClr val="7F0055"/>
+              </a:solidFill>
+              <a:latin typeface="Courier New"/>
+            </a:endParaRPr>
+          </a:p>
+        </p:txBody>
+      </p:sp>
+      <p:sp>
+        <p:nvSpPr>
+          <p:cNvPr id="14" name="Rectangle 13"/>
+          <p:cNvSpPr/>
+          <p:nvPr/>
+        </p:nvSpPr>
+        <p:spPr>
+          <a:xfrm>
+            <a:off x="5156245" y="1447800"/>
+            <a:ext cx="2260555" cy="923330"/>
+          </a:xfrm>
+          <a:prstGeom prst="rect">
+            <a:avLst/>
+          </a:prstGeom>
+        </p:spPr>
+        <p:txBody>
+          <a:bodyPr wrap="none">
+            <a:spAutoFit/>
+          </a:bodyPr>
+          <a:lstStyle/>
+          <a:p>
+            <a:pPr algn="ctr"/>
+            <a:r>
+              <a:rPr lang="en-US" sz="5400" b="1" kern="0" dirty="0" smtClean="0">
+                <a:solidFill>
+                  <a:srgbClr val="0C0F20"/>
+                </a:solidFill>
+                <a:latin typeface="Lucida Handwriting" pitchFamily="66" charset="0"/>
+                <a:cs typeface="+mj-cs"/>
+                <a:sym typeface="Arial" charset="0"/>
+              </a:rPr>
+              <a:t>apply</a:t>
+            </a:r>
+            <a:endParaRPr lang="en-US" dirty="0"/>
+          </a:p>
+        </p:txBody>
+      </p:sp>
+      <p:pic>
+        <p:nvPicPr>
+          <p:cNvPr id="15" name="Picture 2" descr="toolbox icon"/>
+          <p:cNvPicPr>
+            <a:picLocks noChangeAspect="1" noChangeArrowheads="1"/>
+          </p:cNvPicPr>
+          <p:nvPr/>
+        </p:nvPicPr>
+        <p:blipFill>
+          <a:blip r:embed="rId4"/>
+          <a:srcRect/>
+          <a:stretch>
+            <a:fillRect/>
+          </a:stretch>
+        </p:blipFill>
+        <p:spPr bwMode="auto">
+          <a:xfrm>
+            <a:off x="558800" y="1066800"/>
+            <a:ext cx="1676400" cy="1676401"/>
+          </a:xfrm>
+          <a:prstGeom prst="rect">
+            <a:avLst/>
+          </a:prstGeom>
+          <a:noFill/>
+        </p:spPr>
+      </p:pic>
+      <p:sp>
+        <p:nvSpPr>
+          <p:cNvPr id="7" name="Rectangle 1"/>
+          <p:cNvSpPr txBox="1">
+            <a:spLocks noChangeArrowheads="1"/>
+          </p:cNvSpPr>
+          <p:nvPr/>
+        </p:nvSpPr>
+        <p:spPr bwMode="auto">
+          <a:xfrm>
+            <a:off x="3302000" y="7696200"/>
+            <a:ext cx="9067800" cy="685800"/>
+          </a:xfrm>
+          <a:prstGeom prst="rect">
+            <a:avLst/>
+          </a:prstGeom>
+          <a:solidFill>
+            <a:schemeClr val="bg1"/>
+          </a:solidFill>
+          <a:ln w="12700">
+            <a:noFill/>
+            <a:miter lim="800000"/>
+            <a:headEnd/>
+            <a:tailEnd/>
+          </a:ln>
+          <a:effectLst/>
+        </p:spPr>
+        <p:txBody>
+          <a:bodyPr vert="horz" wrap="square" lIns="50800" tIns="50800" rIns="50800" bIns="50800" numCol="1" anchor="ctr" anchorCtr="0" compatLnSpc="1">
+            <a:prstTxWarp prst="textNoShape">
+              <a:avLst/>
+            </a:prstTxWarp>
+          </a:bodyPr>
+          <a:lstStyle/>
+          <a:p>
+            <a:pPr lvl="0"/>
+            <a:r>
+              <a:rPr lang="en-US" sz="4400" b="1" kern="0" dirty="0" err="1" smtClean="0">
+                <a:solidFill>
+                  <a:srgbClr val="FF0000"/>
+                </a:solidFill>
+                <a:latin typeface="Candara" pitchFamily="34" charset="0"/>
+                <a:ea typeface="+mj-ea"/>
+                <a:cs typeface="+mj-cs"/>
+                <a:sym typeface="Wingdings"/>
+              </a:rPr>
+              <a:t>object.apply</a:t>
+            </a:r>
+            <a:r>
+              <a:rPr lang="en-US" sz="4400" b="1" kern="0" dirty="0" smtClean="0">
+                <a:solidFill>
+                  <a:srgbClr val="FF0000"/>
+                </a:solidFill>
+                <a:latin typeface="Candara" pitchFamily="34" charset="0"/>
+                <a:ea typeface="+mj-ea"/>
+                <a:cs typeface="+mj-cs"/>
+                <a:sym typeface="Wingdings"/>
+              </a:rPr>
+              <a:t>(object)  verb(object)</a:t>
+            </a:r>
+            <a:endParaRPr kumimoji="0" lang="en-US" sz="4400" b="1" i="0" u="none" strike="noStrike" kern="0" cap="none" spc="0" normalizeH="0" baseline="0" noProof="0" dirty="0">
+              <a:ln>
+                <a:noFill/>
+              </a:ln>
+              <a:solidFill>
+                <a:srgbClr val="E75145"/>
+              </a:solidFill>
+              <a:effectLst/>
+              <a:uLnTx/>
+              <a:uFillTx/>
+              <a:latin typeface="Candara" pitchFamily="34" charset="0"/>
+              <a:ea typeface="+mj-ea"/>
+              <a:cs typeface="+mj-cs"/>
+              <a:sym typeface="Arial" charset="0"/>
+            </a:endParaRPr>
+          </a:p>
+        </p:txBody>
+      </p:sp>
+    </p:spTree>
+  </p:cSld>
+  <p:clrMapOvr>
+    <a:masterClrMapping/>
+  </p:clrMapOvr>
+  <p:transition>
+    <p:fade/>
+  </p:transition>
+  <p:timing>
+    <p:tnLst>
+      <p:par>
+        <p:cTn id="1" dur="indefinite" restart="never" nodeType="tmRoot">
+          <p:childTnLst>
+            <p:seq concurrent="1" nextAc="seek">
+              <p:cTn id="2" dur="indefinite" nodeType="mainSeq">
+                <p:childTnLst>
+                  <p:par>
+                    <p:cTn id="3" fill="hold">
+                      <p:stCondLst>
+                        <p:cond delay="indefinite"/>
+                        <p:cond evt="onBegin" delay="0">
+                          <p:tn val="2"/>
+                        </p:cond>
+                      </p:stCondLst>
+                      <p:childTnLst>
+                        <p:par>
+                          <p:cTn id="4" fill="hold">
+                            <p:stCondLst>
+                              <p:cond delay="0"/>
+                            </p:stCondLst>
+                            <p:childTnLst>
+                              <p:par>
+                                <p:cTn id="5" presetID="1" presetClass="entr" presetSubtype="0" fill="hold" nodeType="withEffect">
+                                  <p:stCondLst>
+                                    <p:cond delay="0"/>
+                                  </p:stCondLst>
+                                  <p:childTnLst>
+                                    <p:set>
+                                      <p:cBhvr>
+                                        <p:cTn id="6" dur="1" fill="hold">
+                                          <p:stCondLst>
+                                            <p:cond delay="0"/>
+                                          </p:stCondLst>
+                                        </p:cTn>
+                                        <p:tgtEl>
+                                          <p:spTgt spid="8"/>
+                                        </p:tgtEl>
+                                        <p:attrNameLst>
+                                          <p:attrName>style.visibility</p:attrName>
+                                        </p:attrNameLst>
+                                      </p:cBhvr>
+                                      <p:to>
+                                        <p:strVal val="visible"/>
+                                      </p:to>
+                                    </p:set>
+                                  </p:childTnLst>
+                                </p:cTn>
+                              </p:par>
+                            </p:childTnLst>
+                          </p:cTn>
+                        </p:par>
+                      </p:childTnLst>
+                    </p:cTn>
+                  </p:par>
+                </p:childTnLst>
+              </p:cTn>
+              <p:prevCondLst>
+                <p:cond evt="onPrev" delay="0">
+                  <p:tgtEl>
+                    <p:sldTgt/>
+                  </p:tgtEl>
+                </p:cond>
+              </p:prevCondLst>
+              <p:nextCondLst>
+                <p:cond evt="onNext" delay="0">
+                  <p:tgtEl>
+                    <p:sldTgt/>
+                  </p:tgtEl>
+                </p:cond>
+              </p:nextCondLst>
+            </p:seq>
+          </p:childTnLst>
+        </p:cTn>
+      </p:par>
+    </p:tnLst>
+  </p:timing>
+</p:sld>
+</file>
+
+<file path=ppt/slides/slide61.xml><?xml version="1.0" encoding="utf-8"?>
 <p:sld xmlns:a="http://schemas.openxmlformats.org/drawingml/2006/main" xmlns:r="http://schemas.openxmlformats.org/officeDocument/2006/relationships" xmlns:p="http://schemas.openxmlformats.org/presentationml/2006/main">
   <p:cSld>
     <p:spTree>

--- a/src/main/resources/oscon_2010_specs.pptx
+++ b/src/main/resources/oscon_2010_specs.pptx
@@ -6,7 +6,7 @@
     <p:sldMasterId id="2147483651" r:id="rId2"/>
   </p:sldMasterIdLst>
   <p:notesMasterIdLst>
-    <p:notesMasterId r:id="rId80"/>
+    <p:notesMasterId r:id="rId79"/>
   </p:notesMasterIdLst>
   <p:sldIdLst>
     <p:sldId id="258" r:id="rId3"/>
@@ -82,10 +82,9 @@
     <p:sldId id="358" r:id="rId73"/>
     <p:sldId id="359" r:id="rId74"/>
     <p:sldId id="342" r:id="rId75"/>
-    <p:sldId id="343" r:id="rId76"/>
+    <p:sldId id="306" r:id="rId76"/>
     <p:sldId id="338" r:id="rId77"/>
-    <p:sldId id="306" r:id="rId78"/>
-    <p:sldId id="309" r:id="rId79"/>
+    <p:sldId id="309" r:id="rId78"/>
   </p:sldIdLst>
   <p:sldSz cx="13004800" cy="9753600"/>
   <p:notesSz cx="6858000" cy="9144000"/>
@@ -6916,90 +6915,6 @@
               <a:rPr lang="en-US"/>
               <a:pPr/>
               <a:t>76</a:t>
-            </a:fld>
-            <a:endParaRPr lang="en-US"/>
-          </a:p>
-        </p:txBody>
-      </p:sp>
-      <p:sp>
-        <p:nvSpPr>
-          <p:cNvPr id="19458" name="Rectangle 2"/>
-          <p:cNvSpPr>
-            <a:spLocks noGrp="1" noRot="1" noChangeAspect="1" noChangeArrowheads="1" noTextEdit="1"/>
-          </p:cNvSpPr>
-          <p:nvPr>
-            <p:ph type="sldImg"/>
-          </p:nvPr>
-        </p:nvSpPr>
-        <p:spPr>
-          <a:ln/>
-        </p:spPr>
-      </p:sp>
-      <p:sp>
-        <p:nvSpPr>
-          <p:cNvPr id="19459" name="Rectangle 3"/>
-          <p:cNvSpPr>
-            <a:spLocks noGrp="1"/>
-          </p:cNvSpPr>
-          <p:nvPr>
-            <p:ph type="body" idx="1"/>
-          </p:nvPr>
-        </p:nvSpPr>
-        <p:spPr/>
-        <p:txBody>
-          <a:bodyPr/>
-          <a:lstStyle/>
-          <a:p>
-            <a:endParaRPr lang="en-US"/>
-          </a:p>
-        </p:txBody>
-      </p:sp>
-    </p:spTree>
-  </p:cSld>
-  <p:clrMapOvr>
-    <a:masterClrMapping/>
-  </p:clrMapOvr>
-</p:notes>
-</file>
-
-<file path=ppt/notesSlides/notesSlide77.xml><?xml version="1.0" encoding="utf-8"?>
-<p:notes xmlns:a="http://schemas.openxmlformats.org/drawingml/2006/main" xmlns:r="http://schemas.openxmlformats.org/officeDocument/2006/relationships" xmlns:p="http://schemas.openxmlformats.org/presentationml/2006/main">
-  <p:cSld>
-    <p:spTree>
-      <p:nvGrpSpPr>
-        <p:cNvPr id="1" name=""/>
-        <p:cNvGrpSpPr/>
-        <p:nvPr/>
-      </p:nvGrpSpPr>
-      <p:grpSpPr>
-        <a:xfrm>
-          <a:off x="0" y="0"/>
-          <a:ext cx="0" cy="0"/>
-          <a:chOff x="0" y="0"/>
-          <a:chExt cx="0" cy="0"/>
-        </a:xfrm>
-      </p:grpSpPr>
-      <p:sp>
-        <p:nvSpPr>
-          <p:cNvPr id="7" name="Rectangle 7"/>
-          <p:cNvSpPr>
-            <a:spLocks noGrp="1"/>
-          </p:cNvSpPr>
-          <p:nvPr>
-            <p:ph type="sldNum" sz="quarter" idx="5"/>
-          </p:nvPr>
-        </p:nvSpPr>
-        <p:spPr>
-          <a:ln/>
-        </p:spPr>
-        <p:txBody>
-          <a:bodyPr/>
-          <a:lstStyle/>
-          <a:p>
-            <a:fld id="{27AEA7DA-096A-4FB7-B4B3-D12717EF4BDD}" type="slidenum">
-              <a:rPr lang="en-US"/>
-              <a:pPr/>
-              <a:t>77</a:t>
             </a:fld>
             <a:endParaRPr lang="en-US"/>
           </a:p>
@@ -14122,101 +14037,62 @@
                 </a:solidFill>
                 <a:latin typeface="Courier New"/>
               </a:rPr>
-              <a:t>"</a:t>
+              <a:t>"a reversed empty string"</a:t>
             </a:r>
             <a:r>
               <a:rPr lang="en-US" sz="4000" b="1" dirty="0" smtClean="0">
+                <a:latin typeface="Courier New"/>
+              </a:rPr>
+              <a:t> should {</a:t>
+            </a:r>
+          </a:p>
+          <a:p>
+            <a:r>
+              <a:rPr lang="en-US" sz="4000" b="1" dirty="0" smtClean="0">
+                <a:solidFill>
+                  <a:srgbClr val="7F0055"/>
+                </a:solidFill>
+                <a:latin typeface="Courier New"/>
+              </a:rPr>
+              <a:t>  val</a:t>
+            </a:r>
+            <a:r>
+              <a:rPr lang="en-US" sz="4000" b="1" dirty="0" smtClean="0">
+                <a:latin typeface="Courier New"/>
+              </a:rPr>
+              <a:t> reversed = reverse(</a:t>
+            </a:r>
+            <a:r>
+              <a:rPr lang="en-US" sz="4000" b="1" dirty="0" smtClean="0">
                 <a:solidFill>
                   <a:srgbClr val="2A00FF"/>
                 </a:solidFill>
                 <a:latin typeface="Courier New"/>
               </a:rPr>
-              <a:t>a reversed empty string"</a:t>
+              <a:t>""</a:t>
             </a:r>
             <a:r>
               <a:rPr lang="en-US" sz="4000" b="1" dirty="0" smtClean="0">
                 <a:latin typeface="Courier New"/>
               </a:rPr>
-              <a:t> should </a:t>
-            </a:r>
+              <a:t>)  </a:t>
+            </a:r>
+          </a:p>
+          <a:p>
             <a:r>
               <a:rPr lang="en-US" sz="4000" b="1" dirty="0" smtClean="0">
                 <a:latin typeface="Courier New"/>
               </a:rPr>
-              <a:t>{</a:t>
-            </a:r>
-            <a:endParaRPr lang="en-US" sz="4000" b="1" dirty="0" smtClean="0">
-              <a:latin typeface="Courier New"/>
-            </a:endParaRPr>
+              <a:t>  …</a:t>
+            </a:r>
           </a:p>
           <a:p>
             <a:r>
               <a:rPr lang="en-US" sz="4000" b="1" dirty="0" smtClean="0">
-                <a:solidFill>
-                  <a:srgbClr val="7F0055"/>
-                </a:solidFill>
-                <a:latin typeface="Courier New"/>
-              </a:rPr>
-              <a:t>  val</a:t>
-            </a:r>
-            <a:r>
-              <a:rPr lang="en-US" sz="4000" b="1" dirty="0" smtClean="0">
-                <a:latin typeface="Courier New"/>
-              </a:rPr>
-              <a:t> </a:t>
-            </a:r>
-            <a:r>
-              <a:rPr lang="en-US" sz="4000" b="1" dirty="0" smtClean="0">
-                <a:latin typeface="Courier New"/>
-              </a:rPr>
-              <a:t>reversed = reverse(</a:t>
-            </a:r>
-            <a:r>
-              <a:rPr lang="en-US" sz="4000" b="1" dirty="0" smtClean="0">
-                <a:solidFill>
-                  <a:srgbClr val="2A00FF"/>
-                </a:solidFill>
-                <a:latin typeface="Courier New"/>
-              </a:rPr>
-              <a:t>""</a:t>
-            </a:r>
-            <a:r>
-              <a:rPr lang="en-US" sz="4000" b="1" dirty="0" smtClean="0">
-                <a:latin typeface="Courier New"/>
-              </a:rPr>
-              <a:t>)  </a:t>
-            </a:r>
-            <a:endParaRPr lang="en-US" sz="4000" b="1" dirty="0" smtClean="0">
-              <a:latin typeface="Courier New"/>
-            </a:endParaRPr>
-          </a:p>
-          <a:p>
-            <a:r>
-              <a:rPr lang="en-US" sz="4000" b="1" dirty="0" smtClean="0">
-                <a:latin typeface="Courier New"/>
-              </a:rPr>
-              <a:t> </a:t>
-            </a:r>
-            <a:r>
-              <a:rPr lang="en-US" sz="4000" b="1" dirty="0" smtClean="0">
-                <a:latin typeface="Courier New"/>
-              </a:rPr>
-              <a:t> …</a:t>
-            </a:r>
-            <a:endParaRPr lang="en-US" sz="4000" b="1" dirty="0" smtClean="0">
-              <a:latin typeface="Courier New"/>
-            </a:endParaRPr>
-          </a:p>
-          <a:p>
-            <a:r>
-              <a:rPr lang="en-US" sz="4000" b="1" dirty="0" smtClean="0">
                 <a:latin typeface="Courier New"/>
               </a:rPr>
               <a:t>}</a:t>
             </a:r>
-            <a:endParaRPr lang="en-US" sz="4000" b="1" dirty="0" smtClean="0">
-              <a:latin typeface="Courier New"/>
-            </a:endParaRPr>
           </a:p>
           <a:p>
             <a:endParaRPr lang="en-US" sz="4000" b="1" dirty="0" smtClean="0">
@@ -14234,125 +14110,80 @@
                 </a:solidFill>
                 <a:latin typeface="Courier New"/>
               </a:rPr>
+              <a:t>"a reversed non-empty string"</a:t>
+            </a:r>
+            <a:r>
+              <a:rPr lang="en-US" sz="4000" b="1" dirty="0" smtClean="0">
+                <a:latin typeface="Courier New"/>
+              </a:rPr>
+              <a:t> should {</a:t>
+            </a:r>
+          </a:p>
+          <a:p>
+            <a:r>
+              <a:rPr lang="en-US" sz="4000" b="1" dirty="0" smtClean="0">
+                <a:solidFill>
+                  <a:srgbClr val="7F0055"/>
+                </a:solidFill>
+                <a:latin typeface="Courier New"/>
+              </a:rPr>
+              <a:t>  val</a:t>
+            </a:r>
+            <a:r>
+              <a:rPr lang="en-US" sz="4000" b="1" dirty="0" smtClean="0">
+                <a:latin typeface="Courier New"/>
+              </a:rPr>
+              <a:t> reversed = reverse(</a:t>
+            </a:r>
+            <a:r>
+              <a:rPr lang="en-US" sz="4000" b="1" dirty="0" smtClean="0">
+                <a:solidFill>
+                  <a:srgbClr val="2A00FF"/>
+                </a:solidFill>
+                <a:latin typeface="Courier New"/>
+              </a:rPr>
               <a:t>"</a:t>
             </a:r>
             <a:r>
+              <a:rPr lang="en-US" sz="4000" b="1" dirty="0" err="1" smtClean="0">
+                <a:solidFill>
+                  <a:srgbClr val="2A00FF"/>
+                </a:solidFill>
+                <a:latin typeface="Courier New"/>
+              </a:rPr>
+              <a:t>abc</a:t>
+            </a:r>
+            <a:r>
               <a:rPr lang="en-US" sz="4000" b="1" dirty="0" smtClean="0">
                 <a:solidFill>
                   <a:srgbClr val="2A00FF"/>
                 </a:solidFill>
                 <a:latin typeface="Courier New"/>
               </a:rPr>
-              <a:t>a reversed non-empty </a:t>
+              <a:t>"</a:t>
             </a:r>
             <a:r>
               <a:rPr lang="en-US" sz="4000" b="1" dirty="0" smtClean="0">
-                <a:solidFill>
-                  <a:srgbClr val="2A00FF"/>
-                </a:solidFill>
-                <a:latin typeface="Courier New"/>
-              </a:rPr>
-              <a:t>string"</a:t>
-            </a:r>
+                <a:latin typeface="Courier New"/>
+              </a:rPr>
+              <a:t>)  </a:t>
+            </a:r>
+          </a:p>
+          <a:p>
             <a:r>
               <a:rPr lang="en-US" sz="4000" b="1" dirty="0" smtClean="0">
                 <a:latin typeface="Courier New"/>
               </a:rPr>
-              <a:t> should </a:t>
-            </a:r>
+              <a:t>  …</a:t>
+            </a:r>
+          </a:p>
+          <a:p>
             <a:r>
               <a:rPr lang="en-US" sz="4000" b="1" dirty="0" smtClean="0">
                 <a:latin typeface="Courier New"/>
               </a:rPr>
-              <a:t>{</a:t>
-            </a:r>
-          </a:p>
-          <a:p>
-            <a:r>
-              <a:rPr lang="en-US" sz="4000" b="1" dirty="0" smtClean="0">
-                <a:solidFill>
-                  <a:srgbClr val="7F0055"/>
-                </a:solidFill>
-                <a:latin typeface="Courier New"/>
-              </a:rPr>
-              <a:t>  val</a:t>
-            </a:r>
-            <a:r>
-              <a:rPr lang="en-US" sz="4000" b="1" dirty="0" smtClean="0">
-                <a:latin typeface="Courier New"/>
-              </a:rPr>
-              <a:t> </a:t>
-            </a:r>
-            <a:r>
-              <a:rPr lang="en-US" sz="4000" b="1" dirty="0" smtClean="0">
-                <a:latin typeface="Courier New"/>
-              </a:rPr>
-              <a:t>reversed = reverse(</a:t>
-            </a:r>
-            <a:r>
-              <a:rPr lang="en-US" sz="4000" b="1" dirty="0" smtClean="0">
-                <a:solidFill>
-                  <a:srgbClr val="2A00FF"/>
-                </a:solidFill>
-                <a:latin typeface="Courier New"/>
-              </a:rPr>
-              <a:t>"</a:t>
-            </a:r>
-            <a:r>
-              <a:rPr lang="en-US" sz="4000" b="1" dirty="0" err="1" smtClean="0">
-                <a:solidFill>
-                  <a:srgbClr val="2A00FF"/>
-                </a:solidFill>
-                <a:latin typeface="Courier New"/>
-              </a:rPr>
-              <a:t>abc</a:t>
-            </a:r>
-            <a:r>
-              <a:rPr lang="en-US" sz="4000" b="1" dirty="0" smtClean="0">
-                <a:solidFill>
-                  <a:srgbClr val="2A00FF"/>
-                </a:solidFill>
-                <a:latin typeface="Courier New"/>
-              </a:rPr>
-              <a:t>"</a:t>
-            </a:r>
-            <a:r>
-              <a:rPr lang="en-US" sz="4000" b="1" dirty="0" smtClean="0">
-                <a:latin typeface="Courier New"/>
-              </a:rPr>
-              <a:t>)  </a:t>
-            </a:r>
-            <a:endParaRPr lang="en-US" sz="4000" b="1" dirty="0" smtClean="0">
-              <a:latin typeface="Courier New"/>
-            </a:endParaRPr>
-          </a:p>
-          <a:p>
-            <a:r>
-              <a:rPr lang="en-US" sz="4000" b="1" dirty="0" smtClean="0">
-                <a:latin typeface="Courier New"/>
-              </a:rPr>
-              <a:t> </a:t>
-            </a:r>
-            <a:r>
-              <a:rPr lang="en-US" sz="4000" b="1" dirty="0" smtClean="0">
-                <a:latin typeface="Courier New"/>
-              </a:rPr>
-              <a:t> …</a:t>
-            </a:r>
-            <a:endParaRPr lang="en-US" sz="4000" b="1" dirty="0" smtClean="0">
-              <a:latin typeface="Courier New"/>
-            </a:endParaRPr>
-          </a:p>
-          <a:p>
-            <a:r>
-              <a:rPr lang="en-US" sz="4000" b="1" dirty="0" smtClean="0">
-                <a:latin typeface="Courier New"/>
-              </a:rPr>
               <a:t>}</a:t>
             </a:r>
-            <a:endParaRPr lang="en-US" sz="4000" b="1" dirty="0" smtClean="0">
-              <a:latin typeface="Courier New"/>
-            </a:endParaRPr>
           </a:p>
           <a:p>
             <a:endParaRPr lang="en-US" sz="4000" b="1" dirty="0"/>
@@ -15143,28 +14974,13 @@
               </a:rPr>
               <a:t> hello(s: String)= </a:t>
             </a:r>
-            <a:endParaRPr lang="en-US" sz="3600" b="1" dirty="0" smtClean="0">
-              <a:latin typeface="Courier New"/>
-            </a:endParaRPr>
           </a:p>
           <a:p>
             <a:r>
               <a:rPr lang="en-US" sz="3600" b="1" dirty="0" smtClean="0">
                 <a:latin typeface="Courier New"/>
               </a:rPr>
-              <a:t>          </a:t>
-            </a:r>
-            <a:r>
-              <a:rPr lang="en-US" sz="3600" b="1" dirty="0" smtClean="0">
-                <a:latin typeface="Courier New"/>
-              </a:rPr>
-              <a:t>&lt;</a:t>
-            </a:r>
-            <a:r>
-              <a:rPr lang="en-US" sz="3600" b="1" dirty="0" smtClean="0">
-                <a:latin typeface="Courier New"/>
-              </a:rPr>
-              <a:t>div </a:t>
+              <a:t>          &lt;div </a:t>
             </a:r>
             <a:r>
               <a:rPr lang="en-US" sz="3600" b="1" dirty="0" smtClean="0">
@@ -15511,34 +15327,22 @@
               <a:rPr lang="en-US" sz="4800" b="1" dirty="0" smtClean="0">
                 <a:latin typeface="Courier New"/>
               </a:rPr>
-              <a:t>  hello</a:t>
+              <a:t>  hello(</a:t>
             </a:r>
             <a:r>
               <a:rPr lang="en-US" sz="4800" b="1" dirty="0" smtClean="0">
-                <a:latin typeface="Courier New"/>
-              </a:rPr>
-              <a:t>(</a:t>
+                <a:solidFill>
+                  <a:srgbClr val="2A00FF"/>
+                </a:solidFill>
+                <a:latin typeface="Courier New"/>
+              </a:rPr>
+              <a:t>"Eric"</a:t>
             </a:r>
             <a:r>
               <a:rPr lang="en-US" sz="4800" b="1" dirty="0" smtClean="0">
-                <a:solidFill>
-                  <a:srgbClr val="2A00FF"/>
-                </a:solidFill>
-                <a:latin typeface="Courier New"/>
-              </a:rPr>
-              <a:t>"Eric"</a:t>
-            </a:r>
-            <a:r>
-              <a:rPr lang="en-US" sz="4800" b="1" dirty="0" smtClean="0">
-                <a:latin typeface="Courier New"/>
-              </a:rPr>
-              <a:t>) must \\(&lt;div</a:t>
-            </a:r>
-            <a:r>
-              <a:rPr lang="en-US" sz="4800" b="1" dirty="0" smtClean="0">
-                <a:latin typeface="Courier New"/>
-              </a:rPr>
-              <a:t>/&gt;)</a:t>
+                <a:latin typeface="Courier New"/>
+              </a:rPr>
+              <a:t>) must \\(&lt;div/&gt;)</a:t>
             </a:r>
           </a:p>
           <a:p>
@@ -16506,7 +16310,7 @@
                 <a:buNone/>
                 <a:tabLst/>
               </a:pPr>
-              <a:t>Sunday, July 04, 2010</a:t>
+              <a:t>Tuesday, July 13, 2010</a:t>
             </a:fld>
             <a:endParaRPr kumimoji="0" lang="en-US" sz="4000" b="0" i="0" u="none" strike="noStrike" cap="none" normalizeH="0" baseline="0" dirty="0" smtClean="0">
               <a:ln>
@@ -17041,25 +16845,7 @@
                 </a:solidFill>
                 <a:latin typeface="Courier New"/>
               </a:rPr>
-              <a:t>  "</a:t>
-            </a:r>
-            <a:r>
-              <a:rPr lang="en-US" sz="3600" b="1" dirty="0" smtClean="0">
-                <a:solidFill>
-                  <a:srgbClr val="2A00FF"/>
-                </a:solidFill>
-                <a:latin typeface="Courier New"/>
-              </a:rPr>
-              <a:t>reverse applied twice must return </a:t>
-            </a:r>
-            <a:r>
-              <a:rPr lang="en-US" sz="3600" b="1" dirty="0" smtClean="0">
-                <a:solidFill>
-                  <a:srgbClr val="2A00FF"/>
-                </a:solidFill>
-                <a:latin typeface="Courier New"/>
-              </a:rPr>
-              <a:t>" </a:t>
+              <a:t>  "reverse applied twice must return " </a:t>
             </a:r>
             <a:r>
               <a:rPr lang="en-US" sz="3600" b="1" dirty="0" smtClean="0">
@@ -17082,53 +16868,26 @@
                 </a:solidFill>
                 <a:latin typeface="Courier New"/>
               </a:rPr>
-              <a:t>  "</a:t>
+              <a:t>  "the same string"</a:t>
             </a:r>
             <a:r>
               <a:rPr lang="en-US" sz="3600" b="1" dirty="0" smtClean="0">
-                <a:solidFill>
-                  <a:srgbClr val="2A00FF"/>
-                </a:solidFill>
-                <a:latin typeface="Courier New"/>
-              </a:rPr>
-              <a:t>the </a:t>
-            </a:r>
-            <a:r>
-              <a:rPr lang="en-US" sz="3600" b="1" dirty="0" smtClean="0">
-                <a:solidFill>
-                  <a:srgbClr val="2A00FF"/>
-                </a:solidFill>
-                <a:latin typeface="Courier New"/>
-              </a:rPr>
-              <a:t>same string"</a:t>
-            </a:r>
-            <a:r>
-              <a:rPr lang="en-US" sz="3600" b="1" dirty="0" smtClean="0">
                 <a:latin typeface="Courier New"/>
               </a:rPr>
               <a:t> verifies {   </a:t>
             </a:r>
+          </a:p>
+          <a:p>
             <a:endParaRPr lang="en-US" sz="3600" b="1" dirty="0" smtClean="0">
               <a:latin typeface="Courier New"/>
             </a:endParaRPr>
           </a:p>
           <a:p>
-            <a:endParaRPr lang="en-US" sz="3600" b="1" dirty="0" smtClean="0">
-              <a:latin typeface="Courier New"/>
-            </a:endParaRPr>
-          </a:p>
-          <a:p>
             <a:r>
               <a:rPr lang="en-US" sz="3600" b="1" dirty="0" smtClean="0">
                 <a:latin typeface="Courier New"/>
               </a:rPr>
-              <a:t>    s</a:t>
-            </a:r>
-            <a:r>
-              <a:rPr lang="en-US" sz="3600" b="1" dirty="0" smtClean="0">
-                <a:latin typeface="Courier New"/>
-              </a:rPr>
-              <a:t>: String =&gt; reverse(reverse(s)) == s </a:t>
+              <a:t>    s: String =&gt; reverse(reverse(s)) == s </a:t>
             </a:r>
           </a:p>
           <a:p>
@@ -17902,41 +17661,26 @@
                 </a:solidFill>
                 <a:latin typeface="Courier New"/>
               </a:rPr>
-              <a:t> * A simple </a:t>
+              <a:t> * A simple Observable</a:t>
             </a:r>
             <a:r>
               <a:rPr lang="en-US" sz="3200" dirty="0" smtClean="0">
                 <a:solidFill>
+                  <a:srgbClr val="7F7F9F"/>
+                </a:solidFill>
+                <a:latin typeface="Courier New"/>
+              </a:rPr>
+              <a:t>-</a:t>
+            </a:r>
+            <a:r>
+              <a:rPr lang="en-US" sz="3200" dirty="0" smtClean="0">
+                <a:solidFill>
                   <a:srgbClr val="3F5FBF"/>
                 </a:solidFill>
                 <a:latin typeface="Courier New"/>
               </a:rPr>
-              <a:t>Observable</a:t>
-            </a:r>
-            <a:r>
-              <a:rPr lang="en-US" sz="3200" dirty="0" smtClean="0">
-                <a:solidFill>
-                  <a:srgbClr val="7F7F9F"/>
-                </a:solidFill>
-                <a:latin typeface="Courier New"/>
-              </a:rPr>
-              <a:t>-</a:t>
-            </a:r>
-            <a:r>
-              <a:rPr lang="en-US" sz="3200" dirty="0" smtClean="0">
-                <a:solidFill>
-                  <a:srgbClr val="3F5FBF"/>
-                </a:solidFill>
-                <a:latin typeface="Courier New"/>
-              </a:rPr>
               <a:t>Observer implementation</a:t>
             </a:r>
-            <a:endParaRPr lang="en-US" sz="3200" dirty="0" smtClean="0">
-              <a:solidFill>
-                <a:srgbClr val="3F5FBF"/>
-              </a:solidFill>
-              <a:latin typeface="Courier New"/>
-            </a:endParaRPr>
           </a:p>
           <a:p>
             <a:r>
@@ -18037,43 +17781,22 @@
               </a:rPr>
               <a:t> add(o: Observer) = </a:t>
             </a:r>
+          </a:p>
+          <a:p>
+            <a:r>
+              <a:rPr lang="pt-BR" sz="3200" b="1" dirty="0" smtClean="0">
+                <a:latin typeface="Courier New"/>
+              </a:rPr>
+              <a:t>            observers = o :: observers</a:t>
+            </a:r>
+          </a:p>
+          <a:p>
             <a:endParaRPr lang="pt-BR" sz="3200" b="1" dirty="0" smtClean="0">
               <a:latin typeface="Courier New"/>
             </a:endParaRPr>
           </a:p>
           <a:p>
             <a:r>
-              <a:rPr lang="pt-BR" sz="3200" b="1" dirty="0" smtClean="0">
-                <a:latin typeface="Courier New"/>
-              </a:rPr>
-              <a:t> </a:t>
-            </a:r>
-            <a:r>
-              <a:rPr lang="pt-BR" sz="3200" b="1" dirty="0" smtClean="0">
-                <a:latin typeface="Courier New"/>
-              </a:rPr>
-              <a:t>           </a:t>
-            </a:r>
-            <a:r>
-              <a:rPr lang="pt-BR" sz="3200" b="1" dirty="0" smtClean="0">
-                <a:latin typeface="Courier New"/>
-              </a:rPr>
-              <a:t>observers </a:t>
-            </a:r>
-            <a:r>
-              <a:rPr lang="pt-BR" sz="3200" b="1" dirty="0" smtClean="0">
-                <a:latin typeface="Courier New"/>
-              </a:rPr>
-              <a:t>= o :: observers</a:t>
-            </a:r>
-          </a:p>
-          <a:p>
-            <a:endParaRPr lang="pt-BR" sz="3200" b="1" dirty="0" smtClean="0">
-              <a:latin typeface="Courier New"/>
-            </a:endParaRPr>
-          </a:p>
-          <a:p>
-            <a:r>
               <a:rPr lang="en-US" sz="3200" b="1" dirty="0" smtClean="0">
                 <a:latin typeface="Courier New"/>
               </a:rPr>
@@ -18094,28 +17817,13 @@
               </a:rPr>
               <a:t> changed(event: String) = </a:t>
             </a:r>
-            <a:endParaRPr lang="en-US" sz="3200" b="1" dirty="0" smtClean="0">
-              <a:latin typeface="Courier New"/>
-            </a:endParaRPr>
           </a:p>
           <a:p>
             <a:r>
               <a:rPr lang="en-US" sz="3200" b="1" dirty="0" smtClean="0">
                 <a:latin typeface="Courier New"/>
               </a:rPr>
-              <a:t> </a:t>
-            </a:r>
-            <a:r>
-              <a:rPr lang="en-US" sz="3200" b="1" dirty="0" smtClean="0">
-                <a:latin typeface="Courier New"/>
-              </a:rPr>
-              <a:t>    </a:t>
-            </a:r>
-            <a:r>
-              <a:rPr lang="en-US" sz="3200" b="1" dirty="0" smtClean="0">
-                <a:latin typeface="Courier New"/>
-              </a:rPr>
-              <a:t>observers </a:t>
+              <a:t>     observers </a:t>
             </a:r>
             <a:r>
               <a:rPr lang="en-US" sz="3200" b="1" dirty="0" err="1" smtClean="0">
@@ -18452,13 +18160,13 @@
           </a:p>
           <a:p>
             <a:r>
-              <a:rPr lang="en-US" sz="2800" dirty="0" smtClean="0">
+              <a:rPr lang="en-US" sz="2800" b="1" dirty="0" smtClean="0">
                 <a:latin typeface="Courier New"/>
               </a:rPr>
               <a:t>  </a:t>
             </a:r>
             <a:r>
-              <a:rPr lang="en-US" sz="2800" dirty="0" smtClean="0">
+              <a:rPr lang="en-US" sz="2800" b="1" dirty="0" smtClean="0">
                 <a:solidFill>
                   <a:srgbClr val="2A00FF"/>
                 </a:solidFill>
@@ -18467,7 +18175,7 @@
               <a:t>"An observable notifies its observers if changed"</a:t>
             </a:r>
             <a:r>
-              <a:rPr lang="en-US" sz="2800" dirty="0" smtClean="0">
+              <a:rPr lang="en-US" sz="2800" b="1" dirty="0" smtClean="0">
                 <a:latin typeface="Courier New"/>
               </a:rPr>
               <a:t> &gt;&gt; {</a:t>
@@ -18475,25 +18183,25 @@
           </a:p>
           <a:p>
             <a:r>
-              <a:rPr lang="en-US" sz="2800" dirty="0" smtClean="0">
+              <a:rPr lang="en-US" sz="2800" b="1" dirty="0" smtClean="0">
                 <a:latin typeface="Courier New"/>
               </a:rPr>
               <a:t>    </a:t>
             </a:r>
             <a:r>
-              <a:rPr lang="en-US" sz="2800" dirty="0" err="1" smtClean="0">
+              <a:rPr lang="en-US" sz="2800" b="1" dirty="0" err="1" smtClean="0">
                 <a:latin typeface="Courier New"/>
               </a:rPr>
               <a:t>observable.changed</a:t>
             </a:r>
             <a:r>
-              <a:rPr lang="en-US" sz="2800" dirty="0" smtClean="0">
+              <a:rPr lang="en-US" sz="2800" b="1" dirty="0" smtClean="0">
                 <a:latin typeface="Courier New"/>
               </a:rPr>
               <a:t>(</a:t>
             </a:r>
             <a:r>
-              <a:rPr lang="en-US" sz="2800" dirty="0" smtClean="0">
+              <a:rPr lang="en-US" sz="2800" b="1" dirty="0" smtClean="0">
                 <a:solidFill>
                   <a:srgbClr val="2A00FF"/>
                 </a:solidFill>
@@ -18502,7 +18210,7 @@
               <a:t>"event"</a:t>
             </a:r>
             <a:r>
-              <a:rPr lang="en-US" sz="2800" dirty="0" smtClean="0">
+              <a:rPr lang="en-US" sz="2800" b="1" dirty="0" smtClean="0">
                 <a:latin typeface="Courier New"/>
               </a:rPr>
               <a:t>)</a:t>
@@ -18510,16 +18218,76 @@
           </a:p>
           <a:p>
             <a:r>
-              <a:rPr lang="en-US" sz="2800" dirty="0" smtClean="0">
+              <a:rPr lang="en-US" sz="2800" b="1" dirty="0" smtClean="0">
+                <a:latin typeface="Courier New"/>
+              </a:rPr>
+              <a:t>    there was one(observer).notify(</a:t>
+            </a:r>
+            <a:r>
+              <a:rPr lang="en-US" sz="2800" b="1" dirty="0" smtClean="0">
+                <a:solidFill>
+                  <a:srgbClr val="2A00FF"/>
+                </a:solidFill>
+                <a:latin typeface="Courier New"/>
+              </a:rPr>
+              <a:t>"event"</a:t>
+            </a:r>
+            <a:r>
+              <a:rPr lang="en-US" sz="2800" b="1" dirty="0" smtClean="0">
+                <a:latin typeface="Courier New"/>
+              </a:rPr>
+              <a:t>)</a:t>
+            </a:r>
+          </a:p>
+          <a:p>
+            <a:r>
+              <a:rPr lang="en-US" sz="2800" b="1" dirty="0" smtClean="0">
+                <a:latin typeface="Courier New"/>
+              </a:rPr>
+              <a:t>  }</a:t>
+            </a:r>
+          </a:p>
+          <a:p>
+            <a:r>
+              <a:rPr lang="en-US" sz="2800" b="1" dirty="0" smtClean="0">
+                <a:latin typeface="Courier New"/>
+              </a:rPr>
+              <a:t>  </a:t>
+            </a:r>
+            <a:r>
+              <a:rPr lang="en-US" sz="2800" b="1" dirty="0" smtClean="0">
+                <a:solidFill>
+                  <a:srgbClr val="2A00FF"/>
+                </a:solidFill>
+                <a:latin typeface="Courier New"/>
+              </a:rPr>
+              <a:t>"Each change event is notified" </a:t>
+            </a:r>
+            <a:r>
+              <a:rPr lang="en-US" sz="2800" b="1" dirty="0" smtClean="0">
+                <a:latin typeface="Courier New"/>
+              </a:rPr>
+              <a:t>&gt;&gt; {</a:t>
+            </a:r>
+          </a:p>
+          <a:p>
+            <a:r>
+              <a:rPr lang="en-US" sz="2800" b="1" dirty="0" smtClean="0">
                 <a:latin typeface="Courier New"/>
               </a:rPr>
               <a:t>    </a:t>
             </a:r>
             <a:r>
+              <a:rPr lang="en-US" sz="2800" b="1" dirty="0" err="1" smtClean="0">
+                <a:latin typeface="Courier New"/>
+              </a:rPr>
+              <a:t>observable.changed</a:t>
+            </a:r>
+            <a:r>
               <a:rPr lang="en-US" sz="2800" b="1" dirty="0" smtClean="0">
                 <a:latin typeface="Courier New"/>
               </a:rPr>
-              <a:t>there was one(observer).notify(</a:t>
+              <a:t>(</a:t>
             </a:r>
             <a:r>
               <a:rPr lang="en-US" sz="2800" b="1" dirty="0" smtClean="0">
@@ -18528,18 +18296,88 @@
                 </a:solidFill>
                 <a:latin typeface="Courier New"/>
               </a:rPr>
+              <a:t>"event1"</a:t>
+            </a:r>
+            <a:r>
+              <a:rPr lang="en-US" sz="2800" b="1" dirty="0" smtClean="0">
+                <a:latin typeface="Courier New"/>
+              </a:rPr>
+              <a:t>)</a:t>
+            </a:r>
+          </a:p>
+          <a:p>
+            <a:r>
+              <a:rPr lang="en-US" sz="2800" b="1" dirty="0" smtClean="0">
+                <a:latin typeface="Courier New"/>
+              </a:rPr>
+              <a:t>    </a:t>
+            </a:r>
+            <a:r>
+              <a:rPr lang="en-US" sz="2800" b="1" dirty="0" err="1" smtClean="0">
+                <a:latin typeface="Courier New"/>
+              </a:rPr>
+              <a:t>observable.changed</a:t>
+            </a:r>
+            <a:r>
+              <a:rPr lang="en-US" sz="2800" b="1" dirty="0" smtClean="0">
+                <a:latin typeface="Courier New"/>
+              </a:rPr>
+              <a:t>(</a:t>
+            </a:r>
+            <a:r>
+              <a:rPr lang="en-US" sz="2800" b="1" dirty="0" smtClean="0">
+                <a:solidFill>
+                  <a:srgbClr val="2A00FF"/>
+                </a:solidFill>
+                <a:latin typeface="Courier New"/>
+              </a:rPr>
+              <a:t>"event2"</a:t>
+            </a:r>
+            <a:r>
+              <a:rPr lang="en-US" sz="2800" b="1" dirty="0" smtClean="0">
+                <a:latin typeface="Courier New"/>
+              </a:rPr>
+              <a:t>)</a:t>
+            </a:r>
+          </a:p>
+          <a:p>
+            <a:r>
+              <a:rPr lang="en-US" sz="2800" b="1" dirty="0" smtClean="0">
+                <a:latin typeface="Courier New"/>
+              </a:rPr>
+              <a:t>    there was two(observer).notify(</a:t>
+            </a:r>
+            <a:r>
+              <a:rPr lang="en-US" sz="2800" b="1" dirty="0" err="1" smtClean="0">
+                <a:latin typeface="Courier New"/>
+              </a:rPr>
+              <a:t>startWith</a:t>
+            </a:r>
+            <a:r>
+              <a:rPr lang="en-US" sz="2800" b="1" dirty="0" smtClean="0">
+                <a:latin typeface="Courier New"/>
+              </a:rPr>
+              <a:t>(</a:t>
+            </a:r>
+            <a:r>
+              <a:rPr lang="en-US" sz="2800" b="1" dirty="0" smtClean="0">
+                <a:solidFill>
+                  <a:srgbClr val="2A00FF"/>
+                </a:solidFill>
+                <a:latin typeface="Courier New"/>
+              </a:rPr>
               <a:t>"event"</a:t>
             </a:r>
             <a:r>
               <a:rPr lang="en-US" sz="2800" b="1" dirty="0" smtClean="0">
                 <a:latin typeface="Courier New"/>
               </a:rPr>
-              <a:t>)</a:t>
-            </a:r>
-          </a:p>
-          <a:p>
-            <a:r>
-              <a:rPr lang="en-US" sz="2800" dirty="0" smtClean="0">
+              <a:t>))</a:t>
+            </a:r>
+          </a:p>
+          <a:p>
+            <a:r>
+              <a:rPr lang="en-US" sz="2800" b="1" dirty="0" smtClean="0">
                 <a:latin typeface="Courier New"/>
               </a:rPr>
               <a:t>  }</a:t>
@@ -18547,148 +18385,12 @@
           </a:p>
           <a:p>
             <a:r>
-              <a:rPr lang="en-US" sz="2800" dirty="0" smtClean="0">
-                <a:latin typeface="Courier New"/>
-              </a:rPr>
-              <a:t>  </a:t>
-            </a:r>
-            <a:r>
-              <a:rPr lang="en-US" sz="2800" dirty="0" smtClean="0">
-                <a:solidFill>
-                  <a:srgbClr val="2A00FF"/>
-                </a:solidFill>
-                <a:latin typeface="Courier New"/>
-              </a:rPr>
-              <a:t>"Each change event is notified" </a:t>
-            </a:r>
-            <a:r>
-              <a:rPr lang="en-US" sz="2800" dirty="0" smtClean="0">
-                <a:latin typeface="Courier New"/>
-              </a:rPr>
-              <a:t>&gt;&gt; {</a:t>
-            </a:r>
-          </a:p>
-          <a:p>
-            <a:r>
-              <a:rPr lang="en-US" sz="2800" dirty="0" smtClean="0">
-                <a:latin typeface="Courier New"/>
-              </a:rPr>
-              <a:t>    </a:t>
-            </a:r>
-            <a:r>
-              <a:rPr lang="en-US" sz="2800" dirty="0" err="1" smtClean="0">
-                <a:latin typeface="Courier New"/>
-              </a:rPr>
-              <a:t>observable.changed</a:t>
-            </a:r>
-            <a:r>
-              <a:rPr lang="en-US" sz="2800" dirty="0" smtClean="0">
-                <a:latin typeface="Courier New"/>
-              </a:rPr>
-              <a:t>(</a:t>
-            </a:r>
-            <a:r>
-              <a:rPr lang="en-US" sz="2800" dirty="0" smtClean="0">
-                <a:solidFill>
-                  <a:srgbClr val="2A00FF"/>
-                </a:solidFill>
-                <a:latin typeface="Courier New"/>
-              </a:rPr>
-              <a:t>"event1"</a:t>
-            </a:r>
-            <a:r>
-              <a:rPr lang="en-US" sz="2800" dirty="0" smtClean="0">
-                <a:latin typeface="Courier New"/>
-              </a:rPr>
-              <a:t>)</a:t>
-            </a:r>
-          </a:p>
-          <a:p>
-            <a:r>
-              <a:rPr lang="en-US" sz="2800" dirty="0" smtClean="0">
-                <a:latin typeface="Courier New"/>
-              </a:rPr>
-              <a:t>    </a:t>
-            </a:r>
-            <a:r>
-              <a:rPr lang="en-US" sz="2800" dirty="0" err="1" smtClean="0">
-                <a:latin typeface="Courier New"/>
-              </a:rPr>
-              <a:t>observable.changed</a:t>
-            </a:r>
-            <a:r>
-              <a:rPr lang="en-US" sz="2800" dirty="0" smtClean="0">
-                <a:latin typeface="Courier New"/>
-              </a:rPr>
-              <a:t>(</a:t>
-            </a:r>
-            <a:r>
-              <a:rPr lang="en-US" sz="2800" dirty="0" smtClean="0">
-                <a:solidFill>
-                  <a:srgbClr val="2A00FF"/>
-                </a:solidFill>
-                <a:latin typeface="Courier New"/>
-              </a:rPr>
-              <a:t>"event2"</a:t>
-            </a:r>
-            <a:r>
-              <a:rPr lang="en-US" sz="2800" dirty="0" smtClean="0">
-                <a:latin typeface="Courier New"/>
-              </a:rPr>
-              <a:t>)</a:t>
-            </a:r>
-          </a:p>
-          <a:p>
-            <a:r>
-              <a:rPr lang="en-US" sz="2800" dirty="0" smtClean="0">
-                <a:latin typeface="Courier New"/>
-              </a:rPr>
-              <a:t>    there was two(observer).notify(</a:t>
-            </a:r>
-            <a:r>
-              <a:rPr lang="en-US" sz="2800" dirty="0" err="1" smtClean="0">
-                <a:latin typeface="Courier New"/>
-              </a:rPr>
-              <a:t>startWith</a:t>
-            </a:r>
-            <a:r>
-              <a:rPr lang="en-US" sz="2800" dirty="0" smtClean="0">
-                <a:latin typeface="Courier New"/>
-              </a:rPr>
-              <a:t>(</a:t>
-            </a:r>
-            <a:r>
-              <a:rPr lang="en-US" sz="2800" dirty="0" smtClean="0">
-                <a:solidFill>
-                  <a:srgbClr val="2A00FF"/>
-                </a:solidFill>
-                <a:latin typeface="Courier New"/>
-              </a:rPr>
-              <a:t>"event"</a:t>
-            </a:r>
-            <a:r>
-              <a:rPr lang="en-US" sz="2800" dirty="0" smtClean="0">
-                <a:latin typeface="Courier New"/>
-              </a:rPr>
-              <a:t>))</a:t>
-            </a:r>
-          </a:p>
-          <a:p>
-            <a:r>
-              <a:rPr lang="en-US" sz="2800" dirty="0" smtClean="0">
-                <a:latin typeface="Courier New"/>
-              </a:rPr>
-              <a:t>  }</a:t>
-            </a:r>
-          </a:p>
-          <a:p>
-            <a:r>
-              <a:rPr lang="en-US" sz="2800" dirty="0" smtClean="0">
+              <a:rPr lang="en-US" sz="2800" b="1" dirty="0" smtClean="0">
                 <a:latin typeface="Courier New"/>
               </a:rPr>
               <a:t>}</a:t>
             </a:r>
-            <a:endParaRPr lang="en-US" sz="2800" dirty="0"/>
+            <a:endParaRPr lang="en-US" sz="2800" b="1" dirty="0"/>
           </a:p>
         </p:txBody>
       </p:sp>
@@ -18851,25 +18553,7 @@
                 </a:solidFill>
                 <a:latin typeface="Courier New"/>
               </a:rPr>
-              <a:t>"</a:t>
-            </a:r>
-            <a:r>
-              <a:rPr lang="en-US" sz="3600" b="1" dirty="0" smtClean="0">
-                <a:solidFill>
-                  <a:srgbClr val="2A00FF"/>
-                </a:solidFill>
-                <a:latin typeface="Courier New"/>
-              </a:rPr>
-              <a:t>An observable notifies its observers if </a:t>
-            </a:r>
-            <a:r>
-              <a:rPr lang="en-US" sz="3600" b="1" dirty="0" smtClean="0">
-                <a:solidFill>
-                  <a:srgbClr val="2A00FF"/>
-                </a:solidFill>
-                <a:latin typeface="Courier New"/>
-              </a:rPr>
-              <a:t>" </a:t>
+              <a:t>"An observable notifies its observers if " </a:t>
             </a:r>
             <a:r>
               <a:rPr lang="en-US" sz="3600" b="1" dirty="0" smtClean="0">
@@ -18892,60 +18576,42 @@
                 </a:solidFill>
                 <a:latin typeface="Courier New"/>
               </a:rPr>
-              <a:t>"changed</a:t>
+              <a:t>"changed"</a:t>
             </a:r>
             <a:r>
               <a:rPr lang="en-US" sz="3600" b="1" dirty="0" smtClean="0">
+                <a:latin typeface="Courier New"/>
+              </a:rPr>
+              <a:t> &gt;&gt; {</a:t>
+            </a:r>
+          </a:p>
+          <a:p>
+            <a:r>
+              <a:rPr lang="en-US" sz="3600" b="1" dirty="0" smtClean="0">
+                <a:latin typeface="Courier New"/>
+              </a:rPr>
+              <a:t>  </a:t>
+            </a:r>
+            <a:r>
+              <a:rPr lang="en-US" sz="3600" b="1" dirty="0" err="1" smtClean="0">
+                <a:latin typeface="Courier New"/>
+              </a:rPr>
+              <a:t>observable.changed</a:t>
+            </a:r>
+            <a:r>
+              <a:rPr lang="en-US" sz="3600" b="1" dirty="0" smtClean="0">
+                <a:latin typeface="Courier New"/>
+              </a:rPr>
+              <a:t>(</a:t>
+            </a:r>
+            <a:r>
+              <a:rPr lang="en-US" sz="3600" b="1" dirty="0" smtClean="0">
                 <a:solidFill>
                   <a:srgbClr val="2A00FF"/>
                 </a:solidFill>
                 <a:latin typeface="Courier New"/>
               </a:rPr>
-              <a:t>"</a:t>
-            </a:r>
-            <a:r>
-              <a:rPr lang="en-US" sz="3600" b="1" dirty="0" smtClean="0">
-                <a:latin typeface="Courier New"/>
-              </a:rPr>
-              <a:t> &gt;&gt; {</a:t>
-            </a:r>
-          </a:p>
-          <a:p>
-            <a:r>
-              <a:rPr lang="en-US" sz="3600" b="1" dirty="0" smtClean="0">
-                <a:latin typeface="Courier New"/>
-              </a:rPr>
-              <a:t>  </a:t>
-            </a:r>
-            <a:r>
-              <a:rPr lang="en-US" sz="3600" b="1" dirty="0" err="1" smtClean="0">
-                <a:latin typeface="Courier New"/>
-              </a:rPr>
-              <a:t>observable.changed</a:t>
-            </a:r>
-            <a:r>
-              <a:rPr lang="en-US" sz="3600" b="1" dirty="0" smtClean="0">
-                <a:latin typeface="Courier New"/>
-              </a:rPr>
-              <a:t>(</a:t>
-            </a:r>
-            <a:r>
-              <a:rPr lang="en-US" sz="3600" b="1" dirty="0" smtClean="0">
-                <a:solidFill>
-                  <a:srgbClr val="2A00FF"/>
-                </a:solidFill>
-                <a:latin typeface="Courier New"/>
-              </a:rPr>
-              <a:t>"event</a:t>
-            </a:r>
-            <a:r>
-              <a:rPr lang="en-US" sz="3600" b="1" dirty="0" smtClean="0">
-                <a:solidFill>
-                  <a:srgbClr val="2A00FF"/>
-                </a:solidFill>
-                <a:latin typeface="Courier New"/>
-              </a:rPr>
-              <a:t>"</a:t>
+              <a:t>"event"</a:t>
             </a:r>
             <a:r>
               <a:rPr lang="en-US" sz="3600" b="1" dirty="0" smtClean="0">
@@ -18964,13 +18630,7 @@
               <a:rPr lang="en-US" sz="3600" b="1" dirty="0" smtClean="0">
                 <a:latin typeface="Courier New"/>
               </a:rPr>
-              <a:t>  there </a:t>
-            </a:r>
-            <a:r>
-              <a:rPr lang="en-US" sz="3600" b="1" dirty="0" smtClean="0">
-                <a:latin typeface="Courier New"/>
-              </a:rPr>
-              <a:t>was one(observer).notify(</a:t>
+              <a:t>  there was one(observer).notify(</a:t>
             </a:r>
             <a:r>
               <a:rPr lang="en-US" sz="3600" b="1" dirty="0" smtClean="0">
@@ -19124,7 +18784,7 @@
         </p:nvSpPr>
         <p:spPr>
           <a:xfrm>
-            <a:off x="2792851" y="5029200"/>
+            <a:off x="2540000" y="5029200"/>
             <a:ext cx="8129149" cy="1323439"/>
           </a:xfrm>
           <a:prstGeom prst="rect">
@@ -19355,87 +19015,72 @@
                 </a:solidFill>
                 <a:latin typeface="Courier New"/>
               </a:rPr>
-              <a:t>"</a:t>
+              <a:t>"This is ok"</a:t>
             </a:r>
             <a:r>
               <a:rPr lang="en-US" sz="4800" b="1" dirty="0" smtClean="0">
+                <a:latin typeface="Courier New"/>
+              </a:rPr>
+              <a:t> in {</a:t>
+            </a:r>
+          </a:p>
+          <a:p>
+            <a:r>
+              <a:rPr lang="en-US" sz="4800" b="1" dirty="0" smtClean="0">
+                <a:latin typeface="Courier New"/>
+              </a:rPr>
+              <a:t>  1 + 1</a:t>
+            </a:r>
+          </a:p>
+          <a:p>
+            <a:r>
+              <a:rPr lang="en-US" sz="4800" b="1" dirty="0" smtClean="0">
+                <a:latin typeface="Courier New"/>
+              </a:rPr>
+              <a:t>}</a:t>
+            </a:r>
+          </a:p>
+          <a:p>
+            <a:r>
+              <a:rPr lang="en-US" sz="4800" b="1" dirty="0" smtClean="0">
+                <a:solidFill>
+                  <a:srgbClr val="3F7F5F"/>
+                </a:solidFill>
+                <a:latin typeface="Courier New"/>
+              </a:rPr>
+              <a:t>// is the same as</a:t>
+            </a:r>
+          </a:p>
+          <a:p>
+            <a:r>
+              <a:rPr lang="en-US" sz="4800" b="1" dirty="0" smtClean="0">
                 <a:solidFill>
                   <a:srgbClr val="2A00FF"/>
                 </a:solidFill>
                 <a:latin typeface="Courier New"/>
               </a:rPr>
-              <a:t>This is ok"</a:t>
+              <a:t>"This is </a:t>
+            </a:r>
+            <a:r>
+              <a:rPr lang="en-US" sz="4800" b="1" dirty="0" err="1" smtClean="0">
+                <a:solidFill>
+                  <a:srgbClr val="2A00FF"/>
+                </a:solidFill>
+                <a:latin typeface="Courier New"/>
+              </a:rPr>
+              <a:t>ok"</a:t>
+            </a:r>
+            <a:r>
+              <a:rPr lang="en-US" sz="4800" b="1" dirty="0" err="1" smtClean="0">
+                <a:latin typeface="Courier New"/>
+              </a:rPr>
+              <a:t>.in</a:t>
             </a:r>
             <a:r>
               <a:rPr lang="en-US" sz="4800" b="1" dirty="0" smtClean="0">
                 <a:latin typeface="Courier New"/>
               </a:rPr>
-              <a:t> in {</a:t>
-            </a:r>
-          </a:p>
-          <a:p>
-            <a:r>
-              <a:rPr lang="en-US" sz="4800" b="1" dirty="0" smtClean="0">
-                <a:latin typeface="Courier New"/>
-              </a:rPr>
-              <a:t>  1 + 1</a:t>
-            </a:r>
-          </a:p>
-          <a:p>
-            <a:r>
-              <a:rPr lang="en-US" sz="4800" b="1" dirty="0" smtClean="0">
-                <a:latin typeface="Courier New"/>
-              </a:rPr>
-              <a:t>}</a:t>
-            </a:r>
-          </a:p>
-          <a:p>
-            <a:r>
-              <a:rPr lang="en-US" sz="4800" b="1" dirty="0" smtClean="0">
-                <a:solidFill>
-                  <a:srgbClr val="3F7F5F"/>
-                </a:solidFill>
-                <a:latin typeface="Courier New"/>
-              </a:rPr>
-              <a:t>// is the same as</a:t>
-            </a:r>
-          </a:p>
-          <a:p>
-            <a:r>
-              <a:rPr lang="en-US" sz="4800" b="1" dirty="0" smtClean="0">
-                <a:solidFill>
-                  <a:srgbClr val="2A00FF"/>
-                </a:solidFill>
-                <a:latin typeface="Courier New"/>
-              </a:rPr>
-              <a:t>"This is </a:t>
-            </a:r>
-            <a:r>
-              <a:rPr lang="en-US" sz="4800" b="1" dirty="0" err="1" smtClean="0">
-                <a:solidFill>
-                  <a:srgbClr val="2A00FF"/>
-                </a:solidFill>
-                <a:latin typeface="Courier New"/>
-              </a:rPr>
-              <a:t>ok"</a:t>
-            </a:r>
-            <a:r>
-              <a:rPr lang="en-US" sz="4800" b="1" dirty="0" err="1" smtClean="0">
-                <a:latin typeface="Courier New"/>
-              </a:rPr>
-              <a:t>.in</a:t>
-            </a:r>
-            <a:r>
-              <a:rPr lang="en-US" sz="4800" b="1" dirty="0" smtClean="0">
-                <a:latin typeface="Courier New"/>
-              </a:rPr>
-              <a:t>(1 + 1</a:t>
-            </a:r>
-            <a:r>
-              <a:rPr lang="en-US" sz="4800" b="1" dirty="0" smtClean="0">
-                <a:latin typeface="Courier New"/>
-              </a:rPr>
-              <a:t>)</a:t>
+              <a:t>(1 + 1)</a:t>
             </a:r>
           </a:p>
           <a:p>
@@ -19895,13 +19540,7 @@
               <a:rPr lang="en-US" sz="3600" b="1" dirty="0" smtClean="0">
                 <a:latin typeface="Courier New"/>
               </a:rPr>
-              <a:t> </a:t>
-            </a:r>
-            <a:r>
-              <a:rPr lang="en-US" sz="3600" b="1" dirty="0" smtClean="0">
-                <a:latin typeface="Courier New"/>
-              </a:rPr>
-              <a:t>Example(description: String) {</a:t>
+              <a:t> Example(description: String) {</a:t>
             </a:r>
           </a:p>
           <a:p>
@@ -20263,7 +19902,7 @@
         <p:spPr>
           <a:xfrm>
             <a:off x="330200" y="2895600"/>
-            <a:ext cx="12344400" cy="5078313"/>
+            <a:ext cx="12344400" cy="4247317"/>
           </a:xfrm>
           <a:prstGeom prst="rect">
             <a:avLst/>
@@ -20283,11 +19922,6 @@
             <a:spAutoFit/>
           </a:bodyPr>
           <a:lstStyle/>
-          <a:p>
-            <a:endParaRPr lang="en-US" sz="5400" dirty="0" smtClean="0">
-              <a:latin typeface="Courier New"/>
-            </a:endParaRPr>
-          </a:p>
           <a:p>
             <a:endParaRPr lang="en-US" sz="5400" dirty="0" smtClean="0">
               <a:latin typeface="Courier New"/>
@@ -20636,16 +20270,7 @@
                 </a:solidFill>
                 <a:latin typeface="Courier New"/>
               </a:rPr>
-              <a:t>"</a:t>
-            </a:r>
-            <a:r>
-              <a:rPr lang="en-US" sz="4400" b="1" dirty="0" smtClean="0">
-                <a:solidFill>
-                  <a:srgbClr val="2A00FF"/>
-                </a:solidFill>
-                <a:latin typeface="Courier New"/>
-              </a:rPr>
-              <a:t>This is true"</a:t>
+              <a:t>"This is true"</a:t>
             </a:r>
             <a:r>
               <a:rPr lang="en-US" sz="4400" b="1" dirty="0" smtClean="0">
@@ -20753,13 +20378,7 @@
               <a:rPr lang="en-US" sz="4400" b="1" dirty="0" smtClean="0">
                 <a:latin typeface="Courier New"/>
               </a:rPr>
-              <a:t>) </a:t>
-            </a:r>
-            <a:r>
-              <a:rPr lang="en-US" sz="4400" b="1" dirty="0" smtClean="0">
-                <a:latin typeface="Courier New"/>
-              </a:rPr>
-              <a:t>}</a:t>
+              <a:t>) }</a:t>
             </a:r>
           </a:p>
           <a:p>
@@ -20789,7 +20408,7 @@
         </p:blipFill>
         <p:spPr bwMode="auto">
           <a:xfrm>
-            <a:off x="482600" y="685800"/>
+            <a:off x="482600" y="609600"/>
             <a:ext cx="1828800" cy="1371600"/>
           </a:xfrm>
           <a:prstGeom prst="rect">
@@ -21158,7 +20777,7 @@
                 <a:buNone/>
                 <a:tabLst/>
               </a:pPr>
-              <a:t>Saturday, July 03, 2010</a:t>
+              <a:t>Tuesday, July 13, 2010</a:t>
             </a:fld>
             <a:endParaRPr kumimoji="0" lang="en-US" sz="4000" b="0" i="0" u="none" strike="noStrike" cap="none" normalizeH="0" baseline="0" dirty="0" smtClean="0">
               <a:ln>
@@ -21581,7 +21200,7 @@
         </p:nvSpPr>
         <p:spPr>
           <a:xfrm>
-            <a:off x="711200" y="0"/>
+            <a:off x="546100" y="0"/>
             <a:ext cx="12509500" cy="914400"/>
           </a:xfrm>
           <a:ln/>
@@ -21660,7 +21279,7 @@
         </p:blipFill>
         <p:spPr bwMode="auto">
           <a:xfrm>
-            <a:off x="4140200" y="76200"/>
+            <a:off x="3975100" y="76200"/>
             <a:ext cx="2279542" cy="679257"/>
           </a:xfrm>
           <a:prstGeom prst="rect">
@@ -21882,7 +21501,7 @@
         </p:nvSpPr>
         <p:spPr>
           <a:xfrm>
-            <a:off x="711200" y="0"/>
+            <a:off x="546100" y="0"/>
             <a:ext cx="12509500" cy="914400"/>
           </a:xfrm>
           <a:ln/>
@@ -21919,7 +21538,7 @@
         </p:blipFill>
         <p:spPr bwMode="auto">
           <a:xfrm>
-            <a:off x="4140200" y="76200"/>
+            <a:off x="3975100" y="76200"/>
             <a:ext cx="2279542" cy="679257"/>
           </a:xfrm>
           <a:prstGeom prst="rect">
@@ -22056,7 +21675,7 @@
         </p:blipFill>
         <p:spPr bwMode="auto">
           <a:xfrm>
-            <a:off x="635000" y="1143000"/>
+            <a:off x="635000" y="914400"/>
             <a:ext cx="1295400" cy="1295401"/>
           </a:xfrm>
           <a:prstGeom prst="rect">
@@ -22154,7 +21773,7 @@
         </p:nvSpPr>
         <p:spPr>
           <a:xfrm>
-            <a:off x="711200" y="0"/>
+            <a:off x="558800" y="0"/>
             <a:ext cx="12509500" cy="914400"/>
           </a:xfrm>
           <a:ln/>
@@ -22191,7 +21810,7 @@
         </p:blipFill>
         <p:spPr bwMode="auto">
           <a:xfrm>
-            <a:off x="4140200" y="76200"/>
+            <a:off x="3987800" y="76200"/>
             <a:ext cx="2279542" cy="679257"/>
           </a:xfrm>
           <a:prstGeom prst="rect">
@@ -22268,16 +21887,7 @@
                 </a:solidFill>
                 <a:latin typeface="Courier New"/>
               </a:rPr>
-              <a:t>"</a:t>
-            </a:r>
-            <a:r>
-              <a:rPr lang="en-US" sz="5400" b="1" dirty="0" smtClean="0">
-                <a:solidFill>
-                  <a:srgbClr val="2A00FF"/>
-                </a:solidFill>
-                <a:latin typeface="Courier New"/>
-              </a:rPr>
-              <a:t>really?"</a:t>
+              <a:t>"really?"</a:t>
             </a:r>
             <a:r>
               <a:rPr lang="en-US" sz="5400" b="1" dirty="0" smtClean="0">
@@ -22500,7 +22110,7 @@
         </p:nvSpPr>
         <p:spPr>
           <a:xfrm>
-            <a:off x="711200" y="0"/>
+            <a:off x="558800" y="0"/>
             <a:ext cx="12509500" cy="914400"/>
           </a:xfrm>
           <a:ln/>
@@ -22537,7 +22147,7 @@
         </p:blipFill>
         <p:spPr bwMode="auto">
           <a:xfrm>
-            <a:off x="4140200" y="76200"/>
+            <a:off x="3987800" y="76200"/>
             <a:ext cx="2279542" cy="679257"/>
           </a:xfrm>
           <a:prstGeom prst="rect">
@@ -22681,12 +22291,18 @@
               <a:rPr lang="en-US" sz="3600" dirty="0" smtClean="0">
                 <a:latin typeface="Courier New"/>
               </a:rPr>
-              <a:t>  }</a:t>
-            </a:r>
-          </a:p>
-          <a:p>
-            <a:r>
-              <a:rPr lang="en-US" sz="3600" dirty="0" smtClean="0">
+              <a:t> </a:t>
+            </a:r>
+            <a:r>
+              <a:rPr lang="en-US" sz="3600" b="1" dirty="0" smtClean="0">
+                <a:latin typeface="Courier New"/>
+              </a:rPr>
+              <a:t> }</a:t>
+            </a:r>
+          </a:p>
+          <a:p>
+            <a:r>
+              <a:rPr lang="en-US" sz="3600" b="1" dirty="0" smtClean="0">
                 <a:latin typeface="Courier New"/>
               </a:rPr>
               <a:t>}</a:t>
@@ -22740,13 +22356,28 @@
                 </a:solidFill>
                 <a:latin typeface="Courier New"/>
               </a:rPr>
+              <a:t> </a:t>
+            </a:r>
+            <a:r>
+              <a:rPr lang="en-US" sz="3600" b="1" dirty="0" smtClean="0">
+                <a:solidFill>
+                  <a:srgbClr val="7F0055"/>
+                </a:solidFill>
+                <a:latin typeface="Courier New"/>
+              </a:rPr>
               <a:t> def</a:t>
             </a:r>
             <a:r>
               <a:rPr lang="en-US" sz="3600" b="1" dirty="0" smtClean="0">
                 <a:latin typeface="Courier New"/>
               </a:rPr>
-              <a:t> tag(t: </a:t>
+              <a:t> </a:t>
+            </a:r>
+            <a:r>
+              <a:rPr lang="en-US" sz="3600" b="1" dirty="0" smtClean="0">
+                <a:latin typeface="Courier New"/>
+              </a:rPr>
+              <a:t>tag(t: </a:t>
             </a:r>
             <a:r>
               <a:rPr lang="en-US" sz="3600" b="1" dirty="0" smtClean="0">
@@ -22831,7 +22462,7 @@
         </p:nvSpPr>
         <p:spPr>
           <a:xfrm>
-            <a:off x="3987800" y="857071"/>
+            <a:off x="3835400" y="762000"/>
             <a:ext cx="3050836" cy="1200329"/>
           </a:xfrm>
           <a:prstGeom prst="rect">
@@ -22912,7 +22543,7 @@
         </p:nvSpPr>
         <p:spPr>
           <a:xfrm>
-            <a:off x="711200" y="0"/>
+            <a:off x="558800" y="0"/>
             <a:ext cx="12509500" cy="914400"/>
           </a:xfrm>
           <a:ln/>
@@ -22949,7 +22580,7 @@
         </p:blipFill>
         <p:spPr bwMode="auto">
           <a:xfrm>
-            <a:off x="4140200" y="76200"/>
+            <a:off x="3987800" y="76200"/>
             <a:ext cx="2279542" cy="679257"/>
           </a:xfrm>
           <a:prstGeom prst="rect">
@@ -23099,7 +22730,7 @@
         </p:nvSpPr>
         <p:spPr>
           <a:xfrm>
-            <a:off x="711200" y="0"/>
+            <a:off x="558800" y="0"/>
             <a:ext cx="12509500" cy="914400"/>
           </a:xfrm>
           <a:ln/>
@@ -23136,7 +22767,7 @@
         </p:blipFill>
         <p:spPr bwMode="auto">
           <a:xfrm>
-            <a:off x="4140200" y="76200"/>
+            <a:off x="3987800" y="76200"/>
             <a:ext cx="2279542" cy="679257"/>
           </a:xfrm>
           <a:prstGeom prst="rect">
@@ -23153,8 +22784,8 @@
         </p:nvSpPr>
         <p:spPr>
           <a:xfrm>
-            <a:off x="330200" y="2895600"/>
-            <a:ext cx="12344400" cy="5262979"/>
+            <a:off x="558800" y="2667000"/>
+            <a:ext cx="11811000" cy="5262979"/>
           </a:xfrm>
           <a:prstGeom prst="rect">
             <a:avLst/>
@@ -23461,86 +23092,80 @@
               <a:rPr lang="pl-PL" sz="2800" b="1" dirty="0" smtClean="0">
                 <a:latin typeface="Courier New"/>
               </a:rPr>
-              <a:t> ^^[</a:t>
+              <a:t> ^^[S</a:t>
+            </a:r>
+            <a:r>
+              <a:rPr lang="en-US" sz="2800" b="1" dirty="0" smtClean="0">
+                <a:latin typeface="Courier New"/>
+              </a:rPr>
+              <a:t> </a:t>
             </a:r>
             <a:r>
               <a:rPr lang="pl-PL" sz="2800" b="1" dirty="0" smtClean="0">
                 <a:latin typeface="Courier New"/>
               </a:rPr>
-              <a:t>S</a:t>
+              <a:t>&lt;: T, U](f: S =&gt; U): Matcher[U]</a:t>
+            </a:r>
+          </a:p>
+          <a:p>
+            <a:r>
+              <a:rPr lang="en-US" sz="2800" dirty="0" smtClean="0">
+                <a:latin typeface="Courier New"/>
+              </a:rPr>
+              <a:t>  </a:t>
             </a:r>
             <a:r>
               <a:rPr lang="en-US" sz="2800" b="1" dirty="0" smtClean="0">
+                <a:solidFill>
+                  <a:srgbClr val="7F0055"/>
+                </a:solidFill>
+                <a:latin typeface="Courier New"/>
+              </a:rPr>
+              <a:t>def</a:t>
+            </a:r>
+            <a:r>
+              <a:rPr lang="en-US" sz="2800" b="1" dirty="0" smtClean="0">
                 <a:latin typeface="Courier New"/>
               </a:rPr>
               <a:t> </a:t>
             </a:r>
             <a:r>
-              <a:rPr lang="pl-PL" sz="2800" b="1" dirty="0" smtClean="0">
-                <a:latin typeface="Courier New"/>
-              </a:rPr>
-              <a:t>&lt;: </a:t>
-            </a:r>
-            <a:r>
-              <a:rPr lang="pl-PL" sz="2800" b="1" dirty="0" smtClean="0">
-                <a:latin typeface="Courier New"/>
-              </a:rPr>
-              <a:t>T, U](f: S =&gt; U): Matcher[U]</a:t>
-            </a:r>
-          </a:p>
-          <a:p>
+              <a:rPr lang="en-US" sz="2800" b="1" dirty="0" err="1" smtClean="0">
+                <a:latin typeface="Courier New"/>
+              </a:rPr>
+              <a:t>toIterable</a:t>
+            </a:r>
+            <a:r>
+              <a:rPr lang="en-US" sz="2800" b="1" dirty="0" smtClean="0">
+                <a:latin typeface="Courier New"/>
+              </a:rPr>
+              <a:t>: Matcher[</a:t>
+            </a:r>
+            <a:r>
+              <a:rPr lang="en-US" sz="2800" b="1" dirty="0" err="1" smtClean="0">
+                <a:latin typeface="Courier New"/>
+              </a:rPr>
+              <a:t>Iterable</a:t>
+            </a:r>
+            <a:r>
+              <a:rPr lang="en-US" sz="2800" b="1" dirty="0" smtClean="0">
+                <a:latin typeface="Courier New"/>
+              </a:rPr>
+              <a:t>[T]]</a:t>
+            </a:r>
+          </a:p>
+          <a:p>
+            <a:r>
+              <a:rPr lang="en-US" sz="2800" b="1" dirty="0" smtClean="0">
+                <a:latin typeface="Courier New"/>
+              </a:rPr>
+              <a:t>}</a:t>
+            </a:r>
             <a:r>
               <a:rPr lang="en-US" sz="2800" dirty="0" smtClean="0">
                 <a:latin typeface="Courier New"/>
               </a:rPr>
-              <a:t>  </a:t>
-            </a:r>
-            <a:r>
-              <a:rPr lang="en-US" sz="2800" b="1" dirty="0" smtClean="0">
-                <a:solidFill>
-                  <a:srgbClr val="7F0055"/>
-                </a:solidFill>
-                <a:latin typeface="Courier New"/>
-              </a:rPr>
-              <a:t>def</a:t>
-            </a:r>
-            <a:r>
-              <a:rPr lang="en-US" sz="2800" b="1" dirty="0" smtClean="0">
-                <a:latin typeface="Courier New"/>
-              </a:rPr>
               <a:t> </a:t>
-            </a:r>
-            <a:r>
-              <a:rPr lang="en-US" sz="2800" b="1" dirty="0" err="1" smtClean="0">
-                <a:latin typeface="Courier New"/>
-              </a:rPr>
-              <a:t>toIterable</a:t>
-            </a:r>
-            <a:r>
-              <a:rPr lang="en-US" sz="2800" b="1" dirty="0" smtClean="0">
-                <a:latin typeface="Courier New"/>
-              </a:rPr>
-              <a:t>: Matcher[</a:t>
-            </a:r>
-            <a:r>
-              <a:rPr lang="en-US" sz="2800" b="1" dirty="0" err="1" smtClean="0">
-                <a:latin typeface="Courier New"/>
-              </a:rPr>
-              <a:t>Iterable</a:t>
-            </a:r>
-            <a:r>
-              <a:rPr lang="en-US" sz="2800" b="1" dirty="0" smtClean="0">
-                <a:latin typeface="Courier New"/>
-              </a:rPr>
-              <a:t>[T]]</a:t>
-            </a:r>
-          </a:p>
-          <a:p>
-            <a:r>
-              <a:rPr lang="en-US" sz="2800" dirty="0" smtClean="0">
-                <a:latin typeface="Courier New"/>
-              </a:rPr>
-              <a:t>} </a:t>
             </a:r>
             <a:endParaRPr lang="en-US" sz="2800" b="1" dirty="0" smtClean="0">
               <a:solidFill>
@@ -23568,7 +23193,7 @@
         </p:blipFill>
         <p:spPr bwMode="auto">
           <a:xfrm>
-            <a:off x="635000" y="1143000"/>
+            <a:off x="558800" y="685800"/>
             <a:ext cx="1295400" cy="1295401"/>
           </a:xfrm>
           <a:prstGeom prst="rect">
@@ -23666,7 +23291,7 @@
         </p:nvSpPr>
         <p:spPr>
           <a:xfrm>
-            <a:off x="711200" y="0"/>
+            <a:off x="482600" y="0"/>
             <a:ext cx="12509500" cy="914400"/>
           </a:xfrm>
           <a:ln/>
@@ -23694,7 +23319,7 @@
         </p:nvSpPr>
         <p:spPr>
           <a:xfrm>
-            <a:off x="4140200" y="1143000"/>
+            <a:off x="3835400" y="914400"/>
             <a:ext cx="5570756" cy="1107996"/>
           </a:xfrm>
           <a:prstGeom prst="rect">
@@ -23739,7 +23364,7 @@
         </p:blipFill>
         <p:spPr bwMode="auto">
           <a:xfrm>
-            <a:off x="4140200" y="76200"/>
+            <a:off x="3911600" y="76200"/>
             <a:ext cx="2279542" cy="679257"/>
           </a:xfrm>
           <a:prstGeom prst="rect">
@@ -24009,7 +23634,7 @@
         </p:blipFill>
         <p:spPr bwMode="auto">
           <a:xfrm>
-            <a:off x="863600" y="1066800"/>
+            <a:off x="635000" y="685800"/>
             <a:ext cx="1828800" cy="1371600"/>
           </a:xfrm>
           <a:prstGeom prst="rect">
@@ -24284,7 +23909,7 @@
         </p:nvSpPr>
         <p:spPr>
           <a:xfrm>
-            <a:off x="711200" y="0"/>
+            <a:off x="546100" y="0"/>
             <a:ext cx="12509500" cy="914400"/>
           </a:xfrm>
           <a:ln/>
@@ -24321,7 +23946,7 @@
         </p:blipFill>
         <p:spPr bwMode="auto">
           <a:xfrm>
-            <a:off x="4140200" y="76200"/>
+            <a:off x="3975100" y="76200"/>
             <a:ext cx="2279542" cy="679257"/>
           </a:xfrm>
           <a:prstGeom prst="rect">
@@ -24672,7 +24297,7 @@
         </p:nvSpPr>
         <p:spPr>
           <a:xfrm>
-            <a:off x="711200" y="0"/>
+            <a:off x="558800" y="0"/>
             <a:ext cx="12509500" cy="914400"/>
           </a:xfrm>
           <a:ln/>
@@ -24700,7 +24325,7 @@
         </p:nvSpPr>
         <p:spPr>
           <a:xfrm>
-            <a:off x="3987800" y="1286470"/>
+            <a:off x="3835400" y="990600"/>
             <a:ext cx="7657866" cy="1107996"/>
           </a:xfrm>
           <a:prstGeom prst="rect">
@@ -24745,7 +24370,7 @@
         </p:blipFill>
         <p:spPr bwMode="auto">
           <a:xfrm>
-            <a:off x="4140200" y="76200"/>
+            <a:off x="3987800" y="76200"/>
             <a:ext cx="2279542" cy="679257"/>
           </a:xfrm>
           <a:prstGeom prst="rect">
@@ -24843,7 +24468,7 @@
         </p:blipFill>
         <p:spPr bwMode="auto">
           <a:xfrm>
-            <a:off x="558800" y="1066800"/>
+            <a:off x="558800" y="685800"/>
             <a:ext cx="1676400" cy="1676401"/>
           </a:xfrm>
           <a:prstGeom prst="rect">
@@ -25020,7 +24645,7 @@
         </p:nvSpPr>
         <p:spPr>
           <a:xfrm>
-            <a:off x="711200" y="0"/>
+            <a:off x="546100" y="43934"/>
             <a:ext cx="12509500" cy="914400"/>
           </a:xfrm>
           <a:ln/>
@@ -25048,7 +24673,7 @@
         </p:nvSpPr>
         <p:spPr>
           <a:xfrm>
-            <a:off x="3987800" y="1286470"/>
+            <a:off x="3822700" y="990600"/>
             <a:ext cx="4669868" cy="1107996"/>
           </a:xfrm>
           <a:prstGeom prst="rect">
@@ -25093,7 +24718,7 @@
         </p:blipFill>
         <p:spPr bwMode="auto">
           <a:xfrm>
-            <a:off x="4140200" y="76200"/>
+            <a:off x="3975100" y="120134"/>
             <a:ext cx="2279542" cy="679257"/>
           </a:xfrm>
           <a:prstGeom prst="rect">
@@ -25151,72 +24776,45 @@
               <a:rPr lang="en-US" sz="4800" b="1" dirty="0" smtClean="0">
                 <a:latin typeface="Courier New"/>
               </a:rPr>
-              <a:t> result </a:t>
+              <a:t> result + 1    </a:t>
             </a:r>
             <a:r>
               <a:rPr lang="en-US" sz="4800" b="1" dirty="0" smtClean="0">
-                <a:latin typeface="Courier New"/>
-              </a:rPr>
-              <a:t>+ 1    </a:t>
-            </a:r>
+                <a:solidFill>
+                  <a:srgbClr val="3F7F5F"/>
+                </a:solidFill>
+                <a:latin typeface="Courier New"/>
+              </a:rPr>
+              <a:t>// result = ? </a:t>
+            </a:r>
+          </a:p>
+          <a:p>
             <a:r>
               <a:rPr lang="en-US" sz="4800" b="1" dirty="0" smtClean="0">
-                <a:solidFill>
-                  <a:srgbClr val="3F7F5F"/>
-                </a:solidFill>
-                <a:latin typeface="Courier New"/>
-              </a:rPr>
-              <a:t>// result = </a:t>
+                <a:latin typeface="Courier New"/>
+              </a:rPr>
+              <a:t> </a:t>
+            </a:r>
+            <a:r>
+              <a:rPr lang="en-US" sz="4800" b="1" dirty="0" err="1" smtClean="0">
+                <a:latin typeface="Courier New"/>
+              </a:rPr>
+              <a:t>result</a:t>
+            </a:r>
+            <a:r>
+              <a:rPr lang="en-US" sz="4800" b="1" dirty="0" err="1" smtClean="0">
+                <a:solidFill>
+                  <a:srgbClr val="2A00FF"/>
+                </a:solidFill>
+                <a:latin typeface="Courier New"/>
+              </a:rPr>
+              <a:t>.pp</a:t>
             </a:r>
             <a:r>
               <a:rPr lang="en-US" sz="4800" b="1" dirty="0" smtClean="0">
-                <a:solidFill>
-                  <a:srgbClr val="3F7F5F"/>
-                </a:solidFill>
-                <a:latin typeface="Courier New"/>
-              </a:rPr>
-              <a:t>? </a:t>
-            </a:r>
-            <a:endParaRPr lang="en-US" sz="4800" b="1" dirty="0" smtClean="0">
-              <a:solidFill>
-                <a:srgbClr val="3F7F5F"/>
-              </a:solidFill>
-              <a:latin typeface="Courier New"/>
-            </a:endParaRPr>
-          </a:p>
-          <a:p>
-            <a:r>
-              <a:rPr lang="en-US" sz="4800" b="1" dirty="0" smtClean="0">
-                <a:latin typeface="Courier New"/>
-              </a:rPr>
-              <a:t> </a:t>
-            </a:r>
-            <a:r>
-              <a:rPr lang="en-US" sz="4800" b="1" dirty="0" err="1" smtClean="0">
-                <a:latin typeface="Courier New"/>
-              </a:rPr>
-              <a:t>result</a:t>
-            </a:r>
-            <a:r>
-              <a:rPr lang="en-US" sz="4800" b="1" dirty="0" err="1" smtClean="0">
-                <a:solidFill>
-                  <a:srgbClr val="2A00FF"/>
-                </a:solidFill>
-                <a:latin typeface="Courier New"/>
-              </a:rPr>
-              <a:t>.pp</a:t>
-            </a:r>
-            <a:r>
-              <a:rPr lang="en-US" sz="4800" b="1" dirty="0" smtClean="0">
-                <a:latin typeface="Courier New"/>
-              </a:rPr>
-              <a:t> </a:t>
-            </a:r>
-            <a:r>
-              <a:rPr lang="en-US" sz="4800" b="1" dirty="0" smtClean="0">
-                <a:latin typeface="Courier New"/>
-              </a:rPr>
-              <a:t>+ 1 </a:t>
+                <a:latin typeface="Courier New"/>
+              </a:rPr>
+              <a:t> + 1 </a:t>
             </a:r>
             <a:r>
               <a:rPr lang="en-US" sz="4800" b="1" dirty="0" smtClean="0">
@@ -25262,7 +24860,7 @@
         </p:blipFill>
         <p:spPr bwMode="auto">
           <a:xfrm>
-            <a:off x="863600" y="1066800"/>
+            <a:off x="711200" y="762000"/>
             <a:ext cx="1828800" cy="1371600"/>
           </a:xfrm>
           <a:prstGeom prst="rect">
@@ -25390,7 +24988,7 @@
         </p:nvSpPr>
         <p:spPr>
           <a:xfrm>
-            <a:off x="711200" y="0"/>
+            <a:off x="558800" y="0"/>
             <a:ext cx="12509500" cy="914400"/>
           </a:xfrm>
           <a:ln/>
@@ -25418,7 +25016,7 @@
         </p:nvSpPr>
         <p:spPr>
           <a:xfrm>
-            <a:off x="3987800" y="1286470"/>
+            <a:off x="3835400" y="914400"/>
             <a:ext cx="4669868" cy="1107996"/>
           </a:xfrm>
           <a:prstGeom prst="rect">
@@ -25463,7 +25061,7 @@
         </p:blipFill>
         <p:spPr bwMode="auto">
           <a:xfrm>
-            <a:off x="4140200" y="76200"/>
+            <a:off x="3987800" y="76200"/>
             <a:ext cx="2279542" cy="679257"/>
           </a:xfrm>
           <a:prstGeom prst="rect">
@@ -25576,8 +25174,10 @@
                 </a:solidFill>
                 <a:latin typeface="Courier New"/>
               </a:rPr>
-              <a:t>&gt; adult </a:t>
-            </a:r>
+              <a:t>&gt; adult customers 'Bob, Lee'   </a:t>
+            </a:r>
+          </a:p>
+          <a:p>
             <a:r>
               <a:rPr lang="en-US" sz="4400" b="1" dirty="0" smtClean="0">
                 <a:solidFill>
@@ -25585,45 +25185,7 @@
                 </a:solidFill>
                 <a:latin typeface="Courier New"/>
               </a:rPr>
-              <a:t>customers 'Bob, Lee' </a:t>
-            </a:r>
-            <a:r>
-              <a:rPr lang="en-US" sz="4400" b="1" dirty="0" smtClean="0">
-                <a:solidFill>
-                  <a:srgbClr val="3F7F5F"/>
-                </a:solidFill>
-                <a:latin typeface="Courier New"/>
-              </a:rPr>
-              <a:t>  </a:t>
-            </a:r>
-          </a:p>
-          <a:p>
-            <a:r>
-              <a:rPr lang="en-US" sz="4400" b="1" dirty="0" smtClean="0">
-                <a:solidFill>
-                  <a:srgbClr val="3F7F5F"/>
-                </a:solidFill>
-                <a:latin typeface="Courier New"/>
-              </a:rPr>
-              <a:t>  doesn't </a:t>
-            </a:r>
-            <a:r>
-              <a:rPr lang="en-US" sz="4400" b="1" dirty="0" smtClean="0">
-                <a:solidFill>
-                  <a:srgbClr val="3F7F5F"/>
-                </a:solidFill>
-                <a:latin typeface="Courier New"/>
-              </a:rPr>
-              <a:t>have size </a:t>
-            </a:r>
-            <a:r>
-              <a:rPr lang="en-US" sz="4400" b="1" dirty="0" smtClean="0">
-                <a:solidFill>
-                  <a:srgbClr val="3F7F5F"/>
-                </a:solidFill>
-                <a:latin typeface="Courier New"/>
-              </a:rPr>
-              <a:t>3</a:t>
+              <a:t>  doesn't have size 3</a:t>
             </a:r>
           </a:p>
           <a:p>
@@ -25650,7 +25212,7 @@
         </p:blipFill>
         <p:spPr bwMode="auto">
           <a:xfrm>
-            <a:off x="863600" y="1066800"/>
+            <a:off x="711200" y="762000"/>
             <a:ext cx="1828800" cy="1371600"/>
           </a:xfrm>
           <a:prstGeom prst="rect">
@@ -25956,7 +25518,7 @@
         </p:nvSpPr>
         <p:spPr>
           <a:xfrm>
-            <a:off x="711200" y="0"/>
+            <a:off x="558800" y="0"/>
             <a:ext cx="12509500" cy="914400"/>
           </a:xfrm>
           <a:ln/>
@@ -25993,7 +25555,7 @@
         </p:blipFill>
         <p:spPr bwMode="auto">
           <a:xfrm>
-            <a:off x="4140200" y="76200"/>
+            <a:off x="3987800" y="76200"/>
             <a:ext cx="2279542" cy="679257"/>
           </a:xfrm>
           <a:prstGeom prst="rect">
@@ -26140,8 +25702,10 @@
                 </a:solidFill>
                 <a:latin typeface="Courier New"/>
               </a:rPr>
-              <a:t> </a:t>
-            </a:r>
+              <a:t> the </a:t>
+            </a:r>
+          </a:p>
+          <a:p>
             <a:r>
               <a:rPr lang="en-US" sz="4800" b="1" dirty="0" smtClean="0">
                 <a:solidFill>
@@ -26149,51 +25713,7 @@
                 </a:solidFill>
                 <a:latin typeface="Courier New"/>
               </a:rPr>
-              <a:t>the </a:t>
-            </a:r>
-            <a:endParaRPr lang="en-US" sz="4800" b="1" dirty="0" smtClean="0">
-              <a:solidFill>
-                <a:srgbClr val="3F7F5F"/>
-              </a:solidFill>
-              <a:latin typeface="Courier New"/>
-            </a:endParaRPr>
-          </a:p>
-          <a:p>
-            <a:r>
-              <a:rPr lang="en-US" sz="4800" b="1" dirty="0" smtClean="0">
-                <a:solidFill>
-                  <a:srgbClr val="3F7F5F"/>
-                </a:solidFill>
-                <a:latin typeface="Courier New"/>
-              </a:rPr>
-              <a:t> </a:t>
-            </a:r>
-            <a:r>
-              <a:rPr lang="en-US" sz="4800" b="1" dirty="0" smtClean="0">
-                <a:solidFill>
-                  <a:srgbClr val="3F7F5F"/>
-                </a:solidFill>
-                <a:latin typeface="Courier New"/>
-              </a:rPr>
-              <a:t> // </a:t>
-            </a:r>
-            <a:r>
-              <a:rPr lang="en-US" sz="4800" b="1" dirty="0" smtClean="0">
-                <a:solidFill>
-                  <a:srgbClr val="3F7F5F"/>
-                </a:solidFill>
-                <a:latin typeface="Courier New"/>
-              </a:rPr>
-              <a:t>slow </a:t>
-            </a:r>
-            <a:r>
-              <a:rPr lang="en-US" sz="4800" b="1" dirty="0" smtClean="0">
-                <a:solidFill>
-                  <a:srgbClr val="3F7F5F"/>
-                </a:solidFill>
-                <a:latin typeface="Courier New"/>
-              </a:rPr>
-              <a:t>spec as slow</a:t>
+              <a:t>  // slow spec as slow</a:t>
             </a:r>
             <a:endParaRPr lang="en-US" sz="4800" b="1" dirty="0" smtClean="0">
               <a:latin typeface="Courier New"/>
@@ -26204,41 +25724,32 @@
               <a:rPr lang="en-US" sz="4800" b="1" dirty="0" smtClean="0">
                 <a:latin typeface="Courier New"/>
               </a:rPr>
-              <a:t>  </a:t>
+              <a:t>  include(</a:t>
+            </a:r>
+            <a:r>
+              <a:rPr lang="en-US" sz="4800" b="1" dirty="0" err="1" smtClean="0">
+                <a:latin typeface="Courier New"/>
+              </a:rPr>
+              <a:t>slowSpec</a:t>
             </a:r>
             <a:r>
               <a:rPr lang="en-US" sz="4800" b="1" dirty="0" smtClean="0">
                 <a:latin typeface="Courier New"/>
               </a:rPr>
-              <a:t>include(</a:t>
+              <a:t>, </a:t>
             </a:r>
             <a:r>
               <a:rPr lang="en-US" sz="4800" b="1" dirty="0" err="1" smtClean="0">
                 <a:latin typeface="Courier New"/>
               </a:rPr>
-              <a:t>slowSpec</a:t>
+              <a:t>fastSpec</a:t>
             </a:r>
             <a:r>
               <a:rPr lang="en-US" sz="4800" b="1" dirty="0" smtClean="0">
                 <a:latin typeface="Courier New"/>
               </a:rPr>
-              <a:t>, </a:t>
-            </a:r>
-            <a:r>
-              <a:rPr lang="en-US" sz="4800" b="1" dirty="0" err="1" smtClean="0">
-                <a:latin typeface="Courier New"/>
-              </a:rPr>
-              <a:t>fastSpec</a:t>
-            </a:r>
-            <a:r>
-              <a:rPr lang="en-US" sz="4800" b="1" dirty="0" smtClean="0">
-                <a:latin typeface="Courier New"/>
-              </a:rPr>
               <a:t>)  </a:t>
             </a:r>
-            <a:endParaRPr lang="en-US" sz="4800" b="1" dirty="0" smtClean="0">
-              <a:latin typeface="Courier New"/>
-            </a:endParaRPr>
           </a:p>
           <a:p>
             <a:r>
@@ -26266,7 +25777,7 @@
         </p:nvSpPr>
         <p:spPr>
           <a:xfrm>
-            <a:off x="4064000" y="857071"/>
+            <a:off x="3835400" y="857071"/>
             <a:ext cx="3457999" cy="1200329"/>
           </a:xfrm>
           <a:prstGeom prst="rect">
@@ -26510,44 +26021,23 @@
               <a:rPr lang="en-US" sz="4800" b="1" dirty="0" smtClean="0">
                 <a:latin typeface="Courier New"/>
               </a:rPr>
-              <a:t>  </a:t>
+              <a:t>  include(slow tag </a:t>
             </a:r>
             <a:r>
               <a:rPr lang="en-US" sz="4800" b="1" dirty="0" smtClean="0">
-                <a:latin typeface="Courier New"/>
-              </a:rPr>
-              <a:t>include(slow </a:t>
+                <a:solidFill>
+                  <a:srgbClr val="2A00FF"/>
+                </a:solidFill>
+                <a:latin typeface="Courier New"/>
+              </a:rPr>
+              <a:t>"slow"</a:t>
             </a:r>
             <a:r>
               <a:rPr lang="en-US" sz="4800" b="1" dirty="0" smtClean="0">
                 <a:latin typeface="Courier New"/>
               </a:rPr>
-              <a:t>tag </a:t>
-            </a:r>
-            <a:r>
-              <a:rPr lang="en-US" sz="4800" b="1" dirty="0" smtClean="0">
-                <a:solidFill>
-                  <a:srgbClr val="2A00FF"/>
-                </a:solidFill>
-                <a:latin typeface="Courier New"/>
-              </a:rPr>
-              <a:t>"slow"</a:t>
-            </a:r>
-            <a:r>
-              <a:rPr lang="en-US" sz="4800" b="1" dirty="0" smtClean="0">
-                <a:latin typeface="Courier New"/>
-              </a:rPr>
-              <a:t>, </a:t>
-            </a:r>
-            <a:r>
-              <a:rPr lang="en-US" sz="4800" b="1" dirty="0" smtClean="0">
-                <a:latin typeface="Courier New"/>
-              </a:rPr>
-              <a:t>fast)  </a:t>
-            </a:r>
-            <a:endParaRPr lang="en-US" sz="4800" b="1" dirty="0" smtClean="0">
-              <a:latin typeface="Courier New"/>
-            </a:endParaRPr>
+              <a:t>, fast)  </a:t>
+            </a:r>
           </a:p>
           <a:p>
             <a:r>
@@ -26725,13 +26215,7 @@
               <a:rPr lang="en-US" sz="4000" b="1" dirty="0" smtClean="0">
                 <a:latin typeface="Courier New"/>
               </a:rPr>
-              <a:t> </a:t>
-            </a:r>
-            <a:r>
-              <a:rPr lang="en-US" sz="4000" b="1" dirty="0" smtClean="0">
-                <a:latin typeface="Courier New"/>
-              </a:rPr>
-              <a:t>Spec </a:t>
+              <a:t> Spec </a:t>
             </a:r>
             <a:r>
               <a:rPr lang="en-US" sz="4000" b="1" dirty="0" smtClean="0">
@@ -26867,7 +26351,7 @@
         </p:nvSpPr>
         <p:spPr>
           <a:xfrm>
-            <a:off x="711200" y="0"/>
+            <a:off x="558800" y="0"/>
             <a:ext cx="12509500" cy="914400"/>
           </a:xfrm>
           <a:ln/>
@@ -26904,7 +26388,7 @@
         </p:blipFill>
         <p:spPr bwMode="auto">
           <a:xfrm>
-            <a:off x="4140200" y="76200"/>
+            <a:off x="3987800" y="76200"/>
             <a:ext cx="2279542" cy="679257"/>
           </a:xfrm>
           <a:prstGeom prst="rect">
@@ -26930,7 +26414,7 @@
         </p:blipFill>
         <p:spPr bwMode="auto">
           <a:xfrm>
-            <a:off x="558800" y="838200"/>
+            <a:off x="558800" y="685800"/>
             <a:ext cx="1676400" cy="1676401"/>
           </a:xfrm>
           <a:prstGeom prst="rect">
@@ -27326,25 +26810,7 @@
                 </a:solidFill>
                 <a:latin typeface="Courier New"/>
               </a:rPr>
-              <a:t>// </a:t>
-            </a:r>
-            <a:r>
-              <a:rPr lang="en-US" sz="4400" b="1" dirty="0" smtClean="0">
-                <a:solidFill>
-                  <a:srgbClr val="3F7F5F"/>
-                </a:solidFill>
-                <a:latin typeface="Courier New"/>
-              </a:rPr>
-              <a:t>store the tag and return </a:t>
-            </a:r>
-            <a:r>
-              <a:rPr lang="en-US" sz="4400" b="1" dirty="0" smtClean="0">
-                <a:solidFill>
-                  <a:srgbClr val="3F7F5F"/>
-                </a:solidFill>
-                <a:latin typeface="Courier New"/>
-              </a:rPr>
-              <a:t>this</a:t>
+              <a:t>// store the tag and return this</a:t>
             </a:r>
           </a:p>
           <a:p>
@@ -27571,7 +27037,7 @@
         </p:nvSpPr>
         <p:spPr>
           <a:xfrm>
-            <a:off x="711200" y="0"/>
+            <a:off x="558800" y="0"/>
             <a:ext cx="12509500" cy="914400"/>
           </a:xfrm>
           <a:ln/>
@@ -27608,7 +27074,7 @@
         </p:blipFill>
         <p:spPr bwMode="auto">
           <a:xfrm>
-            <a:off x="4140200" y="76200"/>
+            <a:off x="3987800" y="76200"/>
             <a:ext cx="2279542" cy="679257"/>
           </a:xfrm>
           <a:prstGeom prst="rect">
@@ -27665,25 +27131,27 @@
               <a:rPr lang="en-US" sz="4400" b="1" dirty="0" smtClean="0">
                 <a:latin typeface="Courier New"/>
               </a:rPr>
-              <a:t> </a:t>
+              <a:t> prop = </a:t>
+            </a:r>
+            <a:r>
+              <a:rPr lang="en-US" sz="4400" b="1" dirty="0" err="1" smtClean="0">
+                <a:latin typeface="Courier New"/>
+              </a:rPr>
+              <a:t>forAll</a:t>
             </a:r>
             <a:r>
               <a:rPr lang="en-US" sz="4400" b="1" dirty="0" smtClean="0">
                 <a:latin typeface="Courier New"/>
               </a:rPr>
-              <a:t>prop = </a:t>
-            </a:r>
-            <a:r>
-              <a:rPr lang="en-US" sz="4400" b="1" dirty="0" err="1" smtClean="0">
-                <a:latin typeface="Courier New"/>
-              </a:rPr>
-              <a:t>forAll</a:t>
-            </a:r>
+              <a:t> { (s: String) =&gt; </a:t>
+            </a:r>
+          </a:p>
+          <a:p>
             <a:r>
               <a:rPr lang="en-US" sz="4400" b="1" dirty="0" smtClean="0">
                 <a:latin typeface="Courier New"/>
               </a:rPr>
-              <a:t> { (s: String) =&gt; </a:t>
+              <a:t>  reverse(reverse(s)) == s </a:t>
             </a:r>
           </a:p>
           <a:p>
@@ -27691,85 +27159,29 @@
               <a:rPr lang="en-US" sz="4400" b="1" dirty="0" smtClean="0">
                 <a:latin typeface="Courier New"/>
               </a:rPr>
-              <a:t>  </a:t>
-            </a:r>
-            <a:r>
-              <a:rPr lang="en-US" sz="4400" b="1" dirty="0" smtClean="0">
-                <a:latin typeface="Courier New"/>
-              </a:rPr>
-              <a:t>reverse(reverse(s</a:t>
-            </a:r>
-            <a:r>
-              <a:rPr lang="en-US" sz="4400" b="1" dirty="0" smtClean="0">
-                <a:latin typeface="Courier New"/>
-              </a:rPr>
-              <a:t>)) == s </a:t>
-            </a:r>
+              <a:t>} </a:t>
+            </a:r>
+          </a:p>
+          <a:p>
             <a:endParaRPr lang="en-US" sz="4400" b="1" dirty="0" smtClean="0">
               <a:latin typeface="Courier New"/>
             </a:endParaRPr>
           </a:p>
           <a:p>
             <a:r>
-              <a:rPr lang="en-US" sz="4400" b="1" dirty="0" smtClean="0">
-                <a:latin typeface="Courier New"/>
-              </a:rPr>
-              <a:t>} </a:t>
-            </a:r>
-          </a:p>
-          <a:p>
-            <a:endParaRPr lang="en-US" sz="4400" b="1" dirty="0" smtClean="0">
-              <a:latin typeface="Courier New"/>
-            </a:endParaRPr>
-          </a:p>
-          <a:p>
-            <a:r>
               <a:rPr lang="en-US" sz="4200" b="1" dirty="0" smtClean="0">
                 <a:solidFill>
                   <a:srgbClr val="2A00FF"/>
                 </a:solidFill>
                 <a:latin typeface="Courier New"/>
               </a:rPr>
-              <a:t>"With the </a:t>
+              <a:t>"With the default configuration"</a:t>
             </a:r>
             <a:r>
               <a:rPr lang="en-US" sz="4200" b="1" dirty="0" smtClean="0">
-                <a:solidFill>
-                  <a:srgbClr val="2A00FF"/>
-                </a:solidFill>
-                <a:latin typeface="Courier New"/>
-              </a:rPr>
-              <a:t>default </a:t>
-            </a:r>
-            <a:r>
-              <a:rPr lang="en-US" sz="4200" b="1" dirty="0" smtClean="0">
-                <a:solidFill>
-                  <a:srgbClr val="2A00FF"/>
-                </a:solidFill>
-                <a:latin typeface="Courier New"/>
-              </a:rPr>
-              <a:t>configuration</a:t>
-            </a:r>
-            <a:r>
-              <a:rPr lang="en-US" sz="4200" b="1" dirty="0" smtClean="0">
-                <a:solidFill>
-                  <a:srgbClr val="2A00FF"/>
-                </a:solidFill>
-                <a:latin typeface="Courier New"/>
-              </a:rPr>
-              <a:t>"</a:t>
-            </a:r>
-            <a:r>
-              <a:rPr lang="en-US" sz="4200" b="1" dirty="0" smtClean="0">
-                <a:latin typeface="Courier New"/>
-              </a:rPr>
-              <a:t> </a:t>
-            </a:r>
-            <a:r>
-              <a:rPr lang="en-US" sz="4200" b="1" dirty="0" smtClean="0">
-                <a:latin typeface="Courier New"/>
-              </a:rPr>
-              <a:t>in {</a:t>
+                <a:latin typeface="Courier New"/>
+              </a:rPr>
+              <a:t> in {</a:t>
             </a:r>
           </a:p>
           <a:p>
@@ -27999,13 +27411,7 @@
               <a:rPr lang="en-US" sz="3600" b="1" dirty="0" smtClean="0">
                 <a:latin typeface="Courier New"/>
               </a:rPr>
-              <a:t> </a:t>
-            </a:r>
-            <a:r>
-              <a:rPr lang="en-US" sz="3600" b="1" dirty="0" smtClean="0">
-                <a:latin typeface="Courier New"/>
-              </a:rPr>
-              <a:t>in {</a:t>
+              <a:t> in {</a:t>
             </a:r>
           </a:p>
           <a:p>
@@ -28450,7 +27856,7 @@
         </p:nvSpPr>
         <p:spPr>
           <a:xfrm>
-            <a:off x="711200" y="0"/>
+            <a:off x="558800" y="0"/>
             <a:ext cx="12509500" cy="914400"/>
           </a:xfrm>
           <a:ln/>
@@ -28487,7 +27893,7 @@
         </p:blipFill>
         <p:spPr bwMode="auto">
           <a:xfrm>
-            <a:off x="4140200" y="76200"/>
+            <a:off x="3987800" y="76200"/>
             <a:ext cx="2279542" cy="679257"/>
           </a:xfrm>
           <a:prstGeom prst="rect">
@@ -28544,95 +27950,77 @@
               <a:rPr lang="en-US" sz="4000" b="1" dirty="0" smtClean="0">
                 <a:latin typeface="Courier New"/>
               </a:rPr>
-              <a:t> </a:t>
+              <a:t> pass(</a:t>
             </a:r>
             <a:r>
               <a:rPr lang="en-US" sz="4000" b="1" dirty="0" smtClean="0">
-                <a:latin typeface="Courier New"/>
-              </a:rPr>
-              <a:t>pass(</a:t>
+                <a:solidFill>
+                  <a:srgbClr val="7F0055"/>
+                </a:solidFill>
+                <a:latin typeface="Courier New"/>
+              </a:rPr>
+              <a:t>implicit</a:t>
             </a:r>
             <a:r>
               <a:rPr lang="en-US" sz="4000" b="1" dirty="0" smtClean="0">
+                <a:latin typeface="Courier New"/>
+              </a:rPr>
+              <a:t> p: </a:t>
+            </a:r>
+            <a:r>
+              <a:rPr lang="en-US" sz="4000" b="1" dirty="0" err="1" smtClean="0">
+                <a:latin typeface="Courier New"/>
+              </a:rPr>
+              <a:t>Params</a:t>
+            </a:r>
+            <a:r>
+              <a:rPr lang="en-US" sz="4000" b="1" dirty="0" smtClean="0">
+                <a:latin typeface="Courier New"/>
+              </a:rPr>
+              <a:t>) = {</a:t>
+            </a:r>
+          </a:p>
+          <a:p>
+            <a:r>
+              <a:rPr lang="en-US" sz="4000" b="1" dirty="0" smtClean="0">
                 <a:solidFill>
                   <a:srgbClr val="7F0055"/>
                 </a:solidFill>
                 <a:latin typeface="Courier New"/>
               </a:rPr>
-              <a:t>implicit</a:t>
+              <a:t>  new</a:t>
             </a:r>
             <a:r>
               <a:rPr lang="en-US" sz="4000" b="1" dirty="0" smtClean="0">
                 <a:latin typeface="Courier New"/>
               </a:rPr>
-              <a:t> p: </a:t>
-            </a:r>
-            <a:r>
-              <a:rPr lang="en-US" sz="4000" b="1" dirty="0" err="1" smtClean="0">
-                <a:latin typeface="Courier New"/>
-              </a:rPr>
-              <a:t>Params</a:t>
-            </a:r>
+              <a:t> Matcher[Prop] {</a:t>
+            </a:r>
+          </a:p>
+          <a:p>
             <a:r>
               <a:rPr lang="en-US" sz="4000" b="1" dirty="0" smtClean="0">
-                <a:latin typeface="Courier New"/>
-              </a:rPr>
-              <a:t>) = {</a:t>
-            </a:r>
-          </a:p>
-          <a:p>
-            <a:r>
-              <a:rPr lang="en-US" sz="4000" b="1" dirty="0" smtClean="0">
                 <a:solidFill>
                   <a:srgbClr val="7F0055"/>
                 </a:solidFill>
                 <a:latin typeface="Courier New"/>
               </a:rPr>
-              <a:t>  new</a:t>
-            </a:r>
-            <a:r>
-              <a:rPr lang="en-US" sz="4000" b="1" dirty="0" smtClean="0">
-                <a:latin typeface="Courier New"/>
-              </a:rPr>
-              <a:t> Matcher[Prop] {</a:t>
-            </a:r>
-          </a:p>
-          <a:p>
-            <a:r>
-              <a:rPr lang="en-US" sz="4000" b="1" dirty="0" smtClean="0">
+              <a:t>    </a:t>
+            </a:r>
+            <a:r>
+              <a:rPr lang="en-US" sz="3200" b="1" dirty="0" smtClean="0">
                 <a:solidFill>
                   <a:srgbClr val="7F0055"/>
                 </a:solidFill>
                 <a:latin typeface="Courier New"/>
               </a:rPr>
-              <a:t>    </a:t>
+              <a:t>def</a:t>
             </a:r>
             <a:r>
               <a:rPr lang="en-US" sz="3200" b="1" dirty="0" smtClean="0">
-                <a:solidFill>
-                  <a:srgbClr val="7F0055"/>
-                </a:solidFill>
-                <a:latin typeface="Courier New"/>
-              </a:rPr>
-              <a:t>def</a:t>
-            </a:r>
-            <a:r>
-              <a:rPr lang="en-US" sz="3200" b="1" dirty="0" smtClean="0">
-                <a:latin typeface="Courier New"/>
-              </a:rPr>
-              <a:t> apply(prop: =&gt;Prop) = </a:t>
-            </a:r>
-            <a:r>
-              <a:rPr lang="en-US" sz="3200" b="1" dirty="0" smtClean="0">
-                <a:latin typeface="Courier New"/>
-              </a:rPr>
-              <a:t>check(prop</a:t>
-            </a:r>
-            <a:r>
-              <a:rPr lang="en-US" sz="3200" b="1" dirty="0" smtClean="0">
-                <a:latin typeface="Courier New"/>
-              </a:rPr>
-              <a:t>)(p)</a:t>
+                <a:latin typeface="Courier New"/>
+              </a:rPr>
+              <a:t> apply(prop: =&gt;Prop) = check(prop)(p)</a:t>
             </a:r>
           </a:p>
           <a:p>
@@ -28745,7 +28133,7 @@
         </p:nvSpPr>
         <p:spPr>
           <a:xfrm>
-            <a:off x="3835400" y="1066800"/>
+            <a:off x="3835400" y="838200"/>
             <a:ext cx="7075976" cy="1107996"/>
           </a:xfrm>
           <a:prstGeom prst="rect">
@@ -28796,7 +28184,7 @@
         </p:blipFill>
         <p:spPr bwMode="auto">
           <a:xfrm>
-            <a:off x="558800" y="685800"/>
+            <a:off x="635000" y="609600"/>
             <a:ext cx="1676400" cy="1676401"/>
           </a:xfrm>
           <a:prstGeom prst="rect">
@@ -29682,7 +29070,7 @@
         </p:nvSpPr>
         <p:spPr>
           <a:xfrm>
-            <a:off x="711200" y="0"/>
+            <a:off x="558800" y="0"/>
             <a:ext cx="12509500" cy="914400"/>
           </a:xfrm>
           <a:ln/>
@@ -29719,7 +29107,7 @@
         </p:blipFill>
         <p:spPr bwMode="auto">
           <a:xfrm>
-            <a:off x="4140200" y="76200"/>
+            <a:off x="3987800" y="76200"/>
             <a:ext cx="2279542" cy="679257"/>
           </a:xfrm>
           <a:prstGeom prst="rect">
@@ -29975,7 +29363,7 @@
         </p:nvSpPr>
         <p:spPr>
           <a:xfrm>
-            <a:off x="711200" y="0"/>
+            <a:off x="558800" y="0"/>
             <a:ext cx="12509500" cy="914400"/>
           </a:xfrm>
           <a:ln/>
@@ -30054,7 +29442,7 @@
         </p:blipFill>
         <p:spPr bwMode="auto">
           <a:xfrm>
-            <a:off x="4140200" y="76200"/>
+            <a:off x="3987800" y="76200"/>
             <a:ext cx="2279542" cy="679257"/>
           </a:xfrm>
           <a:prstGeom prst="rect">
@@ -30071,8 +29459,8 @@
         </p:nvSpPr>
         <p:spPr>
           <a:xfrm>
-            <a:off x="330200" y="2971800"/>
-            <a:ext cx="12344400" cy="4585871"/>
+            <a:off x="711200" y="2971800"/>
+            <a:ext cx="11582400" cy="4585871"/>
           </a:xfrm>
           <a:prstGeom prst="rect">
             <a:avLst/>
@@ -30130,46 +29518,31 @@
               <a:rPr lang="en-US" sz="4400" b="1" dirty="0" smtClean="0">
                 <a:latin typeface="Courier New"/>
               </a:rPr>
-              <a:t> </a:t>
-            </a:r>
+              <a:t> in {</a:t>
+            </a:r>
+          </a:p>
+          <a:p>
             <a:r>
               <a:rPr lang="en-US" sz="4400" b="1" dirty="0" smtClean="0">
                 <a:latin typeface="Courier New"/>
               </a:rPr>
-              <a:t>in {</a:t>
-            </a:r>
-          </a:p>
-          <a:p>
+              <a:t>  error(</a:t>
+            </a:r>
             <a:r>
               <a:rPr lang="en-US" sz="4400" b="1" dirty="0" smtClean="0">
-                <a:latin typeface="Courier New"/>
-              </a:rPr>
-              <a:t>  </a:t>
+                <a:solidFill>
+                  <a:srgbClr val="2A00FF"/>
+                </a:solidFill>
+                <a:latin typeface="Courier New"/>
+              </a:rPr>
+              <a:t>"boom"</a:t>
             </a:r>
             <a:r>
               <a:rPr lang="en-US" sz="4400" b="1" dirty="0" smtClean="0">
                 <a:latin typeface="Courier New"/>
               </a:rPr>
-              <a:t>error(</a:t>
-            </a:r>
-            <a:r>
-              <a:rPr lang="en-US" sz="4400" b="1" dirty="0" smtClean="0">
-                <a:solidFill>
-                  <a:srgbClr val="2A00FF"/>
-                </a:solidFill>
-                <a:latin typeface="Courier New"/>
-              </a:rPr>
-              <a:t>"boom"</a:t>
-            </a:r>
-            <a:r>
-              <a:rPr lang="en-US" sz="4400" b="1" dirty="0" smtClean="0">
-                <a:latin typeface="Courier New"/>
-              </a:rPr>
               <a:t>)</a:t>
             </a:r>
-            <a:endParaRPr lang="en-US" sz="4400" b="1" dirty="0" smtClean="0">
-              <a:latin typeface="Courier New"/>
-            </a:endParaRPr>
           </a:p>
           <a:p>
             <a:r>
@@ -30261,105 +29634,7 @@
                                         <p:tgtEl>
                                           <p:spTgt spid="11">
                                             <p:txEl>
-                                              <p:pRg st="3" end="3"/>
-                                            </p:txEl>
-                                          </p:spTgt>
-                                        </p:tgtEl>
-                                        <p:attrNameLst>
-                                          <p:attrName>style.visibility</p:attrName>
-                                        </p:attrNameLst>
-                                      </p:cBhvr>
-                                      <p:to>
-                                        <p:strVal val="visible"/>
-                                      </p:to>
-                                    </p:set>
-                                  </p:childTnLst>
-                                </p:cTn>
-                              </p:par>
-                            </p:childTnLst>
-                          </p:cTn>
-                        </p:par>
-                      </p:childTnLst>
-                    </p:cTn>
-                  </p:par>
-                  <p:par>
-                    <p:cTn id="7" fill="hold">
-                      <p:stCondLst>
-                        <p:cond delay="indefinite"/>
-                      </p:stCondLst>
-                      <p:childTnLst>
-                        <p:par>
-                          <p:cTn id="8" fill="hold">
-                            <p:stCondLst>
-                              <p:cond delay="0"/>
-                            </p:stCondLst>
-                            <p:childTnLst>
-                              <p:par>
-                                <p:cTn id="9" presetID="1" presetClass="entr" presetSubtype="0" fill="hold" nodeType="clickEffect">
-                                  <p:stCondLst>
-                                    <p:cond delay="0"/>
-                                  </p:stCondLst>
-                                  <p:childTnLst>
-                                    <p:set>
-                                      <p:cBhvr>
-                                        <p:cTn id="10" dur="1" fill="hold">
-                                          <p:stCondLst>
-                                            <p:cond delay="0"/>
-                                          </p:stCondLst>
-                                        </p:cTn>
-                                        <p:tgtEl>
-                                          <p:spTgt spid="11">
-                                            <p:txEl>
                                               <p:pRg st="4" end="4"/>
-                                            </p:txEl>
-                                          </p:spTgt>
-                                        </p:tgtEl>
-                                        <p:attrNameLst>
-                                          <p:attrName>style.visibility</p:attrName>
-                                        </p:attrNameLst>
-                                      </p:cBhvr>
-                                      <p:to>
-                                        <p:strVal val="visible"/>
-                                      </p:to>
-                                    </p:set>
-                                  </p:childTnLst>
-                                </p:cTn>
-                              </p:par>
-                            </p:childTnLst>
-                          </p:cTn>
-                        </p:par>
-                      </p:childTnLst>
-                    </p:cTn>
-                  </p:par>
-                  <p:par>
-                    <p:cTn id="11" fill="hold">
-                      <p:stCondLst>
-                        <p:cond delay="indefinite"/>
-                      </p:stCondLst>
-                      <p:childTnLst>
-                        <p:par>
-                          <p:cTn id="12" fill="hold">
-                            <p:stCondLst>
-                              <p:cond delay="0"/>
-                            </p:stCondLst>
-                            <p:childTnLst>
-                              <p:par>
-                                <p:cTn id="13" presetID="1" presetClass="entr" presetSubtype="0" fill="hold" nodeType="clickEffect">
-                                  <p:stCondLst>
-                                    <p:cond delay="0"/>
-                                  </p:stCondLst>
-                                  <p:childTnLst>
-                                    <p:set>
-                                      <p:cBhvr>
-                                        <p:cTn id="14" dur="1" fill="hold">
-                                          <p:stCondLst>
-                                            <p:cond delay="0"/>
-                                          </p:stCondLst>
-                                        </p:cTn>
-                                        <p:tgtEl>
-                                          <p:spTgt spid="11">
-                                            <p:txEl>
-                                              <p:pRg st="5" end="5"/>
                                             </p:txEl>
                                           </p:spTgt>
                                         </p:tgtEl>
@@ -30434,7 +29709,7 @@
         </p:nvSpPr>
         <p:spPr>
           <a:xfrm>
-            <a:off x="711200" y="0"/>
+            <a:off x="558800" y="0"/>
             <a:ext cx="12509500" cy="914400"/>
           </a:xfrm>
           <a:ln/>
@@ -30462,7 +29737,7 @@
         </p:nvSpPr>
         <p:spPr>
           <a:xfrm>
-            <a:off x="3952046" y="838200"/>
+            <a:off x="3835400" y="838200"/>
             <a:ext cx="2861681" cy="1200329"/>
           </a:xfrm>
           <a:prstGeom prst="rect">
@@ -30513,7 +29788,7 @@
         </p:blipFill>
         <p:spPr bwMode="auto">
           <a:xfrm>
-            <a:off x="4140200" y="76200"/>
+            <a:off x="3987800" y="76200"/>
             <a:ext cx="2279542" cy="679257"/>
           </a:xfrm>
           <a:prstGeom prst="rect">
@@ -30627,9 +29902,6 @@
               </a:rPr>
               <a:t>) = </a:t>
             </a:r>
-            <a:endParaRPr lang="en-US" sz="4000" b="1" dirty="0" smtClean="0">
-              <a:latin typeface="Courier New"/>
-            </a:endParaRPr>
           </a:p>
           <a:p>
             <a:r>
@@ -30639,25 +29911,7 @@
                 </a:solidFill>
                 <a:latin typeface="Courier New"/>
               </a:rPr>
-              <a:t> </a:t>
-            </a:r>
-            <a:r>
-              <a:rPr lang="en-US" sz="4000" b="1" dirty="0" smtClean="0">
-                <a:solidFill>
-                  <a:srgbClr val="7F0055"/>
-                </a:solidFill>
-                <a:latin typeface="Courier New"/>
-              </a:rPr>
-              <a:t>   </a:t>
-            </a:r>
-            <a:r>
-              <a:rPr lang="en-US" sz="4000" b="1" dirty="0" smtClean="0">
-                <a:solidFill>
-                  <a:srgbClr val="7F0055"/>
-                </a:solidFill>
-                <a:latin typeface="Courier New"/>
-              </a:rPr>
-              <a:t>new </a:t>
+              <a:t>    new </a:t>
             </a:r>
             <a:r>
               <a:rPr lang="en-US" sz="4000" b="1" dirty="0" smtClean="0">
@@ -30740,7 +29994,7 @@
         </p:blipFill>
         <p:spPr bwMode="auto">
           <a:xfrm>
-            <a:off x="482600" y="762000"/>
+            <a:off x="482600" y="685800"/>
             <a:ext cx="1295400" cy="1295401"/>
           </a:xfrm>
           <a:prstGeom prst="rect">
@@ -30796,7 +30050,7 @@
         </p:nvSpPr>
         <p:spPr>
           <a:xfrm>
-            <a:off x="711200" y="0"/>
+            <a:off x="558800" y="0"/>
             <a:ext cx="12509500" cy="914400"/>
           </a:xfrm>
           <a:ln/>
@@ -30824,7 +30078,7 @@
         </p:nvSpPr>
         <p:spPr>
           <a:xfrm>
-            <a:off x="3952046" y="838200"/>
+            <a:off x="3835400" y="762000"/>
             <a:ext cx="2861681" cy="1200329"/>
           </a:xfrm>
           <a:prstGeom prst="rect">
@@ -30875,7 +30129,7 @@
         </p:blipFill>
         <p:spPr bwMode="auto">
           <a:xfrm>
-            <a:off x="4140200" y="76200"/>
+            <a:off x="3987800" y="76200"/>
             <a:ext cx="2279542" cy="679257"/>
           </a:xfrm>
           <a:prstGeom prst="rect">
@@ -30959,34 +30213,22 @@
               <a:rPr lang="en-US" sz="5400" b="1" dirty="0" smtClean="0">
                 <a:latin typeface="Courier New"/>
               </a:rPr>
-              <a:t> </a:t>
+              <a:t> in(e: =&gt;</a:t>
             </a:r>
             <a:r>
               <a:rPr lang="en-US" sz="5400" b="1" dirty="0" smtClean="0">
-                <a:latin typeface="Courier New"/>
-              </a:rPr>
-              <a:t>in(e: =&gt;</a:t>
+                <a:solidFill>
+                  <a:srgbClr val="7F0055"/>
+                </a:solidFill>
+                <a:latin typeface="Courier New"/>
+              </a:rPr>
+              <a:t>Any</a:t>
             </a:r>
             <a:r>
               <a:rPr lang="en-US" sz="5400" b="1" dirty="0" smtClean="0">
-                <a:solidFill>
-                  <a:srgbClr val="7F0055"/>
-                </a:solidFill>
-                <a:latin typeface="Courier New"/>
-              </a:rPr>
-              <a:t>Any</a:t>
-            </a:r>
-            <a:r>
-              <a:rPr lang="en-US" sz="5400" b="1" dirty="0" smtClean="0">
-                <a:latin typeface="Courier New"/>
-              </a:rPr>
-              <a:t>) = </a:t>
-            </a:r>
-            <a:r>
-              <a:rPr lang="en-US" sz="5400" b="1" dirty="0" smtClean="0">
-                <a:latin typeface="Courier New"/>
-              </a:rPr>
-              <a:t>…</a:t>
+                <a:latin typeface="Courier New"/>
+              </a:rPr>
+              <a:t>) = …</a:t>
             </a:r>
           </a:p>
           <a:p>
@@ -31028,7 +30270,7 @@
         </p:blipFill>
         <p:spPr bwMode="auto">
           <a:xfrm>
-            <a:off x="482600" y="762000"/>
+            <a:off x="482600" y="685800"/>
             <a:ext cx="1295400" cy="1295401"/>
           </a:xfrm>
           <a:prstGeom prst="rect">
@@ -31084,7 +30326,7 @@
         </p:nvSpPr>
         <p:spPr>
           <a:xfrm>
-            <a:off x="711200" y="0"/>
+            <a:off x="558800" y="0"/>
             <a:ext cx="12509500" cy="914400"/>
           </a:xfrm>
           <a:ln/>
@@ -31121,7 +30363,7 @@
         </p:blipFill>
         <p:spPr bwMode="auto">
           <a:xfrm>
-            <a:off x="4140200" y="76200"/>
+            <a:off x="3987800" y="76200"/>
             <a:ext cx="2279542" cy="679257"/>
           </a:xfrm>
           <a:prstGeom prst="rect">
@@ -31244,7 +30486,7 @@
               <a:rPr lang="es-ES" sz="4000" b="1" dirty="0" smtClean="0">
                 <a:latin typeface="Courier New"/>
               </a:rPr>
-              <a:t>    </a:t>
+              <a:t>   </a:t>
             </a:r>
             <a:r>
               <a:rPr lang="es-ES" sz="4000" b="1" dirty="0" smtClean="0">
@@ -31259,13 +30501,13 @@
               <a:rPr lang="es-ES" sz="4000" b="1" dirty="0" smtClean="0">
                 <a:latin typeface="Courier New"/>
               </a:rPr>
-              <a:t> (a, b) = (x, y</a:t>
+              <a:t> </a:t>
             </a:r>
             <a:r>
               <a:rPr lang="es-ES" sz="4000" b="1" dirty="0" smtClean="0">
                 <a:latin typeface="Courier New"/>
               </a:rPr>
-              <a:t>)</a:t>
+              <a:t>(a, b) = (x, y)</a:t>
             </a:r>
           </a:p>
           <a:p>
@@ -31359,7 +30601,7 @@
         </p:blipFill>
         <p:spPr bwMode="auto">
           <a:xfrm>
-            <a:off x="558800" y="914400"/>
+            <a:off x="558800" y="838200"/>
             <a:ext cx="1295400" cy="1295401"/>
           </a:xfrm>
           <a:prstGeom prst="rect">
@@ -31539,7 +30781,7 @@
         </p:nvSpPr>
         <p:spPr>
           <a:xfrm>
-            <a:off x="711200" y="0"/>
+            <a:off x="558800" y="0"/>
             <a:ext cx="12509500" cy="914400"/>
           </a:xfrm>
           <a:ln/>
@@ -31612,7 +30854,7 @@
         </p:blipFill>
         <p:spPr bwMode="auto">
           <a:xfrm>
-            <a:off x="4140200" y="76200"/>
+            <a:off x="3987800" y="76200"/>
             <a:ext cx="2279542" cy="679257"/>
           </a:xfrm>
           <a:prstGeom prst="rect">
@@ -31695,43 +30937,28 @@
               <a:rPr lang="en-US" sz="4400" b="1" dirty="0" smtClean="0">
                 <a:latin typeface="Courier New"/>
               </a:rPr>
-              <a:t> </a:t>
+              <a:t> method[T](</a:t>
+            </a:r>
+            <a:r>
+              <a:rPr lang="en-US" sz="4400" b="1" dirty="0" err="1" smtClean="0">
+                <a:latin typeface="Courier New"/>
+              </a:rPr>
+              <a:t>params</a:t>
             </a:r>
             <a:r>
               <a:rPr lang="en-US" sz="4400" b="1" dirty="0" smtClean="0">
                 <a:latin typeface="Courier New"/>
               </a:rPr>
-              <a:t>method[T](</a:t>
-            </a:r>
-            <a:r>
-              <a:rPr lang="en-US" sz="4400" b="1" dirty="0" err="1" smtClean="0">
-                <a:latin typeface="Courier New"/>
-              </a:rPr>
-              <a:t>params</a:t>
-            </a:r>
+              <a:t>: =&gt;T*)</a:t>
+            </a:r>
+          </a:p>
+          <a:p>
             <a:r>
               <a:rPr lang="en-US" sz="4400" b="1" dirty="0" smtClean="0">
                 <a:latin typeface="Courier New"/>
               </a:rPr>
-              <a:t>: =&gt;T</a:t>
-            </a:r>
-            <a:r>
-              <a:rPr lang="en-US" sz="4400" b="1" dirty="0" smtClean="0">
-                <a:latin typeface="Courier New"/>
-              </a:rPr>
-              <a:t>*)</a:t>
-            </a:r>
-          </a:p>
-          <a:p>
-            <a:r>
-              <a:rPr lang="en-US" sz="4400" b="1" dirty="0" smtClean="0">
-                <a:latin typeface="Courier New"/>
-              </a:rPr>
               <a:t>                                </a:t>
             </a:r>
-            <a:endParaRPr lang="en-US" sz="4400" b="1" dirty="0" smtClean="0">
-              <a:latin typeface="Courier New"/>
-            </a:endParaRPr>
           </a:p>
           <a:p>
             <a:endParaRPr lang="en-US" sz="4400" dirty="0" smtClean="0">
@@ -31743,31 +30970,19 @@
               <a:rPr lang="en-US" sz="4400" b="1" dirty="0" smtClean="0">
                 <a:latin typeface="Courier New"/>
               </a:rPr>
-              <a:t> method(1</a:t>
+              <a:t> method(1., 2., </a:t>
+            </a:r>
+            <a:r>
+              <a:rPr lang="en-US" sz="4400" b="1" dirty="0" err="1" smtClean="0">
+                <a:latin typeface="Courier New"/>
+              </a:rPr>
+              <a:t>math.pow</a:t>
             </a:r>
             <a:r>
               <a:rPr lang="en-US" sz="4400" b="1" dirty="0" smtClean="0">
                 <a:latin typeface="Courier New"/>
               </a:rPr>
-              <a:t>., 2., </a:t>
-            </a:r>
-            <a:r>
-              <a:rPr lang="en-US" sz="4400" b="1" dirty="0" err="1" smtClean="0">
-                <a:latin typeface="Courier New"/>
-              </a:rPr>
-              <a:t>math.pow</a:t>
-            </a:r>
-            <a:r>
-              <a:rPr lang="en-US" sz="4400" b="1" dirty="0" smtClean="0">
-                <a:latin typeface="Courier New"/>
-              </a:rPr>
-              <a:t>(100, 100</a:t>
-            </a:r>
-            <a:r>
-              <a:rPr lang="en-US" sz="4400" b="1" dirty="0" smtClean="0">
-                <a:latin typeface="Courier New"/>
-              </a:rPr>
-              <a:t>))</a:t>
+              <a:t>(100, 100))</a:t>
             </a:r>
           </a:p>
           <a:p>
@@ -31794,7 +31009,7 @@
         </p:blipFill>
         <p:spPr bwMode="auto">
           <a:xfrm>
-            <a:off x="635000" y="685800"/>
+            <a:off x="558800" y="609600"/>
             <a:ext cx="1295400" cy="1295401"/>
           </a:xfrm>
           <a:prstGeom prst="rect">
@@ -32089,7 +31304,7 @@
         </p:nvSpPr>
         <p:spPr>
           <a:xfrm>
-            <a:off x="711200" y="0"/>
+            <a:off x="558800" y="0"/>
             <a:ext cx="12509500" cy="914400"/>
           </a:xfrm>
           <a:ln/>
@@ -32117,7 +31332,7 @@
         </p:nvSpPr>
         <p:spPr>
           <a:xfrm>
-            <a:off x="3987800" y="762000"/>
+            <a:off x="3835400" y="762000"/>
             <a:ext cx="7718780" cy="1107996"/>
           </a:xfrm>
           <a:prstGeom prst="rect">
@@ -32162,7 +31377,7 @@
         </p:blipFill>
         <p:spPr bwMode="auto">
           <a:xfrm>
-            <a:off x="4140200" y="76200"/>
+            <a:off x="3987800" y="76200"/>
             <a:ext cx="2279542" cy="679257"/>
           </a:xfrm>
           <a:prstGeom prst="rect">
@@ -32237,48 +31452,24 @@
               <a:rPr lang="en-US" sz="4000" b="1" dirty="0" smtClean="0">
                 <a:latin typeface="Courier New"/>
               </a:rPr>
-              <a:t> lazyfy[T](value: =&gt;T</a:t>
-            </a:r>
+              <a:t> lazyfy[T](value: =&gt;T) =    </a:t>
+            </a:r>
+          </a:p>
+          <a:p>
             <a:r>
               <a:rPr lang="en-US" sz="4000" b="1" dirty="0" smtClean="0">
-                <a:latin typeface="Courier New"/>
-              </a:rPr>
-              <a:t>) =    </a:t>
-            </a:r>
-            <a:endParaRPr lang="en-US" sz="4000" b="1" dirty="0" smtClean="0">
-              <a:latin typeface="Courier New"/>
-            </a:endParaRPr>
-          </a:p>
-          <a:p>
+                <a:solidFill>
+                  <a:srgbClr val="7F0055"/>
+                </a:solidFill>
+                <a:latin typeface="Courier New"/>
+              </a:rPr>
+              <a:t>  new</a:t>
+            </a:r>
             <a:r>
               <a:rPr lang="en-US" sz="4000" b="1" dirty="0" smtClean="0">
-                <a:solidFill>
-                  <a:srgbClr val="7F0055"/>
-                </a:solidFill>
-                <a:latin typeface="Courier New"/>
-              </a:rPr>
-              <a:t>  </a:t>
-            </a:r>
-            <a:r>
-              <a:rPr lang="en-US" sz="4000" b="1" dirty="0" smtClean="0">
-                <a:solidFill>
-                  <a:srgbClr val="7F0055"/>
-                </a:solidFill>
-                <a:latin typeface="Courier New"/>
-              </a:rPr>
-              <a:t>new</a:t>
-            </a:r>
-            <a:r>
-              <a:rPr lang="en-US" sz="4000" b="1" dirty="0" smtClean="0">
-                <a:latin typeface="Courier New"/>
-              </a:rPr>
-              <a:t> </a:t>
-            </a:r>
-            <a:r>
-              <a:rPr lang="en-US" sz="4000" b="1" dirty="0" smtClean="0">
-                <a:latin typeface="Courier New"/>
-              </a:rPr>
-              <a:t>LazyParameter(() =&gt; value)</a:t>
+                <a:latin typeface="Courier New"/>
+              </a:rPr>
+              <a:t> LazyParameter(() =&gt; value)</a:t>
             </a:r>
           </a:p>
           <a:p>
@@ -32371,9 +31562,6 @@
               </a:rPr>
               <a:t>}</a:t>
             </a:r>
-            <a:endParaRPr lang="en-US" sz="4000" dirty="0" smtClean="0">
-              <a:latin typeface="Courier New"/>
-            </a:endParaRPr>
           </a:p>
           <a:p>
             <a:endParaRPr lang="en-US" sz="4000" dirty="0" smtClean="0">
@@ -32744,7 +31932,7 @@
         </p:nvSpPr>
         <p:spPr>
           <a:xfrm>
-            <a:off x="711200" y="0"/>
+            <a:off x="558800" y="0"/>
             <a:ext cx="12509500" cy="914400"/>
           </a:xfrm>
           <a:ln/>
@@ -32772,7 +31960,7 @@
         </p:nvSpPr>
         <p:spPr>
           <a:xfrm>
-            <a:off x="3987800" y="762000"/>
+            <a:off x="3835400" y="762000"/>
             <a:ext cx="7718780" cy="1107996"/>
           </a:xfrm>
           <a:prstGeom prst="rect">
@@ -32817,7 +32005,7 @@
         </p:blipFill>
         <p:spPr bwMode="auto">
           <a:xfrm>
-            <a:off x="4140200" y="76200"/>
+            <a:off x="3987800" y="76200"/>
             <a:ext cx="2279542" cy="679257"/>
           </a:xfrm>
           <a:prstGeom prst="rect">
@@ -32890,13 +32078,7 @@
               <a:rPr lang="en-US" sz="4000" b="1" dirty="0" smtClean="0">
                 <a:latin typeface="Courier New"/>
               </a:rPr>
-              <a:t> </a:t>
-            </a:r>
-            <a:r>
-              <a:rPr lang="en-US" sz="4000" b="1" dirty="0" smtClean="0">
-                <a:latin typeface="Courier New"/>
-              </a:rPr>
-              <a:t>method[T](</a:t>
+              <a:t> method[T](</a:t>
             </a:r>
             <a:r>
               <a:rPr lang="en-US" sz="4000" b="1" dirty="0" err="1" smtClean="0">
@@ -33303,7 +32485,7 @@
                 <a:buNone/>
                 <a:tabLst/>
               </a:pPr>
-              <a:t>Saturday, July 03, 2010</a:t>
+              <a:t>Tuesday, July 13, 2010</a:t>
             </a:fld>
             <a:endParaRPr kumimoji="0" lang="en-US" sz="4000" b="0" i="0" u="none" strike="noStrike" cap="none" normalizeH="0" baseline="0" dirty="0" smtClean="0">
               <a:ln>
@@ -33726,7 +32908,7 @@
         </p:nvSpPr>
         <p:spPr>
           <a:xfrm>
-            <a:off x="711200" y="0"/>
+            <a:off x="558800" y="0"/>
             <a:ext cx="12509500" cy="914400"/>
           </a:xfrm>
           <a:ln/>
@@ -33763,7 +32945,7 @@
         </p:blipFill>
         <p:spPr bwMode="auto">
           <a:xfrm>
-            <a:off x="4140200" y="76200"/>
+            <a:off x="3987800" y="76200"/>
             <a:ext cx="2279542" cy="679257"/>
           </a:xfrm>
           <a:prstGeom prst="rect">
@@ -33781,7 +32963,7 @@
         <p:spPr>
           <a:xfrm>
             <a:off x="330200" y="2971800"/>
-            <a:ext cx="12344400" cy="4401205"/>
+            <a:ext cx="12344400" cy="5324535"/>
           </a:xfrm>
           <a:prstGeom prst="rect">
             <a:avLst/>
@@ -33800,7 +32982,7 @@
           <a:lstStyle/>
           <a:p>
             <a:r>
-              <a:rPr lang="en-US" sz="2800" b="1" dirty="0" smtClean="0">
+              <a:rPr lang="en-US" sz="3200" b="1" dirty="0" smtClean="0">
                 <a:solidFill>
                   <a:srgbClr val="7F0055"/>
                 </a:solidFill>
@@ -33809,19 +32991,19 @@
               <a:t>class</a:t>
             </a:r>
             <a:r>
-              <a:rPr lang="en-US" sz="2800" b="1" dirty="0" smtClean="0">
+              <a:rPr lang="en-US" sz="3200" b="1" dirty="0" smtClean="0">
                 <a:latin typeface="Courier New"/>
               </a:rPr>
               <a:t> </a:t>
             </a:r>
             <a:r>
-              <a:rPr lang="en-US" sz="2800" b="1" dirty="0" err="1" smtClean="0">
+              <a:rPr lang="en-US" sz="3200" b="1" dirty="0" err="1" smtClean="0">
                 <a:latin typeface="Courier New"/>
               </a:rPr>
               <a:t>ExampleDesc</a:t>
             </a:r>
             <a:r>
-              <a:rPr lang="en-US" sz="2800" b="1" dirty="0" smtClean="0">
+              <a:rPr lang="en-US" sz="3200" b="1" dirty="0" smtClean="0">
                 <a:latin typeface="Courier New"/>
               </a:rPr>
               <a:t>(d: String) {</a:t>
@@ -33829,7 +33011,7 @@
           </a:p>
           <a:p>
             <a:r>
-              <a:rPr lang="en-US" sz="2800" b="1" dirty="0" smtClean="0">
+              <a:rPr lang="en-US" sz="3200" b="1" dirty="0" smtClean="0">
                 <a:solidFill>
                   <a:srgbClr val="7F0055"/>
                 </a:solidFill>
@@ -33838,13 +33020,13 @@
               <a:t>  def</a:t>
             </a:r>
             <a:r>
-              <a:rPr lang="en-US" sz="2800" b="1" dirty="0" smtClean="0">
+              <a:rPr lang="en-US" sz="3200" b="1" dirty="0" smtClean="0">
                 <a:latin typeface="Courier New"/>
               </a:rPr>
               <a:t> &gt;&gt;(e: =&gt;</a:t>
             </a:r>
             <a:r>
-              <a:rPr lang="en-US" sz="2800" b="1" dirty="0" smtClean="0">
+              <a:rPr lang="en-US" sz="3200" b="1" dirty="0" smtClean="0">
                 <a:solidFill>
                   <a:srgbClr val="7F0055"/>
                 </a:solidFill>
@@ -33853,13 +33035,19 @@
               <a:t>Any</a:t>
             </a:r>
             <a:r>
-              <a:rPr lang="en-US" sz="2800" b="1" dirty="0" smtClean="0">
-                <a:latin typeface="Courier New"/>
-              </a:rPr>
-              <a:t>): Example = </a:t>
-            </a:r>
-            <a:r>
-              <a:rPr lang="en-US" sz="2800" b="1" dirty="0" smtClean="0">
+              <a:rPr lang="en-US" sz="3200" b="1" dirty="0" smtClean="0">
+                <a:latin typeface="Courier New"/>
+              </a:rPr>
+              <a:t>) </a:t>
+            </a:r>
+            <a:r>
+              <a:rPr lang="en-US" sz="3200" b="1" dirty="0" smtClean="0">
+                <a:latin typeface="Courier New"/>
+              </a:rPr>
+              <a:t>= </a:t>
+            </a:r>
+            <a:r>
+              <a:rPr lang="en-US" sz="3200" b="1" dirty="0" smtClean="0">
                 <a:solidFill>
                   <a:srgbClr val="7F0055"/>
                 </a:solidFill>
@@ -33868,7 +33056,7 @@
               <a:t>new</a:t>
             </a:r>
             <a:r>
-              <a:rPr lang="en-US" sz="2800" b="1" dirty="0" smtClean="0">
+              <a:rPr lang="en-US" sz="3200" b="1" dirty="0" smtClean="0">
                 <a:latin typeface="Courier New"/>
               </a:rPr>
               <a:t> Example(d, e)</a:t>
@@ -33876,7 +33064,7 @@
           </a:p>
           <a:p>
             <a:r>
-              <a:rPr lang="en-US" sz="2800" dirty="0" smtClean="0">
+              <a:rPr lang="en-US" sz="3200" b="1" dirty="0" smtClean="0">
                 <a:latin typeface="Courier New"/>
               </a:rPr>
               <a:t>}</a:t>
@@ -33892,7 +33080,7 @@
           </a:p>
           <a:p>
             <a:r>
-              <a:rPr lang="en-US" sz="2800" dirty="0" smtClean="0">
+              <a:rPr lang="en-US" sz="3600" b="1" dirty="0" smtClean="0">
                 <a:solidFill>
                   <a:srgbClr val="2A00FF"/>
                 </a:solidFill>
@@ -33901,7 +33089,7 @@
               <a:t>"When I setup the system"</a:t>
             </a:r>
             <a:r>
-              <a:rPr lang="en-US" sz="2800" dirty="0" smtClean="0">
+              <a:rPr lang="en-US" sz="3600" b="1" dirty="0" smtClean="0">
                 <a:latin typeface="Courier New"/>
               </a:rPr>
               <a:t> &gt;&gt; {</a:t>
@@ -33909,7 +33097,7 @@
           </a:p>
           <a:p>
             <a:r>
-              <a:rPr lang="en-US" sz="2800" dirty="0" smtClean="0">
+              <a:rPr lang="en-US" sz="3600" b="1" dirty="0" smtClean="0">
                 <a:solidFill>
                   <a:srgbClr val="2A00FF"/>
                 </a:solidFill>
@@ -33918,7 +33106,7 @@
               <a:t>  "And a customer is entered"</a:t>
             </a:r>
             <a:r>
-              <a:rPr lang="en-US" sz="2800" dirty="0" smtClean="0">
+              <a:rPr lang="en-US" sz="3600" b="1" dirty="0" smtClean="0">
                 <a:latin typeface="Courier New"/>
               </a:rPr>
               <a:t> &gt;&gt; {</a:t>
@@ -33926,13 +33114,13 @@
           </a:p>
           <a:p>
             <a:r>
-              <a:rPr lang="en-US" sz="2800" dirty="0" smtClean="0">
+              <a:rPr lang="en-US" sz="3600" b="1" dirty="0" smtClean="0">
                 <a:latin typeface="Courier New"/>
               </a:rPr>
               <a:t>    </a:t>
             </a:r>
             <a:r>
-              <a:rPr lang="en-US" sz="2800" dirty="0" smtClean="0">
+              <a:rPr lang="en-US" sz="3600" b="1" dirty="0" smtClean="0">
                 <a:solidFill>
                   <a:srgbClr val="2A00FF"/>
                 </a:solidFill>
@@ -33941,7 +33129,7 @@
               <a:t>"if he has a discount"</a:t>
             </a:r>
             <a:r>
-              <a:rPr lang="en-US" sz="2800" dirty="0" smtClean="0">
+              <a:rPr lang="en-US" sz="3600" b="1" dirty="0" smtClean="0">
                 <a:latin typeface="Courier New"/>
               </a:rPr>
               <a:t> &gt;&gt; {}</a:t>
@@ -33949,13 +33137,13 @@
           </a:p>
           <a:p>
             <a:r>
-              <a:rPr lang="en-US" sz="2800" dirty="0" smtClean="0">
+              <a:rPr lang="en-US" sz="3600" b="1" dirty="0" smtClean="0">
                 <a:latin typeface="Courier New"/>
               </a:rPr>
               <a:t>    </a:t>
             </a:r>
             <a:r>
-              <a:rPr lang="en-US" sz="2800" dirty="0" smtClean="0">
+              <a:rPr lang="en-US" sz="3600" b="1" dirty="0" smtClean="0">
                 <a:solidFill>
                   <a:srgbClr val="2A00FF"/>
                 </a:solidFill>
@@ -33964,7 +33152,7 @@
               <a:t>"if he doesn't have a discount"</a:t>
             </a:r>
             <a:r>
-              <a:rPr lang="en-US" sz="2800" dirty="0" smtClean="0">
+              <a:rPr lang="en-US" sz="3600" b="1" dirty="0" smtClean="0">
                 <a:latin typeface="Courier New"/>
               </a:rPr>
               <a:t> &gt;&gt; {}</a:t>
@@ -33972,7 +33160,7 @@
           </a:p>
           <a:p>
             <a:r>
-              <a:rPr lang="en-US" sz="2800" dirty="0" smtClean="0">
+              <a:rPr lang="en-US" sz="3600" b="1" dirty="0" smtClean="0">
                 <a:latin typeface="Courier New"/>
               </a:rPr>
               <a:t>  }</a:t>
@@ -33980,12 +33168,12 @@
           </a:p>
           <a:p>
             <a:r>
-              <a:rPr lang="en-US" sz="2800" dirty="0" smtClean="0">
+              <a:rPr lang="en-US" sz="3600" b="1" dirty="0" smtClean="0">
                 <a:latin typeface="Courier New"/>
               </a:rPr>
               <a:t>}</a:t>
             </a:r>
-            <a:endParaRPr lang="en-US" sz="2800" b="1" dirty="0" smtClean="0">
+            <a:endParaRPr lang="en-US" sz="3600" b="1" dirty="0" smtClean="0">
               <a:solidFill>
                 <a:srgbClr val="7F0055"/>
               </a:solidFill>
@@ -34002,7 +33190,7 @@
         </p:nvSpPr>
         <p:spPr>
           <a:xfrm>
-            <a:off x="3881457" y="990600"/>
+            <a:off x="3835400" y="914400"/>
             <a:ext cx="4068743" cy="1200329"/>
           </a:xfrm>
           <a:prstGeom prst="rect">
@@ -34379,12 +33567,6 @@
               </a:rPr>
               <a:t> </a:t>
             </a:r>
-            <a:endParaRPr lang="en-US" sz="3600" b="1" dirty="0" smtClean="0">
-              <a:solidFill>
-                <a:srgbClr val="00B050"/>
-              </a:solidFill>
-              <a:latin typeface="Courier New"/>
-            </a:endParaRPr>
           </a:p>
           <a:p>
             <a:r>
@@ -34424,12 +33606,6 @@
               </a:rPr>
               <a:t> </a:t>
             </a:r>
-            <a:endParaRPr lang="en-US" sz="3600" b="1" dirty="0" smtClean="0">
-              <a:solidFill>
-                <a:srgbClr val="00B050"/>
-              </a:solidFill>
-              <a:latin typeface="Courier New"/>
-            </a:endParaRPr>
           </a:p>
           <a:p>
             <a:r>
@@ -34474,13 +33650,7 @@
               <a:rPr lang="en-US" sz="3600" b="1" dirty="0" smtClean="0">
                 <a:latin typeface="Courier New"/>
               </a:rPr>
-              <a:t> </a:t>
-            </a:r>
-            <a:r>
-              <a:rPr lang="en-US" sz="3600" b="1" dirty="0" smtClean="0">
-                <a:latin typeface="Courier New"/>
-              </a:rPr>
-              <a:t>&gt; </a:t>
+              <a:t> &gt; </a:t>
             </a:r>
             <a:r>
               <a:rPr lang="en-US" sz="3600" dirty="0" smtClean="0">
@@ -34614,7 +33784,7 @@
         </p:nvSpPr>
         <p:spPr>
           <a:xfrm>
-            <a:off x="711200" y="0"/>
+            <a:off x="558800" y="0"/>
             <a:ext cx="12509500" cy="914400"/>
           </a:xfrm>
           <a:ln/>
@@ -34642,7 +33812,7 @@
         </p:nvSpPr>
         <p:spPr>
           <a:xfrm>
-            <a:off x="3987800" y="914400"/>
+            <a:off x="3835400" y="838200"/>
             <a:ext cx="4102406" cy="1107996"/>
           </a:xfrm>
           <a:prstGeom prst="rect">
@@ -34692,7 +33862,7 @@
         </p:blipFill>
         <p:spPr bwMode="auto">
           <a:xfrm>
-            <a:off x="4140200" y="76200"/>
+            <a:off x="3987800" y="76200"/>
             <a:ext cx="2279542" cy="679257"/>
           </a:xfrm>
           <a:prstGeom prst="rect">
@@ -34732,7 +33902,7 @@
           <a:lstStyle/>
           <a:p>
             <a:r>
-              <a:rPr lang="en-US" sz="3200" dirty="0" smtClean="0">
+              <a:rPr lang="en-US" sz="3200" b="1" dirty="0" smtClean="0">
                 <a:solidFill>
                   <a:srgbClr val="3F5FBF"/>
                 </a:solidFill>
@@ -34743,7 +33913,7 @@
           </a:p>
           <a:p>
             <a:r>
-              <a:rPr lang="en-US" sz="3200" dirty="0" smtClean="0">
+              <a:rPr lang="en-US" sz="3200" b="1" dirty="0" smtClean="0">
                 <a:solidFill>
                   <a:srgbClr val="3F5FBF"/>
                 </a:solidFill>
@@ -34752,7 +33922,7 @@
               <a:t> * Fit</a:t>
             </a:r>
             <a:r>
-              <a:rPr lang="en-US" sz="3200" dirty="0" smtClean="0">
+              <a:rPr lang="en-US" sz="3200" b="1" dirty="0" smtClean="0">
                 <a:solidFill>
                   <a:srgbClr val="7F7F9F"/>
                 </a:solidFill>
@@ -34761,7 +33931,7 @@
               <a:t>-</a:t>
             </a:r>
             <a:r>
-              <a:rPr lang="en-US" sz="3200" dirty="0" smtClean="0">
+              <a:rPr lang="en-US" sz="3200" b="1" dirty="0" smtClean="0">
                 <a:solidFill>
                   <a:srgbClr val="3F5FBF"/>
                 </a:solidFill>
@@ -34770,7 +33940,7 @@
               <a:t>like table in </a:t>
             </a:r>
             <a:r>
-              <a:rPr lang="en-US" sz="3200" dirty="0" err="1" smtClean="0">
+              <a:rPr lang="en-US" sz="3200" b="1" dirty="0" err="1" smtClean="0">
                 <a:solidFill>
                   <a:srgbClr val="3F5FBF"/>
                 </a:solidFill>
@@ -34779,7 +33949,7 @@
               <a:t>Scala</a:t>
             </a:r>
             <a:r>
-              <a:rPr lang="en-US" sz="3200" dirty="0" smtClean="0">
+              <a:rPr lang="en-US" sz="3200" b="1" dirty="0" smtClean="0">
                 <a:solidFill>
                   <a:srgbClr val="3F5FBF"/>
                 </a:solidFill>
@@ -34790,7 +33960,7 @@
           </a:p>
           <a:p>
             <a:r>
-              <a:rPr lang="en-US" sz="3200" dirty="0" smtClean="0">
+              <a:rPr lang="en-US" sz="3200" b="1" dirty="0" smtClean="0">
                 <a:solidFill>
                   <a:srgbClr val="3F5FBF"/>
                 </a:solidFill>
@@ -34801,7 +33971,7 @@
           </a:p>
           <a:p>
             <a:r>
-              <a:rPr lang="en-US" sz="3200" dirty="0" smtClean="0">
+              <a:rPr lang="en-US" sz="3200" b="1" dirty="0" smtClean="0">
                 <a:solidFill>
                   <a:srgbClr val="3F5FBF"/>
                 </a:solidFill>
@@ -34812,7 +33982,7 @@
           </a:p>
           <a:p>
             <a:r>
-              <a:rPr lang="en-US" sz="3200" dirty="0" smtClean="0">
+              <a:rPr lang="en-US" sz="3200" b="1" dirty="0" smtClean="0">
                 <a:solidFill>
                   <a:srgbClr val="3F5FBF"/>
                 </a:solidFill>
@@ -34823,53 +33993,29 @@
           </a:p>
           <a:p>
             <a:r>
-              <a:rPr lang="en-US" sz="3200" dirty="0" smtClean="0">
+              <a:rPr lang="en-US" sz="3200" b="1" dirty="0" smtClean="0">
                 <a:solidFill>
                   <a:srgbClr val="3F5FBF"/>
                 </a:solidFill>
                 <a:latin typeface="Courier New"/>
               </a:rPr>
-              <a:t> *  | 2 | 2 | 4 </a:t>
-            </a:r>
-            <a:r>
-              <a:rPr lang="en-US" sz="3200" dirty="0" smtClean="0">
+              <a:t> *  | 2 | 2 | 4 |</a:t>
+            </a:r>
+          </a:p>
+          <a:p>
+            <a:r>
+              <a:rPr lang="en-US" sz="3200" b="1" dirty="0" smtClean="0">
                 <a:solidFill>
                   <a:srgbClr val="3F5FBF"/>
                 </a:solidFill>
                 <a:latin typeface="Courier New"/>
               </a:rPr>
-              <a:t>|</a:t>
-            </a:r>
-          </a:p>
-          <a:p>
-            <a:r>
-              <a:rPr lang="en-US" sz="3200" dirty="0" smtClean="0">
-                <a:solidFill>
-                  <a:srgbClr val="3F5FBF"/>
-                </a:solidFill>
-                <a:latin typeface="Courier New"/>
-              </a:rPr>
-              <a:t> </a:t>
-            </a:r>
-            <a:r>
-              <a:rPr lang="en-US" sz="3200" dirty="0" smtClean="0">
-                <a:solidFill>
-                  <a:srgbClr val="3F5FBF"/>
-                </a:solidFill>
-                <a:latin typeface="Courier New"/>
-              </a:rPr>
-              <a:t>*</a:t>
-            </a:r>
-            <a:endParaRPr lang="en-US" sz="3200" dirty="0" smtClean="0">
-              <a:solidFill>
-                <a:srgbClr val="3F5FBF"/>
-              </a:solidFill>
-              <a:latin typeface="Courier New"/>
-            </a:endParaRPr>
-          </a:p>
-          <a:p>
-            <a:r>
-              <a:rPr lang="en-US" sz="3200" dirty="0" smtClean="0">
+              <a:t> *</a:t>
+            </a:r>
+          </a:p>
+          <a:p>
+            <a:r>
+              <a:rPr lang="en-US" sz="3200" b="1" dirty="0" smtClean="0">
                 <a:solidFill>
                   <a:srgbClr val="3F5FBF"/>
                 </a:solidFill>
@@ -35190,7 +34336,7 @@
         </p:nvSpPr>
         <p:spPr>
           <a:xfrm>
-            <a:off x="711200" y="0"/>
+            <a:off x="558800" y="0"/>
             <a:ext cx="12509500" cy="914400"/>
           </a:xfrm>
           <a:ln/>
@@ -35271,7 +34417,7 @@
         </p:blipFill>
         <p:spPr bwMode="auto">
           <a:xfrm>
-            <a:off x="4140200" y="76200"/>
+            <a:off x="3987800" y="76200"/>
             <a:ext cx="2279542" cy="679257"/>
           </a:xfrm>
           <a:prstGeom prst="rect">
@@ -35371,27 +34517,30 @@
               <a:rPr lang="en-US" sz="3600" b="1" dirty="0" smtClean="0">
                 <a:latin typeface="Courier New"/>
               </a:rPr>
-              <a:t> </a:t>
+              <a:t> {</a:t>
+            </a:r>
+          </a:p>
+          <a:p>
+            <a:r>
+              <a:rPr lang="en-US" sz="3600" dirty="0" smtClean="0">
+                <a:solidFill>
+                  <a:srgbClr val="2A00FF"/>
+                </a:solidFill>
+                <a:latin typeface="Courier New"/>
+              </a:rPr>
+              <a:t>  </a:t>
             </a:r>
             <a:r>
               <a:rPr lang="en-US" sz="3600" b="1" dirty="0" smtClean="0">
-                <a:latin typeface="Courier New"/>
-              </a:rPr>
-              <a:t>{</a:t>
-            </a:r>
-          </a:p>
-          <a:p>
-            <a:r>
-              <a:rPr lang="en-US" sz="3600" dirty="0" smtClean="0">
                 <a:solidFill>
                   <a:srgbClr val="2A00FF"/>
                 </a:solidFill>
                 <a:latin typeface="Courier New"/>
               </a:rPr>
-              <a:t>  "lots of examples"</a:t>
-            </a:r>
-            <a:r>
-              <a:rPr lang="en-US" sz="3600" dirty="0" smtClean="0">
+              <a:t>"lots of examples"</a:t>
+            </a:r>
+            <a:r>
+              <a:rPr lang="en-US" sz="3600" b="1" dirty="0" smtClean="0">
                 <a:latin typeface="Courier New"/>
               </a:rPr>
               <a:t> &gt;&gt; {</a:t>
@@ -35399,13 +34548,13 @@
           </a:p>
           <a:p>
             <a:r>
-              <a:rPr lang="en-US" sz="3600" dirty="0" smtClean="0">
+              <a:rPr lang="en-US" sz="3600" b="1" dirty="0" smtClean="0">
                 <a:latin typeface="Courier New"/>
               </a:rPr>
               <a:t>    </a:t>
             </a:r>
             <a:r>
-              <a:rPr lang="en-US" sz="3600" dirty="0" smtClean="0">
+              <a:rPr lang="en-US" sz="3600" b="1" dirty="0" smtClean="0">
                 <a:solidFill>
                   <a:srgbClr val="2A00FF"/>
                 </a:solidFill>
@@ -35414,13 +34563,13 @@
               <a:t>"a"</a:t>
             </a:r>
             <a:r>
-              <a:rPr lang="en-US" sz="3600" dirty="0" smtClean="0">
+              <a:rPr lang="en-US" sz="3600" b="1" dirty="0" smtClean="0">
                 <a:latin typeface="Courier New"/>
               </a:rPr>
               <a:t> | </a:t>
             </a:r>
             <a:r>
-              <a:rPr lang="en-US" sz="3600" dirty="0" smtClean="0">
+              <a:rPr lang="en-US" sz="3600" b="1" dirty="0" smtClean="0">
                 <a:solidFill>
                   <a:srgbClr val="2A00FF"/>
                 </a:solidFill>
@@ -35429,13 +34578,13 @@
               <a:t>"b"</a:t>
             </a:r>
             <a:r>
-              <a:rPr lang="en-US" sz="3600" dirty="0" smtClean="0">
+              <a:rPr lang="en-US" sz="3600" b="1" dirty="0" smtClean="0">
                 <a:latin typeface="Courier New"/>
               </a:rPr>
               <a:t> | </a:t>
             </a:r>
             <a:r>
-              <a:rPr lang="en-US" sz="3600" dirty="0" smtClean="0">
+              <a:rPr lang="en-US" sz="3600" b="1" dirty="0" smtClean="0">
                 <a:solidFill>
                   <a:srgbClr val="2A00FF"/>
                 </a:solidFill>
@@ -35444,7 +34593,7 @@
               <a:t>"a + b"</a:t>
             </a:r>
             <a:r>
-              <a:rPr lang="en-US" sz="3600" dirty="0" smtClean="0">
+              <a:rPr lang="en-US" sz="3600" b="1" dirty="0" smtClean="0">
                 <a:latin typeface="Courier New"/>
               </a:rPr>
               <a:t> |</a:t>
@@ -35452,7 +34601,7 @@
           </a:p>
           <a:p>
             <a:r>
-              <a:rPr lang="en-US" sz="3600" dirty="0" smtClean="0">
+              <a:rPr lang="en-US" sz="3600" b="1" dirty="0" smtClean="0">
                 <a:latin typeface="Courier New"/>
               </a:rPr>
               <a:t>     1  !  2  !    3    |</a:t>
@@ -35460,7 +34609,7 @@
           </a:p>
           <a:p>
             <a:r>
-              <a:rPr lang="en-US" sz="3600" dirty="0" smtClean="0">
+              <a:rPr lang="en-US" sz="3600" b="1" dirty="0" smtClean="0">
                 <a:latin typeface="Courier New"/>
               </a:rPr>
               <a:t>     2  !  2  !    4    |</a:t>
@@ -35468,7 +34617,7 @@
           </a:p>
           <a:p>
             <a:r>
-              <a:rPr lang="pt-BR" sz="3600" dirty="0" smtClean="0">
+              <a:rPr lang="pt-BR" sz="3600" b="1" dirty="0" smtClean="0">
                 <a:latin typeface="Courier New"/>
               </a:rPr>
               <a:t>     2  !  3  !    4    |&gt; { (a, b, c) =&gt;</a:t>
@@ -35476,7 +34625,7 @@
           </a:p>
           <a:p>
             <a:r>
-              <a:rPr lang="en-US" sz="3600" dirty="0" smtClean="0">
+              <a:rPr lang="en-US" sz="3600" b="1" dirty="0" smtClean="0">
                 <a:latin typeface="Courier New"/>
               </a:rPr>
               <a:t>       a + b must_== c</a:t>
@@ -35484,7 +34633,7 @@
           </a:p>
           <a:p>
             <a:r>
-              <a:rPr lang="en-US" sz="3600" dirty="0" smtClean="0">
+              <a:rPr lang="en-US" sz="3600" b="1" dirty="0" smtClean="0">
                 <a:latin typeface="Courier New"/>
               </a:rPr>
               <a:t>    }</a:t>
@@ -35492,7 +34641,7 @@
           </a:p>
           <a:p>
             <a:r>
-              <a:rPr lang="en-US" sz="3600" dirty="0" smtClean="0">
+              <a:rPr lang="en-US" sz="3600" b="1" dirty="0" smtClean="0">
                 <a:latin typeface="Courier New"/>
               </a:rPr>
               <a:t>  }</a:t>
@@ -35500,7 +34649,7 @@
           </a:p>
           <a:p>
             <a:r>
-              <a:rPr lang="en-US" sz="3600" dirty="0" smtClean="0">
+              <a:rPr lang="en-US" sz="3600" b="1" dirty="0" smtClean="0">
                 <a:latin typeface="Courier New"/>
               </a:rPr>
               <a:t>}</a:t>
@@ -35587,7 +34736,7 @@
         </p:nvSpPr>
         <p:spPr>
           <a:xfrm>
-            <a:off x="711200" y="0"/>
+            <a:off x="558800" y="0"/>
             <a:ext cx="12509500" cy="914400"/>
           </a:xfrm>
           <a:ln/>
@@ -35615,7 +34764,7 @@
         </p:nvSpPr>
         <p:spPr>
           <a:xfrm>
-            <a:off x="3987800" y="838200"/>
+            <a:off x="3759200" y="762000"/>
             <a:ext cx="4112023" cy="1107996"/>
           </a:xfrm>
           <a:prstGeom prst="rect">
@@ -35668,7 +34817,7 @@
         </p:blipFill>
         <p:spPr bwMode="auto">
           <a:xfrm>
-            <a:off x="4140200" y="76200"/>
+            <a:off x="3987800" y="76200"/>
             <a:ext cx="2279542" cy="679257"/>
           </a:xfrm>
           <a:prstGeom prst="rect">
@@ -35741,13 +34890,31 @@
               <a:rPr lang="pt-BR" sz="4000" b="1" dirty="0" smtClean="0">
                 <a:latin typeface="Courier New"/>
               </a:rPr>
-              <a:t> 2  </a:t>
+              <a:t> 2  !  3  ! </a:t>
             </a:r>
             <a:r>
               <a:rPr lang="pt-BR" sz="4000" b="1" dirty="0" smtClean="0">
                 <a:latin typeface="Courier New"/>
               </a:rPr>
-              <a:t>!  3  !    4    |&gt; { (a, b, c) =&gt;</a:t>
+              <a:t> </a:t>
+            </a:r>
+            <a:r>
+              <a:rPr lang="pt-BR" sz="4000" b="1" dirty="0" smtClean="0">
+                <a:latin typeface="Courier New"/>
+              </a:rPr>
+              <a:t>4 </a:t>
+            </a:r>
+            <a:r>
+              <a:rPr lang="pt-BR" sz="4000" b="1" dirty="0" smtClean="0">
+                <a:latin typeface="Courier New"/>
+              </a:rPr>
+              <a:t>  </a:t>
+            </a:r>
+            <a:r>
+              <a:rPr lang="pt-BR" sz="4000" b="1" dirty="0" smtClean="0">
+                <a:latin typeface="Courier New"/>
+              </a:rPr>
+              <a:t>|&gt; { (a, b, c) =&gt;</a:t>
             </a:r>
           </a:p>
           <a:p>
@@ -35849,7 +35016,7 @@
         </p:nvSpPr>
         <p:spPr>
           <a:xfrm>
-            <a:off x="711200" y="0"/>
+            <a:off x="558800" y="0"/>
             <a:ext cx="12509500" cy="914400"/>
           </a:xfrm>
           <a:ln/>
@@ -35886,7 +35053,7 @@
         </p:blipFill>
         <p:spPr bwMode="auto">
           <a:xfrm>
-            <a:off x="4140200" y="76200"/>
+            <a:off x="3987800" y="76200"/>
             <a:ext cx="2279542" cy="679257"/>
           </a:xfrm>
           <a:prstGeom prst="rect">
@@ -35945,23 +35112,8 @@
                 </a:solidFill>
                 <a:latin typeface="Courier New"/>
               </a:rPr>
-              <a:t> // </a:t>
-            </a:r>
-            <a:r>
-              <a:rPr lang="en-US" sz="4000" b="1" dirty="0" smtClean="0">
-                <a:solidFill>
-                  <a:srgbClr val="3F7F5F"/>
-                </a:solidFill>
-                <a:latin typeface="Courier New"/>
-              </a:rPr>
-              <a:t>How to avoid </a:t>
-            </a:r>
-            <a:endParaRPr lang="en-US" sz="4000" b="1" dirty="0" smtClean="0">
-              <a:solidFill>
-                <a:srgbClr val="3F7F5F"/>
-              </a:solidFill>
-              <a:latin typeface="Courier New"/>
-            </a:endParaRPr>
+              <a:t> // How to avoid </a:t>
+            </a:r>
           </a:p>
           <a:p>
             <a:r>
@@ -36036,51 +35188,15 @@
               <a:rPr lang="en-US" sz="4400" b="1" dirty="0" smtClean="0">
                 <a:latin typeface="Courier New"/>
               </a:rPr>
-              <a:t> (</a:t>
-            </a:r>
+              <a:t> (1 must_== 2) must         </a:t>
+            </a:r>
+          </a:p>
+          <a:p>
             <a:r>
               <a:rPr lang="en-US" sz="4400" b="1" dirty="0" smtClean="0">
                 <a:latin typeface="Courier New"/>
               </a:rPr>
-              <a:t>1 </a:t>
-            </a:r>
-            <a:r>
-              <a:rPr lang="en-US" sz="4400" b="1" dirty="0" smtClean="0">
-                <a:latin typeface="Courier New"/>
-              </a:rPr>
-              <a:t>must_== </a:t>
-            </a:r>
-            <a:r>
-              <a:rPr lang="en-US" sz="4400" b="1" dirty="0" smtClean="0">
-                <a:latin typeface="Courier New"/>
-              </a:rPr>
-              <a:t>2) </a:t>
-            </a:r>
-            <a:r>
-              <a:rPr lang="en-US" sz="4400" b="1" dirty="0" smtClean="0">
-                <a:latin typeface="Courier New"/>
-              </a:rPr>
-              <a:t>must </a:t>
-            </a:r>
-            <a:r>
-              <a:rPr lang="en-US" sz="4400" b="1" dirty="0" smtClean="0">
-                <a:latin typeface="Courier New"/>
-              </a:rPr>
-              <a:t>        </a:t>
-            </a:r>
-          </a:p>
-          <a:p>
-            <a:r>
-              <a:rPr lang="en-US" sz="4400" b="1" dirty="0" smtClean="0">
-                <a:latin typeface="Courier New"/>
-              </a:rPr>
-              <a:t> </a:t>
-            </a:r>
-            <a:r>
-              <a:rPr lang="en-US" sz="4400" b="1" dirty="0" smtClean="0">
-                <a:latin typeface="Courier New"/>
-              </a:rPr>
-              <a:t>           </a:t>
+              <a:t>            </a:t>
             </a:r>
             <a:r>
               <a:rPr lang="en-US" sz="4400" b="1" dirty="0" err="1" smtClean="0">
@@ -36131,7 +35247,7 @@
         </p:nvSpPr>
         <p:spPr>
           <a:xfrm>
-            <a:off x="3911600" y="914400"/>
+            <a:off x="3759200" y="914400"/>
             <a:ext cx="5559535" cy="1107996"/>
           </a:xfrm>
           <a:prstGeom prst="rect">
@@ -36359,7 +35475,7 @@
         </p:nvSpPr>
         <p:spPr>
           <a:xfrm>
-            <a:off x="711200" y="0"/>
+            <a:off x="558800" y="0"/>
             <a:ext cx="12509500" cy="914400"/>
           </a:xfrm>
           <a:ln/>
@@ -36396,7 +35512,7 @@
         </p:blipFill>
         <p:spPr bwMode="auto">
           <a:xfrm>
-            <a:off x="4140200" y="76200"/>
+            <a:off x="3987800" y="76200"/>
             <a:ext cx="2279542" cy="679257"/>
           </a:xfrm>
           <a:prstGeom prst="rect">
@@ -36597,9 +35713,6 @@
               </a:rPr>
               <a:t> </a:t>
             </a:r>
-            <a:endParaRPr lang="en-US" sz="3600" dirty="0" smtClean="0">
-              <a:latin typeface="Courier New"/>
-            </a:endParaRPr>
           </a:p>
           <a:p>
             <a:r>
@@ -36641,7 +35754,7 @@
         </p:nvSpPr>
         <p:spPr>
           <a:xfrm>
-            <a:off x="3911600" y="914400"/>
+            <a:off x="3759200" y="914400"/>
             <a:ext cx="5559535" cy="1107996"/>
           </a:xfrm>
           <a:prstGeom prst="rect">
@@ -36944,7 +36057,7 @@
         </p:nvSpPr>
         <p:spPr>
           <a:xfrm>
-            <a:off x="711200" y="0"/>
+            <a:off x="558800" y="0"/>
             <a:ext cx="12509500" cy="914400"/>
           </a:xfrm>
           <a:ln/>
@@ -36972,7 +36085,7 @@
         </p:nvSpPr>
         <p:spPr>
           <a:xfrm>
-            <a:off x="3987800" y="838200"/>
+            <a:off x="3835400" y="838200"/>
             <a:ext cx="5307863" cy="1200329"/>
           </a:xfrm>
           <a:prstGeom prst="rect">
@@ -37023,7 +36136,7 @@
         </p:blipFill>
         <p:spPr bwMode="auto">
           <a:xfrm>
-            <a:off x="4140200" y="76200"/>
+            <a:off x="3987800" y="76200"/>
             <a:ext cx="2279542" cy="679257"/>
           </a:xfrm>
           <a:prstGeom prst="rect">
@@ -37077,16 +36190,7 @@
                 </a:solidFill>
                 <a:latin typeface="Courier New"/>
               </a:rPr>
-              <a:t>"</a:t>
-            </a:r>
-            <a:r>
-              <a:rPr lang="en-US" sz="3600" b="1" dirty="0" smtClean="0">
-                <a:solidFill>
-                  <a:srgbClr val="2A00FF"/>
-                </a:solidFill>
-                <a:latin typeface="Courier New"/>
-              </a:rPr>
-              <a:t>When I setup the system"</a:t>
+              <a:t>"When I setup the system"</a:t>
             </a:r>
             <a:r>
               <a:rPr lang="en-US" sz="3600" b="1" dirty="0" smtClean="0">
@@ -37354,7 +36458,7 @@
         </p:nvSpPr>
         <p:spPr>
           <a:xfrm>
-            <a:off x="711200" y="0"/>
+            <a:off x="558800" y="0"/>
             <a:ext cx="12509500" cy="914400"/>
           </a:xfrm>
           <a:ln/>
@@ -37391,7 +36495,7 @@
         </p:blipFill>
         <p:spPr bwMode="auto">
           <a:xfrm>
-            <a:off x="4140200" y="76200"/>
+            <a:off x="3987800" y="76200"/>
             <a:ext cx="2279542" cy="679257"/>
           </a:xfrm>
           <a:prstGeom prst="rect">
@@ -37463,25 +36567,7 @@
               <a:rPr lang="fr-FR" sz="4000" b="1" dirty="0" smtClean="0">
                 <a:latin typeface="Courier New"/>
               </a:rPr>
-              <a:t>](</a:t>
-            </a:r>
-            <a:r>
-              <a:rPr lang="fr-FR" sz="4000" b="1" dirty="0" smtClean="0">
-                <a:latin typeface="Courier New"/>
-              </a:rPr>
-              <a:t>e: =&gt;T</a:t>
-            </a:r>
-            <a:r>
-              <a:rPr lang="fr-FR" sz="4000" b="1" dirty="0" smtClean="0">
-                <a:latin typeface="Courier New"/>
-              </a:rPr>
-              <a:t>) </a:t>
-            </a:r>
-            <a:r>
-              <a:rPr lang="fr-FR" sz="4000" b="1" dirty="0" smtClean="0">
-                <a:latin typeface="Courier New"/>
-              </a:rPr>
-              <a:t>= {</a:t>
+              <a:t>](e: =&gt;T) = {</a:t>
             </a:r>
           </a:p>
           <a:p>
@@ -37529,31 +36615,7 @@
               <a:rPr lang="en-US" sz="4000" b="1" dirty="0" smtClean="0">
                 <a:latin typeface="Courier New"/>
               </a:rPr>
-              <a:t> </a:t>
-            </a:r>
-            <a:r>
-              <a:rPr lang="en-US" sz="4000" b="1" dirty="0" smtClean="0">
-                <a:latin typeface="Courier New"/>
-              </a:rPr>
-              <a:t>(</a:t>
-            </a:r>
-            <a:r>
-              <a:rPr lang="en-US" sz="4000" b="1" dirty="0" smtClean="0">
-                <a:latin typeface="Courier New"/>
-              </a:rPr>
-              <a:t>manifest[T]</a:t>
-            </a:r>
-            <a:r>
-              <a:rPr lang="en-US" sz="4000" b="1" dirty="0" smtClean="0">
-                <a:latin typeface="Courier New"/>
-              </a:rPr>
-              <a:t>.erasure </a:t>
-            </a:r>
-            <a:r>
-              <a:rPr lang="en-US" sz="4000" b="1" dirty="0" smtClean="0">
-                <a:latin typeface="Courier New"/>
-              </a:rPr>
-              <a:t>== </a:t>
+              <a:t> (manifest[T].erasure == </a:t>
             </a:r>
             <a:r>
               <a:rPr lang="en-US" sz="4000" b="1" dirty="0" err="1" smtClean="0">
@@ -37666,7 +36728,7 @@
         </p:nvSpPr>
         <p:spPr>
           <a:xfrm>
-            <a:off x="3987800" y="838200"/>
+            <a:off x="3835400" y="838200"/>
             <a:ext cx="5307863" cy="1200329"/>
           </a:xfrm>
           <a:prstGeom prst="rect">
@@ -37841,7 +36903,7 @@
                 <a:buNone/>
                 <a:tabLst/>
               </a:pPr>
-              <a:t>Saturday, July 03, 2010</a:t>
+              <a:t>Tuesday, July 13, 2010</a:t>
             </a:fld>
             <a:endParaRPr kumimoji="0" lang="en-US" sz="4000" b="0" i="0" u="none" strike="noStrike" cap="none" normalizeH="0" baseline="0" dirty="0" smtClean="0">
               <a:ln>
@@ -38264,7 +37326,7 @@
         </p:nvSpPr>
         <p:spPr>
           <a:xfrm>
-            <a:off x="711200" y="0"/>
+            <a:off x="558800" y="0"/>
             <a:ext cx="12509500" cy="914400"/>
           </a:xfrm>
           <a:ln/>
@@ -38382,7 +37444,7 @@
         </p:blipFill>
         <p:spPr bwMode="auto">
           <a:xfrm>
-            <a:off x="4140200" y="76200"/>
+            <a:off x="3987800" y="76200"/>
             <a:ext cx="2279542" cy="679257"/>
           </a:xfrm>
           <a:prstGeom prst="rect">
@@ -41269,7 +40331,7 @@
         </p:nvSpPr>
         <p:spPr>
           <a:xfrm>
-            <a:off x="711200" y="0"/>
+            <a:off x="558800" y="0"/>
             <a:ext cx="12509500" cy="914400"/>
           </a:xfrm>
           <a:ln/>
@@ -41306,7 +40368,7 @@
         </p:blipFill>
         <p:spPr bwMode="auto">
           <a:xfrm>
-            <a:off x="4140200" y="76200"/>
+            <a:off x="3987800" y="76200"/>
             <a:ext cx="2279542" cy="679257"/>
           </a:xfrm>
           <a:prstGeom prst="rect">
@@ -41456,7 +40518,7 @@
         </p:nvSpPr>
         <p:spPr>
           <a:xfrm>
-            <a:off x="711200" y="0"/>
+            <a:off x="558800" y="0"/>
             <a:ext cx="12509500" cy="914400"/>
           </a:xfrm>
           <a:ln/>
@@ -41484,7 +40546,7 @@
         </p:nvSpPr>
         <p:spPr>
           <a:xfrm>
-            <a:off x="3925771" y="1143000"/>
+            <a:off x="3759200" y="838200"/>
             <a:ext cx="5396029" cy="1200329"/>
           </a:xfrm>
           <a:prstGeom prst="rect">
@@ -41529,7 +40591,7 @@
         </p:blipFill>
         <p:spPr bwMode="auto">
           <a:xfrm>
-            <a:off x="4140200" y="76200"/>
+            <a:off x="3987800" y="76200"/>
             <a:ext cx="2279542" cy="679257"/>
           </a:xfrm>
           <a:prstGeom prst="rect">
@@ -41651,7 +40713,7 @@
         </p:blipFill>
         <p:spPr bwMode="auto">
           <a:xfrm>
-            <a:off x="635000" y="990600"/>
+            <a:off x="558800" y="762000"/>
             <a:ext cx="1295400" cy="1295401"/>
           </a:xfrm>
           <a:prstGeom prst="rect">
@@ -41956,7 +41018,7 @@
         </p:nvSpPr>
         <p:spPr>
           <a:xfrm>
-            <a:off x="711200" y="0"/>
+            <a:off x="558800" y="0"/>
             <a:ext cx="12509500" cy="914400"/>
           </a:xfrm>
           <a:ln/>
@@ -42029,7 +41091,7 @@
         </p:blipFill>
         <p:spPr bwMode="auto">
           <a:xfrm>
-            <a:off x="4140200" y="76200"/>
+            <a:off x="3987800" y="76200"/>
             <a:ext cx="2279542" cy="679257"/>
           </a:xfrm>
           <a:prstGeom prst="rect">
@@ -42137,7 +41199,7 @@
         </p:blipFill>
         <p:spPr bwMode="auto">
           <a:xfrm>
-            <a:off x="863600" y="1066800"/>
+            <a:off x="711200" y="838200"/>
             <a:ext cx="1828800" cy="1371600"/>
           </a:xfrm>
           <a:prstGeom prst="rect">
@@ -42420,7 +41482,7 @@
         </p:nvSpPr>
         <p:spPr>
           <a:xfrm>
-            <a:off x="711200" y="0"/>
+            <a:off x="558800" y="0"/>
             <a:ext cx="12509500" cy="914400"/>
           </a:xfrm>
           <a:ln/>
@@ -42457,7 +41519,7 @@
         </p:blipFill>
         <p:spPr bwMode="auto">
           <a:xfrm>
-            <a:off x="4140200" y="76200"/>
+            <a:off x="3987800" y="76200"/>
             <a:ext cx="2279542" cy="679257"/>
           </a:xfrm>
           <a:prstGeom prst="rect">
@@ -42889,7 +41951,7 @@
         </p:blipFill>
         <p:spPr bwMode="auto">
           <a:xfrm>
-            <a:off x="635000" y="990600"/>
+            <a:off x="635000" y="838200"/>
             <a:ext cx="1295400" cy="1295401"/>
           </a:xfrm>
           <a:prstGeom prst="rect">
@@ -42906,7 +41968,7 @@
         </p:nvSpPr>
         <p:spPr>
           <a:xfrm>
-            <a:off x="3925771" y="1143000"/>
+            <a:off x="3835400" y="838200"/>
             <a:ext cx="5396029" cy="1200329"/>
           </a:xfrm>
           <a:prstGeom prst="rect">
@@ -43052,7 +42114,7 @@
         </p:nvSpPr>
         <p:spPr>
           <a:xfrm>
-            <a:off x="711200" y="0"/>
+            <a:off x="546100" y="0"/>
             <a:ext cx="12509500" cy="914400"/>
           </a:xfrm>
           <a:ln/>
@@ -43069,42 +42131,6 @@
               <a:t>     DSL</a:t>
             </a:r>
             <a:endParaRPr lang="en-US" dirty="0"/>
-          </a:p>
-        </p:txBody>
-      </p:sp>
-      <p:sp>
-        <p:nvSpPr>
-          <p:cNvPr id="7" name="Rectangle 6"/>
-          <p:cNvSpPr/>
-          <p:nvPr/>
-        </p:nvSpPr>
-        <p:spPr>
-          <a:xfrm>
-            <a:off x="3882722" y="1438870"/>
-            <a:ext cx="7877478" cy="1107996"/>
-          </a:xfrm>
-          <a:prstGeom prst="rect">
-            <a:avLst/>
-          </a:prstGeom>
-        </p:spPr>
-        <p:txBody>
-          <a:bodyPr wrap="none">
-            <a:spAutoFit/>
-          </a:bodyPr>
-          <a:lstStyle/>
-          <a:p>
-            <a:pPr algn="ctr"/>
-            <a:r>
-              <a:rPr lang="en-US" sz="6600" i="1" kern="0" dirty="0" smtClean="0">
-                <a:solidFill>
-                  <a:srgbClr val="00CC66"/>
-                </a:solidFill>
-                <a:latin typeface="Calibri" pitchFamily="34" charset="0"/>
-                <a:cs typeface="+mj-cs"/>
-                <a:sym typeface="Arial" charset="0"/>
-              </a:rPr>
-              <a:t>By name  parameters </a:t>
-            </a:r>
           </a:p>
         </p:txBody>
       </p:sp>
@@ -43125,7 +42151,7 @@
         </p:blipFill>
         <p:spPr bwMode="auto">
           <a:xfrm>
-            <a:off x="4140200" y="76200"/>
+            <a:off x="3975100" y="76200"/>
             <a:ext cx="2279542" cy="679257"/>
           </a:xfrm>
           <a:prstGeom prst="rect">
@@ -43142,15 +42168,12 @@
         </p:nvSpPr>
         <p:spPr>
           <a:xfrm>
-            <a:off x="330200" y="3200400"/>
-            <a:ext cx="12344400" cy="5016758"/>
+            <a:off x="330200" y="2819400"/>
+            <a:ext cx="12344400" cy="5262979"/>
           </a:xfrm>
           <a:prstGeom prst="rect">
             <a:avLst/>
           </a:prstGeom>
-          <a:solidFill>
-            <a:schemeClr val="bg1"/>
-          </a:solidFill>
           <a:ln>
             <a:solidFill>
               <a:schemeClr val="tx1"/>
@@ -43165,98 +42188,180 @@
           <a:lstStyle/>
           <a:p>
             <a:r>
-              <a:rPr lang="en-US" sz="3200" b="1" dirty="0" smtClean="0">
+              <a:rPr lang="en-US" sz="2800" b="1" dirty="0" smtClean="0">
                 <a:solidFill>
                   <a:srgbClr val="7F0055"/>
                 </a:solidFill>
                 <a:latin typeface="Courier New"/>
               </a:rPr>
-              <a:t>class</a:t>
-            </a:r>
-            <a:r>
-              <a:rPr lang="en-US" sz="3200" b="1" dirty="0" smtClean="0">
-                <a:latin typeface="Courier New"/>
-              </a:rPr>
-              <a:t> Matcher[-T] { </a:t>
-            </a:r>
-            <a:r>
-              <a:rPr lang="en-US" sz="3200" b="1" dirty="0" smtClean="0">
+              <a:t>object</a:t>
+            </a:r>
+            <a:r>
+              <a:rPr lang="en-US" sz="2800" b="1" dirty="0" smtClean="0">
+                <a:latin typeface="Courier New"/>
+              </a:rPr>
+              <a:t> </a:t>
+            </a:r>
+            <a:r>
+              <a:rPr lang="en-US" sz="2800" b="1" dirty="0" err="1" smtClean="0">
+                <a:latin typeface="Courier New"/>
+              </a:rPr>
+              <a:t>DBContext</a:t>
+            </a:r>
+            <a:r>
+              <a:rPr lang="en-US" sz="2800" b="1" dirty="0" smtClean="0">
+                <a:latin typeface="Courier New"/>
+              </a:rPr>
+              <a:t> </a:t>
+            </a:r>
+            <a:r>
+              <a:rPr lang="en-US" sz="2800" b="1" dirty="0" smtClean="0">
                 <a:solidFill>
                   <a:srgbClr val="7F0055"/>
                 </a:solidFill>
                 <a:latin typeface="Courier New"/>
               </a:rPr>
-              <a:t>def</a:t>
-            </a:r>
-            <a:r>
-              <a:rPr lang="en-US" sz="3200" b="1" dirty="0" smtClean="0">
-                <a:latin typeface="Courier New"/>
-              </a:rPr>
-              <a:t> apply(t: =&gt; T) = () }</a:t>
-            </a:r>
-          </a:p>
-          <a:p>
-            <a:r>
-              <a:rPr lang="en-US" sz="3200" b="1" dirty="0" smtClean="0">
+              <a:t>extends</a:t>
+            </a:r>
+            <a:r>
+              <a:rPr lang="en-US" sz="2800" b="1" dirty="0" smtClean="0">
+                <a:latin typeface="Courier New"/>
+              </a:rPr>
+              <a:t> Specification {</a:t>
+            </a:r>
+          </a:p>
+          <a:p>
+            <a:r>
+              <a:rPr lang="en-US" sz="2800" dirty="0" smtClean="0">
+                <a:latin typeface="Courier New"/>
+              </a:rPr>
+              <a:t>  </a:t>
+            </a:r>
+            <a:r>
+              <a:rPr lang="en-US" sz="2800" b="1" dirty="0" smtClean="0">
                 <a:solidFill>
                   <a:srgbClr val="7F0055"/>
                 </a:solidFill>
                 <a:latin typeface="Courier New"/>
               </a:rPr>
-              <a:t>class</a:t>
-            </a:r>
-            <a:r>
-              <a:rPr lang="en-US" sz="3200" b="1" dirty="0" smtClean="0">
-                <a:latin typeface="Courier New"/>
-              </a:rPr>
-              <a:t> Expectation[T](t: =&gt;T) {</a:t>
-            </a:r>
-          </a:p>
-          <a:p>
-            <a:r>
-              <a:rPr lang="en-US" sz="3200" dirty="0" smtClean="0">
-                <a:latin typeface="Courier New"/>
-              </a:rPr>
-              <a:t>  </a:t>
-            </a:r>
-            <a:r>
-              <a:rPr lang="en-US" sz="3200" b="1" dirty="0" smtClean="0">
+              <a:t>val</a:t>
+            </a:r>
+            <a:r>
+              <a:rPr lang="en-US" sz="2800" b="1" dirty="0" smtClean="0">
+                <a:latin typeface="Courier New"/>
+              </a:rPr>
+              <a:t> setup = </a:t>
+            </a:r>
+            <a:r>
+              <a:rPr lang="en-US" sz="2800" b="1" dirty="0" smtClean="0">
                 <a:solidFill>
                   <a:srgbClr val="7F0055"/>
                 </a:solidFill>
                 <a:latin typeface="Courier New"/>
               </a:rPr>
-              <a:t>def</a:t>
-            </a:r>
-            <a:r>
-              <a:rPr lang="en-US" sz="3200" b="1" dirty="0" smtClean="0">
-                <a:latin typeface="Courier New"/>
-              </a:rPr>
-              <a:t> must(m: =&gt;Matcher[T]) = </a:t>
-            </a:r>
-            <a:r>
-              <a:rPr lang="en-US" sz="3200" b="1" dirty="0" err="1" smtClean="0">
-                <a:latin typeface="Courier New"/>
-              </a:rPr>
-              <a:t>m.apply</a:t>
-            </a:r>
-            <a:r>
-              <a:rPr lang="en-US" sz="3200" b="1" dirty="0" smtClean="0">
-                <a:latin typeface="Courier New"/>
-              </a:rPr>
-              <a:t>(t)</a:t>
-            </a:r>
-          </a:p>
-          <a:p>
-            <a:r>
-              <a:rPr lang="en-US" sz="3200" dirty="0" smtClean="0">
+              <a:t>new</a:t>
+            </a:r>
+            <a:r>
+              <a:rPr lang="en-US" sz="2800" b="1" dirty="0" smtClean="0">
+                <a:latin typeface="Courier New"/>
+              </a:rPr>
+              <a:t> </a:t>
+            </a:r>
+            <a:r>
+              <a:rPr lang="en-US" sz="2800" b="1" dirty="0" err="1" smtClean="0">
+                <a:latin typeface="Courier New"/>
+              </a:rPr>
+              <a:t>SpecContext</a:t>
+            </a:r>
+            <a:r>
+              <a:rPr lang="en-US" sz="2800" b="1" dirty="0" smtClean="0">
+                <a:latin typeface="Courier New"/>
+              </a:rPr>
+              <a:t> {</a:t>
+            </a:r>
+          </a:p>
+          <a:p>
+            <a:r>
+              <a:rPr lang="en-US" sz="2800" dirty="0" smtClean="0">
+                <a:latin typeface="Courier New"/>
+              </a:rPr>
+              <a:t>    </a:t>
+            </a:r>
+            <a:r>
+              <a:rPr lang="en-US" sz="2800" dirty="0" err="1" smtClean="0">
+                <a:latin typeface="Courier New"/>
+              </a:rPr>
+              <a:t>beforeExample</a:t>
+            </a:r>
+            <a:r>
+              <a:rPr lang="en-US" sz="2800" dirty="0" smtClean="0">
+                <a:latin typeface="Courier New"/>
+              </a:rPr>
+              <a:t>(</a:t>
+            </a:r>
+            <a:r>
+              <a:rPr lang="en-US" sz="2800" dirty="0" err="1" smtClean="0">
+                <a:latin typeface="Courier New"/>
+              </a:rPr>
+              <a:t>deleteUsersTable</a:t>
+            </a:r>
+            <a:r>
+              <a:rPr lang="en-US" sz="2800" dirty="0" smtClean="0">
+                <a:latin typeface="Courier New"/>
+              </a:rPr>
+              <a:t>)</a:t>
+            </a:r>
+          </a:p>
+          <a:p>
+            <a:r>
+              <a:rPr lang="en-US" sz="2800" dirty="0" smtClean="0">
+                <a:latin typeface="Courier New"/>
+              </a:rPr>
+              <a:t>    </a:t>
+            </a:r>
+            <a:r>
+              <a:rPr lang="en-US" sz="2800" dirty="0" err="1" smtClean="0">
+                <a:latin typeface="Courier New"/>
+              </a:rPr>
+              <a:t>aroundExpectations</a:t>
+            </a:r>
+            <a:r>
+              <a:rPr lang="en-US" sz="2800" dirty="0" smtClean="0">
+                <a:latin typeface="Courier New"/>
+              </a:rPr>
+              <a:t>(</a:t>
+            </a:r>
+            <a:r>
+              <a:rPr lang="en-US" sz="2800" dirty="0" err="1" smtClean="0">
+                <a:latin typeface="Courier New"/>
+              </a:rPr>
+              <a:t>inDatabaseSession</a:t>
+            </a:r>
+            <a:r>
+              <a:rPr lang="en-US" sz="2800" dirty="0" smtClean="0">
+                <a:latin typeface="Courier New"/>
+              </a:rPr>
+              <a:t>(_)) </a:t>
+            </a:r>
+          </a:p>
+          <a:p>
+            <a:r>
+              <a:rPr lang="en-US" sz="2800" dirty="0" smtClean="0">
+                <a:latin typeface="Courier New"/>
+              </a:rPr>
+              <a:t>  }</a:t>
+            </a:r>
+          </a:p>
+          <a:p>
+            <a:r>
+              <a:rPr lang="en-US" sz="2800" dirty="0" smtClean="0">
                 <a:latin typeface="Courier New"/>
               </a:rPr>
               <a:t>}</a:t>
             </a:r>
           </a:p>
           <a:p>
-            <a:endParaRPr lang="fr-FR" sz="3200" b="1" dirty="0" smtClean="0">
+            <a:endParaRPr lang="en-US" sz="2800" b="1" dirty="0" smtClean="0">
               <a:solidFill>
                 <a:srgbClr val="7F0055"/>
               </a:solidFill>
@@ -43265,161 +42370,173 @@
           </a:p>
           <a:p>
             <a:r>
-              <a:rPr lang="fr-FR" sz="3200" b="1" dirty="0" err="1" smtClean="0">
+              <a:rPr lang="en-US" sz="2800" b="1" dirty="0" smtClean="0">
                 <a:solidFill>
                   <a:srgbClr val="7F0055"/>
                 </a:solidFill>
                 <a:latin typeface="Courier New"/>
               </a:rPr>
-              <a:t>implicit</a:t>
-            </a:r>
-            <a:r>
-              <a:rPr lang="fr-FR" sz="3200" b="1" dirty="0" smtClean="0">
+              <a:t>object</a:t>
+            </a:r>
+            <a:r>
+              <a:rPr lang="en-US" sz="2800" b="1" dirty="0" smtClean="0">
                 <a:latin typeface="Courier New"/>
               </a:rPr>
               <a:t> </a:t>
             </a:r>
             <a:r>
-              <a:rPr lang="fr-FR" sz="3200" b="1" dirty="0" err="1" smtClean="0">
+              <a:rPr lang="en-US" sz="2800" b="1" dirty="0" err="1" smtClean="0">
+                <a:latin typeface="Courier New"/>
+              </a:rPr>
+              <a:t>RepositorySpecification</a:t>
+            </a:r>
+            <a:r>
+              <a:rPr lang="en-US" sz="2800" b="1" dirty="0" smtClean="0">
+                <a:latin typeface="Courier New"/>
+              </a:rPr>
+              <a:t> </a:t>
+            </a:r>
+            <a:r>
+              <a:rPr lang="en-US" sz="2800" b="1" dirty="0" smtClean="0">
                 <a:solidFill>
                   <a:srgbClr val="7F0055"/>
                 </a:solidFill>
                 <a:latin typeface="Courier New"/>
               </a:rPr>
-              <a:t>def</a:t>
-            </a:r>
-            <a:r>
-              <a:rPr lang="fr-FR" sz="3200" b="1" dirty="0" smtClean="0">
-                <a:latin typeface="Courier New"/>
-              </a:rPr>
-              <a:t> </a:t>
-            </a:r>
-            <a:r>
-              <a:rPr lang="fr-FR" sz="3200" b="1" dirty="0" err="1" smtClean="0">
-                <a:latin typeface="Courier New"/>
-              </a:rPr>
-              <a:t>theValue</a:t>
-            </a:r>
-            <a:r>
-              <a:rPr lang="fr-FR" sz="3200" b="1" dirty="0" smtClean="0">
-                <a:latin typeface="Courier New"/>
-              </a:rPr>
-              <a:t>[T](t: T): Expectation[T] =  </a:t>
-            </a:r>
-          </a:p>
-          <a:p>
-            <a:r>
-              <a:rPr lang="fr-FR" sz="3200" b="1" dirty="0" smtClean="0">
+              <a:t>extends</a:t>
+            </a:r>
+            <a:r>
+              <a:rPr lang="en-US" sz="2800" b="1" dirty="0" smtClean="0">
+                <a:latin typeface="Courier New"/>
+              </a:rPr>
+              <a:t> Specification {</a:t>
+            </a:r>
+          </a:p>
+          <a:p>
+            <a:r>
+              <a:rPr lang="en-US" sz="2800" dirty="0" smtClean="0">
+                <a:latin typeface="Courier New"/>
+              </a:rPr>
+              <a:t>  </a:t>
+            </a:r>
+            <a:r>
+              <a:rPr lang="en-US" sz="2800" dirty="0" smtClean="0">
+                <a:solidFill>
+                  <a:srgbClr val="3F7F5F"/>
+                </a:solidFill>
+                <a:latin typeface="Courier New"/>
+              </a:rPr>
+              <a:t>// equivalent to: </a:t>
+            </a:r>
+            <a:r>
+              <a:rPr lang="en-US" sz="2800" b="1" dirty="0" err="1" smtClean="0">
+                <a:solidFill>
+                  <a:srgbClr val="3F7F5F"/>
+                </a:solidFill>
+                <a:latin typeface="Courier New"/>
+              </a:rPr>
+              <a:t>DBContext.setup.apply</a:t>
+            </a:r>
+            <a:r>
+              <a:rPr lang="en-US" sz="2800" b="1" dirty="0" smtClean="0">
+                <a:solidFill>
+                  <a:srgbClr val="3F7F5F"/>
+                </a:solidFill>
+                <a:latin typeface="Courier New"/>
+              </a:rPr>
+              <a:t>(this)</a:t>
+            </a:r>
+            <a:r>
+              <a:rPr lang="en-US" sz="2800" dirty="0" smtClean="0">
+                <a:solidFill>
+                  <a:srgbClr val="3F7F5F"/>
+                </a:solidFill>
+                <a:latin typeface="Courier New"/>
+              </a:rPr>
+              <a:t>    </a:t>
+            </a:r>
+          </a:p>
+          <a:p>
+            <a:r>
+              <a:rPr lang="en-US" sz="2800" dirty="0" smtClean="0">
+                <a:latin typeface="Courier New"/>
+              </a:rPr>
+              <a:t>  </a:t>
+            </a:r>
+            <a:r>
+              <a:rPr lang="en-US" sz="2800" dirty="0" err="1" smtClean="0">
+                <a:latin typeface="Courier New"/>
+              </a:rPr>
+              <a:t>DBContext.setup</a:t>
+            </a:r>
+            <a:r>
+              <a:rPr lang="en-US" sz="2800" dirty="0" smtClean="0">
+                <a:latin typeface="Courier New"/>
+              </a:rPr>
+              <a:t>(</a:t>
+            </a:r>
+            <a:r>
+              <a:rPr lang="en-US" sz="2800" b="1" dirty="0" smtClean="0">
                 <a:solidFill>
                   <a:srgbClr val="7F0055"/>
                 </a:solidFill>
                 <a:latin typeface="Courier New"/>
               </a:rPr>
-              <a:t>                               new</a:t>
-            </a:r>
-            <a:r>
-              <a:rPr lang="fr-FR" sz="3200" b="1" dirty="0" smtClean="0">
-                <a:latin typeface="Courier New"/>
-              </a:rPr>
-              <a:t> Expectation(t)</a:t>
-            </a:r>
-          </a:p>
-          <a:p>
-            <a:r>
-              <a:rPr lang="en-US" sz="3200" b="1" dirty="0" smtClean="0">
-                <a:solidFill>
-                  <a:srgbClr val="7F0055"/>
-                </a:solidFill>
-                <a:latin typeface="Courier New"/>
-              </a:rPr>
-              <a:t>val</a:t>
-            </a:r>
-            <a:r>
-              <a:rPr lang="en-US" sz="3200" b="1" dirty="0" smtClean="0">
-                <a:latin typeface="Courier New"/>
-              </a:rPr>
-              <a:t> </a:t>
-            </a:r>
-            <a:r>
-              <a:rPr lang="en-US" sz="3200" b="1" dirty="0" err="1" smtClean="0">
-                <a:latin typeface="Courier New"/>
-              </a:rPr>
-              <a:t>notExplode</a:t>
-            </a:r>
-            <a:r>
-              <a:rPr lang="en-US" sz="3200" b="1" dirty="0" smtClean="0">
-                <a:latin typeface="Courier New"/>
-              </a:rPr>
-              <a:t> = </a:t>
-            </a:r>
-            <a:r>
-              <a:rPr lang="en-US" sz="3200" b="1" dirty="0" smtClean="0">
-                <a:solidFill>
-                  <a:srgbClr val="7F0055"/>
-                </a:solidFill>
-                <a:latin typeface="Courier New"/>
-              </a:rPr>
-              <a:t>new</a:t>
-            </a:r>
-            <a:r>
-              <a:rPr lang="en-US" sz="3200" b="1" dirty="0" smtClean="0">
-                <a:latin typeface="Courier New"/>
-              </a:rPr>
-              <a:t> Matcher[</a:t>
-            </a:r>
-            <a:r>
-              <a:rPr lang="en-US" sz="3200" b="1" dirty="0" smtClean="0">
-                <a:solidFill>
-                  <a:srgbClr val="7F0055"/>
-                </a:solidFill>
-                <a:latin typeface="Courier New"/>
-              </a:rPr>
-              <a:t>Any</a:t>
-            </a:r>
-            <a:r>
-              <a:rPr lang="en-US" sz="3200" b="1" dirty="0" smtClean="0">
-                <a:latin typeface="Courier New"/>
-              </a:rPr>
-              <a:t>]</a:t>
-            </a:r>
-          </a:p>
-          <a:p>
-            <a:r>
-              <a:rPr lang="en-US" sz="3200" dirty="0" smtClean="0">
+              <a:t>this</a:t>
+            </a:r>
+            <a:r>
+              <a:rPr lang="en-US" sz="2800" b="1" dirty="0" smtClean="0">
+                <a:latin typeface="Courier New"/>
+              </a:rPr>
+              <a:t>)</a:t>
+            </a:r>
+          </a:p>
+          <a:p>
+            <a:r>
+              <a:rPr lang="en-US" sz="2800" dirty="0" smtClean="0">
                 <a:latin typeface="Courier New"/>
               </a:rPr>
               <a:t>  </a:t>
             </a:r>
-          </a:p>
-          <a:p>
-            <a:r>
-              <a:rPr lang="en-US" sz="3200" dirty="0" smtClean="0">
-                <a:latin typeface="Courier New"/>
-              </a:rPr>
-              <a:t>{ error(</a:t>
-            </a:r>
-            <a:r>
-              <a:rPr lang="en-US" sz="3200" dirty="0" smtClean="0">
+            <a:r>
+              <a:rPr lang="en-US" sz="2800" dirty="0" smtClean="0">
                 <a:solidFill>
                   <a:srgbClr val="2A00FF"/>
                 </a:solidFill>
                 <a:latin typeface="Courier New"/>
               </a:rPr>
-              <a:t>"boom"</a:t>
-            </a:r>
-            <a:r>
-              <a:rPr lang="en-US" sz="3200" dirty="0" smtClean="0">
-                <a:latin typeface="Courier New"/>
-              </a:rPr>
-              <a:t>); () } must </a:t>
-            </a:r>
-            <a:r>
-              <a:rPr lang="en-US" sz="3200" dirty="0" err="1" smtClean="0">
-                <a:latin typeface="Courier New"/>
-              </a:rPr>
-              <a:t>notExplode</a:t>
-            </a:r>
-            <a:endParaRPr lang="en-US" sz="3200" b="1" dirty="0" smtClean="0">
+              <a:t>"A Users repository"</a:t>
+            </a:r>
+            <a:r>
+              <a:rPr lang="en-US" sz="2800" dirty="0" smtClean="0">
+                <a:latin typeface="Courier New"/>
+              </a:rPr>
+              <a:t> can { </a:t>
+            </a:r>
+            <a:r>
+              <a:rPr lang="en-US" sz="2800" dirty="0" smtClean="0">
+                <a:solidFill>
+                  <a:srgbClr val="3F7F5F"/>
+                </a:solidFill>
+                <a:latin typeface="Courier New"/>
+              </a:rPr>
+              <a:t>/*...*/ </a:t>
+            </a:r>
+            <a:r>
+              <a:rPr lang="en-US" sz="2800" dirty="0" smtClean="0">
+                <a:latin typeface="Courier New"/>
+              </a:rPr>
+              <a:t>}</a:t>
+            </a:r>
+          </a:p>
+          <a:p>
+            <a:r>
+              <a:rPr lang="en-US" sz="2800" dirty="0" smtClean="0">
+                <a:latin typeface="Courier New"/>
+              </a:rPr>
+              <a:t>}</a:t>
+            </a:r>
+            <a:endParaRPr lang="en-US" sz="2800" b="1" dirty="0" smtClean="0">
               <a:solidFill>
                 <a:srgbClr val="7F0055"/>
               </a:solidFill>
@@ -43428,9 +42545,46 @@
           </a:p>
         </p:txBody>
       </p:sp>
+      <p:sp>
+        <p:nvSpPr>
+          <p:cNvPr id="14" name="Rectangle 13"/>
+          <p:cNvSpPr/>
+          <p:nvPr/>
+        </p:nvSpPr>
+        <p:spPr>
+          <a:xfrm>
+            <a:off x="3987800" y="905470"/>
+            <a:ext cx="2260555" cy="923330"/>
+          </a:xfrm>
+          <a:prstGeom prst="rect">
+            <a:avLst/>
+          </a:prstGeom>
+        </p:spPr>
+        <p:txBody>
+          <a:bodyPr wrap="none">
+            <a:spAutoFit/>
+          </a:bodyPr>
+          <a:lstStyle/>
+          <a:p>
+            <a:pPr algn="ctr"/>
+            <a:r>
+              <a:rPr lang="en-US" sz="5400" b="1" kern="0" dirty="0" smtClean="0">
+                <a:solidFill>
+                  <a:srgbClr val="0C0F20"/>
+                </a:solidFill>
+                <a:latin typeface="Lucida Handwriting" pitchFamily="66" charset="0"/>
+                <a:cs typeface="+mj-cs"/>
+                <a:sym typeface="Arial" charset="0"/>
+              </a:rPr>
+              <a:t>apply</a:t>
+            </a:r>
+            <a:endParaRPr lang="en-US" dirty="0"/>
+          </a:p>
+        </p:txBody>
+      </p:sp>
       <p:pic>
         <p:nvPicPr>
-          <p:cNvPr id="9" name="Picture 2" descr="toolbox icon"/>
+          <p:cNvPr id="15" name="Picture 2" descr="toolbox icon"/>
           <p:cNvPicPr>
             <a:picLocks noChangeAspect="1" noChangeArrowheads="1"/>
           </p:cNvPicPr>
@@ -43445,7 +42599,7 @@
         </p:blipFill>
         <p:spPr bwMode="auto">
           <a:xfrm>
-            <a:off x="558800" y="1066800"/>
+            <a:off x="558800" y="762000"/>
             <a:ext cx="1676400" cy="1676401"/>
           </a:xfrm>
           <a:prstGeom prst="rect">
@@ -43454,6 +42608,84 @@
           <a:noFill/>
         </p:spPr>
       </p:pic>
+      <p:sp>
+        <p:nvSpPr>
+          <p:cNvPr id="7" name="Rectangle 1"/>
+          <p:cNvSpPr txBox="1">
+            <a:spLocks noChangeArrowheads="1"/>
+          </p:cNvSpPr>
+          <p:nvPr/>
+        </p:nvSpPr>
+        <p:spPr bwMode="auto">
+          <a:xfrm>
+            <a:off x="3302000" y="7696200"/>
+            <a:ext cx="9067800" cy="685800"/>
+          </a:xfrm>
+          <a:prstGeom prst="rect">
+            <a:avLst/>
+          </a:prstGeom>
+          <a:solidFill>
+            <a:schemeClr val="bg1"/>
+          </a:solidFill>
+          <a:ln w="12700">
+            <a:noFill/>
+            <a:miter lim="800000"/>
+            <a:headEnd/>
+            <a:tailEnd/>
+          </a:ln>
+          <a:effectLst/>
+        </p:spPr>
+        <p:txBody>
+          <a:bodyPr vert="horz" wrap="square" lIns="50800" tIns="50800" rIns="50800" bIns="50800" numCol="1" anchor="ctr" anchorCtr="0" compatLnSpc="1">
+            <a:prstTxWarp prst="textNoShape">
+              <a:avLst/>
+            </a:prstTxWarp>
+          </a:bodyPr>
+          <a:lstStyle/>
+          <a:p>
+            <a:pPr lvl="0"/>
+            <a:r>
+              <a:rPr lang="en-US" sz="4400" b="1" kern="0" dirty="0" err="1" smtClean="0">
+                <a:solidFill>
+                  <a:srgbClr val="FF0000"/>
+                </a:solidFill>
+                <a:latin typeface="Candara" pitchFamily="34" charset="0"/>
+                <a:ea typeface="+mj-ea"/>
+                <a:cs typeface="+mj-cs"/>
+                <a:sym typeface="Wingdings"/>
+              </a:rPr>
+              <a:t>object.apply</a:t>
+            </a:r>
+            <a:r>
+              <a:rPr lang="en-US" sz="4400" b="1" kern="0" dirty="0" smtClean="0">
+                <a:solidFill>
+                  <a:srgbClr val="FF0000"/>
+                </a:solidFill>
+                <a:latin typeface="Candara" pitchFamily="34" charset="0"/>
+                <a:ea typeface="+mj-ea"/>
+                <a:cs typeface="+mj-cs"/>
+                <a:sym typeface="Wingdings"/>
+              </a:rPr>
+              <a:t>(object)  verb(object)</a:t>
+            </a:r>
+            <a:endParaRPr kumimoji="0" lang="en-US" sz="4400" b="1" i="0" u="none" strike="noStrike" kern="0" cap="none" spc="0" normalizeH="0" baseline="0" noProof="0" dirty="0">
+              <a:ln>
+                <a:noFill/>
+              </a:ln>
+              <a:solidFill>
+                <a:srgbClr val="E75145"/>
+              </a:solidFill>
+              <a:effectLst/>
+              <a:uLnTx/>
+              <a:uFillTx/>
+              <a:latin typeface="Candara" pitchFamily="34" charset="0"/>
+              <a:ea typeface="+mj-ea"/>
+              <a:cs typeface="+mj-cs"/>
+              <a:sym typeface="Arial" charset="0"/>
+            </a:endParaRPr>
+          </a:p>
+        </p:txBody>
+      </p:sp>
     </p:spTree>
   </p:cSld>
   <p:clrMapOvr>
@@ -43572,7 +42804,7 @@
         </p:nvSpPr>
         <p:spPr>
           <a:xfrm>
-            <a:off x="711200" y="0"/>
+            <a:off x="558800" y="0"/>
             <a:ext cx="12509500" cy="914400"/>
           </a:xfrm>
           <a:ln/>
@@ -43645,7 +42877,7 @@
         </p:blipFill>
         <p:spPr bwMode="auto">
           <a:xfrm>
-            <a:off x="4140200" y="76200"/>
+            <a:off x="3987800" y="76200"/>
             <a:ext cx="2279542" cy="679257"/>
           </a:xfrm>
           <a:prstGeom prst="rect">
@@ -44340,7 +43572,7 @@
         </p:nvSpPr>
         <p:spPr>
           <a:xfrm>
-            <a:off x="711200" y="0"/>
+            <a:off x="558800" y="0"/>
             <a:ext cx="12509500" cy="914400"/>
           </a:xfrm>
           <a:ln/>
@@ -44357,6 +43589,48 @@
               <a:t>     DSL</a:t>
             </a:r>
             <a:endParaRPr lang="en-US" dirty="0"/>
+          </a:p>
+        </p:txBody>
+      </p:sp>
+      <p:sp>
+        <p:nvSpPr>
+          <p:cNvPr id="7" name="Rectangle 6"/>
+          <p:cNvSpPr/>
+          <p:nvPr/>
+        </p:nvSpPr>
+        <p:spPr>
+          <a:xfrm>
+            <a:off x="4140200" y="990600"/>
+            <a:ext cx="2424062" cy="1107996"/>
+          </a:xfrm>
+          <a:prstGeom prst="rect">
+            <a:avLst/>
+          </a:prstGeom>
+        </p:spPr>
+        <p:txBody>
+          <a:bodyPr wrap="none">
+            <a:spAutoFit/>
+          </a:bodyPr>
+          <a:lstStyle/>
+          <a:p>
+            <a:pPr algn="ctr"/>
+            <a:r>
+              <a:rPr lang="en-US" sz="6600" i="1" kern="0" dirty="0" smtClean="0">
+                <a:solidFill>
+                  <a:srgbClr val="00CC66"/>
+                </a:solidFill>
+                <a:latin typeface="Calibri" pitchFamily="34" charset="0"/>
+                <a:cs typeface="+mj-cs"/>
+                <a:sym typeface="Arial" charset="0"/>
+              </a:rPr>
+              <a:t>typing</a:t>
+            </a:r>
+            <a:endParaRPr lang="en-US" sz="6600" i="1" dirty="0">
+              <a:solidFill>
+                <a:srgbClr val="00CC66"/>
+              </a:solidFill>
+              <a:latin typeface="Calibri" pitchFamily="34" charset="0"/>
+            </a:endParaRPr>
           </a:p>
         </p:txBody>
       </p:sp>
@@ -44377,739 +43651,7 @@
         </p:blipFill>
         <p:spPr bwMode="auto">
           <a:xfrm>
-            <a:off x="4140200" y="76200"/>
-            <a:ext cx="2279542" cy="679257"/>
-          </a:xfrm>
-          <a:prstGeom prst="rect">
-            <a:avLst/>
-          </a:prstGeom>
-          <a:noFill/>
-        </p:spPr>
-      </p:pic>
-      <p:sp>
-        <p:nvSpPr>
-          <p:cNvPr id="11" name="Rectangle 10"/>
-          <p:cNvSpPr/>
-          <p:nvPr/>
-        </p:nvSpPr>
-        <p:spPr>
-          <a:xfrm>
-            <a:off x="330200" y="2819400"/>
-            <a:ext cx="12344400" cy="5262979"/>
-          </a:xfrm>
-          <a:prstGeom prst="rect">
-            <a:avLst/>
-          </a:prstGeom>
-          <a:ln>
-            <a:solidFill>
-              <a:schemeClr val="tx1"/>
-            </a:solidFill>
-            <a:prstDash val="dash"/>
-          </a:ln>
-        </p:spPr>
-        <p:txBody>
-          <a:bodyPr wrap="square">
-            <a:spAutoFit/>
-          </a:bodyPr>
-          <a:lstStyle/>
-          <a:p>
-            <a:r>
-              <a:rPr lang="en-US" sz="2800" b="1" dirty="0" smtClean="0">
-                <a:solidFill>
-                  <a:srgbClr val="7F0055"/>
-                </a:solidFill>
-                <a:latin typeface="Courier New"/>
-              </a:rPr>
-              <a:t>object</a:t>
-            </a:r>
-            <a:r>
-              <a:rPr lang="en-US" sz="2800" b="1" dirty="0" smtClean="0">
-                <a:latin typeface="Courier New"/>
-              </a:rPr>
-              <a:t> </a:t>
-            </a:r>
-            <a:r>
-              <a:rPr lang="en-US" sz="2800" b="1" dirty="0" err="1" smtClean="0">
-                <a:latin typeface="Courier New"/>
-              </a:rPr>
-              <a:t>DBContext</a:t>
-            </a:r>
-            <a:r>
-              <a:rPr lang="en-US" sz="2800" b="1" dirty="0" smtClean="0">
-                <a:latin typeface="Courier New"/>
-              </a:rPr>
-              <a:t> </a:t>
-            </a:r>
-            <a:r>
-              <a:rPr lang="en-US" sz="2800" b="1" dirty="0" smtClean="0">
-                <a:solidFill>
-                  <a:srgbClr val="7F0055"/>
-                </a:solidFill>
-                <a:latin typeface="Courier New"/>
-              </a:rPr>
-              <a:t>extends</a:t>
-            </a:r>
-            <a:r>
-              <a:rPr lang="en-US" sz="2800" b="1" dirty="0" smtClean="0">
-                <a:latin typeface="Courier New"/>
-              </a:rPr>
-              <a:t> Specification {</a:t>
-            </a:r>
-          </a:p>
-          <a:p>
-            <a:r>
-              <a:rPr lang="en-US" sz="2800" dirty="0" smtClean="0">
-                <a:latin typeface="Courier New"/>
-              </a:rPr>
-              <a:t>  </a:t>
-            </a:r>
-            <a:r>
-              <a:rPr lang="en-US" sz="2800" b="1" dirty="0" smtClean="0">
-                <a:solidFill>
-                  <a:srgbClr val="7F0055"/>
-                </a:solidFill>
-                <a:latin typeface="Courier New"/>
-              </a:rPr>
-              <a:t>val</a:t>
-            </a:r>
-            <a:r>
-              <a:rPr lang="en-US" sz="2800" b="1" dirty="0" smtClean="0">
-                <a:latin typeface="Courier New"/>
-              </a:rPr>
-              <a:t> setup = </a:t>
-            </a:r>
-            <a:r>
-              <a:rPr lang="en-US" sz="2800" b="1" dirty="0" smtClean="0">
-                <a:solidFill>
-                  <a:srgbClr val="7F0055"/>
-                </a:solidFill>
-                <a:latin typeface="Courier New"/>
-              </a:rPr>
-              <a:t>new</a:t>
-            </a:r>
-            <a:r>
-              <a:rPr lang="en-US" sz="2800" b="1" dirty="0" smtClean="0">
-                <a:latin typeface="Courier New"/>
-              </a:rPr>
-              <a:t> </a:t>
-            </a:r>
-            <a:r>
-              <a:rPr lang="en-US" sz="2800" b="1" dirty="0" err="1" smtClean="0">
-                <a:latin typeface="Courier New"/>
-              </a:rPr>
-              <a:t>SpecContext</a:t>
-            </a:r>
-            <a:r>
-              <a:rPr lang="en-US" sz="2800" b="1" dirty="0" smtClean="0">
-                <a:latin typeface="Courier New"/>
-              </a:rPr>
-              <a:t> {</a:t>
-            </a:r>
-          </a:p>
-          <a:p>
-            <a:r>
-              <a:rPr lang="en-US" sz="2800" dirty="0" smtClean="0">
-                <a:latin typeface="Courier New"/>
-              </a:rPr>
-              <a:t>    </a:t>
-            </a:r>
-            <a:r>
-              <a:rPr lang="en-US" sz="2800" dirty="0" err="1" smtClean="0">
-                <a:latin typeface="Courier New"/>
-              </a:rPr>
-              <a:t>beforeExample</a:t>
-            </a:r>
-            <a:r>
-              <a:rPr lang="en-US" sz="2800" dirty="0" smtClean="0">
-                <a:latin typeface="Courier New"/>
-              </a:rPr>
-              <a:t>(</a:t>
-            </a:r>
-            <a:r>
-              <a:rPr lang="en-US" sz="2800" dirty="0" err="1" smtClean="0">
-                <a:latin typeface="Courier New"/>
-              </a:rPr>
-              <a:t>deleteUsersTable</a:t>
-            </a:r>
-            <a:r>
-              <a:rPr lang="en-US" sz="2800" dirty="0" smtClean="0">
-                <a:latin typeface="Courier New"/>
-              </a:rPr>
-              <a:t>)</a:t>
-            </a:r>
-          </a:p>
-          <a:p>
-            <a:r>
-              <a:rPr lang="en-US" sz="2800" dirty="0" smtClean="0">
-                <a:latin typeface="Courier New"/>
-              </a:rPr>
-              <a:t>    </a:t>
-            </a:r>
-            <a:r>
-              <a:rPr lang="en-US" sz="2800" dirty="0" err="1" smtClean="0">
-                <a:latin typeface="Courier New"/>
-              </a:rPr>
-              <a:t>aroundExpectations</a:t>
-            </a:r>
-            <a:r>
-              <a:rPr lang="en-US" sz="2800" dirty="0" smtClean="0">
-                <a:latin typeface="Courier New"/>
-              </a:rPr>
-              <a:t>(</a:t>
-            </a:r>
-            <a:r>
-              <a:rPr lang="en-US" sz="2800" dirty="0" err="1" smtClean="0">
-                <a:latin typeface="Courier New"/>
-              </a:rPr>
-              <a:t>inDatabaseSession</a:t>
-            </a:r>
-            <a:r>
-              <a:rPr lang="en-US" sz="2800" dirty="0" smtClean="0">
-                <a:latin typeface="Courier New"/>
-              </a:rPr>
-              <a:t>(_)) </a:t>
-            </a:r>
-          </a:p>
-          <a:p>
-            <a:r>
-              <a:rPr la